--- a/JavaLecture/LectureFile/java 9강 상속과super.pptx
+++ b/JavaLecture/LectureFile/java 9강 상속과super.pptx
@@ -22,11 +22,11 @@
     <p:sldId id="616" r:id="rId13"/>
     <p:sldId id="619" r:id="rId14"/>
     <p:sldId id="617" r:id="rId15"/>
-    <p:sldId id="618" r:id="rId16"/>
-    <p:sldId id="620" r:id="rId17"/>
-    <p:sldId id="623" r:id="rId18"/>
-    <p:sldId id="625" r:id="rId19"/>
-    <p:sldId id="621" r:id="rId20"/>
+    <p:sldId id="621" r:id="rId16"/>
+    <p:sldId id="618" r:id="rId17"/>
+    <p:sldId id="620" r:id="rId18"/>
+    <p:sldId id="623" r:id="rId19"/>
+    <p:sldId id="625" r:id="rId20"/>
     <p:sldId id="622" r:id="rId21"/>
     <p:sldId id="626" r:id="rId22"/>
     <p:sldId id="627" r:id="rId23"/>
@@ -264,7 +264,7 @@
           <a:p>
             <a:fld id="{D79F2C30-10E1-4C46-91DC-BBDB9629E720}" type="datetimeFigureOut">
               <a:rPr lang="ko-KR" altLang="en-US" smtClean="0"/>
-              <a:t>2023-02-26</a:t>
+              <a:t>2023-03-01</a:t>
             </a:fld>
             <a:endParaRPr lang="ko-KR" altLang="en-US"/>
           </a:p>
@@ -962,7 +962,7 @@
           <a:p>
             <a:fld id="{F8166F1F-CE9B-4651-A6AA-CD717754106B}" type="datetimeFigureOut">
               <a:rPr lang="en-US" smtClean="0"/>
-              <a:t>2/26/2023</a:t>
+              <a:t>3/1/2023</a:t>
             </a:fld>
             <a:endParaRPr lang="en-US"/>
           </a:p>
@@ -1125,7 +1125,7 @@
           <a:p>
             <a:fld id="{A76116CE-C4A3-4A05-B2D7-7C2E9A889C0F}" type="datetimeFigureOut">
               <a:rPr lang="en-US" smtClean="0"/>
-              <a:t>2/26/2023</a:t>
+              <a:t>3/1/2023</a:t>
             </a:fld>
             <a:endParaRPr lang="en-US"/>
           </a:p>
@@ -1298,7 +1298,7 @@
           <a:p>
             <a:fld id="{A76116CE-C4A3-4A05-B2D7-7C2E9A889C0F}" type="datetimeFigureOut">
               <a:rPr lang="en-US" smtClean="0"/>
-              <a:t>2/26/2023</a:t>
+              <a:t>3/1/2023</a:t>
             </a:fld>
             <a:endParaRPr lang="en-US"/>
           </a:p>
@@ -1463,7 +1463,7 @@
           <a:p>
             <a:fld id="{A76116CE-C4A3-4A05-B2D7-7C2E9A889C0F}" type="datetimeFigureOut">
               <a:rPr lang="en-US" smtClean="0"/>
-              <a:t>2/26/2023</a:t>
+              <a:t>3/1/2023</a:t>
             </a:fld>
             <a:endParaRPr lang="en-US"/>
           </a:p>
@@ -1703,7 +1703,7 @@
           <a:p>
             <a:fld id="{A76116CE-C4A3-4A05-B2D7-7C2E9A889C0F}" type="datetimeFigureOut">
               <a:rPr lang="en-US" smtClean="0"/>
-              <a:t>2/26/2023</a:t>
+              <a:t>3/1/2023</a:t>
             </a:fld>
             <a:endParaRPr lang="en-US"/>
           </a:p>
@@ -1983,7 +1983,7 @@
           <a:p>
             <a:fld id="{A76116CE-C4A3-4A05-B2D7-7C2E9A889C0F}" type="datetimeFigureOut">
               <a:rPr lang="en-US" smtClean="0"/>
-              <a:t>2/26/2023</a:t>
+              <a:t>3/1/2023</a:t>
             </a:fld>
             <a:endParaRPr lang="en-US"/>
           </a:p>
@@ -2397,7 +2397,7 @@
           <a:p>
             <a:fld id="{A76116CE-C4A3-4A05-B2D7-7C2E9A889C0F}" type="datetimeFigureOut">
               <a:rPr lang="en-US" smtClean="0"/>
-              <a:t>2/26/2023</a:t>
+              <a:t>3/1/2023</a:t>
             </a:fld>
             <a:endParaRPr lang="en-US"/>
           </a:p>
@@ -2509,7 +2509,7 @@
           <a:p>
             <a:fld id="{A76116CE-C4A3-4A05-B2D7-7C2E9A889C0F}" type="datetimeFigureOut">
               <a:rPr lang="en-US" smtClean="0"/>
-              <a:t>2/26/2023</a:t>
+              <a:t>3/1/2023</a:t>
             </a:fld>
             <a:endParaRPr lang="en-US"/>
           </a:p>
@@ -2599,7 +2599,7 @@
           <a:p>
             <a:fld id="{A76116CE-C4A3-4A05-B2D7-7C2E9A889C0F}" type="datetimeFigureOut">
               <a:rPr lang="en-US" smtClean="0"/>
-              <a:t>2/26/2023</a:t>
+              <a:t>3/1/2023</a:t>
             </a:fld>
             <a:endParaRPr lang="en-US"/>
           </a:p>
@@ -2869,7 +2869,7 @@
           <a:p>
             <a:fld id="{A76116CE-C4A3-4A05-B2D7-7C2E9A889C0F}" type="datetimeFigureOut">
               <a:rPr lang="en-US" smtClean="0"/>
-              <a:t>2/26/2023</a:t>
+              <a:t>3/1/2023</a:t>
             </a:fld>
             <a:endParaRPr lang="en-US"/>
           </a:p>
@@ -3116,7 +3116,7 @@
           <a:p>
             <a:fld id="{A76116CE-C4A3-4A05-B2D7-7C2E9A889C0F}" type="datetimeFigureOut">
               <a:rPr lang="en-US" smtClean="0"/>
-              <a:t>2/26/2023</a:t>
+              <a:t>3/1/2023</a:t>
             </a:fld>
             <a:endParaRPr lang="en-US"/>
           </a:p>
@@ -3322,7 +3322,7 @@
           <a:p>
             <a:fld id="{F8166F1F-CE9B-4651-A6AA-CD717754106B}" type="datetimeFigureOut">
               <a:rPr lang="en-US" smtClean="0"/>
-              <a:t>2/26/2023</a:t>
+              <a:t>3/1/2023</a:t>
             </a:fld>
             <a:endParaRPr lang="en-US"/>
           </a:p>
@@ -3978,7 +3978,7 @@
           <p:cNvPr id="2" name="TextBox 1">
             <a:extLst>
               <a:ext uri="{FF2B5EF4-FFF2-40B4-BE49-F238E27FC236}">
-                <a16:creationId xmlns="" xmlns:a16="http://schemas.microsoft.com/office/drawing/2014/main" id="{E9A453A8-9968-67AB-7B4A-83EEB4662AA6}"/>
+                <a16:creationId xmlns:a16="http://schemas.microsoft.com/office/drawing/2014/main" xmlns="" id="{E9A453A8-9968-67AB-7B4A-83EEB4662AA6}"/>
               </a:ext>
             </a:extLst>
           </p:cNvPr>
@@ -4026,7 +4026,7 @@
           <p:cNvPr id="4" name="TextBox 3">
             <a:extLst>
               <a:ext uri="{FF2B5EF4-FFF2-40B4-BE49-F238E27FC236}">
-                <a16:creationId xmlns="" xmlns:a16="http://schemas.microsoft.com/office/drawing/2014/main" id="{F4B7A35A-8AAC-4622-64BC-CAD1472D4115}"/>
+                <a16:creationId xmlns:a16="http://schemas.microsoft.com/office/drawing/2014/main" xmlns="" id="{F4B7A35A-8AAC-4622-64BC-CAD1472D4115}"/>
               </a:ext>
             </a:extLst>
           </p:cNvPr>
@@ -4098,7 +4098,7 @@
           <p:cNvPr id="7" name="TextBox 6">
             <a:extLst>
               <a:ext uri="{FF2B5EF4-FFF2-40B4-BE49-F238E27FC236}">
-                <a16:creationId xmlns="" xmlns:a16="http://schemas.microsoft.com/office/drawing/2014/main" id="{3ACE900A-D779-4343-6623-8588B376F0A1}"/>
+                <a16:creationId xmlns:a16="http://schemas.microsoft.com/office/drawing/2014/main" xmlns="" id="{3ACE900A-D779-4343-6623-8588B376F0A1}"/>
               </a:ext>
             </a:extLst>
           </p:cNvPr>
@@ -4234,7 +4234,7 @@
           <p:cNvPr id="7" name="직선 화살표 연결선 6">
             <a:extLst>
               <a:ext uri="{FF2B5EF4-FFF2-40B4-BE49-F238E27FC236}">
-                <a16:creationId xmlns="" xmlns:a16="http://schemas.microsoft.com/office/drawing/2014/main" id="{299DF5EC-9DF4-5255-06AC-0A7CE4FF58C3}"/>
+                <a16:creationId xmlns:a16="http://schemas.microsoft.com/office/drawing/2014/main" xmlns="" id="{299DF5EC-9DF4-5255-06AC-0A7CE4FF58C3}"/>
               </a:ext>
             </a:extLst>
           </p:cNvPr>
@@ -4275,7 +4275,7 @@
           <p:cNvPr id="8" name="TextBox 7">
             <a:extLst>
               <a:ext uri="{FF2B5EF4-FFF2-40B4-BE49-F238E27FC236}">
-                <a16:creationId xmlns="" xmlns:a16="http://schemas.microsoft.com/office/drawing/2014/main" id="{C6D113C6-EA5C-788F-0C77-E7CE6EBB865F}"/>
+                <a16:creationId xmlns:a16="http://schemas.microsoft.com/office/drawing/2014/main" xmlns="" id="{C6D113C6-EA5C-788F-0C77-E7CE6EBB865F}"/>
               </a:ext>
             </a:extLst>
           </p:cNvPr>
@@ -4612,7 +4612,7 @@
           <p:cNvPr id="6" name="직선 화살표 연결선 5">
             <a:extLst>
               <a:ext uri="{FF2B5EF4-FFF2-40B4-BE49-F238E27FC236}">
-                <a16:creationId xmlns="" xmlns:a16="http://schemas.microsoft.com/office/drawing/2014/main" id="{299DF5EC-9DF4-5255-06AC-0A7CE4FF58C3}"/>
+                <a16:creationId xmlns:a16="http://schemas.microsoft.com/office/drawing/2014/main" xmlns="" id="{299DF5EC-9DF4-5255-06AC-0A7CE4FF58C3}"/>
               </a:ext>
             </a:extLst>
           </p:cNvPr>
@@ -4653,7 +4653,7 @@
           <p:cNvPr id="7" name="TextBox 6">
             <a:extLst>
               <a:ext uri="{FF2B5EF4-FFF2-40B4-BE49-F238E27FC236}">
-                <a16:creationId xmlns="" xmlns:a16="http://schemas.microsoft.com/office/drawing/2014/main" id="{C6D113C6-EA5C-788F-0C77-E7CE6EBB865F}"/>
+                <a16:creationId xmlns:a16="http://schemas.microsoft.com/office/drawing/2014/main" xmlns="" id="{C6D113C6-EA5C-788F-0C77-E7CE6EBB865F}"/>
               </a:ext>
             </a:extLst>
           </p:cNvPr>
@@ -4765,7 +4765,7 @@
           <p:cNvPr id="5" name="TextBox 4">
             <a:extLst>
               <a:ext uri="{FF2B5EF4-FFF2-40B4-BE49-F238E27FC236}">
-                <a16:creationId xmlns="" xmlns:a16="http://schemas.microsoft.com/office/drawing/2014/main" id="{C6D113C6-EA5C-788F-0C77-E7CE6EBB865F}"/>
+                <a16:creationId xmlns:a16="http://schemas.microsoft.com/office/drawing/2014/main" xmlns="" id="{C6D113C6-EA5C-788F-0C77-E7CE6EBB865F}"/>
               </a:ext>
             </a:extLst>
           </p:cNvPr>
@@ -4846,7 +4846,7 @@
           <p:cNvPr id="4" name="TextBox 3">
             <a:extLst>
               <a:ext uri="{FF2B5EF4-FFF2-40B4-BE49-F238E27FC236}">
-                <a16:creationId xmlns="" xmlns:a16="http://schemas.microsoft.com/office/drawing/2014/main" id="{5ADC00B6-990A-40DC-3CEA-505258F5E8DA}"/>
+                <a16:creationId xmlns:a16="http://schemas.microsoft.com/office/drawing/2014/main" xmlns="" id="{5ADC00B6-990A-40DC-3CEA-505258F5E8DA}"/>
               </a:ext>
             </a:extLst>
           </p:cNvPr>
@@ -4944,7 +4944,7 @@
           <p:cNvPr id="4" name="TextBox 3">
             <a:extLst>
               <a:ext uri="{FF2B5EF4-FFF2-40B4-BE49-F238E27FC236}">
-                <a16:creationId xmlns="" xmlns:a16="http://schemas.microsoft.com/office/drawing/2014/main" id="{C6D113C6-EA5C-788F-0C77-E7CE6EBB865F}"/>
+                <a16:creationId xmlns:a16="http://schemas.microsoft.com/office/drawing/2014/main" xmlns="" id="{C6D113C6-EA5C-788F-0C77-E7CE6EBB865F}"/>
               </a:ext>
             </a:extLst>
           </p:cNvPr>
@@ -5104,7 +5104,303 @@
           <p:cNvPr id="4" name="TextBox 3">
             <a:extLst>
               <a:ext uri="{FF2B5EF4-FFF2-40B4-BE49-F238E27FC236}">
-                <a16:creationId xmlns="" xmlns:a16="http://schemas.microsoft.com/office/drawing/2014/main" id="{5ADC00B6-990A-40DC-3CEA-505258F5E8DA}"/>
+                <a16:creationId xmlns:a16="http://schemas.microsoft.com/office/drawing/2014/main" xmlns="" id="{5ADC00B6-990A-40DC-3CEA-505258F5E8DA}"/>
+              </a:ext>
+            </a:extLst>
+          </p:cNvPr>
+          <p:cNvSpPr txBox="1"/>
+          <p:nvPr/>
+        </p:nvSpPr>
+        <p:spPr>
+          <a:xfrm>
+            <a:off x="1143000" y="647700"/>
+            <a:ext cx="2971800" cy="830997"/>
+          </a:xfrm>
+          <a:prstGeom prst="rect">
+            <a:avLst/>
+          </a:prstGeom>
+          <a:noFill/>
+        </p:spPr>
+        <p:txBody>
+          <a:bodyPr wrap="square" rtlCol="0">
+            <a:spAutoFit/>
+          </a:bodyPr>
+          <a:lstStyle/>
+          <a:p>
+            <a:r>
+              <a:rPr lang="ko-KR" altLang="en-US" sz="4800">
+                <a:solidFill>
+                  <a:srgbClr val="4C50BC"/>
+                </a:solidFill>
+                <a:latin typeface="G마켓 산스 Medium" panose="02000000000000000000" pitchFamily="50" charset="-127"/>
+                <a:ea typeface="G마켓 산스 Medium" panose="02000000000000000000" pitchFamily="50" charset="-127"/>
+              </a:rPr>
+              <a:t>단일상속</a:t>
+            </a:r>
+            <a:endParaRPr lang="en-US" altLang="ko-KR" sz="4800" dirty="0">
+              <a:solidFill>
+                <a:srgbClr val="4C50BC"/>
+              </a:solidFill>
+              <a:latin typeface="G마켓 산스 Medium" panose="02000000000000000000" pitchFamily="50" charset="-127"/>
+              <a:ea typeface="G마켓 산스 Medium" panose="02000000000000000000" pitchFamily="50" charset="-127"/>
+            </a:endParaRPr>
+          </a:p>
+        </p:txBody>
+      </p:sp>
+      <p:pic>
+        <p:nvPicPr>
+          <p:cNvPr id="5" name="그림 4"/>
+          <p:cNvPicPr>
+            <a:picLocks noChangeAspect="1"/>
+          </p:cNvPicPr>
+          <p:nvPr/>
+        </p:nvPicPr>
+        <p:blipFill>
+          <a:blip r:embed="rId2"/>
+          <a:stretch>
+            <a:fillRect/>
+          </a:stretch>
+        </p:blipFill>
+        <p:spPr>
+          <a:xfrm>
+            <a:off x="1219199" y="1714500"/>
+            <a:ext cx="6826087" cy="3581400"/>
+          </a:xfrm>
+          <a:prstGeom prst="rect">
+            <a:avLst/>
+          </a:prstGeom>
+        </p:spPr>
+      </p:pic>
+      <p:cxnSp>
+        <p:nvCxnSpPr>
+          <p:cNvPr id="6" name="직선 화살표 연결선 5">
+            <a:extLst>
+              <a:ext uri="{FF2B5EF4-FFF2-40B4-BE49-F238E27FC236}">
+                <a16:creationId xmlns:a16="http://schemas.microsoft.com/office/drawing/2014/main" xmlns="" id="{299DF5EC-9DF4-5255-06AC-0A7CE4FF58C3}"/>
+              </a:ext>
+            </a:extLst>
+          </p:cNvPr>
+          <p:cNvCxnSpPr>
+            <a:cxnSpLocks/>
+          </p:cNvCxnSpPr>
+          <p:nvPr/>
+        </p:nvCxnSpPr>
+        <p:spPr>
+          <a:xfrm flipH="1">
+            <a:off x="5181600" y="2324100"/>
+            <a:ext cx="1676400" cy="5257800"/>
+          </a:xfrm>
+          <a:prstGeom prst="straightConnector1">
+            <a:avLst/>
+          </a:prstGeom>
+          <a:ln w="38100">
+            <a:tailEnd type="triangle"/>
+          </a:ln>
+        </p:spPr>
+        <p:style>
+          <a:lnRef idx="1">
+            <a:schemeClr val="accent2"/>
+          </a:lnRef>
+          <a:fillRef idx="0">
+            <a:schemeClr val="accent2"/>
+          </a:fillRef>
+          <a:effectRef idx="0">
+            <a:schemeClr val="accent2"/>
+          </a:effectRef>
+          <a:fontRef idx="minor">
+            <a:schemeClr val="tx1"/>
+          </a:fontRef>
+        </p:style>
+      </p:cxnSp>
+      <p:sp>
+        <p:nvSpPr>
+          <p:cNvPr id="7" name="TextBox 6">
+            <a:extLst>
+              <a:ext uri="{FF2B5EF4-FFF2-40B4-BE49-F238E27FC236}">
+                <a16:creationId xmlns:a16="http://schemas.microsoft.com/office/drawing/2014/main" xmlns="" id="{C6D113C6-EA5C-788F-0C77-E7CE6EBB865F}"/>
+              </a:ext>
+            </a:extLst>
+          </p:cNvPr>
+          <p:cNvSpPr txBox="1"/>
+          <p:nvPr/>
+        </p:nvSpPr>
+        <p:spPr>
+          <a:xfrm>
+            <a:off x="1371600" y="7623517"/>
+            <a:ext cx="12801600" cy="707886"/>
+          </a:xfrm>
+          <a:prstGeom prst="rect">
+            <a:avLst/>
+          </a:prstGeom>
+          <a:noFill/>
+        </p:spPr>
+        <p:txBody>
+          <a:bodyPr wrap="square" rtlCol="0">
+            <a:spAutoFit/>
+          </a:bodyPr>
+          <a:lstStyle/>
+          <a:p>
+            <a:r>
+              <a:rPr lang="ko-KR" altLang="en-US" sz="4000">
+                <a:solidFill>
+                  <a:srgbClr val="FF0000"/>
+                </a:solidFill>
+                <a:latin typeface="G마켓 산스 Medium" panose="02000000000000000000" pitchFamily="50" charset="-127"/>
+                <a:ea typeface="G마켓 산스 Medium" panose="02000000000000000000" pitchFamily="50" charset="-127"/>
+              </a:rPr>
+              <a:t>자바는 복잡한 클래스관계를 막기 위해 다중 상속 안됨</a:t>
+            </a:r>
+            <a:endParaRPr lang="en-US" altLang="ko-KR" sz="4000" dirty="0">
+              <a:solidFill>
+                <a:srgbClr val="FF0000"/>
+              </a:solidFill>
+              <a:latin typeface="G마켓 산스 Medium" panose="02000000000000000000" pitchFamily="50" charset="-127"/>
+              <a:ea typeface="G마켓 산스 Medium" panose="02000000000000000000" pitchFamily="50" charset="-127"/>
+            </a:endParaRPr>
+          </a:p>
+        </p:txBody>
+      </p:sp>
+    </p:spTree>
+    <p:extLst>
+      <p:ext uri="{BB962C8B-B14F-4D97-AF65-F5344CB8AC3E}">
+        <p14:creationId xmlns:p14="http://schemas.microsoft.com/office/powerpoint/2010/main" val="625588947"/>
+      </p:ext>
+    </p:extLst>
+  </p:cSld>
+  <p:clrMapOvr>
+    <a:masterClrMapping/>
+  </p:clrMapOvr>
+  <p:timing>
+    <p:tnLst>
+      <p:par>
+        <p:cTn id="1" dur="indefinite" restart="never" nodeType="tmRoot">
+          <p:childTnLst>
+            <p:seq concurrent="1" nextAc="seek">
+              <p:cTn id="2" dur="indefinite" nodeType="mainSeq">
+                <p:childTnLst>
+                  <p:par>
+                    <p:cTn id="3" fill="hold">
+                      <p:stCondLst>
+                        <p:cond delay="indefinite"/>
+                      </p:stCondLst>
+                      <p:childTnLst>
+                        <p:par>
+                          <p:cTn id="4" fill="hold">
+                            <p:stCondLst>
+                              <p:cond delay="0"/>
+                            </p:stCondLst>
+                            <p:childTnLst>
+                              <p:par>
+                                <p:cTn id="5" presetID="1" presetClass="entr" presetSubtype="0" fill="hold" nodeType="clickEffect">
+                                  <p:stCondLst>
+                                    <p:cond delay="0"/>
+                                  </p:stCondLst>
+                                  <p:childTnLst>
+                                    <p:set>
+                                      <p:cBhvr>
+                                        <p:cTn id="6" dur="1" fill="hold">
+                                          <p:stCondLst>
+                                            <p:cond delay="0"/>
+                                          </p:stCondLst>
+                                        </p:cTn>
+                                        <p:tgtEl>
+                                          <p:spTgt spid="6"/>
+                                        </p:tgtEl>
+                                        <p:attrNameLst>
+                                          <p:attrName>style.visibility</p:attrName>
+                                        </p:attrNameLst>
+                                      </p:cBhvr>
+                                      <p:to>
+                                        <p:strVal val="visible"/>
+                                      </p:to>
+                                    </p:set>
+                                  </p:childTnLst>
+                                </p:cTn>
+                              </p:par>
+                              <p:par>
+                                <p:cTn id="7" presetID="1" presetClass="entr" presetSubtype="0" fill="hold" grpId="0" nodeType="withEffect">
+                                  <p:stCondLst>
+                                    <p:cond delay="0"/>
+                                  </p:stCondLst>
+                                  <p:childTnLst>
+                                    <p:set>
+                                      <p:cBhvr>
+                                        <p:cTn id="8" dur="1" fill="hold">
+                                          <p:stCondLst>
+                                            <p:cond delay="0"/>
+                                          </p:stCondLst>
+                                        </p:cTn>
+                                        <p:tgtEl>
+                                          <p:spTgt spid="7"/>
+                                        </p:tgtEl>
+                                        <p:attrNameLst>
+                                          <p:attrName>style.visibility</p:attrName>
+                                        </p:attrNameLst>
+                                      </p:cBhvr>
+                                      <p:to>
+                                        <p:strVal val="visible"/>
+                                      </p:to>
+                                    </p:set>
+                                  </p:childTnLst>
+                                </p:cTn>
+                              </p:par>
+                            </p:childTnLst>
+                          </p:cTn>
+                        </p:par>
+                      </p:childTnLst>
+                    </p:cTn>
+                  </p:par>
+                </p:childTnLst>
+              </p:cTn>
+              <p:prevCondLst>
+                <p:cond evt="onPrev" delay="0">
+                  <p:tgtEl>
+                    <p:sldTgt/>
+                  </p:tgtEl>
+                </p:cond>
+              </p:prevCondLst>
+              <p:nextCondLst>
+                <p:cond evt="onNext" delay="0">
+                  <p:tgtEl>
+                    <p:sldTgt/>
+                  </p:tgtEl>
+                </p:cond>
+              </p:nextCondLst>
+            </p:seq>
+          </p:childTnLst>
+        </p:cTn>
+      </p:par>
+    </p:tnLst>
+    <p:bldLst>
+      <p:bldP spid="7" grpId="0"/>
+    </p:bldLst>
+  </p:timing>
+</p:sld>
+</file>
+
+<file path=ppt/slides/slide16.xml><?xml version="1.0" encoding="utf-8"?>
+<p:sld xmlns:a="http://schemas.openxmlformats.org/drawingml/2006/main" xmlns:r="http://schemas.openxmlformats.org/officeDocument/2006/relationships" xmlns:p="http://schemas.openxmlformats.org/presentationml/2006/main">
+  <p:cSld>
+    <p:spTree>
+      <p:nvGrpSpPr>
+        <p:cNvPr id="1" name=""/>
+        <p:cNvGrpSpPr/>
+        <p:nvPr/>
+      </p:nvGrpSpPr>
+      <p:grpSpPr>
+        <a:xfrm>
+          <a:off x="0" y="0"/>
+          <a:ext cx="0" cy="0"/>
+          <a:chOff x="0" y="0"/>
+          <a:chExt cx="0" cy="0"/>
+        </a:xfrm>
+      </p:grpSpPr>
+      <p:sp>
+        <p:nvSpPr>
+          <p:cNvPr id="4" name="TextBox 3">
+            <a:extLst>
+              <a:ext uri="{FF2B5EF4-FFF2-40B4-BE49-F238E27FC236}">
+                <a16:creationId xmlns:a16="http://schemas.microsoft.com/office/drawing/2014/main" xmlns="" id="{5ADC00B6-990A-40DC-3CEA-505258F5E8DA}"/>
               </a:ext>
             </a:extLst>
           </p:cNvPr>
@@ -5162,7 +5458,7 @@
           <p:cNvPr id="5" name="TextBox 4">
             <a:extLst>
               <a:ext uri="{FF2B5EF4-FFF2-40B4-BE49-F238E27FC236}">
-                <a16:creationId xmlns="" xmlns:a16="http://schemas.microsoft.com/office/drawing/2014/main" id="{A2AD056B-97A4-5BCC-4460-250160F3E171}"/>
+                <a16:creationId xmlns:a16="http://schemas.microsoft.com/office/drawing/2014/main" xmlns="" id="{A2AD056B-97A4-5BCC-4460-250160F3E171}"/>
               </a:ext>
             </a:extLst>
           </p:cNvPr>
@@ -5320,7 +5616,7 @@
           <p:cNvPr id="6" name="그룹 1015">
             <a:extLst>
               <a:ext uri="{FF2B5EF4-FFF2-40B4-BE49-F238E27FC236}">
-                <a16:creationId xmlns="" xmlns:a16="http://schemas.microsoft.com/office/drawing/2014/main" id="{76F5E01D-ECD6-A51D-DC2B-05DA1EBF93C7}"/>
+                <a16:creationId xmlns:a16="http://schemas.microsoft.com/office/drawing/2014/main" xmlns="" id="{76F5E01D-ECD6-A51D-DC2B-05DA1EBF93C7}"/>
               </a:ext>
             </a:extLst>
           </p:cNvPr>
@@ -5340,7 +5636,7 @@
             <p:cNvPr id="7" name="Object 52">
               <a:extLst>
                 <a:ext uri="{FF2B5EF4-FFF2-40B4-BE49-F238E27FC236}">
-                  <a16:creationId xmlns="" xmlns:a16="http://schemas.microsoft.com/office/drawing/2014/main" id="{D83975B3-46BC-7686-ECA1-1D7ECFA74A69}"/>
+                  <a16:creationId xmlns:a16="http://schemas.microsoft.com/office/drawing/2014/main" xmlns="" id="{D83975B3-46BC-7686-ECA1-1D7ECFA74A69}"/>
                 </a:ext>
               </a:extLst>
             </p:cNvPr>
@@ -5371,7 +5667,7 @@
           <p:cNvPr id="8" name="그룹 1018">
             <a:extLst>
               <a:ext uri="{FF2B5EF4-FFF2-40B4-BE49-F238E27FC236}">
-                <a16:creationId xmlns="" xmlns:a16="http://schemas.microsoft.com/office/drawing/2014/main" id="{008489BA-FEFA-DE7D-B3CD-53A358B82592}"/>
+                <a16:creationId xmlns:a16="http://schemas.microsoft.com/office/drawing/2014/main" xmlns="" id="{008489BA-FEFA-DE7D-B3CD-53A358B82592}"/>
               </a:ext>
             </a:extLst>
           </p:cNvPr>
@@ -5391,7 +5687,7 @@
             <p:cNvPr id="9" name="Object 61">
               <a:extLst>
                 <a:ext uri="{FF2B5EF4-FFF2-40B4-BE49-F238E27FC236}">
-                  <a16:creationId xmlns="" xmlns:a16="http://schemas.microsoft.com/office/drawing/2014/main" id="{9ED25BE3-45BE-AC6D-D835-4457854D2832}"/>
+                  <a16:creationId xmlns:a16="http://schemas.microsoft.com/office/drawing/2014/main" xmlns="" id="{9ED25BE3-45BE-AC6D-D835-4457854D2832}"/>
                 </a:ext>
               </a:extLst>
             </p:cNvPr>
@@ -5422,7 +5718,7 @@
           <p:cNvPr id="10" name="그룹 1021">
             <a:extLst>
               <a:ext uri="{FF2B5EF4-FFF2-40B4-BE49-F238E27FC236}">
-                <a16:creationId xmlns="" xmlns:a16="http://schemas.microsoft.com/office/drawing/2014/main" id="{7FE0C0A1-ABE4-F0EA-AFC1-4622C45C99E7}"/>
+                <a16:creationId xmlns:a16="http://schemas.microsoft.com/office/drawing/2014/main" xmlns="" id="{7FE0C0A1-ABE4-F0EA-AFC1-4622C45C99E7}"/>
               </a:ext>
             </a:extLst>
           </p:cNvPr>
@@ -5442,7 +5738,7 @@
             <p:cNvPr id="11" name="Object 71">
               <a:extLst>
                 <a:ext uri="{FF2B5EF4-FFF2-40B4-BE49-F238E27FC236}">
-                  <a16:creationId xmlns="" xmlns:a16="http://schemas.microsoft.com/office/drawing/2014/main" id="{CDBB7D83-509F-9F4C-0C3E-DBA2562E5520}"/>
+                  <a16:creationId xmlns:a16="http://schemas.microsoft.com/office/drawing/2014/main" xmlns="" id="{CDBB7D83-509F-9F4C-0C3E-DBA2562E5520}"/>
                 </a:ext>
               </a:extLst>
             </p:cNvPr>
@@ -5473,7 +5769,7 @@
           <p:cNvPr id="12" name="그룹 1024">
             <a:extLst>
               <a:ext uri="{FF2B5EF4-FFF2-40B4-BE49-F238E27FC236}">
-                <a16:creationId xmlns="" xmlns:a16="http://schemas.microsoft.com/office/drawing/2014/main" id="{8EB1611F-852C-9617-AEEB-CFA38FFF8001}"/>
+                <a16:creationId xmlns:a16="http://schemas.microsoft.com/office/drawing/2014/main" xmlns="" id="{8EB1611F-852C-9617-AEEB-CFA38FFF8001}"/>
               </a:ext>
             </a:extLst>
           </p:cNvPr>
@@ -5493,7 +5789,7 @@
             <p:cNvPr id="13" name="Object 81">
               <a:extLst>
                 <a:ext uri="{FF2B5EF4-FFF2-40B4-BE49-F238E27FC236}">
-                  <a16:creationId xmlns="" xmlns:a16="http://schemas.microsoft.com/office/drawing/2014/main" id="{08657582-A0DF-A5DC-A662-189C639920C8}"/>
+                  <a16:creationId xmlns:a16="http://schemas.microsoft.com/office/drawing/2014/main" xmlns="" id="{08657582-A0DF-A5DC-A662-189C639920C8}"/>
                 </a:ext>
               </a:extLst>
             </p:cNvPr>
@@ -5524,7 +5820,7 @@
           <p:cNvPr id="14" name="TextBox 13">
             <a:extLst>
               <a:ext uri="{FF2B5EF4-FFF2-40B4-BE49-F238E27FC236}">
-                <a16:creationId xmlns="" xmlns:a16="http://schemas.microsoft.com/office/drawing/2014/main" id="{FC41B7B2-904B-813A-22B8-239E383F4360}"/>
+                <a16:creationId xmlns:a16="http://schemas.microsoft.com/office/drawing/2014/main" xmlns="" id="{FC41B7B2-904B-813A-22B8-239E383F4360}"/>
               </a:ext>
             </a:extLst>
           </p:cNvPr>
@@ -5572,7 +5868,7 @@
           <p:cNvPr id="15" name="TextBox 14">
             <a:extLst>
               <a:ext uri="{FF2B5EF4-FFF2-40B4-BE49-F238E27FC236}">
-                <a16:creationId xmlns="" xmlns:a16="http://schemas.microsoft.com/office/drawing/2014/main" id="{F68B80B8-3419-5C31-B2F2-084E536A2C1C}"/>
+                <a16:creationId xmlns:a16="http://schemas.microsoft.com/office/drawing/2014/main" xmlns="" id="{F68B80B8-3419-5C31-B2F2-084E536A2C1C}"/>
               </a:ext>
             </a:extLst>
           </p:cNvPr>
@@ -5620,7 +5916,7 @@
           <p:cNvPr id="16" name="TextBox 15">
             <a:extLst>
               <a:ext uri="{FF2B5EF4-FFF2-40B4-BE49-F238E27FC236}">
-                <a16:creationId xmlns="" xmlns:a16="http://schemas.microsoft.com/office/drawing/2014/main" id="{CB471B39-052C-65D2-3069-C74FA7421876}"/>
+                <a16:creationId xmlns:a16="http://schemas.microsoft.com/office/drawing/2014/main" xmlns="" id="{CB471B39-052C-65D2-3069-C74FA7421876}"/>
               </a:ext>
             </a:extLst>
           </p:cNvPr>
@@ -5668,7 +5964,7 @@
           <p:cNvPr id="17" name="TextBox 16">
             <a:extLst>
               <a:ext uri="{FF2B5EF4-FFF2-40B4-BE49-F238E27FC236}">
-                <a16:creationId xmlns="" xmlns:a16="http://schemas.microsoft.com/office/drawing/2014/main" id="{4A7E270B-9322-EABD-3A34-4D211B23AD38}"/>
+                <a16:creationId xmlns:a16="http://schemas.microsoft.com/office/drawing/2014/main" xmlns="" id="{4A7E270B-9322-EABD-3A34-4D211B23AD38}"/>
               </a:ext>
             </a:extLst>
           </p:cNvPr>
@@ -5716,7 +6012,7 @@
           <p:cNvPr id="18" name="직선 화살표 연결선 17">
             <a:extLst>
               <a:ext uri="{FF2B5EF4-FFF2-40B4-BE49-F238E27FC236}">
-                <a16:creationId xmlns="" xmlns:a16="http://schemas.microsoft.com/office/drawing/2014/main" id="{174A1CAB-41DB-CBE5-A53E-D1E78982E7D5}"/>
+                <a16:creationId xmlns:a16="http://schemas.microsoft.com/office/drawing/2014/main" xmlns="" id="{174A1CAB-41DB-CBE5-A53E-D1E78982E7D5}"/>
               </a:ext>
             </a:extLst>
           </p:cNvPr>
@@ -5758,7 +6054,7 @@
           <p:cNvPr id="19" name="직선 화살표 연결선 18">
             <a:extLst>
               <a:ext uri="{FF2B5EF4-FFF2-40B4-BE49-F238E27FC236}">
-                <a16:creationId xmlns="" xmlns:a16="http://schemas.microsoft.com/office/drawing/2014/main" id="{404BE807-8974-325D-28CE-80CBD5A23FD9}"/>
+                <a16:creationId xmlns:a16="http://schemas.microsoft.com/office/drawing/2014/main" xmlns="" id="{404BE807-8974-325D-28CE-80CBD5A23FD9}"/>
               </a:ext>
             </a:extLst>
           </p:cNvPr>
@@ -5799,7 +6095,7 @@
           <p:cNvPr id="20" name="직선 화살표 연결선 19">
             <a:extLst>
               <a:ext uri="{FF2B5EF4-FFF2-40B4-BE49-F238E27FC236}">
-                <a16:creationId xmlns="" xmlns:a16="http://schemas.microsoft.com/office/drawing/2014/main" id="{8238D4B2-69F6-F17A-0286-66A8FB197956}"/>
+                <a16:creationId xmlns:a16="http://schemas.microsoft.com/office/drawing/2014/main" xmlns="" id="{8238D4B2-69F6-F17A-0286-66A8FB197956}"/>
               </a:ext>
             </a:extLst>
           </p:cNvPr>
@@ -5841,7 +6137,7 @@
           <p:cNvPr id="21" name="직선 화살표 연결선 20">
             <a:extLst>
               <a:ext uri="{FF2B5EF4-FFF2-40B4-BE49-F238E27FC236}">
-                <a16:creationId xmlns="" xmlns:a16="http://schemas.microsoft.com/office/drawing/2014/main" id="{404BE807-8974-325D-28CE-80CBD5A23FD9}"/>
+                <a16:creationId xmlns:a16="http://schemas.microsoft.com/office/drawing/2014/main" xmlns="" id="{404BE807-8974-325D-28CE-80CBD5A23FD9}"/>
               </a:ext>
             </a:extLst>
           </p:cNvPr>
@@ -5882,7 +6178,7 @@
           <p:cNvPr id="22" name="그룹 1021">
             <a:extLst>
               <a:ext uri="{FF2B5EF4-FFF2-40B4-BE49-F238E27FC236}">
-                <a16:creationId xmlns="" xmlns:a16="http://schemas.microsoft.com/office/drawing/2014/main" id="{7FE0C0A1-ABE4-F0EA-AFC1-4622C45C99E7}"/>
+                <a16:creationId xmlns:a16="http://schemas.microsoft.com/office/drawing/2014/main" xmlns="" id="{7FE0C0A1-ABE4-F0EA-AFC1-4622C45C99E7}"/>
               </a:ext>
             </a:extLst>
           </p:cNvPr>
@@ -5902,7 +6198,7 @@
             <p:cNvPr id="23" name="Object 71">
               <a:extLst>
                 <a:ext uri="{FF2B5EF4-FFF2-40B4-BE49-F238E27FC236}">
-                  <a16:creationId xmlns="" xmlns:a16="http://schemas.microsoft.com/office/drawing/2014/main" id="{CDBB7D83-509F-9F4C-0C3E-DBA2562E5520}"/>
+                  <a16:creationId xmlns:a16="http://schemas.microsoft.com/office/drawing/2014/main" xmlns="" id="{CDBB7D83-509F-9F4C-0C3E-DBA2562E5520}"/>
                 </a:ext>
               </a:extLst>
             </p:cNvPr>
@@ -5933,7 +6229,7 @@
           <p:cNvPr id="24" name="TextBox 23">
             <a:extLst>
               <a:ext uri="{FF2B5EF4-FFF2-40B4-BE49-F238E27FC236}">
-                <a16:creationId xmlns="" xmlns:a16="http://schemas.microsoft.com/office/drawing/2014/main" id="{CB471B39-052C-65D2-3069-C74FA7421876}"/>
+                <a16:creationId xmlns:a16="http://schemas.microsoft.com/office/drawing/2014/main" xmlns="" id="{CB471B39-052C-65D2-3069-C74FA7421876}"/>
               </a:ext>
             </a:extLst>
           </p:cNvPr>
@@ -6509,7 +6805,7 @@
 </p:sld>
 </file>
 
-<file path=ppt/slides/slide16.xml><?xml version="1.0" encoding="utf-8"?>
+<file path=ppt/slides/slide17.xml><?xml version="1.0" encoding="utf-8"?>
 <p:sld xmlns:a="http://schemas.openxmlformats.org/drawingml/2006/main" xmlns:r="http://schemas.openxmlformats.org/officeDocument/2006/relationships" xmlns:p="http://schemas.openxmlformats.org/presentationml/2006/main">
   <p:cSld>
     <p:spTree>
@@ -6603,7 +6899,7 @@
           <p:cNvPr id="8" name="직선 화살표 연결선 7">
             <a:extLst>
               <a:ext uri="{FF2B5EF4-FFF2-40B4-BE49-F238E27FC236}">
-                <a16:creationId xmlns="" xmlns:a16="http://schemas.microsoft.com/office/drawing/2014/main" id="{299DF5EC-9DF4-5255-06AC-0A7CE4FF58C3}"/>
+                <a16:creationId xmlns:a16="http://schemas.microsoft.com/office/drawing/2014/main" xmlns="" id="{299DF5EC-9DF4-5255-06AC-0A7CE4FF58C3}"/>
               </a:ext>
             </a:extLst>
           </p:cNvPr>
@@ -6644,7 +6940,7 @@
           <p:cNvPr id="9" name="직사각형 8">
             <a:extLst>
               <a:ext uri="{FF2B5EF4-FFF2-40B4-BE49-F238E27FC236}">
-                <a16:creationId xmlns="" xmlns:a16="http://schemas.microsoft.com/office/drawing/2014/main" id="{FFF506F9-840A-0508-4CAF-3AC711D8D5CE}"/>
+                <a16:creationId xmlns:a16="http://schemas.microsoft.com/office/drawing/2014/main" xmlns="" id="{FFF506F9-840A-0508-4CAF-3AC711D8D5CE}"/>
               </a:ext>
             </a:extLst>
           </p:cNvPr>
@@ -6696,7 +6992,7 @@
           <p:cNvPr id="10" name="TextBox 9">
             <a:extLst>
               <a:ext uri="{FF2B5EF4-FFF2-40B4-BE49-F238E27FC236}">
-                <a16:creationId xmlns="" xmlns:a16="http://schemas.microsoft.com/office/drawing/2014/main" id="{C6D113C6-EA5C-788F-0C77-E7CE6EBB865F}"/>
+                <a16:creationId xmlns:a16="http://schemas.microsoft.com/office/drawing/2014/main" xmlns="" id="{C6D113C6-EA5C-788F-0C77-E7CE6EBB865F}"/>
               </a:ext>
             </a:extLst>
           </p:cNvPr>
@@ -6744,7 +7040,7 @@
           <p:cNvPr id="12" name="직선 화살표 연결선 11">
             <a:extLst>
               <a:ext uri="{FF2B5EF4-FFF2-40B4-BE49-F238E27FC236}">
-                <a16:creationId xmlns="" xmlns:a16="http://schemas.microsoft.com/office/drawing/2014/main" id="{299DF5EC-9DF4-5255-06AC-0A7CE4FF58C3}"/>
+                <a16:creationId xmlns:a16="http://schemas.microsoft.com/office/drawing/2014/main" xmlns="" id="{299DF5EC-9DF4-5255-06AC-0A7CE4FF58C3}"/>
               </a:ext>
             </a:extLst>
           </p:cNvPr>
@@ -6785,7 +7081,7 @@
           <p:cNvPr id="13" name="직사각형 12">
             <a:extLst>
               <a:ext uri="{FF2B5EF4-FFF2-40B4-BE49-F238E27FC236}">
-                <a16:creationId xmlns="" xmlns:a16="http://schemas.microsoft.com/office/drawing/2014/main" id="{FFF506F9-840A-0508-4CAF-3AC711D8D5CE}"/>
+                <a16:creationId xmlns:a16="http://schemas.microsoft.com/office/drawing/2014/main" xmlns="" id="{FFF506F9-840A-0508-4CAF-3AC711D8D5CE}"/>
               </a:ext>
             </a:extLst>
           </p:cNvPr>
@@ -6837,7 +7133,7 @@
           <p:cNvPr id="14" name="TextBox 13">
             <a:extLst>
               <a:ext uri="{FF2B5EF4-FFF2-40B4-BE49-F238E27FC236}">
-                <a16:creationId xmlns="" xmlns:a16="http://schemas.microsoft.com/office/drawing/2014/main" id="{C6D113C6-EA5C-788F-0C77-E7CE6EBB865F}"/>
+                <a16:creationId xmlns:a16="http://schemas.microsoft.com/office/drawing/2014/main" xmlns="" id="{C6D113C6-EA5C-788F-0C77-E7CE6EBB865F}"/>
               </a:ext>
             </a:extLst>
           </p:cNvPr>
@@ -6885,7 +7181,7 @@
           <p:cNvPr id="15" name="직사각형 14">
             <a:extLst>
               <a:ext uri="{FF2B5EF4-FFF2-40B4-BE49-F238E27FC236}">
-                <a16:creationId xmlns="" xmlns:a16="http://schemas.microsoft.com/office/drawing/2014/main" id="{FFF506F9-840A-0508-4CAF-3AC711D8D5CE}"/>
+                <a16:creationId xmlns:a16="http://schemas.microsoft.com/office/drawing/2014/main" xmlns="" id="{FFF506F9-840A-0508-4CAF-3AC711D8D5CE}"/>
               </a:ext>
             </a:extLst>
           </p:cNvPr>
@@ -6937,7 +7233,7 @@
           <p:cNvPr id="16" name="직선 화살표 연결선 15">
             <a:extLst>
               <a:ext uri="{FF2B5EF4-FFF2-40B4-BE49-F238E27FC236}">
-                <a16:creationId xmlns="" xmlns:a16="http://schemas.microsoft.com/office/drawing/2014/main" id="{299DF5EC-9DF4-5255-06AC-0A7CE4FF58C3}"/>
+                <a16:creationId xmlns:a16="http://schemas.microsoft.com/office/drawing/2014/main" xmlns="" id="{299DF5EC-9DF4-5255-06AC-0A7CE4FF58C3}"/>
               </a:ext>
             </a:extLst>
           </p:cNvPr>
@@ -6978,7 +7274,7 @@
           <p:cNvPr id="17" name="TextBox 16">
             <a:extLst>
               <a:ext uri="{FF2B5EF4-FFF2-40B4-BE49-F238E27FC236}">
-                <a16:creationId xmlns="" xmlns:a16="http://schemas.microsoft.com/office/drawing/2014/main" id="{C6D113C6-EA5C-788F-0C77-E7CE6EBB865F}"/>
+                <a16:creationId xmlns:a16="http://schemas.microsoft.com/office/drawing/2014/main" xmlns="" id="{C6D113C6-EA5C-788F-0C77-E7CE6EBB865F}"/>
               </a:ext>
             </a:extLst>
           </p:cNvPr>
@@ -7026,7 +7322,7 @@
           <p:cNvPr id="18" name="TextBox 17">
             <a:extLst>
               <a:ext uri="{FF2B5EF4-FFF2-40B4-BE49-F238E27FC236}">
-                <a16:creationId xmlns="" xmlns:a16="http://schemas.microsoft.com/office/drawing/2014/main" id="{5ADC00B6-990A-40DC-3CEA-505258F5E8DA}"/>
+                <a16:creationId xmlns:a16="http://schemas.microsoft.com/office/drawing/2014/main" xmlns="" id="{5ADC00B6-990A-40DC-3CEA-505258F5E8DA}"/>
               </a:ext>
             </a:extLst>
           </p:cNvPr>
@@ -7408,7 +7704,7 @@
 </p:sld>
 </file>
 
-<file path=ppt/slides/slide17.xml><?xml version="1.0" encoding="utf-8"?>
+<file path=ppt/slides/slide18.xml><?xml version="1.0" encoding="utf-8"?>
 <p:sld xmlns:a="http://schemas.openxmlformats.org/drawingml/2006/main" xmlns:r="http://schemas.openxmlformats.org/officeDocument/2006/relationships" xmlns:p="http://schemas.openxmlformats.org/presentationml/2006/main">
   <p:cSld>
     <p:spTree>
@@ -7526,7 +7822,7 @@
           <p:cNvPr id="8" name="TextBox 7">
             <a:extLst>
               <a:ext uri="{FF2B5EF4-FFF2-40B4-BE49-F238E27FC236}">
-                <a16:creationId xmlns="" xmlns:a16="http://schemas.microsoft.com/office/drawing/2014/main" id="{5ADC00B6-990A-40DC-3CEA-505258F5E8DA}"/>
+                <a16:creationId xmlns:a16="http://schemas.microsoft.com/office/drawing/2014/main" xmlns="" id="{5ADC00B6-990A-40DC-3CEA-505258F5E8DA}"/>
               </a:ext>
             </a:extLst>
           </p:cNvPr>
@@ -7747,7 +8043,7 @@
 </p:sld>
 </file>
 
-<file path=ppt/slides/slide18.xml><?xml version="1.0" encoding="utf-8"?>
+<file path=ppt/slides/slide19.xml><?xml version="1.0" encoding="utf-8"?>
 <p:sld xmlns:a="http://schemas.openxmlformats.org/drawingml/2006/main" xmlns:r="http://schemas.openxmlformats.org/officeDocument/2006/relationships" xmlns:p="http://schemas.openxmlformats.org/presentationml/2006/main">
   <p:cSld>
     <p:spTree>
@@ -7900,302 +8196,6 @@
 </p:sld>
 </file>
 
-<file path=ppt/slides/slide19.xml><?xml version="1.0" encoding="utf-8"?>
-<p:sld xmlns:a="http://schemas.openxmlformats.org/drawingml/2006/main" xmlns:r="http://schemas.openxmlformats.org/officeDocument/2006/relationships" xmlns:p="http://schemas.openxmlformats.org/presentationml/2006/main">
-  <p:cSld>
-    <p:spTree>
-      <p:nvGrpSpPr>
-        <p:cNvPr id="1" name=""/>
-        <p:cNvGrpSpPr/>
-        <p:nvPr/>
-      </p:nvGrpSpPr>
-      <p:grpSpPr>
-        <a:xfrm>
-          <a:off x="0" y="0"/>
-          <a:ext cx="0" cy="0"/>
-          <a:chOff x="0" y="0"/>
-          <a:chExt cx="0" cy="0"/>
-        </a:xfrm>
-      </p:grpSpPr>
-      <p:sp>
-        <p:nvSpPr>
-          <p:cNvPr id="4" name="TextBox 3">
-            <a:extLst>
-              <a:ext uri="{FF2B5EF4-FFF2-40B4-BE49-F238E27FC236}">
-                <a16:creationId xmlns="" xmlns:a16="http://schemas.microsoft.com/office/drawing/2014/main" id="{5ADC00B6-990A-40DC-3CEA-505258F5E8DA}"/>
-              </a:ext>
-            </a:extLst>
-          </p:cNvPr>
-          <p:cNvSpPr txBox="1"/>
-          <p:nvPr/>
-        </p:nvSpPr>
-        <p:spPr>
-          <a:xfrm>
-            <a:off x="1143000" y="647700"/>
-            <a:ext cx="2971800" cy="830997"/>
-          </a:xfrm>
-          <a:prstGeom prst="rect">
-            <a:avLst/>
-          </a:prstGeom>
-          <a:noFill/>
-        </p:spPr>
-        <p:txBody>
-          <a:bodyPr wrap="square" rtlCol="0">
-            <a:spAutoFit/>
-          </a:bodyPr>
-          <a:lstStyle/>
-          <a:p>
-            <a:r>
-              <a:rPr lang="ko-KR" altLang="en-US" sz="4800">
-                <a:solidFill>
-                  <a:srgbClr val="4C50BC"/>
-                </a:solidFill>
-                <a:latin typeface="G마켓 산스 Medium" panose="02000000000000000000" pitchFamily="50" charset="-127"/>
-                <a:ea typeface="G마켓 산스 Medium" panose="02000000000000000000" pitchFamily="50" charset="-127"/>
-              </a:rPr>
-              <a:t>단일상속</a:t>
-            </a:r>
-            <a:endParaRPr lang="en-US" altLang="ko-KR" sz="4800" dirty="0">
-              <a:solidFill>
-                <a:srgbClr val="4C50BC"/>
-              </a:solidFill>
-              <a:latin typeface="G마켓 산스 Medium" panose="02000000000000000000" pitchFamily="50" charset="-127"/>
-              <a:ea typeface="G마켓 산스 Medium" panose="02000000000000000000" pitchFamily="50" charset="-127"/>
-            </a:endParaRPr>
-          </a:p>
-        </p:txBody>
-      </p:sp>
-      <p:pic>
-        <p:nvPicPr>
-          <p:cNvPr id="5" name="그림 4"/>
-          <p:cNvPicPr>
-            <a:picLocks noChangeAspect="1"/>
-          </p:cNvPicPr>
-          <p:nvPr/>
-        </p:nvPicPr>
-        <p:blipFill>
-          <a:blip r:embed="rId2"/>
-          <a:stretch>
-            <a:fillRect/>
-          </a:stretch>
-        </p:blipFill>
-        <p:spPr>
-          <a:xfrm>
-            <a:off x="1219199" y="1714500"/>
-            <a:ext cx="6826087" cy="3581400"/>
-          </a:xfrm>
-          <a:prstGeom prst="rect">
-            <a:avLst/>
-          </a:prstGeom>
-        </p:spPr>
-      </p:pic>
-      <p:cxnSp>
-        <p:nvCxnSpPr>
-          <p:cNvPr id="6" name="직선 화살표 연결선 5">
-            <a:extLst>
-              <a:ext uri="{FF2B5EF4-FFF2-40B4-BE49-F238E27FC236}">
-                <a16:creationId xmlns="" xmlns:a16="http://schemas.microsoft.com/office/drawing/2014/main" id="{299DF5EC-9DF4-5255-06AC-0A7CE4FF58C3}"/>
-              </a:ext>
-            </a:extLst>
-          </p:cNvPr>
-          <p:cNvCxnSpPr>
-            <a:cxnSpLocks/>
-          </p:cNvCxnSpPr>
-          <p:nvPr/>
-        </p:nvCxnSpPr>
-        <p:spPr>
-          <a:xfrm flipH="1">
-            <a:off x="5181600" y="2324100"/>
-            <a:ext cx="1676400" cy="5257800"/>
-          </a:xfrm>
-          <a:prstGeom prst="straightConnector1">
-            <a:avLst/>
-          </a:prstGeom>
-          <a:ln w="38100">
-            <a:tailEnd type="triangle"/>
-          </a:ln>
-        </p:spPr>
-        <p:style>
-          <a:lnRef idx="1">
-            <a:schemeClr val="accent2"/>
-          </a:lnRef>
-          <a:fillRef idx="0">
-            <a:schemeClr val="accent2"/>
-          </a:fillRef>
-          <a:effectRef idx="0">
-            <a:schemeClr val="accent2"/>
-          </a:effectRef>
-          <a:fontRef idx="minor">
-            <a:schemeClr val="tx1"/>
-          </a:fontRef>
-        </p:style>
-      </p:cxnSp>
-      <p:sp>
-        <p:nvSpPr>
-          <p:cNvPr id="7" name="TextBox 6">
-            <a:extLst>
-              <a:ext uri="{FF2B5EF4-FFF2-40B4-BE49-F238E27FC236}">
-                <a16:creationId xmlns="" xmlns:a16="http://schemas.microsoft.com/office/drawing/2014/main" id="{C6D113C6-EA5C-788F-0C77-E7CE6EBB865F}"/>
-              </a:ext>
-            </a:extLst>
-          </p:cNvPr>
-          <p:cNvSpPr txBox="1"/>
-          <p:nvPr/>
-        </p:nvSpPr>
-        <p:spPr>
-          <a:xfrm>
-            <a:off x="1371600" y="7623517"/>
-            <a:ext cx="12801600" cy="707886"/>
-          </a:xfrm>
-          <a:prstGeom prst="rect">
-            <a:avLst/>
-          </a:prstGeom>
-          <a:noFill/>
-        </p:spPr>
-        <p:txBody>
-          <a:bodyPr wrap="square" rtlCol="0">
-            <a:spAutoFit/>
-          </a:bodyPr>
-          <a:lstStyle/>
-          <a:p>
-            <a:r>
-              <a:rPr lang="ko-KR" altLang="en-US" sz="4000">
-                <a:solidFill>
-                  <a:srgbClr val="FF0000"/>
-                </a:solidFill>
-                <a:latin typeface="G마켓 산스 Medium" panose="02000000000000000000" pitchFamily="50" charset="-127"/>
-                <a:ea typeface="G마켓 산스 Medium" panose="02000000000000000000" pitchFamily="50" charset="-127"/>
-              </a:rPr>
-              <a:t>자바는 복잡한 클래스관계를 막기 위해 다중 상속 안됨</a:t>
-            </a:r>
-            <a:endParaRPr lang="en-US" altLang="ko-KR" sz="4000" dirty="0">
-              <a:solidFill>
-                <a:srgbClr val="FF0000"/>
-              </a:solidFill>
-              <a:latin typeface="G마켓 산스 Medium" panose="02000000000000000000" pitchFamily="50" charset="-127"/>
-              <a:ea typeface="G마켓 산스 Medium" panose="02000000000000000000" pitchFamily="50" charset="-127"/>
-            </a:endParaRPr>
-          </a:p>
-        </p:txBody>
-      </p:sp>
-    </p:spTree>
-    <p:extLst>
-      <p:ext uri="{BB962C8B-B14F-4D97-AF65-F5344CB8AC3E}">
-        <p14:creationId xmlns:p14="http://schemas.microsoft.com/office/powerpoint/2010/main" val="625588947"/>
-      </p:ext>
-    </p:extLst>
-  </p:cSld>
-  <p:clrMapOvr>
-    <a:masterClrMapping/>
-  </p:clrMapOvr>
-  <p:timing>
-    <p:tnLst>
-      <p:par>
-        <p:cTn id="1" dur="indefinite" restart="never" nodeType="tmRoot">
-          <p:childTnLst>
-            <p:seq concurrent="1" nextAc="seek">
-              <p:cTn id="2" dur="indefinite" nodeType="mainSeq">
-                <p:childTnLst>
-                  <p:par>
-                    <p:cTn id="3" fill="hold">
-                      <p:stCondLst>
-                        <p:cond delay="indefinite"/>
-                      </p:stCondLst>
-                      <p:childTnLst>
-                        <p:par>
-                          <p:cTn id="4" fill="hold">
-                            <p:stCondLst>
-                              <p:cond delay="0"/>
-                            </p:stCondLst>
-                            <p:childTnLst>
-                              <p:par>
-                                <p:cTn id="5" presetID="1" presetClass="entr" presetSubtype="0" fill="hold" nodeType="clickEffect">
-                                  <p:stCondLst>
-                                    <p:cond delay="0"/>
-                                  </p:stCondLst>
-                                  <p:childTnLst>
-                                    <p:set>
-                                      <p:cBhvr>
-                                        <p:cTn id="6" dur="1" fill="hold">
-                                          <p:stCondLst>
-                                            <p:cond delay="0"/>
-                                          </p:stCondLst>
-                                        </p:cTn>
-                                        <p:tgtEl>
-                                          <p:spTgt spid="6"/>
-                                        </p:tgtEl>
-                                        <p:attrNameLst>
-                                          <p:attrName>style.visibility</p:attrName>
-                                        </p:attrNameLst>
-                                      </p:cBhvr>
-                                      <p:to>
-                                        <p:strVal val="visible"/>
-                                      </p:to>
-                                    </p:set>
-                                  </p:childTnLst>
-                                </p:cTn>
-                              </p:par>
-                              <p:par>
-                                <p:cTn id="7" presetID="1" presetClass="entr" presetSubtype="0" fill="hold" grpId="0" nodeType="withEffect">
-                                  <p:stCondLst>
-                                    <p:cond delay="0"/>
-                                  </p:stCondLst>
-                                  <p:childTnLst>
-                                    <p:set>
-                                      <p:cBhvr>
-                                        <p:cTn id="8" dur="1" fill="hold">
-                                          <p:stCondLst>
-                                            <p:cond delay="0"/>
-                                          </p:stCondLst>
-                                        </p:cTn>
-                                        <p:tgtEl>
-                                          <p:spTgt spid="7"/>
-                                        </p:tgtEl>
-                                        <p:attrNameLst>
-                                          <p:attrName>style.visibility</p:attrName>
-                                        </p:attrNameLst>
-                                      </p:cBhvr>
-                                      <p:to>
-                                        <p:strVal val="visible"/>
-                                      </p:to>
-                                    </p:set>
-                                  </p:childTnLst>
-                                </p:cTn>
-                              </p:par>
-                            </p:childTnLst>
-                          </p:cTn>
-                        </p:par>
-                      </p:childTnLst>
-                    </p:cTn>
-                  </p:par>
-                </p:childTnLst>
-              </p:cTn>
-              <p:prevCondLst>
-                <p:cond evt="onPrev" delay="0">
-                  <p:tgtEl>
-                    <p:sldTgt/>
-                  </p:tgtEl>
-                </p:cond>
-              </p:prevCondLst>
-              <p:nextCondLst>
-                <p:cond evt="onNext" delay="0">
-                  <p:tgtEl>
-                    <p:sldTgt/>
-                  </p:tgtEl>
-                </p:cond>
-              </p:nextCondLst>
-            </p:seq>
-          </p:childTnLst>
-        </p:cTn>
-      </p:par>
-    </p:tnLst>
-    <p:bldLst>
-      <p:bldP spid="7" grpId="0"/>
-    </p:bldLst>
-  </p:timing>
-</p:sld>
-</file>
-
 <file path=ppt/slides/slide2.xml><?xml version="1.0" encoding="utf-8"?>
 <p:sld xmlns:a="http://schemas.openxmlformats.org/drawingml/2006/main" xmlns:r="http://schemas.openxmlformats.org/officeDocument/2006/relationships" xmlns:p="http://schemas.openxmlformats.org/presentationml/2006/main">
   <p:cSld name="Slide 3">
@@ -8391,7 +8391,7 @@
           <p:cNvPr id="11" name="TextBox 10">
             <a:extLst>
               <a:ext uri="{FF2B5EF4-FFF2-40B4-BE49-F238E27FC236}">
-                <a16:creationId xmlns="" xmlns:a16="http://schemas.microsoft.com/office/drawing/2014/main" id="{9F88F580-08BE-88C2-D640-13F0026591CB}"/>
+                <a16:creationId xmlns:a16="http://schemas.microsoft.com/office/drawing/2014/main" xmlns="" id="{9F88F580-08BE-88C2-D640-13F0026591CB}"/>
               </a:ext>
             </a:extLst>
           </p:cNvPr>
@@ -8459,7 +8459,7 @@
           <p:cNvPr id="13" name="TextBox 12">
             <a:extLst>
               <a:ext uri="{FF2B5EF4-FFF2-40B4-BE49-F238E27FC236}">
-                <a16:creationId xmlns="" xmlns:a16="http://schemas.microsoft.com/office/drawing/2014/main" id="{72769C28-9BB6-DE9C-7B6F-264B77B8DD0E}"/>
+                <a16:creationId xmlns:a16="http://schemas.microsoft.com/office/drawing/2014/main" xmlns="" id="{72769C28-9BB6-DE9C-7B6F-264B77B8DD0E}"/>
               </a:ext>
             </a:extLst>
           </p:cNvPr>
@@ -8507,7 +8507,7 @@
           <p:cNvPr id="14" name="TextBox 13">
             <a:extLst>
               <a:ext uri="{FF2B5EF4-FFF2-40B4-BE49-F238E27FC236}">
-                <a16:creationId xmlns="" xmlns:a16="http://schemas.microsoft.com/office/drawing/2014/main" id="{270FBB6A-01CE-5637-78DA-58F0C974145C}"/>
+                <a16:creationId xmlns:a16="http://schemas.microsoft.com/office/drawing/2014/main" xmlns="" id="{270FBB6A-01CE-5637-78DA-58F0C974145C}"/>
               </a:ext>
             </a:extLst>
           </p:cNvPr>
@@ -8555,7 +8555,7 @@
           <p:cNvPr id="2" name="Object 17">
             <a:extLst>
               <a:ext uri="{FF2B5EF4-FFF2-40B4-BE49-F238E27FC236}">
-                <a16:creationId xmlns="" xmlns:a16="http://schemas.microsoft.com/office/drawing/2014/main" id="{140B283D-FE58-FA6F-6F7C-E0F1DBB62A65}"/>
+                <a16:creationId xmlns:a16="http://schemas.microsoft.com/office/drawing/2014/main" xmlns="" id="{140B283D-FE58-FA6F-6F7C-E0F1DBB62A65}"/>
               </a:ext>
             </a:extLst>
           </p:cNvPr>
@@ -8585,7 +8585,7 @@
           <p:cNvPr id="4" name="TextBox 3">
             <a:extLst>
               <a:ext uri="{FF2B5EF4-FFF2-40B4-BE49-F238E27FC236}">
-                <a16:creationId xmlns="" xmlns:a16="http://schemas.microsoft.com/office/drawing/2014/main" id="{2C8D0998-79BC-6FD2-59D9-8052B4A25F65}"/>
+                <a16:creationId xmlns:a16="http://schemas.microsoft.com/office/drawing/2014/main" xmlns="" id="{2C8D0998-79BC-6FD2-59D9-8052B4A25F65}"/>
               </a:ext>
             </a:extLst>
           </p:cNvPr>
@@ -8643,7 +8643,7 @@
           <p:cNvPr id="5" name="Object 18">
             <a:extLst>
               <a:ext uri="{FF2B5EF4-FFF2-40B4-BE49-F238E27FC236}">
-                <a16:creationId xmlns="" xmlns:a16="http://schemas.microsoft.com/office/drawing/2014/main" id="{3F58EA3E-1018-64D3-FAB2-4F6B9618FA56}"/>
+                <a16:creationId xmlns:a16="http://schemas.microsoft.com/office/drawing/2014/main" xmlns="" id="{3F58EA3E-1018-64D3-FAB2-4F6B9618FA56}"/>
               </a:ext>
             </a:extLst>
           </p:cNvPr>
@@ -8673,7 +8673,7 @@
           <p:cNvPr id="8" name="TextBox 7">
             <a:extLst>
               <a:ext uri="{FF2B5EF4-FFF2-40B4-BE49-F238E27FC236}">
-                <a16:creationId xmlns="" xmlns:a16="http://schemas.microsoft.com/office/drawing/2014/main" id="{681D3F16-7DCF-41AD-F5F1-0558C78C0E4D}"/>
+                <a16:creationId xmlns:a16="http://schemas.microsoft.com/office/drawing/2014/main" xmlns="" id="{681D3F16-7DCF-41AD-F5F1-0558C78C0E4D}"/>
               </a:ext>
             </a:extLst>
           </p:cNvPr>
@@ -8746,7 +8746,7 @@
           <p:cNvPr id="4" name="TextBox 3">
             <a:extLst>
               <a:ext uri="{FF2B5EF4-FFF2-40B4-BE49-F238E27FC236}">
-                <a16:creationId xmlns="" xmlns:a16="http://schemas.microsoft.com/office/drawing/2014/main" id="{5ADC00B6-990A-40DC-3CEA-505258F5E8DA}"/>
+                <a16:creationId xmlns:a16="http://schemas.microsoft.com/office/drawing/2014/main" xmlns="" id="{5ADC00B6-990A-40DC-3CEA-505258F5E8DA}"/>
               </a:ext>
             </a:extLst>
           </p:cNvPr>
@@ -8818,7 +8818,7 @@
           <p:cNvPr id="6" name="TextBox 5">
             <a:extLst>
               <a:ext uri="{FF2B5EF4-FFF2-40B4-BE49-F238E27FC236}">
-                <a16:creationId xmlns="" xmlns:a16="http://schemas.microsoft.com/office/drawing/2014/main" id="{C6D113C6-EA5C-788F-0C77-E7CE6EBB865F}"/>
+                <a16:creationId xmlns:a16="http://schemas.microsoft.com/office/drawing/2014/main" xmlns="" id="{C6D113C6-EA5C-788F-0C77-E7CE6EBB865F}"/>
               </a:ext>
             </a:extLst>
           </p:cNvPr>
@@ -9325,7 +9325,7 @@
           <p:cNvPr id="104" name="TextBox 103">
             <a:extLst>
               <a:ext uri="{FF2B5EF4-FFF2-40B4-BE49-F238E27FC236}">
-                <a16:creationId xmlns="" xmlns:a16="http://schemas.microsoft.com/office/drawing/2014/main" id="{5ADC00B6-990A-40DC-3CEA-505258F5E8DA}"/>
+                <a16:creationId xmlns:a16="http://schemas.microsoft.com/office/drawing/2014/main" xmlns="" id="{5ADC00B6-990A-40DC-3CEA-505258F5E8DA}"/>
               </a:ext>
             </a:extLst>
           </p:cNvPr>
@@ -9373,7 +9373,7 @@
           <p:cNvPr id="105" name="TextBox 104">
             <a:extLst>
               <a:ext uri="{FF2B5EF4-FFF2-40B4-BE49-F238E27FC236}">
-                <a16:creationId xmlns="" xmlns:a16="http://schemas.microsoft.com/office/drawing/2014/main" id="{5ADC00B6-990A-40DC-3CEA-505258F5E8DA}"/>
+                <a16:creationId xmlns:a16="http://schemas.microsoft.com/office/drawing/2014/main" xmlns="" id="{5ADC00B6-990A-40DC-3CEA-505258F5E8DA}"/>
               </a:ext>
             </a:extLst>
           </p:cNvPr>
@@ -9421,7 +9421,7 @@
           <p:cNvPr id="106" name="TextBox 105">
             <a:extLst>
               <a:ext uri="{FF2B5EF4-FFF2-40B4-BE49-F238E27FC236}">
-                <a16:creationId xmlns="" xmlns:a16="http://schemas.microsoft.com/office/drawing/2014/main" id="{A2AD056B-97A4-5BCC-4460-250160F3E171}"/>
+                <a16:creationId xmlns:a16="http://schemas.microsoft.com/office/drawing/2014/main" xmlns="" id="{A2AD056B-97A4-5BCC-4460-250160F3E171}"/>
               </a:ext>
             </a:extLst>
           </p:cNvPr>
@@ -9488,7 +9488,7 @@
           <p:cNvPr id="107" name="TextBox 106">
             <a:extLst>
               <a:ext uri="{FF2B5EF4-FFF2-40B4-BE49-F238E27FC236}">
-                <a16:creationId xmlns="" xmlns:a16="http://schemas.microsoft.com/office/drawing/2014/main" id="{A2AD056B-97A4-5BCC-4460-250160F3E171}"/>
+                <a16:creationId xmlns:a16="http://schemas.microsoft.com/office/drawing/2014/main" xmlns="" id="{A2AD056B-97A4-5BCC-4460-250160F3E171}"/>
               </a:ext>
             </a:extLst>
           </p:cNvPr>
@@ -9555,7 +9555,7 @@
           <p:cNvPr id="108" name="TextBox 107">
             <a:extLst>
               <a:ext uri="{FF2B5EF4-FFF2-40B4-BE49-F238E27FC236}">
-                <a16:creationId xmlns="" xmlns:a16="http://schemas.microsoft.com/office/drawing/2014/main" id="{A2AD056B-97A4-5BCC-4460-250160F3E171}"/>
+                <a16:creationId xmlns:a16="http://schemas.microsoft.com/office/drawing/2014/main" xmlns="" id="{A2AD056B-97A4-5BCC-4460-250160F3E171}"/>
               </a:ext>
             </a:extLst>
           </p:cNvPr>
@@ -9635,7 +9635,7 @@
           <p:cNvPr id="109" name="TextBox 108">
             <a:extLst>
               <a:ext uri="{FF2B5EF4-FFF2-40B4-BE49-F238E27FC236}">
-                <a16:creationId xmlns="" xmlns:a16="http://schemas.microsoft.com/office/drawing/2014/main" id="{A2AD056B-97A4-5BCC-4460-250160F3E171}"/>
+                <a16:creationId xmlns:a16="http://schemas.microsoft.com/office/drawing/2014/main" xmlns="" id="{A2AD056B-97A4-5BCC-4460-250160F3E171}"/>
               </a:ext>
             </a:extLst>
           </p:cNvPr>
@@ -9702,7 +9702,7 @@
           <p:cNvPr id="110" name="TextBox 109">
             <a:extLst>
               <a:ext uri="{FF2B5EF4-FFF2-40B4-BE49-F238E27FC236}">
-                <a16:creationId xmlns="" xmlns:a16="http://schemas.microsoft.com/office/drawing/2014/main" id="{A2AD056B-97A4-5BCC-4460-250160F3E171}"/>
+                <a16:creationId xmlns:a16="http://schemas.microsoft.com/office/drawing/2014/main" xmlns="" id="{A2AD056B-97A4-5BCC-4460-250160F3E171}"/>
               </a:ext>
             </a:extLst>
           </p:cNvPr>
@@ -9756,7 +9756,7 @@
           <p:cNvPr id="111" name="TextBox 110">
             <a:extLst>
               <a:ext uri="{FF2B5EF4-FFF2-40B4-BE49-F238E27FC236}">
-                <a16:creationId xmlns="" xmlns:a16="http://schemas.microsoft.com/office/drawing/2014/main" id="{A2AD056B-97A4-5BCC-4460-250160F3E171}"/>
+                <a16:creationId xmlns:a16="http://schemas.microsoft.com/office/drawing/2014/main" xmlns="" id="{A2AD056B-97A4-5BCC-4460-250160F3E171}"/>
               </a:ext>
             </a:extLst>
           </p:cNvPr>
@@ -9892,7 +9892,7 @@
           <p:cNvPr id="4" name="TextBox 3">
             <a:extLst>
               <a:ext uri="{FF2B5EF4-FFF2-40B4-BE49-F238E27FC236}">
-                <a16:creationId xmlns="" xmlns:a16="http://schemas.microsoft.com/office/drawing/2014/main" id="{5ADC00B6-990A-40DC-3CEA-505258F5E8DA}"/>
+                <a16:creationId xmlns:a16="http://schemas.microsoft.com/office/drawing/2014/main" xmlns="" id="{5ADC00B6-990A-40DC-3CEA-505258F5E8DA}"/>
               </a:ext>
             </a:extLst>
           </p:cNvPr>
@@ -9950,7 +9950,7 @@
           <p:cNvPr id="2" name="TextBox 1">
             <a:extLst>
               <a:ext uri="{FF2B5EF4-FFF2-40B4-BE49-F238E27FC236}">
-                <a16:creationId xmlns="" xmlns:a16="http://schemas.microsoft.com/office/drawing/2014/main" id="{4466AA1F-9098-4B5C-E98B-FF40B15DCDE3}"/>
+                <a16:creationId xmlns:a16="http://schemas.microsoft.com/office/drawing/2014/main" xmlns="" id="{4466AA1F-9098-4B5C-E98B-FF40B15DCDE3}"/>
               </a:ext>
             </a:extLst>
           </p:cNvPr>
@@ -10178,7 +10178,7 @@
           <p:cNvPr id="3" name="표 2">
             <a:extLst>
               <a:ext uri="{FF2B5EF4-FFF2-40B4-BE49-F238E27FC236}">
-                <a16:creationId xmlns="" xmlns:a16="http://schemas.microsoft.com/office/drawing/2014/main" id="{0C0DF24C-8313-95BE-E53E-12FD7E109C24}"/>
+                <a16:creationId xmlns:a16="http://schemas.microsoft.com/office/drawing/2014/main" xmlns="" id="{0C0DF24C-8313-95BE-E53E-12FD7E109C24}"/>
               </a:ext>
             </a:extLst>
           </p:cNvPr>
@@ -10207,21 +10207,21 @@
                 <a:gridCol w="1371600">
                   <a:extLst>
                     <a:ext uri="{9D8B030D-6E8A-4147-A177-3AD203B41FA5}">
-                      <a16:colId xmlns="" xmlns:a16="http://schemas.microsoft.com/office/drawing/2014/main" val="1278239369"/>
+                      <a16:colId xmlns:a16="http://schemas.microsoft.com/office/drawing/2014/main" xmlns="" val="1278239369"/>
                     </a:ext>
                   </a:extLst>
                 </a:gridCol>
                 <a:gridCol w="1981200">
                   <a:extLst>
                     <a:ext uri="{9D8B030D-6E8A-4147-A177-3AD203B41FA5}">
-                      <a16:colId xmlns="" xmlns:a16="http://schemas.microsoft.com/office/drawing/2014/main" val="1054292436"/>
+                      <a16:colId xmlns:a16="http://schemas.microsoft.com/office/drawing/2014/main" xmlns="" val="1054292436"/>
                     </a:ext>
                   </a:extLst>
                 </a:gridCol>
                 <a:gridCol w="2819400">
                   <a:extLst>
                     <a:ext uri="{9D8B030D-6E8A-4147-A177-3AD203B41FA5}">
-                      <a16:colId xmlns="" xmlns:a16="http://schemas.microsoft.com/office/drawing/2014/main" val="225730716"/>
+                      <a16:colId xmlns:a16="http://schemas.microsoft.com/office/drawing/2014/main" xmlns="" val="225730716"/>
                     </a:ext>
                   </a:extLst>
                 </a:gridCol>
@@ -10409,7 +10409,7 @@
                 </a:tc>
                 <a:extLst>
                   <a:ext uri="{0D108BD9-81ED-4DB2-BD59-A6C34878D82A}">
-                    <a16:rowId xmlns="" xmlns:a16="http://schemas.microsoft.com/office/drawing/2014/main" val="2654211035"/>
+                    <a16:rowId xmlns:a16="http://schemas.microsoft.com/office/drawing/2014/main" xmlns="" val="2654211035"/>
                   </a:ext>
                 </a:extLst>
               </a:tr>
@@ -10613,7 +10613,7 @@
                 </a:tc>
                 <a:extLst>
                   <a:ext uri="{0D108BD9-81ED-4DB2-BD59-A6C34878D82A}">
-                    <a16:rowId xmlns="" xmlns:a16="http://schemas.microsoft.com/office/drawing/2014/main" val="2013197181"/>
+                    <a16:rowId xmlns:a16="http://schemas.microsoft.com/office/drawing/2014/main" xmlns="" val="2013197181"/>
                   </a:ext>
                 </a:extLst>
               </a:tr>
@@ -10798,7 +10798,7 @@
                 </a:tc>
                 <a:extLst>
                   <a:ext uri="{0D108BD9-81ED-4DB2-BD59-A6C34878D82A}">
-                    <a16:rowId xmlns="" xmlns:a16="http://schemas.microsoft.com/office/drawing/2014/main" val="2280857763"/>
+                    <a16:rowId xmlns:a16="http://schemas.microsoft.com/office/drawing/2014/main" xmlns="" val="2280857763"/>
                   </a:ext>
                 </a:extLst>
               </a:tr>
@@ -10988,7 +10988,7 @@
                 </a:tc>
                 <a:extLst>
                   <a:ext uri="{0D108BD9-81ED-4DB2-BD59-A6C34878D82A}">
-                    <a16:rowId xmlns="" xmlns:a16="http://schemas.microsoft.com/office/drawing/2014/main" val="1463387718"/>
+                    <a16:rowId xmlns:a16="http://schemas.microsoft.com/office/drawing/2014/main" xmlns="" val="1463387718"/>
                   </a:ext>
                 </a:extLst>
               </a:tr>
@@ -11001,7 +11001,7 @@
           <p:cNvPr id="6" name="TextBox 5">
             <a:extLst>
               <a:ext uri="{FF2B5EF4-FFF2-40B4-BE49-F238E27FC236}">
-                <a16:creationId xmlns="" xmlns:a16="http://schemas.microsoft.com/office/drawing/2014/main" id="{54C72A80-3131-1BEE-91F5-8BB94F20F622}"/>
+                <a16:creationId xmlns:a16="http://schemas.microsoft.com/office/drawing/2014/main" xmlns="" id="{54C72A80-3131-1BEE-91F5-8BB94F20F622}"/>
               </a:ext>
             </a:extLst>
           </p:cNvPr>
@@ -11164,7 +11164,7 @@
           <p:cNvPr id="7" name="TextBox 6">
             <a:extLst>
               <a:ext uri="{FF2B5EF4-FFF2-40B4-BE49-F238E27FC236}">
-                <a16:creationId xmlns="" xmlns:a16="http://schemas.microsoft.com/office/drawing/2014/main" id="{977D0E5D-2B21-3701-B400-D1B6B86913C5}"/>
+                <a16:creationId xmlns:a16="http://schemas.microsoft.com/office/drawing/2014/main" xmlns="" id="{977D0E5D-2B21-3701-B400-D1B6B86913C5}"/>
               </a:ext>
             </a:extLst>
           </p:cNvPr>
@@ -11462,7 +11462,7 @@
           <p:cNvPr id="8" name="표 7">
             <a:extLst>
               <a:ext uri="{FF2B5EF4-FFF2-40B4-BE49-F238E27FC236}">
-                <a16:creationId xmlns="" xmlns:a16="http://schemas.microsoft.com/office/drawing/2014/main" id="{9BF22145-FC6D-D18A-3911-E9625B6CE794}"/>
+                <a16:creationId xmlns:a16="http://schemas.microsoft.com/office/drawing/2014/main" xmlns="" id="{9BF22145-FC6D-D18A-3911-E9625B6CE794}"/>
               </a:ext>
             </a:extLst>
           </p:cNvPr>
@@ -11491,21 +11491,21 @@
                 <a:gridCol w="1524000">
                   <a:extLst>
                     <a:ext uri="{9D8B030D-6E8A-4147-A177-3AD203B41FA5}">
-                      <a16:colId xmlns="" xmlns:a16="http://schemas.microsoft.com/office/drawing/2014/main" val="1278239369"/>
+                      <a16:colId xmlns:a16="http://schemas.microsoft.com/office/drawing/2014/main" xmlns="" val="1278239369"/>
                     </a:ext>
                   </a:extLst>
                 </a:gridCol>
                 <a:gridCol w="1828800">
                   <a:extLst>
                     <a:ext uri="{9D8B030D-6E8A-4147-A177-3AD203B41FA5}">
-                      <a16:colId xmlns="" xmlns:a16="http://schemas.microsoft.com/office/drawing/2014/main" val="1054292436"/>
+                      <a16:colId xmlns:a16="http://schemas.microsoft.com/office/drawing/2014/main" xmlns="" val="1054292436"/>
                     </a:ext>
                   </a:extLst>
                 </a:gridCol>
                 <a:gridCol w="2819400">
                   <a:extLst>
                     <a:ext uri="{9D8B030D-6E8A-4147-A177-3AD203B41FA5}">
-                      <a16:colId xmlns="" xmlns:a16="http://schemas.microsoft.com/office/drawing/2014/main" val="225730716"/>
+                      <a16:colId xmlns:a16="http://schemas.microsoft.com/office/drawing/2014/main" xmlns="" val="225730716"/>
                     </a:ext>
                   </a:extLst>
                 </a:gridCol>
@@ -11693,7 +11693,7 @@
                 </a:tc>
                 <a:extLst>
                   <a:ext uri="{0D108BD9-81ED-4DB2-BD59-A6C34878D82A}">
-                    <a16:rowId xmlns="" xmlns:a16="http://schemas.microsoft.com/office/drawing/2014/main" val="2654211035"/>
+                    <a16:rowId xmlns:a16="http://schemas.microsoft.com/office/drawing/2014/main" xmlns="" val="2654211035"/>
                   </a:ext>
                 </a:extLst>
               </a:tr>
@@ -11918,7 +11918,7 @@
                 </a:tc>
                 <a:extLst>
                   <a:ext uri="{0D108BD9-81ED-4DB2-BD59-A6C34878D82A}">
-                    <a16:rowId xmlns="" xmlns:a16="http://schemas.microsoft.com/office/drawing/2014/main" val="2013197181"/>
+                    <a16:rowId xmlns:a16="http://schemas.microsoft.com/office/drawing/2014/main" xmlns="" val="2013197181"/>
                   </a:ext>
                 </a:extLst>
               </a:tr>
@@ -12362,7 +12362,7 @@
                 </a:tc>
                 <a:extLst>
                   <a:ext uri="{0D108BD9-81ED-4DB2-BD59-A6C34878D82A}">
-                    <a16:rowId xmlns="" xmlns:a16="http://schemas.microsoft.com/office/drawing/2014/main" val="2280857763"/>
+                    <a16:rowId xmlns:a16="http://schemas.microsoft.com/office/drawing/2014/main" xmlns="" val="2280857763"/>
                   </a:ext>
                 </a:extLst>
               </a:tr>
@@ -12540,7 +12540,7 @@
                 </a:tc>
                 <a:extLst>
                   <a:ext uri="{0D108BD9-81ED-4DB2-BD59-A6C34878D82A}">
-                    <a16:rowId xmlns="" xmlns:a16="http://schemas.microsoft.com/office/drawing/2014/main" val="1463387718"/>
+                    <a16:rowId xmlns:a16="http://schemas.microsoft.com/office/drawing/2014/main" xmlns="" val="1463387718"/>
                   </a:ext>
                 </a:extLst>
               </a:tr>
@@ -12891,7 +12891,7 @@
           <p:cNvPr id="2" name="TextBox 1">
             <a:extLst>
               <a:ext uri="{FF2B5EF4-FFF2-40B4-BE49-F238E27FC236}">
-                <a16:creationId xmlns="" xmlns:a16="http://schemas.microsoft.com/office/drawing/2014/main" id="{76F36AE5-79B5-0B9F-E510-1C27AAC4B649}"/>
+                <a16:creationId xmlns:a16="http://schemas.microsoft.com/office/drawing/2014/main" xmlns="" id="{76F36AE5-79B5-0B9F-E510-1C27AAC4B649}"/>
               </a:ext>
             </a:extLst>
           </p:cNvPr>
@@ -12969,7 +12969,7 @@
           <p:cNvPr id="4" name="TextBox 3">
             <a:extLst>
               <a:ext uri="{FF2B5EF4-FFF2-40B4-BE49-F238E27FC236}">
-                <a16:creationId xmlns="" xmlns:a16="http://schemas.microsoft.com/office/drawing/2014/main" id="{5ADC00B6-990A-40DC-3CEA-505258F5E8DA}"/>
+                <a16:creationId xmlns:a16="http://schemas.microsoft.com/office/drawing/2014/main" xmlns="" id="{5ADC00B6-990A-40DC-3CEA-505258F5E8DA}"/>
               </a:ext>
             </a:extLst>
           </p:cNvPr>
@@ -13017,7 +13017,7 @@
           <p:cNvPr id="5" name="TextBox 4">
             <a:extLst>
               <a:ext uri="{FF2B5EF4-FFF2-40B4-BE49-F238E27FC236}">
-                <a16:creationId xmlns="" xmlns:a16="http://schemas.microsoft.com/office/drawing/2014/main" id="{A2AD056B-97A4-5BCC-4460-250160F3E171}"/>
+                <a16:creationId xmlns:a16="http://schemas.microsoft.com/office/drawing/2014/main" xmlns="" id="{A2AD056B-97A4-5BCC-4460-250160F3E171}"/>
               </a:ext>
             </a:extLst>
           </p:cNvPr>
@@ -13133,7 +13133,7 @@
           <p:cNvPr id="8" name="그룹 1008">
             <a:extLst>
               <a:ext uri="{FF2B5EF4-FFF2-40B4-BE49-F238E27FC236}">
-                <a16:creationId xmlns="" xmlns:a16="http://schemas.microsoft.com/office/drawing/2014/main" id="{678F6342-C505-E8AD-ADA4-022CB2C2088E}"/>
+                <a16:creationId xmlns:a16="http://schemas.microsoft.com/office/drawing/2014/main" xmlns="" id="{678F6342-C505-E8AD-ADA4-022CB2C2088E}"/>
               </a:ext>
             </a:extLst>
           </p:cNvPr>
@@ -13153,7 +13153,7 @@
             <p:cNvPr id="9" name="그룹 1009">
               <a:extLst>
                 <a:ext uri="{FF2B5EF4-FFF2-40B4-BE49-F238E27FC236}">
-                  <a16:creationId xmlns="" xmlns:a16="http://schemas.microsoft.com/office/drawing/2014/main" id="{4E1F1FED-812B-9BBB-925A-84B54A077414}"/>
+                  <a16:creationId xmlns:a16="http://schemas.microsoft.com/office/drawing/2014/main" xmlns="" id="{4E1F1FED-812B-9BBB-925A-84B54A077414}"/>
                 </a:ext>
               </a:extLst>
             </p:cNvPr>
@@ -13173,7 +13173,7 @@
               <p:cNvPr id="14" name="Object 29">
                 <a:extLst>
                   <a:ext uri="{FF2B5EF4-FFF2-40B4-BE49-F238E27FC236}">
-                    <a16:creationId xmlns="" xmlns:a16="http://schemas.microsoft.com/office/drawing/2014/main" id="{7B078609-4286-7B00-51EB-809C8E2DE289}"/>
+                    <a16:creationId xmlns:a16="http://schemas.microsoft.com/office/drawing/2014/main" xmlns="" id="{7B078609-4286-7B00-51EB-809C8E2DE289}"/>
                   </a:ext>
                 </a:extLst>
               </p:cNvPr>
@@ -13204,7 +13204,7 @@
             <p:cNvPr id="10" name="그룹 1010">
               <a:extLst>
                 <a:ext uri="{FF2B5EF4-FFF2-40B4-BE49-F238E27FC236}">
-                  <a16:creationId xmlns="" xmlns:a16="http://schemas.microsoft.com/office/drawing/2014/main" id="{02A649BF-B5B5-FBAF-7DFD-E118A4DF8907}"/>
+                  <a16:creationId xmlns:a16="http://schemas.microsoft.com/office/drawing/2014/main" xmlns="" id="{02A649BF-B5B5-FBAF-7DFD-E118A4DF8907}"/>
                 </a:ext>
               </a:extLst>
             </p:cNvPr>
@@ -13224,7 +13224,7 @@
               <p:cNvPr id="13" name="Object 32">
                 <a:extLst>
                   <a:ext uri="{FF2B5EF4-FFF2-40B4-BE49-F238E27FC236}">
-                    <a16:creationId xmlns="" xmlns:a16="http://schemas.microsoft.com/office/drawing/2014/main" id="{2A0FFF23-B3C9-3EA0-1C1B-A87D4FF098AE}"/>
+                    <a16:creationId xmlns:a16="http://schemas.microsoft.com/office/drawing/2014/main" xmlns="" id="{2A0FFF23-B3C9-3EA0-1C1B-A87D4FF098AE}"/>
                   </a:ext>
                 </a:extLst>
               </p:cNvPr>
@@ -13255,7 +13255,7 @@
             <p:cNvPr id="11" name="그룹 1011">
               <a:extLst>
                 <a:ext uri="{FF2B5EF4-FFF2-40B4-BE49-F238E27FC236}">
-                  <a16:creationId xmlns="" xmlns:a16="http://schemas.microsoft.com/office/drawing/2014/main" id="{881F5410-F7FB-F261-A584-707359BAC593}"/>
+                  <a16:creationId xmlns:a16="http://schemas.microsoft.com/office/drawing/2014/main" xmlns="" id="{881F5410-F7FB-F261-A584-707359BAC593}"/>
                 </a:ext>
               </a:extLst>
             </p:cNvPr>
@@ -13275,7 +13275,7 @@
               <p:cNvPr id="12" name="Object 35">
                 <a:extLst>
                   <a:ext uri="{FF2B5EF4-FFF2-40B4-BE49-F238E27FC236}">
-                    <a16:creationId xmlns="" xmlns:a16="http://schemas.microsoft.com/office/drawing/2014/main" id="{4E99E669-73EB-F9F4-EFE8-DC107035C265}"/>
+                    <a16:creationId xmlns:a16="http://schemas.microsoft.com/office/drawing/2014/main" xmlns="" id="{4E99E669-73EB-F9F4-EFE8-DC107035C265}"/>
                   </a:ext>
                 </a:extLst>
               </p:cNvPr>
@@ -13385,7 +13385,7 @@
           <p:cNvPr id="6" name="직사각형 5">
             <a:extLst>
               <a:ext uri="{FF2B5EF4-FFF2-40B4-BE49-F238E27FC236}">
-                <a16:creationId xmlns="" xmlns:a16="http://schemas.microsoft.com/office/drawing/2014/main" id="{FFF506F9-840A-0508-4CAF-3AC711D8D5CE}"/>
+                <a16:creationId xmlns:a16="http://schemas.microsoft.com/office/drawing/2014/main" xmlns="" id="{FFF506F9-840A-0508-4CAF-3AC711D8D5CE}"/>
               </a:ext>
             </a:extLst>
           </p:cNvPr>
@@ -13461,7 +13461,7 @@
           <p:cNvPr id="8" name="TextBox 7">
             <a:extLst>
               <a:ext uri="{FF2B5EF4-FFF2-40B4-BE49-F238E27FC236}">
-                <a16:creationId xmlns="" xmlns:a16="http://schemas.microsoft.com/office/drawing/2014/main" id="{5ADC00B6-990A-40DC-3CEA-505258F5E8DA}"/>
+                <a16:creationId xmlns:a16="http://schemas.microsoft.com/office/drawing/2014/main" xmlns="" id="{5ADC00B6-990A-40DC-3CEA-505258F5E8DA}"/>
               </a:ext>
             </a:extLst>
           </p:cNvPr>
@@ -13539,7 +13539,7 @@
           <p:cNvPr id="9" name="TextBox 8">
             <a:extLst>
               <a:ext uri="{FF2B5EF4-FFF2-40B4-BE49-F238E27FC236}">
-                <a16:creationId xmlns="" xmlns:a16="http://schemas.microsoft.com/office/drawing/2014/main" id="{C6D113C6-EA5C-788F-0C77-E7CE6EBB865F}"/>
+                <a16:creationId xmlns:a16="http://schemas.microsoft.com/office/drawing/2014/main" xmlns="" id="{C6D113C6-EA5C-788F-0C77-E7CE6EBB865F}"/>
               </a:ext>
             </a:extLst>
           </p:cNvPr>
@@ -13785,7 +13785,7 @@
           <p:cNvPr id="5" name="TextBox 4">
             <a:extLst>
               <a:ext uri="{FF2B5EF4-FFF2-40B4-BE49-F238E27FC236}">
-                <a16:creationId xmlns="" xmlns:a16="http://schemas.microsoft.com/office/drawing/2014/main" id="{5ADC00B6-990A-40DC-3CEA-505258F5E8DA}"/>
+                <a16:creationId xmlns:a16="http://schemas.microsoft.com/office/drawing/2014/main" xmlns="" id="{5ADC00B6-990A-40DC-3CEA-505258F5E8DA}"/>
               </a:ext>
             </a:extLst>
           </p:cNvPr>
@@ -13857,7 +13857,7 @@
           <p:cNvPr id="9" name="TextBox 8">
             <a:extLst>
               <a:ext uri="{FF2B5EF4-FFF2-40B4-BE49-F238E27FC236}">
-                <a16:creationId xmlns="" xmlns:a16="http://schemas.microsoft.com/office/drawing/2014/main" id="{A2AD056B-97A4-5BCC-4460-250160F3E171}"/>
+                <a16:creationId xmlns:a16="http://schemas.microsoft.com/office/drawing/2014/main" xmlns="" id="{A2AD056B-97A4-5BCC-4460-250160F3E171}"/>
               </a:ext>
             </a:extLst>
           </p:cNvPr>
@@ -13945,7 +13945,7 @@
           <p:cNvPr id="10" name="직선 화살표 연결선 9">
             <a:extLst>
               <a:ext uri="{FF2B5EF4-FFF2-40B4-BE49-F238E27FC236}">
-                <a16:creationId xmlns="" xmlns:a16="http://schemas.microsoft.com/office/drawing/2014/main" id="{299DF5EC-9DF4-5255-06AC-0A7CE4FF58C3}"/>
+                <a16:creationId xmlns:a16="http://schemas.microsoft.com/office/drawing/2014/main" xmlns="" id="{299DF5EC-9DF4-5255-06AC-0A7CE4FF58C3}"/>
               </a:ext>
             </a:extLst>
           </p:cNvPr>
@@ -13986,7 +13986,7 @@
           <p:cNvPr id="11" name="TextBox 10">
             <a:extLst>
               <a:ext uri="{FF2B5EF4-FFF2-40B4-BE49-F238E27FC236}">
-                <a16:creationId xmlns="" xmlns:a16="http://schemas.microsoft.com/office/drawing/2014/main" id="{C6D113C6-EA5C-788F-0C77-E7CE6EBB865F}"/>
+                <a16:creationId xmlns:a16="http://schemas.microsoft.com/office/drawing/2014/main" xmlns="" id="{C6D113C6-EA5C-788F-0C77-E7CE6EBB865F}"/>
               </a:ext>
             </a:extLst>
           </p:cNvPr>
@@ -14270,7 +14270,7 @@
           <p:cNvPr id="4" name="TextBox 3">
             <a:extLst>
               <a:ext uri="{FF2B5EF4-FFF2-40B4-BE49-F238E27FC236}">
-                <a16:creationId xmlns="" xmlns:a16="http://schemas.microsoft.com/office/drawing/2014/main" id="{5ADC00B6-990A-40DC-3CEA-505258F5E8DA}"/>
+                <a16:creationId xmlns:a16="http://schemas.microsoft.com/office/drawing/2014/main" xmlns="" id="{5ADC00B6-990A-40DC-3CEA-505258F5E8DA}"/>
               </a:ext>
             </a:extLst>
           </p:cNvPr>
@@ -14342,7 +14342,7 @@
           <p:cNvPr id="6" name="직사각형 5">
             <a:extLst>
               <a:ext uri="{FF2B5EF4-FFF2-40B4-BE49-F238E27FC236}">
-                <a16:creationId xmlns="" xmlns:a16="http://schemas.microsoft.com/office/drawing/2014/main" id="{FFF506F9-840A-0508-4CAF-3AC711D8D5CE}"/>
+                <a16:creationId xmlns:a16="http://schemas.microsoft.com/office/drawing/2014/main" xmlns="" id="{FFF506F9-840A-0508-4CAF-3AC711D8D5CE}"/>
               </a:ext>
             </a:extLst>
           </p:cNvPr>
@@ -14418,7 +14418,7 @@
           <p:cNvPr id="8" name="TextBox 7">
             <a:extLst>
               <a:ext uri="{FF2B5EF4-FFF2-40B4-BE49-F238E27FC236}">
-                <a16:creationId xmlns="" xmlns:a16="http://schemas.microsoft.com/office/drawing/2014/main" id="{A2AD056B-97A4-5BCC-4460-250160F3E171}"/>
+                <a16:creationId xmlns:a16="http://schemas.microsoft.com/office/drawing/2014/main" xmlns="" id="{A2AD056B-97A4-5BCC-4460-250160F3E171}"/>
               </a:ext>
             </a:extLst>
           </p:cNvPr>
@@ -14496,7 +14496,7 @@
           <p:cNvPr id="4" name="TextBox 3">
             <a:extLst>
               <a:ext uri="{FF2B5EF4-FFF2-40B4-BE49-F238E27FC236}">
-                <a16:creationId xmlns="" xmlns:a16="http://schemas.microsoft.com/office/drawing/2014/main" id="{5ADC00B6-990A-40DC-3CEA-505258F5E8DA}"/>
+                <a16:creationId xmlns:a16="http://schemas.microsoft.com/office/drawing/2014/main" xmlns="" id="{5ADC00B6-990A-40DC-3CEA-505258F5E8DA}"/>
               </a:ext>
             </a:extLst>
           </p:cNvPr>
@@ -14608,7 +14608,7 @@
           <p:cNvPr id="5" name="TextBox 4">
             <a:extLst>
               <a:ext uri="{FF2B5EF4-FFF2-40B4-BE49-F238E27FC236}">
-                <a16:creationId xmlns="" xmlns:a16="http://schemas.microsoft.com/office/drawing/2014/main" id="{A2AD056B-97A4-5BCC-4460-250160F3E171}"/>
+                <a16:creationId xmlns:a16="http://schemas.microsoft.com/office/drawing/2014/main" xmlns="" id="{A2AD056B-97A4-5BCC-4460-250160F3E171}"/>
               </a:ext>
             </a:extLst>
           </p:cNvPr>
@@ -14710,7 +14710,7 @@
           <p:cNvPr id="7" name="직선 화살표 연결선 6">
             <a:extLst>
               <a:ext uri="{FF2B5EF4-FFF2-40B4-BE49-F238E27FC236}">
-                <a16:creationId xmlns="" xmlns:a16="http://schemas.microsoft.com/office/drawing/2014/main" id="{299DF5EC-9DF4-5255-06AC-0A7CE4FF58C3}"/>
+                <a16:creationId xmlns:a16="http://schemas.microsoft.com/office/drawing/2014/main" xmlns="" id="{299DF5EC-9DF4-5255-06AC-0A7CE4FF58C3}"/>
               </a:ext>
             </a:extLst>
           </p:cNvPr>
@@ -14751,7 +14751,7 @@
           <p:cNvPr id="8" name="TextBox 7">
             <a:extLst>
               <a:ext uri="{FF2B5EF4-FFF2-40B4-BE49-F238E27FC236}">
-                <a16:creationId xmlns="" xmlns:a16="http://schemas.microsoft.com/office/drawing/2014/main" id="{C6D113C6-EA5C-788F-0C77-E7CE6EBB865F}"/>
+                <a16:creationId xmlns:a16="http://schemas.microsoft.com/office/drawing/2014/main" xmlns="" id="{C6D113C6-EA5C-788F-0C77-E7CE6EBB865F}"/>
               </a:ext>
             </a:extLst>
           </p:cNvPr>
@@ -15159,7 +15159,7 @@
           <p:cNvPr id="2" name="TextBox 1">
             <a:extLst>
               <a:ext uri="{FF2B5EF4-FFF2-40B4-BE49-F238E27FC236}">
-                <a16:creationId xmlns="" xmlns:a16="http://schemas.microsoft.com/office/drawing/2014/main" id="{8D19D88B-9541-32D7-90F1-0C45C993E21C}"/>
+                <a16:creationId xmlns:a16="http://schemas.microsoft.com/office/drawing/2014/main" xmlns="" id="{8D19D88B-9541-32D7-90F1-0C45C993E21C}"/>
               </a:ext>
             </a:extLst>
           </p:cNvPr>
@@ -15256,7 +15256,7 @@
           <p:cNvPr id="5" name="TextBox 4">
             <a:extLst>
               <a:ext uri="{FF2B5EF4-FFF2-40B4-BE49-F238E27FC236}">
-                <a16:creationId xmlns="" xmlns:a16="http://schemas.microsoft.com/office/drawing/2014/main" id="{A2AD056B-97A4-5BCC-4460-250160F3E171}"/>
+                <a16:creationId xmlns:a16="http://schemas.microsoft.com/office/drawing/2014/main" xmlns="" id="{A2AD056B-97A4-5BCC-4460-250160F3E171}"/>
               </a:ext>
             </a:extLst>
           </p:cNvPr>
@@ -15402,7 +15402,7 @@
           <p:cNvPr id="5" name="직사각형 4">
             <a:extLst>
               <a:ext uri="{FF2B5EF4-FFF2-40B4-BE49-F238E27FC236}">
-                <a16:creationId xmlns="" xmlns:a16="http://schemas.microsoft.com/office/drawing/2014/main" id="{FFF506F9-840A-0508-4CAF-3AC711D8D5CE}"/>
+                <a16:creationId xmlns:a16="http://schemas.microsoft.com/office/drawing/2014/main" xmlns="" id="{FFF506F9-840A-0508-4CAF-3AC711D8D5CE}"/>
               </a:ext>
             </a:extLst>
           </p:cNvPr>
@@ -15454,7 +15454,7 @@
           <p:cNvPr id="6" name="TextBox 5">
             <a:extLst>
               <a:ext uri="{FF2B5EF4-FFF2-40B4-BE49-F238E27FC236}">
-                <a16:creationId xmlns="" xmlns:a16="http://schemas.microsoft.com/office/drawing/2014/main" id="{5ADC00B6-990A-40DC-3CEA-505258F5E8DA}"/>
+                <a16:creationId xmlns:a16="http://schemas.microsoft.com/office/drawing/2014/main" xmlns="" id="{5ADC00B6-990A-40DC-3CEA-505258F5E8DA}"/>
               </a:ext>
             </a:extLst>
           </p:cNvPr>
@@ -15512,7 +15512,7 @@
           <p:cNvPr id="7" name="TextBox 6">
             <a:extLst>
               <a:ext uri="{FF2B5EF4-FFF2-40B4-BE49-F238E27FC236}">
-                <a16:creationId xmlns="" xmlns:a16="http://schemas.microsoft.com/office/drawing/2014/main" id="{5ADC00B6-990A-40DC-3CEA-505258F5E8DA}"/>
+                <a16:creationId xmlns:a16="http://schemas.microsoft.com/office/drawing/2014/main" xmlns="" id="{5ADC00B6-990A-40DC-3CEA-505258F5E8DA}"/>
               </a:ext>
             </a:extLst>
           </p:cNvPr>
@@ -15891,7 +15891,7 @@
           <p:cNvPr id="58" name="TextBox 57">
             <a:extLst>
               <a:ext uri="{FF2B5EF4-FFF2-40B4-BE49-F238E27FC236}">
-                <a16:creationId xmlns="" xmlns:a16="http://schemas.microsoft.com/office/drawing/2014/main" id="{5ADC00B6-990A-40DC-3CEA-505258F5E8DA}"/>
+                <a16:creationId xmlns:a16="http://schemas.microsoft.com/office/drawing/2014/main" xmlns="" id="{5ADC00B6-990A-40DC-3CEA-505258F5E8DA}"/>
               </a:ext>
             </a:extLst>
           </p:cNvPr>
@@ -15939,7 +15939,7 @@
           <p:cNvPr id="59" name="TextBox 58">
             <a:extLst>
               <a:ext uri="{FF2B5EF4-FFF2-40B4-BE49-F238E27FC236}">
-                <a16:creationId xmlns="" xmlns:a16="http://schemas.microsoft.com/office/drawing/2014/main" id="{5ADC00B6-990A-40DC-3CEA-505258F5E8DA}"/>
+                <a16:creationId xmlns:a16="http://schemas.microsoft.com/office/drawing/2014/main" xmlns="" id="{5ADC00B6-990A-40DC-3CEA-505258F5E8DA}"/>
               </a:ext>
             </a:extLst>
           </p:cNvPr>
@@ -15987,7 +15987,7 @@
           <p:cNvPr id="25" name="TextBox 24">
             <a:extLst>
               <a:ext uri="{FF2B5EF4-FFF2-40B4-BE49-F238E27FC236}">
-                <a16:creationId xmlns="" xmlns:a16="http://schemas.microsoft.com/office/drawing/2014/main" id="{A2AD056B-97A4-5BCC-4460-250160F3E171}"/>
+                <a16:creationId xmlns:a16="http://schemas.microsoft.com/office/drawing/2014/main" xmlns="" id="{A2AD056B-97A4-5BCC-4460-250160F3E171}"/>
               </a:ext>
             </a:extLst>
           </p:cNvPr>
@@ -16079,7 +16079,7 @@
           <p:cNvPr id="26" name="TextBox 25">
             <a:extLst>
               <a:ext uri="{FF2B5EF4-FFF2-40B4-BE49-F238E27FC236}">
-                <a16:creationId xmlns="" xmlns:a16="http://schemas.microsoft.com/office/drawing/2014/main" id="{A2AD056B-97A4-5BCC-4460-250160F3E171}"/>
+                <a16:creationId xmlns:a16="http://schemas.microsoft.com/office/drawing/2014/main" xmlns="" id="{A2AD056B-97A4-5BCC-4460-250160F3E171}"/>
               </a:ext>
             </a:extLst>
           </p:cNvPr>
@@ -16133,7 +16133,7 @@
           <p:cNvPr id="27" name="TextBox 26">
             <a:extLst>
               <a:ext uri="{FF2B5EF4-FFF2-40B4-BE49-F238E27FC236}">
-                <a16:creationId xmlns="" xmlns:a16="http://schemas.microsoft.com/office/drawing/2014/main" id="{A2AD056B-97A4-5BCC-4460-250160F3E171}"/>
+                <a16:creationId xmlns:a16="http://schemas.microsoft.com/office/drawing/2014/main" xmlns="" id="{A2AD056B-97A4-5BCC-4460-250160F3E171}"/>
               </a:ext>
             </a:extLst>
           </p:cNvPr>
@@ -16200,7 +16200,7 @@
           <p:cNvPr id="28" name="TextBox 27">
             <a:extLst>
               <a:ext uri="{FF2B5EF4-FFF2-40B4-BE49-F238E27FC236}">
-                <a16:creationId xmlns="" xmlns:a16="http://schemas.microsoft.com/office/drawing/2014/main" id="{A2AD056B-97A4-5BCC-4460-250160F3E171}"/>
+                <a16:creationId xmlns:a16="http://schemas.microsoft.com/office/drawing/2014/main" xmlns="" id="{A2AD056B-97A4-5BCC-4460-250160F3E171}"/>
               </a:ext>
             </a:extLst>
           </p:cNvPr>
@@ -16297,7 +16297,7 @@
           <p:cNvPr id="4" name="TextBox 3">
             <a:extLst>
               <a:ext uri="{FF2B5EF4-FFF2-40B4-BE49-F238E27FC236}">
-                <a16:creationId xmlns="" xmlns:a16="http://schemas.microsoft.com/office/drawing/2014/main" id="{DF7DDD33-9412-2802-339A-E55446AC2DA7}"/>
+                <a16:creationId xmlns:a16="http://schemas.microsoft.com/office/drawing/2014/main" xmlns="" id="{DF7DDD33-9412-2802-339A-E55446AC2DA7}"/>
               </a:ext>
             </a:extLst>
           </p:cNvPr>
@@ -16417,7 +16417,7 @@
           <p:cNvPr id="10" name="직선 화살표 연결선 9">
             <a:extLst>
               <a:ext uri="{FF2B5EF4-FFF2-40B4-BE49-F238E27FC236}">
-                <a16:creationId xmlns="" xmlns:a16="http://schemas.microsoft.com/office/drawing/2014/main" id="{299DF5EC-9DF4-5255-06AC-0A7CE4FF58C3}"/>
+                <a16:creationId xmlns:a16="http://schemas.microsoft.com/office/drawing/2014/main" xmlns="" id="{299DF5EC-9DF4-5255-06AC-0A7CE4FF58C3}"/>
               </a:ext>
             </a:extLst>
           </p:cNvPr>
@@ -16458,7 +16458,7 @@
           <p:cNvPr id="11" name="TextBox 10">
             <a:extLst>
               <a:ext uri="{FF2B5EF4-FFF2-40B4-BE49-F238E27FC236}">
-                <a16:creationId xmlns="" xmlns:a16="http://schemas.microsoft.com/office/drawing/2014/main" id="{C6D113C6-EA5C-788F-0C77-E7CE6EBB865F}"/>
+                <a16:creationId xmlns:a16="http://schemas.microsoft.com/office/drawing/2014/main" xmlns="" id="{C6D113C6-EA5C-788F-0C77-E7CE6EBB865F}"/>
               </a:ext>
             </a:extLst>
           </p:cNvPr>
@@ -16530,7 +16530,7 @@
           <p:cNvPr id="13" name="직선 화살표 연결선 12">
             <a:extLst>
               <a:ext uri="{FF2B5EF4-FFF2-40B4-BE49-F238E27FC236}">
-                <a16:creationId xmlns="" xmlns:a16="http://schemas.microsoft.com/office/drawing/2014/main" id="{299DF5EC-9DF4-5255-06AC-0A7CE4FF58C3}"/>
+                <a16:creationId xmlns:a16="http://schemas.microsoft.com/office/drawing/2014/main" xmlns="" id="{299DF5EC-9DF4-5255-06AC-0A7CE4FF58C3}"/>
               </a:ext>
             </a:extLst>
           </p:cNvPr>
@@ -16571,7 +16571,7 @@
           <p:cNvPr id="14" name="TextBox 13">
             <a:extLst>
               <a:ext uri="{FF2B5EF4-FFF2-40B4-BE49-F238E27FC236}">
-                <a16:creationId xmlns="" xmlns:a16="http://schemas.microsoft.com/office/drawing/2014/main" id="{C6D113C6-EA5C-788F-0C77-E7CE6EBB865F}"/>
+                <a16:creationId xmlns:a16="http://schemas.microsoft.com/office/drawing/2014/main" xmlns="" id="{C6D113C6-EA5C-788F-0C77-E7CE6EBB865F}"/>
               </a:ext>
             </a:extLst>
           </p:cNvPr>
@@ -16619,7 +16619,7 @@
           <p:cNvPr id="15" name="직선 화살표 연결선 14">
             <a:extLst>
               <a:ext uri="{FF2B5EF4-FFF2-40B4-BE49-F238E27FC236}">
-                <a16:creationId xmlns="" xmlns:a16="http://schemas.microsoft.com/office/drawing/2014/main" id="{299DF5EC-9DF4-5255-06AC-0A7CE4FF58C3}"/>
+                <a16:creationId xmlns:a16="http://schemas.microsoft.com/office/drawing/2014/main" xmlns="" id="{299DF5EC-9DF4-5255-06AC-0A7CE4FF58C3}"/>
               </a:ext>
             </a:extLst>
           </p:cNvPr>
@@ -16660,7 +16660,7 @@
           <p:cNvPr id="16" name="TextBox 15">
             <a:extLst>
               <a:ext uri="{FF2B5EF4-FFF2-40B4-BE49-F238E27FC236}">
-                <a16:creationId xmlns="" xmlns:a16="http://schemas.microsoft.com/office/drawing/2014/main" id="{C6D113C6-EA5C-788F-0C77-E7CE6EBB865F}"/>
+                <a16:creationId xmlns:a16="http://schemas.microsoft.com/office/drawing/2014/main" xmlns="" id="{C6D113C6-EA5C-788F-0C77-E7CE6EBB865F}"/>
               </a:ext>
             </a:extLst>
           </p:cNvPr>
@@ -16732,7 +16732,7 @@
           <p:cNvPr id="18" name="직선 화살표 연결선 17">
             <a:extLst>
               <a:ext uri="{FF2B5EF4-FFF2-40B4-BE49-F238E27FC236}">
-                <a16:creationId xmlns="" xmlns:a16="http://schemas.microsoft.com/office/drawing/2014/main" id="{299DF5EC-9DF4-5255-06AC-0A7CE4FF58C3}"/>
+                <a16:creationId xmlns:a16="http://schemas.microsoft.com/office/drawing/2014/main" xmlns="" id="{299DF5EC-9DF4-5255-06AC-0A7CE4FF58C3}"/>
               </a:ext>
             </a:extLst>
           </p:cNvPr>
@@ -16773,7 +16773,7 @@
           <p:cNvPr id="19" name="TextBox 18">
             <a:extLst>
               <a:ext uri="{FF2B5EF4-FFF2-40B4-BE49-F238E27FC236}">
-                <a16:creationId xmlns="" xmlns:a16="http://schemas.microsoft.com/office/drawing/2014/main" id="{C6D113C6-EA5C-788F-0C77-E7CE6EBB865F}"/>
+                <a16:creationId xmlns:a16="http://schemas.microsoft.com/office/drawing/2014/main" xmlns="" id="{C6D113C6-EA5C-788F-0C77-E7CE6EBB865F}"/>
               </a:ext>
             </a:extLst>
           </p:cNvPr>
@@ -16863,7 +16863,7 @@
           <p:cNvPr id="22" name="직선 화살표 연결선 21">
             <a:extLst>
               <a:ext uri="{FF2B5EF4-FFF2-40B4-BE49-F238E27FC236}">
-                <a16:creationId xmlns="" xmlns:a16="http://schemas.microsoft.com/office/drawing/2014/main" id="{299DF5EC-9DF4-5255-06AC-0A7CE4FF58C3}"/>
+                <a16:creationId xmlns:a16="http://schemas.microsoft.com/office/drawing/2014/main" xmlns="" id="{299DF5EC-9DF4-5255-06AC-0A7CE4FF58C3}"/>
               </a:ext>
             </a:extLst>
           </p:cNvPr>
@@ -16904,7 +16904,7 @@
           <p:cNvPr id="23" name="TextBox 22">
             <a:extLst>
               <a:ext uri="{FF2B5EF4-FFF2-40B4-BE49-F238E27FC236}">
-                <a16:creationId xmlns="" xmlns:a16="http://schemas.microsoft.com/office/drawing/2014/main" id="{C6D113C6-EA5C-788F-0C77-E7CE6EBB865F}"/>
+                <a16:creationId xmlns:a16="http://schemas.microsoft.com/office/drawing/2014/main" xmlns="" id="{C6D113C6-EA5C-788F-0C77-E7CE6EBB865F}"/>
               </a:ext>
             </a:extLst>
           </p:cNvPr>
@@ -17000,7 +17000,7 @@
           <p:cNvPr id="26" name="직선 화살표 연결선 25">
             <a:extLst>
               <a:ext uri="{FF2B5EF4-FFF2-40B4-BE49-F238E27FC236}">
-                <a16:creationId xmlns="" xmlns:a16="http://schemas.microsoft.com/office/drawing/2014/main" id="{299DF5EC-9DF4-5255-06AC-0A7CE4FF58C3}"/>
+                <a16:creationId xmlns:a16="http://schemas.microsoft.com/office/drawing/2014/main" xmlns="" id="{299DF5EC-9DF4-5255-06AC-0A7CE4FF58C3}"/>
               </a:ext>
             </a:extLst>
           </p:cNvPr>
@@ -17041,7 +17041,7 @@
           <p:cNvPr id="27" name="TextBox 26">
             <a:extLst>
               <a:ext uri="{FF2B5EF4-FFF2-40B4-BE49-F238E27FC236}">
-                <a16:creationId xmlns="" xmlns:a16="http://schemas.microsoft.com/office/drawing/2014/main" id="{C6D113C6-EA5C-788F-0C77-E7CE6EBB865F}"/>
+                <a16:creationId xmlns:a16="http://schemas.microsoft.com/office/drawing/2014/main" xmlns="" id="{C6D113C6-EA5C-788F-0C77-E7CE6EBB865F}"/>
               </a:ext>
             </a:extLst>
           </p:cNvPr>
@@ -17869,7 +17869,7 @@
           <p:cNvPr id="4" name="TextBox 3">
             <a:extLst>
               <a:ext uri="{FF2B5EF4-FFF2-40B4-BE49-F238E27FC236}">
-                <a16:creationId xmlns="" xmlns:a16="http://schemas.microsoft.com/office/drawing/2014/main" id="{DF7DDD33-9412-2802-339A-E55446AC2DA7}"/>
+                <a16:creationId xmlns:a16="http://schemas.microsoft.com/office/drawing/2014/main" xmlns="" id="{DF7DDD33-9412-2802-339A-E55446AC2DA7}"/>
               </a:ext>
             </a:extLst>
           </p:cNvPr>
@@ -17927,7 +17927,7 @@
           <p:cNvPr id="5" name="TextBox 4">
             <a:extLst>
               <a:ext uri="{FF2B5EF4-FFF2-40B4-BE49-F238E27FC236}">
-                <a16:creationId xmlns="" xmlns:a16="http://schemas.microsoft.com/office/drawing/2014/main" id="{A2AD056B-97A4-5BCC-4460-250160F3E171}"/>
+                <a16:creationId xmlns:a16="http://schemas.microsoft.com/office/drawing/2014/main" xmlns="" id="{A2AD056B-97A4-5BCC-4460-250160F3E171}"/>
               </a:ext>
             </a:extLst>
           </p:cNvPr>
@@ -18071,7 +18071,7 @@
           <p:cNvPr id="4" name="Object 1">
             <a:extLst>
               <a:ext uri="{FF2B5EF4-FFF2-40B4-BE49-F238E27FC236}">
-                <a16:creationId xmlns="" xmlns:a16="http://schemas.microsoft.com/office/drawing/2014/main" id="{B0329035-BE76-33A8-0F2E-44624FCC1DED}"/>
+                <a16:creationId xmlns:a16="http://schemas.microsoft.com/office/drawing/2014/main" xmlns="" id="{B0329035-BE76-33A8-0F2E-44624FCC1DED}"/>
               </a:ext>
             </a:extLst>
           </p:cNvPr>
@@ -18101,7 +18101,7 @@
           <p:cNvPr id="7" name="그룹 1001">
             <a:extLst>
               <a:ext uri="{FF2B5EF4-FFF2-40B4-BE49-F238E27FC236}">
-                <a16:creationId xmlns="" xmlns:a16="http://schemas.microsoft.com/office/drawing/2014/main" id="{CD24CE9D-AC18-B6CD-F397-7E8E03D6FE26}"/>
+                <a16:creationId xmlns:a16="http://schemas.microsoft.com/office/drawing/2014/main" xmlns="" id="{CD24CE9D-AC18-B6CD-F397-7E8E03D6FE26}"/>
               </a:ext>
             </a:extLst>
           </p:cNvPr>
@@ -18121,7 +18121,7 @@
             <p:cNvPr id="8" name="Object 5">
               <a:extLst>
                 <a:ext uri="{FF2B5EF4-FFF2-40B4-BE49-F238E27FC236}">
-                  <a16:creationId xmlns="" xmlns:a16="http://schemas.microsoft.com/office/drawing/2014/main" id="{0EEF25E8-3BA8-EBAA-6DC2-66D70C3F9F4D}"/>
+                  <a16:creationId xmlns:a16="http://schemas.microsoft.com/office/drawing/2014/main" xmlns="" id="{0EEF25E8-3BA8-EBAA-6DC2-66D70C3F9F4D}"/>
                 </a:ext>
               </a:extLst>
             </p:cNvPr>
@@ -18152,7 +18152,7 @@
           <p:cNvPr id="9" name="그룹 1002">
             <a:extLst>
               <a:ext uri="{FF2B5EF4-FFF2-40B4-BE49-F238E27FC236}">
-                <a16:creationId xmlns="" xmlns:a16="http://schemas.microsoft.com/office/drawing/2014/main" id="{0F281BC9-DE1F-D1FE-E64C-C4640398F00C}"/>
+                <a16:creationId xmlns:a16="http://schemas.microsoft.com/office/drawing/2014/main" xmlns="" id="{0F281BC9-DE1F-D1FE-E64C-C4640398F00C}"/>
               </a:ext>
             </a:extLst>
           </p:cNvPr>
@@ -18172,7 +18172,7 @@
             <p:cNvPr id="10" name="Object 8">
               <a:extLst>
                 <a:ext uri="{FF2B5EF4-FFF2-40B4-BE49-F238E27FC236}">
-                  <a16:creationId xmlns="" xmlns:a16="http://schemas.microsoft.com/office/drawing/2014/main" id="{F669DCEF-04BB-7046-3F7F-5B513213556E}"/>
+                  <a16:creationId xmlns:a16="http://schemas.microsoft.com/office/drawing/2014/main" xmlns="" id="{F669DCEF-04BB-7046-3F7F-5B513213556E}"/>
                 </a:ext>
               </a:extLst>
             </p:cNvPr>
@@ -18203,7 +18203,7 @@
           <p:cNvPr id="11" name="그룹 1003">
             <a:extLst>
               <a:ext uri="{FF2B5EF4-FFF2-40B4-BE49-F238E27FC236}">
-                <a16:creationId xmlns="" xmlns:a16="http://schemas.microsoft.com/office/drawing/2014/main" id="{1F91EEF9-13EA-BB7F-B056-D35E7DB989AC}"/>
+                <a16:creationId xmlns:a16="http://schemas.microsoft.com/office/drawing/2014/main" xmlns="" id="{1F91EEF9-13EA-BB7F-B056-D35E7DB989AC}"/>
               </a:ext>
             </a:extLst>
           </p:cNvPr>
@@ -18223,7 +18223,7 @@
             <p:cNvPr id="12" name="Object 11">
               <a:extLst>
                 <a:ext uri="{FF2B5EF4-FFF2-40B4-BE49-F238E27FC236}">
-                  <a16:creationId xmlns="" xmlns:a16="http://schemas.microsoft.com/office/drawing/2014/main" id="{2CFFB217-AEFB-2C9E-5F86-6EE19510FFC6}"/>
+                  <a16:creationId xmlns:a16="http://schemas.microsoft.com/office/drawing/2014/main" xmlns="" id="{2CFFB217-AEFB-2C9E-5F86-6EE19510FFC6}"/>
                 </a:ext>
               </a:extLst>
             </p:cNvPr>
@@ -18254,7 +18254,7 @@
           <p:cNvPr id="13" name="그룹 1004">
             <a:extLst>
               <a:ext uri="{FF2B5EF4-FFF2-40B4-BE49-F238E27FC236}">
-                <a16:creationId xmlns="" xmlns:a16="http://schemas.microsoft.com/office/drawing/2014/main" id="{123B9C7E-94E8-E7E1-81BE-D59EA0299187}"/>
+                <a16:creationId xmlns:a16="http://schemas.microsoft.com/office/drawing/2014/main" xmlns="" id="{123B9C7E-94E8-E7E1-81BE-D59EA0299187}"/>
               </a:ext>
             </a:extLst>
           </p:cNvPr>
@@ -18274,7 +18274,7 @@
             <p:cNvPr id="14" name="Object 14">
               <a:extLst>
                 <a:ext uri="{FF2B5EF4-FFF2-40B4-BE49-F238E27FC236}">
-                  <a16:creationId xmlns="" xmlns:a16="http://schemas.microsoft.com/office/drawing/2014/main" id="{B6291552-2D89-A79F-7ACD-EA0EF9A4C389}"/>
+                  <a16:creationId xmlns:a16="http://schemas.microsoft.com/office/drawing/2014/main" xmlns="" id="{B6291552-2D89-A79F-7ACD-EA0EF9A4C389}"/>
                 </a:ext>
               </a:extLst>
             </p:cNvPr>
@@ -18305,7 +18305,7 @@
           <p:cNvPr id="15" name="TextBox 14">
             <a:extLst>
               <a:ext uri="{FF2B5EF4-FFF2-40B4-BE49-F238E27FC236}">
-                <a16:creationId xmlns="" xmlns:a16="http://schemas.microsoft.com/office/drawing/2014/main" id="{7D99763A-FC24-23F5-5BA9-D7B042E0F323}"/>
+                <a16:creationId xmlns:a16="http://schemas.microsoft.com/office/drawing/2014/main" xmlns="" id="{7D99763A-FC24-23F5-5BA9-D7B042E0F323}"/>
               </a:ext>
             </a:extLst>
           </p:cNvPr>
@@ -18383,7 +18383,7 @@
           <p:cNvPr id="4" name="TextBox 3">
             <a:extLst>
               <a:ext uri="{FF2B5EF4-FFF2-40B4-BE49-F238E27FC236}">
-                <a16:creationId xmlns="" xmlns:a16="http://schemas.microsoft.com/office/drawing/2014/main" id="{5ADC00B6-990A-40DC-3CEA-505258F5E8DA}"/>
+                <a16:creationId xmlns:a16="http://schemas.microsoft.com/office/drawing/2014/main" xmlns="" id="{5ADC00B6-990A-40DC-3CEA-505258F5E8DA}"/>
               </a:ext>
             </a:extLst>
           </p:cNvPr>
@@ -18431,7 +18431,7 @@
           <p:cNvPr id="5" name="TextBox 4">
             <a:extLst>
               <a:ext uri="{FF2B5EF4-FFF2-40B4-BE49-F238E27FC236}">
-                <a16:creationId xmlns="" xmlns:a16="http://schemas.microsoft.com/office/drawing/2014/main" id="{A2AD056B-97A4-5BCC-4460-250160F3E171}"/>
+                <a16:creationId xmlns:a16="http://schemas.microsoft.com/office/drawing/2014/main" xmlns="" id="{A2AD056B-97A4-5BCC-4460-250160F3E171}"/>
               </a:ext>
             </a:extLst>
           </p:cNvPr>
@@ -18547,7 +18547,7 @@
           <p:cNvPr id="6" name="TextBox 5">
             <a:extLst>
               <a:ext uri="{FF2B5EF4-FFF2-40B4-BE49-F238E27FC236}">
-                <a16:creationId xmlns="" xmlns:a16="http://schemas.microsoft.com/office/drawing/2014/main" id="{A2AD056B-97A4-5BCC-4460-250160F3E171}"/>
+                <a16:creationId xmlns:a16="http://schemas.microsoft.com/office/drawing/2014/main" xmlns="" id="{A2AD056B-97A4-5BCC-4460-250160F3E171}"/>
               </a:ext>
             </a:extLst>
           </p:cNvPr>
@@ -19164,7 +19164,7 @@
                 <a:gridCol w="1731833">
                   <a:extLst>
                     <a:ext uri="{9D8B030D-6E8A-4147-A177-3AD203B41FA5}">
-                      <a16:colId xmlns="" xmlns:a16="http://schemas.microsoft.com/office/drawing/2014/main" val="20000"/>
+                      <a16:colId xmlns:a16="http://schemas.microsoft.com/office/drawing/2014/main" xmlns="" val="20000"/>
                     </a:ext>
                   </a:extLst>
                 </a:gridCol>
@@ -19237,7 +19237,7 @@
                 </a:tc>
                 <a:extLst>
                   <a:ext uri="{0D108BD9-81ED-4DB2-BD59-A6C34878D82A}">
-                    <a16:rowId xmlns="" xmlns:a16="http://schemas.microsoft.com/office/drawing/2014/main" val="10000"/>
+                    <a16:rowId xmlns:a16="http://schemas.microsoft.com/office/drawing/2014/main" xmlns="" val="10000"/>
                   </a:ext>
                 </a:extLst>
               </a:tr>
@@ -19301,7 +19301,7 @@
                 </a:tc>
                 <a:extLst>
                   <a:ext uri="{0D108BD9-81ED-4DB2-BD59-A6C34878D82A}">
-                    <a16:rowId xmlns="" xmlns:a16="http://schemas.microsoft.com/office/drawing/2014/main" val="10001"/>
+                    <a16:rowId xmlns:a16="http://schemas.microsoft.com/office/drawing/2014/main" xmlns="" val="10001"/>
                   </a:ext>
                 </a:extLst>
               </a:tr>
@@ -19337,7 +19337,7 @@
                 <a:gridCol w="1731833">
                   <a:extLst>
                     <a:ext uri="{9D8B030D-6E8A-4147-A177-3AD203B41FA5}">
-                      <a16:colId xmlns="" xmlns:a16="http://schemas.microsoft.com/office/drawing/2014/main" val="20000"/>
+                      <a16:colId xmlns:a16="http://schemas.microsoft.com/office/drawing/2014/main" xmlns="" val="20000"/>
                     </a:ext>
                   </a:extLst>
                 </a:gridCol>
@@ -19410,7 +19410,7 @@
                 </a:tc>
                 <a:extLst>
                   <a:ext uri="{0D108BD9-81ED-4DB2-BD59-A6C34878D82A}">
-                    <a16:rowId xmlns="" xmlns:a16="http://schemas.microsoft.com/office/drawing/2014/main" val="10000"/>
+                    <a16:rowId xmlns:a16="http://schemas.microsoft.com/office/drawing/2014/main" xmlns="" val="10000"/>
                   </a:ext>
                 </a:extLst>
               </a:tr>
@@ -19474,7 +19474,7 @@
                 </a:tc>
                 <a:extLst>
                   <a:ext uri="{0D108BD9-81ED-4DB2-BD59-A6C34878D82A}">
-                    <a16:rowId xmlns="" xmlns:a16="http://schemas.microsoft.com/office/drawing/2014/main" val="10001"/>
+                    <a16:rowId xmlns:a16="http://schemas.microsoft.com/office/drawing/2014/main" xmlns="" val="10001"/>
                   </a:ext>
                 </a:extLst>
               </a:tr>
@@ -19487,7 +19487,7 @@
           <p:cNvPr id="12" name="직선 화살표 연결선 11">
             <a:extLst>
               <a:ext uri="{FF2B5EF4-FFF2-40B4-BE49-F238E27FC236}">
-                <a16:creationId xmlns="" xmlns:a16="http://schemas.microsoft.com/office/drawing/2014/main" id="{299DF5EC-9DF4-5255-06AC-0A7CE4FF58C3}"/>
+                <a16:creationId xmlns:a16="http://schemas.microsoft.com/office/drawing/2014/main" xmlns="" id="{299DF5EC-9DF4-5255-06AC-0A7CE4FF58C3}"/>
               </a:ext>
             </a:extLst>
           </p:cNvPr>
@@ -19528,7 +19528,7 @@
           <p:cNvPr id="14" name="직선 화살표 연결선 13">
             <a:extLst>
               <a:ext uri="{FF2B5EF4-FFF2-40B4-BE49-F238E27FC236}">
-                <a16:creationId xmlns="" xmlns:a16="http://schemas.microsoft.com/office/drawing/2014/main" id="{299DF5EC-9DF4-5255-06AC-0A7CE4FF58C3}"/>
+                <a16:creationId xmlns:a16="http://schemas.microsoft.com/office/drawing/2014/main" xmlns="" id="{299DF5EC-9DF4-5255-06AC-0A7CE4FF58C3}"/>
               </a:ext>
             </a:extLst>
           </p:cNvPr>
@@ -19818,7 +19818,7 @@
           <p:cNvPr id="6" name="그룹 1018">
             <a:extLst>
               <a:ext uri="{FF2B5EF4-FFF2-40B4-BE49-F238E27FC236}">
-                <a16:creationId xmlns="" xmlns:a16="http://schemas.microsoft.com/office/drawing/2014/main" id="{008489BA-FEFA-DE7D-B3CD-53A358B82592}"/>
+                <a16:creationId xmlns:a16="http://schemas.microsoft.com/office/drawing/2014/main" xmlns="" id="{008489BA-FEFA-DE7D-B3CD-53A358B82592}"/>
               </a:ext>
             </a:extLst>
           </p:cNvPr>
@@ -19838,7 +19838,7 @@
             <p:cNvPr id="7" name="Object 61">
               <a:extLst>
                 <a:ext uri="{FF2B5EF4-FFF2-40B4-BE49-F238E27FC236}">
-                  <a16:creationId xmlns="" xmlns:a16="http://schemas.microsoft.com/office/drawing/2014/main" id="{9ED25BE3-45BE-AC6D-D835-4457854D2832}"/>
+                  <a16:creationId xmlns:a16="http://schemas.microsoft.com/office/drawing/2014/main" xmlns="" id="{9ED25BE3-45BE-AC6D-D835-4457854D2832}"/>
                 </a:ext>
               </a:extLst>
             </p:cNvPr>
@@ -19869,7 +19869,7 @@
           <p:cNvPr id="8" name="그룹 1021">
             <a:extLst>
               <a:ext uri="{FF2B5EF4-FFF2-40B4-BE49-F238E27FC236}">
-                <a16:creationId xmlns="" xmlns:a16="http://schemas.microsoft.com/office/drawing/2014/main" id="{7FE0C0A1-ABE4-F0EA-AFC1-4622C45C99E7}"/>
+                <a16:creationId xmlns:a16="http://schemas.microsoft.com/office/drawing/2014/main" xmlns="" id="{7FE0C0A1-ABE4-F0EA-AFC1-4622C45C99E7}"/>
               </a:ext>
             </a:extLst>
           </p:cNvPr>
@@ -19889,7 +19889,7 @@
             <p:cNvPr id="9" name="Object 71">
               <a:extLst>
                 <a:ext uri="{FF2B5EF4-FFF2-40B4-BE49-F238E27FC236}">
-                  <a16:creationId xmlns="" xmlns:a16="http://schemas.microsoft.com/office/drawing/2014/main" id="{CDBB7D83-509F-9F4C-0C3E-DBA2562E5520}"/>
+                  <a16:creationId xmlns:a16="http://schemas.microsoft.com/office/drawing/2014/main" xmlns="" id="{CDBB7D83-509F-9F4C-0C3E-DBA2562E5520}"/>
                 </a:ext>
               </a:extLst>
             </p:cNvPr>
@@ -19920,7 +19920,7 @@
           <p:cNvPr id="10" name="그룹 1024">
             <a:extLst>
               <a:ext uri="{FF2B5EF4-FFF2-40B4-BE49-F238E27FC236}">
-                <a16:creationId xmlns="" xmlns:a16="http://schemas.microsoft.com/office/drawing/2014/main" id="{8EB1611F-852C-9617-AEEB-CFA38FFF8001}"/>
+                <a16:creationId xmlns:a16="http://schemas.microsoft.com/office/drawing/2014/main" xmlns="" id="{8EB1611F-852C-9617-AEEB-CFA38FFF8001}"/>
               </a:ext>
             </a:extLst>
           </p:cNvPr>
@@ -19940,7 +19940,7 @@
             <p:cNvPr id="11" name="Object 81">
               <a:extLst>
                 <a:ext uri="{FF2B5EF4-FFF2-40B4-BE49-F238E27FC236}">
-                  <a16:creationId xmlns="" xmlns:a16="http://schemas.microsoft.com/office/drawing/2014/main" id="{08657582-A0DF-A5DC-A662-189C639920C8}"/>
+                  <a16:creationId xmlns:a16="http://schemas.microsoft.com/office/drawing/2014/main" xmlns="" id="{08657582-A0DF-A5DC-A662-189C639920C8}"/>
                 </a:ext>
               </a:extLst>
             </p:cNvPr>
@@ -19971,7 +19971,7 @@
           <p:cNvPr id="13" name="TextBox 12">
             <a:extLst>
               <a:ext uri="{FF2B5EF4-FFF2-40B4-BE49-F238E27FC236}">
-                <a16:creationId xmlns="" xmlns:a16="http://schemas.microsoft.com/office/drawing/2014/main" id="{F68B80B8-3419-5C31-B2F2-084E536A2C1C}"/>
+                <a16:creationId xmlns:a16="http://schemas.microsoft.com/office/drawing/2014/main" xmlns="" id="{F68B80B8-3419-5C31-B2F2-084E536A2C1C}"/>
               </a:ext>
             </a:extLst>
           </p:cNvPr>
@@ -20019,7 +20019,7 @@
           <p:cNvPr id="14" name="TextBox 13">
             <a:extLst>
               <a:ext uri="{FF2B5EF4-FFF2-40B4-BE49-F238E27FC236}">
-                <a16:creationId xmlns="" xmlns:a16="http://schemas.microsoft.com/office/drawing/2014/main" id="{CB471B39-052C-65D2-3069-C74FA7421876}"/>
+                <a16:creationId xmlns:a16="http://schemas.microsoft.com/office/drawing/2014/main" xmlns="" id="{CB471B39-052C-65D2-3069-C74FA7421876}"/>
               </a:ext>
             </a:extLst>
           </p:cNvPr>
@@ -20067,7 +20067,7 @@
           <p:cNvPr id="15" name="TextBox 14">
             <a:extLst>
               <a:ext uri="{FF2B5EF4-FFF2-40B4-BE49-F238E27FC236}">
-                <a16:creationId xmlns="" xmlns:a16="http://schemas.microsoft.com/office/drawing/2014/main" id="{4A7E270B-9322-EABD-3A34-4D211B23AD38}"/>
+                <a16:creationId xmlns:a16="http://schemas.microsoft.com/office/drawing/2014/main" xmlns="" id="{4A7E270B-9322-EABD-3A34-4D211B23AD38}"/>
               </a:ext>
             </a:extLst>
           </p:cNvPr>
@@ -20235,7 +20235,7 @@
           <p:cNvPr id="24" name="TextBox 23">
             <a:extLst>
               <a:ext uri="{FF2B5EF4-FFF2-40B4-BE49-F238E27FC236}">
-                <a16:creationId xmlns="" xmlns:a16="http://schemas.microsoft.com/office/drawing/2014/main" id="{5ADC00B6-990A-40DC-3CEA-505258F5E8DA}"/>
+                <a16:creationId xmlns:a16="http://schemas.microsoft.com/office/drawing/2014/main" xmlns="" id="{5ADC00B6-990A-40DC-3CEA-505258F5E8DA}"/>
               </a:ext>
             </a:extLst>
           </p:cNvPr>
@@ -20670,14 +20670,14 @@
                 <a:gridCol w="2537224">
                   <a:extLst>
                     <a:ext uri="{9D8B030D-6E8A-4147-A177-3AD203B41FA5}">
-                      <a16:colId xmlns="" xmlns:a16="http://schemas.microsoft.com/office/drawing/2014/main" val="20000"/>
+                      <a16:colId xmlns:a16="http://schemas.microsoft.com/office/drawing/2014/main" xmlns="" val="20000"/>
                     </a:ext>
                   </a:extLst>
                 </a:gridCol>
                 <a:gridCol w="2568176">
                   <a:extLst>
                     <a:ext uri="{9D8B030D-6E8A-4147-A177-3AD203B41FA5}">
-                      <a16:colId xmlns="" xmlns:a16="http://schemas.microsoft.com/office/drawing/2014/main" val="20001"/>
+                      <a16:colId xmlns:a16="http://schemas.microsoft.com/office/drawing/2014/main" xmlns="" val="20001"/>
                     </a:ext>
                   </a:extLst>
                 </a:gridCol>
@@ -20806,7 +20806,7 @@
                 </a:tc>
                 <a:extLst>
                   <a:ext uri="{0D108BD9-81ED-4DB2-BD59-A6C34878D82A}">
-                    <a16:rowId xmlns="" xmlns:a16="http://schemas.microsoft.com/office/drawing/2014/main" val="10000"/>
+                    <a16:rowId xmlns:a16="http://schemas.microsoft.com/office/drawing/2014/main" xmlns="" val="10000"/>
                   </a:ext>
                 </a:extLst>
               </a:tr>
@@ -20959,7 +20959,7 @@
                 </a:tc>
                 <a:extLst>
                   <a:ext uri="{0D108BD9-81ED-4DB2-BD59-A6C34878D82A}">
-                    <a16:rowId xmlns="" xmlns:a16="http://schemas.microsoft.com/office/drawing/2014/main" val="10001"/>
+                    <a16:rowId xmlns:a16="http://schemas.microsoft.com/office/drawing/2014/main" xmlns="" val="10001"/>
                   </a:ext>
                 </a:extLst>
               </a:tr>
@@ -21080,7 +21080,7 @@
                 </a:tc>
                 <a:extLst>
                   <a:ext uri="{0D108BD9-81ED-4DB2-BD59-A6C34878D82A}">
-                    <a16:rowId xmlns="" xmlns:a16="http://schemas.microsoft.com/office/drawing/2014/main" val="10002"/>
+                    <a16:rowId xmlns:a16="http://schemas.microsoft.com/office/drawing/2014/main" xmlns="" val="10002"/>
                   </a:ext>
                 </a:extLst>
               </a:tr>
@@ -21093,7 +21093,7 @@
           <p:cNvPr id="2" name="표 1">
             <a:extLst>
               <a:ext uri="{FF2B5EF4-FFF2-40B4-BE49-F238E27FC236}">
-                <a16:creationId xmlns="" xmlns:a16="http://schemas.microsoft.com/office/drawing/2014/main" id="{997BE140-4E76-8C74-849E-0234D3CEC4C7}"/>
+                <a16:creationId xmlns:a16="http://schemas.microsoft.com/office/drawing/2014/main" xmlns="" id="{997BE140-4E76-8C74-849E-0234D3CEC4C7}"/>
               </a:ext>
             </a:extLst>
           </p:cNvPr>
@@ -21122,7 +21122,7 @@
                 <a:gridCol w="2568176">
                   <a:extLst>
                     <a:ext uri="{9D8B030D-6E8A-4147-A177-3AD203B41FA5}">
-                      <a16:colId xmlns="" xmlns:a16="http://schemas.microsoft.com/office/drawing/2014/main" val="20001"/>
+                      <a16:colId xmlns:a16="http://schemas.microsoft.com/office/drawing/2014/main" xmlns="" val="20001"/>
                     </a:ext>
                   </a:extLst>
                 </a:gridCol>
@@ -21195,7 +21195,7 @@
                 </a:tc>
                 <a:extLst>
                   <a:ext uri="{0D108BD9-81ED-4DB2-BD59-A6C34878D82A}">
-                    <a16:rowId xmlns="" xmlns:a16="http://schemas.microsoft.com/office/drawing/2014/main" val="10000"/>
+                    <a16:rowId xmlns:a16="http://schemas.microsoft.com/office/drawing/2014/main" xmlns="" val="10000"/>
                   </a:ext>
                 </a:extLst>
               </a:tr>
@@ -21275,7 +21275,7 @@
                 </a:tc>
                 <a:extLst>
                   <a:ext uri="{0D108BD9-81ED-4DB2-BD59-A6C34878D82A}">
-                    <a16:rowId xmlns="" xmlns:a16="http://schemas.microsoft.com/office/drawing/2014/main" val="10001"/>
+                    <a16:rowId xmlns:a16="http://schemas.microsoft.com/office/drawing/2014/main" xmlns="" val="10001"/>
                   </a:ext>
                 </a:extLst>
               </a:tr>
@@ -21288,7 +21288,7 @@
           <p:cNvPr id="3" name="직선 화살표 연결선 2">
             <a:extLst>
               <a:ext uri="{FF2B5EF4-FFF2-40B4-BE49-F238E27FC236}">
-                <a16:creationId xmlns="" xmlns:a16="http://schemas.microsoft.com/office/drawing/2014/main" id="{73D6F2B2-EE0B-D6BD-4C3A-D7719A76DB6E}"/>
+                <a16:creationId xmlns:a16="http://schemas.microsoft.com/office/drawing/2014/main" xmlns="" id="{73D6F2B2-EE0B-D6BD-4C3A-D7719A76DB6E}"/>
               </a:ext>
             </a:extLst>
           </p:cNvPr>
@@ -21329,7 +21329,7 @@
           <p:cNvPr id="7" name="곱셈 기호 31">
             <a:extLst>
               <a:ext uri="{FF2B5EF4-FFF2-40B4-BE49-F238E27FC236}">
-                <a16:creationId xmlns="" xmlns:a16="http://schemas.microsoft.com/office/drawing/2014/main" id="{6BF67940-62CB-794B-EBE7-0F8173BA6D01}"/>
+                <a16:creationId xmlns:a16="http://schemas.microsoft.com/office/drawing/2014/main" xmlns="" id="{6BF67940-62CB-794B-EBE7-0F8173BA6D01}"/>
               </a:ext>
             </a:extLst>
           </p:cNvPr>
@@ -21385,7 +21385,7 @@
           <p:cNvPr id="9" name="TextBox 8">
             <a:extLst>
               <a:ext uri="{FF2B5EF4-FFF2-40B4-BE49-F238E27FC236}">
-                <a16:creationId xmlns="" xmlns:a16="http://schemas.microsoft.com/office/drawing/2014/main" id="{D64AB9AE-91FF-074E-A3DA-9241D7BF90DF}"/>
+                <a16:creationId xmlns:a16="http://schemas.microsoft.com/office/drawing/2014/main" xmlns="" id="{D64AB9AE-91FF-074E-A3DA-9241D7BF90DF}"/>
               </a:ext>
             </a:extLst>
           </p:cNvPr>
@@ -21692,7 +21692,7 @@
           <p:cNvPr id="2" name="TextBox 1">
             <a:extLst>
               <a:ext uri="{FF2B5EF4-FFF2-40B4-BE49-F238E27FC236}">
-                <a16:creationId xmlns="" xmlns:a16="http://schemas.microsoft.com/office/drawing/2014/main" id="{AF6E8CE0-4782-3A99-AD4F-3684390C1016}"/>
+                <a16:creationId xmlns:a16="http://schemas.microsoft.com/office/drawing/2014/main" xmlns="" id="{AF6E8CE0-4782-3A99-AD4F-3684390C1016}"/>
               </a:ext>
             </a:extLst>
           </p:cNvPr>
@@ -21780,7 +21780,7 @@
           <p:cNvPr id="4" name="TextBox 3">
             <a:extLst>
               <a:ext uri="{FF2B5EF4-FFF2-40B4-BE49-F238E27FC236}">
-                <a16:creationId xmlns="" xmlns:a16="http://schemas.microsoft.com/office/drawing/2014/main" id="{5ADC00B6-990A-40DC-3CEA-505258F5E8DA}"/>
+                <a16:creationId xmlns:a16="http://schemas.microsoft.com/office/drawing/2014/main" xmlns="" id="{5ADC00B6-990A-40DC-3CEA-505258F5E8DA}"/>
               </a:ext>
             </a:extLst>
           </p:cNvPr>
@@ -21929,7 +21929,7 @@
           <p:cNvPr id="6" name="직사각형 5">
             <a:extLst>
               <a:ext uri="{FF2B5EF4-FFF2-40B4-BE49-F238E27FC236}">
-                <a16:creationId xmlns="" xmlns:a16="http://schemas.microsoft.com/office/drawing/2014/main" id="{FFF506F9-840A-0508-4CAF-3AC711D8D5CE}"/>
+                <a16:creationId xmlns:a16="http://schemas.microsoft.com/office/drawing/2014/main" xmlns="" id="{FFF506F9-840A-0508-4CAF-3AC711D8D5CE}"/>
               </a:ext>
             </a:extLst>
           </p:cNvPr>
@@ -21981,7 +21981,7 @@
           <p:cNvPr id="2" name="TextBox 1">
             <a:extLst>
               <a:ext uri="{FF2B5EF4-FFF2-40B4-BE49-F238E27FC236}">
-                <a16:creationId xmlns="" xmlns:a16="http://schemas.microsoft.com/office/drawing/2014/main" id="{8BD2ED5A-5CA2-F84F-13E6-A2AC3854D891}"/>
+                <a16:creationId xmlns:a16="http://schemas.microsoft.com/office/drawing/2014/main" xmlns="" id="{8BD2ED5A-5CA2-F84F-13E6-A2AC3854D891}"/>
               </a:ext>
             </a:extLst>
           </p:cNvPr>
@@ -22093,7 +22093,7 @@
           <p:cNvPr id="3" name="그림 2">
             <a:extLst>
               <a:ext uri="{FF2B5EF4-FFF2-40B4-BE49-F238E27FC236}">
-                <a16:creationId xmlns="" xmlns:a16="http://schemas.microsoft.com/office/drawing/2014/main" id="{63973ADD-1310-B140-4EAA-B78003F051BC}"/>
+                <a16:creationId xmlns:a16="http://schemas.microsoft.com/office/drawing/2014/main" xmlns="" id="{63973ADD-1310-B140-4EAA-B78003F051BC}"/>
               </a:ext>
             </a:extLst>
           </p:cNvPr>
@@ -22123,7 +22123,7 @@
           <p:cNvPr id="6" name="직사각형 5">
             <a:extLst>
               <a:ext uri="{FF2B5EF4-FFF2-40B4-BE49-F238E27FC236}">
-                <a16:creationId xmlns="" xmlns:a16="http://schemas.microsoft.com/office/drawing/2014/main" id="{D4194E25-989E-0C55-B712-570C7D5091F0}"/>
+                <a16:creationId xmlns:a16="http://schemas.microsoft.com/office/drawing/2014/main" xmlns="" id="{D4194E25-989E-0C55-B712-570C7D5091F0}"/>
               </a:ext>
             </a:extLst>
           </p:cNvPr>
@@ -22175,7 +22175,7 @@
           <p:cNvPr id="8" name="그림 7">
             <a:extLst>
               <a:ext uri="{FF2B5EF4-FFF2-40B4-BE49-F238E27FC236}">
-                <a16:creationId xmlns="" xmlns:a16="http://schemas.microsoft.com/office/drawing/2014/main" id="{1F34AA6C-44C4-4AAC-1FC2-230C55141948}"/>
+                <a16:creationId xmlns:a16="http://schemas.microsoft.com/office/drawing/2014/main" xmlns="" id="{1F34AA6C-44C4-4AAC-1FC2-230C55141948}"/>
               </a:ext>
             </a:extLst>
           </p:cNvPr>
@@ -22205,7 +22205,7 @@
           <p:cNvPr id="9" name="직사각형 8">
             <a:extLst>
               <a:ext uri="{FF2B5EF4-FFF2-40B4-BE49-F238E27FC236}">
-                <a16:creationId xmlns="" xmlns:a16="http://schemas.microsoft.com/office/drawing/2014/main" id="{39C40DE3-07FC-5B3E-1952-F1D0DDF51453}"/>
+                <a16:creationId xmlns:a16="http://schemas.microsoft.com/office/drawing/2014/main" xmlns="" id="{39C40DE3-07FC-5B3E-1952-F1D0DDF51453}"/>
               </a:ext>
             </a:extLst>
           </p:cNvPr>
@@ -22287,7 +22287,7 @@
           <p:cNvPr id="4" name="TextBox 3">
             <a:extLst>
               <a:ext uri="{FF2B5EF4-FFF2-40B4-BE49-F238E27FC236}">
-                <a16:creationId xmlns="" xmlns:a16="http://schemas.microsoft.com/office/drawing/2014/main" id="{E7F95338-D8E8-1A47-9B0B-2BEC0D129ACB}"/>
+                <a16:creationId xmlns:a16="http://schemas.microsoft.com/office/drawing/2014/main" xmlns="" id="{E7F95338-D8E8-1A47-9B0B-2BEC0D129ACB}"/>
               </a:ext>
             </a:extLst>
           </p:cNvPr>
@@ -22348,7 +22348,7 @@
           <p:cNvPr id="5" name="TextBox 4">
             <a:extLst>
               <a:ext uri="{FF2B5EF4-FFF2-40B4-BE49-F238E27FC236}">
-                <a16:creationId xmlns="" xmlns:a16="http://schemas.microsoft.com/office/drawing/2014/main" id="{D40AEE29-AEAC-513F-8C7B-D77B52819A0F}"/>
+                <a16:creationId xmlns:a16="http://schemas.microsoft.com/office/drawing/2014/main" xmlns="" id="{D40AEE29-AEAC-513F-8C7B-D77B52819A0F}"/>
               </a:ext>
             </a:extLst>
           </p:cNvPr>
@@ -22769,7 +22769,7 @@
           <p:cNvPr id="5" name="그림 4">
             <a:extLst>
               <a:ext uri="{FF2B5EF4-FFF2-40B4-BE49-F238E27FC236}">
-                <a16:creationId xmlns="" xmlns:a16="http://schemas.microsoft.com/office/drawing/2014/main" id="{4C1E5A44-674D-671D-9AB9-96FADBF3612B}"/>
+                <a16:creationId xmlns:a16="http://schemas.microsoft.com/office/drawing/2014/main" xmlns="" id="{4C1E5A44-674D-671D-9AB9-96FADBF3612B}"/>
               </a:ext>
             </a:extLst>
           </p:cNvPr>
@@ -22799,7 +22799,7 @@
           <p:cNvPr id="6" name="직선 화살표 연결선 5">
             <a:extLst>
               <a:ext uri="{FF2B5EF4-FFF2-40B4-BE49-F238E27FC236}">
-                <a16:creationId xmlns="" xmlns:a16="http://schemas.microsoft.com/office/drawing/2014/main" id="{75908EAF-DC59-A016-BC77-60D68A02BC58}"/>
+                <a16:creationId xmlns:a16="http://schemas.microsoft.com/office/drawing/2014/main" xmlns="" id="{75908EAF-DC59-A016-BC77-60D68A02BC58}"/>
               </a:ext>
             </a:extLst>
           </p:cNvPr>
@@ -22840,7 +22840,7 @@
           <p:cNvPr id="7" name="TextBox 6">
             <a:extLst>
               <a:ext uri="{FF2B5EF4-FFF2-40B4-BE49-F238E27FC236}">
-                <a16:creationId xmlns="" xmlns:a16="http://schemas.microsoft.com/office/drawing/2014/main" id="{E63F965D-29AF-DE1C-5B98-DBB3BB85DFAE}"/>
+                <a16:creationId xmlns:a16="http://schemas.microsoft.com/office/drawing/2014/main" xmlns="" id="{E63F965D-29AF-DE1C-5B98-DBB3BB85DFAE}"/>
               </a:ext>
             </a:extLst>
           </p:cNvPr>
@@ -22891,7 +22891,7 @@
           <p:cNvPr id="9" name="그림 8">
             <a:extLst>
               <a:ext uri="{FF2B5EF4-FFF2-40B4-BE49-F238E27FC236}">
-                <a16:creationId xmlns="" xmlns:a16="http://schemas.microsoft.com/office/drawing/2014/main" id="{ABEEEEFF-3C09-B89D-E9C1-0E692C4188B0}"/>
+                <a16:creationId xmlns:a16="http://schemas.microsoft.com/office/drawing/2014/main" xmlns="" id="{ABEEEEFF-3C09-B89D-E9C1-0E692C4188B0}"/>
               </a:ext>
             </a:extLst>
           </p:cNvPr>
@@ -22921,7 +22921,7 @@
           <p:cNvPr id="10" name="직선 화살표 연결선 9">
             <a:extLst>
               <a:ext uri="{FF2B5EF4-FFF2-40B4-BE49-F238E27FC236}">
-                <a16:creationId xmlns="" xmlns:a16="http://schemas.microsoft.com/office/drawing/2014/main" id="{72748C94-A7E3-EBE6-4E54-D9C607D67005}"/>
+                <a16:creationId xmlns:a16="http://schemas.microsoft.com/office/drawing/2014/main" xmlns="" id="{72748C94-A7E3-EBE6-4E54-D9C607D67005}"/>
               </a:ext>
             </a:extLst>
           </p:cNvPr>
@@ -22963,7 +22963,7 @@
           <p:cNvPr id="11" name="TextBox 10">
             <a:extLst>
               <a:ext uri="{FF2B5EF4-FFF2-40B4-BE49-F238E27FC236}">
-                <a16:creationId xmlns="" xmlns:a16="http://schemas.microsoft.com/office/drawing/2014/main" id="{66DF052C-9323-9F8D-4857-1B2D989FFF9F}"/>
+                <a16:creationId xmlns:a16="http://schemas.microsoft.com/office/drawing/2014/main" xmlns="" id="{66DF052C-9323-9F8D-4857-1B2D989FFF9F}"/>
               </a:ext>
             </a:extLst>
           </p:cNvPr>
@@ -23074,7 +23074,7 @@
           <p:cNvPr id="4" name="그룹 1018">
             <a:extLst>
               <a:ext uri="{FF2B5EF4-FFF2-40B4-BE49-F238E27FC236}">
-                <a16:creationId xmlns="" xmlns:a16="http://schemas.microsoft.com/office/drawing/2014/main" id="{88809E16-31F7-1F83-2FAC-75A0671E0E63}"/>
+                <a16:creationId xmlns:a16="http://schemas.microsoft.com/office/drawing/2014/main" xmlns="" id="{88809E16-31F7-1F83-2FAC-75A0671E0E63}"/>
               </a:ext>
             </a:extLst>
           </p:cNvPr>
@@ -23094,7 +23094,7 @@
             <p:cNvPr id="5" name="Object 61">
               <a:extLst>
                 <a:ext uri="{FF2B5EF4-FFF2-40B4-BE49-F238E27FC236}">
-                  <a16:creationId xmlns="" xmlns:a16="http://schemas.microsoft.com/office/drawing/2014/main" id="{E1173C9E-3171-FA64-34F6-A314CF0D2703}"/>
+                  <a16:creationId xmlns:a16="http://schemas.microsoft.com/office/drawing/2014/main" xmlns="" id="{E1173C9E-3171-FA64-34F6-A314CF0D2703}"/>
                 </a:ext>
               </a:extLst>
             </p:cNvPr>
@@ -23125,7 +23125,7 @@
           <p:cNvPr id="6" name="TextBox 5">
             <a:extLst>
               <a:ext uri="{FF2B5EF4-FFF2-40B4-BE49-F238E27FC236}">
-                <a16:creationId xmlns="" xmlns:a16="http://schemas.microsoft.com/office/drawing/2014/main" id="{32037D5E-FE66-9272-14CC-2284752BAAC1}"/>
+                <a16:creationId xmlns:a16="http://schemas.microsoft.com/office/drawing/2014/main" xmlns="" id="{32037D5E-FE66-9272-14CC-2284752BAAC1}"/>
               </a:ext>
             </a:extLst>
           </p:cNvPr>
@@ -23169,7 +23169,7 @@
           <p:cNvPr id="7" name="그룹 1018">
             <a:extLst>
               <a:ext uri="{FF2B5EF4-FFF2-40B4-BE49-F238E27FC236}">
-                <a16:creationId xmlns="" xmlns:a16="http://schemas.microsoft.com/office/drawing/2014/main" id="{1DBF8C05-A7A0-E308-2C72-A1A1D48209F9}"/>
+                <a16:creationId xmlns:a16="http://schemas.microsoft.com/office/drawing/2014/main" xmlns="" id="{1DBF8C05-A7A0-E308-2C72-A1A1D48209F9}"/>
               </a:ext>
             </a:extLst>
           </p:cNvPr>
@@ -23189,7 +23189,7 @@
             <p:cNvPr id="8" name="Object 61">
               <a:extLst>
                 <a:ext uri="{FF2B5EF4-FFF2-40B4-BE49-F238E27FC236}">
-                  <a16:creationId xmlns="" xmlns:a16="http://schemas.microsoft.com/office/drawing/2014/main" id="{8890B65A-EE37-9FB0-11D0-D9028D5D4030}"/>
+                  <a16:creationId xmlns:a16="http://schemas.microsoft.com/office/drawing/2014/main" xmlns="" id="{8890B65A-EE37-9FB0-11D0-D9028D5D4030}"/>
                 </a:ext>
               </a:extLst>
             </p:cNvPr>
@@ -23220,7 +23220,7 @@
           <p:cNvPr id="9" name="TextBox 8">
             <a:extLst>
               <a:ext uri="{FF2B5EF4-FFF2-40B4-BE49-F238E27FC236}">
-                <a16:creationId xmlns="" xmlns:a16="http://schemas.microsoft.com/office/drawing/2014/main" id="{03580C69-6090-E762-1CFF-CABCB1A1F84D}"/>
+                <a16:creationId xmlns:a16="http://schemas.microsoft.com/office/drawing/2014/main" xmlns="" id="{03580C69-6090-E762-1CFF-CABCB1A1F84D}"/>
               </a:ext>
             </a:extLst>
           </p:cNvPr>
@@ -23264,7 +23264,7 @@
           <p:cNvPr id="10" name="그룹 1018">
             <a:extLst>
               <a:ext uri="{FF2B5EF4-FFF2-40B4-BE49-F238E27FC236}">
-                <a16:creationId xmlns="" xmlns:a16="http://schemas.microsoft.com/office/drawing/2014/main" id="{BD5EE8EE-7D57-CD91-F304-6250026830C6}"/>
+                <a16:creationId xmlns:a16="http://schemas.microsoft.com/office/drawing/2014/main" xmlns="" id="{BD5EE8EE-7D57-CD91-F304-6250026830C6}"/>
               </a:ext>
             </a:extLst>
           </p:cNvPr>
@@ -23284,7 +23284,7 @@
             <p:cNvPr id="11" name="Object 61">
               <a:extLst>
                 <a:ext uri="{FF2B5EF4-FFF2-40B4-BE49-F238E27FC236}">
-                  <a16:creationId xmlns="" xmlns:a16="http://schemas.microsoft.com/office/drawing/2014/main" id="{55D32D67-44A3-9BA9-40E1-962240690E74}"/>
+                  <a16:creationId xmlns:a16="http://schemas.microsoft.com/office/drawing/2014/main" xmlns="" id="{55D32D67-44A3-9BA9-40E1-962240690E74}"/>
                 </a:ext>
               </a:extLst>
             </p:cNvPr>
@@ -23315,7 +23315,7 @@
           <p:cNvPr id="12" name="TextBox 11">
             <a:extLst>
               <a:ext uri="{FF2B5EF4-FFF2-40B4-BE49-F238E27FC236}">
-                <a16:creationId xmlns="" xmlns:a16="http://schemas.microsoft.com/office/drawing/2014/main" id="{2E843C5C-F5F0-B014-4B60-31604E120CA8}"/>
+                <a16:creationId xmlns:a16="http://schemas.microsoft.com/office/drawing/2014/main" xmlns="" id="{2E843C5C-F5F0-B014-4B60-31604E120CA8}"/>
               </a:ext>
             </a:extLst>
           </p:cNvPr>
@@ -23359,7 +23359,7 @@
           <p:cNvPr id="13" name="직선 화살표 연결선 12">
             <a:extLst>
               <a:ext uri="{FF2B5EF4-FFF2-40B4-BE49-F238E27FC236}">
-                <a16:creationId xmlns="" xmlns:a16="http://schemas.microsoft.com/office/drawing/2014/main" id="{D18E0CA5-8F28-6CF5-D994-34D82E76FA59}"/>
+                <a16:creationId xmlns:a16="http://schemas.microsoft.com/office/drawing/2014/main" xmlns="" id="{D18E0CA5-8F28-6CF5-D994-34D82E76FA59}"/>
               </a:ext>
             </a:extLst>
           </p:cNvPr>
@@ -23402,7 +23402,7 @@
           <p:cNvPr id="16" name="직선 화살표 연결선 15">
             <a:extLst>
               <a:ext uri="{FF2B5EF4-FFF2-40B4-BE49-F238E27FC236}">
-                <a16:creationId xmlns="" xmlns:a16="http://schemas.microsoft.com/office/drawing/2014/main" id="{63A2BB84-DB21-3B86-E191-9D086538A8E8}"/>
+                <a16:creationId xmlns:a16="http://schemas.microsoft.com/office/drawing/2014/main" xmlns="" id="{63A2BB84-DB21-3B86-E191-9D086538A8E8}"/>
               </a:ext>
             </a:extLst>
           </p:cNvPr>
@@ -23443,7 +23443,7 @@
           <p:cNvPr id="17" name="TextBox 16">
             <a:extLst>
               <a:ext uri="{FF2B5EF4-FFF2-40B4-BE49-F238E27FC236}">
-                <a16:creationId xmlns="" xmlns:a16="http://schemas.microsoft.com/office/drawing/2014/main" id="{F98D168E-7AFC-9208-1631-471768BCB29E}"/>
+                <a16:creationId xmlns:a16="http://schemas.microsoft.com/office/drawing/2014/main" xmlns="" id="{F98D168E-7AFC-9208-1631-471768BCB29E}"/>
               </a:ext>
             </a:extLst>
           </p:cNvPr>
@@ -23544,7 +23544,7 @@
           <p:cNvPr id="15" name="그림 14">
             <a:extLst>
               <a:ext uri="{FF2B5EF4-FFF2-40B4-BE49-F238E27FC236}">
-                <a16:creationId xmlns="" xmlns:a16="http://schemas.microsoft.com/office/drawing/2014/main" id="{53724FB4-B4A1-0A70-1F84-114E17B93993}"/>
+                <a16:creationId xmlns:a16="http://schemas.microsoft.com/office/drawing/2014/main" xmlns="" id="{53724FB4-B4A1-0A70-1F84-114E17B93993}"/>
               </a:ext>
             </a:extLst>
           </p:cNvPr>
@@ -23574,7 +23574,7 @@
           <p:cNvPr id="5" name="그림 4">
             <a:extLst>
               <a:ext uri="{FF2B5EF4-FFF2-40B4-BE49-F238E27FC236}">
-                <a16:creationId xmlns="" xmlns:a16="http://schemas.microsoft.com/office/drawing/2014/main" id="{B3B08C97-DB9D-E09A-46A5-9DE74C54D1EA}"/>
+                <a16:creationId xmlns:a16="http://schemas.microsoft.com/office/drawing/2014/main" xmlns="" id="{B3B08C97-DB9D-E09A-46A5-9DE74C54D1EA}"/>
               </a:ext>
             </a:extLst>
           </p:cNvPr>
@@ -23604,7 +23604,7 @@
           <p:cNvPr id="10" name="직선 화살표 연결선 9">
             <a:extLst>
               <a:ext uri="{FF2B5EF4-FFF2-40B4-BE49-F238E27FC236}">
-                <a16:creationId xmlns="" xmlns:a16="http://schemas.microsoft.com/office/drawing/2014/main" id="{C07CC10E-FCEF-C096-5466-649AE800D608}"/>
+                <a16:creationId xmlns:a16="http://schemas.microsoft.com/office/drawing/2014/main" xmlns="" id="{C07CC10E-FCEF-C096-5466-649AE800D608}"/>
               </a:ext>
             </a:extLst>
           </p:cNvPr>
@@ -23645,7 +23645,7 @@
           <p:cNvPr id="11" name="직사각형 10">
             <a:extLst>
               <a:ext uri="{FF2B5EF4-FFF2-40B4-BE49-F238E27FC236}">
-                <a16:creationId xmlns="" xmlns:a16="http://schemas.microsoft.com/office/drawing/2014/main" id="{8E401B37-F787-3B11-93A1-BECFD1EFA32B}"/>
+                <a16:creationId xmlns:a16="http://schemas.microsoft.com/office/drawing/2014/main" xmlns="" id="{8E401B37-F787-3B11-93A1-BECFD1EFA32B}"/>
               </a:ext>
             </a:extLst>
           </p:cNvPr>
@@ -23697,7 +23697,7 @@
           <p:cNvPr id="12" name="TextBox 11">
             <a:extLst>
               <a:ext uri="{FF2B5EF4-FFF2-40B4-BE49-F238E27FC236}">
-                <a16:creationId xmlns="" xmlns:a16="http://schemas.microsoft.com/office/drawing/2014/main" id="{F1573BBE-058D-47FE-4B71-A1221360D1A1}"/>
+                <a16:creationId xmlns:a16="http://schemas.microsoft.com/office/drawing/2014/main" xmlns="" id="{F1573BBE-058D-47FE-4B71-A1221360D1A1}"/>
               </a:ext>
             </a:extLst>
           </p:cNvPr>
@@ -23941,7 +23941,7 @@
           <p:cNvPr id="4" name="그룹 1015">
             <a:extLst>
               <a:ext uri="{FF2B5EF4-FFF2-40B4-BE49-F238E27FC236}">
-                <a16:creationId xmlns="" xmlns:a16="http://schemas.microsoft.com/office/drawing/2014/main" id="{76F5E01D-ECD6-A51D-DC2B-05DA1EBF93C7}"/>
+                <a16:creationId xmlns:a16="http://schemas.microsoft.com/office/drawing/2014/main" xmlns="" id="{76F5E01D-ECD6-A51D-DC2B-05DA1EBF93C7}"/>
               </a:ext>
             </a:extLst>
           </p:cNvPr>
@@ -23961,7 +23961,7 @@
             <p:cNvPr id="5" name="Object 52">
               <a:extLst>
                 <a:ext uri="{FF2B5EF4-FFF2-40B4-BE49-F238E27FC236}">
-                  <a16:creationId xmlns="" xmlns:a16="http://schemas.microsoft.com/office/drawing/2014/main" id="{D83975B3-46BC-7686-ECA1-1D7ECFA74A69}"/>
+                  <a16:creationId xmlns:a16="http://schemas.microsoft.com/office/drawing/2014/main" xmlns="" id="{D83975B3-46BC-7686-ECA1-1D7ECFA74A69}"/>
                 </a:ext>
               </a:extLst>
             </p:cNvPr>
@@ -23992,7 +23992,7 @@
           <p:cNvPr id="6" name="그룹 1018">
             <a:extLst>
               <a:ext uri="{FF2B5EF4-FFF2-40B4-BE49-F238E27FC236}">
-                <a16:creationId xmlns="" xmlns:a16="http://schemas.microsoft.com/office/drawing/2014/main" id="{008489BA-FEFA-DE7D-B3CD-53A358B82592}"/>
+                <a16:creationId xmlns:a16="http://schemas.microsoft.com/office/drawing/2014/main" xmlns="" id="{008489BA-FEFA-DE7D-B3CD-53A358B82592}"/>
               </a:ext>
             </a:extLst>
           </p:cNvPr>
@@ -24012,7 +24012,7 @@
             <p:cNvPr id="7" name="Object 61">
               <a:extLst>
                 <a:ext uri="{FF2B5EF4-FFF2-40B4-BE49-F238E27FC236}">
-                  <a16:creationId xmlns="" xmlns:a16="http://schemas.microsoft.com/office/drawing/2014/main" id="{9ED25BE3-45BE-AC6D-D835-4457854D2832}"/>
+                  <a16:creationId xmlns:a16="http://schemas.microsoft.com/office/drawing/2014/main" xmlns="" id="{9ED25BE3-45BE-AC6D-D835-4457854D2832}"/>
                 </a:ext>
               </a:extLst>
             </p:cNvPr>
@@ -24043,7 +24043,7 @@
           <p:cNvPr id="8" name="그룹 1021">
             <a:extLst>
               <a:ext uri="{FF2B5EF4-FFF2-40B4-BE49-F238E27FC236}">
-                <a16:creationId xmlns="" xmlns:a16="http://schemas.microsoft.com/office/drawing/2014/main" id="{7FE0C0A1-ABE4-F0EA-AFC1-4622C45C99E7}"/>
+                <a16:creationId xmlns:a16="http://schemas.microsoft.com/office/drawing/2014/main" xmlns="" id="{7FE0C0A1-ABE4-F0EA-AFC1-4622C45C99E7}"/>
               </a:ext>
             </a:extLst>
           </p:cNvPr>
@@ -24063,7 +24063,7 @@
             <p:cNvPr id="9" name="Object 71">
               <a:extLst>
                 <a:ext uri="{FF2B5EF4-FFF2-40B4-BE49-F238E27FC236}">
-                  <a16:creationId xmlns="" xmlns:a16="http://schemas.microsoft.com/office/drawing/2014/main" id="{CDBB7D83-509F-9F4C-0C3E-DBA2562E5520}"/>
+                  <a16:creationId xmlns:a16="http://schemas.microsoft.com/office/drawing/2014/main" xmlns="" id="{CDBB7D83-509F-9F4C-0C3E-DBA2562E5520}"/>
                 </a:ext>
               </a:extLst>
             </p:cNvPr>
@@ -24094,7 +24094,7 @@
           <p:cNvPr id="10" name="그룹 1024">
             <a:extLst>
               <a:ext uri="{FF2B5EF4-FFF2-40B4-BE49-F238E27FC236}">
-                <a16:creationId xmlns="" xmlns:a16="http://schemas.microsoft.com/office/drawing/2014/main" id="{8EB1611F-852C-9617-AEEB-CFA38FFF8001}"/>
+                <a16:creationId xmlns:a16="http://schemas.microsoft.com/office/drawing/2014/main" xmlns="" id="{8EB1611F-852C-9617-AEEB-CFA38FFF8001}"/>
               </a:ext>
             </a:extLst>
           </p:cNvPr>
@@ -24114,7 +24114,7 @@
             <p:cNvPr id="11" name="Object 81">
               <a:extLst>
                 <a:ext uri="{FF2B5EF4-FFF2-40B4-BE49-F238E27FC236}">
-                  <a16:creationId xmlns="" xmlns:a16="http://schemas.microsoft.com/office/drawing/2014/main" id="{08657582-A0DF-A5DC-A662-189C639920C8}"/>
+                  <a16:creationId xmlns:a16="http://schemas.microsoft.com/office/drawing/2014/main" xmlns="" id="{08657582-A0DF-A5DC-A662-189C639920C8}"/>
                 </a:ext>
               </a:extLst>
             </p:cNvPr>
@@ -24145,7 +24145,7 @@
           <p:cNvPr id="12" name="TextBox 11">
             <a:extLst>
               <a:ext uri="{FF2B5EF4-FFF2-40B4-BE49-F238E27FC236}">
-                <a16:creationId xmlns="" xmlns:a16="http://schemas.microsoft.com/office/drawing/2014/main" id="{FC41B7B2-904B-813A-22B8-239E383F4360}"/>
+                <a16:creationId xmlns:a16="http://schemas.microsoft.com/office/drawing/2014/main" xmlns="" id="{FC41B7B2-904B-813A-22B8-239E383F4360}"/>
               </a:ext>
             </a:extLst>
           </p:cNvPr>
@@ -24193,7 +24193,7 @@
           <p:cNvPr id="13" name="TextBox 12">
             <a:extLst>
               <a:ext uri="{FF2B5EF4-FFF2-40B4-BE49-F238E27FC236}">
-                <a16:creationId xmlns="" xmlns:a16="http://schemas.microsoft.com/office/drawing/2014/main" id="{F68B80B8-3419-5C31-B2F2-084E536A2C1C}"/>
+                <a16:creationId xmlns:a16="http://schemas.microsoft.com/office/drawing/2014/main" xmlns="" id="{F68B80B8-3419-5C31-B2F2-084E536A2C1C}"/>
               </a:ext>
             </a:extLst>
           </p:cNvPr>
@@ -24241,7 +24241,7 @@
           <p:cNvPr id="14" name="TextBox 13">
             <a:extLst>
               <a:ext uri="{FF2B5EF4-FFF2-40B4-BE49-F238E27FC236}">
-                <a16:creationId xmlns="" xmlns:a16="http://schemas.microsoft.com/office/drawing/2014/main" id="{CB471B39-052C-65D2-3069-C74FA7421876}"/>
+                <a16:creationId xmlns:a16="http://schemas.microsoft.com/office/drawing/2014/main" xmlns="" id="{CB471B39-052C-65D2-3069-C74FA7421876}"/>
               </a:ext>
             </a:extLst>
           </p:cNvPr>
@@ -24289,7 +24289,7 @@
           <p:cNvPr id="15" name="TextBox 14">
             <a:extLst>
               <a:ext uri="{FF2B5EF4-FFF2-40B4-BE49-F238E27FC236}">
-                <a16:creationId xmlns="" xmlns:a16="http://schemas.microsoft.com/office/drawing/2014/main" id="{4A7E270B-9322-EABD-3A34-4D211B23AD38}"/>
+                <a16:creationId xmlns:a16="http://schemas.microsoft.com/office/drawing/2014/main" xmlns="" id="{4A7E270B-9322-EABD-3A34-4D211B23AD38}"/>
               </a:ext>
             </a:extLst>
           </p:cNvPr>
@@ -24337,7 +24337,7 @@
           <p:cNvPr id="16" name="직선 화살표 연결선 15">
             <a:extLst>
               <a:ext uri="{FF2B5EF4-FFF2-40B4-BE49-F238E27FC236}">
-                <a16:creationId xmlns="" xmlns:a16="http://schemas.microsoft.com/office/drawing/2014/main" id="{174A1CAB-41DB-CBE5-A53E-D1E78982E7D5}"/>
+                <a16:creationId xmlns:a16="http://schemas.microsoft.com/office/drawing/2014/main" xmlns="" id="{174A1CAB-41DB-CBE5-A53E-D1E78982E7D5}"/>
               </a:ext>
             </a:extLst>
           </p:cNvPr>
@@ -24379,7 +24379,7 @@
           <p:cNvPr id="17" name="직선 화살표 연결선 16">
             <a:extLst>
               <a:ext uri="{FF2B5EF4-FFF2-40B4-BE49-F238E27FC236}">
-                <a16:creationId xmlns="" xmlns:a16="http://schemas.microsoft.com/office/drawing/2014/main" id="{404BE807-8974-325D-28CE-80CBD5A23FD9}"/>
+                <a16:creationId xmlns:a16="http://schemas.microsoft.com/office/drawing/2014/main" xmlns="" id="{404BE807-8974-325D-28CE-80CBD5A23FD9}"/>
               </a:ext>
             </a:extLst>
           </p:cNvPr>
@@ -24420,7 +24420,7 @@
           <p:cNvPr id="18" name="직선 화살표 연결선 17">
             <a:extLst>
               <a:ext uri="{FF2B5EF4-FFF2-40B4-BE49-F238E27FC236}">
-                <a16:creationId xmlns="" xmlns:a16="http://schemas.microsoft.com/office/drawing/2014/main" id="{8238D4B2-69F6-F17A-0286-66A8FB197956}"/>
+                <a16:creationId xmlns:a16="http://schemas.microsoft.com/office/drawing/2014/main" xmlns="" id="{8238D4B2-69F6-F17A-0286-66A8FB197956}"/>
               </a:ext>
             </a:extLst>
           </p:cNvPr>
@@ -24540,7 +24540,7 @@
           <p:cNvPr id="4" name="TextBox 3">
             <a:extLst>
               <a:ext uri="{FF2B5EF4-FFF2-40B4-BE49-F238E27FC236}">
-                <a16:creationId xmlns="" xmlns:a16="http://schemas.microsoft.com/office/drawing/2014/main" id="{8BD2ED5A-5CA2-F84F-13E6-A2AC3854D891}"/>
+                <a16:creationId xmlns:a16="http://schemas.microsoft.com/office/drawing/2014/main" xmlns="" id="{8BD2ED5A-5CA2-F84F-13E6-A2AC3854D891}"/>
               </a:ext>
             </a:extLst>
           </p:cNvPr>
@@ -24571,17 +24571,7 @@
                 <a:latin typeface="G마켓 산스 Medium" panose="02000000000000000000" pitchFamily="50" charset="-127"/>
                 <a:ea typeface="G마켓 산스 Medium" panose="02000000000000000000" pitchFamily="50" charset="-127"/>
               </a:rPr>
-              <a:t>실습</a:t>
-            </a:r>
-            <a:r>
-              <a:rPr lang="ko-KR" altLang="en-US" sz="4800" smtClean="0">
-                <a:solidFill>
-                  <a:srgbClr val="4C50BC"/>
-                </a:solidFill>
-                <a:latin typeface="G마켓 산스 Medium" panose="02000000000000000000" pitchFamily="50" charset="-127"/>
-                <a:ea typeface="G마켓 산스 Medium" panose="02000000000000000000" pitchFamily="50" charset="-127"/>
-              </a:rPr>
-              <a:t>문제</a:t>
+              <a:t>실습문제</a:t>
             </a:r>
             <a:endParaRPr lang="en-US" altLang="ko-KR" sz="4800" dirty="0">
               <a:solidFill>
@@ -24598,7 +24588,7 @@
           <p:cNvPr id="5" name="TextBox 4">
             <a:extLst>
               <a:ext uri="{FF2B5EF4-FFF2-40B4-BE49-F238E27FC236}">
-                <a16:creationId xmlns="" xmlns:a16="http://schemas.microsoft.com/office/drawing/2014/main" id="{2E843C5C-F5F0-B014-4B60-31604E120CA8}"/>
+                <a16:creationId xmlns:a16="http://schemas.microsoft.com/office/drawing/2014/main" xmlns="" id="{2E843C5C-F5F0-B014-4B60-31604E120CA8}"/>
               </a:ext>
             </a:extLst>
           </p:cNvPr>
@@ -24918,7 +24908,7 @@
           <p:cNvPr id="4" name="TextBox 3">
             <a:extLst>
               <a:ext uri="{FF2B5EF4-FFF2-40B4-BE49-F238E27FC236}">
-                <a16:creationId xmlns="" xmlns:a16="http://schemas.microsoft.com/office/drawing/2014/main" id="{8BD2ED5A-5CA2-F84F-13E6-A2AC3854D891}"/>
+                <a16:creationId xmlns:a16="http://schemas.microsoft.com/office/drawing/2014/main" xmlns="" id="{8BD2ED5A-5CA2-F84F-13E6-A2AC3854D891}"/>
               </a:ext>
             </a:extLst>
           </p:cNvPr>
@@ -24949,17 +24939,7 @@
                 <a:latin typeface="G마켓 산스 Medium" panose="02000000000000000000" pitchFamily="50" charset="-127"/>
                 <a:ea typeface="G마켓 산스 Medium" panose="02000000000000000000" pitchFamily="50" charset="-127"/>
               </a:rPr>
-              <a:t>실습</a:t>
-            </a:r>
-            <a:r>
-              <a:rPr lang="ko-KR" altLang="en-US" sz="4800" smtClean="0">
-                <a:solidFill>
-                  <a:srgbClr val="4C50BC"/>
-                </a:solidFill>
-                <a:latin typeface="G마켓 산스 Medium" panose="02000000000000000000" pitchFamily="50" charset="-127"/>
-                <a:ea typeface="G마켓 산스 Medium" panose="02000000000000000000" pitchFamily="50" charset="-127"/>
-              </a:rPr>
-              <a:t>문제</a:t>
+              <a:t>실습문제</a:t>
             </a:r>
             <a:r>
               <a:rPr lang="en-US" altLang="ko-KR" sz="4800" smtClean="0">
@@ -24986,7 +24966,7 @@
           <p:cNvPr id="5" name="TextBox 4">
             <a:extLst>
               <a:ext uri="{FF2B5EF4-FFF2-40B4-BE49-F238E27FC236}">
-                <a16:creationId xmlns="" xmlns:a16="http://schemas.microsoft.com/office/drawing/2014/main" id="{2E843C5C-F5F0-B014-4B60-31604E120CA8}"/>
+                <a16:creationId xmlns:a16="http://schemas.microsoft.com/office/drawing/2014/main" xmlns="" id="{2E843C5C-F5F0-B014-4B60-31604E120CA8}"/>
               </a:ext>
             </a:extLst>
           </p:cNvPr>
@@ -25282,20 +25262,7 @@
                 <a:latin typeface="G마켓 산스 Medium" panose="02000000000000000000" pitchFamily="50" charset="-127"/>
                 <a:ea typeface="G마켓 산스 Medium" panose="02000000000000000000" pitchFamily="50" charset="-127"/>
               </a:rPr>
-              <a:t>인 경우 </a:t>
-            </a:r>
-            <a:r>
-              <a:rPr lang="ko-KR" altLang="en-US" sz="2800">
-                <a:solidFill>
-                  <a:schemeClr val="tx2">
-                    <a:lumMod val="60000"/>
-                    <a:lumOff val="40000"/>
-                  </a:schemeClr>
-                </a:solidFill>
-                <a:latin typeface="G마켓 산스 Medium" panose="02000000000000000000" pitchFamily="50" charset="-127"/>
-                <a:ea typeface="G마켓 산스 Medium" panose="02000000000000000000" pitchFamily="50" charset="-127"/>
-              </a:rPr>
-              <a:t>둘 </a:t>
+              <a:t>인 경우 둘 </a:t>
             </a:r>
             <a:r>
               <a:rPr lang="ko-KR" altLang="en-US" sz="2800" smtClean="0">
@@ -25562,7 +25529,7 @@
           <p:cNvPr id="4" name="TextBox 3">
             <a:extLst>
               <a:ext uri="{FF2B5EF4-FFF2-40B4-BE49-F238E27FC236}">
-                <a16:creationId xmlns="" xmlns:a16="http://schemas.microsoft.com/office/drawing/2014/main" id="{2E843C5C-F5F0-B014-4B60-31604E120CA8}"/>
+                <a16:creationId xmlns:a16="http://schemas.microsoft.com/office/drawing/2014/main" xmlns="" id="{2E843C5C-F5F0-B014-4B60-31604E120CA8}"/>
               </a:ext>
             </a:extLst>
           </p:cNvPr>
@@ -25674,20 +25641,7 @@
                 <a:latin typeface="G마켓 산스 Medium" panose="02000000000000000000" pitchFamily="50" charset="-127"/>
                 <a:ea typeface="G마켓 산스 Medium" panose="02000000000000000000" pitchFamily="50" charset="-127"/>
               </a:rPr>
-              <a:t>다음에 정의된 새로운 메서드를 추가하고 </a:t>
-            </a:r>
-            <a:r>
-              <a:rPr lang="ko-KR" altLang="en-US" sz="4000">
-                <a:solidFill>
-                  <a:schemeClr val="tx1">
-                    <a:lumMod val="50000"/>
-                    <a:lumOff val="50000"/>
-                  </a:schemeClr>
-                </a:solidFill>
-                <a:latin typeface="G마켓 산스 Medium" panose="02000000000000000000" pitchFamily="50" charset="-127"/>
-                <a:ea typeface="G마켓 산스 Medium" panose="02000000000000000000" pitchFamily="50" charset="-127"/>
-              </a:rPr>
-              <a:t>테스트 </a:t>
+              <a:t>다음에 정의된 새로운 메서드를 추가하고 테스트 </a:t>
             </a:r>
             <a:r>
               <a:rPr lang="ko-KR" altLang="en-US" sz="4000" smtClean="0">
@@ -26373,7 +26327,7 @@
           <p:cNvPr id="6" name="TextBox 5">
             <a:extLst>
               <a:ext uri="{FF2B5EF4-FFF2-40B4-BE49-F238E27FC236}">
-                <a16:creationId xmlns="" xmlns:a16="http://schemas.microsoft.com/office/drawing/2014/main" id="{8BD2ED5A-5CA2-F84F-13E6-A2AC3854D891}"/>
+                <a16:creationId xmlns:a16="http://schemas.microsoft.com/office/drawing/2014/main" xmlns="" id="{8BD2ED5A-5CA2-F84F-13E6-A2AC3854D891}"/>
               </a:ext>
             </a:extLst>
           </p:cNvPr>
@@ -26404,17 +26358,7 @@
                 <a:latin typeface="G마켓 산스 Medium" panose="02000000000000000000" pitchFamily="50" charset="-127"/>
                 <a:ea typeface="G마켓 산스 Medium" panose="02000000000000000000" pitchFamily="50" charset="-127"/>
               </a:rPr>
-              <a:t>실습</a:t>
-            </a:r>
-            <a:r>
-              <a:rPr lang="ko-KR" altLang="en-US" sz="4800" smtClean="0">
-                <a:solidFill>
-                  <a:srgbClr val="4C50BC"/>
-                </a:solidFill>
-                <a:latin typeface="G마켓 산스 Medium" panose="02000000000000000000" pitchFamily="50" charset="-127"/>
-                <a:ea typeface="G마켓 산스 Medium" panose="02000000000000000000" pitchFamily="50" charset="-127"/>
-              </a:rPr>
-              <a:t>문제</a:t>
+              <a:t>실습문제</a:t>
             </a:r>
             <a:r>
               <a:rPr lang="en-US" altLang="ko-KR" sz="4800">
@@ -26478,7 +26422,7 @@
           <p:cNvPr id="4" name="TextBox 3">
             <a:extLst>
               <a:ext uri="{FF2B5EF4-FFF2-40B4-BE49-F238E27FC236}">
-                <a16:creationId xmlns="" xmlns:a16="http://schemas.microsoft.com/office/drawing/2014/main" id="{8BD2ED5A-5CA2-F84F-13E6-A2AC3854D891}"/>
+                <a16:creationId xmlns:a16="http://schemas.microsoft.com/office/drawing/2014/main" xmlns="" id="{8BD2ED5A-5CA2-F84F-13E6-A2AC3854D891}"/>
               </a:ext>
             </a:extLst>
           </p:cNvPr>
@@ -26509,17 +26453,7 @@
                 <a:latin typeface="G마켓 산스 Medium" panose="02000000000000000000" pitchFamily="50" charset="-127"/>
                 <a:ea typeface="G마켓 산스 Medium" panose="02000000000000000000" pitchFamily="50" charset="-127"/>
               </a:rPr>
-              <a:t>실습</a:t>
-            </a:r>
-            <a:r>
-              <a:rPr lang="ko-KR" altLang="en-US" sz="4800" smtClean="0">
-                <a:solidFill>
-                  <a:srgbClr val="4C50BC"/>
-                </a:solidFill>
-                <a:latin typeface="G마켓 산스 Medium" panose="02000000000000000000" pitchFamily="50" charset="-127"/>
-                <a:ea typeface="G마켓 산스 Medium" panose="02000000000000000000" pitchFamily="50" charset="-127"/>
-              </a:rPr>
-              <a:t>문제 풀이</a:t>
+              <a:t>실습문제 풀이</a:t>
             </a:r>
             <a:r>
               <a:rPr lang="en-US" altLang="ko-KR" sz="4800" smtClean="0">
@@ -26570,7 +26504,7 @@
           <p:cNvPr id="9" name="TextBox 8">
             <a:extLst>
               <a:ext uri="{FF2B5EF4-FFF2-40B4-BE49-F238E27FC236}">
-                <a16:creationId xmlns="" xmlns:a16="http://schemas.microsoft.com/office/drawing/2014/main" id="{2E843C5C-F5F0-B014-4B60-31604E120CA8}"/>
+                <a16:creationId xmlns:a16="http://schemas.microsoft.com/office/drawing/2014/main" xmlns="" id="{2E843C5C-F5F0-B014-4B60-31604E120CA8}"/>
               </a:ext>
             </a:extLst>
           </p:cNvPr>
@@ -26681,11 +26615,11 @@
   <p:clrMapOvr>
     <a:masterClrMapping/>
   </p:clrMapOvr>
-  <mc:AlternateContent xmlns:mc="http://schemas.openxmlformats.org/markup-compatibility/2006">
-    <mc:Choice xmlns:p14="http://schemas.microsoft.com/office/powerpoint/2010/main" Requires="p14">
+  <mc:AlternateContent xmlns:mc="http://schemas.openxmlformats.org/markup-compatibility/2006" xmlns:p14="http://schemas.microsoft.com/office/powerpoint/2010/main">
+    <mc:Choice Requires="p14">
       <p:transition spd="slow" p14:dur="2000"/>
     </mc:Choice>
-    <mc:Fallback>
+    <mc:Fallback xmlns="">
       <p:transition spd="slow"/>
     </mc:Fallback>
   </mc:AlternateContent>
@@ -26721,7 +26655,7 @@
           <p:cNvPr id="4" name="TextBox 3">
             <a:extLst>
               <a:ext uri="{FF2B5EF4-FFF2-40B4-BE49-F238E27FC236}">
-                <a16:creationId xmlns="" xmlns:a16="http://schemas.microsoft.com/office/drawing/2014/main" id="{2E843C5C-F5F0-B014-4B60-31604E120CA8}"/>
+                <a16:creationId xmlns:a16="http://schemas.microsoft.com/office/drawing/2014/main" xmlns="" id="{2E843C5C-F5F0-B014-4B60-31604E120CA8}"/>
               </a:ext>
             </a:extLst>
           </p:cNvPr>
@@ -26853,7 +26787,7 @@
           <p:cNvPr id="5" name="TextBox 4">
             <a:extLst>
               <a:ext uri="{FF2B5EF4-FFF2-40B4-BE49-F238E27FC236}">
-                <a16:creationId xmlns="" xmlns:a16="http://schemas.microsoft.com/office/drawing/2014/main" id="{8BD2ED5A-5CA2-F84F-13E6-A2AC3854D891}"/>
+                <a16:creationId xmlns:a16="http://schemas.microsoft.com/office/drawing/2014/main" xmlns="" id="{8BD2ED5A-5CA2-F84F-13E6-A2AC3854D891}"/>
               </a:ext>
             </a:extLst>
           </p:cNvPr>
@@ -26884,17 +26818,7 @@
                 <a:latin typeface="G마켓 산스 Medium" panose="02000000000000000000" pitchFamily="50" charset="-127"/>
                 <a:ea typeface="G마켓 산스 Medium" panose="02000000000000000000" pitchFamily="50" charset="-127"/>
               </a:rPr>
-              <a:t>실습</a:t>
-            </a:r>
-            <a:r>
-              <a:rPr lang="ko-KR" altLang="en-US" sz="4800" smtClean="0">
-                <a:solidFill>
-                  <a:srgbClr val="4C50BC"/>
-                </a:solidFill>
-                <a:latin typeface="G마켓 산스 Medium" panose="02000000000000000000" pitchFamily="50" charset="-127"/>
-                <a:ea typeface="G마켓 산스 Medium" panose="02000000000000000000" pitchFamily="50" charset="-127"/>
-              </a:rPr>
-              <a:t>문제 풀이</a:t>
+              <a:t>실습문제 풀이</a:t>
             </a:r>
             <a:r>
               <a:rPr lang="en-US" altLang="ko-KR" sz="4800" smtClean="0">
@@ -26945,7 +26869,7 @@
           <p:cNvPr id="7" name="직사각형 6">
             <a:extLst>
               <a:ext uri="{FF2B5EF4-FFF2-40B4-BE49-F238E27FC236}">
-                <a16:creationId xmlns:a16="http://schemas.microsoft.com/office/drawing/2014/main" xmlns="" id="{FFF506F9-840A-0508-4CAF-3AC711D8D5CE}"/>
+                <a16:creationId xmlns="" xmlns:a16="http://schemas.microsoft.com/office/drawing/2014/main" id="{FFF506F9-840A-0508-4CAF-3AC711D8D5CE}"/>
               </a:ext>
             </a:extLst>
           </p:cNvPr>
@@ -27058,7 +26982,7 @@
           <p:cNvPr id="4" name="TextBox 3">
             <a:extLst>
               <a:ext uri="{FF2B5EF4-FFF2-40B4-BE49-F238E27FC236}">
-                <a16:creationId xmlns="" xmlns:a16="http://schemas.microsoft.com/office/drawing/2014/main" id="{8BD2ED5A-5CA2-F84F-13E6-A2AC3854D891}"/>
+                <a16:creationId xmlns:a16="http://schemas.microsoft.com/office/drawing/2014/main" xmlns="" id="{8BD2ED5A-5CA2-F84F-13E6-A2AC3854D891}"/>
               </a:ext>
             </a:extLst>
           </p:cNvPr>
@@ -27089,17 +27013,7 @@
                 <a:latin typeface="G마켓 산스 Medium" panose="02000000000000000000" pitchFamily="50" charset="-127"/>
                 <a:ea typeface="G마켓 산스 Medium" panose="02000000000000000000" pitchFamily="50" charset="-127"/>
               </a:rPr>
-              <a:t>실습</a:t>
-            </a:r>
-            <a:r>
-              <a:rPr lang="ko-KR" altLang="en-US" sz="4800" smtClean="0">
-                <a:solidFill>
-                  <a:srgbClr val="4C50BC"/>
-                </a:solidFill>
-                <a:latin typeface="G마켓 산스 Medium" panose="02000000000000000000" pitchFamily="50" charset="-127"/>
-                <a:ea typeface="G마켓 산스 Medium" panose="02000000000000000000" pitchFamily="50" charset="-127"/>
-              </a:rPr>
-              <a:t>문제 풀이</a:t>
+              <a:t>실습문제 풀이</a:t>
             </a:r>
             <a:r>
               <a:rPr lang="en-US" altLang="ko-KR" sz="4800">
@@ -27126,7 +27040,7 @@
           <p:cNvPr id="5" name="TextBox 4">
             <a:extLst>
               <a:ext uri="{FF2B5EF4-FFF2-40B4-BE49-F238E27FC236}">
-                <a16:creationId xmlns="" xmlns:a16="http://schemas.microsoft.com/office/drawing/2014/main" id="{2E843C5C-F5F0-B014-4B60-31604E120CA8}"/>
+                <a16:creationId xmlns:a16="http://schemas.microsoft.com/office/drawing/2014/main" xmlns="" id="{2E843C5C-F5F0-B014-4B60-31604E120CA8}"/>
               </a:ext>
             </a:extLst>
           </p:cNvPr>
@@ -27336,7 +27250,7 @@
           <p:cNvPr id="7" name="TextBox 6">
             <a:extLst>
               <a:ext uri="{FF2B5EF4-FFF2-40B4-BE49-F238E27FC236}">
-                <a16:creationId xmlns="" xmlns:a16="http://schemas.microsoft.com/office/drawing/2014/main" id="{2E843C5C-F5F0-B014-4B60-31604E120CA8}"/>
+                <a16:creationId xmlns:a16="http://schemas.microsoft.com/office/drawing/2014/main" xmlns="" id="{2E843C5C-F5F0-B014-4B60-31604E120CA8}"/>
               </a:ext>
             </a:extLst>
           </p:cNvPr>
@@ -27424,16 +27338,6 @@
               </a:rPr>
               <a:t>.</a:t>
             </a:r>
-            <a:endParaRPr lang="en-US" altLang="ko-KR" sz="4000" smtClean="0">
-              <a:solidFill>
-                <a:schemeClr val="tx1">
-                  <a:lumMod val="50000"/>
-                  <a:lumOff val="50000"/>
-                </a:schemeClr>
-              </a:solidFill>
-              <a:latin typeface="G마켓 산스 Medium" panose="02000000000000000000" pitchFamily="50" charset="-127"/>
-              <a:ea typeface="G마켓 산스 Medium" panose="02000000000000000000" pitchFamily="50" charset="-127"/>
-            </a:endParaRPr>
           </a:p>
         </p:txBody>
       </p:sp>
@@ -27479,7 +27383,7 @@
           <p:cNvPr id="5" name="TextBox 4">
             <a:extLst>
               <a:ext uri="{FF2B5EF4-FFF2-40B4-BE49-F238E27FC236}">
-                <a16:creationId xmlns="" xmlns:a16="http://schemas.microsoft.com/office/drawing/2014/main" id="{8BD2ED5A-5CA2-F84F-13E6-A2AC3854D891}"/>
+                <a16:creationId xmlns:a16="http://schemas.microsoft.com/office/drawing/2014/main" xmlns="" id="{8BD2ED5A-5CA2-F84F-13E6-A2AC3854D891}"/>
               </a:ext>
             </a:extLst>
           </p:cNvPr>
@@ -27510,17 +27414,7 @@
                 <a:latin typeface="G마켓 산스 Medium" panose="02000000000000000000" pitchFamily="50" charset="-127"/>
                 <a:ea typeface="G마켓 산스 Medium" panose="02000000000000000000" pitchFamily="50" charset="-127"/>
               </a:rPr>
-              <a:t>실습</a:t>
-            </a:r>
-            <a:r>
-              <a:rPr lang="ko-KR" altLang="en-US" sz="4800" smtClean="0">
-                <a:solidFill>
-                  <a:srgbClr val="4C50BC"/>
-                </a:solidFill>
-                <a:latin typeface="G마켓 산스 Medium" panose="02000000000000000000" pitchFamily="50" charset="-127"/>
-                <a:ea typeface="G마켓 산스 Medium" panose="02000000000000000000" pitchFamily="50" charset="-127"/>
-              </a:rPr>
-              <a:t>문제 풀이</a:t>
+              <a:t>실습문제 풀이</a:t>
             </a:r>
             <a:r>
               <a:rPr lang="en-US" altLang="ko-KR" sz="4800">
@@ -27547,7 +27441,7 @@
           <p:cNvPr id="6" name="TextBox 5">
             <a:extLst>
               <a:ext uri="{FF2B5EF4-FFF2-40B4-BE49-F238E27FC236}">
-                <a16:creationId xmlns="" xmlns:a16="http://schemas.microsoft.com/office/drawing/2014/main" id="{2E843C5C-F5F0-B014-4B60-31604E120CA8}"/>
+                <a16:creationId xmlns:a16="http://schemas.microsoft.com/office/drawing/2014/main" xmlns="" id="{2E843C5C-F5F0-B014-4B60-31604E120CA8}"/>
               </a:ext>
             </a:extLst>
           </p:cNvPr>
@@ -27757,7 +27651,7 @@
           <p:cNvPr id="9" name="TextBox 8">
             <a:extLst>
               <a:ext uri="{FF2B5EF4-FFF2-40B4-BE49-F238E27FC236}">
-                <a16:creationId xmlns="" xmlns:a16="http://schemas.microsoft.com/office/drawing/2014/main" id="{2E843C5C-F5F0-B014-4B60-31604E120CA8}"/>
+                <a16:creationId xmlns:a16="http://schemas.microsoft.com/office/drawing/2014/main" xmlns="" id="{2E843C5C-F5F0-B014-4B60-31604E120CA8}"/>
               </a:ext>
             </a:extLst>
           </p:cNvPr>
@@ -27910,16 +27804,6 @@
               </a:rPr>
               <a:t>.</a:t>
             </a:r>
-            <a:endParaRPr lang="en-US" altLang="ko-KR" sz="4000" smtClean="0">
-              <a:solidFill>
-                <a:schemeClr val="tx1">
-                  <a:lumMod val="50000"/>
-                  <a:lumOff val="50000"/>
-                </a:schemeClr>
-              </a:solidFill>
-              <a:latin typeface="G마켓 산스 Medium" panose="02000000000000000000" pitchFamily="50" charset="-127"/>
-              <a:ea typeface="G마켓 산스 Medium" panose="02000000000000000000" pitchFamily="50" charset="-127"/>
-            </a:endParaRPr>
           </a:p>
         </p:txBody>
       </p:sp>
@@ -28255,7 +28139,7 @@
           <p:cNvPr id="2" name="TextBox 1">
             <a:extLst>
               <a:ext uri="{FF2B5EF4-FFF2-40B4-BE49-F238E27FC236}">
-                <a16:creationId xmlns="" xmlns:a16="http://schemas.microsoft.com/office/drawing/2014/main" id="{715D88A2-BD52-978B-A00A-540446126E3D}"/>
+                <a16:creationId xmlns:a16="http://schemas.microsoft.com/office/drawing/2014/main" xmlns="" id="{715D88A2-BD52-978B-A00A-540446126E3D}"/>
               </a:ext>
             </a:extLst>
           </p:cNvPr>
@@ -28328,7 +28212,7 @@
           <p:cNvPr id="4" name="TextBox 3">
             <a:extLst>
               <a:ext uri="{FF2B5EF4-FFF2-40B4-BE49-F238E27FC236}">
-                <a16:creationId xmlns="" xmlns:a16="http://schemas.microsoft.com/office/drawing/2014/main" id="{DF7DDD33-9412-2802-339A-E55446AC2DA7}"/>
+                <a16:creationId xmlns:a16="http://schemas.microsoft.com/office/drawing/2014/main" xmlns="" id="{DF7DDD33-9412-2802-339A-E55446AC2DA7}"/>
               </a:ext>
             </a:extLst>
           </p:cNvPr>
@@ -28424,7 +28308,7 @@
           <p:cNvPr id="7" name="그룹 1008">
             <a:extLst>
               <a:ext uri="{FF2B5EF4-FFF2-40B4-BE49-F238E27FC236}">
-                <a16:creationId xmlns="" xmlns:a16="http://schemas.microsoft.com/office/drawing/2014/main" id="{E395BDE3-2EDE-065D-70E8-56E348228ACF}"/>
+                <a16:creationId xmlns:a16="http://schemas.microsoft.com/office/drawing/2014/main" xmlns="" id="{E395BDE3-2EDE-065D-70E8-56E348228ACF}"/>
               </a:ext>
             </a:extLst>
           </p:cNvPr>
@@ -28444,7 +28328,7 @@
             <p:cNvPr id="8" name="그룹 1009">
               <a:extLst>
                 <a:ext uri="{FF2B5EF4-FFF2-40B4-BE49-F238E27FC236}">
-                  <a16:creationId xmlns="" xmlns:a16="http://schemas.microsoft.com/office/drawing/2014/main" id="{852F4DEB-DB33-DB3F-9E9F-52A46CD0B10A}"/>
+                  <a16:creationId xmlns:a16="http://schemas.microsoft.com/office/drawing/2014/main" xmlns="" id="{852F4DEB-DB33-DB3F-9E9F-52A46CD0B10A}"/>
                 </a:ext>
               </a:extLst>
             </p:cNvPr>
@@ -28464,7 +28348,7 @@
               <p:cNvPr id="13" name="Object 29">
                 <a:extLst>
                   <a:ext uri="{FF2B5EF4-FFF2-40B4-BE49-F238E27FC236}">
-                    <a16:creationId xmlns="" xmlns:a16="http://schemas.microsoft.com/office/drawing/2014/main" id="{7E353D3B-14D4-8A64-5888-3F0C062C2CDD}"/>
+                    <a16:creationId xmlns:a16="http://schemas.microsoft.com/office/drawing/2014/main" xmlns="" id="{7E353D3B-14D4-8A64-5888-3F0C062C2CDD}"/>
                   </a:ext>
                 </a:extLst>
               </p:cNvPr>
@@ -28495,7 +28379,7 @@
             <p:cNvPr id="9" name="그룹 1010">
               <a:extLst>
                 <a:ext uri="{FF2B5EF4-FFF2-40B4-BE49-F238E27FC236}">
-                  <a16:creationId xmlns="" xmlns:a16="http://schemas.microsoft.com/office/drawing/2014/main" id="{001E38AB-1390-ABD0-BE01-9727136FEAEE}"/>
+                  <a16:creationId xmlns:a16="http://schemas.microsoft.com/office/drawing/2014/main" xmlns="" id="{001E38AB-1390-ABD0-BE01-9727136FEAEE}"/>
                 </a:ext>
               </a:extLst>
             </p:cNvPr>
@@ -28515,7 +28399,7 @@
               <p:cNvPr id="12" name="Object 32">
                 <a:extLst>
                   <a:ext uri="{FF2B5EF4-FFF2-40B4-BE49-F238E27FC236}">
-                    <a16:creationId xmlns="" xmlns:a16="http://schemas.microsoft.com/office/drawing/2014/main" id="{2ED1C30F-0D0B-F86C-8215-2598D332B5A3}"/>
+                    <a16:creationId xmlns:a16="http://schemas.microsoft.com/office/drawing/2014/main" xmlns="" id="{2ED1C30F-0D0B-F86C-8215-2598D332B5A3}"/>
                   </a:ext>
                 </a:extLst>
               </p:cNvPr>
@@ -28546,7 +28430,7 @@
             <p:cNvPr id="10" name="그룹 1011">
               <a:extLst>
                 <a:ext uri="{FF2B5EF4-FFF2-40B4-BE49-F238E27FC236}">
-                  <a16:creationId xmlns="" xmlns:a16="http://schemas.microsoft.com/office/drawing/2014/main" id="{1BCB8DE5-ABAF-4198-BC16-85BB76F2DB24}"/>
+                  <a16:creationId xmlns:a16="http://schemas.microsoft.com/office/drawing/2014/main" xmlns="" id="{1BCB8DE5-ABAF-4198-BC16-85BB76F2DB24}"/>
                 </a:ext>
               </a:extLst>
             </p:cNvPr>
@@ -28566,7 +28450,7 @@
               <p:cNvPr id="11" name="Object 35">
                 <a:extLst>
                   <a:ext uri="{FF2B5EF4-FFF2-40B4-BE49-F238E27FC236}">
-                    <a16:creationId xmlns="" xmlns:a16="http://schemas.microsoft.com/office/drawing/2014/main" id="{86E7BA23-0A1E-B581-CADC-06AB269DB2BD}"/>
+                    <a16:creationId xmlns:a16="http://schemas.microsoft.com/office/drawing/2014/main" xmlns="" id="{86E7BA23-0A1E-B581-CADC-06AB269DB2BD}"/>
                   </a:ext>
                 </a:extLst>
               </p:cNvPr>
@@ -28598,7 +28482,7 @@
           <p:cNvPr id="14" name="직사각형 13">
             <a:extLst>
               <a:ext uri="{FF2B5EF4-FFF2-40B4-BE49-F238E27FC236}">
-                <a16:creationId xmlns="" xmlns:a16="http://schemas.microsoft.com/office/drawing/2014/main" id="{FFF506F9-840A-0508-4CAF-3AC711D8D5CE}"/>
+                <a16:creationId xmlns:a16="http://schemas.microsoft.com/office/drawing/2014/main" xmlns="" id="{FFF506F9-840A-0508-4CAF-3AC711D8D5CE}"/>
               </a:ext>
             </a:extLst>
           </p:cNvPr>
@@ -28674,7 +28558,7 @@
           <p:cNvPr id="16" name="직사각형 15">
             <a:extLst>
               <a:ext uri="{FF2B5EF4-FFF2-40B4-BE49-F238E27FC236}">
-                <a16:creationId xmlns="" xmlns:a16="http://schemas.microsoft.com/office/drawing/2014/main" id="{FFF506F9-840A-0508-4CAF-3AC711D8D5CE}"/>
+                <a16:creationId xmlns:a16="http://schemas.microsoft.com/office/drawing/2014/main" xmlns="" id="{FFF506F9-840A-0508-4CAF-3AC711D8D5CE}"/>
               </a:ext>
             </a:extLst>
           </p:cNvPr>
@@ -28726,7 +28610,7 @@
           <p:cNvPr id="17" name="TextBox 16">
             <a:extLst>
               <a:ext uri="{FF2B5EF4-FFF2-40B4-BE49-F238E27FC236}">
-                <a16:creationId xmlns="" xmlns:a16="http://schemas.microsoft.com/office/drawing/2014/main" id="{A2AD056B-97A4-5BCC-4460-250160F3E171}"/>
+                <a16:creationId xmlns:a16="http://schemas.microsoft.com/office/drawing/2014/main" xmlns="" id="{A2AD056B-97A4-5BCC-4460-250160F3E171}"/>
               </a:ext>
             </a:extLst>
           </p:cNvPr>
@@ -28876,7 +28760,7 @@
           <p:cNvPr id="18" name="TextBox 17">
             <a:extLst>
               <a:ext uri="{FF2B5EF4-FFF2-40B4-BE49-F238E27FC236}">
-                <a16:creationId xmlns="" xmlns:a16="http://schemas.microsoft.com/office/drawing/2014/main" id="{A2AD056B-97A4-5BCC-4460-250160F3E171}"/>
+                <a16:creationId xmlns:a16="http://schemas.microsoft.com/office/drawing/2014/main" xmlns="" id="{A2AD056B-97A4-5BCC-4460-250160F3E171}"/>
               </a:ext>
             </a:extLst>
           </p:cNvPr>
@@ -28930,7 +28814,7 @@
           <p:cNvPr id="19" name="TextBox 18">
             <a:extLst>
               <a:ext uri="{FF2B5EF4-FFF2-40B4-BE49-F238E27FC236}">
-                <a16:creationId xmlns="" xmlns:a16="http://schemas.microsoft.com/office/drawing/2014/main" id="{A2AD056B-97A4-5BCC-4460-250160F3E171}"/>
+                <a16:creationId xmlns:a16="http://schemas.microsoft.com/office/drawing/2014/main" xmlns="" id="{A2AD056B-97A4-5BCC-4460-250160F3E171}"/>
               </a:ext>
             </a:extLst>
           </p:cNvPr>
@@ -29110,7 +28994,7 @@
           <p:cNvPr id="8" name="TextBox 7">
             <a:extLst>
               <a:ext uri="{FF2B5EF4-FFF2-40B4-BE49-F238E27FC236}">
-                <a16:creationId xmlns="" xmlns:a16="http://schemas.microsoft.com/office/drawing/2014/main" id="{C6D113C6-EA5C-788F-0C77-E7CE6EBB865F}"/>
+                <a16:creationId xmlns:a16="http://schemas.microsoft.com/office/drawing/2014/main" xmlns="" id="{C6D113C6-EA5C-788F-0C77-E7CE6EBB865F}"/>
               </a:ext>
             </a:extLst>
           </p:cNvPr>
@@ -29198,7 +29082,7 @@
           <p:cNvPr id="6" name="TextBox 5">
             <a:extLst>
               <a:ext uri="{FF2B5EF4-FFF2-40B4-BE49-F238E27FC236}">
-                <a16:creationId xmlns="" xmlns:a16="http://schemas.microsoft.com/office/drawing/2014/main" id="{C6D113C6-EA5C-788F-0C77-E7CE6EBB865F}"/>
+                <a16:creationId xmlns:a16="http://schemas.microsoft.com/office/drawing/2014/main" xmlns="" id="{C6D113C6-EA5C-788F-0C77-E7CE6EBB865F}"/>
               </a:ext>
             </a:extLst>
           </p:cNvPr>
@@ -29327,7 +29211,7 @@
                 <a:gridCol w="2730951">
                   <a:extLst>
                     <a:ext uri="{9D8B030D-6E8A-4147-A177-3AD203B41FA5}">
-                      <a16:colId xmlns="" xmlns:a16="http://schemas.microsoft.com/office/drawing/2014/main" val="20000"/>
+                      <a16:colId xmlns:a16="http://schemas.microsoft.com/office/drawing/2014/main" xmlns="" val="20000"/>
                     </a:ext>
                   </a:extLst>
                 </a:gridCol>
@@ -29400,7 +29284,7 @@
                 </a:tc>
                 <a:extLst>
                   <a:ext uri="{0D108BD9-81ED-4DB2-BD59-A6C34878D82A}">
-                    <a16:rowId xmlns="" xmlns:a16="http://schemas.microsoft.com/office/drawing/2014/main" val="10000"/>
+                    <a16:rowId xmlns:a16="http://schemas.microsoft.com/office/drawing/2014/main" xmlns="" val="10000"/>
                   </a:ext>
                 </a:extLst>
               </a:tr>
@@ -29480,7 +29364,7 @@
                 </a:tc>
                 <a:extLst>
                   <a:ext uri="{0D108BD9-81ED-4DB2-BD59-A6C34878D82A}">
-                    <a16:rowId xmlns="" xmlns:a16="http://schemas.microsoft.com/office/drawing/2014/main" val="10001"/>
+                    <a16:rowId xmlns:a16="http://schemas.microsoft.com/office/drawing/2014/main" xmlns="" val="10001"/>
                   </a:ext>
                 </a:extLst>
               </a:tr>
@@ -29544,7 +29428,7 @@
                 </a:tc>
                 <a:extLst>
                   <a:ext uri="{0D108BD9-81ED-4DB2-BD59-A6C34878D82A}">
-                    <a16:rowId xmlns="" xmlns:a16="http://schemas.microsoft.com/office/drawing/2014/main" val="10002"/>
+                    <a16:rowId xmlns:a16="http://schemas.microsoft.com/office/drawing/2014/main" xmlns="" val="10002"/>
                   </a:ext>
                 </a:extLst>
               </a:tr>
@@ -29580,7 +29464,7 @@
                 <a:gridCol w="2730951">
                   <a:extLst>
                     <a:ext uri="{9D8B030D-6E8A-4147-A177-3AD203B41FA5}">
-                      <a16:colId xmlns="" xmlns:a16="http://schemas.microsoft.com/office/drawing/2014/main" val="20000"/>
+                      <a16:colId xmlns:a16="http://schemas.microsoft.com/office/drawing/2014/main" xmlns="" val="20000"/>
                     </a:ext>
                   </a:extLst>
                 </a:gridCol>
@@ -29653,7 +29537,7 @@
                 </a:tc>
                 <a:extLst>
                   <a:ext uri="{0D108BD9-81ED-4DB2-BD59-A6C34878D82A}">
-                    <a16:rowId xmlns="" xmlns:a16="http://schemas.microsoft.com/office/drawing/2014/main" val="10000"/>
+                    <a16:rowId xmlns:a16="http://schemas.microsoft.com/office/drawing/2014/main" xmlns="" val="10000"/>
                   </a:ext>
                 </a:extLst>
               </a:tr>
@@ -29733,7 +29617,7 @@
                 </a:tc>
                 <a:extLst>
                   <a:ext uri="{0D108BD9-81ED-4DB2-BD59-A6C34878D82A}">
-                    <a16:rowId xmlns="" xmlns:a16="http://schemas.microsoft.com/office/drawing/2014/main" val="10001"/>
+                    <a16:rowId xmlns:a16="http://schemas.microsoft.com/office/drawing/2014/main" xmlns="" val="10001"/>
                   </a:ext>
                 </a:extLst>
               </a:tr>
@@ -29797,7 +29681,7 @@
                 </a:tc>
                 <a:extLst>
                   <a:ext uri="{0D108BD9-81ED-4DB2-BD59-A6C34878D82A}">
-                    <a16:rowId xmlns="" xmlns:a16="http://schemas.microsoft.com/office/drawing/2014/main" val="10002"/>
+                    <a16:rowId xmlns:a16="http://schemas.microsoft.com/office/drawing/2014/main" xmlns="" val="10002"/>
                   </a:ext>
                 </a:extLst>
               </a:tr>
@@ -29810,7 +29694,7 @@
           <p:cNvPr id="14" name="그룹 1008">
             <a:extLst>
               <a:ext uri="{FF2B5EF4-FFF2-40B4-BE49-F238E27FC236}">
-                <a16:creationId xmlns="" xmlns:a16="http://schemas.microsoft.com/office/drawing/2014/main" id="{678F6342-C505-E8AD-ADA4-022CB2C2088E}"/>
+                <a16:creationId xmlns:a16="http://schemas.microsoft.com/office/drawing/2014/main" xmlns="" id="{678F6342-C505-E8AD-ADA4-022CB2C2088E}"/>
               </a:ext>
             </a:extLst>
           </p:cNvPr>
@@ -29830,7 +29714,7 @@
             <p:cNvPr id="15" name="그룹 1009">
               <a:extLst>
                 <a:ext uri="{FF2B5EF4-FFF2-40B4-BE49-F238E27FC236}">
-                  <a16:creationId xmlns="" xmlns:a16="http://schemas.microsoft.com/office/drawing/2014/main" id="{4E1F1FED-812B-9BBB-925A-84B54A077414}"/>
+                  <a16:creationId xmlns:a16="http://schemas.microsoft.com/office/drawing/2014/main" xmlns="" id="{4E1F1FED-812B-9BBB-925A-84B54A077414}"/>
                 </a:ext>
               </a:extLst>
             </p:cNvPr>
@@ -29850,7 +29734,7 @@
               <p:cNvPr id="20" name="Object 29">
                 <a:extLst>
                   <a:ext uri="{FF2B5EF4-FFF2-40B4-BE49-F238E27FC236}">
-                    <a16:creationId xmlns="" xmlns:a16="http://schemas.microsoft.com/office/drawing/2014/main" id="{7B078609-4286-7B00-51EB-809C8E2DE289}"/>
+                    <a16:creationId xmlns:a16="http://schemas.microsoft.com/office/drawing/2014/main" xmlns="" id="{7B078609-4286-7B00-51EB-809C8E2DE289}"/>
                   </a:ext>
                 </a:extLst>
               </p:cNvPr>
@@ -29881,7 +29765,7 @@
             <p:cNvPr id="16" name="그룹 1010">
               <a:extLst>
                 <a:ext uri="{FF2B5EF4-FFF2-40B4-BE49-F238E27FC236}">
-                  <a16:creationId xmlns="" xmlns:a16="http://schemas.microsoft.com/office/drawing/2014/main" id="{02A649BF-B5B5-FBAF-7DFD-E118A4DF8907}"/>
+                  <a16:creationId xmlns:a16="http://schemas.microsoft.com/office/drawing/2014/main" xmlns="" id="{02A649BF-B5B5-FBAF-7DFD-E118A4DF8907}"/>
                 </a:ext>
               </a:extLst>
             </p:cNvPr>
@@ -29901,7 +29785,7 @@
               <p:cNvPr id="19" name="Object 32">
                 <a:extLst>
                   <a:ext uri="{FF2B5EF4-FFF2-40B4-BE49-F238E27FC236}">
-                    <a16:creationId xmlns="" xmlns:a16="http://schemas.microsoft.com/office/drawing/2014/main" id="{2A0FFF23-B3C9-3EA0-1C1B-A87D4FF098AE}"/>
+                    <a16:creationId xmlns:a16="http://schemas.microsoft.com/office/drawing/2014/main" xmlns="" id="{2A0FFF23-B3C9-3EA0-1C1B-A87D4FF098AE}"/>
                   </a:ext>
                 </a:extLst>
               </p:cNvPr>
@@ -29932,7 +29816,7 @@
             <p:cNvPr id="17" name="그룹 1011">
               <a:extLst>
                 <a:ext uri="{FF2B5EF4-FFF2-40B4-BE49-F238E27FC236}">
-                  <a16:creationId xmlns="" xmlns:a16="http://schemas.microsoft.com/office/drawing/2014/main" id="{881F5410-F7FB-F261-A584-707359BAC593}"/>
+                  <a16:creationId xmlns:a16="http://schemas.microsoft.com/office/drawing/2014/main" xmlns="" id="{881F5410-F7FB-F261-A584-707359BAC593}"/>
                 </a:ext>
               </a:extLst>
             </p:cNvPr>
@@ -29952,7 +29836,7 @@
               <p:cNvPr id="18" name="Object 35">
                 <a:extLst>
                   <a:ext uri="{FF2B5EF4-FFF2-40B4-BE49-F238E27FC236}">
-                    <a16:creationId xmlns="" xmlns:a16="http://schemas.microsoft.com/office/drawing/2014/main" id="{4E99E669-73EB-F9F4-EFE8-DC107035C265}"/>
+                    <a16:creationId xmlns:a16="http://schemas.microsoft.com/office/drawing/2014/main" xmlns="" id="{4E99E669-73EB-F9F4-EFE8-DC107035C265}"/>
                   </a:ext>
                 </a:extLst>
               </p:cNvPr>
@@ -30308,7 +30192,7 @@
           <p:cNvPr id="9" name="직사각형 8">
             <a:extLst>
               <a:ext uri="{FF2B5EF4-FFF2-40B4-BE49-F238E27FC236}">
-                <a16:creationId xmlns="" xmlns:a16="http://schemas.microsoft.com/office/drawing/2014/main" id="{FFF506F9-840A-0508-4CAF-3AC711D8D5CE}"/>
+                <a16:creationId xmlns:a16="http://schemas.microsoft.com/office/drawing/2014/main" xmlns="" id="{FFF506F9-840A-0508-4CAF-3AC711D8D5CE}"/>
               </a:ext>
             </a:extLst>
           </p:cNvPr>
@@ -30360,7 +30244,7 @@
           <p:cNvPr id="10" name="직선 화살표 연결선 9">
             <a:extLst>
               <a:ext uri="{FF2B5EF4-FFF2-40B4-BE49-F238E27FC236}">
-                <a16:creationId xmlns="" xmlns:a16="http://schemas.microsoft.com/office/drawing/2014/main" id="{299DF5EC-9DF4-5255-06AC-0A7CE4FF58C3}"/>
+                <a16:creationId xmlns:a16="http://schemas.microsoft.com/office/drawing/2014/main" xmlns="" id="{299DF5EC-9DF4-5255-06AC-0A7CE4FF58C3}"/>
               </a:ext>
             </a:extLst>
           </p:cNvPr>
@@ -30401,7 +30285,7 @@
           <p:cNvPr id="12" name="TextBox 11">
             <a:extLst>
               <a:ext uri="{FF2B5EF4-FFF2-40B4-BE49-F238E27FC236}">
-                <a16:creationId xmlns="" xmlns:a16="http://schemas.microsoft.com/office/drawing/2014/main" id="{C6D113C6-EA5C-788F-0C77-E7CE6EBB865F}"/>
+                <a16:creationId xmlns:a16="http://schemas.microsoft.com/office/drawing/2014/main" xmlns="" id="{C6D113C6-EA5C-788F-0C77-E7CE6EBB865F}"/>
               </a:ext>
             </a:extLst>
           </p:cNvPr>

--- a/JavaLecture/LectureFile/java 9강 상속과super.pptx
+++ b/JavaLecture/LectureFile/java 9강 상속과super.pptx
@@ -264,7 +264,7 @@
           <a:p>
             <a:fld id="{D79F2C30-10E1-4C46-91DC-BBDB9629E720}" type="datetimeFigureOut">
               <a:rPr lang="ko-KR" altLang="en-US" smtClean="0"/>
-              <a:t>2023-03-01</a:t>
+              <a:t>2023-03-06</a:t>
             </a:fld>
             <a:endParaRPr lang="ko-KR" altLang="en-US"/>
           </a:p>
@@ -962,7 +962,7 @@
           <a:p>
             <a:fld id="{F8166F1F-CE9B-4651-A6AA-CD717754106B}" type="datetimeFigureOut">
               <a:rPr lang="en-US" smtClean="0"/>
-              <a:t>3/1/2023</a:t>
+              <a:t>3/6/2023</a:t>
             </a:fld>
             <a:endParaRPr lang="en-US"/>
           </a:p>
@@ -1125,7 +1125,7 @@
           <a:p>
             <a:fld id="{A76116CE-C4A3-4A05-B2D7-7C2E9A889C0F}" type="datetimeFigureOut">
               <a:rPr lang="en-US" smtClean="0"/>
-              <a:t>3/1/2023</a:t>
+              <a:t>3/6/2023</a:t>
             </a:fld>
             <a:endParaRPr lang="en-US"/>
           </a:p>
@@ -1298,7 +1298,7 @@
           <a:p>
             <a:fld id="{A76116CE-C4A3-4A05-B2D7-7C2E9A889C0F}" type="datetimeFigureOut">
               <a:rPr lang="en-US" smtClean="0"/>
-              <a:t>3/1/2023</a:t>
+              <a:t>3/6/2023</a:t>
             </a:fld>
             <a:endParaRPr lang="en-US"/>
           </a:p>
@@ -1463,7 +1463,7 @@
           <a:p>
             <a:fld id="{A76116CE-C4A3-4A05-B2D7-7C2E9A889C0F}" type="datetimeFigureOut">
               <a:rPr lang="en-US" smtClean="0"/>
-              <a:t>3/1/2023</a:t>
+              <a:t>3/6/2023</a:t>
             </a:fld>
             <a:endParaRPr lang="en-US"/>
           </a:p>
@@ -1703,7 +1703,7 @@
           <a:p>
             <a:fld id="{A76116CE-C4A3-4A05-B2D7-7C2E9A889C0F}" type="datetimeFigureOut">
               <a:rPr lang="en-US" smtClean="0"/>
-              <a:t>3/1/2023</a:t>
+              <a:t>3/6/2023</a:t>
             </a:fld>
             <a:endParaRPr lang="en-US"/>
           </a:p>
@@ -1983,7 +1983,7 @@
           <a:p>
             <a:fld id="{A76116CE-C4A3-4A05-B2D7-7C2E9A889C0F}" type="datetimeFigureOut">
               <a:rPr lang="en-US" smtClean="0"/>
-              <a:t>3/1/2023</a:t>
+              <a:t>3/6/2023</a:t>
             </a:fld>
             <a:endParaRPr lang="en-US"/>
           </a:p>
@@ -2397,7 +2397,7 @@
           <a:p>
             <a:fld id="{A76116CE-C4A3-4A05-B2D7-7C2E9A889C0F}" type="datetimeFigureOut">
               <a:rPr lang="en-US" smtClean="0"/>
-              <a:t>3/1/2023</a:t>
+              <a:t>3/6/2023</a:t>
             </a:fld>
             <a:endParaRPr lang="en-US"/>
           </a:p>
@@ -2509,7 +2509,7 @@
           <a:p>
             <a:fld id="{A76116CE-C4A3-4A05-B2D7-7C2E9A889C0F}" type="datetimeFigureOut">
               <a:rPr lang="en-US" smtClean="0"/>
-              <a:t>3/1/2023</a:t>
+              <a:t>3/6/2023</a:t>
             </a:fld>
             <a:endParaRPr lang="en-US"/>
           </a:p>
@@ -2599,7 +2599,7 @@
           <a:p>
             <a:fld id="{A76116CE-C4A3-4A05-B2D7-7C2E9A889C0F}" type="datetimeFigureOut">
               <a:rPr lang="en-US" smtClean="0"/>
-              <a:t>3/1/2023</a:t>
+              <a:t>3/6/2023</a:t>
             </a:fld>
             <a:endParaRPr lang="en-US"/>
           </a:p>
@@ -2869,7 +2869,7 @@
           <a:p>
             <a:fld id="{A76116CE-C4A3-4A05-B2D7-7C2E9A889C0F}" type="datetimeFigureOut">
               <a:rPr lang="en-US" smtClean="0"/>
-              <a:t>3/1/2023</a:t>
+              <a:t>3/6/2023</a:t>
             </a:fld>
             <a:endParaRPr lang="en-US"/>
           </a:p>
@@ -3116,7 +3116,7 @@
           <a:p>
             <a:fld id="{A76116CE-C4A3-4A05-B2D7-7C2E9A889C0F}" type="datetimeFigureOut">
               <a:rPr lang="en-US" smtClean="0"/>
-              <a:t>3/1/2023</a:t>
+              <a:t>3/6/2023</a:t>
             </a:fld>
             <a:endParaRPr lang="en-US"/>
           </a:p>
@@ -3322,7 +3322,7 @@
           <a:p>
             <a:fld id="{F8166F1F-CE9B-4651-A6AA-CD717754106B}" type="datetimeFigureOut">
               <a:rPr lang="en-US" smtClean="0"/>
-              <a:t>3/1/2023</a:t>
+              <a:t>3/6/2023</a:t>
             </a:fld>
             <a:endParaRPr lang="en-US"/>
           </a:p>
@@ -3978,7 +3978,7 @@
           <p:cNvPr id="2" name="TextBox 1">
             <a:extLst>
               <a:ext uri="{FF2B5EF4-FFF2-40B4-BE49-F238E27FC236}">
-                <a16:creationId xmlns:a16="http://schemas.microsoft.com/office/drawing/2014/main" xmlns="" id="{E9A453A8-9968-67AB-7B4A-83EEB4662AA6}"/>
+                <a16:creationId xmlns="" xmlns:a16="http://schemas.microsoft.com/office/drawing/2014/main" id="{E9A453A8-9968-67AB-7B4A-83EEB4662AA6}"/>
               </a:ext>
             </a:extLst>
           </p:cNvPr>
@@ -4026,7 +4026,7 @@
           <p:cNvPr id="4" name="TextBox 3">
             <a:extLst>
               <a:ext uri="{FF2B5EF4-FFF2-40B4-BE49-F238E27FC236}">
-                <a16:creationId xmlns:a16="http://schemas.microsoft.com/office/drawing/2014/main" xmlns="" id="{F4B7A35A-8AAC-4622-64BC-CAD1472D4115}"/>
+                <a16:creationId xmlns="" xmlns:a16="http://schemas.microsoft.com/office/drawing/2014/main" id="{F4B7A35A-8AAC-4622-64BC-CAD1472D4115}"/>
               </a:ext>
             </a:extLst>
           </p:cNvPr>
@@ -4098,7 +4098,7 @@
           <p:cNvPr id="7" name="TextBox 6">
             <a:extLst>
               <a:ext uri="{FF2B5EF4-FFF2-40B4-BE49-F238E27FC236}">
-                <a16:creationId xmlns:a16="http://schemas.microsoft.com/office/drawing/2014/main" xmlns="" id="{3ACE900A-D779-4343-6623-8588B376F0A1}"/>
+                <a16:creationId xmlns="" xmlns:a16="http://schemas.microsoft.com/office/drawing/2014/main" id="{3ACE900A-D779-4343-6623-8588B376F0A1}"/>
               </a:ext>
             </a:extLst>
           </p:cNvPr>
@@ -4234,7 +4234,7 @@
           <p:cNvPr id="7" name="직선 화살표 연결선 6">
             <a:extLst>
               <a:ext uri="{FF2B5EF4-FFF2-40B4-BE49-F238E27FC236}">
-                <a16:creationId xmlns:a16="http://schemas.microsoft.com/office/drawing/2014/main" xmlns="" id="{299DF5EC-9DF4-5255-06AC-0A7CE4FF58C3}"/>
+                <a16:creationId xmlns="" xmlns:a16="http://schemas.microsoft.com/office/drawing/2014/main" id="{299DF5EC-9DF4-5255-06AC-0A7CE4FF58C3}"/>
               </a:ext>
             </a:extLst>
           </p:cNvPr>
@@ -4275,7 +4275,7 @@
           <p:cNvPr id="8" name="TextBox 7">
             <a:extLst>
               <a:ext uri="{FF2B5EF4-FFF2-40B4-BE49-F238E27FC236}">
-                <a16:creationId xmlns:a16="http://schemas.microsoft.com/office/drawing/2014/main" xmlns="" id="{C6D113C6-EA5C-788F-0C77-E7CE6EBB865F}"/>
+                <a16:creationId xmlns="" xmlns:a16="http://schemas.microsoft.com/office/drawing/2014/main" id="{C6D113C6-EA5C-788F-0C77-E7CE6EBB865F}"/>
               </a:ext>
             </a:extLst>
           </p:cNvPr>
@@ -4612,7 +4612,7 @@
           <p:cNvPr id="6" name="직선 화살표 연결선 5">
             <a:extLst>
               <a:ext uri="{FF2B5EF4-FFF2-40B4-BE49-F238E27FC236}">
-                <a16:creationId xmlns:a16="http://schemas.microsoft.com/office/drawing/2014/main" xmlns="" id="{299DF5EC-9DF4-5255-06AC-0A7CE4FF58C3}"/>
+                <a16:creationId xmlns="" xmlns:a16="http://schemas.microsoft.com/office/drawing/2014/main" id="{299DF5EC-9DF4-5255-06AC-0A7CE4FF58C3}"/>
               </a:ext>
             </a:extLst>
           </p:cNvPr>
@@ -4653,7 +4653,7 @@
           <p:cNvPr id="7" name="TextBox 6">
             <a:extLst>
               <a:ext uri="{FF2B5EF4-FFF2-40B4-BE49-F238E27FC236}">
-                <a16:creationId xmlns:a16="http://schemas.microsoft.com/office/drawing/2014/main" xmlns="" id="{C6D113C6-EA5C-788F-0C77-E7CE6EBB865F}"/>
+                <a16:creationId xmlns="" xmlns:a16="http://schemas.microsoft.com/office/drawing/2014/main" id="{C6D113C6-EA5C-788F-0C77-E7CE6EBB865F}"/>
               </a:ext>
             </a:extLst>
           </p:cNvPr>
@@ -4765,7 +4765,7 @@
           <p:cNvPr id="5" name="TextBox 4">
             <a:extLst>
               <a:ext uri="{FF2B5EF4-FFF2-40B4-BE49-F238E27FC236}">
-                <a16:creationId xmlns:a16="http://schemas.microsoft.com/office/drawing/2014/main" xmlns="" id="{C6D113C6-EA5C-788F-0C77-E7CE6EBB865F}"/>
+                <a16:creationId xmlns="" xmlns:a16="http://schemas.microsoft.com/office/drawing/2014/main" id="{C6D113C6-EA5C-788F-0C77-E7CE6EBB865F}"/>
               </a:ext>
             </a:extLst>
           </p:cNvPr>
@@ -4846,7 +4846,7 @@
           <p:cNvPr id="4" name="TextBox 3">
             <a:extLst>
               <a:ext uri="{FF2B5EF4-FFF2-40B4-BE49-F238E27FC236}">
-                <a16:creationId xmlns:a16="http://schemas.microsoft.com/office/drawing/2014/main" xmlns="" id="{5ADC00B6-990A-40DC-3CEA-505258F5E8DA}"/>
+                <a16:creationId xmlns="" xmlns:a16="http://schemas.microsoft.com/office/drawing/2014/main" id="{5ADC00B6-990A-40DC-3CEA-505258F5E8DA}"/>
               </a:ext>
             </a:extLst>
           </p:cNvPr>
@@ -4944,7 +4944,7 @@
           <p:cNvPr id="4" name="TextBox 3">
             <a:extLst>
               <a:ext uri="{FF2B5EF4-FFF2-40B4-BE49-F238E27FC236}">
-                <a16:creationId xmlns:a16="http://schemas.microsoft.com/office/drawing/2014/main" xmlns="" id="{C6D113C6-EA5C-788F-0C77-E7CE6EBB865F}"/>
+                <a16:creationId xmlns="" xmlns:a16="http://schemas.microsoft.com/office/drawing/2014/main" id="{C6D113C6-EA5C-788F-0C77-E7CE6EBB865F}"/>
               </a:ext>
             </a:extLst>
           </p:cNvPr>
@@ -5104,7 +5104,7 @@
           <p:cNvPr id="4" name="TextBox 3">
             <a:extLst>
               <a:ext uri="{FF2B5EF4-FFF2-40B4-BE49-F238E27FC236}">
-                <a16:creationId xmlns:a16="http://schemas.microsoft.com/office/drawing/2014/main" xmlns="" id="{5ADC00B6-990A-40DC-3CEA-505258F5E8DA}"/>
+                <a16:creationId xmlns="" xmlns:a16="http://schemas.microsoft.com/office/drawing/2014/main" id="{5ADC00B6-990A-40DC-3CEA-505258F5E8DA}"/>
               </a:ext>
             </a:extLst>
           </p:cNvPr>
@@ -5176,7 +5176,7 @@
           <p:cNvPr id="6" name="직선 화살표 연결선 5">
             <a:extLst>
               <a:ext uri="{FF2B5EF4-FFF2-40B4-BE49-F238E27FC236}">
-                <a16:creationId xmlns:a16="http://schemas.microsoft.com/office/drawing/2014/main" xmlns="" id="{299DF5EC-9DF4-5255-06AC-0A7CE4FF58C3}"/>
+                <a16:creationId xmlns="" xmlns:a16="http://schemas.microsoft.com/office/drawing/2014/main" id="{299DF5EC-9DF4-5255-06AC-0A7CE4FF58C3}"/>
               </a:ext>
             </a:extLst>
           </p:cNvPr>
@@ -5217,7 +5217,7 @@
           <p:cNvPr id="7" name="TextBox 6">
             <a:extLst>
               <a:ext uri="{FF2B5EF4-FFF2-40B4-BE49-F238E27FC236}">
-                <a16:creationId xmlns:a16="http://schemas.microsoft.com/office/drawing/2014/main" xmlns="" id="{C6D113C6-EA5C-788F-0C77-E7CE6EBB865F}"/>
+                <a16:creationId xmlns="" xmlns:a16="http://schemas.microsoft.com/office/drawing/2014/main" id="{C6D113C6-EA5C-788F-0C77-E7CE6EBB865F}"/>
               </a:ext>
             </a:extLst>
           </p:cNvPr>
@@ -5400,7 +5400,7 @@
           <p:cNvPr id="4" name="TextBox 3">
             <a:extLst>
               <a:ext uri="{FF2B5EF4-FFF2-40B4-BE49-F238E27FC236}">
-                <a16:creationId xmlns:a16="http://schemas.microsoft.com/office/drawing/2014/main" xmlns="" id="{5ADC00B6-990A-40DC-3CEA-505258F5E8DA}"/>
+                <a16:creationId xmlns="" xmlns:a16="http://schemas.microsoft.com/office/drawing/2014/main" id="{5ADC00B6-990A-40DC-3CEA-505258F5E8DA}"/>
               </a:ext>
             </a:extLst>
           </p:cNvPr>
@@ -5458,7 +5458,7 @@
           <p:cNvPr id="5" name="TextBox 4">
             <a:extLst>
               <a:ext uri="{FF2B5EF4-FFF2-40B4-BE49-F238E27FC236}">
-                <a16:creationId xmlns:a16="http://schemas.microsoft.com/office/drawing/2014/main" xmlns="" id="{A2AD056B-97A4-5BCC-4460-250160F3E171}"/>
+                <a16:creationId xmlns="" xmlns:a16="http://schemas.microsoft.com/office/drawing/2014/main" id="{A2AD056B-97A4-5BCC-4460-250160F3E171}"/>
               </a:ext>
             </a:extLst>
           </p:cNvPr>
@@ -5616,7 +5616,7 @@
           <p:cNvPr id="6" name="그룹 1015">
             <a:extLst>
               <a:ext uri="{FF2B5EF4-FFF2-40B4-BE49-F238E27FC236}">
-                <a16:creationId xmlns:a16="http://schemas.microsoft.com/office/drawing/2014/main" xmlns="" id="{76F5E01D-ECD6-A51D-DC2B-05DA1EBF93C7}"/>
+                <a16:creationId xmlns="" xmlns:a16="http://schemas.microsoft.com/office/drawing/2014/main" id="{76F5E01D-ECD6-A51D-DC2B-05DA1EBF93C7}"/>
               </a:ext>
             </a:extLst>
           </p:cNvPr>
@@ -5636,7 +5636,7 @@
             <p:cNvPr id="7" name="Object 52">
               <a:extLst>
                 <a:ext uri="{FF2B5EF4-FFF2-40B4-BE49-F238E27FC236}">
-                  <a16:creationId xmlns:a16="http://schemas.microsoft.com/office/drawing/2014/main" xmlns="" id="{D83975B3-46BC-7686-ECA1-1D7ECFA74A69}"/>
+                  <a16:creationId xmlns="" xmlns:a16="http://schemas.microsoft.com/office/drawing/2014/main" id="{D83975B3-46BC-7686-ECA1-1D7ECFA74A69}"/>
                 </a:ext>
               </a:extLst>
             </p:cNvPr>
@@ -5667,7 +5667,7 @@
           <p:cNvPr id="8" name="그룹 1018">
             <a:extLst>
               <a:ext uri="{FF2B5EF4-FFF2-40B4-BE49-F238E27FC236}">
-                <a16:creationId xmlns:a16="http://schemas.microsoft.com/office/drawing/2014/main" xmlns="" id="{008489BA-FEFA-DE7D-B3CD-53A358B82592}"/>
+                <a16:creationId xmlns="" xmlns:a16="http://schemas.microsoft.com/office/drawing/2014/main" id="{008489BA-FEFA-DE7D-B3CD-53A358B82592}"/>
               </a:ext>
             </a:extLst>
           </p:cNvPr>
@@ -5687,7 +5687,7 @@
             <p:cNvPr id="9" name="Object 61">
               <a:extLst>
                 <a:ext uri="{FF2B5EF4-FFF2-40B4-BE49-F238E27FC236}">
-                  <a16:creationId xmlns:a16="http://schemas.microsoft.com/office/drawing/2014/main" xmlns="" id="{9ED25BE3-45BE-AC6D-D835-4457854D2832}"/>
+                  <a16:creationId xmlns="" xmlns:a16="http://schemas.microsoft.com/office/drawing/2014/main" id="{9ED25BE3-45BE-AC6D-D835-4457854D2832}"/>
                 </a:ext>
               </a:extLst>
             </p:cNvPr>
@@ -5718,7 +5718,7 @@
           <p:cNvPr id="10" name="그룹 1021">
             <a:extLst>
               <a:ext uri="{FF2B5EF4-FFF2-40B4-BE49-F238E27FC236}">
-                <a16:creationId xmlns:a16="http://schemas.microsoft.com/office/drawing/2014/main" xmlns="" id="{7FE0C0A1-ABE4-F0EA-AFC1-4622C45C99E7}"/>
+                <a16:creationId xmlns="" xmlns:a16="http://schemas.microsoft.com/office/drawing/2014/main" id="{7FE0C0A1-ABE4-F0EA-AFC1-4622C45C99E7}"/>
               </a:ext>
             </a:extLst>
           </p:cNvPr>
@@ -5738,7 +5738,7 @@
             <p:cNvPr id="11" name="Object 71">
               <a:extLst>
                 <a:ext uri="{FF2B5EF4-FFF2-40B4-BE49-F238E27FC236}">
-                  <a16:creationId xmlns:a16="http://schemas.microsoft.com/office/drawing/2014/main" xmlns="" id="{CDBB7D83-509F-9F4C-0C3E-DBA2562E5520}"/>
+                  <a16:creationId xmlns="" xmlns:a16="http://schemas.microsoft.com/office/drawing/2014/main" id="{CDBB7D83-509F-9F4C-0C3E-DBA2562E5520}"/>
                 </a:ext>
               </a:extLst>
             </p:cNvPr>
@@ -5769,7 +5769,7 @@
           <p:cNvPr id="12" name="그룹 1024">
             <a:extLst>
               <a:ext uri="{FF2B5EF4-FFF2-40B4-BE49-F238E27FC236}">
-                <a16:creationId xmlns:a16="http://schemas.microsoft.com/office/drawing/2014/main" xmlns="" id="{8EB1611F-852C-9617-AEEB-CFA38FFF8001}"/>
+                <a16:creationId xmlns="" xmlns:a16="http://schemas.microsoft.com/office/drawing/2014/main" id="{8EB1611F-852C-9617-AEEB-CFA38FFF8001}"/>
               </a:ext>
             </a:extLst>
           </p:cNvPr>
@@ -5789,7 +5789,7 @@
             <p:cNvPr id="13" name="Object 81">
               <a:extLst>
                 <a:ext uri="{FF2B5EF4-FFF2-40B4-BE49-F238E27FC236}">
-                  <a16:creationId xmlns:a16="http://schemas.microsoft.com/office/drawing/2014/main" xmlns="" id="{08657582-A0DF-A5DC-A662-189C639920C8}"/>
+                  <a16:creationId xmlns="" xmlns:a16="http://schemas.microsoft.com/office/drawing/2014/main" id="{08657582-A0DF-A5DC-A662-189C639920C8}"/>
                 </a:ext>
               </a:extLst>
             </p:cNvPr>
@@ -5820,7 +5820,7 @@
           <p:cNvPr id="14" name="TextBox 13">
             <a:extLst>
               <a:ext uri="{FF2B5EF4-FFF2-40B4-BE49-F238E27FC236}">
-                <a16:creationId xmlns:a16="http://schemas.microsoft.com/office/drawing/2014/main" xmlns="" id="{FC41B7B2-904B-813A-22B8-239E383F4360}"/>
+                <a16:creationId xmlns="" xmlns:a16="http://schemas.microsoft.com/office/drawing/2014/main" id="{FC41B7B2-904B-813A-22B8-239E383F4360}"/>
               </a:ext>
             </a:extLst>
           </p:cNvPr>
@@ -5868,7 +5868,7 @@
           <p:cNvPr id="15" name="TextBox 14">
             <a:extLst>
               <a:ext uri="{FF2B5EF4-FFF2-40B4-BE49-F238E27FC236}">
-                <a16:creationId xmlns:a16="http://schemas.microsoft.com/office/drawing/2014/main" xmlns="" id="{F68B80B8-3419-5C31-B2F2-084E536A2C1C}"/>
+                <a16:creationId xmlns="" xmlns:a16="http://schemas.microsoft.com/office/drawing/2014/main" id="{F68B80B8-3419-5C31-B2F2-084E536A2C1C}"/>
               </a:ext>
             </a:extLst>
           </p:cNvPr>
@@ -5916,7 +5916,7 @@
           <p:cNvPr id="16" name="TextBox 15">
             <a:extLst>
               <a:ext uri="{FF2B5EF4-FFF2-40B4-BE49-F238E27FC236}">
-                <a16:creationId xmlns:a16="http://schemas.microsoft.com/office/drawing/2014/main" xmlns="" id="{CB471B39-052C-65D2-3069-C74FA7421876}"/>
+                <a16:creationId xmlns="" xmlns:a16="http://schemas.microsoft.com/office/drawing/2014/main" id="{CB471B39-052C-65D2-3069-C74FA7421876}"/>
               </a:ext>
             </a:extLst>
           </p:cNvPr>
@@ -5964,7 +5964,7 @@
           <p:cNvPr id="17" name="TextBox 16">
             <a:extLst>
               <a:ext uri="{FF2B5EF4-FFF2-40B4-BE49-F238E27FC236}">
-                <a16:creationId xmlns:a16="http://schemas.microsoft.com/office/drawing/2014/main" xmlns="" id="{4A7E270B-9322-EABD-3A34-4D211B23AD38}"/>
+                <a16:creationId xmlns="" xmlns:a16="http://schemas.microsoft.com/office/drawing/2014/main" id="{4A7E270B-9322-EABD-3A34-4D211B23AD38}"/>
               </a:ext>
             </a:extLst>
           </p:cNvPr>
@@ -6012,7 +6012,7 @@
           <p:cNvPr id="18" name="직선 화살표 연결선 17">
             <a:extLst>
               <a:ext uri="{FF2B5EF4-FFF2-40B4-BE49-F238E27FC236}">
-                <a16:creationId xmlns:a16="http://schemas.microsoft.com/office/drawing/2014/main" xmlns="" id="{174A1CAB-41DB-CBE5-A53E-D1E78982E7D5}"/>
+                <a16:creationId xmlns="" xmlns:a16="http://schemas.microsoft.com/office/drawing/2014/main" id="{174A1CAB-41DB-CBE5-A53E-D1E78982E7D5}"/>
               </a:ext>
             </a:extLst>
           </p:cNvPr>
@@ -6054,7 +6054,7 @@
           <p:cNvPr id="19" name="직선 화살표 연결선 18">
             <a:extLst>
               <a:ext uri="{FF2B5EF4-FFF2-40B4-BE49-F238E27FC236}">
-                <a16:creationId xmlns:a16="http://schemas.microsoft.com/office/drawing/2014/main" xmlns="" id="{404BE807-8974-325D-28CE-80CBD5A23FD9}"/>
+                <a16:creationId xmlns="" xmlns:a16="http://schemas.microsoft.com/office/drawing/2014/main" id="{404BE807-8974-325D-28CE-80CBD5A23FD9}"/>
               </a:ext>
             </a:extLst>
           </p:cNvPr>
@@ -6095,7 +6095,7 @@
           <p:cNvPr id="20" name="직선 화살표 연결선 19">
             <a:extLst>
               <a:ext uri="{FF2B5EF4-FFF2-40B4-BE49-F238E27FC236}">
-                <a16:creationId xmlns:a16="http://schemas.microsoft.com/office/drawing/2014/main" xmlns="" id="{8238D4B2-69F6-F17A-0286-66A8FB197956}"/>
+                <a16:creationId xmlns="" xmlns:a16="http://schemas.microsoft.com/office/drawing/2014/main" id="{8238D4B2-69F6-F17A-0286-66A8FB197956}"/>
               </a:ext>
             </a:extLst>
           </p:cNvPr>
@@ -6137,7 +6137,7 @@
           <p:cNvPr id="21" name="직선 화살표 연결선 20">
             <a:extLst>
               <a:ext uri="{FF2B5EF4-FFF2-40B4-BE49-F238E27FC236}">
-                <a16:creationId xmlns:a16="http://schemas.microsoft.com/office/drawing/2014/main" xmlns="" id="{404BE807-8974-325D-28CE-80CBD5A23FD9}"/>
+                <a16:creationId xmlns="" xmlns:a16="http://schemas.microsoft.com/office/drawing/2014/main" id="{404BE807-8974-325D-28CE-80CBD5A23FD9}"/>
               </a:ext>
             </a:extLst>
           </p:cNvPr>
@@ -6178,7 +6178,7 @@
           <p:cNvPr id="22" name="그룹 1021">
             <a:extLst>
               <a:ext uri="{FF2B5EF4-FFF2-40B4-BE49-F238E27FC236}">
-                <a16:creationId xmlns:a16="http://schemas.microsoft.com/office/drawing/2014/main" xmlns="" id="{7FE0C0A1-ABE4-F0EA-AFC1-4622C45C99E7}"/>
+                <a16:creationId xmlns="" xmlns:a16="http://schemas.microsoft.com/office/drawing/2014/main" id="{7FE0C0A1-ABE4-F0EA-AFC1-4622C45C99E7}"/>
               </a:ext>
             </a:extLst>
           </p:cNvPr>
@@ -6198,7 +6198,7 @@
             <p:cNvPr id="23" name="Object 71">
               <a:extLst>
                 <a:ext uri="{FF2B5EF4-FFF2-40B4-BE49-F238E27FC236}">
-                  <a16:creationId xmlns:a16="http://schemas.microsoft.com/office/drawing/2014/main" xmlns="" id="{CDBB7D83-509F-9F4C-0C3E-DBA2562E5520}"/>
+                  <a16:creationId xmlns="" xmlns:a16="http://schemas.microsoft.com/office/drawing/2014/main" id="{CDBB7D83-509F-9F4C-0C3E-DBA2562E5520}"/>
                 </a:ext>
               </a:extLst>
             </p:cNvPr>
@@ -6229,7 +6229,7 @@
           <p:cNvPr id="24" name="TextBox 23">
             <a:extLst>
               <a:ext uri="{FF2B5EF4-FFF2-40B4-BE49-F238E27FC236}">
-                <a16:creationId xmlns:a16="http://schemas.microsoft.com/office/drawing/2014/main" xmlns="" id="{CB471B39-052C-65D2-3069-C74FA7421876}"/>
+                <a16:creationId xmlns="" xmlns:a16="http://schemas.microsoft.com/office/drawing/2014/main" id="{CB471B39-052C-65D2-3069-C74FA7421876}"/>
               </a:ext>
             </a:extLst>
           </p:cNvPr>
@@ -6899,7 +6899,7 @@
           <p:cNvPr id="8" name="직선 화살표 연결선 7">
             <a:extLst>
               <a:ext uri="{FF2B5EF4-FFF2-40B4-BE49-F238E27FC236}">
-                <a16:creationId xmlns:a16="http://schemas.microsoft.com/office/drawing/2014/main" xmlns="" id="{299DF5EC-9DF4-5255-06AC-0A7CE4FF58C3}"/>
+                <a16:creationId xmlns="" xmlns:a16="http://schemas.microsoft.com/office/drawing/2014/main" id="{299DF5EC-9DF4-5255-06AC-0A7CE4FF58C3}"/>
               </a:ext>
             </a:extLst>
           </p:cNvPr>
@@ -6940,7 +6940,7 @@
           <p:cNvPr id="9" name="직사각형 8">
             <a:extLst>
               <a:ext uri="{FF2B5EF4-FFF2-40B4-BE49-F238E27FC236}">
-                <a16:creationId xmlns:a16="http://schemas.microsoft.com/office/drawing/2014/main" xmlns="" id="{FFF506F9-840A-0508-4CAF-3AC711D8D5CE}"/>
+                <a16:creationId xmlns="" xmlns:a16="http://schemas.microsoft.com/office/drawing/2014/main" id="{FFF506F9-840A-0508-4CAF-3AC711D8D5CE}"/>
               </a:ext>
             </a:extLst>
           </p:cNvPr>
@@ -6992,7 +6992,7 @@
           <p:cNvPr id="10" name="TextBox 9">
             <a:extLst>
               <a:ext uri="{FF2B5EF4-FFF2-40B4-BE49-F238E27FC236}">
-                <a16:creationId xmlns:a16="http://schemas.microsoft.com/office/drawing/2014/main" xmlns="" id="{C6D113C6-EA5C-788F-0C77-E7CE6EBB865F}"/>
+                <a16:creationId xmlns="" xmlns:a16="http://schemas.microsoft.com/office/drawing/2014/main" id="{C6D113C6-EA5C-788F-0C77-E7CE6EBB865F}"/>
               </a:ext>
             </a:extLst>
           </p:cNvPr>
@@ -7040,7 +7040,7 @@
           <p:cNvPr id="12" name="직선 화살표 연결선 11">
             <a:extLst>
               <a:ext uri="{FF2B5EF4-FFF2-40B4-BE49-F238E27FC236}">
-                <a16:creationId xmlns:a16="http://schemas.microsoft.com/office/drawing/2014/main" xmlns="" id="{299DF5EC-9DF4-5255-06AC-0A7CE4FF58C3}"/>
+                <a16:creationId xmlns="" xmlns:a16="http://schemas.microsoft.com/office/drawing/2014/main" id="{299DF5EC-9DF4-5255-06AC-0A7CE4FF58C3}"/>
               </a:ext>
             </a:extLst>
           </p:cNvPr>
@@ -7081,7 +7081,7 @@
           <p:cNvPr id="13" name="직사각형 12">
             <a:extLst>
               <a:ext uri="{FF2B5EF4-FFF2-40B4-BE49-F238E27FC236}">
-                <a16:creationId xmlns:a16="http://schemas.microsoft.com/office/drawing/2014/main" xmlns="" id="{FFF506F9-840A-0508-4CAF-3AC711D8D5CE}"/>
+                <a16:creationId xmlns="" xmlns:a16="http://schemas.microsoft.com/office/drawing/2014/main" id="{FFF506F9-840A-0508-4CAF-3AC711D8D5CE}"/>
               </a:ext>
             </a:extLst>
           </p:cNvPr>
@@ -7133,7 +7133,7 @@
           <p:cNvPr id="14" name="TextBox 13">
             <a:extLst>
               <a:ext uri="{FF2B5EF4-FFF2-40B4-BE49-F238E27FC236}">
-                <a16:creationId xmlns:a16="http://schemas.microsoft.com/office/drawing/2014/main" xmlns="" id="{C6D113C6-EA5C-788F-0C77-E7CE6EBB865F}"/>
+                <a16:creationId xmlns="" xmlns:a16="http://schemas.microsoft.com/office/drawing/2014/main" id="{C6D113C6-EA5C-788F-0C77-E7CE6EBB865F}"/>
               </a:ext>
             </a:extLst>
           </p:cNvPr>
@@ -7181,7 +7181,7 @@
           <p:cNvPr id="15" name="직사각형 14">
             <a:extLst>
               <a:ext uri="{FF2B5EF4-FFF2-40B4-BE49-F238E27FC236}">
-                <a16:creationId xmlns:a16="http://schemas.microsoft.com/office/drawing/2014/main" xmlns="" id="{FFF506F9-840A-0508-4CAF-3AC711D8D5CE}"/>
+                <a16:creationId xmlns="" xmlns:a16="http://schemas.microsoft.com/office/drawing/2014/main" id="{FFF506F9-840A-0508-4CAF-3AC711D8D5CE}"/>
               </a:ext>
             </a:extLst>
           </p:cNvPr>
@@ -7233,7 +7233,7 @@
           <p:cNvPr id="16" name="직선 화살표 연결선 15">
             <a:extLst>
               <a:ext uri="{FF2B5EF4-FFF2-40B4-BE49-F238E27FC236}">
-                <a16:creationId xmlns:a16="http://schemas.microsoft.com/office/drawing/2014/main" xmlns="" id="{299DF5EC-9DF4-5255-06AC-0A7CE4FF58C3}"/>
+                <a16:creationId xmlns="" xmlns:a16="http://schemas.microsoft.com/office/drawing/2014/main" id="{299DF5EC-9DF4-5255-06AC-0A7CE4FF58C3}"/>
               </a:ext>
             </a:extLst>
           </p:cNvPr>
@@ -7274,7 +7274,7 @@
           <p:cNvPr id="17" name="TextBox 16">
             <a:extLst>
               <a:ext uri="{FF2B5EF4-FFF2-40B4-BE49-F238E27FC236}">
-                <a16:creationId xmlns:a16="http://schemas.microsoft.com/office/drawing/2014/main" xmlns="" id="{C6D113C6-EA5C-788F-0C77-E7CE6EBB865F}"/>
+                <a16:creationId xmlns="" xmlns:a16="http://schemas.microsoft.com/office/drawing/2014/main" id="{C6D113C6-EA5C-788F-0C77-E7CE6EBB865F}"/>
               </a:ext>
             </a:extLst>
           </p:cNvPr>
@@ -7322,7 +7322,7 @@
           <p:cNvPr id="18" name="TextBox 17">
             <a:extLst>
               <a:ext uri="{FF2B5EF4-FFF2-40B4-BE49-F238E27FC236}">
-                <a16:creationId xmlns:a16="http://schemas.microsoft.com/office/drawing/2014/main" xmlns="" id="{5ADC00B6-990A-40DC-3CEA-505258F5E8DA}"/>
+                <a16:creationId xmlns="" xmlns:a16="http://schemas.microsoft.com/office/drawing/2014/main" id="{5ADC00B6-990A-40DC-3CEA-505258F5E8DA}"/>
               </a:ext>
             </a:extLst>
           </p:cNvPr>
@@ -7822,7 +7822,7 @@
           <p:cNvPr id="8" name="TextBox 7">
             <a:extLst>
               <a:ext uri="{FF2B5EF4-FFF2-40B4-BE49-F238E27FC236}">
-                <a16:creationId xmlns:a16="http://schemas.microsoft.com/office/drawing/2014/main" xmlns="" id="{5ADC00B6-990A-40DC-3CEA-505258F5E8DA}"/>
+                <a16:creationId xmlns="" xmlns:a16="http://schemas.microsoft.com/office/drawing/2014/main" id="{5ADC00B6-990A-40DC-3CEA-505258F5E8DA}"/>
               </a:ext>
             </a:extLst>
           </p:cNvPr>
@@ -8391,7 +8391,7 @@
           <p:cNvPr id="11" name="TextBox 10">
             <a:extLst>
               <a:ext uri="{FF2B5EF4-FFF2-40B4-BE49-F238E27FC236}">
-                <a16:creationId xmlns:a16="http://schemas.microsoft.com/office/drawing/2014/main" xmlns="" id="{9F88F580-08BE-88C2-D640-13F0026591CB}"/>
+                <a16:creationId xmlns="" xmlns:a16="http://schemas.microsoft.com/office/drawing/2014/main" id="{9F88F580-08BE-88C2-D640-13F0026591CB}"/>
               </a:ext>
             </a:extLst>
           </p:cNvPr>
@@ -8459,7 +8459,7 @@
           <p:cNvPr id="13" name="TextBox 12">
             <a:extLst>
               <a:ext uri="{FF2B5EF4-FFF2-40B4-BE49-F238E27FC236}">
-                <a16:creationId xmlns:a16="http://schemas.microsoft.com/office/drawing/2014/main" xmlns="" id="{72769C28-9BB6-DE9C-7B6F-264B77B8DD0E}"/>
+                <a16:creationId xmlns="" xmlns:a16="http://schemas.microsoft.com/office/drawing/2014/main" id="{72769C28-9BB6-DE9C-7B6F-264B77B8DD0E}"/>
               </a:ext>
             </a:extLst>
           </p:cNvPr>
@@ -8507,7 +8507,7 @@
           <p:cNvPr id="14" name="TextBox 13">
             <a:extLst>
               <a:ext uri="{FF2B5EF4-FFF2-40B4-BE49-F238E27FC236}">
-                <a16:creationId xmlns:a16="http://schemas.microsoft.com/office/drawing/2014/main" xmlns="" id="{270FBB6A-01CE-5637-78DA-58F0C974145C}"/>
+                <a16:creationId xmlns="" xmlns:a16="http://schemas.microsoft.com/office/drawing/2014/main" id="{270FBB6A-01CE-5637-78DA-58F0C974145C}"/>
               </a:ext>
             </a:extLst>
           </p:cNvPr>
@@ -8555,7 +8555,7 @@
           <p:cNvPr id="2" name="Object 17">
             <a:extLst>
               <a:ext uri="{FF2B5EF4-FFF2-40B4-BE49-F238E27FC236}">
-                <a16:creationId xmlns:a16="http://schemas.microsoft.com/office/drawing/2014/main" xmlns="" id="{140B283D-FE58-FA6F-6F7C-E0F1DBB62A65}"/>
+                <a16:creationId xmlns="" xmlns:a16="http://schemas.microsoft.com/office/drawing/2014/main" id="{140B283D-FE58-FA6F-6F7C-E0F1DBB62A65}"/>
               </a:ext>
             </a:extLst>
           </p:cNvPr>
@@ -8585,7 +8585,7 @@
           <p:cNvPr id="4" name="TextBox 3">
             <a:extLst>
               <a:ext uri="{FF2B5EF4-FFF2-40B4-BE49-F238E27FC236}">
-                <a16:creationId xmlns:a16="http://schemas.microsoft.com/office/drawing/2014/main" xmlns="" id="{2C8D0998-79BC-6FD2-59D9-8052B4A25F65}"/>
+                <a16:creationId xmlns="" xmlns:a16="http://schemas.microsoft.com/office/drawing/2014/main" id="{2C8D0998-79BC-6FD2-59D9-8052B4A25F65}"/>
               </a:ext>
             </a:extLst>
           </p:cNvPr>
@@ -8643,7 +8643,7 @@
           <p:cNvPr id="5" name="Object 18">
             <a:extLst>
               <a:ext uri="{FF2B5EF4-FFF2-40B4-BE49-F238E27FC236}">
-                <a16:creationId xmlns:a16="http://schemas.microsoft.com/office/drawing/2014/main" xmlns="" id="{3F58EA3E-1018-64D3-FAB2-4F6B9618FA56}"/>
+                <a16:creationId xmlns="" xmlns:a16="http://schemas.microsoft.com/office/drawing/2014/main" id="{3F58EA3E-1018-64D3-FAB2-4F6B9618FA56}"/>
               </a:ext>
             </a:extLst>
           </p:cNvPr>
@@ -8673,7 +8673,7 @@
           <p:cNvPr id="8" name="TextBox 7">
             <a:extLst>
               <a:ext uri="{FF2B5EF4-FFF2-40B4-BE49-F238E27FC236}">
-                <a16:creationId xmlns:a16="http://schemas.microsoft.com/office/drawing/2014/main" xmlns="" id="{681D3F16-7DCF-41AD-F5F1-0558C78C0E4D}"/>
+                <a16:creationId xmlns="" xmlns:a16="http://schemas.microsoft.com/office/drawing/2014/main" id="{681D3F16-7DCF-41AD-F5F1-0558C78C0E4D}"/>
               </a:ext>
             </a:extLst>
           </p:cNvPr>
@@ -8746,7 +8746,7 @@
           <p:cNvPr id="4" name="TextBox 3">
             <a:extLst>
               <a:ext uri="{FF2B5EF4-FFF2-40B4-BE49-F238E27FC236}">
-                <a16:creationId xmlns:a16="http://schemas.microsoft.com/office/drawing/2014/main" xmlns="" id="{5ADC00B6-990A-40DC-3CEA-505258F5E8DA}"/>
+                <a16:creationId xmlns="" xmlns:a16="http://schemas.microsoft.com/office/drawing/2014/main" id="{5ADC00B6-990A-40DC-3CEA-505258F5E8DA}"/>
               </a:ext>
             </a:extLst>
           </p:cNvPr>
@@ -8818,7 +8818,7 @@
           <p:cNvPr id="6" name="TextBox 5">
             <a:extLst>
               <a:ext uri="{FF2B5EF4-FFF2-40B4-BE49-F238E27FC236}">
-                <a16:creationId xmlns:a16="http://schemas.microsoft.com/office/drawing/2014/main" xmlns="" id="{C6D113C6-EA5C-788F-0C77-E7CE6EBB865F}"/>
+                <a16:creationId xmlns="" xmlns:a16="http://schemas.microsoft.com/office/drawing/2014/main" id="{C6D113C6-EA5C-788F-0C77-E7CE6EBB865F}"/>
               </a:ext>
             </a:extLst>
           </p:cNvPr>
@@ -9325,7 +9325,7 @@
           <p:cNvPr id="104" name="TextBox 103">
             <a:extLst>
               <a:ext uri="{FF2B5EF4-FFF2-40B4-BE49-F238E27FC236}">
-                <a16:creationId xmlns:a16="http://schemas.microsoft.com/office/drawing/2014/main" xmlns="" id="{5ADC00B6-990A-40DC-3CEA-505258F5E8DA}"/>
+                <a16:creationId xmlns="" xmlns:a16="http://schemas.microsoft.com/office/drawing/2014/main" id="{5ADC00B6-990A-40DC-3CEA-505258F5E8DA}"/>
               </a:ext>
             </a:extLst>
           </p:cNvPr>
@@ -9373,7 +9373,7 @@
           <p:cNvPr id="105" name="TextBox 104">
             <a:extLst>
               <a:ext uri="{FF2B5EF4-FFF2-40B4-BE49-F238E27FC236}">
-                <a16:creationId xmlns:a16="http://schemas.microsoft.com/office/drawing/2014/main" xmlns="" id="{5ADC00B6-990A-40DC-3CEA-505258F5E8DA}"/>
+                <a16:creationId xmlns="" xmlns:a16="http://schemas.microsoft.com/office/drawing/2014/main" id="{5ADC00B6-990A-40DC-3CEA-505258F5E8DA}"/>
               </a:ext>
             </a:extLst>
           </p:cNvPr>
@@ -9421,7 +9421,7 @@
           <p:cNvPr id="106" name="TextBox 105">
             <a:extLst>
               <a:ext uri="{FF2B5EF4-FFF2-40B4-BE49-F238E27FC236}">
-                <a16:creationId xmlns:a16="http://schemas.microsoft.com/office/drawing/2014/main" xmlns="" id="{A2AD056B-97A4-5BCC-4460-250160F3E171}"/>
+                <a16:creationId xmlns="" xmlns:a16="http://schemas.microsoft.com/office/drawing/2014/main" id="{A2AD056B-97A4-5BCC-4460-250160F3E171}"/>
               </a:ext>
             </a:extLst>
           </p:cNvPr>
@@ -9488,7 +9488,7 @@
           <p:cNvPr id="107" name="TextBox 106">
             <a:extLst>
               <a:ext uri="{FF2B5EF4-FFF2-40B4-BE49-F238E27FC236}">
-                <a16:creationId xmlns:a16="http://schemas.microsoft.com/office/drawing/2014/main" xmlns="" id="{A2AD056B-97A4-5BCC-4460-250160F3E171}"/>
+                <a16:creationId xmlns="" xmlns:a16="http://schemas.microsoft.com/office/drawing/2014/main" id="{A2AD056B-97A4-5BCC-4460-250160F3E171}"/>
               </a:ext>
             </a:extLst>
           </p:cNvPr>
@@ -9555,7 +9555,7 @@
           <p:cNvPr id="108" name="TextBox 107">
             <a:extLst>
               <a:ext uri="{FF2B5EF4-FFF2-40B4-BE49-F238E27FC236}">
-                <a16:creationId xmlns:a16="http://schemas.microsoft.com/office/drawing/2014/main" xmlns="" id="{A2AD056B-97A4-5BCC-4460-250160F3E171}"/>
+                <a16:creationId xmlns="" xmlns:a16="http://schemas.microsoft.com/office/drawing/2014/main" id="{A2AD056B-97A4-5BCC-4460-250160F3E171}"/>
               </a:ext>
             </a:extLst>
           </p:cNvPr>
@@ -9635,7 +9635,7 @@
           <p:cNvPr id="109" name="TextBox 108">
             <a:extLst>
               <a:ext uri="{FF2B5EF4-FFF2-40B4-BE49-F238E27FC236}">
-                <a16:creationId xmlns:a16="http://schemas.microsoft.com/office/drawing/2014/main" xmlns="" id="{A2AD056B-97A4-5BCC-4460-250160F3E171}"/>
+                <a16:creationId xmlns="" xmlns:a16="http://schemas.microsoft.com/office/drawing/2014/main" id="{A2AD056B-97A4-5BCC-4460-250160F3E171}"/>
               </a:ext>
             </a:extLst>
           </p:cNvPr>
@@ -9702,7 +9702,7 @@
           <p:cNvPr id="110" name="TextBox 109">
             <a:extLst>
               <a:ext uri="{FF2B5EF4-FFF2-40B4-BE49-F238E27FC236}">
-                <a16:creationId xmlns:a16="http://schemas.microsoft.com/office/drawing/2014/main" xmlns="" id="{A2AD056B-97A4-5BCC-4460-250160F3E171}"/>
+                <a16:creationId xmlns="" xmlns:a16="http://schemas.microsoft.com/office/drawing/2014/main" id="{A2AD056B-97A4-5BCC-4460-250160F3E171}"/>
               </a:ext>
             </a:extLst>
           </p:cNvPr>
@@ -9756,7 +9756,7 @@
           <p:cNvPr id="111" name="TextBox 110">
             <a:extLst>
               <a:ext uri="{FF2B5EF4-FFF2-40B4-BE49-F238E27FC236}">
-                <a16:creationId xmlns:a16="http://schemas.microsoft.com/office/drawing/2014/main" xmlns="" id="{A2AD056B-97A4-5BCC-4460-250160F3E171}"/>
+                <a16:creationId xmlns="" xmlns:a16="http://schemas.microsoft.com/office/drawing/2014/main" id="{A2AD056B-97A4-5BCC-4460-250160F3E171}"/>
               </a:ext>
             </a:extLst>
           </p:cNvPr>
@@ -9892,7 +9892,7 @@
           <p:cNvPr id="4" name="TextBox 3">
             <a:extLst>
               <a:ext uri="{FF2B5EF4-FFF2-40B4-BE49-F238E27FC236}">
-                <a16:creationId xmlns:a16="http://schemas.microsoft.com/office/drawing/2014/main" xmlns="" id="{5ADC00B6-990A-40DC-3CEA-505258F5E8DA}"/>
+                <a16:creationId xmlns="" xmlns:a16="http://schemas.microsoft.com/office/drawing/2014/main" id="{5ADC00B6-990A-40DC-3CEA-505258F5E8DA}"/>
               </a:ext>
             </a:extLst>
           </p:cNvPr>
@@ -9950,7 +9950,7 @@
           <p:cNvPr id="2" name="TextBox 1">
             <a:extLst>
               <a:ext uri="{FF2B5EF4-FFF2-40B4-BE49-F238E27FC236}">
-                <a16:creationId xmlns:a16="http://schemas.microsoft.com/office/drawing/2014/main" xmlns="" id="{4466AA1F-9098-4B5C-E98B-FF40B15DCDE3}"/>
+                <a16:creationId xmlns="" xmlns:a16="http://schemas.microsoft.com/office/drawing/2014/main" id="{4466AA1F-9098-4B5C-E98B-FF40B15DCDE3}"/>
               </a:ext>
             </a:extLst>
           </p:cNvPr>
@@ -10178,7 +10178,7 @@
           <p:cNvPr id="3" name="표 2">
             <a:extLst>
               <a:ext uri="{FF2B5EF4-FFF2-40B4-BE49-F238E27FC236}">
-                <a16:creationId xmlns:a16="http://schemas.microsoft.com/office/drawing/2014/main" xmlns="" id="{0C0DF24C-8313-95BE-E53E-12FD7E109C24}"/>
+                <a16:creationId xmlns="" xmlns:a16="http://schemas.microsoft.com/office/drawing/2014/main" id="{0C0DF24C-8313-95BE-E53E-12FD7E109C24}"/>
               </a:ext>
             </a:extLst>
           </p:cNvPr>
@@ -10207,21 +10207,21 @@
                 <a:gridCol w="1371600">
                   <a:extLst>
                     <a:ext uri="{9D8B030D-6E8A-4147-A177-3AD203B41FA5}">
-                      <a16:colId xmlns:a16="http://schemas.microsoft.com/office/drawing/2014/main" xmlns="" val="1278239369"/>
+                      <a16:colId xmlns="" xmlns:a16="http://schemas.microsoft.com/office/drawing/2014/main" val="1278239369"/>
                     </a:ext>
                   </a:extLst>
                 </a:gridCol>
                 <a:gridCol w="1981200">
                   <a:extLst>
                     <a:ext uri="{9D8B030D-6E8A-4147-A177-3AD203B41FA5}">
-                      <a16:colId xmlns:a16="http://schemas.microsoft.com/office/drawing/2014/main" xmlns="" val="1054292436"/>
+                      <a16:colId xmlns="" xmlns:a16="http://schemas.microsoft.com/office/drawing/2014/main" val="1054292436"/>
                     </a:ext>
                   </a:extLst>
                 </a:gridCol>
                 <a:gridCol w="2819400">
                   <a:extLst>
                     <a:ext uri="{9D8B030D-6E8A-4147-A177-3AD203B41FA5}">
-                      <a16:colId xmlns:a16="http://schemas.microsoft.com/office/drawing/2014/main" xmlns="" val="225730716"/>
+                      <a16:colId xmlns="" xmlns:a16="http://schemas.microsoft.com/office/drawing/2014/main" val="225730716"/>
                     </a:ext>
                   </a:extLst>
                 </a:gridCol>
@@ -10409,7 +10409,7 @@
                 </a:tc>
                 <a:extLst>
                   <a:ext uri="{0D108BD9-81ED-4DB2-BD59-A6C34878D82A}">
-                    <a16:rowId xmlns:a16="http://schemas.microsoft.com/office/drawing/2014/main" xmlns="" val="2654211035"/>
+                    <a16:rowId xmlns="" xmlns:a16="http://schemas.microsoft.com/office/drawing/2014/main" val="2654211035"/>
                   </a:ext>
                 </a:extLst>
               </a:tr>
@@ -10613,7 +10613,7 @@
                 </a:tc>
                 <a:extLst>
                   <a:ext uri="{0D108BD9-81ED-4DB2-BD59-A6C34878D82A}">
-                    <a16:rowId xmlns:a16="http://schemas.microsoft.com/office/drawing/2014/main" xmlns="" val="2013197181"/>
+                    <a16:rowId xmlns="" xmlns:a16="http://schemas.microsoft.com/office/drawing/2014/main" val="2013197181"/>
                   </a:ext>
                 </a:extLst>
               </a:tr>
@@ -10798,7 +10798,7 @@
                 </a:tc>
                 <a:extLst>
                   <a:ext uri="{0D108BD9-81ED-4DB2-BD59-A6C34878D82A}">
-                    <a16:rowId xmlns:a16="http://schemas.microsoft.com/office/drawing/2014/main" xmlns="" val="2280857763"/>
+                    <a16:rowId xmlns="" xmlns:a16="http://schemas.microsoft.com/office/drawing/2014/main" val="2280857763"/>
                   </a:ext>
                 </a:extLst>
               </a:tr>
@@ -10988,7 +10988,7 @@
                 </a:tc>
                 <a:extLst>
                   <a:ext uri="{0D108BD9-81ED-4DB2-BD59-A6C34878D82A}">
-                    <a16:rowId xmlns:a16="http://schemas.microsoft.com/office/drawing/2014/main" xmlns="" val="1463387718"/>
+                    <a16:rowId xmlns="" xmlns:a16="http://schemas.microsoft.com/office/drawing/2014/main" val="1463387718"/>
                   </a:ext>
                 </a:extLst>
               </a:tr>
@@ -11001,7 +11001,7 @@
           <p:cNvPr id="6" name="TextBox 5">
             <a:extLst>
               <a:ext uri="{FF2B5EF4-FFF2-40B4-BE49-F238E27FC236}">
-                <a16:creationId xmlns:a16="http://schemas.microsoft.com/office/drawing/2014/main" xmlns="" id="{54C72A80-3131-1BEE-91F5-8BB94F20F622}"/>
+                <a16:creationId xmlns="" xmlns:a16="http://schemas.microsoft.com/office/drawing/2014/main" id="{54C72A80-3131-1BEE-91F5-8BB94F20F622}"/>
               </a:ext>
             </a:extLst>
           </p:cNvPr>
@@ -11164,7 +11164,7 @@
           <p:cNvPr id="7" name="TextBox 6">
             <a:extLst>
               <a:ext uri="{FF2B5EF4-FFF2-40B4-BE49-F238E27FC236}">
-                <a16:creationId xmlns:a16="http://schemas.microsoft.com/office/drawing/2014/main" xmlns="" id="{977D0E5D-2B21-3701-B400-D1B6B86913C5}"/>
+                <a16:creationId xmlns="" xmlns:a16="http://schemas.microsoft.com/office/drawing/2014/main" id="{977D0E5D-2B21-3701-B400-D1B6B86913C5}"/>
               </a:ext>
             </a:extLst>
           </p:cNvPr>
@@ -11462,7 +11462,7 @@
           <p:cNvPr id="8" name="표 7">
             <a:extLst>
               <a:ext uri="{FF2B5EF4-FFF2-40B4-BE49-F238E27FC236}">
-                <a16:creationId xmlns:a16="http://schemas.microsoft.com/office/drawing/2014/main" xmlns="" id="{9BF22145-FC6D-D18A-3911-E9625B6CE794}"/>
+                <a16:creationId xmlns="" xmlns:a16="http://schemas.microsoft.com/office/drawing/2014/main" id="{9BF22145-FC6D-D18A-3911-E9625B6CE794}"/>
               </a:ext>
             </a:extLst>
           </p:cNvPr>
@@ -11491,21 +11491,21 @@
                 <a:gridCol w="1524000">
                   <a:extLst>
                     <a:ext uri="{9D8B030D-6E8A-4147-A177-3AD203B41FA5}">
-                      <a16:colId xmlns:a16="http://schemas.microsoft.com/office/drawing/2014/main" xmlns="" val="1278239369"/>
+                      <a16:colId xmlns="" xmlns:a16="http://schemas.microsoft.com/office/drawing/2014/main" val="1278239369"/>
                     </a:ext>
                   </a:extLst>
                 </a:gridCol>
                 <a:gridCol w="1828800">
                   <a:extLst>
                     <a:ext uri="{9D8B030D-6E8A-4147-A177-3AD203B41FA5}">
-                      <a16:colId xmlns:a16="http://schemas.microsoft.com/office/drawing/2014/main" xmlns="" val="1054292436"/>
+                      <a16:colId xmlns="" xmlns:a16="http://schemas.microsoft.com/office/drawing/2014/main" val="1054292436"/>
                     </a:ext>
                   </a:extLst>
                 </a:gridCol>
                 <a:gridCol w="2819400">
                   <a:extLst>
                     <a:ext uri="{9D8B030D-6E8A-4147-A177-3AD203B41FA5}">
-                      <a16:colId xmlns:a16="http://schemas.microsoft.com/office/drawing/2014/main" xmlns="" val="225730716"/>
+                      <a16:colId xmlns="" xmlns:a16="http://schemas.microsoft.com/office/drawing/2014/main" val="225730716"/>
                     </a:ext>
                   </a:extLst>
                 </a:gridCol>
@@ -11693,7 +11693,7 @@
                 </a:tc>
                 <a:extLst>
                   <a:ext uri="{0D108BD9-81ED-4DB2-BD59-A6C34878D82A}">
-                    <a16:rowId xmlns:a16="http://schemas.microsoft.com/office/drawing/2014/main" xmlns="" val="2654211035"/>
+                    <a16:rowId xmlns="" xmlns:a16="http://schemas.microsoft.com/office/drawing/2014/main" val="2654211035"/>
                   </a:ext>
                 </a:extLst>
               </a:tr>
@@ -11918,7 +11918,7 @@
                 </a:tc>
                 <a:extLst>
                   <a:ext uri="{0D108BD9-81ED-4DB2-BD59-A6C34878D82A}">
-                    <a16:rowId xmlns:a16="http://schemas.microsoft.com/office/drawing/2014/main" xmlns="" val="2013197181"/>
+                    <a16:rowId xmlns="" xmlns:a16="http://schemas.microsoft.com/office/drawing/2014/main" val="2013197181"/>
                   </a:ext>
                 </a:extLst>
               </a:tr>
@@ -12362,7 +12362,7 @@
                 </a:tc>
                 <a:extLst>
                   <a:ext uri="{0D108BD9-81ED-4DB2-BD59-A6C34878D82A}">
-                    <a16:rowId xmlns:a16="http://schemas.microsoft.com/office/drawing/2014/main" xmlns="" val="2280857763"/>
+                    <a16:rowId xmlns="" xmlns:a16="http://schemas.microsoft.com/office/drawing/2014/main" val="2280857763"/>
                   </a:ext>
                 </a:extLst>
               </a:tr>
@@ -12540,7 +12540,7 @@
                 </a:tc>
                 <a:extLst>
                   <a:ext uri="{0D108BD9-81ED-4DB2-BD59-A6C34878D82A}">
-                    <a16:rowId xmlns:a16="http://schemas.microsoft.com/office/drawing/2014/main" xmlns="" val="1463387718"/>
+                    <a16:rowId xmlns="" xmlns:a16="http://schemas.microsoft.com/office/drawing/2014/main" val="1463387718"/>
                   </a:ext>
                 </a:extLst>
               </a:tr>
@@ -12891,7 +12891,7 @@
           <p:cNvPr id="2" name="TextBox 1">
             <a:extLst>
               <a:ext uri="{FF2B5EF4-FFF2-40B4-BE49-F238E27FC236}">
-                <a16:creationId xmlns:a16="http://schemas.microsoft.com/office/drawing/2014/main" xmlns="" id="{76F36AE5-79B5-0B9F-E510-1C27AAC4B649}"/>
+                <a16:creationId xmlns="" xmlns:a16="http://schemas.microsoft.com/office/drawing/2014/main" id="{76F36AE5-79B5-0B9F-E510-1C27AAC4B649}"/>
               </a:ext>
             </a:extLst>
           </p:cNvPr>
@@ -12969,7 +12969,7 @@
           <p:cNvPr id="4" name="TextBox 3">
             <a:extLst>
               <a:ext uri="{FF2B5EF4-FFF2-40B4-BE49-F238E27FC236}">
-                <a16:creationId xmlns:a16="http://schemas.microsoft.com/office/drawing/2014/main" xmlns="" id="{5ADC00B6-990A-40DC-3CEA-505258F5E8DA}"/>
+                <a16:creationId xmlns="" xmlns:a16="http://schemas.microsoft.com/office/drawing/2014/main" id="{5ADC00B6-990A-40DC-3CEA-505258F5E8DA}"/>
               </a:ext>
             </a:extLst>
           </p:cNvPr>
@@ -13017,7 +13017,7 @@
           <p:cNvPr id="5" name="TextBox 4">
             <a:extLst>
               <a:ext uri="{FF2B5EF4-FFF2-40B4-BE49-F238E27FC236}">
-                <a16:creationId xmlns:a16="http://schemas.microsoft.com/office/drawing/2014/main" xmlns="" id="{A2AD056B-97A4-5BCC-4460-250160F3E171}"/>
+                <a16:creationId xmlns="" xmlns:a16="http://schemas.microsoft.com/office/drawing/2014/main" id="{A2AD056B-97A4-5BCC-4460-250160F3E171}"/>
               </a:ext>
             </a:extLst>
           </p:cNvPr>
@@ -13133,7 +13133,7 @@
           <p:cNvPr id="8" name="그룹 1008">
             <a:extLst>
               <a:ext uri="{FF2B5EF4-FFF2-40B4-BE49-F238E27FC236}">
-                <a16:creationId xmlns:a16="http://schemas.microsoft.com/office/drawing/2014/main" xmlns="" id="{678F6342-C505-E8AD-ADA4-022CB2C2088E}"/>
+                <a16:creationId xmlns="" xmlns:a16="http://schemas.microsoft.com/office/drawing/2014/main" id="{678F6342-C505-E8AD-ADA4-022CB2C2088E}"/>
               </a:ext>
             </a:extLst>
           </p:cNvPr>
@@ -13153,7 +13153,7 @@
             <p:cNvPr id="9" name="그룹 1009">
               <a:extLst>
                 <a:ext uri="{FF2B5EF4-FFF2-40B4-BE49-F238E27FC236}">
-                  <a16:creationId xmlns:a16="http://schemas.microsoft.com/office/drawing/2014/main" xmlns="" id="{4E1F1FED-812B-9BBB-925A-84B54A077414}"/>
+                  <a16:creationId xmlns="" xmlns:a16="http://schemas.microsoft.com/office/drawing/2014/main" id="{4E1F1FED-812B-9BBB-925A-84B54A077414}"/>
                 </a:ext>
               </a:extLst>
             </p:cNvPr>
@@ -13173,7 +13173,7 @@
               <p:cNvPr id="14" name="Object 29">
                 <a:extLst>
                   <a:ext uri="{FF2B5EF4-FFF2-40B4-BE49-F238E27FC236}">
-                    <a16:creationId xmlns:a16="http://schemas.microsoft.com/office/drawing/2014/main" xmlns="" id="{7B078609-4286-7B00-51EB-809C8E2DE289}"/>
+                    <a16:creationId xmlns="" xmlns:a16="http://schemas.microsoft.com/office/drawing/2014/main" id="{7B078609-4286-7B00-51EB-809C8E2DE289}"/>
                   </a:ext>
                 </a:extLst>
               </p:cNvPr>
@@ -13204,7 +13204,7 @@
             <p:cNvPr id="10" name="그룹 1010">
               <a:extLst>
                 <a:ext uri="{FF2B5EF4-FFF2-40B4-BE49-F238E27FC236}">
-                  <a16:creationId xmlns:a16="http://schemas.microsoft.com/office/drawing/2014/main" xmlns="" id="{02A649BF-B5B5-FBAF-7DFD-E118A4DF8907}"/>
+                  <a16:creationId xmlns="" xmlns:a16="http://schemas.microsoft.com/office/drawing/2014/main" id="{02A649BF-B5B5-FBAF-7DFD-E118A4DF8907}"/>
                 </a:ext>
               </a:extLst>
             </p:cNvPr>
@@ -13224,7 +13224,7 @@
               <p:cNvPr id="13" name="Object 32">
                 <a:extLst>
                   <a:ext uri="{FF2B5EF4-FFF2-40B4-BE49-F238E27FC236}">
-                    <a16:creationId xmlns:a16="http://schemas.microsoft.com/office/drawing/2014/main" xmlns="" id="{2A0FFF23-B3C9-3EA0-1C1B-A87D4FF098AE}"/>
+                    <a16:creationId xmlns="" xmlns:a16="http://schemas.microsoft.com/office/drawing/2014/main" id="{2A0FFF23-B3C9-3EA0-1C1B-A87D4FF098AE}"/>
                   </a:ext>
                 </a:extLst>
               </p:cNvPr>
@@ -13255,7 +13255,7 @@
             <p:cNvPr id="11" name="그룹 1011">
               <a:extLst>
                 <a:ext uri="{FF2B5EF4-FFF2-40B4-BE49-F238E27FC236}">
-                  <a16:creationId xmlns:a16="http://schemas.microsoft.com/office/drawing/2014/main" xmlns="" id="{881F5410-F7FB-F261-A584-707359BAC593}"/>
+                  <a16:creationId xmlns="" xmlns:a16="http://schemas.microsoft.com/office/drawing/2014/main" id="{881F5410-F7FB-F261-A584-707359BAC593}"/>
                 </a:ext>
               </a:extLst>
             </p:cNvPr>
@@ -13275,7 +13275,7 @@
               <p:cNvPr id="12" name="Object 35">
                 <a:extLst>
                   <a:ext uri="{FF2B5EF4-FFF2-40B4-BE49-F238E27FC236}">
-                    <a16:creationId xmlns:a16="http://schemas.microsoft.com/office/drawing/2014/main" xmlns="" id="{4E99E669-73EB-F9F4-EFE8-DC107035C265}"/>
+                    <a16:creationId xmlns="" xmlns:a16="http://schemas.microsoft.com/office/drawing/2014/main" id="{4E99E669-73EB-F9F4-EFE8-DC107035C265}"/>
                   </a:ext>
                 </a:extLst>
               </p:cNvPr>
@@ -13385,7 +13385,7 @@
           <p:cNvPr id="6" name="직사각형 5">
             <a:extLst>
               <a:ext uri="{FF2B5EF4-FFF2-40B4-BE49-F238E27FC236}">
-                <a16:creationId xmlns:a16="http://schemas.microsoft.com/office/drawing/2014/main" xmlns="" id="{FFF506F9-840A-0508-4CAF-3AC711D8D5CE}"/>
+                <a16:creationId xmlns="" xmlns:a16="http://schemas.microsoft.com/office/drawing/2014/main" id="{FFF506F9-840A-0508-4CAF-3AC711D8D5CE}"/>
               </a:ext>
             </a:extLst>
           </p:cNvPr>
@@ -13461,7 +13461,7 @@
           <p:cNvPr id="8" name="TextBox 7">
             <a:extLst>
               <a:ext uri="{FF2B5EF4-FFF2-40B4-BE49-F238E27FC236}">
-                <a16:creationId xmlns:a16="http://schemas.microsoft.com/office/drawing/2014/main" xmlns="" id="{5ADC00B6-990A-40DC-3CEA-505258F5E8DA}"/>
+                <a16:creationId xmlns="" xmlns:a16="http://schemas.microsoft.com/office/drawing/2014/main" id="{5ADC00B6-990A-40DC-3CEA-505258F5E8DA}"/>
               </a:ext>
             </a:extLst>
           </p:cNvPr>
@@ -13539,7 +13539,7 @@
           <p:cNvPr id="9" name="TextBox 8">
             <a:extLst>
               <a:ext uri="{FF2B5EF4-FFF2-40B4-BE49-F238E27FC236}">
-                <a16:creationId xmlns:a16="http://schemas.microsoft.com/office/drawing/2014/main" xmlns="" id="{C6D113C6-EA5C-788F-0C77-E7CE6EBB865F}"/>
+                <a16:creationId xmlns="" xmlns:a16="http://schemas.microsoft.com/office/drawing/2014/main" id="{C6D113C6-EA5C-788F-0C77-E7CE6EBB865F}"/>
               </a:ext>
             </a:extLst>
           </p:cNvPr>
@@ -13785,7 +13785,7 @@
           <p:cNvPr id="5" name="TextBox 4">
             <a:extLst>
               <a:ext uri="{FF2B5EF4-FFF2-40B4-BE49-F238E27FC236}">
-                <a16:creationId xmlns:a16="http://schemas.microsoft.com/office/drawing/2014/main" xmlns="" id="{5ADC00B6-990A-40DC-3CEA-505258F5E8DA}"/>
+                <a16:creationId xmlns="" xmlns:a16="http://schemas.microsoft.com/office/drawing/2014/main" id="{5ADC00B6-990A-40DC-3CEA-505258F5E8DA}"/>
               </a:ext>
             </a:extLst>
           </p:cNvPr>
@@ -13857,7 +13857,7 @@
           <p:cNvPr id="9" name="TextBox 8">
             <a:extLst>
               <a:ext uri="{FF2B5EF4-FFF2-40B4-BE49-F238E27FC236}">
-                <a16:creationId xmlns:a16="http://schemas.microsoft.com/office/drawing/2014/main" xmlns="" id="{A2AD056B-97A4-5BCC-4460-250160F3E171}"/>
+                <a16:creationId xmlns="" xmlns:a16="http://schemas.microsoft.com/office/drawing/2014/main" id="{A2AD056B-97A4-5BCC-4460-250160F3E171}"/>
               </a:ext>
             </a:extLst>
           </p:cNvPr>
@@ -13945,7 +13945,7 @@
           <p:cNvPr id="10" name="직선 화살표 연결선 9">
             <a:extLst>
               <a:ext uri="{FF2B5EF4-FFF2-40B4-BE49-F238E27FC236}">
-                <a16:creationId xmlns:a16="http://schemas.microsoft.com/office/drawing/2014/main" xmlns="" id="{299DF5EC-9DF4-5255-06AC-0A7CE4FF58C3}"/>
+                <a16:creationId xmlns="" xmlns:a16="http://schemas.microsoft.com/office/drawing/2014/main" id="{299DF5EC-9DF4-5255-06AC-0A7CE4FF58C3}"/>
               </a:ext>
             </a:extLst>
           </p:cNvPr>
@@ -13986,7 +13986,7 @@
           <p:cNvPr id="11" name="TextBox 10">
             <a:extLst>
               <a:ext uri="{FF2B5EF4-FFF2-40B4-BE49-F238E27FC236}">
-                <a16:creationId xmlns:a16="http://schemas.microsoft.com/office/drawing/2014/main" xmlns="" id="{C6D113C6-EA5C-788F-0C77-E7CE6EBB865F}"/>
+                <a16:creationId xmlns="" xmlns:a16="http://schemas.microsoft.com/office/drawing/2014/main" id="{C6D113C6-EA5C-788F-0C77-E7CE6EBB865F}"/>
               </a:ext>
             </a:extLst>
           </p:cNvPr>
@@ -14270,7 +14270,7 @@
           <p:cNvPr id="4" name="TextBox 3">
             <a:extLst>
               <a:ext uri="{FF2B5EF4-FFF2-40B4-BE49-F238E27FC236}">
-                <a16:creationId xmlns:a16="http://schemas.microsoft.com/office/drawing/2014/main" xmlns="" id="{5ADC00B6-990A-40DC-3CEA-505258F5E8DA}"/>
+                <a16:creationId xmlns="" xmlns:a16="http://schemas.microsoft.com/office/drawing/2014/main" id="{5ADC00B6-990A-40DC-3CEA-505258F5E8DA}"/>
               </a:ext>
             </a:extLst>
           </p:cNvPr>
@@ -14342,7 +14342,7 @@
           <p:cNvPr id="6" name="직사각형 5">
             <a:extLst>
               <a:ext uri="{FF2B5EF4-FFF2-40B4-BE49-F238E27FC236}">
-                <a16:creationId xmlns:a16="http://schemas.microsoft.com/office/drawing/2014/main" xmlns="" id="{FFF506F9-840A-0508-4CAF-3AC711D8D5CE}"/>
+                <a16:creationId xmlns="" xmlns:a16="http://schemas.microsoft.com/office/drawing/2014/main" id="{FFF506F9-840A-0508-4CAF-3AC711D8D5CE}"/>
               </a:ext>
             </a:extLst>
           </p:cNvPr>
@@ -14418,7 +14418,7 @@
           <p:cNvPr id="8" name="TextBox 7">
             <a:extLst>
               <a:ext uri="{FF2B5EF4-FFF2-40B4-BE49-F238E27FC236}">
-                <a16:creationId xmlns:a16="http://schemas.microsoft.com/office/drawing/2014/main" xmlns="" id="{A2AD056B-97A4-5BCC-4460-250160F3E171}"/>
+                <a16:creationId xmlns="" xmlns:a16="http://schemas.microsoft.com/office/drawing/2014/main" id="{A2AD056B-97A4-5BCC-4460-250160F3E171}"/>
               </a:ext>
             </a:extLst>
           </p:cNvPr>
@@ -14496,7 +14496,7 @@
           <p:cNvPr id="4" name="TextBox 3">
             <a:extLst>
               <a:ext uri="{FF2B5EF4-FFF2-40B4-BE49-F238E27FC236}">
-                <a16:creationId xmlns:a16="http://schemas.microsoft.com/office/drawing/2014/main" xmlns="" id="{5ADC00B6-990A-40DC-3CEA-505258F5E8DA}"/>
+                <a16:creationId xmlns="" xmlns:a16="http://schemas.microsoft.com/office/drawing/2014/main" id="{5ADC00B6-990A-40DC-3CEA-505258F5E8DA}"/>
               </a:ext>
             </a:extLst>
           </p:cNvPr>
@@ -14608,7 +14608,7 @@
           <p:cNvPr id="5" name="TextBox 4">
             <a:extLst>
               <a:ext uri="{FF2B5EF4-FFF2-40B4-BE49-F238E27FC236}">
-                <a16:creationId xmlns:a16="http://schemas.microsoft.com/office/drawing/2014/main" xmlns="" id="{A2AD056B-97A4-5BCC-4460-250160F3E171}"/>
+                <a16:creationId xmlns="" xmlns:a16="http://schemas.microsoft.com/office/drawing/2014/main" id="{A2AD056B-97A4-5BCC-4460-250160F3E171}"/>
               </a:ext>
             </a:extLst>
           </p:cNvPr>
@@ -14710,7 +14710,7 @@
           <p:cNvPr id="7" name="직선 화살표 연결선 6">
             <a:extLst>
               <a:ext uri="{FF2B5EF4-FFF2-40B4-BE49-F238E27FC236}">
-                <a16:creationId xmlns:a16="http://schemas.microsoft.com/office/drawing/2014/main" xmlns="" id="{299DF5EC-9DF4-5255-06AC-0A7CE4FF58C3}"/>
+                <a16:creationId xmlns="" xmlns:a16="http://schemas.microsoft.com/office/drawing/2014/main" id="{299DF5EC-9DF4-5255-06AC-0A7CE4FF58C3}"/>
               </a:ext>
             </a:extLst>
           </p:cNvPr>
@@ -14751,7 +14751,7 @@
           <p:cNvPr id="8" name="TextBox 7">
             <a:extLst>
               <a:ext uri="{FF2B5EF4-FFF2-40B4-BE49-F238E27FC236}">
-                <a16:creationId xmlns:a16="http://schemas.microsoft.com/office/drawing/2014/main" xmlns="" id="{C6D113C6-EA5C-788F-0C77-E7CE6EBB865F}"/>
+                <a16:creationId xmlns="" xmlns:a16="http://schemas.microsoft.com/office/drawing/2014/main" id="{C6D113C6-EA5C-788F-0C77-E7CE6EBB865F}"/>
               </a:ext>
             </a:extLst>
           </p:cNvPr>
@@ -15159,7 +15159,7 @@
           <p:cNvPr id="2" name="TextBox 1">
             <a:extLst>
               <a:ext uri="{FF2B5EF4-FFF2-40B4-BE49-F238E27FC236}">
-                <a16:creationId xmlns:a16="http://schemas.microsoft.com/office/drawing/2014/main" xmlns="" id="{8D19D88B-9541-32D7-90F1-0C45C993E21C}"/>
+                <a16:creationId xmlns="" xmlns:a16="http://schemas.microsoft.com/office/drawing/2014/main" id="{8D19D88B-9541-32D7-90F1-0C45C993E21C}"/>
               </a:ext>
             </a:extLst>
           </p:cNvPr>
@@ -15243,7 +15243,7 @@
         </p:blipFill>
         <p:spPr>
           <a:xfrm>
-            <a:off x="838199" y="952499"/>
+            <a:off x="838199" y="1997213"/>
             <a:ext cx="7604965" cy="6483555"/>
           </a:xfrm>
           <a:prstGeom prst="rect">
@@ -15256,7 +15256,7 @@
           <p:cNvPr id="5" name="TextBox 4">
             <a:extLst>
               <a:ext uri="{FF2B5EF4-FFF2-40B4-BE49-F238E27FC236}">
-                <a16:creationId xmlns:a16="http://schemas.microsoft.com/office/drawing/2014/main" xmlns="" id="{A2AD056B-97A4-5BCC-4460-250160F3E171}"/>
+                <a16:creationId xmlns="" xmlns:a16="http://schemas.microsoft.com/office/drawing/2014/main" id="{A2AD056B-97A4-5BCC-4460-250160F3E171}"/>
               </a:ext>
             </a:extLst>
           </p:cNvPr>
@@ -15265,7 +15265,7 @@
         </p:nvSpPr>
         <p:spPr>
           <a:xfrm>
-            <a:off x="2514600" y="8115300"/>
+            <a:off x="2514600" y="9160014"/>
             <a:ext cx="16725900" cy="707886"/>
           </a:xfrm>
           <a:prstGeom prst="rect">
@@ -15335,7 +15335,7 @@
         </p:blipFill>
         <p:spPr>
           <a:xfrm>
-            <a:off x="8915400" y="976532"/>
+            <a:off x="8915400" y="2021246"/>
             <a:ext cx="6096000" cy="6459523"/>
           </a:xfrm>
           <a:prstGeom prst="rect">
@@ -15343,6 +15343,64 @@
           </a:prstGeom>
         </p:spPr>
       </p:pic>
+      <p:sp>
+        <p:nvSpPr>
+          <p:cNvPr id="7" name="TextBox 6">
+            <a:extLst>
+              <a:ext uri="{FF2B5EF4-FFF2-40B4-BE49-F238E27FC236}">
+                <a16:creationId xmlns="" xmlns:a16="http://schemas.microsoft.com/office/drawing/2014/main" id="{5ADC00B6-990A-40DC-3CEA-505258F5E8DA}"/>
+              </a:ext>
+            </a:extLst>
+          </p:cNvPr>
+          <p:cNvSpPr txBox="1"/>
+          <p:nvPr/>
+        </p:nvSpPr>
+        <p:spPr>
+          <a:xfrm>
+            <a:off x="609600" y="297287"/>
+            <a:ext cx="13182600" cy="830997"/>
+          </a:xfrm>
+          <a:prstGeom prst="rect">
+            <a:avLst/>
+          </a:prstGeom>
+          <a:noFill/>
+        </p:spPr>
+        <p:txBody>
+          <a:bodyPr wrap="square" rtlCol="0">
+            <a:spAutoFit/>
+          </a:bodyPr>
+          <a:lstStyle/>
+          <a:p>
+            <a:r>
+              <a:rPr lang="en-US" altLang="ko-KR" sz="4800" smtClean="0">
+                <a:solidFill>
+                  <a:srgbClr val="4C50BC"/>
+                </a:solidFill>
+                <a:latin typeface="G마켓 산스 Medium" panose="02000000000000000000" pitchFamily="50" charset="-127"/>
+                <a:ea typeface="G마켓 산스 Medium" panose="02000000000000000000" pitchFamily="50" charset="-127"/>
+              </a:rPr>
+              <a:t>static &lt;-&gt; </a:t>
+            </a:r>
+            <a:r>
+              <a:rPr lang="ko-KR" altLang="en-US" sz="4800" smtClean="0">
+                <a:solidFill>
+                  <a:srgbClr val="4C50BC"/>
+                </a:solidFill>
+                <a:latin typeface="G마켓 산스 Medium" panose="02000000000000000000" pitchFamily="50" charset="-127"/>
+                <a:ea typeface="G마켓 산스 Medium" panose="02000000000000000000" pitchFamily="50" charset="-127"/>
+              </a:rPr>
+              <a:t>인스턴스 메서드간의 변환</a:t>
+            </a:r>
+            <a:endParaRPr lang="en-US" altLang="ko-KR" sz="4800" dirty="0">
+              <a:solidFill>
+                <a:srgbClr val="4C50BC"/>
+              </a:solidFill>
+              <a:latin typeface="G마켓 산스 Medium" panose="02000000000000000000" pitchFamily="50" charset="-127"/>
+              <a:ea typeface="G마켓 산스 Medium" panose="02000000000000000000" pitchFamily="50" charset="-127"/>
+            </a:endParaRPr>
+          </a:p>
+        </p:txBody>
+      </p:sp>
     </p:spTree>
     <p:extLst>
       <p:ext uri="{BB962C8B-B14F-4D97-AF65-F5344CB8AC3E}">
@@ -15402,7 +15460,7 @@
           <p:cNvPr id="5" name="직사각형 4">
             <a:extLst>
               <a:ext uri="{FF2B5EF4-FFF2-40B4-BE49-F238E27FC236}">
-                <a16:creationId xmlns:a16="http://schemas.microsoft.com/office/drawing/2014/main" xmlns="" id="{FFF506F9-840A-0508-4CAF-3AC711D8D5CE}"/>
+                <a16:creationId xmlns="" xmlns:a16="http://schemas.microsoft.com/office/drawing/2014/main" id="{FFF506F9-840A-0508-4CAF-3AC711D8D5CE}"/>
               </a:ext>
             </a:extLst>
           </p:cNvPr>
@@ -15454,7 +15512,7 @@
           <p:cNvPr id="6" name="TextBox 5">
             <a:extLst>
               <a:ext uri="{FF2B5EF4-FFF2-40B4-BE49-F238E27FC236}">
-                <a16:creationId xmlns:a16="http://schemas.microsoft.com/office/drawing/2014/main" xmlns="" id="{5ADC00B6-990A-40DC-3CEA-505258F5E8DA}"/>
+                <a16:creationId xmlns="" xmlns:a16="http://schemas.microsoft.com/office/drawing/2014/main" id="{5ADC00B6-990A-40DC-3CEA-505258F5E8DA}"/>
               </a:ext>
             </a:extLst>
           </p:cNvPr>
@@ -15512,7 +15570,7 @@
           <p:cNvPr id="7" name="TextBox 6">
             <a:extLst>
               <a:ext uri="{FF2B5EF4-FFF2-40B4-BE49-F238E27FC236}">
-                <a16:creationId xmlns:a16="http://schemas.microsoft.com/office/drawing/2014/main" xmlns="" id="{5ADC00B6-990A-40DC-3CEA-505258F5E8DA}"/>
+                <a16:creationId xmlns="" xmlns:a16="http://schemas.microsoft.com/office/drawing/2014/main" id="{5ADC00B6-990A-40DC-3CEA-505258F5E8DA}"/>
               </a:ext>
             </a:extLst>
           </p:cNvPr>
@@ -15891,7 +15949,7 @@
           <p:cNvPr id="58" name="TextBox 57">
             <a:extLst>
               <a:ext uri="{FF2B5EF4-FFF2-40B4-BE49-F238E27FC236}">
-                <a16:creationId xmlns:a16="http://schemas.microsoft.com/office/drawing/2014/main" xmlns="" id="{5ADC00B6-990A-40DC-3CEA-505258F5E8DA}"/>
+                <a16:creationId xmlns="" xmlns:a16="http://schemas.microsoft.com/office/drawing/2014/main" id="{5ADC00B6-990A-40DC-3CEA-505258F5E8DA}"/>
               </a:ext>
             </a:extLst>
           </p:cNvPr>
@@ -15939,7 +15997,7 @@
           <p:cNvPr id="59" name="TextBox 58">
             <a:extLst>
               <a:ext uri="{FF2B5EF4-FFF2-40B4-BE49-F238E27FC236}">
-                <a16:creationId xmlns:a16="http://schemas.microsoft.com/office/drawing/2014/main" xmlns="" id="{5ADC00B6-990A-40DC-3CEA-505258F5E8DA}"/>
+                <a16:creationId xmlns="" xmlns:a16="http://schemas.microsoft.com/office/drawing/2014/main" id="{5ADC00B6-990A-40DC-3CEA-505258F5E8DA}"/>
               </a:ext>
             </a:extLst>
           </p:cNvPr>
@@ -15987,7 +16045,7 @@
           <p:cNvPr id="25" name="TextBox 24">
             <a:extLst>
               <a:ext uri="{FF2B5EF4-FFF2-40B4-BE49-F238E27FC236}">
-                <a16:creationId xmlns:a16="http://schemas.microsoft.com/office/drawing/2014/main" xmlns="" id="{A2AD056B-97A4-5BCC-4460-250160F3E171}"/>
+                <a16:creationId xmlns="" xmlns:a16="http://schemas.microsoft.com/office/drawing/2014/main" id="{A2AD056B-97A4-5BCC-4460-250160F3E171}"/>
               </a:ext>
             </a:extLst>
           </p:cNvPr>
@@ -16079,7 +16137,7 @@
           <p:cNvPr id="26" name="TextBox 25">
             <a:extLst>
               <a:ext uri="{FF2B5EF4-FFF2-40B4-BE49-F238E27FC236}">
-                <a16:creationId xmlns:a16="http://schemas.microsoft.com/office/drawing/2014/main" xmlns="" id="{A2AD056B-97A4-5BCC-4460-250160F3E171}"/>
+                <a16:creationId xmlns="" xmlns:a16="http://schemas.microsoft.com/office/drawing/2014/main" id="{A2AD056B-97A4-5BCC-4460-250160F3E171}"/>
               </a:ext>
             </a:extLst>
           </p:cNvPr>
@@ -16133,7 +16191,7 @@
           <p:cNvPr id="27" name="TextBox 26">
             <a:extLst>
               <a:ext uri="{FF2B5EF4-FFF2-40B4-BE49-F238E27FC236}">
-                <a16:creationId xmlns:a16="http://schemas.microsoft.com/office/drawing/2014/main" xmlns="" id="{A2AD056B-97A4-5BCC-4460-250160F3E171}"/>
+                <a16:creationId xmlns="" xmlns:a16="http://schemas.microsoft.com/office/drawing/2014/main" id="{A2AD056B-97A4-5BCC-4460-250160F3E171}"/>
               </a:ext>
             </a:extLst>
           </p:cNvPr>
@@ -16200,7 +16258,7 @@
           <p:cNvPr id="28" name="TextBox 27">
             <a:extLst>
               <a:ext uri="{FF2B5EF4-FFF2-40B4-BE49-F238E27FC236}">
-                <a16:creationId xmlns:a16="http://schemas.microsoft.com/office/drawing/2014/main" xmlns="" id="{A2AD056B-97A4-5BCC-4460-250160F3E171}"/>
+                <a16:creationId xmlns="" xmlns:a16="http://schemas.microsoft.com/office/drawing/2014/main" id="{A2AD056B-97A4-5BCC-4460-250160F3E171}"/>
               </a:ext>
             </a:extLst>
           </p:cNvPr>
@@ -16297,7 +16355,7 @@
           <p:cNvPr id="4" name="TextBox 3">
             <a:extLst>
               <a:ext uri="{FF2B5EF4-FFF2-40B4-BE49-F238E27FC236}">
-                <a16:creationId xmlns:a16="http://schemas.microsoft.com/office/drawing/2014/main" xmlns="" id="{DF7DDD33-9412-2802-339A-E55446AC2DA7}"/>
+                <a16:creationId xmlns="" xmlns:a16="http://schemas.microsoft.com/office/drawing/2014/main" id="{DF7DDD33-9412-2802-339A-E55446AC2DA7}"/>
               </a:ext>
             </a:extLst>
           </p:cNvPr>
@@ -16417,7 +16475,7 @@
           <p:cNvPr id="10" name="직선 화살표 연결선 9">
             <a:extLst>
               <a:ext uri="{FF2B5EF4-FFF2-40B4-BE49-F238E27FC236}">
-                <a16:creationId xmlns:a16="http://schemas.microsoft.com/office/drawing/2014/main" xmlns="" id="{299DF5EC-9DF4-5255-06AC-0A7CE4FF58C3}"/>
+                <a16:creationId xmlns="" xmlns:a16="http://schemas.microsoft.com/office/drawing/2014/main" id="{299DF5EC-9DF4-5255-06AC-0A7CE4FF58C3}"/>
               </a:ext>
             </a:extLst>
           </p:cNvPr>
@@ -16458,7 +16516,7 @@
           <p:cNvPr id="11" name="TextBox 10">
             <a:extLst>
               <a:ext uri="{FF2B5EF4-FFF2-40B4-BE49-F238E27FC236}">
-                <a16:creationId xmlns:a16="http://schemas.microsoft.com/office/drawing/2014/main" xmlns="" id="{C6D113C6-EA5C-788F-0C77-E7CE6EBB865F}"/>
+                <a16:creationId xmlns="" xmlns:a16="http://schemas.microsoft.com/office/drawing/2014/main" id="{C6D113C6-EA5C-788F-0C77-E7CE6EBB865F}"/>
               </a:ext>
             </a:extLst>
           </p:cNvPr>
@@ -16530,7 +16588,7 @@
           <p:cNvPr id="13" name="직선 화살표 연결선 12">
             <a:extLst>
               <a:ext uri="{FF2B5EF4-FFF2-40B4-BE49-F238E27FC236}">
-                <a16:creationId xmlns:a16="http://schemas.microsoft.com/office/drawing/2014/main" xmlns="" id="{299DF5EC-9DF4-5255-06AC-0A7CE4FF58C3}"/>
+                <a16:creationId xmlns="" xmlns:a16="http://schemas.microsoft.com/office/drawing/2014/main" id="{299DF5EC-9DF4-5255-06AC-0A7CE4FF58C3}"/>
               </a:ext>
             </a:extLst>
           </p:cNvPr>
@@ -16571,7 +16629,7 @@
           <p:cNvPr id="14" name="TextBox 13">
             <a:extLst>
               <a:ext uri="{FF2B5EF4-FFF2-40B4-BE49-F238E27FC236}">
-                <a16:creationId xmlns:a16="http://schemas.microsoft.com/office/drawing/2014/main" xmlns="" id="{C6D113C6-EA5C-788F-0C77-E7CE6EBB865F}"/>
+                <a16:creationId xmlns="" xmlns:a16="http://schemas.microsoft.com/office/drawing/2014/main" id="{C6D113C6-EA5C-788F-0C77-E7CE6EBB865F}"/>
               </a:ext>
             </a:extLst>
           </p:cNvPr>
@@ -16619,7 +16677,7 @@
           <p:cNvPr id="15" name="직선 화살표 연결선 14">
             <a:extLst>
               <a:ext uri="{FF2B5EF4-FFF2-40B4-BE49-F238E27FC236}">
-                <a16:creationId xmlns:a16="http://schemas.microsoft.com/office/drawing/2014/main" xmlns="" id="{299DF5EC-9DF4-5255-06AC-0A7CE4FF58C3}"/>
+                <a16:creationId xmlns="" xmlns:a16="http://schemas.microsoft.com/office/drawing/2014/main" id="{299DF5EC-9DF4-5255-06AC-0A7CE4FF58C3}"/>
               </a:ext>
             </a:extLst>
           </p:cNvPr>
@@ -16660,7 +16718,7 @@
           <p:cNvPr id="16" name="TextBox 15">
             <a:extLst>
               <a:ext uri="{FF2B5EF4-FFF2-40B4-BE49-F238E27FC236}">
-                <a16:creationId xmlns:a16="http://schemas.microsoft.com/office/drawing/2014/main" xmlns="" id="{C6D113C6-EA5C-788F-0C77-E7CE6EBB865F}"/>
+                <a16:creationId xmlns="" xmlns:a16="http://schemas.microsoft.com/office/drawing/2014/main" id="{C6D113C6-EA5C-788F-0C77-E7CE6EBB865F}"/>
               </a:ext>
             </a:extLst>
           </p:cNvPr>
@@ -16732,7 +16790,7 @@
           <p:cNvPr id="18" name="직선 화살표 연결선 17">
             <a:extLst>
               <a:ext uri="{FF2B5EF4-FFF2-40B4-BE49-F238E27FC236}">
-                <a16:creationId xmlns:a16="http://schemas.microsoft.com/office/drawing/2014/main" xmlns="" id="{299DF5EC-9DF4-5255-06AC-0A7CE4FF58C3}"/>
+                <a16:creationId xmlns="" xmlns:a16="http://schemas.microsoft.com/office/drawing/2014/main" id="{299DF5EC-9DF4-5255-06AC-0A7CE4FF58C3}"/>
               </a:ext>
             </a:extLst>
           </p:cNvPr>
@@ -16773,7 +16831,7 @@
           <p:cNvPr id="19" name="TextBox 18">
             <a:extLst>
               <a:ext uri="{FF2B5EF4-FFF2-40B4-BE49-F238E27FC236}">
-                <a16:creationId xmlns:a16="http://schemas.microsoft.com/office/drawing/2014/main" xmlns="" id="{C6D113C6-EA5C-788F-0C77-E7CE6EBB865F}"/>
+                <a16:creationId xmlns="" xmlns:a16="http://schemas.microsoft.com/office/drawing/2014/main" id="{C6D113C6-EA5C-788F-0C77-E7CE6EBB865F}"/>
               </a:ext>
             </a:extLst>
           </p:cNvPr>
@@ -16863,7 +16921,7 @@
           <p:cNvPr id="22" name="직선 화살표 연결선 21">
             <a:extLst>
               <a:ext uri="{FF2B5EF4-FFF2-40B4-BE49-F238E27FC236}">
-                <a16:creationId xmlns:a16="http://schemas.microsoft.com/office/drawing/2014/main" xmlns="" id="{299DF5EC-9DF4-5255-06AC-0A7CE4FF58C3}"/>
+                <a16:creationId xmlns="" xmlns:a16="http://schemas.microsoft.com/office/drawing/2014/main" id="{299DF5EC-9DF4-5255-06AC-0A7CE4FF58C3}"/>
               </a:ext>
             </a:extLst>
           </p:cNvPr>
@@ -16904,7 +16962,7 @@
           <p:cNvPr id="23" name="TextBox 22">
             <a:extLst>
               <a:ext uri="{FF2B5EF4-FFF2-40B4-BE49-F238E27FC236}">
-                <a16:creationId xmlns:a16="http://schemas.microsoft.com/office/drawing/2014/main" xmlns="" id="{C6D113C6-EA5C-788F-0C77-E7CE6EBB865F}"/>
+                <a16:creationId xmlns="" xmlns:a16="http://schemas.microsoft.com/office/drawing/2014/main" id="{C6D113C6-EA5C-788F-0C77-E7CE6EBB865F}"/>
               </a:ext>
             </a:extLst>
           </p:cNvPr>
@@ -17000,7 +17058,7 @@
           <p:cNvPr id="26" name="직선 화살표 연결선 25">
             <a:extLst>
               <a:ext uri="{FF2B5EF4-FFF2-40B4-BE49-F238E27FC236}">
-                <a16:creationId xmlns:a16="http://schemas.microsoft.com/office/drawing/2014/main" xmlns="" id="{299DF5EC-9DF4-5255-06AC-0A7CE4FF58C3}"/>
+                <a16:creationId xmlns="" xmlns:a16="http://schemas.microsoft.com/office/drawing/2014/main" id="{299DF5EC-9DF4-5255-06AC-0A7CE4FF58C3}"/>
               </a:ext>
             </a:extLst>
           </p:cNvPr>
@@ -17041,7 +17099,7 @@
           <p:cNvPr id="27" name="TextBox 26">
             <a:extLst>
               <a:ext uri="{FF2B5EF4-FFF2-40B4-BE49-F238E27FC236}">
-                <a16:creationId xmlns:a16="http://schemas.microsoft.com/office/drawing/2014/main" xmlns="" id="{C6D113C6-EA5C-788F-0C77-E7CE6EBB865F}"/>
+                <a16:creationId xmlns="" xmlns:a16="http://schemas.microsoft.com/office/drawing/2014/main" id="{C6D113C6-EA5C-788F-0C77-E7CE6EBB865F}"/>
               </a:ext>
             </a:extLst>
           </p:cNvPr>
@@ -17869,7 +17927,7 @@
           <p:cNvPr id="4" name="TextBox 3">
             <a:extLst>
               <a:ext uri="{FF2B5EF4-FFF2-40B4-BE49-F238E27FC236}">
-                <a16:creationId xmlns:a16="http://schemas.microsoft.com/office/drawing/2014/main" xmlns="" id="{DF7DDD33-9412-2802-339A-E55446AC2DA7}"/>
+                <a16:creationId xmlns="" xmlns:a16="http://schemas.microsoft.com/office/drawing/2014/main" id="{DF7DDD33-9412-2802-339A-E55446AC2DA7}"/>
               </a:ext>
             </a:extLst>
           </p:cNvPr>
@@ -17927,7 +17985,7 @@
           <p:cNvPr id="5" name="TextBox 4">
             <a:extLst>
               <a:ext uri="{FF2B5EF4-FFF2-40B4-BE49-F238E27FC236}">
-                <a16:creationId xmlns:a16="http://schemas.microsoft.com/office/drawing/2014/main" xmlns="" id="{A2AD056B-97A4-5BCC-4460-250160F3E171}"/>
+                <a16:creationId xmlns="" xmlns:a16="http://schemas.microsoft.com/office/drawing/2014/main" id="{A2AD056B-97A4-5BCC-4460-250160F3E171}"/>
               </a:ext>
             </a:extLst>
           </p:cNvPr>
@@ -18071,7 +18129,7 @@
           <p:cNvPr id="4" name="Object 1">
             <a:extLst>
               <a:ext uri="{FF2B5EF4-FFF2-40B4-BE49-F238E27FC236}">
-                <a16:creationId xmlns:a16="http://schemas.microsoft.com/office/drawing/2014/main" xmlns="" id="{B0329035-BE76-33A8-0F2E-44624FCC1DED}"/>
+                <a16:creationId xmlns="" xmlns:a16="http://schemas.microsoft.com/office/drawing/2014/main" id="{B0329035-BE76-33A8-0F2E-44624FCC1DED}"/>
               </a:ext>
             </a:extLst>
           </p:cNvPr>
@@ -18101,7 +18159,7 @@
           <p:cNvPr id="7" name="그룹 1001">
             <a:extLst>
               <a:ext uri="{FF2B5EF4-FFF2-40B4-BE49-F238E27FC236}">
-                <a16:creationId xmlns:a16="http://schemas.microsoft.com/office/drawing/2014/main" xmlns="" id="{CD24CE9D-AC18-B6CD-F397-7E8E03D6FE26}"/>
+                <a16:creationId xmlns="" xmlns:a16="http://schemas.microsoft.com/office/drawing/2014/main" id="{CD24CE9D-AC18-B6CD-F397-7E8E03D6FE26}"/>
               </a:ext>
             </a:extLst>
           </p:cNvPr>
@@ -18121,7 +18179,7 @@
             <p:cNvPr id="8" name="Object 5">
               <a:extLst>
                 <a:ext uri="{FF2B5EF4-FFF2-40B4-BE49-F238E27FC236}">
-                  <a16:creationId xmlns:a16="http://schemas.microsoft.com/office/drawing/2014/main" xmlns="" id="{0EEF25E8-3BA8-EBAA-6DC2-66D70C3F9F4D}"/>
+                  <a16:creationId xmlns="" xmlns:a16="http://schemas.microsoft.com/office/drawing/2014/main" id="{0EEF25E8-3BA8-EBAA-6DC2-66D70C3F9F4D}"/>
                 </a:ext>
               </a:extLst>
             </p:cNvPr>
@@ -18152,7 +18210,7 @@
           <p:cNvPr id="9" name="그룹 1002">
             <a:extLst>
               <a:ext uri="{FF2B5EF4-FFF2-40B4-BE49-F238E27FC236}">
-                <a16:creationId xmlns:a16="http://schemas.microsoft.com/office/drawing/2014/main" xmlns="" id="{0F281BC9-DE1F-D1FE-E64C-C4640398F00C}"/>
+                <a16:creationId xmlns="" xmlns:a16="http://schemas.microsoft.com/office/drawing/2014/main" id="{0F281BC9-DE1F-D1FE-E64C-C4640398F00C}"/>
               </a:ext>
             </a:extLst>
           </p:cNvPr>
@@ -18172,7 +18230,7 @@
             <p:cNvPr id="10" name="Object 8">
               <a:extLst>
                 <a:ext uri="{FF2B5EF4-FFF2-40B4-BE49-F238E27FC236}">
-                  <a16:creationId xmlns:a16="http://schemas.microsoft.com/office/drawing/2014/main" xmlns="" id="{F669DCEF-04BB-7046-3F7F-5B513213556E}"/>
+                  <a16:creationId xmlns="" xmlns:a16="http://schemas.microsoft.com/office/drawing/2014/main" id="{F669DCEF-04BB-7046-3F7F-5B513213556E}"/>
                 </a:ext>
               </a:extLst>
             </p:cNvPr>
@@ -18203,7 +18261,7 @@
           <p:cNvPr id="11" name="그룹 1003">
             <a:extLst>
               <a:ext uri="{FF2B5EF4-FFF2-40B4-BE49-F238E27FC236}">
-                <a16:creationId xmlns:a16="http://schemas.microsoft.com/office/drawing/2014/main" xmlns="" id="{1F91EEF9-13EA-BB7F-B056-D35E7DB989AC}"/>
+                <a16:creationId xmlns="" xmlns:a16="http://schemas.microsoft.com/office/drawing/2014/main" id="{1F91EEF9-13EA-BB7F-B056-D35E7DB989AC}"/>
               </a:ext>
             </a:extLst>
           </p:cNvPr>
@@ -18223,7 +18281,7 @@
             <p:cNvPr id="12" name="Object 11">
               <a:extLst>
                 <a:ext uri="{FF2B5EF4-FFF2-40B4-BE49-F238E27FC236}">
-                  <a16:creationId xmlns:a16="http://schemas.microsoft.com/office/drawing/2014/main" xmlns="" id="{2CFFB217-AEFB-2C9E-5F86-6EE19510FFC6}"/>
+                  <a16:creationId xmlns="" xmlns:a16="http://schemas.microsoft.com/office/drawing/2014/main" id="{2CFFB217-AEFB-2C9E-5F86-6EE19510FFC6}"/>
                 </a:ext>
               </a:extLst>
             </p:cNvPr>
@@ -18254,7 +18312,7 @@
           <p:cNvPr id="13" name="그룹 1004">
             <a:extLst>
               <a:ext uri="{FF2B5EF4-FFF2-40B4-BE49-F238E27FC236}">
-                <a16:creationId xmlns:a16="http://schemas.microsoft.com/office/drawing/2014/main" xmlns="" id="{123B9C7E-94E8-E7E1-81BE-D59EA0299187}"/>
+                <a16:creationId xmlns="" xmlns:a16="http://schemas.microsoft.com/office/drawing/2014/main" id="{123B9C7E-94E8-E7E1-81BE-D59EA0299187}"/>
               </a:ext>
             </a:extLst>
           </p:cNvPr>
@@ -18274,7 +18332,7 @@
             <p:cNvPr id="14" name="Object 14">
               <a:extLst>
                 <a:ext uri="{FF2B5EF4-FFF2-40B4-BE49-F238E27FC236}">
-                  <a16:creationId xmlns:a16="http://schemas.microsoft.com/office/drawing/2014/main" xmlns="" id="{B6291552-2D89-A79F-7ACD-EA0EF9A4C389}"/>
+                  <a16:creationId xmlns="" xmlns:a16="http://schemas.microsoft.com/office/drawing/2014/main" id="{B6291552-2D89-A79F-7ACD-EA0EF9A4C389}"/>
                 </a:ext>
               </a:extLst>
             </p:cNvPr>
@@ -18305,7 +18363,7 @@
           <p:cNvPr id="15" name="TextBox 14">
             <a:extLst>
               <a:ext uri="{FF2B5EF4-FFF2-40B4-BE49-F238E27FC236}">
-                <a16:creationId xmlns:a16="http://schemas.microsoft.com/office/drawing/2014/main" xmlns="" id="{7D99763A-FC24-23F5-5BA9-D7B042E0F323}"/>
+                <a16:creationId xmlns="" xmlns:a16="http://schemas.microsoft.com/office/drawing/2014/main" id="{7D99763A-FC24-23F5-5BA9-D7B042E0F323}"/>
               </a:ext>
             </a:extLst>
           </p:cNvPr>
@@ -18383,7 +18441,7 @@
           <p:cNvPr id="4" name="TextBox 3">
             <a:extLst>
               <a:ext uri="{FF2B5EF4-FFF2-40B4-BE49-F238E27FC236}">
-                <a16:creationId xmlns:a16="http://schemas.microsoft.com/office/drawing/2014/main" xmlns="" id="{5ADC00B6-990A-40DC-3CEA-505258F5E8DA}"/>
+                <a16:creationId xmlns="" xmlns:a16="http://schemas.microsoft.com/office/drawing/2014/main" id="{5ADC00B6-990A-40DC-3CEA-505258F5E8DA}"/>
               </a:ext>
             </a:extLst>
           </p:cNvPr>
@@ -18431,7 +18489,7 @@
           <p:cNvPr id="5" name="TextBox 4">
             <a:extLst>
               <a:ext uri="{FF2B5EF4-FFF2-40B4-BE49-F238E27FC236}">
-                <a16:creationId xmlns:a16="http://schemas.microsoft.com/office/drawing/2014/main" xmlns="" id="{A2AD056B-97A4-5BCC-4460-250160F3E171}"/>
+                <a16:creationId xmlns="" xmlns:a16="http://schemas.microsoft.com/office/drawing/2014/main" id="{A2AD056B-97A4-5BCC-4460-250160F3E171}"/>
               </a:ext>
             </a:extLst>
           </p:cNvPr>
@@ -18547,7 +18605,7 @@
           <p:cNvPr id="6" name="TextBox 5">
             <a:extLst>
               <a:ext uri="{FF2B5EF4-FFF2-40B4-BE49-F238E27FC236}">
-                <a16:creationId xmlns:a16="http://schemas.microsoft.com/office/drawing/2014/main" xmlns="" id="{A2AD056B-97A4-5BCC-4460-250160F3E171}"/>
+                <a16:creationId xmlns="" xmlns:a16="http://schemas.microsoft.com/office/drawing/2014/main" id="{A2AD056B-97A4-5BCC-4460-250160F3E171}"/>
               </a:ext>
             </a:extLst>
           </p:cNvPr>
@@ -19164,7 +19222,7 @@
                 <a:gridCol w="1731833">
                   <a:extLst>
                     <a:ext uri="{9D8B030D-6E8A-4147-A177-3AD203B41FA5}">
-                      <a16:colId xmlns:a16="http://schemas.microsoft.com/office/drawing/2014/main" xmlns="" val="20000"/>
+                      <a16:colId xmlns="" xmlns:a16="http://schemas.microsoft.com/office/drawing/2014/main" val="20000"/>
                     </a:ext>
                   </a:extLst>
                 </a:gridCol>
@@ -19237,7 +19295,7 @@
                 </a:tc>
                 <a:extLst>
                   <a:ext uri="{0D108BD9-81ED-4DB2-BD59-A6C34878D82A}">
-                    <a16:rowId xmlns:a16="http://schemas.microsoft.com/office/drawing/2014/main" xmlns="" val="10000"/>
+                    <a16:rowId xmlns="" xmlns:a16="http://schemas.microsoft.com/office/drawing/2014/main" val="10000"/>
                   </a:ext>
                 </a:extLst>
               </a:tr>
@@ -19301,7 +19359,7 @@
                 </a:tc>
                 <a:extLst>
                   <a:ext uri="{0D108BD9-81ED-4DB2-BD59-A6C34878D82A}">
-                    <a16:rowId xmlns:a16="http://schemas.microsoft.com/office/drawing/2014/main" xmlns="" val="10001"/>
+                    <a16:rowId xmlns="" xmlns:a16="http://schemas.microsoft.com/office/drawing/2014/main" val="10001"/>
                   </a:ext>
                 </a:extLst>
               </a:tr>
@@ -19337,7 +19395,7 @@
                 <a:gridCol w="1731833">
                   <a:extLst>
                     <a:ext uri="{9D8B030D-6E8A-4147-A177-3AD203B41FA5}">
-                      <a16:colId xmlns:a16="http://schemas.microsoft.com/office/drawing/2014/main" xmlns="" val="20000"/>
+                      <a16:colId xmlns="" xmlns:a16="http://schemas.microsoft.com/office/drawing/2014/main" val="20000"/>
                     </a:ext>
                   </a:extLst>
                 </a:gridCol>
@@ -19410,7 +19468,7 @@
                 </a:tc>
                 <a:extLst>
                   <a:ext uri="{0D108BD9-81ED-4DB2-BD59-A6C34878D82A}">
-                    <a16:rowId xmlns:a16="http://schemas.microsoft.com/office/drawing/2014/main" xmlns="" val="10000"/>
+                    <a16:rowId xmlns="" xmlns:a16="http://schemas.microsoft.com/office/drawing/2014/main" val="10000"/>
                   </a:ext>
                 </a:extLst>
               </a:tr>
@@ -19474,7 +19532,7 @@
                 </a:tc>
                 <a:extLst>
                   <a:ext uri="{0D108BD9-81ED-4DB2-BD59-A6C34878D82A}">
-                    <a16:rowId xmlns:a16="http://schemas.microsoft.com/office/drawing/2014/main" xmlns="" val="10001"/>
+                    <a16:rowId xmlns="" xmlns:a16="http://schemas.microsoft.com/office/drawing/2014/main" val="10001"/>
                   </a:ext>
                 </a:extLst>
               </a:tr>
@@ -19487,7 +19545,7 @@
           <p:cNvPr id="12" name="직선 화살표 연결선 11">
             <a:extLst>
               <a:ext uri="{FF2B5EF4-FFF2-40B4-BE49-F238E27FC236}">
-                <a16:creationId xmlns:a16="http://schemas.microsoft.com/office/drawing/2014/main" xmlns="" id="{299DF5EC-9DF4-5255-06AC-0A7CE4FF58C3}"/>
+                <a16:creationId xmlns="" xmlns:a16="http://schemas.microsoft.com/office/drawing/2014/main" id="{299DF5EC-9DF4-5255-06AC-0A7CE4FF58C3}"/>
               </a:ext>
             </a:extLst>
           </p:cNvPr>
@@ -19528,7 +19586,7 @@
           <p:cNvPr id="14" name="직선 화살표 연결선 13">
             <a:extLst>
               <a:ext uri="{FF2B5EF4-FFF2-40B4-BE49-F238E27FC236}">
-                <a16:creationId xmlns:a16="http://schemas.microsoft.com/office/drawing/2014/main" xmlns="" id="{299DF5EC-9DF4-5255-06AC-0A7CE4FF58C3}"/>
+                <a16:creationId xmlns="" xmlns:a16="http://schemas.microsoft.com/office/drawing/2014/main" id="{299DF5EC-9DF4-5255-06AC-0A7CE4FF58C3}"/>
               </a:ext>
             </a:extLst>
           </p:cNvPr>
@@ -19818,7 +19876,7 @@
           <p:cNvPr id="6" name="그룹 1018">
             <a:extLst>
               <a:ext uri="{FF2B5EF4-FFF2-40B4-BE49-F238E27FC236}">
-                <a16:creationId xmlns:a16="http://schemas.microsoft.com/office/drawing/2014/main" xmlns="" id="{008489BA-FEFA-DE7D-B3CD-53A358B82592}"/>
+                <a16:creationId xmlns="" xmlns:a16="http://schemas.microsoft.com/office/drawing/2014/main" id="{008489BA-FEFA-DE7D-B3CD-53A358B82592}"/>
               </a:ext>
             </a:extLst>
           </p:cNvPr>
@@ -19838,7 +19896,7 @@
             <p:cNvPr id="7" name="Object 61">
               <a:extLst>
                 <a:ext uri="{FF2B5EF4-FFF2-40B4-BE49-F238E27FC236}">
-                  <a16:creationId xmlns:a16="http://schemas.microsoft.com/office/drawing/2014/main" xmlns="" id="{9ED25BE3-45BE-AC6D-D835-4457854D2832}"/>
+                  <a16:creationId xmlns="" xmlns:a16="http://schemas.microsoft.com/office/drawing/2014/main" id="{9ED25BE3-45BE-AC6D-D835-4457854D2832}"/>
                 </a:ext>
               </a:extLst>
             </p:cNvPr>
@@ -19869,7 +19927,7 @@
           <p:cNvPr id="8" name="그룹 1021">
             <a:extLst>
               <a:ext uri="{FF2B5EF4-FFF2-40B4-BE49-F238E27FC236}">
-                <a16:creationId xmlns:a16="http://schemas.microsoft.com/office/drawing/2014/main" xmlns="" id="{7FE0C0A1-ABE4-F0EA-AFC1-4622C45C99E7}"/>
+                <a16:creationId xmlns="" xmlns:a16="http://schemas.microsoft.com/office/drawing/2014/main" id="{7FE0C0A1-ABE4-F0EA-AFC1-4622C45C99E7}"/>
               </a:ext>
             </a:extLst>
           </p:cNvPr>
@@ -19889,7 +19947,7 @@
             <p:cNvPr id="9" name="Object 71">
               <a:extLst>
                 <a:ext uri="{FF2B5EF4-FFF2-40B4-BE49-F238E27FC236}">
-                  <a16:creationId xmlns:a16="http://schemas.microsoft.com/office/drawing/2014/main" xmlns="" id="{CDBB7D83-509F-9F4C-0C3E-DBA2562E5520}"/>
+                  <a16:creationId xmlns="" xmlns:a16="http://schemas.microsoft.com/office/drawing/2014/main" id="{CDBB7D83-509F-9F4C-0C3E-DBA2562E5520}"/>
                 </a:ext>
               </a:extLst>
             </p:cNvPr>
@@ -19920,7 +19978,7 @@
           <p:cNvPr id="10" name="그룹 1024">
             <a:extLst>
               <a:ext uri="{FF2B5EF4-FFF2-40B4-BE49-F238E27FC236}">
-                <a16:creationId xmlns:a16="http://schemas.microsoft.com/office/drawing/2014/main" xmlns="" id="{8EB1611F-852C-9617-AEEB-CFA38FFF8001}"/>
+                <a16:creationId xmlns="" xmlns:a16="http://schemas.microsoft.com/office/drawing/2014/main" id="{8EB1611F-852C-9617-AEEB-CFA38FFF8001}"/>
               </a:ext>
             </a:extLst>
           </p:cNvPr>
@@ -19940,7 +19998,7 @@
             <p:cNvPr id="11" name="Object 81">
               <a:extLst>
                 <a:ext uri="{FF2B5EF4-FFF2-40B4-BE49-F238E27FC236}">
-                  <a16:creationId xmlns:a16="http://schemas.microsoft.com/office/drawing/2014/main" xmlns="" id="{08657582-A0DF-A5DC-A662-189C639920C8}"/>
+                  <a16:creationId xmlns="" xmlns:a16="http://schemas.microsoft.com/office/drawing/2014/main" id="{08657582-A0DF-A5DC-A662-189C639920C8}"/>
                 </a:ext>
               </a:extLst>
             </p:cNvPr>
@@ -19971,7 +20029,7 @@
           <p:cNvPr id="13" name="TextBox 12">
             <a:extLst>
               <a:ext uri="{FF2B5EF4-FFF2-40B4-BE49-F238E27FC236}">
-                <a16:creationId xmlns:a16="http://schemas.microsoft.com/office/drawing/2014/main" xmlns="" id="{F68B80B8-3419-5C31-B2F2-084E536A2C1C}"/>
+                <a16:creationId xmlns="" xmlns:a16="http://schemas.microsoft.com/office/drawing/2014/main" id="{F68B80B8-3419-5C31-B2F2-084E536A2C1C}"/>
               </a:ext>
             </a:extLst>
           </p:cNvPr>
@@ -20019,7 +20077,7 @@
           <p:cNvPr id="14" name="TextBox 13">
             <a:extLst>
               <a:ext uri="{FF2B5EF4-FFF2-40B4-BE49-F238E27FC236}">
-                <a16:creationId xmlns:a16="http://schemas.microsoft.com/office/drawing/2014/main" xmlns="" id="{CB471B39-052C-65D2-3069-C74FA7421876}"/>
+                <a16:creationId xmlns="" xmlns:a16="http://schemas.microsoft.com/office/drawing/2014/main" id="{CB471B39-052C-65D2-3069-C74FA7421876}"/>
               </a:ext>
             </a:extLst>
           </p:cNvPr>
@@ -20067,7 +20125,7 @@
           <p:cNvPr id="15" name="TextBox 14">
             <a:extLst>
               <a:ext uri="{FF2B5EF4-FFF2-40B4-BE49-F238E27FC236}">
-                <a16:creationId xmlns:a16="http://schemas.microsoft.com/office/drawing/2014/main" xmlns="" id="{4A7E270B-9322-EABD-3A34-4D211B23AD38}"/>
+                <a16:creationId xmlns="" xmlns:a16="http://schemas.microsoft.com/office/drawing/2014/main" id="{4A7E270B-9322-EABD-3A34-4D211B23AD38}"/>
               </a:ext>
             </a:extLst>
           </p:cNvPr>
@@ -20235,7 +20293,7 @@
           <p:cNvPr id="24" name="TextBox 23">
             <a:extLst>
               <a:ext uri="{FF2B5EF4-FFF2-40B4-BE49-F238E27FC236}">
-                <a16:creationId xmlns:a16="http://schemas.microsoft.com/office/drawing/2014/main" xmlns="" id="{5ADC00B6-990A-40DC-3CEA-505258F5E8DA}"/>
+                <a16:creationId xmlns="" xmlns:a16="http://schemas.microsoft.com/office/drawing/2014/main" id="{5ADC00B6-990A-40DC-3CEA-505258F5E8DA}"/>
               </a:ext>
             </a:extLst>
           </p:cNvPr>
@@ -20670,14 +20728,14 @@
                 <a:gridCol w="2537224">
                   <a:extLst>
                     <a:ext uri="{9D8B030D-6E8A-4147-A177-3AD203B41FA5}">
-                      <a16:colId xmlns:a16="http://schemas.microsoft.com/office/drawing/2014/main" xmlns="" val="20000"/>
+                      <a16:colId xmlns="" xmlns:a16="http://schemas.microsoft.com/office/drawing/2014/main" val="20000"/>
                     </a:ext>
                   </a:extLst>
                 </a:gridCol>
                 <a:gridCol w="2568176">
                   <a:extLst>
                     <a:ext uri="{9D8B030D-6E8A-4147-A177-3AD203B41FA5}">
-                      <a16:colId xmlns:a16="http://schemas.microsoft.com/office/drawing/2014/main" xmlns="" val="20001"/>
+                      <a16:colId xmlns="" xmlns:a16="http://schemas.microsoft.com/office/drawing/2014/main" val="20001"/>
                     </a:ext>
                   </a:extLst>
                 </a:gridCol>
@@ -20806,7 +20864,7 @@
                 </a:tc>
                 <a:extLst>
                   <a:ext uri="{0D108BD9-81ED-4DB2-BD59-A6C34878D82A}">
-                    <a16:rowId xmlns:a16="http://schemas.microsoft.com/office/drawing/2014/main" xmlns="" val="10000"/>
+                    <a16:rowId xmlns="" xmlns:a16="http://schemas.microsoft.com/office/drawing/2014/main" val="10000"/>
                   </a:ext>
                 </a:extLst>
               </a:tr>
@@ -20959,7 +21017,7 @@
                 </a:tc>
                 <a:extLst>
                   <a:ext uri="{0D108BD9-81ED-4DB2-BD59-A6C34878D82A}">
-                    <a16:rowId xmlns:a16="http://schemas.microsoft.com/office/drawing/2014/main" xmlns="" val="10001"/>
+                    <a16:rowId xmlns="" xmlns:a16="http://schemas.microsoft.com/office/drawing/2014/main" val="10001"/>
                   </a:ext>
                 </a:extLst>
               </a:tr>
@@ -21080,7 +21138,7 @@
                 </a:tc>
                 <a:extLst>
                   <a:ext uri="{0D108BD9-81ED-4DB2-BD59-A6C34878D82A}">
-                    <a16:rowId xmlns:a16="http://schemas.microsoft.com/office/drawing/2014/main" xmlns="" val="10002"/>
+                    <a16:rowId xmlns="" xmlns:a16="http://schemas.microsoft.com/office/drawing/2014/main" val="10002"/>
                   </a:ext>
                 </a:extLst>
               </a:tr>
@@ -21093,7 +21151,7 @@
           <p:cNvPr id="2" name="표 1">
             <a:extLst>
               <a:ext uri="{FF2B5EF4-FFF2-40B4-BE49-F238E27FC236}">
-                <a16:creationId xmlns:a16="http://schemas.microsoft.com/office/drawing/2014/main" xmlns="" id="{997BE140-4E76-8C74-849E-0234D3CEC4C7}"/>
+                <a16:creationId xmlns="" xmlns:a16="http://schemas.microsoft.com/office/drawing/2014/main" id="{997BE140-4E76-8C74-849E-0234D3CEC4C7}"/>
               </a:ext>
             </a:extLst>
           </p:cNvPr>
@@ -21122,7 +21180,7 @@
                 <a:gridCol w="2568176">
                   <a:extLst>
                     <a:ext uri="{9D8B030D-6E8A-4147-A177-3AD203B41FA5}">
-                      <a16:colId xmlns:a16="http://schemas.microsoft.com/office/drawing/2014/main" xmlns="" val="20001"/>
+                      <a16:colId xmlns="" xmlns:a16="http://schemas.microsoft.com/office/drawing/2014/main" val="20001"/>
                     </a:ext>
                   </a:extLst>
                 </a:gridCol>
@@ -21195,7 +21253,7 @@
                 </a:tc>
                 <a:extLst>
                   <a:ext uri="{0D108BD9-81ED-4DB2-BD59-A6C34878D82A}">
-                    <a16:rowId xmlns:a16="http://schemas.microsoft.com/office/drawing/2014/main" xmlns="" val="10000"/>
+                    <a16:rowId xmlns="" xmlns:a16="http://schemas.microsoft.com/office/drawing/2014/main" val="10000"/>
                   </a:ext>
                 </a:extLst>
               </a:tr>
@@ -21275,7 +21333,7 @@
                 </a:tc>
                 <a:extLst>
                   <a:ext uri="{0D108BD9-81ED-4DB2-BD59-A6C34878D82A}">
-                    <a16:rowId xmlns:a16="http://schemas.microsoft.com/office/drawing/2014/main" xmlns="" val="10001"/>
+                    <a16:rowId xmlns="" xmlns:a16="http://schemas.microsoft.com/office/drawing/2014/main" val="10001"/>
                   </a:ext>
                 </a:extLst>
               </a:tr>
@@ -21288,7 +21346,7 @@
           <p:cNvPr id="3" name="직선 화살표 연결선 2">
             <a:extLst>
               <a:ext uri="{FF2B5EF4-FFF2-40B4-BE49-F238E27FC236}">
-                <a16:creationId xmlns:a16="http://schemas.microsoft.com/office/drawing/2014/main" xmlns="" id="{73D6F2B2-EE0B-D6BD-4C3A-D7719A76DB6E}"/>
+                <a16:creationId xmlns="" xmlns:a16="http://schemas.microsoft.com/office/drawing/2014/main" id="{73D6F2B2-EE0B-D6BD-4C3A-D7719A76DB6E}"/>
               </a:ext>
             </a:extLst>
           </p:cNvPr>
@@ -21329,7 +21387,7 @@
           <p:cNvPr id="7" name="곱셈 기호 31">
             <a:extLst>
               <a:ext uri="{FF2B5EF4-FFF2-40B4-BE49-F238E27FC236}">
-                <a16:creationId xmlns:a16="http://schemas.microsoft.com/office/drawing/2014/main" xmlns="" id="{6BF67940-62CB-794B-EBE7-0F8173BA6D01}"/>
+                <a16:creationId xmlns="" xmlns:a16="http://schemas.microsoft.com/office/drawing/2014/main" id="{6BF67940-62CB-794B-EBE7-0F8173BA6D01}"/>
               </a:ext>
             </a:extLst>
           </p:cNvPr>
@@ -21385,7 +21443,7 @@
           <p:cNvPr id="9" name="TextBox 8">
             <a:extLst>
               <a:ext uri="{FF2B5EF4-FFF2-40B4-BE49-F238E27FC236}">
-                <a16:creationId xmlns:a16="http://schemas.microsoft.com/office/drawing/2014/main" xmlns="" id="{D64AB9AE-91FF-074E-A3DA-9241D7BF90DF}"/>
+                <a16:creationId xmlns="" xmlns:a16="http://schemas.microsoft.com/office/drawing/2014/main" id="{D64AB9AE-91FF-074E-A3DA-9241D7BF90DF}"/>
               </a:ext>
             </a:extLst>
           </p:cNvPr>
@@ -21692,7 +21750,7 @@
           <p:cNvPr id="2" name="TextBox 1">
             <a:extLst>
               <a:ext uri="{FF2B5EF4-FFF2-40B4-BE49-F238E27FC236}">
-                <a16:creationId xmlns:a16="http://schemas.microsoft.com/office/drawing/2014/main" xmlns="" id="{AF6E8CE0-4782-3A99-AD4F-3684390C1016}"/>
+                <a16:creationId xmlns="" xmlns:a16="http://schemas.microsoft.com/office/drawing/2014/main" id="{AF6E8CE0-4782-3A99-AD4F-3684390C1016}"/>
               </a:ext>
             </a:extLst>
           </p:cNvPr>
@@ -21780,7 +21838,7 @@
           <p:cNvPr id="4" name="TextBox 3">
             <a:extLst>
               <a:ext uri="{FF2B5EF4-FFF2-40B4-BE49-F238E27FC236}">
-                <a16:creationId xmlns:a16="http://schemas.microsoft.com/office/drawing/2014/main" xmlns="" id="{5ADC00B6-990A-40DC-3CEA-505258F5E8DA}"/>
+                <a16:creationId xmlns="" xmlns:a16="http://schemas.microsoft.com/office/drawing/2014/main" id="{5ADC00B6-990A-40DC-3CEA-505258F5E8DA}"/>
               </a:ext>
             </a:extLst>
           </p:cNvPr>
@@ -21929,7 +21987,7 @@
           <p:cNvPr id="6" name="직사각형 5">
             <a:extLst>
               <a:ext uri="{FF2B5EF4-FFF2-40B4-BE49-F238E27FC236}">
-                <a16:creationId xmlns:a16="http://schemas.microsoft.com/office/drawing/2014/main" xmlns="" id="{FFF506F9-840A-0508-4CAF-3AC711D8D5CE}"/>
+                <a16:creationId xmlns="" xmlns:a16="http://schemas.microsoft.com/office/drawing/2014/main" id="{FFF506F9-840A-0508-4CAF-3AC711D8D5CE}"/>
               </a:ext>
             </a:extLst>
           </p:cNvPr>
@@ -21973,64 +22031,6 @@
           <a:p>
             <a:pPr algn="ctr"/>
             <a:endParaRPr lang="ko-KR" altLang="en-US"/>
-          </a:p>
-        </p:txBody>
-      </p:sp>
-      <p:sp>
-        <p:nvSpPr>
-          <p:cNvPr id="2" name="TextBox 1">
-            <a:extLst>
-              <a:ext uri="{FF2B5EF4-FFF2-40B4-BE49-F238E27FC236}">
-                <a16:creationId xmlns:a16="http://schemas.microsoft.com/office/drawing/2014/main" xmlns="" id="{8BD2ED5A-5CA2-F84F-13E6-A2AC3854D891}"/>
-              </a:ext>
-            </a:extLst>
-          </p:cNvPr>
-          <p:cNvSpPr txBox="1"/>
-          <p:nvPr/>
-        </p:nvSpPr>
-        <p:spPr>
-          <a:xfrm>
-            <a:off x="914400" y="419100"/>
-            <a:ext cx="5638800" cy="830997"/>
-          </a:xfrm>
-          <a:prstGeom prst="rect">
-            <a:avLst/>
-          </a:prstGeom>
-          <a:noFill/>
-        </p:spPr>
-        <p:txBody>
-          <a:bodyPr wrap="square" rtlCol="0">
-            <a:spAutoFit/>
-          </a:bodyPr>
-          <a:lstStyle/>
-          <a:p>
-            <a:r>
-              <a:rPr lang="en-US" altLang="ko-KR" sz="4800" dirty="0">
-                <a:solidFill>
-                  <a:srgbClr val="4C50BC"/>
-                </a:solidFill>
-                <a:latin typeface="G마켓 산스 Medium" panose="02000000000000000000" pitchFamily="50" charset="-127"/>
-                <a:ea typeface="G마켓 산스 Medium" panose="02000000000000000000" pitchFamily="50" charset="-127"/>
-              </a:rPr>
-              <a:t>super() </a:t>
-            </a:r>
-            <a:r>
-              <a:rPr lang="ko-KR" altLang="en-US" sz="4800" dirty="0">
-                <a:solidFill>
-                  <a:srgbClr val="4C50BC"/>
-                </a:solidFill>
-                <a:latin typeface="G마켓 산스 Medium" panose="02000000000000000000" pitchFamily="50" charset="-127"/>
-                <a:ea typeface="G마켓 산스 Medium" panose="02000000000000000000" pitchFamily="50" charset="-127"/>
-              </a:rPr>
-              <a:t>생성자</a:t>
-            </a:r>
-            <a:endParaRPr lang="en-US" altLang="ko-KR" sz="4800" dirty="0">
-              <a:solidFill>
-                <a:srgbClr val="4C50BC"/>
-              </a:solidFill>
-              <a:latin typeface="G마켓 산스 Medium" panose="02000000000000000000" pitchFamily="50" charset="-127"/>
-              <a:ea typeface="G마켓 산스 Medium" panose="02000000000000000000" pitchFamily="50" charset="-127"/>
-            </a:endParaRPr>
           </a:p>
         </p:txBody>
       </p:sp>
@@ -22080,7 +22080,7 @@
         </p:blipFill>
         <p:spPr>
           <a:xfrm>
-            <a:off x="6400800" y="499605"/>
+            <a:off x="6400800" y="1947405"/>
             <a:ext cx="6185867" cy="5943600"/>
           </a:xfrm>
           <a:prstGeom prst="rect">
@@ -22093,7 +22093,7 @@
           <p:cNvPr id="3" name="그림 2">
             <a:extLst>
               <a:ext uri="{FF2B5EF4-FFF2-40B4-BE49-F238E27FC236}">
-                <a16:creationId xmlns:a16="http://schemas.microsoft.com/office/drawing/2014/main" xmlns="" id="{63973ADD-1310-B140-4EAA-B78003F051BC}"/>
+                <a16:creationId xmlns="" xmlns:a16="http://schemas.microsoft.com/office/drawing/2014/main" id="{63973ADD-1310-B140-4EAA-B78003F051BC}"/>
               </a:ext>
             </a:extLst>
           </p:cNvPr>
@@ -22110,7 +22110,7 @@
         </p:blipFill>
         <p:spPr>
           <a:xfrm>
-            <a:off x="382784" y="499605"/>
+            <a:off x="382784" y="1947405"/>
             <a:ext cx="5635232" cy="6210256"/>
           </a:xfrm>
           <a:prstGeom prst="rect">
@@ -22123,7 +22123,7 @@
           <p:cNvPr id="6" name="직사각형 5">
             <a:extLst>
               <a:ext uri="{FF2B5EF4-FFF2-40B4-BE49-F238E27FC236}">
-                <a16:creationId xmlns:a16="http://schemas.microsoft.com/office/drawing/2014/main" xmlns="" id="{D4194E25-989E-0C55-B712-570C7D5091F0}"/>
+                <a16:creationId xmlns="" xmlns:a16="http://schemas.microsoft.com/office/drawing/2014/main" id="{D4194E25-989E-0C55-B712-570C7D5091F0}"/>
               </a:ext>
             </a:extLst>
           </p:cNvPr>
@@ -22132,7 +22132,7 @@
         </p:nvSpPr>
         <p:spPr>
           <a:xfrm>
-            <a:off x="7391400" y="4275134"/>
+            <a:off x="7391400" y="5722934"/>
             <a:ext cx="4876800" cy="1858966"/>
           </a:xfrm>
           <a:prstGeom prst="rect">
@@ -22175,7 +22175,7 @@
           <p:cNvPr id="8" name="그림 7">
             <a:extLst>
               <a:ext uri="{FF2B5EF4-FFF2-40B4-BE49-F238E27FC236}">
-                <a16:creationId xmlns:a16="http://schemas.microsoft.com/office/drawing/2014/main" xmlns="" id="{1F34AA6C-44C4-4AAC-1FC2-230C55141948}"/>
+                <a16:creationId xmlns="" xmlns:a16="http://schemas.microsoft.com/office/drawing/2014/main" id="{1F34AA6C-44C4-4AAC-1FC2-230C55141948}"/>
               </a:ext>
             </a:extLst>
           </p:cNvPr>
@@ -22192,7 +22192,7 @@
         </p:blipFill>
         <p:spPr>
           <a:xfrm>
-            <a:off x="12648857" y="4152900"/>
+            <a:off x="12648857" y="5600700"/>
             <a:ext cx="5639143" cy="2276591"/>
           </a:xfrm>
           <a:prstGeom prst="rect">
@@ -22205,7 +22205,7 @@
           <p:cNvPr id="9" name="직사각형 8">
             <a:extLst>
               <a:ext uri="{FF2B5EF4-FFF2-40B4-BE49-F238E27FC236}">
-                <a16:creationId xmlns:a16="http://schemas.microsoft.com/office/drawing/2014/main" xmlns="" id="{39C40DE3-07FC-5B3E-1952-F1D0DDF51453}"/>
+                <a16:creationId xmlns="" xmlns:a16="http://schemas.microsoft.com/office/drawing/2014/main" id="{39C40DE3-07FC-5B3E-1952-F1D0DDF51453}"/>
               </a:ext>
             </a:extLst>
           </p:cNvPr>
@@ -22214,7 +22214,7 @@
         </p:nvSpPr>
         <p:spPr>
           <a:xfrm>
-            <a:off x="13498790" y="4822543"/>
+            <a:off x="13498790" y="6270343"/>
             <a:ext cx="2198410" cy="625757"/>
           </a:xfrm>
           <a:prstGeom prst="rect">
@@ -22249,6 +22249,64 @@
           <a:p>
             <a:pPr algn="ctr"/>
             <a:endParaRPr lang="ko-KR" altLang="en-US"/>
+          </a:p>
+        </p:txBody>
+      </p:sp>
+      <p:sp>
+        <p:nvSpPr>
+          <p:cNvPr id="7" name="TextBox 6">
+            <a:extLst>
+              <a:ext uri="{FF2B5EF4-FFF2-40B4-BE49-F238E27FC236}">
+                <a16:creationId xmlns="" xmlns:a16="http://schemas.microsoft.com/office/drawing/2014/main" id="{8BD2ED5A-5CA2-F84F-13E6-A2AC3854D891}"/>
+              </a:ext>
+            </a:extLst>
+          </p:cNvPr>
+          <p:cNvSpPr txBox="1"/>
+          <p:nvPr/>
+        </p:nvSpPr>
+        <p:spPr>
+          <a:xfrm>
+            <a:off x="685800" y="266700"/>
+            <a:ext cx="5638800" cy="830997"/>
+          </a:xfrm>
+          <a:prstGeom prst="rect">
+            <a:avLst/>
+          </a:prstGeom>
+          <a:noFill/>
+        </p:spPr>
+        <p:txBody>
+          <a:bodyPr wrap="square" rtlCol="0">
+            <a:spAutoFit/>
+          </a:bodyPr>
+          <a:lstStyle/>
+          <a:p>
+            <a:r>
+              <a:rPr lang="en-US" altLang="ko-KR" sz="4800" dirty="0">
+                <a:solidFill>
+                  <a:srgbClr val="4C50BC"/>
+                </a:solidFill>
+                <a:latin typeface="G마켓 산스 Medium" panose="02000000000000000000" pitchFamily="50" charset="-127"/>
+                <a:ea typeface="G마켓 산스 Medium" panose="02000000000000000000" pitchFamily="50" charset="-127"/>
+              </a:rPr>
+              <a:t>super() </a:t>
+            </a:r>
+            <a:r>
+              <a:rPr lang="ko-KR" altLang="en-US" sz="4800" dirty="0">
+                <a:solidFill>
+                  <a:srgbClr val="4C50BC"/>
+                </a:solidFill>
+                <a:latin typeface="G마켓 산스 Medium" panose="02000000000000000000" pitchFamily="50" charset="-127"/>
+                <a:ea typeface="G마켓 산스 Medium" panose="02000000000000000000" pitchFamily="50" charset="-127"/>
+              </a:rPr>
+              <a:t>생성자</a:t>
+            </a:r>
+            <a:endParaRPr lang="en-US" altLang="ko-KR" sz="4800" dirty="0">
+              <a:solidFill>
+                <a:srgbClr val="4C50BC"/>
+              </a:solidFill>
+              <a:latin typeface="G마켓 산스 Medium" panose="02000000000000000000" pitchFamily="50" charset="-127"/>
+              <a:ea typeface="G마켓 산스 Medium" panose="02000000000000000000" pitchFamily="50" charset="-127"/>
+            </a:endParaRPr>
           </a:p>
         </p:txBody>
       </p:sp>
@@ -22287,7 +22345,7 @@
           <p:cNvPr id="4" name="TextBox 3">
             <a:extLst>
               <a:ext uri="{FF2B5EF4-FFF2-40B4-BE49-F238E27FC236}">
-                <a16:creationId xmlns:a16="http://schemas.microsoft.com/office/drawing/2014/main" xmlns="" id="{E7F95338-D8E8-1A47-9B0B-2BEC0D129ACB}"/>
+                <a16:creationId xmlns="" xmlns:a16="http://schemas.microsoft.com/office/drawing/2014/main" id="{E7F95338-D8E8-1A47-9B0B-2BEC0D129ACB}"/>
               </a:ext>
             </a:extLst>
           </p:cNvPr>
@@ -22348,7 +22406,7 @@
           <p:cNvPr id="5" name="TextBox 4">
             <a:extLst>
               <a:ext uri="{FF2B5EF4-FFF2-40B4-BE49-F238E27FC236}">
-                <a16:creationId xmlns:a16="http://schemas.microsoft.com/office/drawing/2014/main" xmlns="" id="{D40AEE29-AEAC-513F-8C7B-D77B52819A0F}"/>
+                <a16:creationId xmlns="" xmlns:a16="http://schemas.microsoft.com/office/drawing/2014/main" id="{D40AEE29-AEAC-513F-8C7B-D77B52819A0F}"/>
               </a:ext>
             </a:extLst>
           </p:cNvPr>
@@ -22769,7 +22827,7 @@
           <p:cNvPr id="5" name="그림 4">
             <a:extLst>
               <a:ext uri="{FF2B5EF4-FFF2-40B4-BE49-F238E27FC236}">
-                <a16:creationId xmlns:a16="http://schemas.microsoft.com/office/drawing/2014/main" xmlns="" id="{4C1E5A44-674D-671D-9AB9-96FADBF3612B}"/>
+                <a16:creationId xmlns="" xmlns:a16="http://schemas.microsoft.com/office/drawing/2014/main" id="{4C1E5A44-674D-671D-9AB9-96FADBF3612B}"/>
               </a:ext>
             </a:extLst>
           </p:cNvPr>
@@ -22799,7 +22857,7 @@
           <p:cNvPr id="6" name="직선 화살표 연결선 5">
             <a:extLst>
               <a:ext uri="{FF2B5EF4-FFF2-40B4-BE49-F238E27FC236}">
-                <a16:creationId xmlns:a16="http://schemas.microsoft.com/office/drawing/2014/main" xmlns="" id="{75908EAF-DC59-A016-BC77-60D68A02BC58}"/>
+                <a16:creationId xmlns="" xmlns:a16="http://schemas.microsoft.com/office/drawing/2014/main" id="{75908EAF-DC59-A016-BC77-60D68A02BC58}"/>
               </a:ext>
             </a:extLst>
           </p:cNvPr>
@@ -22840,7 +22898,7 @@
           <p:cNvPr id="7" name="TextBox 6">
             <a:extLst>
               <a:ext uri="{FF2B5EF4-FFF2-40B4-BE49-F238E27FC236}">
-                <a16:creationId xmlns:a16="http://schemas.microsoft.com/office/drawing/2014/main" xmlns="" id="{E63F965D-29AF-DE1C-5B98-DBB3BB85DFAE}"/>
+                <a16:creationId xmlns="" xmlns:a16="http://schemas.microsoft.com/office/drawing/2014/main" id="{E63F965D-29AF-DE1C-5B98-DBB3BB85DFAE}"/>
               </a:ext>
             </a:extLst>
           </p:cNvPr>
@@ -22891,7 +22949,7 @@
           <p:cNvPr id="9" name="그림 8">
             <a:extLst>
               <a:ext uri="{FF2B5EF4-FFF2-40B4-BE49-F238E27FC236}">
-                <a16:creationId xmlns:a16="http://schemas.microsoft.com/office/drawing/2014/main" xmlns="" id="{ABEEEEFF-3C09-B89D-E9C1-0E692C4188B0}"/>
+                <a16:creationId xmlns="" xmlns:a16="http://schemas.microsoft.com/office/drawing/2014/main" id="{ABEEEEFF-3C09-B89D-E9C1-0E692C4188B0}"/>
               </a:ext>
             </a:extLst>
           </p:cNvPr>
@@ -22921,7 +22979,7 @@
           <p:cNvPr id="10" name="직선 화살표 연결선 9">
             <a:extLst>
               <a:ext uri="{FF2B5EF4-FFF2-40B4-BE49-F238E27FC236}">
-                <a16:creationId xmlns:a16="http://schemas.microsoft.com/office/drawing/2014/main" xmlns="" id="{72748C94-A7E3-EBE6-4E54-D9C607D67005}"/>
+                <a16:creationId xmlns="" xmlns:a16="http://schemas.microsoft.com/office/drawing/2014/main" id="{72748C94-A7E3-EBE6-4E54-D9C607D67005}"/>
               </a:ext>
             </a:extLst>
           </p:cNvPr>
@@ -22963,7 +23021,7 @@
           <p:cNvPr id="11" name="TextBox 10">
             <a:extLst>
               <a:ext uri="{FF2B5EF4-FFF2-40B4-BE49-F238E27FC236}">
-                <a16:creationId xmlns:a16="http://schemas.microsoft.com/office/drawing/2014/main" xmlns="" id="{66DF052C-9323-9F8D-4857-1B2D989FFF9F}"/>
+                <a16:creationId xmlns="" xmlns:a16="http://schemas.microsoft.com/office/drawing/2014/main" id="{66DF052C-9323-9F8D-4857-1B2D989FFF9F}"/>
               </a:ext>
             </a:extLst>
           </p:cNvPr>
@@ -23074,7 +23132,7 @@
           <p:cNvPr id="4" name="그룹 1018">
             <a:extLst>
               <a:ext uri="{FF2B5EF4-FFF2-40B4-BE49-F238E27FC236}">
-                <a16:creationId xmlns:a16="http://schemas.microsoft.com/office/drawing/2014/main" xmlns="" id="{88809E16-31F7-1F83-2FAC-75A0671E0E63}"/>
+                <a16:creationId xmlns="" xmlns:a16="http://schemas.microsoft.com/office/drawing/2014/main" id="{88809E16-31F7-1F83-2FAC-75A0671E0E63}"/>
               </a:ext>
             </a:extLst>
           </p:cNvPr>
@@ -23094,7 +23152,7 @@
             <p:cNvPr id="5" name="Object 61">
               <a:extLst>
                 <a:ext uri="{FF2B5EF4-FFF2-40B4-BE49-F238E27FC236}">
-                  <a16:creationId xmlns:a16="http://schemas.microsoft.com/office/drawing/2014/main" xmlns="" id="{E1173C9E-3171-FA64-34F6-A314CF0D2703}"/>
+                  <a16:creationId xmlns="" xmlns:a16="http://schemas.microsoft.com/office/drawing/2014/main" id="{E1173C9E-3171-FA64-34F6-A314CF0D2703}"/>
                 </a:ext>
               </a:extLst>
             </p:cNvPr>
@@ -23125,7 +23183,7 @@
           <p:cNvPr id="6" name="TextBox 5">
             <a:extLst>
               <a:ext uri="{FF2B5EF4-FFF2-40B4-BE49-F238E27FC236}">
-                <a16:creationId xmlns:a16="http://schemas.microsoft.com/office/drawing/2014/main" xmlns="" id="{32037D5E-FE66-9272-14CC-2284752BAAC1}"/>
+                <a16:creationId xmlns="" xmlns:a16="http://schemas.microsoft.com/office/drawing/2014/main" id="{32037D5E-FE66-9272-14CC-2284752BAAC1}"/>
               </a:ext>
             </a:extLst>
           </p:cNvPr>
@@ -23169,7 +23227,7 @@
           <p:cNvPr id="7" name="그룹 1018">
             <a:extLst>
               <a:ext uri="{FF2B5EF4-FFF2-40B4-BE49-F238E27FC236}">
-                <a16:creationId xmlns:a16="http://schemas.microsoft.com/office/drawing/2014/main" xmlns="" id="{1DBF8C05-A7A0-E308-2C72-A1A1D48209F9}"/>
+                <a16:creationId xmlns="" xmlns:a16="http://schemas.microsoft.com/office/drawing/2014/main" id="{1DBF8C05-A7A0-E308-2C72-A1A1D48209F9}"/>
               </a:ext>
             </a:extLst>
           </p:cNvPr>
@@ -23189,7 +23247,7 @@
             <p:cNvPr id="8" name="Object 61">
               <a:extLst>
                 <a:ext uri="{FF2B5EF4-FFF2-40B4-BE49-F238E27FC236}">
-                  <a16:creationId xmlns:a16="http://schemas.microsoft.com/office/drawing/2014/main" xmlns="" id="{8890B65A-EE37-9FB0-11D0-D9028D5D4030}"/>
+                  <a16:creationId xmlns="" xmlns:a16="http://schemas.microsoft.com/office/drawing/2014/main" id="{8890B65A-EE37-9FB0-11D0-D9028D5D4030}"/>
                 </a:ext>
               </a:extLst>
             </p:cNvPr>
@@ -23220,7 +23278,7 @@
           <p:cNvPr id="9" name="TextBox 8">
             <a:extLst>
               <a:ext uri="{FF2B5EF4-FFF2-40B4-BE49-F238E27FC236}">
-                <a16:creationId xmlns:a16="http://schemas.microsoft.com/office/drawing/2014/main" xmlns="" id="{03580C69-6090-E762-1CFF-CABCB1A1F84D}"/>
+                <a16:creationId xmlns="" xmlns:a16="http://schemas.microsoft.com/office/drawing/2014/main" id="{03580C69-6090-E762-1CFF-CABCB1A1F84D}"/>
               </a:ext>
             </a:extLst>
           </p:cNvPr>
@@ -23264,7 +23322,7 @@
           <p:cNvPr id="10" name="그룹 1018">
             <a:extLst>
               <a:ext uri="{FF2B5EF4-FFF2-40B4-BE49-F238E27FC236}">
-                <a16:creationId xmlns:a16="http://schemas.microsoft.com/office/drawing/2014/main" xmlns="" id="{BD5EE8EE-7D57-CD91-F304-6250026830C6}"/>
+                <a16:creationId xmlns="" xmlns:a16="http://schemas.microsoft.com/office/drawing/2014/main" id="{BD5EE8EE-7D57-CD91-F304-6250026830C6}"/>
               </a:ext>
             </a:extLst>
           </p:cNvPr>
@@ -23284,7 +23342,7 @@
             <p:cNvPr id="11" name="Object 61">
               <a:extLst>
                 <a:ext uri="{FF2B5EF4-FFF2-40B4-BE49-F238E27FC236}">
-                  <a16:creationId xmlns:a16="http://schemas.microsoft.com/office/drawing/2014/main" xmlns="" id="{55D32D67-44A3-9BA9-40E1-962240690E74}"/>
+                  <a16:creationId xmlns="" xmlns:a16="http://schemas.microsoft.com/office/drawing/2014/main" id="{55D32D67-44A3-9BA9-40E1-962240690E74}"/>
                 </a:ext>
               </a:extLst>
             </p:cNvPr>
@@ -23315,7 +23373,7 @@
           <p:cNvPr id="12" name="TextBox 11">
             <a:extLst>
               <a:ext uri="{FF2B5EF4-FFF2-40B4-BE49-F238E27FC236}">
-                <a16:creationId xmlns:a16="http://schemas.microsoft.com/office/drawing/2014/main" xmlns="" id="{2E843C5C-F5F0-B014-4B60-31604E120CA8}"/>
+                <a16:creationId xmlns="" xmlns:a16="http://schemas.microsoft.com/office/drawing/2014/main" id="{2E843C5C-F5F0-B014-4B60-31604E120CA8}"/>
               </a:ext>
             </a:extLst>
           </p:cNvPr>
@@ -23359,7 +23417,7 @@
           <p:cNvPr id="13" name="직선 화살표 연결선 12">
             <a:extLst>
               <a:ext uri="{FF2B5EF4-FFF2-40B4-BE49-F238E27FC236}">
-                <a16:creationId xmlns:a16="http://schemas.microsoft.com/office/drawing/2014/main" xmlns="" id="{D18E0CA5-8F28-6CF5-D994-34D82E76FA59}"/>
+                <a16:creationId xmlns="" xmlns:a16="http://schemas.microsoft.com/office/drawing/2014/main" id="{D18E0CA5-8F28-6CF5-D994-34D82E76FA59}"/>
               </a:ext>
             </a:extLst>
           </p:cNvPr>
@@ -23402,7 +23460,7 @@
           <p:cNvPr id="16" name="직선 화살표 연결선 15">
             <a:extLst>
               <a:ext uri="{FF2B5EF4-FFF2-40B4-BE49-F238E27FC236}">
-                <a16:creationId xmlns:a16="http://schemas.microsoft.com/office/drawing/2014/main" xmlns="" id="{63A2BB84-DB21-3B86-E191-9D086538A8E8}"/>
+                <a16:creationId xmlns="" xmlns:a16="http://schemas.microsoft.com/office/drawing/2014/main" id="{63A2BB84-DB21-3B86-E191-9D086538A8E8}"/>
               </a:ext>
             </a:extLst>
           </p:cNvPr>
@@ -23443,7 +23501,7 @@
           <p:cNvPr id="17" name="TextBox 16">
             <a:extLst>
               <a:ext uri="{FF2B5EF4-FFF2-40B4-BE49-F238E27FC236}">
-                <a16:creationId xmlns:a16="http://schemas.microsoft.com/office/drawing/2014/main" xmlns="" id="{F98D168E-7AFC-9208-1631-471768BCB29E}"/>
+                <a16:creationId xmlns="" xmlns:a16="http://schemas.microsoft.com/office/drawing/2014/main" id="{F98D168E-7AFC-9208-1631-471768BCB29E}"/>
               </a:ext>
             </a:extLst>
           </p:cNvPr>
@@ -23544,7 +23602,7 @@
           <p:cNvPr id="15" name="그림 14">
             <a:extLst>
               <a:ext uri="{FF2B5EF4-FFF2-40B4-BE49-F238E27FC236}">
-                <a16:creationId xmlns:a16="http://schemas.microsoft.com/office/drawing/2014/main" xmlns="" id="{53724FB4-B4A1-0A70-1F84-114E17B93993}"/>
+                <a16:creationId xmlns="" xmlns:a16="http://schemas.microsoft.com/office/drawing/2014/main" id="{53724FB4-B4A1-0A70-1F84-114E17B93993}"/>
               </a:ext>
             </a:extLst>
           </p:cNvPr>
@@ -23574,7 +23632,7 @@
           <p:cNvPr id="5" name="그림 4">
             <a:extLst>
               <a:ext uri="{FF2B5EF4-FFF2-40B4-BE49-F238E27FC236}">
-                <a16:creationId xmlns:a16="http://schemas.microsoft.com/office/drawing/2014/main" xmlns="" id="{B3B08C97-DB9D-E09A-46A5-9DE74C54D1EA}"/>
+                <a16:creationId xmlns="" xmlns:a16="http://schemas.microsoft.com/office/drawing/2014/main" id="{B3B08C97-DB9D-E09A-46A5-9DE74C54D1EA}"/>
               </a:ext>
             </a:extLst>
           </p:cNvPr>
@@ -23604,7 +23662,7 @@
           <p:cNvPr id="10" name="직선 화살표 연결선 9">
             <a:extLst>
               <a:ext uri="{FF2B5EF4-FFF2-40B4-BE49-F238E27FC236}">
-                <a16:creationId xmlns:a16="http://schemas.microsoft.com/office/drawing/2014/main" xmlns="" id="{C07CC10E-FCEF-C096-5466-649AE800D608}"/>
+                <a16:creationId xmlns="" xmlns:a16="http://schemas.microsoft.com/office/drawing/2014/main" id="{C07CC10E-FCEF-C096-5466-649AE800D608}"/>
               </a:ext>
             </a:extLst>
           </p:cNvPr>
@@ -23645,7 +23703,7 @@
           <p:cNvPr id="11" name="직사각형 10">
             <a:extLst>
               <a:ext uri="{FF2B5EF4-FFF2-40B4-BE49-F238E27FC236}">
-                <a16:creationId xmlns:a16="http://schemas.microsoft.com/office/drawing/2014/main" xmlns="" id="{8E401B37-F787-3B11-93A1-BECFD1EFA32B}"/>
+                <a16:creationId xmlns="" xmlns:a16="http://schemas.microsoft.com/office/drawing/2014/main" id="{8E401B37-F787-3B11-93A1-BECFD1EFA32B}"/>
               </a:ext>
             </a:extLst>
           </p:cNvPr>
@@ -23697,7 +23755,7 @@
           <p:cNvPr id="12" name="TextBox 11">
             <a:extLst>
               <a:ext uri="{FF2B5EF4-FFF2-40B4-BE49-F238E27FC236}">
-                <a16:creationId xmlns:a16="http://schemas.microsoft.com/office/drawing/2014/main" xmlns="" id="{F1573BBE-058D-47FE-4B71-A1221360D1A1}"/>
+                <a16:creationId xmlns="" xmlns:a16="http://schemas.microsoft.com/office/drawing/2014/main" id="{F1573BBE-058D-47FE-4B71-A1221360D1A1}"/>
               </a:ext>
             </a:extLst>
           </p:cNvPr>
@@ -23941,7 +23999,7 @@
           <p:cNvPr id="4" name="그룹 1015">
             <a:extLst>
               <a:ext uri="{FF2B5EF4-FFF2-40B4-BE49-F238E27FC236}">
-                <a16:creationId xmlns:a16="http://schemas.microsoft.com/office/drawing/2014/main" xmlns="" id="{76F5E01D-ECD6-A51D-DC2B-05DA1EBF93C7}"/>
+                <a16:creationId xmlns="" xmlns:a16="http://schemas.microsoft.com/office/drawing/2014/main" id="{76F5E01D-ECD6-A51D-DC2B-05DA1EBF93C7}"/>
               </a:ext>
             </a:extLst>
           </p:cNvPr>
@@ -23961,7 +24019,7 @@
             <p:cNvPr id="5" name="Object 52">
               <a:extLst>
                 <a:ext uri="{FF2B5EF4-FFF2-40B4-BE49-F238E27FC236}">
-                  <a16:creationId xmlns:a16="http://schemas.microsoft.com/office/drawing/2014/main" xmlns="" id="{D83975B3-46BC-7686-ECA1-1D7ECFA74A69}"/>
+                  <a16:creationId xmlns="" xmlns:a16="http://schemas.microsoft.com/office/drawing/2014/main" id="{D83975B3-46BC-7686-ECA1-1D7ECFA74A69}"/>
                 </a:ext>
               </a:extLst>
             </p:cNvPr>
@@ -23992,7 +24050,7 @@
           <p:cNvPr id="6" name="그룹 1018">
             <a:extLst>
               <a:ext uri="{FF2B5EF4-FFF2-40B4-BE49-F238E27FC236}">
-                <a16:creationId xmlns:a16="http://schemas.microsoft.com/office/drawing/2014/main" xmlns="" id="{008489BA-FEFA-DE7D-B3CD-53A358B82592}"/>
+                <a16:creationId xmlns="" xmlns:a16="http://schemas.microsoft.com/office/drawing/2014/main" id="{008489BA-FEFA-DE7D-B3CD-53A358B82592}"/>
               </a:ext>
             </a:extLst>
           </p:cNvPr>
@@ -24012,7 +24070,7 @@
             <p:cNvPr id="7" name="Object 61">
               <a:extLst>
                 <a:ext uri="{FF2B5EF4-FFF2-40B4-BE49-F238E27FC236}">
-                  <a16:creationId xmlns:a16="http://schemas.microsoft.com/office/drawing/2014/main" xmlns="" id="{9ED25BE3-45BE-AC6D-D835-4457854D2832}"/>
+                  <a16:creationId xmlns="" xmlns:a16="http://schemas.microsoft.com/office/drawing/2014/main" id="{9ED25BE3-45BE-AC6D-D835-4457854D2832}"/>
                 </a:ext>
               </a:extLst>
             </p:cNvPr>
@@ -24043,7 +24101,7 @@
           <p:cNvPr id="8" name="그룹 1021">
             <a:extLst>
               <a:ext uri="{FF2B5EF4-FFF2-40B4-BE49-F238E27FC236}">
-                <a16:creationId xmlns:a16="http://schemas.microsoft.com/office/drawing/2014/main" xmlns="" id="{7FE0C0A1-ABE4-F0EA-AFC1-4622C45C99E7}"/>
+                <a16:creationId xmlns="" xmlns:a16="http://schemas.microsoft.com/office/drawing/2014/main" id="{7FE0C0A1-ABE4-F0EA-AFC1-4622C45C99E7}"/>
               </a:ext>
             </a:extLst>
           </p:cNvPr>
@@ -24063,7 +24121,7 @@
             <p:cNvPr id="9" name="Object 71">
               <a:extLst>
                 <a:ext uri="{FF2B5EF4-FFF2-40B4-BE49-F238E27FC236}">
-                  <a16:creationId xmlns:a16="http://schemas.microsoft.com/office/drawing/2014/main" xmlns="" id="{CDBB7D83-509F-9F4C-0C3E-DBA2562E5520}"/>
+                  <a16:creationId xmlns="" xmlns:a16="http://schemas.microsoft.com/office/drawing/2014/main" id="{CDBB7D83-509F-9F4C-0C3E-DBA2562E5520}"/>
                 </a:ext>
               </a:extLst>
             </p:cNvPr>
@@ -24094,7 +24152,7 @@
           <p:cNvPr id="10" name="그룹 1024">
             <a:extLst>
               <a:ext uri="{FF2B5EF4-FFF2-40B4-BE49-F238E27FC236}">
-                <a16:creationId xmlns:a16="http://schemas.microsoft.com/office/drawing/2014/main" xmlns="" id="{8EB1611F-852C-9617-AEEB-CFA38FFF8001}"/>
+                <a16:creationId xmlns="" xmlns:a16="http://schemas.microsoft.com/office/drawing/2014/main" id="{8EB1611F-852C-9617-AEEB-CFA38FFF8001}"/>
               </a:ext>
             </a:extLst>
           </p:cNvPr>
@@ -24114,7 +24172,7 @@
             <p:cNvPr id="11" name="Object 81">
               <a:extLst>
                 <a:ext uri="{FF2B5EF4-FFF2-40B4-BE49-F238E27FC236}">
-                  <a16:creationId xmlns:a16="http://schemas.microsoft.com/office/drawing/2014/main" xmlns="" id="{08657582-A0DF-A5DC-A662-189C639920C8}"/>
+                  <a16:creationId xmlns="" xmlns:a16="http://schemas.microsoft.com/office/drawing/2014/main" id="{08657582-A0DF-A5DC-A662-189C639920C8}"/>
                 </a:ext>
               </a:extLst>
             </p:cNvPr>
@@ -24145,7 +24203,7 @@
           <p:cNvPr id="12" name="TextBox 11">
             <a:extLst>
               <a:ext uri="{FF2B5EF4-FFF2-40B4-BE49-F238E27FC236}">
-                <a16:creationId xmlns:a16="http://schemas.microsoft.com/office/drawing/2014/main" xmlns="" id="{FC41B7B2-904B-813A-22B8-239E383F4360}"/>
+                <a16:creationId xmlns="" xmlns:a16="http://schemas.microsoft.com/office/drawing/2014/main" id="{FC41B7B2-904B-813A-22B8-239E383F4360}"/>
               </a:ext>
             </a:extLst>
           </p:cNvPr>
@@ -24193,7 +24251,7 @@
           <p:cNvPr id="13" name="TextBox 12">
             <a:extLst>
               <a:ext uri="{FF2B5EF4-FFF2-40B4-BE49-F238E27FC236}">
-                <a16:creationId xmlns:a16="http://schemas.microsoft.com/office/drawing/2014/main" xmlns="" id="{F68B80B8-3419-5C31-B2F2-084E536A2C1C}"/>
+                <a16:creationId xmlns="" xmlns:a16="http://schemas.microsoft.com/office/drawing/2014/main" id="{F68B80B8-3419-5C31-B2F2-084E536A2C1C}"/>
               </a:ext>
             </a:extLst>
           </p:cNvPr>
@@ -24241,7 +24299,7 @@
           <p:cNvPr id="14" name="TextBox 13">
             <a:extLst>
               <a:ext uri="{FF2B5EF4-FFF2-40B4-BE49-F238E27FC236}">
-                <a16:creationId xmlns:a16="http://schemas.microsoft.com/office/drawing/2014/main" xmlns="" id="{CB471B39-052C-65D2-3069-C74FA7421876}"/>
+                <a16:creationId xmlns="" xmlns:a16="http://schemas.microsoft.com/office/drawing/2014/main" id="{CB471B39-052C-65D2-3069-C74FA7421876}"/>
               </a:ext>
             </a:extLst>
           </p:cNvPr>
@@ -24289,7 +24347,7 @@
           <p:cNvPr id="15" name="TextBox 14">
             <a:extLst>
               <a:ext uri="{FF2B5EF4-FFF2-40B4-BE49-F238E27FC236}">
-                <a16:creationId xmlns:a16="http://schemas.microsoft.com/office/drawing/2014/main" xmlns="" id="{4A7E270B-9322-EABD-3A34-4D211B23AD38}"/>
+                <a16:creationId xmlns="" xmlns:a16="http://schemas.microsoft.com/office/drawing/2014/main" id="{4A7E270B-9322-EABD-3A34-4D211B23AD38}"/>
               </a:ext>
             </a:extLst>
           </p:cNvPr>
@@ -24337,7 +24395,7 @@
           <p:cNvPr id="16" name="직선 화살표 연결선 15">
             <a:extLst>
               <a:ext uri="{FF2B5EF4-FFF2-40B4-BE49-F238E27FC236}">
-                <a16:creationId xmlns:a16="http://schemas.microsoft.com/office/drawing/2014/main" xmlns="" id="{174A1CAB-41DB-CBE5-A53E-D1E78982E7D5}"/>
+                <a16:creationId xmlns="" xmlns:a16="http://schemas.microsoft.com/office/drawing/2014/main" id="{174A1CAB-41DB-CBE5-A53E-D1E78982E7D5}"/>
               </a:ext>
             </a:extLst>
           </p:cNvPr>
@@ -24379,7 +24437,7 @@
           <p:cNvPr id="17" name="직선 화살표 연결선 16">
             <a:extLst>
               <a:ext uri="{FF2B5EF4-FFF2-40B4-BE49-F238E27FC236}">
-                <a16:creationId xmlns:a16="http://schemas.microsoft.com/office/drawing/2014/main" xmlns="" id="{404BE807-8974-325D-28CE-80CBD5A23FD9}"/>
+                <a16:creationId xmlns="" xmlns:a16="http://schemas.microsoft.com/office/drawing/2014/main" id="{404BE807-8974-325D-28CE-80CBD5A23FD9}"/>
               </a:ext>
             </a:extLst>
           </p:cNvPr>
@@ -24420,7 +24478,7 @@
           <p:cNvPr id="18" name="직선 화살표 연결선 17">
             <a:extLst>
               <a:ext uri="{FF2B5EF4-FFF2-40B4-BE49-F238E27FC236}">
-                <a16:creationId xmlns:a16="http://schemas.microsoft.com/office/drawing/2014/main" xmlns="" id="{8238D4B2-69F6-F17A-0286-66A8FB197956}"/>
+                <a16:creationId xmlns="" xmlns:a16="http://schemas.microsoft.com/office/drawing/2014/main" id="{8238D4B2-69F6-F17A-0286-66A8FB197956}"/>
               </a:ext>
             </a:extLst>
           </p:cNvPr>
@@ -24540,7 +24598,7 @@
           <p:cNvPr id="4" name="TextBox 3">
             <a:extLst>
               <a:ext uri="{FF2B5EF4-FFF2-40B4-BE49-F238E27FC236}">
-                <a16:creationId xmlns:a16="http://schemas.microsoft.com/office/drawing/2014/main" xmlns="" id="{8BD2ED5A-5CA2-F84F-13E6-A2AC3854D891}"/>
+                <a16:creationId xmlns="" xmlns:a16="http://schemas.microsoft.com/office/drawing/2014/main" id="{8BD2ED5A-5CA2-F84F-13E6-A2AC3854D891}"/>
               </a:ext>
             </a:extLst>
           </p:cNvPr>
@@ -24588,7 +24646,7 @@
           <p:cNvPr id="5" name="TextBox 4">
             <a:extLst>
               <a:ext uri="{FF2B5EF4-FFF2-40B4-BE49-F238E27FC236}">
-                <a16:creationId xmlns:a16="http://schemas.microsoft.com/office/drawing/2014/main" xmlns="" id="{2E843C5C-F5F0-B014-4B60-31604E120CA8}"/>
+                <a16:creationId xmlns="" xmlns:a16="http://schemas.microsoft.com/office/drawing/2014/main" id="{2E843C5C-F5F0-B014-4B60-31604E120CA8}"/>
               </a:ext>
             </a:extLst>
           </p:cNvPr>
@@ -24908,7 +24966,7 @@
           <p:cNvPr id="4" name="TextBox 3">
             <a:extLst>
               <a:ext uri="{FF2B5EF4-FFF2-40B4-BE49-F238E27FC236}">
-                <a16:creationId xmlns:a16="http://schemas.microsoft.com/office/drawing/2014/main" xmlns="" id="{8BD2ED5A-5CA2-F84F-13E6-A2AC3854D891}"/>
+                <a16:creationId xmlns="" xmlns:a16="http://schemas.microsoft.com/office/drawing/2014/main" id="{8BD2ED5A-5CA2-F84F-13E6-A2AC3854D891}"/>
               </a:ext>
             </a:extLst>
           </p:cNvPr>
@@ -24966,7 +25024,7 @@
           <p:cNvPr id="5" name="TextBox 4">
             <a:extLst>
               <a:ext uri="{FF2B5EF4-FFF2-40B4-BE49-F238E27FC236}">
-                <a16:creationId xmlns:a16="http://schemas.microsoft.com/office/drawing/2014/main" xmlns="" id="{2E843C5C-F5F0-B014-4B60-31604E120CA8}"/>
+                <a16:creationId xmlns="" xmlns:a16="http://schemas.microsoft.com/office/drawing/2014/main" id="{2E843C5C-F5F0-B014-4B60-31604E120CA8}"/>
               </a:ext>
             </a:extLst>
           </p:cNvPr>
@@ -25529,7 +25587,7 @@
           <p:cNvPr id="4" name="TextBox 3">
             <a:extLst>
               <a:ext uri="{FF2B5EF4-FFF2-40B4-BE49-F238E27FC236}">
-                <a16:creationId xmlns:a16="http://schemas.microsoft.com/office/drawing/2014/main" xmlns="" id="{2E843C5C-F5F0-B014-4B60-31604E120CA8}"/>
+                <a16:creationId xmlns="" xmlns:a16="http://schemas.microsoft.com/office/drawing/2014/main" id="{2E843C5C-F5F0-B014-4B60-31604E120CA8}"/>
               </a:ext>
             </a:extLst>
           </p:cNvPr>
@@ -26327,7 +26385,7 @@
           <p:cNvPr id="6" name="TextBox 5">
             <a:extLst>
               <a:ext uri="{FF2B5EF4-FFF2-40B4-BE49-F238E27FC236}">
-                <a16:creationId xmlns:a16="http://schemas.microsoft.com/office/drawing/2014/main" xmlns="" id="{8BD2ED5A-5CA2-F84F-13E6-A2AC3854D891}"/>
+                <a16:creationId xmlns="" xmlns:a16="http://schemas.microsoft.com/office/drawing/2014/main" id="{8BD2ED5A-5CA2-F84F-13E6-A2AC3854D891}"/>
               </a:ext>
             </a:extLst>
           </p:cNvPr>
@@ -26422,7 +26480,7 @@
           <p:cNvPr id="4" name="TextBox 3">
             <a:extLst>
               <a:ext uri="{FF2B5EF4-FFF2-40B4-BE49-F238E27FC236}">
-                <a16:creationId xmlns:a16="http://schemas.microsoft.com/office/drawing/2014/main" xmlns="" id="{8BD2ED5A-5CA2-F84F-13E6-A2AC3854D891}"/>
+                <a16:creationId xmlns="" xmlns:a16="http://schemas.microsoft.com/office/drawing/2014/main" id="{8BD2ED5A-5CA2-F84F-13E6-A2AC3854D891}"/>
               </a:ext>
             </a:extLst>
           </p:cNvPr>
@@ -26504,7 +26562,7 @@
           <p:cNvPr id="9" name="TextBox 8">
             <a:extLst>
               <a:ext uri="{FF2B5EF4-FFF2-40B4-BE49-F238E27FC236}">
-                <a16:creationId xmlns:a16="http://schemas.microsoft.com/office/drawing/2014/main" xmlns="" id="{2E843C5C-F5F0-B014-4B60-31604E120CA8}"/>
+                <a16:creationId xmlns="" xmlns:a16="http://schemas.microsoft.com/office/drawing/2014/main" id="{2E843C5C-F5F0-B014-4B60-31604E120CA8}"/>
               </a:ext>
             </a:extLst>
           </p:cNvPr>
@@ -26655,7 +26713,7 @@
           <p:cNvPr id="4" name="TextBox 3">
             <a:extLst>
               <a:ext uri="{FF2B5EF4-FFF2-40B4-BE49-F238E27FC236}">
-                <a16:creationId xmlns:a16="http://schemas.microsoft.com/office/drawing/2014/main" xmlns="" id="{2E843C5C-F5F0-B014-4B60-31604E120CA8}"/>
+                <a16:creationId xmlns="" xmlns:a16="http://schemas.microsoft.com/office/drawing/2014/main" id="{2E843C5C-F5F0-B014-4B60-31604E120CA8}"/>
               </a:ext>
             </a:extLst>
           </p:cNvPr>
@@ -26787,7 +26845,7 @@
           <p:cNvPr id="5" name="TextBox 4">
             <a:extLst>
               <a:ext uri="{FF2B5EF4-FFF2-40B4-BE49-F238E27FC236}">
-                <a16:creationId xmlns:a16="http://schemas.microsoft.com/office/drawing/2014/main" xmlns="" id="{8BD2ED5A-5CA2-F84F-13E6-A2AC3854D891}"/>
+                <a16:creationId xmlns="" xmlns:a16="http://schemas.microsoft.com/office/drawing/2014/main" id="{8BD2ED5A-5CA2-F84F-13E6-A2AC3854D891}"/>
               </a:ext>
             </a:extLst>
           </p:cNvPr>
@@ -26869,7 +26927,7 @@
           <p:cNvPr id="7" name="직사각형 6">
             <a:extLst>
               <a:ext uri="{FF2B5EF4-FFF2-40B4-BE49-F238E27FC236}">
-                <a16:creationId xmlns="" xmlns:a16="http://schemas.microsoft.com/office/drawing/2014/main" id="{FFF506F9-840A-0508-4CAF-3AC711D8D5CE}"/>
+                <a16:creationId xmlns:a16="http://schemas.microsoft.com/office/drawing/2014/main" xmlns="" id="{FFF506F9-840A-0508-4CAF-3AC711D8D5CE}"/>
               </a:ext>
             </a:extLst>
           </p:cNvPr>
@@ -26982,7 +27040,7 @@
           <p:cNvPr id="4" name="TextBox 3">
             <a:extLst>
               <a:ext uri="{FF2B5EF4-FFF2-40B4-BE49-F238E27FC236}">
-                <a16:creationId xmlns:a16="http://schemas.microsoft.com/office/drawing/2014/main" xmlns="" id="{8BD2ED5A-5CA2-F84F-13E6-A2AC3854D891}"/>
+                <a16:creationId xmlns="" xmlns:a16="http://schemas.microsoft.com/office/drawing/2014/main" id="{8BD2ED5A-5CA2-F84F-13E6-A2AC3854D891}"/>
               </a:ext>
             </a:extLst>
           </p:cNvPr>
@@ -27040,7 +27098,7 @@
           <p:cNvPr id="5" name="TextBox 4">
             <a:extLst>
               <a:ext uri="{FF2B5EF4-FFF2-40B4-BE49-F238E27FC236}">
-                <a16:creationId xmlns:a16="http://schemas.microsoft.com/office/drawing/2014/main" xmlns="" id="{2E843C5C-F5F0-B014-4B60-31604E120CA8}"/>
+                <a16:creationId xmlns="" xmlns:a16="http://schemas.microsoft.com/office/drawing/2014/main" id="{2E843C5C-F5F0-B014-4B60-31604E120CA8}"/>
               </a:ext>
             </a:extLst>
           </p:cNvPr>
@@ -27250,7 +27308,7 @@
           <p:cNvPr id="7" name="TextBox 6">
             <a:extLst>
               <a:ext uri="{FF2B5EF4-FFF2-40B4-BE49-F238E27FC236}">
-                <a16:creationId xmlns:a16="http://schemas.microsoft.com/office/drawing/2014/main" xmlns="" id="{2E843C5C-F5F0-B014-4B60-31604E120CA8}"/>
+                <a16:creationId xmlns="" xmlns:a16="http://schemas.microsoft.com/office/drawing/2014/main" id="{2E843C5C-F5F0-B014-4B60-31604E120CA8}"/>
               </a:ext>
             </a:extLst>
           </p:cNvPr>
@@ -27383,7 +27441,7 @@
           <p:cNvPr id="5" name="TextBox 4">
             <a:extLst>
               <a:ext uri="{FF2B5EF4-FFF2-40B4-BE49-F238E27FC236}">
-                <a16:creationId xmlns:a16="http://schemas.microsoft.com/office/drawing/2014/main" xmlns="" id="{8BD2ED5A-5CA2-F84F-13E6-A2AC3854D891}"/>
+                <a16:creationId xmlns="" xmlns:a16="http://schemas.microsoft.com/office/drawing/2014/main" id="{8BD2ED5A-5CA2-F84F-13E6-A2AC3854D891}"/>
               </a:ext>
             </a:extLst>
           </p:cNvPr>
@@ -27441,7 +27499,7 @@
           <p:cNvPr id="6" name="TextBox 5">
             <a:extLst>
               <a:ext uri="{FF2B5EF4-FFF2-40B4-BE49-F238E27FC236}">
-                <a16:creationId xmlns:a16="http://schemas.microsoft.com/office/drawing/2014/main" xmlns="" id="{2E843C5C-F5F0-B014-4B60-31604E120CA8}"/>
+                <a16:creationId xmlns="" xmlns:a16="http://schemas.microsoft.com/office/drawing/2014/main" id="{2E843C5C-F5F0-B014-4B60-31604E120CA8}"/>
               </a:ext>
             </a:extLst>
           </p:cNvPr>
@@ -27651,7 +27709,7 @@
           <p:cNvPr id="9" name="TextBox 8">
             <a:extLst>
               <a:ext uri="{FF2B5EF4-FFF2-40B4-BE49-F238E27FC236}">
-                <a16:creationId xmlns:a16="http://schemas.microsoft.com/office/drawing/2014/main" xmlns="" id="{2E843C5C-F5F0-B014-4B60-31604E120CA8}"/>
+                <a16:creationId xmlns="" xmlns:a16="http://schemas.microsoft.com/office/drawing/2014/main" id="{2E843C5C-F5F0-B014-4B60-31604E120CA8}"/>
               </a:ext>
             </a:extLst>
           </p:cNvPr>
@@ -28139,7 +28197,7 @@
           <p:cNvPr id="2" name="TextBox 1">
             <a:extLst>
               <a:ext uri="{FF2B5EF4-FFF2-40B4-BE49-F238E27FC236}">
-                <a16:creationId xmlns:a16="http://schemas.microsoft.com/office/drawing/2014/main" xmlns="" id="{715D88A2-BD52-978B-A00A-540446126E3D}"/>
+                <a16:creationId xmlns="" xmlns:a16="http://schemas.microsoft.com/office/drawing/2014/main" id="{715D88A2-BD52-978B-A00A-540446126E3D}"/>
               </a:ext>
             </a:extLst>
           </p:cNvPr>
@@ -28212,7 +28270,7 @@
           <p:cNvPr id="4" name="TextBox 3">
             <a:extLst>
               <a:ext uri="{FF2B5EF4-FFF2-40B4-BE49-F238E27FC236}">
-                <a16:creationId xmlns:a16="http://schemas.microsoft.com/office/drawing/2014/main" xmlns="" id="{DF7DDD33-9412-2802-339A-E55446AC2DA7}"/>
+                <a16:creationId xmlns="" xmlns:a16="http://schemas.microsoft.com/office/drawing/2014/main" id="{DF7DDD33-9412-2802-339A-E55446AC2DA7}"/>
               </a:ext>
             </a:extLst>
           </p:cNvPr>
@@ -28308,7 +28366,7 @@
           <p:cNvPr id="7" name="그룹 1008">
             <a:extLst>
               <a:ext uri="{FF2B5EF4-FFF2-40B4-BE49-F238E27FC236}">
-                <a16:creationId xmlns:a16="http://schemas.microsoft.com/office/drawing/2014/main" xmlns="" id="{E395BDE3-2EDE-065D-70E8-56E348228ACF}"/>
+                <a16:creationId xmlns="" xmlns:a16="http://schemas.microsoft.com/office/drawing/2014/main" id="{E395BDE3-2EDE-065D-70E8-56E348228ACF}"/>
               </a:ext>
             </a:extLst>
           </p:cNvPr>
@@ -28328,7 +28386,7 @@
             <p:cNvPr id="8" name="그룹 1009">
               <a:extLst>
                 <a:ext uri="{FF2B5EF4-FFF2-40B4-BE49-F238E27FC236}">
-                  <a16:creationId xmlns:a16="http://schemas.microsoft.com/office/drawing/2014/main" xmlns="" id="{852F4DEB-DB33-DB3F-9E9F-52A46CD0B10A}"/>
+                  <a16:creationId xmlns="" xmlns:a16="http://schemas.microsoft.com/office/drawing/2014/main" id="{852F4DEB-DB33-DB3F-9E9F-52A46CD0B10A}"/>
                 </a:ext>
               </a:extLst>
             </p:cNvPr>
@@ -28348,7 +28406,7 @@
               <p:cNvPr id="13" name="Object 29">
                 <a:extLst>
                   <a:ext uri="{FF2B5EF4-FFF2-40B4-BE49-F238E27FC236}">
-                    <a16:creationId xmlns:a16="http://schemas.microsoft.com/office/drawing/2014/main" xmlns="" id="{7E353D3B-14D4-8A64-5888-3F0C062C2CDD}"/>
+                    <a16:creationId xmlns="" xmlns:a16="http://schemas.microsoft.com/office/drawing/2014/main" id="{7E353D3B-14D4-8A64-5888-3F0C062C2CDD}"/>
                   </a:ext>
                 </a:extLst>
               </p:cNvPr>
@@ -28379,7 +28437,7 @@
             <p:cNvPr id="9" name="그룹 1010">
               <a:extLst>
                 <a:ext uri="{FF2B5EF4-FFF2-40B4-BE49-F238E27FC236}">
-                  <a16:creationId xmlns:a16="http://schemas.microsoft.com/office/drawing/2014/main" xmlns="" id="{001E38AB-1390-ABD0-BE01-9727136FEAEE}"/>
+                  <a16:creationId xmlns="" xmlns:a16="http://schemas.microsoft.com/office/drawing/2014/main" id="{001E38AB-1390-ABD0-BE01-9727136FEAEE}"/>
                 </a:ext>
               </a:extLst>
             </p:cNvPr>
@@ -28399,7 +28457,7 @@
               <p:cNvPr id="12" name="Object 32">
                 <a:extLst>
                   <a:ext uri="{FF2B5EF4-FFF2-40B4-BE49-F238E27FC236}">
-                    <a16:creationId xmlns:a16="http://schemas.microsoft.com/office/drawing/2014/main" xmlns="" id="{2ED1C30F-0D0B-F86C-8215-2598D332B5A3}"/>
+                    <a16:creationId xmlns="" xmlns:a16="http://schemas.microsoft.com/office/drawing/2014/main" id="{2ED1C30F-0D0B-F86C-8215-2598D332B5A3}"/>
                   </a:ext>
                 </a:extLst>
               </p:cNvPr>
@@ -28430,7 +28488,7 @@
             <p:cNvPr id="10" name="그룹 1011">
               <a:extLst>
                 <a:ext uri="{FF2B5EF4-FFF2-40B4-BE49-F238E27FC236}">
-                  <a16:creationId xmlns:a16="http://schemas.microsoft.com/office/drawing/2014/main" xmlns="" id="{1BCB8DE5-ABAF-4198-BC16-85BB76F2DB24}"/>
+                  <a16:creationId xmlns="" xmlns:a16="http://schemas.microsoft.com/office/drawing/2014/main" id="{1BCB8DE5-ABAF-4198-BC16-85BB76F2DB24}"/>
                 </a:ext>
               </a:extLst>
             </p:cNvPr>
@@ -28450,7 +28508,7 @@
               <p:cNvPr id="11" name="Object 35">
                 <a:extLst>
                   <a:ext uri="{FF2B5EF4-FFF2-40B4-BE49-F238E27FC236}">
-                    <a16:creationId xmlns:a16="http://schemas.microsoft.com/office/drawing/2014/main" xmlns="" id="{86E7BA23-0A1E-B581-CADC-06AB269DB2BD}"/>
+                    <a16:creationId xmlns="" xmlns:a16="http://schemas.microsoft.com/office/drawing/2014/main" id="{86E7BA23-0A1E-B581-CADC-06AB269DB2BD}"/>
                   </a:ext>
                 </a:extLst>
               </p:cNvPr>
@@ -28482,7 +28540,7 @@
           <p:cNvPr id="14" name="직사각형 13">
             <a:extLst>
               <a:ext uri="{FF2B5EF4-FFF2-40B4-BE49-F238E27FC236}">
-                <a16:creationId xmlns:a16="http://schemas.microsoft.com/office/drawing/2014/main" xmlns="" id="{FFF506F9-840A-0508-4CAF-3AC711D8D5CE}"/>
+                <a16:creationId xmlns="" xmlns:a16="http://schemas.microsoft.com/office/drawing/2014/main" id="{FFF506F9-840A-0508-4CAF-3AC711D8D5CE}"/>
               </a:ext>
             </a:extLst>
           </p:cNvPr>
@@ -28558,7 +28616,7 @@
           <p:cNvPr id="16" name="직사각형 15">
             <a:extLst>
               <a:ext uri="{FF2B5EF4-FFF2-40B4-BE49-F238E27FC236}">
-                <a16:creationId xmlns:a16="http://schemas.microsoft.com/office/drawing/2014/main" xmlns="" id="{FFF506F9-840A-0508-4CAF-3AC711D8D5CE}"/>
+                <a16:creationId xmlns="" xmlns:a16="http://schemas.microsoft.com/office/drawing/2014/main" id="{FFF506F9-840A-0508-4CAF-3AC711D8D5CE}"/>
               </a:ext>
             </a:extLst>
           </p:cNvPr>
@@ -28610,7 +28668,7 @@
           <p:cNvPr id="17" name="TextBox 16">
             <a:extLst>
               <a:ext uri="{FF2B5EF4-FFF2-40B4-BE49-F238E27FC236}">
-                <a16:creationId xmlns:a16="http://schemas.microsoft.com/office/drawing/2014/main" xmlns="" id="{A2AD056B-97A4-5BCC-4460-250160F3E171}"/>
+                <a16:creationId xmlns="" xmlns:a16="http://schemas.microsoft.com/office/drawing/2014/main" id="{A2AD056B-97A4-5BCC-4460-250160F3E171}"/>
               </a:ext>
             </a:extLst>
           </p:cNvPr>
@@ -28760,7 +28818,7 @@
           <p:cNvPr id="18" name="TextBox 17">
             <a:extLst>
               <a:ext uri="{FF2B5EF4-FFF2-40B4-BE49-F238E27FC236}">
-                <a16:creationId xmlns:a16="http://schemas.microsoft.com/office/drawing/2014/main" xmlns="" id="{A2AD056B-97A4-5BCC-4460-250160F3E171}"/>
+                <a16:creationId xmlns="" xmlns:a16="http://schemas.microsoft.com/office/drawing/2014/main" id="{A2AD056B-97A4-5BCC-4460-250160F3E171}"/>
               </a:ext>
             </a:extLst>
           </p:cNvPr>
@@ -28814,7 +28872,7 @@
           <p:cNvPr id="19" name="TextBox 18">
             <a:extLst>
               <a:ext uri="{FF2B5EF4-FFF2-40B4-BE49-F238E27FC236}">
-                <a16:creationId xmlns:a16="http://schemas.microsoft.com/office/drawing/2014/main" xmlns="" id="{A2AD056B-97A4-5BCC-4460-250160F3E171}"/>
+                <a16:creationId xmlns="" xmlns:a16="http://schemas.microsoft.com/office/drawing/2014/main" id="{A2AD056B-97A4-5BCC-4460-250160F3E171}"/>
               </a:ext>
             </a:extLst>
           </p:cNvPr>
@@ -28994,7 +29052,7 @@
           <p:cNvPr id="8" name="TextBox 7">
             <a:extLst>
               <a:ext uri="{FF2B5EF4-FFF2-40B4-BE49-F238E27FC236}">
-                <a16:creationId xmlns:a16="http://schemas.microsoft.com/office/drawing/2014/main" xmlns="" id="{C6D113C6-EA5C-788F-0C77-E7CE6EBB865F}"/>
+                <a16:creationId xmlns="" xmlns:a16="http://schemas.microsoft.com/office/drawing/2014/main" id="{C6D113C6-EA5C-788F-0C77-E7CE6EBB865F}"/>
               </a:ext>
             </a:extLst>
           </p:cNvPr>
@@ -29082,7 +29140,7 @@
           <p:cNvPr id="6" name="TextBox 5">
             <a:extLst>
               <a:ext uri="{FF2B5EF4-FFF2-40B4-BE49-F238E27FC236}">
-                <a16:creationId xmlns:a16="http://schemas.microsoft.com/office/drawing/2014/main" xmlns="" id="{C6D113C6-EA5C-788F-0C77-E7CE6EBB865F}"/>
+                <a16:creationId xmlns="" xmlns:a16="http://schemas.microsoft.com/office/drawing/2014/main" id="{C6D113C6-EA5C-788F-0C77-E7CE6EBB865F}"/>
               </a:ext>
             </a:extLst>
           </p:cNvPr>
@@ -29211,7 +29269,7 @@
                 <a:gridCol w="2730951">
                   <a:extLst>
                     <a:ext uri="{9D8B030D-6E8A-4147-A177-3AD203B41FA5}">
-                      <a16:colId xmlns:a16="http://schemas.microsoft.com/office/drawing/2014/main" xmlns="" val="20000"/>
+                      <a16:colId xmlns="" xmlns:a16="http://schemas.microsoft.com/office/drawing/2014/main" val="20000"/>
                     </a:ext>
                   </a:extLst>
                 </a:gridCol>
@@ -29284,7 +29342,7 @@
                 </a:tc>
                 <a:extLst>
                   <a:ext uri="{0D108BD9-81ED-4DB2-BD59-A6C34878D82A}">
-                    <a16:rowId xmlns:a16="http://schemas.microsoft.com/office/drawing/2014/main" xmlns="" val="10000"/>
+                    <a16:rowId xmlns="" xmlns:a16="http://schemas.microsoft.com/office/drawing/2014/main" val="10000"/>
                   </a:ext>
                 </a:extLst>
               </a:tr>
@@ -29364,7 +29422,7 @@
                 </a:tc>
                 <a:extLst>
                   <a:ext uri="{0D108BD9-81ED-4DB2-BD59-A6C34878D82A}">
-                    <a16:rowId xmlns:a16="http://schemas.microsoft.com/office/drawing/2014/main" xmlns="" val="10001"/>
+                    <a16:rowId xmlns="" xmlns:a16="http://schemas.microsoft.com/office/drawing/2014/main" val="10001"/>
                   </a:ext>
                 </a:extLst>
               </a:tr>
@@ -29428,7 +29486,7 @@
                 </a:tc>
                 <a:extLst>
                   <a:ext uri="{0D108BD9-81ED-4DB2-BD59-A6C34878D82A}">
-                    <a16:rowId xmlns:a16="http://schemas.microsoft.com/office/drawing/2014/main" xmlns="" val="10002"/>
+                    <a16:rowId xmlns="" xmlns:a16="http://schemas.microsoft.com/office/drawing/2014/main" val="10002"/>
                   </a:ext>
                 </a:extLst>
               </a:tr>
@@ -29464,7 +29522,7 @@
                 <a:gridCol w="2730951">
                   <a:extLst>
                     <a:ext uri="{9D8B030D-6E8A-4147-A177-3AD203B41FA5}">
-                      <a16:colId xmlns:a16="http://schemas.microsoft.com/office/drawing/2014/main" xmlns="" val="20000"/>
+                      <a16:colId xmlns="" xmlns:a16="http://schemas.microsoft.com/office/drawing/2014/main" val="20000"/>
                     </a:ext>
                   </a:extLst>
                 </a:gridCol>
@@ -29537,7 +29595,7 @@
                 </a:tc>
                 <a:extLst>
                   <a:ext uri="{0D108BD9-81ED-4DB2-BD59-A6C34878D82A}">
-                    <a16:rowId xmlns:a16="http://schemas.microsoft.com/office/drawing/2014/main" xmlns="" val="10000"/>
+                    <a16:rowId xmlns="" xmlns:a16="http://schemas.microsoft.com/office/drawing/2014/main" val="10000"/>
                   </a:ext>
                 </a:extLst>
               </a:tr>
@@ -29617,7 +29675,7 @@
                 </a:tc>
                 <a:extLst>
                   <a:ext uri="{0D108BD9-81ED-4DB2-BD59-A6C34878D82A}">
-                    <a16:rowId xmlns:a16="http://schemas.microsoft.com/office/drawing/2014/main" xmlns="" val="10001"/>
+                    <a16:rowId xmlns="" xmlns:a16="http://schemas.microsoft.com/office/drawing/2014/main" val="10001"/>
                   </a:ext>
                 </a:extLst>
               </a:tr>
@@ -29681,7 +29739,7 @@
                 </a:tc>
                 <a:extLst>
                   <a:ext uri="{0D108BD9-81ED-4DB2-BD59-A6C34878D82A}">
-                    <a16:rowId xmlns:a16="http://schemas.microsoft.com/office/drawing/2014/main" xmlns="" val="10002"/>
+                    <a16:rowId xmlns="" xmlns:a16="http://schemas.microsoft.com/office/drawing/2014/main" val="10002"/>
                   </a:ext>
                 </a:extLst>
               </a:tr>
@@ -29694,7 +29752,7 @@
           <p:cNvPr id="14" name="그룹 1008">
             <a:extLst>
               <a:ext uri="{FF2B5EF4-FFF2-40B4-BE49-F238E27FC236}">
-                <a16:creationId xmlns:a16="http://schemas.microsoft.com/office/drawing/2014/main" xmlns="" id="{678F6342-C505-E8AD-ADA4-022CB2C2088E}"/>
+                <a16:creationId xmlns="" xmlns:a16="http://schemas.microsoft.com/office/drawing/2014/main" id="{678F6342-C505-E8AD-ADA4-022CB2C2088E}"/>
               </a:ext>
             </a:extLst>
           </p:cNvPr>
@@ -29714,7 +29772,7 @@
             <p:cNvPr id="15" name="그룹 1009">
               <a:extLst>
                 <a:ext uri="{FF2B5EF4-FFF2-40B4-BE49-F238E27FC236}">
-                  <a16:creationId xmlns:a16="http://schemas.microsoft.com/office/drawing/2014/main" xmlns="" id="{4E1F1FED-812B-9BBB-925A-84B54A077414}"/>
+                  <a16:creationId xmlns="" xmlns:a16="http://schemas.microsoft.com/office/drawing/2014/main" id="{4E1F1FED-812B-9BBB-925A-84B54A077414}"/>
                 </a:ext>
               </a:extLst>
             </p:cNvPr>
@@ -29734,7 +29792,7 @@
               <p:cNvPr id="20" name="Object 29">
                 <a:extLst>
                   <a:ext uri="{FF2B5EF4-FFF2-40B4-BE49-F238E27FC236}">
-                    <a16:creationId xmlns:a16="http://schemas.microsoft.com/office/drawing/2014/main" xmlns="" id="{7B078609-4286-7B00-51EB-809C8E2DE289}"/>
+                    <a16:creationId xmlns="" xmlns:a16="http://schemas.microsoft.com/office/drawing/2014/main" id="{7B078609-4286-7B00-51EB-809C8E2DE289}"/>
                   </a:ext>
                 </a:extLst>
               </p:cNvPr>
@@ -29765,7 +29823,7 @@
             <p:cNvPr id="16" name="그룹 1010">
               <a:extLst>
                 <a:ext uri="{FF2B5EF4-FFF2-40B4-BE49-F238E27FC236}">
-                  <a16:creationId xmlns:a16="http://schemas.microsoft.com/office/drawing/2014/main" xmlns="" id="{02A649BF-B5B5-FBAF-7DFD-E118A4DF8907}"/>
+                  <a16:creationId xmlns="" xmlns:a16="http://schemas.microsoft.com/office/drawing/2014/main" id="{02A649BF-B5B5-FBAF-7DFD-E118A4DF8907}"/>
                 </a:ext>
               </a:extLst>
             </p:cNvPr>
@@ -29785,7 +29843,7 @@
               <p:cNvPr id="19" name="Object 32">
                 <a:extLst>
                   <a:ext uri="{FF2B5EF4-FFF2-40B4-BE49-F238E27FC236}">
-                    <a16:creationId xmlns:a16="http://schemas.microsoft.com/office/drawing/2014/main" xmlns="" id="{2A0FFF23-B3C9-3EA0-1C1B-A87D4FF098AE}"/>
+                    <a16:creationId xmlns="" xmlns:a16="http://schemas.microsoft.com/office/drawing/2014/main" id="{2A0FFF23-B3C9-3EA0-1C1B-A87D4FF098AE}"/>
                   </a:ext>
                 </a:extLst>
               </p:cNvPr>
@@ -29816,7 +29874,7 @@
             <p:cNvPr id="17" name="그룹 1011">
               <a:extLst>
                 <a:ext uri="{FF2B5EF4-FFF2-40B4-BE49-F238E27FC236}">
-                  <a16:creationId xmlns:a16="http://schemas.microsoft.com/office/drawing/2014/main" xmlns="" id="{881F5410-F7FB-F261-A584-707359BAC593}"/>
+                  <a16:creationId xmlns="" xmlns:a16="http://schemas.microsoft.com/office/drawing/2014/main" id="{881F5410-F7FB-F261-A584-707359BAC593}"/>
                 </a:ext>
               </a:extLst>
             </p:cNvPr>
@@ -29836,7 +29894,7 @@
               <p:cNvPr id="18" name="Object 35">
                 <a:extLst>
                   <a:ext uri="{FF2B5EF4-FFF2-40B4-BE49-F238E27FC236}">
-                    <a16:creationId xmlns:a16="http://schemas.microsoft.com/office/drawing/2014/main" xmlns="" id="{4E99E669-73EB-F9F4-EFE8-DC107035C265}"/>
+                    <a16:creationId xmlns="" xmlns:a16="http://schemas.microsoft.com/office/drawing/2014/main" id="{4E99E669-73EB-F9F4-EFE8-DC107035C265}"/>
                   </a:ext>
                 </a:extLst>
               </p:cNvPr>
@@ -30192,7 +30250,7 @@
           <p:cNvPr id="9" name="직사각형 8">
             <a:extLst>
               <a:ext uri="{FF2B5EF4-FFF2-40B4-BE49-F238E27FC236}">
-                <a16:creationId xmlns:a16="http://schemas.microsoft.com/office/drawing/2014/main" xmlns="" id="{FFF506F9-840A-0508-4CAF-3AC711D8D5CE}"/>
+                <a16:creationId xmlns="" xmlns:a16="http://schemas.microsoft.com/office/drawing/2014/main" id="{FFF506F9-840A-0508-4CAF-3AC711D8D5CE}"/>
               </a:ext>
             </a:extLst>
           </p:cNvPr>
@@ -30244,7 +30302,7 @@
           <p:cNvPr id="10" name="직선 화살표 연결선 9">
             <a:extLst>
               <a:ext uri="{FF2B5EF4-FFF2-40B4-BE49-F238E27FC236}">
-                <a16:creationId xmlns:a16="http://schemas.microsoft.com/office/drawing/2014/main" xmlns="" id="{299DF5EC-9DF4-5255-06AC-0A7CE4FF58C3}"/>
+                <a16:creationId xmlns="" xmlns:a16="http://schemas.microsoft.com/office/drawing/2014/main" id="{299DF5EC-9DF4-5255-06AC-0A7CE4FF58C3}"/>
               </a:ext>
             </a:extLst>
           </p:cNvPr>
@@ -30285,7 +30343,7 @@
           <p:cNvPr id="12" name="TextBox 11">
             <a:extLst>
               <a:ext uri="{FF2B5EF4-FFF2-40B4-BE49-F238E27FC236}">
-                <a16:creationId xmlns:a16="http://schemas.microsoft.com/office/drawing/2014/main" xmlns="" id="{C6D113C6-EA5C-788F-0C77-E7CE6EBB865F}"/>
+                <a16:creationId xmlns="" xmlns:a16="http://schemas.microsoft.com/office/drawing/2014/main" id="{C6D113C6-EA5C-788F-0C77-E7CE6EBB865F}"/>
               </a:ext>
             </a:extLst>
           </p:cNvPr>

--- a/JavaLecture/LectureFile/java 9강 상속과super.pptx
+++ b/JavaLecture/LectureFile/java 9강 상속과super.pptx
@@ -5,7 +5,7 @@
     <p:sldMasterId id="2147483648" r:id="rId1"/>
   </p:sldMasterIdLst>
   <p:notesMasterIdLst>
-    <p:notesMasterId r:id="rId59"/>
+    <p:notesMasterId r:id="rId57"/>
   </p:notesMasterIdLst>
   <p:sldIdLst>
     <p:sldId id="257" r:id="rId2"/>
@@ -41,30 +41,28 @@
     <p:sldId id="624" r:id="rId32"/>
     <p:sldId id="634" r:id="rId33"/>
     <p:sldId id="635" r:id="rId34"/>
-    <p:sldId id="653" r:id="rId35"/>
-    <p:sldId id="374" r:id="rId36"/>
-    <p:sldId id="642" r:id="rId37"/>
-    <p:sldId id="637" r:id="rId38"/>
-    <p:sldId id="640" r:id="rId39"/>
-    <p:sldId id="641" r:id="rId40"/>
-    <p:sldId id="643" r:id="rId41"/>
-    <p:sldId id="644" r:id="rId42"/>
-    <p:sldId id="645" r:id="rId43"/>
-    <p:sldId id="646" r:id="rId44"/>
-    <p:sldId id="647" r:id="rId45"/>
-    <p:sldId id="648" r:id="rId46"/>
-    <p:sldId id="652" r:id="rId47"/>
-    <p:sldId id="649" r:id="rId48"/>
-    <p:sldId id="650" r:id="rId49"/>
-    <p:sldId id="651" r:id="rId50"/>
-    <p:sldId id="654" r:id="rId51"/>
-    <p:sldId id="655" r:id="rId52"/>
-    <p:sldId id="658" r:id="rId53"/>
-    <p:sldId id="656" r:id="rId54"/>
-    <p:sldId id="657" r:id="rId55"/>
-    <p:sldId id="659" r:id="rId56"/>
-    <p:sldId id="660" r:id="rId57"/>
-    <p:sldId id="275" r:id="rId58"/>
+    <p:sldId id="374" r:id="rId35"/>
+    <p:sldId id="642" r:id="rId36"/>
+    <p:sldId id="637" r:id="rId37"/>
+    <p:sldId id="640" r:id="rId38"/>
+    <p:sldId id="641" r:id="rId39"/>
+    <p:sldId id="643" r:id="rId40"/>
+    <p:sldId id="644" r:id="rId41"/>
+    <p:sldId id="645" r:id="rId42"/>
+    <p:sldId id="646" r:id="rId43"/>
+    <p:sldId id="647" r:id="rId44"/>
+    <p:sldId id="648" r:id="rId45"/>
+    <p:sldId id="652" r:id="rId46"/>
+    <p:sldId id="649" r:id="rId47"/>
+    <p:sldId id="650" r:id="rId48"/>
+    <p:sldId id="651" r:id="rId49"/>
+    <p:sldId id="655" r:id="rId50"/>
+    <p:sldId id="658" r:id="rId51"/>
+    <p:sldId id="656" r:id="rId52"/>
+    <p:sldId id="657" r:id="rId53"/>
+    <p:sldId id="659" r:id="rId54"/>
+    <p:sldId id="660" r:id="rId55"/>
+    <p:sldId id="275" r:id="rId56"/>
   </p:sldIdLst>
   <p:sldSz cx="18288000" cy="10287000"/>
   <p:notesSz cx="7104063" cy="10234613"/>
@@ -264,7 +262,7 @@
           <a:p>
             <a:fld id="{D79F2C30-10E1-4C46-91DC-BBDB9629E720}" type="datetimeFigureOut">
               <a:rPr lang="ko-KR" altLang="en-US" smtClean="0"/>
-              <a:t>2023-03-06</a:t>
+              <a:t>2023-03-19</a:t>
             </a:fld>
             <a:endParaRPr lang="ko-KR" altLang="en-US"/>
           </a:p>
@@ -962,7 +960,7 @@
           <a:p>
             <a:fld id="{F8166F1F-CE9B-4651-A6AA-CD717754106B}" type="datetimeFigureOut">
               <a:rPr lang="en-US" smtClean="0"/>
-              <a:t>3/6/2023</a:t>
+              <a:t>3/19/2023</a:t>
             </a:fld>
             <a:endParaRPr lang="en-US"/>
           </a:p>
@@ -1125,7 +1123,7 @@
           <a:p>
             <a:fld id="{A76116CE-C4A3-4A05-B2D7-7C2E9A889C0F}" type="datetimeFigureOut">
               <a:rPr lang="en-US" smtClean="0"/>
-              <a:t>3/6/2023</a:t>
+              <a:t>3/19/2023</a:t>
             </a:fld>
             <a:endParaRPr lang="en-US"/>
           </a:p>
@@ -1298,7 +1296,7 @@
           <a:p>
             <a:fld id="{A76116CE-C4A3-4A05-B2D7-7C2E9A889C0F}" type="datetimeFigureOut">
               <a:rPr lang="en-US" smtClean="0"/>
-              <a:t>3/6/2023</a:t>
+              <a:t>3/19/2023</a:t>
             </a:fld>
             <a:endParaRPr lang="en-US"/>
           </a:p>
@@ -1463,7 +1461,7 @@
           <a:p>
             <a:fld id="{A76116CE-C4A3-4A05-B2D7-7C2E9A889C0F}" type="datetimeFigureOut">
               <a:rPr lang="en-US" smtClean="0"/>
-              <a:t>3/6/2023</a:t>
+              <a:t>3/19/2023</a:t>
             </a:fld>
             <a:endParaRPr lang="en-US"/>
           </a:p>
@@ -1703,7 +1701,7 @@
           <a:p>
             <a:fld id="{A76116CE-C4A3-4A05-B2D7-7C2E9A889C0F}" type="datetimeFigureOut">
               <a:rPr lang="en-US" smtClean="0"/>
-              <a:t>3/6/2023</a:t>
+              <a:t>3/19/2023</a:t>
             </a:fld>
             <a:endParaRPr lang="en-US"/>
           </a:p>
@@ -1983,7 +1981,7 @@
           <a:p>
             <a:fld id="{A76116CE-C4A3-4A05-B2D7-7C2E9A889C0F}" type="datetimeFigureOut">
               <a:rPr lang="en-US" smtClean="0"/>
-              <a:t>3/6/2023</a:t>
+              <a:t>3/19/2023</a:t>
             </a:fld>
             <a:endParaRPr lang="en-US"/>
           </a:p>
@@ -2397,7 +2395,7 @@
           <a:p>
             <a:fld id="{A76116CE-C4A3-4A05-B2D7-7C2E9A889C0F}" type="datetimeFigureOut">
               <a:rPr lang="en-US" smtClean="0"/>
-              <a:t>3/6/2023</a:t>
+              <a:t>3/19/2023</a:t>
             </a:fld>
             <a:endParaRPr lang="en-US"/>
           </a:p>
@@ -2509,7 +2507,7 @@
           <a:p>
             <a:fld id="{A76116CE-C4A3-4A05-B2D7-7C2E9A889C0F}" type="datetimeFigureOut">
               <a:rPr lang="en-US" smtClean="0"/>
-              <a:t>3/6/2023</a:t>
+              <a:t>3/19/2023</a:t>
             </a:fld>
             <a:endParaRPr lang="en-US"/>
           </a:p>
@@ -2599,7 +2597,7 @@
           <a:p>
             <a:fld id="{A76116CE-C4A3-4A05-B2D7-7C2E9A889C0F}" type="datetimeFigureOut">
               <a:rPr lang="en-US" smtClean="0"/>
-              <a:t>3/6/2023</a:t>
+              <a:t>3/19/2023</a:t>
             </a:fld>
             <a:endParaRPr lang="en-US"/>
           </a:p>
@@ -2869,7 +2867,7 @@
           <a:p>
             <a:fld id="{A76116CE-C4A3-4A05-B2D7-7C2E9A889C0F}" type="datetimeFigureOut">
               <a:rPr lang="en-US" smtClean="0"/>
-              <a:t>3/6/2023</a:t>
+              <a:t>3/19/2023</a:t>
             </a:fld>
             <a:endParaRPr lang="en-US"/>
           </a:p>
@@ -3116,7 +3114,7 @@
           <a:p>
             <a:fld id="{A76116CE-C4A3-4A05-B2D7-7C2E9A889C0F}" type="datetimeFigureOut">
               <a:rPr lang="en-US" smtClean="0"/>
-              <a:t>3/6/2023</a:t>
+              <a:t>3/19/2023</a:t>
             </a:fld>
             <a:endParaRPr lang="en-US"/>
           </a:p>
@@ -3322,7 +3320,7 @@
           <a:p>
             <a:fld id="{F8166F1F-CE9B-4651-A6AA-CD717754106B}" type="datetimeFigureOut">
               <a:rPr lang="en-US" smtClean="0"/>
-              <a:t>3/6/2023</a:t>
+              <a:t>3/19/2023</a:t>
             </a:fld>
             <a:endParaRPr lang="en-US"/>
           </a:p>
@@ -3978,7 +3976,7 @@
           <p:cNvPr id="2" name="TextBox 1">
             <a:extLst>
               <a:ext uri="{FF2B5EF4-FFF2-40B4-BE49-F238E27FC236}">
-                <a16:creationId xmlns="" xmlns:a16="http://schemas.microsoft.com/office/drawing/2014/main" id="{E9A453A8-9968-67AB-7B4A-83EEB4662AA6}"/>
+                <a16:creationId xmlns:a16="http://schemas.microsoft.com/office/drawing/2014/main" xmlns="" id="{E9A453A8-9968-67AB-7B4A-83EEB4662AA6}"/>
               </a:ext>
             </a:extLst>
           </p:cNvPr>
@@ -4026,7 +4024,7 @@
           <p:cNvPr id="4" name="TextBox 3">
             <a:extLst>
               <a:ext uri="{FF2B5EF4-FFF2-40B4-BE49-F238E27FC236}">
-                <a16:creationId xmlns="" xmlns:a16="http://schemas.microsoft.com/office/drawing/2014/main" id="{F4B7A35A-8AAC-4622-64BC-CAD1472D4115}"/>
+                <a16:creationId xmlns:a16="http://schemas.microsoft.com/office/drawing/2014/main" xmlns="" id="{F4B7A35A-8AAC-4622-64BC-CAD1472D4115}"/>
               </a:ext>
             </a:extLst>
           </p:cNvPr>
@@ -4098,7 +4096,7 @@
           <p:cNvPr id="7" name="TextBox 6">
             <a:extLst>
               <a:ext uri="{FF2B5EF4-FFF2-40B4-BE49-F238E27FC236}">
-                <a16:creationId xmlns="" xmlns:a16="http://schemas.microsoft.com/office/drawing/2014/main" id="{3ACE900A-D779-4343-6623-8588B376F0A1}"/>
+                <a16:creationId xmlns:a16="http://schemas.microsoft.com/office/drawing/2014/main" xmlns="" id="{3ACE900A-D779-4343-6623-8588B376F0A1}"/>
               </a:ext>
             </a:extLst>
           </p:cNvPr>
@@ -4234,7 +4232,7 @@
           <p:cNvPr id="7" name="직선 화살표 연결선 6">
             <a:extLst>
               <a:ext uri="{FF2B5EF4-FFF2-40B4-BE49-F238E27FC236}">
-                <a16:creationId xmlns="" xmlns:a16="http://schemas.microsoft.com/office/drawing/2014/main" id="{299DF5EC-9DF4-5255-06AC-0A7CE4FF58C3}"/>
+                <a16:creationId xmlns:a16="http://schemas.microsoft.com/office/drawing/2014/main" xmlns="" id="{299DF5EC-9DF4-5255-06AC-0A7CE4FF58C3}"/>
               </a:ext>
             </a:extLst>
           </p:cNvPr>
@@ -4275,7 +4273,7 @@
           <p:cNvPr id="8" name="TextBox 7">
             <a:extLst>
               <a:ext uri="{FF2B5EF4-FFF2-40B4-BE49-F238E27FC236}">
-                <a16:creationId xmlns="" xmlns:a16="http://schemas.microsoft.com/office/drawing/2014/main" id="{C6D113C6-EA5C-788F-0C77-E7CE6EBB865F}"/>
+                <a16:creationId xmlns:a16="http://schemas.microsoft.com/office/drawing/2014/main" xmlns="" id="{C6D113C6-EA5C-788F-0C77-E7CE6EBB865F}"/>
               </a:ext>
             </a:extLst>
           </p:cNvPr>
@@ -4612,7 +4610,7 @@
           <p:cNvPr id="6" name="직선 화살표 연결선 5">
             <a:extLst>
               <a:ext uri="{FF2B5EF4-FFF2-40B4-BE49-F238E27FC236}">
-                <a16:creationId xmlns="" xmlns:a16="http://schemas.microsoft.com/office/drawing/2014/main" id="{299DF5EC-9DF4-5255-06AC-0A7CE4FF58C3}"/>
+                <a16:creationId xmlns:a16="http://schemas.microsoft.com/office/drawing/2014/main" xmlns="" id="{299DF5EC-9DF4-5255-06AC-0A7CE4FF58C3}"/>
               </a:ext>
             </a:extLst>
           </p:cNvPr>
@@ -4653,7 +4651,7 @@
           <p:cNvPr id="7" name="TextBox 6">
             <a:extLst>
               <a:ext uri="{FF2B5EF4-FFF2-40B4-BE49-F238E27FC236}">
-                <a16:creationId xmlns="" xmlns:a16="http://schemas.microsoft.com/office/drawing/2014/main" id="{C6D113C6-EA5C-788F-0C77-E7CE6EBB865F}"/>
+                <a16:creationId xmlns:a16="http://schemas.microsoft.com/office/drawing/2014/main" xmlns="" id="{C6D113C6-EA5C-788F-0C77-E7CE6EBB865F}"/>
               </a:ext>
             </a:extLst>
           </p:cNvPr>
@@ -4765,7 +4763,7 @@
           <p:cNvPr id="5" name="TextBox 4">
             <a:extLst>
               <a:ext uri="{FF2B5EF4-FFF2-40B4-BE49-F238E27FC236}">
-                <a16:creationId xmlns="" xmlns:a16="http://schemas.microsoft.com/office/drawing/2014/main" id="{C6D113C6-EA5C-788F-0C77-E7CE6EBB865F}"/>
+                <a16:creationId xmlns:a16="http://schemas.microsoft.com/office/drawing/2014/main" xmlns="" id="{C6D113C6-EA5C-788F-0C77-E7CE6EBB865F}"/>
               </a:ext>
             </a:extLst>
           </p:cNvPr>
@@ -4846,7 +4844,7 @@
           <p:cNvPr id="4" name="TextBox 3">
             <a:extLst>
               <a:ext uri="{FF2B5EF4-FFF2-40B4-BE49-F238E27FC236}">
-                <a16:creationId xmlns="" xmlns:a16="http://schemas.microsoft.com/office/drawing/2014/main" id="{5ADC00B6-990A-40DC-3CEA-505258F5E8DA}"/>
+                <a16:creationId xmlns:a16="http://schemas.microsoft.com/office/drawing/2014/main" xmlns="" id="{5ADC00B6-990A-40DC-3CEA-505258F5E8DA}"/>
               </a:ext>
             </a:extLst>
           </p:cNvPr>
@@ -4944,7 +4942,7 @@
           <p:cNvPr id="4" name="TextBox 3">
             <a:extLst>
               <a:ext uri="{FF2B5EF4-FFF2-40B4-BE49-F238E27FC236}">
-                <a16:creationId xmlns="" xmlns:a16="http://schemas.microsoft.com/office/drawing/2014/main" id="{C6D113C6-EA5C-788F-0C77-E7CE6EBB865F}"/>
+                <a16:creationId xmlns:a16="http://schemas.microsoft.com/office/drawing/2014/main" xmlns="" id="{C6D113C6-EA5C-788F-0C77-E7CE6EBB865F}"/>
               </a:ext>
             </a:extLst>
           </p:cNvPr>
@@ -5104,7 +5102,7 @@
           <p:cNvPr id="4" name="TextBox 3">
             <a:extLst>
               <a:ext uri="{FF2B5EF4-FFF2-40B4-BE49-F238E27FC236}">
-                <a16:creationId xmlns="" xmlns:a16="http://schemas.microsoft.com/office/drawing/2014/main" id="{5ADC00B6-990A-40DC-3CEA-505258F5E8DA}"/>
+                <a16:creationId xmlns:a16="http://schemas.microsoft.com/office/drawing/2014/main" xmlns="" id="{5ADC00B6-990A-40DC-3CEA-505258F5E8DA}"/>
               </a:ext>
             </a:extLst>
           </p:cNvPr>
@@ -5176,7 +5174,7 @@
           <p:cNvPr id="6" name="직선 화살표 연결선 5">
             <a:extLst>
               <a:ext uri="{FF2B5EF4-FFF2-40B4-BE49-F238E27FC236}">
-                <a16:creationId xmlns="" xmlns:a16="http://schemas.microsoft.com/office/drawing/2014/main" id="{299DF5EC-9DF4-5255-06AC-0A7CE4FF58C3}"/>
+                <a16:creationId xmlns:a16="http://schemas.microsoft.com/office/drawing/2014/main" xmlns="" id="{299DF5EC-9DF4-5255-06AC-0A7CE4FF58C3}"/>
               </a:ext>
             </a:extLst>
           </p:cNvPr>
@@ -5217,7 +5215,7 @@
           <p:cNvPr id="7" name="TextBox 6">
             <a:extLst>
               <a:ext uri="{FF2B5EF4-FFF2-40B4-BE49-F238E27FC236}">
-                <a16:creationId xmlns="" xmlns:a16="http://schemas.microsoft.com/office/drawing/2014/main" id="{C6D113C6-EA5C-788F-0C77-E7CE6EBB865F}"/>
+                <a16:creationId xmlns:a16="http://schemas.microsoft.com/office/drawing/2014/main" xmlns="" id="{C6D113C6-EA5C-788F-0C77-E7CE6EBB865F}"/>
               </a:ext>
             </a:extLst>
           </p:cNvPr>
@@ -5400,7 +5398,7 @@
           <p:cNvPr id="4" name="TextBox 3">
             <a:extLst>
               <a:ext uri="{FF2B5EF4-FFF2-40B4-BE49-F238E27FC236}">
-                <a16:creationId xmlns="" xmlns:a16="http://schemas.microsoft.com/office/drawing/2014/main" id="{5ADC00B6-990A-40DC-3CEA-505258F5E8DA}"/>
+                <a16:creationId xmlns:a16="http://schemas.microsoft.com/office/drawing/2014/main" xmlns="" id="{5ADC00B6-990A-40DC-3CEA-505258F5E8DA}"/>
               </a:ext>
             </a:extLst>
           </p:cNvPr>
@@ -5458,7 +5456,7 @@
           <p:cNvPr id="5" name="TextBox 4">
             <a:extLst>
               <a:ext uri="{FF2B5EF4-FFF2-40B4-BE49-F238E27FC236}">
-                <a16:creationId xmlns="" xmlns:a16="http://schemas.microsoft.com/office/drawing/2014/main" id="{A2AD056B-97A4-5BCC-4460-250160F3E171}"/>
+                <a16:creationId xmlns:a16="http://schemas.microsoft.com/office/drawing/2014/main" xmlns="" id="{A2AD056B-97A4-5BCC-4460-250160F3E171}"/>
               </a:ext>
             </a:extLst>
           </p:cNvPr>
@@ -5616,7 +5614,7 @@
           <p:cNvPr id="6" name="그룹 1015">
             <a:extLst>
               <a:ext uri="{FF2B5EF4-FFF2-40B4-BE49-F238E27FC236}">
-                <a16:creationId xmlns="" xmlns:a16="http://schemas.microsoft.com/office/drawing/2014/main" id="{76F5E01D-ECD6-A51D-DC2B-05DA1EBF93C7}"/>
+                <a16:creationId xmlns:a16="http://schemas.microsoft.com/office/drawing/2014/main" xmlns="" id="{76F5E01D-ECD6-A51D-DC2B-05DA1EBF93C7}"/>
               </a:ext>
             </a:extLst>
           </p:cNvPr>
@@ -5636,7 +5634,7 @@
             <p:cNvPr id="7" name="Object 52">
               <a:extLst>
                 <a:ext uri="{FF2B5EF4-FFF2-40B4-BE49-F238E27FC236}">
-                  <a16:creationId xmlns="" xmlns:a16="http://schemas.microsoft.com/office/drawing/2014/main" id="{D83975B3-46BC-7686-ECA1-1D7ECFA74A69}"/>
+                  <a16:creationId xmlns:a16="http://schemas.microsoft.com/office/drawing/2014/main" xmlns="" id="{D83975B3-46BC-7686-ECA1-1D7ECFA74A69}"/>
                 </a:ext>
               </a:extLst>
             </p:cNvPr>
@@ -5667,7 +5665,7 @@
           <p:cNvPr id="8" name="그룹 1018">
             <a:extLst>
               <a:ext uri="{FF2B5EF4-FFF2-40B4-BE49-F238E27FC236}">
-                <a16:creationId xmlns="" xmlns:a16="http://schemas.microsoft.com/office/drawing/2014/main" id="{008489BA-FEFA-DE7D-B3CD-53A358B82592}"/>
+                <a16:creationId xmlns:a16="http://schemas.microsoft.com/office/drawing/2014/main" xmlns="" id="{008489BA-FEFA-DE7D-B3CD-53A358B82592}"/>
               </a:ext>
             </a:extLst>
           </p:cNvPr>
@@ -5687,7 +5685,7 @@
             <p:cNvPr id="9" name="Object 61">
               <a:extLst>
                 <a:ext uri="{FF2B5EF4-FFF2-40B4-BE49-F238E27FC236}">
-                  <a16:creationId xmlns="" xmlns:a16="http://schemas.microsoft.com/office/drawing/2014/main" id="{9ED25BE3-45BE-AC6D-D835-4457854D2832}"/>
+                  <a16:creationId xmlns:a16="http://schemas.microsoft.com/office/drawing/2014/main" xmlns="" id="{9ED25BE3-45BE-AC6D-D835-4457854D2832}"/>
                 </a:ext>
               </a:extLst>
             </p:cNvPr>
@@ -5718,7 +5716,7 @@
           <p:cNvPr id="10" name="그룹 1021">
             <a:extLst>
               <a:ext uri="{FF2B5EF4-FFF2-40B4-BE49-F238E27FC236}">
-                <a16:creationId xmlns="" xmlns:a16="http://schemas.microsoft.com/office/drawing/2014/main" id="{7FE0C0A1-ABE4-F0EA-AFC1-4622C45C99E7}"/>
+                <a16:creationId xmlns:a16="http://schemas.microsoft.com/office/drawing/2014/main" xmlns="" id="{7FE0C0A1-ABE4-F0EA-AFC1-4622C45C99E7}"/>
               </a:ext>
             </a:extLst>
           </p:cNvPr>
@@ -5738,7 +5736,7 @@
             <p:cNvPr id="11" name="Object 71">
               <a:extLst>
                 <a:ext uri="{FF2B5EF4-FFF2-40B4-BE49-F238E27FC236}">
-                  <a16:creationId xmlns="" xmlns:a16="http://schemas.microsoft.com/office/drawing/2014/main" id="{CDBB7D83-509F-9F4C-0C3E-DBA2562E5520}"/>
+                  <a16:creationId xmlns:a16="http://schemas.microsoft.com/office/drawing/2014/main" xmlns="" id="{CDBB7D83-509F-9F4C-0C3E-DBA2562E5520}"/>
                 </a:ext>
               </a:extLst>
             </p:cNvPr>
@@ -5769,7 +5767,7 @@
           <p:cNvPr id="12" name="그룹 1024">
             <a:extLst>
               <a:ext uri="{FF2B5EF4-FFF2-40B4-BE49-F238E27FC236}">
-                <a16:creationId xmlns="" xmlns:a16="http://schemas.microsoft.com/office/drawing/2014/main" id="{8EB1611F-852C-9617-AEEB-CFA38FFF8001}"/>
+                <a16:creationId xmlns:a16="http://schemas.microsoft.com/office/drawing/2014/main" xmlns="" id="{8EB1611F-852C-9617-AEEB-CFA38FFF8001}"/>
               </a:ext>
             </a:extLst>
           </p:cNvPr>
@@ -5789,7 +5787,7 @@
             <p:cNvPr id="13" name="Object 81">
               <a:extLst>
                 <a:ext uri="{FF2B5EF4-FFF2-40B4-BE49-F238E27FC236}">
-                  <a16:creationId xmlns="" xmlns:a16="http://schemas.microsoft.com/office/drawing/2014/main" id="{08657582-A0DF-A5DC-A662-189C639920C8}"/>
+                  <a16:creationId xmlns:a16="http://schemas.microsoft.com/office/drawing/2014/main" xmlns="" id="{08657582-A0DF-A5DC-A662-189C639920C8}"/>
                 </a:ext>
               </a:extLst>
             </p:cNvPr>
@@ -5820,7 +5818,7 @@
           <p:cNvPr id="14" name="TextBox 13">
             <a:extLst>
               <a:ext uri="{FF2B5EF4-FFF2-40B4-BE49-F238E27FC236}">
-                <a16:creationId xmlns="" xmlns:a16="http://schemas.microsoft.com/office/drawing/2014/main" id="{FC41B7B2-904B-813A-22B8-239E383F4360}"/>
+                <a16:creationId xmlns:a16="http://schemas.microsoft.com/office/drawing/2014/main" xmlns="" id="{FC41B7B2-904B-813A-22B8-239E383F4360}"/>
               </a:ext>
             </a:extLst>
           </p:cNvPr>
@@ -5868,7 +5866,7 @@
           <p:cNvPr id="15" name="TextBox 14">
             <a:extLst>
               <a:ext uri="{FF2B5EF4-FFF2-40B4-BE49-F238E27FC236}">
-                <a16:creationId xmlns="" xmlns:a16="http://schemas.microsoft.com/office/drawing/2014/main" id="{F68B80B8-3419-5C31-B2F2-084E536A2C1C}"/>
+                <a16:creationId xmlns:a16="http://schemas.microsoft.com/office/drawing/2014/main" xmlns="" id="{F68B80B8-3419-5C31-B2F2-084E536A2C1C}"/>
               </a:ext>
             </a:extLst>
           </p:cNvPr>
@@ -5916,7 +5914,7 @@
           <p:cNvPr id="16" name="TextBox 15">
             <a:extLst>
               <a:ext uri="{FF2B5EF4-FFF2-40B4-BE49-F238E27FC236}">
-                <a16:creationId xmlns="" xmlns:a16="http://schemas.microsoft.com/office/drawing/2014/main" id="{CB471B39-052C-65D2-3069-C74FA7421876}"/>
+                <a16:creationId xmlns:a16="http://schemas.microsoft.com/office/drawing/2014/main" xmlns="" id="{CB471B39-052C-65D2-3069-C74FA7421876}"/>
               </a:ext>
             </a:extLst>
           </p:cNvPr>
@@ -5964,7 +5962,7 @@
           <p:cNvPr id="17" name="TextBox 16">
             <a:extLst>
               <a:ext uri="{FF2B5EF4-FFF2-40B4-BE49-F238E27FC236}">
-                <a16:creationId xmlns="" xmlns:a16="http://schemas.microsoft.com/office/drawing/2014/main" id="{4A7E270B-9322-EABD-3A34-4D211B23AD38}"/>
+                <a16:creationId xmlns:a16="http://schemas.microsoft.com/office/drawing/2014/main" xmlns="" id="{4A7E270B-9322-EABD-3A34-4D211B23AD38}"/>
               </a:ext>
             </a:extLst>
           </p:cNvPr>
@@ -6012,7 +6010,7 @@
           <p:cNvPr id="18" name="직선 화살표 연결선 17">
             <a:extLst>
               <a:ext uri="{FF2B5EF4-FFF2-40B4-BE49-F238E27FC236}">
-                <a16:creationId xmlns="" xmlns:a16="http://schemas.microsoft.com/office/drawing/2014/main" id="{174A1CAB-41DB-CBE5-A53E-D1E78982E7D5}"/>
+                <a16:creationId xmlns:a16="http://schemas.microsoft.com/office/drawing/2014/main" xmlns="" id="{174A1CAB-41DB-CBE5-A53E-D1E78982E7D5}"/>
               </a:ext>
             </a:extLst>
           </p:cNvPr>
@@ -6054,7 +6052,7 @@
           <p:cNvPr id="19" name="직선 화살표 연결선 18">
             <a:extLst>
               <a:ext uri="{FF2B5EF4-FFF2-40B4-BE49-F238E27FC236}">
-                <a16:creationId xmlns="" xmlns:a16="http://schemas.microsoft.com/office/drawing/2014/main" id="{404BE807-8974-325D-28CE-80CBD5A23FD9}"/>
+                <a16:creationId xmlns:a16="http://schemas.microsoft.com/office/drawing/2014/main" xmlns="" id="{404BE807-8974-325D-28CE-80CBD5A23FD9}"/>
               </a:ext>
             </a:extLst>
           </p:cNvPr>
@@ -6095,7 +6093,7 @@
           <p:cNvPr id="20" name="직선 화살표 연결선 19">
             <a:extLst>
               <a:ext uri="{FF2B5EF4-FFF2-40B4-BE49-F238E27FC236}">
-                <a16:creationId xmlns="" xmlns:a16="http://schemas.microsoft.com/office/drawing/2014/main" id="{8238D4B2-69F6-F17A-0286-66A8FB197956}"/>
+                <a16:creationId xmlns:a16="http://schemas.microsoft.com/office/drawing/2014/main" xmlns="" id="{8238D4B2-69F6-F17A-0286-66A8FB197956}"/>
               </a:ext>
             </a:extLst>
           </p:cNvPr>
@@ -6137,7 +6135,7 @@
           <p:cNvPr id="21" name="직선 화살표 연결선 20">
             <a:extLst>
               <a:ext uri="{FF2B5EF4-FFF2-40B4-BE49-F238E27FC236}">
-                <a16:creationId xmlns="" xmlns:a16="http://schemas.microsoft.com/office/drawing/2014/main" id="{404BE807-8974-325D-28CE-80CBD5A23FD9}"/>
+                <a16:creationId xmlns:a16="http://schemas.microsoft.com/office/drawing/2014/main" xmlns="" id="{404BE807-8974-325D-28CE-80CBD5A23FD9}"/>
               </a:ext>
             </a:extLst>
           </p:cNvPr>
@@ -6178,7 +6176,7 @@
           <p:cNvPr id="22" name="그룹 1021">
             <a:extLst>
               <a:ext uri="{FF2B5EF4-FFF2-40B4-BE49-F238E27FC236}">
-                <a16:creationId xmlns="" xmlns:a16="http://schemas.microsoft.com/office/drawing/2014/main" id="{7FE0C0A1-ABE4-F0EA-AFC1-4622C45C99E7}"/>
+                <a16:creationId xmlns:a16="http://schemas.microsoft.com/office/drawing/2014/main" xmlns="" id="{7FE0C0A1-ABE4-F0EA-AFC1-4622C45C99E7}"/>
               </a:ext>
             </a:extLst>
           </p:cNvPr>
@@ -6198,7 +6196,7 @@
             <p:cNvPr id="23" name="Object 71">
               <a:extLst>
                 <a:ext uri="{FF2B5EF4-FFF2-40B4-BE49-F238E27FC236}">
-                  <a16:creationId xmlns="" xmlns:a16="http://schemas.microsoft.com/office/drawing/2014/main" id="{CDBB7D83-509F-9F4C-0C3E-DBA2562E5520}"/>
+                  <a16:creationId xmlns:a16="http://schemas.microsoft.com/office/drawing/2014/main" xmlns="" id="{CDBB7D83-509F-9F4C-0C3E-DBA2562E5520}"/>
                 </a:ext>
               </a:extLst>
             </p:cNvPr>
@@ -6229,7 +6227,7 @@
           <p:cNvPr id="24" name="TextBox 23">
             <a:extLst>
               <a:ext uri="{FF2B5EF4-FFF2-40B4-BE49-F238E27FC236}">
-                <a16:creationId xmlns="" xmlns:a16="http://schemas.microsoft.com/office/drawing/2014/main" id="{CB471B39-052C-65D2-3069-C74FA7421876}"/>
+                <a16:creationId xmlns:a16="http://schemas.microsoft.com/office/drawing/2014/main" xmlns="" id="{CB471B39-052C-65D2-3069-C74FA7421876}"/>
               </a:ext>
             </a:extLst>
           </p:cNvPr>
@@ -6899,7 +6897,7 @@
           <p:cNvPr id="8" name="직선 화살표 연결선 7">
             <a:extLst>
               <a:ext uri="{FF2B5EF4-FFF2-40B4-BE49-F238E27FC236}">
-                <a16:creationId xmlns="" xmlns:a16="http://schemas.microsoft.com/office/drawing/2014/main" id="{299DF5EC-9DF4-5255-06AC-0A7CE4FF58C3}"/>
+                <a16:creationId xmlns:a16="http://schemas.microsoft.com/office/drawing/2014/main" xmlns="" id="{299DF5EC-9DF4-5255-06AC-0A7CE4FF58C3}"/>
               </a:ext>
             </a:extLst>
           </p:cNvPr>
@@ -6940,7 +6938,7 @@
           <p:cNvPr id="9" name="직사각형 8">
             <a:extLst>
               <a:ext uri="{FF2B5EF4-FFF2-40B4-BE49-F238E27FC236}">
-                <a16:creationId xmlns="" xmlns:a16="http://schemas.microsoft.com/office/drawing/2014/main" id="{FFF506F9-840A-0508-4CAF-3AC711D8D5CE}"/>
+                <a16:creationId xmlns:a16="http://schemas.microsoft.com/office/drawing/2014/main" xmlns="" id="{FFF506F9-840A-0508-4CAF-3AC711D8D5CE}"/>
               </a:ext>
             </a:extLst>
           </p:cNvPr>
@@ -6992,7 +6990,7 @@
           <p:cNvPr id="10" name="TextBox 9">
             <a:extLst>
               <a:ext uri="{FF2B5EF4-FFF2-40B4-BE49-F238E27FC236}">
-                <a16:creationId xmlns="" xmlns:a16="http://schemas.microsoft.com/office/drawing/2014/main" id="{C6D113C6-EA5C-788F-0C77-E7CE6EBB865F}"/>
+                <a16:creationId xmlns:a16="http://schemas.microsoft.com/office/drawing/2014/main" xmlns="" id="{C6D113C6-EA5C-788F-0C77-E7CE6EBB865F}"/>
               </a:ext>
             </a:extLst>
           </p:cNvPr>
@@ -7040,7 +7038,7 @@
           <p:cNvPr id="12" name="직선 화살표 연결선 11">
             <a:extLst>
               <a:ext uri="{FF2B5EF4-FFF2-40B4-BE49-F238E27FC236}">
-                <a16:creationId xmlns="" xmlns:a16="http://schemas.microsoft.com/office/drawing/2014/main" id="{299DF5EC-9DF4-5255-06AC-0A7CE4FF58C3}"/>
+                <a16:creationId xmlns:a16="http://schemas.microsoft.com/office/drawing/2014/main" xmlns="" id="{299DF5EC-9DF4-5255-06AC-0A7CE4FF58C3}"/>
               </a:ext>
             </a:extLst>
           </p:cNvPr>
@@ -7081,7 +7079,7 @@
           <p:cNvPr id="13" name="직사각형 12">
             <a:extLst>
               <a:ext uri="{FF2B5EF4-FFF2-40B4-BE49-F238E27FC236}">
-                <a16:creationId xmlns="" xmlns:a16="http://schemas.microsoft.com/office/drawing/2014/main" id="{FFF506F9-840A-0508-4CAF-3AC711D8D5CE}"/>
+                <a16:creationId xmlns:a16="http://schemas.microsoft.com/office/drawing/2014/main" xmlns="" id="{FFF506F9-840A-0508-4CAF-3AC711D8D5CE}"/>
               </a:ext>
             </a:extLst>
           </p:cNvPr>
@@ -7133,7 +7131,7 @@
           <p:cNvPr id="14" name="TextBox 13">
             <a:extLst>
               <a:ext uri="{FF2B5EF4-FFF2-40B4-BE49-F238E27FC236}">
-                <a16:creationId xmlns="" xmlns:a16="http://schemas.microsoft.com/office/drawing/2014/main" id="{C6D113C6-EA5C-788F-0C77-E7CE6EBB865F}"/>
+                <a16:creationId xmlns:a16="http://schemas.microsoft.com/office/drawing/2014/main" xmlns="" id="{C6D113C6-EA5C-788F-0C77-E7CE6EBB865F}"/>
               </a:ext>
             </a:extLst>
           </p:cNvPr>
@@ -7181,7 +7179,7 @@
           <p:cNvPr id="15" name="직사각형 14">
             <a:extLst>
               <a:ext uri="{FF2B5EF4-FFF2-40B4-BE49-F238E27FC236}">
-                <a16:creationId xmlns="" xmlns:a16="http://schemas.microsoft.com/office/drawing/2014/main" id="{FFF506F9-840A-0508-4CAF-3AC711D8D5CE}"/>
+                <a16:creationId xmlns:a16="http://schemas.microsoft.com/office/drawing/2014/main" xmlns="" id="{FFF506F9-840A-0508-4CAF-3AC711D8D5CE}"/>
               </a:ext>
             </a:extLst>
           </p:cNvPr>
@@ -7233,7 +7231,7 @@
           <p:cNvPr id="16" name="직선 화살표 연결선 15">
             <a:extLst>
               <a:ext uri="{FF2B5EF4-FFF2-40B4-BE49-F238E27FC236}">
-                <a16:creationId xmlns="" xmlns:a16="http://schemas.microsoft.com/office/drawing/2014/main" id="{299DF5EC-9DF4-5255-06AC-0A7CE4FF58C3}"/>
+                <a16:creationId xmlns:a16="http://schemas.microsoft.com/office/drawing/2014/main" xmlns="" id="{299DF5EC-9DF4-5255-06AC-0A7CE4FF58C3}"/>
               </a:ext>
             </a:extLst>
           </p:cNvPr>
@@ -7274,7 +7272,7 @@
           <p:cNvPr id="17" name="TextBox 16">
             <a:extLst>
               <a:ext uri="{FF2B5EF4-FFF2-40B4-BE49-F238E27FC236}">
-                <a16:creationId xmlns="" xmlns:a16="http://schemas.microsoft.com/office/drawing/2014/main" id="{C6D113C6-EA5C-788F-0C77-E7CE6EBB865F}"/>
+                <a16:creationId xmlns:a16="http://schemas.microsoft.com/office/drawing/2014/main" xmlns="" id="{C6D113C6-EA5C-788F-0C77-E7CE6EBB865F}"/>
               </a:ext>
             </a:extLst>
           </p:cNvPr>
@@ -7322,7 +7320,7 @@
           <p:cNvPr id="18" name="TextBox 17">
             <a:extLst>
               <a:ext uri="{FF2B5EF4-FFF2-40B4-BE49-F238E27FC236}">
-                <a16:creationId xmlns="" xmlns:a16="http://schemas.microsoft.com/office/drawing/2014/main" id="{5ADC00B6-990A-40DC-3CEA-505258F5E8DA}"/>
+                <a16:creationId xmlns:a16="http://schemas.microsoft.com/office/drawing/2014/main" xmlns="" id="{5ADC00B6-990A-40DC-3CEA-505258F5E8DA}"/>
               </a:ext>
             </a:extLst>
           </p:cNvPr>
@@ -7822,7 +7820,7 @@
           <p:cNvPr id="8" name="TextBox 7">
             <a:extLst>
               <a:ext uri="{FF2B5EF4-FFF2-40B4-BE49-F238E27FC236}">
-                <a16:creationId xmlns="" xmlns:a16="http://schemas.microsoft.com/office/drawing/2014/main" id="{5ADC00B6-990A-40DC-3CEA-505258F5E8DA}"/>
+                <a16:creationId xmlns:a16="http://schemas.microsoft.com/office/drawing/2014/main" xmlns="" id="{5ADC00B6-990A-40DC-3CEA-505258F5E8DA}"/>
               </a:ext>
             </a:extLst>
           </p:cNvPr>
@@ -8391,7 +8389,7 @@
           <p:cNvPr id="11" name="TextBox 10">
             <a:extLst>
               <a:ext uri="{FF2B5EF4-FFF2-40B4-BE49-F238E27FC236}">
-                <a16:creationId xmlns="" xmlns:a16="http://schemas.microsoft.com/office/drawing/2014/main" id="{9F88F580-08BE-88C2-D640-13F0026591CB}"/>
+                <a16:creationId xmlns:a16="http://schemas.microsoft.com/office/drawing/2014/main" xmlns="" id="{9F88F580-08BE-88C2-D640-13F0026591CB}"/>
               </a:ext>
             </a:extLst>
           </p:cNvPr>
@@ -8459,7 +8457,7 @@
           <p:cNvPr id="13" name="TextBox 12">
             <a:extLst>
               <a:ext uri="{FF2B5EF4-FFF2-40B4-BE49-F238E27FC236}">
-                <a16:creationId xmlns="" xmlns:a16="http://schemas.microsoft.com/office/drawing/2014/main" id="{72769C28-9BB6-DE9C-7B6F-264B77B8DD0E}"/>
+                <a16:creationId xmlns:a16="http://schemas.microsoft.com/office/drawing/2014/main" xmlns="" id="{72769C28-9BB6-DE9C-7B6F-264B77B8DD0E}"/>
               </a:ext>
             </a:extLst>
           </p:cNvPr>
@@ -8507,7 +8505,7 @@
           <p:cNvPr id="14" name="TextBox 13">
             <a:extLst>
               <a:ext uri="{FF2B5EF4-FFF2-40B4-BE49-F238E27FC236}">
-                <a16:creationId xmlns="" xmlns:a16="http://schemas.microsoft.com/office/drawing/2014/main" id="{270FBB6A-01CE-5637-78DA-58F0C974145C}"/>
+                <a16:creationId xmlns:a16="http://schemas.microsoft.com/office/drawing/2014/main" xmlns="" id="{270FBB6A-01CE-5637-78DA-58F0C974145C}"/>
               </a:ext>
             </a:extLst>
           </p:cNvPr>
@@ -8555,7 +8553,7 @@
           <p:cNvPr id="2" name="Object 17">
             <a:extLst>
               <a:ext uri="{FF2B5EF4-FFF2-40B4-BE49-F238E27FC236}">
-                <a16:creationId xmlns="" xmlns:a16="http://schemas.microsoft.com/office/drawing/2014/main" id="{140B283D-FE58-FA6F-6F7C-E0F1DBB62A65}"/>
+                <a16:creationId xmlns:a16="http://schemas.microsoft.com/office/drawing/2014/main" xmlns="" id="{140B283D-FE58-FA6F-6F7C-E0F1DBB62A65}"/>
               </a:ext>
             </a:extLst>
           </p:cNvPr>
@@ -8585,7 +8583,7 @@
           <p:cNvPr id="4" name="TextBox 3">
             <a:extLst>
               <a:ext uri="{FF2B5EF4-FFF2-40B4-BE49-F238E27FC236}">
-                <a16:creationId xmlns="" xmlns:a16="http://schemas.microsoft.com/office/drawing/2014/main" id="{2C8D0998-79BC-6FD2-59D9-8052B4A25F65}"/>
+                <a16:creationId xmlns:a16="http://schemas.microsoft.com/office/drawing/2014/main" xmlns="" id="{2C8D0998-79BC-6FD2-59D9-8052B4A25F65}"/>
               </a:ext>
             </a:extLst>
           </p:cNvPr>
@@ -8643,7 +8641,7 @@
           <p:cNvPr id="5" name="Object 18">
             <a:extLst>
               <a:ext uri="{FF2B5EF4-FFF2-40B4-BE49-F238E27FC236}">
-                <a16:creationId xmlns="" xmlns:a16="http://schemas.microsoft.com/office/drawing/2014/main" id="{3F58EA3E-1018-64D3-FAB2-4F6B9618FA56}"/>
+                <a16:creationId xmlns:a16="http://schemas.microsoft.com/office/drawing/2014/main" xmlns="" id="{3F58EA3E-1018-64D3-FAB2-4F6B9618FA56}"/>
               </a:ext>
             </a:extLst>
           </p:cNvPr>
@@ -8673,7 +8671,7 @@
           <p:cNvPr id="8" name="TextBox 7">
             <a:extLst>
               <a:ext uri="{FF2B5EF4-FFF2-40B4-BE49-F238E27FC236}">
-                <a16:creationId xmlns="" xmlns:a16="http://schemas.microsoft.com/office/drawing/2014/main" id="{681D3F16-7DCF-41AD-F5F1-0558C78C0E4D}"/>
+                <a16:creationId xmlns:a16="http://schemas.microsoft.com/office/drawing/2014/main" xmlns="" id="{681D3F16-7DCF-41AD-F5F1-0558C78C0E4D}"/>
               </a:ext>
             </a:extLst>
           </p:cNvPr>
@@ -8746,7 +8744,7 @@
           <p:cNvPr id="4" name="TextBox 3">
             <a:extLst>
               <a:ext uri="{FF2B5EF4-FFF2-40B4-BE49-F238E27FC236}">
-                <a16:creationId xmlns="" xmlns:a16="http://schemas.microsoft.com/office/drawing/2014/main" id="{5ADC00B6-990A-40DC-3CEA-505258F5E8DA}"/>
+                <a16:creationId xmlns:a16="http://schemas.microsoft.com/office/drawing/2014/main" xmlns="" id="{5ADC00B6-990A-40DC-3CEA-505258F5E8DA}"/>
               </a:ext>
             </a:extLst>
           </p:cNvPr>
@@ -8818,7 +8816,7 @@
           <p:cNvPr id="6" name="TextBox 5">
             <a:extLst>
               <a:ext uri="{FF2B5EF4-FFF2-40B4-BE49-F238E27FC236}">
-                <a16:creationId xmlns="" xmlns:a16="http://schemas.microsoft.com/office/drawing/2014/main" id="{C6D113C6-EA5C-788F-0C77-E7CE6EBB865F}"/>
+                <a16:creationId xmlns:a16="http://schemas.microsoft.com/office/drawing/2014/main" xmlns="" id="{C6D113C6-EA5C-788F-0C77-E7CE6EBB865F}"/>
               </a:ext>
             </a:extLst>
           </p:cNvPr>
@@ -9325,7 +9323,7 @@
           <p:cNvPr id="104" name="TextBox 103">
             <a:extLst>
               <a:ext uri="{FF2B5EF4-FFF2-40B4-BE49-F238E27FC236}">
-                <a16:creationId xmlns="" xmlns:a16="http://schemas.microsoft.com/office/drawing/2014/main" id="{5ADC00B6-990A-40DC-3CEA-505258F5E8DA}"/>
+                <a16:creationId xmlns:a16="http://schemas.microsoft.com/office/drawing/2014/main" xmlns="" id="{5ADC00B6-990A-40DC-3CEA-505258F5E8DA}"/>
               </a:ext>
             </a:extLst>
           </p:cNvPr>
@@ -9373,7 +9371,7 @@
           <p:cNvPr id="105" name="TextBox 104">
             <a:extLst>
               <a:ext uri="{FF2B5EF4-FFF2-40B4-BE49-F238E27FC236}">
-                <a16:creationId xmlns="" xmlns:a16="http://schemas.microsoft.com/office/drawing/2014/main" id="{5ADC00B6-990A-40DC-3CEA-505258F5E8DA}"/>
+                <a16:creationId xmlns:a16="http://schemas.microsoft.com/office/drawing/2014/main" xmlns="" id="{5ADC00B6-990A-40DC-3CEA-505258F5E8DA}"/>
               </a:ext>
             </a:extLst>
           </p:cNvPr>
@@ -9421,7 +9419,7 @@
           <p:cNvPr id="106" name="TextBox 105">
             <a:extLst>
               <a:ext uri="{FF2B5EF4-FFF2-40B4-BE49-F238E27FC236}">
-                <a16:creationId xmlns="" xmlns:a16="http://schemas.microsoft.com/office/drawing/2014/main" id="{A2AD056B-97A4-5BCC-4460-250160F3E171}"/>
+                <a16:creationId xmlns:a16="http://schemas.microsoft.com/office/drawing/2014/main" xmlns="" id="{A2AD056B-97A4-5BCC-4460-250160F3E171}"/>
               </a:ext>
             </a:extLst>
           </p:cNvPr>
@@ -9488,7 +9486,7 @@
           <p:cNvPr id="107" name="TextBox 106">
             <a:extLst>
               <a:ext uri="{FF2B5EF4-FFF2-40B4-BE49-F238E27FC236}">
-                <a16:creationId xmlns="" xmlns:a16="http://schemas.microsoft.com/office/drawing/2014/main" id="{A2AD056B-97A4-5BCC-4460-250160F3E171}"/>
+                <a16:creationId xmlns:a16="http://schemas.microsoft.com/office/drawing/2014/main" xmlns="" id="{A2AD056B-97A4-5BCC-4460-250160F3E171}"/>
               </a:ext>
             </a:extLst>
           </p:cNvPr>
@@ -9555,7 +9553,7 @@
           <p:cNvPr id="108" name="TextBox 107">
             <a:extLst>
               <a:ext uri="{FF2B5EF4-FFF2-40B4-BE49-F238E27FC236}">
-                <a16:creationId xmlns="" xmlns:a16="http://schemas.microsoft.com/office/drawing/2014/main" id="{A2AD056B-97A4-5BCC-4460-250160F3E171}"/>
+                <a16:creationId xmlns:a16="http://schemas.microsoft.com/office/drawing/2014/main" xmlns="" id="{A2AD056B-97A4-5BCC-4460-250160F3E171}"/>
               </a:ext>
             </a:extLst>
           </p:cNvPr>
@@ -9635,7 +9633,7 @@
           <p:cNvPr id="109" name="TextBox 108">
             <a:extLst>
               <a:ext uri="{FF2B5EF4-FFF2-40B4-BE49-F238E27FC236}">
-                <a16:creationId xmlns="" xmlns:a16="http://schemas.microsoft.com/office/drawing/2014/main" id="{A2AD056B-97A4-5BCC-4460-250160F3E171}"/>
+                <a16:creationId xmlns:a16="http://schemas.microsoft.com/office/drawing/2014/main" xmlns="" id="{A2AD056B-97A4-5BCC-4460-250160F3E171}"/>
               </a:ext>
             </a:extLst>
           </p:cNvPr>
@@ -9702,7 +9700,7 @@
           <p:cNvPr id="110" name="TextBox 109">
             <a:extLst>
               <a:ext uri="{FF2B5EF4-FFF2-40B4-BE49-F238E27FC236}">
-                <a16:creationId xmlns="" xmlns:a16="http://schemas.microsoft.com/office/drawing/2014/main" id="{A2AD056B-97A4-5BCC-4460-250160F3E171}"/>
+                <a16:creationId xmlns:a16="http://schemas.microsoft.com/office/drawing/2014/main" xmlns="" id="{A2AD056B-97A4-5BCC-4460-250160F3E171}"/>
               </a:ext>
             </a:extLst>
           </p:cNvPr>
@@ -9756,7 +9754,7 @@
           <p:cNvPr id="111" name="TextBox 110">
             <a:extLst>
               <a:ext uri="{FF2B5EF4-FFF2-40B4-BE49-F238E27FC236}">
-                <a16:creationId xmlns="" xmlns:a16="http://schemas.microsoft.com/office/drawing/2014/main" id="{A2AD056B-97A4-5BCC-4460-250160F3E171}"/>
+                <a16:creationId xmlns:a16="http://schemas.microsoft.com/office/drawing/2014/main" xmlns="" id="{A2AD056B-97A4-5BCC-4460-250160F3E171}"/>
               </a:ext>
             </a:extLst>
           </p:cNvPr>
@@ -9892,7 +9890,7 @@
           <p:cNvPr id="4" name="TextBox 3">
             <a:extLst>
               <a:ext uri="{FF2B5EF4-FFF2-40B4-BE49-F238E27FC236}">
-                <a16:creationId xmlns="" xmlns:a16="http://schemas.microsoft.com/office/drawing/2014/main" id="{5ADC00B6-990A-40DC-3CEA-505258F5E8DA}"/>
+                <a16:creationId xmlns:a16="http://schemas.microsoft.com/office/drawing/2014/main" xmlns="" id="{5ADC00B6-990A-40DC-3CEA-505258F5E8DA}"/>
               </a:ext>
             </a:extLst>
           </p:cNvPr>
@@ -9950,7 +9948,7 @@
           <p:cNvPr id="2" name="TextBox 1">
             <a:extLst>
               <a:ext uri="{FF2B5EF4-FFF2-40B4-BE49-F238E27FC236}">
-                <a16:creationId xmlns="" xmlns:a16="http://schemas.microsoft.com/office/drawing/2014/main" id="{4466AA1F-9098-4B5C-E98B-FF40B15DCDE3}"/>
+                <a16:creationId xmlns:a16="http://schemas.microsoft.com/office/drawing/2014/main" xmlns="" id="{4466AA1F-9098-4B5C-E98B-FF40B15DCDE3}"/>
               </a:ext>
             </a:extLst>
           </p:cNvPr>
@@ -10178,7 +10176,7 @@
           <p:cNvPr id="3" name="표 2">
             <a:extLst>
               <a:ext uri="{FF2B5EF4-FFF2-40B4-BE49-F238E27FC236}">
-                <a16:creationId xmlns="" xmlns:a16="http://schemas.microsoft.com/office/drawing/2014/main" id="{0C0DF24C-8313-95BE-E53E-12FD7E109C24}"/>
+                <a16:creationId xmlns:a16="http://schemas.microsoft.com/office/drawing/2014/main" xmlns="" id="{0C0DF24C-8313-95BE-E53E-12FD7E109C24}"/>
               </a:ext>
             </a:extLst>
           </p:cNvPr>
@@ -10207,21 +10205,21 @@
                 <a:gridCol w="1371600">
                   <a:extLst>
                     <a:ext uri="{9D8B030D-6E8A-4147-A177-3AD203B41FA5}">
-                      <a16:colId xmlns="" xmlns:a16="http://schemas.microsoft.com/office/drawing/2014/main" val="1278239369"/>
+                      <a16:colId xmlns:a16="http://schemas.microsoft.com/office/drawing/2014/main" xmlns="" val="1278239369"/>
                     </a:ext>
                   </a:extLst>
                 </a:gridCol>
                 <a:gridCol w="1981200">
                   <a:extLst>
                     <a:ext uri="{9D8B030D-6E8A-4147-A177-3AD203B41FA5}">
-                      <a16:colId xmlns="" xmlns:a16="http://schemas.microsoft.com/office/drawing/2014/main" val="1054292436"/>
+                      <a16:colId xmlns:a16="http://schemas.microsoft.com/office/drawing/2014/main" xmlns="" val="1054292436"/>
                     </a:ext>
                   </a:extLst>
                 </a:gridCol>
                 <a:gridCol w="2819400">
                   <a:extLst>
                     <a:ext uri="{9D8B030D-6E8A-4147-A177-3AD203B41FA5}">
-                      <a16:colId xmlns="" xmlns:a16="http://schemas.microsoft.com/office/drawing/2014/main" val="225730716"/>
+                      <a16:colId xmlns:a16="http://schemas.microsoft.com/office/drawing/2014/main" xmlns="" val="225730716"/>
                     </a:ext>
                   </a:extLst>
                 </a:gridCol>
@@ -10409,7 +10407,7 @@
                 </a:tc>
                 <a:extLst>
                   <a:ext uri="{0D108BD9-81ED-4DB2-BD59-A6C34878D82A}">
-                    <a16:rowId xmlns="" xmlns:a16="http://schemas.microsoft.com/office/drawing/2014/main" val="2654211035"/>
+                    <a16:rowId xmlns:a16="http://schemas.microsoft.com/office/drawing/2014/main" xmlns="" val="2654211035"/>
                   </a:ext>
                 </a:extLst>
               </a:tr>
@@ -10613,7 +10611,7 @@
                 </a:tc>
                 <a:extLst>
                   <a:ext uri="{0D108BD9-81ED-4DB2-BD59-A6C34878D82A}">
-                    <a16:rowId xmlns="" xmlns:a16="http://schemas.microsoft.com/office/drawing/2014/main" val="2013197181"/>
+                    <a16:rowId xmlns:a16="http://schemas.microsoft.com/office/drawing/2014/main" xmlns="" val="2013197181"/>
                   </a:ext>
                 </a:extLst>
               </a:tr>
@@ -10798,7 +10796,7 @@
                 </a:tc>
                 <a:extLst>
                   <a:ext uri="{0D108BD9-81ED-4DB2-BD59-A6C34878D82A}">
-                    <a16:rowId xmlns="" xmlns:a16="http://schemas.microsoft.com/office/drawing/2014/main" val="2280857763"/>
+                    <a16:rowId xmlns:a16="http://schemas.microsoft.com/office/drawing/2014/main" xmlns="" val="2280857763"/>
                   </a:ext>
                 </a:extLst>
               </a:tr>
@@ -10988,7 +10986,7 @@
                 </a:tc>
                 <a:extLst>
                   <a:ext uri="{0D108BD9-81ED-4DB2-BD59-A6C34878D82A}">
-                    <a16:rowId xmlns="" xmlns:a16="http://schemas.microsoft.com/office/drawing/2014/main" val="1463387718"/>
+                    <a16:rowId xmlns:a16="http://schemas.microsoft.com/office/drawing/2014/main" xmlns="" val="1463387718"/>
                   </a:ext>
                 </a:extLst>
               </a:tr>
@@ -11001,7 +10999,7 @@
           <p:cNvPr id="6" name="TextBox 5">
             <a:extLst>
               <a:ext uri="{FF2B5EF4-FFF2-40B4-BE49-F238E27FC236}">
-                <a16:creationId xmlns="" xmlns:a16="http://schemas.microsoft.com/office/drawing/2014/main" id="{54C72A80-3131-1BEE-91F5-8BB94F20F622}"/>
+                <a16:creationId xmlns:a16="http://schemas.microsoft.com/office/drawing/2014/main" xmlns="" id="{54C72A80-3131-1BEE-91F5-8BB94F20F622}"/>
               </a:ext>
             </a:extLst>
           </p:cNvPr>
@@ -11164,7 +11162,7 @@
           <p:cNvPr id="7" name="TextBox 6">
             <a:extLst>
               <a:ext uri="{FF2B5EF4-FFF2-40B4-BE49-F238E27FC236}">
-                <a16:creationId xmlns="" xmlns:a16="http://schemas.microsoft.com/office/drawing/2014/main" id="{977D0E5D-2B21-3701-B400-D1B6B86913C5}"/>
+                <a16:creationId xmlns:a16="http://schemas.microsoft.com/office/drawing/2014/main" xmlns="" id="{977D0E5D-2B21-3701-B400-D1B6B86913C5}"/>
               </a:ext>
             </a:extLst>
           </p:cNvPr>
@@ -11462,7 +11460,7 @@
           <p:cNvPr id="8" name="표 7">
             <a:extLst>
               <a:ext uri="{FF2B5EF4-FFF2-40B4-BE49-F238E27FC236}">
-                <a16:creationId xmlns="" xmlns:a16="http://schemas.microsoft.com/office/drawing/2014/main" id="{9BF22145-FC6D-D18A-3911-E9625B6CE794}"/>
+                <a16:creationId xmlns:a16="http://schemas.microsoft.com/office/drawing/2014/main" xmlns="" id="{9BF22145-FC6D-D18A-3911-E9625B6CE794}"/>
               </a:ext>
             </a:extLst>
           </p:cNvPr>
@@ -11491,21 +11489,21 @@
                 <a:gridCol w="1524000">
                   <a:extLst>
                     <a:ext uri="{9D8B030D-6E8A-4147-A177-3AD203B41FA5}">
-                      <a16:colId xmlns="" xmlns:a16="http://schemas.microsoft.com/office/drawing/2014/main" val="1278239369"/>
+                      <a16:colId xmlns:a16="http://schemas.microsoft.com/office/drawing/2014/main" xmlns="" val="1278239369"/>
                     </a:ext>
                   </a:extLst>
                 </a:gridCol>
                 <a:gridCol w="1828800">
                   <a:extLst>
                     <a:ext uri="{9D8B030D-6E8A-4147-A177-3AD203B41FA5}">
-                      <a16:colId xmlns="" xmlns:a16="http://schemas.microsoft.com/office/drawing/2014/main" val="1054292436"/>
+                      <a16:colId xmlns:a16="http://schemas.microsoft.com/office/drawing/2014/main" xmlns="" val="1054292436"/>
                     </a:ext>
                   </a:extLst>
                 </a:gridCol>
                 <a:gridCol w="2819400">
                   <a:extLst>
                     <a:ext uri="{9D8B030D-6E8A-4147-A177-3AD203B41FA5}">
-                      <a16:colId xmlns="" xmlns:a16="http://schemas.microsoft.com/office/drawing/2014/main" val="225730716"/>
+                      <a16:colId xmlns:a16="http://schemas.microsoft.com/office/drawing/2014/main" xmlns="" val="225730716"/>
                     </a:ext>
                   </a:extLst>
                 </a:gridCol>
@@ -11693,7 +11691,7 @@
                 </a:tc>
                 <a:extLst>
                   <a:ext uri="{0D108BD9-81ED-4DB2-BD59-A6C34878D82A}">
-                    <a16:rowId xmlns="" xmlns:a16="http://schemas.microsoft.com/office/drawing/2014/main" val="2654211035"/>
+                    <a16:rowId xmlns:a16="http://schemas.microsoft.com/office/drawing/2014/main" xmlns="" val="2654211035"/>
                   </a:ext>
                 </a:extLst>
               </a:tr>
@@ -11918,7 +11916,7 @@
                 </a:tc>
                 <a:extLst>
                   <a:ext uri="{0D108BD9-81ED-4DB2-BD59-A6C34878D82A}">
-                    <a16:rowId xmlns="" xmlns:a16="http://schemas.microsoft.com/office/drawing/2014/main" val="2013197181"/>
+                    <a16:rowId xmlns:a16="http://schemas.microsoft.com/office/drawing/2014/main" xmlns="" val="2013197181"/>
                   </a:ext>
                 </a:extLst>
               </a:tr>
@@ -12362,7 +12360,7 @@
                 </a:tc>
                 <a:extLst>
                   <a:ext uri="{0D108BD9-81ED-4DB2-BD59-A6C34878D82A}">
-                    <a16:rowId xmlns="" xmlns:a16="http://schemas.microsoft.com/office/drawing/2014/main" val="2280857763"/>
+                    <a16:rowId xmlns:a16="http://schemas.microsoft.com/office/drawing/2014/main" xmlns="" val="2280857763"/>
                   </a:ext>
                 </a:extLst>
               </a:tr>
@@ -12540,7 +12538,7 @@
                 </a:tc>
                 <a:extLst>
                   <a:ext uri="{0D108BD9-81ED-4DB2-BD59-A6C34878D82A}">
-                    <a16:rowId xmlns="" xmlns:a16="http://schemas.microsoft.com/office/drawing/2014/main" val="1463387718"/>
+                    <a16:rowId xmlns:a16="http://schemas.microsoft.com/office/drawing/2014/main" xmlns="" val="1463387718"/>
                   </a:ext>
                 </a:extLst>
               </a:tr>
@@ -12891,7 +12889,7 @@
           <p:cNvPr id="2" name="TextBox 1">
             <a:extLst>
               <a:ext uri="{FF2B5EF4-FFF2-40B4-BE49-F238E27FC236}">
-                <a16:creationId xmlns="" xmlns:a16="http://schemas.microsoft.com/office/drawing/2014/main" id="{76F36AE5-79B5-0B9F-E510-1C27AAC4B649}"/>
+                <a16:creationId xmlns:a16="http://schemas.microsoft.com/office/drawing/2014/main" xmlns="" id="{76F36AE5-79B5-0B9F-E510-1C27AAC4B649}"/>
               </a:ext>
             </a:extLst>
           </p:cNvPr>
@@ -12969,7 +12967,7 @@
           <p:cNvPr id="4" name="TextBox 3">
             <a:extLst>
               <a:ext uri="{FF2B5EF4-FFF2-40B4-BE49-F238E27FC236}">
-                <a16:creationId xmlns="" xmlns:a16="http://schemas.microsoft.com/office/drawing/2014/main" id="{5ADC00B6-990A-40DC-3CEA-505258F5E8DA}"/>
+                <a16:creationId xmlns:a16="http://schemas.microsoft.com/office/drawing/2014/main" xmlns="" id="{5ADC00B6-990A-40DC-3CEA-505258F5E8DA}"/>
               </a:ext>
             </a:extLst>
           </p:cNvPr>
@@ -13017,7 +13015,7 @@
           <p:cNvPr id="5" name="TextBox 4">
             <a:extLst>
               <a:ext uri="{FF2B5EF4-FFF2-40B4-BE49-F238E27FC236}">
-                <a16:creationId xmlns="" xmlns:a16="http://schemas.microsoft.com/office/drawing/2014/main" id="{A2AD056B-97A4-5BCC-4460-250160F3E171}"/>
+                <a16:creationId xmlns:a16="http://schemas.microsoft.com/office/drawing/2014/main" xmlns="" id="{A2AD056B-97A4-5BCC-4460-250160F3E171}"/>
               </a:ext>
             </a:extLst>
           </p:cNvPr>
@@ -13133,7 +13131,7 @@
           <p:cNvPr id="8" name="그룹 1008">
             <a:extLst>
               <a:ext uri="{FF2B5EF4-FFF2-40B4-BE49-F238E27FC236}">
-                <a16:creationId xmlns="" xmlns:a16="http://schemas.microsoft.com/office/drawing/2014/main" id="{678F6342-C505-E8AD-ADA4-022CB2C2088E}"/>
+                <a16:creationId xmlns:a16="http://schemas.microsoft.com/office/drawing/2014/main" xmlns="" id="{678F6342-C505-E8AD-ADA4-022CB2C2088E}"/>
               </a:ext>
             </a:extLst>
           </p:cNvPr>
@@ -13153,7 +13151,7 @@
             <p:cNvPr id="9" name="그룹 1009">
               <a:extLst>
                 <a:ext uri="{FF2B5EF4-FFF2-40B4-BE49-F238E27FC236}">
-                  <a16:creationId xmlns="" xmlns:a16="http://schemas.microsoft.com/office/drawing/2014/main" id="{4E1F1FED-812B-9BBB-925A-84B54A077414}"/>
+                  <a16:creationId xmlns:a16="http://schemas.microsoft.com/office/drawing/2014/main" xmlns="" id="{4E1F1FED-812B-9BBB-925A-84B54A077414}"/>
                 </a:ext>
               </a:extLst>
             </p:cNvPr>
@@ -13173,7 +13171,7 @@
               <p:cNvPr id="14" name="Object 29">
                 <a:extLst>
                   <a:ext uri="{FF2B5EF4-FFF2-40B4-BE49-F238E27FC236}">
-                    <a16:creationId xmlns="" xmlns:a16="http://schemas.microsoft.com/office/drawing/2014/main" id="{7B078609-4286-7B00-51EB-809C8E2DE289}"/>
+                    <a16:creationId xmlns:a16="http://schemas.microsoft.com/office/drawing/2014/main" xmlns="" id="{7B078609-4286-7B00-51EB-809C8E2DE289}"/>
                   </a:ext>
                 </a:extLst>
               </p:cNvPr>
@@ -13204,7 +13202,7 @@
             <p:cNvPr id="10" name="그룹 1010">
               <a:extLst>
                 <a:ext uri="{FF2B5EF4-FFF2-40B4-BE49-F238E27FC236}">
-                  <a16:creationId xmlns="" xmlns:a16="http://schemas.microsoft.com/office/drawing/2014/main" id="{02A649BF-B5B5-FBAF-7DFD-E118A4DF8907}"/>
+                  <a16:creationId xmlns:a16="http://schemas.microsoft.com/office/drawing/2014/main" xmlns="" id="{02A649BF-B5B5-FBAF-7DFD-E118A4DF8907}"/>
                 </a:ext>
               </a:extLst>
             </p:cNvPr>
@@ -13224,7 +13222,7 @@
               <p:cNvPr id="13" name="Object 32">
                 <a:extLst>
                   <a:ext uri="{FF2B5EF4-FFF2-40B4-BE49-F238E27FC236}">
-                    <a16:creationId xmlns="" xmlns:a16="http://schemas.microsoft.com/office/drawing/2014/main" id="{2A0FFF23-B3C9-3EA0-1C1B-A87D4FF098AE}"/>
+                    <a16:creationId xmlns:a16="http://schemas.microsoft.com/office/drawing/2014/main" xmlns="" id="{2A0FFF23-B3C9-3EA0-1C1B-A87D4FF098AE}"/>
                   </a:ext>
                 </a:extLst>
               </p:cNvPr>
@@ -13255,7 +13253,7 @@
             <p:cNvPr id="11" name="그룹 1011">
               <a:extLst>
                 <a:ext uri="{FF2B5EF4-FFF2-40B4-BE49-F238E27FC236}">
-                  <a16:creationId xmlns="" xmlns:a16="http://schemas.microsoft.com/office/drawing/2014/main" id="{881F5410-F7FB-F261-A584-707359BAC593}"/>
+                  <a16:creationId xmlns:a16="http://schemas.microsoft.com/office/drawing/2014/main" xmlns="" id="{881F5410-F7FB-F261-A584-707359BAC593}"/>
                 </a:ext>
               </a:extLst>
             </p:cNvPr>
@@ -13275,7 +13273,7 @@
               <p:cNvPr id="12" name="Object 35">
                 <a:extLst>
                   <a:ext uri="{FF2B5EF4-FFF2-40B4-BE49-F238E27FC236}">
-                    <a16:creationId xmlns="" xmlns:a16="http://schemas.microsoft.com/office/drawing/2014/main" id="{4E99E669-73EB-F9F4-EFE8-DC107035C265}"/>
+                    <a16:creationId xmlns:a16="http://schemas.microsoft.com/office/drawing/2014/main" xmlns="" id="{4E99E669-73EB-F9F4-EFE8-DC107035C265}"/>
                   </a:ext>
                 </a:extLst>
               </p:cNvPr>
@@ -13385,7 +13383,7 @@
           <p:cNvPr id="6" name="직사각형 5">
             <a:extLst>
               <a:ext uri="{FF2B5EF4-FFF2-40B4-BE49-F238E27FC236}">
-                <a16:creationId xmlns="" xmlns:a16="http://schemas.microsoft.com/office/drawing/2014/main" id="{FFF506F9-840A-0508-4CAF-3AC711D8D5CE}"/>
+                <a16:creationId xmlns:a16="http://schemas.microsoft.com/office/drawing/2014/main" xmlns="" id="{FFF506F9-840A-0508-4CAF-3AC711D8D5CE}"/>
               </a:ext>
             </a:extLst>
           </p:cNvPr>
@@ -13461,7 +13459,7 @@
           <p:cNvPr id="8" name="TextBox 7">
             <a:extLst>
               <a:ext uri="{FF2B5EF4-FFF2-40B4-BE49-F238E27FC236}">
-                <a16:creationId xmlns="" xmlns:a16="http://schemas.microsoft.com/office/drawing/2014/main" id="{5ADC00B6-990A-40DC-3CEA-505258F5E8DA}"/>
+                <a16:creationId xmlns:a16="http://schemas.microsoft.com/office/drawing/2014/main" xmlns="" id="{5ADC00B6-990A-40DC-3CEA-505258F5E8DA}"/>
               </a:ext>
             </a:extLst>
           </p:cNvPr>
@@ -13539,7 +13537,7 @@
           <p:cNvPr id="9" name="TextBox 8">
             <a:extLst>
               <a:ext uri="{FF2B5EF4-FFF2-40B4-BE49-F238E27FC236}">
-                <a16:creationId xmlns="" xmlns:a16="http://schemas.microsoft.com/office/drawing/2014/main" id="{C6D113C6-EA5C-788F-0C77-E7CE6EBB865F}"/>
+                <a16:creationId xmlns:a16="http://schemas.microsoft.com/office/drawing/2014/main" xmlns="" id="{C6D113C6-EA5C-788F-0C77-E7CE6EBB865F}"/>
               </a:ext>
             </a:extLst>
           </p:cNvPr>
@@ -13785,7 +13783,7 @@
           <p:cNvPr id="5" name="TextBox 4">
             <a:extLst>
               <a:ext uri="{FF2B5EF4-FFF2-40B4-BE49-F238E27FC236}">
-                <a16:creationId xmlns="" xmlns:a16="http://schemas.microsoft.com/office/drawing/2014/main" id="{5ADC00B6-990A-40DC-3CEA-505258F5E8DA}"/>
+                <a16:creationId xmlns:a16="http://schemas.microsoft.com/office/drawing/2014/main" xmlns="" id="{5ADC00B6-990A-40DC-3CEA-505258F5E8DA}"/>
               </a:ext>
             </a:extLst>
           </p:cNvPr>
@@ -13857,7 +13855,7 @@
           <p:cNvPr id="9" name="TextBox 8">
             <a:extLst>
               <a:ext uri="{FF2B5EF4-FFF2-40B4-BE49-F238E27FC236}">
-                <a16:creationId xmlns="" xmlns:a16="http://schemas.microsoft.com/office/drawing/2014/main" id="{A2AD056B-97A4-5BCC-4460-250160F3E171}"/>
+                <a16:creationId xmlns:a16="http://schemas.microsoft.com/office/drawing/2014/main" xmlns="" id="{A2AD056B-97A4-5BCC-4460-250160F3E171}"/>
               </a:ext>
             </a:extLst>
           </p:cNvPr>
@@ -13945,7 +13943,7 @@
           <p:cNvPr id="10" name="직선 화살표 연결선 9">
             <a:extLst>
               <a:ext uri="{FF2B5EF4-FFF2-40B4-BE49-F238E27FC236}">
-                <a16:creationId xmlns="" xmlns:a16="http://schemas.microsoft.com/office/drawing/2014/main" id="{299DF5EC-9DF4-5255-06AC-0A7CE4FF58C3}"/>
+                <a16:creationId xmlns:a16="http://schemas.microsoft.com/office/drawing/2014/main" xmlns="" id="{299DF5EC-9DF4-5255-06AC-0A7CE4FF58C3}"/>
               </a:ext>
             </a:extLst>
           </p:cNvPr>
@@ -13986,7 +13984,7 @@
           <p:cNvPr id="11" name="TextBox 10">
             <a:extLst>
               <a:ext uri="{FF2B5EF4-FFF2-40B4-BE49-F238E27FC236}">
-                <a16:creationId xmlns="" xmlns:a16="http://schemas.microsoft.com/office/drawing/2014/main" id="{C6D113C6-EA5C-788F-0C77-E7CE6EBB865F}"/>
+                <a16:creationId xmlns:a16="http://schemas.microsoft.com/office/drawing/2014/main" xmlns="" id="{C6D113C6-EA5C-788F-0C77-E7CE6EBB865F}"/>
               </a:ext>
             </a:extLst>
           </p:cNvPr>
@@ -14270,7 +14268,7 @@
           <p:cNvPr id="4" name="TextBox 3">
             <a:extLst>
               <a:ext uri="{FF2B5EF4-FFF2-40B4-BE49-F238E27FC236}">
-                <a16:creationId xmlns="" xmlns:a16="http://schemas.microsoft.com/office/drawing/2014/main" id="{5ADC00B6-990A-40DC-3CEA-505258F5E8DA}"/>
+                <a16:creationId xmlns:a16="http://schemas.microsoft.com/office/drawing/2014/main" xmlns="" id="{5ADC00B6-990A-40DC-3CEA-505258F5E8DA}"/>
               </a:ext>
             </a:extLst>
           </p:cNvPr>
@@ -14342,7 +14340,7 @@
           <p:cNvPr id="6" name="직사각형 5">
             <a:extLst>
               <a:ext uri="{FF2B5EF4-FFF2-40B4-BE49-F238E27FC236}">
-                <a16:creationId xmlns="" xmlns:a16="http://schemas.microsoft.com/office/drawing/2014/main" id="{FFF506F9-840A-0508-4CAF-3AC711D8D5CE}"/>
+                <a16:creationId xmlns:a16="http://schemas.microsoft.com/office/drawing/2014/main" xmlns="" id="{FFF506F9-840A-0508-4CAF-3AC711D8D5CE}"/>
               </a:ext>
             </a:extLst>
           </p:cNvPr>
@@ -14418,7 +14416,7 @@
           <p:cNvPr id="8" name="TextBox 7">
             <a:extLst>
               <a:ext uri="{FF2B5EF4-FFF2-40B4-BE49-F238E27FC236}">
-                <a16:creationId xmlns="" xmlns:a16="http://schemas.microsoft.com/office/drawing/2014/main" id="{A2AD056B-97A4-5BCC-4460-250160F3E171}"/>
+                <a16:creationId xmlns:a16="http://schemas.microsoft.com/office/drawing/2014/main" xmlns="" id="{A2AD056B-97A4-5BCC-4460-250160F3E171}"/>
               </a:ext>
             </a:extLst>
           </p:cNvPr>
@@ -14496,7 +14494,7 @@
           <p:cNvPr id="4" name="TextBox 3">
             <a:extLst>
               <a:ext uri="{FF2B5EF4-FFF2-40B4-BE49-F238E27FC236}">
-                <a16:creationId xmlns="" xmlns:a16="http://schemas.microsoft.com/office/drawing/2014/main" id="{5ADC00B6-990A-40DC-3CEA-505258F5E8DA}"/>
+                <a16:creationId xmlns:a16="http://schemas.microsoft.com/office/drawing/2014/main" xmlns="" id="{5ADC00B6-990A-40DC-3CEA-505258F5E8DA}"/>
               </a:ext>
             </a:extLst>
           </p:cNvPr>
@@ -14608,7 +14606,7 @@
           <p:cNvPr id="5" name="TextBox 4">
             <a:extLst>
               <a:ext uri="{FF2B5EF4-FFF2-40B4-BE49-F238E27FC236}">
-                <a16:creationId xmlns="" xmlns:a16="http://schemas.microsoft.com/office/drawing/2014/main" id="{A2AD056B-97A4-5BCC-4460-250160F3E171}"/>
+                <a16:creationId xmlns:a16="http://schemas.microsoft.com/office/drawing/2014/main" xmlns="" id="{A2AD056B-97A4-5BCC-4460-250160F3E171}"/>
               </a:ext>
             </a:extLst>
           </p:cNvPr>
@@ -14710,7 +14708,7 @@
           <p:cNvPr id="7" name="직선 화살표 연결선 6">
             <a:extLst>
               <a:ext uri="{FF2B5EF4-FFF2-40B4-BE49-F238E27FC236}">
-                <a16:creationId xmlns="" xmlns:a16="http://schemas.microsoft.com/office/drawing/2014/main" id="{299DF5EC-9DF4-5255-06AC-0A7CE4FF58C3}"/>
+                <a16:creationId xmlns:a16="http://schemas.microsoft.com/office/drawing/2014/main" xmlns="" id="{299DF5EC-9DF4-5255-06AC-0A7CE4FF58C3}"/>
               </a:ext>
             </a:extLst>
           </p:cNvPr>
@@ -14751,7 +14749,7 @@
           <p:cNvPr id="8" name="TextBox 7">
             <a:extLst>
               <a:ext uri="{FF2B5EF4-FFF2-40B4-BE49-F238E27FC236}">
-                <a16:creationId xmlns="" xmlns:a16="http://schemas.microsoft.com/office/drawing/2014/main" id="{C6D113C6-EA5C-788F-0C77-E7CE6EBB865F}"/>
+                <a16:creationId xmlns:a16="http://schemas.microsoft.com/office/drawing/2014/main" xmlns="" id="{C6D113C6-EA5C-788F-0C77-E7CE6EBB865F}"/>
               </a:ext>
             </a:extLst>
           </p:cNvPr>
@@ -15159,7 +15157,7 @@
           <p:cNvPr id="2" name="TextBox 1">
             <a:extLst>
               <a:ext uri="{FF2B5EF4-FFF2-40B4-BE49-F238E27FC236}">
-                <a16:creationId xmlns="" xmlns:a16="http://schemas.microsoft.com/office/drawing/2014/main" id="{8D19D88B-9541-32D7-90F1-0C45C993E21C}"/>
+                <a16:creationId xmlns:a16="http://schemas.microsoft.com/office/drawing/2014/main" xmlns="" id="{8D19D88B-9541-32D7-90F1-0C45C993E21C}"/>
               </a:ext>
             </a:extLst>
           </p:cNvPr>
@@ -15256,7 +15254,7 @@
           <p:cNvPr id="5" name="TextBox 4">
             <a:extLst>
               <a:ext uri="{FF2B5EF4-FFF2-40B4-BE49-F238E27FC236}">
-                <a16:creationId xmlns="" xmlns:a16="http://schemas.microsoft.com/office/drawing/2014/main" id="{A2AD056B-97A4-5BCC-4460-250160F3E171}"/>
+                <a16:creationId xmlns:a16="http://schemas.microsoft.com/office/drawing/2014/main" xmlns="" id="{A2AD056B-97A4-5BCC-4460-250160F3E171}"/>
               </a:ext>
             </a:extLst>
           </p:cNvPr>
@@ -15348,7 +15346,7 @@
           <p:cNvPr id="7" name="TextBox 6">
             <a:extLst>
               <a:ext uri="{FF2B5EF4-FFF2-40B4-BE49-F238E27FC236}">
-                <a16:creationId xmlns="" xmlns:a16="http://schemas.microsoft.com/office/drawing/2014/main" id="{5ADC00B6-990A-40DC-3CEA-505258F5E8DA}"/>
+                <a16:creationId xmlns:a16="http://schemas.microsoft.com/office/drawing/2014/main" xmlns="" id="{5ADC00B6-990A-40DC-3CEA-505258F5E8DA}"/>
               </a:ext>
             </a:extLst>
           </p:cNvPr>
@@ -15460,7 +15458,7 @@
           <p:cNvPr id="5" name="직사각형 4">
             <a:extLst>
               <a:ext uri="{FF2B5EF4-FFF2-40B4-BE49-F238E27FC236}">
-                <a16:creationId xmlns="" xmlns:a16="http://schemas.microsoft.com/office/drawing/2014/main" id="{FFF506F9-840A-0508-4CAF-3AC711D8D5CE}"/>
+                <a16:creationId xmlns:a16="http://schemas.microsoft.com/office/drawing/2014/main" xmlns="" id="{FFF506F9-840A-0508-4CAF-3AC711D8D5CE}"/>
               </a:ext>
             </a:extLst>
           </p:cNvPr>
@@ -15512,7 +15510,7 @@
           <p:cNvPr id="6" name="TextBox 5">
             <a:extLst>
               <a:ext uri="{FF2B5EF4-FFF2-40B4-BE49-F238E27FC236}">
-                <a16:creationId xmlns="" xmlns:a16="http://schemas.microsoft.com/office/drawing/2014/main" id="{5ADC00B6-990A-40DC-3CEA-505258F5E8DA}"/>
+                <a16:creationId xmlns:a16="http://schemas.microsoft.com/office/drawing/2014/main" xmlns="" id="{5ADC00B6-990A-40DC-3CEA-505258F5E8DA}"/>
               </a:ext>
             </a:extLst>
           </p:cNvPr>
@@ -15570,7 +15568,7 @@
           <p:cNvPr id="7" name="TextBox 6">
             <a:extLst>
               <a:ext uri="{FF2B5EF4-FFF2-40B4-BE49-F238E27FC236}">
-                <a16:creationId xmlns="" xmlns:a16="http://schemas.microsoft.com/office/drawing/2014/main" id="{5ADC00B6-990A-40DC-3CEA-505258F5E8DA}"/>
+                <a16:creationId xmlns:a16="http://schemas.microsoft.com/office/drawing/2014/main" xmlns="" id="{5ADC00B6-990A-40DC-3CEA-505258F5E8DA}"/>
               </a:ext>
             </a:extLst>
           </p:cNvPr>
@@ -15949,7 +15947,7 @@
           <p:cNvPr id="58" name="TextBox 57">
             <a:extLst>
               <a:ext uri="{FF2B5EF4-FFF2-40B4-BE49-F238E27FC236}">
-                <a16:creationId xmlns="" xmlns:a16="http://schemas.microsoft.com/office/drawing/2014/main" id="{5ADC00B6-990A-40DC-3CEA-505258F5E8DA}"/>
+                <a16:creationId xmlns:a16="http://schemas.microsoft.com/office/drawing/2014/main" xmlns="" id="{5ADC00B6-990A-40DC-3CEA-505258F5E8DA}"/>
               </a:ext>
             </a:extLst>
           </p:cNvPr>
@@ -15997,7 +15995,7 @@
           <p:cNvPr id="59" name="TextBox 58">
             <a:extLst>
               <a:ext uri="{FF2B5EF4-FFF2-40B4-BE49-F238E27FC236}">
-                <a16:creationId xmlns="" xmlns:a16="http://schemas.microsoft.com/office/drawing/2014/main" id="{5ADC00B6-990A-40DC-3CEA-505258F5E8DA}"/>
+                <a16:creationId xmlns:a16="http://schemas.microsoft.com/office/drawing/2014/main" xmlns="" id="{5ADC00B6-990A-40DC-3CEA-505258F5E8DA}"/>
               </a:ext>
             </a:extLst>
           </p:cNvPr>
@@ -16045,7 +16043,7 @@
           <p:cNvPr id="25" name="TextBox 24">
             <a:extLst>
               <a:ext uri="{FF2B5EF4-FFF2-40B4-BE49-F238E27FC236}">
-                <a16:creationId xmlns="" xmlns:a16="http://schemas.microsoft.com/office/drawing/2014/main" id="{A2AD056B-97A4-5BCC-4460-250160F3E171}"/>
+                <a16:creationId xmlns:a16="http://schemas.microsoft.com/office/drawing/2014/main" xmlns="" id="{A2AD056B-97A4-5BCC-4460-250160F3E171}"/>
               </a:ext>
             </a:extLst>
           </p:cNvPr>
@@ -16137,7 +16135,7 @@
           <p:cNvPr id="26" name="TextBox 25">
             <a:extLst>
               <a:ext uri="{FF2B5EF4-FFF2-40B4-BE49-F238E27FC236}">
-                <a16:creationId xmlns="" xmlns:a16="http://schemas.microsoft.com/office/drawing/2014/main" id="{A2AD056B-97A4-5BCC-4460-250160F3E171}"/>
+                <a16:creationId xmlns:a16="http://schemas.microsoft.com/office/drawing/2014/main" xmlns="" id="{A2AD056B-97A4-5BCC-4460-250160F3E171}"/>
               </a:ext>
             </a:extLst>
           </p:cNvPr>
@@ -16191,7 +16189,7 @@
           <p:cNvPr id="27" name="TextBox 26">
             <a:extLst>
               <a:ext uri="{FF2B5EF4-FFF2-40B4-BE49-F238E27FC236}">
-                <a16:creationId xmlns="" xmlns:a16="http://schemas.microsoft.com/office/drawing/2014/main" id="{A2AD056B-97A4-5BCC-4460-250160F3E171}"/>
+                <a16:creationId xmlns:a16="http://schemas.microsoft.com/office/drawing/2014/main" xmlns="" id="{A2AD056B-97A4-5BCC-4460-250160F3E171}"/>
               </a:ext>
             </a:extLst>
           </p:cNvPr>
@@ -16258,7 +16256,7 @@
           <p:cNvPr id="28" name="TextBox 27">
             <a:extLst>
               <a:ext uri="{FF2B5EF4-FFF2-40B4-BE49-F238E27FC236}">
-                <a16:creationId xmlns="" xmlns:a16="http://schemas.microsoft.com/office/drawing/2014/main" id="{A2AD056B-97A4-5BCC-4460-250160F3E171}"/>
+                <a16:creationId xmlns:a16="http://schemas.microsoft.com/office/drawing/2014/main" xmlns="" id="{A2AD056B-97A4-5BCC-4460-250160F3E171}"/>
               </a:ext>
             </a:extLst>
           </p:cNvPr>
@@ -16355,7 +16353,7 @@
           <p:cNvPr id="4" name="TextBox 3">
             <a:extLst>
               <a:ext uri="{FF2B5EF4-FFF2-40B4-BE49-F238E27FC236}">
-                <a16:creationId xmlns="" xmlns:a16="http://schemas.microsoft.com/office/drawing/2014/main" id="{DF7DDD33-9412-2802-339A-E55446AC2DA7}"/>
+                <a16:creationId xmlns:a16="http://schemas.microsoft.com/office/drawing/2014/main" xmlns="" id="{DF7DDD33-9412-2802-339A-E55446AC2DA7}"/>
               </a:ext>
             </a:extLst>
           </p:cNvPr>
@@ -16475,7 +16473,7 @@
           <p:cNvPr id="10" name="직선 화살표 연결선 9">
             <a:extLst>
               <a:ext uri="{FF2B5EF4-FFF2-40B4-BE49-F238E27FC236}">
-                <a16:creationId xmlns="" xmlns:a16="http://schemas.microsoft.com/office/drawing/2014/main" id="{299DF5EC-9DF4-5255-06AC-0A7CE4FF58C3}"/>
+                <a16:creationId xmlns:a16="http://schemas.microsoft.com/office/drawing/2014/main" xmlns="" id="{299DF5EC-9DF4-5255-06AC-0A7CE4FF58C3}"/>
               </a:ext>
             </a:extLst>
           </p:cNvPr>
@@ -16516,7 +16514,7 @@
           <p:cNvPr id="11" name="TextBox 10">
             <a:extLst>
               <a:ext uri="{FF2B5EF4-FFF2-40B4-BE49-F238E27FC236}">
-                <a16:creationId xmlns="" xmlns:a16="http://schemas.microsoft.com/office/drawing/2014/main" id="{C6D113C6-EA5C-788F-0C77-E7CE6EBB865F}"/>
+                <a16:creationId xmlns:a16="http://schemas.microsoft.com/office/drawing/2014/main" xmlns="" id="{C6D113C6-EA5C-788F-0C77-E7CE6EBB865F}"/>
               </a:ext>
             </a:extLst>
           </p:cNvPr>
@@ -16588,7 +16586,7 @@
           <p:cNvPr id="13" name="직선 화살표 연결선 12">
             <a:extLst>
               <a:ext uri="{FF2B5EF4-FFF2-40B4-BE49-F238E27FC236}">
-                <a16:creationId xmlns="" xmlns:a16="http://schemas.microsoft.com/office/drawing/2014/main" id="{299DF5EC-9DF4-5255-06AC-0A7CE4FF58C3}"/>
+                <a16:creationId xmlns:a16="http://schemas.microsoft.com/office/drawing/2014/main" xmlns="" id="{299DF5EC-9DF4-5255-06AC-0A7CE4FF58C3}"/>
               </a:ext>
             </a:extLst>
           </p:cNvPr>
@@ -16629,7 +16627,7 @@
           <p:cNvPr id="14" name="TextBox 13">
             <a:extLst>
               <a:ext uri="{FF2B5EF4-FFF2-40B4-BE49-F238E27FC236}">
-                <a16:creationId xmlns="" xmlns:a16="http://schemas.microsoft.com/office/drawing/2014/main" id="{C6D113C6-EA5C-788F-0C77-E7CE6EBB865F}"/>
+                <a16:creationId xmlns:a16="http://schemas.microsoft.com/office/drawing/2014/main" xmlns="" id="{C6D113C6-EA5C-788F-0C77-E7CE6EBB865F}"/>
               </a:ext>
             </a:extLst>
           </p:cNvPr>
@@ -16677,7 +16675,7 @@
           <p:cNvPr id="15" name="직선 화살표 연결선 14">
             <a:extLst>
               <a:ext uri="{FF2B5EF4-FFF2-40B4-BE49-F238E27FC236}">
-                <a16:creationId xmlns="" xmlns:a16="http://schemas.microsoft.com/office/drawing/2014/main" id="{299DF5EC-9DF4-5255-06AC-0A7CE4FF58C3}"/>
+                <a16:creationId xmlns:a16="http://schemas.microsoft.com/office/drawing/2014/main" xmlns="" id="{299DF5EC-9DF4-5255-06AC-0A7CE4FF58C3}"/>
               </a:ext>
             </a:extLst>
           </p:cNvPr>
@@ -16718,7 +16716,7 @@
           <p:cNvPr id="16" name="TextBox 15">
             <a:extLst>
               <a:ext uri="{FF2B5EF4-FFF2-40B4-BE49-F238E27FC236}">
-                <a16:creationId xmlns="" xmlns:a16="http://schemas.microsoft.com/office/drawing/2014/main" id="{C6D113C6-EA5C-788F-0C77-E7CE6EBB865F}"/>
+                <a16:creationId xmlns:a16="http://schemas.microsoft.com/office/drawing/2014/main" xmlns="" id="{C6D113C6-EA5C-788F-0C77-E7CE6EBB865F}"/>
               </a:ext>
             </a:extLst>
           </p:cNvPr>
@@ -16790,7 +16788,7 @@
           <p:cNvPr id="18" name="직선 화살표 연결선 17">
             <a:extLst>
               <a:ext uri="{FF2B5EF4-FFF2-40B4-BE49-F238E27FC236}">
-                <a16:creationId xmlns="" xmlns:a16="http://schemas.microsoft.com/office/drawing/2014/main" id="{299DF5EC-9DF4-5255-06AC-0A7CE4FF58C3}"/>
+                <a16:creationId xmlns:a16="http://schemas.microsoft.com/office/drawing/2014/main" xmlns="" id="{299DF5EC-9DF4-5255-06AC-0A7CE4FF58C3}"/>
               </a:ext>
             </a:extLst>
           </p:cNvPr>
@@ -16831,7 +16829,7 @@
           <p:cNvPr id="19" name="TextBox 18">
             <a:extLst>
               <a:ext uri="{FF2B5EF4-FFF2-40B4-BE49-F238E27FC236}">
-                <a16:creationId xmlns="" xmlns:a16="http://schemas.microsoft.com/office/drawing/2014/main" id="{C6D113C6-EA5C-788F-0C77-E7CE6EBB865F}"/>
+                <a16:creationId xmlns:a16="http://schemas.microsoft.com/office/drawing/2014/main" xmlns="" id="{C6D113C6-EA5C-788F-0C77-E7CE6EBB865F}"/>
               </a:ext>
             </a:extLst>
           </p:cNvPr>
@@ -16921,7 +16919,7 @@
           <p:cNvPr id="22" name="직선 화살표 연결선 21">
             <a:extLst>
               <a:ext uri="{FF2B5EF4-FFF2-40B4-BE49-F238E27FC236}">
-                <a16:creationId xmlns="" xmlns:a16="http://schemas.microsoft.com/office/drawing/2014/main" id="{299DF5EC-9DF4-5255-06AC-0A7CE4FF58C3}"/>
+                <a16:creationId xmlns:a16="http://schemas.microsoft.com/office/drawing/2014/main" xmlns="" id="{299DF5EC-9DF4-5255-06AC-0A7CE4FF58C3}"/>
               </a:ext>
             </a:extLst>
           </p:cNvPr>
@@ -16962,7 +16960,7 @@
           <p:cNvPr id="23" name="TextBox 22">
             <a:extLst>
               <a:ext uri="{FF2B5EF4-FFF2-40B4-BE49-F238E27FC236}">
-                <a16:creationId xmlns="" xmlns:a16="http://schemas.microsoft.com/office/drawing/2014/main" id="{C6D113C6-EA5C-788F-0C77-E7CE6EBB865F}"/>
+                <a16:creationId xmlns:a16="http://schemas.microsoft.com/office/drawing/2014/main" xmlns="" id="{C6D113C6-EA5C-788F-0C77-E7CE6EBB865F}"/>
               </a:ext>
             </a:extLst>
           </p:cNvPr>
@@ -17058,7 +17056,7 @@
           <p:cNvPr id="26" name="직선 화살표 연결선 25">
             <a:extLst>
               <a:ext uri="{FF2B5EF4-FFF2-40B4-BE49-F238E27FC236}">
-                <a16:creationId xmlns="" xmlns:a16="http://schemas.microsoft.com/office/drawing/2014/main" id="{299DF5EC-9DF4-5255-06AC-0A7CE4FF58C3}"/>
+                <a16:creationId xmlns:a16="http://schemas.microsoft.com/office/drawing/2014/main" xmlns="" id="{299DF5EC-9DF4-5255-06AC-0A7CE4FF58C3}"/>
               </a:ext>
             </a:extLst>
           </p:cNvPr>
@@ -17099,7 +17097,7 @@
           <p:cNvPr id="27" name="TextBox 26">
             <a:extLst>
               <a:ext uri="{FF2B5EF4-FFF2-40B4-BE49-F238E27FC236}">
-                <a16:creationId xmlns="" xmlns:a16="http://schemas.microsoft.com/office/drawing/2014/main" id="{C6D113C6-EA5C-788F-0C77-E7CE6EBB865F}"/>
+                <a16:creationId xmlns:a16="http://schemas.microsoft.com/office/drawing/2014/main" xmlns="" id="{C6D113C6-EA5C-788F-0C77-E7CE6EBB865F}"/>
               </a:ext>
             </a:extLst>
           </p:cNvPr>
@@ -17908,200 +17906,6 @@
 <file path=ppt/slides/slide34.xml><?xml version="1.0" encoding="utf-8"?>
 <p:sld xmlns:a="http://schemas.openxmlformats.org/drawingml/2006/main" xmlns:r="http://schemas.openxmlformats.org/officeDocument/2006/relationships" xmlns:p="http://schemas.openxmlformats.org/presentationml/2006/main">
   <p:cSld>
-    <p:spTree>
-      <p:nvGrpSpPr>
-        <p:cNvPr id="1" name=""/>
-        <p:cNvGrpSpPr/>
-        <p:nvPr/>
-      </p:nvGrpSpPr>
-      <p:grpSpPr>
-        <a:xfrm>
-          <a:off x="0" y="0"/>
-          <a:ext cx="0" cy="0"/>
-          <a:chOff x="0" y="0"/>
-          <a:chExt cx="0" cy="0"/>
-        </a:xfrm>
-      </p:grpSpPr>
-      <p:sp>
-        <p:nvSpPr>
-          <p:cNvPr id="4" name="TextBox 3">
-            <a:extLst>
-              <a:ext uri="{FF2B5EF4-FFF2-40B4-BE49-F238E27FC236}">
-                <a16:creationId xmlns="" xmlns:a16="http://schemas.microsoft.com/office/drawing/2014/main" id="{DF7DDD33-9412-2802-339A-E55446AC2DA7}"/>
-              </a:ext>
-            </a:extLst>
-          </p:cNvPr>
-          <p:cNvSpPr txBox="1"/>
-          <p:nvPr/>
-        </p:nvSpPr>
-        <p:spPr>
-          <a:xfrm>
-            <a:off x="762000" y="266700"/>
-            <a:ext cx="3313728" cy="923330"/>
-          </a:xfrm>
-          <a:prstGeom prst="rect">
-            <a:avLst/>
-          </a:prstGeom>
-          <a:noFill/>
-        </p:spPr>
-        <p:txBody>
-          <a:bodyPr wrap="none" rtlCol="0">
-            <a:spAutoFit/>
-          </a:bodyPr>
-          <a:lstStyle/>
-          <a:p>
-            <a:r>
-              <a:rPr lang="ko-KR" altLang="en-US" sz="5400" smtClean="0">
-                <a:solidFill>
-                  <a:srgbClr val="4C50BC"/>
-                </a:solidFill>
-                <a:latin typeface="G마켓 산스 Bold"/>
-                <a:ea typeface="G마켓 산스 Medium" panose="02000000000000000000" pitchFamily="50" charset="-127"/>
-              </a:rPr>
-              <a:t>실습문제</a:t>
-            </a:r>
-            <a:r>
-              <a:rPr lang="en-US" altLang="ko-KR" sz="5400" smtClean="0">
-                <a:solidFill>
-                  <a:srgbClr val="4C50BC"/>
-                </a:solidFill>
-                <a:latin typeface="G마켓 산스 Bold"/>
-                <a:ea typeface="G마켓 산스 Medium" panose="02000000000000000000" pitchFamily="50" charset="-127"/>
-              </a:rPr>
-              <a:t>2</a:t>
-            </a:r>
-            <a:endParaRPr lang="ko-KR" altLang="en-US" sz="5400" dirty="0">
-              <a:solidFill>
-                <a:srgbClr val="4C50BC"/>
-              </a:solidFill>
-              <a:latin typeface="G마켓 산스 Bold"/>
-              <a:ea typeface="G마켓 산스 Medium" panose="02000000000000000000" pitchFamily="50" charset="-127"/>
-            </a:endParaRPr>
-          </a:p>
-        </p:txBody>
-      </p:sp>
-      <p:sp>
-        <p:nvSpPr>
-          <p:cNvPr id="5" name="TextBox 4">
-            <a:extLst>
-              <a:ext uri="{FF2B5EF4-FFF2-40B4-BE49-F238E27FC236}">
-                <a16:creationId xmlns="" xmlns:a16="http://schemas.microsoft.com/office/drawing/2014/main" id="{A2AD056B-97A4-5BCC-4460-250160F3E171}"/>
-              </a:ext>
-            </a:extLst>
-          </p:cNvPr>
-          <p:cNvSpPr txBox="1"/>
-          <p:nvPr/>
-        </p:nvSpPr>
-        <p:spPr>
-          <a:xfrm>
-            <a:off x="1447800" y="1212890"/>
-            <a:ext cx="10820400" cy="584775"/>
-          </a:xfrm>
-          <a:prstGeom prst="rect">
-            <a:avLst/>
-          </a:prstGeom>
-          <a:noFill/>
-        </p:spPr>
-        <p:txBody>
-          <a:bodyPr wrap="square" rtlCol="0">
-            <a:spAutoFit/>
-          </a:bodyPr>
-          <a:lstStyle/>
-          <a:p>
-            <a:r>
-              <a:rPr lang="en-US" altLang="ko-KR" sz="3200" smtClean="0">
-                <a:solidFill>
-                  <a:schemeClr val="tx1">
-                    <a:lumMod val="50000"/>
-                    <a:lumOff val="50000"/>
-                  </a:schemeClr>
-                </a:solidFill>
-                <a:latin typeface="G마켓 산스 Medium" panose="02000000000000000000" pitchFamily="50" charset="-127"/>
-                <a:ea typeface="G마켓 산스 Medium" panose="02000000000000000000" pitchFamily="50" charset="-127"/>
-              </a:rPr>
-              <a:t>1. </a:t>
-            </a:r>
-            <a:r>
-              <a:rPr lang="ko-KR" altLang="en-US" sz="3200" smtClean="0">
-                <a:solidFill>
-                  <a:schemeClr val="tx1">
-                    <a:lumMod val="50000"/>
-                    <a:lumOff val="50000"/>
-                  </a:schemeClr>
-                </a:solidFill>
-                <a:latin typeface="G마켓 산스 Medium" panose="02000000000000000000" pitchFamily="50" charset="-127"/>
-                <a:ea typeface="G마켓 산스 Medium" panose="02000000000000000000" pitchFamily="50" charset="-127"/>
-              </a:rPr>
-              <a:t>상속시 </a:t>
-            </a:r>
-            <a:r>
-              <a:rPr lang="ko-KR" altLang="en-US" sz="3200">
-                <a:solidFill>
-                  <a:schemeClr val="tx1">
-                    <a:lumMod val="50000"/>
-                    <a:lumOff val="50000"/>
-                  </a:schemeClr>
-                </a:solidFill>
-                <a:latin typeface="G마켓 산스 Medium" panose="02000000000000000000" pitchFamily="50" charset="-127"/>
-                <a:ea typeface="G마켓 산스 Medium" panose="02000000000000000000" pitchFamily="50" charset="-127"/>
-              </a:rPr>
-              <a:t>부모의 메서드를 </a:t>
-            </a:r>
-            <a:r>
-              <a:rPr lang="ko-KR" altLang="en-US" sz="3200" smtClean="0">
-                <a:solidFill>
-                  <a:schemeClr val="tx1">
-                    <a:lumMod val="50000"/>
-                    <a:lumOff val="50000"/>
-                  </a:schemeClr>
-                </a:solidFill>
-                <a:latin typeface="G마켓 산스 Medium" panose="02000000000000000000" pitchFamily="50" charset="-127"/>
-                <a:ea typeface="G마켓 산스 Medium" panose="02000000000000000000" pitchFamily="50" charset="-127"/>
-              </a:rPr>
-              <a:t>덮어쓴다</a:t>
-            </a:r>
-            <a:r>
-              <a:rPr lang="en-US" altLang="ko-KR" sz="3200">
-                <a:solidFill>
-                  <a:schemeClr val="tx1">
-                    <a:lumMod val="50000"/>
-                    <a:lumOff val="50000"/>
-                  </a:schemeClr>
-                </a:solidFill>
-                <a:latin typeface="G마켓 산스 Medium" panose="02000000000000000000" pitchFamily="50" charset="-127"/>
-                <a:ea typeface="G마켓 산스 Medium" panose="02000000000000000000" pitchFamily="50" charset="-127"/>
-              </a:rPr>
-              <a:t>.</a:t>
-            </a:r>
-            <a:endParaRPr lang="en-US" altLang="ko-KR" sz="3200" dirty="0">
-              <a:solidFill>
-                <a:schemeClr val="tx1">
-                  <a:lumMod val="50000"/>
-                  <a:lumOff val="50000"/>
-                </a:schemeClr>
-              </a:solidFill>
-              <a:latin typeface="G마켓 산스 Medium" panose="02000000000000000000" pitchFamily="50" charset="-127"/>
-              <a:ea typeface="G마켓 산스 Medium" panose="02000000000000000000" pitchFamily="50" charset="-127"/>
-            </a:endParaRPr>
-          </a:p>
-        </p:txBody>
-      </p:sp>
-    </p:spTree>
-    <p:extLst>
-      <p:ext uri="{BB962C8B-B14F-4D97-AF65-F5344CB8AC3E}">
-        <p14:creationId xmlns:p14="http://schemas.microsoft.com/office/powerpoint/2010/main" val="1161268286"/>
-      </p:ext>
-    </p:extLst>
-  </p:cSld>
-  <p:clrMapOvr>
-    <a:masterClrMapping/>
-  </p:clrMapOvr>
-</p:sld>
-</file>
-
-<file path=ppt/slides/slide35.xml><?xml version="1.0" encoding="utf-8"?>
-<p:sld xmlns:a="http://schemas.openxmlformats.org/drawingml/2006/main" xmlns:r="http://schemas.openxmlformats.org/officeDocument/2006/relationships" xmlns:p="http://schemas.openxmlformats.org/presentationml/2006/main">
-  <p:cSld>
     <p:bg>
       <p:bgPr>
         <a:solidFill>
@@ -18129,7 +17933,7 @@
           <p:cNvPr id="4" name="Object 1">
             <a:extLst>
               <a:ext uri="{FF2B5EF4-FFF2-40B4-BE49-F238E27FC236}">
-                <a16:creationId xmlns="" xmlns:a16="http://schemas.microsoft.com/office/drawing/2014/main" id="{B0329035-BE76-33A8-0F2E-44624FCC1DED}"/>
+                <a16:creationId xmlns:a16="http://schemas.microsoft.com/office/drawing/2014/main" xmlns="" id="{B0329035-BE76-33A8-0F2E-44624FCC1DED}"/>
               </a:ext>
             </a:extLst>
           </p:cNvPr>
@@ -18159,7 +17963,7 @@
           <p:cNvPr id="7" name="그룹 1001">
             <a:extLst>
               <a:ext uri="{FF2B5EF4-FFF2-40B4-BE49-F238E27FC236}">
-                <a16:creationId xmlns="" xmlns:a16="http://schemas.microsoft.com/office/drawing/2014/main" id="{CD24CE9D-AC18-B6CD-F397-7E8E03D6FE26}"/>
+                <a16:creationId xmlns:a16="http://schemas.microsoft.com/office/drawing/2014/main" xmlns="" id="{CD24CE9D-AC18-B6CD-F397-7E8E03D6FE26}"/>
               </a:ext>
             </a:extLst>
           </p:cNvPr>
@@ -18179,7 +17983,7 @@
             <p:cNvPr id="8" name="Object 5">
               <a:extLst>
                 <a:ext uri="{FF2B5EF4-FFF2-40B4-BE49-F238E27FC236}">
-                  <a16:creationId xmlns="" xmlns:a16="http://schemas.microsoft.com/office/drawing/2014/main" id="{0EEF25E8-3BA8-EBAA-6DC2-66D70C3F9F4D}"/>
+                  <a16:creationId xmlns:a16="http://schemas.microsoft.com/office/drawing/2014/main" xmlns="" id="{0EEF25E8-3BA8-EBAA-6DC2-66D70C3F9F4D}"/>
                 </a:ext>
               </a:extLst>
             </p:cNvPr>
@@ -18210,7 +18014,7 @@
           <p:cNvPr id="9" name="그룹 1002">
             <a:extLst>
               <a:ext uri="{FF2B5EF4-FFF2-40B4-BE49-F238E27FC236}">
-                <a16:creationId xmlns="" xmlns:a16="http://schemas.microsoft.com/office/drawing/2014/main" id="{0F281BC9-DE1F-D1FE-E64C-C4640398F00C}"/>
+                <a16:creationId xmlns:a16="http://schemas.microsoft.com/office/drawing/2014/main" xmlns="" id="{0F281BC9-DE1F-D1FE-E64C-C4640398F00C}"/>
               </a:ext>
             </a:extLst>
           </p:cNvPr>
@@ -18230,7 +18034,7 @@
             <p:cNvPr id="10" name="Object 8">
               <a:extLst>
                 <a:ext uri="{FF2B5EF4-FFF2-40B4-BE49-F238E27FC236}">
-                  <a16:creationId xmlns="" xmlns:a16="http://schemas.microsoft.com/office/drawing/2014/main" id="{F669DCEF-04BB-7046-3F7F-5B513213556E}"/>
+                  <a16:creationId xmlns:a16="http://schemas.microsoft.com/office/drawing/2014/main" xmlns="" id="{F669DCEF-04BB-7046-3F7F-5B513213556E}"/>
                 </a:ext>
               </a:extLst>
             </p:cNvPr>
@@ -18261,7 +18065,7 @@
           <p:cNvPr id="11" name="그룹 1003">
             <a:extLst>
               <a:ext uri="{FF2B5EF4-FFF2-40B4-BE49-F238E27FC236}">
-                <a16:creationId xmlns="" xmlns:a16="http://schemas.microsoft.com/office/drawing/2014/main" id="{1F91EEF9-13EA-BB7F-B056-D35E7DB989AC}"/>
+                <a16:creationId xmlns:a16="http://schemas.microsoft.com/office/drawing/2014/main" xmlns="" id="{1F91EEF9-13EA-BB7F-B056-D35E7DB989AC}"/>
               </a:ext>
             </a:extLst>
           </p:cNvPr>
@@ -18281,7 +18085,7 @@
             <p:cNvPr id="12" name="Object 11">
               <a:extLst>
                 <a:ext uri="{FF2B5EF4-FFF2-40B4-BE49-F238E27FC236}">
-                  <a16:creationId xmlns="" xmlns:a16="http://schemas.microsoft.com/office/drawing/2014/main" id="{2CFFB217-AEFB-2C9E-5F86-6EE19510FFC6}"/>
+                  <a16:creationId xmlns:a16="http://schemas.microsoft.com/office/drawing/2014/main" xmlns="" id="{2CFFB217-AEFB-2C9E-5F86-6EE19510FFC6}"/>
                 </a:ext>
               </a:extLst>
             </p:cNvPr>
@@ -18312,7 +18116,7 @@
           <p:cNvPr id="13" name="그룹 1004">
             <a:extLst>
               <a:ext uri="{FF2B5EF4-FFF2-40B4-BE49-F238E27FC236}">
-                <a16:creationId xmlns="" xmlns:a16="http://schemas.microsoft.com/office/drawing/2014/main" id="{123B9C7E-94E8-E7E1-81BE-D59EA0299187}"/>
+                <a16:creationId xmlns:a16="http://schemas.microsoft.com/office/drawing/2014/main" xmlns="" id="{123B9C7E-94E8-E7E1-81BE-D59EA0299187}"/>
               </a:ext>
             </a:extLst>
           </p:cNvPr>
@@ -18332,7 +18136,7 @@
             <p:cNvPr id="14" name="Object 14">
               <a:extLst>
                 <a:ext uri="{FF2B5EF4-FFF2-40B4-BE49-F238E27FC236}">
-                  <a16:creationId xmlns="" xmlns:a16="http://schemas.microsoft.com/office/drawing/2014/main" id="{B6291552-2D89-A79F-7ACD-EA0EF9A4C389}"/>
+                  <a16:creationId xmlns:a16="http://schemas.microsoft.com/office/drawing/2014/main" xmlns="" id="{B6291552-2D89-A79F-7ACD-EA0EF9A4C389}"/>
                 </a:ext>
               </a:extLst>
             </p:cNvPr>
@@ -18363,7 +18167,7 @@
           <p:cNvPr id="15" name="TextBox 14">
             <a:extLst>
               <a:ext uri="{FF2B5EF4-FFF2-40B4-BE49-F238E27FC236}">
-                <a16:creationId xmlns="" xmlns:a16="http://schemas.microsoft.com/office/drawing/2014/main" id="{7D99763A-FC24-23F5-5BA9-D7B042E0F323}"/>
+                <a16:creationId xmlns:a16="http://schemas.microsoft.com/office/drawing/2014/main" xmlns="" id="{7D99763A-FC24-23F5-5BA9-D7B042E0F323}"/>
               </a:ext>
             </a:extLst>
           </p:cNvPr>
@@ -18419,7 +18223,7 @@
 </p:sld>
 </file>
 
-<file path=ppt/slides/slide36.xml><?xml version="1.0" encoding="utf-8"?>
+<file path=ppt/slides/slide35.xml><?xml version="1.0" encoding="utf-8"?>
 <p:sld xmlns:a="http://schemas.openxmlformats.org/drawingml/2006/main" xmlns:r="http://schemas.openxmlformats.org/officeDocument/2006/relationships" xmlns:p="http://schemas.openxmlformats.org/presentationml/2006/main">
   <p:cSld>
     <p:spTree>
@@ -18441,7 +18245,7 @@
           <p:cNvPr id="4" name="TextBox 3">
             <a:extLst>
               <a:ext uri="{FF2B5EF4-FFF2-40B4-BE49-F238E27FC236}">
-                <a16:creationId xmlns="" xmlns:a16="http://schemas.microsoft.com/office/drawing/2014/main" id="{5ADC00B6-990A-40DC-3CEA-505258F5E8DA}"/>
+                <a16:creationId xmlns:a16="http://schemas.microsoft.com/office/drawing/2014/main" xmlns="" id="{5ADC00B6-990A-40DC-3CEA-505258F5E8DA}"/>
               </a:ext>
             </a:extLst>
           </p:cNvPr>
@@ -18489,7 +18293,7 @@
           <p:cNvPr id="5" name="TextBox 4">
             <a:extLst>
               <a:ext uri="{FF2B5EF4-FFF2-40B4-BE49-F238E27FC236}">
-                <a16:creationId xmlns="" xmlns:a16="http://schemas.microsoft.com/office/drawing/2014/main" id="{A2AD056B-97A4-5BCC-4460-250160F3E171}"/>
+                <a16:creationId xmlns:a16="http://schemas.microsoft.com/office/drawing/2014/main" xmlns="" id="{A2AD056B-97A4-5BCC-4460-250160F3E171}"/>
               </a:ext>
             </a:extLst>
           </p:cNvPr>
@@ -18605,7 +18409,7 @@
           <p:cNvPr id="6" name="TextBox 5">
             <a:extLst>
               <a:ext uri="{FF2B5EF4-FFF2-40B4-BE49-F238E27FC236}">
-                <a16:creationId xmlns="" xmlns:a16="http://schemas.microsoft.com/office/drawing/2014/main" id="{A2AD056B-97A4-5BCC-4460-250160F3E171}"/>
+                <a16:creationId xmlns:a16="http://schemas.microsoft.com/office/drawing/2014/main" xmlns="" id="{A2AD056B-97A4-5BCC-4460-250160F3E171}"/>
               </a:ext>
             </a:extLst>
           </p:cNvPr>
@@ -18826,7 +18630,7 @@
 </p:sld>
 </file>
 
-<file path=ppt/slides/slide37.xml><?xml version="1.0" encoding="utf-8"?>
+<file path=ppt/slides/slide36.xml><?xml version="1.0" encoding="utf-8"?>
 <p:sld xmlns:a="http://schemas.openxmlformats.org/drawingml/2006/main" xmlns:r="http://schemas.openxmlformats.org/officeDocument/2006/relationships" xmlns:p="http://schemas.openxmlformats.org/presentationml/2006/main">
   <p:cSld>
     <p:spTree>
@@ -19027,7 +18831,7 @@
 </p:sld>
 </file>
 
-<file path=ppt/slides/slide38.xml><?xml version="1.0" encoding="utf-8"?>
+<file path=ppt/slides/slide37.xml><?xml version="1.0" encoding="utf-8"?>
 <p:sld xmlns:a="http://schemas.openxmlformats.org/drawingml/2006/main" xmlns:r="http://schemas.openxmlformats.org/officeDocument/2006/relationships" xmlns:p="http://schemas.openxmlformats.org/presentationml/2006/main">
   <p:cSld>
     <p:spTree>
@@ -19105,7 +18909,7 @@
 </p:sld>
 </file>
 
-<file path=ppt/slides/slide39.xml><?xml version="1.0" encoding="utf-8"?>
+<file path=ppt/slides/slide38.xml><?xml version="1.0" encoding="utf-8"?>
 <p:sld xmlns:a="http://schemas.openxmlformats.org/drawingml/2006/main" xmlns:r="http://schemas.openxmlformats.org/officeDocument/2006/relationships" xmlns:p="http://schemas.openxmlformats.org/presentationml/2006/main">
   <p:cSld>
     <p:spTree>
@@ -19222,7 +19026,7 @@
                 <a:gridCol w="1731833">
                   <a:extLst>
                     <a:ext uri="{9D8B030D-6E8A-4147-A177-3AD203B41FA5}">
-                      <a16:colId xmlns="" xmlns:a16="http://schemas.microsoft.com/office/drawing/2014/main" val="20000"/>
+                      <a16:colId xmlns:a16="http://schemas.microsoft.com/office/drawing/2014/main" xmlns="" val="20000"/>
                     </a:ext>
                   </a:extLst>
                 </a:gridCol>
@@ -19295,7 +19099,7 @@
                 </a:tc>
                 <a:extLst>
                   <a:ext uri="{0D108BD9-81ED-4DB2-BD59-A6C34878D82A}">
-                    <a16:rowId xmlns="" xmlns:a16="http://schemas.microsoft.com/office/drawing/2014/main" val="10000"/>
+                    <a16:rowId xmlns:a16="http://schemas.microsoft.com/office/drawing/2014/main" xmlns="" val="10000"/>
                   </a:ext>
                 </a:extLst>
               </a:tr>
@@ -19359,7 +19163,7 @@
                 </a:tc>
                 <a:extLst>
                   <a:ext uri="{0D108BD9-81ED-4DB2-BD59-A6C34878D82A}">
-                    <a16:rowId xmlns="" xmlns:a16="http://schemas.microsoft.com/office/drawing/2014/main" val="10001"/>
+                    <a16:rowId xmlns:a16="http://schemas.microsoft.com/office/drawing/2014/main" xmlns="" val="10001"/>
                   </a:ext>
                 </a:extLst>
               </a:tr>
@@ -19395,7 +19199,7 @@
                 <a:gridCol w="1731833">
                   <a:extLst>
                     <a:ext uri="{9D8B030D-6E8A-4147-A177-3AD203B41FA5}">
-                      <a16:colId xmlns="" xmlns:a16="http://schemas.microsoft.com/office/drawing/2014/main" val="20000"/>
+                      <a16:colId xmlns:a16="http://schemas.microsoft.com/office/drawing/2014/main" xmlns="" val="20000"/>
                     </a:ext>
                   </a:extLst>
                 </a:gridCol>
@@ -19468,7 +19272,7 @@
                 </a:tc>
                 <a:extLst>
                   <a:ext uri="{0D108BD9-81ED-4DB2-BD59-A6C34878D82A}">
-                    <a16:rowId xmlns="" xmlns:a16="http://schemas.microsoft.com/office/drawing/2014/main" val="10000"/>
+                    <a16:rowId xmlns:a16="http://schemas.microsoft.com/office/drawing/2014/main" xmlns="" val="10000"/>
                   </a:ext>
                 </a:extLst>
               </a:tr>
@@ -19532,7 +19336,7 @@
                 </a:tc>
                 <a:extLst>
                   <a:ext uri="{0D108BD9-81ED-4DB2-BD59-A6C34878D82A}">
-                    <a16:rowId xmlns="" xmlns:a16="http://schemas.microsoft.com/office/drawing/2014/main" val="10001"/>
+                    <a16:rowId xmlns:a16="http://schemas.microsoft.com/office/drawing/2014/main" xmlns="" val="10001"/>
                   </a:ext>
                 </a:extLst>
               </a:tr>
@@ -19545,7 +19349,7 @@
           <p:cNvPr id="12" name="직선 화살표 연결선 11">
             <a:extLst>
               <a:ext uri="{FF2B5EF4-FFF2-40B4-BE49-F238E27FC236}">
-                <a16:creationId xmlns="" xmlns:a16="http://schemas.microsoft.com/office/drawing/2014/main" id="{299DF5EC-9DF4-5255-06AC-0A7CE4FF58C3}"/>
+                <a16:creationId xmlns:a16="http://schemas.microsoft.com/office/drawing/2014/main" xmlns="" id="{299DF5EC-9DF4-5255-06AC-0A7CE4FF58C3}"/>
               </a:ext>
             </a:extLst>
           </p:cNvPr>
@@ -19586,7 +19390,7 @@
           <p:cNvPr id="14" name="직선 화살표 연결선 13">
             <a:extLst>
               <a:ext uri="{FF2B5EF4-FFF2-40B4-BE49-F238E27FC236}">
-                <a16:creationId xmlns="" xmlns:a16="http://schemas.microsoft.com/office/drawing/2014/main" id="{299DF5EC-9DF4-5255-06AC-0A7CE4FF58C3}"/>
+                <a16:creationId xmlns:a16="http://schemas.microsoft.com/office/drawing/2014/main" xmlns="" id="{299DF5EC-9DF4-5255-06AC-0A7CE4FF58C3}"/>
               </a:ext>
             </a:extLst>
           </p:cNvPr>
@@ -19854,6 +19658,207 @@
 </p:sld>
 </file>
 
+<file path=ppt/slides/slide39.xml><?xml version="1.0" encoding="utf-8"?>
+<p:sld xmlns:a="http://schemas.openxmlformats.org/drawingml/2006/main" xmlns:r="http://schemas.openxmlformats.org/officeDocument/2006/relationships" xmlns:p="http://schemas.openxmlformats.org/presentationml/2006/main">
+  <p:cSld>
+    <p:spTree>
+      <p:nvGrpSpPr>
+        <p:cNvPr id="1" name=""/>
+        <p:cNvGrpSpPr/>
+        <p:nvPr/>
+      </p:nvGrpSpPr>
+      <p:grpSpPr>
+        <a:xfrm>
+          <a:off x="0" y="0"/>
+          <a:ext cx="0" cy="0"/>
+          <a:chOff x="0" y="0"/>
+          <a:chExt cx="0" cy="0"/>
+        </a:xfrm>
+      </p:grpSpPr>
+      <p:pic>
+        <p:nvPicPr>
+          <p:cNvPr id="4" name="그림 3"/>
+          <p:cNvPicPr>
+            <a:picLocks noChangeAspect="1"/>
+          </p:cNvPicPr>
+          <p:nvPr/>
+        </p:nvPicPr>
+        <p:blipFill>
+          <a:blip r:embed="rId2"/>
+          <a:stretch>
+            <a:fillRect/>
+          </a:stretch>
+        </p:blipFill>
+        <p:spPr>
+          <a:xfrm>
+            <a:off x="152400" y="495300"/>
+            <a:ext cx="6730031" cy="1981200"/>
+          </a:xfrm>
+          <a:prstGeom prst="rect">
+            <a:avLst/>
+          </a:prstGeom>
+        </p:spPr>
+      </p:pic>
+      <p:pic>
+        <p:nvPicPr>
+          <p:cNvPr id="6" name="그림 5"/>
+          <p:cNvPicPr>
+            <a:picLocks noChangeAspect="1"/>
+          </p:cNvPicPr>
+          <p:nvPr/>
+        </p:nvPicPr>
+        <p:blipFill>
+          <a:blip r:embed="rId3"/>
+          <a:stretch>
+            <a:fillRect/>
+          </a:stretch>
+        </p:blipFill>
+        <p:spPr>
+          <a:xfrm>
+            <a:off x="9601200" y="484450"/>
+            <a:ext cx="6769212" cy="3135050"/>
+          </a:xfrm>
+          <a:prstGeom prst="rect">
+            <a:avLst/>
+          </a:prstGeom>
+        </p:spPr>
+      </p:pic>
+      <p:pic>
+        <p:nvPicPr>
+          <p:cNvPr id="8" name="그림 7"/>
+          <p:cNvPicPr>
+            <a:picLocks noChangeAspect="1"/>
+          </p:cNvPicPr>
+          <p:nvPr/>
+        </p:nvPicPr>
+        <p:blipFill>
+          <a:blip r:embed="rId4"/>
+          <a:stretch>
+            <a:fillRect/>
+          </a:stretch>
+        </p:blipFill>
+        <p:spPr>
+          <a:xfrm>
+            <a:off x="152400" y="2715650"/>
+            <a:ext cx="8513037" cy="6314050"/>
+          </a:xfrm>
+          <a:prstGeom prst="rect">
+            <a:avLst/>
+          </a:prstGeom>
+        </p:spPr>
+      </p:pic>
+      <p:pic>
+        <p:nvPicPr>
+          <p:cNvPr id="9" name="그림 8"/>
+          <p:cNvPicPr>
+            <a:picLocks noChangeAspect="1"/>
+          </p:cNvPicPr>
+          <p:nvPr/>
+        </p:nvPicPr>
+        <p:blipFill>
+          <a:blip r:embed="rId5"/>
+          <a:stretch>
+            <a:fillRect/>
+          </a:stretch>
+        </p:blipFill>
+        <p:spPr>
+          <a:xfrm>
+            <a:off x="9594166" y="4152900"/>
+            <a:ext cx="4960034" cy="4416171"/>
+          </a:xfrm>
+          <a:prstGeom prst="rect">
+            <a:avLst/>
+          </a:prstGeom>
+        </p:spPr>
+      </p:pic>
+    </p:spTree>
+    <p:extLst>
+      <p:ext uri="{BB962C8B-B14F-4D97-AF65-F5344CB8AC3E}">
+        <p14:creationId xmlns:p14="http://schemas.microsoft.com/office/powerpoint/2010/main" val="1911505953"/>
+      </p:ext>
+    </p:extLst>
+  </p:cSld>
+  <p:clrMapOvr>
+    <a:masterClrMapping/>
+  </p:clrMapOvr>
+  <p:timing>
+    <p:tnLst>
+      <p:par>
+        <p:cTn id="1" dur="indefinite" restart="never" nodeType="tmRoot">
+          <p:childTnLst>
+            <p:seq concurrent="1" nextAc="seek">
+              <p:cTn id="2" dur="indefinite" nodeType="mainSeq">
+                <p:childTnLst>
+                  <p:par>
+                    <p:cTn id="3" fill="hold">
+                      <p:stCondLst>
+                        <p:cond delay="indefinite"/>
+                      </p:stCondLst>
+                      <p:childTnLst>
+                        <p:par>
+                          <p:cTn id="4" fill="hold">
+                            <p:stCondLst>
+                              <p:cond delay="0"/>
+                            </p:stCondLst>
+                            <p:childTnLst>
+                              <p:par>
+                                <p:cTn id="5" presetID="1" presetClass="entr" presetSubtype="0" fill="hold" nodeType="clickEffect">
+                                  <p:stCondLst>
+                                    <p:cond delay="0"/>
+                                  </p:stCondLst>
+                                  <p:childTnLst>
+                                    <p:set>
+                                      <p:cBhvr>
+                                        <p:cTn id="6" dur="1" fill="hold">
+                                          <p:stCondLst>
+                                            <p:cond delay="0"/>
+                                          </p:stCondLst>
+                                        </p:cTn>
+                                        <p:tgtEl>
+                                          <p:spTgt spid="9"/>
+                                        </p:tgtEl>
+                                        <p:attrNameLst>
+                                          <p:attrName>style.visibility</p:attrName>
+                                        </p:attrNameLst>
+                                      </p:cBhvr>
+                                      <p:to>
+                                        <p:strVal val="visible"/>
+                                      </p:to>
+                                    </p:set>
+                                  </p:childTnLst>
+                                </p:cTn>
+                              </p:par>
+                            </p:childTnLst>
+                          </p:cTn>
+                        </p:par>
+                      </p:childTnLst>
+                    </p:cTn>
+                  </p:par>
+                </p:childTnLst>
+              </p:cTn>
+              <p:prevCondLst>
+                <p:cond evt="onPrev" delay="0">
+                  <p:tgtEl>
+                    <p:sldTgt/>
+                  </p:tgtEl>
+                </p:cond>
+              </p:prevCondLst>
+              <p:nextCondLst>
+                <p:cond evt="onNext" delay="0">
+                  <p:tgtEl>
+                    <p:sldTgt/>
+                  </p:tgtEl>
+                </p:cond>
+              </p:nextCondLst>
+            </p:seq>
+          </p:childTnLst>
+        </p:cTn>
+      </p:par>
+    </p:tnLst>
+  </p:timing>
+</p:sld>
+</file>
+
 <file path=ppt/slides/slide4.xml><?xml version="1.0" encoding="utf-8"?>
 <p:sld xmlns:a="http://schemas.openxmlformats.org/drawingml/2006/main" xmlns:r="http://schemas.openxmlformats.org/officeDocument/2006/relationships" xmlns:p="http://schemas.openxmlformats.org/presentationml/2006/main">
   <p:cSld>
@@ -19876,7 +19881,7 @@
           <p:cNvPr id="6" name="그룹 1018">
             <a:extLst>
               <a:ext uri="{FF2B5EF4-FFF2-40B4-BE49-F238E27FC236}">
-                <a16:creationId xmlns="" xmlns:a16="http://schemas.microsoft.com/office/drawing/2014/main" id="{008489BA-FEFA-DE7D-B3CD-53A358B82592}"/>
+                <a16:creationId xmlns:a16="http://schemas.microsoft.com/office/drawing/2014/main" xmlns="" id="{008489BA-FEFA-DE7D-B3CD-53A358B82592}"/>
               </a:ext>
             </a:extLst>
           </p:cNvPr>
@@ -19896,7 +19901,7 @@
             <p:cNvPr id="7" name="Object 61">
               <a:extLst>
                 <a:ext uri="{FF2B5EF4-FFF2-40B4-BE49-F238E27FC236}">
-                  <a16:creationId xmlns="" xmlns:a16="http://schemas.microsoft.com/office/drawing/2014/main" id="{9ED25BE3-45BE-AC6D-D835-4457854D2832}"/>
+                  <a16:creationId xmlns:a16="http://schemas.microsoft.com/office/drawing/2014/main" xmlns="" id="{9ED25BE3-45BE-AC6D-D835-4457854D2832}"/>
                 </a:ext>
               </a:extLst>
             </p:cNvPr>
@@ -19927,7 +19932,7 @@
           <p:cNvPr id="8" name="그룹 1021">
             <a:extLst>
               <a:ext uri="{FF2B5EF4-FFF2-40B4-BE49-F238E27FC236}">
-                <a16:creationId xmlns="" xmlns:a16="http://schemas.microsoft.com/office/drawing/2014/main" id="{7FE0C0A1-ABE4-F0EA-AFC1-4622C45C99E7}"/>
+                <a16:creationId xmlns:a16="http://schemas.microsoft.com/office/drawing/2014/main" xmlns="" id="{7FE0C0A1-ABE4-F0EA-AFC1-4622C45C99E7}"/>
               </a:ext>
             </a:extLst>
           </p:cNvPr>
@@ -19947,7 +19952,7 @@
             <p:cNvPr id="9" name="Object 71">
               <a:extLst>
                 <a:ext uri="{FF2B5EF4-FFF2-40B4-BE49-F238E27FC236}">
-                  <a16:creationId xmlns="" xmlns:a16="http://schemas.microsoft.com/office/drawing/2014/main" id="{CDBB7D83-509F-9F4C-0C3E-DBA2562E5520}"/>
+                  <a16:creationId xmlns:a16="http://schemas.microsoft.com/office/drawing/2014/main" xmlns="" id="{CDBB7D83-509F-9F4C-0C3E-DBA2562E5520}"/>
                 </a:ext>
               </a:extLst>
             </p:cNvPr>
@@ -19978,7 +19983,7 @@
           <p:cNvPr id="10" name="그룹 1024">
             <a:extLst>
               <a:ext uri="{FF2B5EF4-FFF2-40B4-BE49-F238E27FC236}">
-                <a16:creationId xmlns="" xmlns:a16="http://schemas.microsoft.com/office/drawing/2014/main" id="{8EB1611F-852C-9617-AEEB-CFA38FFF8001}"/>
+                <a16:creationId xmlns:a16="http://schemas.microsoft.com/office/drawing/2014/main" xmlns="" id="{8EB1611F-852C-9617-AEEB-CFA38FFF8001}"/>
               </a:ext>
             </a:extLst>
           </p:cNvPr>
@@ -19998,7 +20003,7 @@
             <p:cNvPr id="11" name="Object 81">
               <a:extLst>
                 <a:ext uri="{FF2B5EF4-FFF2-40B4-BE49-F238E27FC236}">
-                  <a16:creationId xmlns="" xmlns:a16="http://schemas.microsoft.com/office/drawing/2014/main" id="{08657582-A0DF-A5DC-A662-189C639920C8}"/>
+                  <a16:creationId xmlns:a16="http://schemas.microsoft.com/office/drawing/2014/main" xmlns="" id="{08657582-A0DF-A5DC-A662-189C639920C8}"/>
                 </a:ext>
               </a:extLst>
             </p:cNvPr>
@@ -20029,7 +20034,7 @@
           <p:cNvPr id="13" name="TextBox 12">
             <a:extLst>
               <a:ext uri="{FF2B5EF4-FFF2-40B4-BE49-F238E27FC236}">
-                <a16:creationId xmlns="" xmlns:a16="http://schemas.microsoft.com/office/drawing/2014/main" id="{F68B80B8-3419-5C31-B2F2-084E536A2C1C}"/>
+                <a16:creationId xmlns:a16="http://schemas.microsoft.com/office/drawing/2014/main" xmlns="" id="{F68B80B8-3419-5C31-B2F2-084E536A2C1C}"/>
               </a:ext>
             </a:extLst>
           </p:cNvPr>
@@ -20077,7 +20082,7 @@
           <p:cNvPr id="14" name="TextBox 13">
             <a:extLst>
               <a:ext uri="{FF2B5EF4-FFF2-40B4-BE49-F238E27FC236}">
-                <a16:creationId xmlns="" xmlns:a16="http://schemas.microsoft.com/office/drawing/2014/main" id="{CB471B39-052C-65D2-3069-C74FA7421876}"/>
+                <a16:creationId xmlns:a16="http://schemas.microsoft.com/office/drawing/2014/main" xmlns="" id="{CB471B39-052C-65D2-3069-C74FA7421876}"/>
               </a:ext>
             </a:extLst>
           </p:cNvPr>
@@ -20125,7 +20130,7 @@
           <p:cNvPr id="15" name="TextBox 14">
             <a:extLst>
               <a:ext uri="{FF2B5EF4-FFF2-40B4-BE49-F238E27FC236}">
-                <a16:creationId xmlns="" xmlns:a16="http://schemas.microsoft.com/office/drawing/2014/main" id="{4A7E270B-9322-EABD-3A34-4D211B23AD38}"/>
+                <a16:creationId xmlns:a16="http://schemas.microsoft.com/office/drawing/2014/main" xmlns="" id="{4A7E270B-9322-EABD-3A34-4D211B23AD38}"/>
               </a:ext>
             </a:extLst>
           </p:cNvPr>
@@ -20293,7 +20298,7 @@
           <p:cNvPr id="24" name="TextBox 23">
             <a:extLst>
               <a:ext uri="{FF2B5EF4-FFF2-40B4-BE49-F238E27FC236}">
-                <a16:creationId xmlns="" xmlns:a16="http://schemas.microsoft.com/office/drawing/2014/main" id="{5ADC00B6-990A-40DC-3CEA-505258F5E8DA}"/>
+                <a16:creationId xmlns:a16="http://schemas.microsoft.com/office/drawing/2014/main" xmlns="" id="{5ADC00B6-990A-40DC-3CEA-505258F5E8DA}"/>
               </a:ext>
             </a:extLst>
           </p:cNvPr>
@@ -20499,207 +20504,6 @@
           <a:chExt cx="0" cy="0"/>
         </a:xfrm>
       </p:grpSpPr>
-      <p:pic>
-        <p:nvPicPr>
-          <p:cNvPr id="4" name="그림 3"/>
-          <p:cNvPicPr>
-            <a:picLocks noChangeAspect="1"/>
-          </p:cNvPicPr>
-          <p:nvPr/>
-        </p:nvPicPr>
-        <p:blipFill>
-          <a:blip r:embed="rId2"/>
-          <a:stretch>
-            <a:fillRect/>
-          </a:stretch>
-        </p:blipFill>
-        <p:spPr>
-          <a:xfrm>
-            <a:off x="152400" y="495300"/>
-            <a:ext cx="6730031" cy="1981200"/>
-          </a:xfrm>
-          <a:prstGeom prst="rect">
-            <a:avLst/>
-          </a:prstGeom>
-        </p:spPr>
-      </p:pic>
-      <p:pic>
-        <p:nvPicPr>
-          <p:cNvPr id="6" name="그림 5"/>
-          <p:cNvPicPr>
-            <a:picLocks noChangeAspect="1"/>
-          </p:cNvPicPr>
-          <p:nvPr/>
-        </p:nvPicPr>
-        <p:blipFill>
-          <a:blip r:embed="rId3"/>
-          <a:stretch>
-            <a:fillRect/>
-          </a:stretch>
-        </p:blipFill>
-        <p:spPr>
-          <a:xfrm>
-            <a:off x="9601200" y="484450"/>
-            <a:ext cx="6769212" cy="3135050"/>
-          </a:xfrm>
-          <a:prstGeom prst="rect">
-            <a:avLst/>
-          </a:prstGeom>
-        </p:spPr>
-      </p:pic>
-      <p:pic>
-        <p:nvPicPr>
-          <p:cNvPr id="8" name="그림 7"/>
-          <p:cNvPicPr>
-            <a:picLocks noChangeAspect="1"/>
-          </p:cNvPicPr>
-          <p:nvPr/>
-        </p:nvPicPr>
-        <p:blipFill>
-          <a:blip r:embed="rId4"/>
-          <a:stretch>
-            <a:fillRect/>
-          </a:stretch>
-        </p:blipFill>
-        <p:spPr>
-          <a:xfrm>
-            <a:off x="152400" y="2715650"/>
-            <a:ext cx="8513037" cy="6314050"/>
-          </a:xfrm>
-          <a:prstGeom prst="rect">
-            <a:avLst/>
-          </a:prstGeom>
-        </p:spPr>
-      </p:pic>
-      <p:pic>
-        <p:nvPicPr>
-          <p:cNvPr id="9" name="그림 8"/>
-          <p:cNvPicPr>
-            <a:picLocks noChangeAspect="1"/>
-          </p:cNvPicPr>
-          <p:nvPr/>
-        </p:nvPicPr>
-        <p:blipFill>
-          <a:blip r:embed="rId5"/>
-          <a:stretch>
-            <a:fillRect/>
-          </a:stretch>
-        </p:blipFill>
-        <p:spPr>
-          <a:xfrm>
-            <a:off x="9594166" y="4152900"/>
-            <a:ext cx="4960034" cy="4416171"/>
-          </a:xfrm>
-          <a:prstGeom prst="rect">
-            <a:avLst/>
-          </a:prstGeom>
-        </p:spPr>
-      </p:pic>
-    </p:spTree>
-    <p:extLst>
-      <p:ext uri="{BB962C8B-B14F-4D97-AF65-F5344CB8AC3E}">
-        <p14:creationId xmlns:p14="http://schemas.microsoft.com/office/powerpoint/2010/main" val="1911505953"/>
-      </p:ext>
-    </p:extLst>
-  </p:cSld>
-  <p:clrMapOvr>
-    <a:masterClrMapping/>
-  </p:clrMapOvr>
-  <p:timing>
-    <p:tnLst>
-      <p:par>
-        <p:cTn id="1" dur="indefinite" restart="never" nodeType="tmRoot">
-          <p:childTnLst>
-            <p:seq concurrent="1" nextAc="seek">
-              <p:cTn id="2" dur="indefinite" nodeType="mainSeq">
-                <p:childTnLst>
-                  <p:par>
-                    <p:cTn id="3" fill="hold">
-                      <p:stCondLst>
-                        <p:cond delay="indefinite"/>
-                      </p:stCondLst>
-                      <p:childTnLst>
-                        <p:par>
-                          <p:cTn id="4" fill="hold">
-                            <p:stCondLst>
-                              <p:cond delay="0"/>
-                            </p:stCondLst>
-                            <p:childTnLst>
-                              <p:par>
-                                <p:cTn id="5" presetID="1" presetClass="entr" presetSubtype="0" fill="hold" nodeType="clickEffect">
-                                  <p:stCondLst>
-                                    <p:cond delay="0"/>
-                                  </p:stCondLst>
-                                  <p:childTnLst>
-                                    <p:set>
-                                      <p:cBhvr>
-                                        <p:cTn id="6" dur="1" fill="hold">
-                                          <p:stCondLst>
-                                            <p:cond delay="0"/>
-                                          </p:stCondLst>
-                                        </p:cTn>
-                                        <p:tgtEl>
-                                          <p:spTgt spid="9"/>
-                                        </p:tgtEl>
-                                        <p:attrNameLst>
-                                          <p:attrName>style.visibility</p:attrName>
-                                        </p:attrNameLst>
-                                      </p:cBhvr>
-                                      <p:to>
-                                        <p:strVal val="visible"/>
-                                      </p:to>
-                                    </p:set>
-                                  </p:childTnLst>
-                                </p:cTn>
-                              </p:par>
-                            </p:childTnLst>
-                          </p:cTn>
-                        </p:par>
-                      </p:childTnLst>
-                    </p:cTn>
-                  </p:par>
-                </p:childTnLst>
-              </p:cTn>
-              <p:prevCondLst>
-                <p:cond evt="onPrev" delay="0">
-                  <p:tgtEl>
-                    <p:sldTgt/>
-                  </p:tgtEl>
-                </p:cond>
-              </p:prevCondLst>
-              <p:nextCondLst>
-                <p:cond evt="onNext" delay="0">
-                  <p:tgtEl>
-                    <p:sldTgt/>
-                  </p:tgtEl>
-                </p:cond>
-              </p:nextCondLst>
-            </p:seq>
-          </p:childTnLst>
-        </p:cTn>
-      </p:par>
-    </p:tnLst>
-  </p:timing>
-</p:sld>
-</file>
-
-<file path=ppt/slides/slide41.xml><?xml version="1.0" encoding="utf-8"?>
-<p:sld xmlns:a="http://schemas.openxmlformats.org/drawingml/2006/main" xmlns:r="http://schemas.openxmlformats.org/officeDocument/2006/relationships" xmlns:p="http://schemas.openxmlformats.org/presentationml/2006/main">
-  <p:cSld>
-    <p:spTree>
-      <p:nvGrpSpPr>
-        <p:cNvPr id="1" name=""/>
-        <p:cNvGrpSpPr/>
-        <p:nvPr/>
-      </p:nvGrpSpPr>
-      <p:grpSpPr>
-        <a:xfrm>
-          <a:off x="0" y="0"/>
-          <a:ext cx="0" cy="0"/>
-          <a:chOff x="0" y="0"/>
-          <a:chExt cx="0" cy="0"/>
-        </a:xfrm>
-      </p:grpSpPr>
       <p:graphicFrame>
         <p:nvGraphicFramePr>
           <p:cNvPr id="5" name="표 4"/>
@@ -20728,14 +20532,14 @@
                 <a:gridCol w="2537224">
                   <a:extLst>
                     <a:ext uri="{9D8B030D-6E8A-4147-A177-3AD203B41FA5}">
-                      <a16:colId xmlns="" xmlns:a16="http://schemas.microsoft.com/office/drawing/2014/main" val="20000"/>
+                      <a16:colId xmlns:a16="http://schemas.microsoft.com/office/drawing/2014/main" xmlns="" val="20000"/>
                     </a:ext>
                   </a:extLst>
                 </a:gridCol>
                 <a:gridCol w="2568176">
                   <a:extLst>
                     <a:ext uri="{9D8B030D-6E8A-4147-A177-3AD203B41FA5}">
-                      <a16:colId xmlns="" xmlns:a16="http://schemas.microsoft.com/office/drawing/2014/main" val="20001"/>
+                      <a16:colId xmlns:a16="http://schemas.microsoft.com/office/drawing/2014/main" xmlns="" val="20001"/>
                     </a:ext>
                   </a:extLst>
                 </a:gridCol>
@@ -20864,7 +20668,7 @@
                 </a:tc>
                 <a:extLst>
                   <a:ext uri="{0D108BD9-81ED-4DB2-BD59-A6C34878D82A}">
-                    <a16:rowId xmlns="" xmlns:a16="http://schemas.microsoft.com/office/drawing/2014/main" val="10000"/>
+                    <a16:rowId xmlns:a16="http://schemas.microsoft.com/office/drawing/2014/main" xmlns="" val="10000"/>
                   </a:ext>
                 </a:extLst>
               </a:tr>
@@ -21017,7 +20821,7 @@
                 </a:tc>
                 <a:extLst>
                   <a:ext uri="{0D108BD9-81ED-4DB2-BD59-A6C34878D82A}">
-                    <a16:rowId xmlns="" xmlns:a16="http://schemas.microsoft.com/office/drawing/2014/main" val="10001"/>
+                    <a16:rowId xmlns:a16="http://schemas.microsoft.com/office/drawing/2014/main" xmlns="" val="10001"/>
                   </a:ext>
                 </a:extLst>
               </a:tr>
@@ -21138,7 +20942,7 @@
                 </a:tc>
                 <a:extLst>
                   <a:ext uri="{0D108BD9-81ED-4DB2-BD59-A6C34878D82A}">
-                    <a16:rowId xmlns="" xmlns:a16="http://schemas.microsoft.com/office/drawing/2014/main" val="10002"/>
+                    <a16:rowId xmlns:a16="http://schemas.microsoft.com/office/drawing/2014/main" xmlns="" val="10002"/>
                   </a:ext>
                 </a:extLst>
               </a:tr>
@@ -21151,7 +20955,7 @@
           <p:cNvPr id="2" name="표 1">
             <a:extLst>
               <a:ext uri="{FF2B5EF4-FFF2-40B4-BE49-F238E27FC236}">
-                <a16:creationId xmlns="" xmlns:a16="http://schemas.microsoft.com/office/drawing/2014/main" id="{997BE140-4E76-8C74-849E-0234D3CEC4C7}"/>
+                <a16:creationId xmlns:a16="http://schemas.microsoft.com/office/drawing/2014/main" xmlns="" id="{997BE140-4E76-8C74-849E-0234D3CEC4C7}"/>
               </a:ext>
             </a:extLst>
           </p:cNvPr>
@@ -21180,7 +20984,7 @@
                 <a:gridCol w="2568176">
                   <a:extLst>
                     <a:ext uri="{9D8B030D-6E8A-4147-A177-3AD203B41FA5}">
-                      <a16:colId xmlns="" xmlns:a16="http://schemas.microsoft.com/office/drawing/2014/main" val="20001"/>
+                      <a16:colId xmlns:a16="http://schemas.microsoft.com/office/drawing/2014/main" xmlns="" val="20001"/>
                     </a:ext>
                   </a:extLst>
                 </a:gridCol>
@@ -21253,7 +21057,7 @@
                 </a:tc>
                 <a:extLst>
                   <a:ext uri="{0D108BD9-81ED-4DB2-BD59-A6C34878D82A}">
-                    <a16:rowId xmlns="" xmlns:a16="http://schemas.microsoft.com/office/drawing/2014/main" val="10000"/>
+                    <a16:rowId xmlns:a16="http://schemas.microsoft.com/office/drawing/2014/main" xmlns="" val="10000"/>
                   </a:ext>
                 </a:extLst>
               </a:tr>
@@ -21333,7 +21137,7 @@
                 </a:tc>
                 <a:extLst>
                   <a:ext uri="{0D108BD9-81ED-4DB2-BD59-A6C34878D82A}">
-                    <a16:rowId xmlns="" xmlns:a16="http://schemas.microsoft.com/office/drawing/2014/main" val="10001"/>
+                    <a16:rowId xmlns:a16="http://schemas.microsoft.com/office/drawing/2014/main" xmlns="" val="10001"/>
                   </a:ext>
                 </a:extLst>
               </a:tr>
@@ -21346,7 +21150,7 @@
           <p:cNvPr id="3" name="직선 화살표 연결선 2">
             <a:extLst>
               <a:ext uri="{FF2B5EF4-FFF2-40B4-BE49-F238E27FC236}">
-                <a16:creationId xmlns="" xmlns:a16="http://schemas.microsoft.com/office/drawing/2014/main" id="{73D6F2B2-EE0B-D6BD-4C3A-D7719A76DB6E}"/>
+                <a16:creationId xmlns:a16="http://schemas.microsoft.com/office/drawing/2014/main" xmlns="" id="{73D6F2B2-EE0B-D6BD-4C3A-D7719A76DB6E}"/>
               </a:ext>
             </a:extLst>
           </p:cNvPr>
@@ -21387,7 +21191,7 @@
           <p:cNvPr id="7" name="곱셈 기호 31">
             <a:extLst>
               <a:ext uri="{FF2B5EF4-FFF2-40B4-BE49-F238E27FC236}">
-                <a16:creationId xmlns="" xmlns:a16="http://schemas.microsoft.com/office/drawing/2014/main" id="{6BF67940-62CB-794B-EBE7-0F8173BA6D01}"/>
+                <a16:creationId xmlns:a16="http://schemas.microsoft.com/office/drawing/2014/main" xmlns="" id="{6BF67940-62CB-794B-EBE7-0F8173BA6D01}"/>
               </a:ext>
             </a:extLst>
           </p:cNvPr>
@@ -21443,7 +21247,7 @@
           <p:cNvPr id="9" name="TextBox 8">
             <a:extLst>
               <a:ext uri="{FF2B5EF4-FFF2-40B4-BE49-F238E27FC236}">
-                <a16:creationId xmlns="" xmlns:a16="http://schemas.microsoft.com/office/drawing/2014/main" id="{D64AB9AE-91FF-074E-A3DA-9241D7BF90DF}"/>
+                <a16:creationId xmlns:a16="http://schemas.microsoft.com/office/drawing/2014/main" xmlns="" id="{D64AB9AE-91FF-074E-A3DA-9241D7BF90DF}"/>
               </a:ext>
             </a:extLst>
           </p:cNvPr>
@@ -21680,7 +21484,7 @@
 </p:sld>
 </file>
 
-<file path=ppt/slides/slide42.xml><?xml version="1.0" encoding="utf-8"?>
+<file path=ppt/slides/slide41.xml><?xml version="1.0" encoding="utf-8"?>
 <p:sld xmlns:a="http://schemas.openxmlformats.org/drawingml/2006/main" xmlns:r="http://schemas.openxmlformats.org/officeDocument/2006/relationships" xmlns:p="http://schemas.openxmlformats.org/presentationml/2006/main">
   <p:cSld>
     <p:spTree>
@@ -21750,7 +21554,7 @@
           <p:cNvPr id="2" name="TextBox 1">
             <a:extLst>
               <a:ext uri="{FF2B5EF4-FFF2-40B4-BE49-F238E27FC236}">
-                <a16:creationId xmlns="" xmlns:a16="http://schemas.microsoft.com/office/drawing/2014/main" id="{AF6E8CE0-4782-3A99-AD4F-3684390C1016}"/>
+                <a16:creationId xmlns:a16="http://schemas.microsoft.com/office/drawing/2014/main" xmlns="" id="{AF6E8CE0-4782-3A99-AD4F-3684390C1016}"/>
               </a:ext>
             </a:extLst>
           </p:cNvPr>
@@ -21807,6 +21611,107 @@
     <p:extLst>
       <p:ext uri="{BB962C8B-B14F-4D97-AF65-F5344CB8AC3E}">
         <p14:creationId xmlns:p14="http://schemas.microsoft.com/office/powerpoint/2010/main" val="3360716643"/>
+      </p:ext>
+    </p:extLst>
+  </p:cSld>
+  <p:clrMapOvr>
+    <a:masterClrMapping/>
+  </p:clrMapOvr>
+</p:sld>
+</file>
+
+<file path=ppt/slides/slide42.xml><?xml version="1.0" encoding="utf-8"?>
+<p:sld xmlns:a="http://schemas.openxmlformats.org/drawingml/2006/main" xmlns:r="http://schemas.openxmlformats.org/officeDocument/2006/relationships" xmlns:p="http://schemas.openxmlformats.org/presentationml/2006/main">
+  <p:cSld>
+    <p:spTree>
+      <p:nvGrpSpPr>
+        <p:cNvPr id="1" name=""/>
+        <p:cNvGrpSpPr/>
+        <p:nvPr/>
+      </p:nvGrpSpPr>
+      <p:grpSpPr>
+        <a:xfrm>
+          <a:off x="0" y="0"/>
+          <a:ext cx="0" cy="0"/>
+          <a:chOff x="0" y="0"/>
+          <a:chExt cx="0" cy="0"/>
+        </a:xfrm>
+      </p:grpSpPr>
+      <p:sp>
+        <p:nvSpPr>
+          <p:cNvPr id="4" name="TextBox 3">
+            <a:extLst>
+              <a:ext uri="{FF2B5EF4-FFF2-40B4-BE49-F238E27FC236}">
+                <a16:creationId xmlns:a16="http://schemas.microsoft.com/office/drawing/2014/main" xmlns="" id="{5ADC00B6-990A-40DC-3CEA-505258F5E8DA}"/>
+              </a:ext>
+            </a:extLst>
+          </p:cNvPr>
+          <p:cNvSpPr txBox="1"/>
+          <p:nvPr/>
+        </p:nvSpPr>
+        <p:spPr>
+          <a:xfrm>
+            <a:off x="685800" y="4229100"/>
+            <a:ext cx="17754600" cy="1015663"/>
+          </a:xfrm>
+          <a:prstGeom prst="rect">
+            <a:avLst/>
+          </a:prstGeom>
+          <a:noFill/>
+        </p:spPr>
+        <p:txBody>
+          <a:bodyPr wrap="square" rtlCol="0">
+            <a:spAutoFit/>
+          </a:bodyPr>
+          <a:lstStyle/>
+          <a:p>
+            <a:r>
+              <a:rPr lang="ko-KR" altLang="en-US" sz="6000" dirty="0">
+                <a:solidFill>
+                  <a:srgbClr val="4C50BC"/>
+                </a:solidFill>
+                <a:latin typeface="G마켓 산스 Medium" panose="02000000000000000000" pitchFamily="50" charset="-127"/>
+                <a:ea typeface="G마켓 산스 Medium" panose="02000000000000000000" pitchFamily="50" charset="-127"/>
+              </a:rPr>
+              <a:t>부모로부터 상속받은 메서드를 </a:t>
+            </a:r>
+            <a:r>
+              <a:rPr lang="ko-KR" altLang="en-US" sz="6000" dirty="0" err="1">
+                <a:solidFill>
+                  <a:srgbClr val="4C50BC"/>
+                </a:solidFill>
+                <a:latin typeface="G마켓 산스 Medium" panose="02000000000000000000" pitchFamily="50" charset="-127"/>
+                <a:ea typeface="G마켓 산스 Medium" panose="02000000000000000000" pitchFamily="50" charset="-127"/>
+              </a:rPr>
+              <a:t>재사용할수</a:t>
+            </a:r>
+            <a:r>
+              <a:rPr lang="ko-KR" altLang="en-US" sz="6000" dirty="0">
+                <a:solidFill>
+                  <a:srgbClr val="4C50BC"/>
+                </a:solidFill>
+                <a:latin typeface="G마켓 산스 Medium" panose="02000000000000000000" pitchFamily="50" charset="-127"/>
+                <a:ea typeface="G마켓 산스 Medium" panose="02000000000000000000" pitchFamily="50" charset="-127"/>
+              </a:rPr>
+              <a:t> 없을까</a:t>
+            </a:r>
+            <a:r>
+              <a:rPr lang="en-US" altLang="ko-KR" sz="6000" dirty="0">
+                <a:solidFill>
+                  <a:srgbClr val="4C50BC"/>
+                </a:solidFill>
+                <a:latin typeface="G마켓 산스 Medium" panose="02000000000000000000" pitchFamily="50" charset="-127"/>
+                <a:ea typeface="G마켓 산스 Medium" panose="02000000000000000000" pitchFamily="50" charset="-127"/>
+              </a:rPr>
+              <a:t>?</a:t>
+            </a:r>
+          </a:p>
+        </p:txBody>
+      </p:sp>
+    </p:spTree>
+    <p:extLst>
+      <p:ext uri="{BB962C8B-B14F-4D97-AF65-F5344CB8AC3E}">
+        <p14:creationId xmlns:p14="http://schemas.microsoft.com/office/powerpoint/2010/main" val="817839677"/>
       </p:ext>
     </p:extLst>
   </p:cSld>
@@ -21833,107 +21738,6 @@
           <a:chExt cx="0" cy="0"/>
         </a:xfrm>
       </p:grpSpPr>
-      <p:sp>
-        <p:nvSpPr>
-          <p:cNvPr id="4" name="TextBox 3">
-            <a:extLst>
-              <a:ext uri="{FF2B5EF4-FFF2-40B4-BE49-F238E27FC236}">
-                <a16:creationId xmlns="" xmlns:a16="http://schemas.microsoft.com/office/drawing/2014/main" id="{5ADC00B6-990A-40DC-3CEA-505258F5E8DA}"/>
-              </a:ext>
-            </a:extLst>
-          </p:cNvPr>
-          <p:cNvSpPr txBox="1"/>
-          <p:nvPr/>
-        </p:nvSpPr>
-        <p:spPr>
-          <a:xfrm>
-            <a:off x="685800" y="4229100"/>
-            <a:ext cx="17754600" cy="1015663"/>
-          </a:xfrm>
-          <a:prstGeom prst="rect">
-            <a:avLst/>
-          </a:prstGeom>
-          <a:noFill/>
-        </p:spPr>
-        <p:txBody>
-          <a:bodyPr wrap="square" rtlCol="0">
-            <a:spAutoFit/>
-          </a:bodyPr>
-          <a:lstStyle/>
-          <a:p>
-            <a:r>
-              <a:rPr lang="ko-KR" altLang="en-US" sz="6000" dirty="0">
-                <a:solidFill>
-                  <a:srgbClr val="4C50BC"/>
-                </a:solidFill>
-                <a:latin typeface="G마켓 산스 Medium" panose="02000000000000000000" pitchFamily="50" charset="-127"/>
-                <a:ea typeface="G마켓 산스 Medium" panose="02000000000000000000" pitchFamily="50" charset="-127"/>
-              </a:rPr>
-              <a:t>부모로부터 상속받은 메서드를 </a:t>
-            </a:r>
-            <a:r>
-              <a:rPr lang="ko-KR" altLang="en-US" sz="6000" dirty="0" err="1">
-                <a:solidFill>
-                  <a:srgbClr val="4C50BC"/>
-                </a:solidFill>
-                <a:latin typeface="G마켓 산스 Medium" panose="02000000000000000000" pitchFamily="50" charset="-127"/>
-                <a:ea typeface="G마켓 산스 Medium" panose="02000000000000000000" pitchFamily="50" charset="-127"/>
-              </a:rPr>
-              <a:t>재사용할수</a:t>
-            </a:r>
-            <a:r>
-              <a:rPr lang="ko-KR" altLang="en-US" sz="6000" dirty="0">
-                <a:solidFill>
-                  <a:srgbClr val="4C50BC"/>
-                </a:solidFill>
-                <a:latin typeface="G마켓 산스 Medium" panose="02000000000000000000" pitchFamily="50" charset="-127"/>
-                <a:ea typeface="G마켓 산스 Medium" panose="02000000000000000000" pitchFamily="50" charset="-127"/>
-              </a:rPr>
-              <a:t> 없을까</a:t>
-            </a:r>
-            <a:r>
-              <a:rPr lang="en-US" altLang="ko-KR" sz="6000" dirty="0">
-                <a:solidFill>
-                  <a:srgbClr val="4C50BC"/>
-                </a:solidFill>
-                <a:latin typeface="G마켓 산스 Medium" panose="02000000000000000000" pitchFamily="50" charset="-127"/>
-                <a:ea typeface="G마켓 산스 Medium" panose="02000000000000000000" pitchFamily="50" charset="-127"/>
-              </a:rPr>
-              <a:t>?</a:t>
-            </a:r>
-          </a:p>
-        </p:txBody>
-      </p:sp>
-    </p:spTree>
-    <p:extLst>
-      <p:ext uri="{BB962C8B-B14F-4D97-AF65-F5344CB8AC3E}">
-        <p14:creationId xmlns:p14="http://schemas.microsoft.com/office/powerpoint/2010/main" val="817839677"/>
-      </p:ext>
-    </p:extLst>
-  </p:cSld>
-  <p:clrMapOvr>
-    <a:masterClrMapping/>
-  </p:clrMapOvr>
-</p:sld>
-</file>
-
-<file path=ppt/slides/slide44.xml><?xml version="1.0" encoding="utf-8"?>
-<p:sld xmlns:a="http://schemas.openxmlformats.org/drawingml/2006/main" xmlns:r="http://schemas.openxmlformats.org/officeDocument/2006/relationships" xmlns:p="http://schemas.openxmlformats.org/presentationml/2006/main">
-  <p:cSld>
-    <p:spTree>
-      <p:nvGrpSpPr>
-        <p:cNvPr id="1" name=""/>
-        <p:cNvGrpSpPr/>
-        <p:nvPr/>
-      </p:nvGrpSpPr>
-      <p:grpSpPr>
-        <a:xfrm>
-          <a:off x="0" y="0"/>
-          <a:ext cx="0" cy="0"/>
-          <a:chOff x="0" y="0"/>
-          <a:chExt cx="0" cy="0"/>
-        </a:xfrm>
-      </p:grpSpPr>
       <p:pic>
         <p:nvPicPr>
           <p:cNvPr id="4" name="그림 3"/>
@@ -21987,7 +21791,7 @@
           <p:cNvPr id="6" name="직사각형 5">
             <a:extLst>
               <a:ext uri="{FF2B5EF4-FFF2-40B4-BE49-F238E27FC236}">
-                <a16:creationId xmlns="" xmlns:a16="http://schemas.microsoft.com/office/drawing/2014/main" id="{FFF506F9-840A-0508-4CAF-3AC711D8D5CE}"/>
+                <a16:creationId xmlns:a16="http://schemas.microsoft.com/office/drawing/2014/main" xmlns="" id="{FFF506F9-840A-0508-4CAF-3AC711D8D5CE}"/>
               </a:ext>
             </a:extLst>
           </p:cNvPr>
@@ -22047,7 +21851,7 @@
 </p:sld>
 </file>
 
-<file path=ppt/slides/slide45.xml><?xml version="1.0" encoding="utf-8"?>
+<file path=ppt/slides/slide44.xml><?xml version="1.0" encoding="utf-8"?>
 <p:sld xmlns:a="http://schemas.openxmlformats.org/drawingml/2006/main" xmlns:r="http://schemas.openxmlformats.org/officeDocument/2006/relationships" xmlns:p="http://schemas.openxmlformats.org/presentationml/2006/main">
   <p:cSld>
     <p:spTree>
@@ -22093,7 +21897,7 @@
           <p:cNvPr id="3" name="그림 2">
             <a:extLst>
               <a:ext uri="{FF2B5EF4-FFF2-40B4-BE49-F238E27FC236}">
-                <a16:creationId xmlns="" xmlns:a16="http://schemas.microsoft.com/office/drawing/2014/main" id="{63973ADD-1310-B140-4EAA-B78003F051BC}"/>
+                <a16:creationId xmlns:a16="http://schemas.microsoft.com/office/drawing/2014/main" xmlns="" id="{63973ADD-1310-B140-4EAA-B78003F051BC}"/>
               </a:ext>
             </a:extLst>
           </p:cNvPr>
@@ -22123,7 +21927,7 @@
           <p:cNvPr id="6" name="직사각형 5">
             <a:extLst>
               <a:ext uri="{FF2B5EF4-FFF2-40B4-BE49-F238E27FC236}">
-                <a16:creationId xmlns="" xmlns:a16="http://schemas.microsoft.com/office/drawing/2014/main" id="{D4194E25-989E-0C55-B712-570C7D5091F0}"/>
+                <a16:creationId xmlns:a16="http://schemas.microsoft.com/office/drawing/2014/main" xmlns="" id="{D4194E25-989E-0C55-B712-570C7D5091F0}"/>
               </a:ext>
             </a:extLst>
           </p:cNvPr>
@@ -22175,7 +21979,7 @@
           <p:cNvPr id="8" name="그림 7">
             <a:extLst>
               <a:ext uri="{FF2B5EF4-FFF2-40B4-BE49-F238E27FC236}">
-                <a16:creationId xmlns="" xmlns:a16="http://schemas.microsoft.com/office/drawing/2014/main" id="{1F34AA6C-44C4-4AAC-1FC2-230C55141948}"/>
+                <a16:creationId xmlns:a16="http://schemas.microsoft.com/office/drawing/2014/main" xmlns="" id="{1F34AA6C-44C4-4AAC-1FC2-230C55141948}"/>
               </a:ext>
             </a:extLst>
           </p:cNvPr>
@@ -22205,7 +22009,7 @@
           <p:cNvPr id="9" name="직사각형 8">
             <a:extLst>
               <a:ext uri="{FF2B5EF4-FFF2-40B4-BE49-F238E27FC236}">
-                <a16:creationId xmlns="" xmlns:a16="http://schemas.microsoft.com/office/drawing/2014/main" id="{39C40DE3-07FC-5B3E-1952-F1D0DDF51453}"/>
+                <a16:creationId xmlns:a16="http://schemas.microsoft.com/office/drawing/2014/main" xmlns="" id="{39C40DE3-07FC-5B3E-1952-F1D0DDF51453}"/>
               </a:ext>
             </a:extLst>
           </p:cNvPr>
@@ -22257,7 +22061,7 @@
           <p:cNvPr id="7" name="TextBox 6">
             <a:extLst>
               <a:ext uri="{FF2B5EF4-FFF2-40B4-BE49-F238E27FC236}">
-                <a16:creationId xmlns="" xmlns:a16="http://schemas.microsoft.com/office/drawing/2014/main" id="{8BD2ED5A-5CA2-F84F-13E6-A2AC3854D891}"/>
+                <a16:creationId xmlns:a16="http://schemas.microsoft.com/office/drawing/2014/main" xmlns="" id="{8BD2ED5A-5CA2-F84F-13E6-A2AC3854D891}"/>
               </a:ext>
             </a:extLst>
           </p:cNvPr>
@@ -22323,7 +22127,7 @@
 </p:sld>
 </file>
 
-<file path=ppt/slides/slide46.xml><?xml version="1.0" encoding="utf-8"?>
+<file path=ppt/slides/slide45.xml><?xml version="1.0" encoding="utf-8"?>
 <p:sld xmlns:a="http://schemas.openxmlformats.org/drawingml/2006/main" xmlns:r="http://schemas.openxmlformats.org/officeDocument/2006/relationships" xmlns:p="http://schemas.openxmlformats.org/presentationml/2006/main">
   <p:cSld>
     <p:spTree>
@@ -22345,7 +22149,7 @@
           <p:cNvPr id="4" name="TextBox 3">
             <a:extLst>
               <a:ext uri="{FF2B5EF4-FFF2-40B4-BE49-F238E27FC236}">
-                <a16:creationId xmlns="" xmlns:a16="http://schemas.microsoft.com/office/drawing/2014/main" id="{E7F95338-D8E8-1A47-9B0B-2BEC0D129ACB}"/>
+                <a16:creationId xmlns:a16="http://schemas.microsoft.com/office/drawing/2014/main" xmlns="" id="{E7F95338-D8E8-1A47-9B0B-2BEC0D129ACB}"/>
               </a:ext>
             </a:extLst>
           </p:cNvPr>
@@ -22406,7 +22210,7 @@
           <p:cNvPr id="5" name="TextBox 4">
             <a:extLst>
               <a:ext uri="{FF2B5EF4-FFF2-40B4-BE49-F238E27FC236}">
-                <a16:creationId xmlns="" xmlns:a16="http://schemas.microsoft.com/office/drawing/2014/main" id="{D40AEE29-AEAC-513F-8C7B-D77B52819A0F}"/>
+                <a16:creationId xmlns:a16="http://schemas.microsoft.com/office/drawing/2014/main" xmlns="" id="{D40AEE29-AEAC-513F-8C7B-D77B52819A0F}"/>
               </a:ext>
             </a:extLst>
           </p:cNvPr>
@@ -22805,7 +22609,7 @@
 </p:sld>
 </file>
 
-<file path=ppt/slides/slide47.xml><?xml version="1.0" encoding="utf-8"?>
+<file path=ppt/slides/slide46.xml><?xml version="1.0" encoding="utf-8"?>
 <p:sld xmlns:a="http://schemas.openxmlformats.org/drawingml/2006/main" xmlns:r="http://schemas.openxmlformats.org/officeDocument/2006/relationships" xmlns:p="http://schemas.openxmlformats.org/presentationml/2006/main">
   <p:cSld>
     <p:spTree>
@@ -22827,7 +22631,7 @@
           <p:cNvPr id="5" name="그림 4">
             <a:extLst>
               <a:ext uri="{FF2B5EF4-FFF2-40B4-BE49-F238E27FC236}">
-                <a16:creationId xmlns="" xmlns:a16="http://schemas.microsoft.com/office/drawing/2014/main" id="{4C1E5A44-674D-671D-9AB9-96FADBF3612B}"/>
+                <a16:creationId xmlns:a16="http://schemas.microsoft.com/office/drawing/2014/main" xmlns="" id="{4C1E5A44-674D-671D-9AB9-96FADBF3612B}"/>
               </a:ext>
             </a:extLst>
           </p:cNvPr>
@@ -22857,7 +22661,7 @@
           <p:cNvPr id="6" name="직선 화살표 연결선 5">
             <a:extLst>
               <a:ext uri="{FF2B5EF4-FFF2-40B4-BE49-F238E27FC236}">
-                <a16:creationId xmlns="" xmlns:a16="http://schemas.microsoft.com/office/drawing/2014/main" id="{75908EAF-DC59-A016-BC77-60D68A02BC58}"/>
+                <a16:creationId xmlns:a16="http://schemas.microsoft.com/office/drawing/2014/main" xmlns="" id="{75908EAF-DC59-A016-BC77-60D68A02BC58}"/>
               </a:ext>
             </a:extLst>
           </p:cNvPr>
@@ -22898,7 +22702,7 @@
           <p:cNvPr id="7" name="TextBox 6">
             <a:extLst>
               <a:ext uri="{FF2B5EF4-FFF2-40B4-BE49-F238E27FC236}">
-                <a16:creationId xmlns="" xmlns:a16="http://schemas.microsoft.com/office/drawing/2014/main" id="{E63F965D-29AF-DE1C-5B98-DBB3BB85DFAE}"/>
+                <a16:creationId xmlns:a16="http://schemas.microsoft.com/office/drawing/2014/main" xmlns="" id="{E63F965D-29AF-DE1C-5B98-DBB3BB85DFAE}"/>
               </a:ext>
             </a:extLst>
           </p:cNvPr>
@@ -22949,7 +22753,7 @@
           <p:cNvPr id="9" name="그림 8">
             <a:extLst>
               <a:ext uri="{FF2B5EF4-FFF2-40B4-BE49-F238E27FC236}">
-                <a16:creationId xmlns="" xmlns:a16="http://schemas.microsoft.com/office/drawing/2014/main" id="{ABEEEEFF-3C09-B89D-E9C1-0E692C4188B0}"/>
+                <a16:creationId xmlns:a16="http://schemas.microsoft.com/office/drawing/2014/main" xmlns="" id="{ABEEEEFF-3C09-B89D-E9C1-0E692C4188B0}"/>
               </a:ext>
             </a:extLst>
           </p:cNvPr>
@@ -22979,7 +22783,7 @@
           <p:cNvPr id="10" name="직선 화살표 연결선 9">
             <a:extLst>
               <a:ext uri="{FF2B5EF4-FFF2-40B4-BE49-F238E27FC236}">
-                <a16:creationId xmlns="" xmlns:a16="http://schemas.microsoft.com/office/drawing/2014/main" id="{72748C94-A7E3-EBE6-4E54-D9C607D67005}"/>
+                <a16:creationId xmlns:a16="http://schemas.microsoft.com/office/drawing/2014/main" xmlns="" id="{72748C94-A7E3-EBE6-4E54-D9C607D67005}"/>
               </a:ext>
             </a:extLst>
           </p:cNvPr>
@@ -23021,7 +22825,7 @@
           <p:cNvPr id="11" name="TextBox 10">
             <a:extLst>
               <a:ext uri="{FF2B5EF4-FFF2-40B4-BE49-F238E27FC236}">
-                <a16:creationId xmlns="" xmlns:a16="http://schemas.microsoft.com/office/drawing/2014/main" id="{66DF052C-9323-9F8D-4857-1B2D989FFF9F}"/>
+                <a16:creationId xmlns:a16="http://schemas.microsoft.com/office/drawing/2014/main" xmlns="" id="{66DF052C-9323-9F8D-4857-1B2D989FFF9F}"/>
               </a:ext>
             </a:extLst>
           </p:cNvPr>
@@ -23110,7 +22914,7 @@
 </p:sld>
 </file>
 
-<file path=ppt/slides/slide48.xml><?xml version="1.0" encoding="utf-8"?>
+<file path=ppt/slides/slide47.xml><?xml version="1.0" encoding="utf-8"?>
 <p:sld xmlns:a="http://schemas.openxmlformats.org/drawingml/2006/main" xmlns:r="http://schemas.openxmlformats.org/officeDocument/2006/relationships" xmlns:p="http://schemas.openxmlformats.org/presentationml/2006/main">
   <p:cSld>
     <p:spTree>
@@ -23132,7 +22936,7 @@
           <p:cNvPr id="4" name="그룹 1018">
             <a:extLst>
               <a:ext uri="{FF2B5EF4-FFF2-40B4-BE49-F238E27FC236}">
-                <a16:creationId xmlns="" xmlns:a16="http://schemas.microsoft.com/office/drawing/2014/main" id="{88809E16-31F7-1F83-2FAC-75A0671E0E63}"/>
+                <a16:creationId xmlns:a16="http://schemas.microsoft.com/office/drawing/2014/main" xmlns="" id="{88809E16-31F7-1F83-2FAC-75A0671E0E63}"/>
               </a:ext>
             </a:extLst>
           </p:cNvPr>
@@ -23152,7 +22956,7 @@
             <p:cNvPr id="5" name="Object 61">
               <a:extLst>
                 <a:ext uri="{FF2B5EF4-FFF2-40B4-BE49-F238E27FC236}">
-                  <a16:creationId xmlns="" xmlns:a16="http://schemas.microsoft.com/office/drawing/2014/main" id="{E1173C9E-3171-FA64-34F6-A314CF0D2703}"/>
+                  <a16:creationId xmlns:a16="http://schemas.microsoft.com/office/drawing/2014/main" xmlns="" id="{E1173C9E-3171-FA64-34F6-A314CF0D2703}"/>
                 </a:ext>
               </a:extLst>
             </p:cNvPr>
@@ -23183,7 +22987,7 @@
           <p:cNvPr id="6" name="TextBox 5">
             <a:extLst>
               <a:ext uri="{FF2B5EF4-FFF2-40B4-BE49-F238E27FC236}">
-                <a16:creationId xmlns="" xmlns:a16="http://schemas.microsoft.com/office/drawing/2014/main" id="{32037D5E-FE66-9272-14CC-2284752BAAC1}"/>
+                <a16:creationId xmlns:a16="http://schemas.microsoft.com/office/drawing/2014/main" xmlns="" id="{32037D5E-FE66-9272-14CC-2284752BAAC1}"/>
               </a:ext>
             </a:extLst>
           </p:cNvPr>
@@ -23227,7 +23031,7 @@
           <p:cNvPr id="7" name="그룹 1018">
             <a:extLst>
               <a:ext uri="{FF2B5EF4-FFF2-40B4-BE49-F238E27FC236}">
-                <a16:creationId xmlns="" xmlns:a16="http://schemas.microsoft.com/office/drawing/2014/main" id="{1DBF8C05-A7A0-E308-2C72-A1A1D48209F9}"/>
+                <a16:creationId xmlns:a16="http://schemas.microsoft.com/office/drawing/2014/main" xmlns="" id="{1DBF8C05-A7A0-E308-2C72-A1A1D48209F9}"/>
               </a:ext>
             </a:extLst>
           </p:cNvPr>
@@ -23247,7 +23051,7 @@
             <p:cNvPr id="8" name="Object 61">
               <a:extLst>
                 <a:ext uri="{FF2B5EF4-FFF2-40B4-BE49-F238E27FC236}">
-                  <a16:creationId xmlns="" xmlns:a16="http://schemas.microsoft.com/office/drawing/2014/main" id="{8890B65A-EE37-9FB0-11D0-D9028D5D4030}"/>
+                  <a16:creationId xmlns:a16="http://schemas.microsoft.com/office/drawing/2014/main" xmlns="" id="{8890B65A-EE37-9FB0-11D0-D9028D5D4030}"/>
                 </a:ext>
               </a:extLst>
             </p:cNvPr>
@@ -23278,7 +23082,7 @@
           <p:cNvPr id="9" name="TextBox 8">
             <a:extLst>
               <a:ext uri="{FF2B5EF4-FFF2-40B4-BE49-F238E27FC236}">
-                <a16:creationId xmlns="" xmlns:a16="http://schemas.microsoft.com/office/drawing/2014/main" id="{03580C69-6090-E762-1CFF-CABCB1A1F84D}"/>
+                <a16:creationId xmlns:a16="http://schemas.microsoft.com/office/drawing/2014/main" xmlns="" id="{03580C69-6090-E762-1CFF-CABCB1A1F84D}"/>
               </a:ext>
             </a:extLst>
           </p:cNvPr>
@@ -23322,7 +23126,7 @@
           <p:cNvPr id="10" name="그룹 1018">
             <a:extLst>
               <a:ext uri="{FF2B5EF4-FFF2-40B4-BE49-F238E27FC236}">
-                <a16:creationId xmlns="" xmlns:a16="http://schemas.microsoft.com/office/drawing/2014/main" id="{BD5EE8EE-7D57-CD91-F304-6250026830C6}"/>
+                <a16:creationId xmlns:a16="http://schemas.microsoft.com/office/drawing/2014/main" xmlns="" id="{BD5EE8EE-7D57-CD91-F304-6250026830C6}"/>
               </a:ext>
             </a:extLst>
           </p:cNvPr>
@@ -23342,7 +23146,7 @@
             <p:cNvPr id="11" name="Object 61">
               <a:extLst>
                 <a:ext uri="{FF2B5EF4-FFF2-40B4-BE49-F238E27FC236}">
-                  <a16:creationId xmlns="" xmlns:a16="http://schemas.microsoft.com/office/drawing/2014/main" id="{55D32D67-44A3-9BA9-40E1-962240690E74}"/>
+                  <a16:creationId xmlns:a16="http://schemas.microsoft.com/office/drawing/2014/main" xmlns="" id="{55D32D67-44A3-9BA9-40E1-962240690E74}"/>
                 </a:ext>
               </a:extLst>
             </p:cNvPr>
@@ -23373,7 +23177,7 @@
           <p:cNvPr id="12" name="TextBox 11">
             <a:extLst>
               <a:ext uri="{FF2B5EF4-FFF2-40B4-BE49-F238E27FC236}">
-                <a16:creationId xmlns="" xmlns:a16="http://schemas.microsoft.com/office/drawing/2014/main" id="{2E843C5C-F5F0-B014-4B60-31604E120CA8}"/>
+                <a16:creationId xmlns:a16="http://schemas.microsoft.com/office/drawing/2014/main" xmlns="" id="{2E843C5C-F5F0-B014-4B60-31604E120CA8}"/>
               </a:ext>
             </a:extLst>
           </p:cNvPr>
@@ -23417,7 +23221,7 @@
           <p:cNvPr id="13" name="직선 화살표 연결선 12">
             <a:extLst>
               <a:ext uri="{FF2B5EF4-FFF2-40B4-BE49-F238E27FC236}">
-                <a16:creationId xmlns="" xmlns:a16="http://schemas.microsoft.com/office/drawing/2014/main" id="{D18E0CA5-8F28-6CF5-D994-34D82E76FA59}"/>
+                <a16:creationId xmlns:a16="http://schemas.microsoft.com/office/drawing/2014/main" xmlns="" id="{D18E0CA5-8F28-6CF5-D994-34D82E76FA59}"/>
               </a:ext>
             </a:extLst>
           </p:cNvPr>
@@ -23460,7 +23264,7 @@
           <p:cNvPr id="16" name="직선 화살표 연결선 15">
             <a:extLst>
               <a:ext uri="{FF2B5EF4-FFF2-40B4-BE49-F238E27FC236}">
-                <a16:creationId xmlns="" xmlns:a16="http://schemas.microsoft.com/office/drawing/2014/main" id="{63A2BB84-DB21-3B86-E191-9D086538A8E8}"/>
+                <a16:creationId xmlns:a16="http://schemas.microsoft.com/office/drawing/2014/main" xmlns="" id="{63A2BB84-DB21-3B86-E191-9D086538A8E8}"/>
               </a:ext>
             </a:extLst>
           </p:cNvPr>
@@ -23501,7 +23305,7 @@
           <p:cNvPr id="17" name="TextBox 16">
             <a:extLst>
               <a:ext uri="{FF2B5EF4-FFF2-40B4-BE49-F238E27FC236}">
-                <a16:creationId xmlns="" xmlns:a16="http://schemas.microsoft.com/office/drawing/2014/main" id="{F98D168E-7AFC-9208-1631-471768BCB29E}"/>
+                <a16:creationId xmlns:a16="http://schemas.microsoft.com/office/drawing/2014/main" xmlns="" id="{F98D168E-7AFC-9208-1631-471768BCB29E}"/>
               </a:ext>
             </a:extLst>
           </p:cNvPr>
@@ -23580,7 +23384,7 @@
 </p:sld>
 </file>
 
-<file path=ppt/slides/slide49.xml><?xml version="1.0" encoding="utf-8"?>
+<file path=ppt/slides/slide48.xml><?xml version="1.0" encoding="utf-8"?>
 <p:sld xmlns:a="http://schemas.openxmlformats.org/drawingml/2006/main" xmlns:r="http://schemas.openxmlformats.org/officeDocument/2006/relationships" xmlns:p="http://schemas.openxmlformats.org/presentationml/2006/main">
   <p:cSld>
     <p:spTree>
@@ -23602,7 +23406,7 @@
           <p:cNvPr id="15" name="그림 14">
             <a:extLst>
               <a:ext uri="{FF2B5EF4-FFF2-40B4-BE49-F238E27FC236}">
-                <a16:creationId xmlns="" xmlns:a16="http://schemas.microsoft.com/office/drawing/2014/main" id="{53724FB4-B4A1-0A70-1F84-114E17B93993}"/>
+                <a16:creationId xmlns:a16="http://schemas.microsoft.com/office/drawing/2014/main" xmlns="" id="{53724FB4-B4A1-0A70-1F84-114E17B93993}"/>
               </a:ext>
             </a:extLst>
           </p:cNvPr>
@@ -23632,7 +23436,7 @@
           <p:cNvPr id="5" name="그림 4">
             <a:extLst>
               <a:ext uri="{FF2B5EF4-FFF2-40B4-BE49-F238E27FC236}">
-                <a16:creationId xmlns="" xmlns:a16="http://schemas.microsoft.com/office/drawing/2014/main" id="{B3B08C97-DB9D-E09A-46A5-9DE74C54D1EA}"/>
+                <a16:creationId xmlns:a16="http://schemas.microsoft.com/office/drawing/2014/main" xmlns="" id="{B3B08C97-DB9D-E09A-46A5-9DE74C54D1EA}"/>
               </a:ext>
             </a:extLst>
           </p:cNvPr>
@@ -23662,7 +23466,7 @@
           <p:cNvPr id="10" name="직선 화살표 연결선 9">
             <a:extLst>
               <a:ext uri="{FF2B5EF4-FFF2-40B4-BE49-F238E27FC236}">
-                <a16:creationId xmlns="" xmlns:a16="http://schemas.microsoft.com/office/drawing/2014/main" id="{C07CC10E-FCEF-C096-5466-649AE800D608}"/>
+                <a16:creationId xmlns:a16="http://schemas.microsoft.com/office/drawing/2014/main" xmlns="" id="{C07CC10E-FCEF-C096-5466-649AE800D608}"/>
               </a:ext>
             </a:extLst>
           </p:cNvPr>
@@ -23703,7 +23507,7 @@
           <p:cNvPr id="11" name="직사각형 10">
             <a:extLst>
               <a:ext uri="{FF2B5EF4-FFF2-40B4-BE49-F238E27FC236}">
-                <a16:creationId xmlns="" xmlns:a16="http://schemas.microsoft.com/office/drawing/2014/main" id="{8E401B37-F787-3B11-93A1-BECFD1EFA32B}"/>
+                <a16:creationId xmlns:a16="http://schemas.microsoft.com/office/drawing/2014/main" xmlns="" id="{8E401B37-F787-3B11-93A1-BECFD1EFA32B}"/>
               </a:ext>
             </a:extLst>
           </p:cNvPr>
@@ -23755,7 +23559,7 @@
           <p:cNvPr id="12" name="TextBox 11">
             <a:extLst>
               <a:ext uri="{FF2B5EF4-FFF2-40B4-BE49-F238E27FC236}">
-                <a16:creationId xmlns="" xmlns:a16="http://schemas.microsoft.com/office/drawing/2014/main" id="{F1573BBE-058D-47FE-4B71-A1221360D1A1}"/>
+                <a16:creationId xmlns:a16="http://schemas.microsoft.com/office/drawing/2014/main" xmlns="" id="{F1573BBE-058D-47FE-4B71-A1221360D1A1}"/>
               </a:ext>
             </a:extLst>
           </p:cNvPr>
@@ -23977,6 +23781,640 @@
 </p:sld>
 </file>
 
+<file path=ppt/slides/slide49.xml><?xml version="1.0" encoding="utf-8"?>
+<p:sld xmlns:a="http://schemas.openxmlformats.org/drawingml/2006/main" xmlns:r="http://schemas.openxmlformats.org/officeDocument/2006/relationships" xmlns:p="http://schemas.openxmlformats.org/presentationml/2006/main">
+  <p:cSld>
+    <p:spTree>
+      <p:nvGrpSpPr>
+        <p:cNvPr id="1" name=""/>
+        <p:cNvGrpSpPr/>
+        <p:nvPr/>
+      </p:nvGrpSpPr>
+      <p:grpSpPr>
+        <a:xfrm>
+          <a:off x="0" y="0"/>
+          <a:ext cx="0" cy="0"/>
+          <a:chOff x="0" y="0"/>
+          <a:chExt cx="0" cy="0"/>
+        </a:xfrm>
+      </p:grpSpPr>
+      <p:sp>
+        <p:nvSpPr>
+          <p:cNvPr id="4" name="TextBox 3">
+            <a:extLst>
+              <a:ext uri="{FF2B5EF4-FFF2-40B4-BE49-F238E27FC236}">
+                <a16:creationId xmlns:a16="http://schemas.microsoft.com/office/drawing/2014/main" xmlns="" id="{8BD2ED5A-5CA2-F84F-13E6-A2AC3854D891}"/>
+              </a:ext>
+            </a:extLst>
+          </p:cNvPr>
+          <p:cNvSpPr txBox="1"/>
+          <p:nvPr/>
+        </p:nvSpPr>
+        <p:spPr>
+          <a:xfrm>
+            <a:off x="762000" y="38100"/>
+            <a:ext cx="3124200" cy="830997"/>
+          </a:xfrm>
+          <a:prstGeom prst="rect">
+            <a:avLst/>
+          </a:prstGeom>
+          <a:noFill/>
+        </p:spPr>
+        <p:txBody>
+          <a:bodyPr wrap="square" rtlCol="0">
+            <a:spAutoFit/>
+          </a:bodyPr>
+          <a:lstStyle/>
+          <a:p>
+            <a:r>
+              <a:rPr lang="ko-KR" altLang="en-US" sz="4800" smtClean="0">
+                <a:solidFill>
+                  <a:srgbClr val="4C50BC"/>
+                </a:solidFill>
+                <a:latin typeface="G마켓 산스 Medium" panose="02000000000000000000" pitchFamily="50" charset="-127"/>
+                <a:ea typeface="G마켓 산스 Medium" panose="02000000000000000000" pitchFamily="50" charset="-127"/>
+              </a:rPr>
+              <a:t>실습문제</a:t>
+            </a:r>
+            <a:r>
+              <a:rPr lang="en-US" altLang="ko-KR" sz="4800">
+                <a:solidFill>
+                  <a:srgbClr val="4C50BC"/>
+                </a:solidFill>
+                <a:latin typeface="G마켓 산스 Medium" panose="02000000000000000000" pitchFamily="50" charset="-127"/>
+                <a:ea typeface="G마켓 산스 Medium" panose="02000000000000000000" pitchFamily="50" charset="-127"/>
+              </a:rPr>
+              <a:t>2</a:t>
+            </a:r>
+            <a:endParaRPr lang="en-US" altLang="ko-KR" sz="4800" dirty="0">
+              <a:solidFill>
+                <a:srgbClr val="4C50BC"/>
+              </a:solidFill>
+              <a:latin typeface="G마켓 산스 Medium" panose="02000000000000000000" pitchFamily="50" charset="-127"/>
+              <a:ea typeface="G마켓 산스 Medium" panose="02000000000000000000" pitchFamily="50" charset="-127"/>
+            </a:endParaRPr>
+          </a:p>
+        </p:txBody>
+      </p:sp>
+      <p:sp>
+        <p:nvSpPr>
+          <p:cNvPr id="5" name="TextBox 4">
+            <a:extLst>
+              <a:ext uri="{FF2B5EF4-FFF2-40B4-BE49-F238E27FC236}">
+                <a16:creationId xmlns:a16="http://schemas.microsoft.com/office/drawing/2014/main" xmlns="" id="{2E843C5C-F5F0-B014-4B60-31604E120CA8}"/>
+              </a:ext>
+            </a:extLst>
+          </p:cNvPr>
+          <p:cNvSpPr txBox="1"/>
+          <p:nvPr/>
+        </p:nvSpPr>
+        <p:spPr>
+          <a:xfrm>
+            <a:off x="304800" y="876300"/>
+            <a:ext cx="17373600" cy="2369880"/>
+          </a:xfrm>
+          <a:prstGeom prst="rect">
+            <a:avLst/>
+          </a:prstGeom>
+          <a:noFill/>
+        </p:spPr>
+        <p:txBody>
+          <a:bodyPr wrap="square" rtlCol="0">
+            <a:spAutoFit/>
+          </a:bodyPr>
+          <a:lstStyle/>
+          <a:p>
+            <a:r>
+              <a:rPr lang="en-US" altLang="ko-KR" sz="3200" smtClean="0">
+                <a:solidFill>
+                  <a:schemeClr val="tx1">
+                    <a:lumMod val="50000"/>
+                    <a:lumOff val="50000"/>
+                  </a:schemeClr>
+                </a:solidFill>
+                <a:latin typeface="G마켓 산스 Medium" panose="02000000000000000000" pitchFamily="50" charset="-127"/>
+                <a:ea typeface="G마켓 산스 Medium" panose="02000000000000000000" pitchFamily="50" charset="-127"/>
+              </a:rPr>
+              <a:t>1. </a:t>
+            </a:r>
+            <a:r>
+              <a:rPr lang="ko-KR" altLang="en-US" sz="3200" smtClean="0">
+                <a:solidFill>
+                  <a:schemeClr val="tx1">
+                    <a:lumMod val="50000"/>
+                    <a:lumOff val="50000"/>
+                  </a:schemeClr>
+                </a:solidFill>
+                <a:latin typeface="G마켓 산스 Medium" panose="02000000000000000000" pitchFamily="50" charset="-127"/>
+                <a:ea typeface="G마켓 산스 Medium" panose="02000000000000000000" pitchFamily="50" charset="-127"/>
+              </a:rPr>
+              <a:t>섯다카드 </a:t>
+            </a:r>
+            <a:r>
+              <a:rPr lang="en-US" altLang="ko-KR" sz="3200">
+                <a:solidFill>
+                  <a:schemeClr val="tx1">
+                    <a:lumMod val="50000"/>
+                    <a:lumOff val="50000"/>
+                  </a:schemeClr>
+                </a:solidFill>
+                <a:latin typeface="G마켓 산스 Medium" panose="02000000000000000000" pitchFamily="50" charset="-127"/>
+                <a:ea typeface="G마켓 산스 Medium" panose="02000000000000000000" pitchFamily="50" charset="-127"/>
+              </a:rPr>
+              <a:t>20</a:t>
+            </a:r>
+            <a:r>
+              <a:rPr lang="ko-KR" altLang="en-US" sz="3200">
+                <a:solidFill>
+                  <a:schemeClr val="tx1">
+                    <a:lumMod val="50000"/>
+                    <a:lumOff val="50000"/>
+                  </a:schemeClr>
+                </a:solidFill>
+                <a:latin typeface="G마켓 산스 Medium" panose="02000000000000000000" pitchFamily="50" charset="-127"/>
+                <a:ea typeface="G마켓 산스 Medium" panose="02000000000000000000" pitchFamily="50" charset="-127"/>
+              </a:rPr>
+              <a:t>장을 포함하는 섯다카드 한벌</a:t>
+            </a:r>
+            <a:r>
+              <a:rPr lang="en-US" altLang="ko-KR" sz="3200">
+                <a:solidFill>
+                  <a:schemeClr val="tx1">
+                    <a:lumMod val="50000"/>
+                    <a:lumOff val="50000"/>
+                  </a:schemeClr>
+                </a:solidFill>
+                <a:latin typeface="G마켓 산스 Medium" panose="02000000000000000000" pitchFamily="50" charset="-127"/>
+                <a:ea typeface="G마켓 산스 Medium" panose="02000000000000000000" pitchFamily="50" charset="-127"/>
+              </a:rPr>
+              <a:t>(SutdaDeck)</a:t>
+            </a:r>
+            <a:r>
+              <a:rPr lang="ko-KR" altLang="en-US" sz="3200">
+                <a:solidFill>
+                  <a:schemeClr val="tx1">
+                    <a:lumMod val="50000"/>
+                    <a:lumOff val="50000"/>
+                  </a:schemeClr>
+                </a:solidFill>
+                <a:latin typeface="G마켓 산스 Medium" panose="02000000000000000000" pitchFamily="50" charset="-127"/>
+                <a:ea typeface="G마켓 산스 Medium" panose="02000000000000000000" pitchFamily="50" charset="-127"/>
+              </a:rPr>
+              <a:t>을 정의한 것이다</a:t>
+            </a:r>
+            <a:r>
+              <a:rPr lang="en-US" altLang="ko-KR" sz="3200">
+                <a:solidFill>
+                  <a:schemeClr val="tx1">
+                    <a:lumMod val="50000"/>
+                    <a:lumOff val="50000"/>
+                  </a:schemeClr>
+                </a:solidFill>
+                <a:latin typeface="G마켓 산스 Medium" panose="02000000000000000000" pitchFamily="50" charset="-127"/>
+                <a:ea typeface="G마켓 산스 Medium" panose="02000000000000000000" pitchFamily="50" charset="-127"/>
+              </a:rPr>
+              <a:t>. </a:t>
+            </a:r>
+            <a:r>
+              <a:rPr lang="ko-KR" altLang="en-US" sz="3200">
+                <a:solidFill>
+                  <a:schemeClr val="tx1">
+                    <a:lumMod val="50000"/>
+                    <a:lumOff val="50000"/>
+                  </a:schemeClr>
+                </a:solidFill>
+                <a:latin typeface="G마켓 산스 Medium" panose="02000000000000000000" pitchFamily="50" charset="-127"/>
+                <a:ea typeface="G마켓 산스 Medium" panose="02000000000000000000" pitchFamily="50" charset="-127"/>
+              </a:rPr>
+              <a:t>섯다카드 </a:t>
+            </a:r>
+            <a:r>
+              <a:rPr lang="en-US" altLang="ko-KR" sz="3200">
+                <a:solidFill>
+                  <a:schemeClr val="tx1">
+                    <a:lumMod val="50000"/>
+                    <a:lumOff val="50000"/>
+                  </a:schemeClr>
+                </a:solidFill>
+                <a:latin typeface="G마켓 산스 Medium" panose="02000000000000000000" pitchFamily="50" charset="-127"/>
+                <a:ea typeface="G마켓 산스 Medium" panose="02000000000000000000" pitchFamily="50" charset="-127"/>
+              </a:rPr>
+              <a:t>20</a:t>
+            </a:r>
+            <a:r>
+              <a:rPr lang="ko-KR" altLang="en-US" sz="3200">
+                <a:solidFill>
+                  <a:schemeClr val="tx1">
+                    <a:lumMod val="50000"/>
+                    <a:lumOff val="50000"/>
+                  </a:schemeClr>
+                </a:solidFill>
+                <a:latin typeface="G마켓 산스 Medium" panose="02000000000000000000" pitchFamily="50" charset="-127"/>
+                <a:ea typeface="G마켓 산스 Medium" panose="02000000000000000000" pitchFamily="50" charset="-127"/>
+              </a:rPr>
+              <a:t>장을 담는 </a:t>
+            </a:r>
+            <a:r>
+              <a:rPr lang="en-US" altLang="ko-KR" sz="3200">
+                <a:solidFill>
+                  <a:schemeClr val="tx1">
+                    <a:lumMod val="50000"/>
+                    <a:lumOff val="50000"/>
+                  </a:schemeClr>
+                </a:solidFill>
+                <a:latin typeface="G마켓 산스 Medium" panose="02000000000000000000" pitchFamily="50" charset="-127"/>
+                <a:ea typeface="G마켓 산스 Medium" panose="02000000000000000000" pitchFamily="50" charset="-127"/>
+              </a:rPr>
+              <a:t>SutdaCard </a:t>
+            </a:r>
+            <a:r>
+              <a:rPr lang="ko-KR" altLang="en-US" sz="3200">
+                <a:solidFill>
+                  <a:schemeClr val="tx1">
+                    <a:lumMod val="50000"/>
+                    <a:lumOff val="50000"/>
+                  </a:schemeClr>
+                </a:solidFill>
+                <a:latin typeface="G마켓 산스 Medium" panose="02000000000000000000" pitchFamily="50" charset="-127"/>
+                <a:ea typeface="G마켓 산스 Medium" panose="02000000000000000000" pitchFamily="50" charset="-127"/>
+              </a:rPr>
+              <a:t>배열을 초기화 하자</a:t>
+            </a:r>
+            <a:r>
+              <a:rPr lang="en-US" altLang="ko-KR" sz="3200">
+                <a:solidFill>
+                  <a:schemeClr val="tx1">
+                    <a:lumMod val="50000"/>
+                    <a:lumOff val="50000"/>
+                  </a:schemeClr>
+                </a:solidFill>
+                <a:latin typeface="G마켓 산스 Medium" panose="02000000000000000000" pitchFamily="50" charset="-127"/>
+                <a:ea typeface="G마켓 산스 Medium" panose="02000000000000000000" pitchFamily="50" charset="-127"/>
+              </a:rPr>
+              <a:t>.</a:t>
+            </a:r>
+          </a:p>
+          <a:p>
+            <a:r>
+              <a:rPr lang="ko-KR" altLang="en-US" sz="2800" smtClean="0">
+                <a:solidFill>
+                  <a:schemeClr val="tx2">
+                    <a:lumMod val="60000"/>
+                    <a:lumOff val="40000"/>
+                  </a:schemeClr>
+                </a:solidFill>
+                <a:latin typeface="G마켓 산스 Medium" panose="02000000000000000000" pitchFamily="50" charset="-127"/>
+                <a:ea typeface="G마켓 산스 Medium" panose="02000000000000000000" pitchFamily="50" charset="-127"/>
+              </a:rPr>
+              <a:t> 단</a:t>
+            </a:r>
+            <a:r>
+              <a:rPr lang="en-US" altLang="ko-KR" sz="2800">
+                <a:solidFill>
+                  <a:schemeClr val="tx2">
+                    <a:lumMod val="60000"/>
+                    <a:lumOff val="40000"/>
+                  </a:schemeClr>
+                </a:solidFill>
+                <a:latin typeface="G마켓 산스 Medium" panose="02000000000000000000" pitchFamily="50" charset="-127"/>
+                <a:ea typeface="G마켓 산스 Medium" panose="02000000000000000000" pitchFamily="50" charset="-127"/>
+              </a:rPr>
+              <a:t>, </a:t>
+            </a:r>
+            <a:r>
+              <a:rPr lang="ko-KR" altLang="en-US" sz="2800">
+                <a:solidFill>
+                  <a:schemeClr val="tx2">
+                    <a:lumMod val="60000"/>
+                    <a:lumOff val="40000"/>
+                  </a:schemeClr>
+                </a:solidFill>
+                <a:latin typeface="G마켓 산스 Medium" panose="02000000000000000000" pitchFamily="50" charset="-127"/>
+                <a:ea typeface="G마켓 산스 Medium" panose="02000000000000000000" pitchFamily="50" charset="-127"/>
+              </a:rPr>
+              <a:t>섯다카드는 </a:t>
+            </a:r>
+            <a:r>
+              <a:rPr lang="en-US" altLang="ko-KR" sz="2800">
+                <a:solidFill>
+                  <a:schemeClr val="tx2">
+                    <a:lumMod val="60000"/>
+                    <a:lumOff val="40000"/>
+                  </a:schemeClr>
+                </a:solidFill>
+                <a:latin typeface="G마켓 산스 Medium" panose="02000000000000000000" pitchFamily="50" charset="-127"/>
+                <a:ea typeface="G마켓 산스 Medium" panose="02000000000000000000" pitchFamily="50" charset="-127"/>
+              </a:rPr>
+              <a:t>1~10</a:t>
+            </a:r>
+            <a:r>
+              <a:rPr lang="ko-KR" altLang="en-US" sz="2800">
+                <a:solidFill>
+                  <a:schemeClr val="tx2">
+                    <a:lumMod val="60000"/>
+                    <a:lumOff val="40000"/>
+                  </a:schemeClr>
+                </a:solidFill>
+                <a:latin typeface="G마켓 산스 Medium" panose="02000000000000000000" pitchFamily="50" charset="-127"/>
+                <a:ea typeface="G마켓 산스 Medium" panose="02000000000000000000" pitchFamily="50" charset="-127"/>
+              </a:rPr>
+              <a:t>까지의 숫자가 적힌 카드가 한 쌍식 있고</a:t>
+            </a:r>
+            <a:r>
+              <a:rPr lang="en-US" altLang="ko-KR" sz="2800">
+                <a:solidFill>
+                  <a:schemeClr val="tx2">
+                    <a:lumMod val="60000"/>
+                    <a:lumOff val="40000"/>
+                  </a:schemeClr>
+                </a:solidFill>
+                <a:latin typeface="G마켓 산스 Medium" panose="02000000000000000000" pitchFamily="50" charset="-127"/>
+                <a:ea typeface="G마켓 산스 Medium" panose="02000000000000000000" pitchFamily="50" charset="-127"/>
+              </a:rPr>
+              <a:t>, </a:t>
+            </a:r>
+            <a:r>
+              <a:rPr lang="ko-KR" altLang="en-US" sz="2800">
+                <a:solidFill>
+                  <a:schemeClr val="tx2">
+                    <a:lumMod val="60000"/>
+                    <a:lumOff val="40000"/>
+                  </a:schemeClr>
+                </a:solidFill>
+                <a:latin typeface="G마켓 산스 Medium" panose="02000000000000000000" pitchFamily="50" charset="-127"/>
+                <a:ea typeface="G마켓 산스 Medium" panose="02000000000000000000" pitchFamily="50" charset="-127"/>
+              </a:rPr>
+              <a:t>숫자가 </a:t>
+            </a:r>
+            <a:r>
+              <a:rPr lang="en-US" altLang="ko-KR" sz="2800">
+                <a:solidFill>
+                  <a:schemeClr val="tx2">
+                    <a:lumMod val="60000"/>
+                    <a:lumOff val="40000"/>
+                  </a:schemeClr>
+                </a:solidFill>
+                <a:latin typeface="G마켓 산스 Medium" panose="02000000000000000000" pitchFamily="50" charset="-127"/>
+                <a:ea typeface="G마켓 산스 Medium" panose="02000000000000000000" pitchFamily="50" charset="-127"/>
+              </a:rPr>
+              <a:t>1,3,8</a:t>
+            </a:r>
+            <a:r>
+              <a:rPr lang="ko-KR" altLang="en-US" sz="2800">
+                <a:solidFill>
+                  <a:schemeClr val="tx2">
+                    <a:lumMod val="60000"/>
+                    <a:lumOff val="40000"/>
+                  </a:schemeClr>
+                </a:solidFill>
+                <a:latin typeface="G마켓 산스 Medium" panose="02000000000000000000" pitchFamily="50" charset="-127"/>
+                <a:ea typeface="G마켓 산스 Medium" panose="02000000000000000000" pitchFamily="50" charset="-127"/>
+              </a:rPr>
+              <a:t>인 경우 둘 </a:t>
+            </a:r>
+            <a:r>
+              <a:rPr lang="ko-KR" altLang="en-US" sz="2800" smtClean="0">
+                <a:solidFill>
+                  <a:schemeClr val="tx2">
+                    <a:lumMod val="60000"/>
+                    <a:lumOff val="40000"/>
+                  </a:schemeClr>
+                </a:solidFill>
+                <a:latin typeface="G마켓 산스 Medium" panose="02000000000000000000" pitchFamily="50" charset="-127"/>
+                <a:ea typeface="G마켓 산스 Medium" panose="02000000000000000000" pitchFamily="50" charset="-127"/>
+              </a:rPr>
+              <a:t>     중의 </a:t>
+            </a:r>
+            <a:r>
+              <a:rPr lang="ko-KR" altLang="en-US" sz="2800">
+                <a:solidFill>
+                  <a:schemeClr val="tx2">
+                    <a:lumMod val="60000"/>
+                    <a:lumOff val="40000"/>
+                  </a:schemeClr>
+                </a:solidFill>
+                <a:latin typeface="G마켓 산스 Medium" panose="02000000000000000000" pitchFamily="50" charset="-127"/>
+                <a:ea typeface="G마켓 산스 Medium" panose="02000000000000000000" pitchFamily="50" charset="-127"/>
+              </a:rPr>
+              <a:t>한장은 광이어야 한다</a:t>
+            </a:r>
+            <a:r>
+              <a:rPr lang="en-US" altLang="ko-KR" sz="2800">
+                <a:solidFill>
+                  <a:schemeClr val="tx2">
+                    <a:lumMod val="60000"/>
+                    <a:lumOff val="40000"/>
+                  </a:schemeClr>
+                </a:solidFill>
+                <a:latin typeface="G마켓 산스 Medium" panose="02000000000000000000" pitchFamily="50" charset="-127"/>
+                <a:ea typeface="G마켓 산스 Medium" panose="02000000000000000000" pitchFamily="50" charset="-127"/>
+              </a:rPr>
+              <a:t>.</a:t>
+            </a:r>
+          </a:p>
+          <a:p>
+            <a:r>
+              <a:rPr lang="ko-KR" altLang="en-US" sz="2800" smtClean="0">
+                <a:solidFill>
+                  <a:schemeClr val="tx2">
+                    <a:lumMod val="60000"/>
+                    <a:lumOff val="40000"/>
+                  </a:schemeClr>
+                </a:solidFill>
+                <a:latin typeface="G마켓 산스 Medium" panose="02000000000000000000" pitchFamily="50" charset="-127"/>
+                <a:ea typeface="G마켓 산스 Medium" panose="02000000000000000000" pitchFamily="50" charset="-127"/>
+              </a:rPr>
+              <a:t> 즉</a:t>
+            </a:r>
+            <a:r>
+              <a:rPr lang="en-US" altLang="ko-KR" sz="2800">
+                <a:solidFill>
+                  <a:schemeClr val="tx2">
+                    <a:lumMod val="60000"/>
+                    <a:lumOff val="40000"/>
+                  </a:schemeClr>
+                </a:solidFill>
+                <a:latin typeface="G마켓 산스 Medium" panose="02000000000000000000" pitchFamily="50" charset="-127"/>
+                <a:ea typeface="G마켓 산스 Medium" panose="02000000000000000000" pitchFamily="50" charset="-127"/>
+              </a:rPr>
+              <a:t>, SutdaCard</a:t>
+            </a:r>
+            <a:r>
+              <a:rPr lang="ko-KR" altLang="en-US" sz="2800">
+                <a:solidFill>
+                  <a:schemeClr val="tx2">
+                    <a:lumMod val="60000"/>
+                    <a:lumOff val="40000"/>
+                  </a:schemeClr>
+                </a:solidFill>
+                <a:latin typeface="G마켓 산스 Medium" panose="02000000000000000000" pitchFamily="50" charset="-127"/>
+                <a:ea typeface="G마켓 산스 Medium" panose="02000000000000000000" pitchFamily="50" charset="-127"/>
+              </a:rPr>
+              <a:t>의 인스턴스변수 </a:t>
+            </a:r>
+            <a:r>
+              <a:rPr lang="en-US" altLang="ko-KR" sz="2800">
+                <a:solidFill>
+                  <a:schemeClr val="tx2">
+                    <a:lumMod val="60000"/>
+                    <a:lumOff val="40000"/>
+                  </a:schemeClr>
+                </a:solidFill>
+                <a:latin typeface="G마켓 산스 Medium" panose="02000000000000000000" pitchFamily="50" charset="-127"/>
+                <a:ea typeface="G마켓 산스 Medium" panose="02000000000000000000" pitchFamily="50" charset="-127"/>
+              </a:rPr>
+              <a:t>isKwang</a:t>
+            </a:r>
+            <a:r>
+              <a:rPr lang="ko-KR" altLang="en-US" sz="2800">
+                <a:solidFill>
+                  <a:schemeClr val="tx2">
+                    <a:lumMod val="60000"/>
+                    <a:lumOff val="40000"/>
+                  </a:schemeClr>
+                </a:solidFill>
+                <a:latin typeface="G마켓 산스 Medium" panose="02000000000000000000" pitchFamily="50" charset="-127"/>
+                <a:ea typeface="G마켓 산스 Medium" panose="02000000000000000000" pitchFamily="50" charset="-127"/>
+              </a:rPr>
+              <a:t>의 값이 </a:t>
+            </a:r>
+            <a:r>
+              <a:rPr lang="en-US" altLang="ko-KR" sz="2800">
+                <a:solidFill>
+                  <a:schemeClr val="tx2">
+                    <a:lumMod val="60000"/>
+                    <a:lumOff val="40000"/>
+                  </a:schemeClr>
+                </a:solidFill>
+                <a:latin typeface="G마켓 산스 Medium" panose="02000000000000000000" pitchFamily="50" charset="-127"/>
+                <a:ea typeface="G마켓 산스 Medium" panose="02000000000000000000" pitchFamily="50" charset="-127"/>
+              </a:rPr>
+              <a:t>true</a:t>
+            </a:r>
+            <a:r>
+              <a:rPr lang="ko-KR" altLang="en-US" sz="2800">
+                <a:solidFill>
+                  <a:schemeClr val="tx2">
+                    <a:lumMod val="60000"/>
+                    <a:lumOff val="40000"/>
+                  </a:schemeClr>
+                </a:solidFill>
+                <a:latin typeface="G마켓 산스 Medium" panose="02000000000000000000" pitchFamily="50" charset="-127"/>
+                <a:ea typeface="G마켓 산스 Medium" panose="02000000000000000000" pitchFamily="50" charset="-127"/>
+              </a:rPr>
+              <a:t>이다</a:t>
+            </a:r>
+            <a:r>
+              <a:rPr lang="en-US" altLang="ko-KR" sz="2800" smtClean="0">
+                <a:solidFill>
+                  <a:schemeClr val="tx2">
+                    <a:lumMod val="60000"/>
+                    <a:lumOff val="40000"/>
+                  </a:schemeClr>
+                </a:solidFill>
+                <a:latin typeface="G마켓 산스 Medium" panose="02000000000000000000" pitchFamily="50" charset="-127"/>
+                <a:ea typeface="G마켓 산스 Medium" panose="02000000000000000000" pitchFamily="50" charset="-127"/>
+              </a:rPr>
+              <a:t>.</a:t>
+            </a:r>
+            <a:endParaRPr lang="en-US" altLang="ko-KR" sz="2800" dirty="0">
+              <a:solidFill>
+                <a:schemeClr val="tx2">
+                  <a:lumMod val="60000"/>
+                  <a:lumOff val="40000"/>
+                </a:schemeClr>
+              </a:solidFill>
+              <a:latin typeface="G마켓 산스 Medium" panose="02000000000000000000" pitchFamily="50" charset="-127"/>
+              <a:ea typeface="G마켓 산스 Medium" panose="02000000000000000000" pitchFamily="50" charset="-127"/>
+            </a:endParaRPr>
+          </a:p>
+        </p:txBody>
+      </p:sp>
+      <p:pic>
+        <p:nvPicPr>
+          <p:cNvPr id="6" name="그림 5"/>
+          <p:cNvPicPr>
+            <a:picLocks noChangeAspect="1"/>
+          </p:cNvPicPr>
+          <p:nvPr/>
+        </p:nvPicPr>
+        <p:blipFill>
+          <a:blip r:embed="rId2"/>
+          <a:stretch>
+            <a:fillRect/>
+          </a:stretch>
+        </p:blipFill>
+        <p:spPr>
+          <a:xfrm>
+            <a:off x="457200" y="8724900"/>
+            <a:ext cx="9109166" cy="1219200"/>
+          </a:xfrm>
+          <a:prstGeom prst="rect">
+            <a:avLst/>
+          </a:prstGeom>
+        </p:spPr>
+      </p:pic>
+      <p:pic>
+        <p:nvPicPr>
+          <p:cNvPr id="10" name="그림 9"/>
+          <p:cNvPicPr>
+            <a:picLocks noChangeAspect="1"/>
+          </p:cNvPicPr>
+          <p:nvPr/>
+        </p:nvPicPr>
+        <p:blipFill>
+          <a:blip r:embed="rId3"/>
+          <a:stretch>
+            <a:fillRect/>
+          </a:stretch>
+        </p:blipFill>
+        <p:spPr>
+          <a:xfrm>
+            <a:off x="304801" y="3314700"/>
+            <a:ext cx="9764486" cy="5257800"/>
+          </a:xfrm>
+          <a:prstGeom prst="rect">
+            <a:avLst/>
+          </a:prstGeom>
+        </p:spPr>
+      </p:pic>
+      <p:pic>
+        <p:nvPicPr>
+          <p:cNvPr id="11" name="그림 10"/>
+          <p:cNvPicPr>
+            <a:picLocks noChangeAspect="1"/>
+          </p:cNvPicPr>
+          <p:nvPr/>
+        </p:nvPicPr>
+        <p:blipFill>
+          <a:blip r:embed="rId4"/>
+          <a:stretch>
+            <a:fillRect/>
+          </a:stretch>
+        </p:blipFill>
+        <p:spPr>
+          <a:xfrm>
+            <a:off x="10744200" y="2552700"/>
+            <a:ext cx="7086600" cy="7614794"/>
+          </a:xfrm>
+          <a:prstGeom prst="rect">
+            <a:avLst/>
+          </a:prstGeom>
+        </p:spPr>
+      </p:pic>
+    </p:spTree>
+    <p:extLst>
+      <p:ext uri="{BB962C8B-B14F-4D97-AF65-F5344CB8AC3E}">
+        <p14:creationId xmlns:p14="http://schemas.microsoft.com/office/powerpoint/2010/main" val="3727947807"/>
+      </p:ext>
+    </p:extLst>
+  </p:cSld>
+  <p:clrMapOvr>
+    <a:masterClrMapping/>
+  </p:clrMapOvr>
+</p:sld>
+</file>
+
 <file path=ppt/slides/slide5.xml><?xml version="1.0" encoding="utf-8"?>
 <p:sld xmlns:a="http://schemas.openxmlformats.org/drawingml/2006/main" xmlns:r="http://schemas.openxmlformats.org/officeDocument/2006/relationships" xmlns:p="http://schemas.openxmlformats.org/presentationml/2006/main">
   <p:cSld>
@@ -23999,7 +24437,7 @@
           <p:cNvPr id="4" name="그룹 1015">
             <a:extLst>
               <a:ext uri="{FF2B5EF4-FFF2-40B4-BE49-F238E27FC236}">
-                <a16:creationId xmlns="" xmlns:a16="http://schemas.microsoft.com/office/drawing/2014/main" id="{76F5E01D-ECD6-A51D-DC2B-05DA1EBF93C7}"/>
+                <a16:creationId xmlns:a16="http://schemas.microsoft.com/office/drawing/2014/main" xmlns="" id="{76F5E01D-ECD6-A51D-DC2B-05DA1EBF93C7}"/>
               </a:ext>
             </a:extLst>
           </p:cNvPr>
@@ -24019,7 +24457,7 @@
             <p:cNvPr id="5" name="Object 52">
               <a:extLst>
                 <a:ext uri="{FF2B5EF4-FFF2-40B4-BE49-F238E27FC236}">
-                  <a16:creationId xmlns="" xmlns:a16="http://schemas.microsoft.com/office/drawing/2014/main" id="{D83975B3-46BC-7686-ECA1-1D7ECFA74A69}"/>
+                  <a16:creationId xmlns:a16="http://schemas.microsoft.com/office/drawing/2014/main" xmlns="" id="{D83975B3-46BC-7686-ECA1-1D7ECFA74A69}"/>
                 </a:ext>
               </a:extLst>
             </p:cNvPr>
@@ -24050,7 +24488,7 @@
           <p:cNvPr id="6" name="그룹 1018">
             <a:extLst>
               <a:ext uri="{FF2B5EF4-FFF2-40B4-BE49-F238E27FC236}">
-                <a16:creationId xmlns="" xmlns:a16="http://schemas.microsoft.com/office/drawing/2014/main" id="{008489BA-FEFA-DE7D-B3CD-53A358B82592}"/>
+                <a16:creationId xmlns:a16="http://schemas.microsoft.com/office/drawing/2014/main" xmlns="" id="{008489BA-FEFA-DE7D-B3CD-53A358B82592}"/>
               </a:ext>
             </a:extLst>
           </p:cNvPr>
@@ -24070,7 +24508,7 @@
             <p:cNvPr id="7" name="Object 61">
               <a:extLst>
                 <a:ext uri="{FF2B5EF4-FFF2-40B4-BE49-F238E27FC236}">
-                  <a16:creationId xmlns="" xmlns:a16="http://schemas.microsoft.com/office/drawing/2014/main" id="{9ED25BE3-45BE-AC6D-D835-4457854D2832}"/>
+                  <a16:creationId xmlns:a16="http://schemas.microsoft.com/office/drawing/2014/main" xmlns="" id="{9ED25BE3-45BE-AC6D-D835-4457854D2832}"/>
                 </a:ext>
               </a:extLst>
             </p:cNvPr>
@@ -24101,7 +24539,7 @@
           <p:cNvPr id="8" name="그룹 1021">
             <a:extLst>
               <a:ext uri="{FF2B5EF4-FFF2-40B4-BE49-F238E27FC236}">
-                <a16:creationId xmlns="" xmlns:a16="http://schemas.microsoft.com/office/drawing/2014/main" id="{7FE0C0A1-ABE4-F0EA-AFC1-4622C45C99E7}"/>
+                <a16:creationId xmlns:a16="http://schemas.microsoft.com/office/drawing/2014/main" xmlns="" id="{7FE0C0A1-ABE4-F0EA-AFC1-4622C45C99E7}"/>
               </a:ext>
             </a:extLst>
           </p:cNvPr>
@@ -24121,7 +24559,7 @@
             <p:cNvPr id="9" name="Object 71">
               <a:extLst>
                 <a:ext uri="{FF2B5EF4-FFF2-40B4-BE49-F238E27FC236}">
-                  <a16:creationId xmlns="" xmlns:a16="http://schemas.microsoft.com/office/drawing/2014/main" id="{CDBB7D83-509F-9F4C-0C3E-DBA2562E5520}"/>
+                  <a16:creationId xmlns:a16="http://schemas.microsoft.com/office/drawing/2014/main" xmlns="" id="{CDBB7D83-509F-9F4C-0C3E-DBA2562E5520}"/>
                 </a:ext>
               </a:extLst>
             </p:cNvPr>
@@ -24152,7 +24590,7 @@
           <p:cNvPr id="10" name="그룹 1024">
             <a:extLst>
               <a:ext uri="{FF2B5EF4-FFF2-40B4-BE49-F238E27FC236}">
-                <a16:creationId xmlns="" xmlns:a16="http://schemas.microsoft.com/office/drawing/2014/main" id="{8EB1611F-852C-9617-AEEB-CFA38FFF8001}"/>
+                <a16:creationId xmlns:a16="http://schemas.microsoft.com/office/drawing/2014/main" xmlns="" id="{8EB1611F-852C-9617-AEEB-CFA38FFF8001}"/>
               </a:ext>
             </a:extLst>
           </p:cNvPr>
@@ -24172,7 +24610,7 @@
             <p:cNvPr id="11" name="Object 81">
               <a:extLst>
                 <a:ext uri="{FF2B5EF4-FFF2-40B4-BE49-F238E27FC236}">
-                  <a16:creationId xmlns="" xmlns:a16="http://schemas.microsoft.com/office/drawing/2014/main" id="{08657582-A0DF-A5DC-A662-189C639920C8}"/>
+                  <a16:creationId xmlns:a16="http://schemas.microsoft.com/office/drawing/2014/main" xmlns="" id="{08657582-A0DF-A5DC-A662-189C639920C8}"/>
                 </a:ext>
               </a:extLst>
             </p:cNvPr>
@@ -24203,7 +24641,7 @@
           <p:cNvPr id="12" name="TextBox 11">
             <a:extLst>
               <a:ext uri="{FF2B5EF4-FFF2-40B4-BE49-F238E27FC236}">
-                <a16:creationId xmlns="" xmlns:a16="http://schemas.microsoft.com/office/drawing/2014/main" id="{FC41B7B2-904B-813A-22B8-239E383F4360}"/>
+                <a16:creationId xmlns:a16="http://schemas.microsoft.com/office/drawing/2014/main" xmlns="" id="{FC41B7B2-904B-813A-22B8-239E383F4360}"/>
               </a:ext>
             </a:extLst>
           </p:cNvPr>
@@ -24251,7 +24689,7 @@
           <p:cNvPr id="13" name="TextBox 12">
             <a:extLst>
               <a:ext uri="{FF2B5EF4-FFF2-40B4-BE49-F238E27FC236}">
-                <a16:creationId xmlns="" xmlns:a16="http://schemas.microsoft.com/office/drawing/2014/main" id="{F68B80B8-3419-5C31-B2F2-084E536A2C1C}"/>
+                <a16:creationId xmlns:a16="http://schemas.microsoft.com/office/drawing/2014/main" xmlns="" id="{F68B80B8-3419-5C31-B2F2-084E536A2C1C}"/>
               </a:ext>
             </a:extLst>
           </p:cNvPr>
@@ -24299,7 +24737,7 @@
           <p:cNvPr id="14" name="TextBox 13">
             <a:extLst>
               <a:ext uri="{FF2B5EF4-FFF2-40B4-BE49-F238E27FC236}">
-                <a16:creationId xmlns="" xmlns:a16="http://schemas.microsoft.com/office/drawing/2014/main" id="{CB471B39-052C-65D2-3069-C74FA7421876}"/>
+                <a16:creationId xmlns:a16="http://schemas.microsoft.com/office/drawing/2014/main" xmlns="" id="{CB471B39-052C-65D2-3069-C74FA7421876}"/>
               </a:ext>
             </a:extLst>
           </p:cNvPr>
@@ -24347,7 +24785,7 @@
           <p:cNvPr id="15" name="TextBox 14">
             <a:extLst>
               <a:ext uri="{FF2B5EF4-FFF2-40B4-BE49-F238E27FC236}">
-                <a16:creationId xmlns="" xmlns:a16="http://schemas.microsoft.com/office/drawing/2014/main" id="{4A7E270B-9322-EABD-3A34-4D211B23AD38}"/>
+                <a16:creationId xmlns:a16="http://schemas.microsoft.com/office/drawing/2014/main" xmlns="" id="{4A7E270B-9322-EABD-3A34-4D211B23AD38}"/>
               </a:ext>
             </a:extLst>
           </p:cNvPr>
@@ -24395,7 +24833,7 @@
           <p:cNvPr id="16" name="직선 화살표 연결선 15">
             <a:extLst>
               <a:ext uri="{FF2B5EF4-FFF2-40B4-BE49-F238E27FC236}">
-                <a16:creationId xmlns="" xmlns:a16="http://schemas.microsoft.com/office/drawing/2014/main" id="{174A1CAB-41DB-CBE5-A53E-D1E78982E7D5}"/>
+                <a16:creationId xmlns:a16="http://schemas.microsoft.com/office/drawing/2014/main" xmlns="" id="{174A1CAB-41DB-CBE5-A53E-D1E78982E7D5}"/>
               </a:ext>
             </a:extLst>
           </p:cNvPr>
@@ -24437,7 +24875,7 @@
           <p:cNvPr id="17" name="직선 화살표 연결선 16">
             <a:extLst>
               <a:ext uri="{FF2B5EF4-FFF2-40B4-BE49-F238E27FC236}">
-                <a16:creationId xmlns="" xmlns:a16="http://schemas.microsoft.com/office/drawing/2014/main" id="{404BE807-8974-325D-28CE-80CBD5A23FD9}"/>
+                <a16:creationId xmlns:a16="http://schemas.microsoft.com/office/drawing/2014/main" xmlns="" id="{404BE807-8974-325D-28CE-80CBD5A23FD9}"/>
               </a:ext>
             </a:extLst>
           </p:cNvPr>
@@ -24478,7 +24916,7 @@
           <p:cNvPr id="18" name="직선 화살표 연결선 17">
             <a:extLst>
               <a:ext uri="{FF2B5EF4-FFF2-40B4-BE49-F238E27FC236}">
-                <a16:creationId xmlns="" xmlns:a16="http://schemas.microsoft.com/office/drawing/2014/main" id="{8238D4B2-69F6-F17A-0286-66A8FB197956}"/>
+                <a16:creationId xmlns:a16="http://schemas.microsoft.com/office/drawing/2014/main" xmlns="" id="{8238D4B2-69F6-F17A-0286-66A8FB197956}"/>
               </a:ext>
             </a:extLst>
           </p:cNvPr>
@@ -24598,7 +25036,7 @@
           <p:cNvPr id="4" name="TextBox 3">
             <a:extLst>
               <a:ext uri="{FF2B5EF4-FFF2-40B4-BE49-F238E27FC236}">
-                <a16:creationId xmlns="" xmlns:a16="http://schemas.microsoft.com/office/drawing/2014/main" id="{8BD2ED5A-5CA2-F84F-13E6-A2AC3854D891}"/>
+                <a16:creationId xmlns:a16="http://schemas.microsoft.com/office/drawing/2014/main" xmlns="" id="{2E843C5C-F5F0-B014-4B60-31604E120CA8}"/>
               </a:ext>
             </a:extLst>
           </p:cNvPr>
@@ -24607,8 +25045,8 @@
         </p:nvSpPr>
         <p:spPr>
           <a:xfrm>
-            <a:off x="914400" y="419100"/>
-            <a:ext cx="2667000" cy="830997"/>
+            <a:off x="228600" y="1319867"/>
+            <a:ext cx="17373600" cy="8340745"/>
           </a:xfrm>
           <a:prstGeom prst="rect">
             <a:avLst/>
@@ -24622,55 +25060,7 @@
           <a:lstStyle/>
           <a:p>
             <a:r>
-              <a:rPr lang="ko-KR" altLang="en-US" sz="4800" smtClean="0">
-                <a:solidFill>
-                  <a:srgbClr val="4C50BC"/>
-                </a:solidFill>
-                <a:latin typeface="G마켓 산스 Medium" panose="02000000000000000000" pitchFamily="50" charset="-127"/>
-                <a:ea typeface="G마켓 산스 Medium" panose="02000000000000000000" pitchFamily="50" charset="-127"/>
-              </a:rPr>
-              <a:t>실습문제</a:t>
-            </a:r>
-            <a:endParaRPr lang="en-US" altLang="ko-KR" sz="4800" dirty="0">
-              <a:solidFill>
-                <a:srgbClr val="4C50BC"/>
-              </a:solidFill>
-              <a:latin typeface="G마켓 산스 Medium" panose="02000000000000000000" pitchFamily="50" charset="-127"/>
-              <a:ea typeface="G마켓 산스 Medium" panose="02000000000000000000" pitchFamily="50" charset="-127"/>
-            </a:endParaRPr>
-          </a:p>
-        </p:txBody>
-      </p:sp>
-      <p:sp>
-        <p:nvSpPr>
-          <p:cNvPr id="5" name="TextBox 4">
-            <a:extLst>
-              <a:ext uri="{FF2B5EF4-FFF2-40B4-BE49-F238E27FC236}">
-                <a16:creationId xmlns="" xmlns:a16="http://schemas.microsoft.com/office/drawing/2014/main" id="{2E843C5C-F5F0-B014-4B60-31604E120CA8}"/>
-              </a:ext>
-            </a:extLst>
-          </p:cNvPr>
-          <p:cNvSpPr txBox="1"/>
-          <p:nvPr/>
-        </p:nvSpPr>
-        <p:spPr>
-          <a:xfrm>
-            <a:off x="3200400" y="1943100"/>
-            <a:ext cx="12496800" cy="4401205"/>
-          </a:xfrm>
-          <a:prstGeom prst="rect">
-            <a:avLst/>
-          </a:prstGeom>
-          <a:noFill/>
-        </p:spPr>
-        <p:txBody>
-          <a:bodyPr wrap="square" rtlCol="0">
-            <a:spAutoFit/>
-          </a:bodyPr>
-          <a:lstStyle/>
-          <a:p>
-            <a:r>
-              <a:rPr lang="ko-KR" altLang="en-US" sz="4000" smtClean="0">
+              <a:rPr lang="en-US" altLang="ko-KR" sz="4000" smtClean="0">
                 <a:solidFill>
                   <a:schemeClr val="tx1">
                     <a:lumMod val="50000"/>
@@ -24680,936 +25070,8 @@
                 <a:latin typeface="G마켓 산스 Medium" panose="02000000000000000000" pitchFamily="50" charset="-127"/>
                 <a:ea typeface="G마켓 산스 Medium" panose="02000000000000000000" pitchFamily="50" charset="-127"/>
               </a:rPr>
-              <a:t>웹하드및 스터디룸 </a:t>
-            </a:r>
-            <a:r>
-              <a:rPr lang="en-US" altLang="ko-KR" sz="4000" smtClean="0">
-                <a:solidFill>
-                  <a:schemeClr val="tx1">
-                    <a:lumMod val="50000"/>
-                    <a:lumOff val="50000"/>
-                  </a:schemeClr>
-                </a:solidFill>
-                <a:latin typeface="G마켓 산스 Medium" panose="02000000000000000000" pitchFamily="50" charset="-127"/>
-                <a:ea typeface="G마켓 산스 Medium" panose="02000000000000000000" pitchFamily="50" charset="-127"/>
-              </a:rPr>
-              <a:t>9</a:t>
-            </a:r>
-            <a:r>
-              <a:rPr lang="ko-KR" altLang="en-US" sz="4000" smtClean="0">
-                <a:solidFill>
-                  <a:schemeClr val="tx1">
-                    <a:lumMod val="50000"/>
-                    <a:lumOff val="50000"/>
-                  </a:schemeClr>
-                </a:solidFill>
-                <a:latin typeface="G마켓 산스 Medium" panose="02000000000000000000" pitchFamily="50" charset="-127"/>
-                <a:ea typeface="G마켓 산스 Medium" panose="02000000000000000000" pitchFamily="50" charset="-127"/>
-              </a:rPr>
-              <a:t>강 연습문제 참조</a:t>
-            </a:r>
-            <a:endParaRPr lang="en-US" altLang="ko-KR" sz="4000" smtClean="0">
-              <a:solidFill>
-                <a:schemeClr val="tx1">
-                  <a:lumMod val="50000"/>
-                  <a:lumOff val="50000"/>
-                </a:schemeClr>
-              </a:solidFill>
-              <a:latin typeface="G마켓 산스 Medium" panose="02000000000000000000" pitchFamily="50" charset="-127"/>
-              <a:ea typeface="G마켓 산스 Medium" panose="02000000000000000000" pitchFamily="50" charset="-127"/>
-            </a:endParaRPr>
-          </a:p>
-          <a:p>
-            <a:r>
-              <a:rPr lang="ko-KR" altLang="en-US" sz="4000" smtClean="0">
-                <a:solidFill>
-                  <a:schemeClr val="tx1">
-                    <a:lumMod val="50000"/>
-                    <a:lumOff val="50000"/>
-                  </a:schemeClr>
-                </a:solidFill>
-                <a:latin typeface="G마켓 산스 Medium" panose="02000000000000000000" pitchFamily="50" charset="-127"/>
-                <a:ea typeface="G마켓 산스 Medium" panose="02000000000000000000" pitchFamily="50" charset="-127"/>
-              </a:rPr>
-              <a:t>웹하드 </a:t>
-            </a:r>
-            <a:r>
-              <a:rPr lang="en-US" altLang="ko-KR" sz="4000" smtClean="0">
-                <a:solidFill>
-                  <a:schemeClr val="tx1">
-                    <a:lumMod val="50000"/>
-                    <a:lumOff val="50000"/>
-                  </a:schemeClr>
-                </a:solidFill>
-                <a:latin typeface="G마켓 산스 Medium" panose="02000000000000000000" pitchFamily="50" charset="-127"/>
-                <a:ea typeface="G마켓 산스 Medium" panose="02000000000000000000" pitchFamily="50" charset="-127"/>
-              </a:rPr>
-              <a:t>: </a:t>
-            </a:r>
-            <a:r>
-              <a:rPr lang="en-US" altLang="ko-KR" sz="4000">
-                <a:latin typeface="G마켓 산스 Medium" panose="02000000000000000000" pitchFamily="50" charset="-127"/>
-                <a:ea typeface="G마켓 산스 Medium" panose="02000000000000000000" pitchFamily="50" charset="-127"/>
-              </a:rPr>
-              <a:t>http://kedudisk.com/pm/</a:t>
-            </a:r>
-          </a:p>
-          <a:p>
-            <a:r>
-              <a:rPr lang="ko-KR" altLang="en-US" sz="4000" smtClean="0">
-                <a:solidFill>
-                  <a:schemeClr val="tx1">
-                    <a:lumMod val="50000"/>
-                    <a:lumOff val="50000"/>
-                  </a:schemeClr>
-                </a:solidFill>
-                <a:latin typeface="G마켓 산스 Medium" panose="02000000000000000000" pitchFamily="50" charset="-127"/>
-                <a:ea typeface="G마켓 산스 Medium" panose="02000000000000000000" pitchFamily="50" charset="-127"/>
-              </a:rPr>
-              <a:t>아이디</a:t>
-            </a:r>
-            <a:r>
-              <a:rPr lang="en-US" altLang="ko-KR" sz="4000" smtClean="0">
-                <a:solidFill>
-                  <a:schemeClr val="tx1">
-                    <a:lumMod val="50000"/>
-                    <a:lumOff val="50000"/>
-                  </a:schemeClr>
-                </a:solidFill>
-                <a:latin typeface="G마켓 산스 Medium" panose="02000000000000000000" pitchFamily="50" charset="-127"/>
-                <a:ea typeface="G마켓 산스 Medium" panose="02000000000000000000" pitchFamily="50" charset="-127"/>
-              </a:rPr>
-              <a:t>: </a:t>
-            </a:r>
-            <a:r>
-              <a:rPr lang="en-US" altLang="ko-KR" sz="4000" smtClean="0">
-                <a:latin typeface="G마켓 산스 Medium" panose="02000000000000000000" pitchFamily="50" charset="-127"/>
-                <a:ea typeface="G마켓 산스 Medium" panose="02000000000000000000" pitchFamily="50" charset="-127"/>
-              </a:rPr>
-              <a:t>it3000</a:t>
-            </a:r>
-          </a:p>
-          <a:p>
-            <a:r>
-              <a:rPr lang="ko-KR" altLang="en-US" sz="4000" smtClean="0">
-                <a:solidFill>
-                  <a:schemeClr val="tx1">
-                    <a:lumMod val="50000"/>
-                    <a:lumOff val="50000"/>
-                  </a:schemeClr>
-                </a:solidFill>
-                <a:latin typeface="G마켓 산스 Medium" panose="02000000000000000000" pitchFamily="50" charset="-127"/>
-                <a:ea typeface="G마켓 산스 Medium" panose="02000000000000000000" pitchFamily="50" charset="-127"/>
-              </a:rPr>
-              <a:t>패스워드</a:t>
-            </a:r>
-            <a:r>
-              <a:rPr lang="en-US" altLang="ko-KR" sz="4000" smtClean="0">
-                <a:solidFill>
-                  <a:schemeClr val="tx1">
-                    <a:lumMod val="50000"/>
-                    <a:lumOff val="50000"/>
-                  </a:schemeClr>
-                </a:solidFill>
-                <a:latin typeface="G마켓 산스 Medium" panose="02000000000000000000" pitchFamily="50" charset="-127"/>
-                <a:ea typeface="G마켓 산스 Medium" panose="02000000000000000000" pitchFamily="50" charset="-127"/>
-              </a:rPr>
-              <a:t>:</a:t>
-            </a:r>
-            <a:r>
-              <a:rPr lang="en-US" altLang="ko-KR" sz="4000" smtClean="0">
-                <a:latin typeface="G마켓 산스 Medium" panose="02000000000000000000" pitchFamily="50" charset="-127"/>
-                <a:ea typeface="G마켓 산스 Medium" panose="02000000000000000000" pitchFamily="50" charset="-127"/>
-              </a:rPr>
-              <a:t>koreait11!</a:t>
-            </a:r>
-          </a:p>
-          <a:p>
-            <a:endParaRPr lang="en-US" altLang="ko-KR" sz="4000" smtClean="0">
-              <a:solidFill>
-                <a:schemeClr val="tx1">
-                  <a:lumMod val="50000"/>
-                  <a:lumOff val="50000"/>
-                </a:schemeClr>
-              </a:solidFill>
-              <a:latin typeface="G마켓 산스 Medium" panose="02000000000000000000" pitchFamily="50" charset="-127"/>
-              <a:ea typeface="G마켓 산스 Medium" panose="02000000000000000000" pitchFamily="50" charset="-127"/>
-            </a:endParaRPr>
-          </a:p>
-          <a:p>
-            <a:r>
-              <a:rPr lang="ko-KR" altLang="en-US" sz="4000" smtClean="0">
-                <a:solidFill>
-                  <a:schemeClr val="tx1">
-                    <a:lumMod val="50000"/>
-                    <a:lumOff val="50000"/>
-                  </a:schemeClr>
-                </a:solidFill>
-                <a:latin typeface="G마켓 산스 Medium" panose="02000000000000000000" pitchFamily="50" charset="-127"/>
-                <a:ea typeface="G마켓 산스 Medium" panose="02000000000000000000" pitchFamily="50" charset="-127"/>
-              </a:rPr>
-              <a:t>스터디룸 </a:t>
-            </a:r>
-            <a:r>
-              <a:rPr lang="en-US" altLang="ko-KR" sz="4000">
-                <a:solidFill>
-                  <a:schemeClr val="tx1">
-                    <a:lumMod val="50000"/>
-                    <a:lumOff val="50000"/>
-                  </a:schemeClr>
-                </a:solidFill>
-                <a:latin typeface="G마켓 산스 Medium" panose="02000000000000000000" pitchFamily="50" charset="-127"/>
-                <a:ea typeface="G마켓 산스 Medium" panose="02000000000000000000" pitchFamily="50" charset="-127"/>
-              </a:rPr>
-              <a:t>: </a:t>
-            </a:r>
-            <a:r>
-              <a:rPr lang="en-US" altLang="ko-KR" sz="4000">
-                <a:latin typeface="G마켓 산스 Medium" panose="02000000000000000000" pitchFamily="50" charset="-127"/>
-                <a:ea typeface="G마켓 산스 Medium" panose="02000000000000000000" pitchFamily="50" charset="-127"/>
-              </a:rPr>
-              <a:t>http://</a:t>
-            </a:r>
-            <a:r>
-              <a:rPr lang="en-US" altLang="ko-KR" sz="4000" smtClean="0">
-                <a:latin typeface="G마켓 산스 Medium" panose="02000000000000000000" pitchFamily="50" charset="-127"/>
-                <a:ea typeface="G마켓 산스 Medium" panose="02000000000000000000" pitchFamily="50" charset="-127"/>
-              </a:rPr>
-              <a:t>koreastudyroom.com</a:t>
-            </a:r>
-          </a:p>
-          <a:p>
-            <a:r>
-              <a:rPr lang="ko-KR" altLang="en-US" sz="4000" smtClean="0">
-                <a:solidFill>
-                  <a:schemeClr val="tx1">
-                    <a:lumMod val="50000"/>
-                    <a:lumOff val="50000"/>
-                  </a:schemeClr>
-                </a:solidFill>
-                <a:latin typeface="G마켓 산스 Medium" panose="02000000000000000000" pitchFamily="50" charset="-127"/>
-                <a:ea typeface="G마켓 산스 Medium" panose="02000000000000000000" pitchFamily="50" charset="-127"/>
-              </a:rPr>
-              <a:t>아이디 패스워드</a:t>
-            </a:r>
-            <a:r>
-              <a:rPr lang="en-US" altLang="ko-KR" sz="4000">
-                <a:solidFill>
-                  <a:schemeClr val="tx1">
-                    <a:lumMod val="50000"/>
-                    <a:lumOff val="50000"/>
-                  </a:schemeClr>
-                </a:solidFill>
-                <a:latin typeface="G마켓 산스 Medium" panose="02000000000000000000" pitchFamily="50" charset="-127"/>
-                <a:ea typeface="G마켓 산스 Medium" panose="02000000000000000000" pitchFamily="50" charset="-127"/>
-              </a:rPr>
-              <a:t> </a:t>
-            </a:r>
-            <a:r>
-              <a:rPr lang="ko-KR" altLang="en-US" sz="4000" smtClean="0">
-                <a:solidFill>
-                  <a:schemeClr val="tx1">
-                    <a:lumMod val="50000"/>
-                    <a:lumOff val="50000"/>
-                  </a:schemeClr>
-                </a:solidFill>
-                <a:latin typeface="G마켓 산스 Medium" panose="02000000000000000000" pitchFamily="50" charset="-127"/>
-                <a:ea typeface="G마켓 산스 Medium" panose="02000000000000000000" pitchFamily="50" charset="-127"/>
-              </a:rPr>
-              <a:t>학원 문의</a:t>
-            </a:r>
-            <a:endParaRPr lang="en-US" altLang="ko-KR" sz="4000" dirty="0">
-              <a:solidFill>
-                <a:schemeClr val="tx1">
-                  <a:lumMod val="50000"/>
-                  <a:lumOff val="50000"/>
-                </a:schemeClr>
-              </a:solidFill>
-              <a:latin typeface="G마켓 산스 Medium" panose="02000000000000000000" pitchFamily="50" charset="-127"/>
-              <a:ea typeface="G마켓 산스 Medium" panose="02000000000000000000" pitchFamily="50" charset="-127"/>
-            </a:endParaRPr>
-          </a:p>
-        </p:txBody>
-      </p:sp>
-    </p:spTree>
-    <p:extLst>
-      <p:ext uri="{BB962C8B-B14F-4D97-AF65-F5344CB8AC3E}">
-        <p14:creationId xmlns:p14="http://schemas.microsoft.com/office/powerpoint/2010/main" val="1268302016"/>
-      </p:ext>
-    </p:extLst>
-  </p:cSld>
-  <p:clrMapOvr>
-    <a:masterClrMapping/>
-  </p:clrMapOvr>
-</p:sld>
-</file>
-
-<file path=ppt/slides/slide51.xml><?xml version="1.0" encoding="utf-8"?>
-<p:sld xmlns:a="http://schemas.openxmlformats.org/drawingml/2006/main" xmlns:r="http://schemas.openxmlformats.org/officeDocument/2006/relationships" xmlns:p="http://schemas.openxmlformats.org/presentationml/2006/main">
-  <p:cSld>
-    <p:spTree>
-      <p:nvGrpSpPr>
-        <p:cNvPr id="1" name=""/>
-        <p:cNvGrpSpPr/>
-        <p:nvPr/>
-      </p:nvGrpSpPr>
-      <p:grpSpPr>
-        <a:xfrm>
-          <a:off x="0" y="0"/>
-          <a:ext cx="0" cy="0"/>
-          <a:chOff x="0" y="0"/>
-          <a:chExt cx="0" cy="0"/>
-        </a:xfrm>
-      </p:grpSpPr>
-      <p:sp>
-        <p:nvSpPr>
-          <p:cNvPr id="4" name="TextBox 3">
-            <a:extLst>
-              <a:ext uri="{FF2B5EF4-FFF2-40B4-BE49-F238E27FC236}">
-                <a16:creationId xmlns="" xmlns:a16="http://schemas.microsoft.com/office/drawing/2014/main" id="{8BD2ED5A-5CA2-F84F-13E6-A2AC3854D891}"/>
-              </a:ext>
-            </a:extLst>
-          </p:cNvPr>
-          <p:cNvSpPr txBox="1"/>
-          <p:nvPr/>
-        </p:nvSpPr>
-        <p:spPr>
-          <a:xfrm>
-            <a:off x="762000" y="38100"/>
-            <a:ext cx="3124200" cy="830997"/>
-          </a:xfrm>
-          <a:prstGeom prst="rect">
-            <a:avLst/>
-          </a:prstGeom>
-          <a:noFill/>
-        </p:spPr>
-        <p:txBody>
-          <a:bodyPr wrap="square" rtlCol="0">
-            <a:spAutoFit/>
-          </a:bodyPr>
-          <a:lstStyle/>
-          <a:p>
-            <a:r>
-              <a:rPr lang="ko-KR" altLang="en-US" sz="4800" smtClean="0">
-                <a:solidFill>
-                  <a:srgbClr val="4C50BC"/>
-                </a:solidFill>
-                <a:latin typeface="G마켓 산스 Medium" panose="02000000000000000000" pitchFamily="50" charset="-127"/>
-                <a:ea typeface="G마켓 산스 Medium" panose="02000000000000000000" pitchFamily="50" charset="-127"/>
-              </a:rPr>
-              <a:t>실습문제</a:t>
-            </a:r>
-            <a:r>
-              <a:rPr lang="en-US" altLang="ko-KR" sz="4800" smtClean="0">
-                <a:solidFill>
-                  <a:srgbClr val="4C50BC"/>
-                </a:solidFill>
-                <a:latin typeface="G마켓 산스 Medium" panose="02000000000000000000" pitchFamily="50" charset="-127"/>
-                <a:ea typeface="G마켓 산스 Medium" panose="02000000000000000000" pitchFamily="50" charset="-127"/>
-              </a:rPr>
-              <a:t>1</a:t>
-            </a:r>
-            <a:endParaRPr lang="en-US" altLang="ko-KR" sz="4800" dirty="0">
-              <a:solidFill>
-                <a:srgbClr val="4C50BC"/>
-              </a:solidFill>
-              <a:latin typeface="G마켓 산스 Medium" panose="02000000000000000000" pitchFamily="50" charset="-127"/>
-              <a:ea typeface="G마켓 산스 Medium" panose="02000000000000000000" pitchFamily="50" charset="-127"/>
-            </a:endParaRPr>
-          </a:p>
-        </p:txBody>
-      </p:sp>
-      <p:sp>
-        <p:nvSpPr>
-          <p:cNvPr id="5" name="TextBox 4">
-            <a:extLst>
-              <a:ext uri="{FF2B5EF4-FFF2-40B4-BE49-F238E27FC236}">
-                <a16:creationId xmlns="" xmlns:a16="http://schemas.microsoft.com/office/drawing/2014/main" id="{2E843C5C-F5F0-B014-4B60-31604E120CA8}"/>
-              </a:ext>
-            </a:extLst>
-          </p:cNvPr>
-          <p:cNvSpPr txBox="1"/>
-          <p:nvPr/>
-        </p:nvSpPr>
-        <p:spPr>
-          <a:xfrm>
-            <a:off x="304800" y="876300"/>
-            <a:ext cx="17373600" cy="2369880"/>
-          </a:xfrm>
-          <a:prstGeom prst="rect">
-            <a:avLst/>
-          </a:prstGeom>
-          <a:noFill/>
-        </p:spPr>
-        <p:txBody>
-          <a:bodyPr wrap="square" rtlCol="0">
-            <a:spAutoFit/>
-          </a:bodyPr>
-          <a:lstStyle/>
-          <a:p>
-            <a:r>
-              <a:rPr lang="ko-KR" altLang="en-US" sz="3200" smtClean="0">
-                <a:solidFill>
-                  <a:schemeClr val="tx1">
-                    <a:lumMod val="50000"/>
-                    <a:lumOff val="50000"/>
-                  </a:schemeClr>
-                </a:solidFill>
-                <a:latin typeface="G마켓 산스 Medium" panose="02000000000000000000" pitchFamily="50" charset="-127"/>
-                <a:ea typeface="G마켓 산스 Medium" panose="02000000000000000000" pitchFamily="50" charset="-127"/>
-              </a:rPr>
-              <a:t>섯다카드 </a:t>
-            </a:r>
-            <a:r>
-              <a:rPr lang="en-US" altLang="ko-KR" sz="3200">
-                <a:solidFill>
-                  <a:schemeClr val="tx1">
-                    <a:lumMod val="50000"/>
-                    <a:lumOff val="50000"/>
-                  </a:schemeClr>
-                </a:solidFill>
-                <a:latin typeface="G마켓 산스 Medium" panose="02000000000000000000" pitchFamily="50" charset="-127"/>
-                <a:ea typeface="G마켓 산스 Medium" panose="02000000000000000000" pitchFamily="50" charset="-127"/>
-              </a:rPr>
-              <a:t>20</a:t>
-            </a:r>
-            <a:r>
-              <a:rPr lang="ko-KR" altLang="en-US" sz="3200">
-                <a:solidFill>
-                  <a:schemeClr val="tx1">
-                    <a:lumMod val="50000"/>
-                    <a:lumOff val="50000"/>
-                  </a:schemeClr>
-                </a:solidFill>
-                <a:latin typeface="G마켓 산스 Medium" panose="02000000000000000000" pitchFamily="50" charset="-127"/>
-                <a:ea typeface="G마켓 산스 Medium" panose="02000000000000000000" pitchFamily="50" charset="-127"/>
-              </a:rPr>
-              <a:t>장을 포함하는 섯다카드 한벌</a:t>
-            </a:r>
-            <a:r>
-              <a:rPr lang="en-US" altLang="ko-KR" sz="3200">
-                <a:solidFill>
-                  <a:schemeClr val="tx1">
-                    <a:lumMod val="50000"/>
-                    <a:lumOff val="50000"/>
-                  </a:schemeClr>
-                </a:solidFill>
-                <a:latin typeface="G마켓 산스 Medium" panose="02000000000000000000" pitchFamily="50" charset="-127"/>
-                <a:ea typeface="G마켓 산스 Medium" panose="02000000000000000000" pitchFamily="50" charset="-127"/>
-              </a:rPr>
-              <a:t>(SutdaDeck)</a:t>
-            </a:r>
-            <a:r>
-              <a:rPr lang="ko-KR" altLang="en-US" sz="3200">
-                <a:solidFill>
-                  <a:schemeClr val="tx1">
-                    <a:lumMod val="50000"/>
-                    <a:lumOff val="50000"/>
-                  </a:schemeClr>
-                </a:solidFill>
-                <a:latin typeface="G마켓 산스 Medium" panose="02000000000000000000" pitchFamily="50" charset="-127"/>
-                <a:ea typeface="G마켓 산스 Medium" panose="02000000000000000000" pitchFamily="50" charset="-127"/>
-              </a:rPr>
-              <a:t>을 정의한 것이다</a:t>
-            </a:r>
-            <a:r>
-              <a:rPr lang="en-US" altLang="ko-KR" sz="3200">
-                <a:solidFill>
-                  <a:schemeClr val="tx1">
-                    <a:lumMod val="50000"/>
-                    <a:lumOff val="50000"/>
-                  </a:schemeClr>
-                </a:solidFill>
-                <a:latin typeface="G마켓 산스 Medium" panose="02000000000000000000" pitchFamily="50" charset="-127"/>
-                <a:ea typeface="G마켓 산스 Medium" panose="02000000000000000000" pitchFamily="50" charset="-127"/>
-              </a:rPr>
-              <a:t>. </a:t>
-            </a:r>
-            <a:r>
-              <a:rPr lang="ko-KR" altLang="en-US" sz="3200">
-                <a:solidFill>
-                  <a:schemeClr val="tx1">
-                    <a:lumMod val="50000"/>
-                    <a:lumOff val="50000"/>
-                  </a:schemeClr>
-                </a:solidFill>
-                <a:latin typeface="G마켓 산스 Medium" panose="02000000000000000000" pitchFamily="50" charset="-127"/>
-                <a:ea typeface="G마켓 산스 Medium" panose="02000000000000000000" pitchFamily="50" charset="-127"/>
-              </a:rPr>
-              <a:t>섯다카드 </a:t>
-            </a:r>
-            <a:r>
-              <a:rPr lang="en-US" altLang="ko-KR" sz="3200">
-                <a:solidFill>
-                  <a:schemeClr val="tx1">
-                    <a:lumMod val="50000"/>
-                    <a:lumOff val="50000"/>
-                  </a:schemeClr>
-                </a:solidFill>
-                <a:latin typeface="G마켓 산스 Medium" panose="02000000000000000000" pitchFamily="50" charset="-127"/>
-                <a:ea typeface="G마켓 산스 Medium" panose="02000000000000000000" pitchFamily="50" charset="-127"/>
-              </a:rPr>
-              <a:t>20</a:t>
-            </a:r>
-            <a:r>
-              <a:rPr lang="ko-KR" altLang="en-US" sz="3200">
-                <a:solidFill>
-                  <a:schemeClr val="tx1">
-                    <a:lumMod val="50000"/>
-                    <a:lumOff val="50000"/>
-                  </a:schemeClr>
-                </a:solidFill>
-                <a:latin typeface="G마켓 산스 Medium" panose="02000000000000000000" pitchFamily="50" charset="-127"/>
-                <a:ea typeface="G마켓 산스 Medium" panose="02000000000000000000" pitchFamily="50" charset="-127"/>
-              </a:rPr>
-              <a:t>장을 담는 </a:t>
-            </a:r>
-            <a:r>
-              <a:rPr lang="en-US" altLang="ko-KR" sz="3200">
-                <a:solidFill>
-                  <a:schemeClr val="tx1">
-                    <a:lumMod val="50000"/>
-                    <a:lumOff val="50000"/>
-                  </a:schemeClr>
-                </a:solidFill>
-                <a:latin typeface="G마켓 산스 Medium" panose="02000000000000000000" pitchFamily="50" charset="-127"/>
-                <a:ea typeface="G마켓 산스 Medium" panose="02000000000000000000" pitchFamily="50" charset="-127"/>
-              </a:rPr>
-              <a:t>SutdaCard </a:t>
-            </a:r>
-            <a:r>
-              <a:rPr lang="ko-KR" altLang="en-US" sz="3200">
-                <a:solidFill>
-                  <a:schemeClr val="tx1">
-                    <a:lumMod val="50000"/>
-                    <a:lumOff val="50000"/>
-                  </a:schemeClr>
-                </a:solidFill>
-                <a:latin typeface="G마켓 산스 Medium" panose="02000000000000000000" pitchFamily="50" charset="-127"/>
-                <a:ea typeface="G마켓 산스 Medium" panose="02000000000000000000" pitchFamily="50" charset="-127"/>
-              </a:rPr>
-              <a:t>배열을 초기화 하자</a:t>
-            </a:r>
-            <a:r>
-              <a:rPr lang="en-US" altLang="ko-KR" sz="3200">
-                <a:solidFill>
-                  <a:schemeClr val="tx1">
-                    <a:lumMod val="50000"/>
-                    <a:lumOff val="50000"/>
-                  </a:schemeClr>
-                </a:solidFill>
-                <a:latin typeface="G마켓 산스 Medium" panose="02000000000000000000" pitchFamily="50" charset="-127"/>
-                <a:ea typeface="G마켓 산스 Medium" panose="02000000000000000000" pitchFamily="50" charset="-127"/>
-              </a:rPr>
-              <a:t>.</a:t>
-            </a:r>
-          </a:p>
-          <a:p>
-            <a:r>
-              <a:rPr lang="ko-KR" altLang="en-US" sz="2800" smtClean="0">
-                <a:solidFill>
-                  <a:schemeClr val="tx2">
-                    <a:lumMod val="60000"/>
-                    <a:lumOff val="40000"/>
-                  </a:schemeClr>
-                </a:solidFill>
-                <a:latin typeface="G마켓 산스 Medium" panose="02000000000000000000" pitchFamily="50" charset="-127"/>
-                <a:ea typeface="G마켓 산스 Medium" panose="02000000000000000000" pitchFamily="50" charset="-127"/>
-              </a:rPr>
-              <a:t> 단</a:t>
-            </a:r>
-            <a:r>
-              <a:rPr lang="en-US" altLang="ko-KR" sz="2800">
-                <a:solidFill>
-                  <a:schemeClr val="tx2">
-                    <a:lumMod val="60000"/>
-                    <a:lumOff val="40000"/>
-                  </a:schemeClr>
-                </a:solidFill>
-                <a:latin typeface="G마켓 산스 Medium" panose="02000000000000000000" pitchFamily="50" charset="-127"/>
-                <a:ea typeface="G마켓 산스 Medium" panose="02000000000000000000" pitchFamily="50" charset="-127"/>
-              </a:rPr>
-              <a:t>, </a:t>
-            </a:r>
-            <a:r>
-              <a:rPr lang="ko-KR" altLang="en-US" sz="2800">
-                <a:solidFill>
-                  <a:schemeClr val="tx2">
-                    <a:lumMod val="60000"/>
-                    <a:lumOff val="40000"/>
-                  </a:schemeClr>
-                </a:solidFill>
-                <a:latin typeface="G마켓 산스 Medium" panose="02000000000000000000" pitchFamily="50" charset="-127"/>
-                <a:ea typeface="G마켓 산스 Medium" panose="02000000000000000000" pitchFamily="50" charset="-127"/>
-              </a:rPr>
-              <a:t>섯다카드는 </a:t>
-            </a:r>
-            <a:r>
-              <a:rPr lang="en-US" altLang="ko-KR" sz="2800">
-                <a:solidFill>
-                  <a:schemeClr val="tx2">
-                    <a:lumMod val="60000"/>
-                    <a:lumOff val="40000"/>
-                  </a:schemeClr>
-                </a:solidFill>
-                <a:latin typeface="G마켓 산스 Medium" panose="02000000000000000000" pitchFamily="50" charset="-127"/>
-                <a:ea typeface="G마켓 산스 Medium" panose="02000000000000000000" pitchFamily="50" charset="-127"/>
-              </a:rPr>
-              <a:t>1~10</a:t>
-            </a:r>
-            <a:r>
-              <a:rPr lang="ko-KR" altLang="en-US" sz="2800">
-                <a:solidFill>
-                  <a:schemeClr val="tx2">
-                    <a:lumMod val="60000"/>
-                    <a:lumOff val="40000"/>
-                  </a:schemeClr>
-                </a:solidFill>
-                <a:latin typeface="G마켓 산스 Medium" panose="02000000000000000000" pitchFamily="50" charset="-127"/>
-                <a:ea typeface="G마켓 산스 Medium" panose="02000000000000000000" pitchFamily="50" charset="-127"/>
-              </a:rPr>
-              <a:t>까지의 숫자가 적힌 카드가 한 쌍식 있고</a:t>
-            </a:r>
-            <a:r>
-              <a:rPr lang="en-US" altLang="ko-KR" sz="2800">
-                <a:solidFill>
-                  <a:schemeClr val="tx2">
-                    <a:lumMod val="60000"/>
-                    <a:lumOff val="40000"/>
-                  </a:schemeClr>
-                </a:solidFill>
-                <a:latin typeface="G마켓 산스 Medium" panose="02000000000000000000" pitchFamily="50" charset="-127"/>
-                <a:ea typeface="G마켓 산스 Medium" panose="02000000000000000000" pitchFamily="50" charset="-127"/>
-              </a:rPr>
-              <a:t>, </a:t>
-            </a:r>
-            <a:r>
-              <a:rPr lang="ko-KR" altLang="en-US" sz="2800">
-                <a:solidFill>
-                  <a:schemeClr val="tx2">
-                    <a:lumMod val="60000"/>
-                    <a:lumOff val="40000"/>
-                  </a:schemeClr>
-                </a:solidFill>
-                <a:latin typeface="G마켓 산스 Medium" panose="02000000000000000000" pitchFamily="50" charset="-127"/>
-                <a:ea typeface="G마켓 산스 Medium" panose="02000000000000000000" pitchFamily="50" charset="-127"/>
-              </a:rPr>
-              <a:t>숫자가 </a:t>
-            </a:r>
-            <a:r>
-              <a:rPr lang="en-US" altLang="ko-KR" sz="2800">
-                <a:solidFill>
-                  <a:schemeClr val="tx2">
-                    <a:lumMod val="60000"/>
-                    <a:lumOff val="40000"/>
-                  </a:schemeClr>
-                </a:solidFill>
-                <a:latin typeface="G마켓 산스 Medium" panose="02000000000000000000" pitchFamily="50" charset="-127"/>
-                <a:ea typeface="G마켓 산스 Medium" panose="02000000000000000000" pitchFamily="50" charset="-127"/>
-              </a:rPr>
-              <a:t>1,3,8</a:t>
-            </a:r>
-            <a:r>
-              <a:rPr lang="ko-KR" altLang="en-US" sz="2800">
-                <a:solidFill>
-                  <a:schemeClr val="tx2">
-                    <a:lumMod val="60000"/>
-                    <a:lumOff val="40000"/>
-                  </a:schemeClr>
-                </a:solidFill>
-                <a:latin typeface="G마켓 산스 Medium" panose="02000000000000000000" pitchFamily="50" charset="-127"/>
-                <a:ea typeface="G마켓 산스 Medium" panose="02000000000000000000" pitchFamily="50" charset="-127"/>
-              </a:rPr>
-              <a:t>인 경우 둘 </a:t>
-            </a:r>
-            <a:r>
-              <a:rPr lang="ko-KR" altLang="en-US" sz="2800" smtClean="0">
-                <a:solidFill>
-                  <a:schemeClr val="tx2">
-                    <a:lumMod val="60000"/>
-                    <a:lumOff val="40000"/>
-                  </a:schemeClr>
-                </a:solidFill>
-                <a:latin typeface="G마켓 산스 Medium" panose="02000000000000000000" pitchFamily="50" charset="-127"/>
-                <a:ea typeface="G마켓 산스 Medium" panose="02000000000000000000" pitchFamily="50" charset="-127"/>
-              </a:rPr>
-              <a:t>     중의 </a:t>
-            </a:r>
-            <a:r>
-              <a:rPr lang="ko-KR" altLang="en-US" sz="2800">
-                <a:solidFill>
-                  <a:schemeClr val="tx2">
-                    <a:lumMod val="60000"/>
-                    <a:lumOff val="40000"/>
-                  </a:schemeClr>
-                </a:solidFill>
-                <a:latin typeface="G마켓 산스 Medium" panose="02000000000000000000" pitchFamily="50" charset="-127"/>
-                <a:ea typeface="G마켓 산스 Medium" panose="02000000000000000000" pitchFamily="50" charset="-127"/>
-              </a:rPr>
-              <a:t>한장은 광이어야 한다</a:t>
-            </a:r>
-            <a:r>
-              <a:rPr lang="en-US" altLang="ko-KR" sz="2800">
-                <a:solidFill>
-                  <a:schemeClr val="tx2">
-                    <a:lumMod val="60000"/>
-                    <a:lumOff val="40000"/>
-                  </a:schemeClr>
-                </a:solidFill>
-                <a:latin typeface="G마켓 산스 Medium" panose="02000000000000000000" pitchFamily="50" charset="-127"/>
-                <a:ea typeface="G마켓 산스 Medium" panose="02000000000000000000" pitchFamily="50" charset="-127"/>
-              </a:rPr>
-              <a:t>.</a:t>
-            </a:r>
-          </a:p>
-          <a:p>
-            <a:r>
-              <a:rPr lang="ko-KR" altLang="en-US" sz="2800" smtClean="0">
-                <a:solidFill>
-                  <a:schemeClr val="tx2">
-                    <a:lumMod val="60000"/>
-                    <a:lumOff val="40000"/>
-                  </a:schemeClr>
-                </a:solidFill>
-                <a:latin typeface="G마켓 산스 Medium" panose="02000000000000000000" pitchFamily="50" charset="-127"/>
-                <a:ea typeface="G마켓 산스 Medium" panose="02000000000000000000" pitchFamily="50" charset="-127"/>
-              </a:rPr>
-              <a:t> 즉</a:t>
-            </a:r>
-            <a:r>
-              <a:rPr lang="en-US" altLang="ko-KR" sz="2800">
-                <a:solidFill>
-                  <a:schemeClr val="tx2">
-                    <a:lumMod val="60000"/>
-                    <a:lumOff val="40000"/>
-                  </a:schemeClr>
-                </a:solidFill>
-                <a:latin typeface="G마켓 산스 Medium" panose="02000000000000000000" pitchFamily="50" charset="-127"/>
-                <a:ea typeface="G마켓 산스 Medium" panose="02000000000000000000" pitchFamily="50" charset="-127"/>
-              </a:rPr>
-              <a:t>, SutdaCard</a:t>
-            </a:r>
-            <a:r>
-              <a:rPr lang="ko-KR" altLang="en-US" sz="2800">
-                <a:solidFill>
-                  <a:schemeClr val="tx2">
-                    <a:lumMod val="60000"/>
-                    <a:lumOff val="40000"/>
-                  </a:schemeClr>
-                </a:solidFill>
-                <a:latin typeface="G마켓 산스 Medium" panose="02000000000000000000" pitchFamily="50" charset="-127"/>
-                <a:ea typeface="G마켓 산스 Medium" panose="02000000000000000000" pitchFamily="50" charset="-127"/>
-              </a:rPr>
-              <a:t>의 인스턴스변수 </a:t>
-            </a:r>
-            <a:r>
-              <a:rPr lang="en-US" altLang="ko-KR" sz="2800">
-                <a:solidFill>
-                  <a:schemeClr val="tx2">
-                    <a:lumMod val="60000"/>
-                    <a:lumOff val="40000"/>
-                  </a:schemeClr>
-                </a:solidFill>
-                <a:latin typeface="G마켓 산스 Medium" panose="02000000000000000000" pitchFamily="50" charset="-127"/>
-                <a:ea typeface="G마켓 산스 Medium" panose="02000000000000000000" pitchFamily="50" charset="-127"/>
-              </a:rPr>
-              <a:t>isKwang</a:t>
-            </a:r>
-            <a:r>
-              <a:rPr lang="ko-KR" altLang="en-US" sz="2800">
-                <a:solidFill>
-                  <a:schemeClr val="tx2">
-                    <a:lumMod val="60000"/>
-                    <a:lumOff val="40000"/>
-                  </a:schemeClr>
-                </a:solidFill>
-                <a:latin typeface="G마켓 산스 Medium" panose="02000000000000000000" pitchFamily="50" charset="-127"/>
-                <a:ea typeface="G마켓 산스 Medium" panose="02000000000000000000" pitchFamily="50" charset="-127"/>
-              </a:rPr>
-              <a:t>의 값이 </a:t>
-            </a:r>
-            <a:r>
-              <a:rPr lang="en-US" altLang="ko-KR" sz="2800">
-                <a:solidFill>
-                  <a:schemeClr val="tx2">
-                    <a:lumMod val="60000"/>
-                    <a:lumOff val="40000"/>
-                  </a:schemeClr>
-                </a:solidFill>
-                <a:latin typeface="G마켓 산스 Medium" panose="02000000000000000000" pitchFamily="50" charset="-127"/>
-                <a:ea typeface="G마켓 산스 Medium" panose="02000000000000000000" pitchFamily="50" charset="-127"/>
-              </a:rPr>
-              <a:t>true</a:t>
-            </a:r>
-            <a:r>
-              <a:rPr lang="ko-KR" altLang="en-US" sz="2800">
-                <a:solidFill>
-                  <a:schemeClr val="tx2">
-                    <a:lumMod val="60000"/>
-                    <a:lumOff val="40000"/>
-                  </a:schemeClr>
-                </a:solidFill>
-                <a:latin typeface="G마켓 산스 Medium" panose="02000000000000000000" pitchFamily="50" charset="-127"/>
-                <a:ea typeface="G마켓 산스 Medium" panose="02000000000000000000" pitchFamily="50" charset="-127"/>
-              </a:rPr>
-              <a:t>이다</a:t>
-            </a:r>
-            <a:r>
-              <a:rPr lang="en-US" altLang="ko-KR" sz="2800" smtClean="0">
-                <a:solidFill>
-                  <a:schemeClr val="tx2">
-                    <a:lumMod val="60000"/>
-                    <a:lumOff val="40000"/>
-                  </a:schemeClr>
-                </a:solidFill>
-                <a:latin typeface="G마켓 산스 Medium" panose="02000000000000000000" pitchFamily="50" charset="-127"/>
-                <a:ea typeface="G마켓 산스 Medium" panose="02000000000000000000" pitchFamily="50" charset="-127"/>
-              </a:rPr>
-              <a:t>.</a:t>
-            </a:r>
-            <a:endParaRPr lang="en-US" altLang="ko-KR" sz="2800" dirty="0">
-              <a:solidFill>
-                <a:schemeClr val="tx2">
-                  <a:lumMod val="60000"/>
-                  <a:lumOff val="40000"/>
-                </a:schemeClr>
-              </a:solidFill>
-              <a:latin typeface="G마켓 산스 Medium" panose="02000000000000000000" pitchFamily="50" charset="-127"/>
-              <a:ea typeface="G마켓 산스 Medium" panose="02000000000000000000" pitchFamily="50" charset="-127"/>
-            </a:endParaRPr>
-          </a:p>
-        </p:txBody>
-      </p:sp>
-      <p:pic>
-        <p:nvPicPr>
-          <p:cNvPr id="6" name="그림 5"/>
-          <p:cNvPicPr>
-            <a:picLocks noChangeAspect="1"/>
-          </p:cNvPicPr>
-          <p:nvPr/>
-        </p:nvPicPr>
-        <p:blipFill>
-          <a:blip r:embed="rId2"/>
-          <a:stretch>
-            <a:fillRect/>
-          </a:stretch>
-        </p:blipFill>
-        <p:spPr>
-          <a:xfrm>
-            <a:off x="457200" y="8724900"/>
-            <a:ext cx="9109166" cy="1219200"/>
-          </a:xfrm>
-          <a:prstGeom prst="rect">
-            <a:avLst/>
-          </a:prstGeom>
-        </p:spPr>
-      </p:pic>
-      <p:pic>
-        <p:nvPicPr>
-          <p:cNvPr id="10" name="그림 9"/>
-          <p:cNvPicPr>
-            <a:picLocks noChangeAspect="1"/>
-          </p:cNvPicPr>
-          <p:nvPr/>
-        </p:nvPicPr>
-        <p:blipFill>
-          <a:blip r:embed="rId3"/>
-          <a:stretch>
-            <a:fillRect/>
-          </a:stretch>
-        </p:blipFill>
-        <p:spPr>
-          <a:xfrm>
-            <a:off x="304801" y="3314700"/>
-            <a:ext cx="9764486" cy="5257800"/>
-          </a:xfrm>
-          <a:prstGeom prst="rect">
-            <a:avLst/>
-          </a:prstGeom>
-        </p:spPr>
-      </p:pic>
-      <p:pic>
-        <p:nvPicPr>
-          <p:cNvPr id="11" name="그림 10"/>
-          <p:cNvPicPr>
-            <a:picLocks noChangeAspect="1"/>
-          </p:cNvPicPr>
-          <p:nvPr/>
-        </p:nvPicPr>
-        <p:blipFill>
-          <a:blip r:embed="rId4"/>
-          <a:stretch>
-            <a:fillRect/>
-          </a:stretch>
-        </p:blipFill>
-        <p:spPr>
-          <a:xfrm>
-            <a:off x="10744200" y="2552700"/>
-            <a:ext cx="7086600" cy="7614794"/>
-          </a:xfrm>
-          <a:prstGeom prst="rect">
-            <a:avLst/>
-          </a:prstGeom>
-        </p:spPr>
-      </p:pic>
-    </p:spTree>
-    <p:extLst>
-      <p:ext uri="{BB962C8B-B14F-4D97-AF65-F5344CB8AC3E}">
-        <p14:creationId xmlns:p14="http://schemas.microsoft.com/office/powerpoint/2010/main" val="3727947807"/>
-      </p:ext>
-    </p:extLst>
-  </p:cSld>
-  <p:clrMapOvr>
-    <a:masterClrMapping/>
-  </p:clrMapOvr>
-</p:sld>
-</file>
-
-<file path=ppt/slides/slide52.xml><?xml version="1.0" encoding="utf-8"?>
-<p:sld xmlns:a="http://schemas.openxmlformats.org/drawingml/2006/main" xmlns:r="http://schemas.openxmlformats.org/officeDocument/2006/relationships" xmlns:p="http://schemas.openxmlformats.org/presentationml/2006/main">
-  <p:cSld>
-    <p:spTree>
-      <p:nvGrpSpPr>
-        <p:cNvPr id="1" name=""/>
-        <p:cNvGrpSpPr/>
-        <p:nvPr/>
-      </p:nvGrpSpPr>
-      <p:grpSpPr>
-        <a:xfrm>
-          <a:off x="0" y="0"/>
-          <a:ext cx="0" cy="0"/>
-          <a:chOff x="0" y="0"/>
-          <a:chExt cx="0" cy="0"/>
-        </a:xfrm>
-      </p:grpSpPr>
-      <p:sp>
-        <p:nvSpPr>
-          <p:cNvPr id="4" name="TextBox 3">
-            <a:extLst>
-              <a:ext uri="{FF2B5EF4-FFF2-40B4-BE49-F238E27FC236}">
-                <a16:creationId xmlns="" xmlns:a16="http://schemas.microsoft.com/office/drawing/2014/main" id="{2E843C5C-F5F0-B014-4B60-31604E120CA8}"/>
-              </a:ext>
-            </a:extLst>
-          </p:cNvPr>
-          <p:cNvSpPr txBox="1"/>
-          <p:nvPr/>
-        </p:nvSpPr>
-        <p:spPr>
-          <a:xfrm>
-            <a:off x="228600" y="1319867"/>
-            <a:ext cx="17373600" cy="8340745"/>
-          </a:xfrm>
-          <a:prstGeom prst="rect">
-            <a:avLst/>
-          </a:prstGeom>
-          <a:noFill/>
-        </p:spPr>
-        <p:txBody>
-          <a:bodyPr wrap="square" rtlCol="0">
-            <a:spAutoFit/>
-          </a:bodyPr>
-          <a:lstStyle/>
-          <a:p>
+              <a:t>2. </a:t>
+            </a:r>
             <a:r>
               <a:rPr lang="ko-KR" altLang="en-US" sz="4000" smtClean="0">
                 <a:solidFill>
@@ -26385,7 +25847,7 @@
           <p:cNvPr id="6" name="TextBox 5">
             <a:extLst>
               <a:ext uri="{FF2B5EF4-FFF2-40B4-BE49-F238E27FC236}">
-                <a16:creationId xmlns="" xmlns:a16="http://schemas.microsoft.com/office/drawing/2014/main" id="{8BD2ED5A-5CA2-F84F-13E6-A2AC3854D891}"/>
+                <a16:creationId xmlns:a16="http://schemas.microsoft.com/office/drawing/2014/main" xmlns="" id="{8BD2ED5A-5CA2-F84F-13E6-A2AC3854D891}"/>
               </a:ext>
             </a:extLst>
           </p:cNvPr>
@@ -26458,7 +25920,7 @@
 </p:sld>
 </file>
 
-<file path=ppt/slides/slide53.xml><?xml version="1.0" encoding="utf-8"?>
+<file path=ppt/slides/slide51.xml><?xml version="1.0" encoding="utf-8"?>
 <p:sld xmlns:a="http://schemas.openxmlformats.org/drawingml/2006/main" xmlns:r="http://schemas.openxmlformats.org/officeDocument/2006/relationships" xmlns:p="http://schemas.openxmlformats.org/presentationml/2006/main">
   <p:cSld>
     <p:spTree>
@@ -26480,7 +25942,7 @@
           <p:cNvPr id="4" name="TextBox 3">
             <a:extLst>
               <a:ext uri="{FF2B5EF4-FFF2-40B4-BE49-F238E27FC236}">
-                <a16:creationId xmlns="" xmlns:a16="http://schemas.microsoft.com/office/drawing/2014/main" id="{8BD2ED5A-5CA2-F84F-13E6-A2AC3854D891}"/>
+                <a16:creationId xmlns:a16="http://schemas.microsoft.com/office/drawing/2014/main" xmlns="" id="{8BD2ED5A-5CA2-F84F-13E6-A2AC3854D891}"/>
               </a:ext>
             </a:extLst>
           </p:cNvPr>
@@ -26562,7 +26024,7 @@
           <p:cNvPr id="9" name="TextBox 8">
             <a:extLst>
               <a:ext uri="{FF2B5EF4-FFF2-40B4-BE49-F238E27FC236}">
-                <a16:creationId xmlns="" xmlns:a16="http://schemas.microsoft.com/office/drawing/2014/main" id="{2E843C5C-F5F0-B014-4B60-31604E120CA8}"/>
+                <a16:creationId xmlns:a16="http://schemas.microsoft.com/office/drawing/2014/main" xmlns="" id="{2E843C5C-F5F0-B014-4B60-31604E120CA8}"/>
               </a:ext>
             </a:extLst>
           </p:cNvPr>
@@ -26691,7 +26153,7 @@
 </p:sld>
 </file>
 
-<file path=ppt/slides/slide54.xml><?xml version="1.0" encoding="utf-8"?>
+<file path=ppt/slides/slide52.xml><?xml version="1.0" encoding="utf-8"?>
 <p:sld xmlns:a="http://schemas.openxmlformats.org/drawingml/2006/main" xmlns:r="http://schemas.openxmlformats.org/officeDocument/2006/relationships" xmlns:p="http://schemas.openxmlformats.org/presentationml/2006/main">
   <p:cSld>
     <p:spTree>
@@ -26713,7 +26175,7 @@
           <p:cNvPr id="4" name="TextBox 3">
             <a:extLst>
               <a:ext uri="{FF2B5EF4-FFF2-40B4-BE49-F238E27FC236}">
-                <a16:creationId xmlns="" xmlns:a16="http://schemas.microsoft.com/office/drawing/2014/main" id="{2E843C5C-F5F0-B014-4B60-31604E120CA8}"/>
+                <a16:creationId xmlns:a16="http://schemas.microsoft.com/office/drawing/2014/main" xmlns="" id="{2E843C5C-F5F0-B014-4B60-31604E120CA8}"/>
               </a:ext>
             </a:extLst>
           </p:cNvPr>
@@ -26845,7 +26307,7 @@
           <p:cNvPr id="5" name="TextBox 4">
             <a:extLst>
               <a:ext uri="{FF2B5EF4-FFF2-40B4-BE49-F238E27FC236}">
-                <a16:creationId xmlns="" xmlns:a16="http://schemas.microsoft.com/office/drawing/2014/main" id="{8BD2ED5A-5CA2-F84F-13E6-A2AC3854D891}"/>
+                <a16:creationId xmlns:a16="http://schemas.microsoft.com/office/drawing/2014/main" xmlns="" id="{8BD2ED5A-5CA2-F84F-13E6-A2AC3854D891}"/>
               </a:ext>
             </a:extLst>
           </p:cNvPr>
@@ -26927,7 +26389,7 @@
           <p:cNvPr id="7" name="직사각형 6">
             <a:extLst>
               <a:ext uri="{FF2B5EF4-FFF2-40B4-BE49-F238E27FC236}">
-                <a16:creationId xmlns:a16="http://schemas.microsoft.com/office/drawing/2014/main" xmlns="" id="{FFF506F9-840A-0508-4CAF-3AC711D8D5CE}"/>
+                <a16:creationId xmlns="" xmlns:a16="http://schemas.microsoft.com/office/drawing/2014/main" id="{FFF506F9-840A-0508-4CAF-3AC711D8D5CE}"/>
               </a:ext>
             </a:extLst>
           </p:cNvPr>
@@ -27018,7 +26480,7 @@
 </p:sld>
 </file>
 
-<file path=ppt/slides/slide55.xml><?xml version="1.0" encoding="utf-8"?>
+<file path=ppt/slides/slide53.xml><?xml version="1.0" encoding="utf-8"?>
 <p:sld xmlns:a="http://schemas.openxmlformats.org/drawingml/2006/main" xmlns:r="http://schemas.openxmlformats.org/officeDocument/2006/relationships" xmlns:p="http://schemas.openxmlformats.org/presentationml/2006/main">
   <p:cSld>
     <p:spTree>
@@ -27040,7 +26502,7 @@
           <p:cNvPr id="4" name="TextBox 3">
             <a:extLst>
               <a:ext uri="{FF2B5EF4-FFF2-40B4-BE49-F238E27FC236}">
-                <a16:creationId xmlns="" xmlns:a16="http://schemas.microsoft.com/office/drawing/2014/main" id="{8BD2ED5A-5CA2-F84F-13E6-A2AC3854D891}"/>
+                <a16:creationId xmlns:a16="http://schemas.microsoft.com/office/drawing/2014/main" xmlns="" id="{8BD2ED5A-5CA2-F84F-13E6-A2AC3854D891}"/>
               </a:ext>
             </a:extLst>
           </p:cNvPr>
@@ -27098,7 +26560,7 @@
           <p:cNvPr id="5" name="TextBox 4">
             <a:extLst>
               <a:ext uri="{FF2B5EF4-FFF2-40B4-BE49-F238E27FC236}">
-                <a16:creationId xmlns="" xmlns:a16="http://schemas.microsoft.com/office/drawing/2014/main" id="{2E843C5C-F5F0-B014-4B60-31604E120CA8}"/>
+                <a16:creationId xmlns:a16="http://schemas.microsoft.com/office/drawing/2014/main" xmlns="" id="{2E843C5C-F5F0-B014-4B60-31604E120CA8}"/>
               </a:ext>
             </a:extLst>
           </p:cNvPr>
@@ -27308,7 +26770,7 @@
           <p:cNvPr id="7" name="TextBox 6">
             <a:extLst>
               <a:ext uri="{FF2B5EF4-FFF2-40B4-BE49-F238E27FC236}">
-                <a16:creationId xmlns="" xmlns:a16="http://schemas.microsoft.com/office/drawing/2014/main" id="{2E843C5C-F5F0-B014-4B60-31604E120CA8}"/>
+                <a16:creationId xmlns:a16="http://schemas.microsoft.com/office/drawing/2014/main" xmlns="" id="{2E843C5C-F5F0-B014-4B60-31604E120CA8}"/>
               </a:ext>
             </a:extLst>
           </p:cNvPr>
@@ -27419,7 +26881,7 @@
 </p:sld>
 </file>
 
-<file path=ppt/slides/slide56.xml><?xml version="1.0" encoding="utf-8"?>
+<file path=ppt/slides/slide54.xml><?xml version="1.0" encoding="utf-8"?>
 <p:sld xmlns:a="http://schemas.openxmlformats.org/drawingml/2006/main" xmlns:r="http://schemas.openxmlformats.org/officeDocument/2006/relationships" xmlns:p="http://schemas.openxmlformats.org/presentationml/2006/main">
   <p:cSld>
     <p:spTree>
@@ -27441,7 +26903,7 @@
           <p:cNvPr id="5" name="TextBox 4">
             <a:extLst>
               <a:ext uri="{FF2B5EF4-FFF2-40B4-BE49-F238E27FC236}">
-                <a16:creationId xmlns="" xmlns:a16="http://schemas.microsoft.com/office/drawing/2014/main" id="{8BD2ED5A-5CA2-F84F-13E6-A2AC3854D891}"/>
+                <a16:creationId xmlns:a16="http://schemas.microsoft.com/office/drawing/2014/main" xmlns="" id="{8BD2ED5A-5CA2-F84F-13E6-A2AC3854D891}"/>
               </a:ext>
             </a:extLst>
           </p:cNvPr>
@@ -27499,7 +26961,7 @@
           <p:cNvPr id="6" name="TextBox 5">
             <a:extLst>
               <a:ext uri="{FF2B5EF4-FFF2-40B4-BE49-F238E27FC236}">
-                <a16:creationId xmlns="" xmlns:a16="http://schemas.microsoft.com/office/drawing/2014/main" id="{2E843C5C-F5F0-B014-4B60-31604E120CA8}"/>
+                <a16:creationId xmlns:a16="http://schemas.microsoft.com/office/drawing/2014/main" xmlns="" id="{2E843C5C-F5F0-B014-4B60-31604E120CA8}"/>
               </a:ext>
             </a:extLst>
           </p:cNvPr>
@@ -27709,7 +27171,7 @@
           <p:cNvPr id="9" name="TextBox 8">
             <a:extLst>
               <a:ext uri="{FF2B5EF4-FFF2-40B4-BE49-F238E27FC236}">
-                <a16:creationId xmlns="" xmlns:a16="http://schemas.microsoft.com/office/drawing/2014/main" id="{2E843C5C-F5F0-B014-4B60-31604E120CA8}"/>
+                <a16:creationId xmlns:a16="http://schemas.microsoft.com/office/drawing/2014/main" xmlns="" id="{2E843C5C-F5F0-B014-4B60-31604E120CA8}"/>
               </a:ext>
             </a:extLst>
           </p:cNvPr>
@@ -27909,7 +27371,7 @@
 </p:sld>
 </file>
 
-<file path=ppt/slides/slide57.xml><?xml version="1.0" encoding="utf-8"?>
+<file path=ppt/slides/slide55.xml><?xml version="1.0" encoding="utf-8"?>
 <p:sld xmlns:a="http://schemas.openxmlformats.org/drawingml/2006/main" xmlns:r="http://schemas.openxmlformats.org/officeDocument/2006/relationships" xmlns:p="http://schemas.openxmlformats.org/presentationml/2006/main">
   <p:cSld name="Slide 20">
     <p:bg>
@@ -28197,7 +27659,7 @@
           <p:cNvPr id="2" name="TextBox 1">
             <a:extLst>
               <a:ext uri="{FF2B5EF4-FFF2-40B4-BE49-F238E27FC236}">
-                <a16:creationId xmlns="" xmlns:a16="http://schemas.microsoft.com/office/drawing/2014/main" id="{715D88A2-BD52-978B-A00A-540446126E3D}"/>
+                <a16:creationId xmlns:a16="http://schemas.microsoft.com/office/drawing/2014/main" xmlns="" id="{715D88A2-BD52-978B-A00A-540446126E3D}"/>
               </a:ext>
             </a:extLst>
           </p:cNvPr>
@@ -28270,7 +27732,7 @@
           <p:cNvPr id="4" name="TextBox 3">
             <a:extLst>
               <a:ext uri="{FF2B5EF4-FFF2-40B4-BE49-F238E27FC236}">
-                <a16:creationId xmlns="" xmlns:a16="http://schemas.microsoft.com/office/drawing/2014/main" id="{DF7DDD33-9412-2802-339A-E55446AC2DA7}"/>
+                <a16:creationId xmlns:a16="http://schemas.microsoft.com/office/drawing/2014/main" xmlns="" id="{DF7DDD33-9412-2802-339A-E55446AC2DA7}"/>
               </a:ext>
             </a:extLst>
           </p:cNvPr>
@@ -28366,7 +27828,7 @@
           <p:cNvPr id="7" name="그룹 1008">
             <a:extLst>
               <a:ext uri="{FF2B5EF4-FFF2-40B4-BE49-F238E27FC236}">
-                <a16:creationId xmlns="" xmlns:a16="http://schemas.microsoft.com/office/drawing/2014/main" id="{E395BDE3-2EDE-065D-70E8-56E348228ACF}"/>
+                <a16:creationId xmlns:a16="http://schemas.microsoft.com/office/drawing/2014/main" xmlns="" id="{E395BDE3-2EDE-065D-70E8-56E348228ACF}"/>
               </a:ext>
             </a:extLst>
           </p:cNvPr>
@@ -28386,7 +27848,7 @@
             <p:cNvPr id="8" name="그룹 1009">
               <a:extLst>
                 <a:ext uri="{FF2B5EF4-FFF2-40B4-BE49-F238E27FC236}">
-                  <a16:creationId xmlns="" xmlns:a16="http://schemas.microsoft.com/office/drawing/2014/main" id="{852F4DEB-DB33-DB3F-9E9F-52A46CD0B10A}"/>
+                  <a16:creationId xmlns:a16="http://schemas.microsoft.com/office/drawing/2014/main" xmlns="" id="{852F4DEB-DB33-DB3F-9E9F-52A46CD0B10A}"/>
                 </a:ext>
               </a:extLst>
             </p:cNvPr>
@@ -28406,7 +27868,7 @@
               <p:cNvPr id="13" name="Object 29">
                 <a:extLst>
                   <a:ext uri="{FF2B5EF4-FFF2-40B4-BE49-F238E27FC236}">
-                    <a16:creationId xmlns="" xmlns:a16="http://schemas.microsoft.com/office/drawing/2014/main" id="{7E353D3B-14D4-8A64-5888-3F0C062C2CDD}"/>
+                    <a16:creationId xmlns:a16="http://schemas.microsoft.com/office/drawing/2014/main" xmlns="" id="{7E353D3B-14D4-8A64-5888-3F0C062C2CDD}"/>
                   </a:ext>
                 </a:extLst>
               </p:cNvPr>
@@ -28437,7 +27899,7 @@
             <p:cNvPr id="9" name="그룹 1010">
               <a:extLst>
                 <a:ext uri="{FF2B5EF4-FFF2-40B4-BE49-F238E27FC236}">
-                  <a16:creationId xmlns="" xmlns:a16="http://schemas.microsoft.com/office/drawing/2014/main" id="{001E38AB-1390-ABD0-BE01-9727136FEAEE}"/>
+                  <a16:creationId xmlns:a16="http://schemas.microsoft.com/office/drawing/2014/main" xmlns="" id="{001E38AB-1390-ABD0-BE01-9727136FEAEE}"/>
                 </a:ext>
               </a:extLst>
             </p:cNvPr>
@@ -28457,7 +27919,7 @@
               <p:cNvPr id="12" name="Object 32">
                 <a:extLst>
                   <a:ext uri="{FF2B5EF4-FFF2-40B4-BE49-F238E27FC236}">
-                    <a16:creationId xmlns="" xmlns:a16="http://schemas.microsoft.com/office/drawing/2014/main" id="{2ED1C30F-0D0B-F86C-8215-2598D332B5A3}"/>
+                    <a16:creationId xmlns:a16="http://schemas.microsoft.com/office/drawing/2014/main" xmlns="" id="{2ED1C30F-0D0B-F86C-8215-2598D332B5A3}"/>
                   </a:ext>
                 </a:extLst>
               </p:cNvPr>
@@ -28488,7 +27950,7 @@
             <p:cNvPr id="10" name="그룹 1011">
               <a:extLst>
                 <a:ext uri="{FF2B5EF4-FFF2-40B4-BE49-F238E27FC236}">
-                  <a16:creationId xmlns="" xmlns:a16="http://schemas.microsoft.com/office/drawing/2014/main" id="{1BCB8DE5-ABAF-4198-BC16-85BB76F2DB24}"/>
+                  <a16:creationId xmlns:a16="http://schemas.microsoft.com/office/drawing/2014/main" xmlns="" id="{1BCB8DE5-ABAF-4198-BC16-85BB76F2DB24}"/>
                 </a:ext>
               </a:extLst>
             </p:cNvPr>
@@ -28508,7 +27970,7 @@
               <p:cNvPr id="11" name="Object 35">
                 <a:extLst>
                   <a:ext uri="{FF2B5EF4-FFF2-40B4-BE49-F238E27FC236}">
-                    <a16:creationId xmlns="" xmlns:a16="http://schemas.microsoft.com/office/drawing/2014/main" id="{86E7BA23-0A1E-B581-CADC-06AB269DB2BD}"/>
+                    <a16:creationId xmlns:a16="http://schemas.microsoft.com/office/drawing/2014/main" xmlns="" id="{86E7BA23-0A1E-B581-CADC-06AB269DB2BD}"/>
                   </a:ext>
                 </a:extLst>
               </p:cNvPr>
@@ -28540,7 +28002,7 @@
           <p:cNvPr id="14" name="직사각형 13">
             <a:extLst>
               <a:ext uri="{FF2B5EF4-FFF2-40B4-BE49-F238E27FC236}">
-                <a16:creationId xmlns="" xmlns:a16="http://schemas.microsoft.com/office/drawing/2014/main" id="{FFF506F9-840A-0508-4CAF-3AC711D8D5CE}"/>
+                <a16:creationId xmlns:a16="http://schemas.microsoft.com/office/drawing/2014/main" xmlns="" id="{FFF506F9-840A-0508-4CAF-3AC711D8D5CE}"/>
               </a:ext>
             </a:extLst>
           </p:cNvPr>
@@ -28616,7 +28078,7 @@
           <p:cNvPr id="16" name="직사각형 15">
             <a:extLst>
               <a:ext uri="{FF2B5EF4-FFF2-40B4-BE49-F238E27FC236}">
-                <a16:creationId xmlns="" xmlns:a16="http://schemas.microsoft.com/office/drawing/2014/main" id="{FFF506F9-840A-0508-4CAF-3AC711D8D5CE}"/>
+                <a16:creationId xmlns:a16="http://schemas.microsoft.com/office/drawing/2014/main" xmlns="" id="{FFF506F9-840A-0508-4CAF-3AC711D8D5CE}"/>
               </a:ext>
             </a:extLst>
           </p:cNvPr>
@@ -28668,7 +28130,7 @@
           <p:cNvPr id="17" name="TextBox 16">
             <a:extLst>
               <a:ext uri="{FF2B5EF4-FFF2-40B4-BE49-F238E27FC236}">
-                <a16:creationId xmlns="" xmlns:a16="http://schemas.microsoft.com/office/drawing/2014/main" id="{A2AD056B-97A4-5BCC-4460-250160F3E171}"/>
+                <a16:creationId xmlns:a16="http://schemas.microsoft.com/office/drawing/2014/main" xmlns="" id="{A2AD056B-97A4-5BCC-4460-250160F3E171}"/>
               </a:ext>
             </a:extLst>
           </p:cNvPr>
@@ -28818,7 +28280,7 @@
           <p:cNvPr id="18" name="TextBox 17">
             <a:extLst>
               <a:ext uri="{FF2B5EF4-FFF2-40B4-BE49-F238E27FC236}">
-                <a16:creationId xmlns="" xmlns:a16="http://schemas.microsoft.com/office/drawing/2014/main" id="{A2AD056B-97A4-5BCC-4460-250160F3E171}"/>
+                <a16:creationId xmlns:a16="http://schemas.microsoft.com/office/drawing/2014/main" xmlns="" id="{A2AD056B-97A4-5BCC-4460-250160F3E171}"/>
               </a:ext>
             </a:extLst>
           </p:cNvPr>
@@ -28872,7 +28334,7 @@
           <p:cNvPr id="19" name="TextBox 18">
             <a:extLst>
               <a:ext uri="{FF2B5EF4-FFF2-40B4-BE49-F238E27FC236}">
-                <a16:creationId xmlns="" xmlns:a16="http://schemas.microsoft.com/office/drawing/2014/main" id="{A2AD056B-97A4-5BCC-4460-250160F3E171}"/>
+                <a16:creationId xmlns:a16="http://schemas.microsoft.com/office/drawing/2014/main" xmlns="" id="{A2AD056B-97A4-5BCC-4460-250160F3E171}"/>
               </a:ext>
             </a:extLst>
           </p:cNvPr>
@@ -29052,7 +28514,7 @@
           <p:cNvPr id="8" name="TextBox 7">
             <a:extLst>
               <a:ext uri="{FF2B5EF4-FFF2-40B4-BE49-F238E27FC236}">
-                <a16:creationId xmlns="" xmlns:a16="http://schemas.microsoft.com/office/drawing/2014/main" id="{C6D113C6-EA5C-788F-0C77-E7CE6EBB865F}"/>
+                <a16:creationId xmlns:a16="http://schemas.microsoft.com/office/drawing/2014/main" xmlns="" id="{C6D113C6-EA5C-788F-0C77-E7CE6EBB865F}"/>
               </a:ext>
             </a:extLst>
           </p:cNvPr>
@@ -29140,7 +28602,7 @@
           <p:cNvPr id="6" name="TextBox 5">
             <a:extLst>
               <a:ext uri="{FF2B5EF4-FFF2-40B4-BE49-F238E27FC236}">
-                <a16:creationId xmlns="" xmlns:a16="http://schemas.microsoft.com/office/drawing/2014/main" id="{C6D113C6-EA5C-788F-0C77-E7CE6EBB865F}"/>
+                <a16:creationId xmlns:a16="http://schemas.microsoft.com/office/drawing/2014/main" xmlns="" id="{C6D113C6-EA5C-788F-0C77-E7CE6EBB865F}"/>
               </a:ext>
             </a:extLst>
           </p:cNvPr>
@@ -29269,7 +28731,7 @@
                 <a:gridCol w="2730951">
                   <a:extLst>
                     <a:ext uri="{9D8B030D-6E8A-4147-A177-3AD203B41FA5}">
-                      <a16:colId xmlns="" xmlns:a16="http://schemas.microsoft.com/office/drawing/2014/main" val="20000"/>
+                      <a16:colId xmlns:a16="http://schemas.microsoft.com/office/drawing/2014/main" xmlns="" val="20000"/>
                     </a:ext>
                   </a:extLst>
                 </a:gridCol>
@@ -29342,7 +28804,7 @@
                 </a:tc>
                 <a:extLst>
                   <a:ext uri="{0D108BD9-81ED-4DB2-BD59-A6C34878D82A}">
-                    <a16:rowId xmlns="" xmlns:a16="http://schemas.microsoft.com/office/drawing/2014/main" val="10000"/>
+                    <a16:rowId xmlns:a16="http://schemas.microsoft.com/office/drawing/2014/main" xmlns="" val="10000"/>
                   </a:ext>
                 </a:extLst>
               </a:tr>
@@ -29422,7 +28884,7 @@
                 </a:tc>
                 <a:extLst>
                   <a:ext uri="{0D108BD9-81ED-4DB2-BD59-A6C34878D82A}">
-                    <a16:rowId xmlns="" xmlns:a16="http://schemas.microsoft.com/office/drawing/2014/main" val="10001"/>
+                    <a16:rowId xmlns:a16="http://schemas.microsoft.com/office/drawing/2014/main" xmlns="" val="10001"/>
                   </a:ext>
                 </a:extLst>
               </a:tr>
@@ -29486,7 +28948,7 @@
                 </a:tc>
                 <a:extLst>
                   <a:ext uri="{0D108BD9-81ED-4DB2-BD59-A6C34878D82A}">
-                    <a16:rowId xmlns="" xmlns:a16="http://schemas.microsoft.com/office/drawing/2014/main" val="10002"/>
+                    <a16:rowId xmlns:a16="http://schemas.microsoft.com/office/drawing/2014/main" xmlns="" val="10002"/>
                   </a:ext>
                 </a:extLst>
               </a:tr>
@@ -29522,7 +28984,7 @@
                 <a:gridCol w="2730951">
                   <a:extLst>
                     <a:ext uri="{9D8B030D-6E8A-4147-A177-3AD203B41FA5}">
-                      <a16:colId xmlns="" xmlns:a16="http://schemas.microsoft.com/office/drawing/2014/main" val="20000"/>
+                      <a16:colId xmlns:a16="http://schemas.microsoft.com/office/drawing/2014/main" xmlns="" val="20000"/>
                     </a:ext>
                   </a:extLst>
                 </a:gridCol>
@@ -29595,7 +29057,7 @@
                 </a:tc>
                 <a:extLst>
                   <a:ext uri="{0D108BD9-81ED-4DB2-BD59-A6C34878D82A}">
-                    <a16:rowId xmlns="" xmlns:a16="http://schemas.microsoft.com/office/drawing/2014/main" val="10000"/>
+                    <a16:rowId xmlns:a16="http://schemas.microsoft.com/office/drawing/2014/main" xmlns="" val="10000"/>
                   </a:ext>
                 </a:extLst>
               </a:tr>
@@ -29675,7 +29137,7 @@
                 </a:tc>
                 <a:extLst>
                   <a:ext uri="{0D108BD9-81ED-4DB2-BD59-A6C34878D82A}">
-                    <a16:rowId xmlns="" xmlns:a16="http://schemas.microsoft.com/office/drawing/2014/main" val="10001"/>
+                    <a16:rowId xmlns:a16="http://schemas.microsoft.com/office/drawing/2014/main" xmlns="" val="10001"/>
                   </a:ext>
                 </a:extLst>
               </a:tr>
@@ -29739,7 +29201,7 @@
                 </a:tc>
                 <a:extLst>
                   <a:ext uri="{0D108BD9-81ED-4DB2-BD59-A6C34878D82A}">
-                    <a16:rowId xmlns="" xmlns:a16="http://schemas.microsoft.com/office/drawing/2014/main" val="10002"/>
+                    <a16:rowId xmlns:a16="http://schemas.microsoft.com/office/drawing/2014/main" xmlns="" val="10002"/>
                   </a:ext>
                 </a:extLst>
               </a:tr>
@@ -29752,7 +29214,7 @@
           <p:cNvPr id="14" name="그룹 1008">
             <a:extLst>
               <a:ext uri="{FF2B5EF4-FFF2-40B4-BE49-F238E27FC236}">
-                <a16:creationId xmlns="" xmlns:a16="http://schemas.microsoft.com/office/drawing/2014/main" id="{678F6342-C505-E8AD-ADA4-022CB2C2088E}"/>
+                <a16:creationId xmlns:a16="http://schemas.microsoft.com/office/drawing/2014/main" xmlns="" id="{678F6342-C505-E8AD-ADA4-022CB2C2088E}"/>
               </a:ext>
             </a:extLst>
           </p:cNvPr>
@@ -29772,7 +29234,7 @@
             <p:cNvPr id="15" name="그룹 1009">
               <a:extLst>
                 <a:ext uri="{FF2B5EF4-FFF2-40B4-BE49-F238E27FC236}">
-                  <a16:creationId xmlns="" xmlns:a16="http://schemas.microsoft.com/office/drawing/2014/main" id="{4E1F1FED-812B-9BBB-925A-84B54A077414}"/>
+                  <a16:creationId xmlns:a16="http://schemas.microsoft.com/office/drawing/2014/main" xmlns="" id="{4E1F1FED-812B-9BBB-925A-84B54A077414}"/>
                 </a:ext>
               </a:extLst>
             </p:cNvPr>
@@ -29792,7 +29254,7 @@
               <p:cNvPr id="20" name="Object 29">
                 <a:extLst>
                   <a:ext uri="{FF2B5EF4-FFF2-40B4-BE49-F238E27FC236}">
-                    <a16:creationId xmlns="" xmlns:a16="http://schemas.microsoft.com/office/drawing/2014/main" id="{7B078609-4286-7B00-51EB-809C8E2DE289}"/>
+                    <a16:creationId xmlns:a16="http://schemas.microsoft.com/office/drawing/2014/main" xmlns="" id="{7B078609-4286-7B00-51EB-809C8E2DE289}"/>
                   </a:ext>
                 </a:extLst>
               </p:cNvPr>
@@ -29823,7 +29285,7 @@
             <p:cNvPr id="16" name="그룹 1010">
               <a:extLst>
                 <a:ext uri="{FF2B5EF4-FFF2-40B4-BE49-F238E27FC236}">
-                  <a16:creationId xmlns="" xmlns:a16="http://schemas.microsoft.com/office/drawing/2014/main" id="{02A649BF-B5B5-FBAF-7DFD-E118A4DF8907}"/>
+                  <a16:creationId xmlns:a16="http://schemas.microsoft.com/office/drawing/2014/main" xmlns="" id="{02A649BF-B5B5-FBAF-7DFD-E118A4DF8907}"/>
                 </a:ext>
               </a:extLst>
             </p:cNvPr>
@@ -29843,7 +29305,7 @@
               <p:cNvPr id="19" name="Object 32">
                 <a:extLst>
                   <a:ext uri="{FF2B5EF4-FFF2-40B4-BE49-F238E27FC236}">
-                    <a16:creationId xmlns="" xmlns:a16="http://schemas.microsoft.com/office/drawing/2014/main" id="{2A0FFF23-B3C9-3EA0-1C1B-A87D4FF098AE}"/>
+                    <a16:creationId xmlns:a16="http://schemas.microsoft.com/office/drawing/2014/main" xmlns="" id="{2A0FFF23-B3C9-3EA0-1C1B-A87D4FF098AE}"/>
                   </a:ext>
                 </a:extLst>
               </p:cNvPr>
@@ -29874,7 +29336,7 @@
             <p:cNvPr id="17" name="그룹 1011">
               <a:extLst>
                 <a:ext uri="{FF2B5EF4-FFF2-40B4-BE49-F238E27FC236}">
-                  <a16:creationId xmlns="" xmlns:a16="http://schemas.microsoft.com/office/drawing/2014/main" id="{881F5410-F7FB-F261-A584-707359BAC593}"/>
+                  <a16:creationId xmlns:a16="http://schemas.microsoft.com/office/drawing/2014/main" xmlns="" id="{881F5410-F7FB-F261-A584-707359BAC593}"/>
                 </a:ext>
               </a:extLst>
             </p:cNvPr>
@@ -29894,7 +29356,7 @@
               <p:cNvPr id="18" name="Object 35">
                 <a:extLst>
                   <a:ext uri="{FF2B5EF4-FFF2-40B4-BE49-F238E27FC236}">
-                    <a16:creationId xmlns="" xmlns:a16="http://schemas.microsoft.com/office/drawing/2014/main" id="{4E99E669-73EB-F9F4-EFE8-DC107035C265}"/>
+                    <a16:creationId xmlns:a16="http://schemas.microsoft.com/office/drawing/2014/main" xmlns="" id="{4E99E669-73EB-F9F4-EFE8-DC107035C265}"/>
                   </a:ext>
                 </a:extLst>
               </p:cNvPr>
@@ -30250,7 +29712,7 @@
           <p:cNvPr id="9" name="직사각형 8">
             <a:extLst>
               <a:ext uri="{FF2B5EF4-FFF2-40B4-BE49-F238E27FC236}">
-                <a16:creationId xmlns="" xmlns:a16="http://schemas.microsoft.com/office/drawing/2014/main" id="{FFF506F9-840A-0508-4CAF-3AC711D8D5CE}"/>
+                <a16:creationId xmlns:a16="http://schemas.microsoft.com/office/drawing/2014/main" xmlns="" id="{FFF506F9-840A-0508-4CAF-3AC711D8D5CE}"/>
               </a:ext>
             </a:extLst>
           </p:cNvPr>
@@ -30302,7 +29764,7 @@
           <p:cNvPr id="10" name="직선 화살표 연결선 9">
             <a:extLst>
               <a:ext uri="{FF2B5EF4-FFF2-40B4-BE49-F238E27FC236}">
-                <a16:creationId xmlns="" xmlns:a16="http://schemas.microsoft.com/office/drawing/2014/main" id="{299DF5EC-9DF4-5255-06AC-0A7CE4FF58C3}"/>
+                <a16:creationId xmlns:a16="http://schemas.microsoft.com/office/drawing/2014/main" xmlns="" id="{299DF5EC-9DF4-5255-06AC-0A7CE4FF58C3}"/>
               </a:ext>
             </a:extLst>
           </p:cNvPr>
@@ -30343,7 +29805,7 @@
           <p:cNvPr id="12" name="TextBox 11">
             <a:extLst>
               <a:ext uri="{FF2B5EF4-FFF2-40B4-BE49-F238E27FC236}">
-                <a16:creationId xmlns="" xmlns:a16="http://schemas.microsoft.com/office/drawing/2014/main" id="{C6D113C6-EA5C-788F-0C77-E7CE6EBB865F}"/>
+                <a16:creationId xmlns:a16="http://schemas.microsoft.com/office/drawing/2014/main" xmlns="" id="{C6D113C6-EA5C-788F-0C77-E7CE6EBB865F}"/>
               </a:ext>
             </a:extLst>
           </p:cNvPr>

--- a/JavaLecture/LectureFile/java 9강 상속과super.pptx
+++ b/JavaLecture/LectureFile/java 9강 상속과super.pptx
@@ -262,7 +262,7 @@
           <a:p>
             <a:fld id="{D79F2C30-10E1-4C46-91DC-BBDB9629E720}" type="datetimeFigureOut">
               <a:rPr lang="ko-KR" altLang="en-US" smtClean="0"/>
-              <a:t>2023-03-19</a:t>
+              <a:t>2023-04-22</a:t>
             </a:fld>
             <a:endParaRPr lang="ko-KR" altLang="en-US"/>
           </a:p>
@@ -813,6 +813,9 @@
             <a:off x="685800" y="2130425"/>
             <a:ext cx="7772400" cy="1470025"/>
           </a:xfrm>
+          <a:prstGeom prst="rect">
+            <a:avLst/>
+          </a:prstGeom>
         </p:spPr>
         <p:txBody>
           <a:bodyPr/>
@@ -840,6 +843,9 @@
             <a:off x="1371600" y="3886200"/>
             <a:ext cx="6400800" cy="1752600"/>
           </a:xfrm>
+          <a:prstGeom prst="rect">
+            <a:avLst/>
+          </a:prstGeom>
         </p:spPr>
         <p:txBody>
           <a:bodyPr/>
@@ -953,14 +959,22 @@
             <p:ph type="dt" sz="half" idx="10"/>
           </p:nvPr>
         </p:nvSpPr>
-        <p:spPr/>
+        <p:spPr>
+          <a:xfrm>
+            <a:off x="457200" y="6356350"/>
+            <a:ext cx="2133600" cy="365125"/>
+          </a:xfrm>
+          <a:prstGeom prst="rect">
+            <a:avLst/>
+          </a:prstGeom>
+        </p:spPr>
         <p:txBody>
           <a:bodyPr/>
           <a:lstStyle/>
           <a:p>
             <a:fld id="{F8166F1F-CE9B-4651-A6AA-CD717754106B}" type="datetimeFigureOut">
               <a:rPr lang="en-US" smtClean="0"/>
-              <a:t>3/19/2023</a:t>
+              <a:t>4/22/2023</a:t>
             </a:fld>
             <a:endParaRPr lang="en-US"/>
           </a:p>
@@ -976,7 +990,15 @@
             <p:ph type="ftr" sz="quarter" idx="11"/>
           </p:nvPr>
         </p:nvSpPr>
-        <p:spPr/>
+        <p:spPr>
+          <a:xfrm>
+            <a:off x="3124200" y="6356350"/>
+            <a:ext cx="2895600" cy="365125"/>
+          </a:xfrm>
+          <a:prstGeom prst="rect">
+            <a:avLst/>
+          </a:prstGeom>
+        </p:spPr>
         <p:txBody>
           <a:bodyPr/>
           <a:lstStyle/>
@@ -995,7 +1017,15 @@
             <p:ph type="sldNum" sz="quarter" idx="12"/>
           </p:nvPr>
         </p:nvSpPr>
-        <p:spPr/>
+        <p:spPr>
+          <a:xfrm>
+            <a:off x="6553200" y="6356350"/>
+            <a:ext cx="2133600" cy="365125"/>
+          </a:xfrm>
+          <a:prstGeom prst="rect">
+            <a:avLst/>
+          </a:prstGeom>
+        </p:spPr>
         <p:txBody>
           <a:bodyPr/>
           <a:lstStyle/>
@@ -1043,7 +1073,15 @@
             <p:ph type="title"/>
           </p:nvPr>
         </p:nvSpPr>
-        <p:spPr/>
+        <p:spPr>
+          <a:xfrm>
+            <a:off x="457200" y="274638"/>
+            <a:ext cx="8229600" cy="1143000"/>
+          </a:xfrm>
+          <a:prstGeom prst="rect">
+            <a:avLst/>
+          </a:prstGeom>
+        </p:spPr>
         <p:txBody>
           <a:bodyPr/>
           <a:lstStyle/>
@@ -1065,7 +1103,15 @@
             <p:ph type="body" orient="vert" idx="1"/>
           </p:nvPr>
         </p:nvSpPr>
-        <p:spPr/>
+        <p:spPr>
+          <a:xfrm>
+            <a:off x="457200" y="1600200"/>
+            <a:ext cx="8229600" cy="4525963"/>
+          </a:xfrm>
+          <a:prstGeom prst="rect">
+            <a:avLst/>
+          </a:prstGeom>
+        </p:spPr>
         <p:txBody>
           <a:bodyPr vert="eaVert"/>
           <a:lstStyle/>
@@ -1116,14 +1162,22 @@
             <p:ph type="dt" sz="half" idx="10"/>
           </p:nvPr>
         </p:nvSpPr>
-        <p:spPr/>
+        <p:spPr>
+          <a:xfrm>
+            <a:off x="457200" y="6356350"/>
+            <a:ext cx="2133600" cy="365125"/>
+          </a:xfrm>
+          <a:prstGeom prst="rect">
+            <a:avLst/>
+          </a:prstGeom>
+        </p:spPr>
         <p:txBody>
           <a:bodyPr/>
           <a:lstStyle/>
           <a:p>
             <a:fld id="{A76116CE-C4A3-4A05-B2D7-7C2E9A889C0F}" type="datetimeFigureOut">
               <a:rPr lang="en-US" smtClean="0"/>
-              <a:t>3/19/2023</a:t>
+              <a:t>4/22/2023</a:t>
             </a:fld>
             <a:endParaRPr lang="en-US"/>
           </a:p>
@@ -1139,7 +1193,15 @@
             <p:ph type="ftr" sz="quarter" idx="11"/>
           </p:nvPr>
         </p:nvSpPr>
-        <p:spPr/>
+        <p:spPr>
+          <a:xfrm>
+            <a:off x="3124200" y="6356350"/>
+            <a:ext cx="2895600" cy="365125"/>
+          </a:xfrm>
+          <a:prstGeom prst="rect">
+            <a:avLst/>
+          </a:prstGeom>
+        </p:spPr>
         <p:txBody>
           <a:bodyPr/>
           <a:lstStyle/>
@@ -1158,7 +1220,15 @@
             <p:ph type="sldNum" sz="quarter" idx="12"/>
           </p:nvPr>
         </p:nvSpPr>
-        <p:spPr/>
+        <p:spPr>
+          <a:xfrm>
+            <a:off x="6553200" y="6356350"/>
+            <a:ext cx="2133600" cy="365125"/>
+          </a:xfrm>
+          <a:prstGeom prst="rect">
+            <a:avLst/>
+          </a:prstGeom>
+        </p:spPr>
         <p:txBody>
           <a:bodyPr/>
           <a:lstStyle/>
@@ -1211,6 +1281,9 @@
             <a:off x="6629400" y="274638"/>
             <a:ext cx="2057400" cy="5851525"/>
           </a:xfrm>
+          <a:prstGeom prst="rect">
+            <a:avLst/>
+          </a:prstGeom>
         </p:spPr>
         <p:txBody>
           <a:bodyPr vert="eaVert"/>
@@ -1238,6 +1311,9 @@
             <a:off x="457200" y="274638"/>
             <a:ext cx="6019800" cy="5851525"/>
           </a:xfrm>
+          <a:prstGeom prst="rect">
+            <a:avLst/>
+          </a:prstGeom>
         </p:spPr>
         <p:txBody>
           <a:bodyPr vert="eaVert"/>
@@ -1289,14 +1365,22 @@
             <p:ph type="dt" sz="half" idx="10"/>
           </p:nvPr>
         </p:nvSpPr>
-        <p:spPr/>
+        <p:spPr>
+          <a:xfrm>
+            <a:off x="457200" y="6356350"/>
+            <a:ext cx="2133600" cy="365125"/>
+          </a:xfrm>
+          <a:prstGeom prst="rect">
+            <a:avLst/>
+          </a:prstGeom>
+        </p:spPr>
         <p:txBody>
           <a:bodyPr/>
           <a:lstStyle/>
           <a:p>
             <a:fld id="{A76116CE-C4A3-4A05-B2D7-7C2E9A889C0F}" type="datetimeFigureOut">
               <a:rPr lang="en-US" smtClean="0"/>
-              <a:t>3/19/2023</a:t>
+              <a:t>4/22/2023</a:t>
             </a:fld>
             <a:endParaRPr lang="en-US"/>
           </a:p>
@@ -1312,7 +1396,15 @@
             <p:ph type="ftr" sz="quarter" idx="11"/>
           </p:nvPr>
         </p:nvSpPr>
-        <p:spPr/>
+        <p:spPr>
+          <a:xfrm>
+            <a:off x="3124200" y="6356350"/>
+            <a:ext cx="2895600" cy="365125"/>
+          </a:xfrm>
+          <a:prstGeom prst="rect">
+            <a:avLst/>
+          </a:prstGeom>
+        </p:spPr>
         <p:txBody>
           <a:bodyPr/>
           <a:lstStyle/>
@@ -1331,7 +1423,15 @@
             <p:ph type="sldNum" sz="quarter" idx="12"/>
           </p:nvPr>
         </p:nvSpPr>
-        <p:spPr/>
+        <p:spPr>
+          <a:xfrm>
+            <a:off x="6553200" y="6356350"/>
+            <a:ext cx="2133600" cy="365125"/>
+          </a:xfrm>
+          <a:prstGeom prst="rect">
+            <a:avLst/>
+          </a:prstGeom>
+        </p:spPr>
         <p:txBody>
           <a:bodyPr/>
           <a:lstStyle/>
@@ -1379,7 +1479,15 @@
             <p:ph type="title"/>
           </p:nvPr>
         </p:nvSpPr>
-        <p:spPr/>
+        <p:spPr>
+          <a:xfrm>
+            <a:off x="457200" y="274638"/>
+            <a:ext cx="8229600" cy="1143000"/>
+          </a:xfrm>
+          <a:prstGeom prst="rect">
+            <a:avLst/>
+          </a:prstGeom>
+        </p:spPr>
         <p:txBody>
           <a:bodyPr/>
           <a:lstStyle/>
@@ -1401,7 +1509,15 @@
             <p:ph idx="1"/>
           </p:nvPr>
         </p:nvSpPr>
-        <p:spPr/>
+        <p:spPr>
+          <a:xfrm>
+            <a:off x="457200" y="1600200"/>
+            <a:ext cx="8229600" cy="4525963"/>
+          </a:xfrm>
+          <a:prstGeom prst="rect">
+            <a:avLst/>
+          </a:prstGeom>
+        </p:spPr>
         <p:txBody>
           <a:bodyPr/>
           <a:lstStyle/>
@@ -1454,14 +1570,22 @@
             <p:ph type="dt" sz="half" idx="10"/>
           </p:nvPr>
         </p:nvSpPr>
-        <p:spPr/>
+        <p:spPr>
+          <a:xfrm>
+            <a:off x="457200" y="6356350"/>
+            <a:ext cx="2133600" cy="365125"/>
+          </a:xfrm>
+          <a:prstGeom prst="rect">
+            <a:avLst/>
+          </a:prstGeom>
+        </p:spPr>
         <p:txBody>
           <a:bodyPr/>
           <a:lstStyle/>
           <a:p>
             <a:fld id="{A76116CE-C4A3-4A05-B2D7-7C2E9A889C0F}" type="datetimeFigureOut">
               <a:rPr lang="en-US" smtClean="0"/>
-              <a:t>3/19/2023</a:t>
+              <a:t>4/22/2023</a:t>
             </a:fld>
             <a:endParaRPr lang="en-US"/>
           </a:p>
@@ -1477,7 +1601,15 @@
             <p:ph type="ftr" sz="quarter" idx="11"/>
           </p:nvPr>
         </p:nvSpPr>
-        <p:spPr/>
+        <p:spPr>
+          <a:xfrm>
+            <a:off x="3124200" y="6356350"/>
+            <a:ext cx="2895600" cy="365125"/>
+          </a:xfrm>
+          <a:prstGeom prst="rect">
+            <a:avLst/>
+          </a:prstGeom>
+        </p:spPr>
         <p:txBody>
           <a:bodyPr/>
           <a:lstStyle/>
@@ -1496,7 +1628,15 @@
             <p:ph type="sldNum" sz="quarter" idx="12"/>
           </p:nvPr>
         </p:nvSpPr>
-        <p:spPr/>
+        <p:spPr>
+          <a:xfrm>
+            <a:off x="6553200" y="6356350"/>
+            <a:ext cx="2133600" cy="365125"/>
+          </a:xfrm>
+          <a:prstGeom prst="rect">
+            <a:avLst/>
+          </a:prstGeom>
+        </p:spPr>
         <p:txBody>
           <a:bodyPr/>
           <a:lstStyle/>
@@ -1549,6 +1689,9 @@
             <a:off x="722313" y="4406900"/>
             <a:ext cx="7772400" cy="1362075"/>
           </a:xfrm>
+          <a:prstGeom prst="rect">
+            <a:avLst/>
+          </a:prstGeom>
         </p:spPr>
         <p:txBody>
           <a:bodyPr anchor="t"/>
@@ -1580,6 +1723,9 @@
             <a:off x="722313" y="2906713"/>
             <a:ext cx="7772400" cy="1500187"/>
           </a:xfrm>
+          <a:prstGeom prst="rect">
+            <a:avLst/>
+          </a:prstGeom>
         </p:spPr>
         <p:txBody>
           <a:bodyPr anchor="b"/>
@@ -1694,14 +1840,22 @@
             <p:ph type="dt" sz="half" idx="10"/>
           </p:nvPr>
         </p:nvSpPr>
-        <p:spPr/>
+        <p:spPr>
+          <a:xfrm>
+            <a:off x="457200" y="6356350"/>
+            <a:ext cx="2133600" cy="365125"/>
+          </a:xfrm>
+          <a:prstGeom prst="rect">
+            <a:avLst/>
+          </a:prstGeom>
+        </p:spPr>
         <p:txBody>
           <a:bodyPr/>
           <a:lstStyle/>
           <a:p>
             <a:fld id="{A76116CE-C4A3-4A05-B2D7-7C2E9A889C0F}" type="datetimeFigureOut">
               <a:rPr lang="en-US" smtClean="0"/>
-              <a:t>3/19/2023</a:t>
+              <a:t>4/22/2023</a:t>
             </a:fld>
             <a:endParaRPr lang="en-US"/>
           </a:p>
@@ -1717,7 +1871,15 @@
             <p:ph type="ftr" sz="quarter" idx="11"/>
           </p:nvPr>
         </p:nvSpPr>
-        <p:spPr/>
+        <p:spPr>
+          <a:xfrm>
+            <a:off x="3124200" y="6356350"/>
+            <a:ext cx="2895600" cy="365125"/>
+          </a:xfrm>
+          <a:prstGeom prst="rect">
+            <a:avLst/>
+          </a:prstGeom>
+        </p:spPr>
         <p:txBody>
           <a:bodyPr/>
           <a:lstStyle/>
@@ -1736,7 +1898,15 @@
             <p:ph type="sldNum" sz="quarter" idx="12"/>
           </p:nvPr>
         </p:nvSpPr>
-        <p:spPr/>
+        <p:spPr>
+          <a:xfrm>
+            <a:off x="6553200" y="6356350"/>
+            <a:ext cx="2133600" cy="365125"/>
+          </a:xfrm>
+          <a:prstGeom prst="rect">
+            <a:avLst/>
+          </a:prstGeom>
+        </p:spPr>
         <p:txBody>
           <a:bodyPr/>
           <a:lstStyle/>
@@ -1784,7 +1954,15 @@
             <p:ph type="title"/>
           </p:nvPr>
         </p:nvSpPr>
-        <p:spPr/>
+        <p:spPr>
+          <a:xfrm>
+            <a:off x="457200" y="274638"/>
+            <a:ext cx="8229600" cy="1143000"/>
+          </a:xfrm>
+          <a:prstGeom prst="rect">
+            <a:avLst/>
+          </a:prstGeom>
+        </p:spPr>
         <p:txBody>
           <a:bodyPr/>
           <a:lstStyle/>
@@ -1811,6 +1989,9 @@
             <a:off x="457200" y="1600200"/>
             <a:ext cx="4038600" cy="4525963"/>
           </a:xfrm>
+          <a:prstGeom prst="rect">
+            <a:avLst/>
+          </a:prstGeom>
         </p:spPr>
         <p:txBody>
           <a:bodyPr/>
@@ -1895,6 +2076,9 @@
             <a:off x="4648200" y="1600200"/>
             <a:ext cx="4038600" cy="4525963"/>
           </a:xfrm>
+          <a:prstGeom prst="rect">
+            <a:avLst/>
+          </a:prstGeom>
         </p:spPr>
         <p:txBody>
           <a:bodyPr/>
@@ -1974,14 +2158,22 @@
             <p:ph type="dt" sz="half" idx="10"/>
           </p:nvPr>
         </p:nvSpPr>
-        <p:spPr/>
+        <p:spPr>
+          <a:xfrm>
+            <a:off x="457200" y="6356350"/>
+            <a:ext cx="2133600" cy="365125"/>
+          </a:xfrm>
+          <a:prstGeom prst="rect">
+            <a:avLst/>
+          </a:prstGeom>
+        </p:spPr>
         <p:txBody>
           <a:bodyPr/>
           <a:lstStyle/>
           <a:p>
             <a:fld id="{A76116CE-C4A3-4A05-B2D7-7C2E9A889C0F}" type="datetimeFigureOut">
               <a:rPr lang="en-US" smtClean="0"/>
-              <a:t>3/19/2023</a:t>
+              <a:t>4/22/2023</a:t>
             </a:fld>
             <a:endParaRPr lang="en-US"/>
           </a:p>
@@ -1997,7 +2189,15 @@
             <p:ph type="ftr" sz="quarter" idx="11"/>
           </p:nvPr>
         </p:nvSpPr>
-        <p:spPr/>
+        <p:spPr>
+          <a:xfrm>
+            <a:off x="3124200" y="6356350"/>
+            <a:ext cx="2895600" cy="365125"/>
+          </a:xfrm>
+          <a:prstGeom prst="rect">
+            <a:avLst/>
+          </a:prstGeom>
+        </p:spPr>
         <p:txBody>
           <a:bodyPr/>
           <a:lstStyle/>
@@ -2016,7 +2216,15 @@
             <p:ph type="sldNum" sz="quarter" idx="12"/>
           </p:nvPr>
         </p:nvSpPr>
-        <p:spPr/>
+        <p:spPr>
+          <a:xfrm>
+            <a:off x="6553200" y="6356350"/>
+            <a:ext cx="2133600" cy="365125"/>
+          </a:xfrm>
+          <a:prstGeom prst="rect">
+            <a:avLst/>
+          </a:prstGeom>
+        </p:spPr>
         <p:txBody>
           <a:bodyPr/>
           <a:lstStyle/>
@@ -2064,7 +2272,15 @@
             <p:ph type="title"/>
           </p:nvPr>
         </p:nvSpPr>
-        <p:spPr/>
+        <p:spPr>
+          <a:xfrm>
+            <a:off x="457200" y="274638"/>
+            <a:ext cx="8229600" cy="1143000"/>
+          </a:xfrm>
+          <a:prstGeom prst="rect">
+            <a:avLst/>
+          </a:prstGeom>
+        </p:spPr>
         <p:txBody>
           <a:bodyPr/>
           <a:lstStyle>
@@ -2095,6 +2311,9 @@
             <a:off x="457200" y="1535113"/>
             <a:ext cx="4040188" cy="639762"/>
           </a:xfrm>
+          <a:prstGeom prst="rect">
+            <a:avLst/>
+          </a:prstGeom>
         </p:spPr>
         <p:txBody>
           <a:bodyPr anchor="b"/>
@@ -2160,6 +2379,9 @@
             <a:off x="457200" y="2174875"/>
             <a:ext cx="4040188" cy="3951288"/>
           </a:xfrm>
+          <a:prstGeom prst="rect">
+            <a:avLst/>
+          </a:prstGeom>
         </p:spPr>
         <p:txBody>
           <a:bodyPr/>
@@ -2244,6 +2466,9 @@
             <a:off x="4645025" y="1535113"/>
             <a:ext cx="4041775" cy="639762"/>
           </a:xfrm>
+          <a:prstGeom prst="rect">
+            <a:avLst/>
+          </a:prstGeom>
         </p:spPr>
         <p:txBody>
           <a:bodyPr anchor="b"/>
@@ -2309,6 +2534,9 @@
             <a:off x="4645025" y="2174875"/>
             <a:ext cx="4041775" cy="3951288"/>
           </a:xfrm>
+          <a:prstGeom prst="rect">
+            <a:avLst/>
+          </a:prstGeom>
         </p:spPr>
         <p:txBody>
           <a:bodyPr/>
@@ -2388,14 +2616,22 @@
             <p:ph type="dt" sz="half" idx="10"/>
           </p:nvPr>
         </p:nvSpPr>
-        <p:spPr/>
+        <p:spPr>
+          <a:xfrm>
+            <a:off x="457200" y="6356350"/>
+            <a:ext cx="2133600" cy="365125"/>
+          </a:xfrm>
+          <a:prstGeom prst="rect">
+            <a:avLst/>
+          </a:prstGeom>
+        </p:spPr>
         <p:txBody>
           <a:bodyPr/>
           <a:lstStyle/>
           <a:p>
             <a:fld id="{A76116CE-C4A3-4A05-B2D7-7C2E9A889C0F}" type="datetimeFigureOut">
               <a:rPr lang="en-US" smtClean="0"/>
-              <a:t>3/19/2023</a:t>
+              <a:t>4/22/2023</a:t>
             </a:fld>
             <a:endParaRPr lang="en-US"/>
           </a:p>
@@ -2411,7 +2647,15 @@
             <p:ph type="ftr" sz="quarter" idx="11"/>
           </p:nvPr>
         </p:nvSpPr>
-        <p:spPr/>
+        <p:spPr>
+          <a:xfrm>
+            <a:off x="3124200" y="6356350"/>
+            <a:ext cx="2895600" cy="365125"/>
+          </a:xfrm>
+          <a:prstGeom prst="rect">
+            <a:avLst/>
+          </a:prstGeom>
+        </p:spPr>
         <p:txBody>
           <a:bodyPr/>
           <a:lstStyle/>
@@ -2430,7 +2674,15 @@
             <p:ph type="sldNum" sz="quarter" idx="12"/>
           </p:nvPr>
         </p:nvSpPr>
-        <p:spPr/>
+        <p:spPr>
+          <a:xfrm>
+            <a:off x="6553200" y="6356350"/>
+            <a:ext cx="2133600" cy="365125"/>
+          </a:xfrm>
+          <a:prstGeom prst="rect">
+            <a:avLst/>
+          </a:prstGeom>
+        </p:spPr>
         <p:txBody>
           <a:bodyPr/>
           <a:lstStyle/>
@@ -2478,7 +2730,15 @@
             <p:ph type="title"/>
           </p:nvPr>
         </p:nvSpPr>
-        <p:spPr/>
+        <p:spPr>
+          <a:xfrm>
+            <a:off x="457200" y="274638"/>
+            <a:ext cx="8229600" cy="1143000"/>
+          </a:xfrm>
+          <a:prstGeom prst="rect">
+            <a:avLst/>
+          </a:prstGeom>
+        </p:spPr>
         <p:txBody>
           <a:bodyPr/>
           <a:lstStyle/>
@@ -2500,14 +2760,22 @@
             <p:ph type="dt" sz="half" idx="10"/>
           </p:nvPr>
         </p:nvSpPr>
-        <p:spPr/>
+        <p:spPr>
+          <a:xfrm>
+            <a:off x="457200" y="6356350"/>
+            <a:ext cx="2133600" cy="365125"/>
+          </a:xfrm>
+          <a:prstGeom prst="rect">
+            <a:avLst/>
+          </a:prstGeom>
+        </p:spPr>
         <p:txBody>
           <a:bodyPr/>
           <a:lstStyle/>
           <a:p>
             <a:fld id="{A76116CE-C4A3-4A05-B2D7-7C2E9A889C0F}" type="datetimeFigureOut">
               <a:rPr lang="en-US" smtClean="0"/>
-              <a:t>3/19/2023</a:t>
+              <a:t>4/22/2023</a:t>
             </a:fld>
             <a:endParaRPr lang="en-US"/>
           </a:p>
@@ -2523,7 +2791,15 @@
             <p:ph type="ftr" sz="quarter" idx="11"/>
           </p:nvPr>
         </p:nvSpPr>
-        <p:spPr/>
+        <p:spPr>
+          <a:xfrm>
+            <a:off x="3124200" y="6356350"/>
+            <a:ext cx="2895600" cy="365125"/>
+          </a:xfrm>
+          <a:prstGeom prst="rect">
+            <a:avLst/>
+          </a:prstGeom>
+        </p:spPr>
         <p:txBody>
           <a:bodyPr/>
           <a:lstStyle/>
@@ -2542,7 +2818,15 @@
             <p:ph type="sldNum" sz="quarter" idx="12"/>
           </p:nvPr>
         </p:nvSpPr>
-        <p:spPr/>
+        <p:spPr>
+          <a:xfrm>
+            <a:off x="6553200" y="6356350"/>
+            <a:ext cx="2133600" cy="365125"/>
+          </a:xfrm>
+          <a:prstGeom prst="rect">
+            <a:avLst/>
+          </a:prstGeom>
+        </p:spPr>
         <p:txBody>
           <a:bodyPr/>
           <a:lstStyle/>
@@ -2590,14 +2874,22 @@
             <p:ph type="dt" sz="half" idx="10"/>
           </p:nvPr>
         </p:nvSpPr>
-        <p:spPr/>
+        <p:spPr>
+          <a:xfrm>
+            <a:off x="457200" y="6356350"/>
+            <a:ext cx="2133600" cy="365125"/>
+          </a:xfrm>
+          <a:prstGeom prst="rect">
+            <a:avLst/>
+          </a:prstGeom>
+        </p:spPr>
         <p:txBody>
           <a:bodyPr/>
           <a:lstStyle/>
           <a:p>
             <a:fld id="{A76116CE-C4A3-4A05-B2D7-7C2E9A889C0F}" type="datetimeFigureOut">
               <a:rPr lang="en-US" smtClean="0"/>
-              <a:t>3/19/2023</a:t>
+              <a:t>4/22/2023</a:t>
             </a:fld>
             <a:endParaRPr lang="en-US"/>
           </a:p>
@@ -2613,7 +2905,15 @@
             <p:ph type="ftr" sz="quarter" idx="11"/>
           </p:nvPr>
         </p:nvSpPr>
-        <p:spPr/>
+        <p:spPr>
+          <a:xfrm>
+            <a:off x="3124200" y="6356350"/>
+            <a:ext cx="2895600" cy="365125"/>
+          </a:xfrm>
+          <a:prstGeom prst="rect">
+            <a:avLst/>
+          </a:prstGeom>
+        </p:spPr>
         <p:txBody>
           <a:bodyPr/>
           <a:lstStyle/>
@@ -2632,7 +2932,15 @@
             <p:ph type="sldNum" sz="quarter" idx="12"/>
           </p:nvPr>
         </p:nvSpPr>
-        <p:spPr/>
+        <p:spPr>
+          <a:xfrm>
+            <a:off x="6553200" y="6356350"/>
+            <a:ext cx="2133600" cy="365125"/>
+          </a:xfrm>
+          <a:prstGeom prst="rect">
+            <a:avLst/>
+          </a:prstGeom>
+        </p:spPr>
         <p:txBody>
           <a:bodyPr/>
           <a:lstStyle/>
@@ -2685,6 +2993,9 @@
             <a:off x="457200" y="273050"/>
             <a:ext cx="3008313" cy="1162050"/>
           </a:xfrm>
+          <a:prstGeom prst="rect">
+            <a:avLst/>
+          </a:prstGeom>
         </p:spPr>
         <p:txBody>
           <a:bodyPr anchor="b"/>
@@ -2716,6 +3027,9 @@
             <a:off x="3575050" y="273050"/>
             <a:ext cx="5111750" cy="5853113"/>
           </a:xfrm>
+          <a:prstGeom prst="rect">
+            <a:avLst/>
+          </a:prstGeom>
         </p:spPr>
         <p:txBody>
           <a:bodyPr/>
@@ -2800,6 +3114,9 @@
             <a:off x="457200" y="1435100"/>
             <a:ext cx="3008313" cy="4691063"/>
           </a:xfrm>
+          <a:prstGeom prst="rect">
+            <a:avLst/>
+          </a:prstGeom>
         </p:spPr>
         <p:txBody>
           <a:bodyPr/>
@@ -2860,14 +3177,22 @@
             <p:ph type="dt" sz="half" idx="10"/>
           </p:nvPr>
         </p:nvSpPr>
-        <p:spPr/>
+        <p:spPr>
+          <a:xfrm>
+            <a:off x="457200" y="6356350"/>
+            <a:ext cx="2133600" cy="365125"/>
+          </a:xfrm>
+          <a:prstGeom prst="rect">
+            <a:avLst/>
+          </a:prstGeom>
+        </p:spPr>
         <p:txBody>
           <a:bodyPr/>
           <a:lstStyle/>
           <a:p>
             <a:fld id="{A76116CE-C4A3-4A05-B2D7-7C2E9A889C0F}" type="datetimeFigureOut">
               <a:rPr lang="en-US" smtClean="0"/>
-              <a:t>3/19/2023</a:t>
+              <a:t>4/22/2023</a:t>
             </a:fld>
             <a:endParaRPr lang="en-US"/>
           </a:p>
@@ -2883,7 +3208,15 @@
             <p:ph type="ftr" sz="quarter" idx="11"/>
           </p:nvPr>
         </p:nvSpPr>
-        <p:spPr/>
+        <p:spPr>
+          <a:xfrm>
+            <a:off x="3124200" y="6356350"/>
+            <a:ext cx="2895600" cy="365125"/>
+          </a:xfrm>
+          <a:prstGeom prst="rect">
+            <a:avLst/>
+          </a:prstGeom>
+        </p:spPr>
         <p:txBody>
           <a:bodyPr/>
           <a:lstStyle/>
@@ -2902,7 +3235,15 @@
             <p:ph type="sldNum" sz="quarter" idx="12"/>
           </p:nvPr>
         </p:nvSpPr>
-        <p:spPr/>
+        <p:spPr>
+          <a:xfrm>
+            <a:off x="6553200" y="6356350"/>
+            <a:ext cx="2133600" cy="365125"/>
+          </a:xfrm>
+          <a:prstGeom prst="rect">
+            <a:avLst/>
+          </a:prstGeom>
+        </p:spPr>
         <p:txBody>
           <a:bodyPr/>
           <a:lstStyle/>
@@ -2955,6 +3296,9 @@
             <a:off x="1792288" y="4800600"/>
             <a:ext cx="5486400" cy="566738"/>
           </a:xfrm>
+          <a:prstGeom prst="rect">
+            <a:avLst/>
+          </a:prstGeom>
         </p:spPr>
         <p:txBody>
           <a:bodyPr anchor="b"/>
@@ -2986,6 +3330,9 @@
             <a:off x="1792288" y="612775"/>
             <a:ext cx="5486400" cy="4114800"/>
           </a:xfrm>
+          <a:prstGeom prst="rect">
+            <a:avLst/>
+          </a:prstGeom>
         </p:spPr>
         <p:txBody>
           <a:bodyPr/>
@@ -3047,6 +3394,9 @@
             <a:off x="1792288" y="5367338"/>
             <a:ext cx="5486400" cy="804862"/>
           </a:xfrm>
+          <a:prstGeom prst="rect">
+            <a:avLst/>
+          </a:prstGeom>
         </p:spPr>
         <p:txBody>
           <a:bodyPr/>
@@ -3107,14 +3457,22 @@
             <p:ph type="dt" sz="half" idx="10"/>
           </p:nvPr>
         </p:nvSpPr>
-        <p:spPr/>
+        <p:spPr>
+          <a:xfrm>
+            <a:off x="457200" y="6356350"/>
+            <a:ext cx="2133600" cy="365125"/>
+          </a:xfrm>
+          <a:prstGeom prst="rect">
+            <a:avLst/>
+          </a:prstGeom>
+        </p:spPr>
         <p:txBody>
           <a:bodyPr/>
           <a:lstStyle/>
           <a:p>
             <a:fld id="{A76116CE-C4A3-4A05-B2D7-7C2E9A889C0F}" type="datetimeFigureOut">
               <a:rPr lang="en-US" smtClean="0"/>
-              <a:t>3/19/2023</a:t>
+              <a:t>4/22/2023</a:t>
             </a:fld>
             <a:endParaRPr lang="en-US"/>
           </a:p>
@@ -3130,7 +3488,15 @@
             <p:ph type="ftr" sz="quarter" idx="11"/>
           </p:nvPr>
         </p:nvSpPr>
-        <p:spPr/>
+        <p:spPr>
+          <a:xfrm>
+            <a:off x="3124200" y="6356350"/>
+            <a:ext cx="2895600" cy="365125"/>
+          </a:xfrm>
+          <a:prstGeom prst="rect">
+            <a:avLst/>
+          </a:prstGeom>
+        </p:spPr>
         <p:txBody>
           <a:bodyPr/>
           <a:lstStyle/>
@@ -3149,7 +3515,15 @@
             <p:ph type="sldNum" sz="quarter" idx="12"/>
           </p:nvPr>
         </p:nvSpPr>
-        <p:spPr/>
+        <p:spPr>
+          <a:xfrm>
+            <a:off x="6553200" y="6356350"/>
+            <a:ext cx="2133600" cy="365125"/>
+          </a:xfrm>
+          <a:prstGeom prst="rect">
+            <a:avLst/>
+          </a:prstGeom>
+        </p:spPr>
         <p:txBody>
           <a:bodyPr/>
           <a:lstStyle/>
@@ -3194,213 +3568,93 @@
       </p:grpSpPr>
       <p:sp>
         <p:nvSpPr>
-          <p:cNvPr id="2" name="Title Placeholder 1"/>
-          <p:cNvSpPr>
-            <a:spLocks noGrp="1"/>
-          </p:cNvSpPr>
-          <p:nvPr>
-            <p:ph type="title"/>
-          </p:nvPr>
+          <p:cNvPr id="7" name="TextBox 6"/>
+          <p:cNvSpPr txBox="1"/>
+          <p:nvPr userDrawn="1"/>
         </p:nvSpPr>
         <p:spPr>
-          <a:xfrm>
-            <a:off x="457200" y="274638"/>
-            <a:ext cx="8229600" cy="1143000"/>
+          <a:xfrm rot="2407424">
+            <a:off x="-235263" y="8916399"/>
+            <a:ext cx="3302507" cy="523220"/>
           </a:xfrm>
           <a:prstGeom prst="rect">
             <a:avLst/>
           </a:prstGeom>
+          <a:noFill/>
         </p:spPr>
         <p:txBody>
-          <a:bodyPr vert="horz" lIns="91440" tIns="45720" rIns="91440" bIns="45720" rtlCol="0" anchor="ctr">
-            <a:normAutofit/>
+          <a:bodyPr wrap="none" rtlCol="0">
+            <a:spAutoFit/>
           </a:bodyPr>
           <a:lstStyle/>
           <a:p>
             <a:r>
-              <a:rPr lang="en-US"/>
-              <a:t>Click to edit Master title style</a:t>
-            </a:r>
+              <a:rPr lang="en-US" altLang="ko-KR" sz="2800" smtClean="0">
+                <a:solidFill>
+                  <a:srgbClr val="4C50BC">
+                    <a:alpha val="20000"/>
+                  </a:srgbClr>
+                </a:solidFill>
+                <a:latin typeface="G마켓 산스 Medium" panose="02000000000000000000" pitchFamily="50" charset="-127"/>
+                <a:ea typeface="G마켓 산스 Medium" panose="02000000000000000000" pitchFamily="50" charset="-127"/>
+              </a:rPr>
+              <a:t>Park Ju Byeong</a:t>
+            </a:r>
+            <a:endParaRPr lang="ko-KR" altLang="en-US" sz="2800">
+              <a:solidFill>
+                <a:srgbClr val="4C50BC">
+                  <a:alpha val="20000"/>
+                </a:srgbClr>
+              </a:solidFill>
+              <a:latin typeface="G마켓 산스 Medium" panose="02000000000000000000" pitchFamily="50" charset="-127"/>
+              <a:ea typeface="G마켓 산스 Medium" panose="02000000000000000000" pitchFamily="50" charset="-127"/>
+            </a:endParaRPr>
           </a:p>
         </p:txBody>
       </p:sp>
       <p:sp>
         <p:nvSpPr>
-          <p:cNvPr id="3" name="Text Placeholder 2"/>
-          <p:cNvSpPr>
-            <a:spLocks noGrp="1"/>
-          </p:cNvSpPr>
-          <p:nvPr>
-            <p:ph type="body" idx="1"/>
-          </p:nvPr>
+          <p:cNvPr id="8" name="TextBox 7"/>
+          <p:cNvSpPr txBox="1"/>
+          <p:nvPr userDrawn="1"/>
         </p:nvSpPr>
         <p:spPr>
-          <a:xfrm>
-            <a:off x="457200" y="1600200"/>
-            <a:ext cx="8229600" cy="4525963"/>
+          <a:xfrm rot="19438419">
+            <a:off x="15147432" y="8842616"/>
+            <a:ext cx="3302507" cy="523220"/>
           </a:xfrm>
           <a:prstGeom prst="rect">
             <a:avLst/>
           </a:prstGeom>
+          <a:noFill/>
         </p:spPr>
         <p:txBody>
-          <a:bodyPr vert="horz" lIns="91440" tIns="45720" rIns="91440" bIns="45720" rtlCol="0">
-            <a:normAutofit/>
+          <a:bodyPr wrap="none" rtlCol="0">
+            <a:spAutoFit/>
           </a:bodyPr>
           <a:lstStyle/>
           <a:p>
-            <a:pPr lvl="0"/>
-            <a:r>
-              <a:rPr lang="en-US"/>
-              <a:t>Click to edit Master text styles</a:t>
-            </a:r>
-          </a:p>
-          <a:p>
-            <a:pPr lvl="1"/>
-            <a:r>
-              <a:rPr lang="en-US"/>
-              <a:t>Second level</a:t>
-            </a:r>
-          </a:p>
-          <a:p>
-            <a:pPr lvl="2"/>
-            <a:r>
-              <a:rPr lang="en-US"/>
-              <a:t>Third level</a:t>
-            </a:r>
-          </a:p>
-          <a:p>
-            <a:pPr lvl="3"/>
-            <a:r>
-              <a:rPr lang="en-US"/>
-              <a:t>Fourth level</a:t>
-            </a:r>
-          </a:p>
-          <a:p>
-            <a:pPr lvl="4"/>
-            <a:r>
-              <a:rPr lang="en-US"/>
-              <a:t>Fifth level</a:t>
-            </a:r>
-          </a:p>
-        </p:txBody>
-      </p:sp>
-      <p:sp>
-        <p:nvSpPr>
-          <p:cNvPr id="4" name="Date Placeholder 3"/>
-          <p:cNvSpPr>
-            <a:spLocks noGrp="1"/>
-          </p:cNvSpPr>
-          <p:nvPr>
-            <p:ph type="dt" sz="half" idx="2"/>
-          </p:nvPr>
-        </p:nvSpPr>
-        <p:spPr>
-          <a:xfrm>
-            <a:off x="457200" y="6356350"/>
-            <a:ext cx="2133600" cy="365125"/>
-          </a:xfrm>
-          <a:prstGeom prst="rect">
-            <a:avLst/>
-          </a:prstGeom>
-        </p:spPr>
-        <p:txBody>
-          <a:bodyPr vert="horz" lIns="91440" tIns="45720" rIns="91440" bIns="45720" rtlCol="0" anchor="ctr"/>
-          <a:lstStyle>
-            <a:lvl1pPr algn="l">
-              <a:defRPr sz="1200">
-                <a:solidFill>
-                  <a:schemeClr val="tx1">
-                    <a:tint val="75000"/>
-                  </a:schemeClr>
-                </a:solidFill>
-              </a:defRPr>
-            </a:lvl1pPr>
-          </a:lstStyle>
-          <a:p>
-            <a:fld id="{F8166F1F-CE9B-4651-A6AA-CD717754106B}" type="datetimeFigureOut">
-              <a:rPr lang="en-US" smtClean="0"/>
-              <a:t>3/19/2023</a:t>
-            </a:fld>
-            <a:endParaRPr lang="en-US"/>
-          </a:p>
-        </p:txBody>
-      </p:sp>
-      <p:sp>
-        <p:nvSpPr>
-          <p:cNvPr id="5" name="Footer Placeholder 4"/>
-          <p:cNvSpPr>
-            <a:spLocks noGrp="1"/>
-          </p:cNvSpPr>
-          <p:nvPr>
-            <p:ph type="ftr" sz="quarter" idx="3"/>
-          </p:nvPr>
-        </p:nvSpPr>
-        <p:spPr>
-          <a:xfrm>
-            <a:off x="3124200" y="6356350"/>
-            <a:ext cx="2895600" cy="365125"/>
-          </a:xfrm>
-          <a:prstGeom prst="rect">
-            <a:avLst/>
-          </a:prstGeom>
-        </p:spPr>
-        <p:txBody>
-          <a:bodyPr vert="horz" lIns="91440" tIns="45720" rIns="91440" bIns="45720" rtlCol="0" anchor="ctr"/>
-          <a:lstStyle>
-            <a:lvl1pPr algn="ctr">
-              <a:defRPr sz="1200">
-                <a:solidFill>
-                  <a:schemeClr val="tx1">
-                    <a:tint val="75000"/>
-                  </a:schemeClr>
-                </a:solidFill>
-              </a:defRPr>
-            </a:lvl1pPr>
-          </a:lstStyle>
-          <a:p>
-            <a:endParaRPr lang="en-US"/>
-          </a:p>
-        </p:txBody>
-      </p:sp>
-      <p:sp>
-        <p:nvSpPr>
-          <p:cNvPr id="6" name="Slide Number Placeholder 5"/>
-          <p:cNvSpPr>
-            <a:spLocks noGrp="1"/>
-          </p:cNvSpPr>
-          <p:nvPr>
-            <p:ph type="sldNum" sz="quarter" idx="4"/>
-          </p:nvPr>
-        </p:nvSpPr>
-        <p:spPr>
-          <a:xfrm>
-            <a:off x="6553200" y="6356350"/>
-            <a:ext cx="2133600" cy="365125"/>
-          </a:xfrm>
-          <a:prstGeom prst="rect">
-            <a:avLst/>
-          </a:prstGeom>
-        </p:spPr>
-        <p:txBody>
-          <a:bodyPr vert="horz" lIns="91440" tIns="45720" rIns="91440" bIns="45720" rtlCol="0" anchor="ctr"/>
-          <a:lstStyle>
-            <a:lvl1pPr algn="r">
-              <a:defRPr sz="1200">
-                <a:solidFill>
-                  <a:schemeClr val="tx1">
-                    <a:tint val="75000"/>
-                  </a:schemeClr>
-                </a:solidFill>
-              </a:defRPr>
-            </a:lvl1pPr>
-          </a:lstStyle>
-          <a:p>
-            <a:fld id="{F7021451-1387-4CA6-816F-3879F97B5CBC}" type="slidenum">
-              <a:rPr lang="en-US" smtClean="0"/>
-              <a:t>‹#›</a:t>
-            </a:fld>
-            <a:endParaRPr lang="en-US"/>
+            <a:r>
+              <a:rPr lang="en-US" altLang="ko-KR" sz="2800" smtClean="0">
+                <a:solidFill>
+                  <a:srgbClr val="4C50BC">
+                    <a:alpha val="20000"/>
+                  </a:srgbClr>
+                </a:solidFill>
+                <a:latin typeface="G마켓 산스 Medium" panose="02000000000000000000" pitchFamily="50" charset="-127"/>
+                <a:ea typeface="G마켓 산스 Medium" panose="02000000000000000000" pitchFamily="50" charset="-127"/>
+              </a:rPr>
+              <a:t>Park Ju Byeong</a:t>
+            </a:r>
+            <a:endParaRPr lang="ko-KR" altLang="en-US" sz="2800">
+              <a:solidFill>
+                <a:srgbClr val="4C50BC">
+                  <a:alpha val="20000"/>
+                </a:srgbClr>
+              </a:solidFill>
+              <a:latin typeface="G마켓 산스 Medium" panose="02000000000000000000" pitchFamily="50" charset="-127"/>
+              <a:ea typeface="G마켓 산스 Medium" panose="02000000000000000000" pitchFamily="50" charset="-127"/>
+            </a:endParaRPr>
           </a:p>
         </p:txBody>
       </p:sp>
@@ -12160,6 +12414,11 @@
                     <a:noFill/>
                   </a:tcPr>
                 </a:tc>
+                <a:extLst>
+                  <a:ext uri="{0D108BD9-81ED-4DB2-BD59-A6C34878D82A}">
+                    <a16:rowId xmlns:a16="http://schemas.microsoft.com/office/drawing/2014/main" xmlns="" val="10002"/>
+                  </a:ext>
+                </a:extLst>
               </a:tr>
               <a:tr h="370840">
                 <a:tc>
@@ -15205,6 +15464,13 @@
   <p:clrMapOvr>
     <a:masterClrMapping/>
   </p:clrMapOvr>
+  <p:timing>
+    <p:tnLst>
+      <p:par>
+        <p:cTn id="1" dur="indefinite" restart="never" nodeType="tmRoot"/>
+      </p:par>
+    </p:tnLst>
+  </p:timing>
 </p:sld>
 </file>
 
@@ -20261,8 +20527,8 @@
         </p:blipFill>
         <p:spPr>
           <a:xfrm>
-            <a:off x="2451417" y="4076700"/>
-            <a:ext cx="6082983" cy="3555202"/>
+            <a:off x="0" y="4076700"/>
+            <a:ext cx="9648038" cy="5638800"/>
           </a:xfrm>
           <a:prstGeom prst="rect">
             <a:avLst/>
@@ -20285,8 +20551,8 @@
         </p:blipFill>
         <p:spPr>
           <a:xfrm>
-            <a:off x="9601200" y="4076700"/>
-            <a:ext cx="3781425" cy="1257300"/>
+            <a:off x="10020540" y="4076700"/>
+            <a:ext cx="7991234" cy="2657035"/>
           </a:xfrm>
           <a:prstGeom prst="rect">
             <a:avLst/>
@@ -20307,7 +20573,7 @@
         </p:nvSpPr>
         <p:spPr>
           <a:xfrm>
-            <a:off x="9525000" y="5854301"/>
+            <a:off x="10029291" y="7124700"/>
             <a:ext cx="4343400" cy="830997"/>
           </a:xfrm>
           <a:prstGeom prst="rect">
@@ -20395,7 +20661,7 @@
                                           </p:stCondLst>
                                         </p:cTn>
                                         <p:tgtEl>
-                                          <p:spTgt spid="23"/>
+                                          <p:spTgt spid="19"/>
                                         </p:tgtEl>
                                         <p:attrNameLst>
                                           <p:attrName>style.visibility</p:attrName>
@@ -20427,7 +20693,7 @@
                             </p:stCondLst>
                             <p:childTnLst>
                               <p:par>
-                                <p:cTn id="9" presetID="1" presetClass="entr" presetSubtype="0" fill="hold" grpId="0" nodeType="clickEffect">
+                                <p:cTn id="9" presetID="1" presetClass="entr" presetSubtype="0" fill="hold" nodeType="clickEffect">
                                   <p:stCondLst>
                                     <p:cond delay="0"/>
                                   </p:stCondLst>
@@ -20435,6 +20701,186 @@
                                     <p:set>
                                       <p:cBhvr>
                                         <p:cTn id="10" dur="1" fill="hold">
+                                          <p:stCondLst>
+                                            <p:cond delay="0"/>
+                                          </p:stCondLst>
+                                        </p:cTn>
+                                        <p:tgtEl>
+                                          <p:spTgt spid="20"/>
+                                        </p:tgtEl>
+                                        <p:attrNameLst>
+                                          <p:attrName>style.visibility</p:attrName>
+                                        </p:attrNameLst>
+                                      </p:cBhvr>
+                                      <p:to>
+                                        <p:strVal val="visible"/>
+                                      </p:to>
+                                    </p:set>
+                                  </p:childTnLst>
+                                </p:cTn>
+                              </p:par>
+                            </p:childTnLst>
+                          </p:cTn>
+                        </p:par>
+                      </p:childTnLst>
+                    </p:cTn>
+                  </p:par>
+                  <p:par>
+                    <p:cTn id="11" fill="hold">
+                      <p:stCondLst>
+                        <p:cond delay="indefinite"/>
+                      </p:stCondLst>
+                      <p:childTnLst>
+                        <p:par>
+                          <p:cTn id="12" fill="hold">
+                            <p:stCondLst>
+                              <p:cond delay="0"/>
+                            </p:stCondLst>
+                            <p:childTnLst>
+                              <p:par>
+                                <p:cTn id="13" presetID="1" presetClass="entr" presetSubtype="0" fill="hold" nodeType="clickEffect">
+                                  <p:stCondLst>
+                                    <p:cond delay="0"/>
+                                  </p:stCondLst>
+                                  <p:childTnLst>
+                                    <p:set>
+                                      <p:cBhvr>
+                                        <p:cTn id="14" dur="1" fill="hold">
+                                          <p:stCondLst>
+                                            <p:cond delay="0"/>
+                                          </p:stCondLst>
+                                        </p:cTn>
+                                        <p:tgtEl>
+                                          <p:spTgt spid="21"/>
+                                        </p:tgtEl>
+                                        <p:attrNameLst>
+                                          <p:attrName>style.visibility</p:attrName>
+                                        </p:attrNameLst>
+                                      </p:cBhvr>
+                                      <p:to>
+                                        <p:strVal val="visible"/>
+                                      </p:to>
+                                    </p:set>
+                                  </p:childTnLst>
+                                </p:cTn>
+                              </p:par>
+                            </p:childTnLst>
+                          </p:cTn>
+                        </p:par>
+                      </p:childTnLst>
+                    </p:cTn>
+                  </p:par>
+                  <p:par>
+                    <p:cTn id="15" fill="hold">
+                      <p:stCondLst>
+                        <p:cond delay="indefinite"/>
+                      </p:stCondLst>
+                      <p:childTnLst>
+                        <p:par>
+                          <p:cTn id="16" fill="hold">
+                            <p:stCondLst>
+                              <p:cond delay="0"/>
+                            </p:stCondLst>
+                            <p:childTnLst>
+                              <p:par>
+                                <p:cTn id="17" presetID="1" presetClass="entr" presetSubtype="0" fill="hold" nodeType="clickEffect">
+                                  <p:stCondLst>
+                                    <p:cond delay="0"/>
+                                  </p:stCondLst>
+                                  <p:childTnLst>
+                                    <p:set>
+                                      <p:cBhvr>
+                                        <p:cTn id="18" dur="1" fill="hold">
+                                          <p:stCondLst>
+                                            <p:cond delay="0"/>
+                                          </p:stCondLst>
+                                        </p:cTn>
+                                        <p:tgtEl>
+                                          <p:spTgt spid="22"/>
+                                        </p:tgtEl>
+                                        <p:attrNameLst>
+                                          <p:attrName>style.visibility</p:attrName>
+                                        </p:attrNameLst>
+                                      </p:cBhvr>
+                                      <p:to>
+                                        <p:strVal val="visible"/>
+                                      </p:to>
+                                    </p:set>
+                                  </p:childTnLst>
+                                </p:cTn>
+                              </p:par>
+                            </p:childTnLst>
+                          </p:cTn>
+                        </p:par>
+                      </p:childTnLst>
+                    </p:cTn>
+                  </p:par>
+                  <p:par>
+                    <p:cTn id="19" fill="hold">
+                      <p:stCondLst>
+                        <p:cond delay="indefinite"/>
+                      </p:stCondLst>
+                      <p:childTnLst>
+                        <p:par>
+                          <p:cTn id="20" fill="hold">
+                            <p:stCondLst>
+                              <p:cond delay="0"/>
+                            </p:stCondLst>
+                            <p:childTnLst>
+                              <p:par>
+                                <p:cTn id="21" presetID="1" presetClass="entr" presetSubtype="0" fill="hold" nodeType="clickEffect">
+                                  <p:stCondLst>
+                                    <p:cond delay="0"/>
+                                  </p:stCondLst>
+                                  <p:childTnLst>
+                                    <p:set>
+                                      <p:cBhvr>
+                                        <p:cTn id="22" dur="1" fill="hold">
+                                          <p:stCondLst>
+                                            <p:cond delay="0"/>
+                                          </p:stCondLst>
+                                        </p:cTn>
+                                        <p:tgtEl>
+                                          <p:spTgt spid="23"/>
+                                        </p:tgtEl>
+                                        <p:attrNameLst>
+                                          <p:attrName>style.visibility</p:attrName>
+                                        </p:attrNameLst>
+                                      </p:cBhvr>
+                                      <p:to>
+                                        <p:strVal val="visible"/>
+                                      </p:to>
+                                    </p:set>
+                                  </p:childTnLst>
+                                </p:cTn>
+                              </p:par>
+                            </p:childTnLst>
+                          </p:cTn>
+                        </p:par>
+                      </p:childTnLst>
+                    </p:cTn>
+                  </p:par>
+                  <p:par>
+                    <p:cTn id="23" fill="hold">
+                      <p:stCondLst>
+                        <p:cond delay="indefinite"/>
+                      </p:stCondLst>
+                      <p:childTnLst>
+                        <p:par>
+                          <p:cTn id="24" fill="hold">
+                            <p:stCondLst>
+                              <p:cond delay="0"/>
+                            </p:stCondLst>
+                            <p:childTnLst>
+                              <p:par>
+                                <p:cTn id="25" presetID="1" presetClass="entr" presetSubtype="0" fill="hold" grpId="0" nodeType="clickEffect">
+                                  <p:stCondLst>
+                                    <p:cond delay="0"/>
+                                  </p:stCondLst>
+                                  <p:childTnLst>
+                                    <p:set>
+                                      <p:cBhvr>
+                                        <p:cTn id="26" dur="1" fill="hold">
                                           <p:stCondLst>
                                             <p:cond delay="0"/>
                                           </p:stCondLst>
@@ -22124,6 +22570,13 @@
   <p:clrMapOvr>
     <a:masterClrMapping/>
   </p:clrMapOvr>
+  <p:timing>
+    <p:tnLst>
+      <p:par>
+        <p:cTn id="1" dur="indefinite" restart="never" nodeType="tmRoot"/>
+      </p:par>
+    </p:tnLst>
+  </p:timing>
 </p:sld>
 </file>
 
@@ -22158,7 +22611,7 @@
         </p:nvSpPr>
         <p:spPr>
           <a:xfrm>
-            <a:off x="1371600" y="4381500"/>
+            <a:off x="1752600" y="952500"/>
             <a:ext cx="17754600" cy="1015663"/>
           </a:xfrm>
           <a:prstGeom prst="rect">
@@ -22508,54 +22961,14 @@
                             </p:stCondLst>
                             <p:childTnLst>
                               <p:par>
-                                <p:cTn id="5" presetID="42" presetClass="path" presetSubtype="0" accel="50000" decel="50000" fill="hold" grpId="0" nodeType="clickEffect">
-                                  <p:stCondLst>
-                                    <p:cond delay="0"/>
-                                  </p:stCondLst>
-                                  <p:childTnLst>
-                                    <p:animMotion origin="layout" path="M 3.33333E-6 1.35802E-6 L -0.00209 -0.35309 " pathEditMode="relative" rAng="0" ptsTypes="AA">
-                                      <p:cBhvr>
-                                        <p:cTn id="6" dur="2000" fill="hold"/>
-                                        <p:tgtEl>
-                                          <p:spTgt spid="4"/>
-                                        </p:tgtEl>
-                                        <p:attrNameLst>
-                                          <p:attrName>ppt_x</p:attrName>
-                                          <p:attrName>ppt_y</p:attrName>
-                                        </p:attrNameLst>
-                                      </p:cBhvr>
-                                      <p:rCtr x="-104" y="-17654"/>
-                                    </p:animMotion>
-                                  </p:childTnLst>
-                                </p:cTn>
-                              </p:par>
-                            </p:childTnLst>
-                          </p:cTn>
-                        </p:par>
-                      </p:childTnLst>
-                    </p:cTn>
-                  </p:par>
-                  <p:par>
-                    <p:cTn id="7" fill="hold">
-                      <p:stCondLst>
-                        <p:cond delay="indefinite"/>
-                      </p:stCondLst>
-                      <p:childTnLst>
-                        <p:par>
-                          <p:cTn id="8" fill="hold">
-                            <p:stCondLst>
-                              <p:cond delay="0"/>
-                            </p:stCondLst>
-                            <p:childTnLst>
-                              <p:par>
-                                <p:cTn id="9" presetID="1" presetClass="entr" presetSubtype="0" fill="hold" grpId="0" nodeType="clickEffect">
+                                <p:cTn id="5" presetID="1" presetClass="entr" presetSubtype="0" fill="hold" grpId="0" nodeType="clickEffect">
                                   <p:stCondLst>
                                     <p:cond delay="0"/>
                                   </p:stCondLst>
                                   <p:childTnLst>
                                     <p:set>
                                       <p:cBhvr>
-                                        <p:cTn id="10" dur="1" fill="hold">
+                                        <p:cTn id="6" dur="1" fill="hold">
                                           <p:stCondLst>
                                             <p:cond delay="0"/>
                                           </p:stCondLst>
@@ -22602,7 +23015,6 @@
       </p:par>
     </p:tnLst>
     <p:bldLst>
-      <p:bldP spid="4" grpId="0"/>
       <p:bldP spid="5" grpId="0"/>
     </p:bldLst>
   </p:timing>
@@ -22911,6 +23323,13 @@
   <p:clrMapOvr>
     <a:masterClrMapping/>
   </p:clrMapOvr>
+  <p:timing>
+    <p:tnLst>
+      <p:par>
+        <p:cTn id="1" dur="indefinite" restart="never" nodeType="tmRoot"/>
+      </p:par>
+    </p:tnLst>
+  </p:timing>
 </p:sld>
 </file>
 
@@ -24969,8 +25388,8 @@
         </p:blipFill>
         <p:spPr>
           <a:xfrm>
-            <a:off x="4343400" y="1028700"/>
-            <a:ext cx="4196633" cy="1632024"/>
+            <a:off x="2971800" y="495300"/>
+            <a:ext cx="5568233" cy="2165424"/>
           </a:xfrm>
           <a:prstGeom prst="rect">
             <a:avLst/>
@@ -24993,8 +25412,8 @@
         </p:blipFill>
         <p:spPr>
           <a:xfrm>
-            <a:off x="9067800" y="1028700"/>
-            <a:ext cx="4477650" cy="1597495"/>
+            <a:off x="8640635" y="495300"/>
+            <a:ext cx="5972727" cy="2130895"/>
           </a:xfrm>
           <a:prstGeom prst="rect">
             <a:avLst/>
@@ -25011,6 +25430,13 @@
   <p:clrMapOvr>
     <a:masterClrMapping/>
   </p:clrMapOvr>
+  <p:timing>
+    <p:tnLst>
+      <p:par>
+        <p:cTn id="1" dur="indefinite" restart="never" nodeType="tmRoot"/>
+      </p:par>
+    </p:tnLst>
+  </p:timing>
 </p:sld>
 </file>
 
@@ -26389,7 +26815,7 @@
           <p:cNvPr id="7" name="직사각형 6">
             <a:extLst>
               <a:ext uri="{FF2B5EF4-FFF2-40B4-BE49-F238E27FC236}">
-                <a16:creationId xmlns="" xmlns:a16="http://schemas.microsoft.com/office/drawing/2014/main" id="{FFF506F9-840A-0508-4CAF-3AC711D8D5CE}"/>
+                <a16:creationId xmlns:a16="http://schemas.microsoft.com/office/drawing/2014/main" xmlns="" id="{FFF506F9-840A-0508-4CAF-3AC711D8D5CE}"/>
               </a:ext>
             </a:extLst>
           </p:cNvPr>
@@ -28393,6 +28819,13 @@
   <p:clrMapOvr>
     <a:masterClrMapping/>
   </p:clrMapOvr>
+  <p:timing>
+    <p:tnLst>
+      <p:par>
+        <p:cTn id="1" dur="indefinite" restart="never" nodeType="tmRoot"/>
+      </p:par>
+    </p:tnLst>
+  </p:timing>
 </p:sld>
 </file>
 
@@ -28577,6 +29010,13 @@
   <p:clrMapOvr>
     <a:masterClrMapping/>
   </p:clrMapOvr>
+  <p:timing>
+    <p:tnLst>
+      <p:par>
+        <p:cTn id="1" dur="indefinite" restart="never" nodeType="tmRoot"/>
+      </p:par>
+    </p:tnLst>
+  </p:timing>
 </p:sld>
 </file>
 

--- a/JavaLecture/LectureFile/java 9강 상속과super.pptx
+++ b/JavaLecture/LectureFile/java 9강 상속과super.pptx
@@ -5,7 +5,7 @@
     <p:sldMasterId id="2147483648" r:id="rId1"/>
   </p:sldMasterIdLst>
   <p:notesMasterIdLst>
-    <p:notesMasterId r:id="rId66"/>
+    <p:notesMasterId r:id="rId64"/>
   </p:notesMasterIdLst>
   <p:sldIdLst>
     <p:sldId id="257" r:id="rId2"/>
@@ -56,22 +56,20 @@
     <p:sldId id="669" r:id="rId47"/>
     <p:sldId id="670" r:id="rId48"/>
     <p:sldId id="643" r:id="rId49"/>
-    <p:sldId id="644" r:id="rId50"/>
-    <p:sldId id="645" r:id="rId51"/>
-    <p:sldId id="646" r:id="rId52"/>
-    <p:sldId id="647" r:id="rId53"/>
-    <p:sldId id="648" r:id="rId54"/>
-    <p:sldId id="652" r:id="rId55"/>
-    <p:sldId id="649" r:id="rId56"/>
-    <p:sldId id="650" r:id="rId57"/>
-    <p:sldId id="651" r:id="rId58"/>
-    <p:sldId id="655" r:id="rId59"/>
-    <p:sldId id="658" r:id="rId60"/>
-    <p:sldId id="656" r:id="rId61"/>
-    <p:sldId id="657" r:id="rId62"/>
-    <p:sldId id="659" r:id="rId63"/>
-    <p:sldId id="660" r:id="rId64"/>
-    <p:sldId id="275" r:id="rId65"/>
+    <p:sldId id="671" r:id="rId50"/>
+    <p:sldId id="644" r:id="rId51"/>
+    <p:sldId id="645" r:id="rId52"/>
+    <p:sldId id="646" r:id="rId53"/>
+    <p:sldId id="647" r:id="rId54"/>
+    <p:sldId id="648" r:id="rId55"/>
+    <p:sldId id="652" r:id="rId56"/>
+    <p:sldId id="649" r:id="rId57"/>
+    <p:sldId id="650" r:id="rId58"/>
+    <p:sldId id="651" r:id="rId59"/>
+    <p:sldId id="655" r:id="rId60"/>
+    <p:sldId id="658" r:id="rId61"/>
+    <p:sldId id="672" r:id="rId62"/>
+    <p:sldId id="275" r:id="rId63"/>
   </p:sldIdLst>
   <p:sldSz cx="18288000" cy="10287000"/>
   <p:notesSz cx="7104063" cy="10234613"/>
@@ -271,7 +269,7 @@
           <a:p>
             <a:fld id="{D79F2C30-10E1-4C46-91DC-BBDB9629E720}" type="datetimeFigureOut">
               <a:rPr lang="ko-KR" altLang="en-US" smtClean="0"/>
-              <a:t>2023-04-22 Saturday</a:t>
+              <a:t>2023-04-22</a:t>
             </a:fld>
             <a:endParaRPr lang="ko-KR" altLang="en-US"/>
           </a:p>
@@ -4239,7 +4237,7 @@
           <p:cNvPr id="2" name="TextBox 1">
             <a:extLst>
               <a:ext uri="{FF2B5EF4-FFF2-40B4-BE49-F238E27FC236}">
-                <a16:creationId xmlns:a16="http://schemas.microsoft.com/office/drawing/2014/main" id="{E9A453A8-9968-67AB-7B4A-83EEB4662AA6}"/>
+                <a16:creationId xmlns:a16="http://schemas.microsoft.com/office/drawing/2014/main" xmlns="" id="{E9A453A8-9968-67AB-7B4A-83EEB4662AA6}"/>
               </a:ext>
             </a:extLst>
           </p:cNvPr>
@@ -4287,7 +4285,7 @@
           <p:cNvPr id="4" name="TextBox 3">
             <a:extLst>
               <a:ext uri="{FF2B5EF4-FFF2-40B4-BE49-F238E27FC236}">
-                <a16:creationId xmlns:a16="http://schemas.microsoft.com/office/drawing/2014/main" id="{F4B7A35A-8AAC-4622-64BC-CAD1472D4115}"/>
+                <a16:creationId xmlns:a16="http://schemas.microsoft.com/office/drawing/2014/main" xmlns="" id="{F4B7A35A-8AAC-4622-64BC-CAD1472D4115}"/>
               </a:ext>
             </a:extLst>
           </p:cNvPr>
@@ -4359,7 +4357,7 @@
           <p:cNvPr id="7" name="TextBox 6">
             <a:extLst>
               <a:ext uri="{FF2B5EF4-FFF2-40B4-BE49-F238E27FC236}">
-                <a16:creationId xmlns:a16="http://schemas.microsoft.com/office/drawing/2014/main" id="{3ACE900A-D779-4343-6623-8588B376F0A1}"/>
+                <a16:creationId xmlns:a16="http://schemas.microsoft.com/office/drawing/2014/main" xmlns="" id="{3ACE900A-D779-4343-6623-8588B376F0A1}"/>
               </a:ext>
             </a:extLst>
           </p:cNvPr>
@@ -4495,7 +4493,7 @@
           <p:cNvPr id="7" name="직선 화살표 연결선 6">
             <a:extLst>
               <a:ext uri="{FF2B5EF4-FFF2-40B4-BE49-F238E27FC236}">
-                <a16:creationId xmlns:a16="http://schemas.microsoft.com/office/drawing/2014/main" id="{299DF5EC-9DF4-5255-06AC-0A7CE4FF58C3}"/>
+                <a16:creationId xmlns:a16="http://schemas.microsoft.com/office/drawing/2014/main" xmlns="" id="{299DF5EC-9DF4-5255-06AC-0A7CE4FF58C3}"/>
               </a:ext>
             </a:extLst>
           </p:cNvPr>
@@ -4536,7 +4534,7 @@
           <p:cNvPr id="8" name="TextBox 7">
             <a:extLst>
               <a:ext uri="{FF2B5EF4-FFF2-40B4-BE49-F238E27FC236}">
-                <a16:creationId xmlns:a16="http://schemas.microsoft.com/office/drawing/2014/main" id="{C6D113C6-EA5C-788F-0C77-E7CE6EBB865F}"/>
+                <a16:creationId xmlns:a16="http://schemas.microsoft.com/office/drawing/2014/main" xmlns="" id="{C6D113C6-EA5C-788F-0C77-E7CE6EBB865F}"/>
               </a:ext>
             </a:extLst>
           </p:cNvPr>
@@ -4644,7 +4642,7 @@
           <p:cNvPr id="2" name="직사각형 1">
             <a:extLst>
               <a:ext uri="{FF2B5EF4-FFF2-40B4-BE49-F238E27FC236}">
-                <a16:creationId xmlns:a16="http://schemas.microsoft.com/office/drawing/2014/main" id="{3C46299A-4568-03E8-2C5C-09C49E40CF06}"/>
+                <a16:creationId xmlns:a16="http://schemas.microsoft.com/office/drawing/2014/main" xmlns="" id="{3C46299A-4568-03E8-2C5C-09C49E40CF06}"/>
               </a:ext>
             </a:extLst>
           </p:cNvPr>
@@ -4925,7 +4923,7 @@
           <p:cNvPr id="6" name="직선 화살표 연결선 5">
             <a:extLst>
               <a:ext uri="{FF2B5EF4-FFF2-40B4-BE49-F238E27FC236}">
-                <a16:creationId xmlns:a16="http://schemas.microsoft.com/office/drawing/2014/main" id="{299DF5EC-9DF4-5255-06AC-0A7CE4FF58C3}"/>
+                <a16:creationId xmlns:a16="http://schemas.microsoft.com/office/drawing/2014/main" xmlns="" id="{299DF5EC-9DF4-5255-06AC-0A7CE4FF58C3}"/>
               </a:ext>
             </a:extLst>
           </p:cNvPr>
@@ -4966,7 +4964,7 @@
           <p:cNvPr id="7" name="TextBox 6">
             <a:extLst>
               <a:ext uri="{FF2B5EF4-FFF2-40B4-BE49-F238E27FC236}">
-                <a16:creationId xmlns:a16="http://schemas.microsoft.com/office/drawing/2014/main" id="{C6D113C6-EA5C-788F-0C77-E7CE6EBB865F}"/>
+                <a16:creationId xmlns:a16="http://schemas.microsoft.com/office/drawing/2014/main" xmlns="" id="{C6D113C6-EA5C-788F-0C77-E7CE6EBB865F}"/>
               </a:ext>
             </a:extLst>
           </p:cNvPr>
@@ -5037,7 +5035,7 @@
           <p:cNvPr id="8" name="TextBox 7">
             <a:extLst>
               <a:ext uri="{FF2B5EF4-FFF2-40B4-BE49-F238E27FC236}">
-                <a16:creationId xmlns:a16="http://schemas.microsoft.com/office/drawing/2014/main" id="{DF7DDD33-9412-2802-339A-E55446AC2DA7}"/>
+                <a16:creationId xmlns:a16="http://schemas.microsoft.com/office/drawing/2014/main" xmlns="" id="{DF7DDD33-9412-2802-339A-E55446AC2DA7}"/>
               </a:ext>
             </a:extLst>
           </p:cNvPr>
@@ -5149,7 +5147,7 @@
           <p:cNvPr id="5" name="TextBox 4">
             <a:extLst>
               <a:ext uri="{FF2B5EF4-FFF2-40B4-BE49-F238E27FC236}">
-                <a16:creationId xmlns:a16="http://schemas.microsoft.com/office/drawing/2014/main" id="{C6D113C6-EA5C-788F-0C77-E7CE6EBB865F}"/>
+                <a16:creationId xmlns:a16="http://schemas.microsoft.com/office/drawing/2014/main" xmlns="" id="{C6D113C6-EA5C-788F-0C77-E7CE6EBB865F}"/>
               </a:ext>
             </a:extLst>
           </p:cNvPr>
@@ -5220,7 +5218,7 @@
           <p:cNvPr id="7" name="TextBox 6">
             <a:extLst>
               <a:ext uri="{FF2B5EF4-FFF2-40B4-BE49-F238E27FC236}">
-                <a16:creationId xmlns:a16="http://schemas.microsoft.com/office/drawing/2014/main" id="{C6D113C6-EA5C-788F-0C77-E7CE6EBB865F}"/>
+                <a16:creationId xmlns:a16="http://schemas.microsoft.com/office/drawing/2014/main" xmlns="" id="{C6D113C6-EA5C-788F-0C77-E7CE6EBB865F}"/>
               </a:ext>
             </a:extLst>
           </p:cNvPr>
@@ -5396,7 +5394,7 @@
           <p:cNvPr id="4" name="TextBox 3">
             <a:extLst>
               <a:ext uri="{FF2B5EF4-FFF2-40B4-BE49-F238E27FC236}">
-                <a16:creationId xmlns:a16="http://schemas.microsoft.com/office/drawing/2014/main" id="{C6D113C6-EA5C-788F-0C77-E7CE6EBB865F}"/>
+                <a16:creationId xmlns:a16="http://schemas.microsoft.com/office/drawing/2014/main" xmlns="" id="{C6D113C6-EA5C-788F-0C77-E7CE6EBB865F}"/>
               </a:ext>
             </a:extLst>
           </p:cNvPr>
@@ -5556,7 +5554,7 @@
           <p:cNvPr id="4" name="TextBox 3">
             <a:extLst>
               <a:ext uri="{FF2B5EF4-FFF2-40B4-BE49-F238E27FC236}">
-                <a16:creationId xmlns:a16="http://schemas.microsoft.com/office/drawing/2014/main" id="{5ADC00B6-990A-40DC-3CEA-505258F5E8DA}"/>
+                <a16:creationId xmlns:a16="http://schemas.microsoft.com/office/drawing/2014/main" xmlns="" id="{5ADC00B6-990A-40DC-3CEA-505258F5E8DA}"/>
               </a:ext>
             </a:extLst>
           </p:cNvPr>
@@ -5628,7 +5626,7 @@
           <p:cNvPr id="6" name="직선 화살표 연결선 5">
             <a:extLst>
               <a:ext uri="{FF2B5EF4-FFF2-40B4-BE49-F238E27FC236}">
-                <a16:creationId xmlns:a16="http://schemas.microsoft.com/office/drawing/2014/main" id="{299DF5EC-9DF4-5255-06AC-0A7CE4FF58C3}"/>
+                <a16:creationId xmlns:a16="http://schemas.microsoft.com/office/drawing/2014/main" xmlns="" id="{299DF5EC-9DF4-5255-06AC-0A7CE4FF58C3}"/>
               </a:ext>
             </a:extLst>
           </p:cNvPr>
@@ -5669,7 +5667,7 @@
           <p:cNvPr id="7" name="TextBox 6">
             <a:extLst>
               <a:ext uri="{FF2B5EF4-FFF2-40B4-BE49-F238E27FC236}">
-                <a16:creationId xmlns:a16="http://schemas.microsoft.com/office/drawing/2014/main" id="{C6D113C6-EA5C-788F-0C77-E7CE6EBB865F}"/>
+                <a16:creationId xmlns:a16="http://schemas.microsoft.com/office/drawing/2014/main" xmlns="" id="{C6D113C6-EA5C-788F-0C77-E7CE6EBB865F}"/>
               </a:ext>
             </a:extLst>
           </p:cNvPr>
@@ -5852,7 +5850,7 @@
           <p:cNvPr id="4" name="TextBox 3">
             <a:extLst>
               <a:ext uri="{FF2B5EF4-FFF2-40B4-BE49-F238E27FC236}">
-                <a16:creationId xmlns:a16="http://schemas.microsoft.com/office/drawing/2014/main" id="{5ADC00B6-990A-40DC-3CEA-505258F5E8DA}"/>
+                <a16:creationId xmlns:a16="http://schemas.microsoft.com/office/drawing/2014/main" xmlns="" id="{5ADC00B6-990A-40DC-3CEA-505258F5E8DA}"/>
               </a:ext>
             </a:extLst>
           </p:cNvPr>
@@ -5910,7 +5908,7 @@
           <p:cNvPr id="5" name="TextBox 4">
             <a:extLst>
               <a:ext uri="{FF2B5EF4-FFF2-40B4-BE49-F238E27FC236}">
-                <a16:creationId xmlns:a16="http://schemas.microsoft.com/office/drawing/2014/main" id="{A2AD056B-97A4-5BCC-4460-250160F3E171}"/>
+                <a16:creationId xmlns:a16="http://schemas.microsoft.com/office/drawing/2014/main" xmlns="" id="{A2AD056B-97A4-5BCC-4460-250160F3E171}"/>
               </a:ext>
             </a:extLst>
           </p:cNvPr>
@@ -6068,7 +6066,7 @@
           <p:cNvPr id="6" name="그룹 1015">
             <a:extLst>
               <a:ext uri="{FF2B5EF4-FFF2-40B4-BE49-F238E27FC236}">
-                <a16:creationId xmlns:a16="http://schemas.microsoft.com/office/drawing/2014/main" id="{76F5E01D-ECD6-A51D-DC2B-05DA1EBF93C7}"/>
+                <a16:creationId xmlns:a16="http://schemas.microsoft.com/office/drawing/2014/main" xmlns="" id="{76F5E01D-ECD6-A51D-DC2B-05DA1EBF93C7}"/>
               </a:ext>
             </a:extLst>
           </p:cNvPr>
@@ -6088,7 +6086,7 @@
             <p:cNvPr id="7" name="Object 52">
               <a:extLst>
                 <a:ext uri="{FF2B5EF4-FFF2-40B4-BE49-F238E27FC236}">
-                  <a16:creationId xmlns:a16="http://schemas.microsoft.com/office/drawing/2014/main" id="{D83975B3-46BC-7686-ECA1-1D7ECFA74A69}"/>
+                  <a16:creationId xmlns:a16="http://schemas.microsoft.com/office/drawing/2014/main" xmlns="" id="{D83975B3-46BC-7686-ECA1-1D7ECFA74A69}"/>
                 </a:ext>
               </a:extLst>
             </p:cNvPr>
@@ -6119,7 +6117,7 @@
           <p:cNvPr id="8" name="그룹 1018">
             <a:extLst>
               <a:ext uri="{FF2B5EF4-FFF2-40B4-BE49-F238E27FC236}">
-                <a16:creationId xmlns:a16="http://schemas.microsoft.com/office/drawing/2014/main" id="{008489BA-FEFA-DE7D-B3CD-53A358B82592}"/>
+                <a16:creationId xmlns:a16="http://schemas.microsoft.com/office/drawing/2014/main" xmlns="" id="{008489BA-FEFA-DE7D-B3CD-53A358B82592}"/>
               </a:ext>
             </a:extLst>
           </p:cNvPr>
@@ -6139,7 +6137,7 @@
             <p:cNvPr id="9" name="Object 61">
               <a:extLst>
                 <a:ext uri="{FF2B5EF4-FFF2-40B4-BE49-F238E27FC236}">
-                  <a16:creationId xmlns:a16="http://schemas.microsoft.com/office/drawing/2014/main" id="{9ED25BE3-45BE-AC6D-D835-4457854D2832}"/>
+                  <a16:creationId xmlns:a16="http://schemas.microsoft.com/office/drawing/2014/main" xmlns="" id="{9ED25BE3-45BE-AC6D-D835-4457854D2832}"/>
                 </a:ext>
               </a:extLst>
             </p:cNvPr>
@@ -6170,7 +6168,7 @@
           <p:cNvPr id="10" name="그룹 1021">
             <a:extLst>
               <a:ext uri="{FF2B5EF4-FFF2-40B4-BE49-F238E27FC236}">
-                <a16:creationId xmlns:a16="http://schemas.microsoft.com/office/drawing/2014/main" id="{7FE0C0A1-ABE4-F0EA-AFC1-4622C45C99E7}"/>
+                <a16:creationId xmlns:a16="http://schemas.microsoft.com/office/drawing/2014/main" xmlns="" id="{7FE0C0A1-ABE4-F0EA-AFC1-4622C45C99E7}"/>
               </a:ext>
             </a:extLst>
           </p:cNvPr>
@@ -6190,7 +6188,7 @@
             <p:cNvPr id="11" name="Object 71">
               <a:extLst>
                 <a:ext uri="{FF2B5EF4-FFF2-40B4-BE49-F238E27FC236}">
-                  <a16:creationId xmlns:a16="http://schemas.microsoft.com/office/drawing/2014/main" id="{CDBB7D83-509F-9F4C-0C3E-DBA2562E5520}"/>
+                  <a16:creationId xmlns:a16="http://schemas.microsoft.com/office/drawing/2014/main" xmlns="" id="{CDBB7D83-509F-9F4C-0C3E-DBA2562E5520}"/>
                 </a:ext>
               </a:extLst>
             </p:cNvPr>
@@ -6221,7 +6219,7 @@
           <p:cNvPr id="12" name="그룹 1024">
             <a:extLst>
               <a:ext uri="{FF2B5EF4-FFF2-40B4-BE49-F238E27FC236}">
-                <a16:creationId xmlns:a16="http://schemas.microsoft.com/office/drawing/2014/main" id="{8EB1611F-852C-9617-AEEB-CFA38FFF8001}"/>
+                <a16:creationId xmlns:a16="http://schemas.microsoft.com/office/drawing/2014/main" xmlns="" id="{8EB1611F-852C-9617-AEEB-CFA38FFF8001}"/>
               </a:ext>
             </a:extLst>
           </p:cNvPr>
@@ -6241,7 +6239,7 @@
             <p:cNvPr id="13" name="Object 81">
               <a:extLst>
                 <a:ext uri="{FF2B5EF4-FFF2-40B4-BE49-F238E27FC236}">
-                  <a16:creationId xmlns:a16="http://schemas.microsoft.com/office/drawing/2014/main" id="{08657582-A0DF-A5DC-A662-189C639920C8}"/>
+                  <a16:creationId xmlns:a16="http://schemas.microsoft.com/office/drawing/2014/main" xmlns="" id="{08657582-A0DF-A5DC-A662-189C639920C8}"/>
                 </a:ext>
               </a:extLst>
             </p:cNvPr>
@@ -6272,7 +6270,7 @@
           <p:cNvPr id="14" name="TextBox 13">
             <a:extLst>
               <a:ext uri="{FF2B5EF4-FFF2-40B4-BE49-F238E27FC236}">
-                <a16:creationId xmlns:a16="http://schemas.microsoft.com/office/drawing/2014/main" id="{FC41B7B2-904B-813A-22B8-239E383F4360}"/>
+                <a16:creationId xmlns:a16="http://schemas.microsoft.com/office/drawing/2014/main" xmlns="" id="{FC41B7B2-904B-813A-22B8-239E383F4360}"/>
               </a:ext>
             </a:extLst>
           </p:cNvPr>
@@ -6320,7 +6318,7 @@
           <p:cNvPr id="15" name="TextBox 14">
             <a:extLst>
               <a:ext uri="{FF2B5EF4-FFF2-40B4-BE49-F238E27FC236}">
-                <a16:creationId xmlns:a16="http://schemas.microsoft.com/office/drawing/2014/main" id="{F68B80B8-3419-5C31-B2F2-084E536A2C1C}"/>
+                <a16:creationId xmlns:a16="http://schemas.microsoft.com/office/drawing/2014/main" xmlns="" id="{F68B80B8-3419-5C31-B2F2-084E536A2C1C}"/>
               </a:ext>
             </a:extLst>
           </p:cNvPr>
@@ -6368,7 +6366,7 @@
           <p:cNvPr id="16" name="TextBox 15">
             <a:extLst>
               <a:ext uri="{FF2B5EF4-FFF2-40B4-BE49-F238E27FC236}">
-                <a16:creationId xmlns:a16="http://schemas.microsoft.com/office/drawing/2014/main" id="{CB471B39-052C-65D2-3069-C74FA7421876}"/>
+                <a16:creationId xmlns:a16="http://schemas.microsoft.com/office/drawing/2014/main" xmlns="" id="{CB471B39-052C-65D2-3069-C74FA7421876}"/>
               </a:ext>
             </a:extLst>
           </p:cNvPr>
@@ -6416,7 +6414,7 @@
           <p:cNvPr id="17" name="TextBox 16">
             <a:extLst>
               <a:ext uri="{FF2B5EF4-FFF2-40B4-BE49-F238E27FC236}">
-                <a16:creationId xmlns:a16="http://schemas.microsoft.com/office/drawing/2014/main" id="{4A7E270B-9322-EABD-3A34-4D211B23AD38}"/>
+                <a16:creationId xmlns:a16="http://schemas.microsoft.com/office/drawing/2014/main" xmlns="" id="{4A7E270B-9322-EABD-3A34-4D211B23AD38}"/>
               </a:ext>
             </a:extLst>
           </p:cNvPr>
@@ -6464,7 +6462,7 @@
           <p:cNvPr id="18" name="직선 화살표 연결선 17">
             <a:extLst>
               <a:ext uri="{FF2B5EF4-FFF2-40B4-BE49-F238E27FC236}">
-                <a16:creationId xmlns:a16="http://schemas.microsoft.com/office/drawing/2014/main" id="{174A1CAB-41DB-CBE5-A53E-D1E78982E7D5}"/>
+                <a16:creationId xmlns:a16="http://schemas.microsoft.com/office/drawing/2014/main" xmlns="" id="{174A1CAB-41DB-CBE5-A53E-D1E78982E7D5}"/>
               </a:ext>
             </a:extLst>
           </p:cNvPr>
@@ -6506,7 +6504,7 @@
           <p:cNvPr id="19" name="직선 화살표 연결선 18">
             <a:extLst>
               <a:ext uri="{FF2B5EF4-FFF2-40B4-BE49-F238E27FC236}">
-                <a16:creationId xmlns:a16="http://schemas.microsoft.com/office/drawing/2014/main" id="{404BE807-8974-325D-28CE-80CBD5A23FD9}"/>
+                <a16:creationId xmlns:a16="http://schemas.microsoft.com/office/drawing/2014/main" xmlns="" id="{404BE807-8974-325D-28CE-80CBD5A23FD9}"/>
               </a:ext>
             </a:extLst>
           </p:cNvPr>
@@ -6547,7 +6545,7 @@
           <p:cNvPr id="20" name="직선 화살표 연결선 19">
             <a:extLst>
               <a:ext uri="{FF2B5EF4-FFF2-40B4-BE49-F238E27FC236}">
-                <a16:creationId xmlns:a16="http://schemas.microsoft.com/office/drawing/2014/main" id="{8238D4B2-69F6-F17A-0286-66A8FB197956}"/>
+                <a16:creationId xmlns:a16="http://schemas.microsoft.com/office/drawing/2014/main" xmlns="" id="{8238D4B2-69F6-F17A-0286-66A8FB197956}"/>
               </a:ext>
             </a:extLst>
           </p:cNvPr>
@@ -6589,7 +6587,7 @@
           <p:cNvPr id="21" name="직선 화살표 연결선 20">
             <a:extLst>
               <a:ext uri="{FF2B5EF4-FFF2-40B4-BE49-F238E27FC236}">
-                <a16:creationId xmlns:a16="http://schemas.microsoft.com/office/drawing/2014/main" id="{404BE807-8974-325D-28CE-80CBD5A23FD9}"/>
+                <a16:creationId xmlns:a16="http://schemas.microsoft.com/office/drawing/2014/main" xmlns="" id="{404BE807-8974-325D-28CE-80CBD5A23FD9}"/>
               </a:ext>
             </a:extLst>
           </p:cNvPr>
@@ -6630,7 +6628,7 @@
           <p:cNvPr id="22" name="그룹 1021">
             <a:extLst>
               <a:ext uri="{FF2B5EF4-FFF2-40B4-BE49-F238E27FC236}">
-                <a16:creationId xmlns:a16="http://schemas.microsoft.com/office/drawing/2014/main" id="{7FE0C0A1-ABE4-F0EA-AFC1-4622C45C99E7}"/>
+                <a16:creationId xmlns:a16="http://schemas.microsoft.com/office/drawing/2014/main" xmlns="" id="{7FE0C0A1-ABE4-F0EA-AFC1-4622C45C99E7}"/>
               </a:ext>
             </a:extLst>
           </p:cNvPr>
@@ -6650,7 +6648,7 @@
             <p:cNvPr id="23" name="Object 71">
               <a:extLst>
                 <a:ext uri="{FF2B5EF4-FFF2-40B4-BE49-F238E27FC236}">
-                  <a16:creationId xmlns:a16="http://schemas.microsoft.com/office/drawing/2014/main" id="{CDBB7D83-509F-9F4C-0C3E-DBA2562E5520}"/>
+                  <a16:creationId xmlns:a16="http://schemas.microsoft.com/office/drawing/2014/main" xmlns="" id="{CDBB7D83-509F-9F4C-0C3E-DBA2562E5520}"/>
                 </a:ext>
               </a:extLst>
             </p:cNvPr>
@@ -6681,7 +6679,7 @@
           <p:cNvPr id="24" name="TextBox 23">
             <a:extLst>
               <a:ext uri="{FF2B5EF4-FFF2-40B4-BE49-F238E27FC236}">
-                <a16:creationId xmlns:a16="http://schemas.microsoft.com/office/drawing/2014/main" id="{CB471B39-052C-65D2-3069-C74FA7421876}"/>
+                <a16:creationId xmlns:a16="http://schemas.microsoft.com/office/drawing/2014/main" xmlns="" id="{CB471B39-052C-65D2-3069-C74FA7421876}"/>
               </a:ext>
             </a:extLst>
           </p:cNvPr>
@@ -7351,7 +7349,7 @@
           <p:cNvPr id="8" name="직선 화살표 연결선 7">
             <a:extLst>
               <a:ext uri="{FF2B5EF4-FFF2-40B4-BE49-F238E27FC236}">
-                <a16:creationId xmlns:a16="http://schemas.microsoft.com/office/drawing/2014/main" id="{299DF5EC-9DF4-5255-06AC-0A7CE4FF58C3}"/>
+                <a16:creationId xmlns:a16="http://schemas.microsoft.com/office/drawing/2014/main" xmlns="" id="{299DF5EC-9DF4-5255-06AC-0A7CE4FF58C3}"/>
               </a:ext>
             </a:extLst>
           </p:cNvPr>
@@ -7392,7 +7390,7 @@
           <p:cNvPr id="9" name="직사각형 8">
             <a:extLst>
               <a:ext uri="{FF2B5EF4-FFF2-40B4-BE49-F238E27FC236}">
-                <a16:creationId xmlns:a16="http://schemas.microsoft.com/office/drawing/2014/main" id="{FFF506F9-840A-0508-4CAF-3AC711D8D5CE}"/>
+                <a16:creationId xmlns:a16="http://schemas.microsoft.com/office/drawing/2014/main" xmlns="" id="{FFF506F9-840A-0508-4CAF-3AC711D8D5CE}"/>
               </a:ext>
             </a:extLst>
           </p:cNvPr>
@@ -7444,7 +7442,7 @@
           <p:cNvPr id="10" name="TextBox 9">
             <a:extLst>
               <a:ext uri="{FF2B5EF4-FFF2-40B4-BE49-F238E27FC236}">
-                <a16:creationId xmlns:a16="http://schemas.microsoft.com/office/drawing/2014/main" id="{C6D113C6-EA5C-788F-0C77-E7CE6EBB865F}"/>
+                <a16:creationId xmlns:a16="http://schemas.microsoft.com/office/drawing/2014/main" xmlns="" id="{C6D113C6-EA5C-788F-0C77-E7CE6EBB865F}"/>
               </a:ext>
             </a:extLst>
           </p:cNvPr>
@@ -7492,7 +7490,7 @@
           <p:cNvPr id="12" name="직선 화살표 연결선 11">
             <a:extLst>
               <a:ext uri="{FF2B5EF4-FFF2-40B4-BE49-F238E27FC236}">
-                <a16:creationId xmlns:a16="http://schemas.microsoft.com/office/drawing/2014/main" id="{299DF5EC-9DF4-5255-06AC-0A7CE4FF58C3}"/>
+                <a16:creationId xmlns:a16="http://schemas.microsoft.com/office/drawing/2014/main" xmlns="" id="{299DF5EC-9DF4-5255-06AC-0A7CE4FF58C3}"/>
               </a:ext>
             </a:extLst>
           </p:cNvPr>
@@ -7533,7 +7531,7 @@
           <p:cNvPr id="13" name="직사각형 12">
             <a:extLst>
               <a:ext uri="{FF2B5EF4-FFF2-40B4-BE49-F238E27FC236}">
-                <a16:creationId xmlns:a16="http://schemas.microsoft.com/office/drawing/2014/main" id="{FFF506F9-840A-0508-4CAF-3AC711D8D5CE}"/>
+                <a16:creationId xmlns:a16="http://schemas.microsoft.com/office/drawing/2014/main" xmlns="" id="{FFF506F9-840A-0508-4CAF-3AC711D8D5CE}"/>
               </a:ext>
             </a:extLst>
           </p:cNvPr>
@@ -7585,7 +7583,7 @@
           <p:cNvPr id="14" name="TextBox 13">
             <a:extLst>
               <a:ext uri="{FF2B5EF4-FFF2-40B4-BE49-F238E27FC236}">
-                <a16:creationId xmlns:a16="http://schemas.microsoft.com/office/drawing/2014/main" id="{C6D113C6-EA5C-788F-0C77-E7CE6EBB865F}"/>
+                <a16:creationId xmlns:a16="http://schemas.microsoft.com/office/drawing/2014/main" xmlns="" id="{C6D113C6-EA5C-788F-0C77-E7CE6EBB865F}"/>
               </a:ext>
             </a:extLst>
           </p:cNvPr>
@@ -7633,7 +7631,7 @@
           <p:cNvPr id="15" name="직사각형 14">
             <a:extLst>
               <a:ext uri="{FF2B5EF4-FFF2-40B4-BE49-F238E27FC236}">
-                <a16:creationId xmlns:a16="http://schemas.microsoft.com/office/drawing/2014/main" id="{FFF506F9-840A-0508-4CAF-3AC711D8D5CE}"/>
+                <a16:creationId xmlns:a16="http://schemas.microsoft.com/office/drawing/2014/main" xmlns="" id="{FFF506F9-840A-0508-4CAF-3AC711D8D5CE}"/>
               </a:ext>
             </a:extLst>
           </p:cNvPr>
@@ -7685,7 +7683,7 @@
           <p:cNvPr id="16" name="직선 화살표 연결선 15">
             <a:extLst>
               <a:ext uri="{FF2B5EF4-FFF2-40B4-BE49-F238E27FC236}">
-                <a16:creationId xmlns:a16="http://schemas.microsoft.com/office/drawing/2014/main" id="{299DF5EC-9DF4-5255-06AC-0A7CE4FF58C3}"/>
+                <a16:creationId xmlns:a16="http://schemas.microsoft.com/office/drawing/2014/main" xmlns="" id="{299DF5EC-9DF4-5255-06AC-0A7CE4FF58C3}"/>
               </a:ext>
             </a:extLst>
           </p:cNvPr>
@@ -7726,7 +7724,7 @@
           <p:cNvPr id="17" name="TextBox 16">
             <a:extLst>
               <a:ext uri="{FF2B5EF4-FFF2-40B4-BE49-F238E27FC236}">
-                <a16:creationId xmlns:a16="http://schemas.microsoft.com/office/drawing/2014/main" id="{C6D113C6-EA5C-788F-0C77-E7CE6EBB865F}"/>
+                <a16:creationId xmlns:a16="http://schemas.microsoft.com/office/drawing/2014/main" xmlns="" id="{C6D113C6-EA5C-788F-0C77-E7CE6EBB865F}"/>
               </a:ext>
             </a:extLst>
           </p:cNvPr>
@@ -7774,7 +7772,7 @@
           <p:cNvPr id="18" name="TextBox 17">
             <a:extLst>
               <a:ext uri="{FF2B5EF4-FFF2-40B4-BE49-F238E27FC236}">
-                <a16:creationId xmlns:a16="http://schemas.microsoft.com/office/drawing/2014/main" id="{5ADC00B6-990A-40DC-3CEA-505258F5E8DA}"/>
+                <a16:creationId xmlns:a16="http://schemas.microsoft.com/office/drawing/2014/main" xmlns="" id="{5ADC00B6-990A-40DC-3CEA-505258F5E8DA}"/>
               </a:ext>
             </a:extLst>
           </p:cNvPr>
@@ -8226,7 +8224,7 @@
           <p:cNvPr id="8" name="TextBox 7">
             <a:extLst>
               <a:ext uri="{FF2B5EF4-FFF2-40B4-BE49-F238E27FC236}">
-                <a16:creationId xmlns:a16="http://schemas.microsoft.com/office/drawing/2014/main" id="{5ADC00B6-990A-40DC-3CEA-505258F5E8DA}"/>
+                <a16:creationId xmlns:a16="http://schemas.microsoft.com/office/drawing/2014/main" xmlns="" id="{5ADC00B6-990A-40DC-3CEA-505258F5E8DA}"/>
               </a:ext>
             </a:extLst>
           </p:cNvPr>
@@ -8274,7 +8272,7 @@
           <p:cNvPr id="2" name="TextBox 1">
             <a:extLst>
               <a:ext uri="{FF2B5EF4-FFF2-40B4-BE49-F238E27FC236}">
-                <a16:creationId xmlns:a16="http://schemas.microsoft.com/office/drawing/2014/main" id="{1B2E40E7-B15E-9EA6-EFD8-4ED90FD02024}"/>
+                <a16:creationId xmlns:a16="http://schemas.microsoft.com/office/drawing/2014/main" xmlns="" id="{1B2E40E7-B15E-9EA6-EFD8-4ED90FD02024}"/>
               </a:ext>
             </a:extLst>
           </p:cNvPr>
@@ -8594,7 +8592,7 @@
           <p:cNvPr id="2" name="TextBox 1">
             <a:extLst>
               <a:ext uri="{FF2B5EF4-FFF2-40B4-BE49-F238E27FC236}">
-                <a16:creationId xmlns:a16="http://schemas.microsoft.com/office/drawing/2014/main" id="{B695799D-94C1-CA9F-45DE-0CE5A8324559}"/>
+                <a16:creationId xmlns:a16="http://schemas.microsoft.com/office/drawing/2014/main" xmlns="" id="{B695799D-94C1-CA9F-45DE-0CE5A8324559}"/>
               </a:ext>
             </a:extLst>
           </p:cNvPr>
@@ -8898,7 +8896,7 @@
           <p:cNvPr id="4" name="TextBox 3">
             <a:extLst>
               <a:ext uri="{FF2B5EF4-FFF2-40B4-BE49-F238E27FC236}">
-                <a16:creationId xmlns:a16="http://schemas.microsoft.com/office/drawing/2014/main" id="{5ADC00B6-990A-40DC-3CEA-505258F5E8DA}"/>
+                <a16:creationId xmlns:a16="http://schemas.microsoft.com/office/drawing/2014/main" xmlns="" id="{5ADC00B6-990A-40DC-3CEA-505258F5E8DA}"/>
               </a:ext>
             </a:extLst>
           </p:cNvPr>
@@ -8970,7 +8968,7 @@
           <p:cNvPr id="6" name="TextBox 5">
             <a:extLst>
               <a:ext uri="{FF2B5EF4-FFF2-40B4-BE49-F238E27FC236}">
-                <a16:creationId xmlns:a16="http://schemas.microsoft.com/office/drawing/2014/main" id="{C6D113C6-EA5C-788F-0C77-E7CE6EBB865F}"/>
+                <a16:creationId xmlns:a16="http://schemas.microsoft.com/office/drawing/2014/main" xmlns="" id="{C6D113C6-EA5C-788F-0C77-E7CE6EBB865F}"/>
               </a:ext>
             </a:extLst>
           </p:cNvPr>
@@ -9308,7 +9306,7 @@
           <p:cNvPr id="11" name="TextBox 10">
             <a:extLst>
               <a:ext uri="{FF2B5EF4-FFF2-40B4-BE49-F238E27FC236}">
-                <a16:creationId xmlns:a16="http://schemas.microsoft.com/office/drawing/2014/main" id="{9F88F580-08BE-88C2-D640-13F0026591CB}"/>
+                <a16:creationId xmlns:a16="http://schemas.microsoft.com/office/drawing/2014/main" xmlns="" id="{9F88F580-08BE-88C2-D640-13F0026591CB}"/>
               </a:ext>
             </a:extLst>
           </p:cNvPr>
@@ -9376,7 +9374,7 @@
           <p:cNvPr id="13" name="TextBox 12">
             <a:extLst>
               <a:ext uri="{FF2B5EF4-FFF2-40B4-BE49-F238E27FC236}">
-                <a16:creationId xmlns:a16="http://schemas.microsoft.com/office/drawing/2014/main" id="{72769C28-9BB6-DE9C-7B6F-264B77B8DD0E}"/>
+                <a16:creationId xmlns:a16="http://schemas.microsoft.com/office/drawing/2014/main" xmlns="" id="{72769C28-9BB6-DE9C-7B6F-264B77B8DD0E}"/>
               </a:ext>
             </a:extLst>
           </p:cNvPr>
@@ -9424,7 +9422,7 @@
           <p:cNvPr id="14" name="TextBox 13">
             <a:extLst>
               <a:ext uri="{FF2B5EF4-FFF2-40B4-BE49-F238E27FC236}">
-                <a16:creationId xmlns:a16="http://schemas.microsoft.com/office/drawing/2014/main" id="{270FBB6A-01CE-5637-78DA-58F0C974145C}"/>
+                <a16:creationId xmlns:a16="http://schemas.microsoft.com/office/drawing/2014/main" xmlns="" id="{270FBB6A-01CE-5637-78DA-58F0C974145C}"/>
               </a:ext>
             </a:extLst>
           </p:cNvPr>
@@ -9472,7 +9470,7 @@
           <p:cNvPr id="2" name="Object 17">
             <a:extLst>
               <a:ext uri="{FF2B5EF4-FFF2-40B4-BE49-F238E27FC236}">
-                <a16:creationId xmlns:a16="http://schemas.microsoft.com/office/drawing/2014/main" id="{140B283D-FE58-FA6F-6F7C-E0F1DBB62A65}"/>
+                <a16:creationId xmlns:a16="http://schemas.microsoft.com/office/drawing/2014/main" xmlns="" id="{140B283D-FE58-FA6F-6F7C-E0F1DBB62A65}"/>
               </a:ext>
             </a:extLst>
           </p:cNvPr>
@@ -9502,7 +9500,7 @@
           <p:cNvPr id="4" name="TextBox 3">
             <a:extLst>
               <a:ext uri="{FF2B5EF4-FFF2-40B4-BE49-F238E27FC236}">
-                <a16:creationId xmlns:a16="http://schemas.microsoft.com/office/drawing/2014/main" id="{2C8D0998-79BC-6FD2-59D9-8052B4A25F65}"/>
+                <a16:creationId xmlns:a16="http://schemas.microsoft.com/office/drawing/2014/main" xmlns="" id="{2C8D0998-79BC-6FD2-59D9-8052B4A25F65}"/>
               </a:ext>
             </a:extLst>
           </p:cNvPr>
@@ -9560,7 +9558,7 @@
           <p:cNvPr id="5" name="Object 18">
             <a:extLst>
               <a:ext uri="{FF2B5EF4-FFF2-40B4-BE49-F238E27FC236}">
-                <a16:creationId xmlns:a16="http://schemas.microsoft.com/office/drawing/2014/main" id="{3F58EA3E-1018-64D3-FAB2-4F6B9618FA56}"/>
+                <a16:creationId xmlns:a16="http://schemas.microsoft.com/office/drawing/2014/main" xmlns="" id="{3F58EA3E-1018-64D3-FAB2-4F6B9618FA56}"/>
               </a:ext>
             </a:extLst>
           </p:cNvPr>
@@ -9590,7 +9588,7 @@
           <p:cNvPr id="8" name="TextBox 7">
             <a:extLst>
               <a:ext uri="{FF2B5EF4-FFF2-40B4-BE49-F238E27FC236}">
-                <a16:creationId xmlns:a16="http://schemas.microsoft.com/office/drawing/2014/main" id="{681D3F16-7DCF-41AD-F5F1-0558C78C0E4D}"/>
+                <a16:creationId xmlns:a16="http://schemas.microsoft.com/office/drawing/2014/main" xmlns="" id="{681D3F16-7DCF-41AD-F5F1-0558C78C0E4D}"/>
               </a:ext>
             </a:extLst>
           </p:cNvPr>
@@ -10038,7 +10036,7 @@
           <p:cNvPr id="104" name="TextBox 103">
             <a:extLst>
               <a:ext uri="{FF2B5EF4-FFF2-40B4-BE49-F238E27FC236}">
-                <a16:creationId xmlns:a16="http://schemas.microsoft.com/office/drawing/2014/main" id="{5ADC00B6-990A-40DC-3CEA-505258F5E8DA}"/>
+                <a16:creationId xmlns:a16="http://schemas.microsoft.com/office/drawing/2014/main" xmlns="" id="{5ADC00B6-990A-40DC-3CEA-505258F5E8DA}"/>
               </a:ext>
             </a:extLst>
           </p:cNvPr>
@@ -10086,7 +10084,7 @@
           <p:cNvPr id="105" name="TextBox 104">
             <a:extLst>
               <a:ext uri="{FF2B5EF4-FFF2-40B4-BE49-F238E27FC236}">
-                <a16:creationId xmlns:a16="http://schemas.microsoft.com/office/drawing/2014/main" id="{5ADC00B6-990A-40DC-3CEA-505258F5E8DA}"/>
+                <a16:creationId xmlns:a16="http://schemas.microsoft.com/office/drawing/2014/main" xmlns="" id="{5ADC00B6-990A-40DC-3CEA-505258F5E8DA}"/>
               </a:ext>
             </a:extLst>
           </p:cNvPr>
@@ -10134,7 +10132,7 @@
           <p:cNvPr id="106" name="TextBox 105">
             <a:extLst>
               <a:ext uri="{FF2B5EF4-FFF2-40B4-BE49-F238E27FC236}">
-                <a16:creationId xmlns:a16="http://schemas.microsoft.com/office/drawing/2014/main" id="{A2AD056B-97A4-5BCC-4460-250160F3E171}"/>
+                <a16:creationId xmlns:a16="http://schemas.microsoft.com/office/drawing/2014/main" xmlns="" id="{A2AD056B-97A4-5BCC-4460-250160F3E171}"/>
               </a:ext>
             </a:extLst>
           </p:cNvPr>
@@ -10201,7 +10199,7 @@
           <p:cNvPr id="107" name="TextBox 106">
             <a:extLst>
               <a:ext uri="{FF2B5EF4-FFF2-40B4-BE49-F238E27FC236}">
-                <a16:creationId xmlns:a16="http://schemas.microsoft.com/office/drawing/2014/main" id="{A2AD056B-97A4-5BCC-4460-250160F3E171}"/>
+                <a16:creationId xmlns:a16="http://schemas.microsoft.com/office/drawing/2014/main" xmlns="" id="{A2AD056B-97A4-5BCC-4460-250160F3E171}"/>
               </a:ext>
             </a:extLst>
           </p:cNvPr>
@@ -10268,7 +10266,7 @@
           <p:cNvPr id="108" name="TextBox 107">
             <a:extLst>
               <a:ext uri="{FF2B5EF4-FFF2-40B4-BE49-F238E27FC236}">
-                <a16:creationId xmlns:a16="http://schemas.microsoft.com/office/drawing/2014/main" id="{A2AD056B-97A4-5BCC-4460-250160F3E171}"/>
+                <a16:creationId xmlns:a16="http://schemas.microsoft.com/office/drawing/2014/main" xmlns="" id="{A2AD056B-97A4-5BCC-4460-250160F3E171}"/>
               </a:ext>
             </a:extLst>
           </p:cNvPr>
@@ -10348,7 +10346,7 @@
           <p:cNvPr id="109" name="TextBox 108">
             <a:extLst>
               <a:ext uri="{FF2B5EF4-FFF2-40B4-BE49-F238E27FC236}">
-                <a16:creationId xmlns:a16="http://schemas.microsoft.com/office/drawing/2014/main" id="{A2AD056B-97A4-5BCC-4460-250160F3E171}"/>
+                <a16:creationId xmlns:a16="http://schemas.microsoft.com/office/drawing/2014/main" xmlns="" id="{A2AD056B-97A4-5BCC-4460-250160F3E171}"/>
               </a:ext>
             </a:extLst>
           </p:cNvPr>
@@ -10405,7 +10403,7 @@
           <p:cNvPr id="110" name="TextBox 109">
             <a:extLst>
               <a:ext uri="{FF2B5EF4-FFF2-40B4-BE49-F238E27FC236}">
-                <a16:creationId xmlns:a16="http://schemas.microsoft.com/office/drawing/2014/main" id="{A2AD056B-97A4-5BCC-4460-250160F3E171}"/>
+                <a16:creationId xmlns:a16="http://schemas.microsoft.com/office/drawing/2014/main" xmlns="" id="{A2AD056B-97A4-5BCC-4460-250160F3E171}"/>
               </a:ext>
             </a:extLst>
           </p:cNvPr>
@@ -10459,7 +10457,7 @@
           <p:cNvPr id="111" name="TextBox 110">
             <a:extLst>
               <a:ext uri="{FF2B5EF4-FFF2-40B4-BE49-F238E27FC236}">
-                <a16:creationId xmlns:a16="http://schemas.microsoft.com/office/drawing/2014/main" id="{A2AD056B-97A4-5BCC-4460-250160F3E171}"/>
+                <a16:creationId xmlns:a16="http://schemas.microsoft.com/office/drawing/2014/main" xmlns="" id="{A2AD056B-97A4-5BCC-4460-250160F3E171}"/>
               </a:ext>
             </a:extLst>
           </p:cNvPr>
@@ -10595,7 +10593,7 @@
           <p:cNvPr id="4" name="TextBox 3">
             <a:extLst>
               <a:ext uri="{FF2B5EF4-FFF2-40B4-BE49-F238E27FC236}">
-                <a16:creationId xmlns:a16="http://schemas.microsoft.com/office/drawing/2014/main" id="{5ADC00B6-990A-40DC-3CEA-505258F5E8DA}"/>
+                <a16:creationId xmlns:a16="http://schemas.microsoft.com/office/drawing/2014/main" xmlns="" id="{5ADC00B6-990A-40DC-3CEA-505258F5E8DA}"/>
               </a:ext>
             </a:extLst>
           </p:cNvPr>
@@ -10646,7 +10644,7 @@
           <p:cNvPr id="2" name="TextBox 1">
             <a:extLst>
               <a:ext uri="{FF2B5EF4-FFF2-40B4-BE49-F238E27FC236}">
-                <a16:creationId xmlns:a16="http://schemas.microsoft.com/office/drawing/2014/main" id="{4466AA1F-9098-4B5C-E98B-FF40B15DCDE3}"/>
+                <a16:creationId xmlns:a16="http://schemas.microsoft.com/office/drawing/2014/main" xmlns="" id="{4466AA1F-9098-4B5C-E98B-FF40B15DCDE3}"/>
               </a:ext>
             </a:extLst>
           </p:cNvPr>
@@ -11095,7 +11093,7 @@
           <p:cNvPr id="7" name="그림 6">
             <a:extLst>
               <a:ext uri="{FF2B5EF4-FFF2-40B4-BE49-F238E27FC236}">
-                <a16:creationId xmlns:a16="http://schemas.microsoft.com/office/drawing/2014/main" id="{72C5CAD3-6601-2262-55D4-98A13B10F302}"/>
+                <a16:creationId xmlns:a16="http://schemas.microsoft.com/office/drawing/2014/main" xmlns="" id="{72C5CAD3-6601-2262-55D4-98A13B10F302}"/>
               </a:ext>
             </a:extLst>
           </p:cNvPr>
@@ -11125,7 +11123,7 @@
           <p:cNvPr id="9" name="그림 8">
             <a:extLst>
               <a:ext uri="{FF2B5EF4-FFF2-40B4-BE49-F238E27FC236}">
-                <a16:creationId xmlns:a16="http://schemas.microsoft.com/office/drawing/2014/main" id="{B07AF2DA-9563-061F-1C99-ED0CC1E657AB}"/>
+                <a16:creationId xmlns:a16="http://schemas.microsoft.com/office/drawing/2014/main" xmlns="" id="{B07AF2DA-9563-061F-1C99-ED0CC1E657AB}"/>
               </a:ext>
             </a:extLst>
           </p:cNvPr>
@@ -11155,7 +11153,7 @@
           <p:cNvPr id="10" name="그림 9">
             <a:extLst>
               <a:ext uri="{FF2B5EF4-FFF2-40B4-BE49-F238E27FC236}">
-                <a16:creationId xmlns:a16="http://schemas.microsoft.com/office/drawing/2014/main" id="{237FE5FE-73A4-460A-C18F-2B34149F6488}"/>
+                <a16:creationId xmlns:a16="http://schemas.microsoft.com/office/drawing/2014/main" xmlns="" id="{237FE5FE-73A4-460A-C18F-2B34149F6488}"/>
               </a:ext>
             </a:extLst>
           </p:cNvPr>
@@ -11197,7 +11195,7 @@
           <p:cNvPr id="11" name="그림 10">
             <a:extLst>
               <a:ext uri="{FF2B5EF4-FFF2-40B4-BE49-F238E27FC236}">
-                <a16:creationId xmlns:a16="http://schemas.microsoft.com/office/drawing/2014/main" id="{73CCAE62-C79A-BA88-4EA8-6DC6F053160D}"/>
+                <a16:creationId xmlns:a16="http://schemas.microsoft.com/office/drawing/2014/main" xmlns="" id="{73CCAE62-C79A-BA88-4EA8-6DC6F053160D}"/>
               </a:ext>
             </a:extLst>
           </p:cNvPr>
@@ -11269,7 +11267,7 @@
           <p:cNvPr id="4" name="TextBox 3">
             <a:extLst>
               <a:ext uri="{FF2B5EF4-FFF2-40B4-BE49-F238E27FC236}">
-                <a16:creationId xmlns:a16="http://schemas.microsoft.com/office/drawing/2014/main" id="{54C72A80-3131-1BEE-91F5-8BB94F20F622}"/>
+                <a16:creationId xmlns:a16="http://schemas.microsoft.com/office/drawing/2014/main" xmlns="" id="{54C72A80-3131-1BEE-91F5-8BB94F20F622}"/>
               </a:ext>
             </a:extLst>
           </p:cNvPr>
@@ -11412,7 +11410,7 @@
           <p:cNvPr id="5" name="표 4">
             <a:extLst>
               <a:ext uri="{FF2B5EF4-FFF2-40B4-BE49-F238E27FC236}">
-                <a16:creationId xmlns:a16="http://schemas.microsoft.com/office/drawing/2014/main" id="{9BF22145-FC6D-D18A-3911-E9625B6CE794}"/>
+                <a16:creationId xmlns:a16="http://schemas.microsoft.com/office/drawing/2014/main" xmlns="" id="{9BF22145-FC6D-D18A-3911-E9625B6CE794}"/>
               </a:ext>
             </a:extLst>
           </p:cNvPr>
@@ -11441,21 +11439,21 @@
                 <a:gridCol w="1768593">
                   <a:extLst>
                     <a:ext uri="{9D8B030D-6E8A-4147-A177-3AD203B41FA5}">
-                      <a16:colId xmlns:a16="http://schemas.microsoft.com/office/drawing/2014/main" val="1278239369"/>
+                      <a16:colId xmlns:a16="http://schemas.microsoft.com/office/drawing/2014/main" xmlns="" val="1278239369"/>
                     </a:ext>
                   </a:extLst>
                 </a:gridCol>
                 <a:gridCol w="2122311">
                   <a:extLst>
                     <a:ext uri="{9D8B030D-6E8A-4147-A177-3AD203B41FA5}">
-                      <a16:colId xmlns:a16="http://schemas.microsoft.com/office/drawing/2014/main" val="1054292436"/>
+                      <a16:colId xmlns:a16="http://schemas.microsoft.com/office/drawing/2014/main" xmlns="" val="1054292436"/>
                     </a:ext>
                   </a:extLst>
                 </a:gridCol>
                 <a:gridCol w="3271897">
                   <a:extLst>
                     <a:ext uri="{9D8B030D-6E8A-4147-A177-3AD203B41FA5}">
-                      <a16:colId xmlns:a16="http://schemas.microsoft.com/office/drawing/2014/main" val="225730716"/>
+                      <a16:colId xmlns:a16="http://schemas.microsoft.com/office/drawing/2014/main" xmlns="" val="225730716"/>
                     </a:ext>
                   </a:extLst>
                 </a:gridCol>
@@ -11643,7 +11641,7 @@
                 </a:tc>
                 <a:extLst>
                   <a:ext uri="{0D108BD9-81ED-4DB2-BD59-A6C34878D82A}">
-                    <a16:rowId xmlns:a16="http://schemas.microsoft.com/office/drawing/2014/main" val="2654211035"/>
+                    <a16:rowId xmlns:a16="http://schemas.microsoft.com/office/drawing/2014/main" xmlns="" val="2654211035"/>
                   </a:ext>
                 </a:extLst>
               </a:tr>
@@ -11862,7 +11860,7 @@
                 </a:tc>
                 <a:extLst>
                   <a:ext uri="{0D108BD9-81ED-4DB2-BD59-A6C34878D82A}">
-                    <a16:rowId xmlns:a16="http://schemas.microsoft.com/office/drawing/2014/main" val="2013197181"/>
+                    <a16:rowId xmlns:a16="http://schemas.microsoft.com/office/drawing/2014/main" xmlns="" val="2013197181"/>
                   </a:ext>
                 </a:extLst>
               </a:tr>
@@ -12108,7 +12106,7 @@
                 </a:tc>
                 <a:extLst>
                   <a:ext uri="{0D108BD9-81ED-4DB2-BD59-A6C34878D82A}">
-                    <a16:rowId xmlns:a16="http://schemas.microsoft.com/office/drawing/2014/main" val="10002"/>
+                    <a16:rowId xmlns:a16="http://schemas.microsoft.com/office/drawing/2014/main" xmlns="" val="10002"/>
                   </a:ext>
                 </a:extLst>
               </a:tr>
@@ -12317,7 +12315,7 @@
                 </a:tc>
                 <a:extLst>
                   <a:ext uri="{0D108BD9-81ED-4DB2-BD59-A6C34878D82A}">
-                    <a16:rowId xmlns:a16="http://schemas.microsoft.com/office/drawing/2014/main" val="2280857763"/>
+                    <a16:rowId xmlns:a16="http://schemas.microsoft.com/office/drawing/2014/main" xmlns="" val="2280857763"/>
                   </a:ext>
                 </a:extLst>
               </a:tr>
@@ -12501,7 +12499,7 @@
                 </a:tc>
                 <a:extLst>
                   <a:ext uri="{0D108BD9-81ED-4DB2-BD59-A6C34878D82A}">
-                    <a16:rowId xmlns:a16="http://schemas.microsoft.com/office/drawing/2014/main" val="1463387718"/>
+                    <a16:rowId xmlns:a16="http://schemas.microsoft.com/office/drawing/2014/main" xmlns="" val="1463387718"/>
                   </a:ext>
                 </a:extLst>
               </a:tr>
@@ -12562,7 +12560,7 @@
           <p:cNvPr id="3" name="그림 2">
             <a:extLst>
               <a:ext uri="{FF2B5EF4-FFF2-40B4-BE49-F238E27FC236}">
-                <a16:creationId xmlns:a16="http://schemas.microsoft.com/office/drawing/2014/main" id="{0923DFA7-A093-8BEE-D1D2-0072FE83A3CC}"/>
+                <a16:creationId xmlns:a16="http://schemas.microsoft.com/office/drawing/2014/main" xmlns="" id="{0923DFA7-A093-8BEE-D1D2-0072FE83A3CC}"/>
               </a:ext>
             </a:extLst>
           </p:cNvPr>
@@ -12622,7 +12620,7 @@
           <p:cNvPr id="9" name="그림 8">
             <a:extLst>
               <a:ext uri="{FF2B5EF4-FFF2-40B4-BE49-F238E27FC236}">
-                <a16:creationId xmlns:a16="http://schemas.microsoft.com/office/drawing/2014/main" id="{48C8AD1C-41CC-C6CB-2FBA-8CFE37A739E4}"/>
+                <a16:creationId xmlns:a16="http://schemas.microsoft.com/office/drawing/2014/main" xmlns="" id="{48C8AD1C-41CC-C6CB-2FBA-8CFE37A739E4}"/>
               </a:ext>
             </a:extLst>
           </p:cNvPr>
@@ -12652,7 +12650,7 @@
           <p:cNvPr id="11" name="그림 10">
             <a:extLst>
               <a:ext uri="{FF2B5EF4-FFF2-40B4-BE49-F238E27FC236}">
-                <a16:creationId xmlns:a16="http://schemas.microsoft.com/office/drawing/2014/main" id="{06D3336B-16C2-810F-B9F0-FF9A549A0BD3}"/>
+                <a16:creationId xmlns:a16="http://schemas.microsoft.com/office/drawing/2014/main" xmlns="" id="{06D3336B-16C2-810F-B9F0-FF9A549A0BD3}"/>
               </a:ext>
             </a:extLst>
           </p:cNvPr>
@@ -12682,7 +12680,7 @@
           <p:cNvPr id="13" name="그림 12">
             <a:extLst>
               <a:ext uri="{FF2B5EF4-FFF2-40B4-BE49-F238E27FC236}">
-                <a16:creationId xmlns:a16="http://schemas.microsoft.com/office/drawing/2014/main" id="{09697E52-07D3-F4D8-6405-1B8B7906EB97}"/>
+                <a16:creationId xmlns:a16="http://schemas.microsoft.com/office/drawing/2014/main" xmlns="" id="{09697E52-07D3-F4D8-6405-1B8B7906EB97}"/>
               </a:ext>
             </a:extLst>
           </p:cNvPr>
@@ -12712,7 +12710,7 @@
           <p:cNvPr id="14" name="직사각형 13">
             <a:extLst>
               <a:ext uri="{FF2B5EF4-FFF2-40B4-BE49-F238E27FC236}">
-                <a16:creationId xmlns:a16="http://schemas.microsoft.com/office/drawing/2014/main" id="{1DA5602A-2EEA-8A84-7CBB-19F9A1938E18}"/>
+                <a16:creationId xmlns:a16="http://schemas.microsoft.com/office/drawing/2014/main" xmlns="" id="{1DA5602A-2EEA-8A84-7CBB-19F9A1938E18}"/>
               </a:ext>
             </a:extLst>
           </p:cNvPr>
@@ -12959,7 +12957,7 @@
           <p:cNvPr id="4" name="TextBox 3">
             <a:extLst>
               <a:ext uri="{FF2B5EF4-FFF2-40B4-BE49-F238E27FC236}">
-                <a16:creationId xmlns:a16="http://schemas.microsoft.com/office/drawing/2014/main" id="{977D0E5D-2B21-3701-B400-D1B6B86913C5}"/>
+                <a16:creationId xmlns:a16="http://schemas.microsoft.com/office/drawing/2014/main" xmlns="" id="{977D0E5D-2B21-3701-B400-D1B6B86913C5}"/>
               </a:ext>
             </a:extLst>
           </p:cNvPr>
@@ -13432,7 +13430,7 @@
           <p:cNvPr id="6" name="그룹 1018">
             <a:extLst>
               <a:ext uri="{FF2B5EF4-FFF2-40B4-BE49-F238E27FC236}">
-                <a16:creationId xmlns:a16="http://schemas.microsoft.com/office/drawing/2014/main" id="{FF6D0813-174C-2AEF-7FE3-84BE351DB13F}"/>
+                <a16:creationId xmlns:a16="http://schemas.microsoft.com/office/drawing/2014/main" xmlns="" id="{FF6D0813-174C-2AEF-7FE3-84BE351DB13F}"/>
               </a:ext>
             </a:extLst>
           </p:cNvPr>
@@ -13452,7 +13450,7 @@
             <p:cNvPr id="7" name="Object 61">
               <a:extLst>
                 <a:ext uri="{FF2B5EF4-FFF2-40B4-BE49-F238E27FC236}">
-                  <a16:creationId xmlns:a16="http://schemas.microsoft.com/office/drawing/2014/main" id="{1CC1D4DA-CAEC-480A-11F0-8148A6DB0742}"/>
+                  <a16:creationId xmlns:a16="http://schemas.microsoft.com/office/drawing/2014/main" xmlns="" id="{1CC1D4DA-CAEC-480A-11F0-8148A6DB0742}"/>
                 </a:ext>
               </a:extLst>
             </p:cNvPr>
@@ -13483,7 +13481,7 @@
           <p:cNvPr id="8" name="그룹 1021">
             <a:extLst>
               <a:ext uri="{FF2B5EF4-FFF2-40B4-BE49-F238E27FC236}">
-                <a16:creationId xmlns:a16="http://schemas.microsoft.com/office/drawing/2014/main" id="{72567BE2-4142-1507-51C7-02AD44A47DD9}"/>
+                <a16:creationId xmlns:a16="http://schemas.microsoft.com/office/drawing/2014/main" xmlns="" id="{72567BE2-4142-1507-51C7-02AD44A47DD9}"/>
               </a:ext>
             </a:extLst>
           </p:cNvPr>
@@ -13503,7 +13501,7 @@
             <p:cNvPr id="9" name="Object 71">
               <a:extLst>
                 <a:ext uri="{FF2B5EF4-FFF2-40B4-BE49-F238E27FC236}">
-                  <a16:creationId xmlns:a16="http://schemas.microsoft.com/office/drawing/2014/main" id="{6CBB375A-1078-96AD-A230-8D0F546371AE}"/>
+                  <a16:creationId xmlns:a16="http://schemas.microsoft.com/office/drawing/2014/main" xmlns="" id="{6CBB375A-1078-96AD-A230-8D0F546371AE}"/>
                 </a:ext>
               </a:extLst>
             </p:cNvPr>
@@ -13534,7 +13532,7 @@
           <p:cNvPr id="10" name="그룹 1024">
             <a:extLst>
               <a:ext uri="{FF2B5EF4-FFF2-40B4-BE49-F238E27FC236}">
-                <a16:creationId xmlns:a16="http://schemas.microsoft.com/office/drawing/2014/main" id="{63321723-62E2-1BED-BC51-1AE6B794C21A}"/>
+                <a16:creationId xmlns:a16="http://schemas.microsoft.com/office/drawing/2014/main" xmlns="" id="{63321723-62E2-1BED-BC51-1AE6B794C21A}"/>
               </a:ext>
             </a:extLst>
           </p:cNvPr>
@@ -13554,7 +13552,7 @@
             <p:cNvPr id="11" name="Object 81">
               <a:extLst>
                 <a:ext uri="{FF2B5EF4-FFF2-40B4-BE49-F238E27FC236}">
-                  <a16:creationId xmlns:a16="http://schemas.microsoft.com/office/drawing/2014/main" id="{FF21B703-2154-73EB-EFE3-403DB42CEF86}"/>
+                  <a16:creationId xmlns:a16="http://schemas.microsoft.com/office/drawing/2014/main" xmlns="" id="{FF21B703-2154-73EB-EFE3-403DB42CEF86}"/>
                 </a:ext>
               </a:extLst>
             </p:cNvPr>
@@ -13585,7 +13583,7 @@
           <p:cNvPr id="13" name="TextBox 12">
             <a:extLst>
               <a:ext uri="{FF2B5EF4-FFF2-40B4-BE49-F238E27FC236}">
-                <a16:creationId xmlns:a16="http://schemas.microsoft.com/office/drawing/2014/main" id="{D0722A3F-9C07-13EF-33C8-2013F2F3B499}"/>
+                <a16:creationId xmlns:a16="http://schemas.microsoft.com/office/drawing/2014/main" xmlns="" id="{D0722A3F-9C07-13EF-33C8-2013F2F3B499}"/>
               </a:ext>
             </a:extLst>
           </p:cNvPr>
@@ -13633,7 +13631,7 @@
           <p:cNvPr id="14" name="TextBox 13">
             <a:extLst>
               <a:ext uri="{FF2B5EF4-FFF2-40B4-BE49-F238E27FC236}">
-                <a16:creationId xmlns:a16="http://schemas.microsoft.com/office/drawing/2014/main" id="{2C2687E4-55C4-46C9-3639-4A50B8AF6A20}"/>
+                <a16:creationId xmlns:a16="http://schemas.microsoft.com/office/drawing/2014/main" xmlns="" id="{2C2687E4-55C4-46C9-3639-4A50B8AF6A20}"/>
               </a:ext>
             </a:extLst>
           </p:cNvPr>
@@ -13681,7 +13679,7 @@
           <p:cNvPr id="15" name="TextBox 14">
             <a:extLst>
               <a:ext uri="{FF2B5EF4-FFF2-40B4-BE49-F238E27FC236}">
-                <a16:creationId xmlns:a16="http://schemas.microsoft.com/office/drawing/2014/main" id="{96CB367E-6999-25FC-D777-1F8582B9351B}"/>
+                <a16:creationId xmlns:a16="http://schemas.microsoft.com/office/drawing/2014/main" xmlns="" id="{96CB367E-6999-25FC-D777-1F8582B9351B}"/>
               </a:ext>
             </a:extLst>
           </p:cNvPr>
@@ -13729,7 +13727,7 @@
           <p:cNvPr id="16" name="직선 화살표 연결선 15">
             <a:extLst>
               <a:ext uri="{FF2B5EF4-FFF2-40B4-BE49-F238E27FC236}">
-                <a16:creationId xmlns:a16="http://schemas.microsoft.com/office/drawing/2014/main" id="{CC609457-2107-75A0-2F00-A0E67DEB2838}"/>
+                <a16:creationId xmlns:a16="http://schemas.microsoft.com/office/drawing/2014/main" xmlns="" id="{CC609457-2107-75A0-2F00-A0E67DEB2838}"/>
               </a:ext>
             </a:extLst>
           </p:cNvPr>
@@ -13772,7 +13770,7 @@
           <p:cNvPr id="17" name="직선 화살표 연결선 16">
             <a:extLst>
               <a:ext uri="{FF2B5EF4-FFF2-40B4-BE49-F238E27FC236}">
-                <a16:creationId xmlns:a16="http://schemas.microsoft.com/office/drawing/2014/main" id="{55D90E96-AA0B-76A3-FCFC-15783D2FBFC3}"/>
+                <a16:creationId xmlns:a16="http://schemas.microsoft.com/office/drawing/2014/main" xmlns="" id="{55D90E96-AA0B-76A3-FCFC-15783D2FBFC3}"/>
               </a:ext>
             </a:extLst>
           </p:cNvPr>
@@ -13814,7 +13812,7 @@
           <p:cNvPr id="18" name="직선 화살표 연결선 17">
             <a:extLst>
               <a:ext uri="{FF2B5EF4-FFF2-40B4-BE49-F238E27FC236}">
-                <a16:creationId xmlns:a16="http://schemas.microsoft.com/office/drawing/2014/main" id="{075EBFC3-8A3D-CB55-A397-FDDB8D6684CB}"/>
+                <a16:creationId xmlns:a16="http://schemas.microsoft.com/office/drawing/2014/main" xmlns="" id="{075EBFC3-8A3D-CB55-A397-FDDB8D6684CB}"/>
               </a:ext>
             </a:extLst>
           </p:cNvPr>
@@ -13857,7 +13855,7 @@
           <p:cNvPr id="20" name="그룹 1021">
             <a:extLst>
               <a:ext uri="{FF2B5EF4-FFF2-40B4-BE49-F238E27FC236}">
-                <a16:creationId xmlns:a16="http://schemas.microsoft.com/office/drawing/2014/main" id="{3B7AC103-DB0D-2EC0-2927-68EB5A23CFC5}"/>
+                <a16:creationId xmlns:a16="http://schemas.microsoft.com/office/drawing/2014/main" xmlns="" id="{3B7AC103-DB0D-2EC0-2927-68EB5A23CFC5}"/>
               </a:ext>
             </a:extLst>
           </p:cNvPr>
@@ -13877,7 +13875,7 @@
             <p:cNvPr id="21" name="Object 71">
               <a:extLst>
                 <a:ext uri="{FF2B5EF4-FFF2-40B4-BE49-F238E27FC236}">
-                  <a16:creationId xmlns:a16="http://schemas.microsoft.com/office/drawing/2014/main" id="{7BA0A3B2-1A1D-CB2E-6589-4B82F0F472E3}"/>
+                  <a16:creationId xmlns:a16="http://schemas.microsoft.com/office/drawing/2014/main" xmlns="" id="{7BA0A3B2-1A1D-CB2E-6589-4B82F0F472E3}"/>
                 </a:ext>
               </a:extLst>
             </p:cNvPr>
@@ -13908,7 +13906,7 @@
           <p:cNvPr id="22" name="TextBox 21">
             <a:extLst>
               <a:ext uri="{FF2B5EF4-FFF2-40B4-BE49-F238E27FC236}">
-                <a16:creationId xmlns:a16="http://schemas.microsoft.com/office/drawing/2014/main" id="{D98C665C-D69B-4557-A621-332E8BC5BD44}"/>
+                <a16:creationId xmlns:a16="http://schemas.microsoft.com/office/drawing/2014/main" xmlns="" id="{D98C665C-D69B-4557-A621-332E8BC5BD44}"/>
               </a:ext>
             </a:extLst>
           </p:cNvPr>
@@ -13956,7 +13954,7 @@
           <p:cNvPr id="23" name="그룹 1021">
             <a:extLst>
               <a:ext uri="{FF2B5EF4-FFF2-40B4-BE49-F238E27FC236}">
-                <a16:creationId xmlns:a16="http://schemas.microsoft.com/office/drawing/2014/main" id="{2B6256D3-01DD-B519-81CE-63FC43E28B52}"/>
+                <a16:creationId xmlns:a16="http://schemas.microsoft.com/office/drawing/2014/main" xmlns="" id="{2B6256D3-01DD-B519-81CE-63FC43E28B52}"/>
               </a:ext>
             </a:extLst>
           </p:cNvPr>
@@ -13976,7 +13974,7 @@
             <p:cNvPr id="24" name="Object 71">
               <a:extLst>
                 <a:ext uri="{FF2B5EF4-FFF2-40B4-BE49-F238E27FC236}">
-                  <a16:creationId xmlns:a16="http://schemas.microsoft.com/office/drawing/2014/main" id="{3999A018-81A5-EEDD-8EFB-77A6DBBC66EC}"/>
+                  <a16:creationId xmlns:a16="http://schemas.microsoft.com/office/drawing/2014/main" xmlns="" id="{3999A018-81A5-EEDD-8EFB-77A6DBBC66EC}"/>
                 </a:ext>
               </a:extLst>
             </p:cNvPr>
@@ -14007,7 +14005,7 @@
           <p:cNvPr id="25" name="TextBox 24">
             <a:extLst>
               <a:ext uri="{FF2B5EF4-FFF2-40B4-BE49-F238E27FC236}">
-                <a16:creationId xmlns:a16="http://schemas.microsoft.com/office/drawing/2014/main" id="{2BB88292-94F9-5DB8-CB9E-2AED0638CE03}"/>
+                <a16:creationId xmlns:a16="http://schemas.microsoft.com/office/drawing/2014/main" xmlns="" id="{2BB88292-94F9-5DB8-CB9E-2AED0638CE03}"/>
               </a:ext>
             </a:extLst>
           </p:cNvPr>
@@ -14055,7 +14053,7 @@
           <p:cNvPr id="26" name="TextBox 25">
             <a:extLst>
               <a:ext uri="{FF2B5EF4-FFF2-40B4-BE49-F238E27FC236}">
-                <a16:creationId xmlns:a16="http://schemas.microsoft.com/office/drawing/2014/main" id="{060D95C2-B256-7857-7EE3-5CEB710E4DBE}"/>
+                <a16:creationId xmlns:a16="http://schemas.microsoft.com/office/drawing/2014/main" xmlns="" id="{060D95C2-B256-7857-7EE3-5CEB710E4DBE}"/>
               </a:ext>
             </a:extLst>
           </p:cNvPr>
@@ -14107,7 +14105,7 @@
           <p:cNvPr id="27" name="직선 화살표 연결선 26">
             <a:extLst>
               <a:ext uri="{FF2B5EF4-FFF2-40B4-BE49-F238E27FC236}">
-                <a16:creationId xmlns:a16="http://schemas.microsoft.com/office/drawing/2014/main" id="{D5E72D79-1A7F-84E5-FD79-44305EF53B3A}"/>
+                <a16:creationId xmlns:a16="http://schemas.microsoft.com/office/drawing/2014/main" xmlns="" id="{D5E72D79-1A7F-84E5-FD79-44305EF53B3A}"/>
               </a:ext>
             </a:extLst>
           </p:cNvPr>
@@ -14148,7 +14146,7 @@
           <p:cNvPr id="33" name="직사각형 32">
             <a:extLst>
               <a:ext uri="{FF2B5EF4-FFF2-40B4-BE49-F238E27FC236}">
-                <a16:creationId xmlns:a16="http://schemas.microsoft.com/office/drawing/2014/main" id="{F1C42333-BA8B-4BAB-2ECA-18FB7ED2E539}"/>
+                <a16:creationId xmlns:a16="http://schemas.microsoft.com/office/drawing/2014/main" xmlns="" id="{F1C42333-BA8B-4BAB-2ECA-18FB7ED2E539}"/>
               </a:ext>
             </a:extLst>
           </p:cNvPr>
@@ -14305,7 +14303,7 @@
           <p:cNvPr id="4" name="그룹 1015">
             <a:extLst>
               <a:ext uri="{FF2B5EF4-FFF2-40B4-BE49-F238E27FC236}">
-                <a16:creationId xmlns:a16="http://schemas.microsoft.com/office/drawing/2014/main" id="{040504CF-6BB7-1FE0-5AE0-FA417D087623}"/>
+                <a16:creationId xmlns:a16="http://schemas.microsoft.com/office/drawing/2014/main" xmlns="" id="{040504CF-6BB7-1FE0-5AE0-FA417D087623}"/>
               </a:ext>
             </a:extLst>
           </p:cNvPr>
@@ -14325,7 +14323,7 @@
             <p:cNvPr id="5" name="Object 52">
               <a:extLst>
                 <a:ext uri="{FF2B5EF4-FFF2-40B4-BE49-F238E27FC236}">
-                  <a16:creationId xmlns:a16="http://schemas.microsoft.com/office/drawing/2014/main" id="{B39A0CCA-90B5-9203-05F4-4C58DCD7E11A}"/>
+                  <a16:creationId xmlns:a16="http://schemas.microsoft.com/office/drawing/2014/main" xmlns="" id="{B39A0CCA-90B5-9203-05F4-4C58DCD7E11A}"/>
                 </a:ext>
               </a:extLst>
             </p:cNvPr>
@@ -14356,7 +14354,7 @@
           <p:cNvPr id="6" name="그룹 1018">
             <a:extLst>
               <a:ext uri="{FF2B5EF4-FFF2-40B4-BE49-F238E27FC236}">
-                <a16:creationId xmlns:a16="http://schemas.microsoft.com/office/drawing/2014/main" id="{132A09D5-8629-69D6-8BC6-AA335853C834}"/>
+                <a16:creationId xmlns:a16="http://schemas.microsoft.com/office/drawing/2014/main" xmlns="" id="{132A09D5-8629-69D6-8BC6-AA335853C834}"/>
               </a:ext>
             </a:extLst>
           </p:cNvPr>
@@ -14376,7 +14374,7 @@
             <p:cNvPr id="7" name="Object 61">
               <a:extLst>
                 <a:ext uri="{FF2B5EF4-FFF2-40B4-BE49-F238E27FC236}">
-                  <a16:creationId xmlns:a16="http://schemas.microsoft.com/office/drawing/2014/main" id="{70B56A8A-2F1F-1038-7A05-14F8F16B7D32}"/>
+                  <a16:creationId xmlns:a16="http://schemas.microsoft.com/office/drawing/2014/main" xmlns="" id="{70B56A8A-2F1F-1038-7A05-14F8F16B7D32}"/>
                 </a:ext>
               </a:extLst>
             </p:cNvPr>
@@ -14407,7 +14405,7 @@
           <p:cNvPr id="8" name="그룹 1021">
             <a:extLst>
               <a:ext uri="{FF2B5EF4-FFF2-40B4-BE49-F238E27FC236}">
-                <a16:creationId xmlns:a16="http://schemas.microsoft.com/office/drawing/2014/main" id="{0CC477DA-AA27-4274-BDF5-DAB3FD176CFE}"/>
+                <a16:creationId xmlns:a16="http://schemas.microsoft.com/office/drawing/2014/main" xmlns="" id="{0CC477DA-AA27-4274-BDF5-DAB3FD176CFE}"/>
               </a:ext>
             </a:extLst>
           </p:cNvPr>
@@ -14427,7 +14425,7 @@
             <p:cNvPr id="9" name="Object 71">
               <a:extLst>
                 <a:ext uri="{FF2B5EF4-FFF2-40B4-BE49-F238E27FC236}">
-                  <a16:creationId xmlns:a16="http://schemas.microsoft.com/office/drawing/2014/main" id="{181FBF60-0EB2-C1D5-852A-1E1A74801C09}"/>
+                  <a16:creationId xmlns:a16="http://schemas.microsoft.com/office/drawing/2014/main" xmlns="" id="{181FBF60-0EB2-C1D5-852A-1E1A74801C09}"/>
                 </a:ext>
               </a:extLst>
             </p:cNvPr>
@@ -14458,7 +14456,7 @@
           <p:cNvPr id="10" name="그룹 1024">
             <a:extLst>
               <a:ext uri="{FF2B5EF4-FFF2-40B4-BE49-F238E27FC236}">
-                <a16:creationId xmlns:a16="http://schemas.microsoft.com/office/drawing/2014/main" id="{522E4010-4303-2F70-E40B-05544D6CBD36}"/>
+                <a16:creationId xmlns:a16="http://schemas.microsoft.com/office/drawing/2014/main" xmlns="" id="{522E4010-4303-2F70-E40B-05544D6CBD36}"/>
               </a:ext>
             </a:extLst>
           </p:cNvPr>
@@ -14478,7 +14476,7 @@
             <p:cNvPr id="11" name="Object 81">
               <a:extLst>
                 <a:ext uri="{FF2B5EF4-FFF2-40B4-BE49-F238E27FC236}">
-                  <a16:creationId xmlns:a16="http://schemas.microsoft.com/office/drawing/2014/main" id="{B3E2F3B9-29E2-9DD1-A782-DCCAA0C1336A}"/>
+                  <a16:creationId xmlns:a16="http://schemas.microsoft.com/office/drawing/2014/main" xmlns="" id="{B3E2F3B9-29E2-9DD1-A782-DCCAA0C1336A}"/>
                 </a:ext>
               </a:extLst>
             </p:cNvPr>
@@ -14509,7 +14507,7 @@
           <p:cNvPr id="12" name="TextBox 11">
             <a:extLst>
               <a:ext uri="{FF2B5EF4-FFF2-40B4-BE49-F238E27FC236}">
-                <a16:creationId xmlns:a16="http://schemas.microsoft.com/office/drawing/2014/main" id="{12EF9009-8F0D-4724-25F0-53DB591E45ED}"/>
+                <a16:creationId xmlns:a16="http://schemas.microsoft.com/office/drawing/2014/main" xmlns="" id="{12EF9009-8F0D-4724-25F0-53DB591E45ED}"/>
               </a:ext>
             </a:extLst>
           </p:cNvPr>
@@ -14550,7 +14548,7 @@
           <p:cNvPr id="13" name="TextBox 12">
             <a:extLst>
               <a:ext uri="{FF2B5EF4-FFF2-40B4-BE49-F238E27FC236}">
-                <a16:creationId xmlns:a16="http://schemas.microsoft.com/office/drawing/2014/main" id="{3D221D2D-9D22-BBFE-703F-F9E61CE015B5}"/>
+                <a16:creationId xmlns:a16="http://schemas.microsoft.com/office/drawing/2014/main" xmlns="" id="{3D221D2D-9D22-BBFE-703F-F9E61CE015B5}"/>
               </a:ext>
             </a:extLst>
           </p:cNvPr>
@@ -14598,7 +14596,7 @@
           <p:cNvPr id="14" name="TextBox 13">
             <a:extLst>
               <a:ext uri="{FF2B5EF4-FFF2-40B4-BE49-F238E27FC236}">
-                <a16:creationId xmlns:a16="http://schemas.microsoft.com/office/drawing/2014/main" id="{881880A9-53CC-1EBC-648F-EB9C48F321D8}"/>
+                <a16:creationId xmlns:a16="http://schemas.microsoft.com/office/drawing/2014/main" xmlns="" id="{881880A9-53CC-1EBC-648F-EB9C48F321D8}"/>
               </a:ext>
             </a:extLst>
           </p:cNvPr>
@@ -14646,7 +14644,7 @@
           <p:cNvPr id="15" name="TextBox 14">
             <a:extLst>
               <a:ext uri="{FF2B5EF4-FFF2-40B4-BE49-F238E27FC236}">
-                <a16:creationId xmlns:a16="http://schemas.microsoft.com/office/drawing/2014/main" id="{34A1F0B7-5832-48DC-FF9F-A7CF8EECC8BD}"/>
+                <a16:creationId xmlns:a16="http://schemas.microsoft.com/office/drawing/2014/main" xmlns="" id="{34A1F0B7-5832-48DC-FF9F-A7CF8EECC8BD}"/>
               </a:ext>
             </a:extLst>
           </p:cNvPr>
@@ -14694,7 +14692,7 @@
           <p:cNvPr id="16" name="직선 화살표 연결선 15">
             <a:extLst>
               <a:ext uri="{FF2B5EF4-FFF2-40B4-BE49-F238E27FC236}">
-                <a16:creationId xmlns:a16="http://schemas.microsoft.com/office/drawing/2014/main" id="{36C06701-27C0-0CAE-3DDF-E1D3361C970F}"/>
+                <a16:creationId xmlns:a16="http://schemas.microsoft.com/office/drawing/2014/main" xmlns="" id="{36C06701-27C0-0CAE-3DDF-E1D3361C970F}"/>
               </a:ext>
             </a:extLst>
           </p:cNvPr>
@@ -14737,7 +14735,7 @@
           <p:cNvPr id="17" name="직선 화살표 연결선 16">
             <a:extLst>
               <a:ext uri="{FF2B5EF4-FFF2-40B4-BE49-F238E27FC236}">
-                <a16:creationId xmlns:a16="http://schemas.microsoft.com/office/drawing/2014/main" id="{2AB7E563-7EBC-2C42-0B1C-F8FABBE2C696}"/>
+                <a16:creationId xmlns:a16="http://schemas.microsoft.com/office/drawing/2014/main" xmlns="" id="{2AB7E563-7EBC-2C42-0B1C-F8FABBE2C696}"/>
               </a:ext>
             </a:extLst>
           </p:cNvPr>
@@ -14778,7 +14776,7 @@
           <p:cNvPr id="18" name="직선 화살표 연결선 17">
             <a:extLst>
               <a:ext uri="{FF2B5EF4-FFF2-40B4-BE49-F238E27FC236}">
-                <a16:creationId xmlns:a16="http://schemas.microsoft.com/office/drawing/2014/main" id="{C38012CD-A73E-90AA-6309-1187C2579F46}"/>
+                <a16:creationId xmlns:a16="http://schemas.microsoft.com/office/drawing/2014/main" xmlns="" id="{C38012CD-A73E-90AA-6309-1187C2579F46}"/>
               </a:ext>
             </a:extLst>
           </p:cNvPr>
@@ -14820,7 +14818,7 @@
           <p:cNvPr id="19" name="직선 화살표 연결선 18">
             <a:extLst>
               <a:ext uri="{FF2B5EF4-FFF2-40B4-BE49-F238E27FC236}">
-                <a16:creationId xmlns:a16="http://schemas.microsoft.com/office/drawing/2014/main" id="{F6E54C16-A7F6-D050-0FB8-19CC459EC51C}"/>
+                <a16:creationId xmlns:a16="http://schemas.microsoft.com/office/drawing/2014/main" xmlns="" id="{F6E54C16-A7F6-D050-0FB8-19CC459EC51C}"/>
               </a:ext>
             </a:extLst>
           </p:cNvPr>
@@ -14861,7 +14859,7 @@
           <p:cNvPr id="20" name="그룹 1021">
             <a:extLst>
               <a:ext uri="{FF2B5EF4-FFF2-40B4-BE49-F238E27FC236}">
-                <a16:creationId xmlns:a16="http://schemas.microsoft.com/office/drawing/2014/main" id="{3B5966C3-2E69-9409-A7B7-09F684BCA18C}"/>
+                <a16:creationId xmlns:a16="http://schemas.microsoft.com/office/drawing/2014/main" xmlns="" id="{3B5966C3-2E69-9409-A7B7-09F684BCA18C}"/>
               </a:ext>
             </a:extLst>
           </p:cNvPr>
@@ -14881,7 +14879,7 @@
             <p:cNvPr id="21" name="Object 71">
               <a:extLst>
                 <a:ext uri="{FF2B5EF4-FFF2-40B4-BE49-F238E27FC236}">
-                  <a16:creationId xmlns:a16="http://schemas.microsoft.com/office/drawing/2014/main" id="{9BB3D9C7-524C-2ECB-5EA4-BADF6061FDE1}"/>
+                  <a16:creationId xmlns:a16="http://schemas.microsoft.com/office/drawing/2014/main" xmlns="" id="{9BB3D9C7-524C-2ECB-5EA4-BADF6061FDE1}"/>
                 </a:ext>
               </a:extLst>
             </p:cNvPr>
@@ -14912,7 +14910,7 @@
           <p:cNvPr id="22" name="TextBox 21">
             <a:extLst>
               <a:ext uri="{FF2B5EF4-FFF2-40B4-BE49-F238E27FC236}">
-                <a16:creationId xmlns:a16="http://schemas.microsoft.com/office/drawing/2014/main" id="{0E57763C-AF2D-6B74-13BD-EC57AFB88E9A}"/>
+                <a16:creationId xmlns:a16="http://schemas.microsoft.com/office/drawing/2014/main" xmlns="" id="{0E57763C-AF2D-6B74-13BD-EC57AFB88E9A}"/>
               </a:ext>
             </a:extLst>
           </p:cNvPr>
@@ -14960,7 +14958,7 @@
           <p:cNvPr id="23" name="그룹 1021">
             <a:extLst>
               <a:ext uri="{FF2B5EF4-FFF2-40B4-BE49-F238E27FC236}">
-                <a16:creationId xmlns:a16="http://schemas.microsoft.com/office/drawing/2014/main" id="{9C4C4FD8-FC12-A61C-9EED-29A1A3498DA6}"/>
+                <a16:creationId xmlns:a16="http://schemas.microsoft.com/office/drawing/2014/main" xmlns="" id="{9C4C4FD8-FC12-A61C-9EED-29A1A3498DA6}"/>
               </a:ext>
             </a:extLst>
           </p:cNvPr>
@@ -14980,7 +14978,7 @@
             <p:cNvPr id="24" name="Object 71">
               <a:extLst>
                 <a:ext uri="{FF2B5EF4-FFF2-40B4-BE49-F238E27FC236}">
-                  <a16:creationId xmlns:a16="http://schemas.microsoft.com/office/drawing/2014/main" id="{16F12E31-8AA2-157E-AFE1-D820F2DB2E8E}"/>
+                  <a16:creationId xmlns:a16="http://schemas.microsoft.com/office/drawing/2014/main" xmlns="" id="{16F12E31-8AA2-157E-AFE1-D820F2DB2E8E}"/>
                 </a:ext>
               </a:extLst>
             </p:cNvPr>
@@ -15011,7 +15009,7 @@
           <p:cNvPr id="25" name="TextBox 24">
             <a:extLst>
               <a:ext uri="{FF2B5EF4-FFF2-40B4-BE49-F238E27FC236}">
-                <a16:creationId xmlns:a16="http://schemas.microsoft.com/office/drawing/2014/main" id="{B04690F3-DEE8-4E91-238D-4897497A6A1C}"/>
+                <a16:creationId xmlns:a16="http://schemas.microsoft.com/office/drawing/2014/main" xmlns="" id="{B04690F3-DEE8-4E91-238D-4897497A6A1C}"/>
               </a:ext>
             </a:extLst>
           </p:cNvPr>
@@ -15059,7 +15057,7 @@
           <p:cNvPr id="26" name="TextBox 25">
             <a:extLst>
               <a:ext uri="{FF2B5EF4-FFF2-40B4-BE49-F238E27FC236}">
-                <a16:creationId xmlns:a16="http://schemas.microsoft.com/office/drawing/2014/main" id="{11095850-8F0E-5C56-CF17-BF9A8AB1B18F}"/>
+                <a16:creationId xmlns:a16="http://schemas.microsoft.com/office/drawing/2014/main" xmlns="" id="{11095850-8F0E-5C56-CF17-BF9A8AB1B18F}"/>
               </a:ext>
             </a:extLst>
           </p:cNvPr>
@@ -15111,7 +15109,7 @@
           <p:cNvPr id="27" name="직선 화살표 연결선 26">
             <a:extLst>
               <a:ext uri="{FF2B5EF4-FFF2-40B4-BE49-F238E27FC236}">
-                <a16:creationId xmlns:a16="http://schemas.microsoft.com/office/drawing/2014/main" id="{D0642274-09C3-03F5-2269-2BBD9CA1771C}"/>
+                <a16:creationId xmlns:a16="http://schemas.microsoft.com/office/drawing/2014/main" xmlns="" id="{D0642274-09C3-03F5-2269-2BBD9CA1771C}"/>
               </a:ext>
             </a:extLst>
           </p:cNvPr>
@@ -15152,7 +15150,7 @@
           <p:cNvPr id="30" name="직사각형 29">
             <a:extLst>
               <a:ext uri="{FF2B5EF4-FFF2-40B4-BE49-F238E27FC236}">
-                <a16:creationId xmlns:a16="http://schemas.microsoft.com/office/drawing/2014/main" id="{56BE7DA5-0B48-2DEF-57C9-B4EC36A563B7}"/>
+                <a16:creationId xmlns:a16="http://schemas.microsoft.com/office/drawing/2014/main" xmlns="" id="{56BE7DA5-0B48-2DEF-57C9-B4EC36A563B7}"/>
               </a:ext>
             </a:extLst>
           </p:cNvPr>
@@ -15309,7 +15307,7 @@
           <p:cNvPr id="5" name="그림 4">
             <a:extLst>
               <a:ext uri="{FF2B5EF4-FFF2-40B4-BE49-F238E27FC236}">
-                <a16:creationId xmlns:a16="http://schemas.microsoft.com/office/drawing/2014/main" id="{E9B70F69-B85D-0361-3544-F3F98D620330}"/>
+                <a16:creationId xmlns:a16="http://schemas.microsoft.com/office/drawing/2014/main" xmlns="" id="{E9B70F69-B85D-0361-3544-F3F98D620330}"/>
               </a:ext>
             </a:extLst>
           </p:cNvPr>
@@ -15339,7 +15337,7 @@
           <p:cNvPr id="7" name="그림 6">
             <a:extLst>
               <a:ext uri="{FF2B5EF4-FFF2-40B4-BE49-F238E27FC236}">
-                <a16:creationId xmlns:a16="http://schemas.microsoft.com/office/drawing/2014/main" id="{0F6CB6BB-7EC3-1841-2B12-9709A378F79D}"/>
+                <a16:creationId xmlns:a16="http://schemas.microsoft.com/office/drawing/2014/main" xmlns="" id="{0F6CB6BB-7EC3-1841-2B12-9709A378F79D}"/>
               </a:ext>
             </a:extLst>
           </p:cNvPr>
@@ -15369,7 +15367,7 @@
           <p:cNvPr id="9" name="그림 8">
             <a:extLst>
               <a:ext uri="{FF2B5EF4-FFF2-40B4-BE49-F238E27FC236}">
-                <a16:creationId xmlns:a16="http://schemas.microsoft.com/office/drawing/2014/main" id="{F597DBDC-FAEA-7E62-7E2D-B38E83E2E6F7}"/>
+                <a16:creationId xmlns:a16="http://schemas.microsoft.com/office/drawing/2014/main" xmlns="" id="{F597DBDC-FAEA-7E62-7E2D-B38E83E2E6F7}"/>
               </a:ext>
             </a:extLst>
           </p:cNvPr>
@@ -15399,7 +15397,7 @@
           <p:cNvPr id="10" name="직사각형 9">
             <a:extLst>
               <a:ext uri="{FF2B5EF4-FFF2-40B4-BE49-F238E27FC236}">
-                <a16:creationId xmlns:a16="http://schemas.microsoft.com/office/drawing/2014/main" id="{32CEF6A5-6668-1319-29CA-8C09BF2DE6ED}"/>
+                <a16:creationId xmlns:a16="http://schemas.microsoft.com/office/drawing/2014/main" xmlns="" id="{32CEF6A5-6668-1319-29CA-8C09BF2DE6ED}"/>
               </a:ext>
             </a:extLst>
           </p:cNvPr>
@@ -15744,7 +15742,7 @@
           <p:cNvPr id="2" name="TextBox 1">
             <a:extLst>
               <a:ext uri="{FF2B5EF4-FFF2-40B4-BE49-F238E27FC236}">
-                <a16:creationId xmlns:a16="http://schemas.microsoft.com/office/drawing/2014/main" id="{76F36AE5-79B5-0B9F-E510-1C27AAC4B649}"/>
+                <a16:creationId xmlns:a16="http://schemas.microsoft.com/office/drawing/2014/main" xmlns="" id="{76F36AE5-79B5-0B9F-E510-1C27AAC4B649}"/>
               </a:ext>
             </a:extLst>
           </p:cNvPr>
@@ -16010,7 +16008,7 @@
           <p:cNvPr id="2" name="TextBox 1">
             <a:extLst>
               <a:ext uri="{FF2B5EF4-FFF2-40B4-BE49-F238E27FC236}">
-                <a16:creationId xmlns:a16="http://schemas.microsoft.com/office/drawing/2014/main" id="{8D19D88B-9541-32D7-90F1-0C45C993E21C}"/>
+                <a16:creationId xmlns:a16="http://schemas.microsoft.com/office/drawing/2014/main" xmlns="" id="{8D19D88B-9541-32D7-90F1-0C45C993E21C}"/>
               </a:ext>
             </a:extLst>
           </p:cNvPr>
@@ -16083,7 +16081,7 @@
           <p:cNvPr id="4" name="TextBox 3">
             <a:extLst>
               <a:ext uri="{FF2B5EF4-FFF2-40B4-BE49-F238E27FC236}">
-                <a16:creationId xmlns:a16="http://schemas.microsoft.com/office/drawing/2014/main" id="{5ADC00B6-990A-40DC-3CEA-505258F5E8DA}"/>
+                <a16:creationId xmlns:a16="http://schemas.microsoft.com/office/drawing/2014/main" xmlns="" id="{5ADC00B6-990A-40DC-3CEA-505258F5E8DA}"/>
               </a:ext>
             </a:extLst>
           </p:cNvPr>
@@ -16131,7 +16129,7 @@
           <p:cNvPr id="5" name="TextBox 4">
             <a:extLst>
               <a:ext uri="{FF2B5EF4-FFF2-40B4-BE49-F238E27FC236}">
-                <a16:creationId xmlns:a16="http://schemas.microsoft.com/office/drawing/2014/main" id="{A2AD056B-97A4-5BCC-4460-250160F3E171}"/>
+                <a16:creationId xmlns:a16="http://schemas.microsoft.com/office/drawing/2014/main" xmlns="" id="{A2AD056B-97A4-5BCC-4460-250160F3E171}"/>
               </a:ext>
             </a:extLst>
           </p:cNvPr>
@@ -16257,7 +16255,7 @@
           <p:cNvPr id="8" name="그룹 1008">
             <a:extLst>
               <a:ext uri="{FF2B5EF4-FFF2-40B4-BE49-F238E27FC236}">
-                <a16:creationId xmlns:a16="http://schemas.microsoft.com/office/drawing/2014/main" id="{678F6342-C505-E8AD-ADA4-022CB2C2088E}"/>
+                <a16:creationId xmlns:a16="http://schemas.microsoft.com/office/drawing/2014/main" xmlns="" id="{678F6342-C505-E8AD-ADA4-022CB2C2088E}"/>
               </a:ext>
             </a:extLst>
           </p:cNvPr>
@@ -16277,7 +16275,7 @@
             <p:cNvPr id="9" name="그룹 1009">
               <a:extLst>
                 <a:ext uri="{FF2B5EF4-FFF2-40B4-BE49-F238E27FC236}">
-                  <a16:creationId xmlns:a16="http://schemas.microsoft.com/office/drawing/2014/main" id="{4E1F1FED-812B-9BBB-925A-84B54A077414}"/>
+                  <a16:creationId xmlns:a16="http://schemas.microsoft.com/office/drawing/2014/main" xmlns="" id="{4E1F1FED-812B-9BBB-925A-84B54A077414}"/>
                 </a:ext>
               </a:extLst>
             </p:cNvPr>
@@ -16297,7 +16295,7 @@
               <p:cNvPr id="14" name="Object 29">
                 <a:extLst>
                   <a:ext uri="{FF2B5EF4-FFF2-40B4-BE49-F238E27FC236}">
-                    <a16:creationId xmlns:a16="http://schemas.microsoft.com/office/drawing/2014/main" id="{7B078609-4286-7B00-51EB-809C8E2DE289}"/>
+                    <a16:creationId xmlns:a16="http://schemas.microsoft.com/office/drawing/2014/main" xmlns="" id="{7B078609-4286-7B00-51EB-809C8E2DE289}"/>
                   </a:ext>
                 </a:extLst>
               </p:cNvPr>
@@ -16328,7 +16326,7 @@
             <p:cNvPr id="10" name="그룹 1010">
               <a:extLst>
                 <a:ext uri="{FF2B5EF4-FFF2-40B4-BE49-F238E27FC236}">
-                  <a16:creationId xmlns:a16="http://schemas.microsoft.com/office/drawing/2014/main" id="{02A649BF-B5B5-FBAF-7DFD-E118A4DF8907}"/>
+                  <a16:creationId xmlns:a16="http://schemas.microsoft.com/office/drawing/2014/main" xmlns="" id="{02A649BF-B5B5-FBAF-7DFD-E118A4DF8907}"/>
                 </a:ext>
               </a:extLst>
             </p:cNvPr>
@@ -16348,7 +16346,7 @@
               <p:cNvPr id="13" name="Object 32">
                 <a:extLst>
                   <a:ext uri="{FF2B5EF4-FFF2-40B4-BE49-F238E27FC236}">
-                    <a16:creationId xmlns:a16="http://schemas.microsoft.com/office/drawing/2014/main" id="{2A0FFF23-B3C9-3EA0-1C1B-A87D4FF098AE}"/>
+                    <a16:creationId xmlns:a16="http://schemas.microsoft.com/office/drawing/2014/main" xmlns="" id="{2A0FFF23-B3C9-3EA0-1C1B-A87D4FF098AE}"/>
                   </a:ext>
                 </a:extLst>
               </p:cNvPr>
@@ -16379,7 +16377,7 @@
             <p:cNvPr id="11" name="그룹 1011">
               <a:extLst>
                 <a:ext uri="{FF2B5EF4-FFF2-40B4-BE49-F238E27FC236}">
-                  <a16:creationId xmlns:a16="http://schemas.microsoft.com/office/drawing/2014/main" id="{881F5410-F7FB-F261-A584-707359BAC593}"/>
+                  <a16:creationId xmlns:a16="http://schemas.microsoft.com/office/drawing/2014/main" xmlns="" id="{881F5410-F7FB-F261-A584-707359BAC593}"/>
                 </a:ext>
               </a:extLst>
             </p:cNvPr>
@@ -16399,7 +16397,7 @@
               <p:cNvPr id="12" name="Object 35">
                 <a:extLst>
                   <a:ext uri="{FF2B5EF4-FFF2-40B4-BE49-F238E27FC236}">
-                    <a16:creationId xmlns:a16="http://schemas.microsoft.com/office/drawing/2014/main" id="{4E99E669-73EB-F9F4-EFE8-DC107035C265}"/>
+                    <a16:creationId xmlns:a16="http://schemas.microsoft.com/office/drawing/2014/main" xmlns="" id="{4E99E669-73EB-F9F4-EFE8-DC107035C265}"/>
                   </a:ext>
                 </a:extLst>
               </p:cNvPr>
@@ -16485,7 +16483,7 @@
           <p:cNvPr id="5" name="TextBox 4">
             <a:extLst>
               <a:ext uri="{FF2B5EF4-FFF2-40B4-BE49-F238E27FC236}">
-                <a16:creationId xmlns:a16="http://schemas.microsoft.com/office/drawing/2014/main" id="{5ADC00B6-990A-40DC-3CEA-505258F5E8DA}"/>
+                <a16:creationId xmlns:a16="http://schemas.microsoft.com/office/drawing/2014/main" xmlns="" id="{5ADC00B6-990A-40DC-3CEA-505258F5E8DA}"/>
               </a:ext>
             </a:extLst>
           </p:cNvPr>
@@ -16557,7 +16555,7 @@
           <p:cNvPr id="9" name="TextBox 8">
             <a:extLst>
               <a:ext uri="{FF2B5EF4-FFF2-40B4-BE49-F238E27FC236}">
-                <a16:creationId xmlns:a16="http://schemas.microsoft.com/office/drawing/2014/main" id="{A2AD056B-97A4-5BCC-4460-250160F3E171}"/>
+                <a16:creationId xmlns:a16="http://schemas.microsoft.com/office/drawing/2014/main" xmlns="" id="{A2AD056B-97A4-5BCC-4460-250160F3E171}"/>
               </a:ext>
             </a:extLst>
           </p:cNvPr>
@@ -16645,7 +16643,7 @@
           <p:cNvPr id="10" name="직선 화살표 연결선 9">
             <a:extLst>
               <a:ext uri="{FF2B5EF4-FFF2-40B4-BE49-F238E27FC236}">
-                <a16:creationId xmlns:a16="http://schemas.microsoft.com/office/drawing/2014/main" id="{299DF5EC-9DF4-5255-06AC-0A7CE4FF58C3}"/>
+                <a16:creationId xmlns:a16="http://schemas.microsoft.com/office/drawing/2014/main" xmlns="" id="{299DF5EC-9DF4-5255-06AC-0A7CE4FF58C3}"/>
               </a:ext>
             </a:extLst>
           </p:cNvPr>
@@ -16686,7 +16684,7 @@
           <p:cNvPr id="11" name="TextBox 10">
             <a:extLst>
               <a:ext uri="{FF2B5EF4-FFF2-40B4-BE49-F238E27FC236}">
-                <a16:creationId xmlns:a16="http://schemas.microsoft.com/office/drawing/2014/main" id="{C6D113C6-EA5C-788F-0C77-E7CE6EBB865F}"/>
+                <a16:creationId xmlns:a16="http://schemas.microsoft.com/office/drawing/2014/main" xmlns="" id="{C6D113C6-EA5C-788F-0C77-E7CE6EBB865F}"/>
               </a:ext>
             </a:extLst>
           </p:cNvPr>
@@ -16970,7 +16968,7 @@
           <p:cNvPr id="4" name="TextBox 3">
             <a:extLst>
               <a:ext uri="{FF2B5EF4-FFF2-40B4-BE49-F238E27FC236}">
-                <a16:creationId xmlns:a16="http://schemas.microsoft.com/office/drawing/2014/main" id="{5ADC00B6-990A-40DC-3CEA-505258F5E8DA}"/>
+                <a16:creationId xmlns:a16="http://schemas.microsoft.com/office/drawing/2014/main" xmlns="" id="{5ADC00B6-990A-40DC-3CEA-505258F5E8DA}"/>
               </a:ext>
             </a:extLst>
           </p:cNvPr>
@@ -17042,7 +17040,7 @@
           <p:cNvPr id="6" name="직사각형 5">
             <a:extLst>
               <a:ext uri="{FF2B5EF4-FFF2-40B4-BE49-F238E27FC236}">
-                <a16:creationId xmlns:a16="http://schemas.microsoft.com/office/drawing/2014/main" id="{FFF506F9-840A-0508-4CAF-3AC711D8D5CE}"/>
+                <a16:creationId xmlns:a16="http://schemas.microsoft.com/office/drawing/2014/main" xmlns="" id="{FFF506F9-840A-0508-4CAF-3AC711D8D5CE}"/>
               </a:ext>
             </a:extLst>
           </p:cNvPr>
@@ -17118,7 +17116,7 @@
           <p:cNvPr id="8" name="TextBox 7">
             <a:extLst>
               <a:ext uri="{FF2B5EF4-FFF2-40B4-BE49-F238E27FC236}">
-                <a16:creationId xmlns:a16="http://schemas.microsoft.com/office/drawing/2014/main" id="{A2AD056B-97A4-5BCC-4460-250160F3E171}"/>
+                <a16:creationId xmlns:a16="http://schemas.microsoft.com/office/drawing/2014/main" xmlns="" id="{A2AD056B-97A4-5BCC-4460-250160F3E171}"/>
               </a:ext>
             </a:extLst>
           </p:cNvPr>
@@ -17196,7 +17194,7 @@
           <p:cNvPr id="4" name="TextBox 3">
             <a:extLst>
               <a:ext uri="{FF2B5EF4-FFF2-40B4-BE49-F238E27FC236}">
-                <a16:creationId xmlns:a16="http://schemas.microsoft.com/office/drawing/2014/main" id="{5ADC00B6-990A-40DC-3CEA-505258F5E8DA}"/>
+                <a16:creationId xmlns:a16="http://schemas.microsoft.com/office/drawing/2014/main" xmlns="" id="{5ADC00B6-990A-40DC-3CEA-505258F5E8DA}"/>
               </a:ext>
             </a:extLst>
           </p:cNvPr>
@@ -17341,7 +17339,7 @@
           <p:cNvPr id="5" name="TextBox 4">
             <a:extLst>
               <a:ext uri="{FF2B5EF4-FFF2-40B4-BE49-F238E27FC236}">
-                <a16:creationId xmlns:a16="http://schemas.microsoft.com/office/drawing/2014/main" id="{A2AD056B-97A4-5BCC-4460-250160F3E171}"/>
+                <a16:creationId xmlns:a16="http://schemas.microsoft.com/office/drawing/2014/main" xmlns="" id="{A2AD056B-97A4-5BCC-4460-250160F3E171}"/>
               </a:ext>
             </a:extLst>
           </p:cNvPr>
@@ -17443,7 +17441,7 @@
           <p:cNvPr id="7" name="직선 화살표 연결선 6">
             <a:extLst>
               <a:ext uri="{FF2B5EF4-FFF2-40B4-BE49-F238E27FC236}">
-                <a16:creationId xmlns:a16="http://schemas.microsoft.com/office/drawing/2014/main" id="{299DF5EC-9DF4-5255-06AC-0A7CE4FF58C3}"/>
+                <a16:creationId xmlns:a16="http://schemas.microsoft.com/office/drawing/2014/main" xmlns="" id="{299DF5EC-9DF4-5255-06AC-0A7CE4FF58C3}"/>
               </a:ext>
             </a:extLst>
           </p:cNvPr>
@@ -17484,7 +17482,7 @@
           <p:cNvPr id="8" name="TextBox 7">
             <a:extLst>
               <a:ext uri="{FF2B5EF4-FFF2-40B4-BE49-F238E27FC236}">
-                <a16:creationId xmlns:a16="http://schemas.microsoft.com/office/drawing/2014/main" id="{C6D113C6-EA5C-788F-0C77-E7CE6EBB865F}"/>
+                <a16:creationId xmlns:a16="http://schemas.microsoft.com/office/drawing/2014/main" xmlns="" id="{C6D113C6-EA5C-788F-0C77-E7CE6EBB865F}"/>
               </a:ext>
             </a:extLst>
           </p:cNvPr>
@@ -17728,7 +17726,7 @@
           <p:cNvPr id="5" name="TextBox 4">
             <a:extLst>
               <a:ext uri="{FF2B5EF4-FFF2-40B4-BE49-F238E27FC236}">
-                <a16:creationId xmlns:a16="http://schemas.microsoft.com/office/drawing/2014/main" id="{A2AD056B-97A4-5BCC-4460-250160F3E171}"/>
+                <a16:creationId xmlns:a16="http://schemas.microsoft.com/office/drawing/2014/main" xmlns="" id="{A2AD056B-97A4-5BCC-4460-250160F3E171}"/>
               </a:ext>
             </a:extLst>
           </p:cNvPr>
@@ -17820,7 +17818,7 @@
           <p:cNvPr id="7" name="TextBox 6">
             <a:extLst>
               <a:ext uri="{FF2B5EF4-FFF2-40B4-BE49-F238E27FC236}">
-                <a16:creationId xmlns:a16="http://schemas.microsoft.com/office/drawing/2014/main" id="{5ADC00B6-990A-40DC-3CEA-505258F5E8DA}"/>
+                <a16:creationId xmlns:a16="http://schemas.microsoft.com/office/drawing/2014/main" xmlns="" id="{5ADC00B6-990A-40DC-3CEA-505258F5E8DA}"/>
               </a:ext>
             </a:extLst>
           </p:cNvPr>
@@ -17932,7 +17930,7 @@
           <p:cNvPr id="5" name="직사각형 4">
             <a:extLst>
               <a:ext uri="{FF2B5EF4-FFF2-40B4-BE49-F238E27FC236}">
-                <a16:creationId xmlns:a16="http://schemas.microsoft.com/office/drawing/2014/main" id="{FFF506F9-840A-0508-4CAF-3AC711D8D5CE}"/>
+                <a16:creationId xmlns:a16="http://schemas.microsoft.com/office/drawing/2014/main" xmlns="" id="{FFF506F9-840A-0508-4CAF-3AC711D8D5CE}"/>
               </a:ext>
             </a:extLst>
           </p:cNvPr>
@@ -17984,7 +17982,7 @@
           <p:cNvPr id="6" name="TextBox 5">
             <a:extLst>
               <a:ext uri="{FF2B5EF4-FFF2-40B4-BE49-F238E27FC236}">
-                <a16:creationId xmlns:a16="http://schemas.microsoft.com/office/drawing/2014/main" id="{5ADC00B6-990A-40DC-3CEA-505258F5E8DA}"/>
+                <a16:creationId xmlns:a16="http://schemas.microsoft.com/office/drawing/2014/main" xmlns="" id="{5ADC00B6-990A-40DC-3CEA-505258F5E8DA}"/>
               </a:ext>
             </a:extLst>
           </p:cNvPr>
@@ -18042,7 +18040,7 @@
           <p:cNvPr id="7" name="TextBox 6">
             <a:extLst>
               <a:ext uri="{FF2B5EF4-FFF2-40B4-BE49-F238E27FC236}">
-                <a16:creationId xmlns:a16="http://schemas.microsoft.com/office/drawing/2014/main" id="{5ADC00B6-990A-40DC-3CEA-505258F5E8DA}"/>
+                <a16:creationId xmlns:a16="http://schemas.microsoft.com/office/drawing/2014/main" xmlns="" id="{5ADC00B6-990A-40DC-3CEA-505258F5E8DA}"/>
               </a:ext>
             </a:extLst>
           </p:cNvPr>
@@ -18052,7 +18050,7 @@
         <p:spPr>
           <a:xfrm>
             <a:off x="1143000" y="342900"/>
-            <a:ext cx="7924800" cy="830997"/>
+            <a:ext cx="12649200" cy="830997"/>
           </a:xfrm>
           <a:prstGeom prst="rect">
             <a:avLst/>
@@ -18066,6 +18064,16 @@
           <a:lstStyle/>
           <a:p>
             <a:r>
+              <a:rPr lang="en-US" altLang="ko-KR" sz="4800" smtClean="0">
+                <a:solidFill>
+                  <a:srgbClr val="4C50BC"/>
+                </a:solidFill>
+                <a:latin typeface="G마켓 산스 Medium" panose="02000000000000000000" pitchFamily="50" charset="-127"/>
+                <a:ea typeface="G마켓 산스 Medium" panose="02000000000000000000" pitchFamily="50" charset="-127"/>
+              </a:rPr>
+              <a:t>Object .toString</a:t>
+            </a:r>
+            <a:r>
               <a:rPr lang="en-US" altLang="ko-KR" sz="4800">
                 <a:solidFill>
                   <a:srgbClr val="4C50BC"/>
@@ -18073,7 +18081,7 @@
                 <a:latin typeface="G마켓 산스 Medium" panose="02000000000000000000" pitchFamily="50" charset="-127"/>
                 <a:ea typeface="G마켓 산스 Medium" panose="02000000000000000000" pitchFamily="50" charset="-127"/>
               </a:rPr>
-              <a:t>toString() </a:t>
+              <a:t>() </a:t>
             </a:r>
             <a:r>
               <a:rPr lang="ko-KR" altLang="en-US" sz="4800">
@@ -18325,7 +18333,7 @@
           <p:cNvPr id="58" name="TextBox 57">
             <a:extLst>
               <a:ext uri="{FF2B5EF4-FFF2-40B4-BE49-F238E27FC236}">
-                <a16:creationId xmlns:a16="http://schemas.microsoft.com/office/drawing/2014/main" id="{5ADC00B6-990A-40DC-3CEA-505258F5E8DA}"/>
+                <a16:creationId xmlns:a16="http://schemas.microsoft.com/office/drawing/2014/main" xmlns="" id="{5ADC00B6-990A-40DC-3CEA-505258F5E8DA}"/>
               </a:ext>
             </a:extLst>
           </p:cNvPr>
@@ -18373,7 +18381,7 @@
           <p:cNvPr id="59" name="TextBox 58">
             <a:extLst>
               <a:ext uri="{FF2B5EF4-FFF2-40B4-BE49-F238E27FC236}">
-                <a16:creationId xmlns:a16="http://schemas.microsoft.com/office/drawing/2014/main" id="{5ADC00B6-990A-40DC-3CEA-505258F5E8DA}"/>
+                <a16:creationId xmlns:a16="http://schemas.microsoft.com/office/drawing/2014/main" xmlns="" id="{5ADC00B6-990A-40DC-3CEA-505258F5E8DA}"/>
               </a:ext>
             </a:extLst>
           </p:cNvPr>
@@ -18421,7 +18429,7 @@
           <p:cNvPr id="25" name="TextBox 24">
             <a:extLst>
               <a:ext uri="{FF2B5EF4-FFF2-40B4-BE49-F238E27FC236}">
-                <a16:creationId xmlns:a16="http://schemas.microsoft.com/office/drawing/2014/main" id="{A2AD056B-97A4-5BCC-4460-250160F3E171}"/>
+                <a16:creationId xmlns:a16="http://schemas.microsoft.com/office/drawing/2014/main" xmlns="" id="{A2AD056B-97A4-5BCC-4460-250160F3E171}"/>
               </a:ext>
             </a:extLst>
           </p:cNvPr>
@@ -18516,7 +18524,7 @@
           <p:cNvPr id="26" name="TextBox 25">
             <a:extLst>
               <a:ext uri="{FF2B5EF4-FFF2-40B4-BE49-F238E27FC236}">
-                <a16:creationId xmlns:a16="http://schemas.microsoft.com/office/drawing/2014/main" id="{A2AD056B-97A4-5BCC-4460-250160F3E171}"/>
+                <a16:creationId xmlns:a16="http://schemas.microsoft.com/office/drawing/2014/main" xmlns="" id="{A2AD056B-97A4-5BCC-4460-250160F3E171}"/>
               </a:ext>
             </a:extLst>
           </p:cNvPr>
@@ -18583,7 +18591,7 @@
           <p:cNvPr id="27" name="TextBox 26">
             <a:extLst>
               <a:ext uri="{FF2B5EF4-FFF2-40B4-BE49-F238E27FC236}">
-                <a16:creationId xmlns:a16="http://schemas.microsoft.com/office/drawing/2014/main" id="{A2AD056B-97A4-5BCC-4460-250160F3E171}"/>
+                <a16:creationId xmlns:a16="http://schemas.microsoft.com/office/drawing/2014/main" xmlns="" id="{A2AD056B-97A4-5BCC-4460-250160F3E171}"/>
               </a:ext>
             </a:extLst>
           </p:cNvPr>
@@ -18640,7 +18648,7 @@
           <p:cNvPr id="28" name="TextBox 27">
             <a:extLst>
               <a:ext uri="{FF2B5EF4-FFF2-40B4-BE49-F238E27FC236}">
-                <a16:creationId xmlns:a16="http://schemas.microsoft.com/office/drawing/2014/main" id="{A2AD056B-97A4-5BCC-4460-250160F3E171}"/>
+                <a16:creationId xmlns:a16="http://schemas.microsoft.com/office/drawing/2014/main" xmlns="" id="{A2AD056B-97A4-5BCC-4460-250160F3E171}"/>
               </a:ext>
             </a:extLst>
           </p:cNvPr>
@@ -18737,7 +18745,7 @@
           <p:cNvPr id="4" name="TextBox 3">
             <a:extLst>
               <a:ext uri="{FF2B5EF4-FFF2-40B4-BE49-F238E27FC236}">
-                <a16:creationId xmlns:a16="http://schemas.microsoft.com/office/drawing/2014/main" id="{DF7DDD33-9412-2802-339A-E55446AC2DA7}"/>
+                <a16:creationId xmlns:a16="http://schemas.microsoft.com/office/drawing/2014/main" xmlns="" id="{DF7DDD33-9412-2802-339A-E55446AC2DA7}"/>
               </a:ext>
             </a:extLst>
           </p:cNvPr>
@@ -18850,7 +18858,7 @@
           <p:cNvPr id="10" name="직선 화살표 연결선 9">
             <a:extLst>
               <a:ext uri="{FF2B5EF4-FFF2-40B4-BE49-F238E27FC236}">
-                <a16:creationId xmlns:a16="http://schemas.microsoft.com/office/drawing/2014/main" id="{299DF5EC-9DF4-5255-06AC-0A7CE4FF58C3}"/>
+                <a16:creationId xmlns:a16="http://schemas.microsoft.com/office/drawing/2014/main" xmlns="" id="{299DF5EC-9DF4-5255-06AC-0A7CE4FF58C3}"/>
               </a:ext>
             </a:extLst>
           </p:cNvPr>
@@ -18891,7 +18899,7 @@
           <p:cNvPr id="11" name="TextBox 10">
             <a:extLst>
               <a:ext uri="{FF2B5EF4-FFF2-40B4-BE49-F238E27FC236}">
-                <a16:creationId xmlns:a16="http://schemas.microsoft.com/office/drawing/2014/main" id="{C6D113C6-EA5C-788F-0C77-E7CE6EBB865F}"/>
+                <a16:creationId xmlns:a16="http://schemas.microsoft.com/office/drawing/2014/main" xmlns="" id="{C6D113C6-EA5C-788F-0C77-E7CE6EBB865F}"/>
               </a:ext>
             </a:extLst>
           </p:cNvPr>
@@ -18963,7 +18971,7 @@
           <p:cNvPr id="13" name="직선 화살표 연결선 12">
             <a:extLst>
               <a:ext uri="{FF2B5EF4-FFF2-40B4-BE49-F238E27FC236}">
-                <a16:creationId xmlns:a16="http://schemas.microsoft.com/office/drawing/2014/main" id="{299DF5EC-9DF4-5255-06AC-0A7CE4FF58C3}"/>
+                <a16:creationId xmlns:a16="http://schemas.microsoft.com/office/drawing/2014/main" xmlns="" id="{299DF5EC-9DF4-5255-06AC-0A7CE4FF58C3}"/>
               </a:ext>
             </a:extLst>
           </p:cNvPr>
@@ -19004,7 +19012,7 @@
           <p:cNvPr id="14" name="TextBox 13">
             <a:extLst>
               <a:ext uri="{FF2B5EF4-FFF2-40B4-BE49-F238E27FC236}">
-                <a16:creationId xmlns:a16="http://schemas.microsoft.com/office/drawing/2014/main" id="{C6D113C6-EA5C-788F-0C77-E7CE6EBB865F}"/>
+                <a16:creationId xmlns:a16="http://schemas.microsoft.com/office/drawing/2014/main" xmlns="" id="{C6D113C6-EA5C-788F-0C77-E7CE6EBB865F}"/>
               </a:ext>
             </a:extLst>
           </p:cNvPr>
@@ -19052,7 +19060,7 @@
           <p:cNvPr id="15" name="직선 화살표 연결선 14">
             <a:extLst>
               <a:ext uri="{FF2B5EF4-FFF2-40B4-BE49-F238E27FC236}">
-                <a16:creationId xmlns:a16="http://schemas.microsoft.com/office/drawing/2014/main" id="{299DF5EC-9DF4-5255-06AC-0A7CE4FF58C3}"/>
+                <a16:creationId xmlns:a16="http://schemas.microsoft.com/office/drawing/2014/main" xmlns="" id="{299DF5EC-9DF4-5255-06AC-0A7CE4FF58C3}"/>
               </a:ext>
             </a:extLst>
           </p:cNvPr>
@@ -19093,7 +19101,7 @@
           <p:cNvPr id="16" name="TextBox 15">
             <a:extLst>
               <a:ext uri="{FF2B5EF4-FFF2-40B4-BE49-F238E27FC236}">
-                <a16:creationId xmlns:a16="http://schemas.microsoft.com/office/drawing/2014/main" id="{C6D113C6-EA5C-788F-0C77-E7CE6EBB865F}"/>
+                <a16:creationId xmlns:a16="http://schemas.microsoft.com/office/drawing/2014/main" xmlns="" id="{C6D113C6-EA5C-788F-0C77-E7CE6EBB865F}"/>
               </a:ext>
             </a:extLst>
           </p:cNvPr>
@@ -19165,7 +19173,7 @@
           <p:cNvPr id="18" name="직선 화살표 연결선 17">
             <a:extLst>
               <a:ext uri="{FF2B5EF4-FFF2-40B4-BE49-F238E27FC236}">
-                <a16:creationId xmlns:a16="http://schemas.microsoft.com/office/drawing/2014/main" id="{299DF5EC-9DF4-5255-06AC-0A7CE4FF58C3}"/>
+                <a16:creationId xmlns:a16="http://schemas.microsoft.com/office/drawing/2014/main" xmlns="" id="{299DF5EC-9DF4-5255-06AC-0A7CE4FF58C3}"/>
               </a:ext>
             </a:extLst>
           </p:cNvPr>
@@ -19206,7 +19214,7 @@
           <p:cNvPr id="19" name="TextBox 18">
             <a:extLst>
               <a:ext uri="{FF2B5EF4-FFF2-40B4-BE49-F238E27FC236}">
-                <a16:creationId xmlns:a16="http://schemas.microsoft.com/office/drawing/2014/main" id="{C6D113C6-EA5C-788F-0C77-E7CE6EBB865F}"/>
+                <a16:creationId xmlns:a16="http://schemas.microsoft.com/office/drawing/2014/main" xmlns="" id="{C6D113C6-EA5C-788F-0C77-E7CE6EBB865F}"/>
               </a:ext>
             </a:extLst>
           </p:cNvPr>
@@ -19296,7 +19304,7 @@
           <p:cNvPr id="22" name="직선 화살표 연결선 21">
             <a:extLst>
               <a:ext uri="{FF2B5EF4-FFF2-40B4-BE49-F238E27FC236}">
-                <a16:creationId xmlns:a16="http://schemas.microsoft.com/office/drawing/2014/main" id="{299DF5EC-9DF4-5255-06AC-0A7CE4FF58C3}"/>
+                <a16:creationId xmlns:a16="http://schemas.microsoft.com/office/drawing/2014/main" xmlns="" id="{299DF5EC-9DF4-5255-06AC-0A7CE4FF58C3}"/>
               </a:ext>
             </a:extLst>
           </p:cNvPr>
@@ -19337,7 +19345,7 @@
           <p:cNvPr id="23" name="TextBox 22">
             <a:extLst>
               <a:ext uri="{FF2B5EF4-FFF2-40B4-BE49-F238E27FC236}">
-                <a16:creationId xmlns:a16="http://schemas.microsoft.com/office/drawing/2014/main" id="{C6D113C6-EA5C-788F-0C77-E7CE6EBB865F}"/>
+                <a16:creationId xmlns:a16="http://schemas.microsoft.com/office/drawing/2014/main" xmlns="" id="{C6D113C6-EA5C-788F-0C77-E7CE6EBB865F}"/>
               </a:ext>
             </a:extLst>
           </p:cNvPr>
@@ -19433,7 +19441,7 @@
           <p:cNvPr id="26" name="직선 화살표 연결선 25">
             <a:extLst>
               <a:ext uri="{FF2B5EF4-FFF2-40B4-BE49-F238E27FC236}">
-                <a16:creationId xmlns:a16="http://schemas.microsoft.com/office/drawing/2014/main" id="{299DF5EC-9DF4-5255-06AC-0A7CE4FF58C3}"/>
+                <a16:creationId xmlns:a16="http://schemas.microsoft.com/office/drawing/2014/main" xmlns="" id="{299DF5EC-9DF4-5255-06AC-0A7CE4FF58C3}"/>
               </a:ext>
             </a:extLst>
           </p:cNvPr>
@@ -19474,7 +19482,7 @@
           <p:cNvPr id="27" name="TextBox 26">
             <a:extLst>
               <a:ext uri="{FF2B5EF4-FFF2-40B4-BE49-F238E27FC236}">
-                <a16:creationId xmlns:a16="http://schemas.microsoft.com/office/drawing/2014/main" id="{C6D113C6-EA5C-788F-0C77-E7CE6EBB865F}"/>
+                <a16:creationId xmlns:a16="http://schemas.microsoft.com/office/drawing/2014/main" xmlns="" id="{C6D113C6-EA5C-788F-0C77-E7CE6EBB865F}"/>
               </a:ext>
             </a:extLst>
           </p:cNvPr>
@@ -20350,7 +20358,7 @@
           <p:cNvPr id="6" name="직사각형 5">
             <a:extLst>
               <a:ext uri="{FF2B5EF4-FFF2-40B4-BE49-F238E27FC236}">
-                <a16:creationId xmlns:a16="http://schemas.microsoft.com/office/drawing/2014/main" id="{FFF506F9-840A-0508-4CAF-3AC711D8D5CE}"/>
+                <a16:creationId xmlns:a16="http://schemas.microsoft.com/office/drawing/2014/main" xmlns="" id="{FFF506F9-840A-0508-4CAF-3AC711D8D5CE}"/>
               </a:ext>
             </a:extLst>
           </p:cNvPr>
@@ -20426,7 +20434,7 @@
           <p:cNvPr id="8" name="TextBox 7">
             <a:extLst>
               <a:ext uri="{FF2B5EF4-FFF2-40B4-BE49-F238E27FC236}">
-                <a16:creationId xmlns:a16="http://schemas.microsoft.com/office/drawing/2014/main" id="{5ADC00B6-990A-40DC-3CEA-505258F5E8DA}"/>
+                <a16:creationId xmlns:a16="http://schemas.microsoft.com/office/drawing/2014/main" xmlns="" id="{5ADC00B6-990A-40DC-3CEA-505258F5E8DA}"/>
               </a:ext>
             </a:extLst>
           </p:cNvPr>
@@ -20547,7 +20555,7 @@
           <p:cNvPr id="9" name="TextBox 8">
             <a:extLst>
               <a:ext uri="{FF2B5EF4-FFF2-40B4-BE49-F238E27FC236}">
-                <a16:creationId xmlns:a16="http://schemas.microsoft.com/office/drawing/2014/main" id="{C6D113C6-EA5C-788F-0C77-E7CE6EBB865F}"/>
+                <a16:creationId xmlns:a16="http://schemas.microsoft.com/office/drawing/2014/main" xmlns="" id="{C6D113C6-EA5C-788F-0C77-E7CE6EBB865F}"/>
               </a:ext>
             </a:extLst>
           </p:cNvPr>
@@ -20628,7 +20636,7 @@
           <p:cNvPr id="2" name="TextBox 1">
             <a:extLst>
               <a:ext uri="{FF2B5EF4-FFF2-40B4-BE49-F238E27FC236}">
-                <a16:creationId xmlns:a16="http://schemas.microsoft.com/office/drawing/2014/main" id="{1DEB1580-2560-3EFB-9783-0250AC7061CB}"/>
+                <a16:creationId xmlns:a16="http://schemas.microsoft.com/office/drawing/2014/main" xmlns="" id="{1DEB1580-2560-3EFB-9783-0250AC7061CB}"/>
               </a:ext>
             </a:extLst>
           </p:cNvPr>
@@ -20840,7 +20848,7 @@
           <p:cNvPr id="6" name="그룹 1018">
             <a:extLst>
               <a:ext uri="{FF2B5EF4-FFF2-40B4-BE49-F238E27FC236}">
-                <a16:creationId xmlns:a16="http://schemas.microsoft.com/office/drawing/2014/main" id="{008489BA-FEFA-DE7D-B3CD-53A358B82592}"/>
+                <a16:creationId xmlns:a16="http://schemas.microsoft.com/office/drawing/2014/main" xmlns="" id="{008489BA-FEFA-DE7D-B3CD-53A358B82592}"/>
               </a:ext>
             </a:extLst>
           </p:cNvPr>
@@ -20860,7 +20868,7 @@
             <p:cNvPr id="7" name="Object 61">
               <a:extLst>
                 <a:ext uri="{FF2B5EF4-FFF2-40B4-BE49-F238E27FC236}">
-                  <a16:creationId xmlns:a16="http://schemas.microsoft.com/office/drawing/2014/main" id="{9ED25BE3-45BE-AC6D-D835-4457854D2832}"/>
+                  <a16:creationId xmlns:a16="http://schemas.microsoft.com/office/drawing/2014/main" xmlns="" id="{9ED25BE3-45BE-AC6D-D835-4457854D2832}"/>
                 </a:ext>
               </a:extLst>
             </p:cNvPr>
@@ -20891,7 +20899,7 @@
           <p:cNvPr id="8" name="그룹 1021">
             <a:extLst>
               <a:ext uri="{FF2B5EF4-FFF2-40B4-BE49-F238E27FC236}">
-                <a16:creationId xmlns:a16="http://schemas.microsoft.com/office/drawing/2014/main" id="{7FE0C0A1-ABE4-F0EA-AFC1-4622C45C99E7}"/>
+                <a16:creationId xmlns:a16="http://schemas.microsoft.com/office/drawing/2014/main" xmlns="" id="{7FE0C0A1-ABE4-F0EA-AFC1-4622C45C99E7}"/>
               </a:ext>
             </a:extLst>
           </p:cNvPr>
@@ -20911,7 +20919,7 @@
             <p:cNvPr id="9" name="Object 71">
               <a:extLst>
                 <a:ext uri="{FF2B5EF4-FFF2-40B4-BE49-F238E27FC236}">
-                  <a16:creationId xmlns:a16="http://schemas.microsoft.com/office/drawing/2014/main" id="{CDBB7D83-509F-9F4C-0C3E-DBA2562E5520}"/>
+                  <a16:creationId xmlns:a16="http://schemas.microsoft.com/office/drawing/2014/main" xmlns="" id="{CDBB7D83-509F-9F4C-0C3E-DBA2562E5520}"/>
                 </a:ext>
               </a:extLst>
             </p:cNvPr>
@@ -20942,7 +20950,7 @@
           <p:cNvPr id="10" name="그룹 1024">
             <a:extLst>
               <a:ext uri="{FF2B5EF4-FFF2-40B4-BE49-F238E27FC236}">
-                <a16:creationId xmlns:a16="http://schemas.microsoft.com/office/drawing/2014/main" id="{8EB1611F-852C-9617-AEEB-CFA38FFF8001}"/>
+                <a16:creationId xmlns:a16="http://schemas.microsoft.com/office/drawing/2014/main" xmlns="" id="{8EB1611F-852C-9617-AEEB-CFA38FFF8001}"/>
               </a:ext>
             </a:extLst>
           </p:cNvPr>
@@ -20962,7 +20970,7 @@
             <p:cNvPr id="11" name="Object 81">
               <a:extLst>
                 <a:ext uri="{FF2B5EF4-FFF2-40B4-BE49-F238E27FC236}">
-                  <a16:creationId xmlns:a16="http://schemas.microsoft.com/office/drawing/2014/main" id="{08657582-A0DF-A5DC-A662-189C639920C8}"/>
+                  <a16:creationId xmlns:a16="http://schemas.microsoft.com/office/drawing/2014/main" xmlns="" id="{08657582-A0DF-A5DC-A662-189C639920C8}"/>
                 </a:ext>
               </a:extLst>
             </p:cNvPr>
@@ -20993,7 +21001,7 @@
           <p:cNvPr id="13" name="TextBox 12">
             <a:extLst>
               <a:ext uri="{FF2B5EF4-FFF2-40B4-BE49-F238E27FC236}">
-                <a16:creationId xmlns:a16="http://schemas.microsoft.com/office/drawing/2014/main" id="{F68B80B8-3419-5C31-B2F2-084E536A2C1C}"/>
+                <a16:creationId xmlns:a16="http://schemas.microsoft.com/office/drawing/2014/main" xmlns="" id="{F68B80B8-3419-5C31-B2F2-084E536A2C1C}"/>
               </a:ext>
             </a:extLst>
           </p:cNvPr>
@@ -21041,7 +21049,7 @@
           <p:cNvPr id="14" name="TextBox 13">
             <a:extLst>
               <a:ext uri="{FF2B5EF4-FFF2-40B4-BE49-F238E27FC236}">
-                <a16:creationId xmlns:a16="http://schemas.microsoft.com/office/drawing/2014/main" id="{CB471B39-052C-65D2-3069-C74FA7421876}"/>
+                <a16:creationId xmlns:a16="http://schemas.microsoft.com/office/drawing/2014/main" xmlns="" id="{CB471B39-052C-65D2-3069-C74FA7421876}"/>
               </a:ext>
             </a:extLst>
           </p:cNvPr>
@@ -21089,7 +21097,7 @@
           <p:cNvPr id="15" name="TextBox 14">
             <a:extLst>
               <a:ext uri="{FF2B5EF4-FFF2-40B4-BE49-F238E27FC236}">
-                <a16:creationId xmlns:a16="http://schemas.microsoft.com/office/drawing/2014/main" id="{4A7E270B-9322-EABD-3A34-4D211B23AD38}"/>
+                <a16:creationId xmlns:a16="http://schemas.microsoft.com/office/drawing/2014/main" xmlns="" id="{4A7E270B-9322-EABD-3A34-4D211B23AD38}"/>
               </a:ext>
             </a:extLst>
           </p:cNvPr>
@@ -21257,7 +21265,7 @@
           <p:cNvPr id="24" name="TextBox 23">
             <a:extLst>
               <a:ext uri="{FF2B5EF4-FFF2-40B4-BE49-F238E27FC236}">
-                <a16:creationId xmlns:a16="http://schemas.microsoft.com/office/drawing/2014/main" id="{5ADC00B6-990A-40DC-3CEA-505258F5E8DA}"/>
+                <a16:creationId xmlns:a16="http://schemas.microsoft.com/office/drawing/2014/main" xmlns="" id="{5ADC00B6-990A-40DC-3CEA-505258F5E8DA}"/>
               </a:ext>
             </a:extLst>
           </p:cNvPr>
@@ -21308,7 +21316,7 @@
           <p:cNvPr id="2" name="TextBox 1">
             <a:extLst>
               <a:ext uri="{FF2B5EF4-FFF2-40B4-BE49-F238E27FC236}">
-                <a16:creationId xmlns:a16="http://schemas.microsoft.com/office/drawing/2014/main" id="{D33DA09A-511A-C62F-A49A-C0D2F5C85280}"/>
+                <a16:creationId xmlns:a16="http://schemas.microsoft.com/office/drawing/2014/main" xmlns="" id="{D33DA09A-511A-C62F-A49A-C0D2F5C85280}"/>
               </a:ext>
             </a:extLst>
           </p:cNvPr>
@@ -21743,7 +21751,7 @@
           <p:cNvPr id="4" name="Object 1">
             <a:extLst>
               <a:ext uri="{FF2B5EF4-FFF2-40B4-BE49-F238E27FC236}">
-                <a16:creationId xmlns:a16="http://schemas.microsoft.com/office/drawing/2014/main" id="{B0329035-BE76-33A8-0F2E-44624FCC1DED}"/>
+                <a16:creationId xmlns:a16="http://schemas.microsoft.com/office/drawing/2014/main" xmlns="" id="{B0329035-BE76-33A8-0F2E-44624FCC1DED}"/>
               </a:ext>
             </a:extLst>
           </p:cNvPr>
@@ -21773,7 +21781,7 @@
           <p:cNvPr id="7" name="그룹 1001">
             <a:extLst>
               <a:ext uri="{FF2B5EF4-FFF2-40B4-BE49-F238E27FC236}">
-                <a16:creationId xmlns:a16="http://schemas.microsoft.com/office/drawing/2014/main" id="{CD24CE9D-AC18-B6CD-F397-7E8E03D6FE26}"/>
+                <a16:creationId xmlns:a16="http://schemas.microsoft.com/office/drawing/2014/main" xmlns="" id="{CD24CE9D-AC18-B6CD-F397-7E8E03D6FE26}"/>
               </a:ext>
             </a:extLst>
           </p:cNvPr>
@@ -21793,7 +21801,7 @@
             <p:cNvPr id="8" name="Object 5">
               <a:extLst>
                 <a:ext uri="{FF2B5EF4-FFF2-40B4-BE49-F238E27FC236}">
-                  <a16:creationId xmlns:a16="http://schemas.microsoft.com/office/drawing/2014/main" id="{0EEF25E8-3BA8-EBAA-6DC2-66D70C3F9F4D}"/>
+                  <a16:creationId xmlns:a16="http://schemas.microsoft.com/office/drawing/2014/main" xmlns="" id="{0EEF25E8-3BA8-EBAA-6DC2-66D70C3F9F4D}"/>
                 </a:ext>
               </a:extLst>
             </p:cNvPr>
@@ -21824,7 +21832,7 @@
           <p:cNvPr id="9" name="그룹 1002">
             <a:extLst>
               <a:ext uri="{FF2B5EF4-FFF2-40B4-BE49-F238E27FC236}">
-                <a16:creationId xmlns:a16="http://schemas.microsoft.com/office/drawing/2014/main" id="{0F281BC9-DE1F-D1FE-E64C-C4640398F00C}"/>
+                <a16:creationId xmlns:a16="http://schemas.microsoft.com/office/drawing/2014/main" xmlns="" id="{0F281BC9-DE1F-D1FE-E64C-C4640398F00C}"/>
               </a:ext>
             </a:extLst>
           </p:cNvPr>
@@ -21844,7 +21852,7 @@
             <p:cNvPr id="10" name="Object 8">
               <a:extLst>
                 <a:ext uri="{FF2B5EF4-FFF2-40B4-BE49-F238E27FC236}">
-                  <a16:creationId xmlns:a16="http://schemas.microsoft.com/office/drawing/2014/main" id="{F669DCEF-04BB-7046-3F7F-5B513213556E}"/>
+                  <a16:creationId xmlns:a16="http://schemas.microsoft.com/office/drawing/2014/main" xmlns="" id="{F669DCEF-04BB-7046-3F7F-5B513213556E}"/>
                 </a:ext>
               </a:extLst>
             </p:cNvPr>
@@ -21875,7 +21883,7 @@
           <p:cNvPr id="11" name="그룹 1003">
             <a:extLst>
               <a:ext uri="{FF2B5EF4-FFF2-40B4-BE49-F238E27FC236}">
-                <a16:creationId xmlns:a16="http://schemas.microsoft.com/office/drawing/2014/main" id="{1F91EEF9-13EA-BB7F-B056-D35E7DB989AC}"/>
+                <a16:creationId xmlns:a16="http://schemas.microsoft.com/office/drawing/2014/main" xmlns="" id="{1F91EEF9-13EA-BB7F-B056-D35E7DB989AC}"/>
               </a:ext>
             </a:extLst>
           </p:cNvPr>
@@ -21895,7 +21903,7 @@
             <p:cNvPr id="12" name="Object 11">
               <a:extLst>
                 <a:ext uri="{FF2B5EF4-FFF2-40B4-BE49-F238E27FC236}">
-                  <a16:creationId xmlns:a16="http://schemas.microsoft.com/office/drawing/2014/main" id="{2CFFB217-AEFB-2C9E-5F86-6EE19510FFC6}"/>
+                  <a16:creationId xmlns:a16="http://schemas.microsoft.com/office/drawing/2014/main" xmlns="" id="{2CFFB217-AEFB-2C9E-5F86-6EE19510FFC6}"/>
                 </a:ext>
               </a:extLst>
             </p:cNvPr>
@@ -21926,7 +21934,7 @@
           <p:cNvPr id="13" name="그룹 1004">
             <a:extLst>
               <a:ext uri="{FF2B5EF4-FFF2-40B4-BE49-F238E27FC236}">
-                <a16:creationId xmlns:a16="http://schemas.microsoft.com/office/drawing/2014/main" id="{123B9C7E-94E8-E7E1-81BE-D59EA0299187}"/>
+                <a16:creationId xmlns:a16="http://schemas.microsoft.com/office/drawing/2014/main" xmlns="" id="{123B9C7E-94E8-E7E1-81BE-D59EA0299187}"/>
               </a:ext>
             </a:extLst>
           </p:cNvPr>
@@ -21946,7 +21954,7 @@
             <p:cNvPr id="14" name="Object 14">
               <a:extLst>
                 <a:ext uri="{FF2B5EF4-FFF2-40B4-BE49-F238E27FC236}">
-                  <a16:creationId xmlns:a16="http://schemas.microsoft.com/office/drawing/2014/main" id="{B6291552-2D89-A79F-7ACD-EA0EF9A4C389}"/>
+                  <a16:creationId xmlns:a16="http://schemas.microsoft.com/office/drawing/2014/main" xmlns="" id="{B6291552-2D89-A79F-7ACD-EA0EF9A4C389}"/>
                 </a:ext>
               </a:extLst>
             </p:cNvPr>
@@ -21977,7 +21985,7 @@
           <p:cNvPr id="15" name="TextBox 14">
             <a:extLst>
               <a:ext uri="{FF2B5EF4-FFF2-40B4-BE49-F238E27FC236}">
-                <a16:creationId xmlns:a16="http://schemas.microsoft.com/office/drawing/2014/main" id="{7D99763A-FC24-23F5-5BA9-D7B042E0F323}"/>
+                <a16:creationId xmlns:a16="http://schemas.microsoft.com/office/drawing/2014/main" xmlns="" id="{7D99763A-FC24-23F5-5BA9-D7B042E0F323}"/>
               </a:ext>
             </a:extLst>
           </p:cNvPr>
@@ -22030,6 +22038,13 @@
   <p:clrMapOvr>
     <a:masterClrMapping/>
   </p:clrMapOvr>
+  <p:timing>
+    <p:tnLst>
+      <p:par>
+        <p:cTn id="1" dur="indefinite" restart="never" nodeType="tmRoot"/>
+      </p:par>
+    </p:tnLst>
+  </p:timing>
 </p:sld>
 </file>
 
@@ -22055,7 +22070,7 @@
           <p:cNvPr id="4" name="TextBox 3">
             <a:extLst>
               <a:ext uri="{FF2B5EF4-FFF2-40B4-BE49-F238E27FC236}">
-                <a16:creationId xmlns:a16="http://schemas.microsoft.com/office/drawing/2014/main" id="{5ADC00B6-990A-40DC-3CEA-505258F5E8DA}"/>
+                <a16:creationId xmlns:a16="http://schemas.microsoft.com/office/drawing/2014/main" xmlns="" id="{5ADC00B6-990A-40DC-3CEA-505258F5E8DA}"/>
               </a:ext>
             </a:extLst>
           </p:cNvPr>
@@ -22103,7 +22118,7 @@
           <p:cNvPr id="5" name="TextBox 4">
             <a:extLst>
               <a:ext uri="{FF2B5EF4-FFF2-40B4-BE49-F238E27FC236}">
-                <a16:creationId xmlns:a16="http://schemas.microsoft.com/office/drawing/2014/main" id="{A2AD056B-97A4-5BCC-4460-250160F3E171}"/>
+                <a16:creationId xmlns:a16="http://schemas.microsoft.com/office/drawing/2014/main" xmlns="" id="{A2AD056B-97A4-5BCC-4460-250160F3E171}"/>
               </a:ext>
             </a:extLst>
           </p:cNvPr>
@@ -22219,7 +22234,7 @@
           <p:cNvPr id="6" name="TextBox 5">
             <a:extLst>
               <a:ext uri="{FF2B5EF4-FFF2-40B4-BE49-F238E27FC236}">
-                <a16:creationId xmlns:a16="http://schemas.microsoft.com/office/drawing/2014/main" id="{A2AD056B-97A4-5BCC-4460-250160F3E171}"/>
+                <a16:creationId xmlns:a16="http://schemas.microsoft.com/office/drawing/2014/main" xmlns="" id="{A2AD056B-97A4-5BCC-4460-250160F3E171}"/>
               </a:ext>
             </a:extLst>
           </p:cNvPr>
@@ -22462,7 +22477,7 @@
           <p:cNvPr id="4" name="그룹 1015">
             <a:extLst>
               <a:ext uri="{FF2B5EF4-FFF2-40B4-BE49-F238E27FC236}">
-                <a16:creationId xmlns:a16="http://schemas.microsoft.com/office/drawing/2014/main" id="{A6EC83EE-B38E-BD88-D6E5-E6469A1FCFB5}"/>
+                <a16:creationId xmlns:a16="http://schemas.microsoft.com/office/drawing/2014/main" xmlns="" id="{A6EC83EE-B38E-BD88-D6E5-E6469A1FCFB5}"/>
               </a:ext>
             </a:extLst>
           </p:cNvPr>
@@ -22482,7 +22497,7 @@
             <p:cNvPr id="5" name="Object 52">
               <a:extLst>
                 <a:ext uri="{FF2B5EF4-FFF2-40B4-BE49-F238E27FC236}">
-                  <a16:creationId xmlns:a16="http://schemas.microsoft.com/office/drawing/2014/main" id="{12C7D9B2-4DE6-7F28-E836-E6130A8E47CE}"/>
+                  <a16:creationId xmlns:a16="http://schemas.microsoft.com/office/drawing/2014/main" xmlns="" id="{12C7D9B2-4DE6-7F28-E836-E6130A8E47CE}"/>
                 </a:ext>
               </a:extLst>
             </p:cNvPr>
@@ -22513,7 +22528,7 @@
           <p:cNvPr id="12" name="TextBox 11">
             <a:extLst>
               <a:ext uri="{FF2B5EF4-FFF2-40B4-BE49-F238E27FC236}">
-                <a16:creationId xmlns:a16="http://schemas.microsoft.com/office/drawing/2014/main" id="{E3D1A648-F768-D88F-9BDC-800777C00475}"/>
+                <a16:creationId xmlns:a16="http://schemas.microsoft.com/office/drawing/2014/main" xmlns="" id="{E3D1A648-F768-D88F-9BDC-800777C00475}"/>
               </a:ext>
             </a:extLst>
           </p:cNvPr>
@@ -22554,7 +22569,7 @@
           <p:cNvPr id="15" name="TextBox 14">
             <a:extLst>
               <a:ext uri="{FF2B5EF4-FFF2-40B4-BE49-F238E27FC236}">
-                <a16:creationId xmlns:a16="http://schemas.microsoft.com/office/drawing/2014/main" id="{45671C37-D8CC-8AA7-55CC-CFAF5C57DD9E}"/>
+                <a16:creationId xmlns:a16="http://schemas.microsoft.com/office/drawing/2014/main" xmlns="" id="{45671C37-D8CC-8AA7-55CC-CFAF5C57DD9E}"/>
               </a:ext>
             </a:extLst>
           </p:cNvPr>
@@ -22602,7 +22617,7 @@
           <p:cNvPr id="19" name="직선 화살표 연결선 18">
             <a:extLst>
               <a:ext uri="{FF2B5EF4-FFF2-40B4-BE49-F238E27FC236}">
-                <a16:creationId xmlns:a16="http://schemas.microsoft.com/office/drawing/2014/main" id="{ABDBE690-EF16-4512-EF8E-EEB7AF73FB00}"/>
+                <a16:creationId xmlns:a16="http://schemas.microsoft.com/office/drawing/2014/main" xmlns="" id="{ABDBE690-EF16-4512-EF8E-EEB7AF73FB00}"/>
               </a:ext>
             </a:extLst>
           </p:cNvPr>
@@ -22643,7 +22658,7 @@
           <p:cNvPr id="20" name="그룹 1021">
             <a:extLst>
               <a:ext uri="{FF2B5EF4-FFF2-40B4-BE49-F238E27FC236}">
-                <a16:creationId xmlns:a16="http://schemas.microsoft.com/office/drawing/2014/main" id="{B8A7F102-36B0-F3D8-ADF6-48353B9AC0F8}"/>
+                <a16:creationId xmlns:a16="http://schemas.microsoft.com/office/drawing/2014/main" xmlns="" id="{B8A7F102-36B0-F3D8-ADF6-48353B9AC0F8}"/>
               </a:ext>
             </a:extLst>
           </p:cNvPr>
@@ -22663,7 +22678,7 @@
             <p:cNvPr id="21" name="Object 71">
               <a:extLst>
                 <a:ext uri="{FF2B5EF4-FFF2-40B4-BE49-F238E27FC236}">
-                  <a16:creationId xmlns:a16="http://schemas.microsoft.com/office/drawing/2014/main" id="{F7033BE2-7AFE-2641-5912-1808E37E08C5}"/>
+                  <a16:creationId xmlns:a16="http://schemas.microsoft.com/office/drawing/2014/main" xmlns="" id="{F7033BE2-7AFE-2641-5912-1808E37E08C5}"/>
                 </a:ext>
               </a:extLst>
             </p:cNvPr>
@@ -22694,7 +22709,7 @@
           <p:cNvPr id="22" name="TextBox 21">
             <a:extLst>
               <a:ext uri="{FF2B5EF4-FFF2-40B4-BE49-F238E27FC236}">
-                <a16:creationId xmlns:a16="http://schemas.microsoft.com/office/drawing/2014/main" id="{DF9F6847-7C78-C6D2-049D-42DA77BAA52E}"/>
+                <a16:creationId xmlns:a16="http://schemas.microsoft.com/office/drawing/2014/main" xmlns="" id="{DF9F6847-7C78-C6D2-049D-42DA77BAA52E}"/>
               </a:ext>
             </a:extLst>
           </p:cNvPr>
@@ -22742,7 +22757,7 @@
           <p:cNvPr id="23" name="TextBox 22">
             <a:extLst>
               <a:ext uri="{FF2B5EF4-FFF2-40B4-BE49-F238E27FC236}">
-                <a16:creationId xmlns:a16="http://schemas.microsoft.com/office/drawing/2014/main" id="{C28A5C5F-AF6B-467C-B631-B62EA94C6037}"/>
+                <a16:creationId xmlns:a16="http://schemas.microsoft.com/office/drawing/2014/main" xmlns="" id="{C28A5C5F-AF6B-467C-B631-B62EA94C6037}"/>
               </a:ext>
             </a:extLst>
           </p:cNvPr>
@@ -22820,7 +22835,7 @@
           <p:cNvPr id="3" name="그림 2">
             <a:extLst>
               <a:ext uri="{FF2B5EF4-FFF2-40B4-BE49-F238E27FC236}">
-                <a16:creationId xmlns:a16="http://schemas.microsoft.com/office/drawing/2014/main" id="{142DFEAD-13E2-B4E9-3B1F-312D9363FD2E}"/>
+                <a16:creationId xmlns:a16="http://schemas.microsoft.com/office/drawing/2014/main" xmlns="" id="{142DFEAD-13E2-B4E9-3B1F-312D9363FD2E}"/>
               </a:ext>
             </a:extLst>
           </p:cNvPr>
@@ -22850,7 +22865,7 @@
           <p:cNvPr id="8" name="그림 7">
             <a:extLst>
               <a:ext uri="{FF2B5EF4-FFF2-40B4-BE49-F238E27FC236}">
-                <a16:creationId xmlns:a16="http://schemas.microsoft.com/office/drawing/2014/main" id="{F329399D-53C1-3DDD-1C07-E2E98E0403A5}"/>
+                <a16:creationId xmlns:a16="http://schemas.microsoft.com/office/drawing/2014/main" xmlns="" id="{F329399D-53C1-3DDD-1C07-E2E98E0403A5}"/>
               </a:ext>
             </a:extLst>
           </p:cNvPr>
@@ -22880,7 +22895,7 @@
           <p:cNvPr id="11" name="그림 10">
             <a:extLst>
               <a:ext uri="{FF2B5EF4-FFF2-40B4-BE49-F238E27FC236}">
-                <a16:creationId xmlns:a16="http://schemas.microsoft.com/office/drawing/2014/main" id="{E3AC84B4-1D4D-AF48-1791-C0685053FF64}"/>
+                <a16:creationId xmlns:a16="http://schemas.microsoft.com/office/drawing/2014/main" xmlns="" id="{E3AC84B4-1D4D-AF48-1791-C0685053FF64}"/>
               </a:ext>
             </a:extLst>
           </p:cNvPr>
@@ -22910,7 +22925,7 @@
           <p:cNvPr id="13" name="그림 12">
             <a:extLst>
               <a:ext uri="{FF2B5EF4-FFF2-40B4-BE49-F238E27FC236}">
-                <a16:creationId xmlns:a16="http://schemas.microsoft.com/office/drawing/2014/main" id="{C5907070-679F-F2EF-E9FB-1DD978D0DCCB}"/>
+                <a16:creationId xmlns:a16="http://schemas.microsoft.com/office/drawing/2014/main" xmlns="" id="{C5907070-679F-F2EF-E9FB-1DD978D0DCCB}"/>
               </a:ext>
             </a:extLst>
           </p:cNvPr>
@@ -23045,7 +23060,7 @@
           <p:cNvPr id="3" name="그림 2">
             <a:extLst>
               <a:ext uri="{FF2B5EF4-FFF2-40B4-BE49-F238E27FC236}">
-                <a16:creationId xmlns:a16="http://schemas.microsoft.com/office/drawing/2014/main" id="{AE004337-05C0-D1B4-2333-607485CC0238}"/>
+                <a16:creationId xmlns:a16="http://schemas.microsoft.com/office/drawing/2014/main" xmlns="" id="{AE004337-05C0-D1B4-2333-607485CC0238}"/>
               </a:ext>
             </a:extLst>
           </p:cNvPr>
@@ -23075,7 +23090,7 @@
           <p:cNvPr id="7" name="그림 6">
             <a:extLst>
               <a:ext uri="{FF2B5EF4-FFF2-40B4-BE49-F238E27FC236}">
-                <a16:creationId xmlns:a16="http://schemas.microsoft.com/office/drawing/2014/main" id="{4BB1A179-B5CD-9988-4964-806A658C0FD5}"/>
+                <a16:creationId xmlns:a16="http://schemas.microsoft.com/office/drawing/2014/main" xmlns="" id="{4BB1A179-B5CD-9988-4964-806A658C0FD5}"/>
               </a:ext>
             </a:extLst>
           </p:cNvPr>
@@ -23135,7 +23150,7 @@
           <p:cNvPr id="3" name="그림 2">
             <a:extLst>
               <a:ext uri="{FF2B5EF4-FFF2-40B4-BE49-F238E27FC236}">
-                <a16:creationId xmlns:a16="http://schemas.microsoft.com/office/drawing/2014/main" id="{8A29B3FD-D2F5-7196-3A99-544288E955D3}"/>
+                <a16:creationId xmlns:a16="http://schemas.microsoft.com/office/drawing/2014/main" xmlns="" id="{8A29B3FD-D2F5-7196-3A99-544288E955D3}"/>
               </a:ext>
             </a:extLst>
           </p:cNvPr>
@@ -23188,7 +23203,7 @@
                 <a:gridCol w="2184296">
                   <a:extLst>
                     <a:ext uri="{9D8B030D-6E8A-4147-A177-3AD203B41FA5}">
-                      <a16:colId xmlns:a16="http://schemas.microsoft.com/office/drawing/2014/main" val="20000"/>
+                      <a16:colId xmlns:a16="http://schemas.microsoft.com/office/drawing/2014/main" xmlns="" val="20000"/>
                     </a:ext>
                   </a:extLst>
                 </a:gridCol>
@@ -23261,7 +23276,7 @@
                 </a:tc>
                 <a:extLst>
                   <a:ext uri="{0D108BD9-81ED-4DB2-BD59-A6C34878D82A}">
-                    <a16:rowId xmlns:a16="http://schemas.microsoft.com/office/drawing/2014/main" val="10000"/>
+                    <a16:rowId xmlns:a16="http://schemas.microsoft.com/office/drawing/2014/main" xmlns="" val="10000"/>
                   </a:ext>
                 </a:extLst>
               </a:tr>
@@ -23346,7 +23361,7 @@
                 </a:tc>
                 <a:extLst>
                   <a:ext uri="{0D108BD9-81ED-4DB2-BD59-A6C34878D82A}">
-                    <a16:rowId xmlns:a16="http://schemas.microsoft.com/office/drawing/2014/main" val="10001"/>
+                    <a16:rowId xmlns:a16="http://schemas.microsoft.com/office/drawing/2014/main" xmlns="" val="10001"/>
                   </a:ext>
                 </a:extLst>
               </a:tr>
@@ -23382,7 +23397,7 @@
                 <a:gridCol w="1731833">
                   <a:extLst>
                     <a:ext uri="{9D8B030D-6E8A-4147-A177-3AD203B41FA5}">
-                      <a16:colId xmlns:a16="http://schemas.microsoft.com/office/drawing/2014/main" val="20000"/>
+                      <a16:colId xmlns:a16="http://schemas.microsoft.com/office/drawing/2014/main" xmlns="" val="20000"/>
                     </a:ext>
                   </a:extLst>
                 </a:gridCol>
@@ -23455,7 +23470,7 @@
                 </a:tc>
                 <a:extLst>
                   <a:ext uri="{0D108BD9-81ED-4DB2-BD59-A6C34878D82A}">
-                    <a16:rowId xmlns:a16="http://schemas.microsoft.com/office/drawing/2014/main" val="10000"/>
+                    <a16:rowId xmlns:a16="http://schemas.microsoft.com/office/drawing/2014/main" xmlns="" val="10000"/>
                   </a:ext>
                 </a:extLst>
               </a:tr>
@@ -23531,7 +23546,7 @@
                 </a:tc>
                 <a:extLst>
                   <a:ext uri="{0D108BD9-81ED-4DB2-BD59-A6C34878D82A}">
-                    <a16:rowId xmlns:a16="http://schemas.microsoft.com/office/drawing/2014/main" val="10001"/>
+                    <a16:rowId xmlns:a16="http://schemas.microsoft.com/office/drawing/2014/main" xmlns="" val="10001"/>
                   </a:ext>
                 </a:extLst>
               </a:tr>
@@ -23544,7 +23559,7 @@
           <p:cNvPr id="12" name="직선 화살표 연결선 11">
             <a:extLst>
               <a:ext uri="{FF2B5EF4-FFF2-40B4-BE49-F238E27FC236}">
-                <a16:creationId xmlns:a16="http://schemas.microsoft.com/office/drawing/2014/main" id="{299DF5EC-9DF4-5255-06AC-0A7CE4FF58C3}"/>
+                <a16:creationId xmlns:a16="http://schemas.microsoft.com/office/drawing/2014/main" xmlns="" id="{299DF5EC-9DF4-5255-06AC-0A7CE4FF58C3}"/>
               </a:ext>
             </a:extLst>
           </p:cNvPr>
@@ -23585,7 +23600,7 @@
           <p:cNvPr id="14" name="직선 화살표 연결선 13">
             <a:extLst>
               <a:ext uri="{FF2B5EF4-FFF2-40B4-BE49-F238E27FC236}">
-                <a16:creationId xmlns:a16="http://schemas.microsoft.com/office/drawing/2014/main" id="{299DF5EC-9DF4-5255-06AC-0A7CE4FF58C3}"/>
+                <a16:creationId xmlns:a16="http://schemas.microsoft.com/office/drawing/2014/main" xmlns="" id="{299DF5EC-9DF4-5255-06AC-0A7CE4FF58C3}"/>
               </a:ext>
             </a:extLst>
           </p:cNvPr>
@@ -23626,7 +23641,7 @@
           <p:cNvPr id="17" name="그림 16">
             <a:extLst>
               <a:ext uri="{FF2B5EF4-FFF2-40B4-BE49-F238E27FC236}">
-                <a16:creationId xmlns:a16="http://schemas.microsoft.com/office/drawing/2014/main" id="{A0D54C75-06DF-34FA-8EDF-E83767E9D5ED}"/>
+                <a16:creationId xmlns:a16="http://schemas.microsoft.com/office/drawing/2014/main" xmlns="" id="{A0D54C75-06DF-34FA-8EDF-E83767E9D5ED}"/>
               </a:ext>
             </a:extLst>
           </p:cNvPr>
@@ -23656,7 +23671,7 @@
           <p:cNvPr id="18" name="TextBox 17">
             <a:extLst>
               <a:ext uri="{FF2B5EF4-FFF2-40B4-BE49-F238E27FC236}">
-                <a16:creationId xmlns:a16="http://schemas.microsoft.com/office/drawing/2014/main" id="{71B05053-8289-1F9F-8B7E-B347B93D526D}"/>
+                <a16:creationId xmlns:a16="http://schemas.microsoft.com/office/drawing/2014/main" xmlns="" id="{71B05053-8289-1F9F-8B7E-B347B93D526D}"/>
               </a:ext>
             </a:extLst>
           </p:cNvPr>
@@ -23930,7 +23945,7 @@
           <p:cNvPr id="5" name="그림 4">
             <a:extLst>
               <a:ext uri="{FF2B5EF4-FFF2-40B4-BE49-F238E27FC236}">
-                <a16:creationId xmlns:a16="http://schemas.microsoft.com/office/drawing/2014/main" id="{1BC0A0A6-270E-9BF6-A923-93B7FC26DDC7}"/>
+                <a16:creationId xmlns:a16="http://schemas.microsoft.com/office/drawing/2014/main" xmlns="" id="{1BC0A0A6-270E-9BF6-A923-93B7FC26DDC7}"/>
               </a:ext>
             </a:extLst>
           </p:cNvPr>
@@ -23960,7 +23975,7 @@
           <p:cNvPr id="7" name="그림 6">
             <a:extLst>
               <a:ext uri="{FF2B5EF4-FFF2-40B4-BE49-F238E27FC236}">
-                <a16:creationId xmlns:a16="http://schemas.microsoft.com/office/drawing/2014/main" id="{B4E80C2C-4702-3558-575F-A926C2739F63}"/>
+                <a16:creationId xmlns:a16="http://schemas.microsoft.com/office/drawing/2014/main" xmlns="" id="{B4E80C2C-4702-3558-575F-A926C2739F63}"/>
               </a:ext>
             </a:extLst>
           </p:cNvPr>
@@ -23990,7 +24005,7 @@
           <p:cNvPr id="8" name="직사각형 7">
             <a:extLst>
               <a:ext uri="{FF2B5EF4-FFF2-40B4-BE49-F238E27FC236}">
-                <a16:creationId xmlns:a16="http://schemas.microsoft.com/office/drawing/2014/main" id="{DB76431B-D934-06E0-D1E3-0E075F075268}"/>
+                <a16:creationId xmlns:a16="http://schemas.microsoft.com/office/drawing/2014/main" xmlns="" id="{DB76431B-D934-06E0-D1E3-0E075F075268}"/>
               </a:ext>
             </a:extLst>
           </p:cNvPr>
@@ -24042,7 +24057,7 @@
           <p:cNvPr id="9" name="직사각형 8">
             <a:extLst>
               <a:ext uri="{FF2B5EF4-FFF2-40B4-BE49-F238E27FC236}">
-                <a16:creationId xmlns:a16="http://schemas.microsoft.com/office/drawing/2014/main" id="{3141AE14-5BBD-D158-4A4F-5453EBE64075}"/>
+                <a16:creationId xmlns:a16="http://schemas.microsoft.com/office/drawing/2014/main" xmlns="" id="{3141AE14-5BBD-D158-4A4F-5453EBE64075}"/>
               </a:ext>
             </a:extLst>
           </p:cNvPr>
@@ -24124,7 +24139,7 @@
           <p:cNvPr id="4" name="TextBox 3">
             <a:extLst>
               <a:ext uri="{FF2B5EF4-FFF2-40B4-BE49-F238E27FC236}">
-                <a16:creationId xmlns:a16="http://schemas.microsoft.com/office/drawing/2014/main" id="{C507CFDB-7090-5342-8B89-7D3B03CC968B}"/>
+                <a16:creationId xmlns:a16="http://schemas.microsoft.com/office/drawing/2014/main" xmlns="" id="{C507CFDB-7090-5342-8B89-7D3B03CC968B}"/>
               </a:ext>
             </a:extLst>
           </p:cNvPr>
@@ -24344,7 +24359,7 @@
           <p:cNvPr id="2" name="TextBox 1">
             <a:extLst>
               <a:ext uri="{FF2B5EF4-FFF2-40B4-BE49-F238E27FC236}">
-                <a16:creationId xmlns:a16="http://schemas.microsoft.com/office/drawing/2014/main" id="{A4FEDEF3-5CEF-1DEF-7041-9792E36A7114}"/>
+                <a16:creationId xmlns:a16="http://schemas.microsoft.com/office/drawing/2014/main" xmlns="" id="{A4FEDEF3-5CEF-1DEF-7041-9792E36A7114}"/>
               </a:ext>
             </a:extLst>
           </p:cNvPr>
@@ -24402,7 +24417,7 @@
           <p:cNvPr id="5" name="그림 4">
             <a:extLst>
               <a:ext uri="{FF2B5EF4-FFF2-40B4-BE49-F238E27FC236}">
-                <a16:creationId xmlns:a16="http://schemas.microsoft.com/office/drawing/2014/main" id="{0DB5ED3D-70F2-F74D-2694-0DBB2A7FC2F0}"/>
+                <a16:creationId xmlns:a16="http://schemas.microsoft.com/office/drawing/2014/main" xmlns="" id="{0DB5ED3D-70F2-F74D-2694-0DBB2A7FC2F0}"/>
               </a:ext>
             </a:extLst>
           </p:cNvPr>
@@ -24432,7 +24447,7 @@
           <p:cNvPr id="7" name="직선 화살표 연결선 6">
             <a:extLst>
               <a:ext uri="{FF2B5EF4-FFF2-40B4-BE49-F238E27FC236}">
-                <a16:creationId xmlns:a16="http://schemas.microsoft.com/office/drawing/2014/main" id="{E8F4DE9D-0B12-2DA2-E00B-4E8AC44548B6}"/>
+                <a16:creationId xmlns:a16="http://schemas.microsoft.com/office/drawing/2014/main" xmlns="" id="{E8F4DE9D-0B12-2DA2-E00B-4E8AC44548B6}"/>
               </a:ext>
             </a:extLst>
           </p:cNvPr>
@@ -24473,7 +24488,7 @@
           <p:cNvPr id="10" name="직사각형 9">
             <a:extLst>
               <a:ext uri="{FF2B5EF4-FFF2-40B4-BE49-F238E27FC236}">
-                <a16:creationId xmlns:a16="http://schemas.microsoft.com/office/drawing/2014/main" id="{FC9770A1-BF0A-20F1-C0FB-CC68E1B4BF72}"/>
+                <a16:creationId xmlns:a16="http://schemas.microsoft.com/office/drawing/2014/main" xmlns="" id="{FC9770A1-BF0A-20F1-C0FB-CC68E1B4BF72}"/>
               </a:ext>
             </a:extLst>
           </p:cNvPr>
@@ -24525,7 +24540,7 @@
           <p:cNvPr id="11" name="TextBox 10">
             <a:extLst>
               <a:ext uri="{FF2B5EF4-FFF2-40B4-BE49-F238E27FC236}">
-                <a16:creationId xmlns:a16="http://schemas.microsoft.com/office/drawing/2014/main" id="{DC6B2D5D-08A1-E2A7-6615-3A23064A4AC6}"/>
+                <a16:creationId xmlns:a16="http://schemas.microsoft.com/office/drawing/2014/main" xmlns="" id="{DC6B2D5D-08A1-E2A7-6615-3A23064A4AC6}"/>
               </a:ext>
             </a:extLst>
           </p:cNvPr>
@@ -24568,6 +24583,60 @@
           </a:p>
         </p:txBody>
       </p:sp>
+      <p:pic>
+        <p:nvPicPr>
+          <p:cNvPr id="8" name="그림 7">
+            <a:extLst>
+              <a:ext uri="{FF2B5EF4-FFF2-40B4-BE49-F238E27FC236}">
+                <a16:creationId xmlns:a16="http://schemas.microsoft.com/office/drawing/2014/main" xmlns="" id="{AE004337-05C0-D1B4-2333-607485CC0238}"/>
+              </a:ext>
+            </a:extLst>
+          </p:cNvPr>
+          <p:cNvPicPr>
+            <a:picLocks noChangeAspect="1"/>
+          </p:cNvPicPr>
+          <p:nvPr/>
+        </p:nvPicPr>
+        <p:blipFill>
+          <a:blip r:embed="rId3"/>
+          <a:stretch>
+            <a:fillRect/>
+          </a:stretch>
+        </p:blipFill>
+        <p:spPr>
+          <a:xfrm>
+            <a:off x="7924800" y="1257300"/>
+            <a:ext cx="10260008" cy="5105400"/>
+          </a:xfrm>
+          <a:prstGeom prst="rect">
+            <a:avLst/>
+          </a:prstGeom>
+        </p:spPr>
+      </p:pic>
+      <p:pic>
+        <p:nvPicPr>
+          <p:cNvPr id="3" name="그림 2"/>
+          <p:cNvPicPr>
+            <a:picLocks noChangeAspect="1"/>
+          </p:cNvPicPr>
+          <p:nvPr/>
+        </p:nvPicPr>
+        <p:blipFill>
+          <a:blip r:embed="rId4"/>
+          <a:stretch>
+            <a:fillRect/>
+          </a:stretch>
+        </p:blipFill>
+        <p:spPr>
+          <a:xfrm>
+            <a:off x="7962314" y="6591300"/>
+            <a:ext cx="3986831" cy="3594684"/>
+          </a:xfrm>
+          <a:prstGeom prst="rect">
+            <a:avLst/>
+          </a:prstGeom>
+        </p:spPr>
+      </p:pic>
     </p:spTree>
     <p:extLst>
       <p:ext uri="{BB962C8B-B14F-4D97-AF65-F5344CB8AC3E}">
@@ -24578,10 +24647,753 @@
   <p:clrMapOvr>
     <a:masterClrMapping/>
   </p:clrMapOvr>
+  <p:timing>
+    <p:tnLst>
+      <p:par>
+        <p:cTn id="1" dur="indefinite" restart="never" nodeType="tmRoot"/>
+      </p:par>
+    </p:tnLst>
+  </p:timing>
 </p:sld>
 </file>
 
 <file path=ppt/slides/slide49.xml><?xml version="1.0" encoding="utf-8"?>
+<p:sld xmlns:a="http://schemas.openxmlformats.org/drawingml/2006/main" xmlns:r="http://schemas.openxmlformats.org/officeDocument/2006/relationships" xmlns:p="http://schemas.openxmlformats.org/presentationml/2006/main">
+  <p:cSld>
+    <p:spTree>
+      <p:nvGrpSpPr>
+        <p:cNvPr id="1" name=""/>
+        <p:cNvGrpSpPr/>
+        <p:nvPr/>
+      </p:nvGrpSpPr>
+      <p:grpSpPr>
+        <a:xfrm>
+          <a:off x="0" y="0"/>
+          <a:ext cx="0" cy="0"/>
+          <a:chOff x="0" y="0"/>
+          <a:chExt cx="0" cy="0"/>
+        </a:xfrm>
+      </p:grpSpPr>
+      <p:pic>
+        <p:nvPicPr>
+          <p:cNvPr id="4" name="그림 3"/>
+          <p:cNvPicPr>
+            <a:picLocks noChangeAspect="1"/>
+          </p:cNvPicPr>
+          <p:nvPr/>
+        </p:nvPicPr>
+        <p:blipFill>
+          <a:blip r:embed="rId2"/>
+          <a:stretch>
+            <a:fillRect/>
+          </a:stretch>
+        </p:blipFill>
+        <p:spPr>
+          <a:xfrm>
+            <a:off x="685799" y="723900"/>
+            <a:ext cx="9728679" cy="4419600"/>
+          </a:xfrm>
+          <a:prstGeom prst="rect">
+            <a:avLst/>
+          </a:prstGeom>
+        </p:spPr>
+      </p:pic>
+      <p:pic>
+        <p:nvPicPr>
+          <p:cNvPr id="5" name="그림 4"/>
+          <p:cNvPicPr>
+            <a:picLocks noChangeAspect="1"/>
+          </p:cNvPicPr>
+          <p:nvPr/>
+        </p:nvPicPr>
+        <p:blipFill>
+          <a:blip r:embed="rId3"/>
+          <a:stretch>
+            <a:fillRect/>
+          </a:stretch>
+        </p:blipFill>
+        <p:spPr>
+          <a:xfrm>
+            <a:off x="11049000" y="1108857"/>
+            <a:ext cx="5874273" cy="4034643"/>
+          </a:xfrm>
+          <a:prstGeom prst="rect">
+            <a:avLst/>
+          </a:prstGeom>
+        </p:spPr>
+      </p:pic>
+      <p:sp>
+        <p:nvSpPr>
+          <p:cNvPr id="6" name="직사각형 5">
+            <a:extLst>
+              <a:ext uri="{FF2B5EF4-FFF2-40B4-BE49-F238E27FC236}">
+                <a16:creationId xmlns:a16="http://schemas.microsoft.com/office/drawing/2014/main" xmlns="" id="{FFF506F9-840A-0508-4CAF-3AC711D8D5CE}"/>
+              </a:ext>
+            </a:extLst>
+          </p:cNvPr>
+          <p:cNvSpPr/>
+          <p:nvPr/>
+        </p:nvSpPr>
+        <p:spPr>
+          <a:xfrm>
+            <a:off x="13030200" y="4152900"/>
+            <a:ext cx="3352800" cy="990600"/>
+          </a:xfrm>
+          <a:prstGeom prst="rect">
+            <a:avLst/>
+          </a:prstGeom>
+          <a:noFill/>
+          <a:ln>
+            <a:solidFill>
+              <a:srgbClr val="FF0000"/>
+            </a:solidFill>
+          </a:ln>
+        </p:spPr>
+        <p:style>
+          <a:lnRef idx="2">
+            <a:schemeClr val="accent2">
+              <a:shade val="50000"/>
+            </a:schemeClr>
+          </a:lnRef>
+          <a:fillRef idx="1">
+            <a:schemeClr val="accent2"/>
+          </a:fillRef>
+          <a:effectRef idx="0">
+            <a:schemeClr val="accent2"/>
+          </a:effectRef>
+          <a:fontRef idx="minor">
+            <a:schemeClr val="lt1"/>
+          </a:fontRef>
+        </p:style>
+        <p:txBody>
+          <a:bodyPr rtlCol="0" anchor="ctr"/>
+          <a:lstStyle/>
+          <a:p>
+            <a:pPr algn="ctr"/>
+            <a:endParaRPr lang="ko-KR" altLang="en-US"/>
+          </a:p>
+        </p:txBody>
+      </p:sp>
+    </p:spTree>
+    <p:extLst>
+      <p:ext uri="{BB962C8B-B14F-4D97-AF65-F5344CB8AC3E}">
+        <p14:creationId xmlns:p14="http://schemas.microsoft.com/office/powerpoint/2010/main" val="2210398710"/>
+      </p:ext>
+    </p:extLst>
+  </p:cSld>
+  <p:clrMapOvr>
+    <a:masterClrMapping/>
+  </p:clrMapOvr>
+  <p:timing>
+    <p:tnLst>
+      <p:par>
+        <p:cTn id="1" dur="indefinite" restart="never" nodeType="tmRoot"/>
+      </p:par>
+    </p:tnLst>
+  </p:timing>
+</p:sld>
+</file>
+
+<file path=ppt/slides/slide5.xml><?xml version="1.0" encoding="utf-8"?>
+<p:sld xmlns:a="http://schemas.openxmlformats.org/drawingml/2006/main" xmlns:r="http://schemas.openxmlformats.org/officeDocument/2006/relationships" xmlns:p="http://schemas.openxmlformats.org/presentationml/2006/main">
+  <p:cSld>
+    <p:spTree>
+      <p:nvGrpSpPr>
+        <p:cNvPr id="1" name=""/>
+        <p:cNvGrpSpPr/>
+        <p:nvPr/>
+      </p:nvGrpSpPr>
+      <p:grpSpPr>
+        <a:xfrm>
+          <a:off x="0" y="0"/>
+          <a:ext cx="0" cy="0"/>
+          <a:chOff x="0" y="0"/>
+          <a:chExt cx="0" cy="0"/>
+        </a:xfrm>
+      </p:grpSpPr>
+      <p:grpSp>
+        <p:nvGrpSpPr>
+          <p:cNvPr id="4" name="그룹 1015">
+            <a:extLst>
+              <a:ext uri="{FF2B5EF4-FFF2-40B4-BE49-F238E27FC236}">
+                <a16:creationId xmlns:a16="http://schemas.microsoft.com/office/drawing/2014/main" xmlns="" id="{76F5E01D-ECD6-A51D-DC2B-05DA1EBF93C7}"/>
+              </a:ext>
+            </a:extLst>
+          </p:cNvPr>
+          <p:cNvGrpSpPr/>
+          <p:nvPr/>
+        </p:nvGrpSpPr>
+        <p:grpSpPr>
+          <a:xfrm>
+            <a:off x="7092192" y="2913503"/>
+            <a:ext cx="3753082" cy="785575"/>
+            <a:chOff x="7305119" y="3255660"/>
+            <a:chExt cx="3753082" cy="785575"/>
+          </a:xfrm>
+        </p:grpSpPr>
+        <p:pic>
+          <p:nvPicPr>
+            <p:cNvPr id="5" name="Object 52">
+              <a:extLst>
+                <a:ext uri="{FF2B5EF4-FFF2-40B4-BE49-F238E27FC236}">
+                  <a16:creationId xmlns:a16="http://schemas.microsoft.com/office/drawing/2014/main" xmlns="" id="{D83975B3-46BC-7686-ECA1-1D7ECFA74A69}"/>
+                </a:ext>
+              </a:extLst>
+            </p:cNvPr>
+            <p:cNvPicPr>
+              <a:picLocks noChangeAspect="1"/>
+            </p:cNvPicPr>
+            <p:nvPr/>
+          </p:nvPicPr>
+          <p:blipFill>
+            <a:blip r:embed="rId2" cstate="print"/>
+            <a:stretch>
+              <a:fillRect/>
+            </a:stretch>
+          </p:blipFill>
+          <p:spPr>
+            <a:xfrm>
+              <a:off x="7305119" y="3255660"/>
+              <a:ext cx="3753082" cy="785575"/>
+            </a:xfrm>
+            <a:prstGeom prst="rect">
+              <a:avLst/>
+            </a:prstGeom>
+          </p:spPr>
+        </p:pic>
+      </p:grpSp>
+      <p:grpSp>
+        <p:nvGrpSpPr>
+          <p:cNvPr id="6" name="그룹 1018">
+            <a:extLst>
+              <a:ext uri="{FF2B5EF4-FFF2-40B4-BE49-F238E27FC236}">
+                <a16:creationId xmlns:a16="http://schemas.microsoft.com/office/drawing/2014/main" xmlns="" id="{008489BA-FEFA-DE7D-B3CD-53A358B82592}"/>
+              </a:ext>
+            </a:extLst>
+          </p:cNvPr>
+          <p:cNvGrpSpPr/>
+          <p:nvPr/>
+        </p:nvGrpSpPr>
+        <p:grpSpPr>
+          <a:xfrm>
+            <a:off x="2590800" y="4486414"/>
+            <a:ext cx="3393622" cy="1114286"/>
+            <a:chOff x="2803727" y="4828571"/>
+            <a:chExt cx="3393622" cy="1114286"/>
+          </a:xfrm>
+        </p:grpSpPr>
+        <p:pic>
+          <p:nvPicPr>
+            <p:cNvPr id="7" name="Object 61">
+              <a:extLst>
+                <a:ext uri="{FF2B5EF4-FFF2-40B4-BE49-F238E27FC236}">
+                  <a16:creationId xmlns:a16="http://schemas.microsoft.com/office/drawing/2014/main" xmlns="" id="{9ED25BE3-45BE-AC6D-D835-4457854D2832}"/>
+                </a:ext>
+              </a:extLst>
+            </p:cNvPr>
+            <p:cNvPicPr>
+              <a:picLocks noChangeAspect="1"/>
+            </p:cNvPicPr>
+            <p:nvPr/>
+          </p:nvPicPr>
+          <p:blipFill>
+            <a:blip r:embed="rId3" cstate="print"/>
+            <a:stretch>
+              <a:fillRect/>
+            </a:stretch>
+          </p:blipFill>
+          <p:spPr>
+            <a:xfrm>
+              <a:off x="2803727" y="4828571"/>
+              <a:ext cx="3393622" cy="1114286"/>
+            </a:xfrm>
+            <a:prstGeom prst="rect">
+              <a:avLst/>
+            </a:prstGeom>
+          </p:spPr>
+        </p:pic>
+      </p:grpSp>
+      <p:grpSp>
+        <p:nvGrpSpPr>
+          <p:cNvPr id="8" name="그룹 1021">
+            <a:extLst>
+              <a:ext uri="{FF2B5EF4-FFF2-40B4-BE49-F238E27FC236}">
+                <a16:creationId xmlns:a16="http://schemas.microsoft.com/office/drawing/2014/main" xmlns="" id="{7FE0C0A1-ABE4-F0EA-AFC1-4622C45C99E7}"/>
+              </a:ext>
+            </a:extLst>
+          </p:cNvPr>
+          <p:cNvGrpSpPr/>
+          <p:nvPr/>
+        </p:nvGrpSpPr>
+        <p:grpSpPr>
+          <a:xfrm>
+            <a:off x="7233119" y="4486414"/>
+            <a:ext cx="3393622" cy="1114286"/>
+            <a:chOff x="7446046" y="4828571"/>
+            <a:chExt cx="3393622" cy="1114286"/>
+          </a:xfrm>
+        </p:grpSpPr>
+        <p:pic>
+          <p:nvPicPr>
+            <p:cNvPr id="9" name="Object 71">
+              <a:extLst>
+                <a:ext uri="{FF2B5EF4-FFF2-40B4-BE49-F238E27FC236}">
+                  <a16:creationId xmlns:a16="http://schemas.microsoft.com/office/drawing/2014/main" xmlns="" id="{CDBB7D83-509F-9F4C-0C3E-DBA2562E5520}"/>
+                </a:ext>
+              </a:extLst>
+            </p:cNvPr>
+            <p:cNvPicPr>
+              <a:picLocks noChangeAspect="1"/>
+            </p:cNvPicPr>
+            <p:nvPr/>
+          </p:nvPicPr>
+          <p:blipFill>
+            <a:blip r:embed="rId3" cstate="print"/>
+            <a:stretch>
+              <a:fillRect/>
+            </a:stretch>
+          </p:blipFill>
+          <p:spPr>
+            <a:xfrm>
+              <a:off x="7446046" y="4828571"/>
+              <a:ext cx="3393622" cy="1114286"/>
+            </a:xfrm>
+            <a:prstGeom prst="rect">
+              <a:avLst/>
+            </a:prstGeom>
+          </p:spPr>
+        </p:pic>
+      </p:grpSp>
+      <p:grpSp>
+        <p:nvGrpSpPr>
+          <p:cNvPr id="10" name="그룹 1024">
+            <a:extLst>
+              <a:ext uri="{FF2B5EF4-FFF2-40B4-BE49-F238E27FC236}">
+                <a16:creationId xmlns:a16="http://schemas.microsoft.com/office/drawing/2014/main" xmlns="" id="{8EB1611F-852C-9617-AEEB-CFA38FFF8001}"/>
+              </a:ext>
+            </a:extLst>
+          </p:cNvPr>
+          <p:cNvGrpSpPr/>
+          <p:nvPr/>
+        </p:nvGrpSpPr>
+        <p:grpSpPr>
+          <a:xfrm>
+            <a:off x="11875438" y="4486414"/>
+            <a:ext cx="3393622" cy="1114286"/>
+            <a:chOff x="12088365" y="4828571"/>
+            <a:chExt cx="3393622" cy="1114286"/>
+          </a:xfrm>
+        </p:grpSpPr>
+        <p:pic>
+          <p:nvPicPr>
+            <p:cNvPr id="11" name="Object 81">
+              <a:extLst>
+                <a:ext uri="{FF2B5EF4-FFF2-40B4-BE49-F238E27FC236}">
+                  <a16:creationId xmlns:a16="http://schemas.microsoft.com/office/drawing/2014/main" xmlns="" id="{08657582-A0DF-A5DC-A662-189C639920C8}"/>
+                </a:ext>
+              </a:extLst>
+            </p:cNvPr>
+            <p:cNvPicPr>
+              <a:picLocks noChangeAspect="1"/>
+            </p:cNvPicPr>
+            <p:nvPr/>
+          </p:nvPicPr>
+          <p:blipFill>
+            <a:blip r:embed="rId3" cstate="print"/>
+            <a:stretch>
+              <a:fillRect/>
+            </a:stretch>
+          </p:blipFill>
+          <p:spPr>
+            <a:xfrm>
+              <a:off x="12088365" y="4828571"/>
+              <a:ext cx="3393622" cy="1114286"/>
+            </a:xfrm>
+            <a:prstGeom prst="rect">
+              <a:avLst/>
+            </a:prstGeom>
+          </p:spPr>
+        </p:pic>
+      </p:grpSp>
+      <p:sp>
+        <p:nvSpPr>
+          <p:cNvPr id="12" name="TextBox 11">
+            <a:extLst>
+              <a:ext uri="{FF2B5EF4-FFF2-40B4-BE49-F238E27FC236}">
+                <a16:creationId xmlns:a16="http://schemas.microsoft.com/office/drawing/2014/main" xmlns="" id="{FC41B7B2-904B-813A-22B8-239E383F4360}"/>
+              </a:ext>
+            </a:extLst>
+          </p:cNvPr>
+          <p:cNvSpPr txBox="1"/>
+          <p:nvPr/>
+        </p:nvSpPr>
+        <p:spPr>
+          <a:xfrm>
+            <a:off x="8263995" y="2946640"/>
+            <a:ext cx="1946805" cy="769441"/>
+          </a:xfrm>
+          <a:prstGeom prst="rect">
+            <a:avLst/>
+          </a:prstGeom>
+          <a:noFill/>
+        </p:spPr>
+        <p:txBody>
+          <a:bodyPr wrap="square" rtlCol="0">
+            <a:spAutoFit/>
+          </a:bodyPr>
+          <a:lstStyle/>
+          <a:p>
+            <a:r>
+              <a:rPr lang="en-US" altLang="ko-KR" sz="4400">
+                <a:solidFill>
+                  <a:srgbClr val="4C50BC"/>
+                </a:solidFill>
+                <a:latin typeface="G마켓 산스 Medium" panose="02000000000000000000" pitchFamily="50" charset="-127"/>
+                <a:ea typeface="G마켓 산스 Medium" panose="02000000000000000000" pitchFamily="50" charset="-127"/>
+              </a:rPr>
+              <a:t>Unit</a:t>
+            </a:r>
+            <a:endParaRPr lang="en-US" altLang="ko-KR" sz="4400" dirty="0">
+              <a:solidFill>
+                <a:srgbClr val="4C50BC"/>
+              </a:solidFill>
+              <a:latin typeface="G마켓 산스 Medium" panose="02000000000000000000" pitchFamily="50" charset="-127"/>
+              <a:ea typeface="G마켓 산스 Medium" panose="02000000000000000000" pitchFamily="50" charset="-127"/>
+            </a:endParaRPr>
+          </a:p>
+        </p:txBody>
+      </p:sp>
+      <p:sp>
+        <p:nvSpPr>
+          <p:cNvPr id="13" name="TextBox 12">
+            <a:extLst>
+              <a:ext uri="{FF2B5EF4-FFF2-40B4-BE49-F238E27FC236}">
+                <a16:creationId xmlns:a16="http://schemas.microsoft.com/office/drawing/2014/main" xmlns="" id="{F68B80B8-3419-5C31-B2F2-084E536A2C1C}"/>
+              </a:ext>
+            </a:extLst>
+          </p:cNvPr>
+          <p:cNvSpPr txBox="1"/>
+          <p:nvPr/>
+        </p:nvSpPr>
+        <p:spPr>
+          <a:xfrm>
+            <a:off x="3241645" y="4705572"/>
+            <a:ext cx="1936749" cy="646331"/>
+          </a:xfrm>
+          <a:prstGeom prst="rect">
+            <a:avLst/>
+          </a:prstGeom>
+          <a:noFill/>
+        </p:spPr>
+        <p:txBody>
+          <a:bodyPr wrap="none" rtlCol="0">
+            <a:spAutoFit/>
+          </a:bodyPr>
+          <a:lstStyle/>
+          <a:p>
+            <a:r>
+              <a:rPr lang="en-US" altLang="ko-KR" sz="3600">
+                <a:solidFill>
+                  <a:srgbClr val="4D4848"/>
+                </a:solidFill>
+                <a:latin typeface="G마켓 산스 Medium" panose="02000000000000000000" pitchFamily="50" charset="-127"/>
+                <a:ea typeface="G마켓 산스 Medium" panose="02000000000000000000" pitchFamily="50" charset="-127"/>
+              </a:rPr>
+              <a:t>Marine</a:t>
+            </a:r>
+            <a:endParaRPr lang="ko-KR" altLang="en-US" sz="2800" dirty="0">
+              <a:solidFill>
+                <a:srgbClr val="4D4848"/>
+              </a:solidFill>
+              <a:latin typeface="G마켓 산스 Medium" panose="02000000000000000000" pitchFamily="50" charset="-127"/>
+              <a:ea typeface="G마켓 산스 Medium" panose="02000000000000000000" pitchFamily="50" charset="-127"/>
+            </a:endParaRPr>
+          </a:p>
+        </p:txBody>
+      </p:sp>
+      <p:sp>
+        <p:nvSpPr>
+          <p:cNvPr id="14" name="TextBox 13">
+            <a:extLst>
+              <a:ext uri="{FF2B5EF4-FFF2-40B4-BE49-F238E27FC236}">
+                <a16:creationId xmlns:a16="http://schemas.microsoft.com/office/drawing/2014/main" xmlns="" id="{CB471B39-052C-65D2-3069-C74FA7421876}"/>
+              </a:ext>
+            </a:extLst>
+          </p:cNvPr>
+          <p:cNvSpPr txBox="1"/>
+          <p:nvPr/>
+        </p:nvSpPr>
+        <p:spPr>
+          <a:xfrm>
+            <a:off x="7888580" y="4684228"/>
+            <a:ext cx="2274982" cy="646331"/>
+          </a:xfrm>
+          <a:prstGeom prst="rect">
+            <a:avLst/>
+          </a:prstGeom>
+          <a:noFill/>
+        </p:spPr>
+        <p:txBody>
+          <a:bodyPr wrap="none" rtlCol="0">
+            <a:spAutoFit/>
+          </a:bodyPr>
+          <a:lstStyle/>
+          <a:p>
+            <a:r>
+              <a:rPr lang="en-US" altLang="ko-KR" sz="3600">
+                <a:solidFill>
+                  <a:srgbClr val="4D4848"/>
+                </a:solidFill>
+                <a:latin typeface="G마켓 산스 Medium" panose="02000000000000000000" pitchFamily="50" charset="-127"/>
+                <a:ea typeface="G마켓 산스 Medium" panose="02000000000000000000" pitchFamily="50" charset="-127"/>
+              </a:rPr>
+              <a:t>Zergling</a:t>
+            </a:r>
+            <a:endParaRPr lang="ko-KR" altLang="en-US" sz="2800" dirty="0">
+              <a:solidFill>
+                <a:srgbClr val="4D4848"/>
+              </a:solidFill>
+              <a:latin typeface="G마켓 산스 Medium" panose="02000000000000000000" pitchFamily="50" charset="-127"/>
+              <a:ea typeface="G마켓 산스 Medium" panose="02000000000000000000" pitchFamily="50" charset="-127"/>
+            </a:endParaRPr>
+          </a:p>
+        </p:txBody>
+      </p:sp>
+      <p:sp>
+        <p:nvSpPr>
+          <p:cNvPr id="15" name="TextBox 14">
+            <a:extLst>
+              <a:ext uri="{FF2B5EF4-FFF2-40B4-BE49-F238E27FC236}">
+                <a16:creationId xmlns:a16="http://schemas.microsoft.com/office/drawing/2014/main" xmlns="" id="{4A7E270B-9322-EABD-3A34-4D211B23AD38}"/>
+              </a:ext>
+            </a:extLst>
+          </p:cNvPr>
+          <p:cNvSpPr txBox="1"/>
+          <p:nvPr/>
+        </p:nvSpPr>
+        <p:spPr>
+          <a:xfrm>
+            <a:off x="12470834" y="4705572"/>
+            <a:ext cx="1787669" cy="646331"/>
+          </a:xfrm>
+          <a:prstGeom prst="rect">
+            <a:avLst/>
+          </a:prstGeom>
+          <a:noFill/>
+        </p:spPr>
+        <p:txBody>
+          <a:bodyPr wrap="none" rtlCol="0">
+            <a:spAutoFit/>
+          </a:bodyPr>
+          <a:lstStyle/>
+          <a:p>
+            <a:r>
+              <a:rPr lang="en-US" altLang="ko-KR" sz="3600">
+                <a:solidFill>
+                  <a:srgbClr val="4D4848"/>
+                </a:solidFill>
+                <a:latin typeface="G마켓 산스 Medium" panose="02000000000000000000" pitchFamily="50" charset="-127"/>
+                <a:ea typeface="G마켓 산스 Medium" panose="02000000000000000000" pitchFamily="50" charset="-127"/>
+              </a:rPr>
+              <a:t>Zealot</a:t>
+            </a:r>
+            <a:endParaRPr lang="ko-KR" altLang="en-US" sz="2800" dirty="0">
+              <a:solidFill>
+                <a:srgbClr val="4D4848"/>
+              </a:solidFill>
+              <a:latin typeface="G마켓 산스 Medium" panose="02000000000000000000" pitchFamily="50" charset="-127"/>
+              <a:ea typeface="G마켓 산스 Medium" panose="02000000000000000000" pitchFamily="50" charset="-127"/>
+            </a:endParaRPr>
+          </a:p>
+        </p:txBody>
+      </p:sp>
+      <p:cxnSp>
+        <p:nvCxnSpPr>
+          <p:cNvPr id="16" name="직선 화살표 연결선 15">
+            <a:extLst>
+              <a:ext uri="{FF2B5EF4-FFF2-40B4-BE49-F238E27FC236}">
+                <a16:creationId xmlns:a16="http://schemas.microsoft.com/office/drawing/2014/main" xmlns="" id="{174A1CAB-41DB-CBE5-A53E-D1E78982E7D5}"/>
+              </a:ext>
+            </a:extLst>
+          </p:cNvPr>
+          <p:cNvCxnSpPr>
+            <a:cxnSpLocks/>
+            <a:endCxn id="7" idx="0"/>
+          </p:cNvCxnSpPr>
+          <p:nvPr/>
+        </p:nvCxnSpPr>
+        <p:spPr>
+          <a:xfrm flipH="1">
+            <a:off x="4287611" y="3372128"/>
+            <a:ext cx="2722789" cy="1114286"/>
+          </a:xfrm>
+          <a:prstGeom prst="straightConnector1">
+            <a:avLst/>
+          </a:prstGeom>
+          <a:ln w="38100">
+            <a:tailEnd type="triangle"/>
+          </a:ln>
+        </p:spPr>
+        <p:style>
+          <a:lnRef idx="1">
+            <a:schemeClr val="accent2"/>
+          </a:lnRef>
+          <a:fillRef idx="0">
+            <a:schemeClr val="accent2"/>
+          </a:fillRef>
+          <a:effectRef idx="0">
+            <a:schemeClr val="accent2"/>
+          </a:effectRef>
+          <a:fontRef idx="minor">
+            <a:schemeClr val="tx1"/>
+          </a:fontRef>
+        </p:style>
+      </p:cxnSp>
+      <p:cxnSp>
+        <p:nvCxnSpPr>
+          <p:cNvPr id="17" name="직선 화살표 연결선 16">
+            <a:extLst>
+              <a:ext uri="{FF2B5EF4-FFF2-40B4-BE49-F238E27FC236}">
+                <a16:creationId xmlns:a16="http://schemas.microsoft.com/office/drawing/2014/main" xmlns="" id="{404BE807-8974-325D-28CE-80CBD5A23FD9}"/>
+              </a:ext>
+            </a:extLst>
+          </p:cNvPr>
+          <p:cNvCxnSpPr>
+            <a:cxnSpLocks/>
+          </p:cNvCxnSpPr>
+          <p:nvPr/>
+        </p:nvCxnSpPr>
+        <p:spPr>
+          <a:xfrm>
+            <a:off x="9024489" y="3732215"/>
+            <a:ext cx="6086" cy="681872"/>
+          </a:xfrm>
+          <a:prstGeom prst="straightConnector1">
+            <a:avLst/>
+          </a:prstGeom>
+          <a:ln w="38100">
+            <a:tailEnd type="triangle"/>
+          </a:ln>
+        </p:spPr>
+        <p:style>
+          <a:lnRef idx="1">
+            <a:schemeClr val="accent2"/>
+          </a:lnRef>
+          <a:fillRef idx="0">
+            <a:schemeClr val="accent2"/>
+          </a:fillRef>
+          <a:effectRef idx="0">
+            <a:schemeClr val="accent2"/>
+          </a:effectRef>
+          <a:fontRef idx="minor">
+            <a:schemeClr val="tx1"/>
+          </a:fontRef>
+        </p:style>
+      </p:cxnSp>
+      <p:cxnSp>
+        <p:nvCxnSpPr>
+          <p:cNvPr id="18" name="직선 화살표 연결선 17">
+            <a:extLst>
+              <a:ext uri="{FF2B5EF4-FFF2-40B4-BE49-F238E27FC236}">
+                <a16:creationId xmlns:a16="http://schemas.microsoft.com/office/drawing/2014/main" xmlns="" id="{8238D4B2-69F6-F17A-0286-66A8FB197956}"/>
+              </a:ext>
+            </a:extLst>
+          </p:cNvPr>
+          <p:cNvCxnSpPr>
+            <a:cxnSpLocks/>
+            <a:endCxn id="11" idx="0"/>
+          </p:cNvCxnSpPr>
+          <p:nvPr/>
+        </p:nvCxnSpPr>
+        <p:spPr>
+          <a:xfrm>
+            <a:off x="10876735" y="3331360"/>
+            <a:ext cx="2695514" cy="1155054"/>
+          </a:xfrm>
+          <a:prstGeom prst="straightConnector1">
+            <a:avLst/>
+          </a:prstGeom>
+          <a:ln w="38100">
+            <a:tailEnd type="triangle"/>
+          </a:ln>
+        </p:spPr>
+        <p:style>
+          <a:lnRef idx="1">
+            <a:schemeClr val="accent2"/>
+          </a:lnRef>
+          <a:fillRef idx="0">
+            <a:schemeClr val="accent2"/>
+          </a:fillRef>
+          <a:effectRef idx="0">
+            <a:schemeClr val="accent2"/>
+          </a:effectRef>
+          <a:fontRef idx="minor">
+            <a:schemeClr val="tx1"/>
+          </a:fontRef>
+        </p:style>
+      </p:cxnSp>
+      <p:pic>
+        <p:nvPicPr>
+          <p:cNvPr id="19" name="그림 18"/>
+          <p:cNvPicPr>
+            <a:picLocks noChangeAspect="1"/>
+          </p:cNvPicPr>
+          <p:nvPr/>
+        </p:nvPicPr>
+        <p:blipFill>
+          <a:blip r:embed="rId4"/>
+          <a:stretch>
+            <a:fillRect/>
+          </a:stretch>
+        </p:blipFill>
+        <p:spPr>
+          <a:xfrm>
+            <a:off x="2971800" y="495300"/>
+            <a:ext cx="5568233" cy="2165424"/>
+          </a:xfrm>
+          <a:prstGeom prst="rect">
+            <a:avLst/>
+          </a:prstGeom>
+        </p:spPr>
+      </p:pic>
+      <p:pic>
+        <p:nvPicPr>
+          <p:cNvPr id="2" name="그림 1"/>
+          <p:cNvPicPr>
+            <a:picLocks noChangeAspect="1"/>
+          </p:cNvPicPr>
+          <p:nvPr/>
+        </p:nvPicPr>
+        <p:blipFill>
+          <a:blip r:embed="rId5"/>
+          <a:stretch>
+            <a:fillRect/>
+          </a:stretch>
+        </p:blipFill>
+        <p:spPr>
+          <a:xfrm>
+            <a:off x="9033910" y="495300"/>
+            <a:ext cx="7870212" cy="2148062"/>
+          </a:xfrm>
+          <a:prstGeom prst="rect">
+            <a:avLst/>
+          </a:prstGeom>
+        </p:spPr>
+      </p:pic>
+    </p:spTree>
+    <p:extLst>
+      <p:ext uri="{BB962C8B-B14F-4D97-AF65-F5344CB8AC3E}">
+        <p14:creationId xmlns:p14="http://schemas.microsoft.com/office/powerpoint/2010/main" val="3737422770"/>
+      </p:ext>
+    </p:extLst>
+  </p:cSld>
+  <p:clrMapOvr>
+    <a:masterClrMapping/>
+  </p:clrMapOvr>
+</p:sld>
+</file>
+
+<file path=ppt/slides/slide50.xml><?xml version="1.0" encoding="utf-8"?>
 <p:sld xmlns:a="http://schemas.openxmlformats.org/drawingml/2006/main" xmlns:r="http://schemas.openxmlformats.org/officeDocument/2006/relationships" xmlns:p="http://schemas.openxmlformats.org/presentationml/2006/main">
   <p:cSld>
     <p:spTree>
@@ -24607,7 +25419,7 @@
           <p:nvPr>
             <p:extLst>
               <p:ext uri="{D42A27DB-BD31-4B8C-83A1-F6EECF244321}">
-                <p14:modId xmlns:p14="http://schemas.microsoft.com/office/powerpoint/2010/main" val="2875586924"/>
+                <p14:modId xmlns:p14="http://schemas.microsoft.com/office/powerpoint/2010/main" val="3653440350"/>
               </p:ext>
             </p:extLst>
           </p:nvPr>
@@ -24626,14 +25438,14 @@
                 <a:gridCol w="2537224">
                   <a:extLst>
                     <a:ext uri="{9D8B030D-6E8A-4147-A177-3AD203B41FA5}">
-                      <a16:colId xmlns:a16="http://schemas.microsoft.com/office/drawing/2014/main" val="20000"/>
+                      <a16:colId xmlns:a16="http://schemas.microsoft.com/office/drawing/2014/main" xmlns="" val="20000"/>
                     </a:ext>
                   </a:extLst>
                 </a:gridCol>
                 <a:gridCol w="2568176">
                   <a:extLst>
                     <a:ext uri="{9D8B030D-6E8A-4147-A177-3AD203B41FA5}">
-                      <a16:colId xmlns:a16="http://schemas.microsoft.com/office/drawing/2014/main" val="20001"/>
+                      <a16:colId xmlns:a16="http://schemas.microsoft.com/office/drawing/2014/main" xmlns="" val="20001"/>
                     </a:ext>
                   </a:extLst>
                 </a:gridCol>
@@ -24762,7 +25574,7 @@
                 </a:tc>
                 <a:extLst>
                   <a:ext uri="{0D108BD9-81ED-4DB2-BD59-A6C34878D82A}">
-                    <a16:rowId xmlns:a16="http://schemas.microsoft.com/office/drawing/2014/main" val="10000"/>
+                    <a16:rowId xmlns:a16="http://schemas.microsoft.com/office/drawing/2014/main" xmlns="" val="10000"/>
                   </a:ext>
                 </a:extLst>
               </a:tr>
@@ -24863,10 +25675,10 @@
                         <a:defRPr/>
                       </a:pPr>
                       <a:r>
-                        <a:rPr lang="en-US" altLang="ko-KR" sz="2800" dirty="0">
+                        <a:rPr lang="en-US" altLang="ko-KR" sz="2800" smtClean="0">
                           <a:ea typeface="G마켓 산스 Medium" panose="02000000000000000000"/>
                         </a:rPr>
-                        <a:t>age</a:t>
+                        <a:t>age =50</a:t>
                       </a:r>
                       <a:endParaRPr lang="ko-KR" altLang="en-US" sz="2800" dirty="0">
                         <a:ea typeface="G마켓 산스 Medium" panose="02000000000000000000"/>
@@ -24915,7 +25727,7 @@
                 </a:tc>
                 <a:extLst>
                   <a:ext uri="{0D108BD9-81ED-4DB2-BD59-A6C34878D82A}">
-                    <a16:rowId xmlns:a16="http://schemas.microsoft.com/office/drawing/2014/main" val="10001"/>
+                    <a16:rowId xmlns:a16="http://schemas.microsoft.com/office/drawing/2014/main" xmlns="" val="10001"/>
                   </a:ext>
                 </a:extLst>
               </a:tr>
@@ -24984,10 +25796,10 @@
                     <a:p>
                       <a:pPr latinLnBrk="1"/>
                       <a:r>
-                        <a:rPr lang="en-US" altLang="ko-KR" sz="2800" dirty="0">
+                        <a:rPr lang="en-US" altLang="ko-KR" sz="2800" smtClean="0">
                           <a:ea typeface="G마켓 산스 Medium" panose="02000000000000000000"/>
                         </a:rPr>
-                        <a:t>age</a:t>
+                        <a:t>age =0</a:t>
                       </a:r>
                       <a:endParaRPr lang="ko-KR" altLang="en-US" sz="2800" dirty="0">
                         <a:ea typeface="G마켓 산스 Medium" panose="02000000000000000000"/>
@@ -25036,7 +25848,7 @@
                 </a:tc>
                 <a:extLst>
                   <a:ext uri="{0D108BD9-81ED-4DB2-BD59-A6C34878D82A}">
-                    <a16:rowId xmlns:a16="http://schemas.microsoft.com/office/drawing/2014/main" val="10002"/>
+                    <a16:rowId xmlns:a16="http://schemas.microsoft.com/office/drawing/2014/main" xmlns="" val="10002"/>
                   </a:ext>
                 </a:extLst>
               </a:tr>
@@ -25049,7 +25861,7 @@
           <p:cNvPr id="2" name="표 1">
             <a:extLst>
               <a:ext uri="{FF2B5EF4-FFF2-40B4-BE49-F238E27FC236}">
-                <a16:creationId xmlns:a16="http://schemas.microsoft.com/office/drawing/2014/main" id="{997BE140-4E76-8C74-849E-0234D3CEC4C7}"/>
+                <a16:creationId xmlns:a16="http://schemas.microsoft.com/office/drawing/2014/main" xmlns="" id="{997BE140-4E76-8C74-849E-0234D3CEC4C7}"/>
               </a:ext>
             </a:extLst>
           </p:cNvPr>
@@ -25078,7 +25890,7 @@
                 <a:gridCol w="2568176">
                   <a:extLst>
                     <a:ext uri="{9D8B030D-6E8A-4147-A177-3AD203B41FA5}">
-                      <a16:colId xmlns:a16="http://schemas.microsoft.com/office/drawing/2014/main" val="20001"/>
+                      <a16:colId xmlns:a16="http://schemas.microsoft.com/office/drawing/2014/main" xmlns="" val="20001"/>
                     </a:ext>
                   </a:extLst>
                 </a:gridCol>
@@ -25151,7 +25963,7 @@
                 </a:tc>
                 <a:extLst>
                   <a:ext uri="{0D108BD9-81ED-4DB2-BD59-A6C34878D82A}">
-                    <a16:rowId xmlns:a16="http://schemas.microsoft.com/office/drawing/2014/main" val="10000"/>
+                    <a16:rowId xmlns:a16="http://schemas.microsoft.com/office/drawing/2014/main" xmlns="" val="10000"/>
                   </a:ext>
                 </a:extLst>
               </a:tr>
@@ -25231,7 +26043,7 @@
                 </a:tc>
                 <a:extLst>
                   <a:ext uri="{0D108BD9-81ED-4DB2-BD59-A6C34878D82A}">
-                    <a16:rowId xmlns:a16="http://schemas.microsoft.com/office/drawing/2014/main" val="10001"/>
+                    <a16:rowId xmlns:a16="http://schemas.microsoft.com/office/drawing/2014/main" xmlns="" val="10001"/>
                   </a:ext>
                 </a:extLst>
               </a:tr>
@@ -25244,7 +26056,7 @@
           <p:cNvPr id="3" name="직선 화살표 연결선 2">
             <a:extLst>
               <a:ext uri="{FF2B5EF4-FFF2-40B4-BE49-F238E27FC236}">
-                <a16:creationId xmlns:a16="http://schemas.microsoft.com/office/drawing/2014/main" id="{73D6F2B2-EE0B-D6BD-4C3A-D7719A76DB6E}"/>
+                <a16:creationId xmlns:a16="http://schemas.microsoft.com/office/drawing/2014/main" xmlns="" id="{73D6F2B2-EE0B-D6BD-4C3A-D7719A76DB6E}"/>
               </a:ext>
             </a:extLst>
           </p:cNvPr>
@@ -25285,7 +26097,7 @@
           <p:cNvPr id="7" name="곱셈 기호 31">
             <a:extLst>
               <a:ext uri="{FF2B5EF4-FFF2-40B4-BE49-F238E27FC236}">
-                <a16:creationId xmlns:a16="http://schemas.microsoft.com/office/drawing/2014/main" id="{6BF67940-62CB-794B-EBE7-0F8173BA6D01}"/>
+                <a16:creationId xmlns:a16="http://schemas.microsoft.com/office/drawing/2014/main" xmlns="" id="{6BF67940-62CB-794B-EBE7-0F8173BA6D01}"/>
               </a:ext>
             </a:extLst>
           </p:cNvPr>
@@ -25341,7 +26153,7 @@
           <p:cNvPr id="9" name="TextBox 8">
             <a:extLst>
               <a:ext uri="{FF2B5EF4-FFF2-40B4-BE49-F238E27FC236}">
-                <a16:creationId xmlns:a16="http://schemas.microsoft.com/office/drawing/2014/main" id="{D64AB9AE-91FF-074E-A3DA-9241D7BF90DF}"/>
+                <a16:creationId xmlns:a16="http://schemas.microsoft.com/office/drawing/2014/main" xmlns="" id="{D64AB9AE-91FF-074E-A3DA-9241D7BF90DF}"/>
               </a:ext>
             </a:extLst>
           </p:cNvPr>
@@ -25578,606 +26390,7 @@
 </p:sld>
 </file>
 
-<file path=ppt/slides/slide5.xml><?xml version="1.0" encoding="utf-8"?>
-<p:sld xmlns:a="http://schemas.openxmlformats.org/drawingml/2006/main" xmlns:r="http://schemas.openxmlformats.org/officeDocument/2006/relationships" xmlns:p="http://schemas.openxmlformats.org/presentationml/2006/main">
-  <p:cSld>
-    <p:spTree>
-      <p:nvGrpSpPr>
-        <p:cNvPr id="1" name=""/>
-        <p:cNvGrpSpPr/>
-        <p:nvPr/>
-      </p:nvGrpSpPr>
-      <p:grpSpPr>
-        <a:xfrm>
-          <a:off x="0" y="0"/>
-          <a:ext cx="0" cy="0"/>
-          <a:chOff x="0" y="0"/>
-          <a:chExt cx="0" cy="0"/>
-        </a:xfrm>
-      </p:grpSpPr>
-      <p:grpSp>
-        <p:nvGrpSpPr>
-          <p:cNvPr id="4" name="그룹 1015">
-            <a:extLst>
-              <a:ext uri="{FF2B5EF4-FFF2-40B4-BE49-F238E27FC236}">
-                <a16:creationId xmlns:a16="http://schemas.microsoft.com/office/drawing/2014/main" id="{76F5E01D-ECD6-A51D-DC2B-05DA1EBF93C7}"/>
-              </a:ext>
-            </a:extLst>
-          </p:cNvPr>
-          <p:cNvGrpSpPr/>
-          <p:nvPr/>
-        </p:nvGrpSpPr>
-        <p:grpSpPr>
-          <a:xfrm>
-            <a:off x="7092192" y="2913503"/>
-            <a:ext cx="3753082" cy="785575"/>
-            <a:chOff x="7305119" y="3255660"/>
-            <a:chExt cx="3753082" cy="785575"/>
-          </a:xfrm>
-        </p:grpSpPr>
-        <p:pic>
-          <p:nvPicPr>
-            <p:cNvPr id="5" name="Object 52">
-              <a:extLst>
-                <a:ext uri="{FF2B5EF4-FFF2-40B4-BE49-F238E27FC236}">
-                  <a16:creationId xmlns:a16="http://schemas.microsoft.com/office/drawing/2014/main" id="{D83975B3-46BC-7686-ECA1-1D7ECFA74A69}"/>
-                </a:ext>
-              </a:extLst>
-            </p:cNvPr>
-            <p:cNvPicPr>
-              <a:picLocks noChangeAspect="1"/>
-            </p:cNvPicPr>
-            <p:nvPr/>
-          </p:nvPicPr>
-          <p:blipFill>
-            <a:blip r:embed="rId2" cstate="print"/>
-            <a:stretch>
-              <a:fillRect/>
-            </a:stretch>
-          </p:blipFill>
-          <p:spPr>
-            <a:xfrm>
-              <a:off x="7305119" y="3255660"/>
-              <a:ext cx="3753082" cy="785575"/>
-            </a:xfrm>
-            <a:prstGeom prst="rect">
-              <a:avLst/>
-            </a:prstGeom>
-          </p:spPr>
-        </p:pic>
-      </p:grpSp>
-      <p:grpSp>
-        <p:nvGrpSpPr>
-          <p:cNvPr id="6" name="그룹 1018">
-            <a:extLst>
-              <a:ext uri="{FF2B5EF4-FFF2-40B4-BE49-F238E27FC236}">
-                <a16:creationId xmlns:a16="http://schemas.microsoft.com/office/drawing/2014/main" id="{008489BA-FEFA-DE7D-B3CD-53A358B82592}"/>
-              </a:ext>
-            </a:extLst>
-          </p:cNvPr>
-          <p:cNvGrpSpPr/>
-          <p:nvPr/>
-        </p:nvGrpSpPr>
-        <p:grpSpPr>
-          <a:xfrm>
-            <a:off x="2590800" y="4486414"/>
-            <a:ext cx="3393622" cy="1114286"/>
-            <a:chOff x="2803727" y="4828571"/>
-            <a:chExt cx="3393622" cy="1114286"/>
-          </a:xfrm>
-        </p:grpSpPr>
-        <p:pic>
-          <p:nvPicPr>
-            <p:cNvPr id="7" name="Object 61">
-              <a:extLst>
-                <a:ext uri="{FF2B5EF4-FFF2-40B4-BE49-F238E27FC236}">
-                  <a16:creationId xmlns:a16="http://schemas.microsoft.com/office/drawing/2014/main" id="{9ED25BE3-45BE-AC6D-D835-4457854D2832}"/>
-                </a:ext>
-              </a:extLst>
-            </p:cNvPr>
-            <p:cNvPicPr>
-              <a:picLocks noChangeAspect="1"/>
-            </p:cNvPicPr>
-            <p:nvPr/>
-          </p:nvPicPr>
-          <p:blipFill>
-            <a:blip r:embed="rId3" cstate="print"/>
-            <a:stretch>
-              <a:fillRect/>
-            </a:stretch>
-          </p:blipFill>
-          <p:spPr>
-            <a:xfrm>
-              <a:off x="2803727" y="4828571"/>
-              <a:ext cx="3393622" cy="1114286"/>
-            </a:xfrm>
-            <a:prstGeom prst="rect">
-              <a:avLst/>
-            </a:prstGeom>
-          </p:spPr>
-        </p:pic>
-      </p:grpSp>
-      <p:grpSp>
-        <p:nvGrpSpPr>
-          <p:cNvPr id="8" name="그룹 1021">
-            <a:extLst>
-              <a:ext uri="{FF2B5EF4-FFF2-40B4-BE49-F238E27FC236}">
-                <a16:creationId xmlns:a16="http://schemas.microsoft.com/office/drawing/2014/main" id="{7FE0C0A1-ABE4-F0EA-AFC1-4622C45C99E7}"/>
-              </a:ext>
-            </a:extLst>
-          </p:cNvPr>
-          <p:cNvGrpSpPr/>
-          <p:nvPr/>
-        </p:nvGrpSpPr>
-        <p:grpSpPr>
-          <a:xfrm>
-            <a:off x="7233119" y="4486414"/>
-            <a:ext cx="3393622" cy="1114286"/>
-            <a:chOff x="7446046" y="4828571"/>
-            <a:chExt cx="3393622" cy="1114286"/>
-          </a:xfrm>
-        </p:grpSpPr>
-        <p:pic>
-          <p:nvPicPr>
-            <p:cNvPr id="9" name="Object 71">
-              <a:extLst>
-                <a:ext uri="{FF2B5EF4-FFF2-40B4-BE49-F238E27FC236}">
-                  <a16:creationId xmlns:a16="http://schemas.microsoft.com/office/drawing/2014/main" id="{CDBB7D83-509F-9F4C-0C3E-DBA2562E5520}"/>
-                </a:ext>
-              </a:extLst>
-            </p:cNvPr>
-            <p:cNvPicPr>
-              <a:picLocks noChangeAspect="1"/>
-            </p:cNvPicPr>
-            <p:nvPr/>
-          </p:nvPicPr>
-          <p:blipFill>
-            <a:blip r:embed="rId3" cstate="print"/>
-            <a:stretch>
-              <a:fillRect/>
-            </a:stretch>
-          </p:blipFill>
-          <p:spPr>
-            <a:xfrm>
-              <a:off x="7446046" y="4828571"/>
-              <a:ext cx="3393622" cy="1114286"/>
-            </a:xfrm>
-            <a:prstGeom prst="rect">
-              <a:avLst/>
-            </a:prstGeom>
-          </p:spPr>
-        </p:pic>
-      </p:grpSp>
-      <p:grpSp>
-        <p:nvGrpSpPr>
-          <p:cNvPr id="10" name="그룹 1024">
-            <a:extLst>
-              <a:ext uri="{FF2B5EF4-FFF2-40B4-BE49-F238E27FC236}">
-                <a16:creationId xmlns:a16="http://schemas.microsoft.com/office/drawing/2014/main" id="{8EB1611F-852C-9617-AEEB-CFA38FFF8001}"/>
-              </a:ext>
-            </a:extLst>
-          </p:cNvPr>
-          <p:cNvGrpSpPr/>
-          <p:nvPr/>
-        </p:nvGrpSpPr>
-        <p:grpSpPr>
-          <a:xfrm>
-            <a:off x="11875438" y="4486414"/>
-            <a:ext cx="3393622" cy="1114286"/>
-            <a:chOff x="12088365" y="4828571"/>
-            <a:chExt cx="3393622" cy="1114286"/>
-          </a:xfrm>
-        </p:grpSpPr>
-        <p:pic>
-          <p:nvPicPr>
-            <p:cNvPr id="11" name="Object 81">
-              <a:extLst>
-                <a:ext uri="{FF2B5EF4-FFF2-40B4-BE49-F238E27FC236}">
-                  <a16:creationId xmlns:a16="http://schemas.microsoft.com/office/drawing/2014/main" id="{08657582-A0DF-A5DC-A662-189C639920C8}"/>
-                </a:ext>
-              </a:extLst>
-            </p:cNvPr>
-            <p:cNvPicPr>
-              <a:picLocks noChangeAspect="1"/>
-            </p:cNvPicPr>
-            <p:nvPr/>
-          </p:nvPicPr>
-          <p:blipFill>
-            <a:blip r:embed="rId3" cstate="print"/>
-            <a:stretch>
-              <a:fillRect/>
-            </a:stretch>
-          </p:blipFill>
-          <p:spPr>
-            <a:xfrm>
-              <a:off x="12088365" y="4828571"/>
-              <a:ext cx="3393622" cy="1114286"/>
-            </a:xfrm>
-            <a:prstGeom prst="rect">
-              <a:avLst/>
-            </a:prstGeom>
-          </p:spPr>
-        </p:pic>
-      </p:grpSp>
-      <p:sp>
-        <p:nvSpPr>
-          <p:cNvPr id="12" name="TextBox 11">
-            <a:extLst>
-              <a:ext uri="{FF2B5EF4-FFF2-40B4-BE49-F238E27FC236}">
-                <a16:creationId xmlns:a16="http://schemas.microsoft.com/office/drawing/2014/main" id="{FC41B7B2-904B-813A-22B8-239E383F4360}"/>
-              </a:ext>
-            </a:extLst>
-          </p:cNvPr>
-          <p:cNvSpPr txBox="1"/>
-          <p:nvPr/>
-        </p:nvSpPr>
-        <p:spPr>
-          <a:xfrm>
-            <a:off x="8263995" y="2946640"/>
-            <a:ext cx="1946805" cy="769441"/>
-          </a:xfrm>
-          <a:prstGeom prst="rect">
-            <a:avLst/>
-          </a:prstGeom>
-          <a:noFill/>
-        </p:spPr>
-        <p:txBody>
-          <a:bodyPr wrap="square" rtlCol="0">
-            <a:spAutoFit/>
-          </a:bodyPr>
-          <a:lstStyle/>
-          <a:p>
-            <a:r>
-              <a:rPr lang="en-US" altLang="ko-KR" sz="4400">
-                <a:solidFill>
-                  <a:srgbClr val="4C50BC"/>
-                </a:solidFill>
-                <a:latin typeface="G마켓 산스 Medium" panose="02000000000000000000" pitchFamily="50" charset="-127"/>
-                <a:ea typeface="G마켓 산스 Medium" panose="02000000000000000000" pitchFamily="50" charset="-127"/>
-              </a:rPr>
-              <a:t>Unit</a:t>
-            </a:r>
-            <a:endParaRPr lang="en-US" altLang="ko-KR" sz="4400" dirty="0">
-              <a:solidFill>
-                <a:srgbClr val="4C50BC"/>
-              </a:solidFill>
-              <a:latin typeface="G마켓 산스 Medium" panose="02000000000000000000" pitchFamily="50" charset="-127"/>
-              <a:ea typeface="G마켓 산스 Medium" panose="02000000000000000000" pitchFamily="50" charset="-127"/>
-            </a:endParaRPr>
-          </a:p>
-        </p:txBody>
-      </p:sp>
-      <p:sp>
-        <p:nvSpPr>
-          <p:cNvPr id="13" name="TextBox 12">
-            <a:extLst>
-              <a:ext uri="{FF2B5EF4-FFF2-40B4-BE49-F238E27FC236}">
-                <a16:creationId xmlns:a16="http://schemas.microsoft.com/office/drawing/2014/main" id="{F68B80B8-3419-5C31-B2F2-084E536A2C1C}"/>
-              </a:ext>
-            </a:extLst>
-          </p:cNvPr>
-          <p:cNvSpPr txBox="1"/>
-          <p:nvPr/>
-        </p:nvSpPr>
-        <p:spPr>
-          <a:xfrm>
-            <a:off x="3241645" y="4705572"/>
-            <a:ext cx="1936749" cy="646331"/>
-          </a:xfrm>
-          <a:prstGeom prst="rect">
-            <a:avLst/>
-          </a:prstGeom>
-          <a:noFill/>
-        </p:spPr>
-        <p:txBody>
-          <a:bodyPr wrap="none" rtlCol="0">
-            <a:spAutoFit/>
-          </a:bodyPr>
-          <a:lstStyle/>
-          <a:p>
-            <a:r>
-              <a:rPr lang="en-US" altLang="ko-KR" sz="3600">
-                <a:solidFill>
-                  <a:srgbClr val="4D4848"/>
-                </a:solidFill>
-                <a:latin typeface="G마켓 산스 Medium" panose="02000000000000000000" pitchFamily="50" charset="-127"/>
-                <a:ea typeface="G마켓 산스 Medium" panose="02000000000000000000" pitchFamily="50" charset="-127"/>
-              </a:rPr>
-              <a:t>Marine</a:t>
-            </a:r>
-            <a:endParaRPr lang="ko-KR" altLang="en-US" sz="2800" dirty="0">
-              <a:solidFill>
-                <a:srgbClr val="4D4848"/>
-              </a:solidFill>
-              <a:latin typeface="G마켓 산스 Medium" panose="02000000000000000000" pitchFamily="50" charset="-127"/>
-              <a:ea typeface="G마켓 산스 Medium" panose="02000000000000000000" pitchFamily="50" charset="-127"/>
-            </a:endParaRPr>
-          </a:p>
-        </p:txBody>
-      </p:sp>
-      <p:sp>
-        <p:nvSpPr>
-          <p:cNvPr id="14" name="TextBox 13">
-            <a:extLst>
-              <a:ext uri="{FF2B5EF4-FFF2-40B4-BE49-F238E27FC236}">
-                <a16:creationId xmlns:a16="http://schemas.microsoft.com/office/drawing/2014/main" id="{CB471B39-052C-65D2-3069-C74FA7421876}"/>
-              </a:ext>
-            </a:extLst>
-          </p:cNvPr>
-          <p:cNvSpPr txBox="1"/>
-          <p:nvPr/>
-        </p:nvSpPr>
-        <p:spPr>
-          <a:xfrm>
-            <a:off x="7888580" y="4684228"/>
-            <a:ext cx="2274982" cy="646331"/>
-          </a:xfrm>
-          <a:prstGeom prst="rect">
-            <a:avLst/>
-          </a:prstGeom>
-          <a:noFill/>
-        </p:spPr>
-        <p:txBody>
-          <a:bodyPr wrap="none" rtlCol="0">
-            <a:spAutoFit/>
-          </a:bodyPr>
-          <a:lstStyle/>
-          <a:p>
-            <a:r>
-              <a:rPr lang="en-US" altLang="ko-KR" sz="3600">
-                <a:solidFill>
-                  <a:srgbClr val="4D4848"/>
-                </a:solidFill>
-                <a:latin typeface="G마켓 산스 Medium" panose="02000000000000000000" pitchFamily="50" charset="-127"/>
-                <a:ea typeface="G마켓 산스 Medium" panose="02000000000000000000" pitchFamily="50" charset="-127"/>
-              </a:rPr>
-              <a:t>Zergling</a:t>
-            </a:r>
-            <a:endParaRPr lang="ko-KR" altLang="en-US" sz="2800" dirty="0">
-              <a:solidFill>
-                <a:srgbClr val="4D4848"/>
-              </a:solidFill>
-              <a:latin typeface="G마켓 산스 Medium" panose="02000000000000000000" pitchFamily="50" charset="-127"/>
-              <a:ea typeface="G마켓 산스 Medium" panose="02000000000000000000" pitchFamily="50" charset="-127"/>
-            </a:endParaRPr>
-          </a:p>
-        </p:txBody>
-      </p:sp>
-      <p:sp>
-        <p:nvSpPr>
-          <p:cNvPr id="15" name="TextBox 14">
-            <a:extLst>
-              <a:ext uri="{FF2B5EF4-FFF2-40B4-BE49-F238E27FC236}">
-                <a16:creationId xmlns:a16="http://schemas.microsoft.com/office/drawing/2014/main" id="{4A7E270B-9322-EABD-3A34-4D211B23AD38}"/>
-              </a:ext>
-            </a:extLst>
-          </p:cNvPr>
-          <p:cNvSpPr txBox="1"/>
-          <p:nvPr/>
-        </p:nvSpPr>
-        <p:spPr>
-          <a:xfrm>
-            <a:off x="12470834" y="4705572"/>
-            <a:ext cx="1787669" cy="646331"/>
-          </a:xfrm>
-          <a:prstGeom prst="rect">
-            <a:avLst/>
-          </a:prstGeom>
-          <a:noFill/>
-        </p:spPr>
-        <p:txBody>
-          <a:bodyPr wrap="none" rtlCol="0">
-            <a:spAutoFit/>
-          </a:bodyPr>
-          <a:lstStyle/>
-          <a:p>
-            <a:r>
-              <a:rPr lang="en-US" altLang="ko-KR" sz="3600">
-                <a:solidFill>
-                  <a:srgbClr val="4D4848"/>
-                </a:solidFill>
-                <a:latin typeface="G마켓 산스 Medium" panose="02000000000000000000" pitchFamily="50" charset="-127"/>
-                <a:ea typeface="G마켓 산스 Medium" panose="02000000000000000000" pitchFamily="50" charset="-127"/>
-              </a:rPr>
-              <a:t>Zealot</a:t>
-            </a:r>
-            <a:endParaRPr lang="ko-KR" altLang="en-US" sz="2800" dirty="0">
-              <a:solidFill>
-                <a:srgbClr val="4D4848"/>
-              </a:solidFill>
-              <a:latin typeface="G마켓 산스 Medium" panose="02000000000000000000" pitchFamily="50" charset="-127"/>
-              <a:ea typeface="G마켓 산스 Medium" panose="02000000000000000000" pitchFamily="50" charset="-127"/>
-            </a:endParaRPr>
-          </a:p>
-        </p:txBody>
-      </p:sp>
-      <p:cxnSp>
-        <p:nvCxnSpPr>
-          <p:cNvPr id="16" name="직선 화살표 연결선 15">
-            <a:extLst>
-              <a:ext uri="{FF2B5EF4-FFF2-40B4-BE49-F238E27FC236}">
-                <a16:creationId xmlns:a16="http://schemas.microsoft.com/office/drawing/2014/main" id="{174A1CAB-41DB-CBE5-A53E-D1E78982E7D5}"/>
-              </a:ext>
-            </a:extLst>
-          </p:cNvPr>
-          <p:cNvCxnSpPr>
-            <a:cxnSpLocks/>
-            <a:endCxn id="7" idx="0"/>
-          </p:cNvCxnSpPr>
-          <p:nvPr/>
-        </p:nvCxnSpPr>
-        <p:spPr>
-          <a:xfrm flipH="1">
-            <a:off x="4287611" y="3372128"/>
-            <a:ext cx="2722789" cy="1114286"/>
-          </a:xfrm>
-          <a:prstGeom prst="straightConnector1">
-            <a:avLst/>
-          </a:prstGeom>
-          <a:ln w="38100">
-            <a:tailEnd type="triangle"/>
-          </a:ln>
-        </p:spPr>
-        <p:style>
-          <a:lnRef idx="1">
-            <a:schemeClr val="accent2"/>
-          </a:lnRef>
-          <a:fillRef idx="0">
-            <a:schemeClr val="accent2"/>
-          </a:fillRef>
-          <a:effectRef idx="0">
-            <a:schemeClr val="accent2"/>
-          </a:effectRef>
-          <a:fontRef idx="minor">
-            <a:schemeClr val="tx1"/>
-          </a:fontRef>
-        </p:style>
-      </p:cxnSp>
-      <p:cxnSp>
-        <p:nvCxnSpPr>
-          <p:cNvPr id="17" name="직선 화살표 연결선 16">
-            <a:extLst>
-              <a:ext uri="{FF2B5EF4-FFF2-40B4-BE49-F238E27FC236}">
-                <a16:creationId xmlns:a16="http://schemas.microsoft.com/office/drawing/2014/main" id="{404BE807-8974-325D-28CE-80CBD5A23FD9}"/>
-              </a:ext>
-            </a:extLst>
-          </p:cNvPr>
-          <p:cNvCxnSpPr>
-            <a:cxnSpLocks/>
-          </p:cNvCxnSpPr>
-          <p:nvPr/>
-        </p:nvCxnSpPr>
-        <p:spPr>
-          <a:xfrm>
-            <a:off x="9024489" y="3732215"/>
-            <a:ext cx="6086" cy="681872"/>
-          </a:xfrm>
-          <a:prstGeom prst="straightConnector1">
-            <a:avLst/>
-          </a:prstGeom>
-          <a:ln w="38100">
-            <a:tailEnd type="triangle"/>
-          </a:ln>
-        </p:spPr>
-        <p:style>
-          <a:lnRef idx="1">
-            <a:schemeClr val="accent2"/>
-          </a:lnRef>
-          <a:fillRef idx="0">
-            <a:schemeClr val="accent2"/>
-          </a:fillRef>
-          <a:effectRef idx="0">
-            <a:schemeClr val="accent2"/>
-          </a:effectRef>
-          <a:fontRef idx="minor">
-            <a:schemeClr val="tx1"/>
-          </a:fontRef>
-        </p:style>
-      </p:cxnSp>
-      <p:cxnSp>
-        <p:nvCxnSpPr>
-          <p:cNvPr id="18" name="직선 화살표 연결선 17">
-            <a:extLst>
-              <a:ext uri="{FF2B5EF4-FFF2-40B4-BE49-F238E27FC236}">
-                <a16:creationId xmlns:a16="http://schemas.microsoft.com/office/drawing/2014/main" id="{8238D4B2-69F6-F17A-0286-66A8FB197956}"/>
-              </a:ext>
-            </a:extLst>
-          </p:cNvPr>
-          <p:cNvCxnSpPr>
-            <a:cxnSpLocks/>
-            <a:endCxn id="11" idx="0"/>
-          </p:cNvCxnSpPr>
-          <p:nvPr/>
-        </p:nvCxnSpPr>
-        <p:spPr>
-          <a:xfrm>
-            <a:off x="10876735" y="3331360"/>
-            <a:ext cx="2695514" cy="1155054"/>
-          </a:xfrm>
-          <a:prstGeom prst="straightConnector1">
-            <a:avLst/>
-          </a:prstGeom>
-          <a:ln w="38100">
-            <a:tailEnd type="triangle"/>
-          </a:ln>
-        </p:spPr>
-        <p:style>
-          <a:lnRef idx="1">
-            <a:schemeClr val="accent2"/>
-          </a:lnRef>
-          <a:fillRef idx="0">
-            <a:schemeClr val="accent2"/>
-          </a:fillRef>
-          <a:effectRef idx="0">
-            <a:schemeClr val="accent2"/>
-          </a:effectRef>
-          <a:fontRef idx="minor">
-            <a:schemeClr val="tx1"/>
-          </a:fontRef>
-        </p:style>
-      </p:cxnSp>
-      <p:pic>
-        <p:nvPicPr>
-          <p:cNvPr id="19" name="그림 18"/>
-          <p:cNvPicPr>
-            <a:picLocks noChangeAspect="1"/>
-          </p:cNvPicPr>
-          <p:nvPr/>
-        </p:nvPicPr>
-        <p:blipFill>
-          <a:blip r:embed="rId4"/>
-          <a:stretch>
-            <a:fillRect/>
-          </a:stretch>
-        </p:blipFill>
-        <p:spPr>
-          <a:xfrm>
-            <a:off x="2971800" y="495300"/>
-            <a:ext cx="5568233" cy="2165424"/>
-          </a:xfrm>
-          <a:prstGeom prst="rect">
-            <a:avLst/>
-          </a:prstGeom>
-        </p:spPr>
-      </p:pic>
-      <p:pic>
-        <p:nvPicPr>
-          <p:cNvPr id="2" name="그림 1"/>
-          <p:cNvPicPr>
-            <a:picLocks noChangeAspect="1"/>
-          </p:cNvPicPr>
-          <p:nvPr/>
-        </p:nvPicPr>
-        <p:blipFill>
-          <a:blip r:embed="rId5"/>
-          <a:stretch>
-            <a:fillRect/>
-          </a:stretch>
-        </p:blipFill>
-        <p:spPr>
-          <a:xfrm>
-            <a:off x="9033910" y="495300"/>
-            <a:ext cx="7870212" cy="2148062"/>
-          </a:xfrm>
-          <a:prstGeom prst="rect">
-            <a:avLst/>
-          </a:prstGeom>
-        </p:spPr>
-      </p:pic>
-    </p:spTree>
-    <p:extLst>
-      <p:ext uri="{BB962C8B-B14F-4D97-AF65-F5344CB8AC3E}">
-        <p14:creationId xmlns:p14="http://schemas.microsoft.com/office/powerpoint/2010/main" val="3737422770"/>
-      </p:ext>
-    </p:extLst>
-  </p:cSld>
-  <p:clrMapOvr>
-    <a:masterClrMapping/>
-  </p:clrMapOvr>
-</p:sld>
-</file>
-
-<file path=ppt/slides/slide50.xml><?xml version="1.0" encoding="utf-8"?>
+<file path=ppt/slides/slide51.xml><?xml version="1.0" encoding="utf-8"?>
 <p:sld xmlns:a="http://schemas.openxmlformats.org/drawingml/2006/main" xmlns:r="http://schemas.openxmlformats.org/officeDocument/2006/relationships" xmlns:p="http://schemas.openxmlformats.org/presentationml/2006/main">
   <p:cSld>
     <p:spTree>
@@ -26247,7 +26460,7 @@
           <p:cNvPr id="2" name="TextBox 1">
             <a:extLst>
               <a:ext uri="{FF2B5EF4-FFF2-40B4-BE49-F238E27FC236}">
-                <a16:creationId xmlns:a16="http://schemas.microsoft.com/office/drawing/2014/main" id="{AF6E8CE0-4782-3A99-AD4F-3684390C1016}"/>
+                <a16:creationId xmlns:a16="http://schemas.microsoft.com/office/drawing/2014/main" xmlns="" id="{AF6E8CE0-4782-3A99-AD4F-3684390C1016}"/>
               </a:ext>
             </a:extLst>
           </p:cNvPr>
@@ -26304,107 +26517,6 @@
     <p:extLst>
       <p:ext uri="{BB962C8B-B14F-4D97-AF65-F5344CB8AC3E}">
         <p14:creationId xmlns:p14="http://schemas.microsoft.com/office/powerpoint/2010/main" val="3360716643"/>
-      </p:ext>
-    </p:extLst>
-  </p:cSld>
-  <p:clrMapOvr>
-    <a:masterClrMapping/>
-  </p:clrMapOvr>
-</p:sld>
-</file>
-
-<file path=ppt/slides/slide51.xml><?xml version="1.0" encoding="utf-8"?>
-<p:sld xmlns:a="http://schemas.openxmlformats.org/drawingml/2006/main" xmlns:r="http://schemas.openxmlformats.org/officeDocument/2006/relationships" xmlns:p="http://schemas.openxmlformats.org/presentationml/2006/main">
-  <p:cSld>
-    <p:spTree>
-      <p:nvGrpSpPr>
-        <p:cNvPr id="1" name=""/>
-        <p:cNvGrpSpPr/>
-        <p:nvPr/>
-      </p:nvGrpSpPr>
-      <p:grpSpPr>
-        <a:xfrm>
-          <a:off x="0" y="0"/>
-          <a:ext cx="0" cy="0"/>
-          <a:chOff x="0" y="0"/>
-          <a:chExt cx="0" cy="0"/>
-        </a:xfrm>
-      </p:grpSpPr>
-      <p:sp>
-        <p:nvSpPr>
-          <p:cNvPr id="4" name="TextBox 3">
-            <a:extLst>
-              <a:ext uri="{FF2B5EF4-FFF2-40B4-BE49-F238E27FC236}">
-                <a16:creationId xmlns:a16="http://schemas.microsoft.com/office/drawing/2014/main" id="{5ADC00B6-990A-40DC-3CEA-505258F5E8DA}"/>
-              </a:ext>
-            </a:extLst>
-          </p:cNvPr>
-          <p:cNvSpPr txBox="1"/>
-          <p:nvPr/>
-        </p:nvSpPr>
-        <p:spPr>
-          <a:xfrm>
-            <a:off x="685800" y="4229100"/>
-            <a:ext cx="17754600" cy="1015663"/>
-          </a:xfrm>
-          <a:prstGeom prst="rect">
-            <a:avLst/>
-          </a:prstGeom>
-          <a:noFill/>
-        </p:spPr>
-        <p:txBody>
-          <a:bodyPr wrap="square" rtlCol="0">
-            <a:spAutoFit/>
-          </a:bodyPr>
-          <a:lstStyle/>
-          <a:p>
-            <a:r>
-              <a:rPr lang="ko-KR" altLang="en-US" sz="6000" dirty="0">
-                <a:solidFill>
-                  <a:srgbClr val="4C50BC"/>
-                </a:solidFill>
-                <a:latin typeface="G마켓 산스 Medium" panose="02000000000000000000" pitchFamily="50" charset="-127"/>
-                <a:ea typeface="G마켓 산스 Medium" panose="02000000000000000000" pitchFamily="50" charset="-127"/>
-              </a:rPr>
-              <a:t>부모로부터 상속받은 메서드를 </a:t>
-            </a:r>
-            <a:r>
-              <a:rPr lang="ko-KR" altLang="en-US" sz="6000" dirty="0" err="1">
-                <a:solidFill>
-                  <a:srgbClr val="4C50BC"/>
-                </a:solidFill>
-                <a:latin typeface="G마켓 산스 Medium" panose="02000000000000000000" pitchFamily="50" charset="-127"/>
-                <a:ea typeface="G마켓 산스 Medium" panose="02000000000000000000" pitchFamily="50" charset="-127"/>
-              </a:rPr>
-              <a:t>재사용할수</a:t>
-            </a:r>
-            <a:r>
-              <a:rPr lang="ko-KR" altLang="en-US" sz="6000" dirty="0">
-                <a:solidFill>
-                  <a:srgbClr val="4C50BC"/>
-                </a:solidFill>
-                <a:latin typeface="G마켓 산스 Medium" panose="02000000000000000000" pitchFamily="50" charset="-127"/>
-                <a:ea typeface="G마켓 산스 Medium" panose="02000000000000000000" pitchFamily="50" charset="-127"/>
-              </a:rPr>
-              <a:t> 없을까</a:t>
-            </a:r>
-            <a:r>
-              <a:rPr lang="en-US" altLang="ko-KR" sz="6000" dirty="0">
-                <a:solidFill>
-                  <a:srgbClr val="4C50BC"/>
-                </a:solidFill>
-                <a:latin typeface="G마켓 산스 Medium" panose="02000000000000000000" pitchFamily="50" charset="-127"/>
-                <a:ea typeface="G마켓 산스 Medium" panose="02000000000000000000" pitchFamily="50" charset="-127"/>
-              </a:rPr>
-              <a:t>?</a:t>
-            </a:r>
-          </a:p>
-        </p:txBody>
-      </p:sp>
-    </p:spTree>
-    <p:extLst>
-      <p:ext uri="{BB962C8B-B14F-4D97-AF65-F5344CB8AC3E}">
-        <p14:creationId xmlns:p14="http://schemas.microsoft.com/office/powerpoint/2010/main" val="817839677"/>
       </p:ext>
     </p:extLst>
   </p:cSld>
@@ -26431,6 +26543,107 @@
           <a:chExt cx="0" cy="0"/>
         </a:xfrm>
       </p:grpSpPr>
+      <p:sp>
+        <p:nvSpPr>
+          <p:cNvPr id="4" name="TextBox 3">
+            <a:extLst>
+              <a:ext uri="{FF2B5EF4-FFF2-40B4-BE49-F238E27FC236}">
+                <a16:creationId xmlns:a16="http://schemas.microsoft.com/office/drawing/2014/main" xmlns="" id="{5ADC00B6-990A-40DC-3CEA-505258F5E8DA}"/>
+              </a:ext>
+            </a:extLst>
+          </p:cNvPr>
+          <p:cNvSpPr txBox="1"/>
+          <p:nvPr/>
+        </p:nvSpPr>
+        <p:spPr>
+          <a:xfrm>
+            <a:off x="685800" y="4229100"/>
+            <a:ext cx="17754600" cy="1015663"/>
+          </a:xfrm>
+          <a:prstGeom prst="rect">
+            <a:avLst/>
+          </a:prstGeom>
+          <a:noFill/>
+        </p:spPr>
+        <p:txBody>
+          <a:bodyPr wrap="square" rtlCol="0">
+            <a:spAutoFit/>
+          </a:bodyPr>
+          <a:lstStyle/>
+          <a:p>
+            <a:r>
+              <a:rPr lang="ko-KR" altLang="en-US" sz="6000" dirty="0">
+                <a:solidFill>
+                  <a:srgbClr val="4C50BC"/>
+                </a:solidFill>
+                <a:latin typeface="G마켓 산스 Medium" panose="02000000000000000000" pitchFamily="50" charset="-127"/>
+                <a:ea typeface="G마켓 산스 Medium" panose="02000000000000000000" pitchFamily="50" charset="-127"/>
+              </a:rPr>
+              <a:t>부모로부터 상속받은 메서드를 </a:t>
+            </a:r>
+            <a:r>
+              <a:rPr lang="ko-KR" altLang="en-US" sz="6000" dirty="0" err="1">
+                <a:solidFill>
+                  <a:srgbClr val="4C50BC"/>
+                </a:solidFill>
+                <a:latin typeface="G마켓 산스 Medium" panose="02000000000000000000" pitchFamily="50" charset="-127"/>
+                <a:ea typeface="G마켓 산스 Medium" panose="02000000000000000000" pitchFamily="50" charset="-127"/>
+              </a:rPr>
+              <a:t>재사용할수</a:t>
+            </a:r>
+            <a:r>
+              <a:rPr lang="ko-KR" altLang="en-US" sz="6000" dirty="0">
+                <a:solidFill>
+                  <a:srgbClr val="4C50BC"/>
+                </a:solidFill>
+                <a:latin typeface="G마켓 산스 Medium" panose="02000000000000000000" pitchFamily="50" charset="-127"/>
+                <a:ea typeface="G마켓 산스 Medium" panose="02000000000000000000" pitchFamily="50" charset="-127"/>
+              </a:rPr>
+              <a:t> 없을까</a:t>
+            </a:r>
+            <a:r>
+              <a:rPr lang="en-US" altLang="ko-KR" sz="6000" dirty="0">
+                <a:solidFill>
+                  <a:srgbClr val="4C50BC"/>
+                </a:solidFill>
+                <a:latin typeface="G마켓 산스 Medium" panose="02000000000000000000" pitchFamily="50" charset="-127"/>
+                <a:ea typeface="G마켓 산스 Medium" panose="02000000000000000000" pitchFamily="50" charset="-127"/>
+              </a:rPr>
+              <a:t>?</a:t>
+            </a:r>
+          </a:p>
+        </p:txBody>
+      </p:sp>
+    </p:spTree>
+    <p:extLst>
+      <p:ext uri="{BB962C8B-B14F-4D97-AF65-F5344CB8AC3E}">
+        <p14:creationId xmlns:p14="http://schemas.microsoft.com/office/powerpoint/2010/main" val="817839677"/>
+      </p:ext>
+    </p:extLst>
+  </p:cSld>
+  <p:clrMapOvr>
+    <a:masterClrMapping/>
+  </p:clrMapOvr>
+</p:sld>
+</file>
+
+<file path=ppt/slides/slide53.xml><?xml version="1.0" encoding="utf-8"?>
+<p:sld xmlns:a="http://schemas.openxmlformats.org/drawingml/2006/main" xmlns:r="http://schemas.openxmlformats.org/officeDocument/2006/relationships" xmlns:p="http://schemas.openxmlformats.org/presentationml/2006/main">
+  <p:cSld>
+    <p:spTree>
+      <p:nvGrpSpPr>
+        <p:cNvPr id="1" name=""/>
+        <p:cNvGrpSpPr/>
+        <p:nvPr/>
+      </p:nvGrpSpPr>
+      <p:grpSpPr>
+        <a:xfrm>
+          <a:off x="0" y="0"/>
+          <a:ext cx="0" cy="0"/>
+          <a:chOff x="0" y="0"/>
+          <a:chExt cx="0" cy="0"/>
+        </a:xfrm>
+      </p:grpSpPr>
       <p:pic>
         <p:nvPicPr>
           <p:cNvPr id="4" name="그림 3"/>
@@ -26484,7 +26697,7 @@
           <p:cNvPr id="6" name="직사각형 5">
             <a:extLst>
               <a:ext uri="{FF2B5EF4-FFF2-40B4-BE49-F238E27FC236}">
-                <a16:creationId xmlns:a16="http://schemas.microsoft.com/office/drawing/2014/main" id="{FFF506F9-840A-0508-4CAF-3AC711D8D5CE}"/>
+                <a16:creationId xmlns:a16="http://schemas.microsoft.com/office/drawing/2014/main" xmlns="" id="{FFF506F9-840A-0508-4CAF-3AC711D8D5CE}"/>
               </a:ext>
             </a:extLst>
           </p:cNvPr>
@@ -26544,7 +26757,7 @@
 </p:sld>
 </file>
 
-<file path=ppt/slides/slide53.xml><?xml version="1.0" encoding="utf-8"?>
+<file path=ppt/slides/slide54.xml><?xml version="1.0" encoding="utf-8"?>
 <p:sld xmlns:a="http://schemas.openxmlformats.org/drawingml/2006/main" xmlns:r="http://schemas.openxmlformats.org/officeDocument/2006/relationships" xmlns:p="http://schemas.openxmlformats.org/presentationml/2006/main">
   <p:cSld>
     <p:spTree>
@@ -26590,7 +26803,7 @@
           <p:cNvPr id="3" name="그림 2">
             <a:extLst>
               <a:ext uri="{FF2B5EF4-FFF2-40B4-BE49-F238E27FC236}">
-                <a16:creationId xmlns:a16="http://schemas.microsoft.com/office/drawing/2014/main" id="{63973ADD-1310-B140-4EAA-B78003F051BC}"/>
+                <a16:creationId xmlns:a16="http://schemas.microsoft.com/office/drawing/2014/main" xmlns="" id="{63973ADD-1310-B140-4EAA-B78003F051BC}"/>
               </a:ext>
             </a:extLst>
           </p:cNvPr>
@@ -26620,7 +26833,7 @@
           <p:cNvPr id="6" name="직사각형 5">
             <a:extLst>
               <a:ext uri="{FF2B5EF4-FFF2-40B4-BE49-F238E27FC236}">
-                <a16:creationId xmlns:a16="http://schemas.microsoft.com/office/drawing/2014/main" id="{D4194E25-989E-0C55-B712-570C7D5091F0}"/>
+                <a16:creationId xmlns:a16="http://schemas.microsoft.com/office/drawing/2014/main" xmlns="" id="{D4194E25-989E-0C55-B712-570C7D5091F0}"/>
               </a:ext>
             </a:extLst>
           </p:cNvPr>
@@ -26672,7 +26885,7 @@
           <p:cNvPr id="8" name="그림 7">
             <a:extLst>
               <a:ext uri="{FF2B5EF4-FFF2-40B4-BE49-F238E27FC236}">
-                <a16:creationId xmlns:a16="http://schemas.microsoft.com/office/drawing/2014/main" id="{1F34AA6C-44C4-4AAC-1FC2-230C55141948}"/>
+                <a16:creationId xmlns:a16="http://schemas.microsoft.com/office/drawing/2014/main" xmlns="" id="{1F34AA6C-44C4-4AAC-1FC2-230C55141948}"/>
               </a:ext>
             </a:extLst>
           </p:cNvPr>
@@ -26702,7 +26915,7 @@
           <p:cNvPr id="9" name="직사각형 8">
             <a:extLst>
               <a:ext uri="{FF2B5EF4-FFF2-40B4-BE49-F238E27FC236}">
-                <a16:creationId xmlns:a16="http://schemas.microsoft.com/office/drawing/2014/main" id="{39C40DE3-07FC-5B3E-1952-F1D0DDF51453}"/>
+                <a16:creationId xmlns:a16="http://schemas.microsoft.com/office/drawing/2014/main" xmlns="" id="{39C40DE3-07FC-5B3E-1952-F1D0DDF51453}"/>
               </a:ext>
             </a:extLst>
           </p:cNvPr>
@@ -26754,7 +26967,7 @@
           <p:cNvPr id="7" name="TextBox 6">
             <a:extLst>
               <a:ext uri="{FF2B5EF4-FFF2-40B4-BE49-F238E27FC236}">
-                <a16:creationId xmlns:a16="http://schemas.microsoft.com/office/drawing/2014/main" id="{8BD2ED5A-5CA2-F84F-13E6-A2AC3854D891}"/>
+                <a16:creationId xmlns:a16="http://schemas.microsoft.com/office/drawing/2014/main" xmlns="" id="{8BD2ED5A-5CA2-F84F-13E6-A2AC3854D891}"/>
               </a:ext>
             </a:extLst>
           </p:cNvPr>
@@ -26817,10 +27030,115 @@
   <p:clrMapOvr>
     <a:masterClrMapping/>
   </p:clrMapOvr>
+  <p:timing>
+    <p:tnLst>
+      <p:par>
+        <p:cTn id="1" dur="indefinite" restart="never" nodeType="tmRoot">
+          <p:childTnLst>
+            <p:seq concurrent="1" nextAc="seek">
+              <p:cTn id="2" dur="indefinite" nodeType="mainSeq">
+                <p:childTnLst>
+                  <p:par>
+                    <p:cTn id="3" fill="hold">
+                      <p:stCondLst>
+                        <p:cond delay="indefinite"/>
+                      </p:stCondLst>
+                      <p:childTnLst>
+                        <p:par>
+                          <p:cTn id="4" fill="hold">
+                            <p:stCondLst>
+                              <p:cond delay="0"/>
+                            </p:stCondLst>
+                            <p:childTnLst>
+                              <p:par>
+                                <p:cTn id="5" presetID="1" presetClass="entr" presetSubtype="0" fill="hold" nodeType="clickEffect">
+                                  <p:stCondLst>
+                                    <p:cond delay="0"/>
+                                  </p:stCondLst>
+                                  <p:childTnLst>
+                                    <p:set>
+                                      <p:cBhvr>
+                                        <p:cTn id="6" dur="1" fill="hold">
+                                          <p:stCondLst>
+                                            <p:cond delay="0"/>
+                                          </p:stCondLst>
+                                        </p:cTn>
+                                        <p:tgtEl>
+                                          <p:spTgt spid="8"/>
+                                        </p:tgtEl>
+                                        <p:attrNameLst>
+                                          <p:attrName>style.visibility</p:attrName>
+                                        </p:attrNameLst>
+                                      </p:cBhvr>
+                                      <p:to>
+                                        <p:strVal val="visible"/>
+                                      </p:to>
+                                    </p:set>
+                                  </p:childTnLst>
+                                </p:cTn>
+                              </p:par>
+                              <p:par>
+                                <p:cTn id="7" presetID="1" presetClass="entr" presetSubtype="0" fill="hold" grpId="0" nodeType="withEffect">
+                                  <p:stCondLst>
+                                    <p:cond delay="0"/>
+                                  </p:stCondLst>
+                                  <p:childTnLst>
+                                    <p:set>
+                                      <p:cBhvr>
+                                        <p:cTn id="8" dur="1" fill="hold">
+                                          <p:stCondLst>
+                                            <p:cond delay="0"/>
+                                          </p:stCondLst>
+                                        </p:cTn>
+                                        <p:tgtEl>
+                                          <p:spTgt spid="9"/>
+                                        </p:tgtEl>
+                                        <p:attrNameLst>
+                                          <p:attrName>style.visibility</p:attrName>
+                                        </p:attrNameLst>
+                                      </p:cBhvr>
+                                      <p:to>
+                                        <p:strVal val="visible"/>
+                                      </p:to>
+                                    </p:set>
+                                  </p:childTnLst>
+                                </p:cTn>
+                              </p:par>
+                            </p:childTnLst>
+                          </p:cTn>
+                        </p:par>
+                      </p:childTnLst>
+                    </p:cTn>
+                  </p:par>
+                </p:childTnLst>
+              </p:cTn>
+              <p:prevCondLst>
+                <p:cond evt="onPrev" delay="0">
+                  <p:tgtEl>
+                    <p:sldTgt/>
+                  </p:tgtEl>
+                </p:cond>
+              </p:prevCondLst>
+              <p:nextCondLst>
+                <p:cond evt="onNext" delay="0">
+                  <p:tgtEl>
+                    <p:sldTgt/>
+                  </p:tgtEl>
+                </p:cond>
+              </p:nextCondLst>
+            </p:seq>
+          </p:childTnLst>
+        </p:cTn>
+      </p:par>
+    </p:tnLst>
+    <p:bldLst>
+      <p:bldP spid="9" grpId="0" animBg="1"/>
+    </p:bldLst>
+  </p:timing>
 </p:sld>
 </file>
 
-<file path=ppt/slides/slide54.xml><?xml version="1.0" encoding="utf-8"?>
+<file path=ppt/slides/slide55.xml><?xml version="1.0" encoding="utf-8"?>
 <p:sld xmlns:a="http://schemas.openxmlformats.org/drawingml/2006/main" xmlns:r="http://schemas.openxmlformats.org/officeDocument/2006/relationships" xmlns:p="http://schemas.openxmlformats.org/presentationml/2006/main">
   <p:cSld>
     <p:spTree>
@@ -26842,7 +27160,7 @@
           <p:cNvPr id="4" name="TextBox 3">
             <a:extLst>
               <a:ext uri="{FF2B5EF4-FFF2-40B4-BE49-F238E27FC236}">
-                <a16:creationId xmlns:a16="http://schemas.microsoft.com/office/drawing/2014/main" id="{E7F95338-D8E8-1A47-9B0B-2BEC0D129ACB}"/>
+                <a16:creationId xmlns:a16="http://schemas.microsoft.com/office/drawing/2014/main" xmlns="" id="{E7F95338-D8E8-1A47-9B0B-2BEC0D129ACB}"/>
               </a:ext>
             </a:extLst>
           </p:cNvPr>
@@ -26903,7 +27221,7 @@
           <p:cNvPr id="5" name="TextBox 4">
             <a:extLst>
               <a:ext uri="{FF2B5EF4-FFF2-40B4-BE49-F238E27FC236}">
-                <a16:creationId xmlns:a16="http://schemas.microsoft.com/office/drawing/2014/main" id="{D40AEE29-AEAC-513F-8C7B-D77B52819A0F}"/>
+                <a16:creationId xmlns:a16="http://schemas.microsoft.com/office/drawing/2014/main" xmlns="" id="{D40AEE29-AEAC-513F-8C7B-D77B52819A0F}"/>
               </a:ext>
             </a:extLst>
           </p:cNvPr>
@@ -27261,7 +27579,7 @@
 </p:sld>
 </file>
 
-<file path=ppt/slides/slide55.xml><?xml version="1.0" encoding="utf-8"?>
+<file path=ppt/slides/slide56.xml><?xml version="1.0" encoding="utf-8"?>
 <p:sld xmlns:a="http://schemas.openxmlformats.org/drawingml/2006/main" xmlns:r="http://schemas.openxmlformats.org/officeDocument/2006/relationships" xmlns:p="http://schemas.openxmlformats.org/presentationml/2006/main">
   <p:cSld>
     <p:spTree>
@@ -27283,7 +27601,7 @@
           <p:cNvPr id="5" name="그림 4">
             <a:extLst>
               <a:ext uri="{FF2B5EF4-FFF2-40B4-BE49-F238E27FC236}">
-                <a16:creationId xmlns:a16="http://schemas.microsoft.com/office/drawing/2014/main" id="{4C1E5A44-674D-671D-9AB9-96FADBF3612B}"/>
+                <a16:creationId xmlns:a16="http://schemas.microsoft.com/office/drawing/2014/main" xmlns="" id="{4C1E5A44-674D-671D-9AB9-96FADBF3612B}"/>
               </a:ext>
             </a:extLst>
           </p:cNvPr>
@@ -27313,7 +27631,7 @@
           <p:cNvPr id="6" name="직선 화살표 연결선 5">
             <a:extLst>
               <a:ext uri="{FF2B5EF4-FFF2-40B4-BE49-F238E27FC236}">
-                <a16:creationId xmlns:a16="http://schemas.microsoft.com/office/drawing/2014/main" id="{75908EAF-DC59-A016-BC77-60D68A02BC58}"/>
+                <a16:creationId xmlns:a16="http://schemas.microsoft.com/office/drawing/2014/main" xmlns="" id="{75908EAF-DC59-A016-BC77-60D68A02BC58}"/>
               </a:ext>
             </a:extLst>
           </p:cNvPr>
@@ -27354,7 +27672,7 @@
           <p:cNvPr id="7" name="TextBox 6">
             <a:extLst>
               <a:ext uri="{FF2B5EF4-FFF2-40B4-BE49-F238E27FC236}">
-                <a16:creationId xmlns:a16="http://schemas.microsoft.com/office/drawing/2014/main" id="{E63F965D-29AF-DE1C-5B98-DBB3BB85DFAE}"/>
+                <a16:creationId xmlns:a16="http://schemas.microsoft.com/office/drawing/2014/main" xmlns="" id="{E63F965D-29AF-DE1C-5B98-DBB3BB85DFAE}"/>
               </a:ext>
             </a:extLst>
           </p:cNvPr>
@@ -27405,7 +27723,7 @@
           <p:cNvPr id="9" name="그림 8">
             <a:extLst>
               <a:ext uri="{FF2B5EF4-FFF2-40B4-BE49-F238E27FC236}">
-                <a16:creationId xmlns:a16="http://schemas.microsoft.com/office/drawing/2014/main" id="{ABEEEEFF-3C09-B89D-E9C1-0E692C4188B0}"/>
+                <a16:creationId xmlns:a16="http://schemas.microsoft.com/office/drawing/2014/main" xmlns="" id="{ABEEEEFF-3C09-B89D-E9C1-0E692C4188B0}"/>
               </a:ext>
             </a:extLst>
           </p:cNvPr>
@@ -27435,7 +27753,7 @@
           <p:cNvPr id="10" name="직선 화살표 연결선 9">
             <a:extLst>
               <a:ext uri="{FF2B5EF4-FFF2-40B4-BE49-F238E27FC236}">
-                <a16:creationId xmlns:a16="http://schemas.microsoft.com/office/drawing/2014/main" id="{72748C94-A7E3-EBE6-4E54-D9C607D67005}"/>
+                <a16:creationId xmlns:a16="http://schemas.microsoft.com/office/drawing/2014/main" xmlns="" id="{72748C94-A7E3-EBE6-4E54-D9C607D67005}"/>
               </a:ext>
             </a:extLst>
           </p:cNvPr>
@@ -27477,7 +27795,7 @@
           <p:cNvPr id="11" name="TextBox 10">
             <a:extLst>
               <a:ext uri="{FF2B5EF4-FFF2-40B4-BE49-F238E27FC236}">
-                <a16:creationId xmlns:a16="http://schemas.microsoft.com/office/drawing/2014/main" id="{66DF052C-9323-9F8D-4857-1B2D989FFF9F}"/>
+                <a16:creationId xmlns:a16="http://schemas.microsoft.com/office/drawing/2014/main" xmlns="" id="{66DF052C-9323-9F8D-4857-1B2D989FFF9F}"/>
               </a:ext>
             </a:extLst>
           </p:cNvPr>
@@ -27563,10 +27881,17 @@
   <p:clrMapOvr>
     <a:masterClrMapping/>
   </p:clrMapOvr>
+  <p:timing>
+    <p:tnLst>
+      <p:par>
+        <p:cTn id="1" dur="indefinite" restart="never" nodeType="tmRoot"/>
+      </p:par>
+    </p:tnLst>
+  </p:timing>
 </p:sld>
 </file>
 
-<file path=ppt/slides/slide56.xml><?xml version="1.0" encoding="utf-8"?>
+<file path=ppt/slides/slide57.xml><?xml version="1.0" encoding="utf-8"?>
 <p:sld xmlns:a="http://schemas.openxmlformats.org/drawingml/2006/main" xmlns:r="http://schemas.openxmlformats.org/officeDocument/2006/relationships" xmlns:p="http://schemas.openxmlformats.org/presentationml/2006/main">
   <p:cSld>
     <p:spTree>
@@ -27588,7 +27913,7 @@
           <p:cNvPr id="4" name="그룹 1018">
             <a:extLst>
               <a:ext uri="{FF2B5EF4-FFF2-40B4-BE49-F238E27FC236}">
-                <a16:creationId xmlns:a16="http://schemas.microsoft.com/office/drawing/2014/main" id="{88809E16-31F7-1F83-2FAC-75A0671E0E63}"/>
+                <a16:creationId xmlns:a16="http://schemas.microsoft.com/office/drawing/2014/main" xmlns="" id="{88809E16-31F7-1F83-2FAC-75A0671E0E63}"/>
               </a:ext>
             </a:extLst>
           </p:cNvPr>
@@ -27608,7 +27933,7 @@
             <p:cNvPr id="5" name="Object 61">
               <a:extLst>
                 <a:ext uri="{FF2B5EF4-FFF2-40B4-BE49-F238E27FC236}">
-                  <a16:creationId xmlns:a16="http://schemas.microsoft.com/office/drawing/2014/main" id="{E1173C9E-3171-FA64-34F6-A314CF0D2703}"/>
+                  <a16:creationId xmlns:a16="http://schemas.microsoft.com/office/drawing/2014/main" xmlns="" id="{E1173C9E-3171-FA64-34F6-A314CF0D2703}"/>
                 </a:ext>
               </a:extLst>
             </p:cNvPr>
@@ -27639,7 +27964,7 @@
           <p:cNvPr id="6" name="TextBox 5">
             <a:extLst>
               <a:ext uri="{FF2B5EF4-FFF2-40B4-BE49-F238E27FC236}">
-                <a16:creationId xmlns:a16="http://schemas.microsoft.com/office/drawing/2014/main" id="{32037D5E-FE66-9272-14CC-2284752BAAC1}"/>
+                <a16:creationId xmlns:a16="http://schemas.microsoft.com/office/drawing/2014/main" xmlns="" id="{32037D5E-FE66-9272-14CC-2284752BAAC1}"/>
               </a:ext>
             </a:extLst>
           </p:cNvPr>
@@ -27683,7 +28008,7 @@
           <p:cNvPr id="7" name="그룹 1018">
             <a:extLst>
               <a:ext uri="{FF2B5EF4-FFF2-40B4-BE49-F238E27FC236}">
-                <a16:creationId xmlns:a16="http://schemas.microsoft.com/office/drawing/2014/main" id="{1DBF8C05-A7A0-E308-2C72-A1A1D48209F9}"/>
+                <a16:creationId xmlns:a16="http://schemas.microsoft.com/office/drawing/2014/main" xmlns="" id="{1DBF8C05-A7A0-E308-2C72-A1A1D48209F9}"/>
               </a:ext>
             </a:extLst>
           </p:cNvPr>
@@ -27703,7 +28028,7 @@
             <p:cNvPr id="8" name="Object 61">
               <a:extLst>
                 <a:ext uri="{FF2B5EF4-FFF2-40B4-BE49-F238E27FC236}">
-                  <a16:creationId xmlns:a16="http://schemas.microsoft.com/office/drawing/2014/main" id="{8890B65A-EE37-9FB0-11D0-D9028D5D4030}"/>
+                  <a16:creationId xmlns:a16="http://schemas.microsoft.com/office/drawing/2014/main" xmlns="" id="{8890B65A-EE37-9FB0-11D0-D9028D5D4030}"/>
                 </a:ext>
               </a:extLst>
             </p:cNvPr>
@@ -27734,7 +28059,7 @@
           <p:cNvPr id="9" name="TextBox 8">
             <a:extLst>
               <a:ext uri="{FF2B5EF4-FFF2-40B4-BE49-F238E27FC236}">
-                <a16:creationId xmlns:a16="http://schemas.microsoft.com/office/drawing/2014/main" id="{03580C69-6090-E762-1CFF-CABCB1A1F84D}"/>
+                <a16:creationId xmlns:a16="http://schemas.microsoft.com/office/drawing/2014/main" xmlns="" id="{03580C69-6090-E762-1CFF-CABCB1A1F84D}"/>
               </a:ext>
             </a:extLst>
           </p:cNvPr>
@@ -27778,7 +28103,7 @@
           <p:cNvPr id="10" name="그룹 1018">
             <a:extLst>
               <a:ext uri="{FF2B5EF4-FFF2-40B4-BE49-F238E27FC236}">
-                <a16:creationId xmlns:a16="http://schemas.microsoft.com/office/drawing/2014/main" id="{BD5EE8EE-7D57-CD91-F304-6250026830C6}"/>
+                <a16:creationId xmlns:a16="http://schemas.microsoft.com/office/drawing/2014/main" xmlns="" id="{BD5EE8EE-7D57-CD91-F304-6250026830C6}"/>
               </a:ext>
             </a:extLst>
           </p:cNvPr>
@@ -27798,7 +28123,7 @@
             <p:cNvPr id="11" name="Object 61">
               <a:extLst>
                 <a:ext uri="{FF2B5EF4-FFF2-40B4-BE49-F238E27FC236}">
-                  <a16:creationId xmlns:a16="http://schemas.microsoft.com/office/drawing/2014/main" id="{55D32D67-44A3-9BA9-40E1-962240690E74}"/>
+                  <a16:creationId xmlns:a16="http://schemas.microsoft.com/office/drawing/2014/main" xmlns="" id="{55D32D67-44A3-9BA9-40E1-962240690E74}"/>
                 </a:ext>
               </a:extLst>
             </p:cNvPr>
@@ -27829,7 +28154,7 @@
           <p:cNvPr id="12" name="TextBox 11">
             <a:extLst>
               <a:ext uri="{FF2B5EF4-FFF2-40B4-BE49-F238E27FC236}">
-                <a16:creationId xmlns:a16="http://schemas.microsoft.com/office/drawing/2014/main" id="{2E843C5C-F5F0-B014-4B60-31604E120CA8}"/>
+                <a16:creationId xmlns:a16="http://schemas.microsoft.com/office/drawing/2014/main" xmlns="" id="{2E843C5C-F5F0-B014-4B60-31604E120CA8}"/>
               </a:ext>
             </a:extLst>
           </p:cNvPr>
@@ -27873,7 +28198,7 @@
           <p:cNvPr id="13" name="직선 화살표 연결선 12">
             <a:extLst>
               <a:ext uri="{FF2B5EF4-FFF2-40B4-BE49-F238E27FC236}">
-                <a16:creationId xmlns:a16="http://schemas.microsoft.com/office/drawing/2014/main" id="{D18E0CA5-8F28-6CF5-D994-34D82E76FA59}"/>
+                <a16:creationId xmlns:a16="http://schemas.microsoft.com/office/drawing/2014/main" xmlns="" id="{D18E0CA5-8F28-6CF5-D994-34D82E76FA59}"/>
               </a:ext>
             </a:extLst>
           </p:cNvPr>
@@ -27916,7 +28241,7 @@
           <p:cNvPr id="16" name="직선 화살표 연결선 15">
             <a:extLst>
               <a:ext uri="{FF2B5EF4-FFF2-40B4-BE49-F238E27FC236}">
-                <a16:creationId xmlns:a16="http://schemas.microsoft.com/office/drawing/2014/main" id="{63A2BB84-DB21-3B86-E191-9D086538A8E8}"/>
+                <a16:creationId xmlns:a16="http://schemas.microsoft.com/office/drawing/2014/main" xmlns="" id="{63A2BB84-DB21-3B86-E191-9D086538A8E8}"/>
               </a:ext>
             </a:extLst>
           </p:cNvPr>
@@ -27957,7 +28282,7 @@
           <p:cNvPr id="17" name="TextBox 16">
             <a:extLst>
               <a:ext uri="{FF2B5EF4-FFF2-40B4-BE49-F238E27FC236}">
-                <a16:creationId xmlns:a16="http://schemas.microsoft.com/office/drawing/2014/main" id="{F98D168E-7AFC-9208-1631-471768BCB29E}"/>
+                <a16:creationId xmlns:a16="http://schemas.microsoft.com/office/drawing/2014/main" xmlns="" id="{F98D168E-7AFC-9208-1631-471768BCB29E}"/>
               </a:ext>
             </a:extLst>
           </p:cNvPr>
@@ -28033,10 +28358,17 @@
   <p:clrMapOvr>
     <a:masterClrMapping/>
   </p:clrMapOvr>
+  <p:timing>
+    <p:tnLst>
+      <p:par>
+        <p:cTn id="1" dur="indefinite" restart="never" nodeType="tmRoot"/>
+      </p:par>
+    </p:tnLst>
+  </p:timing>
 </p:sld>
 </file>
 
-<file path=ppt/slides/slide57.xml><?xml version="1.0" encoding="utf-8"?>
+<file path=ppt/slides/slide58.xml><?xml version="1.0" encoding="utf-8"?>
 <p:sld xmlns:a="http://schemas.openxmlformats.org/drawingml/2006/main" xmlns:r="http://schemas.openxmlformats.org/officeDocument/2006/relationships" xmlns:p="http://schemas.openxmlformats.org/presentationml/2006/main">
   <p:cSld>
     <p:spTree>
@@ -28058,7 +28390,7 @@
           <p:cNvPr id="15" name="그림 14">
             <a:extLst>
               <a:ext uri="{FF2B5EF4-FFF2-40B4-BE49-F238E27FC236}">
-                <a16:creationId xmlns:a16="http://schemas.microsoft.com/office/drawing/2014/main" id="{53724FB4-B4A1-0A70-1F84-114E17B93993}"/>
+                <a16:creationId xmlns:a16="http://schemas.microsoft.com/office/drawing/2014/main" xmlns="" id="{53724FB4-B4A1-0A70-1F84-114E17B93993}"/>
               </a:ext>
             </a:extLst>
           </p:cNvPr>
@@ -28088,7 +28420,7 @@
           <p:cNvPr id="5" name="그림 4">
             <a:extLst>
               <a:ext uri="{FF2B5EF4-FFF2-40B4-BE49-F238E27FC236}">
-                <a16:creationId xmlns:a16="http://schemas.microsoft.com/office/drawing/2014/main" id="{B3B08C97-DB9D-E09A-46A5-9DE74C54D1EA}"/>
+                <a16:creationId xmlns:a16="http://schemas.microsoft.com/office/drawing/2014/main" xmlns="" id="{B3B08C97-DB9D-E09A-46A5-9DE74C54D1EA}"/>
               </a:ext>
             </a:extLst>
           </p:cNvPr>
@@ -28118,7 +28450,7 @@
           <p:cNvPr id="10" name="직선 화살표 연결선 9">
             <a:extLst>
               <a:ext uri="{FF2B5EF4-FFF2-40B4-BE49-F238E27FC236}">
-                <a16:creationId xmlns:a16="http://schemas.microsoft.com/office/drawing/2014/main" id="{C07CC10E-FCEF-C096-5466-649AE800D608}"/>
+                <a16:creationId xmlns:a16="http://schemas.microsoft.com/office/drawing/2014/main" xmlns="" id="{C07CC10E-FCEF-C096-5466-649AE800D608}"/>
               </a:ext>
             </a:extLst>
           </p:cNvPr>
@@ -28159,7 +28491,7 @@
           <p:cNvPr id="11" name="직사각형 10">
             <a:extLst>
               <a:ext uri="{FF2B5EF4-FFF2-40B4-BE49-F238E27FC236}">
-                <a16:creationId xmlns:a16="http://schemas.microsoft.com/office/drawing/2014/main" id="{8E401B37-F787-3B11-93A1-BECFD1EFA32B}"/>
+                <a16:creationId xmlns:a16="http://schemas.microsoft.com/office/drawing/2014/main" xmlns="" id="{8E401B37-F787-3B11-93A1-BECFD1EFA32B}"/>
               </a:ext>
             </a:extLst>
           </p:cNvPr>
@@ -28211,7 +28543,7 @@
           <p:cNvPr id="12" name="TextBox 11">
             <a:extLst>
               <a:ext uri="{FF2B5EF4-FFF2-40B4-BE49-F238E27FC236}">
-                <a16:creationId xmlns:a16="http://schemas.microsoft.com/office/drawing/2014/main" id="{F1573BBE-058D-47FE-4B71-A1221360D1A1}"/>
+                <a16:creationId xmlns:a16="http://schemas.microsoft.com/office/drawing/2014/main" xmlns="" id="{F1573BBE-058D-47FE-4B71-A1221360D1A1}"/>
               </a:ext>
             </a:extLst>
           </p:cNvPr>
@@ -28433,614 +28765,6 @@
 </p:sld>
 </file>
 
-<file path=ppt/slides/slide58.xml><?xml version="1.0" encoding="utf-8"?>
-<p:sld xmlns:a="http://schemas.openxmlformats.org/drawingml/2006/main" xmlns:r="http://schemas.openxmlformats.org/officeDocument/2006/relationships" xmlns:p="http://schemas.openxmlformats.org/presentationml/2006/main">
-  <p:cSld>
-    <p:spTree>
-      <p:nvGrpSpPr>
-        <p:cNvPr id="1" name=""/>
-        <p:cNvGrpSpPr/>
-        <p:nvPr/>
-      </p:nvGrpSpPr>
-      <p:grpSpPr>
-        <a:xfrm>
-          <a:off x="0" y="0"/>
-          <a:ext cx="0" cy="0"/>
-          <a:chOff x="0" y="0"/>
-          <a:chExt cx="0" cy="0"/>
-        </a:xfrm>
-      </p:grpSpPr>
-      <p:sp>
-        <p:nvSpPr>
-          <p:cNvPr id="4" name="TextBox 3">
-            <a:extLst>
-              <a:ext uri="{FF2B5EF4-FFF2-40B4-BE49-F238E27FC236}">
-                <a16:creationId xmlns:a16="http://schemas.microsoft.com/office/drawing/2014/main" id="{8BD2ED5A-5CA2-F84F-13E6-A2AC3854D891}"/>
-              </a:ext>
-            </a:extLst>
-          </p:cNvPr>
-          <p:cNvSpPr txBox="1"/>
-          <p:nvPr/>
-        </p:nvSpPr>
-        <p:spPr>
-          <a:xfrm>
-            <a:off x="762000" y="38100"/>
-            <a:ext cx="3124200" cy="830997"/>
-          </a:xfrm>
-          <a:prstGeom prst="rect">
-            <a:avLst/>
-          </a:prstGeom>
-          <a:noFill/>
-        </p:spPr>
-        <p:txBody>
-          <a:bodyPr wrap="square" rtlCol="0">
-            <a:spAutoFit/>
-          </a:bodyPr>
-          <a:lstStyle/>
-          <a:p>
-            <a:r>
-              <a:rPr lang="ko-KR" altLang="en-US" sz="4800">
-                <a:solidFill>
-                  <a:srgbClr val="4C50BC"/>
-                </a:solidFill>
-                <a:latin typeface="G마켓 산스 Medium" panose="02000000000000000000" pitchFamily="50" charset="-127"/>
-                <a:ea typeface="G마켓 산스 Medium" panose="02000000000000000000" pitchFamily="50" charset="-127"/>
-              </a:rPr>
-              <a:t>실습문제</a:t>
-            </a:r>
-            <a:r>
-              <a:rPr lang="en-US" altLang="ko-KR" sz="4800">
-                <a:solidFill>
-                  <a:srgbClr val="4C50BC"/>
-                </a:solidFill>
-                <a:latin typeface="G마켓 산스 Medium" panose="02000000000000000000" pitchFamily="50" charset="-127"/>
-                <a:ea typeface="G마켓 산스 Medium" panose="02000000000000000000" pitchFamily="50" charset="-127"/>
-              </a:rPr>
-              <a:t>2</a:t>
-            </a:r>
-            <a:endParaRPr lang="en-US" altLang="ko-KR" sz="4800" dirty="0">
-              <a:solidFill>
-                <a:srgbClr val="4C50BC"/>
-              </a:solidFill>
-              <a:latin typeface="G마켓 산스 Medium" panose="02000000000000000000" pitchFamily="50" charset="-127"/>
-              <a:ea typeface="G마켓 산스 Medium" panose="02000000000000000000" pitchFamily="50" charset="-127"/>
-            </a:endParaRPr>
-          </a:p>
-        </p:txBody>
-      </p:sp>
-      <p:sp>
-        <p:nvSpPr>
-          <p:cNvPr id="5" name="TextBox 4">
-            <a:extLst>
-              <a:ext uri="{FF2B5EF4-FFF2-40B4-BE49-F238E27FC236}">
-                <a16:creationId xmlns:a16="http://schemas.microsoft.com/office/drawing/2014/main" id="{2E843C5C-F5F0-B014-4B60-31604E120CA8}"/>
-              </a:ext>
-            </a:extLst>
-          </p:cNvPr>
-          <p:cNvSpPr txBox="1"/>
-          <p:nvPr/>
-        </p:nvSpPr>
-        <p:spPr>
-          <a:xfrm>
-            <a:off x="304800" y="876300"/>
-            <a:ext cx="17373600" cy="2369880"/>
-          </a:xfrm>
-          <a:prstGeom prst="rect">
-            <a:avLst/>
-          </a:prstGeom>
-          <a:noFill/>
-        </p:spPr>
-        <p:txBody>
-          <a:bodyPr wrap="square" rtlCol="0">
-            <a:spAutoFit/>
-          </a:bodyPr>
-          <a:lstStyle/>
-          <a:p>
-            <a:r>
-              <a:rPr lang="en-US" altLang="ko-KR" sz="3200">
-                <a:solidFill>
-                  <a:schemeClr val="tx1">
-                    <a:lumMod val="50000"/>
-                    <a:lumOff val="50000"/>
-                  </a:schemeClr>
-                </a:solidFill>
-                <a:latin typeface="G마켓 산스 Medium" panose="02000000000000000000" pitchFamily="50" charset="-127"/>
-                <a:ea typeface="G마켓 산스 Medium" panose="02000000000000000000" pitchFamily="50" charset="-127"/>
-              </a:rPr>
-              <a:t>1. </a:t>
-            </a:r>
-            <a:r>
-              <a:rPr lang="ko-KR" altLang="en-US" sz="3200">
-                <a:solidFill>
-                  <a:schemeClr val="tx1">
-                    <a:lumMod val="50000"/>
-                    <a:lumOff val="50000"/>
-                  </a:schemeClr>
-                </a:solidFill>
-                <a:latin typeface="G마켓 산스 Medium" panose="02000000000000000000" pitchFamily="50" charset="-127"/>
-                <a:ea typeface="G마켓 산스 Medium" panose="02000000000000000000" pitchFamily="50" charset="-127"/>
-              </a:rPr>
-              <a:t>섯다카드 </a:t>
-            </a:r>
-            <a:r>
-              <a:rPr lang="en-US" altLang="ko-KR" sz="3200">
-                <a:solidFill>
-                  <a:schemeClr val="tx1">
-                    <a:lumMod val="50000"/>
-                    <a:lumOff val="50000"/>
-                  </a:schemeClr>
-                </a:solidFill>
-                <a:latin typeface="G마켓 산스 Medium" panose="02000000000000000000" pitchFamily="50" charset="-127"/>
-                <a:ea typeface="G마켓 산스 Medium" panose="02000000000000000000" pitchFamily="50" charset="-127"/>
-              </a:rPr>
-              <a:t>20</a:t>
-            </a:r>
-            <a:r>
-              <a:rPr lang="ko-KR" altLang="en-US" sz="3200">
-                <a:solidFill>
-                  <a:schemeClr val="tx1">
-                    <a:lumMod val="50000"/>
-                    <a:lumOff val="50000"/>
-                  </a:schemeClr>
-                </a:solidFill>
-                <a:latin typeface="G마켓 산스 Medium" panose="02000000000000000000" pitchFamily="50" charset="-127"/>
-                <a:ea typeface="G마켓 산스 Medium" panose="02000000000000000000" pitchFamily="50" charset="-127"/>
-              </a:rPr>
-              <a:t>장을 포함하는 섯다카드 한벌</a:t>
-            </a:r>
-            <a:r>
-              <a:rPr lang="en-US" altLang="ko-KR" sz="3200">
-                <a:solidFill>
-                  <a:schemeClr val="tx1">
-                    <a:lumMod val="50000"/>
-                    <a:lumOff val="50000"/>
-                  </a:schemeClr>
-                </a:solidFill>
-                <a:latin typeface="G마켓 산스 Medium" panose="02000000000000000000" pitchFamily="50" charset="-127"/>
-                <a:ea typeface="G마켓 산스 Medium" panose="02000000000000000000" pitchFamily="50" charset="-127"/>
-              </a:rPr>
-              <a:t>(SutdaDeck)</a:t>
-            </a:r>
-            <a:r>
-              <a:rPr lang="ko-KR" altLang="en-US" sz="3200">
-                <a:solidFill>
-                  <a:schemeClr val="tx1">
-                    <a:lumMod val="50000"/>
-                    <a:lumOff val="50000"/>
-                  </a:schemeClr>
-                </a:solidFill>
-                <a:latin typeface="G마켓 산스 Medium" panose="02000000000000000000" pitchFamily="50" charset="-127"/>
-                <a:ea typeface="G마켓 산스 Medium" panose="02000000000000000000" pitchFamily="50" charset="-127"/>
-              </a:rPr>
-              <a:t>을 정의한 것이다</a:t>
-            </a:r>
-            <a:r>
-              <a:rPr lang="en-US" altLang="ko-KR" sz="3200">
-                <a:solidFill>
-                  <a:schemeClr val="tx1">
-                    <a:lumMod val="50000"/>
-                    <a:lumOff val="50000"/>
-                  </a:schemeClr>
-                </a:solidFill>
-                <a:latin typeface="G마켓 산스 Medium" panose="02000000000000000000" pitchFamily="50" charset="-127"/>
-                <a:ea typeface="G마켓 산스 Medium" panose="02000000000000000000" pitchFamily="50" charset="-127"/>
-              </a:rPr>
-              <a:t>. </a:t>
-            </a:r>
-            <a:r>
-              <a:rPr lang="ko-KR" altLang="en-US" sz="3200">
-                <a:solidFill>
-                  <a:schemeClr val="tx1">
-                    <a:lumMod val="50000"/>
-                    <a:lumOff val="50000"/>
-                  </a:schemeClr>
-                </a:solidFill>
-                <a:latin typeface="G마켓 산스 Medium" panose="02000000000000000000" pitchFamily="50" charset="-127"/>
-                <a:ea typeface="G마켓 산스 Medium" panose="02000000000000000000" pitchFamily="50" charset="-127"/>
-              </a:rPr>
-              <a:t>섯다카드 </a:t>
-            </a:r>
-            <a:r>
-              <a:rPr lang="en-US" altLang="ko-KR" sz="3200">
-                <a:solidFill>
-                  <a:schemeClr val="tx1">
-                    <a:lumMod val="50000"/>
-                    <a:lumOff val="50000"/>
-                  </a:schemeClr>
-                </a:solidFill>
-                <a:latin typeface="G마켓 산스 Medium" panose="02000000000000000000" pitchFamily="50" charset="-127"/>
-                <a:ea typeface="G마켓 산스 Medium" panose="02000000000000000000" pitchFamily="50" charset="-127"/>
-              </a:rPr>
-              <a:t>20</a:t>
-            </a:r>
-            <a:r>
-              <a:rPr lang="ko-KR" altLang="en-US" sz="3200">
-                <a:solidFill>
-                  <a:schemeClr val="tx1">
-                    <a:lumMod val="50000"/>
-                    <a:lumOff val="50000"/>
-                  </a:schemeClr>
-                </a:solidFill>
-                <a:latin typeface="G마켓 산스 Medium" panose="02000000000000000000" pitchFamily="50" charset="-127"/>
-                <a:ea typeface="G마켓 산스 Medium" panose="02000000000000000000" pitchFamily="50" charset="-127"/>
-              </a:rPr>
-              <a:t>장을 담는 </a:t>
-            </a:r>
-            <a:r>
-              <a:rPr lang="en-US" altLang="ko-KR" sz="3200">
-                <a:solidFill>
-                  <a:schemeClr val="tx1">
-                    <a:lumMod val="50000"/>
-                    <a:lumOff val="50000"/>
-                  </a:schemeClr>
-                </a:solidFill>
-                <a:latin typeface="G마켓 산스 Medium" panose="02000000000000000000" pitchFamily="50" charset="-127"/>
-                <a:ea typeface="G마켓 산스 Medium" panose="02000000000000000000" pitchFamily="50" charset="-127"/>
-              </a:rPr>
-              <a:t>SutdaCard </a:t>
-            </a:r>
-            <a:r>
-              <a:rPr lang="ko-KR" altLang="en-US" sz="3200">
-                <a:solidFill>
-                  <a:schemeClr val="tx1">
-                    <a:lumMod val="50000"/>
-                    <a:lumOff val="50000"/>
-                  </a:schemeClr>
-                </a:solidFill>
-                <a:latin typeface="G마켓 산스 Medium" panose="02000000000000000000" pitchFamily="50" charset="-127"/>
-                <a:ea typeface="G마켓 산스 Medium" panose="02000000000000000000" pitchFamily="50" charset="-127"/>
-              </a:rPr>
-              <a:t>배열을 초기화 하자</a:t>
-            </a:r>
-            <a:r>
-              <a:rPr lang="en-US" altLang="ko-KR" sz="3200">
-                <a:solidFill>
-                  <a:schemeClr val="tx1">
-                    <a:lumMod val="50000"/>
-                    <a:lumOff val="50000"/>
-                  </a:schemeClr>
-                </a:solidFill>
-                <a:latin typeface="G마켓 산스 Medium" panose="02000000000000000000" pitchFamily="50" charset="-127"/>
-                <a:ea typeface="G마켓 산스 Medium" panose="02000000000000000000" pitchFamily="50" charset="-127"/>
-              </a:rPr>
-              <a:t>.</a:t>
-            </a:r>
-          </a:p>
-          <a:p>
-            <a:r>
-              <a:rPr lang="ko-KR" altLang="en-US" sz="2800">
-                <a:solidFill>
-                  <a:schemeClr val="tx2">
-                    <a:lumMod val="60000"/>
-                    <a:lumOff val="40000"/>
-                  </a:schemeClr>
-                </a:solidFill>
-                <a:latin typeface="G마켓 산스 Medium" panose="02000000000000000000" pitchFamily="50" charset="-127"/>
-                <a:ea typeface="G마켓 산스 Medium" panose="02000000000000000000" pitchFamily="50" charset="-127"/>
-              </a:rPr>
-              <a:t> 단</a:t>
-            </a:r>
-            <a:r>
-              <a:rPr lang="en-US" altLang="ko-KR" sz="2800">
-                <a:solidFill>
-                  <a:schemeClr val="tx2">
-                    <a:lumMod val="60000"/>
-                    <a:lumOff val="40000"/>
-                  </a:schemeClr>
-                </a:solidFill>
-                <a:latin typeface="G마켓 산스 Medium" panose="02000000000000000000" pitchFamily="50" charset="-127"/>
-                <a:ea typeface="G마켓 산스 Medium" panose="02000000000000000000" pitchFamily="50" charset="-127"/>
-              </a:rPr>
-              <a:t>, </a:t>
-            </a:r>
-            <a:r>
-              <a:rPr lang="ko-KR" altLang="en-US" sz="2800">
-                <a:solidFill>
-                  <a:schemeClr val="tx2">
-                    <a:lumMod val="60000"/>
-                    <a:lumOff val="40000"/>
-                  </a:schemeClr>
-                </a:solidFill>
-                <a:latin typeface="G마켓 산스 Medium" panose="02000000000000000000" pitchFamily="50" charset="-127"/>
-                <a:ea typeface="G마켓 산스 Medium" panose="02000000000000000000" pitchFamily="50" charset="-127"/>
-              </a:rPr>
-              <a:t>섯다카드는 </a:t>
-            </a:r>
-            <a:r>
-              <a:rPr lang="en-US" altLang="ko-KR" sz="2800">
-                <a:solidFill>
-                  <a:schemeClr val="tx2">
-                    <a:lumMod val="60000"/>
-                    <a:lumOff val="40000"/>
-                  </a:schemeClr>
-                </a:solidFill>
-                <a:latin typeface="G마켓 산스 Medium" panose="02000000000000000000" pitchFamily="50" charset="-127"/>
-                <a:ea typeface="G마켓 산스 Medium" panose="02000000000000000000" pitchFamily="50" charset="-127"/>
-              </a:rPr>
-              <a:t>1~10</a:t>
-            </a:r>
-            <a:r>
-              <a:rPr lang="ko-KR" altLang="en-US" sz="2800">
-                <a:solidFill>
-                  <a:schemeClr val="tx2">
-                    <a:lumMod val="60000"/>
-                    <a:lumOff val="40000"/>
-                  </a:schemeClr>
-                </a:solidFill>
-                <a:latin typeface="G마켓 산스 Medium" panose="02000000000000000000" pitchFamily="50" charset="-127"/>
-                <a:ea typeface="G마켓 산스 Medium" panose="02000000000000000000" pitchFamily="50" charset="-127"/>
-              </a:rPr>
-              <a:t>까지의 숫자가 적힌 카드가 한 쌍식 있고</a:t>
-            </a:r>
-            <a:r>
-              <a:rPr lang="en-US" altLang="ko-KR" sz="2800">
-                <a:solidFill>
-                  <a:schemeClr val="tx2">
-                    <a:lumMod val="60000"/>
-                    <a:lumOff val="40000"/>
-                  </a:schemeClr>
-                </a:solidFill>
-                <a:latin typeface="G마켓 산스 Medium" panose="02000000000000000000" pitchFamily="50" charset="-127"/>
-                <a:ea typeface="G마켓 산스 Medium" panose="02000000000000000000" pitchFamily="50" charset="-127"/>
-              </a:rPr>
-              <a:t>, </a:t>
-            </a:r>
-            <a:r>
-              <a:rPr lang="ko-KR" altLang="en-US" sz="2800">
-                <a:solidFill>
-                  <a:schemeClr val="tx2">
-                    <a:lumMod val="60000"/>
-                    <a:lumOff val="40000"/>
-                  </a:schemeClr>
-                </a:solidFill>
-                <a:latin typeface="G마켓 산스 Medium" panose="02000000000000000000" pitchFamily="50" charset="-127"/>
-                <a:ea typeface="G마켓 산스 Medium" panose="02000000000000000000" pitchFamily="50" charset="-127"/>
-              </a:rPr>
-              <a:t>숫자가 </a:t>
-            </a:r>
-            <a:r>
-              <a:rPr lang="en-US" altLang="ko-KR" sz="2800">
-                <a:solidFill>
-                  <a:schemeClr val="tx2">
-                    <a:lumMod val="60000"/>
-                    <a:lumOff val="40000"/>
-                  </a:schemeClr>
-                </a:solidFill>
-                <a:latin typeface="G마켓 산스 Medium" panose="02000000000000000000" pitchFamily="50" charset="-127"/>
-                <a:ea typeface="G마켓 산스 Medium" panose="02000000000000000000" pitchFamily="50" charset="-127"/>
-              </a:rPr>
-              <a:t>1,3,8</a:t>
-            </a:r>
-            <a:r>
-              <a:rPr lang="ko-KR" altLang="en-US" sz="2800">
-                <a:solidFill>
-                  <a:schemeClr val="tx2">
-                    <a:lumMod val="60000"/>
-                    <a:lumOff val="40000"/>
-                  </a:schemeClr>
-                </a:solidFill>
-                <a:latin typeface="G마켓 산스 Medium" panose="02000000000000000000" pitchFamily="50" charset="-127"/>
-                <a:ea typeface="G마켓 산스 Medium" panose="02000000000000000000" pitchFamily="50" charset="-127"/>
-              </a:rPr>
-              <a:t>인 경우 둘      중의 한장은 광이어야 한다</a:t>
-            </a:r>
-            <a:r>
-              <a:rPr lang="en-US" altLang="ko-KR" sz="2800">
-                <a:solidFill>
-                  <a:schemeClr val="tx2">
-                    <a:lumMod val="60000"/>
-                    <a:lumOff val="40000"/>
-                  </a:schemeClr>
-                </a:solidFill>
-                <a:latin typeface="G마켓 산스 Medium" panose="02000000000000000000" pitchFamily="50" charset="-127"/>
-                <a:ea typeface="G마켓 산스 Medium" panose="02000000000000000000" pitchFamily="50" charset="-127"/>
-              </a:rPr>
-              <a:t>.</a:t>
-            </a:r>
-          </a:p>
-          <a:p>
-            <a:r>
-              <a:rPr lang="ko-KR" altLang="en-US" sz="2800">
-                <a:solidFill>
-                  <a:schemeClr val="tx2">
-                    <a:lumMod val="60000"/>
-                    <a:lumOff val="40000"/>
-                  </a:schemeClr>
-                </a:solidFill>
-                <a:latin typeface="G마켓 산스 Medium" panose="02000000000000000000" pitchFamily="50" charset="-127"/>
-                <a:ea typeface="G마켓 산스 Medium" panose="02000000000000000000" pitchFamily="50" charset="-127"/>
-              </a:rPr>
-              <a:t> 즉</a:t>
-            </a:r>
-            <a:r>
-              <a:rPr lang="en-US" altLang="ko-KR" sz="2800">
-                <a:solidFill>
-                  <a:schemeClr val="tx2">
-                    <a:lumMod val="60000"/>
-                    <a:lumOff val="40000"/>
-                  </a:schemeClr>
-                </a:solidFill>
-                <a:latin typeface="G마켓 산스 Medium" panose="02000000000000000000" pitchFamily="50" charset="-127"/>
-                <a:ea typeface="G마켓 산스 Medium" panose="02000000000000000000" pitchFamily="50" charset="-127"/>
-              </a:rPr>
-              <a:t>, SutdaCard</a:t>
-            </a:r>
-            <a:r>
-              <a:rPr lang="ko-KR" altLang="en-US" sz="2800">
-                <a:solidFill>
-                  <a:schemeClr val="tx2">
-                    <a:lumMod val="60000"/>
-                    <a:lumOff val="40000"/>
-                  </a:schemeClr>
-                </a:solidFill>
-                <a:latin typeface="G마켓 산스 Medium" panose="02000000000000000000" pitchFamily="50" charset="-127"/>
-                <a:ea typeface="G마켓 산스 Medium" panose="02000000000000000000" pitchFamily="50" charset="-127"/>
-              </a:rPr>
-              <a:t>의 인스턴스변수 </a:t>
-            </a:r>
-            <a:r>
-              <a:rPr lang="en-US" altLang="ko-KR" sz="2800">
-                <a:solidFill>
-                  <a:schemeClr val="tx2">
-                    <a:lumMod val="60000"/>
-                    <a:lumOff val="40000"/>
-                  </a:schemeClr>
-                </a:solidFill>
-                <a:latin typeface="G마켓 산스 Medium" panose="02000000000000000000" pitchFamily="50" charset="-127"/>
-                <a:ea typeface="G마켓 산스 Medium" panose="02000000000000000000" pitchFamily="50" charset="-127"/>
-              </a:rPr>
-              <a:t>isKwang</a:t>
-            </a:r>
-            <a:r>
-              <a:rPr lang="ko-KR" altLang="en-US" sz="2800">
-                <a:solidFill>
-                  <a:schemeClr val="tx2">
-                    <a:lumMod val="60000"/>
-                    <a:lumOff val="40000"/>
-                  </a:schemeClr>
-                </a:solidFill>
-                <a:latin typeface="G마켓 산스 Medium" panose="02000000000000000000" pitchFamily="50" charset="-127"/>
-                <a:ea typeface="G마켓 산스 Medium" panose="02000000000000000000" pitchFamily="50" charset="-127"/>
-              </a:rPr>
-              <a:t>의 값이 </a:t>
-            </a:r>
-            <a:r>
-              <a:rPr lang="en-US" altLang="ko-KR" sz="2800">
-                <a:solidFill>
-                  <a:schemeClr val="tx2">
-                    <a:lumMod val="60000"/>
-                    <a:lumOff val="40000"/>
-                  </a:schemeClr>
-                </a:solidFill>
-                <a:latin typeface="G마켓 산스 Medium" panose="02000000000000000000" pitchFamily="50" charset="-127"/>
-                <a:ea typeface="G마켓 산스 Medium" panose="02000000000000000000" pitchFamily="50" charset="-127"/>
-              </a:rPr>
-              <a:t>true</a:t>
-            </a:r>
-            <a:r>
-              <a:rPr lang="ko-KR" altLang="en-US" sz="2800">
-                <a:solidFill>
-                  <a:schemeClr val="tx2">
-                    <a:lumMod val="60000"/>
-                    <a:lumOff val="40000"/>
-                  </a:schemeClr>
-                </a:solidFill>
-                <a:latin typeface="G마켓 산스 Medium" panose="02000000000000000000" pitchFamily="50" charset="-127"/>
-                <a:ea typeface="G마켓 산스 Medium" panose="02000000000000000000" pitchFamily="50" charset="-127"/>
-              </a:rPr>
-              <a:t>이다</a:t>
-            </a:r>
-            <a:r>
-              <a:rPr lang="en-US" altLang="ko-KR" sz="2800">
-                <a:solidFill>
-                  <a:schemeClr val="tx2">
-                    <a:lumMod val="60000"/>
-                    <a:lumOff val="40000"/>
-                  </a:schemeClr>
-                </a:solidFill>
-                <a:latin typeface="G마켓 산스 Medium" panose="02000000000000000000" pitchFamily="50" charset="-127"/>
-                <a:ea typeface="G마켓 산스 Medium" panose="02000000000000000000" pitchFamily="50" charset="-127"/>
-              </a:rPr>
-              <a:t>.</a:t>
-            </a:r>
-            <a:endParaRPr lang="en-US" altLang="ko-KR" sz="2800" dirty="0">
-              <a:solidFill>
-                <a:schemeClr val="tx2">
-                  <a:lumMod val="60000"/>
-                  <a:lumOff val="40000"/>
-                </a:schemeClr>
-              </a:solidFill>
-              <a:latin typeface="G마켓 산스 Medium" panose="02000000000000000000" pitchFamily="50" charset="-127"/>
-              <a:ea typeface="G마켓 산스 Medium" panose="02000000000000000000" pitchFamily="50" charset="-127"/>
-            </a:endParaRPr>
-          </a:p>
-        </p:txBody>
-      </p:sp>
-      <p:pic>
-        <p:nvPicPr>
-          <p:cNvPr id="6" name="그림 5"/>
-          <p:cNvPicPr>
-            <a:picLocks noChangeAspect="1"/>
-          </p:cNvPicPr>
-          <p:nvPr/>
-        </p:nvPicPr>
-        <p:blipFill>
-          <a:blip r:embed="rId2"/>
-          <a:stretch>
-            <a:fillRect/>
-          </a:stretch>
-        </p:blipFill>
-        <p:spPr>
-          <a:xfrm>
-            <a:off x="457200" y="8724900"/>
-            <a:ext cx="9109166" cy="1219200"/>
-          </a:xfrm>
-          <a:prstGeom prst="rect">
-            <a:avLst/>
-          </a:prstGeom>
-        </p:spPr>
-      </p:pic>
-      <p:pic>
-        <p:nvPicPr>
-          <p:cNvPr id="10" name="그림 9"/>
-          <p:cNvPicPr>
-            <a:picLocks noChangeAspect="1"/>
-          </p:cNvPicPr>
-          <p:nvPr/>
-        </p:nvPicPr>
-        <p:blipFill>
-          <a:blip r:embed="rId3"/>
-          <a:stretch>
-            <a:fillRect/>
-          </a:stretch>
-        </p:blipFill>
-        <p:spPr>
-          <a:xfrm>
-            <a:off x="304801" y="3314700"/>
-            <a:ext cx="9764486" cy="5257800"/>
-          </a:xfrm>
-          <a:prstGeom prst="rect">
-            <a:avLst/>
-          </a:prstGeom>
-        </p:spPr>
-      </p:pic>
-      <p:pic>
-        <p:nvPicPr>
-          <p:cNvPr id="11" name="그림 10"/>
-          <p:cNvPicPr>
-            <a:picLocks noChangeAspect="1"/>
-          </p:cNvPicPr>
-          <p:nvPr/>
-        </p:nvPicPr>
-        <p:blipFill>
-          <a:blip r:embed="rId4"/>
-          <a:stretch>
-            <a:fillRect/>
-          </a:stretch>
-        </p:blipFill>
-        <p:spPr>
-          <a:xfrm>
-            <a:off x="10744200" y="2552700"/>
-            <a:ext cx="7086600" cy="7614794"/>
-          </a:xfrm>
-          <a:prstGeom prst="rect">
-            <a:avLst/>
-          </a:prstGeom>
-        </p:spPr>
-      </p:pic>
-    </p:spTree>
-    <p:extLst>
-      <p:ext uri="{BB962C8B-B14F-4D97-AF65-F5344CB8AC3E}">
-        <p14:creationId xmlns:p14="http://schemas.microsoft.com/office/powerpoint/2010/main" val="3727947807"/>
-      </p:ext>
-    </p:extLst>
-  </p:cSld>
-  <p:clrMapOvr>
-    <a:masterClrMapping/>
-  </p:clrMapOvr>
-</p:sld>
-</file>
-
 <file path=ppt/slides/slide59.xml><?xml version="1.0" encoding="utf-8"?>
 <p:sld xmlns:a="http://schemas.openxmlformats.org/drawingml/2006/main" xmlns:r="http://schemas.openxmlformats.org/officeDocument/2006/relationships" xmlns:p="http://schemas.openxmlformats.org/presentationml/2006/main">
   <p:cSld>
@@ -29063,7 +28787,7 @@
           <p:cNvPr id="4" name="TextBox 3">
             <a:extLst>
               <a:ext uri="{FF2B5EF4-FFF2-40B4-BE49-F238E27FC236}">
-                <a16:creationId xmlns:a16="http://schemas.microsoft.com/office/drawing/2014/main" id="{2E843C5C-F5F0-B014-4B60-31604E120CA8}"/>
+                <a16:creationId xmlns:a16="http://schemas.microsoft.com/office/drawing/2014/main" xmlns="" id="{8BD2ED5A-5CA2-F84F-13E6-A2AC3854D891}"/>
               </a:ext>
             </a:extLst>
           </p:cNvPr>
@@ -29072,779 +28796,7 @@
         </p:nvSpPr>
         <p:spPr>
           <a:xfrm>
-            <a:off x="228600" y="1319867"/>
-            <a:ext cx="17373600" cy="8340745"/>
-          </a:xfrm>
-          <a:prstGeom prst="rect">
-            <a:avLst/>
-          </a:prstGeom>
-          <a:noFill/>
-        </p:spPr>
-        <p:txBody>
-          <a:bodyPr wrap="square" rtlCol="0">
-            <a:spAutoFit/>
-          </a:bodyPr>
-          <a:lstStyle/>
-          <a:p>
-            <a:r>
-              <a:rPr lang="en-US" altLang="ko-KR" sz="4000">
-                <a:solidFill>
-                  <a:schemeClr val="tx1">
-                    <a:lumMod val="50000"/>
-                    <a:lumOff val="50000"/>
-                  </a:schemeClr>
-                </a:solidFill>
-                <a:latin typeface="G마켓 산스 Medium" panose="02000000000000000000" pitchFamily="50" charset="-127"/>
-                <a:ea typeface="G마켓 산스 Medium" panose="02000000000000000000" pitchFamily="50" charset="-127"/>
-              </a:rPr>
-              <a:t>2. </a:t>
-            </a:r>
-            <a:r>
-              <a:rPr lang="ko-KR" altLang="en-US" sz="4000">
-                <a:solidFill>
-                  <a:schemeClr val="tx1">
-                    <a:lumMod val="50000"/>
-                    <a:lumOff val="50000"/>
-                  </a:schemeClr>
-                </a:solidFill>
-                <a:latin typeface="G마켓 산스 Medium" panose="02000000000000000000" pitchFamily="50" charset="-127"/>
-                <a:ea typeface="G마켓 산스 Medium" panose="02000000000000000000" pitchFamily="50" charset="-127"/>
-              </a:rPr>
-              <a:t>실습문제 </a:t>
-            </a:r>
-            <a:r>
-              <a:rPr lang="en-US" altLang="ko-KR" sz="4000">
-                <a:solidFill>
-                  <a:schemeClr val="tx1">
-                    <a:lumMod val="50000"/>
-                    <a:lumOff val="50000"/>
-                  </a:schemeClr>
-                </a:solidFill>
-                <a:latin typeface="G마켓 산스 Medium" panose="02000000000000000000" pitchFamily="50" charset="-127"/>
-                <a:ea typeface="G마켓 산스 Medium" panose="02000000000000000000" pitchFamily="50" charset="-127"/>
-              </a:rPr>
-              <a:t>1</a:t>
-            </a:r>
-            <a:r>
-              <a:rPr lang="ko-KR" altLang="en-US" sz="4000">
-                <a:solidFill>
-                  <a:schemeClr val="tx1">
-                    <a:lumMod val="50000"/>
-                    <a:lumOff val="50000"/>
-                  </a:schemeClr>
-                </a:solidFill>
-                <a:latin typeface="G마켓 산스 Medium" panose="02000000000000000000" pitchFamily="50" charset="-127"/>
-                <a:ea typeface="G마켓 산스 Medium" panose="02000000000000000000" pitchFamily="50" charset="-127"/>
-              </a:rPr>
-              <a:t>의  </a:t>
-            </a:r>
-            <a:r>
-              <a:rPr lang="en-US" altLang="ko-KR" sz="4000">
-                <a:solidFill>
-                  <a:schemeClr val="tx1">
-                    <a:lumMod val="50000"/>
-                    <a:lumOff val="50000"/>
-                  </a:schemeClr>
-                </a:solidFill>
-                <a:latin typeface="G마켓 산스 Medium" panose="02000000000000000000" pitchFamily="50" charset="-127"/>
-                <a:ea typeface="G마켓 산스 Medium" panose="02000000000000000000" pitchFamily="50" charset="-127"/>
-              </a:rPr>
-              <a:t>SutdaDeck</a:t>
-            </a:r>
-            <a:r>
-              <a:rPr lang="ko-KR" altLang="en-US" sz="4000">
-                <a:solidFill>
-                  <a:schemeClr val="tx1">
-                    <a:lumMod val="50000"/>
-                    <a:lumOff val="50000"/>
-                  </a:schemeClr>
-                </a:solidFill>
-                <a:latin typeface="G마켓 산스 Medium" panose="02000000000000000000" pitchFamily="50" charset="-127"/>
-                <a:ea typeface="G마켓 산스 Medium" panose="02000000000000000000" pitchFamily="50" charset="-127"/>
-              </a:rPr>
-              <a:t>클래스에 다음에 정의된 새로운 메서드를 추가하고 테스트 하시오</a:t>
-            </a:r>
-            <a:endParaRPr lang="en-US" altLang="ko-KR" sz="4000">
-              <a:solidFill>
-                <a:schemeClr val="tx1">
-                  <a:lumMod val="50000"/>
-                  <a:lumOff val="50000"/>
-                </a:schemeClr>
-              </a:solidFill>
-              <a:latin typeface="G마켓 산스 Medium" panose="02000000000000000000" pitchFamily="50" charset="-127"/>
-              <a:ea typeface="G마켓 산스 Medium" panose="02000000000000000000" pitchFamily="50" charset="-127"/>
-            </a:endParaRPr>
-          </a:p>
-          <a:p>
-            <a:endParaRPr lang="en-US" altLang="ko-KR" sz="4000">
-              <a:solidFill>
-                <a:schemeClr val="tx1">
-                  <a:lumMod val="50000"/>
-                  <a:lumOff val="50000"/>
-                </a:schemeClr>
-              </a:solidFill>
-              <a:latin typeface="G마켓 산스 Medium" panose="02000000000000000000" pitchFamily="50" charset="-127"/>
-              <a:ea typeface="G마켓 산스 Medium" panose="02000000000000000000" pitchFamily="50" charset="-127"/>
-            </a:endParaRPr>
-          </a:p>
-          <a:p>
-            <a:r>
-              <a:rPr lang="ko-KR" altLang="en-US" sz="3200">
-                <a:solidFill>
-                  <a:schemeClr val="tx1">
-                    <a:lumMod val="50000"/>
-                    <a:lumOff val="50000"/>
-                  </a:schemeClr>
-                </a:solidFill>
-                <a:latin typeface="G마켓 산스 Medium" panose="02000000000000000000" pitchFamily="50" charset="-127"/>
-                <a:ea typeface="G마켓 산스 Medium" panose="02000000000000000000" pitchFamily="50" charset="-127"/>
-              </a:rPr>
-              <a:t>메서드명 </a:t>
-            </a:r>
-            <a:r>
-              <a:rPr lang="en-US" altLang="ko-KR" sz="3200">
-                <a:solidFill>
-                  <a:schemeClr val="tx1">
-                    <a:lumMod val="50000"/>
-                    <a:lumOff val="50000"/>
-                  </a:schemeClr>
-                </a:solidFill>
-                <a:latin typeface="G마켓 산스 Medium" panose="02000000000000000000" pitchFamily="50" charset="-127"/>
-                <a:ea typeface="G마켓 산스 Medium" panose="02000000000000000000" pitchFamily="50" charset="-127"/>
-              </a:rPr>
-              <a:t>: shuffle</a:t>
-            </a:r>
-          </a:p>
-          <a:p>
-            <a:r>
-              <a:rPr lang="ko-KR" altLang="en-US" sz="3200">
-                <a:solidFill>
-                  <a:schemeClr val="tx1">
-                    <a:lumMod val="50000"/>
-                    <a:lumOff val="50000"/>
-                  </a:schemeClr>
-                </a:solidFill>
-                <a:latin typeface="G마켓 산스 Medium" panose="02000000000000000000" pitchFamily="50" charset="-127"/>
-                <a:ea typeface="G마켓 산스 Medium" panose="02000000000000000000" pitchFamily="50" charset="-127"/>
-              </a:rPr>
-              <a:t>기능 </a:t>
-            </a:r>
-            <a:r>
-              <a:rPr lang="en-US" altLang="ko-KR" sz="3200">
-                <a:solidFill>
-                  <a:schemeClr val="tx1">
-                    <a:lumMod val="50000"/>
-                    <a:lumOff val="50000"/>
-                  </a:schemeClr>
-                </a:solidFill>
-                <a:latin typeface="G마켓 산스 Medium" panose="02000000000000000000" pitchFamily="50" charset="-127"/>
-                <a:ea typeface="G마켓 산스 Medium" panose="02000000000000000000" pitchFamily="50" charset="-127"/>
-              </a:rPr>
-              <a:t>: </a:t>
-            </a:r>
-            <a:r>
-              <a:rPr lang="ko-KR" altLang="en-US" sz="3200">
-                <a:solidFill>
-                  <a:schemeClr val="tx1">
-                    <a:lumMod val="50000"/>
-                    <a:lumOff val="50000"/>
-                  </a:schemeClr>
-                </a:solidFill>
-                <a:latin typeface="G마켓 산스 Medium" panose="02000000000000000000" pitchFamily="50" charset="-127"/>
-                <a:ea typeface="G마켓 산스 Medium" panose="02000000000000000000" pitchFamily="50" charset="-127"/>
-              </a:rPr>
-              <a:t>배열 </a:t>
-            </a:r>
-            <a:r>
-              <a:rPr lang="en-US" altLang="ko-KR" sz="3200">
-                <a:solidFill>
-                  <a:schemeClr val="tx1">
-                    <a:lumMod val="50000"/>
-                    <a:lumOff val="50000"/>
-                  </a:schemeClr>
-                </a:solidFill>
-                <a:latin typeface="G마켓 산스 Medium" panose="02000000000000000000" pitchFamily="50" charset="-127"/>
-                <a:ea typeface="G마켓 산스 Medium" panose="02000000000000000000" pitchFamily="50" charset="-127"/>
-              </a:rPr>
-              <a:t>cards</a:t>
-            </a:r>
-            <a:r>
-              <a:rPr lang="ko-KR" altLang="en-US" sz="3200">
-                <a:solidFill>
-                  <a:schemeClr val="tx1">
-                    <a:lumMod val="50000"/>
-                    <a:lumOff val="50000"/>
-                  </a:schemeClr>
-                </a:solidFill>
-                <a:latin typeface="G마켓 산스 Medium" panose="02000000000000000000" pitchFamily="50" charset="-127"/>
-                <a:ea typeface="G마켓 산스 Medium" panose="02000000000000000000" pitchFamily="50" charset="-127"/>
-              </a:rPr>
-              <a:t>에 담긴 카드의 위치를 뒤섞는다</a:t>
-            </a:r>
-            <a:r>
-              <a:rPr lang="en-US" altLang="ko-KR" sz="3200">
-                <a:solidFill>
-                  <a:schemeClr val="tx1">
-                    <a:lumMod val="50000"/>
-                    <a:lumOff val="50000"/>
-                  </a:schemeClr>
-                </a:solidFill>
-                <a:latin typeface="G마켓 산스 Medium" panose="02000000000000000000" pitchFamily="50" charset="-127"/>
-                <a:ea typeface="G마켓 산스 Medium" panose="02000000000000000000" pitchFamily="50" charset="-127"/>
-              </a:rPr>
-              <a:t>. ( Math.random </a:t>
-            </a:r>
-            <a:r>
-              <a:rPr lang="ko-KR" altLang="en-US" sz="3200">
-                <a:solidFill>
-                  <a:schemeClr val="tx1">
-                    <a:lumMod val="50000"/>
-                    <a:lumOff val="50000"/>
-                  </a:schemeClr>
-                </a:solidFill>
-                <a:latin typeface="G마켓 산스 Medium" panose="02000000000000000000" pitchFamily="50" charset="-127"/>
-                <a:ea typeface="G마켓 산스 Medium" panose="02000000000000000000" pitchFamily="50" charset="-127"/>
-              </a:rPr>
-              <a:t>활용</a:t>
-            </a:r>
-            <a:r>
-              <a:rPr lang="en-US" altLang="ko-KR" sz="3200">
-                <a:solidFill>
-                  <a:schemeClr val="tx1">
-                    <a:lumMod val="50000"/>
-                    <a:lumOff val="50000"/>
-                  </a:schemeClr>
-                </a:solidFill>
-                <a:latin typeface="G마켓 산스 Medium" panose="02000000000000000000" pitchFamily="50" charset="-127"/>
-                <a:ea typeface="G마켓 산스 Medium" panose="02000000000000000000" pitchFamily="50" charset="-127"/>
-              </a:rPr>
-              <a:t>)</a:t>
-            </a:r>
-          </a:p>
-          <a:p>
-            <a:r>
-              <a:rPr lang="ko-KR" altLang="en-US" sz="3200">
-                <a:solidFill>
-                  <a:schemeClr val="tx1">
-                    <a:lumMod val="50000"/>
-                    <a:lumOff val="50000"/>
-                  </a:schemeClr>
-                </a:solidFill>
-                <a:latin typeface="G마켓 산스 Medium" panose="02000000000000000000" pitchFamily="50" charset="-127"/>
-                <a:ea typeface="G마켓 산스 Medium" panose="02000000000000000000" pitchFamily="50" charset="-127"/>
-              </a:rPr>
-              <a:t>반환</a:t>
-            </a:r>
-            <a:r>
-              <a:rPr lang="en-US" altLang="ko-KR" sz="3200">
-                <a:solidFill>
-                  <a:schemeClr val="tx1">
-                    <a:lumMod val="50000"/>
-                    <a:lumOff val="50000"/>
-                  </a:schemeClr>
-                </a:solidFill>
-                <a:latin typeface="G마켓 산스 Medium" panose="02000000000000000000" pitchFamily="50" charset="-127"/>
-                <a:ea typeface="G마켓 산스 Medium" panose="02000000000000000000" pitchFamily="50" charset="-127"/>
-              </a:rPr>
-              <a:t>,</a:t>
-            </a:r>
-            <a:r>
-              <a:rPr lang="ko-KR" altLang="en-US" sz="3200">
-                <a:solidFill>
-                  <a:schemeClr val="tx1">
-                    <a:lumMod val="50000"/>
-                    <a:lumOff val="50000"/>
-                  </a:schemeClr>
-                </a:solidFill>
-                <a:latin typeface="G마켓 산스 Medium" panose="02000000000000000000" pitchFamily="50" charset="-127"/>
-                <a:ea typeface="G마켓 산스 Medium" panose="02000000000000000000" pitchFamily="50" charset="-127"/>
-              </a:rPr>
-              <a:t>매개변수 없음</a:t>
-            </a:r>
-          </a:p>
-          <a:p>
-            <a:endParaRPr lang="ko-KR" altLang="en-US" sz="3200">
-              <a:solidFill>
-                <a:schemeClr val="tx1">
-                  <a:lumMod val="50000"/>
-                  <a:lumOff val="50000"/>
-                </a:schemeClr>
-              </a:solidFill>
-              <a:latin typeface="G마켓 산스 Medium" panose="02000000000000000000" pitchFamily="50" charset="-127"/>
-              <a:ea typeface="G마켓 산스 Medium" panose="02000000000000000000" pitchFamily="50" charset="-127"/>
-            </a:endParaRPr>
-          </a:p>
-          <a:p>
-            <a:r>
-              <a:rPr lang="ko-KR" altLang="en-US" sz="3200">
-                <a:solidFill>
-                  <a:schemeClr val="tx1">
-                    <a:lumMod val="50000"/>
-                    <a:lumOff val="50000"/>
-                  </a:schemeClr>
-                </a:solidFill>
-                <a:latin typeface="G마켓 산스 Medium" panose="02000000000000000000" pitchFamily="50" charset="-127"/>
-                <a:ea typeface="G마켓 산스 Medium" panose="02000000000000000000" pitchFamily="50" charset="-127"/>
-              </a:rPr>
-              <a:t>메서드명</a:t>
-            </a:r>
-            <a:r>
-              <a:rPr lang="en-US" altLang="ko-KR" sz="3200">
-                <a:solidFill>
-                  <a:schemeClr val="tx1">
-                    <a:lumMod val="50000"/>
-                    <a:lumOff val="50000"/>
-                  </a:schemeClr>
-                </a:solidFill>
-                <a:latin typeface="G마켓 산스 Medium" panose="02000000000000000000" pitchFamily="50" charset="-127"/>
-                <a:ea typeface="G마켓 산스 Medium" panose="02000000000000000000" pitchFamily="50" charset="-127"/>
-              </a:rPr>
-              <a:t>: pick</a:t>
-            </a:r>
-          </a:p>
-          <a:p>
-            <a:r>
-              <a:rPr lang="ko-KR" altLang="en-US" sz="3200">
-                <a:solidFill>
-                  <a:schemeClr val="tx1">
-                    <a:lumMod val="50000"/>
-                    <a:lumOff val="50000"/>
-                  </a:schemeClr>
-                </a:solidFill>
-                <a:latin typeface="G마켓 산스 Medium" panose="02000000000000000000" pitchFamily="50" charset="-127"/>
-                <a:ea typeface="G마켓 산스 Medium" panose="02000000000000000000" pitchFamily="50" charset="-127"/>
-              </a:rPr>
-              <a:t>기능 </a:t>
-            </a:r>
-            <a:r>
-              <a:rPr lang="en-US" altLang="ko-KR" sz="3200">
-                <a:solidFill>
-                  <a:schemeClr val="tx1">
-                    <a:lumMod val="50000"/>
-                    <a:lumOff val="50000"/>
-                  </a:schemeClr>
-                </a:solidFill>
-                <a:latin typeface="G마켓 산스 Medium" panose="02000000000000000000" pitchFamily="50" charset="-127"/>
-                <a:ea typeface="G마켓 산스 Medium" panose="02000000000000000000" pitchFamily="50" charset="-127"/>
-              </a:rPr>
-              <a:t>: </a:t>
-            </a:r>
-            <a:r>
-              <a:rPr lang="ko-KR" altLang="en-US" sz="3200">
-                <a:solidFill>
-                  <a:schemeClr val="tx1">
-                    <a:lumMod val="50000"/>
-                    <a:lumOff val="50000"/>
-                  </a:schemeClr>
-                </a:solidFill>
-                <a:latin typeface="G마켓 산스 Medium" panose="02000000000000000000" pitchFamily="50" charset="-127"/>
-                <a:ea typeface="G마켓 산스 Medium" panose="02000000000000000000" pitchFamily="50" charset="-127"/>
-              </a:rPr>
-              <a:t>배열 </a:t>
-            </a:r>
-            <a:r>
-              <a:rPr lang="en-US" altLang="ko-KR" sz="3200">
-                <a:solidFill>
-                  <a:schemeClr val="tx1">
-                    <a:lumMod val="50000"/>
-                    <a:lumOff val="50000"/>
-                  </a:schemeClr>
-                </a:solidFill>
-                <a:latin typeface="G마켓 산스 Medium" panose="02000000000000000000" pitchFamily="50" charset="-127"/>
-                <a:ea typeface="G마켓 산스 Medium" panose="02000000000000000000" pitchFamily="50" charset="-127"/>
-              </a:rPr>
-              <a:t>cards</a:t>
-            </a:r>
-            <a:r>
-              <a:rPr lang="ko-KR" altLang="en-US" sz="3200">
-                <a:solidFill>
-                  <a:schemeClr val="tx1">
-                    <a:lumMod val="50000"/>
-                    <a:lumOff val="50000"/>
-                  </a:schemeClr>
-                </a:solidFill>
-                <a:latin typeface="G마켓 산스 Medium" panose="02000000000000000000" pitchFamily="50" charset="-127"/>
-                <a:ea typeface="G마켓 산스 Medium" panose="02000000000000000000" pitchFamily="50" charset="-127"/>
-              </a:rPr>
-              <a:t>에서 지정된 위치의 </a:t>
-            </a:r>
-            <a:r>
-              <a:rPr lang="en-US" altLang="ko-KR" sz="3200">
-                <a:solidFill>
-                  <a:schemeClr val="tx1">
-                    <a:lumMod val="50000"/>
-                    <a:lumOff val="50000"/>
-                  </a:schemeClr>
-                </a:solidFill>
-                <a:latin typeface="G마켓 산스 Medium" panose="02000000000000000000" pitchFamily="50" charset="-127"/>
-                <a:ea typeface="G마켓 산스 Medium" panose="02000000000000000000" pitchFamily="50" charset="-127"/>
-              </a:rPr>
-              <a:t>SutdaCard</a:t>
-            </a:r>
-            <a:r>
-              <a:rPr lang="ko-KR" altLang="en-US" sz="3200">
-                <a:solidFill>
-                  <a:schemeClr val="tx1">
-                    <a:lumMod val="50000"/>
-                    <a:lumOff val="50000"/>
-                  </a:schemeClr>
-                </a:solidFill>
-                <a:latin typeface="G마켓 산스 Medium" panose="02000000000000000000" pitchFamily="50" charset="-127"/>
-                <a:ea typeface="G마켓 산스 Medium" panose="02000000000000000000" pitchFamily="50" charset="-127"/>
-              </a:rPr>
-              <a:t>를 반환한다</a:t>
-            </a:r>
-            <a:r>
-              <a:rPr lang="en-US" altLang="ko-KR" sz="3200">
-                <a:solidFill>
-                  <a:schemeClr val="tx1">
-                    <a:lumMod val="50000"/>
-                    <a:lumOff val="50000"/>
-                  </a:schemeClr>
-                </a:solidFill>
-                <a:latin typeface="G마켓 산스 Medium" panose="02000000000000000000" pitchFamily="50" charset="-127"/>
-                <a:ea typeface="G마켓 산스 Medium" panose="02000000000000000000" pitchFamily="50" charset="-127"/>
-              </a:rPr>
-              <a:t>.</a:t>
-            </a:r>
-          </a:p>
-          <a:p>
-            <a:r>
-              <a:rPr lang="ko-KR" altLang="en-US" sz="3200">
-                <a:solidFill>
-                  <a:schemeClr val="tx1">
-                    <a:lumMod val="50000"/>
-                    <a:lumOff val="50000"/>
-                  </a:schemeClr>
-                </a:solidFill>
-                <a:latin typeface="G마켓 산스 Medium" panose="02000000000000000000" pitchFamily="50" charset="-127"/>
-                <a:ea typeface="G마켓 산스 Medium" panose="02000000000000000000" pitchFamily="50" charset="-127"/>
-              </a:rPr>
-              <a:t>반환타입 </a:t>
-            </a:r>
-            <a:r>
-              <a:rPr lang="en-US" altLang="ko-KR" sz="3200">
-                <a:solidFill>
-                  <a:schemeClr val="tx1">
-                    <a:lumMod val="50000"/>
-                    <a:lumOff val="50000"/>
-                  </a:schemeClr>
-                </a:solidFill>
-                <a:latin typeface="G마켓 산스 Medium" panose="02000000000000000000" pitchFamily="50" charset="-127"/>
-                <a:ea typeface="G마켓 산스 Medium" panose="02000000000000000000" pitchFamily="50" charset="-127"/>
-              </a:rPr>
-              <a:t>: SutdaCard</a:t>
-            </a:r>
-          </a:p>
-          <a:p>
-            <a:r>
-              <a:rPr lang="ko-KR" altLang="en-US" sz="3200">
-                <a:solidFill>
-                  <a:schemeClr val="tx1">
-                    <a:lumMod val="50000"/>
-                    <a:lumOff val="50000"/>
-                  </a:schemeClr>
-                </a:solidFill>
-                <a:latin typeface="G마켓 산스 Medium" panose="02000000000000000000" pitchFamily="50" charset="-127"/>
-                <a:ea typeface="G마켓 산스 Medium" panose="02000000000000000000" pitchFamily="50" charset="-127"/>
-              </a:rPr>
-              <a:t>매개변수 </a:t>
-            </a:r>
-            <a:r>
-              <a:rPr lang="en-US" altLang="ko-KR" sz="3200">
-                <a:solidFill>
-                  <a:schemeClr val="tx1">
-                    <a:lumMod val="50000"/>
-                    <a:lumOff val="50000"/>
-                  </a:schemeClr>
-                </a:solidFill>
-                <a:latin typeface="G마켓 산스 Medium" panose="02000000000000000000" pitchFamily="50" charset="-127"/>
-                <a:ea typeface="G마켓 산스 Medium" panose="02000000000000000000" pitchFamily="50" charset="-127"/>
-              </a:rPr>
-              <a:t>: int index, </a:t>
-            </a:r>
-            <a:r>
-              <a:rPr lang="ko-KR" altLang="en-US" sz="3200">
-                <a:solidFill>
-                  <a:schemeClr val="tx1">
-                    <a:lumMod val="50000"/>
-                    <a:lumOff val="50000"/>
-                  </a:schemeClr>
-                </a:solidFill>
-                <a:latin typeface="G마켓 산스 Medium" panose="02000000000000000000" pitchFamily="50" charset="-127"/>
-                <a:ea typeface="G마켓 산스 Medium" panose="02000000000000000000" pitchFamily="50" charset="-127"/>
-              </a:rPr>
-              <a:t>배열의 인덱스</a:t>
-            </a:r>
-          </a:p>
-          <a:p>
-            <a:endParaRPr lang="ko-KR" altLang="en-US" sz="3200">
-              <a:solidFill>
-                <a:schemeClr val="tx1">
-                  <a:lumMod val="50000"/>
-                  <a:lumOff val="50000"/>
-                </a:schemeClr>
-              </a:solidFill>
-              <a:latin typeface="G마켓 산스 Medium" panose="02000000000000000000" pitchFamily="50" charset="-127"/>
-              <a:ea typeface="G마켓 산스 Medium" panose="02000000000000000000" pitchFamily="50" charset="-127"/>
-            </a:endParaRPr>
-          </a:p>
-          <a:p>
-            <a:r>
-              <a:rPr lang="ko-KR" altLang="en-US" sz="3200">
-                <a:solidFill>
-                  <a:schemeClr val="tx1">
-                    <a:lumMod val="50000"/>
-                    <a:lumOff val="50000"/>
-                  </a:schemeClr>
-                </a:solidFill>
-                <a:latin typeface="G마켓 산스 Medium" panose="02000000000000000000" pitchFamily="50" charset="-127"/>
-                <a:ea typeface="G마켓 산스 Medium" panose="02000000000000000000" pitchFamily="50" charset="-127"/>
-              </a:rPr>
-              <a:t>메서드명 </a:t>
-            </a:r>
-            <a:r>
-              <a:rPr lang="en-US" altLang="ko-KR" sz="3200">
-                <a:solidFill>
-                  <a:schemeClr val="tx1">
-                    <a:lumMod val="50000"/>
-                    <a:lumOff val="50000"/>
-                  </a:schemeClr>
-                </a:solidFill>
-                <a:latin typeface="G마켓 산스 Medium" panose="02000000000000000000" pitchFamily="50" charset="-127"/>
-                <a:ea typeface="G마켓 산스 Medium" panose="02000000000000000000" pitchFamily="50" charset="-127"/>
-              </a:rPr>
-              <a:t>pick</a:t>
-            </a:r>
-          </a:p>
-          <a:p>
-            <a:r>
-              <a:rPr lang="ko-KR" altLang="en-US" sz="3200">
-                <a:solidFill>
-                  <a:schemeClr val="tx1">
-                    <a:lumMod val="50000"/>
-                    <a:lumOff val="50000"/>
-                  </a:schemeClr>
-                </a:solidFill>
-                <a:latin typeface="G마켓 산스 Medium" panose="02000000000000000000" pitchFamily="50" charset="-127"/>
-                <a:ea typeface="G마켓 산스 Medium" panose="02000000000000000000" pitchFamily="50" charset="-127"/>
-              </a:rPr>
-              <a:t>기능 </a:t>
-            </a:r>
-            <a:r>
-              <a:rPr lang="en-US" altLang="ko-KR" sz="3200">
-                <a:solidFill>
-                  <a:schemeClr val="tx1">
-                    <a:lumMod val="50000"/>
-                    <a:lumOff val="50000"/>
-                  </a:schemeClr>
-                </a:solidFill>
-                <a:latin typeface="G마켓 산스 Medium" panose="02000000000000000000" pitchFamily="50" charset="-127"/>
-                <a:ea typeface="G마켓 산스 Medium" panose="02000000000000000000" pitchFamily="50" charset="-127"/>
-              </a:rPr>
-              <a:t>: </a:t>
-            </a:r>
-            <a:r>
-              <a:rPr lang="ko-KR" altLang="en-US" sz="3200">
-                <a:solidFill>
-                  <a:schemeClr val="tx1">
-                    <a:lumMod val="50000"/>
-                    <a:lumOff val="50000"/>
-                  </a:schemeClr>
-                </a:solidFill>
-                <a:latin typeface="G마켓 산스 Medium" panose="02000000000000000000" pitchFamily="50" charset="-127"/>
-                <a:ea typeface="G마켓 산스 Medium" panose="02000000000000000000" pitchFamily="50" charset="-127"/>
-              </a:rPr>
-              <a:t>배열 </a:t>
-            </a:r>
-            <a:r>
-              <a:rPr lang="en-US" altLang="ko-KR" sz="3200">
-                <a:solidFill>
-                  <a:schemeClr val="tx1">
-                    <a:lumMod val="50000"/>
-                    <a:lumOff val="50000"/>
-                  </a:schemeClr>
-                </a:solidFill>
-                <a:latin typeface="G마켓 산스 Medium" panose="02000000000000000000" pitchFamily="50" charset="-127"/>
-                <a:ea typeface="G마켓 산스 Medium" panose="02000000000000000000" pitchFamily="50" charset="-127"/>
-              </a:rPr>
-              <a:t>cards</a:t>
-            </a:r>
-            <a:r>
-              <a:rPr lang="ko-KR" altLang="en-US" sz="3200">
-                <a:solidFill>
-                  <a:schemeClr val="tx1">
-                    <a:lumMod val="50000"/>
-                    <a:lumOff val="50000"/>
-                  </a:schemeClr>
-                </a:solidFill>
-                <a:latin typeface="G마켓 산스 Medium" panose="02000000000000000000" pitchFamily="50" charset="-127"/>
-                <a:ea typeface="G마켓 산스 Medium" panose="02000000000000000000" pitchFamily="50" charset="-127"/>
-              </a:rPr>
-              <a:t>에서 랜덤위치의 </a:t>
-            </a:r>
-            <a:r>
-              <a:rPr lang="en-US" altLang="ko-KR" sz="3200">
-                <a:solidFill>
-                  <a:schemeClr val="tx1">
-                    <a:lumMod val="50000"/>
-                    <a:lumOff val="50000"/>
-                  </a:schemeClr>
-                </a:solidFill>
-                <a:latin typeface="G마켓 산스 Medium" panose="02000000000000000000" pitchFamily="50" charset="-127"/>
-                <a:ea typeface="G마켓 산스 Medium" panose="02000000000000000000" pitchFamily="50" charset="-127"/>
-              </a:rPr>
-              <a:t>SutdaCard</a:t>
-            </a:r>
-            <a:r>
-              <a:rPr lang="ko-KR" altLang="en-US" sz="3200">
-                <a:solidFill>
-                  <a:schemeClr val="tx1">
-                    <a:lumMod val="50000"/>
-                    <a:lumOff val="50000"/>
-                  </a:schemeClr>
-                </a:solidFill>
-                <a:latin typeface="G마켓 산스 Medium" panose="02000000000000000000" pitchFamily="50" charset="-127"/>
-                <a:ea typeface="G마켓 산스 Medium" panose="02000000000000000000" pitchFamily="50" charset="-127"/>
-              </a:rPr>
-              <a:t>를 반환 </a:t>
-            </a:r>
-            <a:r>
-              <a:rPr lang="en-US" altLang="ko-KR" sz="3200">
-                <a:solidFill>
-                  <a:schemeClr val="tx1">
-                    <a:lumMod val="50000"/>
-                    <a:lumOff val="50000"/>
-                  </a:schemeClr>
-                </a:solidFill>
-                <a:latin typeface="G마켓 산스 Medium" panose="02000000000000000000" pitchFamily="50" charset="-127"/>
-                <a:ea typeface="G마켓 산스 Medium" panose="02000000000000000000" pitchFamily="50" charset="-127"/>
-              </a:rPr>
-              <a:t>(Math.random </a:t>
-            </a:r>
-            <a:r>
-              <a:rPr lang="ko-KR" altLang="en-US" sz="3200">
-                <a:solidFill>
-                  <a:schemeClr val="tx1">
-                    <a:lumMod val="50000"/>
-                    <a:lumOff val="50000"/>
-                  </a:schemeClr>
-                </a:solidFill>
-                <a:latin typeface="G마켓 산스 Medium" panose="02000000000000000000" pitchFamily="50" charset="-127"/>
-                <a:ea typeface="G마켓 산스 Medium" panose="02000000000000000000" pitchFamily="50" charset="-127"/>
-              </a:rPr>
-              <a:t>활용</a:t>
-            </a:r>
-            <a:r>
-              <a:rPr lang="en-US" altLang="ko-KR" sz="3200">
-                <a:solidFill>
-                  <a:schemeClr val="tx1">
-                    <a:lumMod val="50000"/>
-                    <a:lumOff val="50000"/>
-                  </a:schemeClr>
-                </a:solidFill>
-                <a:latin typeface="G마켓 산스 Medium" panose="02000000000000000000" pitchFamily="50" charset="-127"/>
-                <a:ea typeface="G마켓 산스 Medium" panose="02000000000000000000" pitchFamily="50" charset="-127"/>
-              </a:rPr>
-              <a:t>)</a:t>
-            </a:r>
-          </a:p>
-          <a:p>
-            <a:r>
-              <a:rPr lang="ko-KR" altLang="en-US" sz="3200">
-                <a:solidFill>
-                  <a:schemeClr val="tx1">
-                    <a:lumMod val="50000"/>
-                    <a:lumOff val="50000"/>
-                  </a:schemeClr>
-                </a:solidFill>
-                <a:latin typeface="G마켓 산스 Medium" panose="02000000000000000000" pitchFamily="50" charset="-127"/>
-                <a:ea typeface="G마켓 산스 Medium" panose="02000000000000000000" pitchFamily="50" charset="-127"/>
-              </a:rPr>
-              <a:t>반환타입 </a:t>
-            </a:r>
-            <a:r>
-              <a:rPr lang="en-US" altLang="ko-KR" sz="3200">
-                <a:solidFill>
-                  <a:schemeClr val="tx1">
-                    <a:lumMod val="50000"/>
-                    <a:lumOff val="50000"/>
-                  </a:schemeClr>
-                </a:solidFill>
-                <a:latin typeface="G마켓 산스 Medium" panose="02000000000000000000" pitchFamily="50" charset="-127"/>
-                <a:ea typeface="G마켓 산스 Medium" panose="02000000000000000000" pitchFamily="50" charset="-127"/>
-              </a:rPr>
-              <a:t>: SutdaCard</a:t>
-            </a:r>
-          </a:p>
-          <a:p>
-            <a:r>
-              <a:rPr lang="ko-KR" altLang="en-US" sz="3200">
-                <a:solidFill>
-                  <a:schemeClr val="tx1">
-                    <a:lumMod val="50000"/>
-                    <a:lumOff val="50000"/>
-                  </a:schemeClr>
-                </a:solidFill>
-                <a:latin typeface="G마켓 산스 Medium" panose="02000000000000000000" pitchFamily="50" charset="-127"/>
-                <a:ea typeface="G마켓 산스 Medium" panose="02000000000000000000" pitchFamily="50" charset="-127"/>
-              </a:rPr>
-              <a:t>매개변수 </a:t>
-            </a:r>
-            <a:r>
-              <a:rPr lang="en-US" altLang="ko-KR" sz="3200">
-                <a:solidFill>
-                  <a:schemeClr val="tx1">
-                    <a:lumMod val="50000"/>
-                    <a:lumOff val="50000"/>
-                  </a:schemeClr>
-                </a:solidFill>
-                <a:latin typeface="G마켓 산스 Medium" panose="02000000000000000000" pitchFamily="50" charset="-127"/>
-                <a:ea typeface="G마켓 산스 Medium" panose="02000000000000000000" pitchFamily="50" charset="-127"/>
-              </a:rPr>
-              <a:t>: </a:t>
-            </a:r>
-            <a:r>
-              <a:rPr lang="ko-KR" altLang="en-US" sz="3200">
-                <a:solidFill>
-                  <a:schemeClr val="tx1">
-                    <a:lumMod val="50000"/>
-                    <a:lumOff val="50000"/>
-                  </a:schemeClr>
-                </a:solidFill>
-                <a:latin typeface="G마켓 산스 Medium" panose="02000000000000000000" pitchFamily="50" charset="-127"/>
-                <a:ea typeface="G마켓 산스 Medium" panose="02000000000000000000" pitchFamily="50" charset="-127"/>
-              </a:rPr>
-              <a:t>없음</a:t>
-            </a:r>
-            <a:endParaRPr lang="en-US" altLang="ko-KR" sz="3200">
-              <a:solidFill>
-                <a:schemeClr val="tx1">
-                  <a:lumMod val="50000"/>
-                  <a:lumOff val="50000"/>
-                </a:schemeClr>
-              </a:solidFill>
-              <a:latin typeface="G마켓 산스 Medium" panose="02000000000000000000" pitchFamily="50" charset="-127"/>
-              <a:ea typeface="G마켓 산스 Medium" panose="02000000000000000000" pitchFamily="50" charset="-127"/>
-            </a:endParaRPr>
-          </a:p>
-        </p:txBody>
-      </p:sp>
-      <p:sp>
-        <p:nvSpPr>
-          <p:cNvPr id="6" name="TextBox 5">
-            <a:extLst>
-              <a:ext uri="{FF2B5EF4-FFF2-40B4-BE49-F238E27FC236}">
-                <a16:creationId xmlns:a16="http://schemas.microsoft.com/office/drawing/2014/main" id="{8BD2ED5A-5CA2-F84F-13E6-A2AC3854D891}"/>
-              </a:ext>
-            </a:extLst>
-          </p:cNvPr>
-          <p:cNvSpPr txBox="1"/>
-          <p:nvPr/>
-        </p:nvSpPr>
-        <p:spPr>
-          <a:xfrm>
-            <a:off x="762000" y="419100"/>
+            <a:off x="762000" y="38100"/>
             <a:ext cx="3124200" cy="830997"/>
           </a:xfrm>
           <a:prstGeom prst="rect">
@@ -29888,16 +28840,617 @@
           </a:p>
         </p:txBody>
       </p:sp>
+      <p:sp>
+        <p:nvSpPr>
+          <p:cNvPr id="5" name="TextBox 4">
+            <a:extLst>
+              <a:ext uri="{FF2B5EF4-FFF2-40B4-BE49-F238E27FC236}">
+                <a16:creationId xmlns:a16="http://schemas.microsoft.com/office/drawing/2014/main" xmlns="" id="{2E843C5C-F5F0-B014-4B60-31604E120CA8}"/>
+              </a:ext>
+            </a:extLst>
+          </p:cNvPr>
+          <p:cNvSpPr txBox="1"/>
+          <p:nvPr/>
+        </p:nvSpPr>
+        <p:spPr>
+          <a:xfrm>
+            <a:off x="304800" y="876300"/>
+            <a:ext cx="17373600" cy="2554545"/>
+          </a:xfrm>
+          <a:prstGeom prst="rect">
+            <a:avLst/>
+          </a:prstGeom>
+          <a:noFill/>
+        </p:spPr>
+        <p:txBody>
+          <a:bodyPr wrap="square" rtlCol="0">
+            <a:spAutoFit/>
+          </a:bodyPr>
+          <a:lstStyle/>
+          <a:p>
+            <a:pPr marL="514350" indent="-514350">
+              <a:buAutoNum type="arabicPeriod"/>
+            </a:pPr>
+            <a:r>
+              <a:rPr lang="ko-KR" altLang="en-US" sz="3200" smtClean="0">
+                <a:solidFill>
+                  <a:schemeClr val="tx1">
+                    <a:lumMod val="50000"/>
+                    <a:lumOff val="50000"/>
+                  </a:schemeClr>
+                </a:solidFill>
+                <a:latin typeface="G마켓 산스 Medium" panose="02000000000000000000" pitchFamily="50" charset="-127"/>
+                <a:ea typeface="G마켓 산스 Medium" panose="02000000000000000000" pitchFamily="50" charset="-127"/>
+              </a:rPr>
+              <a:t>오버라이딩의 조건으로 옳지 않은것은</a:t>
+            </a:r>
+            <a:r>
+              <a:rPr lang="en-US" altLang="ko-KR" sz="3200" smtClean="0">
+                <a:solidFill>
+                  <a:schemeClr val="tx1">
+                    <a:lumMod val="50000"/>
+                    <a:lumOff val="50000"/>
+                  </a:schemeClr>
+                </a:solidFill>
+                <a:latin typeface="G마켓 산스 Medium" panose="02000000000000000000" pitchFamily="50" charset="-127"/>
+                <a:ea typeface="G마켓 산스 Medium" panose="02000000000000000000" pitchFamily="50" charset="-127"/>
+              </a:rPr>
+              <a:t>? (</a:t>
+            </a:r>
+            <a:r>
+              <a:rPr lang="ko-KR" altLang="en-US" sz="3200" smtClean="0">
+                <a:solidFill>
+                  <a:schemeClr val="tx1">
+                    <a:lumMod val="50000"/>
+                    <a:lumOff val="50000"/>
+                  </a:schemeClr>
+                </a:solidFill>
+                <a:latin typeface="G마켓 산스 Medium" panose="02000000000000000000" pitchFamily="50" charset="-127"/>
+                <a:ea typeface="G마켓 산스 Medium" panose="02000000000000000000" pitchFamily="50" charset="-127"/>
+              </a:rPr>
+              <a:t>실습문제</a:t>
+            </a:r>
+            <a:r>
+              <a:rPr lang="en-US" altLang="ko-KR" sz="3200" smtClean="0">
+                <a:solidFill>
+                  <a:schemeClr val="tx1">
+                    <a:lumMod val="50000"/>
+                    <a:lumOff val="50000"/>
+                  </a:schemeClr>
+                </a:solidFill>
+                <a:latin typeface="G마켓 산스 Medium" panose="02000000000000000000" pitchFamily="50" charset="-127"/>
+                <a:ea typeface="G마켓 산스 Medium" panose="02000000000000000000" pitchFamily="50" charset="-127"/>
+              </a:rPr>
+              <a:t>2_1() </a:t>
+            </a:r>
+            <a:r>
+              <a:rPr lang="ko-KR" altLang="en-US" sz="3200" smtClean="0">
+                <a:solidFill>
+                  <a:schemeClr val="tx1">
+                    <a:lumMod val="50000"/>
+                    <a:lumOff val="50000"/>
+                  </a:schemeClr>
+                </a:solidFill>
+                <a:latin typeface="G마켓 산스 Medium" panose="02000000000000000000" pitchFamily="50" charset="-127"/>
+                <a:ea typeface="G마켓 산스 Medium" panose="02000000000000000000" pitchFamily="50" charset="-127"/>
+              </a:rPr>
+              <a:t>메서드를 만들어 주석으로 적어보자</a:t>
+            </a:r>
+            <a:r>
+              <a:rPr lang="en-US" altLang="ko-KR" sz="3200" smtClean="0">
+                <a:solidFill>
+                  <a:schemeClr val="tx1">
+                    <a:lumMod val="50000"/>
+                    <a:lumOff val="50000"/>
+                  </a:schemeClr>
+                </a:solidFill>
+                <a:latin typeface="G마켓 산스 Medium" panose="02000000000000000000" pitchFamily="50" charset="-127"/>
+                <a:ea typeface="G마켓 산스 Medium" panose="02000000000000000000" pitchFamily="50" charset="-127"/>
+              </a:rPr>
+              <a:t>)</a:t>
+            </a:r>
+          </a:p>
+          <a:p>
+            <a:r>
+              <a:rPr lang="en-US" altLang="ko-KR" sz="3200">
+                <a:solidFill>
+                  <a:schemeClr val="tx1">
+                    <a:lumMod val="50000"/>
+                    <a:lumOff val="50000"/>
+                  </a:schemeClr>
+                </a:solidFill>
+                <a:latin typeface="G마켓 산스 Medium" panose="02000000000000000000" pitchFamily="50" charset="-127"/>
+                <a:ea typeface="G마켓 산스 Medium" panose="02000000000000000000" pitchFamily="50" charset="-127"/>
+              </a:rPr>
+              <a:t> </a:t>
+            </a:r>
+            <a:r>
+              <a:rPr lang="ko-KR" altLang="en-US" sz="3200">
+                <a:solidFill>
+                  <a:schemeClr val="tx1">
+                    <a:lumMod val="50000"/>
+                    <a:lumOff val="50000"/>
+                  </a:schemeClr>
+                </a:solidFill>
+                <a:latin typeface="G마켓 산스 Medium" panose="02000000000000000000" pitchFamily="50" charset="-127"/>
+                <a:ea typeface="G마켓 산스 Medium" panose="02000000000000000000" pitchFamily="50" charset="-127"/>
+              </a:rPr>
+              <a:t> </a:t>
+            </a:r>
+            <a:r>
+              <a:rPr lang="ko-KR" altLang="en-US" sz="3200" smtClean="0">
+                <a:solidFill>
+                  <a:schemeClr val="tx1">
+                    <a:lumMod val="50000"/>
+                    <a:lumOff val="50000"/>
+                  </a:schemeClr>
+                </a:solidFill>
+                <a:latin typeface="G마켓 산스 Medium" panose="02000000000000000000" pitchFamily="50" charset="-127"/>
+                <a:ea typeface="G마켓 산스 Medium" panose="02000000000000000000" pitchFamily="50" charset="-127"/>
+              </a:rPr>
+              <a:t> </a:t>
+            </a:r>
+            <a:r>
+              <a:rPr lang="en-US" altLang="ko-KR" sz="3200">
+                <a:solidFill>
+                  <a:schemeClr val="tx1">
+                    <a:lumMod val="50000"/>
+                    <a:lumOff val="50000"/>
+                  </a:schemeClr>
+                </a:solidFill>
+                <a:latin typeface="G마켓 산스 Medium" panose="02000000000000000000" pitchFamily="50" charset="-127"/>
+                <a:ea typeface="G마켓 산스 Medium" panose="02000000000000000000" pitchFamily="50" charset="-127"/>
+              </a:rPr>
+              <a:t>1</a:t>
+            </a:r>
+            <a:r>
+              <a:rPr lang="en-US" altLang="ko-KR" sz="3200" smtClean="0">
+                <a:solidFill>
+                  <a:schemeClr val="tx1">
+                    <a:lumMod val="50000"/>
+                    <a:lumOff val="50000"/>
+                  </a:schemeClr>
+                </a:solidFill>
+                <a:latin typeface="G마켓 산스 Medium" panose="02000000000000000000" pitchFamily="50" charset="-127"/>
+                <a:ea typeface="G마켓 산스 Medium" panose="02000000000000000000" pitchFamily="50" charset="-127"/>
+              </a:rPr>
+              <a:t>. </a:t>
+            </a:r>
+            <a:r>
+              <a:rPr lang="ko-KR" altLang="en-US" sz="3200" smtClean="0">
+                <a:solidFill>
+                  <a:schemeClr val="tx1">
+                    <a:lumMod val="50000"/>
+                    <a:lumOff val="50000"/>
+                  </a:schemeClr>
+                </a:solidFill>
+                <a:latin typeface="G마켓 산스 Medium" panose="02000000000000000000" pitchFamily="50" charset="-127"/>
+                <a:ea typeface="G마켓 산스 Medium" panose="02000000000000000000" pitchFamily="50" charset="-127"/>
+              </a:rPr>
+              <a:t>부모의 메서드와 이름이 같아야 한다</a:t>
+            </a:r>
+            <a:r>
+              <a:rPr lang="en-US" altLang="ko-KR" sz="3200" smtClean="0">
+                <a:solidFill>
+                  <a:schemeClr val="tx1">
+                    <a:lumMod val="50000"/>
+                    <a:lumOff val="50000"/>
+                  </a:schemeClr>
+                </a:solidFill>
+                <a:latin typeface="G마켓 산스 Medium" panose="02000000000000000000" pitchFamily="50" charset="-127"/>
+                <a:ea typeface="G마켓 산스 Medium" panose="02000000000000000000" pitchFamily="50" charset="-127"/>
+              </a:rPr>
+              <a:t>.</a:t>
+            </a:r>
+          </a:p>
+          <a:p>
+            <a:r>
+              <a:rPr lang="en-US" altLang="ko-KR" sz="3200">
+                <a:solidFill>
+                  <a:schemeClr val="tx1">
+                    <a:lumMod val="50000"/>
+                    <a:lumOff val="50000"/>
+                  </a:schemeClr>
+                </a:solidFill>
+                <a:latin typeface="G마켓 산스 Medium" panose="02000000000000000000" pitchFamily="50" charset="-127"/>
+                <a:ea typeface="G마켓 산스 Medium" panose="02000000000000000000" pitchFamily="50" charset="-127"/>
+              </a:rPr>
+              <a:t> </a:t>
+            </a:r>
+            <a:r>
+              <a:rPr lang="en-US" altLang="ko-KR" sz="3200" smtClean="0">
+                <a:solidFill>
+                  <a:schemeClr val="tx1">
+                    <a:lumMod val="50000"/>
+                    <a:lumOff val="50000"/>
+                  </a:schemeClr>
+                </a:solidFill>
+                <a:latin typeface="G마켓 산스 Medium" panose="02000000000000000000" pitchFamily="50" charset="-127"/>
+                <a:ea typeface="G마켓 산스 Medium" panose="02000000000000000000" pitchFamily="50" charset="-127"/>
+              </a:rPr>
+              <a:t>  2. </a:t>
+            </a:r>
+            <a:r>
+              <a:rPr lang="ko-KR" altLang="en-US" sz="3200" smtClean="0">
+                <a:solidFill>
+                  <a:schemeClr val="tx1">
+                    <a:lumMod val="50000"/>
+                    <a:lumOff val="50000"/>
+                  </a:schemeClr>
+                </a:solidFill>
+                <a:latin typeface="G마켓 산스 Medium" panose="02000000000000000000" pitchFamily="50" charset="-127"/>
+                <a:ea typeface="G마켓 산스 Medium" panose="02000000000000000000" pitchFamily="50" charset="-127"/>
+              </a:rPr>
+              <a:t>매개변수의 수와 타입이 모두  같아야 한다</a:t>
+            </a:r>
+            <a:r>
+              <a:rPr lang="en-US" altLang="ko-KR" sz="3200" smtClean="0">
+                <a:solidFill>
+                  <a:schemeClr val="tx1">
+                    <a:lumMod val="50000"/>
+                    <a:lumOff val="50000"/>
+                  </a:schemeClr>
+                </a:solidFill>
+                <a:latin typeface="G마켓 산스 Medium" panose="02000000000000000000" pitchFamily="50" charset="-127"/>
+                <a:ea typeface="G마켓 산스 Medium" panose="02000000000000000000" pitchFamily="50" charset="-127"/>
+              </a:rPr>
+              <a:t>.</a:t>
+            </a:r>
+          </a:p>
+          <a:p>
+            <a:r>
+              <a:rPr lang="en-US" altLang="ko-KR" sz="3200">
+                <a:solidFill>
+                  <a:schemeClr val="tx1">
+                    <a:lumMod val="50000"/>
+                    <a:lumOff val="50000"/>
+                  </a:schemeClr>
+                </a:solidFill>
+                <a:latin typeface="G마켓 산스 Medium" panose="02000000000000000000" pitchFamily="50" charset="-127"/>
+                <a:ea typeface="G마켓 산스 Medium" panose="02000000000000000000" pitchFamily="50" charset="-127"/>
+              </a:rPr>
+              <a:t> </a:t>
+            </a:r>
+            <a:r>
+              <a:rPr lang="en-US" altLang="ko-KR" sz="3200" smtClean="0">
+                <a:solidFill>
+                  <a:schemeClr val="tx1">
+                    <a:lumMod val="50000"/>
+                    <a:lumOff val="50000"/>
+                  </a:schemeClr>
+                </a:solidFill>
+                <a:latin typeface="G마켓 산스 Medium" panose="02000000000000000000" pitchFamily="50" charset="-127"/>
+                <a:ea typeface="G마켓 산스 Medium" panose="02000000000000000000" pitchFamily="50" charset="-127"/>
+              </a:rPr>
+              <a:t>  3. </a:t>
+            </a:r>
+            <a:r>
+              <a:rPr lang="ko-KR" altLang="en-US" sz="3200" smtClean="0">
+                <a:solidFill>
+                  <a:schemeClr val="tx1">
+                    <a:lumMod val="50000"/>
+                    <a:lumOff val="50000"/>
+                  </a:schemeClr>
+                </a:solidFill>
+                <a:latin typeface="G마켓 산스 Medium" panose="02000000000000000000" pitchFamily="50" charset="-127"/>
+                <a:ea typeface="G마켓 산스 Medium" panose="02000000000000000000" pitchFamily="50" charset="-127"/>
+              </a:rPr>
+              <a:t>반환타입이 부모인 메세드를 자식의 타입으로 변경  </a:t>
+            </a:r>
+            <a:endParaRPr lang="en-US" altLang="ko-KR" sz="2800" dirty="0">
+              <a:solidFill>
+                <a:schemeClr val="tx2">
+                  <a:lumMod val="60000"/>
+                  <a:lumOff val="40000"/>
+                </a:schemeClr>
+              </a:solidFill>
+              <a:latin typeface="G마켓 산스 Medium" panose="02000000000000000000" pitchFamily="50" charset="-127"/>
+              <a:ea typeface="G마켓 산스 Medium" panose="02000000000000000000" pitchFamily="50" charset="-127"/>
+            </a:endParaRPr>
+          </a:p>
+          <a:p>
+            <a:r>
+              <a:rPr lang="en-US" altLang="ko-KR" sz="3200" smtClean="0">
+                <a:solidFill>
+                  <a:schemeClr val="tx1">
+                    <a:lumMod val="50000"/>
+                    <a:lumOff val="50000"/>
+                  </a:schemeClr>
+                </a:solidFill>
+                <a:latin typeface="G마켓 산스 Medium" panose="02000000000000000000" pitchFamily="50" charset="-127"/>
+                <a:ea typeface="G마켓 산스 Medium" panose="02000000000000000000" pitchFamily="50" charset="-127"/>
+              </a:rPr>
+              <a:t>   4. </a:t>
+            </a:r>
+            <a:r>
+              <a:rPr lang="ko-KR" altLang="en-US" sz="3200" smtClean="0">
+                <a:solidFill>
+                  <a:schemeClr val="tx1">
+                    <a:lumMod val="50000"/>
+                    <a:lumOff val="50000"/>
+                  </a:schemeClr>
+                </a:solidFill>
+                <a:latin typeface="G마켓 산스 Medium" panose="02000000000000000000" pitchFamily="50" charset="-127"/>
+                <a:ea typeface="G마켓 산스 Medium" panose="02000000000000000000" pitchFamily="50" charset="-127"/>
+              </a:rPr>
+              <a:t>반환 타입은 달라도 된다</a:t>
+            </a:r>
+            <a:r>
+              <a:rPr lang="en-US" altLang="ko-KR" sz="3200" smtClean="0">
+                <a:solidFill>
+                  <a:schemeClr val="tx1">
+                    <a:lumMod val="50000"/>
+                    <a:lumOff val="50000"/>
+                  </a:schemeClr>
+                </a:solidFill>
+                <a:latin typeface="G마켓 산스 Medium" panose="02000000000000000000" pitchFamily="50" charset="-127"/>
+                <a:ea typeface="G마켓 산스 Medium" panose="02000000000000000000" pitchFamily="50" charset="-127"/>
+              </a:rPr>
+              <a:t>.</a:t>
+            </a:r>
+          </a:p>
+        </p:txBody>
+      </p:sp>
+      <p:sp>
+        <p:nvSpPr>
+          <p:cNvPr id="7" name="TextBox 6">
+            <a:extLst>
+              <a:ext uri="{FF2B5EF4-FFF2-40B4-BE49-F238E27FC236}">
+                <a16:creationId xmlns:a16="http://schemas.microsoft.com/office/drawing/2014/main" xmlns="" id="{F1573BBE-058D-47FE-4B71-A1221360D1A1}"/>
+              </a:ext>
+            </a:extLst>
+          </p:cNvPr>
+          <p:cNvSpPr txBox="1"/>
+          <p:nvPr/>
+        </p:nvSpPr>
+        <p:spPr>
+          <a:xfrm>
+            <a:off x="1143000" y="5372100"/>
+            <a:ext cx="14935199" cy="1323439"/>
+          </a:xfrm>
+          <a:prstGeom prst="rect">
+            <a:avLst/>
+          </a:prstGeom>
+          <a:noFill/>
+        </p:spPr>
+        <p:txBody>
+          <a:bodyPr wrap="square" rtlCol="0">
+            <a:spAutoFit/>
+          </a:bodyPr>
+          <a:lstStyle/>
+          <a:p>
+            <a:r>
+              <a:rPr lang="ko-KR" altLang="en-US" sz="4000" smtClean="0">
+                <a:solidFill>
+                  <a:srgbClr val="FF0000"/>
+                </a:solidFill>
+                <a:latin typeface="G마켓 산스 Medium" panose="02000000000000000000" pitchFamily="50" charset="-127"/>
+                <a:ea typeface="G마켓 산스 Medium" panose="02000000000000000000" pitchFamily="50" charset="-127"/>
+              </a:rPr>
+              <a:t>반환타입 외에 모두 일치하는것은 오버로딩의 조건이다</a:t>
+            </a:r>
+            <a:r>
+              <a:rPr lang="en-US" altLang="ko-KR" sz="4000" smtClean="0">
+                <a:solidFill>
+                  <a:srgbClr val="FF0000"/>
+                </a:solidFill>
+                <a:latin typeface="G마켓 산스 Medium" panose="02000000000000000000" pitchFamily="50" charset="-127"/>
+                <a:ea typeface="G마켓 산스 Medium" panose="02000000000000000000" pitchFamily="50" charset="-127"/>
+              </a:rPr>
+              <a:t>.</a:t>
+            </a:r>
+          </a:p>
+          <a:p>
+            <a:r>
+              <a:rPr lang="ko-KR" altLang="en-US" sz="4000" smtClean="0">
+                <a:solidFill>
+                  <a:srgbClr val="FF0000"/>
+                </a:solidFill>
+                <a:latin typeface="G마켓 산스 Medium" panose="02000000000000000000" pitchFamily="50" charset="-127"/>
+                <a:ea typeface="G마켓 산스 Medium" panose="02000000000000000000" pitchFamily="50" charset="-127"/>
+              </a:rPr>
+              <a:t>오버라이딩을 반환타입까지 모두 일치해야 한다</a:t>
+            </a:r>
+            <a:r>
+              <a:rPr lang="en-US" altLang="ko-KR" sz="4000" smtClean="0">
+                <a:solidFill>
+                  <a:srgbClr val="FF0000"/>
+                </a:solidFill>
+                <a:latin typeface="G마켓 산스 Medium" panose="02000000000000000000" pitchFamily="50" charset="-127"/>
+                <a:ea typeface="G마켓 산스 Medium" panose="02000000000000000000" pitchFamily="50" charset="-127"/>
+              </a:rPr>
+              <a:t>.</a:t>
+            </a:r>
+            <a:endParaRPr lang="en-US" altLang="ko-KR" sz="4000" dirty="0">
+              <a:solidFill>
+                <a:srgbClr val="FF0000"/>
+              </a:solidFill>
+              <a:latin typeface="G마켓 산스 Medium" panose="02000000000000000000" pitchFamily="50" charset="-127"/>
+              <a:ea typeface="G마켓 산스 Medium" panose="02000000000000000000" pitchFamily="50" charset="-127"/>
+            </a:endParaRPr>
+          </a:p>
+        </p:txBody>
+      </p:sp>
+      <p:sp>
+        <p:nvSpPr>
+          <p:cNvPr id="2" name="직사각형 1"/>
+          <p:cNvSpPr/>
+          <p:nvPr/>
+        </p:nvSpPr>
+        <p:spPr>
+          <a:xfrm>
+            <a:off x="762000" y="5143500"/>
+            <a:ext cx="13335000" cy="2133600"/>
+          </a:xfrm>
+          <a:prstGeom prst="rect">
+            <a:avLst/>
+          </a:prstGeom>
+          <a:solidFill>
+            <a:schemeClr val="bg1"/>
+          </a:solidFill>
+        </p:spPr>
+        <p:style>
+          <a:lnRef idx="2">
+            <a:schemeClr val="accent1">
+              <a:shade val="50000"/>
+            </a:schemeClr>
+          </a:lnRef>
+          <a:fillRef idx="1">
+            <a:schemeClr val="accent1"/>
+          </a:fillRef>
+          <a:effectRef idx="0">
+            <a:schemeClr val="accent1"/>
+          </a:effectRef>
+          <a:fontRef idx="minor">
+            <a:schemeClr val="lt1"/>
+          </a:fontRef>
+        </p:style>
+        <p:txBody>
+          <a:bodyPr rtlCol="0" anchor="ctr"/>
+          <a:lstStyle/>
+          <a:p>
+            <a:pPr algn="ctr"/>
+            <a:endParaRPr lang="ko-KR" altLang="en-US"/>
+          </a:p>
+        </p:txBody>
+      </p:sp>
     </p:spTree>
     <p:extLst>
       <p:ext uri="{BB962C8B-B14F-4D97-AF65-F5344CB8AC3E}">
-        <p14:creationId xmlns:p14="http://schemas.microsoft.com/office/powerpoint/2010/main" val="3854071814"/>
+        <p14:creationId xmlns:p14="http://schemas.microsoft.com/office/powerpoint/2010/main" val="3727947807"/>
       </p:ext>
     </p:extLst>
   </p:cSld>
   <p:clrMapOvr>
     <a:masterClrMapping/>
   </p:clrMapOvr>
+  <p:timing>
+    <p:tnLst>
+      <p:par>
+        <p:cTn id="1" dur="indefinite" restart="never" nodeType="tmRoot">
+          <p:childTnLst>
+            <p:seq concurrent="1" nextAc="seek">
+              <p:cTn id="2" dur="indefinite" nodeType="mainSeq">
+                <p:childTnLst>
+                  <p:par>
+                    <p:cTn id="3" fill="hold">
+                      <p:stCondLst>
+                        <p:cond delay="indefinite"/>
+                        <p:cond evt="onBegin" delay="0">
+                          <p:tn val="2"/>
+                        </p:cond>
+                      </p:stCondLst>
+                      <p:childTnLst>
+                        <p:par>
+                          <p:cTn id="4" fill="hold">
+                            <p:stCondLst>
+                              <p:cond delay="0"/>
+                            </p:stCondLst>
+                            <p:childTnLst>
+                              <p:par>
+                                <p:cTn id="5" presetID="1" presetClass="entr" presetSubtype="0" fill="hold" grpId="0" nodeType="withEffect">
+                                  <p:stCondLst>
+                                    <p:cond delay="0"/>
+                                  </p:stCondLst>
+                                  <p:childTnLst>
+                                    <p:set>
+                                      <p:cBhvr>
+                                        <p:cTn id="6" dur="1" fill="hold">
+                                          <p:stCondLst>
+                                            <p:cond delay="0"/>
+                                          </p:stCondLst>
+                                        </p:cTn>
+                                        <p:tgtEl>
+                                          <p:spTgt spid="7"/>
+                                        </p:tgtEl>
+                                        <p:attrNameLst>
+                                          <p:attrName>style.visibility</p:attrName>
+                                        </p:attrNameLst>
+                                      </p:cBhvr>
+                                      <p:to>
+                                        <p:strVal val="visible"/>
+                                      </p:to>
+                                    </p:set>
+                                  </p:childTnLst>
+                                </p:cTn>
+                              </p:par>
+                            </p:childTnLst>
+                          </p:cTn>
+                        </p:par>
+                      </p:childTnLst>
+                    </p:cTn>
+                  </p:par>
+                  <p:par>
+                    <p:cTn id="7" fill="hold">
+                      <p:stCondLst>
+                        <p:cond delay="indefinite"/>
+                      </p:stCondLst>
+                      <p:childTnLst>
+                        <p:par>
+                          <p:cTn id="8" fill="hold">
+                            <p:stCondLst>
+                              <p:cond delay="0"/>
+                            </p:stCondLst>
+                            <p:childTnLst>
+                              <p:par>
+                                <p:cTn id="9" presetID="1" presetClass="exit" presetSubtype="0" fill="hold" grpId="0" nodeType="clickEffect">
+                                  <p:stCondLst>
+                                    <p:cond delay="0"/>
+                                  </p:stCondLst>
+                                  <p:childTnLst>
+                                    <p:set>
+                                      <p:cBhvr>
+                                        <p:cTn id="10" dur="1" fill="hold">
+                                          <p:stCondLst>
+                                            <p:cond delay="0"/>
+                                          </p:stCondLst>
+                                        </p:cTn>
+                                        <p:tgtEl>
+                                          <p:spTgt spid="2"/>
+                                        </p:tgtEl>
+                                        <p:attrNameLst>
+                                          <p:attrName>style.visibility</p:attrName>
+                                        </p:attrNameLst>
+                                      </p:cBhvr>
+                                      <p:to>
+                                        <p:strVal val="hidden"/>
+                                      </p:to>
+                                    </p:set>
+                                  </p:childTnLst>
+                                </p:cTn>
+                              </p:par>
+                            </p:childTnLst>
+                          </p:cTn>
+                        </p:par>
+                      </p:childTnLst>
+                    </p:cTn>
+                  </p:par>
+                </p:childTnLst>
+              </p:cTn>
+              <p:prevCondLst>
+                <p:cond evt="onPrev" delay="0">
+                  <p:tgtEl>
+                    <p:sldTgt/>
+                  </p:tgtEl>
+                </p:cond>
+              </p:prevCondLst>
+              <p:nextCondLst>
+                <p:cond evt="onNext" delay="0">
+                  <p:tgtEl>
+                    <p:sldTgt/>
+                  </p:tgtEl>
+                </p:cond>
+              </p:nextCondLst>
+            </p:seq>
+          </p:childTnLst>
+        </p:cTn>
+      </p:par>
+    </p:tnLst>
+    <p:bldLst>
+      <p:bldP spid="7" grpId="0"/>
+      <p:bldP spid="2" grpId="0" animBg="1"/>
+    </p:bldLst>
+  </p:timing>
 </p:sld>
 </file>
 
@@ -29923,7 +29476,7 @@
           <p:cNvPr id="4" name="TextBox 3">
             <a:extLst>
               <a:ext uri="{FF2B5EF4-FFF2-40B4-BE49-F238E27FC236}">
-                <a16:creationId xmlns:a16="http://schemas.microsoft.com/office/drawing/2014/main" id="{DF7DDD33-9412-2802-339A-E55446AC2DA7}"/>
+                <a16:creationId xmlns:a16="http://schemas.microsoft.com/office/drawing/2014/main" xmlns="" id="{DF7DDD33-9412-2802-339A-E55446AC2DA7}"/>
               </a:ext>
             </a:extLst>
           </p:cNvPr>
@@ -30012,7 +29565,7 @@
           <p:cNvPr id="7" name="그룹 1008">
             <a:extLst>
               <a:ext uri="{FF2B5EF4-FFF2-40B4-BE49-F238E27FC236}">
-                <a16:creationId xmlns:a16="http://schemas.microsoft.com/office/drawing/2014/main" id="{E395BDE3-2EDE-065D-70E8-56E348228ACF}"/>
+                <a16:creationId xmlns:a16="http://schemas.microsoft.com/office/drawing/2014/main" xmlns="" id="{E395BDE3-2EDE-065D-70E8-56E348228ACF}"/>
               </a:ext>
             </a:extLst>
           </p:cNvPr>
@@ -30032,7 +29585,7 @@
             <p:cNvPr id="8" name="그룹 1009">
               <a:extLst>
                 <a:ext uri="{FF2B5EF4-FFF2-40B4-BE49-F238E27FC236}">
-                  <a16:creationId xmlns:a16="http://schemas.microsoft.com/office/drawing/2014/main" id="{852F4DEB-DB33-DB3F-9E9F-52A46CD0B10A}"/>
+                  <a16:creationId xmlns:a16="http://schemas.microsoft.com/office/drawing/2014/main" xmlns="" id="{852F4DEB-DB33-DB3F-9E9F-52A46CD0B10A}"/>
                 </a:ext>
               </a:extLst>
             </p:cNvPr>
@@ -30052,7 +29605,7 @@
               <p:cNvPr id="13" name="Object 29">
                 <a:extLst>
                   <a:ext uri="{FF2B5EF4-FFF2-40B4-BE49-F238E27FC236}">
-                    <a16:creationId xmlns:a16="http://schemas.microsoft.com/office/drawing/2014/main" id="{7E353D3B-14D4-8A64-5888-3F0C062C2CDD}"/>
+                    <a16:creationId xmlns:a16="http://schemas.microsoft.com/office/drawing/2014/main" xmlns="" id="{7E353D3B-14D4-8A64-5888-3F0C062C2CDD}"/>
                   </a:ext>
                 </a:extLst>
               </p:cNvPr>
@@ -30083,7 +29636,7 @@
             <p:cNvPr id="9" name="그룹 1010">
               <a:extLst>
                 <a:ext uri="{FF2B5EF4-FFF2-40B4-BE49-F238E27FC236}">
-                  <a16:creationId xmlns:a16="http://schemas.microsoft.com/office/drawing/2014/main" id="{001E38AB-1390-ABD0-BE01-9727136FEAEE}"/>
+                  <a16:creationId xmlns:a16="http://schemas.microsoft.com/office/drawing/2014/main" xmlns="" id="{001E38AB-1390-ABD0-BE01-9727136FEAEE}"/>
                 </a:ext>
               </a:extLst>
             </p:cNvPr>
@@ -30103,7 +29656,7 @@
               <p:cNvPr id="12" name="Object 32">
                 <a:extLst>
                   <a:ext uri="{FF2B5EF4-FFF2-40B4-BE49-F238E27FC236}">
-                    <a16:creationId xmlns:a16="http://schemas.microsoft.com/office/drawing/2014/main" id="{2ED1C30F-0D0B-F86C-8215-2598D332B5A3}"/>
+                    <a16:creationId xmlns:a16="http://schemas.microsoft.com/office/drawing/2014/main" xmlns="" id="{2ED1C30F-0D0B-F86C-8215-2598D332B5A3}"/>
                   </a:ext>
                 </a:extLst>
               </p:cNvPr>
@@ -30134,7 +29687,7 @@
             <p:cNvPr id="10" name="그룹 1011">
               <a:extLst>
                 <a:ext uri="{FF2B5EF4-FFF2-40B4-BE49-F238E27FC236}">
-                  <a16:creationId xmlns:a16="http://schemas.microsoft.com/office/drawing/2014/main" id="{1BCB8DE5-ABAF-4198-BC16-85BB76F2DB24}"/>
+                  <a16:creationId xmlns:a16="http://schemas.microsoft.com/office/drawing/2014/main" xmlns="" id="{1BCB8DE5-ABAF-4198-BC16-85BB76F2DB24}"/>
                 </a:ext>
               </a:extLst>
             </p:cNvPr>
@@ -30154,7 +29707,7 @@
               <p:cNvPr id="11" name="Object 35">
                 <a:extLst>
                   <a:ext uri="{FF2B5EF4-FFF2-40B4-BE49-F238E27FC236}">
-                    <a16:creationId xmlns:a16="http://schemas.microsoft.com/office/drawing/2014/main" id="{86E7BA23-0A1E-B581-CADC-06AB269DB2BD}"/>
+                    <a16:creationId xmlns:a16="http://schemas.microsoft.com/office/drawing/2014/main" xmlns="" id="{86E7BA23-0A1E-B581-CADC-06AB269DB2BD}"/>
                   </a:ext>
                 </a:extLst>
               </p:cNvPr>
@@ -30186,7 +29739,7 @@
           <p:cNvPr id="14" name="직사각형 13">
             <a:extLst>
               <a:ext uri="{FF2B5EF4-FFF2-40B4-BE49-F238E27FC236}">
-                <a16:creationId xmlns:a16="http://schemas.microsoft.com/office/drawing/2014/main" id="{FFF506F9-840A-0508-4CAF-3AC711D8D5CE}"/>
+                <a16:creationId xmlns:a16="http://schemas.microsoft.com/office/drawing/2014/main" xmlns="" id="{FFF506F9-840A-0508-4CAF-3AC711D8D5CE}"/>
               </a:ext>
             </a:extLst>
           </p:cNvPr>
@@ -30262,7 +29815,7 @@
           <p:cNvPr id="16" name="직사각형 15">
             <a:extLst>
               <a:ext uri="{FF2B5EF4-FFF2-40B4-BE49-F238E27FC236}">
-                <a16:creationId xmlns:a16="http://schemas.microsoft.com/office/drawing/2014/main" id="{FFF506F9-840A-0508-4CAF-3AC711D8D5CE}"/>
+                <a16:creationId xmlns:a16="http://schemas.microsoft.com/office/drawing/2014/main" xmlns="" id="{FFF506F9-840A-0508-4CAF-3AC711D8D5CE}"/>
               </a:ext>
             </a:extLst>
           </p:cNvPr>
@@ -30314,7 +29867,7 @@
           <p:cNvPr id="17" name="TextBox 16">
             <a:extLst>
               <a:ext uri="{FF2B5EF4-FFF2-40B4-BE49-F238E27FC236}">
-                <a16:creationId xmlns:a16="http://schemas.microsoft.com/office/drawing/2014/main" id="{A2AD056B-97A4-5BCC-4460-250160F3E171}"/>
+                <a16:creationId xmlns:a16="http://schemas.microsoft.com/office/drawing/2014/main" xmlns="" id="{A2AD056B-97A4-5BCC-4460-250160F3E171}"/>
               </a:ext>
             </a:extLst>
           </p:cNvPr>
@@ -30451,7 +30004,7 @@
           <p:cNvPr id="18" name="TextBox 17">
             <a:extLst>
               <a:ext uri="{FF2B5EF4-FFF2-40B4-BE49-F238E27FC236}">
-                <a16:creationId xmlns:a16="http://schemas.microsoft.com/office/drawing/2014/main" id="{A2AD056B-97A4-5BCC-4460-250160F3E171}"/>
+                <a16:creationId xmlns:a16="http://schemas.microsoft.com/office/drawing/2014/main" xmlns="" id="{A2AD056B-97A4-5BCC-4460-250160F3E171}"/>
               </a:ext>
             </a:extLst>
           </p:cNvPr>
@@ -30505,7 +30058,7 @@
           <p:cNvPr id="19" name="TextBox 18">
             <a:extLst>
               <a:ext uri="{FF2B5EF4-FFF2-40B4-BE49-F238E27FC236}">
-                <a16:creationId xmlns:a16="http://schemas.microsoft.com/office/drawing/2014/main" id="{A2AD056B-97A4-5BCC-4460-250160F3E171}"/>
+                <a16:creationId xmlns:a16="http://schemas.microsoft.com/office/drawing/2014/main" xmlns="" id="{A2AD056B-97A4-5BCC-4460-250160F3E171}"/>
               </a:ext>
             </a:extLst>
           </p:cNvPr>
@@ -30689,12 +30242,36 @@
           <a:chExt cx="0" cy="0"/>
         </a:xfrm>
       </p:grpSpPr>
+      <p:pic>
+        <p:nvPicPr>
+          <p:cNvPr id="2" name="그림 1"/>
+          <p:cNvPicPr>
+            <a:picLocks noChangeAspect="1"/>
+          </p:cNvPicPr>
+          <p:nvPr/>
+        </p:nvPicPr>
+        <p:blipFill>
+          <a:blip r:embed="rId2"/>
+          <a:stretch>
+            <a:fillRect/>
+          </a:stretch>
+        </p:blipFill>
+        <p:spPr>
+          <a:xfrm>
+            <a:off x="1295400" y="2933700"/>
+            <a:ext cx="6248400" cy="7073329"/>
+          </a:xfrm>
+          <a:prstGeom prst="rect">
+            <a:avLst/>
+          </a:prstGeom>
+        </p:spPr>
+      </p:pic>
       <p:sp>
         <p:nvSpPr>
-          <p:cNvPr id="4" name="TextBox 3">
+          <p:cNvPr id="5" name="TextBox 4">
             <a:extLst>
               <a:ext uri="{FF2B5EF4-FFF2-40B4-BE49-F238E27FC236}">
-                <a16:creationId xmlns:a16="http://schemas.microsoft.com/office/drawing/2014/main" id="{8BD2ED5A-5CA2-F84F-13E6-A2AC3854D891}"/>
+                <a16:creationId xmlns:a16="http://schemas.microsoft.com/office/drawing/2014/main" xmlns="" id="{2E843C5C-F5F0-B014-4B60-31604E120CA8}"/>
               </a:ext>
             </a:extLst>
           </p:cNvPr>
@@ -30703,8 +30280,8 @@
         </p:nvSpPr>
         <p:spPr>
           <a:xfrm>
-            <a:off x="762000" y="419100"/>
-            <a:ext cx="6248400" cy="830997"/>
+            <a:off x="609600" y="342900"/>
+            <a:ext cx="17373600" cy="1077218"/>
           </a:xfrm>
           <a:prstGeom prst="rect">
             <a:avLst/>
@@ -30718,26 +30295,26 @@
           <a:lstStyle/>
           <a:p>
             <a:r>
-              <a:rPr lang="ko-KR" altLang="en-US" sz="4800">
+              <a:rPr lang="en-US" altLang="ko-KR" sz="3200" smtClean="0">
                 <a:solidFill>
                   <a:srgbClr val="4C50BC"/>
                 </a:solidFill>
                 <a:latin typeface="G마켓 산스 Medium" panose="02000000000000000000" pitchFamily="50" charset="-127"/>
                 <a:ea typeface="G마켓 산스 Medium" panose="02000000000000000000" pitchFamily="50" charset="-127"/>
               </a:rPr>
-              <a:t>실습문제 풀이</a:t>
-            </a:r>
-            <a:r>
-              <a:rPr lang="en-US" altLang="ko-KR" sz="4800">
+              <a:t>2. </a:t>
+            </a:r>
+            <a:r>
+              <a:rPr lang="ko-KR" altLang="en-US" sz="3200" smtClean="0">
                 <a:solidFill>
                   <a:srgbClr val="4C50BC"/>
                 </a:solidFill>
                 <a:latin typeface="G마켓 산스 Medium" panose="02000000000000000000" pitchFamily="50" charset="-127"/>
                 <a:ea typeface="G마켓 산스 Medium" panose="02000000000000000000" pitchFamily="50" charset="-127"/>
               </a:rPr>
-              <a:t>1</a:t>
-            </a:r>
-            <a:endParaRPr lang="en-US" altLang="ko-KR" sz="4800" dirty="0">
+              <a:t>아래의 코드가 에러가 발생하는 이유는 무엇인지 </a:t>
+            </a:r>
+            <a:endParaRPr lang="en-US" altLang="ko-KR" sz="3200" smtClean="0">
               <a:solidFill>
                 <a:srgbClr val="4C50BC"/>
               </a:solidFill>
@@ -30745,148 +30322,205 @@
               <a:ea typeface="G마켓 산스 Medium" panose="02000000000000000000" pitchFamily="50" charset="-127"/>
             </a:endParaRPr>
           </a:p>
+          <a:p>
+            <a:r>
+              <a:rPr lang="en-US" altLang="ko-KR" sz="3200" smtClean="0">
+                <a:solidFill>
+                  <a:srgbClr val="4C50BC"/>
+                </a:solidFill>
+                <a:latin typeface="G마켓 산스 Medium" panose="02000000000000000000" pitchFamily="50" charset="-127"/>
+                <a:ea typeface="G마켓 산스 Medium" panose="02000000000000000000" pitchFamily="50" charset="-127"/>
+              </a:rPr>
+              <a:t>public static void </a:t>
+            </a:r>
+            <a:r>
+              <a:rPr lang="ko-KR" altLang="en-US" sz="3200" smtClean="0">
+                <a:solidFill>
+                  <a:srgbClr val="4C50BC"/>
+                </a:solidFill>
+                <a:latin typeface="G마켓 산스 Medium" panose="02000000000000000000" pitchFamily="50" charset="-127"/>
+                <a:ea typeface="G마켓 산스 Medium" panose="02000000000000000000" pitchFamily="50" charset="-127"/>
+              </a:rPr>
+              <a:t>실습문제</a:t>
+            </a:r>
+            <a:r>
+              <a:rPr lang="en-US" altLang="ko-KR" sz="3200" smtClean="0">
+                <a:solidFill>
+                  <a:srgbClr val="4C50BC"/>
+                </a:solidFill>
+                <a:latin typeface="G마켓 산스 Medium" panose="02000000000000000000" pitchFamily="50" charset="-127"/>
+                <a:ea typeface="G마켓 산스 Medium" panose="02000000000000000000" pitchFamily="50" charset="-127"/>
+              </a:rPr>
+              <a:t>2_2() </a:t>
+            </a:r>
+            <a:r>
+              <a:rPr lang="ko-KR" altLang="en-US" sz="3200" smtClean="0">
+                <a:solidFill>
+                  <a:srgbClr val="4C50BC"/>
+                </a:solidFill>
+                <a:latin typeface="G마켓 산스 Medium" panose="02000000000000000000" pitchFamily="50" charset="-127"/>
+                <a:ea typeface="G마켓 산스 Medium" panose="02000000000000000000" pitchFamily="50" charset="-127"/>
+              </a:rPr>
+              <a:t>메서드를 만들어 주석으로 적어보자</a:t>
+            </a:r>
+            <a:r>
+              <a:rPr lang="en-US" altLang="ko-KR" sz="3200" smtClean="0">
+                <a:solidFill>
+                  <a:srgbClr val="4C50BC"/>
+                </a:solidFill>
+                <a:latin typeface="G마켓 산스 Medium" panose="02000000000000000000" pitchFamily="50" charset="-127"/>
+                <a:ea typeface="G마켓 산스 Medium" panose="02000000000000000000" pitchFamily="50" charset="-127"/>
+              </a:rPr>
+              <a:t>.</a:t>
+            </a:r>
+          </a:p>
         </p:txBody>
       </p:sp>
       <p:pic>
         <p:nvPicPr>
-          <p:cNvPr id="8" name="그림 7"/>
+          <p:cNvPr id="3" name="그림 2"/>
           <p:cNvPicPr>
             <a:picLocks noChangeAspect="1"/>
           </p:cNvPicPr>
           <p:nvPr/>
         </p:nvPicPr>
         <p:blipFill>
-          <a:blip r:embed="rId2"/>
+          <a:blip r:embed="rId3"/>
           <a:stretch>
             <a:fillRect/>
           </a:stretch>
         </p:blipFill>
         <p:spPr>
           <a:xfrm>
-            <a:off x="1143000" y="2892156"/>
-            <a:ext cx="11042572" cy="6899544"/>
+            <a:off x="7515665" y="2552700"/>
+            <a:ext cx="10162248" cy="4191000"/>
           </a:xfrm>
           <a:prstGeom prst="rect">
             <a:avLst/>
           </a:prstGeom>
         </p:spPr>
       </p:pic>
-      <p:sp>
-        <p:nvSpPr>
-          <p:cNvPr id="9" name="TextBox 8">
+      <p:pic>
+        <p:nvPicPr>
+          <p:cNvPr id="7" name="그림 6"/>
+          <p:cNvPicPr>
+            <a:picLocks noChangeAspect="1"/>
+          </p:cNvPicPr>
+          <p:nvPr/>
+        </p:nvPicPr>
+        <p:blipFill>
+          <a:blip r:embed="rId4">
             <a:extLst>
-              <a:ext uri="{FF2B5EF4-FFF2-40B4-BE49-F238E27FC236}">
-                <a16:creationId xmlns:a16="http://schemas.microsoft.com/office/drawing/2014/main" id="{2E843C5C-F5F0-B014-4B60-31604E120CA8}"/>
+              <a:ext uri="{BEBA8EAE-BF5A-486C-A8C5-ECC9F3942E4B}">
+                <a14:imgProps xmlns:a14="http://schemas.microsoft.com/office/drawing/2010/main">
+                  <a14:imgLayer r:embed="rId5">
+                    <a14:imgEffect>
+                      <a14:artisticGlass/>
+                    </a14:imgEffect>
+                  </a14:imgLayer>
+                </a14:imgProps>
               </a:ext>
             </a:extLst>
-          </p:cNvPr>
-          <p:cNvSpPr txBox="1"/>
-          <p:nvPr/>
-        </p:nvSpPr>
-        <p:spPr>
-          <a:xfrm>
-            <a:off x="990600" y="1409700"/>
-            <a:ext cx="14249400" cy="1323439"/>
+          </a:blip>
+          <a:stretch>
+            <a:fillRect/>
+          </a:stretch>
+        </p:blipFill>
+        <p:spPr>
+          <a:xfrm>
+            <a:off x="7543800" y="2552700"/>
+            <a:ext cx="10162248" cy="4191000"/>
           </a:xfrm>
           <a:prstGeom prst="rect">
             <a:avLst/>
           </a:prstGeom>
-          <a:noFill/>
-        </p:spPr>
-        <p:txBody>
-          <a:bodyPr wrap="square" rtlCol="0">
-            <a:spAutoFit/>
-          </a:bodyPr>
-          <a:lstStyle/>
-          <a:p>
-            <a:r>
-              <a:rPr lang="en-US" altLang="ko-KR" sz="4000">
-                <a:solidFill>
-                  <a:schemeClr val="tx1">
-                    <a:lumMod val="50000"/>
-                    <a:lumOff val="50000"/>
-                  </a:schemeClr>
-                </a:solidFill>
-                <a:latin typeface="G마켓 산스 Medium" panose="02000000000000000000" pitchFamily="50" charset="-127"/>
-                <a:ea typeface="G마켓 산스 Medium" panose="02000000000000000000" pitchFamily="50" charset="-127"/>
-              </a:rPr>
-              <a:t>SutdaDeck</a:t>
-            </a:r>
-            <a:r>
-              <a:rPr lang="ko-KR" altLang="en-US" sz="4000">
-                <a:solidFill>
-                  <a:schemeClr val="tx1">
-                    <a:lumMod val="50000"/>
-                    <a:lumOff val="50000"/>
-                  </a:schemeClr>
-                </a:solidFill>
-                <a:latin typeface="G마켓 산스 Medium" panose="02000000000000000000" pitchFamily="50" charset="-127"/>
-                <a:ea typeface="G마켓 산스 Medium" panose="02000000000000000000" pitchFamily="50" charset="-127"/>
-              </a:rPr>
-              <a:t>의 생성자에서 </a:t>
-            </a:r>
-            <a:r>
-              <a:rPr lang="en-US" altLang="ko-KR" sz="4000">
-                <a:solidFill>
-                  <a:schemeClr val="tx1">
-                    <a:lumMod val="50000"/>
-                    <a:lumOff val="50000"/>
-                  </a:schemeClr>
-                </a:solidFill>
-                <a:latin typeface="G마켓 산스 Medium" panose="02000000000000000000" pitchFamily="50" charset="-127"/>
-                <a:ea typeface="G마켓 산스 Medium" panose="02000000000000000000" pitchFamily="50" charset="-127"/>
-              </a:rPr>
-              <a:t>Cards </a:t>
-            </a:r>
-            <a:r>
-              <a:rPr lang="ko-KR" altLang="en-US" sz="4000">
-                <a:solidFill>
-                  <a:schemeClr val="tx1">
-                    <a:lumMod val="50000"/>
-                    <a:lumOff val="50000"/>
-                  </a:schemeClr>
-                </a:solidFill>
-                <a:latin typeface="G마켓 산스 Medium" panose="02000000000000000000" pitchFamily="50" charset="-127"/>
-                <a:ea typeface="G마켓 산스 Medium" panose="02000000000000000000" pitchFamily="50" charset="-127"/>
-              </a:rPr>
-              <a:t>배열에 들어갈 카드객체를 만들어 넣는다</a:t>
-            </a:r>
-            <a:r>
-              <a:rPr lang="en-US" altLang="ko-KR" sz="4000">
-                <a:solidFill>
-                  <a:schemeClr val="tx1">
-                    <a:lumMod val="50000"/>
-                    <a:lumOff val="50000"/>
-                  </a:schemeClr>
-                </a:solidFill>
-                <a:latin typeface="G마켓 산스 Medium" panose="02000000000000000000" pitchFamily="50" charset="-127"/>
-                <a:ea typeface="G마켓 산스 Medium" panose="02000000000000000000" pitchFamily="50" charset="-127"/>
-              </a:rPr>
-              <a:t>.</a:t>
-            </a:r>
-            <a:endParaRPr lang="en-US" altLang="ko-KR" sz="4000" dirty="0">
-              <a:solidFill>
-                <a:schemeClr val="tx1">
-                  <a:lumMod val="50000"/>
-                  <a:lumOff val="50000"/>
-                </a:schemeClr>
-              </a:solidFill>
-              <a:latin typeface="G마켓 산스 Medium" panose="02000000000000000000" pitchFamily="50" charset="-127"/>
-              <a:ea typeface="G마켓 산스 Medium" panose="02000000000000000000" pitchFamily="50" charset="-127"/>
-            </a:endParaRPr>
-          </a:p>
-        </p:txBody>
-      </p:sp>
+        </p:spPr>
+      </p:pic>
     </p:spTree>
     <p:extLst>
       <p:ext uri="{BB962C8B-B14F-4D97-AF65-F5344CB8AC3E}">
-        <p14:creationId xmlns:p14="http://schemas.microsoft.com/office/powerpoint/2010/main" val="786123946"/>
+        <p14:creationId xmlns:p14="http://schemas.microsoft.com/office/powerpoint/2010/main" val="3854071814"/>
       </p:ext>
     </p:extLst>
   </p:cSld>
   <p:clrMapOvr>
     <a:masterClrMapping/>
   </p:clrMapOvr>
+  <p:timing>
+    <p:tnLst>
+      <p:par>
+        <p:cTn id="1" dur="indefinite" restart="never" nodeType="tmRoot">
+          <p:childTnLst>
+            <p:seq concurrent="1" nextAc="seek">
+              <p:cTn id="2" dur="indefinite" nodeType="mainSeq">
+                <p:childTnLst>
+                  <p:par>
+                    <p:cTn id="3" fill="hold">
+                      <p:stCondLst>
+                        <p:cond delay="indefinite"/>
+                      </p:stCondLst>
+                      <p:childTnLst>
+                        <p:par>
+                          <p:cTn id="4" fill="hold">
+                            <p:stCondLst>
+                              <p:cond delay="0"/>
+                            </p:stCondLst>
+                            <p:childTnLst>
+                              <p:par>
+                                <p:cTn id="5" presetID="1" presetClass="exit" presetSubtype="0" fill="hold" nodeType="clickEffect">
+                                  <p:stCondLst>
+                                    <p:cond delay="0"/>
+                                  </p:stCondLst>
+                                  <p:childTnLst>
+                                    <p:set>
+                                      <p:cBhvr>
+                                        <p:cTn id="6" dur="1" fill="hold">
+                                          <p:stCondLst>
+                                            <p:cond delay="0"/>
+                                          </p:stCondLst>
+                                        </p:cTn>
+                                        <p:tgtEl>
+                                          <p:spTgt spid="7"/>
+                                        </p:tgtEl>
+                                        <p:attrNameLst>
+                                          <p:attrName>style.visibility</p:attrName>
+                                        </p:attrNameLst>
+                                      </p:cBhvr>
+                                      <p:to>
+                                        <p:strVal val="hidden"/>
+                                      </p:to>
+                                    </p:set>
+                                  </p:childTnLst>
+                                </p:cTn>
+                              </p:par>
+                            </p:childTnLst>
+                          </p:cTn>
+                        </p:par>
+                      </p:childTnLst>
+                    </p:cTn>
+                  </p:par>
+                </p:childTnLst>
+              </p:cTn>
+              <p:prevCondLst>
+                <p:cond evt="onPrev" delay="0">
+                  <p:tgtEl>
+                    <p:sldTgt/>
+                  </p:tgtEl>
+                </p:cond>
+              </p:prevCondLst>
+              <p:nextCondLst>
+                <p:cond evt="onNext" delay="0">
+                  <p:tgtEl>
+                    <p:sldTgt/>
+                  </p:tgtEl>
+                </p:cond>
+              </p:nextCondLst>
+            </p:seq>
+          </p:childTnLst>
+        </p:cTn>
+      </p:par>
+    </p:tnLst>
+  </p:timing>
 </p:sld>
 </file>
 
@@ -30912,7 +30546,7 @@
           <p:cNvPr id="4" name="TextBox 3">
             <a:extLst>
               <a:ext uri="{FF2B5EF4-FFF2-40B4-BE49-F238E27FC236}">
-                <a16:creationId xmlns:a16="http://schemas.microsoft.com/office/drawing/2014/main" id="{2E843C5C-F5F0-B014-4B60-31604E120CA8}"/>
+                <a16:creationId xmlns:a16="http://schemas.microsoft.com/office/drawing/2014/main" xmlns="" id="{2E843C5C-F5F0-B014-4B60-31604E120CA8}"/>
               </a:ext>
             </a:extLst>
           </p:cNvPr>
@@ -30921,8 +30555,8 @@
         </p:nvSpPr>
         <p:spPr>
           <a:xfrm>
-            <a:off x="990600" y="1409700"/>
-            <a:ext cx="14249400" cy="707886"/>
+            <a:off x="609600" y="342900"/>
+            <a:ext cx="17373600" cy="6309420"/>
           </a:xfrm>
           <a:prstGeom prst="rect">
             <a:avLst/>
@@ -30936,101 +30570,750 @@
           <a:lstStyle/>
           <a:p>
             <a:r>
-              <a:rPr lang="en-US" altLang="ko-KR" sz="4000">
-                <a:solidFill>
-                  <a:schemeClr val="tx1">
+              <a:rPr lang="en-US" altLang="ko-KR" sz="3200">
+                <a:solidFill>
+                  <a:srgbClr val="4C50BC"/>
+                </a:solidFill>
+                <a:latin typeface="G마켓 산스 Medium" panose="02000000000000000000" pitchFamily="50" charset="-127"/>
+                <a:ea typeface="G마켓 산스 Medium" panose="02000000000000000000" pitchFamily="50" charset="-127"/>
+              </a:rPr>
+              <a:t>3</a:t>
+            </a:r>
+            <a:r>
+              <a:rPr lang="en-US" altLang="ko-KR" sz="3200" smtClean="0">
+                <a:solidFill>
+                  <a:srgbClr val="4C50BC"/>
+                </a:solidFill>
+                <a:latin typeface="G마켓 산스 Medium" panose="02000000000000000000" pitchFamily="50" charset="-127"/>
+                <a:ea typeface="G마켓 산스 Medium" panose="02000000000000000000" pitchFamily="50" charset="-127"/>
+              </a:rPr>
+              <a:t>. </a:t>
+            </a:r>
+            <a:r>
+              <a:rPr lang="ko-KR" altLang="en-US" sz="3200" smtClean="0">
+                <a:solidFill>
+                  <a:srgbClr val="4C50BC"/>
+                </a:solidFill>
+                <a:latin typeface="G마켓 산스 Medium" panose="02000000000000000000" pitchFamily="50" charset="-127"/>
+                <a:ea typeface="G마켓 산스 Medium" panose="02000000000000000000" pitchFamily="50" charset="-127"/>
+              </a:rPr>
+              <a:t>도형을 의미 하는 </a:t>
+            </a:r>
+            <a:r>
+              <a:rPr lang="en-US" altLang="ko-KR" sz="3200" smtClean="0">
+                <a:solidFill>
+                  <a:srgbClr val="4C50BC"/>
+                </a:solidFill>
+                <a:latin typeface="G마켓 산스 Medium" panose="02000000000000000000" pitchFamily="50" charset="-127"/>
+                <a:ea typeface="G마켓 산스 Medium" panose="02000000000000000000" pitchFamily="50" charset="-127"/>
+              </a:rPr>
+              <a:t>Shape </a:t>
+            </a:r>
+            <a:r>
+              <a:rPr lang="ko-KR" altLang="en-US" sz="3200" smtClean="0">
+                <a:solidFill>
+                  <a:srgbClr val="4C50BC"/>
+                </a:solidFill>
+                <a:latin typeface="G마켓 산스 Medium" panose="02000000000000000000" pitchFamily="50" charset="-127"/>
+                <a:ea typeface="G마켓 산스 Medium" panose="02000000000000000000" pitchFamily="50" charset="-127"/>
+              </a:rPr>
+              <a:t>클래스와 </a:t>
+            </a:r>
+            <a:r>
+              <a:rPr lang="en-US" altLang="ko-KR" sz="3200" smtClean="0">
+                <a:solidFill>
+                  <a:srgbClr val="4C50BC"/>
+                </a:solidFill>
+                <a:latin typeface="G마켓 산스 Medium" panose="02000000000000000000" pitchFamily="50" charset="-127"/>
+                <a:ea typeface="G마켓 산스 Medium" panose="02000000000000000000" pitchFamily="50" charset="-127"/>
+              </a:rPr>
+              <a:t>Circle, Rectangle </a:t>
+            </a:r>
+            <a:r>
+              <a:rPr lang="ko-KR" altLang="en-US" sz="3200" smtClean="0">
+                <a:solidFill>
+                  <a:srgbClr val="4C50BC"/>
+                </a:solidFill>
+                <a:latin typeface="G마켓 산스 Medium" panose="02000000000000000000" pitchFamily="50" charset="-127"/>
+                <a:ea typeface="G마켓 산스 Medium" panose="02000000000000000000" pitchFamily="50" charset="-127"/>
+              </a:rPr>
+              <a:t>클래스를 만드시오</a:t>
+            </a:r>
+            <a:endParaRPr lang="en-US" altLang="ko-KR" sz="3200" smtClean="0">
+              <a:solidFill>
+                <a:srgbClr val="4C50BC"/>
+              </a:solidFill>
+              <a:latin typeface="G마켓 산스 Medium" panose="02000000000000000000" pitchFamily="50" charset="-127"/>
+              <a:ea typeface="G마켓 산스 Medium" panose="02000000000000000000" pitchFamily="50" charset="-127"/>
+            </a:endParaRPr>
+          </a:p>
+          <a:p>
+            <a:r>
+              <a:rPr lang="ko-KR" altLang="en-US" sz="3200" smtClean="0">
+                <a:solidFill>
+                  <a:srgbClr val="4C50BC"/>
+                </a:solidFill>
+                <a:latin typeface="G마켓 산스 Medium" panose="02000000000000000000" pitchFamily="50" charset="-127"/>
+                <a:ea typeface="G마켓 산스 Medium" panose="02000000000000000000" pitchFamily="50" charset="-127"/>
+              </a:rPr>
+              <a:t>  클래스간의 상속관계와 멤버변수</a:t>
+            </a:r>
+            <a:r>
+              <a:rPr lang="en-US" altLang="ko-KR" sz="3200" smtClean="0">
+                <a:solidFill>
+                  <a:srgbClr val="4C50BC"/>
+                </a:solidFill>
+                <a:latin typeface="G마켓 산스 Medium" panose="02000000000000000000" pitchFamily="50" charset="-127"/>
+                <a:ea typeface="G마켓 산스 Medium" panose="02000000000000000000" pitchFamily="50" charset="-127"/>
+              </a:rPr>
+              <a:t>, </a:t>
+            </a:r>
+            <a:r>
+              <a:rPr lang="ko-KR" altLang="en-US" sz="3200" smtClean="0">
+                <a:solidFill>
+                  <a:srgbClr val="4C50BC"/>
+                </a:solidFill>
+                <a:latin typeface="G마켓 산스 Medium" panose="02000000000000000000" pitchFamily="50" charset="-127"/>
+                <a:ea typeface="G마켓 산스 Medium" panose="02000000000000000000" pitchFamily="50" charset="-127"/>
+              </a:rPr>
+              <a:t>멤버 메서드를 적절한 클래스에 넣어 설계해보자</a:t>
+            </a:r>
+            <a:endParaRPr lang="en-US" altLang="ko-KR" sz="3200">
+              <a:solidFill>
+                <a:schemeClr val="bg1">
+                  <a:lumMod val="50000"/>
+                </a:schemeClr>
+              </a:solidFill>
+              <a:latin typeface="G마켓 산스 Medium" panose="02000000000000000000" pitchFamily="50" charset="-127"/>
+              <a:ea typeface="G마켓 산스 Medium" panose="02000000000000000000" pitchFamily="50" charset="-127"/>
+            </a:endParaRPr>
+          </a:p>
+          <a:p>
+            <a:r>
+              <a:rPr lang="en-US" altLang="ko-KR" sz="2800" smtClean="0">
+                <a:solidFill>
+                  <a:schemeClr val="bg1">
                     <a:lumMod val="50000"/>
-                    <a:lumOff val="50000"/>
                   </a:schemeClr>
                 </a:solidFill>
                 <a:latin typeface="G마켓 산스 Medium" panose="02000000000000000000" pitchFamily="50" charset="-127"/>
                 <a:ea typeface="G마켓 산스 Medium" panose="02000000000000000000" pitchFamily="50" charset="-127"/>
               </a:rPr>
-              <a:t>print </a:t>
-            </a:r>
-            <a:r>
-              <a:rPr lang="ko-KR" altLang="en-US" sz="4000">
-                <a:solidFill>
-                  <a:schemeClr val="tx1">
+              <a:t>-Shape </a:t>
+            </a:r>
+            <a:r>
+              <a:rPr lang="ko-KR" altLang="en-US" sz="2800" smtClean="0">
+                <a:solidFill>
+                  <a:schemeClr val="bg1">
                     <a:lumMod val="50000"/>
-                    <a:lumOff val="50000"/>
                   </a:schemeClr>
                 </a:solidFill>
                 <a:latin typeface="G마켓 산스 Medium" panose="02000000000000000000" pitchFamily="50" charset="-127"/>
                 <a:ea typeface="G마켓 산스 Medium" panose="02000000000000000000" pitchFamily="50" charset="-127"/>
               </a:rPr>
-              <a:t>메서드는 </a:t>
-            </a:r>
-            <a:r>
-              <a:rPr lang="en-US" altLang="ko-KR" sz="4000">
-                <a:solidFill>
-                  <a:schemeClr val="tx1">
+              <a:t>도형 </a:t>
+            </a:r>
+            <a:r>
+              <a:rPr lang="en-US" altLang="ko-KR" sz="2800" smtClean="0">
+                <a:solidFill>
+                  <a:schemeClr val="bg1">
                     <a:lumMod val="50000"/>
-                    <a:lumOff val="50000"/>
                   </a:schemeClr>
                 </a:solidFill>
                 <a:latin typeface="G마켓 산스 Medium" panose="02000000000000000000" pitchFamily="50" charset="-127"/>
                 <a:ea typeface="G마켓 산스 Medium" panose="02000000000000000000" pitchFamily="50" charset="-127"/>
               </a:rPr>
-              <a:t>Object</a:t>
-            </a:r>
-            <a:r>
-              <a:rPr lang="ko-KR" altLang="en-US" sz="4000">
-                <a:solidFill>
-                  <a:schemeClr val="tx1">
+              <a:t>, Circle </a:t>
+            </a:r>
+            <a:r>
+              <a:rPr lang="ko-KR" altLang="en-US" sz="2800" smtClean="0">
+                <a:solidFill>
+                  <a:schemeClr val="bg1">
                     <a:lumMod val="50000"/>
-                    <a:lumOff val="50000"/>
                   </a:schemeClr>
                 </a:solidFill>
                 <a:latin typeface="G마켓 산스 Medium" panose="02000000000000000000" pitchFamily="50" charset="-127"/>
                 <a:ea typeface="G마켓 산스 Medium" panose="02000000000000000000" pitchFamily="50" charset="-127"/>
               </a:rPr>
-              <a:t>의 </a:t>
-            </a:r>
-            <a:r>
-              <a:rPr lang="en-US" altLang="ko-KR" sz="4000">
-                <a:solidFill>
-                  <a:schemeClr val="tx1">
+              <a:t>원 </a:t>
+            </a:r>
+            <a:r>
+              <a:rPr lang="en-US" altLang="ko-KR" sz="2800" smtClean="0">
+                <a:solidFill>
+                  <a:schemeClr val="bg1">
                     <a:lumMod val="50000"/>
-                    <a:lumOff val="50000"/>
                   </a:schemeClr>
                 </a:solidFill>
                 <a:latin typeface="G마켓 산스 Medium" panose="02000000000000000000" pitchFamily="50" charset="-127"/>
                 <a:ea typeface="G마켓 산스 Medium" panose="02000000000000000000" pitchFamily="50" charset="-127"/>
               </a:rPr>
-              <a:t>toString</a:t>
-            </a:r>
-            <a:r>
-              <a:rPr lang="ko-KR" altLang="en-US" sz="4000">
-                <a:solidFill>
-                  <a:schemeClr val="tx1">
+              <a:t>, Rectangle </a:t>
+            </a:r>
+            <a:r>
+              <a:rPr lang="ko-KR" altLang="en-US" sz="2800" smtClean="0">
+                <a:solidFill>
+                  <a:schemeClr val="bg1">
                     <a:lumMod val="50000"/>
-                    <a:lumOff val="50000"/>
                   </a:schemeClr>
                 </a:solidFill>
                 <a:latin typeface="G마켓 산스 Medium" panose="02000000000000000000" pitchFamily="50" charset="-127"/>
                 <a:ea typeface="G마켓 산스 Medium" panose="02000000000000000000" pitchFamily="50" charset="-127"/>
               </a:rPr>
-              <a:t>을 활용하여 출력한다</a:t>
-            </a:r>
-            <a:r>
-              <a:rPr lang="en-US" altLang="ko-KR" sz="4000">
-                <a:solidFill>
-                  <a:schemeClr val="tx1">
+              <a:t>사각형</a:t>
+            </a:r>
+            <a:endParaRPr lang="en-US" altLang="ko-KR" sz="2800" smtClean="0">
+              <a:solidFill>
+                <a:schemeClr val="bg1">
+                  <a:lumMod val="50000"/>
+                </a:schemeClr>
+              </a:solidFill>
+              <a:latin typeface="G마켓 산스 Medium" panose="02000000000000000000" pitchFamily="50" charset="-127"/>
+              <a:ea typeface="G마켓 산스 Medium" panose="02000000000000000000" pitchFamily="50" charset="-127"/>
+            </a:endParaRPr>
+          </a:p>
+          <a:p>
+            <a:r>
+              <a:rPr lang="ko-KR" altLang="en-US" sz="2800" smtClean="0">
+                <a:solidFill>
+                  <a:schemeClr val="bg1">
                     <a:lumMod val="50000"/>
-                    <a:lumOff val="50000"/>
                   </a:schemeClr>
                 </a:solidFill>
                 <a:latin typeface="G마켓 산스 Medium" panose="02000000000000000000" pitchFamily="50" charset="-127"/>
                 <a:ea typeface="G마켓 산스 Medium" panose="02000000000000000000" pitchFamily="50" charset="-127"/>
               </a:rPr>
+              <a:t>멤버변수 </a:t>
+            </a:r>
+            <a:r>
+              <a:rPr lang="en-US" altLang="ko-KR" sz="2800" smtClean="0">
+                <a:solidFill>
+                  <a:schemeClr val="bg1">
+                    <a:lumMod val="50000"/>
+                  </a:schemeClr>
+                </a:solidFill>
+                <a:latin typeface="G마켓 산스 Medium" panose="02000000000000000000" pitchFamily="50" charset="-127"/>
+                <a:ea typeface="G마켓 산스 Medium" panose="02000000000000000000" pitchFamily="50" charset="-127"/>
+              </a:rPr>
+              <a:t>double r </a:t>
+            </a:r>
+            <a:r>
+              <a:rPr lang="ko-KR" altLang="en-US" sz="2800" smtClean="0">
+                <a:solidFill>
+                  <a:schemeClr val="bg1">
+                    <a:lumMod val="50000"/>
+                  </a:schemeClr>
+                </a:solidFill>
+                <a:latin typeface="G마켓 산스 Medium" panose="02000000000000000000" pitchFamily="50" charset="-127"/>
+                <a:ea typeface="G마켓 산스 Medium" panose="02000000000000000000" pitchFamily="50" charset="-127"/>
+              </a:rPr>
+              <a:t>반지름</a:t>
+            </a:r>
+            <a:endParaRPr lang="en-US" altLang="ko-KR" sz="2800" smtClean="0">
+              <a:solidFill>
+                <a:schemeClr val="bg1">
+                  <a:lumMod val="50000"/>
+                </a:schemeClr>
+              </a:solidFill>
+              <a:latin typeface="G마켓 산스 Medium" panose="02000000000000000000" pitchFamily="50" charset="-127"/>
+              <a:ea typeface="G마켓 산스 Medium" panose="02000000000000000000" pitchFamily="50" charset="-127"/>
+            </a:endParaRPr>
+          </a:p>
+          <a:p>
+            <a:r>
+              <a:rPr lang="en-US" altLang="ko-KR" sz="2800">
+                <a:solidFill>
+                  <a:schemeClr val="bg1">
+                    <a:lumMod val="50000"/>
+                  </a:schemeClr>
+                </a:solidFill>
+                <a:latin typeface="G마켓 산스 Medium" panose="02000000000000000000" pitchFamily="50" charset="-127"/>
+                <a:ea typeface="G마켓 산스 Medium" panose="02000000000000000000" pitchFamily="50" charset="-127"/>
+              </a:rPr>
+              <a:t> </a:t>
+            </a:r>
+            <a:r>
+              <a:rPr lang="en-US" altLang="ko-KR" sz="2800" smtClean="0">
+                <a:solidFill>
+                  <a:schemeClr val="bg1">
+                    <a:lumMod val="50000"/>
+                  </a:schemeClr>
+                </a:solidFill>
+                <a:latin typeface="G마켓 산스 Medium" panose="02000000000000000000" pitchFamily="50" charset="-127"/>
+                <a:ea typeface="G마켓 산스 Medium" panose="02000000000000000000" pitchFamily="50" charset="-127"/>
+              </a:rPr>
+              <a:t>              double width </a:t>
+            </a:r>
+            <a:r>
+              <a:rPr lang="ko-KR" altLang="en-US" sz="2800" smtClean="0">
+                <a:solidFill>
+                  <a:schemeClr val="bg1">
+                    <a:lumMod val="50000"/>
+                  </a:schemeClr>
+                </a:solidFill>
+                <a:latin typeface="G마켓 산스 Medium" panose="02000000000000000000" pitchFamily="50" charset="-127"/>
+                <a:ea typeface="G마켓 산스 Medium" panose="02000000000000000000" pitchFamily="50" charset="-127"/>
+              </a:rPr>
+              <a:t>폭</a:t>
+            </a:r>
+            <a:endParaRPr lang="en-US" altLang="ko-KR" sz="2800" smtClean="0">
+              <a:solidFill>
+                <a:schemeClr val="bg1">
+                  <a:lumMod val="50000"/>
+                </a:schemeClr>
+              </a:solidFill>
+              <a:latin typeface="G마켓 산스 Medium" panose="02000000000000000000" pitchFamily="50" charset="-127"/>
+              <a:ea typeface="G마켓 산스 Medium" panose="02000000000000000000" pitchFamily="50" charset="-127"/>
+            </a:endParaRPr>
+          </a:p>
+          <a:p>
+            <a:r>
+              <a:rPr lang="en-US" altLang="ko-KR" sz="2800">
+                <a:solidFill>
+                  <a:schemeClr val="bg1">
+                    <a:lumMod val="50000"/>
+                  </a:schemeClr>
+                </a:solidFill>
+                <a:latin typeface="G마켓 산스 Medium" panose="02000000000000000000" pitchFamily="50" charset="-127"/>
+                <a:ea typeface="G마켓 산스 Medium" panose="02000000000000000000" pitchFamily="50" charset="-127"/>
+              </a:rPr>
+              <a:t> </a:t>
+            </a:r>
+            <a:r>
+              <a:rPr lang="en-US" altLang="ko-KR" sz="2800" smtClean="0">
+                <a:solidFill>
+                  <a:schemeClr val="bg1">
+                    <a:lumMod val="50000"/>
+                  </a:schemeClr>
+                </a:solidFill>
+                <a:latin typeface="G마켓 산스 Medium" panose="02000000000000000000" pitchFamily="50" charset="-127"/>
+                <a:ea typeface="G마켓 산스 Medium" panose="02000000000000000000" pitchFamily="50" charset="-127"/>
+              </a:rPr>
+              <a:t>              </a:t>
+            </a:r>
+            <a:r>
+              <a:rPr lang="en-US" altLang="ko-KR" sz="2800">
+                <a:solidFill>
+                  <a:schemeClr val="bg1">
+                    <a:lumMod val="50000"/>
+                  </a:schemeClr>
+                </a:solidFill>
+                <a:latin typeface="G마켓 산스 Medium" panose="02000000000000000000" pitchFamily="50" charset="-127"/>
+                <a:ea typeface="G마켓 산스 Medium" panose="02000000000000000000" pitchFamily="50" charset="-127"/>
+              </a:rPr>
+              <a:t>double height  </a:t>
+            </a:r>
+            <a:r>
+              <a:rPr lang="ko-KR" altLang="en-US" sz="2800">
+                <a:solidFill>
+                  <a:schemeClr val="bg1">
+                    <a:lumMod val="50000"/>
+                  </a:schemeClr>
+                </a:solidFill>
+                <a:latin typeface="G마켓 산스 Medium" panose="02000000000000000000" pitchFamily="50" charset="-127"/>
+                <a:ea typeface="G마켓 산스 Medium" panose="02000000000000000000" pitchFamily="50" charset="-127"/>
+              </a:rPr>
+              <a:t>높이</a:t>
+            </a:r>
+            <a:endParaRPr lang="en-US" altLang="ko-KR" sz="2800">
+              <a:solidFill>
+                <a:schemeClr val="bg1">
+                  <a:lumMod val="50000"/>
+                </a:schemeClr>
+              </a:solidFill>
+              <a:latin typeface="G마켓 산스 Medium" panose="02000000000000000000" pitchFamily="50" charset="-127"/>
+              <a:ea typeface="G마켓 산스 Medium" panose="02000000000000000000" pitchFamily="50" charset="-127"/>
+            </a:endParaRPr>
+          </a:p>
+          <a:p>
+            <a:endParaRPr lang="en-US" altLang="ko-KR" sz="2800">
+              <a:solidFill>
+                <a:schemeClr val="bg1">
+                  <a:lumMod val="50000"/>
+                </a:schemeClr>
+              </a:solidFill>
+              <a:latin typeface="G마켓 산스 Medium" panose="02000000000000000000" pitchFamily="50" charset="-127"/>
+              <a:ea typeface="G마켓 산스 Medium" panose="02000000000000000000" pitchFamily="50" charset="-127"/>
+            </a:endParaRPr>
+          </a:p>
+          <a:p>
+            <a:r>
+              <a:rPr lang="ko-KR" altLang="en-US" sz="2800" smtClean="0">
+                <a:solidFill>
+                  <a:schemeClr val="bg1">
+                    <a:lumMod val="50000"/>
+                  </a:schemeClr>
+                </a:solidFill>
+                <a:latin typeface="G마켓 산스 Medium" panose="02000000000000000000" pitchFamily="50" charset="-127"/>
+                <a:ea typeface="G마켓 산스 Medium" panose="02000000000000000000" pitchFamily="50" charset="-127"/>
+              </a:rPr>
+              <a:t>멤버메서드 </a:t>
+            </a:r>
+            <a:r>
+              <a:rPr lang="en-US" altLang="ko-KR" sz="2800" smtClean="0">
+                <a:solidFill>
+                  <a:schemeClr val="bg1">
+                    <a:lumMod val="50000"/>
+                  </a:schemeClr>
+                </a:solidFill>
+                <a:latin typeface="G마켓 산스 Medium" panose="02000000000000000000" pitchFamily="50" charset="-127"/>
+                <a:ea typeface="G마켓 산스 Medium" panose="02000000000000000000" pitchFamily="50" charset="-127"/>
+              </a:rPr>
+              <a:t>double getArea()  </a:t>
+            </a:r>
+            <a:r>
+              <a:rPr lang="ko-KR" altLang="en-US" sz="2800" smtClean="0">
+                <a:solidFill>
+                  <a:schemeClr val="bg1">
+                    <a:lumMod val="50000"/>
+                  </a:schemeClr>
+                </a:solidFill>
+                <a:latin typeface="G마켓 산스 Medium" panose="02000000000000000000" pitchFamily="50" charset="-127"/>
+                <a:ea typeface="G마켓 산스 Medium" panose="02000000000000000000" pitchFamily="50" charset="-127"/>
+              </a:rPr>
+              <a:t>해당 도형의 면적을 반환한다</a:t>
+            </a:r>
+            <a:r>
+              <a:rPr lang="en-US" altLang="ko-KR" sz="2800" smtClean="0">
+                <a:solidFill>
+                  <a:schemeClr val="bg1">
+                    <a:lumMod val="50000"/>
+                  </a:schemeClr>
+                </a:solidFill>
+                <a:latin typeface="G마켓 산스 Medium" panose="02000000000000000000" pitchFamily="50" charset="-127"/>
+                <a:ea typeface="G마켓 산스 Medium" panose="02000000000000000000" pitchFamily="50" charset="-127"/>
+              </a:rPr>
+              <a:t>.  </a:t>
+            </a:r>
+          </a:p>
+          <a:p>
+            <a:r>
+              <a:rPr lang="en-US" altLang="ko-KR" sz="2800">
+                <a:solidFill>
+                  <a:schemeClr val="bg1">
+                    <a:lumMod val="50000"/>
+                  </a:schemeClr>
+                </a:solidFill>
+                <a:latin typeface="G마켓 산스 Medium" panose="02000000000000000000" pitchFamily="50" charset="-127"/>
+                <a:ea typeface="G마켓 산스 Medium" panose="02000000000000000000" pitchFamily="50" charset="-127"/>
+              </a:rPr>
+              <a:t> </a:t>
+            </a:r>
+            <a:r>
+              <a:rPr lang="en-US" altLang="ko-KR" sz="2800" smtClean="0">
+                <a:solidFill>
+                  <a:schemeClr val="bg1">
+                    <a:lumMod val="50000"/>
+                  </a:schemeClr>
+                </a:solidFill>
+                <a:latin typeface="G마켓 산스 Medium" panose="02000000000000000000" pitchFamily="50" charset="-127"/>
+                <a:ea typeface="G마켓 산스 Medium" panose="02000000000000000000" pitchFamily="50" charset="-127"/>
+              </a:rPr>
+              <a:t>                                                    </a:t>
+            </a:r>
+            <a:r>
+              <a:rPr lang="ko-KR" altLang="en-US" sz="2800" smtClean="0">
+                <a:solidFill>
+                  <a:schemeClr val="bg1">
+                    <a:lumMod val="50000"/>
+                  </a:schemeClr>
+                </a:solidFill>
+                <a:latin typeface="G마켓 산스 Medium" panose="02000000000000000000" pitchFamily="50" charset="-127"/>
+                <a:ea typeface="G마켓 산스 Medium" panose="02000000000000000000" pitchFamily="50" charset="-127"/>
+              </a:rPr>
+              <a:t>삼각형 </a:t>
+            </a:r>
+            <a:r>
+              <a:rPr lang="en-US" altLang="ko-KR" sz="2800" smtClean="0">
+                <a:solidFill>
+                  <a:schemeClr val="bg1">
+                    <a:lumMod val="50000"/>
+                  </a:schemeClr>
+                </a:solidFill>
+                <a:latin typeface="G마켓 산스 Medium" panose="02000000000000000000" pitchFamily="50" charset="-127"/>
+                <a:ea typeface="G마켓 산스 Medium" panose="02000000000000000000" pitchFamily="50" charset="-127"/>
+              </a:rPr>
+              <a:t>= PI x </a:t>
+            </a:r>
+            <a:r>
+              <a:rPr lang="ko-KR" altLang="en-US" sz="2800" smtClean="0">
+                <a:solidFill>
+                  <a:schemeClr val="bg1">
+                    <a:lumMod val="50000"/>
+                  </a:schemeClr>
+                </a:solidFill>
+                <a:latin typeface="G마켓 산스 Medium" panose="02000000000000000000" pitchFamily="50" charset="-127"/>
+                <a:ea typeface="G마켓 산스 Medium" panose="02000000000000000000" pitchFamily="50" charset="-127"/>
+              </a:rPr>
+              <a:t>반지름</a:t>
+            </a:r>
+            <a:r>
+              <a:rPr lang="en-US" altLang="ko-KR" sz="2800" smtClean="0">
+                <a:solidFill>
+                  <a:schemeClr val="bg1">
+                    <a:lumMod val="50000"/>
+                  </a:schemeClr>
+                </a:solidFill>
+                <a:latin typeface="G마켓 산스 Medium" panose="02000000000000000000" pitchFamily="50" charset="-127"/>
+                <a:ea typeface="G마켓 산스 Medium" panose="02000000000000000000" pitchFamily="50" charset="-127"/>
+              </a:rPr>
+              <a:t>x</a:t>
+            </a:r>
+            <a:r>
+              <a:rPr lang="ko-KR" altLang="en-US" sz="2800" smtClean="0">
+                <a:solidFill>
+                  <a:schemeClr val="bg1">
+                    <a:lumMod val="50000"/>
+                  </a:schemeClr>
+                </a:solidFill>
+                <a:latin typeface="G마켓 산스 Medium" panose="02000000000000000000" pitchFamily="50" charset="-127"/>
+                <a:ea typeface="G마켓 산스 Medium" panose="02000000000000000000" pitchFamily="50" charset="-127"/>
+              </a:rPr>
+              <a:t>반지름</a:t>
+            </a:r>
+            <a:r>
+              <a:rPr lang="en-US" altLang="ko-KR" sz="2800" smtClean="0">
+                <a:solidFill>
+                  <a:schemeClr val="bg1">
+                    <a:lumMod val="50000"/>
+                  </a:schemeClr>
+                </a:solidFill>
+                <a:latin typeface="G마켓 산스 Medium" panose="02000000000000000000" pitchFamily="50" charset="-127"/>
+                <a:ea typeface="G마켓 산스 Medium" panose="02000000000000000000" pitchFamily="50" charset="-127"/>
+              </a:rPr>
+              <a:t>   </a:t>
+            </a:r>
+            <a:r>
+              <a:rPr lang="ko-KR" altLang="en-US" sz="2800" smtClean="0">
+                <a:solidFill>
+                  <a:schemeClr val="bg1">
+                    <a:lumMod val="50000"/>
+                  </a:schemeClr>
+                </a:solidFill>
+                <a:latin typeface="G마켓 산스 Medium" panose="02000000000000000000" pitchFamily="50" charset="-127"/>
+                <a:ea typeface="G마켓 산스 Medium" panose="02000000000000000000" pitchFamily="50" charset="-127"/>
+              </a:rPr>
+              <a:t>사각형 </a:t>
+            </a:r>
+            <a:r>
+              <a:rPr lang="en-US" altLang="ko-KR" sz="2800" smtClean="0">
+                <a:solidFill>
+                  <a:schemeClr val="bg1">
+                    <a:lumMod val="50000"/>
+                  </a:schemeClr>
+                </a:solidFill>
+                <a:latin typeface="G마켓 산스 Medium" panose="02000000000000000000" pitchFamily="50" charset="-127"/>
+                <a:ea typeface="G마켓 산스 Medium" panose="02000000000000000000" pitchFamily="50" charset="-127"/>
+              </a:rPr>
+              <a:t>= </a:t>
+            </a:r>
+            <a:r>
+              <a:rPr lang="ko-KR" altLang="en-US" sz="2800" smtClean="0">
+                <a:solidFill>
+                  <a:schemeClr val="bg1">
+                    <a:lumMod val="50000"/>
+                  </a:schemeClr>
+                </a:solidFill>
+                <a:latin typeface="G마켓 산스 Medium" panose="02000000000000000000" pitchFamily="50" charset="-127"/>
+                <a:ea typeface="G마켓 산스 Medium" panose="02000000000000000000" pitchFamily="50" charset="-127"/>
+              </a:rPr>
+              <a:t>가로</a:t>
+            </a:r>
+            <a:r>
+              <a:rPr lang="en-US" altLang="ko-KR" sz="2800" smtClean="0">
+                <a:solidFill>
+                  <a:schemeClr val="bg1">
+                    <a:lumMod val="50000"/>
+                  </a:schemeClr>
+                </a:solidFill>
+                <a:latin typeface="G마켓 산스 Medium" panose="02000000000000000000" pitchFamily="50" charset="-127"/>
+                <a:ea typeface="G마켓 산스 Medium" panose="02000000000000000000" pitchFamily="50" charset="-127"/>
+              </a:rPr>
+              <a:t>x </a:t>
+            </a:r>
+            <a:r>
+              <a:rPr lang="ko-KR" altLang="en-US" sz="2800" smtClean="0">
+                <a:solidFill>
+                  <a:schemeClr val="bg1">
+                    <a:lumMod val="50000"/>
+                  </a:schemeClr>
+                </a:solidFill>
+                <a:latin typeface="G마켓 산스 Medium" panose="02000000000000000000" pitchFamily="50" charset="-127"/>
+                <a:ea typeface="G마켓 산스 Medium" panose="02000000000000000000" pitchFamily="50" charset="-127"/>
+              </a:rPr>
+              <a:t>세로</a:t>
+            </a:r>
+            <a:endParaRPr lang="en-US" altLang="ko-KR" sz="2800" smtClean="0">
+              <a:solidFill>
+                <a:schemeClr val="bg1">
+                  <a:lumMod val="50000"/>
+                </a:schemeClr>
+              </a:solidFill>
+              <a:latin typeface="G마켓 산스 Medium" panose="02000000000000000000" pitchFamily="50" charset="-127"/>
+              <a:ea typeface="G마켓 산스 Medium" panose="02000000000000000000" pitchFamily="50" charset="-127"/>
+            </a:endParaRPr>
+          </a:p>
+          <a:p>
+            <a:r>
+              <a:rPr lang="en-US" altLang="ko-KR" sz="2800">
+                <a:solidFill>
+                  <a:schemeClr val="bg1">
+                    <a:lumMod val="50000"/>
+                  </a:schemeClr>
+                </a:solidFill>
+                <a:latin typeface="G마켓 산스 Medium" panose="02000000000000000000" pitchFamily="50" charset="-127"/>
+                <a:ea typeface="G마켓 산스 Medium" panose="02000000000000000000" pitchFamily="50" charset="-127"/>
+              </a:rPr>
+              <a:t> </a:t>
+            </a:r>
+            <a:r>
+              <a:rPr lang="en-US" altLang="ko-KR" sz="2800" smtClean="0">
+                <a:solidFill>
+                  <a:schemeClr val="bg1">
+                    <a:lumMod val="50000"/>
+                  </a:schemeClr>
+                </a:solidFill>
+                <a:latin typeface="G마켓 산스 Medium" panose="02000000000000000000" pitchFamily="50" charset="-127"/>
+                <a:ea typeface="G마켓 산스 Medium" panose="02000000000000000000" pitchFamily="50" charset="-127"/>
+              </a:rPr>
+              <a:t>                  boolean isSquare() </a:t>
+            </a:r>
+            <a:r>
+              <a:rPr lang="ko-KR" altLang="en-US" sz="2800">
+                <a:solidFill>
+                  <a:schemeClr val="bg1">
+                    <a:lumMod val="50000"/>
+                  </a:schemeClr>
+                </a:solidFill>
+                <a:latin typeface="G마켓 산스 Medium" panose="02000000000000000000" pitchFamily="50" charset="-127"/>
+                <a:ea typeface="G마켓 산스 Medium" panose="02000000000000000000" pitchFamily="50" charset="-127"/>
+              </a:rPr>
+              <a:t>정사각형이면 </a:t>
+            </a:r>
+            <a:r>
+              <a:rPr lang="en-US" altLang="ko-KR" sz="2800">
+                <a:solidFill>
+                  <a:schemeClr val="bg1">
+                    <a:lumMod val="50000"/>
+                  </a:schemeClr>
+                </a:solidFill>
+                <a:latin typeface="G마켓 산스 Medium" panose="02000000000000000000" pitchFamily="50" charset="-127"/>
+                <a:ea typeface="G마켓 산스 Medium" panose="02000000000000000000" pitchFamily="50" charset="-127"/>
+              </a:rPr>
+              <a:t>true</a:t>
+            </a:r>
+            <a:r>
+              <a:rPr lang="ko-KR" altLang="en-US" sz="2800">
+                <a:solidFill>
+                  <a:schemeClr val="bg1">
+                    <a:lumMod val="50000"/>
+                  </a:schemeClr>
+                </a:solidFill>
+                <a:latin typeface="G마켓 산스 Medium" panose="02000000000000000000" pitchFamily="50" charset="-127"/>
+                <a:ea typeface="G마켓 산스 Medium" panose="02000000000000000000" pitchFamily="50" charset="-127"/>
+              </a:rPr>
+              <a:t>를 반환한다</a:t>
+            </a:r>
+            <a:r>
+              <a:rPr lang="en-US" altLang="ko-KR" sz="2800">
+                <a:solidFill>
+                  <a:schemeClr val="bg1">
+                    <a:lumMod val="50000"/>
+                  </a:schemeClr>
+                </a:solidFill>
+                <a:latin typeface="G마켓 산스 Medium" panose="02000000000000000000" pitchFamily="50" charset="-127"/>
+                <a:ea typeface="G마켓 산스 Medium" panose="02000000000000000000" pitchFamily="50" charset="-127"/>
+              </a:rPr>
               <a:t>.</a:t>
             </a:r>
-            <a:endParaRPr lang="en-US" altLang="ko-KR" sz="4000" dirty="0">
+          </a:p>
+          <a:p>
+            <a:endParaRPr lang="en-US" altLang="ko-KR" sz="2800" smtClean="0">
               <a:solidFill>
-                <a:schemeClr val="tx1">
+                <a:schemeClr val="bg1">
                   <a:lumMod val="50000"/>
-                  <a:lumOff val="50000"/>
+                </a:schemeClr>
+              </a:solidFill>
+              <a:latin typeface="G마켓 산스 Medium" panose="02000000000000000000" pitchFamily="50" charset="-127"/>
+              <a:ea typeface="G마켓 산스 Medium" panose="02000000000000000000" pitchFamily="50" charset="-127"/>
+            </a:endParaRPr>
+          </a:p>
+          <a:p>
+            <a:endParaRPr lang="en-US" altLang="ko-KR" sz="2800">
+              <a:solidFill>
+                <a:schemeClr val="bg1">
+                  <a:lumMod val="50000"/>
+                </a:schemeClr>
+              </a:solidFill>
+              <a:latin typeface="G마켓 산스 Medium" panose="02000000000000000000" pitchFamily="50" charset="-127"/>
+              <a:ea typeface="G마켓 산스 Medium" panose="02000000000000000000" pitchFamily="50" charset="-127"/>
+            </a:endParaRPr>
+          </a:p>
+          <a:p>
+            <a:endParaRPr lang="en-US" altLang="ko-KR" sz="2800" smtClean="0">
+              <a:solidFill>
+                <a:schemeClr val="bg1">
+                  <a:lumMod val="50000"/>
+                </a:schemeClr>
+              </a:solidFill>
+              <a:latin typeface="G마켓 산스 Medium" panose="02000000000000000000" pitchFamily="50" charset="-127"/>
+              <a:ea typeface="G마켓 산스 Medium" panose="02000000000000000000" pitchFamily="50" charset="-127"/>
+            </a:endParaRPr>
+          </a:p>
+          <a:p>
+            <a:r>
+              <a:rPr lang="en-US" altLang="ko-KR" sz="3200" smtClean="0">
+                <a:solidFill>
+                  <a:srgbClr val="4C50BC"/>
+                </a:solidFill>
+                <a:latin typeface="G마켓 산스 Medium" panose="02000000000000000000" pitchFamily="50" charset="-127"/>
+                <a:ea typeface="G마켓 산스 Medium" panose="02000000000000000000" pitchFamily="50" charset="-127"/>
+              </a:rPr>
+              <a:t>4. equals </a:t>
+            </a:r>
+            <a:r>
+              <a:rPr lang="ko-KR" altLang="en-US" sz="3200" smtClean="0">
+                <a:solidFill>
+                  <a:srgbClr val="4C50BC"/>
+                </a:solidFill>
+                <a:latin typeface="G마켓 산스 Medium" panose="02000000000000000000" pitchFamily="50" charset="-127"/>
+                <a:ea typeface="G마켓 산스 Medium" panose="02000000000000000000" pitchFamily="50" charset="-127"/>
+              </a:rPr>
+              <a:t>메서드를 오버라이딩 하여 면적이 같으면 </a:t>
+            </a:r>
+            <a:r>
+              <a:rPr lang="en-US" altLang="ko-KR" sz="3200" smtClean="0">
+                <a:solidFill>
+                  <a:srgbClr val="4C50BC"/>
+                </a:solidFill>
+                <a:latin typeface="G마켓 산스 Medium" panose="02000000000000000000" pitchFamily="50" charset="-127"/>
+                <a:ea typeface="G마켓 산스 Medium" panose="02000000000000000000" pitchFamily="50" charset="-127"/>
+              </a:rPr>
+              <a:t>true</a:t>
+            </a:r>
+            <a:r>
+              <a:rPr lang="ko-KR" altLang="en-US" sz="3200" smtClean="0">
+                <a:solidFill>
+                  <a:srgbClr val="4C50BC"/>
+                </a:solidFill>
+                <a:latin typeface="G마켓 산스 Medium" panose="02000000000000000000" pitchFamily="50" charset="-127"/>
+                <a:ea typeface="G마켓 산스 Medium" panose="02000000000000000000" pitchFamily="50" charset="-127"/>
+              </a:rPr>
+              <a:t>가 반환되도록 하자</a:t>
+            </a:r>
+            <a:r>
+              <a:rPr lang="en-US" altLang="ko-KR" sz="3200" smtClean="0">
+                <a:solidFill>
+                  <a:srgbClr val="4C50BC"/>
+                </a:solidFill>
+                <a:latin typeface="G마켓 산스 Medium" panose="02000000000000000000" pitchFamily="50" charset="-127"/>
+                <a:ea typeface="G마켓 산스 Medium" panose="02000000000000000000" pitchFamily="50" charset="-127"/>
+              </a:rPr>
+              <a:t>.</a:t>
+            </a:r>
+            <a:endParaRPr lang="en-US" altLang="ko-KR" sz="3200">
+              <a:solidFill>
+                <a:schemeClr val="bg1">
+                  <a:lumMod val="50000"/>
                 </a:schemeClr>
               </a:solidFill>
               <a:latin typeface="G마켓 산스 Medium" panose="02000000000000000000" pitchFamily="50" charset="-127"/>
@@ -31039,1055 +31322,27 @@
           </a:p>
         </p:txBody>
       </p:sp>
-      <p:sp>
-        <p:nvSpPr>
-          <p:cNvPr id="5" name="TextBox 4">
-            <a:extLst>
-              <a:ext uri="{FF2B5EF4-FFF2-40B4-BE49-F238E27FC236}">
-                <a16:creationId xmlns:a16="http://schemas.microsoft.com/office/drawing/2014/main" id="{8BD2ED5A-5CA2-F84F-13E6-A2AC3854D891}"/>
-              </a:ext>
-            </a:extLst>
-          </p:cNvPr>
-          <p:cNvSpPr txBox="1"/>
-          <p:nvPr/>
-        </p:nvSpPr>
-        <p:spPr>
-          <a:xfrm>
-            <a:off x="762000" y="419100"/>
-            <a:ext cx="6248400" cy="830997"/>
-          </a:xfrm>
-          <a:prstGeom prst="rect">
-            <a:avLst/>
-          </a:prstGeom>
-          <a:noFill/>
-        </p:spPr>
-        <p:txBody>
-          <a:bodyPr wrap="square" rtlCol="0">
-            <a:spAutoFit/>
-          </a:bodyPr>
-          <a:lstStyle/>
-          <a:p>
-            <a:r>
-              <a:rPr lang="ko-KR" altLang="en-US" sz="4800">
-                <a:solidFill>
-                  <a:srgbClr val="4C50BC"/>
-                </a:solidFill>
-                <a:latin typeface="G마켓 산스 Medium" panose="02000000000000000000" pitchFamily="50" charset="-127"/>
-                <a:ea typeface="G마켓 산스 Medium" panose="02000000000000000000" pitchFamily="50" charset="-127"/>
-              </a:rPr>
-              <a:t>실습문제 풀이</a:t>
-            </a:r>
-            <a:r>
-              <a:rPr lang="en-US" altLang="ko-KR" sz="4800">
-                <a:solidFill>
-                  <a:srgbClr val="4C50BC"/>
-                </a:solidFill>
-                <a:latin typeface="G마켓 산스 Medium" panose="02000000000000000000" pitchFamily="50" charset="-127"/>
-                <a:ea typeface="G마켓 산스 Medium" panose="02000000000000000000" pitchFamily="50" charset="-127"/>
-              </a:rPr>
-              <a:t>1</a:t>
-            </a:r>
-            <a:endParaRPr lang="en-US" altLang="ko-KR" sz="4800" dirty="0">
-              <a:solidFill>
-                <a:srgbClr val="4C50BC"/>
-              </a:solidFill>
-              <a:latin typeface="G마켓 산스 Medium" panose="02000000000000000000" pitchFamily="50" charset="-127"/>
-              <a:ea typeface="G마켓 산스 Medium" panose="02000000000000000000" pitchFamily="50" charset="-127"/>
-            </a:endParaRPr>
-          </a:p>
-        </p:txBody>
-      </p:sp>
-      <p:pic>
-        <p:nvPicPr>
-          <p:cNvPr id="6" name="그림 5"/>
-          <p:cNvPicPr>
-            <a:picLocks noChangeAspect="1"/>
-          </p:cNvPicPr>
-          <p:nvPr/>
-        </p:nvPicPr>
-        <p:blipFill>
-          <a:blip r:embed="rId2"/>
-          <a:stretch>
-            <a:fillRect/>
-          </a:stretch>
-        </p:blipFill>
-        <p:spPr>
-          <a:xfrm>
-            <a:off x="762000" y="2293015"/>
-            <a:ext cx="7162800" cy="7593757"/>
-          </a:xfrm>
-          <a:prstGeom prst="rect">
-            <a:avLst/>
-          </a:prstGeom>
-        </p:spPr>
-      </p:pic>
-      <p:sp>
-        <p:nvSpPr>
-          <p:cNvPr id="7" name="직사각형 6">
-            <a:extLst>
-              <a:ext uri="{FF2B5EF4-FFF2-40B4-BE49-F238E27FC236}">
-                <a16:creationId xmlns:a16="http://schemas.microsoft.com/office/drawing/2014/main" id="{FFF506F9-840A-0508-4CAF-3AC711D8D5CE}"/>
-              </a:ext>
-            </a:extLst>
-          </p:cNvPr>
-          <p:cNvSpPr/>
-          <p:nvPr/>
-        </p:nvSpPr>
-        <p:spPr>
-          <a:xfrm>
-            <a:off x="1524000" y="7581900"/>
-            <a:ext cx="5715000" cy="1371600"/>
-          </a:xfrm>
-          <a:prstGeom prst="rect">
-            <a:avLst/>
-          </a:prstGeom>
-          <a:noFill/>
-          <a:ln>
-            <a:solidFill>
-              <a:srgbClr val="FF0000"/>
-            </a:solidFill>
-          </a:ln>
-        </p:spPr>
-        <p:style>
-          <a:lnRef idx="2">
-            <a:schemeClr val="accent2">
-              <a:shade val="50000"/>
-            </a:schemeClr>
-          </a:lnRef>
-          <a:fillRef idx="1">
-            <a:schemeClr val="accent2"/>
-          </a:fillRef>
-          <a:effectRef idx="0">
-            <a:schemeClr val="accent2"/>
-          </a:effectRef>
-          <a:fontRef idx="minor">
-            <a:schemeClr val="lt1"/>
-          </a:fontRef>
-        </p:style>
-        <p:txBody>
-          <a:bodyPr rtlCol="0" anchor="ctr"/>
-          <a:lstStyle/>
-          <a:p>
-            <a:pPr algn="ctr"/>
-            <a:endParaRPr lang="ko-KR" altLang="en-US"/>
-          </a:p>
-        </p:txBody>
-      </p:sp>
-      <p:pic>
-        <p:nvPicPr>
-          <p:cNvPr id="8" name="그림 7"/>
-          <p:cNvPicPr>
-            <a:picLocks noChangeAspect="1"/>
-          </p:cNvPicPr>
-          <p:nvPr/>
-        </p:nvPicPr>
-        <p:blipFill>
-          <a:blip r:embed="rId3"/>
-          <a:stretch>
-            <a:fillRect/>
-          </a:stretch>
-        </p:blipFill>
-        <p:spPr>
-          <a:xfrm>
-            <a:off x="8991600" y="2293015"/>
-            <a:ext cx="8331032" cy="1936085"/>
-          </a:xfrm>
-          <a:prstGeom prst="rect">
-            <a:avLst/>
-          </a:prstGeom>
-        </p:spPr>
-      </p:pic>
     </p:spTree>
     <p:extLst>
       <p:ext uri="{BB962C8B-B14F-4D97-AF65-F5344CB8AC3E}">
-        <p14:creationId xmlns:p14="http://schemas.microsoft.com/office/powerpoint/2010/main" val="3406067206"/>
+        <p14:creationId xmlns:p14="http://schemas.microsoft.com/office/powerpoint/2010/main" val="1289652178"/>
       </p:ext>
     </p:extLst>
   </p:cSld>
   <p:clrMapOvr>
     <a:masterClrMapping/>
   </p:clrMapOvr>
+  <p:timing>
+    <p:tnLst>
+      <p:par>
+        <p:cTn id="1" dur="indefinite" restart="never" nodeType="tmRoot"/>
+      </p:par>
+    </p:tnLst>
+  </p:timing>
 </p:sld>
 </file>
 
 <file path=ppt/slides/slide62.xml><?xml version="1.0" encoding="utf-8"?>
-<p:sld xmlns:a="http://schemas.openxmlformats.org/drawingml/2006/main" xmlns:r="http://schemas.openxmlformats.org/officeDocument/2006/relationships" xmlns:p="http://schemas.openxmlformats.org/presentationml/2006/main">
-  <p:cSld>
-    <p:spTree>
-      <p:nvGrpSpPr>
-        <p:cNvPr id="1" name=""/>
-        <p:cNvGrpSpPr/>
-        <p:nvPr/>
-      </p:nvGrpSpPr>
-      <p:grpSpPr>
-        <a:xfrm>
-          <a:off x="0" y="0"/>
-          <a:ext cx="0" cy="0"/>
-          <a:chOff x="0" y="0"/>
-          <a:chExt cx="0" cy="0"/>
-        </a:xfrm>
-      </p:grpSpPr>
-      <p:sp>
-        <p:nvSpPr>
-          <p:cNvPr id="4" name="TextBox 3">
-            <a:extLst>
-              <a:ext uri="{FF2B5EF4-FFF2-40B4-BE49-F238E27FC236}">
-                <a16:creationId xmlns:a16="http://schemas.microsoft.com/office/drawing/2014/main" id="{8BD2ED5A-5CA2-F84F-13E6-A2AC3854D891}"/>
-              </a:ext>
-            </a:extLst>
-          </p:cNvPr>
-          <p:cNvSpPr txBox="1"/>
-          <p:nvPr/>
-        </p:nvSpPr>
-        <p:spPr>
-          <a:xfrm>
-            <a:off x="762000" y="419100"/>
-            <a:ext cx="6248400" cy="830997"/>
-          </a:xfrm>
-          <a:prstGeom prst="rect">
-            <a:avLst/>
-          </a:prstGeom>
-          <a:noFill/>
-        </p:spPr>
-        <p:txBody>
-          <a:bodyPr wrap="square" rtlCol="0">
-            <a:spAutoFit/>
-          </a:bodyPr>
-          <a:lstStyle/>
-          <a:p>
-            <a:r>
-              <a:rPr lang="ko-KR" altLang="en-US" sz="4800">
-                <a:solidFill>
-                  <a:srgbClr val="4C50BC"/>
-                </a:solidFill>
-                <a:latin typeface="G마켓 산스 Medium" panose="02000000000000000000" pitchFamily="50" charset="-127"/>
-                <a:ea typeface="G마켓 산스 Medium" panose="02000000000000000000" pitchFamily="50" charset="-127"/>
-              </a:rPr>
-              <a:t>실습문제 풀이</a:t>
-            </a:r>
-            <a:r>
-              <a:rPr lang="en-US" altLang="ko-KR" sz="4800">
-                <a:solidFill>
-                  <a:srgbClr val="4C50BC"/>
-                </a:solidFill>
-                <a:latin typeface="G마켓 산스 Medium" panose="02000000000000000000" pitchFamily="50" charset="-127"/>
-                <a:ea typeface="G마켓 산스 Medium" panose="02000000000000000000" pitchFamily="50" charset="-127"/>
-              </a:rPr>
-              <a:t>2</a:t>
-            </a:r>
-            <a:endParaRPr lang="en-US" altLang="ko-KR" sz="4800" dirty="0">
-              <a:solidFill>
-                <a:srgbClr val="4C50BC"/>
-              </a:solidFill>
-              <a:latin typeface="G마켓 산스 Medium" panose="02000000000000000000" pitchFamily="50" charset="-127"/>
-              <a:ea typeface="G마켓 산스 Medium" panose="02000000000000000000" pitchFamily="50" charset="-127"/>
-            </a:endParaRPr>
-          </a:p>
-        </p:txBody>
-      </p:sp>
-      <p:sp>
-        <p:nvSpPr>
-          <p:cNvPr id="5" name="TextBox 4">
-            <a:extLst>
-              <a:ext uri="{FF2B5EF4-FFF2-40B4-BE49-F238E27FC236}">
-                <a16:creationId xmlns:a16="http://schemas.microsoft.com/office/drawing/2014/main" id="{2E843C5C-F5F0-B014-4B60-31604E120CA8}"/>
-              </a:ext>
-            </a:extLst>
-          </p:cNvPr>
-          <p:cNvSpPr txBox="1"/>
-          <p:nvPr/>
-        </p:nvSpPr>
-        <p:spPr>
-          <a:xfrm>
-            <a:off x="990600" y="1409700"/>
-            <a:ext cx="17145000" cy="1323439"/>
-          </a:xfrm>
-          <a:prstGeom prst="rect">
-            <a:avLst/>
-          </a:prstGeom>
-          <a:noFill/>
-        </p:spPr>
-        <p:txBody>
-          <a:bodyPr wrap="square" rtlCol="0">
-            <a:spAutoFit/>
-          </a:bodyPr>
-          <a:lstStyle/>
-          <a:p>
-            <a:r>
-              <a:rPr lang="en-US" altLang="ko-KR" sz="4000">
-                <a:solidFill>
-                  <a:schemeClr val="tx1">
-                    <a:lumMod val="50000"/>
-                    <a:lumOff val="50000"/>
-                  </a:schemeClr>
-                </a:solidFill>
-                <a:latin typeface="G마켓 산스 Medium" panose="02000000000000000000" pitchFamily="50" charset="-127"/>
-                <a:ea typeface="G마켓 산스 Medium" panose="02000000000000000000" pitchFamily="50" charset="-127"/>
-              </a:rPr>
-              <a:t>Math.Random </a:t>
-            </a:r>
-            <a:r>
-              <a:rPr lang="ko-KR" altLang="en-US" sz="4000">
-                <a:solidFill>
-                  <a:schemeClr val="tx1">
-                    <a:lumMod val="50000"/>
-                    <a:lumOff val="50000"/>
-                  </a:schemeClr>
-                </a:solidFill>
-                <a:latin typeface="G마켓 산스 Medium" panose="02000000000000000000" pitchFamily="50" charset="-127"/>
-                <a:ea typeface="G마켓 산스 Medium" panose="02000000000000000000" pitchFamily="50" charset="-127"/>
-              </a:rPr>
-              <a:t>함수는 </a:t>
-            </a:r>
-            <a:r>
-              <a:rPr lang="en-US" altLang="ko-KR" sz="4000">
-                <a:solidFill>
-                  <a:schemeClr val="tx1">
-                    <a:lumMod val="50000"/>
-                    <a:lumOff val="50000"/>
-                  </a:schemeClr>
-                </a:solidFill>
-                <a:latin typeface="G마켓 산스 Medium" panose="02000000000000000000" pitchFamily="50" charset="-127"/>
-                <a:ea typeface="G마켓 산스 Medium" panose="02000000000000000000" pitchFamily="50" charset="-127"/>
-              </a:rPr>
-              <a:t>0.0~0.9999… </a:t>
-            </a:r>
-            <a:r>
-              <a:rPr lang="ko-KR" altLang="en-US" sz="4000">
-                <a:solidFill>
-                  <a:schemeClr val="tx1">
-                    <a:lumMod val="50000"/>
-                    <a:lumOff val="50000"/>
-                  </a:schemeClr>
-                </a:solidFill>
-                <a:latin typeface="G마켓 산스 Medium" panose="02000000000000000000" pitchFamily="50" charset="-127"/>
-                <a:ea typeface="G마켓 산스 Medium" panose="02000000000000000000" pitchFamily="50" charset="-127"/>
-              </a:rPr>
-              <a:t>사이의 랜덤한수를 반환한다</a:t>
-            </a:r>
-            <a:r>
-              <a:rPr lang="en-US" altLang="ko-KR" sz="4000">
-                <a:solidFill>
-                  <a:schemeClr val="tx1">
-                    <a:lumMod val="50000"/>
-                    <a:lumOff val="50000"/>
-                  </a:schemeClr>
-                </a:solidFill>
-                <a:latin typeface="G마켓 산스 Medium" panose="02000000000000000000" pitchFamily="50" charset="-127"/>
-                <a:ea typeface="G마켓 산스 Medium" panose="02000000000000000000" pitchFamily="50" charset="-127"/>
-              </a:rPr>
-              <a:t>. </a:t>
-            </a:r>
-          </a:p>
-          <a:p>
-            <a:r>
-              <a:rPr lang="ko-KR" altLang="en-US" sz="4000">
-                <a:solidFill>
-                  <a:schemeClr val="tx1">
-                    <a:lumMod val="50000"/>
-                    <a:lumOff val="50000"/>
-                  </a:schemeClr>
-                </a:solidFill>
-                <a:latin typeface="G마켓 산스 Medium" panose="02000000000000000000" pitchFamily="50" charset="-127"/>
-                <a:ea typeface="G마켓 산스 Medium" panose="02000000000000000000" pitchFamily="50" charset="-127"/>
-              </a:rPr>
-              <a:t>따라서 </a:t>
-            </a:r>
-            <a:r>
-              <a:rPr lang="en-US" altLang="ko-KR" sz="4000">
-                <a:solidFill>
-                  <a:schemeClr val="tx1">
-                    <a:lumMod val="50000"/>
-                    <a:lumOff val="50000"/>
-                  </a:schemeClr>
-                </a:solidFill>
-                <a:latin typeface="G마켓 산스 Medium" panose="02000000000000000000" pitchFamily="50" charset="-127"/>
-                <a:ea typeface="G마켓 산스 Medium" panose="02000000000000000000" pitchFamily="50" charset="-127"/>
-              </a:rPr>
-              <a:t>Math.Random * 20</a:t>
-            </a:r>
-            <a:r>
-              <a:rPr lang="ko-KR" altLang="en-US" sz="4000">
-                <a:solidFill>
-                  <a:schemeClr val="tx1">
-                    <a:lumMod val="50000"/>
-                    <a:lumOff val="50000"/>
-                  </a:schemeClr>
-                </a:solidFill>
-                <a:latin typeface="G마켓 산스 Medium" panose="02000000000000000000" pitchFamily="50" charset="-127"/>
-                <a:ea typeface="G마켓 산스 Medium" panose="02000000000000000000" pitchFamily="50" charset="-127"/>
-              </a:rPr>
-              <a:t>을 하면 </a:t>
-            </a:r>
-            <a:r>
-              <a:rPr lang="en-US" altLang="ko-KR" sz="4000">
-                <a:solidFill>
-                  <a:schemeClr val="tx1">
-                    <a:lumMod val="50000"/>
-                    <a:lumOff val="50000"/>
-                  </a:schemeClr>
-                </a:solidFill>
-                <a:latin typeface="G마켓 산스 Medium" panose="02000000000000000000" pitchFamily="50" charset="-127"/>
-                <a:ea typeface="G마켓 산스 Medium" panose="02000000000000000000" pitchFamily="50" charset="-127"/>
-              </a:rPr>
-              <a:t>0~19 </a:t>
-            </a:r>
-            <a:r>
-              <a:rPr lang="ko-KR" altLang="en-US" sz="4000">
-                <a:solidFill>
-                  <a:schemeClr val="tx1">
-                    <a:lumMod val="50000"/>
-                    <a:lumOff val="50000"/>
-                  </a:schemeClr>
-                </a:solidFill>
-                <a:latin typeface="G마켓 산스 Medium" panose="02000000000000000000" pitchFamily="50" charset="-127"/>
-                <a:ea typeface="G마켓 산스 Medium" panose="02000000000000000000" pitchFamily="50" charset="-127"/>
-              </a:rPr>
-              <a:t>사이의 랜덤한 숫자가 나온다</a:t>
-            </a:r>
-            <a:r>
-              <a:rPr lang="en-US" altLang="ko-KR" sz="4000">
-                <a:solidFill>
-                  <a:schemeClr val="tx1">
-                    <a:lumMod val="50000"/>
-                    <a:lumOff val="50000"/>
-                  </a:schemeClr>
-                </a:solidFill>
-                <a:latin typeface="G마켓 산스 Medium" panose="02000000000000000000" pitchFamily="50" charset="-127"/>
-                <a:ea typeface="G마켓 산스 Medium" panose="02000000000000000000" pitchFamily="50" charset="-127"/>
-              </a:rPr>
-              <a:t>. </a:t>
-            </a:r>
-            <a:endParaRPr lang="en-US" altLang="ko-KR" sz="4000" dirty="0">
-              <a:solidFill>
-                <a:schemeClr val="tx1">
-                  <a:lumMod val="50000"/>
-                  <a:lumOff val="50000"/>
-                </a:schemeClr>
-              </a:solidFill>
-              <a:latin typeface="G마켓 산스 Medium" panose="02000000000000000000" pitchFamily="50" charset="-127"/>
-              <a:ea typeface="G마켓 산스 Medium" panose="02000000000000000000" pitchFamily="50" charset="-127"/>
-            </a:endParaRPr>
-          </a:p>
-        </p:txBody>
-      </p:sp>
-      <p:pic>
-        <p:nvPicPr>
-          <p:cNvPr id="6" name="그림 5"/>
-          <p:cNvPicPr>
-            <a:picLocks noChangeAspect="1"/>
-          </p:cNvPicPr>
-          <p:nvPr/>
-        </p:nvPicPr>
-        <p:blipFill>
-          <a:blip r:embed="rId2"/>
-          <a:stretch>
-            <a:fillRect/>
-          </a:stretch>
-        </p:blipFill>
-        <p:spPr>
-          <a:xfrm>
-            <a:off x="1219200" y="5676899"/>
-            <a:ext cx="9296400" cy="4358177"/>
-          </a:xfrm>
-          <a:prstGeom prst="rect">
-            <a:avLst/>
-          </a:prstGeom>
-        </p:spPr>
-      </p:pic>
-      <p:sp>
-        <p:nvSpPr>
-          <p:cNvPr id="7" name="TextBox 6">
-            <a:extLst>
-              <a:ext uri="{FF2B5EF4-FFF2-40B4-BE49-F238E27FC236}">
-                <a16:creationId xmlns:a16="http://schemas.microsoft.com/office/drawing/2014/main" id="{2E843C5C-F5F0-B014-4B60-31604E120CA8}"/>
-              </a:ext>
-            </a:extLst>
-          </p:cNvPr>
-          <p:cNvSpPr txBox="1"/>
-          <p:nvPr/>
-        </p:nvSpPr>
-        <p:spPr>
-          <a:xfrm>
-            <a:off x="1113692" y="4000500"/>
-            <a:ext cx="17145000" cy="1323439"/>
-          </a:xfrm>
-          <a:prstGeom prst="rect">
-            <a:avLst/>
-          </a:prstGeom>
-          <a:noFill/>
-        </p:spPr>
-        <p:txBody>
-          <a:bodyPr wrap="square" rtlCol="0">
-            <a:spAutoFit/>
-          </a:bodyPr>
-          <a:lstStyle/>
-          <a:p>
-            <a:r>
-              <a:rPr lang="en-US" altLang="ko-KR" sz="4000">
-                <a:solidFill>
-                  <a:schemeClr val="tx1">
-                    <a:lumMod val="50000"/>
-                    <a:lumOff val="50000"/>
-                  </a:schemeClr>
-                </a:solidFill>
-                <a:latin typeface="G마켓 산스 Medium" panose="02000000000000000000" pitchFamily="50" charset="-127"/>
-                <a:ea typeface="G마켓 산스 Medium" panose="02000000000000000000" pitchFamily="50" charset="-127"/>
-              </a:rPr>
-              <a:t>shuffle </a:t>
-            </a:r>
-            <a:r>
-              <a:rPr lang="ko-KR" altLang="en-US" sz="4000">
-                <a:solidFill>
-                  <a:schemeClr val="tx1">
-                    <a:lumMod val="50000"/>
-                    <a:lumOff val="50000"/>
-                  </a:schemeClr>
-                </a:solidFill>
-                <a:latin typeface="G마켓 산스 Medium" panose="02000000000000000000" pitchFamily="50" charset="-127"/>
-                <a:ea typeface="G마켓 산스 Medium" panose="02000000000000000000" pitchFamily="50" charset="-127"/>
-              </a:rPr>
-              <a:t>메서드 구현 </a:t>
-            </a:r>
-            <a:r>
-              <a:rPr lang="en-US" altLang="ko-KR" sz="4000">
-                <a:solidFill>
-                  <a:schemeClr val="tx1">
-                    <a:lumMod val="50000"/>
-                    <a:lumOff val="50000"/>
-                  </a:schemeClr>
-                </a:solidFill>
-                <a:latin typeface="G마켓 산스 Medium" panose="02000000000000000000" pitchFamily="50" charset="-127"/>
-                <a:ea typeface="G마켓 산스 Medium" panose="02000000000000000000" pitchFamily="50" charset="-127"/>
-              </a:rPr>
-              <a:t>: 0</a:t>
-            </a:r>
-            <a:r>
-              <a:rPr lang="ko-KR" altLang="en-US" sz="4000">
-                <a:solidFill>
-                  <a:schemeClr val="tx1">
-                    <a:lumMod val="50000"/>
-                    <a:lumOff val="50000"/>
-                  </a:schemeClr>
-                </a:solidFill>
-                <a:latin typeface="G마켓 산스 Medium" panose="02000000000000000000" pitchFamily="50" charset="-127"/>
-                <a:ea typeface="G마켓 산스 Medium" panose="02000000000000000000" pitchFamily="50" charset="-127"/>
-              </a:rPr>
-              <a:t>번째 부터 끝까지 순차적으로 랜덤한 위치의 카드와 서로 맞바꾸면서 카드의 순서를 뒤섞는다</a:t>
-            </a:r>
-            <a:r>
-              <a:rPr lang="en-US" altLang="ko-KR" sz="4000">
-                <a:solidFill>
-                  <a:schemeClr val="tx1">
-                    <a:lumMod val="50000"/>
-                    <a:lumOff val="50000"/>
-                  </a:schemeClr>
-                </a:solidFill>
-                <a:latin typeface="G마켓 산스 Medium" panose="02000000000000000000" pitchFamily="50" charset="-127"/>
-                <a:ea typeface="G마켓 산스 Medium" panose="02000000000000000000" pitchFamily="50" charset="-127"/>
-              </a:rPr>
-              <a:t>.</a:t>
-            </a:r>
-          </a:p>
-        </p:txBody>
-      </p:sp>
-    </p:spTree>
-    <p:extLst>
-      <p:ext uri="{BB962C8B-B14F-4D97-AF65-F5344CB8AC3E}">
-        <p14:creationId xmlns:p14="http://schemas.microsoft.com/office/powerpoint/2010/main" val="1436331947"/>
-      </p:ext>
-    </p:extLst>
-  </p:cSld>
-  <p:clrMapOvr>
-    <a:masterClrMapping/>
-  </p:clrMapOvr>
-</p:sld>
-</file>
-
-<file path=ppt/slides/slide63.xml><?xml version="1.0" encoding="utf-8"?>
-<p:sld xmlns:a="http://schemas.openxmlformats.org/drawingml/2006/main" xmlns:r="http://schemas.openxmlformats.org/officeDocument/2006/relationships" xmlns:p="http://schemas.openxmlformats.org/presentationml/2006/main">
-  <p:cSld>
-    <p:spTree>
-      <p:nvGrpSpPr>
-        <p:cNvPr id="1" name=""/>
-        <p:cNvGrpSpPr/>
-        <p:nvPr/>
-      </p:nvGrpSpPr>
-      <p:grpSpPr>
-        <a:xfrm>
-          <a:off x="0" y="0"/>
-          <a:ext cx="0" cy="0"/>
-          <a:chOff x="0" y="0"/>
-          <a:chExt cx="0" cy="0"/>
-        </a:xfrm>
-      </p:grpSpPr>
-      <p:sp>
-        <p:nvSpPr>
-          <p:cNvPr id="5" name="TextBox 4">
-            <a:extLst>
-              <a:ext uri="{FF2B5EF4-FFF2-40B4-BE49-F238E27FC236}">
-                <a16:creationId xmlns:a16="http://schemas.microsoft.com/office/drawing/2014/main" id="{8BD2ED5A-5CA2-F84F-13E6-A2AC3854D891}"/>
-              </a:ext>
-            </a:extLst>
-          </p:cNvPr>
-          <p:cNvSpPr txBox="1"/>
-          <p:nvPr/>
-        </p:nvSpPr>
-        <p:spPr>
-          <a:xfrm>
-            <a:off x="762000" y="419100"/>
-            <a:ext cx="6248400" cy="830997"/>
-          </a:xfrm>
-          <a:prstGeom prst="rect">
-            <a:avLst/>
-          </a:prstGeom>
-          <a:noFill/>
-        </p:spPr>
-        <p:txBody>
-          <a:bodyPr wrap="square" rtlCol="0">
-            <a:spAutoFit/>
-          </a:bodyPr>
-          <a:lstStyle/>
-          <a:p>
-            <a:r>
-              <a:rPr lang="ko-KR" altLang="en-US" sz="4800">
-                <a:solidFill>
-                  <a:srgbClr val="4C50BC"/>
-                </a:solidFill>
-                <a:latin typeface="G마켓 산스 Medium" panose="02000000000000000000" pitchFamily="50" charset="-127"/>
-                <a:ea typeface="G마켓 산스 Medium" panose="02000000000000000000" pitchFamily="50" charset="-127"/>
-              </a:rPr>
-              <a:t>실습문제 풀이</a:t>
-            </a:r>
-            <a:r>
-              <a:rPr lang="en-US" altLang="ko-KR" sz="4800">
-                <a:solidFill>
-                  <a:srgbClr val="4C50BC"/>
-                </a:solidFill>
-                <a:latin typeface="G마켓 산스 Medium" panose="02000000000000000000" pitchFamily="50" charset="-127"/>
-                <a:ea typeface="G마켓 산스 Medium" panose="02000000000000000000" pitchFamily="50" charset="-127"/>
-              </a:rPr>
-              <a:t>2</a:t>
-            </a:r>
-            <a:endParaRPr lang="en-US" altLang="ko-KR" sz="4800" dirty="0">
-              <a:solidFill>
-                <a:srgbClr val="4C50BC"/>
-              </a:solidFill>
-              <a:latin typeface="G마켓 산스 Medium" panose="02000000000000000000" pitchFamily="50" charset="-127"/>
-              <a:ea typeface="G마켓 산스 Medium" panose="02000000000000000000" pitchFamily="50" charset="-127"/>
-            </a:endParaRPr>
-          </a:p>
-        </p:txBody>
-      </p:sp>
-      <p:sp>
-        <p:nvSpPr>
-          <p:cNvPr id="6" name="TextBox 5">
-            <a:extLst>
-              <a:ext uri="{FF2B5EF4-FFF2-40B4-BE49-F238E27FC236}">
-                <a16:creationId xmlns:a16="http://schemas.microsoft.com/office/drawing/2014/main" id="{2E843C5C-F5F0-B014-4B60-31604E120CA8}"/>
-              </a:ext>
-            </a:extLst>
-          </p:cNvPr>
-          <p:cNvSpPr txBox="1"/>
-          <p:nvPr/>
-        </p:nvSpPr>
-        <p:spPr>
-          <a:xfrm>
-            <a:off x="990600" y="1409700"/>
-            <a:ext cx="17145000" cy="1938992"/>
-          </a:xfrm>
-          <a:prstGeom prst="rect">
-            <a:avLst/>
-          </a:prstGeom>
-          <a:noFill/>
-        </p:spPr>
-        <p:txBody>
-          <a:bodyPr wrap="square" rtlCol="0">
-            <a:spAutoFit/>
-          </a:bodyPr>
-          <a:lstStyle/>
-          <a:p>
-            <a:r>
-              <a:rPr lang="ko-KR" altLang="en-US" sz="4000">
-                <a:solidFill>
-                  <a:schemeClr val="tx1">
-                    <a:lumMod val="50000"/>
-                    <a:lumOff val="50000"/>
-                  </a:schemeClr>
-                </a:solidFill>
-                <a:latin typeface="G마켓 산스 Medium" panose="02000000000000000000" pitchFamily="50" charset="-127"/>
-                <a:ea typeface="G마켓 산스 Medium" panose="02000000000000000000" pitchFamily="50" charset="-127"/>
-              </a:rPr>
-              <a:t>매개변수가 있는 </a:t>
-            </a:r>
-            <a:r>
-              <a:rPr lang="en-US" altLang="ko-KR" sz="4000">
-                <a:solidFill>
-                  <a:schemeClr val="tx1">
-                    <a:lumMod val="50000"/>
-                    <a:lumOff val="50000"/>
-                  </a:schemeClr>
-                </a:solidFill>
-                <a:latin typeface="G마켓 산스 Medium" panose="02000000000000000000" pitchFamily="50" charset="-127"/>
-                <a:ea typeface="G마켓 산스 Medium" panose="02000000000000000000" pitchFamily="50" charset="-127"/>
-              </a:rPr>
-              <a:t>pick </a:t>
-            </a:r>
-            <a:r>
-              <a:rPr lang="ko-KR" altLang="en-US" sz="4000">
-                <a:solidFill>
-                  <a:schemeClr val="tx1">
-                    <a:lumMod val="50000"/>
-                    <a:lumOff val="50000"/>
-                  </a:schemeClr>
-                </a:solidFill>
-                <a:latin typeface="G마켓 산스 Medium" panose="02000000000000000000" pitchFamily="50" charset="-127"/>
-                <a:ea typeface="G마켓 산스 Medium" panose="02000000000000000000" pitchFamily="50" charset="-127"/>
-              </a:rPr>
-              <a:t>구현 </a:t>
-            </a:r>
-            <a:r>
-              <a:rPr lang="en-US" altLang="ko-KR" sz="4000">
-                <a:solidFill>
-                  <a:schemeClr val="tx1">
-                    <a:lumMod val="50000"/>
-                    <a:lumOff val="50000"/>
-                  </a:schemeClr>
-                </a:solidFill>
-                <a:latin typeface="G마켓 산스 Medium" panose="02000000000000000000" pitchFamily="50" charset="-127"/>
-                <a:ea typeface="G마켓 산스 Medium" panose="02000000000000000000" pitchFamily="50" charset="-127"/>
-              </a:rPr>
-              <a:t>: </a:t>
-            </a:r>
-            <a:r>
-              <a:rPr lang="ko-KR" altLang="en-US" sz="4000">
-                <a:solidFill>
-                  <a:schemeClr val="tx1">
-                    <a:lumMod val="50000"/>
-                    <a:lumOff val="50000"/>
-                  </a:schemeClr>
-                </a:solidFill>
-                <a:latin typeface="G마켓 산스 Medium" panose="02000000000000000000" pitchFamily="50" charset="-127"/>
-                <a:ea typeface="G마켓 산스 Medium" panose="02000000000000000000" pitchFamily="50" charset="-127"/>
-              </a:rPr>
-              <a:t>매개변수에 해당하는 위치의 카드를 반환한다</a:t>
-            </a:r>
-            <a:r>
-              <a:rPr lang="en-US" altLang="ko-KR" sz="4000">
-                <a:solidFill>
-                  <a:schemeClr val="tx1">
-                    <a:lumMod val="50000"/>
-                    <a:lumOff val="50000"/>
-                  </a:schemeClr>
-                </a:solidFill>
-                <a:latin typeface="G마켓 산스 Medium" panose="02000000000000000000" pitchFamily="50" charset="-127"/>
-                <a:ea typeface="G마켓 산스 Medium" panose="02000000000000000000" pitchFamily="50" charset="-127"/>
-              </a:rPr>
-              <a:t>.</a:t>
-            </a:r>
-          </a:p>
-          <a:p>
-            <a:r>
-              <a:rPr lang="en-US" altLang="ko-KR" sz="4000">
-                <a:solidFill>
-                  <a:schemeClr val="tx1">
-                    <a:lumMod val="50000"/>
-                    <a:lumOff val="50000"/>
-                  </a:schemeClr>
-                </a:solidFill>
-                <a:latin typeface="G마켓 산스 Medium" panose="02000000000000000000" pitchFamily="50" charset="-127"/>
-                <a:ea typeface="G마켓 산스 Medium" panose="02000000000000000000" pitchFamily="50" charset="-127"/>
-              </a:rPr>
-              <a:t>index</a:t>
-            </a:r>
-            <a:r>
-              <a:rPr lang="ko-KR" altLang="en-US" sz="4000">
-                <a:solidFill>
-                  <a:schemeClr val="tx1">
-                    <a:lumMod val="50000"/>
-                    <a:lumOff val="50000"/>
-                  </a:schemeClr>
-                </a:solidFill>
-                <a:latin typeface="G마켓 산스 Medium" panose="02000000000000000000" pitchFamily="50" charset="-127"/>
-                <a:ea typeface="G마켓 산스 Medium" panose="02000000000000000000" pitchFamily="50" charset="-127"/>
-              </a:rPr>
-              <a:t>가 음수이거나 가진 카드의 숫자보다 클경우 </a:t>
-            </a:r>
-            <a:r>
-              <a:rPr lang="en-US" altLang="ko-KR" sz="4000">
-                <a:solidFill>
-                  <a:schemeClr val="tx1">
-                    <a:lumMod val="50000"/>
-                    <a:lumOff val="50000"/>
-                  </a:schemeClr>
-                </a:solidFill>
-                <a:latin typeface="G마켓 산스 Medium" panose="02000000000000000000" pitchFamily="50" charset="-127"/>
-                <a:ea typeface="G마켓 산스 Medium" panose="02000000000000000000" pitchFamily="50" charset="-127"/>
-              </a:rPr>
-              <a:t>null</a:t>
-            </a:r>
-            <a:r>
-              <a:rPr lang="ko-KR" altLang="en-US" sz="4000">
-                <a:solidFill>
-                  <a:schemeClr val="tx1">
-                    <a:lumMod val="50000"/>
-                    <a:lumOff val="50000"/>
-                  </a:schemeClr>
-                </a:solidFill>
-                <a:latin typeface="G마켓 산스 Medium" panose="02000000000000000000" pitchFamily="50" charset="-127"/>
-                <a:ea typeface="G마켓 산스 Medium" panose="02000000000000000000" pitchFamily="50" charset="-127"/>
-              </a:rPr>
-              <a:t>을 돌려주는 필터링을 한다</a:t>
-            </a:r>
-            <a:r>
-              <a:rPr lang="en-US" altLang="ko-KR" sz="4000">
-                <a:solidFill>
-                  <a:schemeClr val="tx1">
-                    <a:lumMod val="50000"/>
-                    <a:lumOff val="50000"/>
-                  </a:schemeClr>
-                </a:solidFill>
-                <a:latin typeface="G마켓 산스 Medium" panose="02000000000000000000" pitchFamily="50" charset="-127"/>
-                <a:ea typeface="G마켓 산스 Medium" panose="02000000000000000000" pitchFamily="50" charset="-127"/>
-              </a:rPr>
-              <a:t>.</a:t>
-            </a:r>
-            <a:endParaRPr lang="en-US" altLang="ko-KR" sz="4000" dirty="0">
-              <a:solidFill>
-                <a:schemeClr val="tx1">
-                  <a:lumMod val="50000"/>
-                  <a:lumOff val="50000"/>
-                </a:schemeClr>
-              </a:solidFill>
-              <a:latin typeface="G마켓 산스 Medium" panose="02000000000000000000" pitchFamily="50" charset="-127"/>
-              <a:ea typeface="G마켓 산스 Medium" panose="02000000000000000000" pitchFamily="50" charset="-127"/>
-            </a:endParaRPr>
-          </a:p>
-        </p:txBody>
-      </p:sp>
-      <p:pic>
-        <p:nvPicPr>
-          <p:cNvPr id="8" name="그림 7"/>
-          <p:cNvPicPr>
-            <a:picLocks noChangeAspect="1"/>
-          </p:cNvPicPr>
-          <p:nvPr/>
-        </p:nvPicPr>
-        <p:blipFill>
-          <a:blip r:embed="rId2"/>
-          <a:stretch>
-            <a:fillRect/>
-          </a:stretch>
-        </p:blipFill>
-        <p:spPr>
-          <a:xfrm>
-            <a:off x="990600" y="3240167"/>
-            <a:ext cx="9973168" cy="2657475"/>
-          </a:xfrm>
-          <a:prstGeom prst="rect">
-            <a:avLst/>
-          </a:prstGeom>
-        </p:spPr>
-      </p:pic>
-      <p:sp>
-        <p:nvSpPr>
-          <p:cNvPr id="9" name="TextBox 8">
-            <a:extLst>
-              <a:ext uri="{FF2B5EF4-FFF2-40B4-BE49-F238E27FC236}">
-                <a16:creationId xmlns:a16="http://schemas.microsoft.com/office/drawing/2014/main" id="{2E843C5C-F5F0-B014-4B60-31604E120CA8}"/>
-              </a:ext>
-            </a:extLst>
-          </p:cNvPr>
-          <p:cNvSpPr txBox="1"/>
-          <p:nvPr/>
-        </p:nvSpPr>
-        <p:spPr>
-          <a:xfrm>
-            <a:off x="914400" y="6080820"/>
-            <a:ext cx="17145000" cy="1323439"/>
-          </a:xfrm>
-          <a:prstGeom prst="rect">
-            <a:avLst/>
-          </a:prstGeom>
-          <a:noFill/>
-        </p:spPr>
-        <p:txBody>
-          <a:bodyPr wrap="square" rtlCol="0">
-            <a:spAutoFit/>
-          </a:bodyPr>
-          <a:lstStyle/>
-          <a:p>
-            <a:r>
-              <a:rPr lang="ko-KR" altLang="en-US" sz="4000">
-                <a:solidFill>
-                  <a:schemeClr val="tx1">
-                    <a:lumMod val="50000"/>
-                    <a:lumOff val="50000"/>
-                  </a:schemeClr>
-                </a:solidFill>
-                <a:latin typeface="G마켓 산스 Medium" panose="02000000000000000000" pitchFamily="50" charset="-127"/>
-                <a:ea typeface="G마켓 산스 Medium" panose="02000000000000000000" pitchFamily="50" charset="-127"/>
-              </a:rPr>
-              <a:t>매개변수 없는 </a:t>
-            </a:r>
-            <a:r>
-              <a:rPr lang="en-US" altLang="ko-KR" sz="4000">
-                <a:solidFill>
-                  <a:schemeClr val="tx1">
-                    <a:lumMod val="50000"/>
-                    <a:lumOff val="50000"/>
-                  </a:schemeClr>
-                </a:solidFill>
-                <a:latin typeface="G마켓 산스 Medium" panose="02000000000000000000" pitchFamily="50" charset="-127"/>
-                <a:ea typeface="G마켓 산스 Medium" panose="02000000000000000000" pitchFamily="50" charset="-127"/>
-              </a:rPr>
-              <a:t>pick </a:t>
-            </a:r>
-            <a:r>
-              <a:rPr lang="ko-KR" altLang="en-US" sz="4000">
-                <a:solidFill>
-                  <a:schemeClr val="tx1">
-                    <a:lumMod val="50000"/>
-                    <a:lumOff val="50000"/>
-                  </a:schemeClr>
-                </a:solidFill>
-                <a:latin typeface="G마켓 산스 Medium" panose="02000000000000000000" pitchFamily="50" charset="-127"/>
-                <a:ea typeface="G마켓 산스 Medium" panose="02000000000000000000" pitchFamily="50" charset="-127"/>
-              </a:rPr>
-              <a:t>구현 </a:t>
-            </a:r>
-            <a:r>
-              <a:rPr lang="en-US" altLang="ko-KR" sz="4000">
-                <a:solidFill>
-                  <a:schemeClr val="tx1">
-                    <a:lumMod val="50000"/>
-                    <a:lumOff val="50000"/>
-                  </a:schemeClr>
-                </a:solidFill>
-                <a:latin typeface="G마켓 산스 Medium" panose="02000000000000000000" pitchFamily="50" charset="-127"/>
-                <a:ea typeface="G마켓 산스 Medium" panose="02000000000000000000" pitchFamily="50" charset="-127"/>
-              </a:rPr>
-              <a:t>: </a:t>
-            </a:r>
-            <a:r>
-              <a:rPr lang="ko-KR" altLang="en-US" sz="4000">
-                <a:solidFill>
-                  <a:schemeClr val="tx1">
-                    <a:lumMod val="50000"/>
-                    <a:lumOff val="50000"/>
-                  </a:schemeClr>
-                </a:solidFill>
-                <a:latin typeface="G마켓 산스 Medium" panose="02000000000000000000" pitchFamily="50" charset="-127"/>
-                <a:ea typeface="G마켓 산스 Medium" panose="02000000000000000000" pitchFamily="50" charset="-127"/>
-              </a:rPr>
-              <a:t>랜덤한 위치의 카드를 반환한다</a:t>
-            </a:r>
-            <a:r>
-              <a:rPr lang="en-US" altLang="ko-KR" sz="4000">
-                <a:solidFill>
-                  <a:schemeClr val="tx1">
-                    <a:lumMod val="50000"/>
-                    <a:lumOff val="50000"/>
-                  </a:schemeClr>
-                </a:solidFill>
-                <a:latin typeface="G마켓 산스 Medium" panose="02000000000000000000" pitchFamily="50" charset="-127"/>
-                <a:ea typeface="G마켓 산스 Medium" panose="02000000000000000000" pitchFamily="50" charset="-127"/>
-              </a:rPr>
-              <a:t>. </a:t>
-            </a:r>
-            <a:r>
-              <a:rPr lang="ko-KR" altLang="en-US" sz="4000">
-                <a:solidFill>
-                  <a:schemeClr val="tx1">
-                    <a:lumMod val="50000"/>
-                    <a:lumOff val="50000"/>
-                  </a:schemeClr>
-                </a:solidFill>
-                <a:latin typeface="G마켓 산스 Medium" panose="02000000000000000000" pitchFamily="50" charset="-127"/>
-                <a:ea typeface="G마켓 산스 Medium" panose="02000000000000000000" pitchFamily="50" charset="-127"/>
-              </a:rPr>
-              <a:t>이때 기존에 만들어둔 </a:t>
-            </a:r>
-            <a:r>
-              <a:rPr lang="en-US" altLang="ko-KR" sz="4000">
-                <a:solidFill>
-                  <a:schemeClr val="tx1">
-                    <a:lumMod val="50000"/>
-                    <a:lumOff val="50000"/>
-                  </a:schemeClr>
-                </a:solidFill>
-                <a:latin typeface="G마켓 산스 Medium" panose="02000000000000000000" pitchFamily="50" charset="-127"/>
-                <a:ea typeface="G마켓 산스 Medium" panose="02000000000000000000" pitchFamily="50" charset="-127"/>
-              </a:rPr>
-              <a:t>pick </a:t>
-            </a:r>
-            <a:r>
-              <a:rPr lang="ko-KR" altLang="en-US" sz="4000">
-                <a:solidFill>
-                  <a:schemeClr val="tx1">
-                    <a:lumMod val="50000"/>
-                    <a:lumOff val="50000"/>
-                  </a:schemeClr>
-                </a:solidFill>
-                <a:latin typeface="G마켓 산스 Medium" panose="02000000000000000000" pitchFamily="50" charset="-127"/>
-                <a:ea typeface="G마켓 산스 Medium" panose="02000000000000000000" pitchFamily="50" charset="-127"/>
-              </a:rPr>
-              <a:t>메서드를 활용하고 있다</a:t>
-            </a:r>
-            <a:r>
-              <a:rPr lang="en-US" altLang="ko-KR" sz="4000">
-                <a:solidFill>
-                  <a:schemeClr val="tx1">
-                    <a:lumMod val="50000"/>
-                    <a:lumOff val="50000"/>
-                  </a:schemeClr>
-                </a:solidFill>
-                <a:latin typeface="G마켓 산스 Medium" panose="02000000000000000000" pitchFamily="50" charset="-127"/>
-                <a:ea typeface="G마켓 산스 Medium" panose="02000000000000000000" pitchFamily="50" charset="-127"/>
-              </a:rPr>
-              <a:t>.</a:t>
-            </a:r>
-          </a:p>
-        </p:txBody>
-      </p:sp>
-      <p:pic>
-        <p:nvPicPr>
-          <p:cNvPr id="10" name="그림 9"/>
-          <p:cNvPicPr>
-            <a:picLocks noChangeAspect="1"/>
-          </p:cNvPicPr>
-          <p:nvPr/>
-        </p:nvPicPr>
-        <p:blipFill>
-          <a:blip r:embed="rId3"/>
-          <a:stretch>
-            <a:fillRect/>
-          </a:stretch>
-        </p:blipFill>
-        <p:spPr>
-          <a:xfrm>
-            <a:off x="912055" y="7423277"/>
-            <a:ext cx="11992172" cy="2831485"/>
-          </a:xfrm>
-          <a:prstGeom prst="rect">
-            <a:avLst/>
-          </a:prstGeom>
-        </p:spPr>
-      </p:pic>
-    </p:spTree>
-    <p:extLst>
-      <p:ext uri="{BB962C8B-B14F-4D97-AF65-F5344CB8AC3E}">
-        <p14:creationId xmlns:p14="http://schemas.microsoft.com/office/powerpoint/2010/main" val="3822842437"/>
-      </p:ext>
-    </p:extLst>
-  </p:cSld>
-  <p:clrMapOvr>
-    <a:masterClrMapping/>
-  </p:clrMapOvr>
-</p:sld>
-</file>
-
-<file path=ppt/slides/slide64.xml><?xml version="1.0" encoding="utf-8"?>
 <p:sld xmlns:a="http://schemas.openxmlformats.org/drawingml/2006/main" xmlns:r="http://schemas.openxmlformats.org/officeDocument/2006/relationships" xmlns:p="http://schemas.openxmlformats.org/presentationml/2006/main">
   <p:cSld name="Slide 20">
     <p:bg>
@@ -32375,7 +31630,7 @@
           <p:cNvPr id="2" name="TextBox 1">
             <a:extLst>
               <a:ext uri="{FF2B5EF4-FFF2-40B4-BE49-F238E27FC236}">
-                <a16:creationId xmlns:a16="http://schemas.microsoft.com/office/drawing/2014/main" id="{715D88A2-BD52-978B-A00A-540446126E3D}"/>
+                <a16:creationId xmlns:a16="http://schemas.microsoft.com/office/drawing/2014/main" xmlns="" id="{715D88A2-BD52-978B-A00A-540446126E3D}"/>
               </a:ext>
             </a:extLst>
           </p:cNvPr>
@@ -32423,6 +31678,13 @@
   <p:clrMapOvr>
     <a:masterClrMapping/>
   </p:clrMapOvr>
+  <p:timing>
+    <p:tnLst>
+      <p:par>
+        <p:cTn id="1" dur="indefinite" restart="never" nodeType="tmRoot"/>
+      </p:par>
+    </p:tnLst>
+  </p:timing>
 </p:sld>
 </file>
 
@@ -32544,7 +31806,7 @@
           <p:cNvPr id="8" name="TextBox 7">
             <a:extLst>
               <a:ext uri="{FF2B5EF4-FFF2-40B4-BE49-F238E27FC236}">
-                <a16:creationId xmlns:a16="http://schemas.microsoft.com/office/drawing/2014/main" id="{C6D113C6-EA5C-788F-0C77-E7CE6EBB865F}"/>
+                <a16:creationId xmlns:a16="http://schemas.microsoft.com/office/drawing/2014/main" xmlns="" id="{C6D113C6-EA5C-788F-0C77-E7CE6EBB865F}"/>
               </a:ext>
             </a:extLst>
           </p:cNvPr>
@@ -32813,7 +32075,7 @@
           <p:cNvPr id="6" name="TextBox 5">
             <a:extLst>
               <a:ext uri="{FF2B5EF4-FFF2-40B4-BE49-F238E27FC236}">
-                <a16:creationId xmlns:a16="http://schemas.microsoft.com/office/drawing/2014/main" id="{C6D113C6-EA5C-788F-0C77-E7CE6EBB865F}"/>
+                <a16:creationId xmlns:a16="http://schemas.microsoft.com/office/drawing/2014/main" xmlns="" id="{C6D113C6-EA5C-788F-0C77-E7CE6EBB865F}"/>
               </a:ext>
             </a:extLst>
           </p:cNvPr>
@@ -32942,7 +32204,7 @@
                 <a:gridCol w="2730951">
                   <a:extLst>
                     <a:ext uri="{9D8B030D-6E8A-4147-A177-3AD203B41FA5}">
-                      <a16:colId xmlns:a16="http://schemas.microsoft.com/office/drawing/2014/main" val="20000"/>
+                      <a16:colId xmlns:a16="http://schemas.microsoft.com/office/drawing/2014/main" xmlns="" val="20000"/>
                     </a:ext>
                   </a:extLst>
                 </a:gridCol>
@@ -33015,7 +32277,7 @@
                 </a:tc>
                 <a:extLst>
                   <a:ext uri="{0D108BD9-81ED-4DB2-BD59-A6C34878D82A}">
-                    <a16:rowId xmlns:a16="http://schemas.microsoft.com/office/drawing/2014/main" val="10000"/>
+                    <a16:rowId xmlns:a16="http://schemas.microsoft.com/office/drawing/2014/main" xmlns="" val="10000"/>
                   </a:ext>
                 </a:extLst>
               </a:tr>
@@ -33095,7 +32357,7 @@
                 </a:tc>
                 <a:extLst>
                   <a:ext uri="{0D108BD9-81ED-4DB2-BD59-A6C34878D82A}">
-                    <a16:rowId xmlns:a16="http://schemas.microsoft.com/office/drawing/2014/main" val="10001"/>
+                    <a16:rowId xmlns:a16="http://schemas.microsoft.com/office/drawing/2014/main" xmlns="" val="10001"/>
                   </a:ext>
                 </a:extLst>
               </a:tr>
@@ -33159,7 +32421,7 @@
                 </a:tc>
                 <a:extLst>
                   <a:ext uri="{0D108BD9-81ED-4DB2-BD59-A6C34878D82A}">
-                    <a16:rowId xmlns:a16="http://schemas.microsoft.com/office/drawing/2014/main" val="10002"/>
+                    <a16:rowId xmlns:a16="http://schemas.microsoft.com/office/drawing/2014/main" xmlns="" val="10002"/>
                   </a:ext>
                 </a:extLst>
               </a:tr>
@@ -33195,7 +32457,7 @@
                 <a:gridCol w="2730951">
                   <a:extLst>
                     <a:ext uri="{9D8B030D-6E8A-4147-A177-3AD203B41FA5}">
-                      <a16:colId xmlns:a16="http://schemas.microsoft.com/office/drawing/2014/main" val="20000"/>
+                      <a16:colId xmlns:a16="http://schemas.microsoft.com/office/drawing/2014/main" xmlns="" val="20000"/>
                     </a:ext>
                   </a:extLst>
                 </a:gridCol>
@@ -33268,7 +32530,7 @@
                 </a:tc>
                 <a:extLst>
                   <a:ext uri="{0D108BD9-81ED-4DB2-BD59-A6C34878D82A}">
-                    <a16:rowId xmlns:a16="http://schemas.microsoft.com/office/drawing/2014/main" val="10000"/>
+                    <a16:rowId xmlns:a16="http://schemas.microsoft.com/office/drawing/2014/main" xmlns="" val="10000"/>
                   </a:ext>
                 </a:extLst>
               </a:tr>
@@ -33348,7 +32610,7 @@
                 </a:tc>
                 <a:extLst>
                   <a:ext uri="{0D108BD9-81ED-4DB2-BD59-A6C34878D82A}">
-                    <a16:rowId xmlns:a16="http://schemas.microsoft.com/office/drawing/2014/main" val="10001"/>
+                    <a16:rowId xmlns:a16="http://schemas.microsoft.com/office/drawing/2014/main" xmlns="" val="10001"/>
                   </a:ext>
                 </a:extLst>
               </a:tr>
@@ -33412,7 +32674,7 @@
                 </a:tc>
                 <a:extLst>
                   <a:ext uri="{0D108BD9-81ED-4DB2-BD59-A6C34878D82A}">
-                    <a16:rowId xmlns:a16="http://schemas.microsoft.com/office/drawing/2014/main" val="10002"/>
+                    <a16:rowId xmlns:a16="http://schemas.microsoft.com/office/drawing/2014/main" xmlns="" val="10002"/>
                   </a:ext>
                 </a:extLst>
               </a:tr>
@@ -33425,7 +32687,7 @@
           <p:cNvPr id="14" name="그룹 1008">
             <a:extLst>
               <a:ext uri="{FF2B5EF4-FFF2-40B4-BE49-F238E27FC236}">
-                <a16:creationId xmlns:a16="http://schemas.microsoft.com/office/drawing/2014/main" id="{678F6342-C505-E8AD-ADA4-022CB2C2088E}"/>
+                <a16:creationId xmlns:a16="http://schemas.microsoft.com/office/drawing/2014/main" xmlns="" id="{678F6342-C505-E8AD-ADA4-022CB2C2088E}"/>
               </a:ext>
             </a:extLst>
           </p:cNvPr>
@@ -33445,7 +32707,7 @@
             <p:cNvPr id="15" name="그룹 1009">
               <a:extLst>
                 <a:ext uri="{FF2B5EF4-FFF2-40B4-BE49-F238E27FC236}">
-                  <a16:creationId xmlns:a16="http://schemas.microsoft.com/office/drawing/2014/main" id="{4E1F1FED-812B-9BBB-925A-84B54A077414}"/>
+                  <a16:creationId xmlns:a16="http://schemas.microsoft.com/office/drawing/2014/main" xmlns="" id="{4E1F1FED-812B-9BBB-925A-84B54A077414}"/>
                 </a:ext>
               </a:extLst>
             </p:cNvPr>
@@ -33465,7 +32727,7 @@
               <p:cNvPr id="20" name="Object 29">
                 <a:extLst>
                   <a:ext uri="{FF2B5EF4-FFF2-40B4-BE49-F238E27FC236}">
-                    <a16:creationId xmlns:a16="http://schemas.microsoft.com/office/drawing/2014/main" id="{7B078609-4286-7B00-51EB-809C8E2DE289}"/>
+                    <a16:creationId xmlns:a16="http://schemas.microsoft.com/office/drawing/2014/main" xmlns="" id="{7B078609-4286-7B00-51EB-809C8E2DE289}"/>
                   </a:ext>
                 </a:extLst>
               </p:cNvPr>
@@ -33496,7 +32758,7 @@
             <p:cNvPr id="16" name="그룹 1010">
               <a:extLst>
                 <a:ext uri="{FF2B5EF4-FFF2-40B4-BE49-F238E27FC236}">
-                  <a16:creationId xmlns:a16="http://schemas.microsoft.com/office/drawing/2014/main" id="{02A649BF-B5B5-FBAF-7DFD-E118A4DF8907}"/>
+                  <a16:creationId xmlns:a16="http://schemas.microsoft.com/office/drawing/2014/main" xmlns="" id="{02A649BF-B5B5-FBAF-7DFD-E118A4DF8907}"/>
                 </a:ext>
               </a:extLst>
             </p:cNvPr>
@@ -33516,7 +32778,7 @@
               <p:cNvPr id="19" name="Object 32">
                 <a:extLst>
                   <a:ext uri="{FF2B5EF4-FFF2-40B4-BE49-F238E27FC236}">
-                    <a16:creationId xmlns:a16="http://schemas.microsoft.com/office/drawing/2014/main" id="{2A0FFF23-B3C9-3EA0-1C1B-A87D4FF098AE}"/>
+                    <a16:creationId xmlns:a16="http://schemas.microsoft.com/office/drawing/2014/main" xmlns="" id="{2A0FFF23-B3C9-3EA0-1C1B-A87D4FF098AE}"/>
                   </a:ext>
                 </a:extLst>
               </p:cNvPr>
@@ -33547,7 +32809,7 @@
             <p:cNvPr id="17" name="그룹 1011">
               <a:extLst>
                 <a:ext uri="{FF2B5EF4-FFF2-40B4-BE49-F238E27FC236}">
-                  <a16:creationId xmlns:a16="http://schemas.microsoft.com/office/drawing/2014/main" id="{881F5410-F7FB-F261-A584-707359BAC593}"/>
+                  <a16:creationId xmlns:a16="http://schemas.microsoft.com/office/drawing/2014/main" xmlns="" id="{881F5410-F7FB-F261-A584-707359BAC593}"/>
                 </a:ext>
               </a:extLst>
             </p:cNvPr>
@@ -33567,7 +32829,7 @@
               <p:cNvPr id="18" name="Object 35">
                 <a:extLst>
                   <a:ext uri="{FF2B5EF4-FFF2-40B4-BE49-F238E27FC236}">
-                    <a16:creationId xmlns:a16="http://schemas.microsoft.com/office/drawing/2014/main" id="{4E99E669-73EB-F9F4-EFE8-DC107035C265}"/>
+                    <a16:creationId xmlns:a16="http://schemas.microsoft.com/office/drawing/2014/main" xmlns="" id="{4E99E669-73EB-F9F4-EFE8-DC107035C265}"/>
                   </a:ext>
                 </a:extLst>
               </p:cNvPr>
@@ -33599,7 +32861,7 @@
           <p:cNvPr id="2" name="직사각형 1">
             <a:extLst>
               <a:ext uri="{FF2B5EF4-FFF2-40B4-BE49-F238E27FC236}">
-                <a16:creationId xmlns:a16="http://schemas.microsoft.com/office/drawing/2014/main" id="{4A6D4F7D-58A0-50D3-DF8A-A1C179BFF89D}"/>
+                <a16:creationId xmlns:a16="http://schemas.microsoft.com/office/drawing/2014/main" xmlns="" id="{4A6D4F7D-58A0-50D3-DF8A-A1C179BFF89D}"/>
               </a:ext>
             </a:extLst>
           </p:cNvPr>
@@ -33975,7 +33237,7 @@
           <p:cNvPr id="9" name="직사각형 8">
             <a:extLst>
               <a:ext uri="{FF2B5EF4-FFF2-40B4-BE49-F238E27FC236}">
-                <a16:creationId xmlns:a16="http://schemas.microsoft.com/office/drawing/2014/main" id="{FFF506F9-840A-0508-4CAF-3AC711D8D5CE}"/>
+                <a16:creationId xmlns:a16="http://schemas.microsoft.com/office/drawing/2014/main" xmlns="" id="{FFF506F9-840A-0508-4CAF-3AC711D8D5CE}"/>
               </a:ext>
             </a:extLst>
           </p:cNvPr>
@@ -34027,7 +33289,7 @@
           <p:cNvPr id="10" name="직선 화살표 연결선 9">
             <a:extLst>
               <a:ext uri="{FF2B5EF4-FFF2-40B4-BE49-F238E27FC236}">
-                <a16:creationId xmlns:a16="http://schemas.microsoft.com/office/drawing/2014/main" id="{299DF5EC-9DF4-5255-06AC-0A7CE4FF58C3}"/>
+                <a16:creationId xmlns:a16="http://schemas.microsoft.com/office/drawing/2014/main" xmlns="" id="{299DF5EC-9DF4-5255-06AC-0A7CE4FF58C3}"/>
               </a:ext>
             </a:extLst>
           </p:cNvPr>
@@ -34068,7 +33330,7 @@
           <p:cNvPr id="12" name="TextBox 11">
             <a:extLst>
               <a:ext uri="{FF2B5EF4-FFF2-40B4-BE49-F238E27FC236}">
-                <a16:creationId xmlns:a16="http://schemas.microsoft.com/office/drawing/2014/main" id="{C6D113C6-EA5C-788F-0C77-E7CE6EBB865F}"/>
+                <a16:creationId xmlns:a16="http://schemas.microsoft.com/office/drawing/2014/main" xmlns="" id="{C6D113C6-EA5C-788F-0C77-E7CE6EBB865F}"/>
               </a:ext>
             </a:extLst>
           </p:cNvPr>

--- a/JavaLecture/LectureFile/java 9강 상속과super.pptx
+++ b/JavaLecture/LectureFile/java 9강 상속과super.pptx
@@ -4237,7 +4237,7 @@
           <p:cNvPr id="2" name="TextBox 1">
             <a:extLst>
               <a:ext uri="{FF2B5EF4-FFF2-40B4-BE49-F238E27FC236}">
-                <a16:creationId xmlns:a16="http://schemas.microsoft.com/office/drawing/2014/main" xmlns="" id="{E9A453A8-9968-67AB-7B4A-83EEB4662AA6}"/>
+                <a16:creationId xmlns="" xmlns:a16="http://schemas.microsoft.com/office/drawing/2014/main" id="{E9A453A8-9968-67AB-7B4A-83EEB4662AA6}"/>
               </a:ext>
             </a:extLst>
           </p:cNvPr>
@@ -4285,7 +4285,7 @@
           <p:cNvPr id="4" name="TextBox 3">
             <a:extLst>
               <a:ext uri="{FF2B5EF4-FFF2-40B4-BE49-F238E27FC236}">
-                <a16:creationId xmlns:a16="http://schemas.microsoft.com/office/drawing/2014/main" xmlns="" id="{F4B7A35A-8AAC-4622-64BC-CAD1472D4115}"/>
+                <a16:creationId xmlns="" xmlns:a16="http://schemas.microsoft.com/office/drawing/2014/main" id="{F4B7A35A-8AAC-4622-64BC-CAD1472D4115}"/>
               </a:ext>
             </a:extLst>
           </p:cNvPr>
@@ -4357,7 +4357,7 @@
           <p:cNvPr id="7" name="TextBox 6">
             <a:extLst>
               <a:ext uri="{FF2B5EF4-FFF2-40B4-BE49-F238E27FC236}">
-                <a16:creationId xmlns:a16="http://schemas.microsoft.com/office/drawing/2014/main" xmlns="" id="{3ACE900A-D779-4343-6623-8588B376F0A1}"/>
+                <a16:creationId xmlns="" xmlns:a16="http://schemas.microsoft.com/office/drawing/2014/main" id="{3ACE900A-D779-4343-6623-8588B376F0A1}"/>
               </a:ext>
             </a:extLst>
           </p:cNvPr>
@@ -4493,7 +4493,7 @@
           <p:cNvPr id="7" name="직선 화살표 연결선 6">
             <a:extLst>
               <a:ext uri="{FF2B5EF4-FFF2-40B4-BE49-F238E27FC236}">
-                <a16:creationId xmlns:a16="http://schemas.microsoft.com/office/drawing/2014/main" xmlns="" id="{299DF5EC-9DF4-5255-06AC-0A7CE4FF58C3}"/>
+                <a16:creationId xmlns="" xmlns:a16="http://schemas.microsoft.com/office/drawing/2014/main" id="{299DF5EC-9DF4-5255-06AC-0A7CE4FF58C3}"/>
               </a:ext>
             </a:extLst>
           </p:cNvPr>
@@ -4534,7 +4534,7 @@
           <p:cNvPr id="8" name="TextBox 7">
             <a:extLst>
               <a:ext uri="{FF2B5EF4-FFF2-40B4-BE49-F238E27FC236}">
-                <a16:creationId xmlns:a16="http://schemas.microsoft.com/office/drawing/2014/main" xmlns="" id="{C6D113C6-EA5C-788F-0C77-E7CE6EBB865F}"/>
+                <a16:creationId xmlns="" xmlns:a16="http://schemas.microsoft.com/office/drawing/2014/main" id="{C6D113C6-EA5C-788F-0C77-E7CE6EBB865F}"/>
               </a:ext>
             </a:extLst>
           </p:cNvPr>
@@ -4642,7 +4642,7 @@
           <p:cNvPr id="2" name="직사각형 1">
             <a:extLst>
               <a:ext uri="{FF2B5EF4-FFF2-40B4-BE49-F238E27FC236}">
-                <a16:creationId xmlns:a16="http://schemas.microsoft.com/office/drawing/2014/main" xmlns="" id="{3C46299A-4568-03E8-2C5C-09C49E40CF06}"/>
+                <a16:creationId xmlns="" xmlns:a16="http://schemas.microsoft.com/office/drawing/2014/main" id="{3C46299A-4568-03E8-2C5C-09C49E40CF06}"/>
               </a:ext>
             </a:extLst>
           </p:cNvPr>
@@ -4923,7 +4923,7 @@
           <p:cNvPr id="6" name="직선 화살표 연결선 5">
             <a:extLst>
               <a:ext uri="{FF2B5EF4-FFF2-40B4-BE49-F238E27FC236}">
-                <a16:creationId xmlns:a16="http://schemas.microsoft.com/office/drawing/2014/main" xmlns="" id="{299DF5EC-9DF4-5255-06AC-0A7CE4FF58C3}"/>
+                <a16:creationId xmlns="" xmlns:a16="http://schemas.microsoft.com/office/drawing/2014/main" id="{299DF5EC-9DF4-5255-06AC-0A7CE4FF58C3}"/>
               </a:ext>
             </a:extLst>
           </p:cNvPr>
@@ -4964,7 +4964,7 @@
           <p:cNvPr id="7" name="TextBox 6">
             <a:extLst>
               <a:ext uri="{FF2B5EF4-FFF2-40B4-BE49-F238E27FC236}">
-                <a16:creationId xmlns:a16="http://schemas.microsoft.com/office/drawing/2014/main" xmlns="" id="{C6D113C6-EA5C-788F-0C77-E7CE6EBB865F}"/>
+                <a16:creationId xmlns="" xmlns:a16="http://schemas.microsoft.com/office/drawing/2014/main" id="{C6D113C6-EA5C-788F-0C77-E7CE6EBB865F}"/>
               </a:ext>
             </a:extLst>
           </p:cNvPr>
@@ -5035,7 +5035,7 @@
           <p:cNvPr id="8" name="TextBox 7">
             <a:extLst>
               <a:ext uri="{FF2B5EF4-FFF2-40B4-BE49-F238E27FC236}">
-                <a16:creationId xmlns:a16="http://schemas.microsoft.com/office/drawing/2014/main" xmlns="" id="{DF7DDD33-9412-2802-339A-E55446AC2DA7}"/>
+                <a16:creationId xmlns="" xmlns:a16="http://schemas.microsoft.com/office/drawing/2014/main" id="{DF7DDD33-9412-2802-339A-E55446AC2DA7}"/>
               </a:ext>
             </a:extLst>
           </p:cNvPr>
@@ -5147,7 +5147,7 @@
           <p:cNvPr id="5" name="TextBox 4">
             <a:extLst>
               <a:ext uri="{FF2B5EF4-FFF2-40B4-BE49-F238E27FC236}">
-                <a16:creationId xmlns:a16="http://schemas.microsoft.com/office/drawing/2014/main" xmlns="" id="{C6D113C6-EA5C-788F-0C77-E7CE6EBB865F}"/>
+                <a16:creationId xmlns="" xmlns:a16="http://schemas.microsoft.com/office/drawing/2014/main" id="{C6D113C6-EA5C-788F-0C77-E7CE6EBB865F}"/>
               </a:ext>
             </a:extLst>
           </p:cNvPr>
@@ -5218,7 +5218,7 @@
           <p:cNvPr id="7" name="TextBox 6">
             <a:extLst>
               <a:ext uri="{FF2B5EF4-FFF2-40B4-BE49-F238E27FC236}">
-                <a16:creationId xmlns:a16="http://schemas.microsoft.com/office/drawing/2014/main" xmlns="" id="{C6D113C6-EA5C-788F-0C77-E7CE6EBB865F}"/>
+                <a16:creationId xmlns="" xmlns:a16="http://schemas.microsoft.com/office/drawing/2014/main" id="{C6D113C6-EA5C-788F-0C77-E7CE6EBB865F}"/>
               </a:ext>
             </a:extLst>
           </p:cNvPr>
@@ -5394,7 +5394,7 @@
           <p:cNvPr id="4" name="TextBox 3">
             <a:extLst>
               <a:ext uri="{FF2B5EF4-FFF2-40B4-BE49-F238E27FC236}">
-                <a16:creationId xmlns:a16="http://schemas.microsoft.com/office/drawing/2014/main" xmlns="" id="{C6D113C6-EA5C-788F-0C77-E7CE6EBB865F}"/>
+                <a16:creationId xmlns="" xmlns:a16="http://schemas.microsoft.com/office/drawing/2014/main" id="{C6D113C6-EA5C-788F-0C77-E7CE6EBB865F}"/>
               </a:ext>
             </a:extLst>
           </p:cNvPr>
@@ -5554,7 +5554,7 @@
           <p:cNvPr id="4" name="TextBox 3">
             <a:extLst>
               <a:ext uri="{FF2B5EF4-FFF2-40B4-BE49-F238E27FC236}">
-                <a16:creationId xmlns:a16="http://schemas.microsoft.com/office/drawing/2014/main" xmlns="" id="{5ADC00B6-990A-40DC-3CEA-505258F5E8DA}"/>
+                <a16:creationId xmlns="" xmlns:a16="http://schemas.microsoft.com/office/drawing/2014/main" id="{5ADC00B6-990A-40DC-3CEA-505258F5E8DA}"/>
               </a:ext>
             </a:extLst>
           </p:cNvPr>
@@ -5626,7 +5626,7 @@
           <p:cNvPr id="6" name="직선 화살표 연결선 5">
             <a:extLst>
               <a:ext uri="{FF2B5EF4-FFF2-40B4-BE49-F238E27FC236}">
-                <a16:creationId xmlns:a16="http://schemas.microsoft.com/office/drawing/2014/main" xmlns="" id="{299DF5EC-9DF4-5255-06AC-0A7CE4FF58C3}"/>
+                <a16:creationId xmlns="" xmlns:a16="http://schemas.microsoft.com/office/drawing/2014/main" id="{299DF5EC-9DF4-5255-06AC-0A7CE4FF58C3}"/>
               </a:ext>
             </a:extLst>
           </p:cNvPr>
@@ -5667,7 +5667,7 @@
           <p:cNvPr id="7" name="TextBox 6">
             <a:extLst>
               <a:ext uri="{FF2B5EF4-FFF2-40B4-BE49-F238E27FC236}">
-                <a16:creationId xmlns:a16="http://schemas.microsoft.com/office/drawing/2014/main" xmlns="" id="{C6D113C6-EA5C-788F-0C77-E7CE6EBB865F}"/>
+                <a16:creationId xmlns="" xmlns:a16="http://schemas.microsoft.com/office/drawing/2014/main" id="{C6D113C6-EA5C-788F-0C77-E7CE6EBB865F}"/>
               </a:ext>
             </a:extLst>
           </p:cNvPr>
@@ -5850,7 +5850,7 @@
           <p:cNvPr id="4" name="TextBox 3">
             <a:extLst>
               <a:ext uri="{FF2B5EF4-FFF2-40B4-BE49-F238E27FC236}">
-                <a16:creationId xmlns:a16="http://schemas.microsoft.com/office/drawing/2014/main" xmlns="" id="{5ADC00B6-990A-40DC-3CEA-505258F5E8DA}"/>
+                <a16:creationId xmlns="" xmlns:a16="http://schemas.microsoft.com/office/drawing/2014/main" id="{5ADC00B6-990A-40DC-3CEA-505258F5E8DA}"/>
               </a:ext>
             </a:extLst>
           </p:cNvPr>
@@ -5908,7 +5908,7 @@
           <p:cNvPr id="5" name="TextBox 4">
             <a:extLst>
               <a:ext uri="{FF2B5EF4-FFF2-40B4-BE49-F238E27FC236}">
-                <a16:creationId xmlns:a16="http://schemas.microsoft.com/office/drawing/2014/main" xmlns="" id="{A2AD056B-97A4-5BCC-4460-250160F3E171}"/>
+                <a16:creationId xmlns="" xmlns:a16="http://schemas.microsoft.com/office/drawing/2014/main" id="{A2AD056B-97A4-5BCC-4460-250160F3E171}"/>
               </a:ext>
             </a:extLst>
           </p:cNvPr>
@@ -6066,7 +6066,7 @@
           <p:cNvPr id="6" name="그룹 1015">
             <a:extLst>
               <a:ext uri="{FF2B5EF4-FFF2-40B4-BE49-F238E27FC236}">
-                <a16:creationId xmlns:a16="http://schemas.microsoft.com/office/drawing/2014/main" xmlns="" id="{76F5E01D-ECD6-A51D-DC2B-05DA1EBF93C7}"/>
+                <a16:creationId xmlns="" xmlns:a16="http://schemas.microsoft.com/office/drawing/2014/main" id="{76F5E01D-ECD6-A51D-DC2B-05DA1EBF93C7}"/>
               </a:ext>
             </a:extLst>
           </p:cNvPr>
@@ -6086,7 +6086,7 @@
             <p:cNvPr id="7" name="Object 52">
               <a:extLst>
                 <a:ext uri="{FF2B5EF4-FFF2-40B4-BE49-F238E27FC236}">
-                  <a16:creationId xmlns:a16="http://schemas.microsoft.com/office/drawing/2014/main" xmlns="" id="{D83975B3-46BC-7686-ECA1-1D7ECFA74A69}"/>
+                  <a16:creationId xmlns="" xmlns:a16="http://schemas.microsoft.com/office/drawing/2014/main" id="{D83975B3-46BC-7686-ECA1-1D7ECFA74A69}"/>
                 </a:ext>
               </a:extLst>
             </p:cNvPr>
@@ -6117,7 +6117,7 @@
           <p:cNvPr id="8" name="그룹 1018">
             <a:extLst>
               <a:ext uri="{FF2B5EF4-FFF2-40B4-BE49-F238E27FC236}">
-                <a16:creationId xmlns:a16="http://schemas.microsoft.com/office/drawing/2014/main" xmlns="" id="{008489BA-FEFA-DE7D-B3CD-53A358B82592}"/>
+                <a16:creationId xmlns="" xmlns:a16="http://schemas.microsoft.com/office/drawing/2014/main" id="{008489BA-FEFA-DE7D-B3CD-53A358B82592}"/>
               </a:ext>
             </a:extLst>
           </p:cNvPr>
@@ -6137,7 +6137,7 @@
             <p:cNvPr id="9" name="Object 61">
               <a:extLst>
                 <a:ext uri="{FF2B5EF4-FFF2-40B4-BE49-F238E27FC236}">
-                  <a16:creationId xmlns:a16="http://schemas.microsoft.com/office/drawing/2014/main" xmlns="" id="{9ED25BE3-45BE-AC6D-D835-4457854D2832}"/>
+                  <a16:creationId xmlns="" xmlns:a16="http://schemas.microsoft.com/office/drawing/2014/main" id="{9ED25BE3-45BE-AC6D-D835-4457854D2832}"/>
                 </a:ext>
               </a:extLst>
             </p:cNvPr>
@@ -6168,7 +6168,7 @@
           <p:cNvPr id="10" name="그룹 1021">
             <a:extLst>
               <a:ext uri="{FF2B5EF4-FFF2-40B4-BE49-F238E27FC236}">
-                <a16:creationId xmlns:a16="http://schemas.microsoft.com/office/drawing/2014/main" xmlns="" id="{7FE0C0A1-ABE4-F0EA-AFC1-4622C45C99E7}"/>
+                <a16:creationId xmlns="" xmlns:a16="http://schemas.microsoft.com/office/drawing/2014/main" id="{7FE0C0A1-ABE4-F0EA-AFC1-4622C45C99E7}"/>
               </a:ext>
             </a:extLst>
           </p:cNvPr>
@@ -6188,7 +6188,7 @@
             <p:cNvPr id="11" name="Object 71">
               <a:extLst>
                 <a:ext uri="{FF2B5EF4-FFF2-40B4-BE49-F238E27FC236}">
-                  <a16:creationId xmlns:a16="http://schemas.microsoft.com/office/drawing/2014/main" xmlns="" id="{CDBB7D83-509F-9F4C-0C3E-DBA2562E5520}"/>
+                  <a16:creationId xmlns="" xmlns:a16="http://schemas.microsoft.com/office/drawing/2014/main" id="{CDBB7D83-509F-9F4C-0C3E-DBA2562E5520}"/>
                 </a:ext>
               </a:extLst>
             </p:cNvPr>
@@ -6219,7 +6219,7 @@
           <p:cNvPr id="12" name="그룹 1024">
             <a:extLst>
               <a:ext uri="{FF2B5EF4-FFF2-40B4-BE49-F238E27FC236}">
-                <a16:creationId xmlns:a16="http://schemas.microsoft.com/office/drawing/2014/main" xmlns="" id="{8EB1611F-852C-9617-AEEB-CFA38FFF8001}"/>
+                <a16:creationId xmlns="" xmlns:a16="http://schemas.microsoft.com/office/drawing/2014/main" id="{8EB1611F-852C-9617-AEEB-CFA38FFF8001}"/>
               </a:ext>
             </a:extLst>
           </p:cNvPr>
@@ -6239,7 +6239,7 @@
             <p:cNvPr id="13" name="Object 81">
               <a:extLst>
                 <a:ext uri="{FF2B5EF4-FFF2-40B4-BE49-F238E27FC236}">
-                  <a16:creationId xmlns:a16="http://schemas.microsoft.com/office/drawing/2014/main" xmlns="" id="{08657582-A0DF-A5DC-A662-189C639920C8}"/>
+                  <a16:creationId xmlns="" xmlns:a16="http://schemas.microsoft.com/office/drawing/2014/main" id="{08657582-A0DF-A5DC-A662-189C639920C8}"/>
                 </a:ext>
               </a:extLst>
             </p:cNvPr>
@@ -6270,7 +6270,7 @@
           <p:cNvPr id="14" name="TextBox 13">
             <a:extLst>
               <a:ext uri="{FF2B5EF4-FFF2-40B4-BE49-F238E27FC236}">
-                <a16:creationId xmlns:a16="http://schemas.microsoft.com/office/drawing/2014/main" xmlns="" id="{FC41B7B2-904B-813A-22B8-239E383F4360}"/>
+                <a16:creationId xmlns="" xmlns:a16="http://schemas.microsoft.com/office/drawing/2014/main" id="{FC41B7B2-904B-813A-22B8-239E383F4360}"/>
               </a:ext>
             </a:extLst>
           </p:cNvPr>
@@ -6318,7 +6318,7 @@
           <p:cNvPr id="15" name="TextBox 14">
             <a:extLst>
               <a:ext uri="{FF2B5EF4-FFF2-40B4-BE49-F238E27FC236}">
-                <a16:creationId xmlns:a16="http://schemas.microsoft.com/office/drawing/2014/main" xmlns="" id="{F68B80B8-3419-5C31-B2F2-084E536A2C1C}"/>
+                <a16:creationId xmlns="" xmlns:a16="http://schemas.microsoft.com/office/drawing/2014/main" id="{F68B80B8-3419-5C31-B2F2-084E536A2C1C}"/>
               </a:ext>
             </a:extLst>
           </p:cNvPr>
@@ -6366,7 +6366,7 @@
           <p:cNvPr id="16" name="TextBox 15">
             <a:extLst>
               <a:ext uri="{FF2B5EF4-FFF2-40B4-BE49-F238E27FC236}">
-                <a16:creationId xmlns:a16="http://schemas.microsoft.com/office/drawing/2014/main" xmlns="" id="{CB471B39-052C-65D2-3069-C74FA7421876}"/>
+                <a16:creationId xmlns="" xmlns:a16="http://schemas.microsoft.com/office/drawing/2014/main" id="{CB471B39-052C-65D2-3069-C74FA7421876}"/>
               </a:ext>
             </a:extLst>
           </p:cNvPr>
@@ -6414,7 +6414,7 @@
           <p:cNvPr id="17" name="TextBox 16">
             <a:extLst>
               <a:ext uri="{FF2B5EF4-FFF2-40B4-BE49-F238E27FC236}">
-                <a16:creationId xmlns:a16="http://schemas.microsoft.com/office/drawing/2014/main" xmlns="" id="{4A7E270B-9322-EABD-3A34-4D211B23AD38}"/>
+                <a16:creationId xmlns="" xmlns:a16="http://schemas.microsoft.com/office/drawing/2014/main" id="{4A7E270B-9322-EABD-3A34-4D211B23AD38}"/>
               </a:ext>
             </a:extLst>
           </p:cNvPr>
@@ -6462,7 +6462,7 @@
           <p:cNvPr id="18" name="직선 화살표 연결선 17">
             <a:extLst>
               <a:ext uri="{FF2B5EF4-FFF2-40B4-BE49-F238E27FC236}">
-                <a16:creationId xmlns:a16="http://schemas.microsoft.com/office/drawing/2014/main" xmlns="" id="{174A1CAB-41DB-CBE5-A53E-D1E78982E7D5}"/>
+                <a16:creationId xmlns="" xmlns:a16="http://schemas.microsoft.com/office/drawing/2014/main" id="{174A1CAB-41DB-CBE5-A53E-D1E78982E7D5}"/>
               </a:ext>
             </a:extLst>
           </p:cNvPr>
@@ -6504,7 +6504,7 @@
           <p:cNvPr id="19" name="직선 화살표 연결선 18">
             <a:extLst>
               <a:ext uri="{FF2B5EF4-FFF2-40B4-BE49-F238E27FC236}">
-                <a16:creationId xmlns:a16="http://schemas.microsoft.com/office/drawing/2014/main" xmlns="" id="{404BE807-8974-325D-28CE-80CBD5A23FD9}"/>
+                <a16:creationId xmlns="" xmlns:a16="http://schemas.microsoft.com/office/drawing/2014/main" id="{404BE807-8974-325D-28CE-80CBD5A23FD9}"/>
               </a:ext>
             </a:extLst>
           </p:cNvPr>
@@ -6545,7 +6545,7 @@
           <p:cNvPr id="20" name="직선 화살표 연결선 19">
             <a:extLst>
               <a:ext uri="{FF2B5EF4-FFF2-40B4-BE49-F238E27FC236}">
-                <a16:creationId xmlns:a16="http://schemas.microsoft.com/office/drawing/2014/main" xmlns="" id="{8238D4B2-69F6-F17A-0286-66A8FB197956}"/>
+                <a16:creationId xmlns="" xmlns:a16="http://schemas.microsoft.com/office/drawing/2014/main" id="{8238D4B2-69F6-F17A-0286-66A8FB197956}"/>
               </a:ext>
             </a:extLst>
           </p:cNvPr>
@@ -6587,7 +6587,7 @@
           <p:cNvPr id="21" name="직선 화살표 연결선 20">
             <a:extLst>
               <a:ext uri="{FF2B5EF4-FFF2-40B4-BE49-F238E27FC236}">
-                <a16:creationId xmlns:a16="http://schemas.microsoft.com/office/drawing/2014/main" xmlns="" id="{404BE807-8974-325D-28CE-80CBD5A23FD9}"/>
+                <a16:creationId xmlns="" xmlns:a16="http://schemas.microsoft.com/office/drawing/2014/main" id="{404BE807-8974-325D-28CE-80CBD5A23FD9}"/>
               </a:ext>
             </a:extLst>
           </p:cNvPr>
@@ -6628,7 +6628,7 @@
           <p:cNvPr id="22" name="그룹 1021">
             <a:extLst>
               <a:ext uri="{FF2B5EF4-FFF2-40B4-BE49-F238E27FC236}">
-                <a16:creationId xmlns:a16="http://schemas.microsoft.com/office/drawing/2014/main" xmlns="" id="{7FE0C0A1-ABE4-F0EA-AFC1-4622C45C99E7}"/>
+                <a16:creationId xmlns="" xmlns:a16="http://schemas.microsoft.com/office/drawing/2014/main" id="{7FE0C0A1-ABE4-F0EA-AFC1-4622C45C99E7}"/>
               </a:ext>
             </a:extLst>
           </p:cNvPr>
@@ -6648,7 +6648,7 @@
             <p:cNvPr id="23" name="Object 71">
               <a:extLst>
                 <a:ext uri="{FF2B5EF4-FFF2-40B4-BE49-F238E27FC236}">
-                  <a16:creationId xmlns:a16="http://schemas.microsoft.com/office/drawing/2014/main" xmlns="" id="{CDBB7D83-509F-9F4C-0C3E-DBA2562E5520}"/>
+                  <a16:creationId xmlns="" xmlns:a16="http://schemas.microsoft.com/office/drawing/2014/main" id="{CDBB7D83-509F-9F4C-0C3E-DBA2562E5520}"/>
                 </a:ext>
               </a:extLst>
             </p:cNvPr>
@@ -6679,7 +6679,7 @@
           <p:cNvPr id="24" name="TextBox 23">
             <a:extLst>
               <a:ext uri="{FF2B5EF4-FFF2-40B4-BE49-F238E27FC236}">
-                <a16:creationId xmlns:a16="http://schemas.microsoft.com/office/drawing/2014/main" xmlns="" id="{CB471B39-052C-65D2-3069-C74FA7421876}"/>
+                <a16:creationId xmlns="" xmlns:a16="http://schemas.microsoft.com/office/drawing/2014/main" id="{CB471B39-052C-65D2-3069-C74FA7421876}"/>
               </a:ext>
             </a:extLst>
           </p:cNvPr>
@@ -7349,7 +7349,7 @@
           <p:cNvPr id="8" name="직선 화살표 연결선 7">
             <a:extLst>
               <a:ext uri="{FF2B5EF4-FFF2-40B4-BE49-F238E27FC236}">
-                <a16:creationId xmlns:a16="http://schemas.microsoft.com/office/drawing/2014/main" xmlns="" id="{299DF5EC-9DF4-5255-06AC-0A7CE4FF58C3}"/>
+                <a16:creationId xmlns="" xmlns:a16="http://schemas.microsoft.com/office/drawing/2014/main" id="{299DF5EC-9DF4-5255-06AC-0A7CE4FF58C3}"/>
               </a:ext>
             </a:extLst>
           </p:cNvPr>
@@ -7390,7 +7390,7 @@
           <p:cNvPr id="9" name="직사각형 8">
             <a:extLst>
               <a:ext uri="{FF2B5EF4-FFF2-40B4-BE49-F238E27FC236}">
-                <a16:creationId xmlns:a16="http://schemas.microsoft.com/office/drawing/2014/main" xmlns="" id="{FFF506F9-840A-0508-4CAF-3AC711D8D5CE}"/>
+                <a16:creationId xmlns="" xmlns:a16="http://schemas.microsoft.com/office/drawing/2014/main" id="{FFF506F9-840A-0508-4CAF-3AC711D8D5CE}"/>
               </a:ext>
             </a:extLst>
           </p:cNvPr>
@@ -7442,7 +7442,7 @@
           <p:cNvPr id="10" name="TextBox 9">
             <a:extLst>
               <a:ext uri="{FF2B5EF4-FFF2-40B4-BE49-F238E27FC236}">
-                <a16:creationId xmlns:a16="http://schemas.microsoft.com/office/drawing/2014/main" xmlns="" id="{C6D113C6-EA5C-788F-0C77-E7CE6EBB865F}"/>
+                <a16:creationId xmlns="" xmlns:a16="http://schemas.microsoft.com/office/drawing/2014/main" id="{C6D113C6-EA5C-788F-0C77-E7CE6EBB865F}"/>
               </a:ext>
             </a:extLst>
           </p:cNvPr>
@@ -7490,7 +7490,7 @@
           <p:cNvPr id="12" name="직선 화살표 연결선 11">
             <a:extLst>
               <a:ext uri="{FF2B5EF4-FFF2-40B4-BE49-F238E27FC236}">
-                <a16:creationId xmlns:a16="http://schemas.microsoft.com/office/drawing/2014/main" xmlns="" id="{299DF5EC-9DF4-5255-06AC-0A7CE4FF58C3}"/>
+                <a16:creationId xmlns="" xmlns:a16="http://schemas.microsoft.com/office/drawing/2014/main" id="{299DF5EC-9DF4-5255-06AC-0A7CE4FF58C3}"/>
               </a:ext>
             </a:extLst>
           </p:cNvPr>
@@ -7531,7 +7531,7 @@
           <p:cNvPr id="13" name="직사각형 12">
             <a:extLst>
               <a:ext uri="{FF2B5EF4-FFF2-40B4-BE49-F238E27FC236}">
-                <a16:creationId xmlns:a16="http://schemas.microsoft.com/office/drawing/2014/main" xmlns="" id="{FFF506F9-840A-0508-4CAF-3AC711D8D5CE}"/>
+                <a16:creationId xmlns="" xmlns:a16="http://schemas.microsoft.com/office/drawing/2014/main" id="{FFF506F9-840A-0508-4CAF-3AC711D8D5CE}"/>
               </a:ext>
             </a:extLst>
           </p:cNvPr>
@@ -7583,7 +7583,7 @@
           <p:cNvPr id="14" name="TextBox 13">
             <a:extLst>
               <a:ext uri="{FF2B5EF4-FFF2-40B4-BE49-F238E27FC236}">
-                <a16:creationId xmlns:a16="http://schemas.microsoft.com/office/drawing/2014/main" xmlns="" id="{C6D113C6-EA5C-788F-0C77-E7CE6EBB865F}"/>
+                <a16:creationId xmlns="" xmlns:a16="http://schemas.microsoft.com/office/drawing/2014/main" id="{C6D113C6-EA5C-788F-0C77-E7CE6EBB865F}"/>
               </a:ext>
             </a:extLst>
           </p:cNvPr>
@@ -7631,7 +7631,7 @@
           <p:cNvPr id="15" name="직사각형 14">
             <a:extLst>
               <a:ext uri="{FF2B5EF4-FFF2-40B4-BE49-F238E27FC236}">
-                <a16:creationId xmlns:a16="http://schemas.microsoft.com/office/drawing/2014/main" xmlns="" id="{FFF506F9-840A-0508-4CAF-3AC711D8D5CE}"/>
+                <a16:creationId xmlns="" xmlns:a16="http://schemas.microsoft.com/office/drawing/2014/main" id="{FFF506F9-840A-0508-4CAF-3AC711D8D5CE}"/>
               </a:ext>
             </a:extLst>
           </p:cNvPr>
@@ -7683,7 +7683,7 @@
           <p:cNvPr id="16" name="직선 화살표 연결선 15">
             <a:extLst>
               <a:ext uri="{FF2B5EF4-FFF2-40B4-BE49-F238E27FC236}">
-                <a16:creationId xmlns:a16="http://schemas.microsoft.com/office/drawing/2014/main" xmlns="" id="{299DF5EC-9DF4-5255-06AC-0A7CE4FF58C3}"/>
+                <a16:creationId xmlns="" xmlns:a16="http://schemas.microsoft.com/office/drawing/2014/main" id="{299DF5EC-9DF4-5255-06AC-0A7CE4FF58C3}"/>
               </a:ext>
             </a:extLst>
           </p:cNvPr>
@@ -7724,7 +7724,7 @@
           <p:cNvPr id="17" name="TextBox 16">
             <a:extLst>
               <a:ext uri="{FF2B5EF4-FFF2-40B4-BE49-F238E27FC236}">
-                <a16:creationId xmlns:a16="http://schemas.microsoft.com/office/drawing/2014/main" xmlns="" id="{C6D113C6-EA5C-788F-0C77-E7CE6EBB865F}"/>
+                <a16:creationId xmlns="" xmlns:a16="http://schemas.microsoft.com/office/drawing/2014/main" id="{C6D113C6-EA5C-788F-0C77-E7CE6EBB865F}"/>
               </a:ext>
             </a:extLst>
           </p:cNvPr>
@@ -7772,7 +7772,7 @@
           <p:cNvPr id="18" name="TextBox 17">
             <a:extLst>
               <a:ext uri="{FF2B5EF4-FFF2-40B4-BE49-F238E27FC236}">
-                <a16:creationId xmlns:a16="http://schemas.microsoft.com/office/drawing/2014/main" xmlns="" id="{5ADC00B6-990A-40DC-3CEA-505258F5E8DA}"/>
+                <a16:creationId xmlns="" xmlns:a16="http://schemas.microsoft.com/office/drawing/2014/main" id="{5ADC00B6-990A-40DC-3CEA-505258F5E8DA}"/>
               </a:ext>
             </a:extLst>
           </p:cNvPr>
@@ -8224,7 +8224,7 @@
           <p:cNvPr id="8" name="TextBox 7">
             <a:extLst>
               <a:ext uri="{FF2B5EF4-FFF2-40B4-BE49-F238E27FC236}">
-                <a16:creationId xmlns:a16="http://schemas.microsoft.com/office/drawing/2014/main" xmlns="" id="{5ADC00B6-990A-40DC-3CEA-505258F5E8DA}"/>
+                <a16:creationId xmlns="" xmlns:a16="http://schemas.microsoft.com/office/drawing/2014/main" id="{5ADC00B6-990A-40DC-3CEA-505258F5E8DA}"/>
               </a:ext>
             </a:extLst>
           </p:cNvPr>
@@ -8272,7 +8272,7 @@
           <p:cNvPr id="2" name="TextBox 1">
             <a:extLst>
               <a:ext uri="{FF2B5EF4-FFF2-40B4-BE49-F238E27FC236}">
-                <a16:creationId xmlns:a16="http://schemas.microsoft.com/office/drawing/2014/main" xmlns="" id="{1B2E40E7-B15E-9EA6-EFD8-4ED90FD02024}"/>
+                <a16:creationId xmlns="" xmlns:a16="http://schemas.microsoft.com/office/drawing/2014/main" id="{1B2E40E7-B15E-9EA6-EFD8-4ED90FD02024}"/>
               </a:ext>
             </a:extLst>
           </p:cNvPr>
@@ -8592,7 +8592,7 @@
           <p:cNvPr id="2" name="TextBox 1">
             <a:extLst>
               <a:ext uri="{FF2B5EF4-FFF2-40B4-BE49-F238E27FC236}">
-                <a16:creationId xmlns:a16="http://schemas.microsoft.com/office/drawing/2014/main" xmlns="" id="{B695799D-94C1-CA9F-45DE-0CE5A8324559}"/>
+                <a16:creationId xmlns="" xmlns:a16="http://schemas.microsoft.com/office/drawing/2014/main" id="{B695799D-94C1-CA9F-45DE-0CE5A8324559}"/>
               </a:ext>
             </a:extLst>
           </p:cNvPr>
@@ -8896,7 +8896,7 @@
           <p:cNvPr id="4" name="TextBox 3">
             <a:extLst>
               <a:ext uri="{FF2B5EF4-FFF2-40B4-BE49-F238E27FC236}">
-                <a16:creationId xmlns:a16="http://schemas.microsoft.com/office/drawing/2014/main" xmlns="" id="{5ADC00B6-990A-40DC-3CEA-505258F5E8DA}"/>
+                <a16:creationId xmlns="" xmlns:a16="http://schemas.microsoft.com/office/drawing/2014/main" id="{5ADC00B6-990A-40DC-3CEA-505258F5E8DA}"/>
               </a:ext>
             </a:extLst>
           </p:cNvPr>
@@ -8968,7 +8968,7 @@
           <p:cNvPr id="6" name="TextBox 5">
             <a:extLst>
               <a:ext uri="{FF2B5EF4-FFF2-40B4-BE49-F238E27FC236}">
-                <a16:creationId xmlns:a16="http://schemas.microsoft.com/office/drawing/2014/main" xmlns="" id="{C6D113C6-EA5C-788F-0C77-E7CE6EBB865F}"/>
+                <a16:creationId xmlns="" xmlns:a16="http://schemas.microsoft.com/office/drawing/2014/main" id="{C6D113C6-EA5C-788F-0C77-E7CE6EBB865F}"/>
               </a:ext>
             </a:extLst>
           </p:cNvPr>
@@ -9306,7 +9306,7 @@
           <p:cNvPr id="11" name="TextBox 10">
             <a:extLst>
               <a:ext uri="{FF2B5EF4-FFF2-40B4-BE49-F238E27FC236}">
-                <a16:creationId xmlns:a16="http://schemas.microsoft.com/office/drawing/2014/main" xmlns="" id="{9F88F580-08BE-88C2-D640-13F0026591CB}"/>
+                <a16:creationId xmlns="" xmlns:a16="http://schemas.microsoft.com/office/drawing/2014/main" id="{9F88F580-08BE-88C2-D640-13F0026591CB}"/>
               </a:ext>
             </a:extLst>
           </p:cNvPr>
@@ -9374,7 +9374,7 @@
           <p:cNvPr id="13" name="TextBox 12">
             <a:extLst>
               <a:ext uri="{FF2B5EF4-FFF2-40B4-BE49-F238E27FC236}">
-                <a16:creationId xmlns:a16="http://schemas.microsoft.com/office/drawing/2014/main" xmlns="" id="{72769C28-9BB6-DE9C-7B6F-264B77B8DD0E}"/>
+                <a16:creationId xmlns="" xmlns:a16="http://schemas.microsoft.com/office/drawing/2014/main" id="{72769C28-9BB6-DE9C-7B6F-264B77B8DD0E}"/>
               </a:ext>
             </a:extLst>
           </p:cNvPr>
@@ -9422,7 +9422,7 @@
           <p:cNvPr id="14" name="TextBox 13">
             <a:extLst>
               <a:ext uri="{FF2B5EF4-FFF2-40B4-BE49-F238E27FC236}">
-                <a16:creationId xmlns:a16="http://schemas.microsoft.com/office/drawing/2014/main" xmlns="" id="{270FBB6A-01CE-5637-78DA-58F0C974145C}"/>
+                <a16:creationId xmlns="" xmlns:a16="http://schemas.microsoft.com/office/drawing/2014/main" id="{270FBB6A-01CE-5637-78DA-58F0C974145C}"/>
               </a:ext>
             </a:extLst>
           </p:cNvPr>
@@ -9470,7 +9470,7 @@
           <p:cNvPr id="2" name="Object 17">
             <a:extLst>
               <a:ext uri="{FF2B5EF4-FFF2-40B4-BE49-F238E27FC236}">
-                <a16:creationId xmlns:a16="http://schemas.microsoft.com/office/drawing/2014/main" xmlns="" id="{140B283D-FE58-FA6F-6F7C-E0F1DBB62A65}"/>
+                <a16:creationId xmlns="" xmlns:a16="http://schemas.microsoft.com/office/drawing/2014/main" id="{140B283D-FE58-FA6F-6F7C-E0F1DBB62A65}"/>
               </a:ext>
             </a:extLst>
           </p:cNvPr>
@@ -9500,7 +9500,7 @@
           <p:cNvPr id="4" name="TextBox 3">
             <a:extLst>
               <a:ext uri="{FF2B5EF4-FFF2-40B4-BE49-F238E27FC236}">
-                <a16:creationId xmlns:a16="http://schemas.microsoft.com/office/drawing/2014/main" xmlns="" id="{2C8D0998-79BC-6FD2-59D9-8052B4A25F65}"/>
+                <a16:creationId xmlns="" xmlns:a16="http://schemas.microsoft.com/office/drawing/2014/main" id="{2C8D0998-79BC-6FD2-59D9-8052B4A25F65}"/>
               </a:ext>
             </a:extLst>
           </p:cNvPr>
@@ -9558,7 +9558,7 @@
           <p:cNvPr id="5" name="Object 18">
             <a:extLst>
               <a:ext uri="{FF2B5EF4-FFF2-40B4-BE49-F238E27FC236}">
-                <a16:creationId xmlns:a16="http://schemas.microsoft.com/office/drawing/2014/main" xmlns="" id="{3F58EA3E-1018-64D3-FAB2-4F6B9618FA56}"/>
+                <a16:creationId xmlns="" xmlns:a16="http://schemas.microsoft.com/office/drawing/2014/main" id="{3F58EA3E-1018-64D3-FAB2-4F6B9618FA56}"/>
               </a:ext>
             </a:extLst>
           </p:cNvPr>
@@ -9588,7 +9588,7 @@
           <p:cNvPr id="8" name="TextBox 7">
             <a:extLst>
               <a:ext uri="{FF2B5EF4-FFF2-40B4-BE49-F238E27FC236}">
-                <a16:creationId xmlns:a16="http://schemas.microsoft.com/office/drawing/2014/main" xmlns="" id="{681D3F16-7DCF-41AD-F5F1-0558C78C0E4D}"/>
+                <a16:creationId xmlns="" xmlns:a16="http://schemas.microsoft.com/office/drawing/2014/main" id="{681D3F16-7DCF-41AD-F5F1-0558C78C0E4D}"/>
               </a:ext>
             </a:extLst>
           </p:cNvPr>
@@ -10036,7 +10036,7 @@
           <p:cNvPr id="104" name="TextBox 103">
             <a:extLst>
               <a:ext uri="{FF2B5EF4-FFF2-40B4-BE49-F238E27FC236}">
-                <a16:creationId xmlns:a16="http://schemas.microsoft.com/office/drawing/2014/main" xmlns="" id="{5ADC00B6-990A-40DC-3CEA-505258F5E8DA}"/>
+                <a16:creationId xmlns="" xmlns:a16="http://schemas.microsoft.com/office/drawing/2014/main" id="{5ADC00B6-990A-40DC-3CEA-505258F5E8DA}"/>
               </a:ext>
             </a:extLst>
           </p:cNvPr>
@@ -10084,7 +10084,7 @@
           <p:cNvPr id="105" name="TextBox 104">
             <a:extLst>
               <a:ext uri="{FF2B5EF4-FFF2-40B4-BE49-F238E27FC236}">
-                <a16:creationId xmlns:a16="http://schemas.microsoft.com/office/drawing/2014/main" xmlns="" id="{5ADC00B6-990A-40DC-3CEA-505258F5E8DA}"/>
+                <a16:creationId xmlns="" xmlns:a16="http://schemas.microsoft.com/office/drawing/2014/main" id="{5ADC00B6-990A-40DC-3CEA-505258F5E8DA}"/>
               </a:ext>
             </a:extLst>
           </p:cNvPr>
@@ -10132,7 +10132,7 @@
           <p:cNvPr id="106" name="TextBox 105">
             <a:extLst>
               <a:ext uri="{FF2B5EF4-FFF2-40B4-BE49-F238E27FC236}">
-                <a16:creationId xmlns:a16="http://schemas.microsoft.com/office/drawing/2014/main" xmlns="" id="{A2AD056B-97A4-5BCC-4460-250160F3E171}"/>
+                <a16:creationId xmlns="" xmlns:a16="http://schemas.microsoft.com/office/drawing/2014/main" id="{A2AD056B-97A4-5BCC-4460-250160F3E171}"/>
               </a:ext>
             </a:extLst>
           </p:cNvPr>
@@ -10199,7 +10199,7 @@
           <p:cNvPr id="107" name="TextBox 106">
             <a:extLst>
               <a:ext uri="{FF2B5EF4-FFF2-40B4-BE49-F238E27FC236}">
-                <a16:creationId xmlns:a16="http://schemas.microsoft.com/office/drawing/2014/main" xmlns="" id="{A2AD056B-97A4-5BCC-4460-250160F3E171}"/>
+                <a16:creationId xmlns="" xmlns:a16="http://schemas.microsoft.com/office/drawing/2014/main" id="{A2AD056B-97A4-5BCC-4460-250160F3E171}"/>
               </a:ext>
             </a:extLst>
           </p:cNvPr>
@@ -10266,7 +10266,7 @@
           <p:cNvPr id="108" name="TextBox 107">
             <a:extLst>
               <a:ext uri="{FF2B5EF4-FFF2-40B4-BE49-F238E27FC236}">
-                <a16:creationId xmlns:a16="http://schemas.microsoft.com/office/drawing/2014/main" xmlns="" id="{A2AD056B-97A4-5BCC-4460-250160F3E171}"/>
+                <a16:creationId xmlns="" xmlns:a16="http://schemas.microsoft.com/office/drawing/2014/main" id="{A2AD056B-97A4-5BCC-4460-250160F3E171}"/>
               </a:ext>
             </a:extLst>
           </p:cNvPr>
@@ -10346,7 +10346,7 @@
           <p:cNvPr id="109" name="TextBox 108">
             <a:extLst>
               <a:ext uri="{FF2B5EF4-FFF2-40B4-BE49-F238E27FC236}">
-                <a16:creationId xmlns:a16="http://schemas.microsoft.com/office/drawing/2014/main" xmlns="" id="{A2AD056B-97A4-5BCC-4460-250160F3E171}"/>
+                <a16:creationId xmlns="" xmlns:a16="http://schemas.microsoft.com/office/drawing/2014/main" id="{A2AD056B-97A4-5BCC-4460-250160F3E171}"/>
               </a:ext>
             </a:extLst>
           </p:cNvPr>
@@ -10403,7 +10403,7 @@
           <p:cNvPr id="110" name="TextBox 109">
             <a:extLst>
               <a:ext uri="{FF2B5EF4-FFF2-40B4-BE49-F238E27FC236}">
-                <a16:creationId xmlns:a16="http://schemas.microsoft.com/office/drawing/2014/main" xmlns="" id="{A2AD056B-97A4-5BCC-4460-250160F3E171}"/>
+                <a16:creationId xmlns="" xmlns:a16="http://schemas.microsoft.com/office/drawing/2014/main" id="{A2AD056B-97A4-5BCC-4460-250160F3E171}"/>
               </a:ext>
             </a:extLst>
           </p:cNvPr>
@@ -10457,7 +10457,7 @@
           <p:cNvPr id="111" name="TextBox 110">
             <a:extLst>
               <a:ext uri="{FF2B5EF4-FFF2-40B4-BE49-F238E27FC236}">
-                <a16:creationId xmlns:a16="http://schemas.microsoft.com/office/drawing/2014/main" xmlns="" id="{A2AD056B-97A4-5BCC-4460-250160F3E171}"/>
+                <a16:creationId xmlns="" xmlns:a16="http://schemas.microsoft.com/office/drawing/2014/main" id="{A2AD056B-97A4-5BCC-4460-250160F3E171}"/>
               </a:ext>
             </a:extLst>
           </p:cNvPr>
@@ -10593,7 +10593,7 @@
           <p:cNvPr id="4" name="TextBox 3">
             <a:extLst>
               <a:ext uri="{FF2B5EF4-FFF2-40B4-BE49-F238E27FC236}">
-                <a16:creationId xmlns:a16="http://schemas.microsoft.com/office/drawing/2014/main" xmlns="" id="{5ADC00B6-990A-40DC-3CEA-505258F5E8DA}"/>
+                <a16:creationId xmlns="" xmlns:a16="http://schemas.microsoft.com/office/drawing/2014/main" id="{5ADC00B6-990A-40DC-3CEA-505258F5E8DA}"/>
               </a:ext>
             </a:extLst>
           </p:cNvPr>
@@ -10644,7 +10644,7 @@
           <p:cNvPr id="2" name="TextBox 1">
             <a:extLst>
               <a:ext uri="{FF2B5EF4-FFF2-40B4-BE49-F238E27FC236}">
-                <a16:creationId xmlns:a16="http://schemas.microsoft.com/office/drawing/2014/main" xmlns="" id="{4466AA1F-9098-4B5C-E98B-FF40B15DCDE3}"/>
+                <a16:creationId xmlns="" xmlns:a16="http://schemas.microsoft.com/office/drawing/2014/main" id="{4466AA1F-9098-4B5C-E98B-FF40B15DCDE3}"/>
               </a:ext>
             </a:extLst>
           </p:cNvPr>
@@ -11093,7 +11093,7 @@
           <p:cNvPr id="7" name="그림 6">
             <a:extLst>
               <a:ext uri="{FF2B5EF4-FFF2-40B4-BE49-F238E27FC236}">
-                <a16:creationId xmlns:a16="http://schemas.microsoft.com/office/drawing/2014/main" xmlns="" id="{72C5CAD3-6601-2262-55D4-98A13B10F302}"/>
+                <a16:creationId xmlns="" xmlns:a16="http://schemas.microsoft.com/office/drawing/2014/main" id="{72C5CAD3-6601-2262-55D4-98A13B10F302}"/>
               </a:ext>
             </a:extLst>
           </p:cNvPr>
@@ -11123,7 +11123,7 @@
           <p:cNvPr id="9" name="그림 8">
             <a:extLst>
               <a:ext uri="{FF2B5EF4-FFF2-40B4-BE49-F238E27FC236}">
-                <a16:creationId xmlns:a16="http://schemas.microsoft.com/office/drawing/2014/main" xmlns="" id="{B07AF2DA-9563-061F-1C99-ED0CC1E657AB}"/>
+                <a16:creationId xmlns="" xmlns:a16="http://schemas.microsoft.com/office/drawing/2014/main" id="{B07AF2DA-9563-061F-1C99-ED0CC1E657AB}"/>
               </a:ext>
             </a:extLst>
           </p:cNvPr>
@@ -11153,7 +11153,7 @@
           <p:cNvPr id="10" name="그림 9">
             <a:extLst>
               <a:ext uri="{FF2B5EF4-FFF2-40B4-BE49-F238E27FC236}">
-                <a16:creationId xmlns:a16="http://schemas.microsoft.com/office/drawing/2014/main" xmlns="" id="{237FE5FE-73A4-460A-C18F-2B34149F6488}"/>
+                <a16:creationId xmlns="" xmlns:a16="http://schemas.microsoft.com/office/drawing/2014/main" id="{237FE5FE-73A4-460A-C18F-2B34149F6488}"/>
               </a:ext>
             </a:extLst>
           </p:cNvPr>
@@ -11195,7 +11195,7 @@
           <p:cNvPr id="11" name="그림 10">
             <a:extLst>
               <a:ext uri="{FF2B5EF4-FFF2-40B4-BE49-F238E27FC236}">
-                <a16:creationId xmlns:a16="http://schemas.microsoft.com/office/drawing/2014/main" xmlns="" id="{73CCAE62-C79A-BA88-4EA8-6DC6F053160D}"/>
+                <a16:creationId xmlns="" xmlns:a16="http://schemas.microsoft.com/office/drawing/2014/main" id="{73CCAE62-C79A-BA88-4EA8-6DC6F053160D}"/>
               </a:ext>
             </a:extLst>
           </p:cNvPr>
@@ -11267,7 +11267,7 @@
           <p:cNvPr id="4" name="TextBox 3">
             <a:extLst>
               <a:ext uri="{FF2B5EF4-FFF2-40B4-BE49-F238E27FC236}">
-                <a16:creationId xmlns:a16="http://schemas.microsoft.com/office/drawing/2014/main" xmlns="" id="{54C72A80-3131-1BEE-91F5-8BB94F20F622}"/>
+                <a16:creationId xmlns="" xmlns:a16="http://schemas.microsoft.com/office/drawing/2014/main" id="{54C72A80-3131-1BEE-91F5-8BB94F20F622}"/>
               </a:ext>
             </a:extLst>
           </p:cNvPr>
@@ -11410,7 +11410,7 @@
           <p:cNvPr id="5" name="표 4">
             <a:extLst>
               <a:ext uri="{FF2B5EF4-FFF2-40B4-BE49-F238E27FC236}">
-                <a16:creationId xmlns:a16="http://schemas.microsoft.com/office/drawing/2014/main" xmlns="" id="{9BF22145-FC6D-D18A-3911-E9625B6CE794}"/>
+                <a16:creationId xmlns="" xmlns:a16="http://schemas.microsoft.com/office/drawing/2014/main" id="{9BF22145-FC6D-D18A-3911-E9625B6CE794}"/>
               </a:ext>
             </a:extLst>
           </p:cNvPr>
@@ -11439,21 +11439,21 @@
                 <a:gridCol w="1768593">
                   <a:extLst>
                     <a:ext uri="{9D8B030D-6E8A-4147-A177-3AD203B41FA5}">
-                      <a16:colId xmlns:a16="http://schemas.microsoft.com/office/drawing/2014/main" xmlns="" val="1278239369"/>
+                      <a16:colId xmlns="" xmlns:a16="http://schemas.microsoft.com/office/drawing/2014/main" val="1278239369"/>
                     </a:ext>
                   </a:extLst>
                 </a:gridCol>
                 <a:gridCol w="2122311">
                   <a:extLst>
                     <a:ext uri="{9D8B030D-6E8A-4147-A177-3AD203B41FA5}">
-                      <a16:colId xmlns:a16="http://schemas.microsoft.com/office/drawing/2014/main" xmlns="" val="1054292436"/>
+                      <a16:colId xmlns="" xmlns:a16="http://schemas.microsoft.com/office/drawing/2014/main" val="1054292436"/>
                     </a:ext>
                   </a:extLst>
                 </a:gridCol>
                 <a:gridCol w="3271897">
                   <a:extLst>
                     <a:ext uri="{9D8B030D-6E8A-4147-A177-3AD203B41FA5}">
-                      <a16:colId xmlns:a16="http://schemas.microsoft.com/office/drawing/2014/main" xmlns="" val="225730716"/>
+                      <a16:colId xmlns="" xmlns:a16="http://schemas.microsoft.com/office/drawing/2014/main" val="225730716"/>
                     </a:ext>
                   </a:extLst>
                 </a:gridCol>
@@ -11641,7 +11641,7 @@
                 </a:tc>
                 <a:extLst>
                   <a:ext uri="{0D108BD9-81ED-4DB2-BD59-A6C34878D82A}">
-                    <a16:rowId xmlns:a16="http://schemas.microsoft.com/office/drawing/2014/main" xmlns="" val="2654211035"/>
+                    <a16:rowId xmlns="" xmlns:a16="http://schemas.microsoft.com/office/drawing/2014/main" val="2654211035"/>
                   </a:ext>
                 </a:extLst>
               </a:tr>
@@ -11860,7 +11860,7 @@
                 </a:tc>
                 <a:extLst>
                   <a:ext uri="{0D108BD9-81ED-4DB2-BD59-A6C34878D82A}">
-                    <a16:rowId xmlns:a16="http://schemas.microsoft.com/office/drawing/2014/main" xmlns="" val="2013197181"/>
+                    <a16:rowId xmlns="" xmlns:a16="http://schemas.microsoft.com/office/drawing/2014/main" val="2013197181"/>
                   </a:ext>
                 </a:extLst>
               </a:tr>
@@ -12106,7 +12106,7 @@
                 </a:tc>
                 <a:extLst>
                   <a:ext uri="{0D108BD9-81ED-4DB2-BD59-A6C34878D82A}">
-                    <a16:rowId xmlns:a16="http://schemas.microsoft.com/office/drawing/2014/main" xmlns="" val="10002"/>
+                    <a16:rowId xmlns="" xmlns:a16="http://schemas.microsoft.com/office/drawing/2014/main" val="10002"/>
                   </a:ext>
                 </a:extLst>
               </a:tr>
@@ -12315,7 +12315,7 @@
                 </a:tc>
                 <a:extLst>
                   <a:ext uri="{0D108BD9-81ED-4DB2-BD59-A6C34878D82A}">
-                    <a16:rowId xmlns:a16="http://schemas.microsoft.com/office/drawing/2014/main" xmlns="" val="2280857763"/>
+                    <a16:rowId xmlns="" xmlns:a16="http://schemas.microsoft.com/office/drawing/2014/main" val="2280857763"/>
                   </a:ext>
                 </a:extLst>
               </a:tr>
@@ -12499,7 +12499,7 @@
                 </a:tc>
                 <a:extLst>
                   <a:ext uri="{0D108BD9-81ED-4DB2-BD59-A6C34878D82A}">
-                    <a16:rowId xmlns:a16="http://schemas.microsoft.com/office/drawing/2014/main" xmlns="" val="1463387718"/>
+                    <a16:rowId xmlns="" xmlns:a16="http://schemas.microsoft.com/office/drawing/2014/main" val="1463387718"/>
                   </a:ext>
                 </a:extLst>
               </a:tr>
@@ -12560,7 +12560,7 @@
           <p:cNvPr id="3" name="그림 2">
             <a:extLst>
               <a:ext uri="{FF2B5EF4-FFF2-40B4-BE49-F238E27FC236}">
-                <a16:creationId xmlns:a16="http://schemas.microsoft.com/office/drawing/2014/main" xmlns="" id="{0923DFA7-A093-8BEE-D1D2-0072FE83A3CC}"/>
+                <a16:creationId xmlns="" xmlns:a16="http://schemas.microsoft.com/office/drawing/2014/main" id="{0923DFA7-A093-8BEE-D1D2-0072FE83A3CC}"/>
               </a:ext>
             </a:extLst>
           </p:cNvPr>
@@ -12620,7 +12620,7 @@
           <p:cNvPr id="9" name="그림 8">
             <a:extLst>
               <a:ext uri="{FF2B5EF4-FFF2-40B4-BE49-F238E27FC236}">
-                <a16:creationId xmlns:a16="http://schemas.microsoft.com/office/drawing/2014/main" xmlns="" id="{48C8AD1C-41CC-C6CB-2FBA-8CFE37A739E4}"/>
+                <a16:creationId xmlns="" xmlns:a16="http://schemas.microsoft.com/office/drawing/2014/main" id="{48C8AD1C-41CC-C6CB-2FBA-8CFE37A739E4}"/>
               </a:ext>
             </a:extLst>
           </p:cNvPr>
@@ -12650,7 +12650,7 @@
           <p:cNvPr id="11" name="그림 10">
             <a:extLst>
               <a:ext uri="{FF2B5EF4-FFF2-40B4-BE49-F238E27FC236}">
-                <a16:creationId xmlns:a16="http://schemas.microsoft.com/office/drawing/2014/main" xmlns="" id="{06D3336B-16C2-810F-B9F0-FF9A549A0BD3}"/>
+                <a16:creationId xmlns="" xmlns:a16="http://schemas.microsoft.com/office/drawing/2014/main" id="{06D3336B-16C2-810F-B9F0-FF9A549A0BD3}"/>
               </a:ext>
             </a:extLst>
           </p:cNvPr>
@@ -12680,7 +12680,7 @@
           <p:cNvPr id="13" name="그림 12">
             <a:extLst>
               <a:ext uri="{FF2B5EF4-FFF2-40B4-BE49-F238E27FC236}">
-                <a16:creationId xmlns:a16="http://schemas.microsoft.com/office/drawing/2014/main" xmlns="" id="{09697E52-07D3-F4D8-6405-1B8B7906EB97}"/>
+                <a16:creationId xmlns="" xmlns:a16="http://schemas.microsoft.com/office/drawing/2014/main" id="{09697E52-07D3-F4D8-6405-1B8B7906EB97}"/>
               </a:ext>
             </a:extLst>
           </p:cNvPr>
@@ -12710,7 +12710,7 @@
           <p:cNvPr id="14" name="직사각형 13">
             <a:extLst>
               <a:ext uri="{FF2B5EF4-FFF2-40B4-BE49-F238E27FC236}">
-                <a16:creationId xmlns:a16="http://schemas.microsoft.com/office/drawing/2014/main" xmlns="" id="{1DA5602A-2EEA-8A84-7CBB-19F9A1938E18}"/>
+                <a16:creationId xmlns="" xmlns:a16="http://schemas.microsoft.com/office/drawing/2014/main" id="{1DA5602A-2EEA-8A84-7CBB-19F9A1938E18}"/>
               </a:ext>
             </a:extLst>
           </p:cNvPr>
@@ -12957,7 +12957,7 @@
           <p:cNvPr id="4" name="TextBox 3">
             <a:extLst>
               <a:ext uri="{FF2B5EF4-FFF2-40B4-BE49-F238E27FC236}">
-                <a16:creationId xmlns:a16="http://schemas.microsoft.com/office/drawing/2014/main" xmlns="" id="{977D0E5D-2B21-3701-B400-D1B6B86913C5}"/>
+                <a16:creationId xmlns="" xmlns:a16="http://schemas.microsoft.com/office/drawing/2014/main" id="{977D0E5D-2B21-3701-B400-D1B6B86913C5}"/>
               </a:ext>
             </a:extLst>
           </p:cNvPr>
@@ -13430,7 +13430,7 @@
           <p:cNvPr id="6" name="그룹 1018">
             <a:extLst>
               <a:ext uri="{FF2B5EF4-FFF2-40B4-BE49-F238E27FC236}">
-                <a16:creationId xmlns:a16="http://schemas.microsoft.com/office/drawing/2014/main" xmlns="" id="{FF6D0813-174C-2AEF-7FE3-84BE351DB13F}"/>
+                <a16:creationId xmlns="" xmlns:a16="http://schemas.microsoft.com/office/drawing/2014/main" id="{FF6D0813-174C-2AEF-7FE3-84BE351DB13F}"/>
               </a:ext>
             </a:extLst>
           </p:cNvPr>
@@ -13450,7 +13450,7 @@
             <p:cNvPr id="7" name="Object 61">
               <a:extLst>
                 <a:ext uri="{FF2B5EF4-FFF2-40B4-BE49-F238E27FC236}">
-                  <a16:creationId xmlns:a16="http://schemas.microsoft.com/office/drawing/2014/main" xmlns="" id="{1CC1D4DA-CAEC-480A-11F0-8148A6DB0742}"/>
+                  <a16:creationId xmlns="" xmlns:a16="http://schemas.microsoft.com/office/drawing/2014/main" id="{1CC1D4DA-CAEC-480A-11F0-8148A6DB0742}"/>
                 </a:ext>
               </a:extLst>
             </p:cNvPr>
@@ -13481,7 +13481,7 @@
           <p:cNvPr id="8" name="그룹 1021">
             <a:extLst>
               <a:ext uri="{FF2B5EF4-FFF2-40B4-BE49-F238E27FC236}">
-                <a16:creationId xmlns:a16="http://schemas.microsoft.com/office/drawing/2014/main" xmlns="" id="{72567BE2-4142-1507-51C7-02AD44A47DD9}"/>
+                <a16:creationId xmlns="" xmlns:a16="http://schemas.microsoft.com/office/drawing/2014/main" id="{72567BE2-4142-1507-51C7-02AD44A47DD9}"/>
               </a:ext>
             </a:extLst>
           </p:cNvPr>
@@ -13501,7 +13501,7 @@
             <p:cNvPr id="9" name="Object 71">
               <a:extLst>
                 <a:ext uri="{FF2B5EF4-FFF2-40B4-BE49-F238E27FC236}">
-                  <a16:creationId xmlns:a16="http://schemas.microsoft.com/office/drawing/2014/main" xmlns="" id="{6CBB375A-1078-96AD-A230-8D0F546371AE}"/>
+                  <a16:creationId xmlns="" xmlns:a16="http://schemas.microsoft.com/office/drawing/2014/main" id="{6CBB375A-1078-96AD-A230-8D0F546371AE}"/>
                 </a:ext>
               </a:extLst>
             </p:cNvPr>
@@ -13532,7 +13532,7 @@
           <p:cNvPr id="10" name="그룹 1024">
             <a:extLst>
               <a:ext uri="{FF2B5EF4-FFF2-40B4-BE49-F238E27FC236}">
-                <a16:creationId xmlns:a16="http://schemas.microsoft.com/office/drawing/2014/main" xmlns="" id="{63321723-62E2-1BED-BC51-1AE6B794C21A}"/>
+                <a16:creationId xmlns="" xmlns:a16="http://schemas.microsoft.com/office/drawing/2014/main" id="{63321723-62E2-1BED-BC51-1AE6B794C21A}"/>
               </a:ext>
             </a:extLst>
           </p:cNvPr>
@@ -13552,7 +13552,7 @@
             <p:cNvPr id="11" name="Object 81">
               <a:extLst>
                 <a:ext uri="{FF2B5EF4-FFF2-40B4-BE49-F238E27FC236}">
-                  <a16:creationId xmlns:a16="http://schemas.microsoft.com/office/drawing/2014/main" xmlns="" id="{FF21B703-2154-73EB-EFE3-403DB42CEF86}"/>
+                  <a16:creationId xmlns="" xmlns:a16="http://schemas.microsoft.com/office/drawing/2014/main" id="{FF21B703-2154-73EB-EFE3-403DB42CEF86}"/>
                 </a:ext>
               </a:extLst>
             </p:cNvPr>
@@ -13583,7 +13583,7 @@
           <p:cNvPr id="13" name="TextBox 12">
             <a:extLst>
               <a:ext uri="{FF2B5EF4-FFF2-40B4-BE49-F238E27FC236}">
-                <a16:creationId xmlns:a16="http://schemas.microsoft.com/office/drawing/2014/main" xmlns="" id="{D0722A3F-9C07-13EF-33C8-2013F2F3B499}"/>
+                <a16:creationId xmlns="" xmlns:a16="http://schemas.microsoft.com/office/drawing/2014/main" id="{D0722A3F-9C07-13EF-33C8-2013F2F3B499}"/>
               </a:ext>
             </a:extLst>
           </p:cNvPr>
@@ -13631,7 +13631,7 @@
           <p:cNvPr id="14" name="TextBox 13">
             <a:extLst>
               <a:ext uri="{FF2B5EF4-FFF2-40B4-BE49-F238E27FC236}">
-                <a16:creationId xmlns:a16="http://schemas.microsoft.com/office/drawing/2014/main" xmlns="" id="{2C2687E4-55C4-46C9-3639-4A50B8AF6A20}"/>
+                <a16:creationId xmlns="" xmlns:a16="http://schemas.microsoft.com/office/drawing/2014/main" id="{2C2687E4-55C4-46C9-3639-4A50B8AF6A20}"/>
               </a:ext>
             </a:extLst>
           </p:cNvPr>
@@ -13679,7 +13679,7 @@
           <p:cNvPr id="15" name="TextBox 14">
             <a:extLst>
               <a:ext uri="{FF2B5EF4-FFF2-40B4-BE49-F238E27FC236}">
-                <a16:creationId xmlns:a16="http://schemas.microsoft.com/office/drawing/2014/main" xmlns="" id="{96CB367E-6999-25FC-D777-1F8582B9351B}"/>
+                <a16:creationId xmlns="" xmlns:a16="http://schemas.microsoft.com/office/drawing/2014/main" id="{96CB367E-6999-25FC-D777-1F8582B9351B}"/>
               </a:ext>
             </a:extLst>
           </p:cNvPr>
@@ -13727,7 +13727,7 @@
           <p:cNvPr id="16" name="직선 화살표 연결선 15">
             <a:extLst>
               <a:ext uri="{FF2B5EF4-FFF2-40B4-BE49-F238E27FC236}">
-                <a16:creationId xmlns:a16="http://schemas.microsoft.com/office/drawing/2014/main" xmlns="" id="{CC609457-2107-75A0-2F00-A0E67DEB2838}"/>
+                <a16:creationId xmlns="" xmlns:a16="http://schemas.microsoft.com/office/drawing/2014/main" id="{CC609457-2107-75A0-2F00-A0E67DEB2838}"/>
               </a:ext>
             </a:extLst>
           </p:cNvPr>
@@ -13770,7 +13770,7 @@
           <p:cNvPr id="17" name="직선 화살표 연결선 16">
             <a:extLst>
               <a:ext uri="{FF2B5EF4-FFF2-40B4-BE49-F238E27FC236}">
-                <a16:creationId xmlns:a16="http://schemas.microsoft.com/office/drawing/2014/main" xmlns="" id="{55D90E96-AA0B-76A3-FCFC-15783D2FBFC3}"/>
+                <a16:creationId xmlns="" xmlns:a16="http://schemas.microsoft.com/office/drawing/2014/main" id="{55D90E96-AA0B-76A3-FCFC-15783D2FBFC3}"/>
               </a:ext>
             </a:extLst>
           </p:cNvPr>
@@ -13812,7 +13812,7 @@
           <p:cNvPr id="18" name="직선 화살표 연결선 17">
             <a:extLst>
               <a:ext uri="{FF2B5EF4-FFF2-40B4-BE49-F238E27FC236}">
-                <a16:creationId xmlns:a16="http://schemas.microsoft.com/office/drawing/2014/main" xmlns="" id="{075EBFC3-8A3D-CB55-A397-FDDB8D6684CB}"/>
+                <a16:creationId xmlns="" xmlns:a16="http://schemas.microsoft.com/office/drawing/2014/main" id="{075EBFC3-8A3D-CB55-A397-FDDB8D6684CB}"/>
               </a:ext>
             </a:extLst>
           </p:cNvPr>
@@ -13855,7 +13855,7 @@
           <p:cNvPr id="20" name="그룹 1021">
             <a:extLst>
               <a:ext uri="{FF2B5EF4-FFF2-40B4-BE49-F238E27FC236}">
-                <a16:creationId xmlns:a16="http://schemas.microsoft.com/office/drawing/2014/main" xmlns="" id="{3B7AC103-DB0D-2EC0-2927-68EB5A23CFC5}"/>
+                <a16:creationId xmlns="" xmlns:a16="http://schemas.microsoft.com/office/drawing/2014/main" id="{3B7AC103-DB0D-2EC0-2927-68EB5A23CFC5}"/>
               </a:ext>
             </a:extLst>
           </p:cNvPr>
@@ -13875,7 +13875,7 @@
             <p:cNvPr id="21" name="Object 71">
               <a:extLst>
                 <a:ext uri="{FF2B5EF4-FFF2-40B4-BE49-F238E27FC236}">
-                  <a16:creationId xmlns:a16="http://schemas.microsoft.com/office/drawing/2014/main" xmlns="" id="{7BA0A3B2-1A1D-CB2E-6589-4B82F0F472E3}"/>
+                  <a16:creationId xmlns="" xmlns:a16="http://schemas.microsoft.com/office/drawing/2014/main" id="{7BA0A3B2-1A1D-CB2E-6589-4B82F0F472E3}"/>
                 </a:ext>
               </a:extLst>
             </p:cNvPr>
@@ -13906,7 +13906,7 @@
           <p:cNvPr id="22" name="TextBox 21">
             <a:extLst>
               <a:ext uri="{FF2B5EF4-FFF2-40B4-BE49-F238E27FC236}">
-                <a16:creationId xmlns:a16="http://schemas.microsoft.com/office/drawing/2014/main" xmlns="" id="{D98C665C-D69B-4557-A621-332E8BC5BD44}"/>
+                <a16:creationId xmlns="" xmlns:a16="http://schemas.microsoft.com/office/drawing/2014/main" id="{D98C665C-D69B-4557-A621-332E8BC5BD44}"/>
               </a:ext>
             </a:extLst>
           </p:cNvPr>
@@ -13954,7 +13954,7 @@
           <p:cNvPr id="23" name="그룹 1021">
             <a:extLst>
               <a:ext uri="{FF2B5EF4-FFF2-40B4-BE49-F238E27FC236}">
-                <a16:creationId xmlns:a16="http://schemas.microsoft.com/office/drawing/2014/main" xmlns="" id="{2B6256D3-01DD-B519-81CE-63FC43E28B52}"/>
+                <a16:creationId xmlns="" xmlns:a16="http://schemas.microsoft.com/office/drawing/2014/main" id="{2B6256D3-01DD-B519-81CE-63FC43E28B52}"/>
               </a:ext>
             </a:extLst>
           </p:cNvPr>
@@ -13974,7 +13974,7 @@
             <p:cNvPr id="24" name="Object 71">
               <a:extLst>
                 <a:ext uri="{FF2B5EF4-FFF2-40B4-BE49-F238E27FC236}">
-                  <a16:creationId xmlns:a16="http://schemas.microsoft.com/office/drawing/2014/main" xmlns="" id="{3999A018-81A5-EEDD-8EFB-77A6DBBC66EC}"/>
+                  <a16:creationId xmlns="" xmlns:a16="http://schemas.microsoft.com/office/drawing/2014/main" id="{3999A018-81A5-EEDD-8EFB-77A6DBBC66EC}"/>
                 </a:ext>
               </a:extLst>
             </p:cNvPr>
@@ -14005,7 +14005,7 @@
           <p:cNvPr id="25" name="TextBox 24">
             <a:extLst>
               <a:ext uri="{FF2B5EF4-FFF2-40B4-BE49-F238E27FC236}">
-                <a16:creationId xmlns:a16="http://schemas.microsoft.com/office/drawing/2014/main" xmlns="" id="{2BB88292-94F9-5DB8-CB9E-2AED0638CE03}"/>
+                <a16:creationId xmlns="" xmlns:a16="http://schemas.microsoft.com/office/drawing/2014/main" id="{2BB88292-94F9-5DB8-CB9E-2AED0638CE03}"/>
               </a:ext>
             </a:extLst>
           </p:cNvPr>
@@ -14053,7 +14053,7 @@
           <p:cNvPr id="26" name="TextBox 25">
             <a:extLst>
               <a:ext uri="{FF2B5EF4-FFF2-40B4-BE49-F238E27FC236}">
-                <a16:creationId xmlns:a16="http://schemas.microsoft.com/office/drawing/2014/main" xmlns="" id="{060D95C2-B256-7857-7EE3-5CEB710E4DBE}"/>
+                <a16:creationId xmlns="" xmlns:a16="http://schemas.microsoft.com/office/drawing/2014/main" id="{060D95C2-B256-7857-7EE3-5CEB710E4DBE}"/>
               </a:ext>
             </a:extLst>
           </p:cNvPr>
@@ -14105,7 +14105,7 @@
           <p:cNvPr id="27" name="직선 화살표 연결선 26">
             <a:extLst>
               <a:ext uri="{FF2B5EF4-FFF2-40B4-BE49-F238E27FC236}">
-                <a16:creationId xmlns:a16="http://schemas.microsoft.com/office/drawing/2014/main" xmlns="" id="{D5E72D79-1A7F-84E5-FD79-44305EF53B3A}"/>
+                <a16:creationId xmlns="" xmlns:a16="http://schemas.microsoft.com/office/drawing/2014/main" id="{D5E72D79-1A7F-84E5-FD79-44305EF53B3A}"/>
               </a:ext>
             </a:extLst>
           </p:cNvPr>
@@ -14146,7 +14146,7 @@
           <p:cNvPr id="33" name="직사각형 32">
             <a:extLst>
               <a:ext uri="{FF2B5EF4-FFF2-40B4-BE49-F238E27FC236}">
-                <a16:creationId xmlns:a16="http://schemas.microsoft.com/office/drawing/2014/main" xmlns="" id="{F1C42333-BA8B-4BAB-2ECA-18FB7ED2E539}"/>
+                <a16:creationId xmlns="" xmlns:a16="http://schemas.microsoft.com/office/drawing/2014/main" id="{F1C42333-BA8B-4BAB-2ECA-18FB7ED2E539}"/>
               </a:ext>
             </a:extLst>
           </p:cNvPr>
@@ -14303,7 +14303,7 @@
           <p:cNvPr id="4" name="그룹 1015">
             <a:extLst>
               <a:ext uri="{FF2B5EF4-FFF2-40B4-BE49-F238E27FC236}">
-                <a16:creationId xmlns:a16="http://schemas.microsoft.com/office/drawing/2014/main" xmlns="" id="{040504CF-6BB7-1FE0-5AE0-FA417D087623}"/>
+                <a16:creationId xmlns="" xmlns:a16="http://schemas.microsoft.com/office/drawing/2014/main" id="{040504CF-6BB7-1FE0-5AE0-FA417D087623}"/>
               </a:ext>
             </a:extLst>
           </p:cNvPr>
@@ -14323,7 +14323,7 @@
             <p:cNvPr id="5" name="Object 52">
               <a:extLst>
                 <a:ext uri="{FF2B5EF4-FFF2-40B4-BE49-F238E27FC236}">
-                  <a16:creationId xmlns:a16="http://schemas.microsoft.com/office/drawing/2014/main" xmlns="" id="{B39A0CCA-90B5-9203-05F4-4C58DCD7E11A}"/>
+                  <a16:creationId xmlns="" xmlns:a16="http://schemas.microsoft.com/office/drawing/2014/main" id="{B39A0CCA-90B5-9203-05F4-4C58DCD7E11A}"/>
                 </a:ext>
               </a:extLst>
             </p:cNvPr>
@@ -14354,7 +14354,7 @@
           <p:cNvPr id="6" name="그룹 1018">
             <a:extLst>
               <a:ext uri="{FF2B5EF4-FFF2-40B4-BE49-F238E27FC236}">
-                <a16:creationId xmlns:a16="http://schemas.microsoft.com/office/drawing/2014/main" xmlns="" id="{132A09D5-8629-69D6-8BC6-AA335853C834}"/>
+                <a16:creationId xmlns="" xmlns:a16="http://schemas.microsoft.com/office/drawing/2014/main" id="{132A09D5-8629-69D6-8BC6-AA335853C834}"/>
               </a:ext>
             </a:extLst>
           </p:cNvPr>
@@ -14374,7 +14374,7 @@
             <p:cNvPr id="7" name="Object 61">
               <a:extLst>
                 <a:ext uri="{FF2B5EF4-FFF2-40B4-BE49-F238E27FC236}">
-                  <a16:creationId xmlns:a16="http://schemas.microsoft.com/office/drawing/2014/main" xmlns="" id="{70B56A8A-2F1F-1038-7A05-14F8F16B7D32}"/>
+                  <a16:creationId xmlns="" xmlns:a16="http://schemas.microsoft.com/office/drawing/2014/main" id="{70B56A8A-2F1F-1038-7A05-14F8F16B7D32}"/>
                 </a:ext>
               </a:extLst>
             </p:cNvPr>
@@ -14405,7 +14405,7 @@
           <p:cNvPr id="8" name="그룹 1021">
             <a:extLst>
               <a:ext uri="{FF2B5EF4-FFF2-40B4-BE49-F238E27FC236}">
-                <a16:creationId xmlns:a16="http://schemas.microsoft.com/office/drawing/2014/main" xmlns="" id="{0CC477DA-AA27-4274-BDF5-DAB3FD176CFE}"/>
+                <a16:creationId xmlns="" xmlns:a16="http://schemas.microsoft.com/office/drawing/2014/main" id="{0CC477DA-AA27-4274-BDF5-DAB3FD176CFE}"/>
               </a:ext>
             </a:extLst>
           </p:cNvPr>
@@ -14425,7 +14425,7 @@
             <p:cNvPr id="9" name="Object 71">
               <a:extLst>
                 <a:ext uri="{FF2B5EF4-FFF2-40B4-BE49-F238E27FC236}">
-                  <a16:creationId xmlns:a16="http://schemas.microsoft.com/office/drawing/2014/main" xmlns="" id="{181FBF60-0EB2-C1D5-852A-1E1A74801C09}"/>
+                  <a16:creationId xmlns="" xmlns:a16="http://schemas.microsoft.com/office/drawing/2014/main" id="{181FBF60-0EB2-C1D5-852A-1E1A74801C09}"/>
                 </a:ext>
               </a:extLst>
             </p:cNvPr>
@@ -14456,7 +14456,7 @@
           <p:cNvPr id="10" name="그룹 1024">
             <a:extLst>
               <a:ext uri="{FF2B5EF4-FFF2-40B4-BE49-F238E27FC236}">
-                <a16:creationId xmlns:a16="http://schemas.microsoft.com/office/drawing/2014/main" xmlns="" id="{522E4010-4303-2F70-E40B-05544D6CBD36}"/>
+                <a16:creationId xmlns="" xmlns:a16="http://schemas.microsoft.com/office/drawing/2014/main" id="{522E4010-4303-2F70-E40B-05544D6CBD36}"/>
               </a:ext>
             </a:extLst>
           </p:cNvPr>
@@ -14476,7 +14476,7 @@
             <p:cNvPr id="11" name="Object 81">
               <a:extLst>
                 <a:ext uri="{FF2B5EF4-FFF2-40B4-BE49-F238E27FC236}">
-                  <a16:creationId xmlns:a16="http://schemas.microsoft.com/office/drawing/2014/main" xmlns="" id="{B3E2F3B9-29E2-9DD1-A782-DCCAA0C1336A}"/>
+                  <a16:creationId xmlns="" xmlns:a16="http://schemas.microsoft.com/office/drawing/2014/main" id="{B3E2F3B9-29E2-9DD1-A782-DCCAA0C1336A}"/>
                 </a:ext>
               </a:extLst>
             </p:cNvPr>
@@ -14507,7 +14507,7 @@
           <p:cNvPr id="12" name="TextBox 11">
             <a:extLst>
               <a:ext uri="{FF2B5EF4-FFF2-40B4-BE49-F238E27FC236}">
-                <a16:creationId xmlns:a16="http://schemas.microsoft.com/office/drawing/2014/main" xmlns="" id="{12EF9009-8F0D-4724-25F0-53DB591E45ED}"/>
+                <a16:creationId xmlns="" xmlns:a16="http://schemas.microsoft.com/office/drawing/2014/main" id="{12EF9009-8F0D-4724-25F0-53DB591E45ED}"/>
               </a:ext>
             </a:extLst>
           </p:cNvPr>
@@ -14548,7 +14548,7 @@
           <p:cNvPr id="13" name="TextBox 12">
             <a:extLst>
               <a:ext uri="{FF2B5EF4-FFF2-40B4-BE49-F238E27FC236}">
-                <a16:creationId xmlns:a16="http://schemas.microsoft.com/office/drawing/2014/main" xmlns="" id="{3D221D2D-9D22-BBFE-703F-F9E61CE015B5}"/>
+                <a16:creationId xmlns="" xmlns:a16="http://schemas.microsoft.com/office/drawing/2014/main" id="{3D221D2D-9D22-BBFE-703F-F9E61CE015B5}"/>
               </a:ext>
             </a:extLst>
           </p:cNvPr>
@@ -14596,7 +14596,7 @@
           <p:cNvPr id="14" name="TextBox 13">
             <a:extLst>
               <a:ext uri="{FF2B5EF4-FFF2-40B4-BE49-F238E27FC236}">
-                <a16:creationId xmlns:a16="http://schemas.microsoft.com/office/drawing/2014/main" xmlns="" id="{881880A9-53CC-1EBC-648F-EB9C48F321D8}"/>
+                <a16:creationId xmlns="" xmlns:a16="http://schemas.microsoft.com/office/drawing/2014/main" id="{881880A9-53CC-1EBC-648F-EB9C48F321D8}"/>
               </a:ext>
             </a:extLst>
           </p:cNvPr>
@@ -14644,7 +14644,7 @@
           <p:cNvPr id="15" name="TextBox 14">
             <a:extLst>
               <a:ext uri="{FF2B5EF4-FFF2-40B4-BE49-F238E27FC236}">
-                <a16:creationId xmlns:a16="http://schemas.microsoft.com/office/drawing/2014/main" xmlns="" id="{34A1F0B7-5832-48DC-FF9F-A7CF8EECC8BD}"/>
+                <a16:creationId xmlns="" xmlns:a16="http://schemas.microsoft.com/office/drawing/2014/main" id="{34A1F0B7-5832-48DC-FF9F-A7CF8EECC8BD}"/>
               </a:ext>
             </a:extLst>
           </p:cNvPr>
@@ -14692,7 +14692,7 @@
           <p:cNvPr id="16" name="직선 화살표 연결선 15">
             <a:extLst>
               <a:ext uri="{FF2B5EF4-FFF2-40B4-BE49-F238E27FC236}">
-                <a16:creationId xmlns:a16="http://schemas.microsoft.com/office/drawing/2014/main" xmlns="" id="{36C06701-27C0-0CAE-3DDF-E1D3361C970F}"/>
+                <a16:creationId xmlns="" xmlns:a16="http://schemas.microsoft.com/office/drawing/2014/main" id="{36C06701-27C0-0CAE-3DDF-E1D3361C970F}"/>
               </a:ext>
             </a:extLst>
           </p:cNvPr>
@@ -14735,7 +14735,7 @@
           <p:cNvPr id="17" name="직선 화살표 연결선 16">
             <a:extLst>
               <a:ext uri="{FF2B5EF4-FFF2-40B4-BE49-F238E27FC236}">
-                <a16:creationId xmlns:a16="http://schemas.microsoft.com/office/drawing/2014/main" xmlns="" id="{2AB7E563-7EBC-2C42-0B1C-F8FABBE2C696}"/>
+                <a16:creationId xmlns="" xmlns:a16="http://schemas.microsoft.com/office/drawing/2014/main" id="{2AB7E563-7EBC-2C42-0B1C-F8FABBE2C696}"/>
               </a:ext>
             </a:extLst>
           </p:cNvPr>
@@ -14776,7 +14776,7 @@
           <p:cNvPr id="18" name="직선 화살표 연결선 17">
             <a:extLst>
               <a:ext uri="{FF2B5EF4-FFF2-40B4-BE49-F238E27FC236}">
-                <a16:creationId xmlns:a16="http://schemas.microsoft.com/office/drawing/2014/main" xmlns="" id="{C38012CD-A73E-90AA-6309-1187C2579F46}"/>
+                <a16:creationId xmlns="" xmlns:a16="http://schemas.microsoft.com/office/drawing/2014/main" id="{C38012CD-A73E-90AA-6309-1187C2579F46}"/>
               </a:ext>
             </a:extLst>
           </p:cNvPr>
@@ -14818,7 +14818,7 @@
           <p:cNvPr id="19" name="직선 화살표 연결선 18">
             <a:extLst>
               <a:ext uri="{FF2B5EF4-FFF2-40B4-BE49-F238E27FC236}">
-                <a16:creationId xmlns:a16="http://schemas.microsoft.com/office/drawing/2014/main" xmlns="" id="{F6E54C16-A7F6-D050-0FB8-19CC459EC51C}"/>
+                <a16:creationId xmlns="" xmlns:a16="http://schemas.microsoft.com/office/drawing/2014/main" id="{F6E54C16-A7F6-D050-0FB8-19CC459EC51C}"/>
               </a:ext>
             </a:extLst>
           </p:cNvPr>
@@ -14859,7 +14859,7 @@
           <p:cNvPr id="20" name="그룹 1021">
             <a:extLst>
               <a:ext uri="{FF2B5EF4-FFF2-40B4-BE49-F238E27FC236}">
-                <a16:creationId xmlns:a16="http://schemas.microsoft.com/office/drawing/2014/main" xmlns="" id="{3B5966C3-2E69-9409-A7B7-09F684BCA18C}"/>
+                <a16:creationId xmlns="" xmlns:a16="http://schemas.microsoft.com/office/drawing/2014/main" id="{3B5966C3-2E69-9409-A7B7-09F684BCA18C}"/>
               </a:ext>
             </a:extLst>
           </p:cNvPr>
@@ -14879,7 +14879,7 @@
             <p:cNvPr id="21" name="Object 71">
               <a:extLst>
                 <a:ext uri="{FF2B5EF4-FFF2-40B4-BE49-F238E27FC236}">
-                  <a16:creationId xmlns:a16="http://schemas.microsoft.com/office/drawing/2014/main" xmlns="" id="{9BB3D9C7-524C-2ECB-5EA4-BADF6061FDE1}"/>
+                  <a16:creationId xmlns="" xmlns:a16="http://schemas.microsoft.com/office/drawing/2014/main" id="{9BB3D9C7-524C-2ECB-5EA4-BADF6061FDE1}"/>
                 </a:ext>
               </a:extLst>
             </p:cNvPr>
@@ -14910,7 +14910,7 @@
           <p:cNvPr id="22" name="TextBox 21">
             <a:extLst>
               <a:ext uri="{FF2B5EF4-FFF2-40B4-BE49-F238E27FC236}">
-                <a16:creationId xmlns:a16="http://schemas.microsoft.com/office/drawing/2014/main" xmlns="" id="{0E57763C-AF2D-6B74-13BD-EC57AFB88E9A}"/>
+                <a16:creationId xmlns="" xmlns:a16="http://schemas.microsoft.com/office/drawing/2014/main" id="{0E57763C-AF2D-6B74-13BD-EC57AFB88E9A}"/>
               </a:ext>
             </a:extLst>
           </p:cNvPr>
@@ -14958,7 +14958,7 @@
           <p:cNvPr id="23" name="그룹 1021">
             <a:extLst>
               <a:ext uri="{FF2B5EF4-FFF2-40B4-BE49-F238E27FC236}">
-                <a16:creationId xmlns:a16="http://schemas.microsoft.com/office/drawing/2014/main" xmlns="" id="{9C4C4FD8-FC12-A61C-9EED-29A1A3498DA6}"/>
+                <a16:creationId xmlns="" xmlns:a16="http://schemas.microsoft.com/office/drawing/2014/main" id="{9C4C4FD8-FC12-A61C-9EED-29A1A3498DA6}"/>
               </a:ext>
             </a:extLst>
           </p:cNvPr>
@@ -14978,7 +14978,7 @@
             <p:cNvPr id="24" name="Object 71">
               <a:extLst>
                 <a:ext uri="{FF2B5EF4-FFF2-40B4-BE49-F238E27FC236}">
-                  <a16:creationId xmlns:a16="http://schemas.microsoft.com/office/drawing/2014/main" xmlns="" id="{16F12E31-8AA2-157E-AFE1-D820F2DB2E8E}"/>
+                  <a16:creationId xmlns="" xmlns:a16="http://schemas.microsoft.com/office/drawing/2014/main" id="{16F12E31-8AA2-157E-AFE1-D820F2DB2E8E}"/>
                 </a:ext>
               </a:extLst>
             </p:cNvPr>
@@ -15009,7 +15009,7 @@
           <p:cNvPr id="25" name="TextBox 24">
             <a:extLst>
               <a:ext uri="{FF2B5EF4-FFF2-40B4-BE49-F238E27FC236}">
-                <a16:creationId xmlns:a16="http://schemas.microsoft.com/office/drawing/2014/main" xmlns="" id="{B04690F3-DEE8-4E91-238D-4897497A6A1C}"/>
+                <a16:creationId xmlns="" xmlns:a16="http://schemas.microsoft.com/office/drawing/2014/main" id="{B04690F3-DEE8-4E91-238D-4897497A6A1C}"/>
               </a:ext>
             </a:extLst>
           </p:cNvPr>
@@ -15057,7 +15057,7 @@
           <p:cNvPr id="26" name="TextBox 25">
             <a:extLst>
               <a:ext uri="{FF2B5EF4-FFF2-40B4-BE49-F238E27FC236}">
-                <a16:creationId xmlns:a16="http://schemas.microsoft.com/office/drawing/2014/main" xmlns="" id="{11095850-8F0E-5C56-CF17-BF9A8AB1B18F}"/>
+                <a16:creationId xmlns="" xmlns:a16="http://schemas.microsoft.com/office/drawing/2014/main" id="{11095850-8F0E-5C56-CF17-BF9A8AB1B18F}"/>
               </a:ext>
             </a:extLst>
           </p:cNvPr>
@@ -15109,7 +15109,7 @@
           <p:cNvPr id="27" name="직선 화살표 연결선 26">
             <a:extLst>
               <a:ext uri="{FF2B5EF4-FFF2-40B4-BE49-F238E27FC236}">
-                <a16:creationId xmlns:a16="http://schemas.microsoft.com/office/drawing/2014/main" xmlns="" id="{D0642274-09C3-03F5-2269-2BBD9CA1771C}"/>
+                <a16:creationId xmlns="" xmlns:a16="http://schemas.microsoft.com/office/drawing/2014/main" id="{D0642274-09C3-03F5-2269-2BBD9CA1771C}"/>
               </a:ext>
             </a:extLst>
           </p:cNvPr>
@@ -15150,7 +15150,7 @@
           <p:cNvPr id="30" name="직사각형 29">
             <a:extLst>
               <a:ext uri="{FF2B5EF4-FFF2-40B4-BE49-F238E27FC236}">
-                <a16:creationId xmlns:a16="http://schemas.microsoft.com/office/drawing/2014/main" xmlns="" id="{56BE7DA5-0B48-2DEF-57C9-B4EC36A563B7}"/>
+                <a16:creationId xmlns="" xmlns:a16="http://schemas.microsoft.com/office/drawing/2014/main" id="{56BE7DA5-0B48-2DEF-57C9-B4EC36A563B7}"/>
               </a:ext>
             </a:extLst>
           </p:cNvPr>
@@ -15307,7 +15307,7 @@
           <p:cNvPr id="5" name="그림 4">
             <a:extLst>
               <a:ext uri="{FF2B5EF4-FFF2-40B4-BE49-F238E27FC236}">
-                <a16:creationId xmlns:a16="http://schemas.microsoft.com/office/drawing/2014/main" xmlns="" id="{E9B70F69-B85D-0361-3544-F3F98D620330}"/>
+                <a16:creationId xmlns="" xmlns:a16="http://schemas.microsoft.com/office/drawing/2014/main" id="{E9B70F69-B85D-0361-3544-F3F98D620330}"/>
               </a:ext>
             </a:extLst>
           </p:cNvPr>
@@ -15337,7 +15337,7 @@
           <p:cNvPr id="7" name="그림 6">
             <a:extLst>
               <a:ext uri="{FF2B5EF4-FFF2-40B4-BE49-F238E27FC236}">
-                <a16:creationId xmlns:a16="http://schemas.microsoft.com/office/drawing/2014/main" xmlns="" id="{0F6CB6BB-7EC3-1841-2B12-9709A378F79D}"/>
+                <a16:creationId xmlns="" xmlns:a16="http://schemas.microsoft.com/office/drawing/2014/main" id="{0F6CB6BB-7EC3-1841-2B12-9709A378F79D}"/>
               </a:ext>
             </a:extLst>
           </p:cNvPr>
@@ -15367,7 +15367,7 @@
           <p:cNvPr id="9" name="그림 8">
             <a:extLst>
               <a:ext uri="{FF2B5EF4-FFF2-40B4-BE49-F238E27FC236}">
-                <a16:creationId xmlns:a16="http://schemas.microsoft.com/office/drawing/2014/main" xmlns="" id="{F597DBDC-FAEA-7E62-7E2D-B38E83E2E6F7}"/>
+                <a16:creationId xmlns="" xmlns:a16="http://schemas.microsoft.com/office/drawing/2014/main" id="{F597DBDC-FAEA-7E62-7E2D-B38E83E2E6F7}"/>
               </a:ext>
             </a:extLst>
           </p:cNvPr>
@@ -15397,7 +15397,7 @@
           <p:cNvPr id="10" name="직사각형 9">
             <a:extLst>
               <a:ext uri="{FF2B5EF4-FFF2-40B4-BE49-F238E27FC236}">
-                <a16:creationId xmlns:a16="http://schemas.microsoft.com/office/drawing/2014/main" xmlns="" id="{32CEF6A5-6668-1319-29CA-8C09BF2DE6ED}"/>
+                <a16:creationId xmlns="" xmlns:a16="http://schemas.microsoft.com/office/drawing/2014/main" id="{32CEF6A5-6668-1319-29CA-8C09BF2DE6ED}"/>
               </a:ext>
             </a:extLst>
           </p:cNvPr>
@@ -15742,7 +15742,7 @@
           <p:cNvPr id="2" name="TextBox 1">
             <a:extLst>
               <a:ext uri="{FF2B5EF4-FFF2-40B4-BE49-F238E27FC236}">
-                <a16:creationId xmlns:a16="http://schemas.microsoft.com/office/drawing/2014/main" xmlns="" id="{76F36AE5-79B5-0B9F-E510-1C27AAC4B649}"/>
+                <a16:creationId xmlns="" xmlns:a16="http://schemas.microsoft.com/office/drawing/2014/main" id="{76F36AE5-79B5-0B9F-E510-1C27AAC4B649}"/>
               </a:ext>
             </a:extLst>
           </p:cNvPr>
@@ -16008,7 +16008,7 @@
           <p:cNvPr id="2" name="TextBox 1">
             <a:extLst>
               <a:ext uri="{FF2B5EF4-FFF2-40B4-BE49-F238E27FC236}">
-                <a16:creationId xmlns:a16="http://schemas.microsoft.com/office/drawing/2014/main" xmlns="" id="{8D19D88B-9541-32D7-90F1-0C45C993E21C}"/>
+                <a16:creationId xmlns="" xmlns:a16="http://schemas.microsoft.com/office/drawing/2014/main" id="{8D19D88B-9541-32D7-90F1-0C45C993E21C}"/>
               </a:ext>
             </a:extLst>
           </p:cNvPr>
@@ -16081,7 +16081,7 @@
           <p:cNvPr id="4" name="TextBox 3">
             <a:extLst>
               <a:ext uri="{FF2B5EF4-FFF2-40B4-BE49-F238E27FC236}">
-                <a16:creationId xmlns:a16="http://schemas.microsoft.com/office/drawing/2014/main" xmlns="" id="{5ADC00B6-990A-40DC-3CEA-505258F5E8DA}"/>
+                <a16:creationId xmlns="" xmlns:a16="http://schemas.microsoft.com/office/drawing/2014/main" id="{5ADC00B6-990A-40DC-3CEA-505258F5E8DA}"/>
               </a:ext>
             </a:extLst>
           </p:cNvPr>
@@ -16129,7 +16129,7 @@
           <p:cNvPr id="5" name="TextBox 4">
             <a:extLst>
               <a:ext uri="{FF2B5EF4-FFF2-40B4-BE49-F238E27FC236}">
-                <a16:creationId xmlns:a16="http://schemas.microsoft.com/office/drawing/2014/main" xmlns="" id="{A2AD056B-97A4-5BCC-4460-250160F3E171}"/>
+                <a16:creationId xmlns="" xmlns:a16="http://schemas.microsoft.com/office/drawing/2014/main" id="{A2AD056B-97A4-5BCC-4460-250160F3E171}"/>
               </a:ext>
             </a:extLst>
           </p:cNvPr>
@@ -16255,7 +16255,7 @@
           <p:cNvPr id="8" name="그룹 1008">
             <a:extLst>
               <a:ext uri="{FF2B5EF4-FFF2-40B4-BE49-F238E27FC236}">
-                <a16:creationId xmlns:a16="http://schemas.microsoft.com/office/drawing/2014/main" xmlns="" id="{678F6342-C505-E8AD-ADA4-022CB2C2088E}"/>
+                <a16:creationId xmlns="" xmlns:a16="http://schemas.microsoft.com/office/drawing/2014/main" id="{678F6342-C505-E8AD-ADA4-022CB2C2088E}"/>
               </a:ext>
             </a:extLst>
           </p:cNvPr>
@@ -16275,7 +16275,7 @@
             <p:cNvPr id="9" name="그룹 1009">
               <a:extLst>
                 <a:ext uri="{FF2B5EF4-FFF2-40B4-BE49-F238E27FC236}">
-                  <a16:creationId xmlns:a16="http://schemas.microsoft.com/office/drawing/2014/main" xmlns="" id="{4E1F1FED-812B-9BBB-925A-84B54A077414}"/>
+                  <a16:creationId xmlns="" xmlns:a16="http://schemas.microsoft.com/office/drawing/2014/main" id="{4E1F1FED-812B-9BBB-925A-84B54A077414}"/>
                 </a:ext>
               </a:extLst>
             </p:cNvPr>
@@ -16295,7 +16295,7 @@
               <p:cNvPr id="14" name="Object 29">
                 <a:extLst>
                   <a:ext uri="{FF2B5EF4-FFF2-40B4-BE49-F238E27FC236}">
-                    <a16:creationId xmlns:a16="http://schemas.microsoft.com/office/drawing/2014/main" xmlns="" id="{7B078609-4286-7B00-51EB-809C8E2DE289}"/>
+                    <a16:creationId xmlns="" xmlns:a16="http://schemas.microsoft.com/office/drawing/2014/main" id="{7B078609-4286-7B00-51EB-809C8E2DE289}"/>
                   </a:ext>
                 </a:extLst>
               </p:cNvPr>
@@ -16326,7 +16326,7 @@
             <p:cNvPr id="10" name="그룹 1010">
               <a:extLst>
                 <a:ext uri="{FF2B5EF4-FFF2-40B4-BE49-F238E27FC236}">
-                  <a16:creationId xmlns:a16="http://schemas.microsoft.com/office/drawing/2014/main" xmlns="" id="{02A649BF-B5B5-FBAF-7DFD-E118A4DF8907}"/>
+                  <a16:creationId xmlns="" xmlns:a16="http://schemas.microsoft.com/office/drawing/2014/main" id="{02A649BF-B5B5-FBAF-7DFD-E118A4DF8907}"/>
                 </a:ext>
               </a:extLst>
             </p:cNvPr>
@@ -16346,7 +16346,7 @@
               <p:cNvPr id="13" name="Object 32">
                 <a:extLst>
                   <a:ext uri="{FF2B5EF4-FFF2-40B4-BE49-F238E27FC236}">
-                    <a16:creationId xmlns:a16="http://schemas.microsoft.com/office/drawing/2014/main" xmlns="" id="{2A0FFF23-B3C9-3EA0-1C1B-A87D4FF098AE}"/>
+                    <a16:creationId xmlns="" xmlns:a16="http://schemas.microsoft.com/office/drawing/2014/main" id="{2A0FFF23-B3C9-3EA0-1C1B-A87D4FF098AE}"/>
                   </a:ext>
                 </a:extLst>
               </p:cNvPr>
@@ -16377,7 +16377,7 @@
             <p:cNvPr id="11" name="그룹 1011">
               <a:extLst>
                 <a:ext uri="{FF2B5EF4-FFF2-40B4-BE49-F238E27FC236}">
-                  <a16:creationId xmlns:a16="http://schemas.microsoft.com/office/drawing/2014/main" xmlns="" id="{881F5410-F7FB-F261-A584-707359BAC593}"/>
+                  <a16:creationId xmlns="" xmlns:a16="http://schemas.microsoft.com/office/drawing/2014/main" id="{881F5410-F7FB-F261-A584-707359BAC593}"/>
                 </a:ext>
               </a:extLst>
             </p:cNvPr>
@@ -16397,7 +16397,7 @@
               <p:cNvPr id="12" name="Object 35">
                 <a:extLst>
                   <a:ext uri="{FF2B5EF4-FFF2-40B4-BE49-F238E27FC236}">
-                    <a16:creationId xmlns:a16="http://schemas.microsoft.com/office/drawing/2014/main" xmlns="" id="{4E99E669-73EB-F9F4-EFE8-DC107035C265}"/>
+                    <a16:creationId xmlns="" xmlns:a16="http://schemas.microsoft.com/office/drawing/2014/main" id="{4E99E669-73EB-F9F4-EFE8-DC107035C265}"/>
                   </a:ext>
                 </a:extLst>
               </p:cNvPr>
@@ -16483,7 +16483,7 @@
           <p:cNvPr id="5" name="TextBox 4">
             <a:extLst>
               <a:ext uri="{FF2B5EF4-FFF2-40B4-BE49-F238E27FC236}">
-                <a16:creationId xmlns:a16="http://schemas.microsoft.com/office/drawing/2014/main" xmlns="" id="{5ADC00B6-990A-40DC-3CEA-505258F5E8DA}"/>
+                <a16:creationId xmlns="" xmlns:a16="http://schemas.microsoft.com/office/drawing/2014/main" id="{5ADC00B6-990A-40DC-3CEA-505258F5E8DA}"/>
               </a:ext>
             </a:extLst>
           </p:cNvPr>
@@ -16555,7 +16555,7 @@
           <p:cNvPr id="9" name="TextBox 8">
             <a:extLst>
               <a:ext uri="{FF2B5EF4-FFF2-40B4-BE49-F238E27FC236}">
-                <a16:creationId xmlns:a16="http://schemas.microsoft.com/office/drawing/2014/main" xmlns="" id="{A2AD056B-97A4-5BCC-4460-250160F3E171}"/>
+                <a16:creationId xmlns="" xmlns:a16="http://schemas.microsoft.com/office/drawing/2014/main" id="{A2AD056B-97A4-5BCC-4460-250160F3E171}"/>
               </a:ext>
             </a:extLst>
           </p:cNvPr>
@@ -16643,7 +16643,7 @@
           <p:cNvPr id="10" name="직선 화살표 연결선 9">
             <a:extLst>
               <a:ext uri="{FF2B5EF4-FFF2-40B4-BE49-F238E27FC236}">
-                <a16:creationId xmlns:a16="http://schemas.microsoft.com/office/drawing/2014/main" xmlns="" id="{299DF5EC-9DF4-5255-06AC-0A7CE4FF58C3}"/>
+                <a16:creationId xmlns="" xmlns:a16="http://schemas.microsoft.com/office/drawing/2014/main" id="{299DF5EC-9DF4-5255-06AC-0A7CE4FF58C3}"/>
               </a:ext>
             </a:extLst>
           </p:cNvPr>
@@ -16684,7 +16684,7 @@
           <p:cNvPr id="11" name="TextBox 10">
             <a:extLst>
               <a:ext uri="{FF2B5EF4-FFF2-40B4-BE49-F238E27FC236}">
-                <a16:creationId xmlns:a16="http://schemas.microsoft.com/office/drawing/2014/main" xmlns="" id="{C6D113C6-EA5C-788F-0C77-E7CE6EBB865F}"/>
+                <a16:creationId xmlns="" xmlns:a16="http://schemas.microsoft.com/office/drawing/2014/main" id="{C6D113C6-EA5C-788F-0C77-E7CE6EBB865F}"/>
               </a:ext>
             </a:extLst>
           </p:cNvPr>
@@ -16968,7 +16968,7 @@
           <p:cNvPr id="4" name="TextBox 3">
             <a:extLst>
               <a:ext uri="{FF2B5EF4-FFF2-40B4-BE49-F238E27FC236}">
-                <a16:creationId xmlns:a16="http://schemas.microsoft.com/office/drawing/2014/main" xmlns="" id="{5ADC00B6-990A-40DC-3CEA-505258F5E8DA}"/>
+                <a16:creationId xmlns="" xmlns:a16="http://schemas.microsoft.com/office/drawing/2014/main" id="{5ADC00B6-990A-40DC-3CEA-505258F5E8DA}"/>
               </a:ext>
             </a:extLst>
           </p:cNvPr>
@@ -17040,7 +17040,7 @@
           <p:cNvPr id="6" name="직사각형 5">
             <a:extLst>
               <a:ext uri="{FF2B5EF4-FFF2-40B4-BE49-F238E27FC236}">
-                <a16:creationId xmlns:a16="http://schemas.microsoft.com/office/drawing/2014/main" xmlns="" id="{FFF506F9-840A-0508-4CAF-3AC711D8D5CE}"/>
+                <a16:creationId xmlns="" xmlns:a16="http://schemas.microsoft.com/office/drawing/2014/main" id="{FFF506F9-840A-0508-4CAF-3AC711D8D5CE}"/>
               </a:ext>
             </a:extLst>
           </p:cNvPr>
@@ -17116,7 +17116,7 @@
           <p:cNvPr id="8" name="TextBox 7">
             <a:extLst>
               <a:ext uri="{FF2B5EF4-FFF2-40B4-BE49-F238E27FC236}">
-                <a16:creationId xmlns:a16="http://schemas.microsoft.com/office/drawing/2014/main" xmlns="" id="{A2AD056B-97A4-5BCC-4460-250160F3E171}"/>
+                <a16:creationId xmlns="" xmlns:a16="http://schemas.microsoft.com/office/drawing/2014/main" id="{A2AD056B-97A4-5BCC-4460-250160F3E171}"/>
               </a:ext>
             </a:extLst>
           </p:cNvPr>
@@ -17194,7 +17194,7 @@
           <p:cNvPr id="4" name="TextBox 3">
             <a:extLst>
               <a:ext uri="{FF2B5EF4-FFF2-40B4-BE49-F238E27FC236}">
-                <a16:creationId xmlns:a16="http://schemas.microsoft.com/office/drawing/2014/main" xmlns="" id="{5ADC00B6-990A-40DC-3CEA-505258F5E8DA}"/>
+                <a16:creationId xmlns="" xmlns:a16="http://schemas.microsoft.com/office/drawing/2014/main" id="{5ADC00B6-990A-40DC-3CEA-505258F5E8DA}"/>
               </a:ext>
             </a:extLst>
           </p:cNvPr>
@@ -17339,7 +17339,7 @@
           <p:cNvPr id="5" name="TextBox 4">
             <a:extLst>
               <a:ext uri="{FF2B5EF4-FFF2-40B4-BE49-F238E27FC236}">
-                <a16:creationId xmlns:a16="http://schemas.microsoft.com/office/drawing/2014/main" xmlns="" id="{A2AD056B-97A4-5BCC-4460-250160F3E171}"/>
+                <a16:creationId xmlns="" xmlns:a16="http://schemas.microsoft.com/office/drawing/2014/main" id="{A2AD056B-97A4-5BCC-4460-250160F3E171}"/>
               </a:ext>
             </a:extLst>
           </p:cNvPr>
@@ -17441,7 +17441,7 @@
           <p:cNvPr id="7" name="직선 화살표 연결선 6">
             <a:extLst>
               <a:ext uri="{FF2B5EF4-FFF2-40B4-BE49-F238E27FC236}">
-                <a16:creationId xmlns:a16="http://schemas.microsoft.com/office/drawing/2014/main" xmlns="" id="{299DF5EC-9DF4-5255-06AC-0A7CE4FF58C3}"/>
+                <a16:creationId xmlns="" xmlns:a16="http://schemas.microsoft.com/office/drawing/2014/main" id="{299DF5EC-9DF4-5255-06AC-0A7CE4FF58C3}"/>
               </a:ext>
             </a:extLst>
           </p:cNvPr>
@@ -17482,7 +17482,7 @@
           <p:cNvPr id="8" name="TextBox 7">
             <a:extLst>
               <a:ext uri="{FF2B5EF4-FFF2-40B4-BE49-F238E27FC236}">
-                <a16:creationId xmlns:a16="http://schemas.microsoft.com/office/drawing/2014/main" xmlns="" id="{C6D113C6-EA5C-788F-0C77-E7CE6EBB865F}"/>
+                <a16:creationId xmlns="" xmlns:a16="http://schemas.microsoft.com/office/drawing/2014/main" id="{C6D113C6-EA5C-788F-0C77-E7CE6EBB865F}"/>
               </a:ext>
             </a:extLst>
           </p:cNvPr>
@@ -17726,7 +17726,7 @@
           <p:cNvPr id="5" name="TextBox 4">
             <a:extLst>
               <a:ext uri="{FF2B5EF4-FFF2-40B4-BE49-F238E27FC236}">
-                <a16:creationId xmlns:a16="http://schemas.microsoft.com/office/drawing/2014/main" xmlns="" id="{A2AD056B-97A4-5BCC-4460-250160F3E171}"/>
+                <a16:creationId xmlns="" xmlns:a16="http://schemas.microsoft.com/office/drawing/2014/main" id="{A2AD056B-97A4-5BCC-4460-250160F3E171}"/>
               </a:ext>
             </a:extLst>
           </p:cNvPr>
@@ -17818,7 +17818,7 @@
           <p:cNvPr id="7" name="TextBox 6">
             <a:extLst>
               <a:ext uri="{FF2B5EF4-FFF2-40B4-BE49-F238E27FC236}">
-                <a16:creationId xmlns:a16="http://schemas.microsoft.com/office/drawing/2014/main" xmlns="" id="{5ADC00B6-990A-40DC-3CEA-505258F5E8DA}"/>
+                <a16:creationId xmlns="" xmlns:a16="http://schemas.microsoft.com/office/drawing/2014/main" id="{5ADC00B6-990A-40DC-3CEA-505258F5E8DA}"/>
               </a:ext>
             </a:extLst>
           </p:cNvPr>
@@ -17930,7 +17930,7 @@
           <p:cNvPr id="5" name="직사각형 4">
             <a:extLst>
               <a:ext uri="{FF2B5EF4-FFF2-40B4-BE49-F238E27FC236}">
-                <a16:creationId xmlns:a16="http://schemas.microsoft.com/office/drawing/2014/main" xmlns="" id="{FFF506F9-840A-0508-4CAF-3AC711D8D5CE}"/>
+                <a16:creationId xmlns="" xmlns:a16="http://schemas.microsoft.com/office/drawing/2014/main" id="{FFF506F9-840A-0508-4CAF-3AC711D8D5CE}"/>
               </a:ext>
             </a:extLst>
           </p:cNvPr>
@@ -17982,7 +17982,7 @@
           <p:cNvPr id="6" name="TextBox 5">
             <a:extLst>
               <a:ext uri="{FF2B5EF4-FFF2-40B4-BE49-F238E27FC236}">
-                <a16:creationId xmlns:a16="http://schemas.microsoft.com/office/drawing/2014/main" xmlns="" id="{5ADC00B6-990A-40DC-3CEA-505258F5E8DA}"/>
+                <a16:creationId xmlns="" xmlns:a16="http://schemas.microsoft.com/office/drawing/2014/main" id="{5ADC00B6-990A-40DC-3CEA-505258F5E8DA}"/>
               </a:ext>
             </a:extLst>
           </p:cNvPr>
@@ -18040,7 +18040,7 @@
           <p:cNvPr id="7" name="TextBox 6">
             <a:extLst>
               <a:ext uri="{FF2B5EF4-FFF2-40B4-BE49-F238E27FC236}">
-                <a16:creationId xmlns:a16="http://schemas.microsoft.com/office/drawing/2014/main" xmlns="" id="{5ADC00B6-990A-40DC-3CEA-505258F5E8DA}"/>
+                <a16:creationId xmlns="" xmlns:a16="http://schemas.microsoft.com/office/drawing/2014/main" id="{5ADC00B6-990A-40DC-3CEA-505258F5E8DA}"/>
               </a:ext>
             </a:extLst>
           </p:cNvPr>
@@ -18333,7 +18333,7 @@
           <p:cNvPr id="58" name="TextBox 57">
             <a:extLst>
               <a:ext uri="{FF2B5EF4-FFF2-40B4-BE49-F238E27FC236}">
-                <a16:creationId xmlns:a16="http://schemas.microsoft.com/office/drawing/2014/main" xmlns="" id="{5ADC00B6-990A-40DC-3CEA-505258F5E8DA}"/>
+                <a16:creationId xmlns="" xmlns:a16="http://schemas.microsoft.com/office/drawing/2014/main" id="{5ADC00B6-990A-40DC-3CEA-505258F5E8DA}"/>
               </a:ext>
             </a:extLst>
           </p:cNvPr>
@@ -18381,7 +18381,7 @@
           <p:cNvPr id="59" name="TextBox 58">
             <a:extLst>
               <a:ext uri="{FF2B5EF4-FFF2-40B4-BE49-F238E27FC236}">
-                <a16:creationId xmlns:a16="http://schemas.microsoft.com/office/drawing/2014/main" xmlns="" id="{5ADC00B6-990A-40DC-3CEA-505258F5E8DA}"/>
+                <a16:creationId xmlns="" xmlns:a16="http://schemas.microsoft.com/office/drawing/2014/main" id="{5ADC00B6-990A-40DC-3CEA-505258F5E8DA}"/>
               </a:ext>
             </a:extLst>
           </p:cNvPr>
@@ -18429,7 +18429,7 @@
           <p:cNvPr id="25" name="TextBox 24">
             <a:extLst>
               <a:ext uri="{FF2B5EF4-FFF2-40B4-BE49-F238E27FC236}">
-                <a16:creationId xmlns:a16="http://schemas.microsoft.com/office/drawing/2014/main" xmlns="" id="{A2AD056B-97A4-5BCC-4460-250160F3E171}"/>
+                <a16:creationId xmlns="" xmlns:a16="http://schemas.microsoft.com/office/drawing/2014/main" id="{A2AD056B-97A4-5BCC-4460-250160F3E171}"/>
               </a:ext>
             </a:extLst>
           </p:cNvPr>
@@ -18524,7 +18524,7 @@
           <p:cNvPr id="26" name="TextBox 25">
             <a:extLst>
               <a:ext uri="{FF2B5EF4-FFF2-40B4-BE49-F238E27FC236}">
-                <a16:creationId xmlns:a16="http://schemas.microsoft.com/office/drawing/2014/main" xmlns="" id="{A2AD056B-97A4-5BCC-4460-250160F3E171}"/>
+                <a16:creationId xmlns="" xmlns:a16="http://schemas.microsoft.com/office/drawing/2014/main" id="{A2AD056B-97A4-5BCC-4460-250160F3E171}"/>
               </a:ext>
             </a:extLst>
           </p:cNvPr>
@@ -18591,7 +18591,7 @@
           <p:cNvPr id="27" name="TextBox 26">
             <a:extLst>
               <a:ext uri="{FF2B5EF4-FFF2-40B4-BE49-F238E27FC236}">
-                <a16:creationId xmlns:a16="http://schemas.microsoft.com/office/drawing/2014/main" xmlns="" id="{A2AD056B-97A4-5BCC-4460-250160F3E171}"/>
+                <a16:creationId xmlns="" xmlns:a16="http://schemas.microsoft.com/office/drawing/2014/main" id="{A2AD056B-97A4-5BCC-4460-250160F3E171}"/>
               </a:ext>
             </a:extLst>
           </p:cNvPr>
@@ -18648,7 +18648,7 @@
           <p:cNvPr id="28" name="TextBox 27">
             <a:extLst>
               <a:ext uri="{FF2B5EF4-FFF2-40B4-BE49-F238E27FC236}">
-                <a16:creationId xmlns:a16="http://schemas.microsoft.com/office/drawing/2014/main" xmlns="" id="{A2AD056B-97A4-5BCC-4460-250160F3E171}"/>
+                <a16:creationId xmlns="" xmlns:a16="http://schemas.microsoft.com/office/drawing/2014/main" id="{A2AD056B-97A4-5BCC-4460-250160F3E171}"/>
               </a:ext>
             </a:extLst>
           </p:cNvPr>
@@ -18745,7 +18745,7 @@
           <p:cNvPr id="4" name="TextBox 3">
             <a:extLst>
               <a:ext uri="{FF2B5EF4-FFF2-40B4-BE49-F238E27FC236}">
-                <a16:creationId xmlns:a16="http://schemas.microsoft.com/office/drawing/2014/main" xmlns="" id="{DF7DDD33-9412-2802-339A-E55446AC2DA7}"/>
+                <a16:creationId xmlns="" xmlns:a16="http://schemas.microsoft.com/office/drawing/2014/main" id="{DF7DDD33-9412-2802-339A-E55446AC2DA7}"/>
               </a:ext>
             </a:extLst>
           </p:cNvPr>
@@ -18858,7 +18858,7 @@
           <p:cNvPr id="10" name="직선 화살표 연결선 9">
             <a:extLst>
               <a:ext uri="{FF2B5EF4-FFF2-40B4-BE49-F238E27FC236}">
-                <a16:creationId xmlns:a16="http://schemas.microsoft.com/office/drawing/2014/main" xmlns="" id="{299DF5EC-9DF4-5255-06AC-0A7CE4FF58C3}"/>
+                <a16:creationId xmlns="" xmlns:a16="http://schemas.microsoft.com/office/drawing/2014/main" id="{299DF5EC-9DF4-5255-06AC-0A7CE4FF58C3}"/>
               </a:ext>
             </a:extLst>
           </p:cNvPr>
@@ -18899,7 +18899,7 @@
           <p:cNvPr id="11" name="TextBox 10">
             <a:extLst>
               <a:ext uri="{FF2B5EF4-FFF2-40B4-BE49-F238E27FC236}">
-                <a16:creationId xmlns:a16="http://schemas.microsoft.com/office/drawing/2014/main" xmlns="" id="{C6D113C6-EA5C-788F-0C77-E7CE6EBB865F}"/>
+                <a16:creationId xmlns="" xmlns:a16="http://schemas.microsoft.com/office/drawing/2014/main" id="{C6D113C6-EA5C-788F-0C77-E7CE6EBB865F}"/>
               </a:ext>
             </a:extLst>
           </p:cNvPr>
@@ -18971,7 +18971,7 @@
           <p:cNvPr id="13" name="직선 화살표 연결선 12">
             <a:extLst>
               <a:ext uri="{FF2B5EF4-FFF2-40B4-BE49-F238E27FC236}">
-                <a16:creationId xmlns:a16="http://schemas.microsoft.com/office/drawing/2014/main" xmlns="" id="{299DF5EC-9DF4-5255-06AC-0A7CE4FF58C3}"/>
+                <a16:creationId xmlns="" xmlns:a16="http://schemas.microsoft.com/office/drawing/2014/main" id="{299DF5EC-9DF4-5255-06AC-0A7CE4FF58C3}"/>
               </a:ext>
             </a:extLst>
           </p:cNvPr>
@@ -19012,7 +19012,7 @@
           <p:cNvPr id="14" name="TextBox 13">
             <a:extLst>
               <a:ext uri="{FF2B5EF4-FFF2-40B4-BE49-F238E27FC236}">
-                <a16:creationId xmlns:a16="http://schemas.microsoft.com/office/drawing/2014/main" xmlns="" id="{C6D113C6-EA5C-788F-0C77-E7CE6EBB865F}"/>
+                <a16:creationId xmlns="" xmlns:a16="http://schemas.microsoft.com/office/drawing/2014/main" id="{C6D113C6-EA5C-788F-0C77-E7CE6EBB865F}"/>
               </a:ext>
             </a:extLst>
           </p:cNvPr>
@@ -19060,7 +19060,7 @@
           <p:cNvPr id="15" name="직선 화살표 연결선 14">
             <a:extLst>
               <a:ext uri="{FF2B5EF4-FFF2-40B4-BE49-F238E27FC236}">
-                <a16:creationId xmlns:a16="http://schemas.microsoft.com/office/drawing/2014/main" xmlns="" id="{299DF5EC-9DF4-5255-06AC-0A7CE4FF58C3}"/>
+                <a16:creationId xmlns="" xmlns:a16="http://schemas.microsoft.com/office/drawing/2014/main" id="{299DF5EC-9DF4-5255-06AC-0A7CE4FF58C3}"/>
               </a:ext>
             </a:extLst>
           </p:cNvPr>
@@ -19101,7 +19101,7 @@
           <p:cNvPr id="16" name="TextBox 15">
             <a:extLst>
               <a:ext uri="{FF2B5EF4-FFF2-40B4-BE49-F238E27FC236}">
-                <a16:creationId xmlns:a16="http://schemas.microsoft.com/office/drawing/2014/main" xmlns="" id="{C6D113C6-EA5C-788F-0C77-E7CE6EBB865F}"/>
+                <a16:creationId xmlns="" xmlns:a16="http://schemas.microsoft.com/office/drawing/2014/main" id="{C6D113C6-EA5C-788F-0C77-E7CE6EBB865F}"/>
               </a:ext>
             </a:extLst>
           </p:cNvPr>
@@ -19173,7 +19173,7 @@
           <p:cNvPr id="18" name="직선 화살표 연결선 17">
             <a:extLst>
               <a:ext uri="{FF2B5EF4-FFF2-40B4-BE49-F238E27FC236}">
-                <a16:creationId xmlns:a16="http://schemas.microsoft.com/office/drawing/2014/main" xmlns="" id="{299DF5EC-9DF4-5255-06AC-0A7CE4FF58C3}"/>
+                <a16:creationId xmlns="" xmlns:a16="http://schemas.microsoft.com/office/drawing/2014/main" id="{299DF5EC-9DF4-5255-06AC-0A7CE4FF58C3}"/>
               </a:ext>
             </a:extLst>
           </p:cNvPr>
@@ -19214,7 +19214,7 @@
           <p:cNvPr id="19" name="TextBox 18">
             <a:extLst>
               <a:ext uri="{FF2B5EF4-FFF2-40B4-BE49-F238E27FC236}">
-                <a16:creationId xmlns:a16="http://schemas.microsoft.com/office/drawing/2014/main" xmlns="" id="{C6D113C6-EA5C-788F-0C77-E7CE6EBB865F}"/>
+                <a16:creationId xmlns="" xmlns:a16="http://schemas.microsoft.com/office/drawing/2014/main" id="{C6D113C6-EA5C-788F-0C77-E7CE6EBB865F}"/>
               </a:ext>
             </a:extLst>
           </p:cNvPr>
@@ -19304,7 +19304,7 @@
           <p:cNvPr id="22" name="직선 화살표 연결선 21">
             <a:extLst>
               <a:ext uri="{FF2B5EF4-FFF2-40B4-BE49-F238E27FC236}">
-                <a16:creationId xmlns:a16="http://schemas.microsoft.com/office/drawing/2014/main" xmlns="" id="{299DF5EC-9DF4-5255-06AC-0A7CE4FF58C3}"/>
+                <a16:creationId xmlns="" xmlns:a16="http://schemas.microsoft.com/office/drawing/2014/main" id="{299DF5EC-9DF4-5255-06AC-0A7CE4FF58C3}"/>
               </a:ext>
             </a:extLst>
           </p:cNvPr>
@@ -19345,7 +19345,7 @@
           <p:cNvPr id="23" name="TextBox 22">
             <a:extLst>
               <a:ext uri="{FF2B5EF4-FFF2-40B4-BE49-F238E27FC236}">
-                <a16:creationId xmlns:a16="http://schemas.microsoft.com/office/drawing/2014/main" xmlns="" id="{C6D113C6-EA5C-788F-0C77-E7CE6EBB865F}"/>
+                <a16:creationId xmlns="" xmlns:a16="http://schemas.microsoft.com/office/drawing/2014/main" id="{C6D113C6-EA5C-788F-0C77-E7CE6EBB865F}"/>
               </a:ext>
             </a:extLst>
           </p:cNvPr>
@@ -19441,7 +19441,7 @@
           <p:cNvPr id="26" name="직선 화살표 연결선 25">
             <a:extLst>
               <a:ext uri="{FF2B5EF4-FFF2-40B4-BE49-F238E27FC236}">
-                <a16:creationId xmlns:a16="http://schemas.microsoft.com/office/drawing/2014/main" xmlns="" id="{299DF5EC-9DF4-5255-06AC-0A7CE4FF58C3}"/>
+                <a16:creationId xmlns="" xmlns:a16="http://schemas.microsoft.com/office/drawing/2014/main" id="{299DF5EC-9DF4-5255-06AC-0A7CE4FF58C3}"/>
               </a:ext>
             </a:extLst>
           </p:cNvPr>
@@ -19482,7 +19482,7 @@
           <p:cNvPr id="27" name="TextBox 26">
             <a:extLst>
               <a:ext uri="{FF2B5EF4-FFF2-40B4-BE49-F238E27FC236}">
-                <a16:creationId xmlns:a16="http://schemas.microsoft.com/office/drawing/2014/main" xmlns="" id="{C6D113C6-EA5C-788F-0C77-E7CE6EBB865F}"/>
+                <a16:creationId xmlns="" xmlns:a16="http://schemas.microsoft.com/office/drawing/2014/main" id="{C6D113C6-EA5C-788F-0C77-E7CE6EBB865F}"/>
               </a:ext>
             </a:extLst>
           </p:cNvPr>
@@ -20358,7 +20358,7 @@
           <p:cNvPr id="6" name="직사각형 5">
             <a:extLst>
               <a:ext uri="{FF2B5EF4-FFF2-40B4-BE49-F238E27FC236}">
-                <a16:creationId xmlns:a16="http://schemas.microsoft.com/office/drawing/2014/main" xmlns="" id="{FFF506F9-840A-0508-4CAF-3AC711D8D5CE}"/>
+                <a16:creationId xmlns="" xmlns:a16="http://schemas.microsoft.com/office/drawing/2014/main" id="{FFF506F9-840A-0508-4CAF-3AC711D8D5CE}"/>
               </a:ext>
             </a:extLst>
           </p:cNvPr>
@@ -20434,7 +20434,7 @@
           <p:cNvPr id="8" name="TextBox 7">
             <a:extLst>
               <a:ext uri="{FF2B5EF4-FFF2-40B4-BE49-F238E27FC236}">
-                <a16:creationId xmlns:a16="http://schemas.microsoft.com/office/drawing/2014/main" xmlns="" id="{5ADC00B6-990A-40DC-3CEA-505258F5E8DA}"/>
+                <a16:creationId xmlns="" xmlns:a16="http://schemas.microsoft.com/office/drawing/2014/main" id="{5ADC00B6-990A-40DC-3CEA-505258F5E8DA}"/>
               </a:ext>
             </a:extLst>
           </p:cNvPr>
@@ -20555,7 +20555,7 @@
           <p:cNvPr id="9" name="TextBox 8">
             <a:extLst>
               <a:ext uri="{FF2B5EF4-FFF2-40B4-BE49-F238E27FC236}">
-                <a16:creationId xmlns:a16="http://schemas.microsoft.com/office/drawing/2014/main" xmlns="" id="{C6D113C6-EA5C-788F-0C77-E7CE6EBB865F}"/>
+                <a16:creationId xmlns="" xmlns:a16="http://schemas.microsoft.com/office/drawing/2014/main" id="{C6D113C6-EA5C-788F-0C77-E7CE6EBB865F}"/>
               </a:ext>
             </a:extLst>
           </p:cNvPr>
@@ -20636,7 +20636,7 @@
           <p:cNvPr id="2" name="TextBox 1">
             <a:extLst>
               <a:ext uri="{FF2B5EF4-FFF2-40B4-BE49-F238E27FC236}">
-                <a16:creationId xmlns:a16="http://schemas.microsoft.com/office/drawing/2014/main" xmlns="" id="{1DEB1580-2560-3EFB-9783-0250AC7061CB}"/>
+                <a16:creationId xmlns="" xmlns:a16="http://schemas.microsoft.com/office/drawing/2014/main" id="{1DEB1580-2560-3EFB-9783-0250AC7061CB}"/>
               </a:ext>
             </a:extLst>
           </p:cNvPr>
@@ -20848,7 +20848,7 @@
           <p:cNvPr id="6" name="그룹 1018">
             <a:extLst>
               <a:ext uri="{FF2B5EF4-FFF2-40B4-BE49-F238E27FC236}">
-                <a16:creationId xmlns:a16="http://schemas.microsoft.com/office/drawing/2014/main" xmlns="" id="{008489BA-FEFA-DE7D-B3CD-53A358B82592}"/>
+                <a16:creationId xmlns="" xmlns:a16="http://schemas.microsoft.com/office/drawing/2014/main" id="{008489BA-FEFA-DE7D-B3CD-53A358B82592}"/>
               </a:ext>
             </a:extLst>
           </p:cNvPr>
@@ -20868,7 +20868,7 @@
             <p:cNvPr id="7" name="Object 61">
               <a:extLst>
                 <a:ext uri="{FF2B5EF4-FFF2-40B4-BE49-F238E27FC236}">
-                  <a16:creationId xmlns:a16="http://schemas.microsoft.com/office/drawing/2014/main" xmlns="" id="{9ED25BE3-45BE-AC6D-D835-4457854D2832}"/>
+                  <a16:creationId xmlns="" xmlns:a16="http://schemas.microsoft.com/office/drawing/2014/main" id="{9ED25BE3-45BE-AC6D-D835-4457854D2832}"/>
                 </a:ext>
               </a:extLst>
             </p:cNvPr>
@@ -20899,7 +20899,7 @@
           <p:cNvPr id="8" name="그룹 1021">
             <a:extLst>
               <a:ext uri="{FF2B5EF4-FFF2-40B4-BE49-F238E27FC236}">
-                <a16:creationId xmlns:a16="http://schemas.microsoft.com/office/drawing/2014/main" xmlns="" id="{7FE0C0A1-ABE4-F0EA-AFC1-4622C45C99E7}"/>
+                <a16:creationId xmlns="" xmlns:a16="http://schemas.microsoft.com/office/drawing/2014/main" id="{7FE0C0A1-ABE4-F0EA-AFC1-4622C45C99E7}"/>
               </a:ext>
             </a:extLst>
           </p:cNvPr>
@@ -20919,7 +20919,7 @@
             <p:cNvPr id="9" name="Object 71">
               <a:extLst>
                 <a:ext uri="{FF2B5EF4-FFF2-40B4-BE49-F238E27FC236}">
-                  <a16:creationId xmlns:a16="http://schemas.microsoft.com/office/drawing/2014/main" xmlns="" id="{CDBB7D83-509F-9F4C-0C3E-DBA2562E5520}"/>
+                  <a16:creationId xmlns="" xmlns:a16="http://schemas.microsoft.com/office/drawing/2014/main" id="{CDBB7D83-509F-9F4C-0C3E-DBA2562E5520}"/>
                 </a:ext>
               </a:extLst>
             </p:cNvPr>
@@ -20950,7 +20950,7 @@
           <p:cNvPr id="10" name="그룹 1024">
             <a:extLst>
               <a:ext uri="{FF2B5EF4-FFF2-40B4-BE49-F238E27FC236}">
-                <a16:creationId xmlns:a16="http://schemas.microsoft.com/office/drawing/2014/main" xmlns="" id="{8EB1611F-852C-9617-AEEB-CFA38FFF8001}"/>
+                <a16:creationId xmlns="" xmlns:a16="http://schemas.microsoft.com/office/drawing/2014/main" id="{8EB1611F-852C-9617-AEEB-CFA38FFF8001}"/>
               </a:ext>
             </a:extLst>
           </p:cNvPr>
@@ -20970,7 +20970,7 @@
             <p:cNvPr id="11" name="Object 81">
               <a:extLst>
                 <a:ext uri="{FF2B5EF4-FFF2-40B4-BE49-F238E27FC236}">
-                  <a16:creationId xmlns:a16="http://schemas.microsoft.com/office/drawing/2014/main" xmlns="" id="{08657582-A0DF-A5DC-A662-189C639920C8}"/>
+                  <a16:creationId xmlns="" xmlns:a16="http://schemas.microsoft.com/office/drawing/2014/main" id="{08657582-A0DF-A5DC-A662-189C639920C8}"/>
                 </a:ext>
               </a:extLst>
             </p:cNvPr>
@@ -21001,7 +21001,7 @@
           <p:cNvPr id="13" name="TextBox 12">
             <a:extLst>
               <a:ext uri="{FF2B5EF4-FFF2-40B4-BE49-F238E27FC236}">
-                <a16:creationId xmlns:a16="http://schemas.microsoft.com/office/drawing/2014/main" xmlns="" id="{F68B80B8-3419-5C31-B2F2-084E536A2C1C}"/>
+                <a16:creationId xmlns="" xmlns:a16="http://schemas.microsoft.com/office/drawing/2014/main" id="{F68B80B8-3419-5C31-B2F2-084E536A2C1C}"/>
               </a:ext>
             </a:extLst>
           </p:cNvPr>
@@ -21049,7 +21049,7 @@
           <p:cNvPr id="14" name="TextBox 13">
             <a:extLst>
               <a:ext uri="{FF2B5EF4-FFF2-40B4-BE49-F238E27FC236}">
-                <a16:creationId xmlns:a16="http://schemas.microsoft.com/office/drawing/2014/main" xmlns="" id="{CB471B39-052C-65D2-3069-C74FA7421876}"/>
+                <a16:creationId xmlns="" xmlns:a16="http://schemas.microsoft.com/office/drawing/2014/main" id="{CB471B39-052C-65D2-3069-C74FA7421876}"/>
               </a:ext>
             </a:extLst>
           </p:cNvPr>
@@ -21097,7 +21097,7 @@
           <p:cNvPr id="15" name="TextBox 14">
             <a:extLst>
               <a:ext uri="{FF2B5EF4-FFF2-40B4-BE49-F238E27FC236}">
-                <a16:creationId xmlns:a16="http://schemas.microsoft.com/office/drawing/2014/main" xmlns="" id="{4A7E270B-9322-EABD-3A34-4D211B23AD38}"/>
+                <a16:creationId xmlns="" xmlns:a16="http://schemas.microsoft.com/office/drawing/2014/main" id="{4A7E270B-9322-EABD-3A34-4D211B23AD38}"/>
               </a:ext>
             </a:extLst>
           </p:cNvPr>
@@ -21265,7 +21265,7 @@
           <p:cNvPr id="24" name="TextBox 23">
             <a:extLst>
               <a:ext uri="{FF2B5EF4-FFF2-40B4-BE49-F238E27FC236}">
-                <a16:creationId xmlns:a16="http://schemas.microsoft.com/office/drawing/2014/main" xmlns="" id="{5ADC00B6-990A-40DC-3CEA-505258F5E8DA}"/>
+                <a16:creationId xmlns="" xmlns:a16="http://schemas.microsoft.com/office/drawing/2014/main" id="{5ADC00B6-990A-40DC-3CEA-505258F5E8DA}"/>
               </a:ext>
             </a:extLst>
           </p:cNvPr>
@@ -21316,7 +21316,7 @@
           <p:cNvPr id="2" name="TextBox 1">
             <a:extLst>
               <a:ext uri="{FF2B5EF4-FFF2-40B4-BE49-F238E27FC236}">
-                <a16:creationId xmlns:a16="http://schemas.microsoft.com/office/drawing/2014/main" xmlns="" id="{D33DA09A-511A-C62F-A49A-C0D2F5C85280}"/>
+                <a16:creationId xmlns="" xmlns:a16="http://schemas.microsoft.com/office/drawing/2014/main" id="{D33DA09A-511A-C62F-A49A-C0D2F5C85280}"/>
               </a:ext>
             </a:extLst>
           </p:cNvPr>
@@ -21751,7 +21751,7 @@
           <p:cNvPr id="4" name="Object 1">
             <a:extLst>
               <a:ext uri="{FF2B5EF4-FFF2-40B4-BE49-F238E27FC236}">
-                <a16:creationId xmlns:a16="http://schemas.microsoft.com/office/drawing/2014/main" xmlns="" id="{B0329035-BE76-33A8-0F2E-44624FCC1DED}"/>
+                <a16:creationId xmlns="" xmlns:a16="http://schemas.microsoft.com/office/drawing/2014/main" id="{B0329035-BE76-33A8-0F2E-44624FCC1DED}"/>
               </a:ext>
             </a:extLst>
           </p:cNvPr>
@@ -21781,7 +21781,7 @@
           <p:cNvPr id="7" name="그룹 1001">
             <a:extLst>
               <a:ext uri="{FF2B5EF4-FFF2-40B4-BE49-F238E27FC236}">
-                <a16:creationId xmlns:a16="http://schemas.microsoft.com/office/drawing/2014/main" xmlns="" id="{CD24CE9D-AC18-B6CD-F397-7E8E03D6FE26}"/>
+                <a16:creationId xmlns="" xmlns:a16="http://schemas.microsoft.com/office/drawing/2014/main" id="{CD24CE9D-AC18-B6CD-F397-7E8E03D6FE26}"/>
               </a:ext>
             </a:extLst>
           </p:cNvPr>
@@ -21801,7 +21801,7 @@
             <p:cNvPr id="8" name="Object 5">
               <a:extLst>
                 <a:ext uri="{FF2B5EF4-FFF2-40B4-BE49-F238E27FC236}">
-                  <a16:creationId xmlns:a16="http://schemas.microsoft.com/office/drawing/2014/main" xmlns="" id="{0EEF25E8-3BA8-EBAA-6DC2-66D70C3F9F4D}"/>
+                  <a16:creationId xmlns="" xmlns:a16="http://schemas.microsoft.com/office/drawing/2014/main" id="{0EEF25E8-3BA8-EBAA-6DC2-66D70C3F9F4D}"/>
                 </a:ext>
               </a:extLst>
             </p:cNvPr>
@@ -21832,7 +21832,7 @@
           <p:cNvPr id="9" name="그룹 1002">
             <a:extLst>
               <a:ext uri="{FF2B5EF4-FFF2-40B4-BE49-F238E27FC236}">
-                <a16:creationId xmlns:a16="http://schemas.microsoft.com/office/drawing/2014/main" xmlns="" id="{0F281BC9-DE1F-D1FE-E64C-C4640398F00C}"/>
+                <a16:creationId xmlns="" xmlns:a16="http://schemas.microsoft.com/office/drawing/2014/main" id="{0F281BC9-DE1F-D1FE-E64C-C4640398F00C}"/>
               </a:ext>
             </a:extLst>
           </p:cNvPr>
@@ -21852,7 +21852,7 @@
             <p:cNvPr id="10" name="Object 8">
               <a:extLst>
                 <a:ext uri="{FF2B5EF4-FFF2-40B4-BE49-F238E27FC236}">
-                  <a16:creationId xmlns:a16="http://schemas.microsoft.com/office/drawing/2014/main" xmlns="" id="{F669DCEF-04BB-7046-3F7F-5B513213556E}"/>
+                  <a16:creationId xmlns="" xmlns:a16="http://schemas.microsoft.com/office/drawing/2014/main" id="{F669DCEF-04BB-7046-3F7F-5B513213556E}"/>
                 </a:ext>
               </a:extLst>
             </p:cNvPr>
@@ -21883,7 +21883,7 @@
           <p:cNvPr id="11" name="그룹 1003">
             <a:extLst>
               <a:ext uri="{FF2B5EF4-FFF2-40B4-BE49-F238E27FC236}">
-                <a16:creationId xmlns:a16="http://schemas.microsoft.com/office/drawing/2014/main" xmlns="" id="{1F91EEF9-13EA-BB7F-B056-D35E7DB989AC}"/>
+                <a16:creationId xmlns="" xmlns:a16="http://schemas.microsoft.com/office/drawing/2014/main" id="{1F91EEF9-13EA-BB7F-B056-D35E7DB989AC}"/>
               </a:ext>
             </a:extLst>
           </p:cNvPr>
@@ -21903,7 +21903,7 @@
             <p:cNvPr id="12" name="Object 11">
               <a:extLst>
                 <a:ext uri="{FF2B5EF4-FFF2-40B4-BE49-F238E27FC236}">
-                  <a16:creationId xmlns:a16="http://schemas.microsoft.com/office/drawing/2014/main" xmlns="" id="{2CFFB217-AEFB-2C9E-5F86-6EE19510FFC6}"/>
+                  <a16:creationId xmlns="" xmlns:a16="http://schemas.microsoft.com/office/drawing/2014/main" id="{2CFFB217-AEFB-2C9E-5F86-6EE19510FFC6}"/>
                 </a:ext>
               </a:extLst>
             </p:cNvPr>
@@ -21934,7 +21934,7 @@
           <p:cNvPr id="13" name="그룹 1004">
             <a:extLst>
               <a:ext uri="{FF2B5EF4-FFF2-40B4-BE49-F238E27FC236}">
-                <a16:creationId xmlns:a16="http://schemas.microsoft.com/office/drawing/2014/main" xmlns="" id="{123B9C7E-94E8-E7E1-81BE-D59EA0299187}"/>
+                <a16:creationId xmlns="" xmlns:a16="http://schemas.microsoft.com/office/drawing/2014/main" id="{123B9C7E-94E8-E7E1-81BE-D59EA0299187}"/>
               </a:ext>
             </a:extLst>
           </p:cNvPr>
@@ -21954,7 +21954,7 @@
             <p:cNvPr id="14" name="Object 14">
               <a:extLst>
                 <a:ext uri="{FF2B5EF4-FFF2-40B4-BE49-F238E27FC236}">
-                  <a16:creationId xmlns:a16="http://schemas.microsoft.com/office/drawing/2014/main" xmlns="" id="{B6291552-2D89-A79F-7ACD-EA0EF9A4C389}"/>
+                  <a16:creationId xmlns="" xmlns:a16="http://schemas.microsoft.com/office/drawing/2014/main" id="{B6291552-2D89-A79F-7ACD-EA0EF9A4C389}"/>
                 </a:ext>
               </a:extLst>
             </p:cNvPr>
@@ -21985,7 +21985,7 @@
           <p:cNvPr id="15" name="TextBox 14">
             <a:extLst>
               <a:ext uri="{FF2B5EF4-FFF2-40B4-BE49-F238E27FC236}">
-                <a16:creationId xmlns:a16="http://schemas.microsoft.com/office/drawing/2014/main" xmlns="" id="{7D99763A-FC24-23F5-5BA9-D7B042E0F323}"/>
+                <a16:creationId xmlns="" xmlns:a16="http://schemas.microsoft.com/office/drawing/2014/main" id="{7D99763A-FC24-23F5-5BA9-D7B042E0F323}"/>
               </a:ext>
             </a:extLst>
           </p:cNvPr>
@@ -22070,7 +22070,7 @@
           <p:cNvPr id="4" name="TextBox 3">
             <a:extLst>
               <a:ext uri="{FF2B5EF4-FFF2-40B4-BE49-F238E27FC236}">
-                <a16:creationId xmlns:a16="http://schemas.microsoft.com/office/drawing/2014/main" xmlns="" id="{5ADC00B6-990A-40DC-3CEA-505258F5E8DA}"/>
+                <a16:creationId xmlns="" xmlns:a16="http://schemas.microsoft.com/office/drawing/2014/main" id="{5ADC00B6-990A-40DC-3CEA-505258F5E8DA}"/>
               </a:ext>
             </a:extLst>
           </p:cNvPr>
@@ -22118,7 +22118,7 @@
           <p:cNvPr id="5" name="TextBox 4">
             <a:extLst>
               <a:ext uri="{FF2B5EF4-FFF2-40B4-BE49-F238E27FC236}">
-                <a16:creationId xmlns:a16="http://schemas.microsoft.com/office/drawing/2014/main" xmlns="" id="{A2AD056B-97A4-5BCC-4460-250160F3E171}"/>
+                <a16:creationId xmlns="" xmlns:a16="http://schemas.microsoft.com/office/drawing/2014/main" id="{A2AD056B-97A4-5BCC-4460-250160F3E171}"/>
               </a:ext>
             </a:extLst>
           </p:cNvPr>
@@ -22234,7 +22234,7 @@
           <p:cNvPr id="6" name="TextBox 5">
             <a:extLst>
               <a:ext uri="{FF2B5EF4-FFF2-40B4-BE49-F238E27FC236}">
-                <a16:creationId xmlns:a16="http://schemas.microsoft.com/office/drawing/2014/main" xmlns="" id="{A2AD056B-97A4-5BCC-4460-250160F3E171}"/>
+                <a16:creationId xmlns="" xmlns:a16="http://schemas.microsoft.com/office/drawing/2014/main" id="{A2AD056B-97A4-5BCC-4460-250160F3E171}"/>
               </a:ext>
             </a:extLst>
           </p:cNvPr>
@@ -22477,7 +22477,7 @@
           <p:cNvPr id="4" name="그룹 1015">
             <a:extLst>
               <a:ext uri="{FF2B5EF4-FFF2-40B4-BE49-F238E27FC236}">
-                <a16:creationId xmlns:a16="http://schemas.microsoft.com/office/drawing/2014/main" xmlns="" id="{A6EC83EE-B38E-BD88-D6E5-E6469A1FCFB5}"/>
+                <a16:creationId xmlns="" xmlns:a16="http://schemas.microsoft.com/office/drawing/2014/main" id="{A6EC83EE-B38E-BD88-D6E5-E6469A1FCFB5}"/>
               </a:ext>
             </a:extLst>
           </p:cNvPr>
@@ -22497,7 +22497,7 @@
             <p:cNvPr id="5" name="Object 52">
               <a:extLst>
                 <a:ext uri="{FF2B5EF4-FFF2-40B4-BE49-F238E27FC236}">
-                  <a16:creationId xmlns:a16="http://schemas.microsoft.com/office/drawing/2014/main" xmlns="" id="{12C7D9B2-4DE6-7F28-E836-E6130A8E47CE}"/>
+                  <a16:creationId xmlns="" xmlns:a16="http://schemas.microsoft.com/office/drawing/2014/main" id="{12C7D9B2-4DE6-7F28-E836-E6130A8E47CE}"/>
                 </a:ext>
               </a:extLst>
             </p:cNvPr>
@@ -22528,7 +22528,7 @@
           <p:cNvPr id="12" name="TextBox 11">
             <a:extLst>
               <a:ext uri="{FF2B5EF4-FFF2-40B4-BE49-F238E27FC236}">
-                <a16:creationId xmlns:a16="http://schemas.microsoft.com/office/drawing/2014/main" xmlns="" id="{E3D1A648-F768-D88F-9BDC-800777C00475}"/>
+                <a16:creationId xmlns="" xmlns:a16="http://schemas.microsoft.com/office/drawing/2014/main" id="{E3D1A648-F768-D88F-9BDC-800777C00475}"/>
               </a:ext>
             </a:extLst>
           </p:cNvPr>
@@ -22569,7 +22569,7 @@
           <p:cNvPr id="15" name="TextBox 14">
             <a:extLst>
               <a:ext uri="{FF2B5EF4-FFF2-40B4-BE49-F238E27FC236}">
-                <a16:creationId xmlns:a16="http://schemas.microsoft.com/office/drawing/2014/main" xmlns="" id="{45671C37-D8CC-8AA7-55CC-CFAF5C57DD9E}"/>
+                <a16:creationId xmlns="" xmlns:a16="http://schemas.microsoft.com/office/drawing/2014/main" id="{45671C37-D8CC-8AA7-55CC-CFAF5C57DD9E}"/>
               </a:ext>
             </a:extLst>
           </p:cNvPr>
@@ -22617,7 +22617,7 @@
           <p:cNvPr id="19" name="직선 화살표 연결선 18">
             <a:extLst>
               <a:ext uri="{FF2B5EF4-FFF2-40B4-BE49-F238E27FC236}">
-                <a16:creationId xmlns:a16="http://schemas.microsoft.com/office/drawing/2014/main" xmlns="" id="{ABDBE690-EF16-4512-EF8E-EEB7AF73FB00}"/>
+                <a16:creationId xmlns="" xmlns:a16="http://schemas.microsoft.com/office/drawing/2014/main" id="{ABDBE690-EF16-4512-EF8E-EEB7AF73FB00}"/>
               </a:ext>
             </a:extLst>
           </p:cNvPr>
@@ -22658,7 +22658,7 @@
           <p:cNvPr id="20" name="그룹 1021">
             <a:extLst>
               <a:ext uri="{FF2B5EF4-FFF2-40B4-BE49-F238E27FC236}">
-                <a16:creationId xmlns:a16="http://schemas.microsoft.com/office/drawing/2014/main" xmlns="" id="{B8A7F102-36B0-F3D8-ADF6-48353B9AC0F8}"/>
+                <a16:creationId xmlns="" xmlns:a16="http://schemas.microsoft.com/office/drawing/2014/main" id="{B8A7F102-36B0-F3D8-ADF6-48353B9AC0F8}"/>
               </a:ext>
             </a:extLst>
           </p:cNvPr>
@@ -22678,7 +22678,7 @@
             <p:cNvPr id="21" name="Object 71">
               <a:extLst>
                 <a:ext uri="{FF2B5EF4-FFF2-40B4-BE49-F238E27FC236}">
-                  <a16:creationId xmlns:a16="http://schemas.microsoft.com/office/drawing/2014/main" xmlns="" id="{F7033BE2-7AFE-2641-5912-1808E37E08C5}"/>
+                  <a16:creationId xmlns="" xmlns:a16="http://schemas.microsoft.com/office/drawing/2014/main" id="{F7033BE2-7AFE-2641-5912-1808E37E08C5}"/>
                 </a:ext>
               </a:extLst>
             </p:cNvPr>
@@ -22709,7 +22709,7 @@
           <p:cNvPr id="22" name="TextBox 21">
             <a:extLst>
               <a:ext uri="{FF2B5EF4-FFF2-40B4-BE49-F238E27FC236}">
-                <a16:creationId xmlns:a16="http://schemas.microsoft.com/office/drawing/2014/main" xmlns="" id="{DF9F6847-7C78-C6D2-049D-42DA77BAA52E}"/>
+                <a16:creationId xmlns="" xmlns:a16="http://schemas.microsoft.com/office/drawing/2014/main" id="{DF9F6847-7C78-C6D2-049D-42DA77BAA52E}"/>
               </a:ext>
             </a:extLst>
           </p:cNvPr>
@@ -22757,7 +22757,7 @@
           <p:cNvPr id="23" name="TextBox 22">
             <a:extLst>
               <a:ext uri="{FF2B5EF4-FFF2-40B4-BE49-F238E27FC236}">
-                <a16:creationId xmlns:a16="http://schemas.microsoft.com/office/drawing/2014/main" xmlns="" id="{C28A5C5F-AF6B-467C-B631-B62EA94C6037}"/>
+                <a16:creationId xmlns="" xmlns:a16="http://schemas.microsoft.com/office/drawing/2014/main" id="{C28A5C5F-AF6B-467C-B631-B62EA94C6037}"/>
               </a:ext>
             </a:extLst>
           </p:cNvPr>
@@ -22835,7 +22835,7 @@
           <p:cNvPr id="3" name="그림 2">
             <a:extLst>
               <a:ext uri="{FF2B5EF4-FFF2-40B4-BE49-F238E27FC236}">
-                <a16:creationId xmlns:a16="http://schemas.microsoft.com/office/drawing/2014/main" xmlns="" id="{142DFEAD-13E2-B4E9-3B1F-312D9363FD2E}"/>
+                <a16:creationId xmlns="" xmlns:a16="http://schemas.microsoft.com/office/drawing/2014/main" id="{142DFEAD-13E2-B4E9-3B1F-312D9363FD2E}"/>
               </a:ext>
             </a:extLst>
           </p:cNvPr>
@@ -22865,7 +22865,7 @@
           <p:cNvPr id="8" name="그림 7">
             <a:extLst>
               <a:ext uri="{FF2B5EF4-FFF2-40B4-BE49-F238E27FC236}">
-                <a16:creationId xmlns:a16="http://schemas.microsoft.com/office/drawing/2014/main" xmlns="" id="{F329399D-53C1-3DDD-1C07-E2E98E0403A5}"/>
+                <a16:creationId xmlns="" xmlns:a16="http://schemas.microsoft.com/office/drawing/2014/main" id="{F329399D-53C1-3DDD-1C07-E2E98E0403A5}"/>
               </a:ext>
             </a:extLst>
           </p:cNvPr>
@@ -22895,7 +22895,7 @@
           <p:cNvPr id="11" name="그림 10">
             <a:extLst>
               <a:ext uri="{FF2B5EF4-FFF2-40B4-BE49-F238E27FC236}">
-                <a16:creationId xmlns:a16="http://schemas.microsoft.com/office/drawing/2014/main" xmlns="" id="{E3AC84B4-1D4D-AF48-1791-C0685053FF64}"/>
+                <a16:creationId xmlns="" xmlns:a16="http://schemas.microsoft.com/office/drawing/2014/main" id="{E3AC84B4-1D4D-AF48-1791-C0685053FF64}"/>
               </a:ext>
             </a:extLst>
           </p:cNvPr>
@@ -22925,7 +22925,7 @@
           <p:cNvPr id="13" name="그림 12">
             <a:extLst>
               <a:ext uri="{FF2B5EF4-FFF2-40B4-BE49-F238E27FC236}">
-                <a16:creationId xmlns:a16="http://schemas.microsoft.com/office/drawing/2014/main" xmlns="" id="{C5907070-679F-F2EF-E9FB-1DD978D0DCCB}"/>
+                <a16:creationId xmlns="" xmlns:a16="http://schemas.microsoft.com/office/drawing/2014/main" id="{C5907070-679F-F2EF-E9FB-1DD978D0DCCB}"/>
               </a:ext>
             </a:extLst>
           </p:cNvPr>
@@ -23060,7 +23060,7 @@
           <p:cNvPr id="3" name="그림 2">
             <a:extLst>
               <a:ext uri="{FF2B5EF4-FFF2-40B4-BE49-F238E27FC236}">
-                <a16:creationId xmlns:a16="http://schemas.microsoft.com/office/drawing/2014/main" xmlns="" id="{AE004337-05C0-D1B4-2333-607485CC0238}"/>
+                <a16:creationId xmlns="" xmlns:a16="http://schemas.microsoft.com/office/drawing/2014/main" id="{AE004337-05C0-D1B4-2333-607485CC0238}"/>
               </a:ext>
             </a:extLst>
           </p:cNvPr>
@@ -23090,7 +23090,7 @@
           <p:cNvPr id="7" name="그림 6">
             <a:extLst>
               <a:ext uri="{FF2B5EF4-FFF2-40B4-BE49-F238E27FC236}">
-                <a16:creationId xmlns:a16="http://schemas.microsoft.com/office/drawing/2014/main" xmlns="" id="{4BB1A179-B5CD-9988-4964-806A658C0FD5}"/>
+                <a16:creationId xmlns="" xmlns:a16="http://schemas.microsoft.com/office/drawing/2014/main" id="{4BB1A179-B5CD-9988-4964-806A658C0FD5}"/>
               </a:ext>
             </a:extLst>
           </p:cNvPr>
@@ -23150,7 +23150,7 @@
           <p:cNvPr id="3" name="그림 2">
             <a:extLst>
               <a:ext uri="{FF2B5EF4-FFF2-40B4-BE49-F238E27FC236}">
-                <a16:creationId xmlns:a16="http://schemas.microsoft.com/office/drawing/2014/main" xmlns="" id="{8A29B3FD-D2F5-7196-3A99-544288E955D3}"/>
+                <a16:creationId xmlns="" xmlns:a16="http://schemas.microsoft.com/office/drawing/2014/main" id="{8A29B3FD-D2F5-7196-3A99-544288E955D3}"/>
               </a:ext>
             </a:extLst>
           </p:cNvPr>
@@ -23203,7 +23203,7 @@
                 <a:gridCol w="2184296">
                   <a:extLst>
                     <a:ext uri="{9D8B030D-6E8A-4147-A177-3AD203B41FA5}">
-                      <a16:colId xmlns:a16="http://schemas.microsoft.com/office/drawing/2014/main" xmlns="" val="20000"/>
+                      <a16:colId xmlns="" xmlns:a16="http://schemas.microsoft.com/office/drawing/2014/main" val="20000"/>
                     </a:ext>
                   </a:extLst>
                 </a:gridCol>
@@ -23276,7 +23276,7 @@
                 </a:tc>
                 <a:extLst>
                   <a:ext uri="{0D108BD9-81ED-4DB2-BD59-A6C34878D82A}">
-                    <a16:rowId xmlns:a16="http://schemas.microsoft.com/office/drawing/2014/main" xmlns="" val="10000"/>
+                    <a16:rowId xmlns="" xmlns:a16="http://schemas.microsoft.com/office/drawing/2014/main" val="10000"/>
                   </a:ext>
                 </a:extLst>
               </a:tr>
@@ -23361,7 +23361,7 @@
                 </a:tc>
                 <a:extLst>
                   <a:ext uri="{0D108BD9-81ED-4DB2-BD59-A6C34878D82A}">
-                    <a16:rowId xmlns:a16="http://schemas.microsoft.com/office/drawing/2014/main" xmlns="" val="10001"/>
+                    <a16:rowId xmlns="" xmlns:a16="http://schemas.microsoft.com/office/drawing/2014/main" val="10001"/>
                   </a:ext>
                 </a:extLst>
               </a:tr>
@@ -23397,7 +23397,7 @@
                 <a:gridCol w="1731833">
                   <a:extLst>
                     <a:ext uri="{9D8B030D-6E8A-4147-A177-3AD203B41FA5}">
-                      <a16:colId xmlns:a16="http://schemas.microsoft.com/office/drawing/2014/main" xmlns="" val="20000"/>
+                      <a16:colId xmlns="" xmlns:a16="http://schemas.microsoft.com/office/drawing/2014/main" val="20000"/>
                     </a:ext>
                   </a:extLst>
                 </a:gridCol>
@@ -23470,7 +23470,7 @@
                 </a:tc>
                 <a:extLst>
                   <a:ext uri="{0D108BD9-81ED-4DB2-BD59-A6C34878D82A}">
-                    <a16:rowId xmlns:a16="http://schemas.microsoft.com/office/drawing/2014/main" xmlns="" val="10000"/>
+                    <a16:rowId xmlns="" xmlns:a16="http://schemas.microsoft.com/office/drawing/2014/main" val="10000"/>
                   </a:ext>
                 </a:extLst>
               </a:tr>
@@ -23546,7 +23546,7 @@
                 </a:tc>
                 <a:extLst>
                   <a:ext uri="{0D108BD9-81ED-4DB2-BD59-A6C34878D82A}">
-                    <a16:rowId xmlns:a16="http://schemas.microsoft.com/office/drawing/2014/main" xmlns="" val="10001"/>
+                    <a16:rowId xmlns="" xmlns:a16="http://schemas.microsoft.com/office/drawing/2014/main" val="10001"/>
                   </a:ext>
                 </a:extLst>
               </a:tr>
@@ -23559,7 +23559,7 @@
           <p:cNvPr id="12" name="직선 화살표 연결선 11">
             <a:extLst>
               <a:ext uri="{FF2B5EF4-FFF2-40B4-BE49-F238E27FC236}">
-                <a16:creationId xmlns:a16="http://schemas.microsoft.com/office/drawing/2014/main" xmlns="" id="{299DF5EC-9DF4-5255-06AC-0A7CE4FF58C3}"/>
+                <a16:creationId xmlns="" xmlns:a16="http://schemas.microsoft.com/office/drawing/2014/main" id="{299DF5EC-9DF4-5255-06AC-0A7CE4FF58C3}"/>
               </a:ext>
             </a:extLst>
           </p:cNvPr>
@@ -23600,7 +23600,7 @@
           <p:cNvPr id="14" name="직선 화살표 연결선 13">
             <a:extLst>
               <a:ext uri="{FF2B5EF4-FFF2-40B4-BE49-F238E27FC236}">
-                <a16:creationId xmlns:a16="http://schemas.microsoft.com/office/drawing/2014/main" xmlns="" id="{299DF5EC-9DF4-5255-06AC-0A7CE4FF58C3}"/>
+                <a16:creationId xmlns="" xmlns:a16="http://schemas.microsoft.com/office/drawing/2014/main" id="{299DF5EC-9DF4-5255-06AC-0A7CE4FF58C3}"/>
               </a:ext>
             </a:extLst>
           </p:cNvPr>
@@ -23641,7 +23641,7 @@
           <p:cNvPr id="17" name="그림 16">
             <a:extLst>
               <a:ext uri="{FF2B5EF4-FFF2-40B4-BE49-F238E27FC236}">
-                <a16:creationId xmlns:a16="http://schemas.microsoft.com/office/drawing/2014/main" xmlns="" id="{A0D54C75-06DF-34FA-8EDF-E83767E9D5ED}"/>
+                <a16:creationId xmlns="" xmlns:a16="http://schemas.microsoft.com/office/drawing/2014/main" id="{A0D54C75-06DF-34FA-8EDF-E83767E9D5ED}"/>
               </a:ext>
             </a:extLst>
           </p:cNvPr>
@@ -23671,7 +23671,7 @@
           <p:cNvPr id="18" name="TextBox 17">
             <a:extLst>
               <a:ext uri="{FF2B5EF4-FFF2-40B4-BE49-F238E27FC236}">
-                <a16:creationId xmlns:a16="http://schemas.microsoft.com/office/drawing/2014/main" xmlns="" id="{71B05053-8289-1F9F-8B7E-B347B93D526D}"/>
+                <a16:creationId xmlns="" xmlns:a16="http://schemas.microsoft.com/office/drawing/2014/main" id="{71B05053-8289-1F9F-8B7E-B347B93D526D}"/>
               </a:ext>
             </a:extLst>
           </p:cNvPr>
@@ -23945,7 +23945,7 @@
           <p:cNvPr id="5" name="그림 4">
             <a:extLst>
               <a:ext uri="{FF2B5EF4-FFF2-40B4-BE49-F238E27FC236}">
-                <a16:creationId xmlns:a16="http://schemas.microsoft.com/office/drawing/2014/main" xmlns="" id="{1BC0A0A6-270E-9BF6-A923-93B7FC26DDC7}"/>
+                <a16:creationId xmlns="" xmlns:a16="http://schemas.microsoft.com/office/drawing/2014/main" id="{1BC0A0A6-270E-9BF6-A923-93B7FC26DDC7}"/>
               </a:ext>
             </a:extLst>
           </p:cNvPr>
@@ -23975,7 +23975,7 @@
           <p:cNvPr id="7" name="그림 6">
             <a:extLst>
               <a:ext uri="{FF2B5EF4-FFF2-40B4-BE49-F238E27FC236}">
-                <a16:creationId xmlns:a16="http://schemas.microsoft.com/office/drawing/2014/main" xmlns="" id="{B4E80C2C-4702-3558-575F-A926C2739F63}"/>
+                <a16:creationId xmlns="" xmlns:a16="http://schemas.microsoft.com/office/drawing/2014/main" id="{B4E80C2C-4702-3558-575F-A926C2739F63}"/>
               </a:ext>
             </a:extLst>
           </p:cNvPr>
@@ -24005,7 +24005,7 @@
           <p:cNvPr id="8" name="직사각형 7">
             <a:extLst>
               <a:ext uri="{FF2B5EF4-FFF2-40B4-BE49-F238E27FC236}">
-                <a16:creationId xmlns:a16="http://schemas.microsoft.com/office/drawing/2014/main" xmlns="" id="{DB76431B-D934-06E0-D1E3-0E075F075268}"/>
+                <a16:creationId xmlns="" xmlns:a16="http://schemas.microsoft.com/office/drawing/2014/main" id="{DB76431B-D934-06E0-D1E3-0E075F075268}"/>
               </a:ext>
             </a:extLst>
           </p:cNvPr>
@@ -24057,7 +24057,7 @@
           <p:cNvPr id="9" name="직사각형 8">
             <a:extLst>
               <a:ext uri="{FF2B5EF4-FFF2-40B4-BE49-F238E27FC236}">
-                <a16:creationId xmlns:a16="http://schemas.microsoft.com/office/drawing/2014/main" xmlns="" id="{3141AE14-5BBD-D158-4A4F-5453EBE64075}"/>
+                <a16:creationId xmlns="" xmlns:a16="http://schemas.microsoft.com/office/drawing/2014/main" id="{3141AE14-5BBD-D158-4A4F-5453EBE64075}"/>
               </a:ext>
             </a:extLst>
           </p:cNvPr>
@@ -24139,7 +24139,7 @@
           <p:cNvPr id="4" name="TextBox 3">
             <a:extLst>
               <a:ext uri="{FF2B5EF4-FFF2-40B4-BE49-F238E27FC236}">
-                <a16:creationId xmlns:a16="http://schemas.microsoft.com/office/drawing/2014/main" xmlns="" id="{C507CFDB-7090-5342-8B89-7D3B03CC968B}"/>
+                <a16:creationId xmlns="" xmlns:a16="http://schemas.microsoft.com/office/drawing/2014/main" id="{C507CFDB-7090-5342-8B89-7D3B03CC968B}"/>
               </a:ext>
             </a:extLst>
           </p:cNvPr>
@@ -24359,7 +24359,7 @@
           <p:cNvPr id="2" name="TextBox 1">
             <a:extLst>
               <a:ext uri="{FF2B5EF4-FFF2-40B4-BE49-F238E27FC236}">
-                <a16:creationId xmlns:a16="http://schemas.microsoft.com/office/drawing/2014/main" xmlns="" id="{A4FEDEF3-5CEF-1DEF-7041-9792E36A7114}"/>
+                <a16:creationId xmlns="" xmlns:a16="http://schemas.microsoft.com/office/drawing/2014/main" id="{A4FEDEF3-5CEF-1DEF-7041-9792E36A7114}"/>
               </a:ext>
             </a:extLst>
           </p:cNvPr>
@@ -24417,7 +24417,7 @@
           <p:cNvPr id="5" name="그림 4">
             <a:extLst>
               <a:ext uri="{FF2B5EF4-FFF2-40B4-BE49-F238E27FC236}">
-                <a16:creationId xmlns:a16="http://schemas.microsoft.com/office/drawing/2014/main" xmlns="" id="{0DB5ED3D-70F2-F74D-2694-0DBB2A7FC2F0}"/>
+                <a16:creationId xmlns="" xmlns:a16="http://schemas.microsoft.com/office/drawing/2014/main" id="{0DB5ED3D-70F2-F74D-2694-0DBB2A7FC2F0}"/>
               </a:ext>
             </a:extLst>
           </p:cNvPr>
@@ -24447,7 +24447,7 @@
           <p:cNvPr id="7" name="직선 화살표 연결선 6">
             <a:extLst>
               <a:ext uri="{FF2B5EF4-FFF2-40B4-BE49-F238E27FC236}">
-                <a16:creationId xmlns:a16="http://schemas.microsoft.com/office/drawing/2014/main" xmlns="" id="{E8F4DE9D-0B12-2DA2-E00B-4E8AC44548B6}"/>
+                <a16:creationId xmlns="" xmlns:a16="http://schemas.microsoft.com/office/drawing/2014/main" id="{E8F4DE9D-0B12-2DA2-E00B-4E8AC44548B6}"/>
               </a:ext>
             </a:extLst>
           </p:cNvPr>
@@ -24488,7 +24488,7 @@
           <p:cNvPr id="10" name="직사각형 9">
             <a:extLst>
               <a:ext uri="{FF2B5EF4-FFF2-40B4-BE49-F238E27FC236}">
-                <a16:creationId xmlns:a16="http://schemas.microsoft.com/office/drawing/2014/main" xmlns="" id="{FC9770A1-BF0A-20F1-C0FB-CC68E1B4BF72}"/>
+                <a16:creationId xmlns="" xmlns:a16="http://schemas.microsoft.com/office/drawing/2014/main" id="{FC9770A1-BF0A-20F1-C0FB-CC68E1B4BF72}"/>
               </a:ext>
             </a:extLst>
           </p:cNvPr>
@@ -24540,7 +24540,7 @@
           <p:cNvPr id="11" name="TextBox 10">
             <a:extLst>
               <a:ext uri="{FF2B5EF4-FFF2-40B4-BE49-F238E27FC236}">
-                <a16:creationId xmlns:a16="http://schemas.microsoft.com/office/drawing/2014/main" xmlns="" id="{DC6B2D5D-08A1-E2A7-6615-3A23064A4AC6}"/>
+                <a16:creationId xmlns="" xmlns:a16="http://schemas.microsoft.com/office/drawing/2014/main" id="{DC6B2D5D-08A1-E2A7-6615-3A23064A4AC6}"/>
               </a:ext>
             </a:extLst>
           </p:cNvPr>
@@ -24588,7 +24588,7 @@
           <p:cNvPr id="8" name="그림 7">
             <a:extLst>
               <a:ext uri="{FF2B5EF4-FFF2-40B4-BE49-F238E27FC236}">
-                <a16:creationId xmlns:a16="http://schemas.microsoft.com/office/drawing/2014/main" xmlns="" id="{AE004337-05C0-D1B4-2333-607485CC0238}"/>
+                <a16:creationId xmlns="" xmlns:a16="http://schemas.microsoft.com/office/drawing/2014/main" id="{AE004337-05C0-D1B4-2333-607485CC0238}"/>
               </a:ext>
             </a:extLst>
           </p:cNvPr>
@@ -24727,7 +24727,7 @@
           <p:cNvPr id="6" name="직사각형 5">
             <a:extLst>
               <a:ext uri="{FF2B5EF4-FFF2-40B4-BE49-F238E27FC236}">
-                <a16:creationId xmlns:a16="http://schemas.microsoft.com/office/drawing/2014/main" xmlns="" id="{FFF506F9-840A-0508-4CAF-3AC711D8D5CE}"/>
+                <a16:creationId xmlns="" xmlns:a16="http://schemas.microsoft.com/office/drawing/2014/main" id="{FFF506F9-840A-0508-4CAF-3AC711D8D5CE}"/>
               </a:ext>
             </a:extLst>
           </p:cNvPr>
@@ -24816,7 +24816,7 @@
           <p:cNvPr id="4" name="그룹 1015">
             <a:extLst>
               <a:ext uri="{FF2B5EF4-FFF2-40B4-BE49-F238E27FC236}">
-                <a16:creationId xmlns:a16="http://schemas.microsoft.com/office/drawing/2014/main" xmlns="" id="{76F5E01D-ECD6-A51D-DC2B-05DA1EBF93C7}"/>
+                <a16:creationId xmlns="" xmlns:a16="http://schemas.microsoft.com/office/drawing/2014/main" id="{76F5E01D-ECD6-A51D-DC2B-05DA1EBF93C7}"/>
               </a:ext>
             </a:extLst>
           </p:cNvPr>
@@ -24836,7 +24836,7 @@
             <p:cNvPr id="5" name="Object 52">
               <a:extLst>
                 <a:ext uri="{FF2B5EF4-FFF2-40B4-BE49-F238E27FC236}">
-                  <a16:creationId xmlns:a16="http://schemas.microsoft.com/office/drawing/2014/main" xmlns="" id="{D83975B3-46BC-7686-ECA1-1D7ECFA74A69}"/>
+                  <a16:creationId xmlns="" xmlns:a16="http://schemas.microsoft.com/office/drawing/2014/main" id="{D83975B3-46BC-7686-ECA1-1D7ECFA74A69}"/>
                 </a:ext>
               </a:extLst>
             </p:cNvPr>
@@ -24867,7 +24867,7 @@
           <p:cNvPr id="6" name="그룹 1018">
             <a:extLst>
               <a:ext uri="{FF2B5EF4-FFF2-40B4-BE49-F238E27FC236}">
-                <a16:creationId xmlns:a16="http://schemas.microsoft.com/office/drawing/2014/main" xmlns="" id="{008489BA-FEFA-DE7D-B3CD-53A358B82592}"/>
+                <a16:creationId xmlns="" xmlns:a16="http://schemas.microsoft.com/office/drawing/2014/main" id="{008489BA-FEFA-DE7D-B3CD-53A358B82592}"/>
               </a:ext>
             </a:extLst>
           </p:cNvPr>
@@ -24887,7 +24887,7 @@
             <p:cNvPr id="7" name="Object 61">
               <a:extLst>
                 <a:ext uri="{FF2B5EF4-FFF2-40B4-BE49-F238E27FC236}">
-                  <a16:creationId xmlns:a16="http://schemas.microsoft.com/office/drawing/2014/main" xmlns="" id="{9ED25BE3-45BE-AC6D-D835-4457854D2832}"/>
+                  <a16:creationId xmlns="" xmlns:a16="http://schemas.microsoft.com/office/drawing/2014/main" id="{9ED25BE3-45BE-AC6D-D835-4457854D2832}"/>
                 </a:ext>
               </a:extLst>
             </p:cNvPr>
@@ -24918,7 +24918,7 @@
           <p:cNvPr id="8" name="그룹 1021">
             <a:extLst>
               <a:ext uri="{FF2B5EF4-FFF2-40B4-BE49-F238E27FC236}">
-                <a16:creationId xmlns:a16="http://schemas.microsoft.com/office/drawing/2014/main" xmlns="" id="{7FE0C0A1-ABE4-F0EA-AFC1-4622C45C99E7}"/>
+                <a16:creationId xmlns="" xmlns:a16="http://schemas.microsoft.com/office/drawing/2014/main" id="{7FE0C0A1-ABE4-F0EA-AFC1-4622C45C99E7}"/>
               </a:ext>
             </a:extLst>
           </p:cNvPr>
@@ -24938,7 +24938,7 @@
             <p:cNvPr id="9" name="Object 71">
               <a:extLst>
                 <a:ext uri="{FF2B5EF4-FFF2-40B4-BE49-F238E27FC236}">
-                  <a16:creationId xmlns:a16="http://schemas.microsoft.com/office/drawing/2014/main" xmlns="" id="{CDBB7D83-509F-9F4C-0C3E-DBA2562E5520}"/>
+                  <a16:creationId xmlns="" xmlns:a16="http://schemas.microsoft.com/office/drawing/2014/main" id="{CDBB7D83-509F-9F4C-0C3E-DBA2562E5520}"/>
                 </a:ext>
               </a:extLst>
             </p:cNvPr>
@@ -24969,7 +24969,7 @@
           <p:cNvPr id="10" name="그룹 1024">
             <a:extLst>
               <a:ext uri="{FF2B5EF4-FFF2-40B4-BE49-F238E27FC236}">
-                <a16:creationId xmlns:a16="http://schemas.microsoft.com/office/drawing/2014/main" xmlns="" id="{8EB1611F-852C-9617-AEEB-CFA38FFF8001}"/>
+                <a16:creationId xmlns="" xmlns:a16="http://schemas.microsoft.com/office/drawing/2014/main" id="{8EB1611F-852C-9617-AEEB-CFA38FFF8001}"/>
               </a:ext>
             </a:extLst>
           </p:cNvPr>
@@ -24989,7 +24989,7 @@
             <p:cNvPr id="11" name="Object 81">
               <a:extLst>
                 <a:ext uri="{FF2B5EF4-FFF2-40B4-BE49-F238E27FC236}">
-                  <a16:creationId xmlns:a16="http://schemas.microsoft.com/office/drawing/2014/main" xmlns="" id="{08657582-A0DF-A5DC-A662-189C639920C8}"/>
+                  <a16:creationId xmlns="" xmlns:a16="http://schemas.microsoft.com/office/drawing/2014/main" id="{08657582-A0DF-A5DC-A662-189C639920C8}"/>
                 </a:ext>
               </a:extLst>
             </p:cNvPr>
@@ -25020,7 +25020,7 @@
           <p:cNvPr id="12" name="TextBox 11">
             <a:extLst>
               <a:ext uri="{FF2B5EF4-FFF2-40B4-BE49-F238E27FC236}">
-                <a16:creationId xmlns:a16="http://schemas.microsoft.com/office/drawing/2014/main" xmlns="" id="{FC41B7B2-904B-813A-22B8-239E383F4360}"/>
+                <a16:creationId xmlns="" xmlns:a16="http://schemas.microsoft.com/office/drawing/2014/main" id="{FC41B7B2-904B-813A-22B8-239E383F4360}"/>
               </a:ext>
             </a:extLst>
           </p:cNvPr>
@@ -25068,7 +25068,7 @@
           <p:cNvPr id="13" name="TextBox 12">
             <a:extLst>
               <a:ext uri="{FF2B5EF4-FFF2-40B4-BE49-F238E27FC236}">
-                <a16:creationId xmlns:a16="http://schemas.microsoft.com/office/drawing/2014/main" xmlns="" id="{F68B80B8-3419-5C31-B2F2-084E536A2C1C}"/>
+                <a16:creationId xmlns="" xmlns:a16="http://schemas.microsoft.com/office/drawing/2014/main" id="{F68B80B8-3419-5C31-B2F2-084E536A2C1C}"/>
               </a:ext>
             </a:extLst>
           </p:cNvPr>
@@ -25116,7 +25116,7 @@
           <p:cNvPr id="14" name="TextBox 13">
             <a:extLst>
               <a:ext uri="{FF2B5EF4-FFF2-40B4-BE49-F238E27FC236}">
-                <a16:creationId xmlns:a16="http://schemas.microsoft.com/office/drawing/2014/main" xmlns="" id="{CB471B39-052C-65D2-3069-C74FA7421876}"/>
+                <a16:creationId xmlns="" xmlns:a16="http://schemas.microsoft.com/office/drawing/2014/main" id="{CB471B39-052C-65D2-3069-C74FA7421876}"/>
               </a:ext>
             </a:extLst>
           </p:cNvPr>
@@ -25164,7 +25164,7 @@
           <p:cNvPr id="15" name="TextBox 14">
             <a:extLst>
               <a:ext uri="{FF2B5EF4-FFF2-40B4-BE49-F238E27FC236}">
-                <a16:creationId xmlns:a16="http://schemas.microsoft.com/office/drawing/2014/main" xmlns="" id="{4A7E270B-9322-EABD-3A34-4D211B23AD38}"/>
+                <a16:creationId xmlns="" xmlns:a16="http://schemas.microsoft.com/office/drawing/2014/main" id="{4A7E270B-9322-EABD-3A34-4D211B23AD38}"/>
               </a:ext>
             </a:extLst>
           </p:cNvPr>
@@ -25212,7 +25212,7 @@
           <p:cNvPr id="16" name="직선 화살표 연결선 15">
             <a:extLst>
               <a:ext uri="{FF2B5EF4-FFF2-40B4-BE49-F238E27FC236}">
-                <a16:creationId xmlns:a16="http://schemas.microsoft.com/office/drawing/2014/main" xmlns="" id="{174A1CAB-41DB-CBE5-A53E-D1E78982E7D5}"/>
+                <a16:creationId xmlns="" xmlns:a16="http://schemas.microsoft.com/office/drawing/2014/main" id="{174A1CAB-41DB-CBE5-A53E-D1E78982E7D5}"/>
               </a:ext>
             </a:extLst>
           </p:cNvPr>
@@ -25254,7 +25254,7 @@
           <p:cNvPr id="17" name="직선 화살표 연결선 16">
             <a:extLst>
               <a:ext uri="{FF2B5EF4-FFF2-40B4-BE49-F238E27FC236}">
-                <a16:creationId xmlns:a16="http://schemas.microsoft.com/office/drawing/2014/main" xmlns="" id="{404BE807-8974-325D-28CE-80CBD5A23FD9}"/>
+                <a16:creationId xmlns="" xmlns:a16="http://schemas.microsoft.com/office/drawing/2014/main" id="{404BE807-8974-325D-28CE-80CBD5A23FD9}"/>
               </a:ext>
             </a:extLst>
           </p:cNvPr>
@@ -25295,7 +25295,7 @@
           <p:cNvPr id="18" name="직선 화살표 연결선 17">
             <a:extLst>
               <a:ext uri="{FF2B5EF4-FFF2-40B4-BE49-F238E27FC236}">
-                <a16:creationId xmlns:a16="http://schemas.microsoft.com/office/drawing/2014/main" xmlns="" id="{8238D4B2-69F6-F17A-0286-66A8FB197956}"/>
+                <a16:creationId xmlns="" xmlns:a16="http://schemas.microsoft.com/office/drawing/2014/main" id="{8238D4B2-69F6-F17A-0286-66A8FB197956}"/>
               </a:ext>
             </a:extLst>
           </p:cNvPr>
@@ -25438,14 +25438,14 @@
                 <a:gridCol w="2537224">
                   <a:extLst>
                     <a:ext uri="{9D8B030D-6E8A-4147-A177-3AD203B41FA5}">
-                      <a16:colId xmlns:a16="http://schemas.microsoft.com/office/drawing/2014/main" xmlns="" val="20000"/>
+                      <a16:colId xmlns="" xmlns:a16="http://schemas.microsoft.com/office/drawing/2014/main" val="20000"/>
                     </a:ext>
                   </a:extLst>
                 </a:gridCol>
                 <a:gridCol w="2568176">
                   <a:extLst>
                     <a:ext uri="{9D8B030D-6E8A-4147-A177-3AD203B41FA5}">
-                      <a16:colId xmlns:a16="http://schemas.microsoft.com/office/drawing/2014/main" xmlns="" val="20001"/>
+                      <a16:colId xmlns="" xmlns:a16="http://schemas.microsoft.com/office/drawing/2014/main" val="20001"/>
                     </a:ext>
                   </a:extLst>
                 </a:gridCol>
@@ -25574,7 +25574,7 @@
                 </a:tc>
                 <a:extLst>
                   <a:ext uri="{0D108BD9-81ED-4DB2-BD59-A6C34878D82A}">
-                    <a16:rowId xmlns:a16="http://schemas.microsoft.com/office/drawing/2014/main" xmlns="" val="10000"/>
+                    <a16:rowId xmlns="" xmlns:a16="http://schemas.microsoft.com/office/drawing/2014/main" val="10000"/>
                   </a:ext>
                 </a:extLst>
               </a:tr>
@@ -25727,7 +25727,7 @@
                 </a:tc>
                 <a:extLst>
                   <a:ext uri="{0D108BD9-81ED-4DB2-BD59-A6C34878D82A}">
-                    <a16:rowId xmlns:a16="http://schemas.microsoft.com/office/drawing/2014/main" xmlns="" val="10001"/>
+                    <a16:rowId xmlns="" xmlns:a16="http://schemas.microsoft.com/office/drawing/2014/main" val="10001"/>
                   </a:ext>
                 </a:extLst>
               </a:tr>
@@ -25848,7 +25848,7 @@
                 </a:tc>
                 <a:extLst>
                   <a:ext uri="{0D108BD9-81ED-4DB2-BD59-A6C34878D82A}">
-                    <a16:rowId xmlns:a16="http://schemas.microsoft.com/office/drawing/2014/main" xmlns="" val="10002"/>
+                    <a16:rowId xmlns="" xmlns:a16="http://schemas.microsoft.com/office/drawing/2014/main" val="10002"/>
                   </a:ext>
                 </a:extLst>
               </a:tr>
@@ -25861,7 +25861,7 @@
           <p:cNvPr id="2" name="표 1">
             <a:extLst>
               <a:ext uri="{FF2B5EF4-FFF2-40B4-BE49-F238E27FC236}">
-                <a16:creationId xmlns:a16="http://schemas.microsoft.com/office/drawing/2014/main" xmlns="" id="{997BE140-4E76-8C74-849E-0234D3CEC4C7}"/>
+                <a16:creationId xmlns="" xmlns:a16="http://schemas.microsoft.com/office/drawing/2014/main" id="{997BE140-4E76-8C74-849E-0234D3CEC4C7}"/>
               </a:ext>
             </a:extLst>
           </p:cNvPr>
@@ -25890,7 +25890,7 @@
                 <a:gridCol w="2568176">
                   <a:extLst>
                     <a:ext uri="{9D8B030D-6E8A-4147-A177-3AD203B41FA5}">
-                      <a16:colId xmlns:a16="http://schemas.microsoft.com/office/drawing/2014/main" xmlns="" val="20001"/>
+                      <a16:colId xmlns="" xmlns:a16="http://schemas.microsoft.com/office/drawing/2014/main" val="20001"/>
                     </a:ext>
                   </a:extLst>
                 </a:gridCol>
@@ -25963,7 +25963,7 @@
                 </a:tc>
                 <a:extLst>
                   <a:ext uri="{0D108BD9-81ED-4DB2-BD59-A6C34878D82A}">
-                    <a16:rowId xmlns:a16="http://schemas.microsoft.com/office/drawing/2014/main" xmlns="" val="10000"/>
+                    <a16:rowId xmlns="" xmlns:a16="http://schemas.microsoft.com/office/drawing/2014/main" val="10000"/>
                   </a:ext>
                 </a:extLst>
               </a:tr>
@@ -26043,7 +26043,7 @@
                 </a:tc>
                 <a:extLst>
                   <a:ext uri="{0D108BD9-81ED-4DB2-BD59-A6C34878D82A}">
-                    <a16:rowId xmlns:a16="http://schemas.microsoft.com/office/drawing/2014/main" xmlns="" val="10001"/>
+                    <a16:rowId xmlns="" xmlns:a16="http://schemas.microsoft.com/office/drawing/2014/main" val="10001"/>
                   </a:ext>
                 </a:extLst>
               </a:tr>
@@ -26056,7 +26056,7 @@
           <p:cNvPr id="3" name="직선 화살표 연결선 2">
             <a:extLst>
               <a:ext uri="{FF2B5EF4-FFF2-40B4-BE49-F238E27FC236}">
-                <a16:creationId xmlns:a16="http://schemas.microsoft.com/office/drawing/2014/main" xmlns="" id="{73D6F2B2-EE0B-D6BD-4C3A-D7719A76DB6E}"/>
+                <a16:creationId xmlns="" xmlns:a16="http://schemas.microsoft.com/office/drawing/2014/main" id="{73D6F2B2-EE0B-D6BD-4C3A-D7719A76DB6E}"/>
               </a:ext>
             </a:extLst>
           </p:cNvPr>
@@ -26097,7 +26097,7 @@
           <p:cNvPr id="7" name="곱셈 기호 31">
             <a:extLst>
               <a:ext uri="{FF2B5EF4-FFF2-40B4-BE49-F238E27FC236}">
-                <a16:creationId xmlns:a16="http://schemas.microsoft.com/office/drawing/2014/main" xmlns="" id="{6BF67940-62CB-794B-EBE7-0F8173BA6D01}"/>
+                <a16:creationId xmlns="" xmlns:a16="http://schemas.microsoft.com/office/drawing/2014/main" id="{6BF67940-62CB-794B-EBE7-0F8173BA6D01}"/>
               </a:ext>
             </a:extLst>
           </p:cNvPr>
@@ -26153,7 +26153,7 @@
           <p:cNvPr id="9" name="TextBox 8">
             <a:extLst>
               <a:ext uri="{FF2B5EF4-FFF2-40B4-BE49-F238E27FC236}">
-                <a16:creationId xmlns:a16="http://schemas.microsoft.com/office/drawing/2014/main" xmlns="" id="{D64AB9AE-91FF-074E-A3DA-9241D7BF90DF}"/>
+                <a16:creationId xmlns="" xmlns:a16="http://schemas.microsoft.com/office/drawing/2014/main" id="{D64AB9AE-91FF-074E-A3DA-9241D7BF90DF}"/>
               </a:ext>
             </a:extLst>
           </p:cNvPr>
@@ -26460,7 +26460,7 @@
           <p:cNvPr id="2" name="TextBox 1">
             <a:extLst>
               <a:ext uri="{FF2B5EF4-FFF2-40B4-BE49-F238E27FC236}">
-                <a16:creationId xmlns:a16="http://schemas.microsoft.com/office/drawing/2014/main" xmlns="" id="{AF6E8CE0-4782-3A99-AD4F-3684390C1016}"/>
+                <a16:creationId xmlns="" xmlns:a16="http://schemas.microsoft.com/office/drawing/2014/main" id="{AF6E8CE0-4782-3A99-AD4F-3684390C1016}"/>
               </a:ext>
             </a:extLst>
           </p:cNvPr>
@@ -26548,7 +26548,7 @@
           <p:cNvPr id="4" name="TextBox 3">
             <a:extLst>
               <a:ext uri="{FF2B5EF4-FFF2-40B4-BE49-F238E27FC236}">
-                <a16:creationId xmlns:a16="http://schemas.microsoft.com/office/drawing/2014/main" xmlns="" id="{5ADC00B6-990A-40DC-3CEA-505258F5E8DA}"/>
+                <a16:creationId xmlns="" xmlns:a16="http://schemas.microsoft.com/office/drawing/2014/main" id="{5ADC00B6-990A-40DC-3CEA-505258F5E8DA}"/>
               </a:ext>
             </a:extLst>
           </p:cNvPr>
@@ -26697,7 +26697,7 @@
           <p:cNvPr id="6" name="직사각형 5">
             <a:extLst>
               <a:ext uri="{FF2B5EF4-FFF2-40B4-BE49-F238E27FC236}">
-                <a16:creationId xmlns:a16="http://schemas.microsoft.com/office/drawing/2014/main" xmlns="" id="{FFF506F9-840A-0508-4CAF-3AC711D8D5CE}"/>
+                <a16:creationId xmlns="" xmlns:a16="http://schemas.microsoft.com/office/drawing/2014/main" id="{FFF506F9-840A-0508-4CAF-3AC711D8D5CE}"/>
               </a:ext>
             </a:extLst>
           </p:cNvPr>
@@ -26803,7 +26803,7 @@
           <p:cNvPr id="3" name="그림 2">
             <a:extLst>
               <a:ext uri="{FF2B5EF4-FFF2-40B4-BE49-F238E27FC236}">
-                <a16:creationId xmlns:a16="http://schemas.microsoft.com/office/drawing/2014/main" xmlns="" id="{63973ADD-1310-B140-4EAA-B78003F051BC}"/>
+                <a16:creationId xmlns="" xmlns:a16="http://schemas.microsoft.com/office/drawing/2014/main" id="{63973ADD-1310-B140-4EAA-B78003F051BC}"/>
               </a:ext>
             </a:extLst>
           </p:cNvPr>
@@ -26833,7 +26833,7 @@
           <p:cNvPr id="6" name="직사각형 5">
             <a:extLst>
               <a:ext uri="{FF2B5EF4-FFF2-40B4-BE49-F238E27FC236}">
-                <a16:creationId xmlns:a16="http://schemas.microsoft.com/office/drawing/2014/main" xmlns="" id="{D4194E25-989E-0C55-B712-570C7D5091F0}"/>
+                <a16:creationId xmlns="" xmlns:a16="http://schemas.microsoft.com/office/drawing/2014/main" id="{D4194E25-989E-0C55-B712-570C7D5091F0}"/>
               </a:ext>
             </a:extLst>
           </p:cNvPr>
@@ -26885,7 +26885,7 @@
           <p:cNvPr id="8" name="그림 7">
             <a:extLst>
               <a:ext uri="{FF2B5EF4-FFF2-40B4-BE49-F238E27FC236}">
-                <a16:creationId xmlns:a16="http://schemas.microsoft.com/office/drawing/2014/main" xmlns="" id="{1F34AA6C-44C4-4AAC-1FC2-230C55141948}"/>
+                <a16:creationId xmlns="" xmlns:a16="http://schemas.microsoft.com/office/drawing/2014/main" id="{1F34AA6C-44C4-4AAC-1FC2-230C55141948}"/>
               </a:ext>
             </a:extLst>
           </p:cNvPr>
@@ -26915,7 +26915,7 @@
           <p:cNvPr id="9" name="직사각형 8">
             <a:extLst>
               <a:ext uri="{FF2B5EF4-FFF2-40B4-BE49-F238E27FC236}">
-                <a16:creationId xmlns:a16="http://schemas.microsoft.com/office/drawing/2014/main" xmlns="" id="{39C40DE3-07FC-5B3E-1952-F1D0DDF51453}"/>
+                <a16:creationId xmlns="" xmlns:a16="http://schemas.microsoft.com/office/drawing/2014/main" id="{39C40DE3-07FC-5B3E-1952-F1D0DDF51453}"/>
               </a:ext>
             </a:extLst>
           </p:cNvPr>
@@ -26967,7 +26967,7 @@
           <p:cNvPr id="7" name="TextBox 6">
             <a:extLst>
               <a:ext uri="{FF2B5EF4-FFF2-40B4-BE49-F238E27FC236}">
-                <a16:creationId xmlns:a16="http://schemas.microsoft.com/office/drawing/2014/main" xmlns="" id="{8BD2ED5A-5CA2-F84F-13E6-A2AC3854D891}"/>
+                <a16:creationId xmlns="" xmlns:a16="http://schemas.microsoft.com/office/drawing/2014/main" id="{8BD2ED5A-5CA2-F84F-13E6-A2AC3854D891}"/>
               </a:ext>
             </a:extLst>
           </p:cNvPr>
@@ -27160,7 +27160,7 @@
           <p:cNvPr id="4" name="TextBox 3">
             <a:extLst>
               <a:ext uri="{FF2B5EF4-FFF2-40B4-BE49-F238E27FC236}">
-                <a16:creationId xmlns:a16="http://schemas.microsoft.com/office/drawing/2014/main" xmlns="" id="{E7F95338-D8E8-1A47-9B0B-2BEC0D129ACB}"/>
+                <a16:creationId xmlns="" xmlns:a16="http://schemas.microsoft.com/office/drawing/2014/main" id="{E7F95338-D8E8-1A47-9B0B-2BEC0D129ACB}"/>
               </a:ext>
             </a:extLst>
           </p:cNvPr>
@@ -27221,7 +27221,7 @@
           <p:cNvPr id="5" name="TextBox 4">
             <a:extLst>
               <a:ext uri="{FF2B5EF4-FFF2-40B4-BE49-F238E27FC236}">
-                <a16:creationId xmlns:a16="http://schemas.microsoft.com/office/drawing/2014/main" xmlns="" id="{D40AEE29-AEAC-513F-8C7B-D77B52819A0F}"/>
+                <a16:creationId xmlns="" xmlns:a16="http://schemas.microsoft.com/office/drawing/2014/main" id="{D40AEE29-AEAC-513F-8C7B-D77B52819A0F}"/>
               </a:ext>
             </a:extLst>
           </p:cNvPr>
@@ -27601,7 +27601,7 @@
           <p:cNvPr id="5" name="그림 4">
             <a:extLst>
               <a:ext uri="{FF2B5EF4-FFF2-40B4-BE49-F238E27FC236}">
-                <a16:creationId xmlns:a16="http://schemas.microsoft.com/office/drawing/2014/main" xmlns="" id="{4C1E5A44-674D-671D-9AB9-96FADBF3612B}"/>
+                <a16:creationId xmlns="" xmlns:a16="http://schemas.microsoft.com/office/drawing/2014/main" id="{4C1E5A44-674D-671D-9AB9-96FADBF3612B}"/>
               </a:ext>
             </a:extLst>
           </p:cNvPr>
@@ -27631,7 +27631,7 @@
           <p:cNvPr id="6" name="직선 화살표 연결선 5">
             <a:extLst>
               <a:ext uri="{FF2B5EF4-FFF2-40B4-BE49-F238E27FC236}">
-                <a16:creationId xmlns:a16="http://schemas.microsoft.com/office/drawing/2014/main" xmlns="" id="{75908EAF-DC59-A016-BC77-60D68A02BC58}"/>
+                <a16:creationId xmlns="" xmlns:a16="http://schemas.microsoft.com/office/drawing/2014/main" id="{75908EAF-DC59-A016-BC77-60D68A02BC58}"/>
               </a:ext>
             </a:extLst>
           </p:cNvPr>
@@ -27672,7 +27672,7 @@
           <p:cNvPr id="7" name="TextBox 6">
             <a:extLst>
               <a:ext uri="{FF2B5EF4-FFF2-40B4-BE49-F238E27FC236}">
-                <a16:creationId xmlns:a16="http://schemas.microsoft.com/office/drawing/2014/main" xmlns="" id="{E63F965D-29AF-DE1C-5B98-DBB3BB85DFAE}"/>
+                <a16:creationId xmlns="" xmlns:a16="http://schemas.microsoft.com/office/drawing/2014/main" id="{E63F965D-29AF-DE1C-5B98-DBB3BB85DFAE}"/>
               </a:ext>
             </a:extLst>
           </p:cNvPr>
@@ -27723,7 +27723,7 @@
           <p:cNvPr id="9" name="그림 8">
             <a:extLst>
               <a:ext uri="{FF2B5EF4-FFF2-40B4-BE49-F238E27FC236}">
-                <a16:creationId xmlns:a16="http://schemas.microsoft.com/office/drawing/2014/main" xmlns="" id="{ABEEEEFF-3C09-B89D-E9C1-0E692C4188B0}"/>
+                <a16:creationId xmlns="" xmlns:a16="http://schemas.microsoft.com/office/drawing/2014/main" id="{ABEEEEFF-3C09-B89D-E9C1-0E692C4188B0}"/>
               </a:ext>
             </a:extLst>
           </p:cNvPr>
@@ -27753,7 +27753,7 @@
           <p:cNvPr id="10" name="직선 화살표 연결선 9">
             <a:extLst>
               <a:ext uri="{FF2B5EF4-FFF2-40B4-BE49-F238E27FC236}">
-                <a16:creationId xmlns:a16="http://schemas.microsoft.com/office/drawing/2014/main" xmlns="" id="{72748C94-A7E3-EBE6-4E54-D9C607D67005}"/>
+                <a16:creationId xmlns="" xmlns:a16="http://schemas.microsoft.com/office/drawing/2014/main" id="{72748C94-A7E3-EBE6-4E54-D9C607D67005}"/>
               </a:ext>
             </a:extLst>
           </p:cNvPr>
@@ -27795,7 +27795,7 @@
           <p:cNvPr id="11" name="TextBox 10">
             <a:extLst>
               <a:ext uri="{FF2B5EF4-FFF2-40B4-BE49-F238E27FC236}">
-                <a16:creationId xmlns:a16="http://schemas.microsoft.com/office/drawing/2014/main" xmlns="" id="{66DF052C-9323-9F8D-4857-1B2D989FFF9F}"/>
+                <a16:creationId xmlns="" xmlns:a16="http://schemas.microsoft.com/office/drawing/2014/main" id="{66DF052C-9323-9F8D-4857-1B2D989FFF9F}"/>
               </a:ext>
             </a:extLst>
           </p:cNvPr>
@@ -27913,7 +27913,7 @@
           <p:cNvPr id="4" name="그룹 1018">
             <a:extLst>
               <a:ext uri="{FF2B5EF4-FFF2-40B4-BE49-F238E27FC236}">
-                <a16:creationId xmlns:a16="http://schemas.microsoft.com/office/drawing/2014/main" xmlns="" id="{88809E16-31F7-1F83-2FAC-75A0671E0E63}"/>
+                <a16:creationId xmlns="" xmlns:a16="http://schemas.microsoft.com/office/drawing/2014/main" id="{88809E16-31F7-1F83-2FAC-75A0671E0E63}"/>
               </a:ext>
             </a:extLst>
           </p:cNvPr>
@@ -27933,7 +27933,7 @@
             <p:cNvPr id="5" name="Object 61">
               <a:extLst>
                 <a:ext uri="{FF2B5EF4-FFF2-40B4-BE49-F238E27FC236}">
-                  <a16:creationId xmlns:a16="http://schemas.microsoft.com/office/drawing/2014/main" xmlns="" id="{E1173C9E-3171-FA64-34F6-A314CF0D2703}"/>
+                  <a16:creationId xmlns="" xmlns:a16="http://schemas.microsoft.com/office/drawing/2014/main" id="{E1173C9E-3171-FA64-34F6-A314CF0D2703}"/>
                 </a:ext>
               </a:extLst>
             </p:cNvPr>
@@ -27964,7 +27964,7 @@
           <p:cNvPr id="6" name="TextBox 5">
             <a:extLst>
               <a:ext uri="{FF2B5EF4-FFF2-40B4-BE49-F238E27FC236}">
-                <a16:creationId xmlns:a16="http://schemas.microsoft.com/office/drawing/2014/main" xmlns="" id="{32037D5E-FE66-9272-14CC-2284752BAAC1}"/>
+                <a16:creationId xmlns="" xmlns:a16="http://schemas.microsoft.com/office/drawing/2014/main" id="{32037D5E-FE66-9272-14CC-2284752BAAC1}"/>
               </a:ext>
             </a:extLst>
           </p:cNvPr>
@@ -28008,7 +28008,7 @@
           <p:cNvPr id="7" name="그룹 1018">
             <a:extLst>
               <a:ext uri="{FF2B5EF4-FFF2-40B4-BE49-F238E27FC236}">
-                <a16:creationId xmlns:a16="http://schemas.microsoft.com/office/drawing/2014/main" xmlns="" id="{1DBF8C05-A7A0-E308-2C72-A1A1D48209F9}"/>
+                <a16:creationId xmlns="" xmlns:a16="http://schemas.microsoft.com/office/drawing/2014/main" id="{1DBF8C05-A7A0-E308-2C72-A1A1D48209F9}"/>
               </a:ext>
             </a:extLst>
           </p:cNvPr>
@@ -28028,7 +28028,7 @@
             <p:cNvPr id="8" name="Object 61">
               <a:extLst>
                 <a:ext uri="{FF2B5EF4-FFF2-40B4-BE49-F238E27FC236}">
-                  <a16:creationId xmlns:a16="http://schemas.microsoft.com/office/drawing/2014/main" xmlns="" id="{8890B65A-EE37-9FB0-11D0-D9028D5D4030}"/>
+                  <a16:creationId xmlns="" xmlns:a16="http://schemas.microsoft.com/office/drawing/2014/main" id="{8890B65A-EE37-9FB0-11D0-D9028D5D4030}"/>
                 </a:ext>
               </a:extLst>
             </p:cNvPr>
@@ -28059,7 +28059,7 @@
           <p:cNvPr id="9" name="TextBox 8">
             <a:extLst>
               <a:ext uri="{FF2B5EF4-FFF2-40B4-BE49-F238E27FC236}">
-                <a16:creationId xmlns:a16="http://schemas.microsoft.com/office/drawing/2014/main" xmlns="" id="{03580C69-6090-E762-1CFF-CABCB1A1F84D}"/>
+                <a16:creationId xmlns="" xmlns:a16="http://schemas.microsoft.com/office/drawing/2014/main" id="{03580C69-6090-E762-1CFF-CABCB1A1F84D}"/>
               </a:ext>
             </a:extLst>
           </p:cNvPr>
@@ -28103,7 +28103,7 @@
           <p:cNvPr id="10" name="그룹 1018">
             <a:extLst>
               <a:ext uri="{FF2B5EF4-FFF2-40B4-BE49-F238E27FC236}">
-                <a16:creationId xmlns:a16="http://schemas.microsoft.com/office/drawing/2014/main" xmlns="" id="{BD5EE8EE-7D57-CD91-F304-6250026830C6}"/>
+                <a16:creationId xmlns="" xmlns:a16="http://schemas.microsoft.com/office/drawing/2014/main" id="{BD5EE8EE-7D57-CD91-F304-6250026830C6}"/>
               </a:ext>
             </a:extLst>
           </p:cNvPr>
@@ -28123,7 +28123,7 @@
             <p:cNvPr id="11" name="Object 61">
               <a:extLst>
                 <a:ext uri="{FF2B5EF4-FFF2-40B4-BE49-F238E27FC236}">
-                  <a16:creationId xmlns:a16="http://schemas.microsoft.com/office/drawing/2014/main" xmlns="" id="{55D32D67-44A3-9BA9-40E1-962240690E74}"/>
+                  <a16:creationId xmlns="" xmlns:a16="http://schemas.microsoft.com/office/drawing/2014/main" id="{55D32D67-44A3-9BA9-40E1-962240690E74}"/>
                 </a:ext>
               </a:extLst>
             </p:cNvPr>
@@ -28154,7 +28154,7 @@
           <p:cNvPr id="12" name="TextBox 11">
             <a:extLst>
               <a:ext uri="{FF2B5EF4-FFF2-40B4-BE49-F238E27FC236}">
-                <a16:creationId xmlns:a16="http://schemas.microsoft.com/office/drawing/2014/main" xmlns="" id="{2E843C5C-F5F0-B014-4B60-31604E120CA8}"/>
+                <a16:creationId xmlns="" xmlns:a16="http://schemas.microsoft.com/office/drawing/2014/main" id="{2E843C5C-F5F0-B014-4B60-31604E120CA8}"/>
               </a:ext>
             </a:extLst>
           </p:cNvPr>
@@ -28198,7 +28198,7 @@
           <p:cNvPr id="13" name="직선 화살표 연결선 12">
             <a:extLst>
               <a:ext uri="{FF2B5EF4-FFF2-40B4-BE49-F238E27FC236}">
-                <a16:creationId xmlns:a16="http://schemas.microsoft.com/office/drawing/2014/main" xmlns="" id="{D18E0CA5-8F28-6CF5-D994-34D82E76FA59}"/>
+                <a16:creationId xmlns="" xmlns:a16="http://schemas.microsoft.com/office/drawing/2014/main" id="{D18E0CA5-8F28-6CF5-D994-34D82E76FA59}"/>
               </a:ext>
             </a:extLst>
           </p:cNvPr>
@@ -28241,7 +28241,7 @@
           <p:cNvPr id="16" name="직선 화살표 연결선 15">
             <a:extLst>
               <a:ext uri="{FF2B5EF4-FFF2-40B4-BE49-F238E27FC236}">
-                <a16:creationId xmlns:a16="http://schemas.microsoft.com/office/drawing/2014/main" xmlns="" id="{63A2BB84-DB21-3B86-E191-9D086538A8E8}"/>
+                <a16:creationId xmlns="" xmlns:a16="http://schemas.microsoft.com/office/drawing/2014/main" id="{63A2BB84-DB21-3B86-E191-9D086538A8E8}"/>
               </a:ext>
             </a:extLst>
           </p:cNvPr>
@@ -28282,7 +28282,7 @@
           <p:cNvPr id="17" name="TextBox 16">
             <a:extLst>
               <a:ext uri="{FF2B5EF4-FFF2-40B4-BE49-F238E27FC236}">
-                <a16:creationId xmlns:a16="http://schemas.microsoft.com/office/drawing/2014/main" xmlns="" id="{F98D168E-7AFC-9208-1631-471768BCB29E}"/>
+                <a16:creationId xmlns="" xmlns:a16="http://schemas.microsoft.com/office/drawing/2014/main" id="{F98D168E-7AFC-9208-1631-471768BCB29E}"/>
               </a:ext>
             </a:extLst>
           </p:cNvPr>
@@ -28390,7 +28390,7 @@
           <p:cNvPr id="15" name="그림 14">
             <a:extLst>
               <a:ext uri="{FF2B5EF4-FFF2-40B4-BE49-F238E27FC236}">
-                <a16:creationId xmlns:a16="http://schemas.microsoft.com/office/drawing/2014/main" xmlns="" id="{53724FB4-B4A1-0A70-1F84-114E17B93993}"/>
+                <a16:creationId xmlns="" xmlns:a16="http://schemas.microsoft.com/office/drawing/2014/main" id="{53724FB4-B4A1-0A70-1F84-114E17B93993}"/>
               </a:ext>
             </a:extLst>
           </p:cNvPr>
@@ -28420,7 +28420,7 @@
           <p:cNvPr id="5" name="그림 4">
             <a:extLst>
               <a:ext uri="{FF2B5EF4-FFF2-40B4-BE49-F238E27FC236}">
-                <a16:creationId xmlns:a16="http://schemas.microsoft.com/office/drawing/2014/main" xmlns="" id="{B3B08C97-DB9D-E09A-46A5-9DE74C54D1EA}"/>
+                <a16:creationId xmlns="" xmlns:a16="http://schemas.microsoft.com/office/drawing/2014/main" id="{B3B08C97-DB9D-E09A-46A5-9DE74C54D1EA}"/>
               </a:ext>
             </a:extLst>
           </p:cNvPr>
@@ -28450,7 +28450,7 @@
           <p:cNvPr id="10" name="직선 화살표 연결선 9">
             <a:extLst>
               <a:ext uri="{FF2B5EF4-FFF2-40B4-BE49-F238E27FC236}">
-                <a16:creationId xmlns:a16="http://schemas.microsoft.com/office/drawing/2014/main" xmlns="" id="{C07CC10E-FCEF-C096-5466-649AE800D608}"/>
+                <a16:creationId xmlns="" xmlns:a16="http://schemas.microsoft.com/office/drawing/2014/main" id="{C07CC10E-FCEF-C096-5466-649AE800D608}"/>
               </a:ext>
             </a:extLst>
           </p:cNvPr>
@@ -28491,7 +28491,7 @@
           <p:cNvPr id="11" name="직사각형 10">
             <a:extLst>
               <a:ext uri="{FF2B5EF4-FFF2-40B4-BE49-F238E27FC236}">
-                <a16:creationId xmlns:a16="http://schemas.microsoft.com/office/drawing/2014/main" xmlns="" id="{8E401B37-F787-3B11-93A1-BECFD1EFA32B}"/>
+                <a16:creationId xmlns="" xmlns:a16="http://schemas.microsoft.com/office/drawing/2014/main" id="{8E401B37-F787-3B11-93A1-BECFD1EFA32B}"/>
               </a:ext>
             </a:extLst>
           </p:cNvPr>
@@ -28543,7 +28543,7 @@
           <p:cNvPr id="12" name="TextBox 11">
             <a:extLst>
               <a:ext uri="{FF2B5EF4-FFF2-40B4-BE49-F238E27FC236}">
-                <a16:creationId xmlns:a16="http://schemas.microsoft.com/office/drawing/2014/main" xmlns="" id="{F1573BBE-058D-47FE-4B71-A1221360D1A1}"/>
+                <a16:creationId xmlns="" xmlns:a16="http://schemas.microsoft.com/office/drawing/2014/main" id="{F1573BBE-058D-47FE-4B71-A1221360D1A1}"/>
               </a:ext>
             </a:extLst>
           </p:cNvPr>
@@ -28787,7 +28787,7 @@
           <p:cNvPr id="4" name="TextBox 3">
             <a:extLst>
               <a:ext uri="{FF2B5EF4-FFF2-40B4-BE49-F238E27FC236}">
-                <a16:creationId xmlns:a16="http://schemas.microsoft.com/office/drawing/2014/main" xmlns="" id="{8BD2ED5A-5CA2-F84F-13E6-A2AC3854D891}"/>
+                <a16:creationId xmlns="" xmlns:a16="http://schemas.microsoft.com/office/drawing/2014/main" id="{8BD2ED5A-5CA2-F84F-13E6-A2AC3854D891}"/>
               </a:ext>
             </a:extLst>
           </p:cNvPr>
@@ -28845,7 +28845,7 @@
           <p:cNvPr id="5" name="TextBox 4">
             <a:extLst>
               <a:ext uri="{FF2B5EF4-FFF2-40B4-BE49-F238E27FC236}">
-                <a16:creationId xmlns:a16="http://schemas.microsoft.com/office/drawing/2014/main" xmlns="" id="{2E843C5C-F5F0-B014-4B60-31604E120CA8}"/>
+                <a16:creationId xmlns="" xmlns:a16="http://schemas.microsoft.com/office/drawing/2014/main" id="{2E843C5C-F5F0-B014-4B60-31604E120CA8}"/>
               </a:ext>
             </a:extLst>
           </p:cNvPr>
@@ -29196,7 +29196,7 @@
           <p:cNvPr id="7" name="TextBox 6">
             <a:extLst>
               <a:ext uri="{FF2B5EF4-FFF2-40B4-BE49-F238E27FC236}">
-                <a16:creationId xmlns:a16="http://schemas.microsoft.com/office/drawing/2014/main" xmlns="" id="{F1573BBE-058D-47FE-4B71-A1221360D1A1}"/>
+                <a16:creationId xmlns="" xmlns:a16="http://schemas.microsoft.com/office/drawing/2014/main" id="{F1573BBE-058D-47FE-4B71-A1221360D1A1}"/>
               </a:ext>
             </a:extLst>
           </p:cNvPr>
@@ -29476,7 +29476,7 @@
           <p:cNvPr id="4" name="TextBox 3">
             <a:extLst>
               <a:ext uri="{FF2B5EF4-FFF2-40B4-BE49-F238E27FC236}">
-                <a16:creationId xmlns:a16="http://schemas.microsoft.com/office/drawing/2014/main" xmlns="" id="{DF7DDD33-9412-2802-339A-E55446AC2DA7}"/>
+                <a16:creationId xmlns="" xmlns:a16="http://schemas.microsoft.com/office/drawing/2014/main" id="{DF7DDD33-9412-2802-339A-E55446AC2DA7}"/>
               </a:ext>
             </a:extLst>
           </p:cNvPr>
@@ -29565,7 +29565,7 @@
           <p:cNvPr id="7" name="그룹 1008">
             <a:extLst>
               <a:ext uri="{FF2B5EF4-FFF2-40B4-BE49-F238E27FC236}">
-                <a16:creationId xmlns:a16="http://schemas.microsoft.com/office/drawing/2014/main" xmlns="" id="{E395BDE3-2EDE-065D-70E8-56E348228ACF}"/>
+                <a16:creationId xmlns="" xmlns:a16="http://schemas.microsoft.com/office/drawing/2014/main" id="{E395BDE3-2EDE-065D-70E8-56E348228ACF}"/>
               </a:ext>
             </a:extLst>
           </p:cNvPr>
@@ -29585,7 +29585,7 @@
             <p:cNvPr id="8" name="그룹 1009">
               <a:extLst>
                 <a:ext uri="{FF2B5EF4-FFF2-40B4-BE49-F238E27FC236}">
-                  <a16:creationId xmlns:a16="http://schemas.microsoft.com/office/drawing/2014/main" xmlns="" id="{852F4DEB-DB33-DB3F-9E9F-52A46CD0B10A}"/>
+                  <a16:creationId xmlns="" xmlns:a16="http://schemas.microsoft.com/office/drawing/2014/main" id="{852F4DEB-DB33-DB3F-9E9F-52A46CD0B10A}"/>
                 </a:ext>
               </a:extLst>
             </p:cNvPr>
@@ -29605,7 +29605,7 @@
               <p:cNvPr id="13" name="Object 29">
                 <a:extLst>
                   <a:ext uri="{FF2B5EF4-FFF2-40B4-BE49-F238E27FC236}">
-                    <a16:creationId xmlns:a16="http://schemas.microsoft.com/office/drawing/2014/main" xmlns="" id="{7E353D3B-14D4-8A64-5888-3F0C062C2CDD}"/>
+                    <a16:creationId xmlns="" xmlns:a16="http://schemas.microsoft.com/office/drawing/2014/main" id="{7E353D3B-14D4-8A64-5888-3F0C062C2CDD}"/>
                   </a:ext>
                 </a:extLst>
               </p:cNvPr>
@@ -29636,7 +29636,7 @@
             <p:cNvPr id="9" name="그룹 1010">
               <a:extLst>
                 <a:ext uri="{FF2B5EF4-FFF2-40B4-BE49-F238E27FC236}">
-                  <a16:creationId xmlns:a16="http://schemas.microsoft.com/office/drawing/2014/main" xmlns="" id="{001E38AB-1390-ABD0-BE01-9727136FEAEE}"/>
+                  <a16:creationId xmlns="" xmlns:a16="http://schemas.microsoft.com/office/drawing/2014/main" id="{001E38AB-1390-ABD0-BE01-9727136FEAEE}"/>
                 </a:ext>
               </a:extLst>
             </p:cNvPr>
@@ -29656,7 +29656,7 @@
               <p:cNvPr id="12" name="Object 32">
                 <a:extLst>
                   <a:ext uri="{FF2B5EF4-FFF2-40B4-BE49-F238E27FC236}">
-                    <a16:creationId xmlns:a16="http://schemas.microsoft.com/office/drawing/2014/main" xmlns="" id="{2ED1C30F-0D0B-F86C-8215-2598D332B5A3}"/>
+                    <a16:creationId xmlns="" xmlns:a16="http://schemas.microsoft.com/office/drawing/2014/main" id="{2ED1C30F-0D0B-F86C-8215-2598D332B5A3}"/>
                   </a:ext>
                 </a:extLst>
               </p:cNvPr>
@@ -29687,7 +29687,7 @@
             <p:cNvPr id="10" name="그룹 1011">
               <a:extLst>
                 <a:ext uri="{FF2B5EF4-FFF2-40B4-BE49-F238E27FC236}">
-                  <a16:creationId xmlns:a16="http://schemas.microsoft.com/office/drawing/2014/main" xmlns="" id="{1BCB8DE5-ABAF-4198-BC16-85BB76F2DB24}"/>
+                  <a16:creationId xmlns="" xmlns:a16="http://schemas.microsoft.com/office/drawing/2014/main" id="{1BCB8DE5-ABAF-4198-BC16-85BB76F2DB24}"/>
                 </a:ext>
               </a:extLst>
             </p:cNvPr>
@@ -29707,7 +29707,7 @@
               <p:cNvPr id="11" name="Object 35">
                 <a:extLst>
                   <a:ext uri="{FF2B5EF4-FFF2-40B4-BE49-F238E27FC236}">
-                    <a16:creationId xmlns:a16="http://schemas.microsoft.com/office/drawing/2014/main" xmlns="" id="{86E7BA23-0A1E-B581-CADC-06AB269DB2BD}"/>
+                    <a16:creationId xmlns="" xmlns:a16="http://schemas.microsoft.com/office/drawing/2014/main" id="{86E7BA23-0A1E-B581-CADC-06AB269DB2BD}"/>
                   </a:ext>
                 </a:extLst>
               </p:cNvPr>
@@ -29739,7 +29739,7 @@
           <p:cNvPr id="14" name="직사각형 13">
             <a:extLst>
               <a:ext uri="{FF2B5EF4-FFF2-40B4-BE49-F238E27FC236}">
-                <a16:creationId xmlns:a16="http://schemas.microsoft.com/office/drawing/2014/main" xmlns="" id="{FFF506F9-840A-0508-4CAF-3AC711D8D5CE}"/>
+                <a16:creationId xmlns="" xmlns:a16="http://schemas.microsoft.com/office/drawing/2014/main" id="{FFF506F9-840A-0508-4CAF-3AC711D8D5CE}"/>
               </a:ext>
             </a:extLst>
           </p:cNvPr>
@@ -29815,7 +29815,7 @@
           <p:cNvPr id="16" name="직사각형 15">
             <a:extLst>
               <a:ext uri="{FF2B5EF4-FFF2-40B4-BE49-F238E27FC236}">
-                <a16:creationId xmlns:a16="http://schemas.microsoft.com/office/drawing/2014/main" xmlns="" id="{FFF506F9-840A-0508-4CAF-3AC711D8D5CE}"/>
+                <a16:creationId xmlns="" xmlns:a16="http://schemas.microsoft.com/office/drawing/2014/main" id="{FFF506F9-840A-0508-4CAF-3AC711D8D5CE}"/>
               </a:ext>
             </a:extLst>
           </p:cNvPr>
@@ -29867,7 +29867,7 @@
           <p:cNvPr id="17" name="TextBox 16">
             <a:extLst>
               <a:ext uri="{FF2B5EF4-FFF2-40B4-BE49-F238E27FC236}">
-                <a16:creationId xmlns:a16="http://schemas.microsoft.com/office/drawing/2014/main" xmlns="" id="{A2AD056B-97A4-5BCC-4460-250160F3E171}"/>
+                <a16:creationId xmlns="" xmlns:a16="http://schemas.microsoft.com/office/drawing/2014/main" id="{A2AD056B-97A4-5BCC-4460-250160F3E171}"/>
               </a:ext>
             </a:extLst>
           </p:cNvPr>
@@ -30004,7 +30004,7 @@
           <p:cNvPr id="18" name="TextBox 17">
             <a:extLst>
               <a:ext uri="{FF2B5EF4-FFF2-40B4-BE49-F238E27FC236}">
-                <a16:creationId xmlns:a16="http://schemas.microsoft.com/office/drawing/2014/main" xmlns="" id="{A2AD056B-97A4-5BCC-4460-250160F3E171}"/>
+                <a16:creationId xmlns="" xmlns:a16="http://schemas.microsoft.com/office/drawing/2014/main" id="{A2AD056B-97A4-5BCC-4460-250160F3E171}"/>
               </a:ext>
             </a:extLst>
           </p:cNvPr>
@@ -30058,7 +30058,7 @@
           <p:cNvPr id="19" name="TextBox 18">
             <a:extLst>
               <a:ext uri="{FF2B5EF4-FFF2-40B4-BE49-F238E27FC236}">
-                <a16:creationId xmlns:a16="http://schemas.microsoft.com/office/drawing/2014/main" xmlns="" id="{A2AD056B-97A4-5BCC-4460-250160F3E171}"/>
+                <a16:creationId xmlns="" xmlns:a16="http://schemas.microsoft.com/office/drawing/2014/main" id="{A2AD056B-97A4-5BCC-4460-250160F3E171}"/>
               </a:ext>
             </a:extLst>
           </p:cNvPr>
@@ -30271,7 +30271,7 @@
           <p:cNvPr id="5" name="TextBox 4">
             <a:extLst>
               <a:ext uri="{FF2B5EF4-FFF2-40B4-BE49-F238E27FC236}">
-                <a16:creationId xmlns:a16="http://schemas.microsoft.com/office/drawing/2014/main" xmlns="" id="{2E843C5C-F5F0-B014-4B60-31604E120CA8}"/>
+                <a16:creationId xmlns="" xmlns:a16="http://schemas.microsoft.com/office/drawing/2014/main" id="{2E843C5C-F5F0-B014-4B60-31604E120CA8}"/>
               </a:ext>
             </a:extLst>
           </p:cNvPr>
@@ -30546,7 +30546,7 @@
           <p:cNvPr id="4" name="TextBox 3">
             <a:extLst>
               <a:ext uri="{FF2B5EF4-FFF2-40B4-BE49-F238E27FC236}">
-                <a16:creationId xmlns:a16="http://schemas.microsoft.com/office/drawing/2014/main" xmlns="" id="{2E843C5C-F5F0-B014-4B60-31604E120CA8}"/>
+                <a16:creationId xmlns="" xmlns:a16="http://schemas.microsoft.com/office/drawing/2014/main" id="{2E843C5C-F5F0-B014-4B60-31604E120CA8}"/>
               </a:ext>
             </a:extLst>
           </p:cNvPr>
@@ -30556,7 +30556,7 @@
         <p:spPr>
           <a:xfrm>
             <a:off x="609600" y="342900"/>
-            <a:ext cx="17373600" cy="6309420"/>
+            <a:ext cx="17373600" cy="7786747"/>
           </a:xfrm>
           <a:prstGeom prst="rect">
             <a:avLst/>
@@ -31309,6 +31309,89 @@
                 <a:ea typeface="G마켓 산스 Medium" panose="02000000000000000000" pitchFamily="50" charset="-127"/>
               </a:rPr>
               <a:t>.</a:t>
+            </a:r>
+          </a:p>
+          <a:p>
+            <a:r>
+              <a:rPr lang="en-US" altLang="ko-KR" sz="3200">
+                <a:solidFill>
+                  <a:srgbClr val="4C50BC"/>
+                </a:solidFill>
+                <a:latin typeface="G마켓 산스 Medium" panose="02000000000000000000" pitchFamily="50" charset="-127"/>
+                <a:ea typeface="G마켓 산스 Medium" panose="02000000000000000000" pitchFamily="50" charset="-127"/>
+              </a:rPr>
+              <a:t> </a:t>
+            </a:r>
+            <a:r>
+              <a:rPr lang="en-US" altLang="ko-KR" sz="3200" smtClean="0">
+                <a:solidFill>
+                  <a:srgbClr val="4C50BC"/>
+                </a:solidFill>
+                <a:latin typeface="G마켓 산스 Medium" panose="02000000000000000000" pitchFamily="50" charset="-127"/>
+                <a:ea typeface="G마켓 산스 Medium" panose="02000000000000000000" pitchFamily="50" charset="-127"/>
+              </a:rPr>
+              <a:t>   - object </a:t>
+            </a:r>
+            <a:r>
+              <a:rPr lang="ko-KR" altLang="en-US" sz="3200" smtClean="0">
+                <a:solidFill>
+                  <a:srgbClr val="4C50BC"/>
+                </a:solidFill>
+                <a:latin typeface="G마켓 산스 Medium" panose="02000000000000000000" pitchFamily="50" charset="-127"/>
+                <a:ea typeface="G마켓 산스 Medium" panose="02000000000000000000" pitchFamily="50" charset="-127"/>
+              </a:rPr>
+              <a:t>클래스의 </a:t>
+            </a:r>
+            <a:r>
+              <a:rPr lang="en-US" altLang="ko-KR" sz="3200" smtClean="0">
+                <a:solidFill>
+                  <a:srgbClr val="4C50BC"/>
+                </a:solidFill>
+                <a:latin typeface="G마켓 산스 Medium" panose="02000000000000000000" pitchFamily="50" charset="-127"/>
+                <a:ea typeface="G마켓 산스 Medium" panose="02000000000000000000" pitchFamily="50" charset="-127"/>
+              </a:rPr>
+              <a:t>equals </a:t>
+            </a:r>
+            <a:r>
+              <a:rPr lang="ko-KR" altLang="en-US" sz="3200" smtClean="0">
+                <a:solidFill>
+                  <a:srgbClr val="4C50BC"/>
+                </a:solidFill>
+                <a:latin typeface="G마켓 산스 Medium" panose="02000000000000000000" pitchFamily="50" charset="-127"/>
+                <a:ea typeface="G마켓 산스 Medium" panose="02000000000000000000" pitchFamily="50" charset="-127"/>
+              </a:rPr>
+              <a:t>메서드의 원형은 아래와 같다</a:t>
+            </a:r>
+            <a:r>
+              <a:rPr lang="en-US" altLang="ko-KR" sz="3200" smtClean="0">
+                <a:solidFill>
+                  <a:srgbClr val="4C50BC"/>
+                </a:solidFill>
+                <a:latin typeface="G마켓 산스 Medium" panose="02000000000000000000" pitchFamily="50" charset="-127"/>
+                <a:ea typeface="G마켓 산스 Medium" panose="02000000000000000000" pitchFamily="50" charset="-127"/>
+              </a:rPr>
+              <a:t>.</a:t>
+            </a:r>
+          </a:p>
+          <a:p>
+            <a:endParaRPr lang="en-US" altLang="ko-KR" sz="3200" smtClean="0">
+              <a:solidFill>
+                <a:srgbClr val="4C50BC"/>
+              </a:solidFill>
+              <a:latin typeface="G마켓 산스 Medium" panose="02000000000000000000" pitchFamily="50" charset="-127"/>
+              <a:ea typeface="G마켓 산스 Medium" panose="02000000000000000000" pitchFamily="50" charset="-127"/>
+            </a:endParaRPr>
+          </a:p>
+          <a:p>
+            <a:r>
+              <a:rPr lang="en-US" altLang="ko-KR" sz="3200" smtClean="0">
+                <a:solidFill>
+                  <a:srgbClr val="4C50BC"/>
+                </a:solidFill>
+                <a:latin typeface="G마켓 산스 Medium" panose="02000000000000000000" pitchFamily="50" charset="-127"/>
+                <a:ea typeface="G마켓 산스 Medium" panose="02000000000000000000" pitchFamily="50" charset="-127"/>
+              </a:rPr>
+              <a:t>public boolean equals(Object obj)  </a:t>
             </a:r>
             <a:endParaRPr lang="en-US" altLang="ko-KR" sz="3200">
               <a:solidFill>
@@ -31630,7 +31713,7 @@
           <p:cNvPr id="2" name="TextBox 1">
             <a:extLst>
               <a:ext uri="{FF2B5EF4-FFF2-40B4-BE49-F238E27FC236}">
-                <a16:creationId xmlns:a16="http://schemas.microsoft.com/office/drawing/2014/main" xmlns="" id="{715D88A2-BD52-978B-A00A-540446126E3D}"/>
+                <a16:creationId xmlns="" xmlns:a16="http://schemas.microsoft.com/office/drawing/2014/main" id="{715D88A2-BD52-978B-A00A-540446126E3D}"/>
               </a:ext>
             </a:extLst>
           </p:cNvPr>
@@ -31806,7 +31889,7 @@
           <p:cNvPr id="8" name="TextBox 7">
             <a:extLst>
               <a:ext uri="{FF2B5EF4-FFF2-40B4-BE49-F238E27FC236}">
-                <a16:creationId xmlns:a16="http://schemas.microsoft.com/office/drawing/2014/main" xmlns="" id="{C6D113C6-EA5C-788F-0C77-E7CE6EBB865F}"/>
+                <a16:creationId xmlns="" xmlns:a16="http://schemas.microsoft.com/office/drawing/2014/main" id="{C6D113C6-EA5C-788F-0C77-E7CE6EBB865F}"/>
               </a:ext>
             </a:extLst>
           </p:cNvPr>
@@ -32075,7 +32158,7 @@
           <p:cNvPr id="6" name="TextBox 5">
             <a:extLst>
               <a:ext uri="{FF2B5EF4-FFF2-40B4-BE49-F238E27FC236}">
-                <a16:creationId xmlns:a16="http://schemas.microsoft.com/office/drawing/2014/main" xmlns="" id="{C6D113C6-EA5C-788F-0C77-E7CE6EBB865F}"/>
+                <a16:creationId xmlns="" xmlns:a16="http://schemas.microsoft.com/office/drawing/2014/main" id="{C6D113C6-EA5C-788F-0C77-E7CE6EBB865F}"/>
               </a:ext>
             </a:extLst>
           </p:cNvPr>
@@ -32204,7 +32287,7 @@
                 <a:gridCol w="2730951">
                   <a:extLst>
                     <a:ext uri="{9D8B030D-6E8A-4147-A177-3AD203B41FA5}">
-                      <a16:colId xmlns:a16="http://schemas.microsoft.com/office/drawing/2014/main" xmlns="" val="20000"/>
+                      <a16:colId xmlns="" xmlns:a16="http://schemas.microsoft.com/office/drawing/2014/main" val="20000"/>
                     </a:ext>
                   </a:extLst>
                 </a:gridCol>
@@ -32277,7 +32360,7 @@
                 </a:tc>
                 <a:extLst>
                   <a:ext uri="{0D108BD9-81ED-4DB2-BD59-A6C34878D82A}">
-                    <a16:rowId xmlns:a16="http://schemas.microsoft.com/office/drawing/2014/main" xmlns="" val="10000"/>
+                    <a16:rowId xmlns="" xmlns:a16="http://schemas.microsoft.com/office/drawing/2014/main" val="10000"/>
                   </a:ext>
                 </a:extLst>
               </a:tr>
@@ -32357,7 +32440,7 @@
                 </a:tc>
                 <a:extLst>
                   <a:ext uri="{0D108BD9-81ED-4DB2-BD59-A6C34878D82A}">
-                    <a16:rowId xmlns:a16="http://schemas.microsoft.com/office/drawing/2014/main" xmlns="" val="10001"/>
+                    <a16:rowId xmlns="" xmlns:a16="http://schemas.microsoft.com/office/drawing/2014/main" val="10001"/>
                   </a:ext>
                 </a:extLst>
               </a:tr>
@@ -32421,7 +32504,7 @@
                 </a:tc>
                 <a:extLst>
                   <a:ext uri="{0D108BD9-81ED-4DB2-BD59-A6C34878D82A}">
-                    <a16:rowId xmlns:a16="http://schemas.microsoft.com/office/drawing/2014/main" xmlns="" val="10002"/>
+                    <a16:rowId xmlns="" xmlns:a16="http://schemas.microsoft.com/office/drawing/2014/main" val="10002"/>
                   </a:ext>
                 </a:extLst>
               </a:tr>
@@ -32457,7 +32540,7 @@
                 <a:gridCol w="2730951">
                   <a:extLst>
                     <a:ext uri="{9D8B030D-6E8A-4147-A177-3AD203B41FA5}">
-                      <a16:colId xmlns:a16="http://schemas.microsoft.com/office/drawing/2014/main" xmlns="" val="20000"/>
+                      <a16:colId xmlns="" xmlns:a16="http://schemas.microsoft.com/office/drawing/2014/main" val="20000"/>
                     </a:ext>
                   </a:extLst>
                 </a:gridCol>
@@ -32530,7 +32613,7 @@
                 </a:tc>
                 <a:extLst>
                   <a:ext uri="{0D108BD9-81ED-4DB2-BD59-A6C34878D82A}">
-                    <a16:rowId xmlns:a16="http://schemas.microsoft.com/office/drawing/2014/main" xmlns="" val="10000"/>
+                    <a16:rowId xmlns="" xmlns:a16="http://schemas.microsoft.com/office/drawing/2014/main" val="10000"/>
                   </a:ext>
                 </a:extLst>
               </a:tr>
@@ -32610,7 +32693,7 @@
                 </a:tc>
                 <a:extLst>
                   <a:ext uri="{0D108BD9-81ED-4DB2-BD59-A6C34878D82A}">
-                    <a16:rowId xmlns:a16="http://schemas.microsoft.com/office/drawing/2014/main" xmlns="" val="10001"/>
+                    <a16:rowId xmlns="" xmlns:a16="http://schemas.microsoft.com/office/drawing/2014/main" val="10001"/>
                   </a:ext>
                 </a:extLst>
               </a:tr>
@@ -32674,7 +32757,7 @@
                 </a:tc>
                 <a:extLst>
                   <a:ext uri="{0D108BD9-81ED-4DB2-BD59-A6C34878D82A}">
-                    <a16:rowId xmlns:a16="http://schemas.microsoft.com/office/drawing/2014/main" xmlns="" val="10002"/>
+                    <a16:rowId xmlns="" xmlns:a16="http://schemas.microsoft.com/office/drawing/2014/main" val="10002"/>
                   </a:ext>
                 </a:extLst>
               </a:tr>
@@ -32687,7 +32770,7 @@
           <p:cNvPr id="14" name="그룹 1008">
             <a:extLst>
               <a:ext uri="{FF2B5EF4-FFF2-40B4-BE49-F238E27FC236}">
-                <a16:creationId xmlns:a16="http://schemas.microsoft.com/office/drawing/2014/main" xmlns="" id="{678F6342-C505-E8AD-ADA4-022CB2C2088E}"/>
+                <a16:creationId xmlns="" xmlns:a16="http://schemas.microsoft.com/office/drawing/2014/main" id="{678F6342-C505-E8AD-ADA4-022CB2C2088E}"/>
               </a:ext>
             </a:extLst>
           </p:cNvPr>
@@ -32707,7 +32790,7 @@
             <p:cNvPr id="15" name="그룹 1009">
               <a:extLst>
                 <a:ext uri="{FF2B5EF4-FFF2-40B4-BE49-F238E27FC236}">
-                  <a16:creationId xmlns:a16="http://schemas.microsoft.com/office/drawing/2014/main" xmlns="" id="{4E1F1FED-812B-9BBB-925A-84B54A077414}"/>
+                  <a16:creationId xmlns="" xmlns:a16="http://schemas.microsoft.com/office/drawing/2014/main" id="{4E1F1FED-812B-9BBB-925A-84B54A077414}"/>
                 </a:ext>
               </a:extLst>
             </p:cNvPr>
@@ -32727,7 +32810,7 @@
               <p:cNvPr id="20" name="Object 29">
                 <a:extLst>
                   <a:ext uri="{FF2B5EF4-FFF2-40B4-BE49-F238E27FC236}">
-                    <a16:creationId xmlns:a16="http://schemas.microsoft.com/office/drawing/2014/main" xmlns="" id="{7B078609-4286-7B00-51EB-809C8E2DE289}"/>
+                    <a16:creationId xmlns="" xmlns:a16="http://schemas.microsoft.com/office/drawing/2014/main" id="{7B078609-4286-7B00-51EB-809C8E2DE289}"/>
                   </a:ext>
                 </a:extLst>
               </p:cNvPr>
@@ -32758,7 +32841,7 @@
             <p:cNvPr id="16" name="그룹 1010">
               <a:extLst>
                 <a:ext uri="{FF2B5EF4-FFF2-40B4-BE49-F238E27FC236}">
-                  <a16:creationId xmlns:a16="http://schemas.microsoft.com/office/drawing/2014/main" xmlns="" id="{02A649BF-B5B5-FBAF-7DFD-E118A4DF8907}"/>
+                  <a16:creationId xmlns="" xmlns:a16="http://schemas.microsoft.com/office/drawing/2014/main" id="{02A649BF-B5B5-FBAF-7DFD-E118A4DF8907}"/>
                 </a:ext>
               </a:extLst>
             </p:cNvPr>
@@ -32778,7 +32861,7 @@
               <p:cNvPr id="19" name="Object 32">
                 <a:extLst>
                   <a:ext uri="{FF2B5EF4-FFF2-40B4-BE49-F238E27FC236}">
-                    <a16:creationId xmlns:a16="http://schemas.microsoft.com/office/drawing/2014/main" xmlns="" id="{2A0FFF23-B3C9-3EA0-1C1B-A87D4FF098AE}"/>
+                    <a16:creationId xmlns="" xmlns:a16="http://schemas.microsoft.com/office/drawing/2014/main" id="{2A0FFF23-B3C9-3EA0-1C1B-A87D4FF098AE}"/>
                   </a:ext>
                 </a:extLst>
               </p:cNvPr>
@@ -32809,7 +32892,7 @@
             <p:cNvPr id="17" name="그룹 1011">
               <a:extLst>
                 <a:ext uri="{FF2B5EF4-FFF2-40B4-BE49-F238E27FC236}">
-                  <a16:creationId xmlns:a16="http://schemas.microsoft.com/office/drawing/2014/main" xmlns="" id="{881F5410-F7FB-F261-A584-707359BAC593}"/>
+                  <a16:creationId xmlns="" xmlns:a16="http://schemas.microsoft.com/office/drawing/2014/main" id="{881F5410-F7FB-F261-A584-707359BAC593}"/>
                 </a:ext>
               </a:extLst>
             </p:cNvPr>
@@ -32829,7 +32912,7 @@
               <p:cNvPr id="18" name="Object 35">
                 <a:extLst>
                   <a:ext uri="{FF2B5EF4-FFF2-40B4-BE49-F238E27FC236}">
-                    <a16:creationId xmlns:a16="http://schemas.microsoft.com/office/drawing/2014/main" xmlns="" id="{4E99E669-73EB-F9F4-EFE8-DC107035C265}"/>
+                    <a16:creationId xmlns="" xmlns:a16="http://schemas.microsoft.com/office/drawing/2014/main" id="{4E99E669-73EB-F9F4-EFE8-DC107035C265}"/>
                   </a:ext>
                 </a:extLst>
               </p:cNvPr>
@@ -32861,7 +32944,7 @@
           <p:cNvPr id="2" name="직사각형 1">
             <a:extLst>
               <a:ext uri="{FF2B5EF4-FFF2-40B4-BE49-F238E27FC236}">
-                <a16:creationId xmlns:a16="http://schemas.microsoft.com/office/drawing/2014/main" xmlns="" id="{4A6D4F7D-58A0-50D3-DF8A-A1C179BFF89D}"/>
+                <a16:creationId xmlns="" xmlns:a16="http://schemas.microsoft.com/office/drawing/2014/main" id="{4A6D4F7D-58A0-50D3-DF8A-A1C179BFF89D}"/>
               </a:ext>
             </a:extLst>
           </p:cNvPr>
@@ -33237,7 +33320,7 @@
           <p:cNvPr id="9" name="직사각형 8">
             <a:extLst>
               <a:ext uri="{FF2B5EF4-FFF2-40B4-BE49-F238E27FC236}">
-                <a16:creationId xmlns:a16="http://schemas.microsoft.com/office/drawing/2014/main" xmlns="" id="{FFF506F9-840A-0508-4CAF-3AC711D8D5CE}"/>
+                <a16:creationId xmlns="" xmlns:a16="http://schemas.microsoft.com/office/drawing/2014/main" id="{FFF506F9-840A-0508-4CAF-3AC711D8D5CE}"/>
               </a:ext>
             </a:extLst>
           </p:cNvPr>
@@ -33289,7 +33372,7 @@
           <p:cNvPr id="10" name="직선 화살표 연결선 9">
             <a:extLst>
               <a:ext uri="{FF2B5EF4-FFF2-40B4-BE49-F238E27FC236}">
-                <a16:creationId xmlns:a16="http://schemas.microsoft.com/office/drawing/2014/main" xmlns="" id="{299DF5EC-9DF4-5255-06AC-0A7CE4FF58C3}"/>
+                <a16:creationId xmlns="" xmlns:a16="http://schemas.microsoft.com/office/drawing/2014/main" id="{299DF5EC-9DF4-5255-06AC-0A7CE4FF58C3}"/>
               </a:ext>
             </a:extLst>
           </p:cNvPr>
@@ -33330,7 +33413,7 @@
           <p:cNvPr id="12" name="TextBox 11">
             <a:extLst>
               <a:ext uri="{FF2B5EF4-FFF2-40B4-BE49-F238E27FC236}">
-                <a16:creationId xmlns:a16="http://schemas.microsoft.com/office/drawing/2014/main" xmlns="" id="{C6D113C6-EA5C-788F-0C77-E7CE6EBB865F}"/>
+                <a16:creationId xmlns="" xmlns:a16="http://schemas.microsoft.com/office/drawing/2014/main" id="{C6D113C6-EA5C-788F-0C77-E7CE6EBB865F}"/>
               </a:ext>
             </a:extLst>
           </p:cNvPr>

--- a/JavaLecture/LectureFile/java 9강 상속과super.pptx
+++ b/JavaLecture/LectureFile/java 9강 상속과super.pptx
@@ -5,7 +5,7 @@
     <p:sldMasterId id="2147483648" r:id="rId1"/>
   </p:sldMasterIdLst>
   <p:notesMasterIdLst>
-    <p:notesMasterId r:id="rId64"/>
+    <p:notesMasterId r:id="rId67"/>
   </p:notesMasterIdLst>
   <p:sldIdLst>
     <p:sldId id="257" r:id="rId2"/>
@@ -69,7 +69,10 @@
     <p:sldId id="655" r:id="rId60"/>
     <p:sldId id="658" r:id="rId61"/>
     <p:sldId id="672" r:id="rId62"/>
-    <p:sldId id="275" r:id="rId63"/>
+    <p:sldId id="674" r:id="rId63"/>
+    <p:sldId id="673" r:id="rId64"/>
+    <p:sldId id="675" r:id="rId65"/>
+    <p:sldId id="275" r:id="rId66"/>
   </p:sldIdLst>
   <p:sldSz cx="18288000" cy="10287000"/>
   <p:notesSz cx="7104063" cy="10234613"/>
@@ -269,7 +272,7 @@
           <a:p>
             <a:fld id="{D79F2C30-10E1-4C46-91DC-BBDB9629E720}" type="datetimeFigureOut">
               <a:rPr lang="ko-KR" altLang="en-US" smtClean="0"/>
-              <a:t>2023-04-22</a:t>
+              <a:t>2023-04-23 Sunday</a:t>
             </a:fld>
             <a:endParaRPr lang="ko-KR" altLang="en-US"/>
           </a:p>
@@ -981,7 +984,7 @@
           <a:p>
             <a:fld id="{F8166F1F-CE9B-4651-A6AA-CD717754106B}" type="datetimeFigureOut">
               <a:rPr lang="en-US" smtClean="0"/>
-              <a:t>4/22/2023</a:t>
+              <a:t>4/23/2023</a:t>
             </a:fld>
             <a:endParaRPr lang="en-US"/>
           </a:p>
@@ -1184,7 +1187,7 @@
           <a:p>
             <a:fld id="{A76116CE-C4A3-4A05-B2D7-7C2E9A889C0F}" type="datetimeFigureOut">
               <a:rPr lang="en-US" smtClean="0"/>
-              <a:t>4/22/2023</a:t>
+              <a:t>4/23/2023</a:t>
             </a:fld>
             <a:endParaRPr lang="en-US"/>
           </a:p>
@@ -1387,7 +1390,7 @@
           <a:p>
             <a:fld id="{A76116CE-C4A3-4A05-B2D7-7C2E9A889C0F}" type="datetimeFigureOut">
               <a:rPr lang="en-US" smtClean="0"/>
-              <a:t>4/22/2023</a:t>
+              <a:t>4/23/2023</a:t>
             </a:fld>
             <a:endParaRPr lang="en-US"/>
           </a:p>
@@ -1592,7 +1595,7 @@
           <a:p>
             <a:fld id="{A76116CE-C4A3-4A05-B2D7-7C2E9A889C0F}" type="datetimeFigureOut">
               <a:rPr lang="en-US" smtClean="0"/>
-              <a:t>4/22/2023</a:t>
+              <a:t>4/23/2023</a:t>
             </a:fld>
             <a:endParaRPr lang="en-US"/>
           </a:p>
@@ -1862,7 +1865,7 @@
           <a:p>
             <a:fld id="{A76116CE-C4A3-4A05-B2D7-7C2E9A889C0F}" type="datetimeFigureOut">
               <a:rPr lang="en-US" smtClean="0"/>
-              <a:t>4/22/2023</a:t>
+              <a:t>4/23/2023</a:t>
             </a:fld>
             <a:endParaRPr lang="en-US"/>
           </a:p>
@@ -2180,7 +2183,7 @@
           <a:p>
             <a:fld id="{A76116CE-C4A3-4A05-B2D7-7C2E9A889C0F}" type="datetimeFigureOut">
               <a:rPr lang="en-US" smtClean="0"/>
-              <a:t>4/22/2023</a:t>
+              <a:t>4/23/2023</a:t>
             </a:fld>
             <a:endParaRPr lang="en-US"/>
           </a:p>
@@ -2638,7 +2641,7 @@
           <a:p>
             <a:fld id="{A76116CE-C4A3-4A05-B2D7-7C2E9A889C0F}" type="datetimeFigureOut">
               <a:rPr lang="en-US" smtClean="0"/>
-              <a:t>4/22/2023</a:t>
+              <a:t>4/23/2023</a:t>
             </a:fld>
             <a:endParaRPr lang="en-US"/>
           </a:p>
@@ -2782,7 +2785,7 @@
           <a:p>
             <a:fld id="{A76116CE-C4A3-4A05-B2D7-7C2E9A889C0F}" type="datetimeFigureOut">
               <a:rPr lang="en-US" smtClean="0"/>
-              <a:t>4/22/2023</a:t>
+              <a:t>4/23/2023</a:t>
             </a:fld>
             <a:endParaRPr lang="en-US"/>
           </a:p>
@@ -2896,7 +2899,7 @@
           <a:p>
             <a:fld id="{A76116CE-C4A3-4A05-B2D7-7C2E9A889C0F}" type="datetimeFigureOut">
               <a:rPr lang="en-US" smtClean="0"/>
-              <a:t>4/22/2023</a:t>
+              <a:t>4/23/2023</a:t>
             </a:fld>
             <a:endParaRPr lang="en-US"/>
           </a:p>
@@ -3199,7 +3202,7 @@
           <a:p>
             <a:fld id="{A76116CE-C4A3-4A05-B2D7-7C2E9A889C0F}" type="datetimeFigureOut">
               <a:rPr lang="en-US" smtClean="0"/>
-              <a:t>4/22/2023</a:t>
+              <a:t>4/23/2023</a:t>
             </a:fld>
             <a:endParaRPr lang="en-US"/>
           </a:p>
@@ -3479,7 +3482,7 @@
           <a:p>
             <a:fld id="{A76116CE-C4A3-4A05-B2D7-7C2E9A889C0F}" type="datetimeFigureOut">
               <a:rPr lang="en-US" smtClean="0"/>
-              <a:t>4/22/2023</a:t>
+              <a:t>4/23/2023</a:t>
             </a:fld>
             <a:endParaRPr lang="en-US"/>
           </a:p>
@@ -4237,7 +4240,7 @@
           <p:cNvPr id="2" name="TextBox 1">
             <a:extLst>
               <a:ext uri="{FF2B5EF4-FFF2-40B4-BE49-F238E27FC236}">
-                <a16:creationId xmlns="" xmlns:a16="http://schemas.microsoft.com/office/drawing/2014/main" id="{E9A453A8-9968-67AB-7B4A-83EEB4662AA6}"/>
+                <a16:creationId xmlns:a16="http://schemas.microsoft.com/office/drawing/2014/main" xmlns="" id="{E9A453A8-9968-67AB-7B4A-83EEB4662AA6}"/>
               </a:ext>
             </a:extLst>
           </p:cNvPr>
@@ -4285,7 +4288,7 @@
           <p:cNvPr id="4" name="TextBox 3">
             <a:extLst>
               <a:ext uri="{FF2B5EF4-FFF2-40B4-BE49-F238E27FC236}">
-                <a16:creationId xmlns="" xmlns:a16="http://schemas.microsoft.com/office/drawing/2014/main" id="{F4B7A35A-8AAC-4622-64BC-CAD1472D4115}"/>
+                <a16:creationId xmlns:a16="http://schemas.microsoft.com/office/drawing/2014/main" xmlns="" id="{F4B7A35A-8AAC-4622-64BC-CAD1472D4115}"/>
               </a:ext>
             </a:extLst>
           </p:cNvPr>
@@ -4357,7 +4360,7 @@
           <p:cNvPr id="7" name="TextBox 6">
             <a:extLst>
               <a:ext uri="{FF2B5EF4-FFF2-40B4-BE49-F238E27FC236}">
-                <a16:creationId xmlns="" xmlns:a16="http://schemas.microsoft.com/office/drawing/2014/main" id="{3ACE900A-D779-4343-6623-8588B376F0A1}"/>
+                <a16:creationId xmlns:a16="http://schemas.microsoft.com/office/drawing/2014/main" xmlns="" id="{3ACE900A-D779-4343-6623-8588B376F0A1}"/>
               </a:ext>
             </a:extLst>
           </p:cNvPr>
@@ -4493,7 +4496,7 @@
           <p:cNvPr id="7" name="직선 화살표 연결선 6">
             <a:extLst>
               <a:ext uri="{FF2B5EF4-FFF2-40B4-BE49-F238E27FC236}">
-                <a16:creationId xmlns="" xmlns:a16="http://schemas.microsoft.com/office/drawing/2014/main" id="{299DF5EC-9DF4-5255-06AC-0A7CE4FF58C3}"/>
+                <a16:creationId xmlns:a16="http://schemas.microsoft.com/office/drawing/2014/main" xmlns="" id="{299DF5EC-9DF4-5255-06AC-0A7CE4FF58C3}"/>
               </a:ext>
             </a:extLst>
           </p:cNvPr>
@@ -4534,7 +4537,7 @@
           <p:cNvPr id="8" name="TextBox 7">
             <a:extLst>
               <a:ext uri="{FF2B5EF4-FFF2-40B4-BE49-F238E27FC236}">
-                <a16:creationId xmlns="" xmlns:a16="http://schemas.microsoft.com/office/drawing/2014/main" id="{C6D113C6-EA5C-788F-0C77-E7CE6EBB865F}"/>
+                <a16:creationId xmlns:a16="http://schemas.microsoft.com/office/drawing/2014/main" xmlns="" id="{C6D113C6-EA5C-788F-0C77-E7CE6EBB865F}"/>
               </a:ext>
             </a:extLst>
           </p:cNvPr>
@@ -4642,7 +4645,7 @@
           <p:cNvPr id="2" name="직사각형 1">
             <a:extLst>
               <a:ext uri="{FF2B5EF4-FFF2-40B4-BE49-F238E27FC236}">
-                <a16:creationId xmlns="" xmlns:a16="http://schemas.microsoft.com/office/drawing/2014/main" id="{3C46299A-4568-03E8-2C5C-09C49E40CF06}"/>
+                <a16:creationId xmlns:a16="http://schemas.microsoft.com/office/drawing/2014/main" xmlns="" id="{3C46299A-4568-03E8-2C5C-09C49E40CF06}"/>
               </a:ext>
             </a:extLst>
           </p:cNvPr>
@@ -4923,7 +4926,7 @@
           <p:cNvPr id="6" name="직선 화살표 연결선 5">
             <a:extLst>
               <a:ext uri="{FF2B5EF4-FFF2-40B4-BE49-F238E27FC236}">
-                <a16:creationId xmlns="" xmlns:a16="http://schemas.microsoft.com/office/drawing/2014/main" id="{299DF5EC-9DF4-5255-06AC-0A7CE4FF58C3}"/>
+                <a16:creationId xmlns:a16="http://schemas.microsoft.com/office/drawing/2014/main" xmlns="" id="{299DF5EC-9DF4-5255-06AC-0A7CE4FF58C3}"/>
               </a:ext>
             </a:extLst>
           </p:cNvPr>
@@ -4964,7 +4967,7 @@
           <p:cNvPr id="7" name="TextBox 6">
             <a:extLst>
               <a:ext uri="{FF2B5EF4-FFF2-40B4-BE49-F238E27FC236}">
-                <a16:creationId xmlns="" xmlns:a16="http://schemas.microsoft.com/office/drawing/2014/main" id="{C6D113C6-EA5C-788F-0C77-E7CE6EBB865F}"/>
+                <a16:creationId xmlns:a16="http://schemas.microsoft.com/office/drawing/2014/main" xmlns="" id="{C6D113C6-EA5C-788F-0C77-E7CE6EBB865F}"/>
               </a:ext>
             </a:extLst>
           </p:cNvPr>
@@ -5035,7 +5038,7 @@
           <p:cNvPr id="8" name="TextBox 7">
             <a:extLst>
               <a:ext uri="{FF2B5EF4-FFF2-40B4-BE49-F238E27FC236}">
-                <a16:creationId xmlns="" xmlns:a16="http://schemas.microsoft.com/office/drawing/2014/main" id="{DF7DDD33-9412-2802-339A-E55446AC2DA7}"/>
+                <a16:creationId xmlns:a16="http://schemas.microsoft.com/office/drawing/2014/main" xmlns="" id="{DF7DDD33-9412-2802-339A-E55446AC2DA7}"/>
               </a:ext>
             </a:extLst>
           </p:cNvPr>
@@ -5147,7 +5150,7 @@
           <p:cNvPr id="5" name="TextBox 4">
             <a:extLst>
               <a:ext uri="{FF2B5EF4-FFF2-40B4-BE49-F238E27FC236}">
-                <a16:creationId xmlns="" xmlns:a16="http://schemas.microsoft.com/office/drawing/2014/main" id="{C6D113C6-EA5C-788F-0C77-E7CE6EBB865F}"/>
+                <a16:creationId xmlns:a16="http://schemas.microsoft.com/office/drawing/2014/main" xmlns="" id="{C6D113C6-EA5C-788F-0C77-E7CE6EBB865F}"/>
               </a:ext>
             </a:extLst>
           </p:cNvPr>
@@ -5218,7 +5221,7 @@
           <p:cNvPr id="7" name="TextBox 6">
             <a:extLst>
               <a:ext uri="{FF2B5EF4-FFF2-40B4-BE49-F238E27FC236}">
-                <a16:creationId xmlns="" xmlns:a16="http://schemas.microsoft.com/office/drawing/2014/main" id="{C6D113C6-EA5C-788F-0C77-E7CE6EBB865F}"/>
+                <a16:creationId xmlns:a16="http://schemas.microsoft.com/office/drawing/2014/main" xmlns="" id="{C6D113C6-EA5C-788F-0C77-E7CE6EBB865F}"/>
               </a:ext>
             </a:extLst>
           </p:cNvPr>
@@ -5394,7 +5397,7 @@
           <p:cNvPr id="4" name="TextBox 3">
             <a:extLst>
               <a:ext uri="{FF2B5EF4-FFF2-40B4-BE49-F238E27FC236}">
-                <a16:creationId xmlns="" xmlns:a16="http://schemas.microsoft.com/office/drawing/2014/main" id="{C6D113C6-EA5C-788F-0C77-E7CE6EBB865F}"/>
+                <a16:creationId xmlns:a16="http://schemas.microsoft.com/office/drawing/2014/main" xmlns="" id="{C6D113C6-EA5C-788F-0C77-E7CE6EBB865F}"/>
               </a:ext>
             </a:extLst>
           </p:cNvPr>
@@ -5554,7 +5557,7 @@
           <p:cNvPr id="4" name="TextBox 3">
             <a:extLst>
               <a:ext uri="{FF2B5EF4-FFF2-40B4-BE49-F238E27FC236}">
-                <a16:creationId xmlns="" xmlns:a16="http://schemas.microsoft.com/office/drawing/2014/main" id="{5ADC00B6-990A-40DC-3CEA-505258F5E8DA}"/>
+                <a16:creationId xmlns:a16="http://schemas.microsoft.com/office/drawing/2014/main" xmlns="" id="{5ADC00B6-990A-40DC-3CEA-505258F5E8DA}"/>
               </a:ext>
             </a:extLst>
           </p:cNvPr>
@@ -5626,7 +5629,7 @@
           <p:cNvPr id="6" name="직선 화살표 연결선 5">
             <a:extLst>
               <a:ext uri="{FF2B5EF4-FFF2-40B4-BE49-F238E27FC236}">
-                <a16:creationId xmlns="" xmlns:a16="http://schemas.microsoft.com/office/drawing/2014/main" id="{299DF5EC-9DF4-5255-06AC-0A7CE4FF58C3}"/>
+                <a16:creationId xmlns:a16="http://schemas.microsoft.com/office/drawing/2014/main" xmlns="" id="{299DF5EC-9DF4-5255-06AC-0A7CE4FF58C3}"/>
               </a:ext>
             </a:extLst>
           </p:cNvPr>
@@ -5667,7 +5670,7 @@
           <p:cNvPr id="7" name="TextBox 6">
             <a:extLst>
               <a:ext uri="{FF2B5EF4-FFF2-40B4-BE49-F238E27FC236}">
-                <a16:creationId xmlns="" xmlns:a16="http://schemas.microsoft.com/office/drawing/2014/main" id="{C6D113C6-EA5C-788F-0C77-E7CE6EBB865F}"/>
+                <a16:creationId xmlns:a16="http://schemas.microsoft.com/office/drawing/2014/main" xmlns="" id="{C6D113C6-EA5C-788F-0C77-E7CE6EBB865F}"/>
               </a:ext>
             </a:extLst>
           </p:cNvPr>
@@ -5850,7 +5853,7 @@
           <p:cNvPr id="4" name="TextBox 3">
             <a:extLst>
               <a:ext uri="{FF2B5EF4-FFF2-40B4-BE49-F238E27FC236}">
-                <a16:creationId xmlns="" xmlns:a16="http://schemas.microsoft.com/office/drawing/2014/main" id="{5ADC00B6-990A-40DC-3CEA-505258F5E8DA}"/>
+                <a16:creationId xmlns:a16="http://schemas.microsoft.com/office/drawing/2014/main" xmlns="" id="{5ADC00B6-990A-40DC-3CEA-505258F5E8DA}"/>
               </a:ext>
             </a:extLst>
           </p:cNvPr>
@@ -5908,7 +5911,7 @@
           <p:cNvPr id="5" name="TextBox 4">
             <a:extLst>
               <a:ext uri="{FF2B5EF4-FFF2-40B4-BE49-F238E27FC236}">
-                <a16:creationId xmlns="" xmlns:a16="http://schemas.microsoft.com/office/drawing/2014/main" id="{A2AD056B-97A4-5BCC-4460-250160F3E171}"/>
+                <a16:creationId xmlns:a16="http://schemas.microsoft.com/office/drawing/2014/main" xmlns="" id="{A2AD056B-97A4-5BCC-4460-250160F3E171}"/>
               </a:ext>
             </a:extLst>
           </p:cNvPr>
@@ -6066,7 +6069,7 @@
           <p:cNvPr id="6" name="그룹 1015">
             <a:extLst>
               <a:ext uri="{FF2B5EF4-FFF2-40B4-BE49-F238E27FC236}">
-                <a16:creationId xmlns="" xmlns:a16="http://schemas.microsoft.com/office/drawing/2014/main" id="{76F5E01D-ECD6-A51D-DC2B-05DA1EBF93C7}"/>
+                <a16:creationId xmlns:a16="http://schemas.microsoft.com/office/drawing/2014/main" xmlns="" id="{76F5E01D-ECD6-A51D-DC2B-05DA1EBF93C7}"/>
               </a:ext>
             </a:extLst>
           </p:cNvPr>
@@ -6086,7 +6089,7 @@
             <p:cNvPr id="7" name="Object 52">
               <a:extLst>
                 <a:ext uri="{FF2B5EF4-FFF2-40B4-BE49-F238E27FC236}">
-                  <a16:creationId xmlns="" xmlns:a16="http://schemas.microsoft.com/office/drawing/2014/main" id="{D83975B3-46BC-7686-ECA1-1D7ECFA74A69}"/>
+                  <a16:creationId xmlns:a16="http://schemas.microsoft.com/office/drawing/2014/main" xmlns="" id="{D83975B3-46BC-7686-ECA1-1D7ECFA74A69}"/>
                 </a:ext>
               </a:extLst>
             </p:cNvPr>
@@ -6117,7 +6120,7 @@
           <p:cNvPr id="8" name="그룹 1018">
             <a:extLst>
               <a:ext uri="{FF2B5EF4-FFF2-40B4-BE49-F238E27FC236}">
-                <a16:creationId xmlns="" xmlns:a16="http://schemas.microsoft.com/office/drawing/2014/main" id="{008489BA-FEFA-DE7D-B3CD-53A358B82592}"/>
+                <a16:creationId xmlns:a16="http://schemas.microsoft.com/office/drawing/2014/main" xmlns="" id="{008489BA-FEFA-DE7D-B3CD-53A358B82592}"/>
               </a:ext>
             </a:extLst>
           </p:cNvPr>
@@ -6137,7 +6140,7 @@
             <p:cNvPr id="9" name="Object 61">
               <a:extLst>
                 <a:ext uri="{FF2B5EF4-FFF2-40B4-BE49-F238E27FC236}">
-                  <a16:creationId xmlns="" xmlns:a16="http://schemas.microsoft.com/office/drawing/2014/main" id="{9ED25BE3-45BE-AC6D-D835-4457854D2832}"/>
+                  <a16:creationId xmlns:a16="http://schemas.microsoft.com/office/drawing/2014/main" xmlns="" id="{9ED25BE3-45BE-AC6D-D835-4457854D2832}"/>
                 </a:ext>
               </a:extLst>
             </p:cNvPr>
@@ -6168,7 +6171,7 @@
           <p:cNvPr id="10" name="그룹 1021">
             <a:extLst>
               <a:ext uri="{FF2B5EF4-FFF2-40B4-BE49-F238E27FC236}">
-                <a16:creationId xmlns="" xmlns:a16="http://schemas.microsoft.com/office/drawing/2014/main" id="{7FE0C0A1-ABE4-F0EA-AFC1-4622C45C99E7}"/>
+                <a16:creationId xmlns:a16="http://schemas.microsoft.com/office/drawing/2014/main" xmlns="" id="{7FE0C0A1-ABE4-F0EA-AFC1-4622C45C99E7}"/>
               </a:ext>
             </a:extLst>
           </p:cNvPr>
@@ -6188,7 +6191,7 @@
             <p:cNvPr id="11" name="Object 71">
               <a:extLst>
                 <a:ext uri="{FF2B5EF4-FFF2-40B4-BE49-F238E27FC236}">
-                  <a16:creationId xmlns="" xmlns:a16="http://schemas.microsoft.com/office/drawing/2014/main" id="{CDBB7D83-509F-9F4C-0C3E-DBA2562E5520}"/>
+                  <a16:creationId xmlns:a16="http://schemas.microsoft.com/office/drawing/2014/main" xmlns="" id="{CDBB7D83-509F-9F4C-0C3E-DBA2562E5520}"/>
                 </a:ext>
               </a:extLst>
             </p:cNvPr>
@@ -6219,7 +6222,7 @@
           <p:cNvPr id="12" name="그룹 1024">
             <a:extLst>
               <a:ext uri="{FF2B5EF4-FFF2-40B4-BE49-F238E27FC236}">
-                <a16:creationId xmlns="" xmlns:a16="http://schemas.microsoft.com/office/drawing/2014/main" id="{8EB1611F-852C-9617-AEEB-CFA38FFF8001}"/>
+                <a16:creationId xmlns:a16="http://schemas.microsoft.com/office/drawing/2014/main" xmlns="" id="{8EB1611F-852C-9617-AEEB-CFA38FFF8001}"/>
               </a:ext>
             </a:extLst>
           </p:cNvPr>
@@ -6239,7 +6242,7 @@
             <p:cNvPr id="13" name="Object 81">
               <a:extLst>
                 <a:ext uri="{FF2B5EF4-FFF2-40B4-BE49-F238E27FC236}">
-                  <a16:creationId xmlns="" xmlns:a16="http://schemas.microsoft.com/office/drawing/2014/main" id="{08657582-A0DF-A5DC-A662-189C639920C8}"/>
+                  <a16:creationId xmlns:a16="http://schemas.microsoft.com/office/drawing/2014/main" xmlns="" id="{08657582-A0DF-A5DC-A662-189C639920C8}"/>
                 </a:ext>
               </a:extLst>
             </p:cNvPr>
@@ -6270,7 +6273,7 @@
           <p:cNvPr id="14" name="TextBox 13">
             <a:extLst>
               <a:ext uri="{FF2B5EF4-FFF2-40B4-BE49-F238E27FC236}">
-                <a16:creationId xmlns="" xmlns:a16="http://schemas.microsoft.com/office/drawing/2014/main" id="{FC41B7B2-904B-813A-22B8-239E383F4360}"/>
+                <a16:creationId xmlns:a16="http://schemas.microsoft.com/office/drawing/2014/main" xmlns="" id="{FC41B7B2-904B-813A-22B8-239E383F4360}"/>
               </a:ext>
             </a:extLst>
           </p:cNvPr>
@@ -6318,7 +6321,7 @@
           <p:cNvPr id="15" name="TextBox 14">
             <a:extLst>
               <a:ext uri="{FF2B5EF4-FFF2-40B4-BE49-F238E27FC236}">
-                <a16:creationId xmlns="" xmlns:a16="http://schemas.microsoft.com/office/drawing/2014/main" id="{F68B80B8-3419-5C31-B2F2-084E536A2C1C}"/>
+                <a16:creationId xmlns:a16="http://schemas.microsoft.com/office/drawing/2014/main" xmlns="" id="{F68B80B8-3419-5C31-B2F2-084E536A2C1C}"/>
               </a:ext>
             </a:extLst>
           </p:cNvPr>
@@ -6366,7 +6369,7 @@
           <p:cNvPr id="16" name="TextBox 15">
             <a:extLst>
               <a:ext uri="{FF2B5EF4-FFF2-40B4-BE49-F238E27FC236}">
-                <a16:creationId xmlns="" xmlns:a16="http://schemas.microsoft.com/office/drawing/2014/main" id="{CB471B39-052C-65D2-3069-C74FA7421876}"/>
+                <a16:creationId xmlns:a16="http://schemas.microsoft.com/office/drawing/2014/main" xmlns="" id="{CB471B39-052C-65D2-3069-C74FA7421876}"/>
               </a:ext>
             </a:extLst>
           </p:cNvPr>
@@ -6414,7 +6417,7 @@
           <p:cNvPr id="17" name="TextBox 16">
             <a:extLst>
               <a:ext uri="{FF2B5EF4-FFF2-40B4-BE49-F238E27FC236}">
-                <a16:creationId xmlns="" xmlns:a16="http://schemas.microsoft.com/office/drawing/2014/main" id="{4A7E270B-9322-EABD-3A34-4D211B23AD38}"/>
+                <a16:creationId xmlns:a16="http://schemas.microsoft.com/office/drawing/2014/main" xmlns="" id="{4A7E270B-9322-EABD-3A34-4D211B23AD38}"/>
               </a:ext>
             </a:extLst>
           </p:cNvPr>
@@ -6462,7 +6465,7 @@
           <p:cNvPr id="18" name="직선 화살표 연결선 17">
             <a:extLst>
               <a:ext uri="{FF2B5EF4-FFF2-40B4-BE49-F238E27FC236}">
-                <a16:creationId xmlns="" xmlns:a16="http://schemas.microsoft.com/office/drawing/2014/main" id="{174A1CAB-41DB-CBE5-A53E-D1E78982E7D5}"/>
+                <a16:creationId xmlns:a16="http://schemas.microsoft.com/office/drawing/2014/main" xmlns="" id="{174A1CAB-41DB-CBE5-A53E-D1E78982E7D5}"/>
               </a:ext>
             </a:extLst>
           </p:cNvPr>
@@ -6504,7 +6507,7 @@
           <p:cNvPr id="19" name="직선 화살표 연결선 18">
             <a:extLst>
               <a:ext uri="{FF2B5EF4-FFF2-40B4-BE49-F238E27FC236}">
-                <a16:creationId xmlns="" xmlns:a16="http://schemas.microsoft.com/office/drawing/2014/main" id="{404BE807-8974-325D-28CE-80CBD5A23FD9}"/>
+                <a16:creationId xmlns:a16="http://schemas.microsoft.com/office/drawing/2014/main" xmlns="" id="{404BE807-8974-325D-28CE-80CBD5A23FD9}"/>
               </a:ext>
             </a:extLst>
           </p:cNvPr>
@@ -6545,7 +6548,7 @@
           <p:cNvPr id="20" name="직선 화살표 연결선 19">
             <a:extLst>
               <a:ext uri="{FF2B5EF4-FFF2-40B4-BE49-F238E27FC236}">
-                <a16:creationId xmlns="" xmlns:a16="http://schemas.microsoft.com/office/drawing/2014/main" id="{8238D4B2-69F6-F17A-0286-66A8FB197956}"/>
+                <a16:creationId xmlns:a16="http://schemas.microsoft.com/office/drawing/2014/main" xmlns="" id="{8238D4B2-69F6-F17A-0286-66A8FB197956}"/>
               </a:ext>
             </a:extLst>
           </p:cNvPr>
@@ -6587,7 +6590,7 @@
           <p:cNvPr id="21" name="직선 화살표 연결선 20">
             <a:extLst>
               <a:ext uri="{FF2B5EF4-FFF2-40B4-BE49-F238E27FC236}">
-                <a16:creationId xmlns="" xmlns:a16="http://schemas.microsoft.com/office/drawing/2014/main" id="{404BE807-8974-325D-28CE-80CBD5A23FD9}"/>
+                <a16:creationId xmlns:a16="http://schemas.microsoft.com/office/drawing/2014/main" xmlns="" id="{404BE807-8974-325D-28CE-80CBD5A23FD9}"/>
               </a:ext>
             </a:extLst>
           </p:cNvPr>
@@ -6628,7 +6631,7 @@
           <p:cNvPr id="22" name="그룹 1021">
             <a:extLst>
               <a:ext uri="{FF2B5EF4-FFF2-40B4-BE49-F238E27FC236}">
-                <a16:creationId xmlns="" xmlns:a16="http://schemas.microsoft.com/office/drawing/2014/main" id="{7FE0C0A1-ABE4-F0EA-AFC1-4622C45C99E7}"/>
+                <a16:creationId xmlns:a16="http://schemas.microsoft.com/office/drawing/2014/main" xmlns="" id="{7FE0C0A1-ABE4-F0EA-AFC1-4622C45C99E7}"/>
               </a:ext>
             </a:extLst>
           </p:cNvPr>
@@ -6648,7 +6651,7 @@
             <p:cNvPr id="23" name="Object 71">
               <a:extLst>
                 <a:ext uri="{FF2B5EF4-FFF2-40B4-BE49-F238E27FC236}">
-                  <a16:creationId xmlns="" xmlns:a16="http://schemas.microsoft.com/office/drawing/2014/main" id="{CDBB7D83-509F-9F4C-0C3E-DBA2562E5520}"/>
+                  <a16:creationId xmlns:a16="http://schemas.microsoft.com/office/drawing/2014/main" xmlns="" id="{CDBB7D83-509F-9F4C-0C3E-DBA2562E5520}"/>
                 </a:ext>
               </a:extLst>
             </p:cNvPr>
@@ -6679,7 +6682,7 @@
           <p:cNvPr id="24" name="TextBox 23">
             <a:extLst>
               <a:ext uri="{FF2B5EF4-FFF2-40B4-BE49-F238E27FC236}">
-                <a16:creationId xmlns="" xmlns:a16="http://schemas.microsoft.com/office/drawing/2014/main" id="{CB471B39-052C-65D2-3069-C74FA7421876}"/>
+                <a16:creationId xmlns:a16="http://schemas.microsoft.com/office/drawing/2014/main" xmlns="" id="{CB471B39-052C-65D2-3069-C74FA7421876}"/>
               </a:ext>
             </a:extLst>
           </p:cNvPr>
@@ -7349,7 +7352,7 @@
           <p:cNvPr id="8" name="직선 화살표 연결선 7">
             <a:extLst>
               <a:ext uri="{FF2B5EF4-FFF2-40B4-BE49-F238E27FC236}">
-                <a16:creationId xmlns="" xmlns:a16="http://schemas.microsoft.com/office/drawing/2014/main" id="{299DF5EC-9DF4-5255-06AC-0A7CE4FF58C3}"/>
+                <a16:creationId xmlns:a16="http://schemas.microsoft.com/office/drawing/2014/main" xmlns="" id="{299DF5EC-9DF4-5255-06AC-0A7CE4FF58C3}"/>
               </a:ext>
             </a:extLst>
           </p:cNvPr>
@@ -7390,7 +7393,7 @@
           <p:cNvPr id="9" name="직사각형 8">
             <a:extLst>
               <a:ext uri="{FF2B5EF4-FFF2-40B4-BE49-F238E27FC236}">
-                <a16:creationId xmlns="" xmlns:a16="http://schemas.microsoft.com/office/drawing/2014/main" id="{FFF506F9-840A-0508-4CAF-3AC711D8D5CE}"/>
+                <a16:creationId xmlns:a16="http://schemas.microsoft.com/office/drawing/2014/main" xmlns="" id="{FFF506F9-840A-0508-4CAF-3AC711D8D5CE}"/>
               </a:ext>
             </a:extLst>
           </p:cNvPr>
@@ -7442,7 +7445,7 @@
           <p:cNvPr id="10" name="TextBox 9">
             <a:extLst>
               <a:ext uri="{FF2B5EF4-FFF2-40B4-BE49-F238E27FC236}">
-                <a16:creationId xmlns="" xmlns:a16="http://schemas.microsoft.com/office/drawing/2014/main" id="{C6D113C6-EA5C-788F-0C77-E7CE6EBB865F}"/>
+                <a16:creationId xmlns:a16="http://schemas.microsoft.com/office/drawing/2014/main" xmlns="" id="{C6D113C6-EA5C-788F-0C77-E7CE6EBB865F}"/>
               </a:ext>
             </a:extLst>
           </p:cNvPr>
@@ -7490,7 +7493,7 @@
           <p:cNvPr id="12" name="직선 화살표 연결선 11">
             <a:extLst>
               <a:ext uri="{FF2B5EF4-FFF2-40B4-BE49-F238E27FC236}">
-                <a16:creationId xmlns="" xmlns:a16="http://schemas.microsoft.com/office/drawing/2014/main" id="{299DF5EC-9DF4-5255-06AC-0A7CE4FF58C3}"/>
+                <a16:creationId xmlns:a16="http://schemas.microsoft.com/office/drawing/2014/main" xmlns="" id="{299DF5EC-9DF4-5255-06AC-0A7CE4FF58C3}"/>
               </a:ext>
             </a:extLst>
           </p:cNvPr>
@@ -7531,7 +7534,7 @@
           <p:cNvPr id="13" name="직사각형 12">
             <a:extLst>
               <a:ext uri="{FF2B5EF4-FFF2-40B4-BE49-F238E27FC236}">
-                <a16:creationId xmlns="" xmlns:a16="http://schemas.microsoft.com/office/drawing/2014/main" id="{FFF506F9-840A-0508-4CAF-3AC711D8D5CE}"/>
+                <a16:creationId xmlns:a16="http://schemas.microsoft.com/office/drawing/2014/main" xmlns="" id="{FFF506F9-840A-0508-4CAF-3AC711D8D5CE}"/>
               </a:ext>
             </a:extLst>
           </p:cNvPr>
@@ -7583,7 +7586,7 @@
           <p:cNvPr id="14" name="TextBox 13">
             <a:extLst>
               <a:ext uri="{FF2B5EF4-FFF2-40B4-BE49-F238E27FC236}">
-                <a16:creationId xmlns="" xmlns:a16="http://schemas.microsoft.com/office/drawing/2014/main" id="{C6D113C6-EA5C-788F-0C77-E7CE6EBB865F}"/>
+                <a16:creationId xmlns:a16="http://schemas.microsoft.com/office/drawing/2014/main" xmlns="" id="{C6D113C6-EA5C-788F-0C77-E7CE6EBB865F}"/>
               </a:ext>
             </a:extLst>
           </p:cNvPr>
@@ -7631,7 +7634,7 @@
           <p:cNvPr id="15" name="직사각형 14">
             <a:extLst>
               <a:ext uri="{FF2B5EF4-FFF2-40B4-BE49-F238E27FC236}">
-                <a16:creationId xmlns="" xmlns:a16="http://schemas.microsoft.com/office/drawing/2014/main" id="{FFF506F9-840A-0508-4CAF-3AC711D8D5CE}"/>
+                <a16:creationId xmlns:a16="http://schemas.microsoft.com/office/drawing/2014/main" xmlns="" id="{FFF506F9-840A-0508-4CAF-3AC711D8D5CE}"/>
               </a:ext>
             </a:extLst>
           </p:cNvPr>
@@ -7683,7 +7686,7 @@
           <p:cNvPr id="16" name="직선 화살표 연결선 15">
             <a:extLst>
               <a:ext uri="{FF2B5EF4-FFF2-40B4-BE49-F238E27FC236}">
-                <a16:creationId xmlns="" xmlns:a16="http://schemas.microsoft.com/office/drawing/2014/main" id="{299DF5EC-9DF4-5255-06AC-0A7CE4FF58C3}"/>
+                <a16:creationId xmlns:a16="http://schemas.microsoft.com/office/drawing/2014/main" xmlns="" id="{299DF5EC-9DF4-5255-06AC-0A7CE4FF58C3}"/>
               </a:ext>
             </a:extLst>
           </p:cNvPr>
@@ -7724,7 +7727,7 @@
           <p:cNvPr id="17" name="TextBox 16">
             <a:extLst>
               <a:ext uri="{FF2B5EF4-FFF2-40B4-BE49-F238E27FC236}">
-                <a16:creationId xmlns="" xmlns:a16="http://schemas.microsoft.com/office/drawing/2014/main" id="{C6D113C6-EA5C-788F-0C77-E7CE6EBB865F}"/>
+                <a16:creationId xmlns:a16="http://schemas.microsoft.com/office/drawing/2014/main" xmlns="" id="{C6D113C6-EA5C-788F-0C77-E7CE6EBB865F}"/>
               </a:ext>
             </a:extLst>
           </p:cNvPr>
@@ -7772,7 +7775,7 @@
           <p:cNvPr id="18" name="TextBox 17">
             <a:extLst>
               <a:ext uri="{FF2B5EF4-FFF2-40B4-BE49-F238E27FC236}">
-                <a16:creationId xmlns="" xmlns:a16="http://schemas.microsoft.com/office/drawing/2014/main" id="{5ADC00B6-990A-40DC-3CEA-505258F5E8DA}"/>
+                <a16:creationId xmlns:a16="http://schemas.microsoft.com/office/drawing/2014/main" xmlns="" id="{5ADC00B6-990A-40DC-3CEA-505258F5E8DA}"/>
               </a:ext>
             </a:extLst>
           </p:cNvPr>
@@ -8224,7 +8227,7 @@
           <p:cNvPr id="8" name="TextBox 7">
             <a:extLst>
               <a:ext uri="{FF2B5EF4-FFF2-40B4-BE49-F238E27FC236}">
-                <a16:creationId xmlns="" xmlns:a16="http://schemas.microsoft.com/office/drawing/2014/main" id="{5ADC00B6-990A-40DC-3CEA-505258F5E8DA}"/>
+                <a16:creationId xmlns:a16="http://schemas.microsoft.com/office/drawing/2014/main" xmlns="" id="{5ADC00B6-990A-40DC-3CEA-505258F5E8DA}"/>
               </a:ext>
             </a:extLst>
           </p:cNvPr>
@@ -8272,7 +8275,7 @@
           <p:cNvPr id="2" name="TextBox 1">
             <a:extLst>
               <a:ext uri="{FF2B5EF4-FFF2-40B4-BE49-F238E27FC236}">
-                <a16:creationId xmlns="" xmlns:a16="http://schemas.microsoft.com/office/drawing/2014/main" id="{1B2E40E7-B15E-9EA6-EFD8-4ED90FD02024}"/>
+                <a16:creationId xmlns:a16="http://schemas.microsoft.com/office/drawing/2014/main" xmlns="" id="{1B2E40E7-B15E-9EA6-EFD8-4ED90FD02024}"/>
               </a:ext>
             </a:extLst>
           </p:cNvPr>
@@ -8592,7 +8595,7 @@
           <p:cNvPr id="2" name="TextBox 1">
             <a:extLst>
               <a:ext uri="{FF2B5EF4-FFF2-40B4-BE49-F238E27FC236}">
-                <a16:creationId xmlns="" xmlns:a16="http://schemas.microsoft.com/office/drawing/2014/main" id="{B695799D-94C1-CA9F-45DE-0CE5A8324559}"/>
+                <a16:creationId xmlns:a16="http://schemas.microsoft.com/office/drawing/2014/main" xmlns="" id="{B695799D-94C1-CA9F-45DE-0CE5A8324559}"/>
               </a:ext>
             </a:extLst>
           </p:cNvPr>
@@ -8896,7 +8899,7 @@
           <p:cNvPr id="4" name="TextBox 3">
             <a:extLst>
               <a:ext uri="{FF2B5EF4-FFF2-40B4-BE49-F238E27FC236}">
-                <a16:creationId xmlns="" xmlns:a16="http://schemas.microsoft.com/office/drawing/2014/main" id="{5ADC00B6-990A-40DC-3CEA-505258F5E8DA}"/>
+                <a16:creationId xmlns:a16="http://schemas.microsoft.com/office/drawing/2014/main" xmlns="" id="{5ADC00B6-990A-40DC-3CEA-505258F5E8DA}"/>
               </a:ext>
             </a:extLst>
           </p:cNvPr>
@@ -8968,7 +8971,7 @@
           <p:cNvPr id="6" name="TextBox 5">
             <a:extLst>
               <a:ext uri="{FF2B5EF4-FFF2-40B4-BE49-F238E27FC236}">
-                <a16:creationId xmlns="" xmlns:a16="http://schemas.microsoft.com/office/drawing/2014/main" id="{C6D113C6-EA5C-788F-0C77-E7CE6EBB865F}"/>
+                <a16:creationId xmlns:a16="http://schemas.microsoft.com/office/drawing/2014/main" xmlns="" id="{C6D113C6-EA5C-788F-0C77-E7CE6EBB865F}"/>
               </a:ext>
             </a:extLst>
           </p:cNvPr>
@@ -9306,7 +9309,7 @@
           <p:cNvPr id="11" name="TextBox 10">
             <a:extLst>
               <a:ext uri="{FF2B5EF4-FFF2-40B4-BE49-F238E27FC236}">
-                <a16:creationId xmlns="" xmlns:a16="http://schemas.microsoft.com/office/drawing/2014/main" id="{9F88F580-08BE-88C2-D640-13F0026591CB}"/>
+                <a16:creationId xmlns:a16="http://schemas.microsoft.com/office/drawing/2014/main" xmlns="" id="{9F88F580-08BE-88C2-D640-13F0026591CB}"/>
               </a:ext>
             </a:extLst>
           </p:cNvPr>
@@ -9374,7 +9377,7 @@
           <p:cNvPr id="13" name="TextBox 12">
             <a:extLst>
               <a:ext uri="{FF2B5EF4-FFF2-40B4-BE49-F238E27FC236}">
-                <a16:creationId xmlns="" xmlns:a16="http://schemas.microsoft.com/office/drawing/2014/main" id="{72769C28-9BB6-DE9C-7B6F-264B77B8DD0E}"/>
+                <a16:creationId xmlns:a16="http://schemas.microsoft.com/office/drawing/2014/main" xmlns="" id="{72769C28-9BB6-DE9C-7B6F-264B77B8DD0E}"/>
               </a:ext>
             </a:extLst>
           </p:cNvPr>
@@ -9422,7 +9425,7 @@
           <p:cNvPr id="14" name="TextBox 13">
             <a:extLst>
               <a:ext uri="{FF2B5EF4-FFF2-40B4-BE49-F238E27FC236}">
-                <a16:creationId xmlns="" xmlns:a16="http://schemas.microsoft.com/office/drawing/2014/main" id="{270FBB6A-01CE-5637-78DA-58F0C974145C}"/>
+                <a16:creationId xmlns:a16="http://schemas.microsoft.com/office/drawing/2014/main" xmlns="" id="{270FBB6A-01CE-5637-78DA-58F0C974145C}"/>
               </a:ext>
             </a:extLst>
           </p:cNvPr>
@@ -9470,7 +9473,7 @@
           <p:cNvPr id="2" name="Object 17">
             <a:extLst>
               <a:ext uri="{FF2B5EF4-FFF2-40B4-BE49-F238E27FC236}">
-                <a16:creationId xmlns="" xmlns:a16="http://schemas.microsoft.com/office/drawing/2014/main" id="{140B283D-FE58-FA6F-6F7C-E0F1DBB62A65}"/>
+                <a16:creationId xmlns:a16="http://schemas.microsoft.com/office/drawing/2014/main" xmlns="" id="{140B283D-FE58-FA6F-6F7C-E0F1DBB62A65}"/>
               </a:ext>
             </a:extLst>
           </p:cNvPr>
@@ -9500,7 +9503,7 @@
           <p:cNvPr id="4" name="TextBox 3">
             <a:extLst>
               <a:ext uri="{FF2B5EF4-FFF2-40B4-BE49-F238E27FC236}">
-                <a16:creationId xmlns="" xmlns:a16="http://schemas.microsoft.com/office/drawing/2014/main" id="{2C8D0998-79BC-6FD2-59D9-8052B4A25F65}"/>
+                <a16:creationId xmlns:a16="http://schemas.microsoft.com/office/drawing/2014/main" xmlns="" id="{2C8D0998-79BC-6FD2-59D9-8052B4A25F65}"/>
               </a:ext>
             </a:extLst>
           </p:cNvPr>
@@ -9558,7 +9561,7 @@
           <p:cNvPr id="5" name="Object 18">
             <a:extLst>
               <a:ext uri="{FF2B5EF4-FFF2-40B4-BE49-F238E27FC236}">
-                <a16:creationId xmlns="" xmlns:a16="http://schemas.microsoft.com/office/drawing/2014/main" id="{3F58EA3E-1018-64D3-FAB2-4F6B9618FA56}"/>
+                <a16:creationId xmlns:a16="http://schemas.microsoft.com/office/drawing/2014/main" xmlns="" id="{3F58EA3E-1018-64D3-FAB2-4F6B9618FA56}"/>
               </a:ext>
             </a:extLst>
           </p:cNvPr>
@@ -9588,7 +9591,7 @@
           <p:cNvPr id="8" name="TextBox 7">
             <a:extLst>
               <a:ext uri="{FF2B5EF4-FFF2-40B4-BE49-F238E27FC236}">
-                <a16:creationId xmlns="" xmlns:a16="http://schemas.microsoft.com/office/drawing/2014/main" id="{681D3F16-7DCF-41AD-F5F1-0558C78C0E4D}"/>
+                <a16:creationId xmlns:a16="http://schemas.microsoft.com/office/drawing/2014/main" xmlns="" id="{681D3F16-7DCF-41AD-F5F1-0558C78C0E4D}"/>
               </a:ext>
             </a:extLst>
           </p:cNvPr>
@@ -10036,7 +10039,7 @@
           <p:cNvPr id="104" name="TextBox 103">
             <a:extLst>
               <a:ext uri="{FF2B5EF4-FFF2-40B4-BE49-F238E27FC236}">
-                <a16:creationId xmlns="" xmlns:a16="http://schemas.microsoft.com/office/drawing/2014/main" id="{5ADC00B6-990A-40DC-3CEA-505258F5E8DA}"/>
+                <a16:creationId xmlns:a16="http://schemas.microsoft.com/office/drawing/2014/main" xmlns="" id="{5ADC00B6-990A-40DC-3CEA-505258F5E8DA}"/>
               </a:ext>
             </a:extLst>
           </p:cNvPr>
@@ -10084,7 +10087,7 @@
           <p:cNvPr id="105" name="TextBox 104">
             <a:extLst>
               <a:ext uri="{FF2B5EF4-FFF2-40B4-BE49-F238E27FC236}">
-                <a16:creationId xmlns="" xmlns:a16="http://schemas.microsoft.com/office/drawing/2014/main" id="{5ADC00B6-990A-40DC-3CEA-505258F5E8DA}"/>
+                <a16:creationId xmlns:a16="http://schemas.microsoft.com/office/drawing/2014/main" xmlns="" id="{5ADC00B6-990A-40DC-3CEA-505258F5E8DA}"/>
               </a:ext>
             </a:extLst>
           </p:cNvPr>
@@ -10132,7 +10135,7 @@
           <p:cNvPr id="106" name="TextBox 105">
             <a:extLst>
               <a:ext uri="{FF2B5EF4-FFF2-40B4-BE49-F238E27FC236}">
-                <a16:creationId xmlns="" xmlns:a16="http://schemas.microsoft.com/office/drawing/2014/main" id="{A2AD056B-97A4-5BCC-4460-250160F3E171}"/>
+                <a16:creationId xmlns:a16="http://schemas.microsoft.com/office/drawing/2014/main" xmlns="" id="{A2AD056B-97A4-5BCC-4460-250160F3E171}"/>
               </a:ext>
             </a:extLst>
           </p:cNvPr>
@@ -10199,7 +10202,7 @@
           <p:cNvPr id="107" name="TextBox 106">
             <a:extLst>
               <a:ext uri="{FF2B5EF4-FFF2-40B4-BE49-F238E27FC236}">
-                <a16:creationId xmlns="" xmlns:a16="http://schemas.microsoft.com/office/drawing/2014/main" id="{A2AD056B-97A4-5BCC-4460-250160F3E171}"/>
+                <a16:creationId xmlns:a16="http://schemas.microsoft.com/office/drawing/2014/main" xmlns="" id="{A2AD056B-97A4-5BCC-4460-250160F3E171}"/>
               </a:ext>
             </a:extLst>
           </p:cNvPr>
@@ -10266,7 +10269,7 @@
           <p:cNvPr id="108" name="TextBox 107">
             <a:extLst>
               <a:ext uri="{FF2B5EF4-FFF2-40B4-BE49-F238E27FC236}">
-                <a16:creationId xmlns="" xmlns:a16="http://schemas.microsoft.com/office/drawing/2014/main" id="{A2AD056B-97A4-5BCC-4460-250160F3E171}"/>
+                <a16:creationId xmlns:a16="http://schemas.microsoft.com/office/drawing/2014/main" xmlns="" id="{A2AD056B-97A4-5BCC-4460-250160F3E171}"/>
               </a:ext>
             </a:extLst>
           </p:cNvPr>
@@ -10346,7 +10349,7 @@
           <p:cNvPr id="109" name="TextBox 108">
             <a:extLst>
               <a:ext uri="{FF2B5EF4-FFF2-40B4-BE49-F238E27FC236}">
-                <a16:creationId xmlns="" xmlns:a16="http://schemas.microsoft.com/office/drawing/2014/main" id="{A2AD056B-97A4-5BCC-4460-250160F3E171}"/>
+                <a16:creationId xmlns:a16="http://schemas.microsoft.com/office/drawing/2014/main" xmlns="" id="{A2AD056B-97A4-5BCC-4460-250160F3E171}"/>
               </a:ext>
             </a:extLst>
           </p:cNvPr>
@@ -10403,7 +10406,7 @@
           <p:cNvPr id="110" name="TextBox 109">
             <a:extLst>
               <a:ext uri="{FF2B5EF4-FFF2-40B4-BE49-F238E27FC236}">
-                <a16:creationId xmlns="" xmlns:a16="http://schemas.microsoft.com/office/drawing/2014/main" id="{A2AD056B-97A4-5BCC-4460-250160F3E171}"/>
+                <a16:creationId xmlns:a16="http://schemas.microsoft.com/office/drawing/2014/main" xmlns="" id="{A2AD056B-97A4-5BCC-4460-250160F3E171}"/>
               </a:ext>
             </a:extLst>
           </p:cNvPr>
@@ -10457,7 +10460,7 @@
           <p:cNvPr id="111" name="TextBox 110">
             <a:extLst>
               <a:ext uri="{FF2B5EF4-FFF2-40B4-BE49-F238E27FC236}">
-                <a16:creationId xmlns="" xmlns:a16="http://schemas.microsoft.com/office/drawing/2014/main" id="{A2AD056B-97A4-5BCC-4460-250160F3E171}"/>
+                <a16:creationId xmlns:a16="http://schemas.microsoft.com/office/drawing/2014/main" xmlns="" id="{A2AD056B-97A4-5BCC-4460-250160F3E171}"/>
               </a:ext>
             </a:extLst>
           </p:cNvPr>
@@ -10593,7 +10596,7 @@
           <p:cNvPr id="4" name="TextBox 3">
             <a:extLst>
               <a:ext uri="{FF2B5EF4-FFF2-40B4-BE49-F238E27FC236}">
-                <a16:creationId xmlns="" xmlns:a16="http://schemas.microsoft.com/office/drawing/2014/main" id="{5ADC00B6-990A-40DC-3CEA-505258F5E8DA}"/>
+                <a16:creationId xmlns:a16="http://schemas.microsoft.com/office/drawing/2014/main" xmlns="" id="{5ADC00B6-990A-40DC-3CEA-505258F5E8DA}"/>
               </a:ext>
             </a:extLst>
           </p:cNvPr>
@@ -10644,7 +10647,7 @@
           <p:cNvPr id="2" name="TextBox 1">
             <a:extLst>
               <a:ext uri="{FF2B5EF4-FFF2-40B4-BE49-F238E27FC236}">
-                <a16:creationId xmlns="" xmlns:a16="http://schemas.microsoft.com/office/drawing/2014/main" id="{4466AA1F-9098-4B5C-E98B-FF40B15DCDE3}"/>
+                <a16:creationId xmlns:a16="http://schemas.microsoft.com/office/drawing/2014/main" xmlns="" id="{4466AA1F-9098-4B5C-E98B-FF40B15DCDE3}"/>
               </a:ext>
             </a:extLst>
           </p:cNvPr>
@@ -11093,7 +11096,7 @@
           <p:cNvPr id="7" name="그림 6">
             <a:extLst>
               <a:ext uri="{FF2B5EF4-FFF2-40B4-BE49-F238E27FC236}">
-                <a16:creationId xmlns="" xmlns:a16="http://schemas.microsoft.com/office/drawing/2014/main" id="{72C5CAD3-6601-2262-55D4-98A13B10F302}"/>
+                <a16:creationId xmlns:a16="http://schemas.microsoft.com/office/drawing/2014/main" xmlns="" id="{72C5CAD3-6601-2262-55D4-98A13B10F302}"/>
               </a:ext>
             </a:extLst>
           </p:cNvPr>
@@ -11123,7 +11126,7 @@
           <p:cNvPr id="9" name="그림 8">
             <a:extLst>
               <a:ext uri="{FF2B5EF4-FFF2-40B4-BE49-F238E27FC236}">
-                <a16:creationId xmlns="" xmlns:a16="http://schemas.microsoft.com/office/drawing/2014/main" id="{B07AF2DA-9563-061F-1C99-ED0CC1E657AB}"/>
+                <a16:creationId xmlns:a16="http://schemas.microsoft.com/office/drawing/2014/main" xmlns="" id="{B07AF2DA-9563-061F-1C99-ED0CC1E657AB}"/>
               </a:ext>
             </a:extLst>
           </p:cNvPr>
@@ -11153,7 +11156,7 @@
           <p:cNvPr id="10" name="그림 9">
             <a:extLst>
               <a:ext uri="{FF2B5EF4-FFF2-40B4-BE49-F238E27FC236}">
-                <a16:creationId xmlns="" xmlns:a16="http://schemas.microsoft.com/office/drawing/2014/main" id="{237FE5FE-73A4-460A-C18F-2B34149F6488}"/>
+                <a16:creationId xmlns:a16="http://schemas.microsoft.com/office/drawing/2014/main" xmlns="" id="{237FE5FE-73A4-460A-C18F-2B34149F6488}"/>
               </a:ext>
             </a:extLst>
           </p:cNvPr>
@@ -11195,7 +11198,7 @@
           <p:cNvPr id="11" name="그림 10">
             <a:extLst>
               <a:ext uri="{FF2B5EF4-FFF2-40B4-BE49-F238E27FC236}">
-                <a16:creationId xmlns="" xmlns:a16="http://schemas.microsoft.com/office/drawing/2014/main" id="{73CCAE62-C79A-BA88-4EA8-6DC6F053160D}"/>
+                <a16:creationId xmlns:a16="http://schemas.microsoft.com/office/drawing/2014/main" xmlns="" id="{73CCAE62-C79A-BA88-4EA8-6DC6F053160D}"/>
               </a:ext>
             </a:extLst>
           </p:cNvPr>
@@ -11267,7 +11270,7 @@
           <p:cNvPr id="4" name="TextBox 3">
             <a:extLst>
               <a:ext uri="{FF2B5EF4-FFF2-40B4-BE49-F238E27FC236}">
-                <a16:creationId xmlns="" xmlns:a16="http://schemas.microsoft.com/office/drawing/2014/main" id="{54C72A80-3131-1BEE-91F5-8BB94F20F622}"/>
+                <a16:creationId xmlns:a16="http://schemas.microsoft.com/office/drawing/2014/main" xmlns="" id="{54C72A80-3131-1BEE-91F5-8BB94F20F622}"/>
               </a:ext>
             </a:extLst>
           </p:cNvPr>
@@ -11410,7 +11413,7 @@
           <p:cNvPr id="5" name="표 4">
             <a:extLst>
               <a:ext uri="{FF2B5EF4-FFF2-40B4-BE49-F238E27FC236}">
-                <a16:creationId xmlns="" xmlns:a16="http://schemas.microsoft.com/office/drawing/2014/main" id="{9BF22145-FC6D-D18A-3911-E9625B6CE794}"/>
+                <a16:creationId xmlns:a16="http://schemas.microsoft.com/office/drawing/2014/main" xmlns="" id="{9BF22145-FC6D-D18A-3911-E9625B6CE794}"/>
               </a:ext>
             </a:extLst>
           </p:cNvPr>
@@ -11439,21 +11442,21 @@
                 <a:gridCol w="1768593">
                   <a:extLst>
                     <a:ext uri="{9D8B030D-6E8A-4147-A177-3AD203B41FA5}">
-                      <a16:colId xmlns="" xmlns:a16="http://schemas.microsoft.com/office/drawing/2014/main" val="1278239369"/>
+                      <a16:colId xmlns:a16="http://schemas.microsoft.com/office/drawing/2014/main" xmlns="" val="1278239369"/>
                     </a:ext>
                   </a:extLst>
                 </a:gridCol>
                 <a:gridCol w="2122311">
                   <a:extLst>
                     <a:ext uri="{9D8B030D-6E8A-4147-A177-3AD203B41FA5}">
-                      <a16:colId xmlns="" xmlns:a16="http://schemas.microsoft.com/office/drawing/2014/main" val="1054292436"/>
+                      <a16:colId xmlns:a16="http://schemas.microsoft.com/office/drawing/2014/main" xmlns="" val="1054292436"/>
                     </a:ext>
                   </a:extLst>
                 </a:gridCol>
                 <a:gridCol w="3271897">
                   <a:extLst>
                     <a:ext uri="{9D8B030D-6E8A-4147-A177-3AD203B41FA5}">
-                      <a16:colId xmlns="" xmlns:a16="http://schemas.microsoft.com/office/drawing/2014/main" val="225730716"/>
+                      <a16:colId xmlns:a16="http://schemas.microsoft.com/office/drawing/2014/main" xmlns="" val="225730716"/>
                     </a:ext>
                   </a:extLst>
                 </a:gridCol>
@@ -11641,7 +11644,7 @@
                 </a:tc>
                 <a:extLst>
                   <a:ext uri="{0D108BD9-81ED-4DB2-BD59-A6C34878D82A}">
-                    <a16:rowId xmlns="" xmlns:a16="http://schemas.microsoft.com/office/drawing/2014/main" val="2654211035"/>
+                    <a16:rowId xmlns:a16="http://schemas.microsoft.com/office/drawing/2014/main" xmlns="" val="2654211035"/>
                   </a:ext>
                 </a:extLst>
               </a:tr>
@@ -11860,7 +11863,7 @@
                 </a:tc>
                 <a:extLst>
                   <a:ext uri="{0D108BD9-81ED-4DB2-BD59-A6C34878D82A}">
-                    <a16:rowId xmlns="" xmlns:a16="http://schemas.microsoft.com/office/drawing/2014/main" val="2013197181"/>
+                    <a16:rowId xmlns:a16="http://schemas.microsoft.com/office/drawing/2014/main" xmlns="" val="2013197181"/>
                   </a:ext>
                 </a:extLst>
               </a:tr>
@@ -12106,7 +12109,7 @@
                 </a:tc>
                 <a:extLst>
                   <a:ext uri="{0D108BD9-81ED-4DB2-BD59-A6C34878D82A}">
-                    <a16:rowId xmlns="" xmlns:a16="http://schemas.microsoft.com/office/drawing/2014/main" val="10002"/>
+                    <a16:rowId xmlns:a16="http://schemas.microsoft.com/office/drawing/2014/main" xmlns="" val="10002"/>
                   </a:ext>
                 </a:extLst>
               </a:tr>
@@ -12315,7 +12318,7 @@
                 </a:tc>
                 <a:extLst>
                   <a:ext uri="{0D108BD9-81ED-4DB2-BD59-A6C34878D82A}">
-                    <a16:rowId xmlns="" xmlns:a16="http://schemas.microsoft.com/office/drawing/2014/main" val="2280857763"/>
+                    <a16:rowId xmlns:a16="http://schemas.microsoft.com/office/drawing/2014/main" xmlns="" val="2280857763"/>
                   </a:ext>
                 </a:extLst>
               </a:tr>
@@ -12499,7 +12502,7 @@
                 </a:tc>
                 <a:extLst>
                   <a:ext uri="{0D108BD9-81ED-4DB2-BD59-A6C34878D82A}">
-                    <a16:rowId xmlns="" xmlns:a16="http://schemas.microsoft.com/office/drawing/2014/main" val="1463387718"/>
+                    <a16:rowId xmlns:a16="http://schemas.microsoft.com/office/drawing/2014/main" xmlns="" val="1463387718"/>
                   </a:ext>
                 </a:extLst>
               </a:tr>
@@ -12560,7 +12563,7 @@
           <p:cNvPr id="3" name="그림 2">
             <a:extLst>
               <a:ext uri="{FF2B5EF4-FFF2-40B4-BE49-F238E27FC236}">
-                <a16:creationId xmlns="" xmlns:a16="http://schemas.microsoft.com/office/drawing/2014/main" id="{0923DFA7-A093-8BEE-D1D2-0072FE83A3CC}"/>
+                <a16:creationId xmlns:a16="http://schemas.microsoft.com/office/drawing/2014/main" xmlns="" id="{0923DFA7-A093-8BEE-D1D2-0072FE83A3CC}"/>
               </a:ext>
             </a:extLst>
           </p:cNvPr>
@@ -12620,7 +12623,7 @@
           <p:cNvPr id="9" name="그림 8">
             <a:extLst>
               <a:ext uri="{FF2B5EF4-FFF2-40B4-BE49-F238E27FC236}">
-                <a16:creationId xmlns="" xmlns:a16="http://schemas.microsoft.com/office/drawing/2014/main" id="{48C8AD1C-41CC-C6CB-2FBA-8CFE37A739E4}"/>
+                <a16:creationId xmlns:a16="http://schemas.microsoft.com/office/drawing/2014/main" xmlns="" id="{48C8AD1C-41CC-C6CB-2FBA-8CFE37A739E4}"/>
               </a:ext>
             </a:extLst>
           </p:cNvPr>
@@ -12650,7 +12653,7 @@
           <p:cNvPr id="11" name="그림 10">
             <a:extLst>
               <a:ext uri="{FF2B5EF4-FFF2-40B4-BE49-F238E27FC236}">
-                <a16:creationId xmlns="" xmlns:a16="http://schemas.microsoft.com/office/drawing/2014/main" id="{06D3336B-16C2-810F-B9F0-FF9A549A0BD3}"/>
+                <a16:creationId xmlns:a16="http://schemas.microsoft.com/office/drawing/2014/main" xmlns="" id="{06D3336B-16C2-810F-B9F0-FF9A549A0BD3}"/>
               </a:ext>
             </a:extLst>
           </p:cNvPr>
@@ -12680,7 +12683,7 @@
           <p:cNvPr id="13" name="그림 12">
             <a:extLst>
               <a:ext uri="{FF2B5EF4-FFF2-40B4-BE49-F238E27FC236}">
-                <a16:creationId xmlns="" xmlns:a16="http://schemas.microsoft.com/office/drawing/2014/main" id="{09697E52-07D3-F4D8-6405-1B8B7906EB97}"/>
+                <a16:creationId xmlns:a16="http://schemas.microsoft.com/office/drawing/2014/main" xmlns="" id="{09697E52-07D3-F4D8-6405-1B8B7906EB97}"/>
               </a:ext>
             </a:extLst>
           </p:cNvPr>
@@ -12710,7 +12713,7 @@
           <p:cNvPr id="14" name="직사각형 13">
             <a:extLst>
               <a:ext uri="{FF2B5EF4-FFF2-40B4-BE49-F238E27FC236}">
-                <a16:creationId xmlns="" xmlns:a16="http://schemas.microsoft.com/office/drawing/2014/main" id="{1DA5602A-2EEA-8A84-7CBB-19F9A1938E18}"/>
+                <a16:creationId xmlns:a16="http://schemas.microsoft.com/office/drawing/2014/main" xmlns="" id="{1DA5602A-2EEA-8A84-7CBB-19F9A1938E18}"/>
               </a:ext>
             </a:extLst>
           </p:cNvPr>
@@ -12957,7 +12960,7 @@
           <p:cNvPr id="4" name="TextBox 3">
             <a:extLst>
               <a:ext uri="{FF2B5EF4-FFF2-40B4-BE49-F238E27FC236}">
-                <a16:creationId xmlns="" xmlns:a16="http://schemas.microsoft.com/office/drawing/2014/main" id="{977D0E5D-2B21-3701-B400-D1B6B86913C5}"/>
+                <a16:creationId xmlns:a16="http://schemas.microsoft.com/office/drawing/2014/main" xmlns="" id="{977D0E5D-2B21-3701-B400-D1B6B86913C5}"/>
               </a:ext>
             </a:extLst>
           </p:cNvPr>
@@ -13430,7 +13433,7 @@
           <p:cNvPr id="6" name="그룹 1018">
             <a:extLst>
               <a:ext uri="{FF2B5EF4-FFF2-40B4-BE49-F238E27FC236}">
-                <a16:creationId xmlns="" xmlns:a16="http://schemas.microsoft.com/office/drawing/2014/main" id="{FF6D0813-174C-2AEF-7FE3-84BE351DB13F}"/>
+                <a16:creationId xmlns:a16="http://schemas.microsoft.com/office/drawing/2014/main" xmlns="" id="{FF6D0813-174C-2AEF-7FE3-84BE351DB13F}"/>
               </a:ext>
             </a:extLst>
           </p:cNvPr>
@@ -13450,7 +13453,7 @@
             <p:cNvPr id="7" name="Object 61">
               <a:extLst>
                 <a:ext uri="{FF2B5EF4-FFF2-40B4-BE49-F238E27FC236}">
-                  <a16:creationId xmlns="" xmlns:a16="http://schemas.microsoft.com/office/drawing/2014/main" id="{1CC1D4DA-CAEC-480A-11F0-8148A6DB0742}"/>
+                  <a16:creationId xmlns:a16="http://schemas.microsoft.com/office/drawing/2014/main" xmlns="" id="{1CC1D4DA-CAEC-480A-11F0-8148A6DB0742}"/>
                 </a:ext>
               </a:extLst>
             </p:cNvPr>
@@ -13481,7 +13484,7 @@
           <p:cNvPr id="8" name="그룹 1021">
             <a:extLst>
               <a:ext uri="{FF2B5EF4-FFF2-40B4-BE49-F238E27FC236}">
-                <a16:creationId xmlns="" xmlns:a16="http://schemas.microsoft.com/office/drawing/2014/main" id="{72567BE2-4142-1507-51C7-02AD44A47DD9}"/>
+                <a16:creationId xmlns:a16="http://schemas.microsoft.com/office/drawing/2014/main" xmlns="" id="{72567BE2-4142-1507-51C7-02AD44A47DD9}"/>
               </a:ext>
             </a:extLst>
           </p:cNvPr>
@@ -13501,7 +13504,7 @@
             <p:cNvPr id="9" name="Object 71">
               <a:extLst>
                 <a:ext uri="{FF2B5EF4-FFF2-40B4-BE49-F238E27FC236}">
-                  <a16:creationId xmlns="" xmlns:a16="http://schemas.microsoft.com/office/drawing/2014/main" id="{6CBB375A-1078-96AD-A230-8D0F546371AE}"/>
+                  <a16:creationId xmlns:a16="http://schemas.microsoft.com/office/drawing/2014/main" xmlns="" id="{6CBB375A-1078-96AD-A230-8D0F546371AE}"/>
                 </a:ext>
               </a:extLst>
             </p:cNvPr>
@@ -13532,7 +13535,7 @@
           <p:cNvPr id="10" name="그룹 1024">
             <a:extLst>
               <a:ext uri="{FF2B5EF4-FFF2-40B4-BE49-F238E27FC236}">
-                <a16:creationId xmlns="" xmlns:a16="http://schemas.microsoft.com/office/drawing/2014/main" id="{63321723-62E2-1BED-BC51-1AE6B794C21A}"/>
+                <a16:creationId xmlns:a16="http://schemas.microsoft.com/office/drawing/2014/main" xmlns="" id="{63321723-62E2-1BED-BC51-1AE6B794C21A}"/>
               </a:ext>
             </a:extLst>
           </p:cNvPr>
@@ -13552,7 +13555,7 @@
             <p:cNvPr id="11" name="Object 81">
               <a:extLst>
                 <a:ext uri="{FF2B5EF4-FFF2-40B4-BE49-F238E27FC236}">
-                  <a16:creationId xmlns="" xmlns:a16="http://schemas.microsoft.com/office/drawing/2014/main" id="{FF21B703-2154-73EB-EFE3-403DB42CEF86}"/>
+                  <a16:creationId xmlns:a16="http://schemas.microsoft.com/office/drawing/2014/main" xmlns="" id="{FF21B703-2154-73EB-EFE3-403DB42CEF86}"/>
                 </a:ext>
               </a:extLst>
             </p:cNvPr>
@@ -13583,7 +13586,7 @@
           <p:cNvPr id="13" name="TextBox 12">
             <a:extLst>
               <a:ext uri="{FF2B5EF4-FFF2-40B4-BE49-F238E27FC236}">
-                <a16:creationId xmlns="" xmlns:a16="http://schemas.microsoft.com/office/drawing/2014/main" id="{D0722A3F-9C07-13EF-33C8-2013F2F3B499}"/>
+                <a16:creationId xmlns:a16="http://schemas.microsoft.com/office/drawing/2014/main" xmlns="" id="{D0722A3F-9C07-13EF-33C8-2013F2F3B499}"/>
               </a:ext>
             </a:extLst>
           </p:cNvPr>
@@ -13631,7 +13634,7 @@
           <p:cNvPr id="14" name="TextBox 13">
             <a:extLst>
               <a:ext uri="{FF2B5EF4-FFF2-40B4-BE49-F238E27FC236}">
-                <a16:creationId xmlns="" xmlns:a16="http://schemas.microsoft.com/office/drawing/2014/main" id="{2C2687E4-55C4-46C9-3639-4A50B8AF6A20}"/>
+                <a16:creationId xmlns:a16="http://schemas.microsoft.com/office/drawing/2014/main" xmlns="" id="{2C2687E4-55C4-46C9-3639-4A50B8AF6A20}"/>
               </a:ext>
             </a:extLst>
           </p:cNvPr>
@@ -13679,7 +13682,7 @@
           <p:cNvPr id="15" name="TextBox 14">
             <a:extLst>
               <a:ext uri="{FF2B5EF4-FFF2-40B4-BE49-F238E27FC236}">
-                <a16:creationId xmlns="" xmlns:a16="http://schemas.microsoft.com/office/drawing/2014/main" id="{96CB367E-6999-25FC-D777-1F8582B9351B}"/>
+                <a16:creationId xmlns:a16="http://schemas.microsoft.com/office/drawing/2014/main" xmlns="" id="{96CB367E-6999-25FC-D777-1F8582B9351B}"/>
               </a:ext>
             </a:extLst>
           </p:cNvPr>
@@ -13727,7 +13730,7 @@
           <p:cNvPr id="16" name="직선 화살표 연결선 15">
             <a:extLst>
               <a:ext uri="{FF2B5EF4-FFF2-40B4-BE49-F238E27FC236}">
-                <a16:creationId xmlns="" xmlns:a16="http://schemas.microsoft.com/office/drawing/2014/main" id="{CC609457-2107-75A0-2F00-A0E67DEB2838}"/>
+                <a16:creationId xmlns:a16="http://schemas.microsoft.com/office/drawing/2014/main" xmlns="" id="{CC609457-2107-75A0-2F00-A0E67DEB2838}"/>
               </a:ext>
             </a:extLst>
           </p:cNvPr>
@@ -13770,7 +13773,7 @@
           <p:cNvPr id="17" name="직선 화살표 연결선 16">
             <a:extLst>
               <a:ext uri="{FF2B5EF4-FFF2-40B4-BE49-F238E27FC236}">
-                <a16:creationId xmlns="" xmlns:a16="http://schemas.microsoft.com/office/drawing/2014/main" id="{55D90E96-AA0B-76A3-FCFC-15783D2FBFC3}"/>
+                <a16:creationId xmlns:a16="http://schemas.microsoft.com/office/drawing/2014/main" xmlns="" id="{55D90E96-AA0B-76A3-FCFC-15783D2FBFC3}"/>
               </a:ext>
             </a:extLst>
           </p:cNvPr>
@@ -13812,7 +13815,7 @@
           <p:cNvPr id="18" name="직선 화살표 연결선 17">
             <a:extLst>
               <a:ext uri="{FF2B5EF4-FFF2-40B4-BE49-F238E27FC236}">
-                <a16:creationId xmlns="" xmlns:a16="http://schemas.microsoft.com/office/drawing/2014/main" id="{075EBFC3-8A3D-CB55-A397-FDDB8D6684CB}"/>
+                <a16:creationId xmlns:a16="http://schemas.microsoft.com/office/drawing/2014/main" xmlns="" id="{075EBFC3-8A3D-CB55-A397-FDDB8D6684CB}"/>
               </a:ext>
             </a:extLst>
           </p:cNvPr>
@@ -13855,7 +13858,7 @@
           <p:cNvPr id="20" name="그룹 1021">
             <a:extLst>
               <a:ext uri="{FF2B5EF4-FFF2-40B4-BE49-F238E27FC236}">
-                <a16:creationId xmlns="" xmlns:a16="http://schemas.microsoft.com/office/drawing/2014/main" id="{3B7AC103-DB0D-2EC0-2927-68EB5A23CFC5}"/>
+                <a16:creationId xmlns:a16="http://schemas.microsoft.com/office/drawing/2014/main" xmlns="" id="{3B7AC103-DB0D-2EC0-2927-68EB5A23CFC5}"/>
               </a:ext>
             </a:extLst>
           </p:cNvPr>
@@ -13875,7 +13878,7 @@
             <p:cNvPr id="21" name="Object 71">
               <a:extLst>
                 <a:ext uri="{FF2B5EF4-FFF2-40B4-BE49-F238E27FC236}">
-                  <a16:creationId xmlns="" xmlns:a16="http://schemas.microsoft.com/office/drawing/2014/main" id="{7BA0A3B2-1A1D-CB2E-6589-4B82F0F472E3}"/>
+                  <a16:creationId xmlns:a16="http://schemas.microsoft.com/office/drawing/2014/main" xmlns="" id="{7BA0A3B2-1A1D-CB2E-6589-4B82F0F472E3}"/>
                 </a:ext>
               </a:extLst>
             </p:cNvPr>
@@ -13906,7 +13909,7 @@
           <p:cNvPr id="22" name="TextBox 21">
             <a:extLst>
               <a:ext uri="{FF2B5EF4-FFF2-40B4-BE49-F238E27FC236}">
-                <a16:creationId xmlns="" xmlns:a16="http://schemas.microsoft.com/office/drawing/2014/main" id="{D98C665C-D69B-4557-A621-332E8BC5BD44}"/>
+                <a16:creationId xmlns:a16="http://schemas.microsoft.com/office/drawing/2014/main" xmlns="" id="{D98C665C-D69B-4557-A621-332E8BC5BD44}"/>
               </a:ext>
             </a:extLst>
           </p:cNvPr>
@@ -13954,7 +13957,7 @@
           <p:cNvPr id="23" name="그룹 1021">
             <a:extLst>
               <a:ext uri="{FF2B5EF4-FFF2-40B4-BE49-F238E27FC236}">
-                <a16:creationId xmlns="" xmlns:a16="http://schemas.microsoft.com/office/drawing/2014/main" id="{2B6256D3-01DD-B519-81CE-63FC43E28B52}"/>
+                <a16:creationId xmlns:a16="http://schemas.microsoft.com/office/drawing/2014/main" xmlns="" id="{2B6256D3-01DD-B519-81CE-63FC43E28B52}"/>
               </a:ext>
             </a:extLst>
           </p:cNvPr>
@@ -13974,7 +13977,7 @@
             <p:cNvPr id="24" name="Object 71">
               <a:extLst>
                 <a:ext uri="{FF2B5EF4-FFF2-40B4-BE49-F238E27FC236}">
-                  <a16:creationId xmlns="" xmlns:a16="http://schemas.microsoft.com/office/drawing/2014/main" id="{3999A018-81A5-EEDD-8EFB-77A6DBBC66EC}"/>
+                  <a16:creationId xmlns:a16="http://schemas.microsoft.com/office/drawing/2014/main" xmlns="" id="{3999A018-81A5-EEDD-8EFB-77A6DBBC66EC}"/>
                 </a:ext>
               </a:extLst>
             </p:cNvPr>
@@ -14005,7 +14008,7 @@
           <p:cNvPr id="25" name="TextBox 24">
             <a:extLst>
               <a:ext uri="{FF2B5EF4-FFF2-40B4-BE49-F238E27FC236}">
-                <a16:creationId xmlns="" xmlns:a16="http://schemas.microsoft.com/office/drawing/2014/main" id="{2BB88292-94F9-5DB8-CB9E-2AED0638CE03}"/>
+                <a16:creationId xmlns:a16="http://schemas.microsoft.com/office/drawing/2014/main" xmlns="" id="{2BB88292-94F9-5DB8-CB9E-2AED0638CE03}"/>
               </a:ext>
             </a:extLst>
           </p:cNvPr>
@@ -14053,7 +14056,7 @@
           <p:cNvPr id="26" name="TextBox 25">
             <a:extLst>
               <a:ext uri="{FF2B5EF4-FFF2-40B4-BE49-F238E27FC236}">
-                <a16:creationId xmlns="" xmlns:a16="http://schemas.microsoft.com/office/drawing/2014/main" id="{060D95C2-B256-7857-7EE3-5CEB710E4DBE}"/>
+                <a16:creationId xmlns:a16="http://schemas.microsoft.com/office/drawing/2014/main" xmlns="" id="{060D95C2-B256-7857-7EE3-5CEB710E4DBE}"/>
               </a:ext>
             </a:extLst>
           </p:cNvPr>
@@ -14105,7 +14108,7 @@
           <p:cNvPr id="27" name="직선 화살표 연결선 26">
             <a:extLst>
               <a:ext uri="{FF2B5EF4-FFF2-40B4-BE49-F238E27FC236}">
-                <a16:creationId xmlns="" xmlns:a16="http://schemas.microsoft.com/office/drawing/2014/main" id="{D5E72D79-1A7F-84E5-FD79-44305EF53B3A}"/>
+                <a16:creationId xmlns:a16="http://schemas.microsoft.com/office/drawing/2014/main" xmlns="" id="{D5E72D79-1A7F-84E5-FD79-44305EF53B3A}"/>
               </a:ext>
             </a:extLst>
           </p:cNvPr>
@@ -14146,7 +14149,7 @@
           <p:cNvPr id="33" name="직사각형 32">
             <a:extLst>
               <a:ext uri="{FF2B5EF4-FFF2-40B4-BE49-F238E27FC236}">
-                <a16:creationId xmlns="" xmlns:a16="http://schemas.microsoft.com/office/drawing/2014/main" id="{F1C42333-BA8B-4BAB-2ECA-18FB7ED2E539}"/>
+                <a16:creationId xmlns:a16="http://schemas.microsoft.com/office/drawing/2014/main" xmlns="" id="{F1C42333-BA8B-4BAB-2ECA-18FB7ED2E539}"/>
               </a:ext>
             </a:extLst>
           </p:cNvPr>
@@ -14303,7 +14306,7 @@
           <p:cNvPr id="4" name="그룹 1015">
             <a:extLst>
               <a:ext uri="{FF2B5EF4-FFF2-40B4-BE49-F238E27FC236}">
-                <a16:creationId xmlns="" xmlns:a16="http://schemas.microsoft.com/office/drawing/2014/main" id="{040504CF-6BB7-1FE0-5AE0-FA417D087623}"/>
+                <a16:creationId xmlns:a16="http://schemas.microsoft.com/office/drawing/2014/main" xmlns="" id="{040504CF-6BB7-1FE0-5AE0-FA417D087623}"/>
               </a:ext>
             </a:extLst>
           </p:cNvPr>
@@ -14323,7 +14326,7 @@
             <p:cNvPr id="5" name="Object 52">
               <a:extLst>
                 <a:ext uri="{FF2B5EF4-FFF2-40B4-BE49-F238E27FC236}">
-                  <a16:creationId xmlns="" xmlns:a16="http://schemas.microsoft.com/office/drawing/2014/main" id="{B39A0CCA-90B5-9203-05F4-4C58DCD7E11A}"/>
+                  <a16:creationId xmlns:a16="http://schemas.microsoft.com/office/drawing/2014/main" xmlns="" id="{B39A0CCA-90B5-9203-05F4-4C58DCD7E11A}"/>
                 </a:ext>
               </a:extLst>
             </p:cNvPr>
@@ -14354,7 +14357,7 @@
           <p:cNvPr id="6" name="그룹 1018">
             <a:extLst>
               <a:ext uri="{FF2B5EF4-FFF2-40B4-BE49-F238E27FC236}">
-                <a16:creationId xmlns="" xmlns:a16="http://schemas.microsoft.com/office/drawing/2014/main" id="{132A09D5-8629-69D6-8BC6-AA335853C834}"/>
+                <a16:creationId xmlns:a16="http://schemas.microsoft.com/office/drawing/2014/main" xmlns="" id="{132A09D5-8629-69D6-8BC6-AA335853C834}"/>
               </a:ext>
             </a:extLst>
           </p:cNvPr>
@@ -14374,7 +14377,7 @@
             <p:cNvPr id="7" name="Object 61">
               <a:extLst>
                 <a:ext uri="{FF2B5EF4-FFF2-40B4-BE49-F238E27FC236}">
-                  <a16:creationId xmlns="" xmlns:a16="http://schemas.microsoft.com/office/drawing/2014/main" id="{70B56A8A-2F1F-1038-7A05-14F8F16B7D32}"/>
+                  <a16:creationId xmlns:a16="http://schemas.microsoft.com/office/drawing/2014/main" xmlns="" id="{70B56A8A-2F1F-1038-7A05-14F8F16B7D32}"/>
                 </a:ext>
               </a:extLst>
             </p:cNvPr>
@@ -14405,7 +14408,7 @@
           <p:cNvPr id="8" name="그룹 1021">
             <a:extLst>
               <a:ext uri="{FF2B5EF4-FFF2-40B4-BE49-F238E27FC236}">
-                <a16:creationId xmlns="" xmlns:a16="http://schemas.microsoft.com/office/drawing/2014/main" id="{0CC477DA-AA27-4274-BDF5-DAB3FD176CFE}"/>
+                <a16:creationId xmlns:a16="http://schemas.microsoft.com/office/drawing/2014/main" xmlns="" id="{0CC477DA-AA27-4274-BDF5-DAB3FD176CFE}"/>
               </a:ext>
             </a:extLst>
           </p:cNvPr>
@@ -14425,7 +14428,7 @@
             <p:cNvPr id="9" name="Object 71">
               <a:extLst>
                 <a:ext uri="{FF2B5EF4-FFF2-40B4-BE49-F238E27FC236}">
-                  <a16:creationId xmlns="" xmlns:a16="http://schemas.microsoft.com/office/drawing/2014/main" id="{181FBF60-0EB2-C1D5-852A-1E1A74801C09}"/>
+                  <a16:creationId xmlns:a16="http://schemas.microsoft.com/office/drawing/2014/main" xmlns="" id="{181FBF60-0EB2-C1D5-852A-1E1A74801C09}"/>
                 </a:ext>
               </a:extLst>
             </p:cNvPr>
@@ -14456,7 +14459,7 @@
           <p:cNvPr id="10" name="그룹 1024">
             <a:extLst>
               <a:ext uri="{FF2B5EF4-FFF2-40B4-BE49-F238E27FC236}">
-                <a16:creationId xmlns="" xmlns:a16="http://schemas.microsoft.com/office/drawing/2014/main" id="{522E4010-4303-2F70-E40B-05544D6CBD36}"/>
+                <a16:creationId xmlns:a16="http://schemas.microsoft.com/office/drawing/2014/main" xmlns="" id="{522E4010-4303-2F70-E40B-05544D6CBD36}"/>
               </a:ext>
             </a:extLst>
           </p:cNvPr>
@@ -14476,7 +14479,7 @@
             <p:cNvPr id="11" name="Object 81">
               <a:extLst>
                 <a:ext uri="{FF2B5EF4-FFF2-40B4-BE49-F238E27FC236}">
-                  <a16:creationId xmlns="" xmlns:a16="http://schemas.microsoft.com/office/drawing/2014/main" id="{B3E2F3B9-29E2-9DD1-A782-DCCAA0C1336A}"/>
+                  <a16:creationId xmlns:a16="http://schemas.microsoft.com/office/drawing/2014/main" xmlns="" id="{B3E2F3B9-29E2-9DD1-A782-DCCAA0C1336A}"/>
                 </a:ext>
               </a:extLst>
             </p:cNvPr>
@@ -14507,7 +14510,7 @@
           <p:cNvPr id="12" name="TextBox 11">
             <a:extLst>
               <a:ext uri="{FF2B5EF4-FFF2-40B4-BE49-F238E27FC236}">
-                <a16:creationId xmlns="" xmlns:a16="http://schemas.microsoft.com/office/drawing/2014/main" id="{12EF9009-8F0D-4724-25F0-53DB591E45ED}"/>
+                <a16:creationId xmlns:a16="http://schemas.microsoft.com/office/drawing/2014/main" xmlns="" id="{12EF9009-8F0D-4724-25F0-53DB591E45ED}"/>
               </a:ext>
             </a:extLst>
           </p:cNvPr>
@@ -14548,7 +14551,7 @@
           <p:cNvPr id="13" name="TextBox 12">
             <a:extLst>
               <a:ext uri="{FF2B5EF4-FFF2-40B4-BE49-F238E27FC236}">
-                <a16:creationId xmlns="" xmlns:a16="http://schemas.microsoft.com/office/drawing/2014/main" id="{3D221D2D-9D22-BBFE-703F-F9E61CE015B5}"/>
+                <a16:creationId xmlns:a16="http://schemas.microsoft.com/office/drawing/2014/main" xmlns="" id="{3D221D2D-9D22-BBFE-703F-F9E61CE015B5}"/>
               </a:ext>
             </a:extLst>
           </p:cNvPr>
@@ -14596,7 +14599,7 @@
           <p:cNvPr id="14" name="TextBox 13">
             <a:extLst>
               <a:ext uri="{FF2B5EF4-FFF2-40B4-BE49-F238E27FC236}">
-                <a16:creationId xmlns="" xmlns:a16="http://schemas.microsoft.com/office/drawing/2014/main" id="{881880A9-53CC-1EBC-648F-EB9C48F321D8}"/>
+                <a16:creationId xmlns:a16="http://schemas.microsoft.com/office/drawing/2014/main" xmlns="" id="{881880A9-53CC-1EBC-648F-EB9C48F321D8}"/>
               </a:ext>
             </a:extLst>
           </p:cNvPr>
@@ -14644,7 +14647,7 @@
           <p:cNvPr id="15" name="TextBox 14">
             <a:extLst>
               <a:ext uri="{FF2B5EF4-FFF2-40B4-BE49-F238E27FC236}">
-                <a16:creationId xmlns="" xmlns:a16="http://schemas.microsoft.com/office/drawing/2014/main" id="{34A1F0B7-5832-48DC-FF9F-A7CF8EECC8BD}"/>
+                <a16:creationId xmlns:a16="http://schemas.microsoft.com/office/drawing/2014/main" xmlns="" id="{34A1F0B7-5832-48DC-FF9F-A7CF8EECC8BD}"/>
               </a:ext>
             </a:extLst>
           </p:cNvPr>
@@ -14692,7 +14695,7 @@
           <p:cNvPr id="16" name="직선 화살표 연결선 15">
             <a:extLst>
               <a:ext uri="{FF2B5EF4-FFF2-40B4-BE49-F238E27FC236}">
-                <a16:creationId xmlns="" xmlns:a16="http://schemas.microsoft.com/office/drawing/2014/main" id="{36C06701-27C0-0CAE-3DDF-E1D3361C970F}"/>
+                <a16:creationId xmlns:a16="http://schemas.microsoft.com/office/drawing/2014/main" xmlns="" id="{36C06701-27C0-0CAE-3DDF-E1D3361C970F}"/>
               </a:ext>
             </a:extLst>
           </p:cNvPr>
@@ -14735,7 +14738,7 @@
           <p:cNvPr id="17" name="직선 화살표 연결선 16">
             <a:extLst>
               <a:ext uri="{FF2B5EF4-FFF2-40B4-BE49-F238E27FC236}">
-                <a16:creationId xmlns="" xmlns:a16="http://schemas.microsoft.com/office/drawing/2014/main" id="{2AB7E563-7EBC-2C42-0B1C-F8FABBE2C696}"/>
+                <a16:creationId xmlns:a16="http://schemas.microsoft.com/office/drawing/2014/main" xmlns="" id="{2AB7E563-7EBC-2C42-0B1C-F8FABBE2C696}"/>
               </a:ext>
             </a:extLst>
           </p:cNvPr>
@@ -14776,7 +14779,7 @@
           <p:cNvPr id="18" name="직선 화살표 연결선 17">
             <a:extLst>
               <a:ext uri="{FF2B5EF4-FFF2-40B4-BE49-F238E27FC236}">
-                <a16:creationId xmlns="" xmlns:a16="http://schemas.microsoft.com/office/drawing/2014/main" id="{C38012CD-A73E-90AA-6309-1187C2579F46}"/>
+                <a16:creationId xmlns:a16="http://schemas.microsoft.com/office/drawing/2014/main" xmlns="" id="{C38012CD-A73E-90AA-6309-1187C2579F46}"/>
               </a:ext>
             </a:extLst>
           </p:cNvPr>
@@ -14818,7 +14821,7 @@
           <p:cNvPr id="19" name="직선 화살표 연결선 18">
             <a:extLst>
               <a:ext uri="{FF2B5EF4-FFF2-40B4-BE49-F238E27FC236}">
-                <a16:creationId xmlns="" xmlns:a16="http://schemas.microsoft.com/office/drawing/2014/main" id="{F6E54C16-A7F6-D050-0FB8-19CC459EC51C}"/>
+                <a16:creationId xmlns:a16="http://schemas.microsoft.com/office/drawing/2014/main" xmlns="" id="{F6E54C16-A7F6-D050-0FB8-19CC459EC51C}"/>
               </a:ext>
             </a:extLst>
           </p:cNvPr>
@@ -14859,7 +14862,7 @@
           <p:cNvPr id="20" name="그룹 1021">
             <a:extLst>
               <a:ext uri="{FF2B5EF4-FFF2-40B4-BE49-F238E27FC236}">
-                <a16:creationId xmlns="" xmlns:a16="http://schemas.microsoft.com/office/drawing/2014/main" id="{3B5966C3-2E69-9409-A7B7-09F684BCA18C}"/>
+                <a16:creationId xmlns:a16="http://schemas.microsoft.com/office/drawing/2014/main" xmlns="" id="{3B5966C3-2E69-9409-A7B7-09F684BCA18C}"/>
               </a:ext>
             </a:extLst>
           </p:cNvPr>
@@ -14879,7 +14882,7 @@
             <p:cNvPr id="21" name="Object 71">
               <a:extLst>
                 <a:ext uri="{FF2B5EF4-FFF2-40B4-BE49-F238E27FC236}">
-                  <a16:creationId xmlns="" xmlns:a16="http://schemas.microsoft.com/office/drawing/2014/main" id="{9BB3D9C7-524C-2ECB-5EA4-BADF6061FDE1}"/>
+                  <a16:creationId xmlns:a16="http://schemas.microsoft.com/office/drawing/2014/main" xmlns="" id="{9BB3D9C7-524C-2ECB-5EA4-BADF6061FDE1}"/>
                 </a:ext>
               </a:extLst>
             </p:cNvPr>
@@ -14910,7 +14913,7 @@
           <p:cNvPr id="22" name="TextBox 21">
             <a:extLst>
               <a:ext uri="{FF2B5EF4-FFF2-40B4-BE49-F238E27FC236}">
-                <a16:creationId xmlns="" xmlns:a16="http://schemas.microsoft.com/office/drawing/2014/main" id="{0E57763C-AF2D-6B74-13BD-EC57AFB88E9A}"/>
+                <a16:creationId xmlns:a16="http://schemas.microsoft.com/office/drawing/2014/main" xmlns="" id="{0E57763C-AF2D-6B74-13BD-EC57AFB88E9A}"/>
               </a:ext>
             </a:extLst>
           </p:cNvPr>
@@ -14958,7 +14961,7 @@
           <p:cNvPr id="23" name="그룹 1021">
             <a:extLst>
               <a:ext uri="{FF2B5EF4-FFF2-40B4-BE49-F238E27FC236}">
-                <a16:creationId xmlns="" xmlns:a16="http://schemas.microsoft.com/office/drawing/2014/main" id="{9C4C4FD8-FC12-A61C-9EED-29A1A3498DA6}"/>
+                <a16:creationId xmlns:a16="http://schemas.microsoft.com/office/drawing/2014/main" xmlns="" id="{9C4C4FD8-FC12-A61C-9EED-29A1A3498DA6}"/>
               </a:ext>
             </a:extLst>
           </p:cNvPr>
@@ -14978,7 +14981,7 @@
             <p:cNvPr id="24" name="Object 71">
               <a:extLst>
                 <a:ext uri="{FF2B5EF4-FFF2-40B4-BE49-F238E27FC236}">
-                  <a16:creationId xmlns="" xmlns:a16="http://schemas.microsoft.com/office/drawing/2014/main" id="{16F12E31-8AA2-157E-AFE1-D820F2DB2E8E}"/>
+                  <a16:creationId xmlns:a16="http://schemas.microsoft.com/office/drawing/2014/main" xmlns="" id="{16F12E31-8AA2-157E-AFE1-D820F2DB2E8E}"/>
                 </a:ext>
               </a:extLst>
             </p:cNvPr>
@@ -15009,7 +15012,7 @@
           <p:cNvPr id="25" name="TextBox 24">
             <a:extLst>
               <a:ext uri="{FF2B5EF4-FFF2-40B4-BE49-F238E27FC236}">
-                <a16:creationId xmlns="" xmlns:a16="http://schemas.microsoft.com/office/drawing/2014/main" id="{B04690F3-DEE8-4E91-238D-4897497A6A1C}"/>
+                <a16:creationId xmlns:a16="http://schemas.microsoft.com/office/drawing/2014/main" xmlns="" id="{B04690F3-DEE8-4E91-238D-4897497A6A1C}"/>
               </a:ext>
             </a:extLst>
           </p:cNvPr>
@@ -15057,7 +15060,7 @@
           <p:cNvPr id="26" name="TextBox 25">
             <a:extLst>
               <a:ext uri="{FF2B5EF4-FFF2-40B4-BE49-F238E27FC236}">
-                <a16:creationId xmlns="" xmlns:a16="http://schemas.microsoft.com/office/drawing/2014/main" id="{11095850-8F0E-5C56-CF17-BF9A8AB1B18F}"/>
+                <a16:creationId xmlns:a16="http://schemas.microsoft.com/office/drawing/2014/main" xmlns="" id="{11095850-8F0E-5C56-CF17-BF9A8AB1B18F}"/>
               </a:ext>
             </a:extLst>
           </p:cNvPr>
@@ -15109,7 +15112,7 @@
           <p:cNvPr id="27" name="직선 화살표 연결선 26">
             <a:extLst>
               <a:ext uri="{FF2B5EF4-FFF2-40B4-BE49-F238E27FC236}">
-                <a16:creationId xmlns="" xmlns:a16="http://schemas.microsoft.com/office/drawing/2014/main" id="{D0642274-09C3-03F5-2269-2BBD9CA1771C}"/>
+                <a16:creationId xmlns:a16="http://schemas.microsoft.com/office/drawing/2014/main" xmlns="" id="{D0642274-09C3-03F5-2269-2BBD9CA1771C}"/>
               </a:ext>
             </a:extLst>
           </p:cNvPr>
@@ -15150,7 +15153,7 @@
           <p:cNvPr id="30" name="직사각형 29">
             <a:extLst>
               <a:ext uri="{FF2B5EF4-FFF2-40B4-BE49-F238E27FC236}">
-                <a16:creationId xmlns="" xmlns:a16="http://schemas.microsoft.com/office/drawing/2014/main" id="{56BE7DA5-0B48-2DEF-57C9-B4EC36A563B7}"/>
+                <a16:creationId xmlns:a16="http://schemas.microsoft.com/office/drawing/2014/main" xmlns="" id="{56BE7DA5-0B48-2DEF-57C9-B4EC36A563B7}"/>
               </a:ext>
             </a:extLst>
           </p:cNvPr>
@@ -15307,7 +15310,7 @@
           <p:cNvPr id="5" name="그림 4">
             <a:extLst>
               <a:ext uri="{FF2B5EF4-FFF2-40B4-BE49-F238E27FC236}">
-                <a16:creationId xmlns="" xmlns:a16="http://schemas.microsoft.com/office/drawing/2014/main" id="{E9B70F69-B85D-0361-3544-F3F98D620330}"/>
+                <a16:creationId xmlns:a16="http://schemas.microsoft.com/office/drawing/2014/main" xmlns="" id="{E9B70F69-B85D-0361-3544-F3F98D620330}"/>
               </a:ext>
             </a:extLst>
           </p:cNvPr>
@@ -15337,7 +15340,7 @@
           <p:cNvPr id="7" name="그림 6">
             <a:extLst>
               <a:ext uri="{FF2B5EF4-FFF2-40B4-BE49-F238E27FC236}">
-                <a16:creationId xmlns="" xmlns:a16="http://schemas.microsoft.com/office/drawing/2014/main" id="{0F6CB6BB-7EC3-1841-2B12-9709A378F79D}"/>
+                <a16:creationId xmlns:a16="http://schemas.microsoft.com/office/drawing/2014/main" xmlns="" id="{0F6CB6BB-7EC3-1841-2B12-9709A378F79D}"/>
               </a:ext>
             </a:extLst>
           </p:cNvPr>
@@ -15367,7 +15370,7 @@
           <p:cNvPr id="9" name="그림 8">
             <a:extLst>
               <a:ext uri="{FF2B5EF4-FFF2-40B4-BE49-F238E27FC236}">
-                <a16:creationId xmlns="" xmlns:a16="http://schemas.microsoft.com/office/drawing/2014/main" id="{F597DBDC-FAEA-7E62-7E2D-B38E83E2E6F7}"/>
+                <a16:creationId xmlns:a16="http://schemas.microsoft.com/office/drawing/2014/main" xmlns="" id="{F597DBDC-FAEA-7E62-7E2D-B38E83E2E6F7}"/>
               </a:ext>
             </a:extLst>
           </p:cNvPr>
@@ -15397,7 +15400,7 @@
           <p:cNvPr id="10" name="직사각형 9">
             <a:extLst>
               <a:ext uri="{FF2B5EF4-FFF2-40B4-BE49-F238E27FC236}">
-                <a16:creationId xmlns="" xmlns:a16="http://schemas.microsoft.com/office/drawing/2014/main" id="{32CEF6A5-6668-1319-29CA-8C09BF2DE6ED}"/>
+                <a16:creationId xmlns:a16="http://schemas.microsoft.com/office/drawing/2014/main" xmlns="" id="{32CEF6A5-6668-1319-29CA-8C09BF2DE6ED}"/>
               </a:ext>
             </a:extLst>
           </p:cNvPr>
@@ -15742,7 +15745,7 @@
           <p:cNvPr id="2" name="TextBox 1">
             <a:extLst>
               <a:ext uri="{FF2B5EF4-FFF2-40B4-BE49-F238E27FC236}">
-                <a16:creationId xmlns="" xmlns:a16="http://schemas.microsoft.com/office/drawing/2014/main" id="{76F36AE5-79B5-0B9F-E510-1C27AAC4B649}"/>
+                <a16:creationId xmlns:a16="http://schemas.microsoft.com/office/drawing/2014/main" xmlns="" id="{76F36AE5-79B5-0B9F-E510-1C27AAC4B649}"/>
               </a:ext>
             </a:extLst>
           </p:cNvPr>
@@ -16008,7 +16011,7 @@
           <p:cNvPr id="2" name="TextBox 1">
             <a:extLst>
               <a:ext uri="{FF2B5EF4-FFF2-40B4-BE49-F238E27FC236}">
-                <a16:creationId xmlns="" xmlns:a16="http://schemas.microsoft.com/office/drawing/2014/main" id="{8D19D88B-9541-32D7-90F1-0C45C993E21C}"/>
+                <a16:creationId xmlns:a16="http://schemas.microsoft.com/office/drawing/2014/main" xmlns="" id="{8D19D88B-9541-32D7-90F1-0C45C993E21C}"/>
               </a:ext>
             </a:extLst>
           </p:cNvPr>
@@ -16081,7 +16084,7 @@
           <p:cNvPr id="4" name="TextBox 3">
             <a:extLst>
               <a:ext uri="{FF2B5EF4-FFF2-40B4-BE49-F238E27FC236}">
-                <a16:creationId xmlns="" xmlns:a16="http://schemas.microsoft.com/office/drawing/2014/main" id="{5ADC00B6-990A-40DC-3CEA-505258F5E8DA}"/>
+                <a16:creationId xmlns:a16="http://schemas.microsoft.com/office/drawing/2014/main" xmlns="" id="{5ADC00B6-990A-40DC-3CEA-505258F5E8DA}"/>
               </a:ext>
             </a:extLst>
           </p:cNvPr>
@@ -16129,7 +16132,7 @@
           <p:cNvPr id="5" name="TextBox 4">
             <a:extLst>
               <a:ext uri="{FF2B5EF4-FFF2-40B4-BE49-F238E27FC236}">
-                <a16:creationId xmlns="" xmlns:a16="http://schemas.microsoft.com/office/drawing/2014/main" id="{A2AD056B-97A4-5BCC-4460-250160F3E171}"/>
+                <a16:creationId xmlns:a16="http://schemas.microsoft.com/office/drawing/2014/main" xmlns="" id="{A2AD056B-97A4-5BCC-4460-250160F3E171}"/>
               </a:ext>
             </a:extLst>
           </p:cNvPr>
@@ -16255,7 +16258,7 @@
           <p:cNvPr id="8" name="그룹 1008">
             <a:extLst>
               <a:ext uri="{FF2B5EF4-FFF2-40B4-BE49-F238E27FC236}">
-                <a16:creationId xmlns="" xmlns:a16="http://schemas.microsoft.com/office/drawing/2014/main" id="{678F6342-C505-E8AD-ADA4-022CB2C2088E}"/>
+                <a16:creationId xmlns:a16="http://schemas.microsoft.com/office/drawing/2014/main" xmlns="" id="{678F6342-C505-E8AD-ADA4-022CB2C2088E}"/>
               </a:ext>
             </a:extLst>
           </p:cNvPr>
@@ -16275,7 +16278,7 @@
             <p:cNvPr id="9" name="그룹 1009">
               <a:extLst>
                 <a:ext uri="{FF2B5EF4-FFF2-40B4-BE49-F238E27FC236}">
-                  <a16:creationId xmlns="" xmlns:a16="http://schemas.microsoft.com/office/drawing/2014/main" id="{4E1F1FED-812B-9BBB-925A-84B54A077414}"/>
+                  <a16:creationId xmlns:a16="http://schemas.microsoft.com/office/drawing/2014/main" xmlns="" id="{4E1F1FED-812B-9BBB-925A-84B54A077414}"/>
                 </a:ext>
               </a:extLst>
             </p:cNvPr>
@@ -16295,7 +16298,7 @@
               <p:cNvPr id="14" name="Object 29">
                 <a:extLst>
                   <a:ext uri="{FF2B5EF4-FFF2-40B4-BE49-F238E27FC236}">
-                    <a16:creationId xmlns="" xmlns:a16="http://schemas.microsoft.com/office/drawing/2014/main" id="{7B078609-4286-7B00-51EB-809C8E2DE289}"/>
+                    <a16:creationId xmlns:a16="http://schemas.microsoft.com/office/drawing/2014/main" xmlns="" id="{7B078609-4286-7B00-51EB-809C8E2DE289}"/>
                   </a:ext>
                 </a:extLst>
               </p:cNvPr>
@@ -16326,7 +16329,7 @@
             <p:cNvPr id="10" name="그룹 1010">
               <a:extLst>
                 <a:ext uri="{FF2B5EF4-FFF2-40B4-BE49-F238E27FC236}">
-                  <a16:creationId xmlns="" xmlns:a16="http://schemas.microsoft.com/office/drawing/2014/main" id="{02A649BF-B5B5-FBAF-7DFD-E118A4DF8907}"/>
+                  <a16:creationId xmlns:a16="http://schemas.microsoft.com/office/drawing/2014/main" xmlns="" id="{02A649BF-B5B5-FBAF-7DFD-E118A4DF8907}"/>
                 </a:ext>
               </a:extLst>
             </p:cNvPr>
@@ -16346,7 +16349,7 @@
               <p:cNvPr id="13" name="Object 32">
                 <a:extLst>
                   <a:ext uri="{FF2B5EF4-FFF2-40B4-BE49-F238E27FC236}">
-                    <a16:creationId xmlns="" xmlns:a16="http://schemas.microsoft.com/office/drawing/2014/main" id="{2A0FFF23-B3C9-3EA0-1C1B-A87D4FF098AE}"/>
+                    <a16:creationId xmlns:a16="http://schemas.microsoft.com/office/drawing/2014/main" xmlns="" id="{2A0FFF23-B3C9-3EA0-1C1B-A87D4FF098AE}"/>
                   </a:ext>
                 </a:extLst>
               </p:cNvPr>
@@ -16377,7 +16380,7 @@
             <p:cNvPr id="11" name="그룹 1011">
               <a:extLst>
                 <a:ext uri="{FF2B5EF4-FFF2-40B4-BE49-F238E27FC236}">
-                  <a16:creationId xmlns="" xmlns:a16="http://schemas.microsoft.com/office/drawing/2014/main" id="{881F5410-F7FB-F261-A584-707359BAC593}"/>
+                  <a16:creationId xmlns:a16="http://schemas.microsoft.com/office/drawing/2014/main" xmlns="" id="{881F5410-F7FB-F261-A584-707359BAC593}"/>
                 </a:ext>
               </a:extLst>
             </p:cNvPr>
@@ -16397,7 +16400,7 @@
               <p:cNvPr id="12" name="Object 35">
                 <a:extLst>
                   <a:ext uri="{FF2B5EF4-FFF2-40B4-BE49-F238E27FC236}">
-                    <a16:creationId xmlns="" xmlns:a16="http://schemas.microsoft.com/office/drawing/2014/main" id="{4E99E669-73EB-F9F4-EFE8-DC107035C265}"/>
+                    <a16:creationId xmlns:a16="http://schemas.microsoft.com/office/drawing/2014/main" xmlns="" id="{4E99E669-73EB-F9F4-EFE8-DC107035C265}"/>
                   </a:ext>
                 </a:extLst>
               </p:cNvPr>
@@ -16483,7 +16486,7 @@
           <p:cNvPr id="5" name="TextBox 4">
             <a:extLst>
               <a:ext uri="{FF2B5EF4-FFF2-40B4-BE49-F238E27FC236}">
-                <a16:creationId xmlns="" xmlns:a16="http://schemas.microsoft.com/office/drawing/2014/main" id="{5ADC00B6-990A-40DC-3CEA-505258F5E8DA}"/>
+                <a16:creationId xmlns:a16="http://schemas.microsoft.com/office/drawing/2014/main" xmlns="" id="{5ADC00B6-990A-40DC-3CEA-505258F5E8DA}"/>
               </a:ext>
             </a:extLst>
           </p:cNvPr>
@@ -16555,7 +16558,7 @@
           <p:cNvPr id="9" name="TextBox 8">
             <a:extLst>
               <a:ext uri="{FF2B5EF4-FFF2-40B4-BE49-F238E27FC236}">
-                <a16:creationId xmlns="" xmlns:a16="http://schemas.microsoft.com/office/drawing/2014/main" id="{A2AD056B-97A4-5BCC-4460-250160F3E171}"/>
+                <a16:creationId xmlns:a16="http://schemas.microsoft.com/office/drawing/2014/main" xmlns="" id="{A2AD056B-97A4-5BCC-4460-250160F3E171}"/>
               </a:ext>
             </a:extLst>
           </p:cNvPr>
@@ -16643,7 +16646,7 @@
           <p:cNvPr id="10" name="직선 화살표 연결선 9">
             <a:extLst>
               <a:ext uri="{FF2B5EF4-FFF2-40B4-BE49-F238E27FC236}">
-                <a16:creationId xmlns="" xmlns:a16="http://schemas.microsoft.com/office/drawing/2014/main" id="{299DF5EC-9DF4-5255-06AC-0A7CE4FF58C3}"/>
+                <a16:creationId xmlns:a16="http://schemas.microsoft.com/office/drawing/2014/main" xmlns="" id="{299DF5EC-9DF4-5255-06AC-0A7CE4FF58C3}"/>
               </a:ext>
             </a:extLst>
           </p:cNvPr>
@@ -16684,7 +16687,7 @@
           <p:cNvPr id="11" name="TextBox 10">
             <a:extLst>
               <a:ext uri="{FF2B5EF4-FFF2-40B4-BE49-F238E27FC236}">
-                <a16:creationId xmlns="" xmlns:a16="http://schemas.microsoft.com/office/drawing/2014/main" id="{C6D113C6-EA5C-788F-0C77-E7CE6EBB865F}"/>
+                <a16:creationId xmlns:a16="http://schemas.microsoft.com/office/drawing/2014/main" xmlns="" id="{C6D113C6-EA5C-788F-0C77-E7CE6EBB865F}"/>
               </a:ext>
             </a:extLst>
           </p:cNvPr>
@@ -16968,7 +16971,7 @@
           <p:cNvPr id="4" name="TextBox 3">
             <a:extLst>
               <a:ext uri="{FF2B5EF4-FFF2-40B4-BE49-F238E27FC236}">
-                <a16:creationId xmlns="" xmlns:a16="http://schemas.microsoft.com/office/drawing/2014/main" id="{5ADC00B6-990A-40DC-3CEA-505258F5E8DA}"/>
+                <a16:creationId xmlns:a16="http://schemas.microsoft.com/office/drawing/2014/main" xmlns="" id="{5ADC00B6-990A-40DC-3CEA-505258F5E8DA}"/>
               </a:ext>
             </a:extLst>
           </p:cNvPr>
@@ -17040,7 +17043,7 @@
           <p:cNvPr id="6" name="직사각형 5">
             <a:extLst>
               <a:ext uri="{FF2B5EF4-FFF2-40B4-BE49-F238E27FC236}">
-                <a16:creationId xmlns="" xmlns:a16="http://schemas.microsoft.com/office/drawing/2014/main" id="{FFF506F9-840A-0508-4CAF-3AC711D8D5CE}"/>
+                <a16:creationId xmlns:a16="http://schemas.microsoft.com/office/drawing/2014/main" xmlns="" id="{FFF506F9-840A-0508-4CAF-3AC711D8D5CE}"/>
               </a:ext>
             </a:extLst>
           </p:cNvPr>
@@ -17116,7 +17119,7 @@
           <p:cNvPr id="8" name="TextBox 7">
             <a:extLst>
               <a:ext uri="{FF2B5EF4-FFF2-40B4-BE49-F238E27FC236}">
-                <a16:creationId xmlns="" xmlns:a16="http://schemas.microsoft.com/office/drawing/2014/main" id="{A2AD056B-97A4-5BCC-4460-250160F3E171}"/>
+                <a16:creationId xmlns:a16="http://schemas.microsoft.com/office/drawing/2014/main" xmlns="" id="{A2AD056B-97A4-5BCC-4460-250160F3E171}"/>
               </a:ext>
             </a:extLst>
           </p:cNvPr>
@@ -17194,7 +17197,7 @@
           <p:cNvPr id="4" name="TextBox 3">
             <a:extLst>
               <a:ext uri="{FF2B5EF4-FFF2-40B4-BE49-F238E27FC236}">
-                <a16:creationId xmlns="" xmlns:a16="http://schemas.microsoft.com/office/drawing/2014/main" id="{5ADC00B6-990A-40DC-3CEA-505258F5E8DA}"/>
+                <a16:creationId xmlns:a16="http://schemas.microsoft.com/office/drawing/2014/main" xmlns="" id="{5ADC00B6-990A-40DC-3CEA-505258F5E8DA}"/>
               </a:ext>
             </a:extLst>
           </p:cNvPr>
@@ -17339,7 +17342,7 @@
           <p:cNvPr id="5" name="TextBox 4">
             <a:extLst>
               <a:ext uri="{FF2B5EF4-FFF2-40B4-BE49-F238E27FC236}">
-                <a16:creationId xmlns="" xmlns:a16="http://schemas.microsoft.com/office/drawing/2014/main" id="{A2AD056B-97A4-5BCC-4460-250160F3E171}"/>
+                <a16:creationId xmlns:a16="http://schemas.microsoft.com/office/drawing/2014/main" xmlns="" id="{A2AD056B-97A4-5BCC-4460-250160F3E171}"/>
               </a:ext>
             </a:extLst>
           </p:cNvPr>
@@ -17441,7 +17444,7 @@
           <p:cNvPr id="7" name="직선 화살표 연결선 6">
             <a:extLst>
               <a:ext uri="{FF2B5EF4-FFF2-40B4-BE49-F238E27FC236}">
-                <a16:creationId xmlns="" xmlns:a16="http://schemas.microsoft.com/office/drawing/2014/main" id="{299DF5EC-9DF4-5255-06AC-0A7CE4FF58C3}"/>
+                <a16:creationId xmlns:a16="http://schemas.microsoft.com/office/drawing/2014/main" xmlns="" id="{299DF5EC-9DF4-5255-06AC-0A7CE4FF58C3}"/>
               </a:ext>
             </a:extLst>
           </p:cNvPr>
@@ -17482,7 +17485,7 @@
           <p:cNvPr id="8" name="TextBox 7">
             <a:extLst>
               <a:ext uri="{FF2B5EF4-FFF2-40B4-BE49-F238E27FC236}">
-                <a16:creationId xmlns="" xmlns:a16="http://schemas.microsoft.com/office/drawing/2014/main" id="{C6D113C6-EA5C-788F-0C77-E7CE6EBB865F}"/>
+                <a16:creationId xmlns:a16="http://schemas.microsoft.com/office/drawing/2014/main" xmlns="" id="{C6D113C6-EA5C-788F-0C77-E7CE6EBB865F}"/>
               </a:ext>
             </a:extLst>
           </p:cNvPr>
@@ -17726,7 +17729,7 @@
           <p:cNvPr id="5" name="TextBox 4">
             <a:extLst>
               <a:ext uri="{FF2B5EF4-FFF2-40B4-BE49-F238E27FC236}">
-                <a16:creationId xmlns="" xmlns:a16="http://schemas.microsoft.com/office/drawing/2014/main" id="{A2AD056B-97A4-5BCC-4460-250160F3E171}"/>
+                <a16:creationId xmlns:a16="http://schemas.microsoft.com/office/drawing/2014/main" xmlns="" id="{A2AD056B-97A4-5BCC-4460-250160F3E171}"/>
               </a:ext>
             </a:extLst>
           </p:cNvPr>
@@ -17818,7 +17821,7 @@
           <p:cNvPr id="7" name="TextBox 6">
             <a:extLst>
               <a:ext uri="{FF2B5EF4-FFF2-40B4-BE49-F238E27FC236}">
-                <a16:creationId xmlns="" xmlns:a16="http://schemas.microsoft.com/office/drawing/2014/main" id="{5ADC00B6-990A-40DC-3CEA-505258F5E8DA}"/>
+                <a16:creationId xmlns:a16="http://schemas.microsoft.com/office/drawing/2014/main" xmlns="" id="{5ADC00B6-990A-40DC-3CEA-505258F5E8DA}"/>
               </a:ext>
             </a:extLst>
           </p:cNvPr>
@@ -17930,7 +17933,7 @@
           <p:cNvPr id="5" name="직사각형 4">
             <a:extLst>
               <a:ext uri="{FF2B5EF4-FFF2-40B4-BE49-F238E27FC236}">
-                <a16:creationId xmlns="" xmlns:a16="http://schemas.microsoft.com/office/drawing/2014/main" id="{FFF506F9-840A-0508-4CAF-3AC711D8D5CE}"/>
+                <a16:creationId xmlns:a16="http://schemas.microsoft.com/office/drawing/2014/main" xmlns="" id="{FFF506F9-840A-0508-4CAF-3AC711D8D5CE}"/>
               </a:ext>
             </a:extLst>
           </p:cNvPr>
@@ -17982,7 +17985,7 @@
           <p:cNvPr id="6" name="TextBox 5">
             <a:extLst>
               <a:ext uri="{FF2B5EF4-FFF2-40B4-BE49-F238E27FC236}">
-                <a16:creationId xmlns="" xmlns:a16="http://schemas.microsoft.com/office/drawing/2014/main" id="{5ADC00B6-990A-40DC-3CEA-505258F5E8DA}"/>
+                <a16:creationId xmlns:a16="http://schemas.microsoft.com/office/drawing/2014/main" xmlns="" id="{5ADC00B6-990A-40DC-3CEA-505258F5E8DA}"/>
               </a:ext>
             </a:extLst>
           </p:cNvPr>
@@ -18040,7 +18043,7 @@
           <p:cNvPr id="7" name="TextBox 6">
             <a:extLst>
               <a:ext uri="{FF2B5EF4-FFF2-40B4-BE49-F238E27FC236}">
-                <a16:creationId xmlns="" xmlns:a16="http://schemas.microsoft.com/office/drawing/2014/main" id="{5ADC00B6-990A-40DC-3CEA-505258F5E8DA}"/>
+                <a16:creationId xmlns:a16="http://schemas.microsoft.com/office/drawing/2014/main" xmlns="" id="{5ADC00B6-990A-40DC-3CEA-505258F5E8DA}"/>
               </a:ext>
             </a:extLst>
           </p:cNvPr>
@@ -18333,7 +18336,7 @@
           <p:cNvPr id="58" name="TextBox 57">
             <a:extLst>
               <a:ext uri="{FF2B5EF4-FFF2-40B4-BE49-F238E27FC236}">
-                <a16:creationId xmlns="" xmlns:a16="http://schemas.microsoft.com/office/drawing/2014/main" id="{5ADC00B6-990A-40DC-3CEA-505258F5E8DA}"/>
+                <a16:creationId xmlns:a16="http://schemas.microsoft.com/office/drawing/2014/main" xmlns="" id="{5ADC00B6-990A-40DC-3CEA-505258F5E8DA}"/>
               </a:ext>
             </a:extLst>
           </p:cNvPr>
@@ -18381,7 +18384,7 @@
           <p:cNvPr id="59" name="TextBox 58">
             <a:extLst>
               <a:ext uri="{FF2B5EF4-FFF2-40B4-BE49-F238E27FC236}">
-                <a16:creationId xmlns="" xmlns:a16="http://schemas.microsoft.com/office/drawing/2014/main" id="{5ADC00B6-990A-40DC-3CEA-505258F5E8DA}"/>
+                <a16:creationId xmlns:a16="http://schemas.microsoft.com/office/drawing/2014/main" xmlns="" id="{5ADC00B6-990A-40DC-3CEA-505258F5E8DA}"/>
               </a:ext>
             </a:extLst>
           </p:cNvPr>
@@ -18429,7 +18432,7 @@
           <p:cNvPr id="25" name="TextBox 24">
             <a:extLst>
               <a:ext uri="{FF2B5EF4-FFF2-40B4-BE49-F238E27FC236}">
-                <a16:creationId xmlns="" xmlns:a16="http://schemas.microsoft.com/office/drawing/2014/main" id="{A2AD056B-97A4-5BCC-4460-250160F3E171}"/>
+                <a16:creationId xmlns:a16="http://schemas.microsoft.com/office/drawing/2014/main" xmlns="" id="{A2AD056B-97A4-5BCC-4460-250160F3E171}"/>
               </a:ext>
             </a:extLst>
           </p:cNvPr>
@@ -18524,7 +18527,7 @@
           <p:cNvPr id="26" name="TextBox 25">
             <a:extLst>
               <a:ext uri="{FF2B5EF4-FFF2-40B4-BE49-F238E27FC236}">
-                <a16:creationId xmlns="" xmlns:a16="http://schemas.microsoft.com/office/drawing/2014/main" id="{A2AD056B-97A4-5BCC-4460-250160F3E171}"/>
+                <a16:creationId xmlns:a16="http://schemas.microsoft.com/office/drawing/2014/main" xmlns="" id="{A2AD056B-97A4-5BCC-4460-250160F3E171}"/>
               </a:ext>
             </a:extLst>
           </p:cNvPr>
@@ -18591,7 +18594,7 @@
           <p:cNvPr id="27" name="TextBox 26">
             <a:extLst>
               <a:ext uri="{FF2B5EF4-FFF2-40B4-BE49-F238E27FC236}">
-                <a16:creationId xmlns="" xmlns:a16="http://schemas.microsoft.com/office/drawing/2014/main" id="{A2AD056B-97A4-5BCC-4460-250160F3E171}"/>
+                <a16:creationId xmlns:a16="http://schemas.microsoft.com/office/drawing/2014/main" xmlns="" id="{A2AD056B-97A4-5BCC-4460-250160F3E171}"/>
               </a:ext>
             </a:extLst>
           </p:cNvPr>
@@ -18648,7 +18651,7 @@
           <p:cNvPr id="28" name="TextBox 27">
             <a:extLst>
               <a:ext uri="{FF2B5EF4-FFF2-40B4-BE49-F238E27FC236}">
-                <a16:creationId xmlns="" xmlns:a16="http://schemas.microsoft.com/office/drawing/2014/main" id="{A2AD056B-97A4-5BCC-4460-250160F3E171}"/>
+                <a16:creationId xmlns:a16="http://schemas.microsoft.com/office/drawing/2014/main" xmlns="" id="{A2AD056B-97A4-5BCC-4460-250160F3E171}"/>
               </a:ext>
             </a:extLst>
           </p:cNvPr>
@@ -18745,7 +18748,7 @@
           <p:cNvPr id="4" name="TextBox 3">
             <a:extLst>
               <a:ext uri="{FF2B5EF4-FFF2-40B4-BE49-F238E27FC236}">
-                <a16:creationId xmlns="" xmlns:a16="http://schemas.microsoft.com/office/drawing/2014/main" id="{DF7DDD33-9412-2802-339A-E55446AC2DA7}"/>
+                <a16:creationId xmlns:a16="http://schemas.microsoft.com/office/drawing/2014/main" xmlns="" id="{DF7DDD33-9412-2802-339A-E55446AC2DA7}"/>
               </a:ext>
             </a:extLst>
           </p:cNvPr>
@@ -18858,7 +18861,7 @@
           <p:cNvPr id="10" name="직선 화살표 연결선 9">
             <a:extLst>
               <a:ext uri="{FF2B5EF4-FFF2-40B4-BE49-F238E27FC236}">
-                <a16:creationId xmlns="" xmlns:a16="http://schemas.microsoft.com/office/drawing/2014/main" id="{299DF5EC-9DF4-5255-06AC-0A7CE4FF58C3}"/>
+                <a16:creationId xmlns:a16="http://schemas.microsoft.com/office/drawing/2014/main" xmlns="" id="{299DF5EC-9DF4-5255-06AC-0A7CE4FF58C3}"/>
               </a:ext>
             </a:extLst>
           </p:cNvPr>
@@ -18899,7 +18902,7 @@
           <p:cNvPr id="11" name="TextBox 10">
             <a:extLst>
               <a:ext uri="{FF2B5EF4-FFF2-40B4-BE49-F238E27FC236}">
-                <a16:creationId xmlns="" xmlns:a16="http://schemas.microsoft.com/office/drawing/2014/main" id="{C6D113C6-EA5C-788F-0C77-E7CE6EBB865F}"/>
+                <a16:creationId xmlns:a16="http://schemas.microsoft.com/office/drawing/2014/main" xmlns="" id="{C6D113C6-EA5C-788F-0C77-E7CE6EBB865F}"/>
               </a:ext>
             </a:extLst>
           </p:cNvPr>
@@ -18971,7 +18974,7 @@
           <p:cNvPr id="13" name="직선 화살표 연결선 12">
             <a:extLst>
               <a:ext uri="{FF2B5EF4-FFF2-40B4-BE49-F238E27FC236}">
-                <a16:creationId xmlns="" xmlns:a16="http://schemas.microsoft.com/office/drawing/2014/main" id="{299DF5EC-9DF4-5255-06AC-0A7CE4FF58C3}"/>
+                <a16:creationId xmlns:a16="http://schemas.microsoft.com/office/drawing/2014/main" xmlns="" id="{299DF5EC-9DF4-5255-06AC-0A7CE4FF58C3}"/>
               </a:ext>
             </a:extLst>
           </p:cNvPr>
@@ -19012,7 +19015,7 @@
           <p:cNvPr id="14" name="TextBox 13">
             <a:extLst>
               <a:ext uri="{FF2B5EF4-FFF2-40B4-BE49-F238E27FC236}">
-                <a16:creationId xmlns="" xmlns:a16="http://schemas.microsoft.com/office/drawing/2014/main" id="{C6D113C6-EA5C-788F-0C77-E7CE6EBB865F}"/>
+                <a16:creationId xmlns:a16="http://schemas.microsoft.com/office/drawing/2014/main" xmlns="" id="{C6D113C6-EA5C-788F-0C77-E7CE6EBB865F}"/>
               </a:ext>
             </a:extLst>
           </p:cNvPr>
@@ -19060,7 +19063,7 @@
           <p:cNvPr id="15" name="직선 화살표 연결선 14">
             <a:extLst>
               <a:ext uri="{FF2B5EF4-FFF2-40B4-BE49-F238E27FC236}">
-                <a16:creationId xmlns="" xmlns:a16="http://schemas.microsoft.com/office/drawing/2014/main" id="{299DF5EC-9DF4-5255-06AC-0A7CE4FF58C3}"/>
+                <a16:creationId xmlns:a16="http://schemas.microsoft.com/office/drawing/2014/main" xmlns="" id="{299DF5EC-9DF4-5255-06AC-0A7CE4FF58C3}"/>
               </a:ext>
             </a:extLst>
           </p:cNvPr>
@@ -19101,7 +19104,7 @@
           <p:cNvPr id="16" name="TextBox 15">
             <a:extLst>
               <a:ext uri="{FF2B5EF4-FFF2-40B4-BE49-F238E27FC236}">
-                <a16:creationId xmlns="" xmlns:a16="http://schemas.microsoft.com/office/drawing/2014/main" id="{C6D113C6-EA5C-788F-0C77-E7CE6EBB865F}"/>
+                <a16:creationId xmlns:a16="http://schemas.microsoft.com/office/drawing/2014/main" xmlns="" id="{C6D113C6-EA5C-788F-0C77-E7CE6EBB865F}"/>
               </a:ext>
             </a:extLst>
           </p:cNvPr>
@@ -19173,7 +19176,7 @@
           <p:cNvPr id="18" name="직선 화살표 연결선 17">
             <a:extLst>
               <a:ext uri="{FF2B5EF4-FFF2-40B4-BE49-F238E27FC236}">
-                <a16:creationId xmlns="" xmlns:a16="http://schemas.microsoft.com/office/drawing/2014/main" id="{299DF5EC-9DF4-5255-06AC-0A7CE4FF58C3}"/>
+                <a16:creationId xmlns:a16="http://schemas.microsoft.com/office/drawing/2014/main" xmlns="" id="{299DF5EC-9DF4-5255-06AC-0A7CE4FF58C3}"/>
               </a:ext>
             </a:extLst>
           </p:cNvPr>
@@ -19214,7 +19217,7 @@
           <p:cNvPr id="19" name="TextBox 18">
             <a:extLst>
               <a:ext uri="{FF2B5EF4-FFF2-40B4-BE49-F238E27FC236}">
-                <a16:creationId xmlns="" xmlns:a16="http://schemas.microsoft.com/office/drawing/2014/main" id="{C6D113C6-EA5C-788F-0C77-E7CE6EBB865F}"/>
+                <a16:creationId xmlns:a16="http://schemas.microsoft.com/office/drawing/2014/main" xmlns="" id="{C6D113C6-EA5C-788F-0C77-E7CE6EBB865F}"/>
               </a:ext>
             </a:extLst>
           </p:cNvPr>
@@ -19304,7 +19307,7 @@
           <p:cNvPr id="22" name="직선 화살표 연결선 21">
             <a:extLst>
               <a:ext uri="{FF2B5EF4-FFF2-40B4-BE49-F238E27FC236}">
-                <a16:creationId xmlns="" xmlns:a16="http://schemas.microsoft.com/office/drawing/2014/main" id="{299DF5EC-9DF4-5255-06AC-0A7CE4FF58C3}"/>
+                <a16:creationId xmlns:a16="http://schemas.microsoft.com/office/drawing/2014/main" xmlns="" id="{299DF5EC-9DF4-5255-06AC-0A7CE4FF58C3}"/>
               </a:ext>
             </a:extLst>
           </p:cNvPr>
@@ -19345,7 +19348,7 @@
           <p:cNvPr id="23" name="TextBox 22">
             <a:extLst>
               <a:ext uri="{FF2B5EF4-FFF2-40B4-BE49-F238E27FC236}">
-                <a16:creationId xmlns="" xmlns:a16="http://schemas.microsoft.com/office/drawing/2014/main" id="{C6D113C6-EA5C-788F-0C77-E7CE6EBB865F}"/>
+                <a16:creationId xmlns:a16="http://schemas.microsoft.com/office/drawing/2014/main" xmlns="" id="{C6D113C6-EA5C-788F-0C77-E7CE6EBB865F}"/>
               </a:ext>
             </a:extLst>
           </p:cNvPr>
@@ -19441,7 +19444,7 @@
           <p:cNvPr id="26" name="직선 화살표 연결선 25">
             <a:extLst>
               <a:ext uri="{FF2B5EF4-FFF2-40B4-BE49-F238E27FC236}">
-                <a16:creationId xmlns="" xmlns:a16="http://schemas.microsoft.com/office/drawing/2014/main" id="{299DF5EC-9DF4-5255-06AC-0A7CE4FF58C3}"/>
+                <a16:creationId xmlns:a16="http://schemas.microsoft.com/office/drawing/2014/main" xmlns="" id="{299DF5EC-9DF4-5255-06AC-0A7CE4FF58C3}"/>
               </a:ext>
             </a:extLst>
           </p:cNvPr>
@@ -19482,7 +19485,7 @@
           <p:cNvPr id="27" name="TextBox 26">
             <a:extLst>
               <a:ext uri="{FF2B5EF4-FFF2-40B4-BE49-F238E27FC236}">
-                <a16:creationId xmlns="" xmlns:a16="http://schemas.microsoft.com/office/drawing/2014/main" id="{C6D113C6-EA5C-788F-0C77-E7CE6EBB865F}"/>
+                <a16:creationId xmlns:a16="http://schemas.microsoft.com/office/drawing/2014/main" xmlns="" id="{C6D113C6-EA5C-788F-0C77-E7CE6EBB865F}"/>
               </a:ext>
             </a:extLst>
           </p:cNvPr>
@@ -20358,7 +20361,7 @@
           <p:cNvPr id="6" name="직사각형 5">
             <a:extLst>
               <a:ext uri="{FF2B5EF4-FFF2-40B4-BE49-F238E27FC236}">
-                <a16:creationId xmlns="" xmlns:a16="http://schemas.microsoft.com/office/drawing/2014/main" id="{FFF506F9-840A-0508-4CAF-3AC711D8D5CE}"/>
+                <a16:creationId xmlns:a16="http://schemas.microsoft.com/office/drawing/2014/main" xmlns="" id="{FFF506F9-840A-0508-4CAF-3AC711D8D5CE}"/>
               </a:ext>
             </a:extLst>
           </p:cNvPr>
@@ -20434,7 +20437,7 @@
           <p:cNvPr id="8" name="TextBox 7">
             <a:extLst>
               <a:ext uri="{FF2B5EF4-FFF2-40B4-BE49-F238E27FC236}">
-                <a16:creationId xmlns="" xmlns:a16="http://schemas.microsoft.com/office/drawing/2014/main" id="{5ADC00B6-990A-40DC-3CEA-505258F5E8DA}"/>
+                <a16:creationId xmlns:a16="http://schemas.microsoft.com/office/drawing/2014/main" xmlns="" id="{5ADC00B6-990A-40DC-3CEA-505258F5E8DA}"/>
               </a:ext>
             </a:extLst>
           </p:cNvPr>
@@ -20555,7 +20558,7 @@
           <p:cNvPr id="9" name="TextBox 8">
             <a:extLst>
               <a:ext uri="{FF2B5EF4-FFF2-40B4-BE49-F238E27FC236}">
-                <a16:creationId xmlns="" xmlns:a16="http://schemas.microsoft.com/office/drawing/2014/main" id="{C6D113C6-EA5C-788F-0C77-E7CE6EBB865F}"/>
+                <a16:creationId xmlns:a16="http://schemas.microsoft.com/office/drawing/2014/main" xmlns="" id="{C6D113C6-EA5C-788F-0C77-E7CE6EBB865F}"/>
               </a:ext>
             </a:extLst>
           </p:cNvPr>
@@ -20636,7 +20639,7 @@
           <p:cNvPr id="2" name="TextBox 1">
             <a:extLst>
               <a:ext uri="{FF2B5EF4-FFF2-40B4-BE49-F238E27FC236}">
-                <a16:creationId xmlns="" xmlns:a16="http://schemas.microsoft.com/office/drawing/2014/main" id="{1DEB1580-2560-3EFB-9783-0250AC7061CB}"/>
+                <a16:creationId xmlns:a16="http://schemas.microsoft.com/office/drawing/2014/main" xmlns="" id="{1DEB1580-2560-3EFB-9783-0250AC7061CB}"/>
               </a:ext>
             </a:extLst>
           </p:cNvPr>
@@ -20848,7 +20851,7 @@
           <p:cNvPr id="6" name="그룹 1018">
             <a:extLst>
               <a:ext uri="{FF2B5EF4-FFF2-40B4-BE49-F238E27FC236}">
-                <a16:creationId xmlns="" xmlns:a16="http://schemas.microsoft.com/office/drawing/2014/main" id="{008489BA-FEFA-DE7D-B3CD-53A358B82592}"/>
+                <a16:creationId xmlns:a16="http://schemas.microsoft.com/office/drawing/2014/main" xmlns="" id="{008489BA-FEFA-DE7D-B3CD-53A358B82592}"/>
               </a:ext>
             </a:extLst>
           </p:cNvPr>
@@ -20868,7 +20871,7 @@
             <p:cNvPr id="7" name="Object 61">
               <a:extLst>
                 <a:ext uri="{FF2B5EF4-FFF2-40B4-BE49-F238E27FC236}">
-                  <a16:creationId xmlns="" xmlns:a16="http://schemas.microsoft.com/office/drawing/2014/main" id="{9ED25BE3-45BE-AC6D-D835-4457854D2832}"/>
+                  <a16:creationId xmlns:a16="http://schemas.microsoft.com/office/drawing/2014/main" xmlns="" id="{9ED25BE3-45BE-AC6D-D835-4457854D2832}"/>
                 </a:ext>
               </a:extLst>
             </p:cNvPr>
@@ -20899,7 +20902,7 @@
           <p:cNvPr id="8" name="그룹 1021">
             <a:extLst>
               <a:ext uri="{FF2B5EF4-FFF2-40B4-BE49-F238E27FC236}">
-                <a16:creationId xmlns="" xmlns:a16="http://schemas.microsoft.com/office/drawing/2014/main" id="{7FE0C0A1-ABE4-F0EA-AFC1-4622C45C99E7}"/>
+                <a16:creationId xmlns:a16="http://schemas.microsoft.com/office/drawing/2014/main" xmlns="" id="{7FE0C0A1-ABE4-F0EA-AFC1-4622C45C99E7}"/>
               </a:ext>
             </a:extLst>
           </p:cNvPr>
@@ -20919,7 +20922,7 @@
             <p:cNvPr id="9" name="Object 71">
               <a:extLst>
                 <a:ext uri="{FF2B5EF4-FFF2-40B4-BE49-F238E27FC236}">
-                  <a16:creationId xmlns="" xmlns:a16="http://schemas.microsoft.com/office/drawing/2014/main" id="{CDBB7D83-509F-9F4C-0C3E-DBA2562E5520}"/>
+                  <a16:creationId xmlns:a16="http://schemas.microsoft.com/office/drawing/2014/main" xmlns="" id="{CDBB7D83-509F-9F4C-0C3E-DBA2562E5520}"/>
                 </a:ext>
               </a:extLst>
             </p:cNvPr>
@@ -20950,7 +20953,7 @@
           <p:cNvPr id="10" name="그룹 1024">
             <a:extLst>
               <a:ext uri="{FF2B5EF4-FFF2-40B4-BE49-F238E27FC236}">
-                <a16:creationId xmlns="" xmlns:a16="http://schemas.microsoft.com/office/drawing/2014/main" id="{8EB1611F-852C-9617-AEEB-CFA38FFF8001}"/>
+                <a16:creationId xmlns:a16="http://schemas.microsoft.com/office/drawing/2014/main" xmlns="" id="{8EB1611F-852C-9617-AEEB-CFA38FFF8001}"/>
               </a:ext>
             </a:extLst>
           </p:cNvPr>
@@ -20970,7 +20973,7 @@
             <p:cNvPr id="11" name="Object 81">
               <a:extLst>
                 <a:ext uri="{FF2B5EF4-FFF2-40B4-BE49-F238E27FC236}">
-                  <a16:creationId xmlns="" xmlns:a16="http://schemas.microsoft.com/office/drawing/2014/main" id="{08657582-A0DF-A5DC-A662-189C639920C8}"/>
+                  <a16:creationId xmlns:a16="http://schemas.microsoft.com/office/drawing/2014/main" xmlns="" id="{08657582-A0DF-A5DC-A662-189C639920C8}"/>
                 </a:ext>
               </a:extLst>
             </p:cNvPr>
@@ -21001,7 +21004,7 @@
           <p:cNvPr id="13" name="TextBox 12">
             <a:extLst>
               <a:ext uri="{FF2B5EF4-FFF2-40B4-BE49-F238E27FC236}">
-                <a16:creationId xmlns="" xmlns:a16="http://schemas.microsoft.com/office/drawing/2014/main" id="{F68B80B8-3419-5C31-B2F2-084E536A2C1C}"/>
+                <a16:creationId xmlns:a16="http://schemas.microsoft.com/office/drawing/2014/main" xmlns="" id="{F68B80B8-3419-5C31-B2F2-084E536A2C1C}"/>
               </a:ext>
             </a:extLst>
           </p:cNvPr>
@@ -21049,7 +21052,7 @@
           <p:cNvPr id="14" name="TextBox 13">
             <a:extLst>
               <a:ext uri="{FF2B5EF4-FFF2-40B4-BE49-F238E27FC236}">
-                <a16:creationId xmlns="" xmlns:a16="http://schemas.microsoft.com/office/drawing/2014/main" id="{CB471B39-052C-65D2-3069-C74FA7421876}"/>
+                <a16:creationId xmlns:a16="http://schemas.microsoft.com/office/drawing/2014/main" xmlns="" id="{CB471B39-052C-65D2-3069-C74FA7421876}"/>
               </a:ext>
             </a:extLst>
           </p:cNvPr>
@@ -21097,7 +21100,7 @@
           <p:cNvPr id="15" name="TextBox 14">
             <a:extLst>
               <a:ext uri="{FF2B5EF4-FFF2-40B4-BE49-F238E27FC236}">
-                <a16:creationId xmlns="" xmlns:a16="http://schemas.microsoft.com/office/drawing/2014/main" id="{4A7E270B-9322-EABD-3A34-4D211B23AD38}"/>
+                <a16:creationId xmlns:a16="http://schemas.microsoft.com/office/drawing/2014/main" xmlns="" id="{4A7E270B-9322-EABD-3A34-4D211B23AD38}"/>
               </a:ext>
             </a:extLst>
           </p:cNvPr>
@@ -21265,7 +21268,7 @@
           <p:cNvPr id="24" name="TextBox 23">
             <a:extLst>
               <a:ext uri="{FF2B5EF4-FFF2-40B4-BE49-F238E27FC236}">
-                <a16:creationId xmlns="" xmlns:a16="http://schemas.microsoft.com/office/drawing/2014/main" id="{5ADC00B6-990A-40DC-3CEA-505258F5E8DA}"/>
+                <a16:creationId xmlns:a16="http://schemas.microsoft.com/office/drawing/2014/main" xmlns="" id="{5ADC00B6-990A-40DC-3CEA-505258F5E8DA}"/>
               </a:ext>
             </a:extLst>
           </p:cNvPr>
@@ -21316,7 +21319,7 @@
           <p:cNvPr id="2" name="TextBox 1">
             <a:extLst>
               <a:ext uri="{FF2B5EF4-FFF2-40B4-BE49-F238E27FC236}">
-                <a16:creationId xmlns="" xmlns:a16="http://schemas.microsoft.com/office/drawing/2014/main" id="{D33DA09A-511A-C62F-A49A-C0D2F5C85280}"/>
+                <a16:creationId xmlns:a16="http://schemas.microsoft.com/office/drawing/2014/main" xmlns="" id="{D33DA09A-511A-C62F-A49A-C0D2F5C85280}"/>
               </a:ext>
             </a:extLst>
           </p:cNvPr>
@@ -21751,7 +21754,7 @@
           <p:cNvPr id="4" name="Object 1">
             <a:extLst>
               <a:ext uri="{FF2B5EF4-FFF2-40B4-BE49-F238E27FC236}">
-                <a16:creationId xmlns="" xmlns:a16="http://schemas.microsoft.com/office/drawing/2014/main" id="{B0329035-BE76-33A8-0F2E-44624FCC1DED}"/>
+                <a16:creationId xmlns:a16="http://schemas.microsoft.com/office/drawing/2014/main" xmlns="" id="{B0329035-BE76-33A8-0F2E-44624FCC1DED}"/>
               </a:ext>
             </a:extLst>
           </p:cNvPr>
@@ -21781,7 +21784,7 @@
           <p:cNvPr id="7" name="그룹 1001">
             <a:extLst>
               <a:ext uri="{FF2B5EF4-FFF2-40B4-BE49-F238E27FC236}">
-                <a16:creationId xmlns="" xmlns:a16="http://schemas.microsoft.com/office/drawing/2014/main" id="{CD24CE9D-AC18-B6CD-F397-7E8E03D6FE26}"/>
+                <a16:creationId xmlns:a16="http://schemas.microsoft.com/office/drawing/2014/main" xmlns="" id="{CD24CE9D-AC18-B6CD-F397-7E8E03D6FE26}"/>
               </a:ext>
             </a:extLst>
           </p:cNvPr>
@@ -21801,7 +21804,7 @@
             <p:cNvPr id="8" name="Object 5">
               <a:extLst>
                 <a:ext uri="{FF2B5EF4-FFF2-40B4-BE49-F238E27FC236}">
-                  <a16:creationId xmlns="" xmlns:a16="http://schemas.microsoft.com/office/drawing/2014/main" id="{0EEF25E8-3BA8-EBAA-6DC2-66D70C3F9F4D}"/>
+                  <a16:creationId xmlns:a16="http://schemas.microsoft.com/office/drawing/2014/main" xmlns="" id="{0EEF25E8-3BA8-EBAA-6DC2-66D70C3F9F4D}"/>
                 </a:ext>
               </a:extLst>
             </p:cNvPr>
@@ -21832,7 +21835,7 @@
           <p:cNvPr id="9" name="그룹 1002">
             <a:extLst>
               <a:ext uri="{FF2B5EF4-FFF2-40B4-BE49-F238E27FC236}">
-                <a16:creationId xmlns="" xmlns:a16="http://schemas.microsoft.com/office/drawing/2014/main" id="{0F281BC9-DE1F-D1FE-E64C-C4640398F00C}"/>
+                <a16:creationId xmlns:a16="http://schemas.microsoft.com/office/drawing/2014/main" xmlns="" id="{0F281BC9-DE1F-D1FE-E64C-C4640398F00C}"/>
               </a:ext>
             </a:extLst>
           </p:cNvPr>
@@ -21852,7 +21855,7 @@
             <p:cNvPr id="10" name="Object 8">
               <a:extLst>
                 <a:ext uri="{FF2B5EF4-FFF2-40B4-BE49-F238E27FC236}">
-                  <a16:creationId xmlns="" xmlns:a16="http://schemas.microsoft.com/office/drawing/2014/main" id="{F669DCEF-04BB-7046-3F7F-5B513213556E}"/>
+                  <a16:creationId xmlns:a16="http://schemas.microsoft.com/office/drawing/2014/main" xmlns="" id="{F669DCEF-04BB-7046-3F7F-5B513213556E}"/>
                 </a:ext>
               </a:extLst>
             </p:cNvPr>
@@ -21883,7 +21886,7 @@
           <p:cNvPr id="11" name="그룹 1003">
             <a:extLst>
               <a:ext uri="{FF2B5EF4-FFF2-40B4-BE49-F238E27FC236}">
-                <a16:creationId xmlns="" xmlns:a16="http://schemas.microsoft.com/office/drawing/2014/main" id="{1F91EEF9-13EA-BB7F-B056-D35E7DB989AC}"/>
+                <a16:creationId xmlns:a16="http://schemas.microsoft.com/office/drawing/2014/main" xmlns="" id="{1F91EEF9-13EA-BB7F-B056-D35E7DB989AC}"/>
               </a:ext>
             </a:extLst>
           </p:cNvPr>
@@ -21903,7 +21906,7 @@
             <p:cNvPr id="12" name="Object 11">
               <a:extLst>
                 <a:ext uri="{FF2B5EF4-FFF2-40B4-BE49-F238E27FC236}">
-                  <a16:creationId xmlns="" xmlns:a16="http://schemas.microsoft.com/office/drawing/2014/main" id="{2CFFB217-AEFB-2C9E-5F86-6EE19510FFC6}"/>
+                  <a16:creationId xmlns:a16="http://schemas.microsoft.com/office/drawing/2014/main" xmlns="" id="{2CFFB217-AEFB-2C9E-5F86-6EE19510FFC6}"/>
                 </a:ext>
               </a:extLst>
             </p:cNvPr>
@@ -21934,7 +21937,7 @@
           <p:cNvPr id="13" name="그룹 1004">
             <a:extLst>
               <a:ext uri="{FF2B5EF4-FFF2-40B4-BE49-F238E27FC236}">
-                <a16:creationId xmlns="" xmlns:a16="http://schemas.microsoft.com/office/drawing/2014/main" id="{123B9C7E-94E8-E7E1-81BE-D59EA0299187}"/>
+                <a16:creationId xmlns:a16="http://schemas.microsoft.com/office/drawing/2014/main" xmlns="" id="{123B9C7E-94E8-E7E1-81BE-D59EA0299187}"/>
               </a:ext>
             </a:extLst>
           </p:cNvPr>
@@ -21954,7 +21957,7 @@
             <p:cNvPr id="14" name="Object 14">
               <a:extLst>
                 <a:ext uri="{FF2B5EF4-FFF2-40B4-BE49-F238E27FC236}">
-                  <a16:creationId xmlns="" xmlns:a16="http://schemas.microsoft.com/office/drawing/2014/main" id="{B6291552-2D89-A79F-7ACD-EA0EF9A4C389}"/>
+                  <a16:creationId xmlns:a16="http://schemas.microsoft.com/office/drawing/2014/main" xmlns="" id="{B6291552-2D89-A79F-7ACD-EA0EF9A4C389}"/>
                 </a:ext>
               </a:extLst>
             </p:cNvPr>
@@ -21985,7 +21988,7 @@
           <p:cNvPr id="15" name="TextBox 14">
             <a:extLst>
               <a:ext uri="{FF2B5EF4-FFF2-40B4-BE49-F238E27FC236}">
-                <a16:creationId xmlns="" xmlns:a16="http://schemas.microsoft.com/office/drawing/2014/main" id="{7D99763A-FC24-23F5-5BA9-D7B042E0F323}"/>
+                <a16:creationId xmlns:a16="http://schemas.microsoft.com/office/drawing/2014/main" xmlns="" id="{7D99763A-FC24-23F5-5BA9-D7B042E0F323}"/>
               </a:ext>
             </a:extLst>
           </p:cNvPr>
@@ -22070,7 +22073,7 @@
           <p:cNvPr id="4" name="TextBox 3">
             <a:extLst>
               <a:ext uri="{FF2B5EF4-FFF2-40B4-BE49-F238E27FC236}">
-                <a16:creationId xmlns="" xmlns:a16="http://schemas.microsoft.com/office/drawing/2014/main" id="{5ADC00B6-990A-40DC-3CEA-505258F5E8DA}"/>
+                <a16:creationId xmlns:a16="http://schemas.microsoft.com/office/drawing/2014/main" xmlns="" id="{5ADC00B6-990A-40DC-3CEA-505258F5E8DA}"/>
               </a:ext>
             </a:extLst>
           </p:cNvPr>
@@ -22118,7 +22121,7 @@
           <p:cNvPr id="5" name="TextBox 4">
             <a:extLst>
               <a:ext uri="{FF2B5EF4-FFF2-40B4-BE49-F238E27FC236}">
-                <a16:creationId xmlns="" xmlns:a16="http://schemas.microsoft.com/office/drawing/2014/main" id="{A2AD056B-97A4-5BCC-4460-250160F3E171}"/>
+                <a16:creationId xmlns:a16="http://schemas.microsoft.com/office/drawing/2014/main" xmlns="" id="{A2AD056B-97A4-5BCC-4460-250160F3E171}"/>
               </a:ext>
             </a:extLst>
           </p:cNvPr>
@@ -22234,7 +22237,7 @@
           <p:cNvPr id="6" name="TextBox 5">
             <a:extLst>
               <a:ext uri="{FF2B5EF4-FFF2-40B4-BE49-F238E27FC236}">
-                <a16:creationId xmlns="" xmlns:a16="http://schemas.microsoft.com/office/drawing/2014/main" id="{A2AD056B-97A4-5BCC-4460-250160F3E171}"/>
+                <a16:creationId xmlns:a16="http://schemas.microsoft.com/office/drawing/2014/main" xmlns="" id="{A2AD056B-97A4-5BCC-4460-250160F3E171}"/>
               </a:ext>
             </a:extLst>
           </p:cNvPr>
@@ -22477,7 +22480,7 @@
           <p:cNvPr id="4" name="그룹 1015">
             <a:extLst>
               <a:ext uri="{FF2B5EF4-FFF2-40B4-BE49-F238E27FC236}">
-                <a16:creationId xmlns="" xmlns:a16="http://schemas.microsoft.com/office/drawing/2014/main" id="{A6EC83EE-B38E-BD88-D6E5-E6469A1FCFB5}"/>
+                <a16:creationId xmlns:a16="http://schemas.microsoft.com/office/drawing/2014/main" xmlns="" id="{A6EC83EE-B38E-BD88-D6E5-E6469A1FCFB5}"/>
               </a:ext>
             </a:extLst>
           </p:cNvPr>
@@ -22497,7 +22500,7 @@
             <p:cNvPr id="5" name="Object 52">
               <a:extLst>
                 <a:ext uri="{FF2B5EF4-FFF2-40B4-BE49-F238E27FC236}">
-                  <a16:creationId xmlns="" xmlns:a16="http://schemas.microsoft.com/office/drawing/2014/main" id="{12C7D9B2-4DE6-7F28-E836-E6130A8E47CE}"/>
+                  <a16:creationId xmlns:a16="http://schemas.microsoft.com/office/drawing/2014/main" xmlns="" id="{12C7D9B2-4DE6-7F28-E836-E6130A8E47CE}"/>
                 </a:ext>
               </a:extLst>
             </p:cNvPr>
@@ -22528,7 +22531,7 @@
           <p:cNvPr id="12" name="TextBox 11">
             <a:extLst>
               <a:ext uri="{FF2B5EF4-FFF2-40B4-BE49-F238E27FC236}">
-                <a16:creationId xmlns="" xmlns:a16="http://schemas.microsoft.com/office/drawing/2014/main" id="{E3D1A648-F768-D88F-9BDC-800777C00475}"/>
+                <a16:creationId xmlns:a16="http://schemas.microsoft.com/office/drawing/2014/main" xmlns="" id="{E3D1A648-F768-D88F-9BDC-800777C00475}"/>
               </a:ext>
             </a:extLst>
           </p:cNvPr>
@@ -22569,7 +22572,7 @@
           <p:cNvPr id="15" name="TextBox 14">
             <a:extLst>
               <a:ext uri="{FF2B5EF4-FFF2-40B4-BE49-F238E27FC236}">
-                <a16:creationId xmlns="" xmlns:a16="http://schemas.microsoft.com/office/drawing/2014/main" id="{45671C37-D8CC-8AA7-55CC-CFAF5C57DD9E}"/>
+                <a16:creationId xmlns:a16="http://schemas.microsoft.com/office/drawing/2014/main" xmlns="" id="{45671C37-D8CC-8AA7-55CC-CFAF5C57DD9E}"/>
               </a:ext>
             </a:extLst>
           </p:cNvPr>
@@ -22617,7 +22620,7 @@
           <p:cNvPr id="19" name="직선 화살표 연결선 18">
             <a:extLst>
               <a:ext uri="{FF2B5EF4-FFF2-40B4-BE49-F238E27FC236}">
-                <a16:creationId xmlns="" xmlns:a16="http://schemas.microsoft.com/office/drawing/2014/main" id="{ABDBE690-EF16-4512-EF8E-EEB7AF73FB00}"/>
+                <a16:creationId xmlns:a16="http://schemas.microsoft.com/office/drawing/2014/main" xmlns="" id="{ABDBE690-EF16-4512-EF8E-EEB7AF73FB00}"/>
               </a:ext>
             </a:extLst>
           </p:cNvPr>
@@ -22658,7 +22661,7 @@
           <p:cNvPr id="20" name="그룹 1021">
             <a:extLst>
               <a:ext uri="{FF2B5EF4-FFF2-40B4-BE49-F238E27FC236}">
-                <a16:creationId xmlns="" xmlns:a16="http://schemas.microsoft.com/office/drawing/2014/main" id="{B8A7F102-36B0-F3D8-ADF6-48353B9AC0F8}"/>
+                <a16:creationId xmlns:a16="http://schemas.microsoft.com/office/drawing/2014/main" xmlns="" id="{B8A7F102-36B0-F3D8-ADF6-48353B9AC0F8}"/>
               </a:ext>
             </a:extLst>
           </p:cNvPr>
@@ -22678,7 +22681,7 @@
             <p:cNvPr id="21" name="Object 71">
               <a:extLst>
                 <a:ext uri="{FF2B5EF4-FFF2-40B4-BE49-F238E27FC236}">
-                  <a16:creationId xmlns="" xmlns:a16="http://schemas.microsoft.com/office/drawing/2014/main" id="{F7033BE2-7AFE-2641-5912-1808E37E08C5}"/>
+                  <a16:creationId xmlns:a16="http://schemas.microsoft.com/office/drawing/2014/main" xmlns="" id="{F7033BE2-7AFE-2641-5912-1808E37E08C5}"/>
                 </a:ext>
               </a:extLst>
             </p:cNvPr>
@@ -22709,7 +22712,7 @@
           <p:cNvPr id="22" name="TextBox 21">
             <a:extLst>
               <a:ext uri="{FF2B5EF4-FFF2-40B4-BE49-F238E27FC236}">
-                <a16:creationId xmlns="" xmlns:a16="http://schemas.microsoft.com/office/drawing/2014/main" id="{DF9F6847-7C78-C6D2-049D-42DA77BAA52E}"/>
+                <a16:creationId xmlns:a16="http://schemas.microsoft.com/office/drawing/2014/main" xmlns="" id="{DF9F6847-7C78-C6D2-049D-42DA77BAA52E}"/>
               </a:ext>
             </a:extLst>
           </p:cNvPr>
@@ -22757,7 +22760,7 @@
           <p:cNvPr id="23" name="TextBox 22">
             <a:extLst>
               <a:ext uri="{FF2B5EF4-FFF2-40B4-BE49-F238E27FC236}">
-                <a16:creationId xmlns="" xmlns:a16="http://schemas.microsoft.com/office/drawing/2014/main" id="{C28A5C5F-AF6B-467C-B631-B62EA94C6037}"/>
+                <a16:creationId xmlns:a16="http://schemas.microsoft.com/office/drawing/2014/main" xmlns="" id="{C28A5C5F-AF6B-467C-B631-B62EA94C6037}"/>
               </a:ext>
             </a:extLst>
           </p:cNvPr>
@@ -22835,7 +22838,7 @@
           <p:cNvPr id="3" name="그림 2">
             <a:extLst>
               <a:ext uri="{FF2B5EF4-FFF2-40B4-BE49-F238E27FC236}">
-                <a16:creationId xmlns="" xmlns:a16="http://schemas.microsoft.com/office/drawing/2014/main" id="{142DFEAD-13E2-B4E9-3B1F-312D9363FD2E}"/>
+                <a16:creationId xmlns:a16="http://schemas.microsoft.com/office/drawing/2014/main" xmlns="" id="{142DFEAD-13E2-B4E9-3B1F-312D9363FD2E}"/>
               </a:ext>
             </a:extLst>
           </p:cNvPr>
@@ -22865,7 +22868,7 @@
           <p:cNvPr id="8" name="그림 7">
             <a:extLst>
               <a:ext uri="{FF2B5EF4-FFF2-40B4-BE49-F238E27FC236}">
-                <a16:creationId xmlns="" xmlns:a16="http://schemas.microsoft.com/office/drawing/2014/main" id="{F329399D-53C1-3DDD-1C07-E2E98E0403A5}"/>
+                <a16:creationId xmlns:a16="http://schemas.microsoft.com/office/drawing/2014/main" xmlns="" id="{F329399D-53C1-3DDD-1C07-E2E98E0403A5}"/>
               </a:ext>
             </a:extLst>
           </p:cNvPr>
@@ -22895,7 +22898,7 @@
           <p:cNvPr id="11" name="그림 10">
             <a:extLst>
               <a:ext uri="{FF2B5EF4-FFF2-40B4-BE49-F238E27FC236}">
-                <a16:creationId xmlns="" xmlns:a16="http://schemas.microsoft.com/office/drawing/2014/main" id="{E3AC84B4-1D4D-AF48-1791-C0685053FF64}"/>
+                <a16:creationId xmlns:a16="http://schemas.microsoft.com/office/drawing/2014/main" xmlns="" id="{E3AC84B4-1D4D-AF48-1791-C0685053FF64}"/>
               </a:ext>
             </a:extLst>
           </p:cNvPr>
@@ -22925,7 +22928,7 @@
           <p:cNvPr id="13" name="그림 12">
             <a:extLst>
               <a:ext uri="{FF2B5EF4-FFF2-40B4-BE49-F238E27FC236}">
-                <a16:creationId xmlns="" xmlns:a16="http://schemas.microsoft.com/office/drawing/2014/main" id="{C5907070-679F-F2EF-E9FB-1DD978D0DCCB}"/>
+                <a16:creationId xmlns:a16="http://schemas.microsoft.com/office/drawing/2014/main" xmlns="" id="{C5907070-679F-F2EF-E9FB-1DD978D0DCCB}"/>
               </a:ext>
             </a:extLst>
           </p:cNvPr>
@@ -23060,7 +23063,7 @@
           <p:cNvPr id="3" name="그림 2">
             <a:extLst>
               <a:ext uri="{FF2B5EF4-FFF2-40B4-BE49-F238E27FC236}">
-                <a16:creationId xmlns="" xmlns:a16="http://schemas.microsoft.com/office/drawing/2014/main" id="{AE004337-05C0-D1B4-2333-607485CC0238}"/>
+                <a16:creationId xmlns:a16="http://schemas.microsoft.com/office/drawing/2014/main" xmlns="" id="{AE004337-05C0-D1B4-2333-607485CC0238}"/>
               </a:ext>
             </a:extLst>
           </p:cNvPr>
@@ -23090,7 +23093,7 @@
           <p:cNvPr id="7" name="그림 6">
             <a:extLst>
               <a:ext uri="{FF2B5EF4-FFF2-40B4-BE49-F238E27FC236}">
-                <a16:creationId xmlns="" xmlns:a16="http://schemas.microsoft.com/office/drawing/2014/main" id="{4BB1A179-B5CD-9988-4964-806A658C0FD5}"/>
+                <a16:creationId xmlns:a16="http://schemas.microsoft.com/office/drawing/2014/main" xmlns="" id="{4BB1A179-B5CD-9988-4964-806A658C0FD5}"/>
               </a:ext>
             </a:extLst>
           </p:cNvPr>
@@ -23150,7 +23153,7 @@
           <p:cNvPr id="3" name="그림 2">
             <a:extLst>
               <a:ext uri="{FF2B5EF4-FFF2-40B4-BE49-F238E27FC236}">
-                <a16:creationId xmlns="" xmlns:a16="http://schemas.microsoft.com/office/drawing/2014/main" id="{8A29B3FD-D2F5-7196-3A99-544288E955D3}"/>
+                <a16:creationId xmlns:a16="http://schemas.microsoft.com/office/drawing/2014/main" xmlns="" id="{8A29B3FD-D2F5-7196-3A99-544288E955D3}"/>
               </a:ext>
             </a:extLst>
           </p:cNvPr>
@@ -23203,7 +23206,7 @@
                 <a:gridCol w="2184296">
                   <a:extLst>
                     <a:ext uri="{9D8B030D-6E8A-4147-A177-3AD203B41FA5}">
-                      <a16:colId xmlns="" xmlns:a16="http://schemas.microsoft.com/office/drawing/2014/main" val="20000"/>
+                      <a16:colId xmlns:a16="http://schemas.microsoft.com/office/drawing/2014/main" xmlns="" val="20000"/>
                     </a:ext>
                   </a:extLst>
                 </a:gridCol>
@@ -23276,7 +23279,7 @@
                 </a:tc>
                 <a:extLst>
                   <a:ext uri="{0D108BD9-81ED-4DB2-BD59-A6C34878D82A}">
-                    <a16:rowId xmlns="" xmlns:a16="http://schemas.microsoft.com/office/drawing/2014/main" val="10000"/>
+                    <a16:rowId xmlns:a16="http://schemas.microsoft.com/office/drawing/2014/main" xmlns="" val="10000"/>
                   </a:ext>
                 </a:extLst>
               </a:tr>
@@ -23361,7 +23364,7 @@
                 </a:tc>
                 <a:extLst>
                   <a:ext uri="{0D108BD9-81ED-4DB2-BD59-A6C34878D82A}">
-                    <a16:rowId xmlns="" xmlns:a16="http://schemas.microsoft.com/office/drawing/2014/main" val="10001"/>
+                    <a16:rowId xmlns:a16="http://schemas.microsoft.com/office/drawing/2014/main" xmlns="" val="10001"/>
                   </a:ext>
                 </a:extLst>
               </a:tr>
@@ -23397,7 +23400,7 @@
                 <a:gridCol w="1731833">
                   <a:extLst>
                     <a:ext uri="{9D8B030D-6E8A-4147-A177-3AD203B41FA5}">
-                      <a16:colId xmlns="" xmlns:a16="http://schemas.microsoft.com/office/drawing/2014/main" val="20000"/>
+                      <a16:colId xmlns:a16="http://schemas.microsoft.com/office/drawing/2014/main" xmlns="" val="20000"/>
                     </a:ext>
                   </a:extLst>
                 </a:gridCol>
@@ -23470,7 +23473,7 @@
                 </a:tc>
                 <a:extLst>
                   <a:ext uri="{0D108BD9-81ED-4DB2-BD59-A6C34878D82A}">
-                    <a16:rowId xmlns="" xmlns:a16="http://schemas.microsoft.com/office/drawing/2014/main" val="10000"/>
+                    <a16:rowId xmlns:a16="http://schemas.microsoft.com/office/drawing/2014/main" xmlns="" val="10000"/>
                   </a:ext>
                 </a:extLst>
               </a:tr>
@@ -23546,7 +23549,7 @@
                 </a:tc>
                 <a:extLst>
                   <a:ext uri="{0D108BD9-81ED-4DB2-BD59-A6C34878D82A}">
-                    <a16:rowId xmlns="" xmlns:a16="http://schemas.microsoft.com/office/drawing/2014/main" val="10001"/>
+                    <a16:rowId xmlns:a16="http://schemas.microsoft.com/office/drawing/2014/main" xmlns="" val="10001"/>
                   </a:ext>
                 </a:extLst>
               </a:tr>
@@ -23559,7 +23562,7 @@
           <p:cNvPr id="12" name="직선 화살표 연결선 11">
             <a:extLst>
               <a:ext uri="{FF2B5EF4-FFF2-40B4-BE49-F238E27FC236}">
-                <a16:creationId xmlns="" xmlns:a16="http://schemas.microsoft.com/office/drawing/2014/main" id="{299DF5EC-9DF4-5255-06AC-0A7CE4FF58C3}"/>
+                <a16:creationId xmlns:a16="http://schemas.microsoft.com/office/drawing/2014/main" xmlns="" id="{299DF5EC-9DF4-5255-06AC-0A7CE4FF58C3}"/>
               </a:ext>
             </a:extLst>
           </p:cNvPr>
@@ -23600,7 +23603,7 @@
           <p:cNvPr id="14" name="직선 화살표 연결선 13">
             <a:extLst>
               <a:ext uri="{FF2B5EF4-FFF2-40B4-BE49-F238E27FC236}">
-                <a16:creationId xmlns="" xmlns:a16="http://schemas.microsoft.com/office/drawing/2014/main" id="{299DF5EC-9DF4-5255-06AC-0A7CE4FF58C3}"/>
+                <a16:creationId xmlns:a16="http://schemas.microsoft.com/office/drawing/2014/main" xmlns="" id="{299DF5EC-9DF4-5255-06AC-0A7CE4FF58C3}"/>
               </a:ext>
             </a:extLst>
           </p:cNvPr>
@@ -23641,7 +23644,7 @@
           <p:cNvPr id="17" name="그림 16">
             <a:extLst>
               <a:ext uri="{FF2B5EF4-FFF2-40B4-BE49-F238E27FC236}">
-                <a16:creationId xmlns="" xmlns:a16="http://schemas.microsoft.com/office/drawing/2014/main" id="{A0D54C75-06DF-34FA-8EDF-E83767E9D5ED}"/>
+                <a16:creationId xmlns:a16="http://schemas.microsoft.com/office/drawing/2014/main" xmlns="" id="{A0D54C75-06DF-34FA-8EDF-E83767E9D5ED}"/>
               </a:ext>
             </a:extLst>
           </p:cNvPr>
@@ -23671,7 +23674,7 @@
           <p:cNvPr id="18" name="TextBox 17">
             <a:extLst>
               <a:ext uri="{FF2B5EF4-FFF2-40B4-BE49-F238E27FC236}">
-                <a16:creationId xmlns="" xmlns:a16="http://schemas.microsoft.com/office/drawing/2014/main" id="{71B05053-8289-1F9F-8B7E-B347B93D526D}"/>
+                <a16:creationId xmlns:a16="http://schemas.microsoft.com/office/drawing/2014/main" xmlns="" id="{71B05053-8289-1F9F-8B7E-B347B93D526D}"/>
               </a:ext>
             </a:extLst>
           </p:cNvPr>
@@ -23945,7 +23948,7 @@
           <p:cNvPr id="5" name="그림 4">
             <a:extLst>
               <a:ext uri="{FF2B5EF4-FFF2-40B4-BE49-F238E27FC236}">
-                <a16:creationId xmlns="" xmlns:a16="http://schemas.microsoft.com/office/drawing/2014/main" id="{1BC0A0A6-270E-9BF6-A923-93B7FC26DDC7}"/>
+                <a16:creationId xmlns:a16="http://schemas.microsoft.com/office/drawing/2014/main" xmlns="" id="{1BC0A0A6-270E-9BF6-A923-93B7FC26DDC7}"/>
               </a:ext>
             </a:extLst>
           </p:cNvPr>
@@ -23975,7 +23978,7 @@
           <p:cNvPr id="7" name="그림 6">
             <a:extLst>
               <a:ext uri="{FF2B5EF4-FFF2-40B4-BE49-F238E27FC236}">
-                <a16:creationId xmlns="" xmlns:a16="http://schemas.microsoft.com/office/drawing/2014/main" id="{B4E80C2C-4702-3558-575F-A926C2739F63}"/>
+                <a16:creationId xmlns:a16="http://schemas.microsoft.com/office/drawing/2014/main" xmlns="" id="{B4E80C2C-4702-3558-575F-A926C2739F63}"/>
               </a:ext>
             </a:extLst>
           </p:cNvPr>
@@ -24005,7 +24008,7 @@
           <p:cNvPr id="8" name="직사각형 7">
             <a:extLst>
               <a:ext uri="{FF2B5EF4-FFF2-40B4-BE49-F238E27FC236}">
-                <a16:creationId xmlns="" xmlns:a16="http://schemas.microsoft.com/office/drawing/2014/main" id="{DB76431B-D934-06E0-D1E3-0E075F075268}"/>
+                <a16:creationId xmlns:a16="http://schemas.microsoft.com/office/drawing/2014/main" xmlns="" id="{DB76431B-D934-06E0-D1E3-0E075F075268}"/>
               </a:ext>
             </a:extLst>
           </p:cNvPr>
@@ -24057,7 +24060,7 @@
           <p:cNvPr id="9" name="직사각형 8">
             <a:extLst>
               <a:ext uri="{FF2B5EF4-FFF2-40B4-BE49-F238E27FC236}">
-                <a16:creationId xmlns="" xmlns:a16="http://schemas.microsoft.com/office/drawing/2014/main" id="{3141AE14-5BBD-D158-4A4F-5453EBE64075}"/>
+                <a16:creationId xmlns:a16="http://schemas.microsoft.com/office/drawing/2014/main" xmlns="" id="{3141AE14-5BBD-D158-4A4F-5453EBE64075}"/>
               </a:ext>
             </a:extLst>
           </p:cNvPr>
@@ -24139,7 +24142,7 @@
           <p:cNvPr id="4" name="TextBox 3">
             <a:extLst>
               <a:ext uri="{FF2B5EF4-FFF2-40B4-BE49-F238E27FC236}">
-                <a16:creationId xmlns="" xmlns:a16="http://schemas.microsoft.com/office/drawing/2014/main" id="{C507CFDB-7090-5342-8B89-7D3B03CC968B}"/>
+                <a16:creationId xmlns:a16="http://schemas.microsoft.com/office/drawing/2014/main" xmlns="" id="{C507CFDB-7090-5342-8B89-7D3B03CC968B}"/>
               </a:ext>
             </a:extLst>
           </p:cNvPr>
@@ -24359,7 +24362,7 @@
           <p:cNvPr id="2" name="TextBox 1">
             <a:extLst>
               <a:ext uri="{FF2B5EF4-FFF2-40B4-BE49-F238E27FC236}">
-                <a16:creationId xmlns="" xmlns:a16="http://schemas.microsoft.com/office/drawing/2014/main" id="{A4FEDEF3-5CEF-1DEF-7041-9792E36A7114}"/>
+                <a16:creationId xmlns:a16="http://schemas.microsoft.com/office/drawing/2014/main" xmlns="" id="{A4FEDEF3-5CEF-1DEF-7041-9792E36A7114}"/>
               </a:ext>
             </a:extLst>
           </p:cNvPr>
@@ -24417,7 +24420,7 @@
           <p:cNvPr id="5" name="그림 4">
             <a:extLst>
               <a:ext uri="{FF2B5EF4-FFF2-40B4-BE49-F238E27FC236}">
-                <a16:creationId xmlns="" xmlns:a16="http://schemas.microsoft.com/office/drawing/2014/main" id="{0DB5ED3D-70F2-F74D-2694-0DBB2A7FC2F0}"/>
+                <a16:creationId xmlns:a16="http://schemas.microsoft.com/office/drawing/2014/main" xmlns="" id="{0DB5ED3D-70F2-F74D-2694-0DBB2A7FC2F0}"/>
               </a:ext>
             </a:extLst>
           </p:cNvPr>
@@ -24447,7 +24450,7 @@
           <p:cNvPr id="7" name="직선 화살표 연결선 6">
             <a:extLst>
               <a:ext uri="{FF2B5EF4-FFF2-40B4-BE49-F238E27FC236}">
-                <a16:creationId xmlns="" xmlns:a16="http://schemas.microsoft.com/office/drawing/2014/main" id="{E8F4DE9D-0B12-2DA2-E00B-4E8AC44548B6}"/>
+                <a16:creationId xmlns:a16="http://schemas.microsoft.com/office/drawing/2014/main" xmlns="" id="{E8F4DE9D-0B12-2DA2-E00B-4E8AC44548B6}"/>
               </a:ext>
             </a:extLst>
           </p:cNvPr>
@@ -24488,7 +24491,7 @@
           <p:cNvPr id="10" name="직사각형 9">
             <a:extLst>
               <a:ext uri="{FF2B5EF4-FFF2-40B4-BE49-F238E27FC236}">
-                <a16:creationId xmlns="" xmlns:a16="http://schemas.microsoft.com/office/drawing/2014/main" id="{FC9770A1-BF0A-20F1-C0FB-CC68E1B4BF72}"/>
+                <a16:creationId xmlns:a16="http://schemas.microsoft.com/office/drawing/2014/main" xmlns="" id="{FC9770A1-BF0A-20F1-C0FB-CC68E1B4BF72}"/>
               </a:ext>
             </a:extLst>
           </p:cNvPr>
@@ -24540,7 +24543,7 @@
           <p:cNvPr id="11" name="TextBox 10">
             <a:extLst>
               <a:ext uri="{FF2B5EF4-FFF2-40B4-BE49-F238E27FC236}">
-                <a16:creationId xmlns="" xmlns:a16="http://schemas.microsoft.com/office/drawing/2014/main" id="{DC6B2D5D-08A1-E2A7-6615-3A23064A4AC6}"/>
+                <a16:creationId xmlns:a16="http://schemas.microsoft.com/office/drawing/2014/main" xmlns="" id="{DC6B2D5D-08A1-E2A7-6615-3A23064A4AC6}"/>
               </a:ext>
             </a:extLst>
           </p:cNvPr>
@@ -24588,7 +24591,7 @@
           <p:cNvPr id="8" name="그림 7">
             <a:extLst>
               <a:ext uri="{FF2B5EF4-FFF2-40B4-BE49-F238E27FC236}">
-                <a16:creationId xmlns="" xmlns:a16="http://schemas.microsoft.com/office/drawing/2014/main" id="{AE004337-05C0-D1B4-2333-607485CC0238}"/>
+                <a16:creationId xmlns:a16="http://schemas.microsoft.com/office/drawing/2014/main" xmlns="" id="{AE004337-05C0-D1B4-2333-607485CC0238}"/>
               </a:ext>
             </a:extLst>
           </p:cNvPr>
@@ -24727,7 +24730,7 @@
           <p:cNvPr id="6" name="직사각형 5">
             <a:extLst>
               <a:ext uri="{FF2B5EF4-FFF2-40B4-BE49-F238E27FC236}">
-                <a16:creationId xmlns="" xmlns:a16="http://schemas.microsoft.com/office/drawing/2014/main" id="{FFF506F9-840A-0508-4CAF-3AC711D8D5CE}"/>
+                <a16:creationId xmlns:a16="http://schemas.microsoft.com/office/drawing/2014/main" xmlns="" id="{FFF506F9-840A-0508-4CAF-3AC711D8D5CE}"/>
               </a:ext>
             </a:extLst>
           </p:cNvPr>
@@ -24816,7 +24819,7 @@
           <p:cNvPr id="4" name="그룹 1015">
             <a:extLst>
               <a:ext uri="{FF2B5EF4-FFF2-40B4-BE49-F238E27FC236}">
-                <a16:creationId xmlns="" xmlns:a16="http://schemas.microsoft.com/office/drawing/2014/main" id="{76F5E01D-ECD6-A51D-DC2B-05DA1EBF93C7}"/>
+                <a16:creationId xmlns:a16="http://schemas.microsoft.com/office/drawing/2014/main" xmlns="" id="{76F5E01D-ECD6-A51D-DC2B-05DA1EBF93C7}"/>
               </a:ext>
             </a:extLst>
           </p:cNvPr>
@@ -24836,7 +24839,7 @@
             <p:cNvPr id="5" name="Object 52">
               <a:extLst>
                 <a:ext uri="{FF2B5EF4-FFF2-40B4-BE49-F238E27FC236}">
-                  <a16:creationId xmlns="" xmlns:a16="http://schemas.microsoft.com/office/drawing/2014/main" id="{D83975B3-46BC-7686-ECA1-1D7ECFA74A69}"/>
+                  <a16:creationId xmlns:a16="http://schemas.microsoft.com/office/drawing/2014/main" xmlns="" id="{D83975B3-46BC-7686-ECA1-1D7ECFA74A69}"/>
                 </a:ext>
               </a:extLst>
             </p:cNvPr>
@@ -24867,7 +24870,7 @@
           <p:cNvPr id="6" name="그룹 1018">
             <a:extLst>
               <a:ext uri="{FF2B5EF4-FFF2-40B4-BE49-F238E27FC236}">
-                <a16:creationId xmlns="" xmlns:a16="http://schemas.microsoft.com/office/drawing/2014/main" id="{008489BA-FEFA-DE7D-B3CD-53A358B82592}"/>
+                <a16:creationId xmlns:a16="http://schemas.microsoft.com/office/drawing/2014/main" xmlns="" id="{008489BA-FEFA-DE7D-B3CD-53A358B82592}"/>
               </a:ext>
             </a:extLst>
           </p:cNvPr>
@@ -24887,7 +24890,7 @@
             <p:cNvPr id="7" name="Object 61">
               <a:extLst>
                 <a:ext uri="{FF2B5EF4-FFF2-40B4-BE49-F238E27FC236}">
-                  <a16:creationId xmlns="" xmlns:a16="http://schemas.microsoft.com/office/drawing/2014/main" id="{9ED25BE3-45BE-AC6D-D835-4457854D2832}"/>
+                  <a16:creationId xmlns:a16="http://schemas.microsoft.com/office/drawing/2014/main" xmlns="" id="{9ED25BE3-45BE-AC6D-D835-4457854D2832}"/>
                 </a:ext>
               </a:extLst>
             </p:cNvPr>
@@ -24918,7 +24921,7 @@
           <p:cNvPr id="8" name="그룹 1021">
             <a:extLst>
               <a:ext uri="{FF2B5EF4-FFF2-40B4-BE49-F238E27FC236}">
-                <a16:creationId xmlns="" xmlns:a16="http://schemas.microsoft.com/office/drawing/2014/main" id="{7FE0C0A1-ABE4-F0EA-AFC1-4622C45C99E7}"/>
+                <a16:creationId xmlns:a16="http://schemas.microsoft.com/office/drawing/2014/main" xmlns="" id="{7FE0C0A1-ABE4-F0EA-AFC1-4622C45C99E7}"/>
               </a:ext>
             </a:extLst>
           </p:cNvPr>
@@ -24938,7 +24941,7 @@
             <p:cNvPr id="9" name="Object 71">
               <a:extLst>
                 <a:ext uri="{FF2B5EF4-FFF2-40B4-BE49-F238E27FC236}">
-                  <a16:creationId xmlns="" xmlns:a16="http://schemas.microsoft.com/office/drawing/2014/main" id="{CDBB7D83-509F-9F4C-0C3E-DBA2562E5520}"/>
+                  <a16:creationId xmlns:a16="http://schemas.microsoft.com/office/drawing/2014/main" xmlns="" id="{CDBB7D83-509F-9F4C-0C3E-DBA2562E5520}"/>
                 </a:ext>
               </a:extLst>
             </p:cNvPr>
@@ -24969,7 +24972,7 @@
           <p:cNvPr id="10" name="그룹 1024">
             <a:extLst>
               <a:ext uri="{FF2B5EF4-FFF2-40B4-BE49-F238E27FC236}">
-                <a16:creationId xmlns="" xmlns:a16="http://schemas.microsoft.com/office/drawing/2014/main" id="{8EB1611F-852C-9617-AEEB-CFA38FFF8001}"/>
+                <a16:creationId xmlns:a16="http://schemas.microsoft.com/office/drawing/2014/main" xmlns="" id="{8EB1611F-852C-9617-AEEB-CFA38FFF8001}"/>
               </a:ext>
             </a:extLst>
           </p:cNvPr>
@@ -24989,7 +24992,7 @@
             <p:cNvPr id="11" name="Object 81">
               <a:extLst>
                 <a:ext uri="{FF2B5EF4-FFF2-40B4-BE49-F238E27FC236}">
-                  <a16:creationId xmlns="" xmlns:a16="http://schemas.microsoft.com/office/drawing/2014/main" id="{08657582-A0DF-A5DC-A662-189C639920C8}"/>
+                  <a16:creationId xmlns:a16="http://schemas.microsoft.com/office/drawing/2014/main" xmlns="" id="{08657582-A0DF-A5DC-A662-189C639920C8}"/>
                 </a:ext>
               </a:extLst>
             </p:cNvPr>
@@ -25020,7 +25023,7 @@
           <p:cNvPr id="12" name="TextBox 11">
             <a:extLst>
               <a:ext uri="{FF2B5EF4-FFF2-40B4-BE49-F238E27FC236}">
-                <a16:creationId xmlns="" xmlns:a16="http://schemas.microsoft.com/office/drawing/2014/main" id="{FC41B7B2-904B-813A-22B8-239E383F4360}"/>
+                <a16:creationId xmlns:a16="http://schemas.microsoft.com/office/drawing/2014/main" xmlns="" id="{FC41B7B2-904B-813A-22B8-239E383F4360}"/>
               </a:ext>
             </a:extLst>
           </p:cNvPr>
@@ -25068,7 +25071,7 @@
           <p:cNvPr id="13" name="TextBox 12">
             <a:extLst>
               <a:ext uri="{FF2B5EF4-FFF2-40B4-BE49-F238E27FC236}">
-                <a16:creationId xmlns="" xmlns:a16="http://schemas.microsoft.com/office/drawing/2014/main" id="{F68B80B8-3419-5C31-B2F2-084E536A2C1C}"/>
+                <a16:creationId xmlns:a16="http://schemas.microsoft.com/office/drawing/2014/main" xmlns="" id="{F68B80B8-3419-5C31-B2F2-084E536A2C1C}"/>
               </a:ext>
             </a:extLst>
           </p:cNvPr>
@@ -25116,7 +25119,7 @@
           <p:cNvPr id="14" name="TextBox 13">
             <a:extLst>
               <a:ext uri="{FF2B5EF4-FFF2-40B4-BE49-F238E27FC236}">
-                <a16:creationId xmlns="" xmlns:a16="http://schemas.microsoft.com/office/drawing/2014/main" id="{CB471B39-052C-65D2-3069-C74FA7421876}"/>
+                <a16:creationId xmlns:a16="http://schemas.microsoft.com/office/drawing/2014/main" xmlns="" id="{CB471B39-052C-65D2-3069-C74FA7421876}"/>
               </a:ext>
             </a:extLst>
           </p:cNvPr>
@@ -25164,7 +25167,7 @@
           <p:cNvPr id="15" name="TextBox 14">
             <a:extLst>
               <a:ext uri="{FF2B5EF4-FFF2-40B4-BE49-F238E27FC236}">
-                <a16:creationId xmlns="" xmlns:a16="http://schemas.microsoft.com/office/drawing/2014/main" id="{4A7E270B-9322-EABD-3A34-4D211B23AD38}"/>
+                <a16:creationId xmlns:a16="http://schemas.microsoft.com/office/drawing/2014/main" xmlns="" id="{4A7E270B-9322-EABD-3A34-4D211B23AD38}"/>
               </a:ext>
             </a:extLst>
           </p:cNvPr>
@@ -25212,7 +25215,7 @@
           <p:cNvPr id="16" name="직선 화살표 연결선 15">
             <a:extLst>
               <a:ext uri="{FF2B5EF4-FFF2-40B4-BE49-F238E27FC236}">
-                <a16:creationId xmlns="" xmlns:a16="http://schemas.microsoft.com/office/drawing/2014/main" id="{174A1CAB-41DB-CBE5-A53E-D1E78982E7D5}"/>
+                <a16:creationId xmlns:a16="http://schemas.microsoft.com/office/drawing/2014/main" xmlns="" id="{174A1CAB-41DB-CBE5-A53E-D1E78982E7D5}"/>
               </a:ext>
             </a:extLst>
           </p:cNvPr>
@@ -25254,7 +25257,7 @@
           <p:cNvPr id="17" name="직선 화살표 연결선 16">
             <a:extLst>
               <a:ext uri="{FF2B5EF4-FFF2-40B4-BE49-F238E27FC236}">
-                <a16:creationId xmlns="" xmlns:a16="http://schemas.microsoft.com/office/drawing/2014/main" id="{404BE807-8974-325D-28CE-80CBD5A23FD9}"/>
+                <a16:creationId xmlns:a16="http://schemas.microsoft.com/office/drawing/2014/main" xmlns="" id="{404BE807-8974-325D-28CE-80CBD5A23FD9}"/>
               </a:ext>
             </a:extLst>
           </p:cNvPr>
@@ -25295,7 +25298,7 @@
           <p:cNvPr id="18" name="직선 화살표 연결선 17">
             <a:extLst>
               <a:ext uri="{FF2B5EF4-FFF2-40B4-BE49-F238E27FC236}">
-                <a16:creationId xmlns="" xmlns:a16="http://schemas.microsoft.com/office/drawing/2014/main" id="{8238D4B2-69F6-F17A-0286-66A8FB197956}"/>
+                <a16:creationId xmlns:a16="http://schemas.microsoft.com/office/drawing/2014/main" xmlns="" id="{8238D4B2-69F6-F17A-0286-66A8FB197956}"/>
               </a:ext>
             </a:extLst>
           </p:cNvPr>
@@ -25438,14 +25441,14 @@
                 <a:gridCol w="2537224">
                   <a:extLst>
                     <a:ext uri="{9D8B030D-6E8A-4147-A177-3AD203B41FA5}">
-                      <a16:colId xmlns="" xmlns:a16="http://schemas.microsoft.com/office/drawing/2014/main" val="20000"/>
+                      <a16:colId xmlns:a16="http://schemas.microsoft.com/office/drawing/2014/main" xmlns="" val="20000"/>
                     </a:ext>
                   </a:extLst>
                 </a:gridCol>
                 <a:gridCol w="2568176">
                   <a:extLst>
                     <a:ext uri="{9D8B030D-6E8A-4147-A177-3AD203B41FA5}">
-                      <a16:colId xmlns="" xmlns:a16="http://schemas.microsoft.com/office/drawing/2014/main" val="20001"/>
+                      <a16:colId xmlns:a16="http://schemas.microsoft.com/office/drawing/2014/main" xmlns="" val="20001"/>
                     </a:ext>
                   </a:extLst>
                 </a:gridCol>
@@ -25574,7 +25577,7 @@
                 </a:tc>
                 <a:extLst>
                   <a:ext uri="{0D108BD9-81ED-4DB2-BD59-A6C34878D82A}">
-                    <a16:rowId xmlns="" xmlns:a16="http://schemas.microsoft.com/office/drawing/2014/main" val="10000"/>
+                    <a16:rowId xmlns:a16="http://schemas.microsoft.com/office/drawing/2014/main" xmlns="" val="10000"/>
                   </a:ext>
                 </a:extLst>
               </a:tr>
@@ -25727,7 +25730,7 @@
                 </a:tc>
                 <a:extLst>
                   <a:ext uri="{0D108BD9-81ED-4DB2-BD59-A6C34878D82A}">
-                    <a16:rowId xmlns="" xmlns:a16="http://schemas.microsoft.com/office/drawing/2014/main" val="10001"/>
+                    <a16:rowId xmlns:a16="http://schemas.microsoft.com/office/drawing/2014/main" xmlns="" val="10001"/>
                   </a:ext>
                 </a:extLst>
               </a:tr>
@@ -25848,7 +25851,7 @@
                 </a:tc>
                 <a:extLst>
                   <a:ext uri="{0D108BD9-81ED-4DB2-BD59-A6C34878D82A}">
-                    <a16:rowId xmlns="" xmlns:a16="http://schemas.microsoft.com/office/drawing/2014/main" val="10002"/>
+                    <a16:rowId xmlns:a16="http://schemas.microsoft.com/office/drawing/2014/main" xmlns="" val="10002"/>
                   </a:ext>
                 </a:extLst>
               </a:tr>
@@ -25861,7 +25864,7 @@
           <p:cNvPr id="2" name="표 1">
             <a:extLst>
               <a:ext uri="{FF2B5EF4-FFF2-40B4-BE49-F238E27FC236}">
-                <a16:creationId xmlns="" xmlns:a16="http://schemas.microsoft.com/office/drawing/2014/main" id="{997BE140-4E76-8C74-849E-0234D3CEC4C7}"/>
+                <a16:creationId xmlns:a16="http://schemas.microsoft.com/office/drawing/2014/main" xmlns="" id="{997BE140-4E76-8C74-849E-0234D3CEC4C7}"/>
               </a:ext>
             </a:extLst>
           </p:cNvPr>
@@ -25890,7 +25893,7 @@
                 <a:gridCol w="2568176">
                   <a:extLst>
                     <a:ext uri="{9D8B030D-6E8A-4147-A177-3AD203B41FA5}">
-                      <a16:colId xmlns="" xmlns:a16="http://schemas.microsoft.com/office/drawing/2014/main" val="20001"/>
+                      <a16:colId xmlns:a16="http://schemas.microsoft.com/office/drawing/2014/main" xmlns="" val="20001"/>
                     </a:ext>
                   </a:extLst>
                 </a:gridCol>
@@ -25963,7 +25966,7 @@
                 </a:tc>
                 <a:extLst>
                   <a:ext uri="{0D108BD9-81ED-4DB2-BD59-A6C34878D82A}">
-                    <a16:rowId xmlns="" xmlns:a16="http://schemas.microsoft.com/office/drawing/2014/main" val="10000"/>
+                    <a16:rowId xmlns:a16="http://schemas.microsoft.com/office/drawing/2014/main" xmlns="" val="10000"/>
                   </a:ext>
                 </a:extLst>
               </a:tr>
@@ -26043,7 +26046,7 @@
                 </a:tc>
                 <a:extLst>
                   <a:ext uri="{0D108BD9-81ED-4DB2-BD59-A6C34878D82A}">
-                    <a16:rowId xmlns="" xmlns:a16="http://schemas.microsoft.com/office/drawing/2014/main" val="10001"/>
+                    <a16:rowId xmlns:a16="http://schemas.microsoft.com/office/drawing/2014/main" xmlns="" val="10001"/>
                   </a:ext>
                 </a:extLst>
               </a:tr>
@@ -26056,7 +26059,7 @@
           <p:cNvPr id="3" name="직선 화살표 연결선 2">
             <a:extLst>
               <a:ext uri="{FF2B5EF4-FFF2-40B4-BE49-F238E27FC236}">
-                <a16:creationId xmlns="" xmlns:a16="http://schemas.microsoft.com/office/drawing/2014/main" id="{73D6F2B2-EE0B-D6BD-4C3A-D7719A76DB6E}"/>
+                <a16:creationId xmlns:a16="http://schemas.microsoft.com/office/drawing/2014/main" xmlns="" id="{73D6F2B2-EE0B-D6BD-4C3A-D7719A76DB6E}"/>
               </a:ext>
             </a:extLst>
           </p:cNvPr>
@@ -26097,7 +26100,7 @@
           <p:cNvPr id="7" name="곱셈 기호 31">
             <a:extLst>
               <a:ext uri="{FF2B5EF4-FFF2-40B4-BE49-F238E27FC236}">
-                <a16:creationId xmlns="" xmlns:a16="http://schemas.microsoft.com/office/drawing/2014/main" id="{6BF67940-62CB-794B-EBE7-0F8173BA6D01}"/>
+                <a16:creationId xmlns:a16="http://schemas.microsoft.com/office/drawing/2014/main" xmlns="" id="{6BF67940-62CB-794B-EBE7-0F8173BA6D01}"/>
               </a:ext>
             </a:extLst>
           </p:cNvPr>
@@ -26153,7 +26156,7 @@
           <p:cNvPr id="9" name="TextBox 8">
             <a:extLst>
               <a:ext uri="{FF2B5EF4-FFF2-40B4-BE49-F238E27FC236}">
-                <a16:creationId xmlns="" xmlns:a16="http://schemas.microsoft.com/office/drawing/2014/main" id="{D64AB9AE-91FF-074E-A3DA-9241D7BF90DF}"/>
+                <a16:creationId xmlns:a16="http://schemas.microsoft.com/office/drawing/2014/main" xmlns="" id="{D64AB9AE-91FF-074E-A3DA-9241D7BF90DF}"/>
               </a:ext>
             </a:extLst>
           </p:cNvPr>
@@ -26460,7 +26463,7 @@
           <p:cNvPr id="2" name="TextBox 1">
             <a:extLst>
               <a:ext uri="{FF2B5EF4-FFF2-40B4-BE49-F238E27FC236}">
-                <a16:creationId xmlns="" xmlns:a16="http://schemas.microsoft.com/office/drawing/2014/main" id="{AF6E8CE0-4782-3A99-AD4F-3684390C1016}"/>
+                <a16:creationId xmlns:a16="http://schemas.microsoft.com/office/drawing/2014/main" xmlns="" id="{AF6E8CE0-4782-3A99-AD4F-3684390C1016}"/>
               </a:ext>
             </a:extLst>
           </p:cNvPr>
@@ -26548,7 +26551,7 @@
           <p:cNvPr id="4" name="TextBox 3">
             <a:extLst>
               <a:ext uri="{FF2B5EF4-FFF2-40B4-BE49-F238E27FC236}">
-                <a16:creationId xmlns="" xmlns:a16="http://schemas.microsoft.com/office/drawing/2014/main" id="{5ADC00B6-990A-40DC-3CEA-505258F5E8DA}"/>
+                <a16:creationId xmlns:a16="http://schemas.microsoft.com/office/drawing/2014/main" xmlns="" id="{5ADC00B6-990A-40DC-3CEA-505258F5E8DA}"/>
               </a:ext>
             </a:extLst>
           </p:cNvPr>
@@ -26697,7 +26700,7 @@
           <p:cNvPr id="6" name="직사각형 5">
             <a:extLst>
               <a:ext uri="{FF2B5EF4-FFF2-40B4-BE49-F238E27FC236}">
-                <a16:creationId xmlns="" xmlns:a16="http://schemas.microsoft.com/office/drawing/2014/main" id="{FFF506F9-840A-0508-4CAF-3AC711D8D5CE}"/>
+                <a16:creationId xmlns:a16="http://schemas.microsoft.com/office/drawing/2014/main" xmlns="" id="{FFF506F9-840A-0508-4CAF-3AC711D8D5CE}"/>
               </a:ext>
             </a:extLst>
           </p:cNvPr>
@@ -26803,7 +26806,7 @@
           <p:cNvPr id="3" name="그림 2">
             <a:extLst>
               <a:ext uri="{FF2B5EF4-FFF2-40B4-BE49-F238E27FC236}">
-                <a16:creationId xmlns="" xmlns:a16="http://schemas.microsoft.com/office/drawing/2014/main" id="{63973ADD-1310-B140-4EAA-B78003F051BC}"/>
+                <a16:creationId xmlns:a16="http://schemas.microsoft.com/office/drawing/2014/main" xmlns="" id="{63973ADD-1310-B140-4EAA-B78003F051BC}"/>
               </a:ext>
             </a:extLst>
           </p:cNvPr>
@@ -26833,7 +26836,7 @@
           <p:cNvPr id="6" name="직사각형 5">
             <a:extLst>
               <a:ext uri="{FF2B5EF4-FFF2-40B4-BE49-F238E27FC236}">
-                <a16:creationId xmlns="" xmlns:a16="http://schemas.microsoft.com/office/drawing/2014/main" id="{D4194E25-989E-0C55-B712-570C7D5091F0}"/>
+                <a16:creationId xmlns:a16="http://schemas.microsoft.com/office/drawing/2014/main" xmlns="" id="{D4194E25-989E-0C55-B712-570C7D5091F0}"/>
               </a:ext>
             </a:extLst>
           </p:cNvPr>
@@ -26885,7 +26888,7 @@
           <p:cNvPr id="8" name="그림 7">
             <a:extLst>
               <a:ext uri="{FF2B5EF4-FFF2-40B4-BE49-F238E27FC236}">
-                <a16:creationId xmlns="" xmlns:a16="http://schemas.microsoft.com/office/drawing/2014/main" id="{1F34AA6C-44C4-4AAC-1FC2-230C55141948}"/>
+                <a16:creationId xmlns:a16="http://schemas.microsoft.com/office/drawing/2014/main" xmlns="" id="{1F34AA6C-44C4-4AAC-1FC2-230C55141948}"/>
               </a:ext>
             </a:extLst>
           </p:cNvPr>
@@ -26915,7 +26918,7 @@
           <p:cNvPr id="9" name="직사각형 8">
             <a:extLst>
               <a:ext uri="{FF2B5EF4-FFF2-40B4-BE49-F238E27FC236}">
-                <a16:creationId xmlns="" xmlns:a16="http://schemas.microsoft.com/office/drawing/2014/main" id="{39C40DE3-07FC-5B3E-1952-F1D0DDF51453}"/>
+                <a16:creationId xmlns:a16="http://schemas.microsoft.com/office/drawing/2014/main" xmlns="" id="{39C40DE3-07FC-5B3E-1952-F1D0DDF51453}"/>
               </a:ext>
             </a:extLst>
           </p:cNvPr>
@@ -26967,7 +26970,7 @@
           <p:cNvPr id="7" name="TextBox 6">
             <a:extLst>
               <a:ext uri="{FF2B5EF4-FFF2-40B4-BE49-F238E27FC236}">
-                <a16:creationId xmlns="" xmlns:a16="http://schemas.microsoft.com/office/drawing/2014/main" id="{8BD2ED5A-5CA2-F84F-13E6-A2AC3854D891}"/>
+                <a16:creationId xmlns:a16="http://schemas.microsoft.com/office/drawing/2014/main" xmlns="" id="{8BD2ED5A-5CA2-F84F-13E6-A2AC3854D891}"/>
               </a:ext>
             </a:extLst>
           </p:cNvPr>
@@ -27160,7 +27163,7 @@
           <p:cNvPr id="4" name="TextBox 3">
             <a:extLst>
               <a:ext uri="{FF2B5EF4-FFF2-40B4-BE49-F238E27FC236}">
-                <a16:creationId xmlns="" xmlns:a16="http://schemas.microsoft.com/office/drawing/2014/main" id="{E7F95338-D8E8-1A47-9B0B-2BEC0D129ACB}"/>
+                <a16:creationId xmlns:a16="http://schemas.microsoft.com/office/drawing/2014/main" xmlns="" id="{E7F95338-D8E8-1A47-9B0B-2BEC0D129ACB}"/>
               </a:ext>
             </a:extLst>
           </p:cNvPr>
@@ -27221,7 +27224,7 @@
           <p:cNvPr id="5" name="TextBox 4">
             <a:extLst>
               <a:ext uri="{FF2B5EF4-FFF2-40B4-BE49-F238E27FC236}">
-                <a16:creationId xmlns="" xmlns:a16="http://schemas.microsoft.com/office/drawing/2014/main" id="{D40AEE29-AEAC-513F-8C7B-D77B52819A0F}"/>
+                <a16:creationId xmlns:a16="http://schemas.microsoft.com/office/drawing/2014/main" xmlns="" id="{D40AEE29-AEAC-513F-8C7B-D77B52819A0F}"/>
               </a:ext>
             </a:extLst>
           </p:cNvPr>
@@ -27601,7 +27604,7 @@
           <p:cNvPr id="5" name="그림 4">
             <a:extLst>
               <a:ext uri="{FF2B5EF4-FFF2-40B4-BE49-F238E27FC236}">
-                <a16:creationId xmlns="" xmlns:a16="http://schemas.microsoft.com/office/drawing/2014/main" id="{4C1E5A44-674D-671D-9AB9-96FADBF3612B}"/>
+                <a16:creationId xmlns:a16="http://schemas.microsoft.com/office/drawing/2014/main" xmlns="" id="{4C1E5A44-674D-671D-9AB9-96FADBF3612B}"/>
               </a:ext>
             </a:extLst>
           </p:cNvPr>
@@ -27631,7 +27634,7 @@
           <p:cNvPr id="6" name="직선 화살표 연결선 5">
             <a:extLst>
               <a:ext uri="{FF2B5EF4-FFF2-40B4-BE49-F238E27FC236}">
-                <a16:creationId xmlns="" xmlns:a16="http://schemas.microsoft.com/office/drawing/2014/main" id="{75908EAF-DC59-A016-BC77-60D68A02BC58}"/>
+                <a16:creationId xmlns:a16="http://schemas.microsoft.com/office/drawing/2014/main" xmlns="" id="{75908EAF-DC59-A016-BC77-60D68A02BC58}"/>
               </a:ext>
             </a:extLst>
           </p:cNvPr>
@@ -27672,7 +27675,7 @@
           <p:cNvPr id="7" name="TextBox 6">
             <a:extLst>
               <a:ext uri="{FF2B5EF4-FFF2-40B4-BE49-F238E27FC236}">
-                <a16:creationId xmlns="" xmlns:a16="http://schemas.microsoft.com/office/drawing/2014/main" id="{E63F965D-29AF-DE1C-5B98-DBB3BB85DFAE}"/>
+                <a16:creationId xmlns:a16="http://schemas.microsoft.com/office/drawing/2014/main" xmlns="" id="{E63F965D-29AF-DE1C-5B98-DBB3BB85DFAE}"/>
               </a:ext>
             </a:extLst>
           </p:cNvPr>
@@ -27723,7 +27726,7 @@
           <p:cNvPr id="9" name="그림 8">
             <a:extLst>
               <a:ext uri="{FF2B5EF4-FFF2-40B4-BE49-F238E27FC236}">
-                <a16:creationId xmlns="" xmlns:a16="http://schemas.microsoft.com/office/drawing/2014/main" id="{ABEEEEFF-3C09-B89D-E9C1-0E692C4188B0}"/>
+                <a16:creationId xmlns:a16="http://schemas.microsoft.com/office/drawing/2014/main" xmlns="" id="{ABEEEEFF-3C09-B89D-E9C1-0E692C4188B0}"/>
               </a:ext>
             </a:extLst>
           </p:cNvPr>
@@ -27753,7 +27756,7 @@
           <p:cNvPr id="10" name="직선 화살표 연결선 9">
             <a:extLst>
               <a:ext uri="{FF2B5EF4-FFF2-40B4-BE49-F238E27FC236}">
-                <a16:creationId xmlns="" xmlns:a16="http://schemas.microsoft.com/office/drawing/2014/main" id="{72748C94-A7E3-EBE6-4E54-D9C607D67005}"/>
+                <a16:creationId xmlns:a16="http://schemas.microsoft.com/office/drawing/2014/main" xmlns="" id="{72748C94-A7E3-EBE6-4E54-D9C607D67005}"/>
               </a:ext>
             </a:extLst>
           </p:cNvPr>
@@ -27795,7 +27798,7 @@
           <p:cNvPr id="11" name="TextBox 10">
             <a:extLst>
               <a:ext uri="{FF2B5EF4-FFF2-40B4-BE49-F238E27FC236}">
-                <a16:creationId xmlns="" xmlns:a16="http://schemas.microsoft.com/office/drawing/2014/main" id="{66DF052C-9323-9F8D-4857-1B2D989FFF9F}"/>
+                <a16:creationId xmlns:a16="http://schemas.microsoft.com/office/drawing/2014/main" xmlns="" id="{66DF052C-9323-9F8D-4857-1B2D989FFF9F}"/>
               </a:ext>
             </a:extLst>
           </p:cNvPr>
@@ -27913,7 +27916,7 @@
           <p:cNvPr id="4" name="그룹 1018">
             <a:extLst>
               <a:ext uri="{FF2B5EF4-FFF2-40B4-BE49-F238E27FC236}">
-                <a16:creationId xmlns="" xmlns:a16="http://schemas.microsoft.com/office/drawing/2014/main" id="{88809E16-31F7-1F83-2FAC-75A0671E0E63}"/>
+                <a16:creationId xmlns:a16="http://schemas.microsoft.com/office/drawing/2014/main" xmlns="" id="{88809E16-31F7-1F83-2FAC-75A0671E0E63}"/>
               </a:ext>
             </a:extLst>
           </p:cNvPr>
@@ -27933,7 +27936,7 @@
             <p:cNvPr id="5" name="Object 61">
               <a:extLst>
                 <a:ext uri="{FF2B5EF4-FFF2-40B4-BE49-F238E27FC236}">
-                  <a16:creationId xmlns="" xmlns:a16="http://schemas.microsoft.com/office/drawing/2014/main" id="{E1173C9E-3171-FA64-34F6-A314CF0D2703}"/>
+                  <a16:creationId xmlns:a16="http://schemas.microsoft.com/office/drawing/2014/main" xmlns="" id="{E1173C9E-3171-FA64-34F6-A314CF0D2703}"/>
                 </a:ext>
               </a:extLst>
             </p:cNvPr>
@@ -27964,7 +27967,7 @@
           <p:cNvPr id="6" name="TextBox 5">
             <a:extLst>
               <a:ext uri="{FF2B5EF4-FFF2-40B4-BE49-F238E27FC236}">
-                <a16:creationId xmlns="" xmlns:a16="http://schemas.microsoft.com/office/drawing/2014/main" id="{32037D5E-FE66-9272-14CC-2284752BAAC1}"/>
+                <a16:creationId xmlns:a16="http://schemas.microsoft.com/office/drawing/2014/main" xmlns="" id="{32037D5E-FE66-9272-14CC-2284752BAAC1}"/>
               </a:ext>
             </a:extLst>
           </p:cNvPr>
@@ -28008,7 +28011,7 @@
           <p:cNvPr id="7" name="그룹 1018">
             <a:extLst>
               <a:ext uri="{FF2B5EF4-FFF2-40B4-BE49-F238E27FC236}">
-                <a16:creationId xmlns="" xmlns:a16="http://schemas.microsoft.com/office/drawing/2014/main" id="{1DBF8C05-A7A0-E308-2C72-A1A1D48209F9}"/>
+                <a16:creationId xmlns:a16="http://schemas.microsoft.com/office/drawing/2014/main" xmlns="" id="{1DBF8C05-A7A0-E308-2C72-A1A1D48209F9}"/>
               </a:ext>
             </a:extLst>
           </p:cNvPr>
@@ -28028,7 +28031,7 @@
             <p:cNvPr id="8" name="Object 61">
               <a:extLst>
                 <a:ext uri="{FF2B5EF4-FFF2-40B4-BE49-F238E27FC236}">
-                  <a16:creationId xmlns="" xmlns:a16="http://schemas.microsoft.com/office/drawing/2014/main" id="{8890B65A-EE37-9FB0-11D0-D9028D5D4030}"/>
+                  <a16:creationId xmlns:a16="http://schemas.microsoft.com/office/drawing/2014/main" xmlns="" id="{8890B65A-EE37-9FB0-11D0-D9028D5D4030}"/>
                 </a:ext>
               </a:extLst>
             </p:cNvPr>
@@ -28059,7 +28062,7 @@
           <p:cNvPr id="9" name="TextBox 8">
             <a:extLst>
               <a:ext uri="{FF2B5EF4-FFF2-40B4-BE49-F238E27FC236}">
-                <a16:creationId xmlns="" xmlns:a16="http://schemas.microsoft.com/office/drawing/2014/main" id="{03580C69-6090-E762-1CFF-CABCB1A1F84D}"/>
+                <a16:creationId xmlns:a16="http://schemas.microsoft.com/office/drawing/2014/main" xmlns="" id="{03580C69-6090-E762-1CFF-CABCB1A1F84D}"/>
               </a:ext>
             </a:extLst>
           </p:cNvPr>
@@ -28103,7 +28106,7 @@
           <p:cNvPr id="10" name="그룹 1018">
             <a:extLst>
               <a:ext uri="{FF2B5EF4-FFF2-40B4-BE49-F238E27FC236}">
-                <a16:creationId xmlns="" xmlns:a16="http://schemas.microsoft.com/office/drawing/2014/main" id="{BD5EE8EE-7D57-CD91-F304-6250026830C6}"/>
+                <a16:creationId xmlns:a16="http://schemas.microsoft.com/office/drawing/2014/main" xmlns="" id="{BD5EE8EE-7D57-CD91-F304-6250026830C6}"/>
               </a:ext>
             </a:extLst>
           </p:cNvPr>
@@ -28123,7 +28126,7 @@
             <p:cNvPr id="11" name="Object 61">
               <a:extLst>
                 <a:ext uri="{FF2B5EF4-FFF2-40B4-BE49-F238E27FC236}">
-                  <a16:creationId xmlns="" xmlns:a16="http://schemas.microsoft.com/office/drawing/2014/main" id="{55D32D67-44A3-9BA9-40E1-962240690E74}"/>
+                  <a16:creationId xmlns:a16="http://schemas.microsoft.com/office/drawing/2014/main" xmlns="" id="{55D32D67-44A3-9BA9-40E1-962240690E74}"/>
                 </a:ext>
               </a:extLst>
             </p:cNvPr>
@@ -28154,7 +28157,7 @@
           <p:cNvPr id="12" name="TextBox 11">
             <a:extLst>
               <a:ext uri="{FF2B5EF4-FFF2-40B4-BE49-F238E27FC236}">
-                <a16:creationId xmlns="" xmlns:a16="http://schemas.microsoft.com/office/drawing/2014/main" id="{2E843C5C-F5F0-B014-4B60-31604E120CA8}"/>
+                <a16:creationId xmlns:a16="http://schemas.microsoft.com/office/drawing/2014/main" xmlns="" id="{2E843C5C-F5F0-B014-4B60-31604E120CA8}"/>
               </a:ext>
             </a:extLst>
           </p:cNvPr>
@@ -28198,7 +28201,7 @@
           <p:cNvPr id="13" name="직선 화살표 연결선 12">
             <a:extLst>
               <a:ext uri="{FF2B5EF4-FFF2-40B4-BE49-F238E27FC236}">
-                <a16:creationId xmlns="" xmlns:a16="http://schemas.microsoft.com/office/drawing/2014/main" id="{D18E0CA5-8F28-6CF5-D994-34D82E76FA59}"/>
+                <a16:creationId xmlns:a16="http://schemas.microsoft.com/office/drawing/2014/main" xmlns="" id="{D18E0CA5-8F28-6CF5-D994-34D82E76FA59}"/>
               </a:ext>
             </a:extLst>
           </p:cNvPr>
@@ -28241,7 +28244,7 @@
           <p:cNvPr id="16" name="직선 화살표 연결선 15">
             <a:extLst>
               <a:ext uri="{FF2B5EF4-FFF2-40B4-BE49-F238E27FC236}">
-                <a16:creationId xmlns="" xmlns:a16="http://schemas.microsoft.com/office/drawing/2014/main" id="{63A2BB84-DB21-3B86-E191-9D086538A8E8}"/>
+                <a16:creationId xmlns:a16="http://schemas.microsoft.com/office/drawing/2014/main" xmlns="" id="{63A2BB84-DB21-3B86-E191-9D086538A8E8}"/>
               </a:ext>
             </a:extLst>
           </p:cNvPr>
@@ -28282,7 +28285,7 @@
           <p:cNvPr id="17" name="TextBox 16">
             <a:extLst>
               <a:ext uri="{FF2B5EF4-FFF2-40B4-BE49-F238E27FC236}">
-                <a16:creationId xmlns="" xmlns:a16="http://schemas.microsoft.com/office/drawing/2014/main" id="{F98D168E-7AFC-9208-1631-471768BCB29E}"/>
+                <a16:creationId xmlns:a16="http://schemas.microsoft.com/office/drawing/2014/main" xmlns="" id="{F98D168E-7AFC-9208-1631-471768BCB29E}"/>
               </a:ext>
             </a:extLst>
           </p:cNvPr>
@@ -28390,7 +28393,7 @@
           <p:cNvPr id="15" name="그림 14">
             <a:extLst>
               <a:ext uri="{FF2B5EF4-FFF2-40B4-BE49-F238E27FC236}">
-                <a16:creationId xmlns="" xmlns:a16="http://schemas.microsoft.com/office/drawing/2014/main" id="{53724FB4-B4A1-0A70-1F84-114E17B93993}"/>
+                <a16:creationId xmlns:a16="http://schemas.microsoft.com/office/drawing/2014/main" xmlns="" id="{53724FB4-B4A1-0A70-1F84-114E17B93993}"/>
               </a:ext>
             </a:extLst>
           </p:cNvPr>
@@ -28420,7 +28423,7 @@
           <p:cNvPr id="5" name="그림 4">
             <a:extLst>
               <a:ext uri="{FF2B5EF4-FFF2-40B4-BE49-F238E27FC236}">
-                <a16:creationId xmlns="" xmlns:a16="http://schemas.microsoft.com/office/drawing/2014/main" id="{B3B08C97-DB9D-E09A-46A5-9DE74C54D1EA}"/>
+                <a16:creationId xmlns:a16="http://schemas.microsoft.com/office/drawing/2014/main" xmlns="" id="{B3B08C97-DB9D-E09A-46A5-9DE74C54D1EA}"/>
               </a:ext>
             </a:extLst>
           </p:cNvPr>
@@ -28450,7 +28453,7 @@
           <p:cNvPr id="10" name="직선 화살표 연결선 9">
             <a:extLst>
               <a:ext uri="{FF2B5EF4-FFF2-40B4-BE49-F238E27FC236}">
-                <a16:creationId xmlns="" xmlns:a16="http://schemas.microsoft.com/office/drawing/2014/main" id="{C07CC10E-FCEF-C096-5466-649AE800D608}"/>
+                <a16:creationId xmlns:a16="http://schemas.microsoft.com/office/drawing/2014/main" xmlns="" id="{C07CC10E-FCEF-C096-5466-649AE800D608}"/>
               </a:ext>
             </a:extLst>
           </p:cNvPr>
@@ -28491,7 +28494,7 @@
           <p:cNvPr id="11" name="직사각형 10">
             <a:extLst>
               <a:ext uri="{FF2B5EF4-FFF2-40B4-BE49-F238E27FC236}">
-                <a16:creationId xmlns="" xmlns:a16="http://schemas.microsoft.com/office/drawing/2014/main" id="{8E401B37-F787-3B11-93A1-BECFD1EFA32B}"/>
+                <a16:creationId xmlns:a16="http://schemas.microsoft.com/office/drawing/2014/main" xmlns="" id="{8E401B37-F787-3B11-93A1-BECFD1EFA32B}"/>
               </a:ext>
             </a:extLst>
           </p:cNvPr>
@@ -28543,7 +28546,7 @@
           <p:cNvPr id="12" name="TextBox 11">
             <a:extLst>
               <a:ext uri="{FF2B5EF4-FFF2-40B4-BE49-F238E27FC236}">
-                <a16:creationId xmlns="" xmlns:a16="http://schemas.microsoft.com/office/drawing/2014/main" id="{F1573BBE-058D-47FE-4B71-A1221360D1A1}"/>
+                <a16:creationId xmlns:a16="http://schemas.microsoft.com/office/drawing/2014/main" xmlns="" id="{F1573BBE-058D-47FE-4B71-A1221360D1A1}"/>
               </a:ext>
             </a:extLst>
           </p:cNvPr>
@@ -28787,7 +28790,7 @@
           <p:cNvPr id="4" name="TextBox 3">
             <a:extLst>
               <a:ext uri="{FF2B5EF4-FFF2-40B4-BE49-F238E27FC236}">
-                <a16:creationId xmlns="" xmlns:a16="http://schemas.microsoft.com/office/drawing/2014/main" id="{8BD2ED5A-5CA2-F84F-13E6-A2AC3854D891}"/>
+                <a16:creationId xmlns:a16="http://schemas.microsoft.com/office/drawing/2014/main" xmlns="" id="{8BD2ED5A-5CA2-F84F-13E6-A2AC3854D891}"/>
               </a:ext>
             </a:extLst>
           </p:cNvPr>
@@ -28845,7 +28848,7 @@
           <p:cNvPr id="5" name="TextBox 4">
             <a:extLst>
               <a:ext uri="{FF2B5EF4-FFF2-40B4-BE49-F238E27FC236}">
-                <a16:creationId xmlns="" xmlns:a16="http://schemas.microsoft.com/office/drawing/2014/main" id="{2E843C5C-F5F0-B014-4B60-31604E120CA8}"/>
+                <a16:creationId xmlns:a16="http://schemas.microsoft.com/office/drawing/2014/main" xmlns="" id="{2E843C5C-F5F0-B014-4B60-31604E120CA8}"/>
               </a:ext>
             </a:extLst>
           </p:cNvPr>
@@ -29196,7 +29199,7 @@
           <p:cNvPr id="7" name="TextBox 6">
             <a:extLst>
               <a:ext uri="{FF2B5EF4-FFF2-40B4-BE49-F238E27FC236}">
-                <a16:creationId xmlns="" xmlns:a16="http://schemas.microsoft.com/office/drawing/2014/main" id="{F1573BBE-058D-47FE-4B71-A1221360D1A1}"/>
+                <a16:creationId xmlns:a16="http://schemas.microsoft.com/office/drawing/2014/main" xmlns="" id="{F1573BBE-058D-47FE-4B71-A1221360D1A1}"/>
               </a:ext>
             </a:extLst>
           </p:cNvPr>
@@ -29476,7 +29479,7 @@
           <p:cNvPr id="4" name="TextBox 3">
             <a:extLst>
               <a:ext uri="{FF2B5EF4-FFF2-40B4-BE49-F238E27FC236}">
-                <a16:creationId xmlns="" xmlns:a16="http://schemas.microsoft.com/office/drawing/2014/main" id="{DF7DDD33-9412-2802-339A-E55446AC2DA7}"/>
+                <a16:creationId xmlns:a16="http://schemas.microsoft.com/office/drawing/2014/main" xmlns="" id="{DF7DDD33-9412-2802-339A-E55446AC2DA7}"/>
               </a:ext>
             </a:extLst>
           </p:cNvPr>
@@ -29565,7 +29568,7 @@
           <p:cNvPr id="7" name="그룹 1008">
             <a:extLst>
               <a:ext uri="{FF2B5EF4-FFF2-40B4-BE49-F238E27FC236}">
-                <a16:creationId xmlns="" xmlns:a16="http://schemas.microsoft.com/office/drawing/2014/main" id="{E395BDE3-2EDE-065D-70E8-56E348228ACF}"/>
+                <a16:creationId xmlns:a16="http://schemas.microsoft.com/office/drawing/2014/main" xmlns="" id="{E395BDE3-2EDE-065D-70E8-56E348228ACF}"/>
               </a:ext>
             </a:extLst>
           </p:cNvPr>
@@ -29585,7 +29588,7 @@
             <p:cNvPr id="8" name="그룹 1009">
               <a:extLst>
                 <a:ext uri="{FF2B5EF4-FFF2-40B4-BE49-F238E27FC236}">
-                  <a16:creationId xmlns="" xmlns:a16="http://schemas.microsoft.com/office/drawing/2014/main" id="{852F4DEB-DB33-DB3F-9E9F-52A46CD0B10A}"/>
+                  <a16:creationId xmlns:a16="http://schemas.microsoft.com/office/drawing/2014/main" xmlns="" id="{852F4DEB-DB33-DB3F-9E9F-52A46CD0B10A}"/>
                 </a:ext>
               </a:extLst>
             </p:cNvPr>
@@ -29605,7 +29608,7 @@
               <p:cNvPr id="13" name="Object 29">
                 <a:extLst>
                   <a:ext uri="{FF2B5EF4-FFF2-40B4-BE49-F238E27FC236}">
-                    <a16:creationId xmlns="" xmlns:a16="http://schemas.microsoft.com/office/drawing/2014/main" id="{7E353D3B-14D4-8A64-5888-3F0C062C2CDD}"/>
+                    <a16:creationId xmlns:a16="http://schemas.microsoft.com/office/drawing/2014/main" xmlns="" id="{7E353D3B-14D4-8A64-5888-3F0C062C2CDD}"/>
                   </a:ext>
                 </a:extLst>
               </p:cNvPr>
@@ -29636,7 +29639,7 @@
             <p:cNvPr id="9" name="그룹 1010">
               <a:extLst>
                 <a:ext uri="{FF2B5EF4-FFF2-40B4-BE49-F238E27FC236}">
-                  <a16:creationId xmlns="" xmlns:a16="http://schemas.microsoft.com/office/drawing/2014/main" id="{001E38AB-1390-ABD0-BE01-9727136FEAEE}"/>
+                  <a16:creationId xmlns:a16="http://schemas.microsoft.com/office/drawing/2014/main" xmlns="" id="{001E38AB-1390-ABD0-BE01-9727136FEAEE}"/>
                 </a:ext>
               </a:extLst>
             </p:cNvPr>
@@ -29656,7 +29659,7 @@
               <p:cNvPr id="12" name="Object 32">
                 <a:extLst>
                   <a:ext uri="{FF2B5EF4-FFF2-40B4-BE49-F238E27FC236}">
-                    <a16:creationId xmlns="" xmlns:a16="http://schemas.microsoft.com/office/drawing/2014/main" id="{2ED1C30F-0D0B-F86C-8215-2598D332B5A3}"/>
+                    <a16:creationId xmlns:a16="http://schemas.microsoft.com/office/drawing/2014/main" xmlns="" id="{2ED1C30F-0D0B-F86C-8215-2598D332B5A3}"/>
                   </a:ext>
                 </a:extLst>
               </p:cNvPr>
@@ -29687,7 +29690,7 @@
             <p:cNvPr id="10" name="그룹 1011">
               <a:extLst>
                 <a:ext uri="{FF2B5EF4-FFF2-40B4-BE49-F238E27FC236}">
-                  <a16:creationId xmlns="" xmlns:a16="http://schemas.microsoft.com/office/drawing/2014/main" id="{1BCB8DE5-ABAF-4198-BC16-85BB76F2DB24}"/>
+                  <a16:creationId xmlns:a16="http://schemas.microsoft.com/office/drawing/2014/main" xmlns="" id="{1BCB8DE5-ABAF-4198-BC16-85BB76F2DB24}"/>
                 </a:ext>
               </a:extLst>
             </p:cNvPr>
@@ -29707,7 +29710,7 @@
               <p:cNvPr id="11" name="Object 35">
                 <a:extLst>
                   <a:ext uri="{FF2B5EF4-FFF2-40B4-BE49-F238E27FC236}">
-                    <a16:creationId xmlns="" xmlns:a16="http://schemas.microsoft.com/office/drawing/2014/main" id="{86E7BA23-0A1E-B581-CADC-06AB269DB2BD}"/>
+                    <a16:creationId xmlns:a16="http://schemas.microsoft.com/office/drawing/2014/main" xmlns="" id="{86E7BA23-0A1E-B581-CADC-06AB269DB2BD}"/>
                   </a:ext>
                 </a:extLst>
               </p:cNvPr>
@@ -29739,7 +29742,7 @@
           <p:cNvPr id="14" name="직사각형 13">
             <a:extLst>
               <a:ext uri="{FF2B5EF4-FFF2-40B4-BE49-F238E27FC236}">
-                <a16:creationId xmlns="" xmlns:a16="http://schemas.microsoft.com/office/drawing/2014/main" id="{FFF506F9-840A-0508-4CAF-3AC711D8D5CE}"/>
+                <a16:creationId xmlns:a16="http://schemas.microsoft.com/office/drawing/2014/main" xmlns="" id="{FFF506F9-840A-0508-4CAF-3AC711D8D5CE}"/>
               </a:ext>
             </a:extLst>
           </p:cNvPr>
@@ -29815,7 +29818,7 @@
           <p:cNvPr id="16" name="직사각형 15">
             <a:extLst>
               <a:ext uri="{FF2B5EF4-FFF2-40B4-BE49-F238E27FC236}">
-                <a16:creationId xmlns="" xmlns:a16="http://schemas.microsoft.com/office/drawing/2014/main" id="{FFF506F9-840A-0508-4CAF-3AC711D8D5CE}"/>
+                <a16:creationId xmlns:a16="http://schemas.microsoft.com/office/drawing/2014/main" xmlns="" id="{FFF506F9-840A-0508-4CAF-3AC711D8D5CE}"/>
               </a:ext>
             </a:extLst>
           </p:cNvPr>
@@ -29867,7 +29870,7 @@
           <p:cNvPr id="17" name="TextBox 16">
             <a:extLst>
               <a:ext uri="{FF2B5EF4-FFF2-40B4-BE49-F238E27FC236}">
-                <a16:creationId xmlns="" xmlns:a16="http://schemas.microsoft.com/office/drawing/2014/main" id="{A2AD056B-97A4-5BCC-4460-250160F3E171}"/>
+                <a16:creationId xmlns:a16="http://schemas.microsoft.com/office/drawing/2014/main" xmlns="" id="{A2AD056B-97A4-5BCC-4460-250160F3E171}"/>
               </a:ext>
             </a:extLst>
           </p:cNvPr>
@@ -30004,7 +30007,7 @@
           <p:cNvPr id="18" name="TextBox 17">
             <a:extLst>
               <a:ext uri="{FF2B5EF4-FFF2-40B4-BE49-F238E27FC236}">
-                <a16:creationId xmlns="" xmlns:a16="http://schemas.microsoft.com/office/drawing/2014/main" id="{A2AD056B-97A4-5BCC-4460-250160F3E171}"/>
+                <a16:creationId xmlns:a16="http://schemas.microsoft.com/office/drawing/2014/main" xmlns="" id="{A2AD056B-97A4-5BCC-4460-250160F3E171}"/>
               </a:ext>
             </a:extLst>
           </p:cNvPr>
@@ -30058,7 +30061,7 @@
           <p:cNvPr id="19" name="TextBox 18">
             <a:extLst>
               <a:ext uri="{FF2B5EF4-FFF2-40B4-BE49-F238E27FC236}">
-                <a16:creationId xmlns="" xmlns:a16="http://schemas.microsoft.com/office/drawing/2014/main" id="{A2AD056B-97A4-5BCC-4460-250160F3E171}"/>
+                <a16:creationId xmlns:a16="http://schemas.microsoft.com/office/drawing/2014/main" xmlns="" id="{A2AD056B-97A4-5BCC-4460-250160F3E171}"/>
               </a:ext>
             </a:extLst>
           </p:cNvPr>
@@ -30271,7 +30274,7 @@
           <p:cNvPr id="5" name="TextBox 4">
             <a:extLst>
               <a:ext uri="{FF2B5EF4-FFF2-40B4-BE49-F238E27FC236}">
-                <a16:creationId xmlns="" xmlns:a16="http://schemas.microsoft.com/office/drawing/2014/main" id="{2E843C5C-F5F0-B014-4B60-31604E120CA8}"/>
+                <a16:creationId xmlns:a16="http://schemas.microsoft.com/office/drawing/2014/main" xmlns="" id="{2E843C5C-F5F0-B014-4B60-31604E120CA8}"/>
               </a:ext>
             </a:extLst>
           </p:cNvPr>
@@ -30546,7 +30549,7 @@
           <p:cNvPr id="4" name="TextBox 3">
             <a:extLst>
               <a:ext uri="{FF2B5EF4-FFF2-40B4-BE49-F238E27FC236}">
-                <a16:creationId xmlns="" xmlns:a16="http://schemas.microsoft.com/office/drawing/2014/main" id="{2E843C5C-F5F0-B014-4B60-31604E120CA8}"/>
+                <a16:creationId xmlns:a16="http://schemas.microsoft.com/office/drawing/2014/main" xmlns="" id="{2E843C5C-F5F0-B014-4B60-31604E120CA8}"/>
               </a:ext>
             </a:extLst>
           </p:cNvPr>
@@ -30556,7 +30559,7 @@
         <p:spPr>
           <a:xfrm>
             <a:off x="609600" y="342900"/>
-            <a:ext cx="17373600" cy="7786747"/>
+            <a:ext cx="17373600" cy="4955203"/>
           </a:xfrm>
           <a:prstGeom prst="rect">
             <a:avLst/>
@@ -30570,7 +30573,7 @@
           <a:lstStyle/>
           <a:p>
             <a:r>
-              <a:rPr lang="en-US" altLang="ko-KR" sz="3200">
+              <a:rPr lang="en-US" altLang="ko-KR" sz="3200" dirty="0">
                 <a:solidFill>
                   <a:srgbClr val="4C50BC"/>
                 </a:solidFill>
@@ -30580,7 +30583,7 @@
               <a:t>3</a:t>
             </a:r>
             <a:r>
-              <a:rPr lang="en-US" altLang="ko-KR" sz="3200" smtClean="0">
+              <a:rPr lang="en-US" altLang="ko-KR" sz="3200" dirty="0" smtClean="0">
                 <a:solidFill>
                   <a:srgbClr val="4C50BC"/>
                 </a:solidFill>
@@ -30590,7 +30593,7 @@
               <a:t>. </a:t>
             </a:r>
             <a:r>
-              <a:rPr lang="ko-KR" altLang="en-US" sz="3200" smtClean="0">
+              <a:rPr lang="ko-KR" altLang="en-US" sz="3200" dirty="0" smtClean="0">
                 <a:solidFill>
                   <a:srgbClr val="4C50BC"/>
                 </a:solidFill>
@@ -30600,7 +30603,7 @@
               <a:t>도형을 의미 하는 </a:t>
             </a:r>
             <a:r>
-              <a:rPr lang="en-US" altLang="ko-KR" sz="3200" smtClean="0">
+              <a:rPr lang="en-US" altLang="ko-KR" sz="3200" dirty="0" smtClean="0">
                 <a:solidFill>
                   <a:srgbClr val="4C50BC"/>
                 </a:solidFill>
@@ -30610,7 +30613,7 @@
               <a:t>Shape </a:t>
             </a:r>
             <a:r>
-              <a:rPr lang="ko-KR" altLang="en-US" sz="3200" smtClean="0">
+              <a:rPr lang="ko-KR" altLang="en-US" sz="3200" dirty="0" smtClean="0">
                 <a:solidFill>
                   <a:srgbClr val="4C50BC"/>
                 </a:solidFill>
@@ -30620,7 +30623,7 @@
               <a:t>클래스와 </a:t>
             </a:r>
             <a:r>
-              <a:rPr lang="en-US" altLang="ko-KR" sz="3200" smtClean="0">
+              <a:rPr lang="en-US" altLang="ko-KR" sz="3200" dirty="0" smtClean="0">
                 <a:solidFill>
                   <a:srgbClr val="4C50BC"/>
                 </a:solidFill>
@@ -30630,7 +30633,7 @@
               <a:t>Circle, Rectangle </a:t>
             </a:r>
             <a:r>
-              <a:rPr lang="ko-KR" altLang="en-US" sz="3200" smtClean="0">
+              <a:rPr lang="ko-KR" altLang="en-US" sz="3200" dirty="0" smtClean="0">
                 <a:solidFill>
                   <a:srgbClr val="4C50BC"/>
                 </a:solidFill>
@@ -30639,7 +30642,7 @@
               </a:rPr>
               <a:t>클래스를 만드시오</a:t>
             </a:r>
-            <a:endParaRPr lang="en-US" altLang="ko-KR" sz="3200" smtClean="0">
+            <a:endParaRPr lang="en-US" altLang="ko-KR" sz="3200" dirty="0" smtClean="0">
               <a:solidFill>
                 <a:srgbClr val="4C50BC"/>
               </a:solidFill>
@@ -30649,7 +30652,7 @@
           </a:p>
           <a:p>
             <a:r>
-              <a:rPr lang="ko-KR" altLang="en-US" sz="3200" smtClean="0">
+              <a:rPr lang="ko-KR" altLang="en-US" sz="3200" dirty="0" smtClean="0">
                 <a:solidFill>
                   <a:srgbClr val="4C50BC"/>
                 </a:solidFill>
@@ -30659,7 +30662,7 @@
               <a:t>  클래스간의 상속관계와 멤버변수</a:t>
             </a:r>
             <a:r>
-              <a:rPr lang="en-US" altLang="ko-KR" sz="3200" smtClean="0">
+              <a:rPr lang="en-US" altLang="ko-KR" sz="3200" dirty="0" smtClean="0">
                 <a:solidFill>
                   <a:srgbClr val="4C50BC"/>
                 </a:solidFill>
@@ -30669,16 +30672,36 @@
               <a:t>, </a:t>
             </a:r>
             <a:r>
-              <a:rPr lang="ko-KR" altLang="en-US" sz="3200" smtClean="0">
+              <a:rPr lang="ko-KR" altLang="en-US" sz="3200" dirty="0" smtClean="0">
                 <a:solidFill>
                   <a:srgbClr val="4C50BC"/>
                 </a:solidFill>
                 <a:latin typeface="G마켓 산스 Medium" panose="02000000000000000000" pitchFamily="50" charset="-127"/>
                 <a:ea typeface="G마켓 산스 Medium" panose="02000000000000000000" pitchFamily="50" charset="-127"/>
               </a:rPr>
-              <a:t>멤버 메서드를 적절한 클래스에 넣어 설계해보자</a:t>
-            </a:r>
-            <a:endParaRPr lang="en-US" altLang="ko-KR" sz="3200">
+              <a:t>멤버 </a:t>
+            </a:r>
+            <a:r>
+              <a:rPr lang="ko-KR" altLang="en-US" sz="3200" dirty="0" err="1" smtClean="0">
+                <a:solidFill>
+                  <a:srgbClr val="4C50BC"/>
+                </a:solidFill>
+                <a:latin typeface="G마켓 산스 Medium" panose="02000000000000000000" pitchFamily="50" charset="-127"/>
+                <a:ea typeface="G마켓 산스 Medium" panose="02000000000000000000" pitchFamily="50" charset="-127"/>
+              </a:rPr>
+              <a:t>메서드를</a:t>
+            </a:r>
+            <a:r>
+              <a:rPr lang="ko-KR" altLang="en-US" sz="3200" dirty="0" smtClean="0">
+                <a:solidFill>
+                  <a:srgbClr val="4C50BC"/>
+                </a:solidFill>
+                <a:latin typeface="G마켓 산스 Medium" panose="02000000000000000000" pitchFamily="50" charset="-127"/>
+                <a:ea typeface="G마켓 산스 Medium" panose="02000000000000000000" pitchFamily="50" charset="-127"/>
+              </a:rPr>
+              <a:t> 적절한 클래스에 넣어 설계해보자</a:t>
+            </a:r>
+            <a:endParaRPr lang="en-US" altLang="ko-KR" sz="3200" dirty="0">
               <a:solidFill>
                 <a:schemeClr val="bg1">
                   <a:lumMod val="50000"/>
@@ -30690,7 +30713,7 @@
           </a:p>
           <a:p>
             <a:r>
-              <a:rPr lang="en-US" altLang="ko-KR" sz="2800" smtClean="0">
+              <a:rPr lang="en-US" altLang="ko-KR" sz="2800" dirty="0" smtClean="0">
                 <a:solidFill>
                   <a:schemeClr val="bg1">
                     <a:lumMod val="50000"/>
@@ -30702,7 +30725,7 @@
               <a:t>-Shape </a:t>
             </a:r>
             <a:r>
-              <a:rPr lang="ko-KR" altLang="en-US" sz="2800" smtClean="0">
+              <a:rPr lang="ko-KR" altLang="en-US" sz="2800" dirty="0" smtClean="0">
                 <a:solidFill>
                   <a:schemeClr val="bg1">
                     <a:lumMod val="50000"/>
@@ -30714,7 +30737,7 @@
               <a:t>도형 </a:t>
             </a:r>
             <a:r>
-              <a:rPr lang="en-US" altLang="ko-KR" sz="2800" smtClean="0">
+              <a:rPr lang="en-US" altLang="ko-KR" sz="2800" dirty="0" smtClean="0">
                 <a:solidFill>
                   <a:schemeClr val="bg1">
                     <a:lumMod val="50000"/>
@@ -30726,7 +30749,7 @@
               <a:t>, Circle </a:t>
             </a:r>
             <a:r>
-              <a:rPr lang="ko-KR" altLang="en-US" sz="2800" smtClean="0">
+              <a:rPr lang="ko-KR" altLang="en-US" sz="2800" dirty="0" smtClean="0">
                 <a:solidFill>
                   <a:schemeClr val="bg1">
                     <a:lumMod val="50000"/>
@@ -30738,7 +30761,7 @@
               <a:t>원 </a:t>
             </a:r>
             <a:r>
-              <a:rPr lang="en-US" altLang="ko-KR" sz="2800" smtClean="0">
+              <a:rPr lang="en-US" altLang="ko-KR" sz="2800" dirty="0" smtClean="0">
                 <a:solidFill>
                   <a:schemeClr val="bg1">
                     <a:lumMod val="50000"/>
@@ -30750,7 +30773,7 @@
               <a:t>, Rectangle </a:t>
             </a:r>
             <a:r>
-              <a:rPr lang="ko-KR" altLang="en-US" sz="2800" smtClean="0">
+              <a:rPr lang="ko-KR" altLang="en-US" sz="2800" dirty="0" smtClean="0">
                 <a:solidFill>
                   <a:schemeClr val="bg1">
                     <a:lumMod val="50000"/>
@@ -30761,7 +30784,7 @@
               </a:rPr>
               <a:t>사각형</a:t>
             </a:r>
-            <a:endParaRPr lang="en-US" altLang="ko-KR" sz="2800" smtClean="0">
+            <a:endParaRPr lang="en-US" altLang="ko-KR" sz="2800" dirty="0" smtClean="0">
               <a:solidFill>
                 <a:schemeClr val="bg1">
                   <a:lumMod val="50000"/>
@@ -30773,7 +30796,7 @@
           </a:p>
           <a:p>
             <a:r>
-              <a:rPr lang="ko-KR" altLang="en-US" sz="2800" smtClean="0">
+              <a:rPr lang="ko-KR" altLang="en-US" sz="2800" dirty="0" smtClean="0">
                 <a:solidFill>
                   <a:schemeClr val="bg1">
                     <a:lumMod val="50000"/>
@@ -30785,7 +30808,7 @@
               <a:t>멤버변수 </a:t>
             </a:r>
             <a:r>
-              <a:rPr lang="en-US" altLang="ko-KR" sz="2800" smtClean="0">
+              <a:rPr lang="en-US" altLang="ko-KR" sz="2800" dirty="0" smtClean="0">
                 <a:solidFill>
                   <a:schemeClr val="bg1">
                     <a:lumMod val="50000"/>
@@ -30797,7 +30820,7 @@
               <a:t>double r </a:t>
             </a:r>
             <a:r>
-              <a:rPr lang="ko-KR" altLang="en-US" sz="2800" smtClean="0">
+              <a:rPr lang="ko-KR" altLang="en-US" sz="2800" dirty="0" smtClean="0">
                 <a:solidFill>
                   <a:schemeClr val="bg1">
                     <a:lumMod val="50000"/>
@@ -30808,7 +30831,7 @@
               </a:rPr>
               <a:t>반지름</a:t>
             </a:r>
-            <a:endParaRPr lang="en-US" altLang="ko-KR" sz="2800" smtClean="0">
+            <a:endParaRPr lang="en-US" altLang="ko-KR" sz="2800" dirty="0" smtClean="0">
               <a:solidFill>
                 <a:schemeClr val="bg1">
                   <a:lumMod val="50000"/>
@@ -30820,7 +30843,7 @@
           </a:p>
           <a:p>
             <a:r>
-              <a:rPr lang="en-US" altLang="ko-KR" sz="2800">
+              <a:rPr lang="en-US" altLang="ko-KR" sz="2800" dirty="0">
                 <a:solidFill>
                   <a:schemeClr val="bg1">
                     <a:lumMod val="50000"/>
@@ -30832,7 +30855,7 @@
               <a:t> </a:t>
             </a:r>
             <a:r>
-              <a:rPr lang="en-US" altLang="ko-KR" sz="2800" smtClean="0">
+              <a:rPr lang="en-US" altLang="ko-KR" sz="2800" dirty="0" smtClean="0">
                 <a:solidFill>
                   <a:schemeClr val="bg1">
                     <a:lumMod val="50000"/>
@@ -30844,7 +30867,7 @@
               <a:t>              double width </a:t>
             </a:r>
             <a:r>
-              <a:rPr lang="ko-KR" altLang="en-US" sz="2800" smtClean="0">
+              <a:rPr lang="ko-KR" altLang="en-US" sz="2800" dirty="0" smtClean="0">
                 <a:solidFill>
                   <a:schemeClr val="bg1">
                     <a:lumMod val="50000"/>
@@ -30855,7 +30878,7 @@
               </a:rPr>
               <a:t>폭</a:t>
             </a:r>
-            <a:endParaRPr lang="en-US" altLang="ko-KR" sz="2800" smtClean="0">
+            <a:endParaRPr lang="en-US" altLang="ko-KR" sz="2800" dirty="0" smtClean="0">
               <a:solidFill>
                 <a:schemeClr val="bg1">
                   <a:lumMod val="50000"/>
@@ -30867,7 +30890,7 @@
           </a:p>
           <a:p>
             <a:r>
-              <a:rPr lang="en-US" altLang="ko-KR" sz="2800">
+              <a:rPr lang="en-US" altLang="ko-KR" sz="2800" dirty="0">
                 <a:solidFill>
                   <a:schemeClr val="bg1">
                     <a:lumMod val="50000"/>
@@ -30879,7 +30902,7 @@
               <a:t> </a:t>
             </a:r>
             <a:r>
-              <a:rPr lang="en-US" altLang="ko-KR" sz="2800" smtClean="0">
+              <a:rPr lang="en-US" altLang="ko-KR" sz="2800" dirty="0" smtClean="0">
                 <a:solidFill>
                   <a:schemeClr val="bg1">
                     <a:lumMod val="50000"/>
@@ -30891,7 +30914,7 @@
               <a:t>              </a:t>
             </a:r>
             <a:r>
-              <a:rPr lang="en-US" altLang="ko-KR" sz="2800">
+              <a:rPr lang="en-US" altLang="ko-KR" sz="2800" dirty="0">
                 <a:solidFill>
                   <a:schemeClr val="bg1">
                     <a:lumMod val="50000"/>
@@ -30903,7 +30926,7 @@
               <a:t>double height  </a:t>
             </a:r>
             <a:r>
-              <a:rPr lang="ko-KR" altLang="en-US" sz="2800">
+              <a:rPr lang="ko-KR" altLang="en-US" sz="2800" dirty="0">
                 <a:solidFill>
                   <a:schemeClr val="bg1">
                     <a:lumMod val="50000"/>
@@ -30914,7 +30937,7 @@
               </a:rPr>
               <a:t>높이</a:t>
             </a:r>
-            <a:endParaRPr lang="en-US" altLang="ko-KR" sz="2800">
+            <a:endParaRPr lang="en-US" altLang="ko-KR" sz="2800" dirty="0">
               <a:solidFill>
                 <a:schemeClr val="bg1">
                   <a:lumMod val="50000"/>
@@ -30925,7 +30948,7 @@
             </a:endParaRPr>
           </a:p>
           <a:p>
-            <a:endParaRPr lang="en-US" altLang="ko-KR" sz="2800">
+            <a:endParaRPr lang="en-US" altLang="ko-KR" sz="2800" dirty="0">
               <a:solidFill>
                 <a:schemeClr val="bg1">
                   <a:lumMod val="50000"/>
@@ -30937,7 +30960,7 @@
           </a:p>
           <a:p>
             <a:r>
-              <a:rPr lang="ko-KR" altLang="en-US" sz="2800" smtClean="0">
+              <a:rPr lang="ko-KR" altLang="en-US" sz="2800" dirty="0" err="1" smtClean="0">
                 <a:solidFill>
                   <a:schemeClr val="bg1">
                     <a:lumMod val="50000"/>
@@ -30946,10 +30969,10 @@
                 <a:latin typeface="G마켓 산스 Medium" panose="02000000000000000000" pitchFamily="50" charset="-127"/>
                 <a:ea typeface="G마켓 산스 Medium" panose="02000000000000000000" pitchFamily="50" charset="-127"/>
               </a:rPr>
-              <a:t>멤버메서드 </a:t>
-            </a:r>
-            <a:r>
-              <a:rPr lang="en-US" altLang="ko-KR" sz="2800" smtClean="0">
+              <a:t>멤버메서드</a:t>
+            </a:r>
+            <a:r>
+              <a:rPr lang="ko-KR" altLang="en-US" sz="2800" dirty="0" smtClean="0">
                 <a:solidFill>
                   <a:schemeClr val="bg1">
                     <a:lumMod val="50000"/>
@@ -30958,10 +30981,10 @@
                 <a:latin typeface="G마켓 산스 Medium" panose="02000000000000000000" pitchFamily="50" charset="-127"/>
                 <a:ea typeface="G마켓 산스 Medium" panose="02000000000000000000" pitchFamily="50" charset="-127"/>
               </a:rPr>
-              <a:t>double getArea()  </a:t>
-            </a:r>
-            <a:r>
-              <a:rPr lang="ko-KR" altLang="en-US" sz="2800" smtClean="0">
+              <a:t> </a:t>
+            </a:r>
+            <a:r>
+              <a:rPr lang="en-US" altLang="ko-KR" sz="2800" dirty="0" smtClean="0">
                 <a:solidFill>
                   <a:schemeClr val="bg1">
                     <a:lumMod val="50000"/>
@@ -30970,10 +30993,10 @@
                 <a:latin typeface="G마켓 산스 Medium" panose="02000000000000000000" pitchFamily="50" charset="-127"/>
                 <a:ea typeface="G마켓 산스 Medium" panose="02000000000000000000" pitchFamily="50" charset="-127"/>
               </a:rPr>
-              <a:t>해당 도형의 면적을 반환한다</a:t>
-            </a:r>
-            <a:r>
-              <a:rPr lang="en-US" altLang="ko-KR" sz="2800" smtClean="0">
+              <a:t>double </a:t>
+            </a:r>
+            <a:r>
+              <a:rPr lang="en-US" altLang="ko-KR" sz="2800" dirty="0" err="1" smtClean="0">
                 <a:solidFill>
                   <a:schemeClr val="bg1">
                     <a:lumMod val="50000"/>
@@ -30982,12 +31005,10 @@
                 <a:latin typeface="G마켓 산스 Medium" panose="02000000000000000000" pitchFamily="50" charset="-127"/>
                 <a:ea typeface="G마켓 산스 Medium" panose="02000000000000000000" pitchFamily="50" charset="-127"/>
               </a:rPr>
-              <a:t>.  </a:t>
-            </a:r>
-          </a:p>
-          <a:p>
-            <a:r>
-              <a:rPr lang="en-US" altLang="ko-KR" sz="2800">
+              <a:t>getArea</a:t>
+            </a:r>
+            <a:r>
+              <a:rPr lang="en-US" altLang="ko-KR" sz="2800" dirty="0" smtClean="0">
                 <a:solidFill>
                   <a:schemeClr val="bg1">
                     <a:lumMod val="50000"/>
@@ -30996,10 +31017,10 @@
                 <a:latin typeface="G마켓 산스 Medium" panose="02000000000000000000" pitchFamily="50" charset="-127"/>
                 <a:ea typeface="G마켓 산스 Medium" panose="02000000000000000000" pitchFamily="50" charset="-127"/>
               </a:rPr>
-              <a:t> </a:t>
-            </a:r>
-            <a:r>
-              <a:rPr lang="en-US" altLang="ko-KR" sz="2800" smtClean="0">
+              <a:t>()  </a:t>
+            </a:r>
+            <a:r>
+              <a:rPr lang="ko-KR" altLang="en-US" sz="2800" dirty="0" smtClean="0">
                 <a:solidFill>
                   <a:schemeClr val="bg1">
                     <a:lumMod val="50000"/>
@@ -31008,10 +31029,10 @@
                 <a:latin typeface="G마켓 산스 Medium" panose="02000000000000000000" pitchFamily="50" charset="-127"/>
                 <a:ea typeface="G마켓 산스 Medium" panose="02000000000000000000" pitchFamily="50" charset="-127"/>
               </a:rPr>
-              <a:t>                                                    </a:t>
-            </a:r>
-            <a:r>
-              <a:rPr lang="ko-KR" altLang="en-US" sz="2800" smtClean="0">
+              <a:t>해당 도형의 면적을 반환한다</a:t>
+            </a:r>
+            <a:r>
+              <a:rPr lang="en-US" altLang="ko-KR" sz="2800" dirty="0" smtClean="0">
                 <a:solidFill>
                   <a:schemeClr val="bg1">
                     <a:lumMod val="50000"/>
@@ -31020,10 +31041,10 @@
                 <a:latin typeface="G마켓 산스 Medium" panose="02000000000000000000" pitchFamily="50" charset="-127"/>
                 <a:ea typeface="G마켓 산스 Medium" panose="02000000000000000000" pitchFamily="50" charset="-127"/>
               </a:rPr>
-              <a:t>삼각형 </a:t>
-            </a:r>
-            <a:r>
-              <a:rPr lang="en-US" altLang="ko-KR" sz="2800" smtClean="0">
+              <a:t>.</a:t>
+            </a:r>
+            <a:r>
+              <a:rPr lang="ko-KR" altLang="en-US" sz="2800" dirty="0">
                 <a:solidFill>
                   <a:schemeClr val="bg1">
                     <a:lumMod val="50000"/>
@@ -31032,117 +31053,9 @@
                 <a:latin typeface="G마켓 산스 Medium" panose="02000000000000000000" pitchFamily="50" charset="-127"/>
                 <a:ea typeface="G마켓 산스 Medium" panose="02000000000000000000" pitchFamily="50" charset="-127"/>
               </a:rPr>
-              <a:t>= PI x </a:t>
-            </a:r>
-            <a:r>
-              <a:rPr lang="ko-KR" altLang="en-US" sz="2800" smtClean="0">
-                <a:solidFill>
-                  <a:schemeClr val="bg1">
-                    <a:lumMod val="50000"/>
-                  </a:schemeClr>
-                </a:solidFill>
-                <a:latin typeface="G마켓 산스 Medium" panose="02000000000000000000" pitchFamily="50" charset="-127"/>
-                <a:ea typeface="G마켓 산스 Medium" panose="02000000000000000000" pitchFamily="50" charset="-127"/>
-              </a:rPr>
-              <a:t>반지름</a:t>
-            </a:r>
-            <a:r>
-              <a:rPr lang="en-US" altLang="ko-KR" sz="2800" smtClean="0">
-                <a:solidFill>
-                  <a:schemeClr val="bg1">
-                    <a:lumMod val="50000"/>
-                  </a:schemeClr>
-                </a:solidFill>
-                <a:latin typeface="G마켓 산스 Medium" panose="02000000000000000000" pitchFamily="50" charset="-127"/>
-                <a:ea typeface="G마켓 산스 Medium" panose="02000000000000000000" pitchFamily="50" charset="-127"/>
-              </a:rPr>
-              <a:t>x</a:t>
-            </a:r>
-            <a:r>
-              <a:rPr lang="ko-KR" altLang="en-US" sz="2800" smtClean="0">
-                <a:solidFill>
-                  <a:schemeClr val="bg1">
-                    <a:lumMod val="50000"/>
-                  </a:schemeClr>
-                </a:solidFill>
-                <a:latin typeface="G마켓 산스 Medium" panose="02000000000000000000" pitchFamily="50" charset="-127"/>
-                <a:ea typeface="G마켓 산스 Medium" panose="02000000000000000000" pitchFamily="50" charset="-127"/>
-              </a:rPr>
-              <a:t>반지름</a:t>
-            </a:r>
-            <a:r>
-              <a:rPr lang="en-US" altLang="ko-KR" sz="2800" smtClean="0">
-                <a:solidFill>
-                  <a:schemeClr val="bg1">
-                    <a:lumMod val="50000"/>
-                  </a:schemeClr>
-                </a:solidFill>
-                <a:latin typeface="G마켓 산스 Medium" panose="02000000000000000000" pitchFamily="50" charset="-127"/>
-                <a:ea typeface="G마켓 산스 Medium" panose="02000000000000000000" pitchFamily="50" charset="-127"/>
-              </a:rPr>
-              <a:t>   </a:t>
-            </a:r>
-            <a:r>
-              <a:rPr lang="ko-KR" altLang="en-US" sz="2800" smtClean="0">
-                <a:solidFill>
-                  <a:schemeClr val="bg1">
-                    <a:lumMod val="50000"/>
-                  </a:schemeClr>
-                </a:solidFill>
-                <a:latin typeface="G마켓 산스 Medium" panose="02000000000000000000" pitchFamily="50" charset="-127"/>
-                <a:ea typeface="G마켓 산스 Medium" panose="02000000000000000000" pitchFamily="50" charset="-127"/>
-              </a:rPr>
-              <a:t>사각형 </a:t>
-            </a:r>
-            <a:r>
-              <a:rPr lang="en-US" altLang="ko-KR" sz="2800" smtClean="0">
-                <a:solidFill>
-                  <a:schemeClr val="bg1">
-                    <a:lumMod val="50000"/>
-                  </a:schemeClr>
-                </a:solidFill>
-                <a:latin typeface="G마켓 산스 Medium" panose="02000000000000000000" pitchFamily="50" charset="-127"/>
-                <a:ea typeface="G마켓 산스 Medium" panose="02000000000000000000" pitchFamily="50" charset="-127"/>
-              </a:rPr>
-              <a:t>= </a:t>
-            </a:r>
-            <a:r>
-              <a:rPr lang="ko-KR" altLang="en-US" sz="2800" smtClean="0">
-                <a:solidFill>
-                  <a:schemeClr val="bg1">
-                    <a:lumMod val="50000"/>
-                  </a:schemeClr>
-                </a:solidFill>
-                <a:latin typeface="G마켓 산스 Medium" panose="02000000000000000000" pitchFamily="50" charset="-127"/>
-                <a:ea typeface="G마켓 산스 Medium" panose="02000000000000000000" pitchFamily="50" charset="-127"/>
-              </a:rPr>
-              <a:t>가로</a:t>
-            </a:r>
-            <a:r>
-              <a:rPr lang="en-US" altLang="ko-KR" sz="2800" smtClean="0">
-                <a:solidFill>
-                  <a:schemeClr val="bg1">
-                    <a:lumMod val="50000"/>
-                  </a:schemeClr>
-                </a:solidFill>
-                <a:latin typeface="G마켓 산스 Medium" panose="02000000000000000000" pitchFamily="50" charset="-127"/>
-                <a:ea typeface="G마켓 산스 Medium" panose="02000000000000000000" pitchFamily="50" charset="-127"/>
-              </a:rPr>
-              <a:t>x </a:t>
-            </a:r>
-            <a:r>
-              <a:rPr lang="ko-KR" altLang="en-US" sz="2800" smtClean="0">
-                <a:solidFill>
-                  <a:schemeClr val="bg1">
-                    <a:lumMod val="50000"/>
-                  </a:schemeClr>
-                </a:solidFill>
-                <a:latin typeface="G마켓 산스 Medium" panose="02000000000000000000" pitchFamily="50" charset="-127"/>
-                <a:ea typeface="G마켓 산스 Medium" panose="02000000000000000000" pitchFamily="50" charset="-127"/>
-              </a:rPr>
-              <a:t>세로</a:t>
-            </a:r>
-            <a:endParaRPr lang="en-US" altLang="ko-KR" sz="2800" smtClean="0">
+              <a:t> </a:t>
+            </a:r>
+            <a:endParaRPr lang="en-US" altLang="ko-KR" sz="2800" dirty="0" smtClean="0">
               <a:solidFill>
                 <a:schemeClr val="bg1">
                   <a:lumMod val="50000"/>
@@ -31154,7 +31067,7 @@
           </a:p>
           <a:p>
             <a:r>
-              <a:rPr lang="en-US" altLang="ko-KR" sz="2800">
+              <a:rPr lang="en-US" altLang="ko-KR" sz="2800" dirty="0">
                 <a:solidFill>
                   <a:schemeClr val="bg1">
                     <a:lumMod val="50000"/>
@@ -31166,7 +31079,7 @@
               <a:t> </a:t>
             </a:r>
             <a:r>
-              <a:rPr lang="en-US" altLang="ko-KR" sz="2800" smtClean="0">
+              <a:rPr lang="en-US" altLang="ko-KR" sz="2800" dirty="0" smtClean="0">
                 <a:solidFill>
                   <a:schemeClr val="bg1">
                     <a:lumMod val="50000"/>
@@ -31175,10 +31088,10 @@
                 <a:latin typeface="G마켓 산스 Medium" panose="02000000000000000000" pitchFamily="50" charset="-127"/>
                 <a:ea typeface="G마켓 산스 Medium" panose="02000000000000000000" pitchFamily="50" charset="-127"/>
               </a:rPr>
-              <a:t>                  boolean isSquare() </a:t>
-            </a:r>
-            <a:r>
-              <a:rPr lang="ko-KR" altLang="en-US" sz="2800">
+              <a:t>                          </a:t>
+            </a:r>
+            <a:r>
+              <a:rPr lang="ko-KR" altLang="en-US" sz="2800" dirty="0" smtClean="0">
                 <a:solidFill>
                   <a:schemeClr val="bg1">
                     <a:lumMod val="50000"/>
@@ -31187,10 +31100,10 @@
                 <a:latin typeface="G마켓 산스 Medium" panose="02000000000000000000" pitchFamily="50" charset="-127"/>
                 <a:ea typeface="G마켓 산스 Medium" panose="02000000000000000000" pitchFamily="50" charset="-127"/>
               </a:rPr>
-              <a:t>정사각형이면 </a:t>
-            </a:r>
-            <a:r>
-              <a:rPr lang="en-US" altLang="ko-KR" sz="2800">
+              <a:t>삼각형 </a:t>
+            </a:r>
+            <a:r>
+              <a:rPr lang="en-US" altLang="ko-KR" sz="2800" dirty="0">
                 <a:solidFill>
                   <a:schemeClr val="bg1">
                     <a:lumMod val="50000"/>
@@ -31199,10 +31112,10 @@
                 <a:latin typeface="G마켓 산스 Medium" panose="02000000000000000000" pitchFamily="50" charset="-127"/>
                 <a:ea typeface="G마켓 산스 Medium" panose="02000000000000000000" pitchFamily="50" charset="-127"/>
               </a:rPr>
-              <a:t>true</a:t>
-            </a:r>
-            <a:r>
-              <a:rPr lang="ko-KR" altLang="en-US" sz="2800">
+              <a:t>= PI x </a:t>
+            </a:r>
+            <a:r>
+              <a:rPr lang="ko-KR" altLang="en-US" sz="2800" dirty="0">
                 <a:solidFill>
                   <a:schemeClr val="bg1">
                     <a:lumMod val="50000"/>
@@ -31211,10 +31124,10 @@
                 <a:latin typeface="G마켓 산스 Medium" panose="02000000000000000000" pitchFamily="50" charset="-127"/>
                 <a:ea typeface="G마켓 산스 Medium" panose="02000000000000000000" pitchFamily="50" charset="-127"/>
               </a:rPr>
-              <a:t>를 반환한다</a:t>
-            </a:r>
-            <a:r>
-              <a:rPr lang="en-US" altLang="ko-KR" sz="2800">
+              <a:t>반지름</a:t>
+            </a:r>
+            <a:r>
+              <a:rPr lang="en-US" altLang="ko-KR" sz="2800" dirty="0">
                 <a:solidFill>
                   <a:schemeClr val="bg1">
                     <a:lumMod val="50000"/>
@@ -31223,11 +31136,107 @@
                 <a:latin typeface="G마켓 산스 Medium" panose="02000000000000000000" pitchFamily="50" charset="-127"/>
                 <a:ea typeface="G마켓 산스 Medium" panose="02000000000000000000" pitchFamily="50" charset="-127"/>
               </a:rPr>
-              <a:t>.</a:t>
+              <a:t>x</a:t>
+            </a:r>
+            <a:r>
+              <a:rPr lang="ko-KR" altLang="en-US" sz="2800" dirty="0">
+                <a:solidFill>
+                  <a:schemeClr val="bg1">
+                    <a:lumMod val="50000"/>
+                  </a:schemeClr>
+                </a:solidFill>
+                <a:latin typeface="G마켓 산스 Medium" panose="02000000000000000000" pitchFamily="50" charset="-127"/>
+                <a:ea typeface="G마켓 산스 Medium" panose="02000000000000000000" pitchFamily="50" charset="-127"/>
+              </a:rPr>
+              <a:t>반지름</a:t>
+            </a:r>
+            <a:r>
+              <a:rPr lang="en-US" altLang="ko-KR" sz="2800" dirty="0">
+                <a:solidFill>
+                  <a:schemeClr val="bg1">
+                    <a:lumMod val="50000"/>
+                  </a:schemeClr>
+                </a:solidFill>
+                <a:latin typeface="G마켓 산스 Medium" panose="02000000000000000000" pitchFamily="50" charset="-127"/>
+                <a:ea typeface="G마켓 산스 Medium" panose="02000000000000000000" pitchFamily="50" charset="-127"/>
+              </a:rPr>
+              <a:t>   </a:t>
+            </a:r>
+            <a:r>
+              <a:rPr lang="ko-KR" altLang="en-US" sz="2800" dirty="0">
+                <a:solidFill>
+                  <a:schemeClr val="bg1">
+                    <a:lumMod val="50000"/>
+                  </a:schemeClr>
+                </a:solidFill>
+                <a:latin typeface="G마켓 산스 Medium" panose="02000000000000000000" pitchFamily="50" charset="-127"/>
+                <a:ea typeface="G마켓 산스 Medium" panose="02000000000000000000" pitchFamily="50" charset="-127"/>
+              </a:rPr>
+              <a:t>사각형 </a:t>
+            </a:r>
+            <a:r>
+              <a:rPr lang="en-US" altLang="ko-KR" sz="2800" dirty="0">
+                <a:solidFill>
+                  <a:schemeClr val="bg1">
+                    <a:lumMod val="50000"/>
+                  </a:schemeClr>
+                </a:solidFill>
+                <a:latin typeface="G마켓 산스 Medium" panose="02000000000000000000" pitchFamily="50" charset="-127"/>
+                <a:ea typeface="G마켓 산스 Medium" panose="02000000000000000000" pitchFamily="50" charset="-127"/>
+              </a:rPr>
+              <a:t>= </a:t>
+            </a:r>
+            <a:r>
+              <a:rPr lang="ko-KR" altLang="en-US" sz="2800" dirty="0">
+                <a:solidFill>
+                  <a:schemeClr val="bg1">
+                    <a:lumMod val="50000"/>
+                  </a:schemeClr>
+                </a:solidFill>
+                <a:latin typeface="G마켓 산스 Medium" panose="02000000000000000000" pitchFamily="50" charset="-127"/>
+                <a:ea typeface="G마켓 산스 Medium" panose="02000000000000000000" pitchFamily="50" charset="-127"/>
+              </a:rPr>
+              <a:t>가로</a:t>
+            </a:r>
+            <a:r>
+              <a:rPr lang="en-US" altLang="ko-KR" sz="2800" dirty="0">
+                <a:solidFill>
+                  <a:schemeClr val="bg1">
+                    <a:lumMod val="50000"/>
+                  </a:schemeClr>
+                </a:solidFill>
+                <a:latin typeface="G마켓 산스 Medium" panose="02000000000000000000" pitchFamily="50" charset="-127"/>
+                <a:ea typeface="G마켓 산스 Medium" panose="02000000000000000000" pitchFamily="50" charset="-127"/>
+              </a:rPr>
+              <a:t>x </a:t>
+            </a:r>
+            <a:r>
+              <a:rPr lang="ko-KR" altLang="en-US" sz="2800" dirty="0">
+                <a:solidFill>
+                  <a:schemeClr val="bg1">
+                    <a:lumMod val="50000"/>
+                  </a:schemeClr>
+                </a:solidFill>
+                <a:latin typeface="G마켓 산스 Medium" panose="02000000000000000000" pitchFamily="50" charset="-127"/>
+                <a:ea typeface="G마켓 산스 Medium" panose="02000000000000000000" pitchFamily="50" charset="-127"/>
+              </a:rPr>
+              <a:t>세로</a:t>
+            </a:r>
+            <a:r>
+              <a:rPr lang="en-US" altLang="ko-KR" sz="2800" dirty="0" smtClean="0">
+                <a:solidFill>
+                  <a:schemeClr val="bg1">
+                    <a:lumMod val="50000"/>
+                  </a:schemeClr>
+                </a:solidFill>
+                <a:latin typeface="G마켓 산스 Medium" panose="02000000000000000000" pitchFamily="50" charset="-127"/>
+                <a:ea typeface="G마켓 산스 Medium" panose="02000000000000000000" pitchFamily="50" charset="-127"/>
+              </a:rPr>
+              <a:t>  </a:t>
             </a:r>
           </a:p>
           <a:p>
-            <a:endParaRPr lang="en-US" altLang="ko-KR" sz="2800" smtClean="0">
+            <a:endParaRPr lang="en-US" altLang="ko-KR" sz="2800" dirty="0" smtClean="0">
               <a:solidFill>
                 <a:schemeClr val="bg1">
                   <a:lumMod val="50000"/>
@@ -31238,52 +31247,108 @@
             </a:endParaRPr>
           </a:p>
           <a:p>
-            <a:endParaRPr lang="en-US" altLang="ko-KR" sz="2800">
-              <a:solidFill>
-                <a:schemeClr val="bg1">
-                  <a:lumMod val="50000"/>
-                </a:schemeClr>
-              </a:solidFill>
-              <a:latin typeface="G마켓 산스 Medium" panose="02000000000000000000" pitchFamily="50" charset="-127"/>
-              <a:ea typeface="G마켓 산스 Medium" panose="02000000000000000000" pitchFamily="50" charset="-127"/>
-            </a:endParaRPr>
-          </a:p>
-          <a:p>
-            <a:endParaRPr lang="en-US" altLang="ko-KR" sz="2800" smtClean="0">
-              <a:solidFill>
-                <a:schemeClr val="bg1">
-                  <a:lumMod val="50000"/>
-                </a:schemeClr>
-              </a:solidFill>
-              <a:latin typeface="G마켓 산스 Medium" panose="02000000000000000000" pitchFamily="50" charset="-127"/>
-              <a:ea typeface="G마켓 산스 Medium" panose="02000000000000000000" pitchFamily="50" charset="-127"/>
-            </a:endParaRPr>
-          </a:p>
-          <a:p>
-            <a:r>
-              <a:rPr lang="en-US" altLang="ko-KR" sz="3200" smtClean="0">
-                <a:solidFill>
-                  <a:srgbClr val="4C50BC"/>
-                </a:solidFill>
-                <a:latin typeface="G마켓 산스 Medium" panose="02000000000000000000" pitchFamily="50" charset="-127"/>
-                <a:ea typeface="G마켓 산스 Medium" panose="02000000000000000000" pitchFamily="50" charset="-127"/>
-              </a:rPr>
-              <a:t>4. equals </a:t>
-            </a:r>
-            <a:r>
-              <a:rPr lang="ko-KR" altLang="en-US" sz="3200" smtClean="0">
-                <a:solidFill>
-                  <a:srgbClr val="4C50BC"/>
-                </a:solidFill>
-                <a:latin typeface="G마켓 산스 Medium" panose="02000000000000000000" pitchFamily="50" charset="-127"/>
-                <a:ea typeface="G마켓 산스 Medium" panose="02000000000000000000" pitchFamily="50" charset="-127"/>
-              </a:rPr>
-              <a:t>메서드를 오버라이딩 하여 면적이 같으면 </a:t>
-            </a:r>
-            <a:r>
-              <a:rPr lang="en-US" altLang="ko-KR" sz="3200" smtClean="0">
-                <a:solidFill>
-                  <a:srgbClr val="4C50BC"/>
+            <a:r>
+              <a:rPr lang="ko-KR" altLang="en-US" sz="2800" dirty="0" smtClean="0">
+                <a:solidFill>
+                  <a:schemeClr val="bg1">
+                    <a:lumMod val="50000"/>
+                  </a:schemeClr>
+                </a:solidFill>
+                <a:latin typeface="G마켓 산스 Medium" panose="02000000000000000000" pitchFamily="50" charset="-127"/>
+                <a:ea typeface="G마켓 산스 Medium" panose="02000000000000000000" pitchFamily="50" charset="-127"/>
+              </a:rPr>
+              <a:t>   </a:t>
+            </a:r>
+            <a:r>
+              <a:rPr lang="en-US" altLang="ko-KR" sz="2800" dirty="0">
+                <a:solidFill>
+                  <a:schemeClr val="bg1">
+                    <a:lumMod val="50000"/>
+                  </a:schemeClr>
+                </a:solidFill>
+                <a:latin typeface="G마켓 산스 Medium" panose="02000000000000000000" pitchFamily="50" charset="-127"/>
+                <a:ea typeface="G마켓 산스 Medium" panose="02000000000000000000" pitchFamily="50" charset="-127"/>
+              </a:rPr>
+              <a:t>	 </a:t>
+            </a:r>
+            <a:r>
+              <a:rPr lang="en-US" altLang="ko-KR" sz="2800" dirty="0" smtClean="0">
+                <a:solidFill>
+                  <a:schemeClr val="bg1">
+                    <a:lumMod val="50000"/>
+                  </a:schemeClr>
+                </a:solidFill>
+                <a:latin typeface="G마켓 산스 Medium" panose="02000000000000000000" pitchFamily="50" charset="-127"/>
+                <a:ea typeface="G마켓 산스 Medium" panose="02000000000000000000" pitchFamily="50" charset="-127"/>
+              </a:rPr>
+              <a:t>    </a:t>
+            </a:r>
+            <a:r>
+              <a:rPr lang="en-US" altLang="ko-KR" sz="2800" dirty="0" err="1" smtClean="0">
+                <a:solidFill>
+                  <a:schemeClr val="bg1">
+                    <a:lumMod val="50000"/>
+                  </a:schemeClr>
+                </a:solidFill>
+                <a:latin typeface="G마켓 산스 Medium" panose="02000000000000000000" pitchFamily="50" charset="-127"/>
+                <a:ea typeface="G마켓 산스 Medium" panose="02000000000000000000" pitchFamily="50" charset="-127"/>
+              </a:rPr>
+              <a:t>boolean</a:t>
+            </a:r>
+            <a:r>
+              <a:rPr lang="en-US" altLang="ko-KR" sz="2800" dirty="0" smtClean="0">
+                <a:solidFill>
+                  <a:schemeClr val="bg1">
+                    <a:lumMod val="50000"/>
+                  </a:schemeClr>
+                </a:solidFill>
+                <a:latin typeface="G마켓 산스 Medium" panose="02000000000000000000" pitchFamily="50" charset="-127"/>
+                <a:ea typeface="G마켓 산스 Medium" panose="02000000000000000000" pitchFamily="50" charset="-127"/>
+              </a:rPr>
+              <a:t> </a:t>
+            </a:r>
+            <a:r>
+              <a:rPr lang="en-US" altLang="ko-KR" sz="2800" dirty="0" err="1" smtClean="0">
+                <a:solidFill>
+                  <a:schemeClr val="bg1">
+                    <a:lumMod val="50000"/>
+                  </a:schemeClr>
+                </a:solidFill>
+                <a:latin typeface="G마켓 산스 Medium" panose="02000000000000000000" pitchFamily="50" charset="-127"/>
+                <a:ea typeface="G마켓 산스 Medium" panose="02000000000000000000" pitchFamily="50" charset="-127"/>
+              </a:rPr>
+              <a:t>isSquare</a:t>
+            </a:r>
+            <a:r>
+              <a:rPr lang="en-US" altLang="ko-KR" sz="2800" dirty="0" smtClean="0">
+                <a:solidFill>
+                  <a:schemeClr val="bg1">
+                    <a:lumMod val="50000"/>
+                  </a:schemeClr>
+                </a:solidFill>
+                <a:latin typeface="G마켓 산스 Medium" panose="02000000000000000000" pitchFamily="50" charset="-127"/>
+                <a:ea typeface="G마켓 산스 Medium" panose="02000000000000000000" pitchFamily="50" charset="-127"/>
+              </a:rPr>
+              <a:t>() </a:t>
+            </a:r>
+            <a:r>
+              <a:rPr lang="ko-KR" altLang="en-US" sz="2800" dirty="0">
+                <a:solidFill>
+                  <a:schemeClr val="bg1">
+                    <a:lumMod val="50000"/>
+                  </a:schemeClr>
+                </a:solidFill>
+                <a:latin typeface="G마켓 산스 Medium" panose="02000000000000000000" pitchFamily="50" charset="-127"/>
+                <a:ea typeface="G마켓 산스 Medium" panose="02000000000000000000" pitchFamily="50" charset="-127"/>
+              </a:rPr>
+              <a:t>정사각형이면 </a:t>
+            </a:r>
+            <a:r>
+              <a:rPr lang="en-US" altLang="ko-KR" sz="2800" dirty="0">
+                <a:solidFill>
+                  <a:schemeClr val="bg1">
+                    <a:lumMod val="50000"/>
+                  </a:schemeClr>
                 </a:solidFill>
                 <a:latin typeface="G마켓 산스 Medium" panose="02000000000000000000" pitchFamily="50" charset="-127"/>
                 <a:ea typeface="G마켓 산스 Medium" panose="02000000000000000000" pitchFamily="50" charset="-127"/>
@@ -31291,109 +31356,30 @@
               <a:t>true</a:t>
             </a:r>
             <a:r>
-              <a:rPr lang="ko-KR" altLang="en-US" sz="3200" smtClean="0">
-                <a:solidFill>
-                  <a:srgbClr val="4C50BC"/>
-                </a:solidFill>
-                <a:latin typeface="G마켓 산스 Medium" panose="02000000000000000000" pitchFamily="50" charset="-127"/>
-                <a:ea typeface="G마켓 산스 Medium" panose="02000000000000000000" pitchFamily="50" charset="-127"/>
-              </a:rPr>
-              <a:t>가 반환되도록 하자</a:t>
-            </a:r>
-            <a:r>
-              <a:rPr lang="en-US" altLang="ko-KR" sz="3200" smtClean="0">
-                <a:solidFill>
-                  <a:srgbClr val="4C50BC"/>
+              <a:rPr lang="ko-KR" altLang="en-US" sz="2800" dirty="0">
+                <a:solidFill>
+                  <a:schemeClr val="bg1">
+                    <a:lumMod val="50000"/>
+                  </a:schemeClr>
+                </a:solidFill>
+                <a:latin typeface="G마켓 산스 Medium" panose="02000000000000000000" pitchFamily="50" charset="-127"/>
+                <a:ea typeface="G마켓 산스 Medium" panose="02000000000000000000" pitchFamily="50" charset="-127"/>
+              </a:rPr>
+              <a:t>를 반환한다</a:t>
+            </a:r>
+            <a:r>
+              <a:rPr lang="en-US" altLang="ko-KR" sz="2800" dirty="0" smtClean="0">
+                <a:solidFill>
+                  <a:schemeClr val="bg1">
+                    <a:lumMod val="50000"/>
+                  </a:schemeClr>
                 </a:solidFill>
                 <a:latin typeface="G마켓 산스 Medium" panose="02000000000000000000" pitchFamily="50" charset="-127"/>
                 <a:ea typeface="G마켓 산스 Medium" panose="02000000000000000000" pitchFamily="50" charset="-127"/>
               </a:rPr>
               <a:t>.</a:t>
             </a:r>
-          </a:p>
-          <a:p>
-            <a:r>
-              <a:rPr lang="en-US" altLang="ko-KR" sz="3200">
-                <a:solidFill>
-                  <a:srgbClr val="4C50BC"/>
-                </a:solidFill>
-                <a:latin typeface="G마켓 산스 Medium" panose="02000000000000000000" pitchFamily="50" charset="-127"/>
-                <a:ea typeface="G마켓 산스 Medium" panose="02000000000000000000" pitchFamily="50" charset="-127"/>
-              </a:rPr>
-              <a:t> </a:t>
-            </a:r>
-            <a:r>
-              <a:rPr lang="en-US" altLang="ko-KR" sz="3200" smtClean="0">
-                <a:solidFill>
-                  <a:srgbClr val="4C50BC"/>
-                </a:solidFill>
-                <a:latin typeface="G마켓 산스 Medium" panose="02000000000000000000" pitchFamily="50" charset="-127"/>
-                <a:ea typeface="G마켓 산스 Medium" panose="02000000000000000000" pitchFamily="50" charset="-127"/>
-              </a:rPr>
-              <a:t>   - object </a:t>
-            </a:r>
-            <a:r>
-              <a:rPr lang="ko-KR" altLang="en-US" sz="3200" smtClean="0">
-                <a:solidFill>
-                  <a:srgbClr val="4C50BC"/>
-                </a:solidFill>
-                <a:latin typeface="G마켓 산스 Medium" panose="02000000000000000000" pitchFamily="50" charset="-127"/>
-                <a:ea typeface="G마켓 산스 Medium" panose="02000000000000000000" pitchFamily="50" charset="-127"/>
-              </a:rPr>
-              <a:t>클래스의 </a:t>
-            </a:r>
-            <a:r>
-              <a:rPr lang="en-US" altLang="ko-KR" sz="3200" smtClean="0">
-                <a:solidFill>
-                  <a:srgbClr val="4C50BC"/>
-                </a:solidFill>
-                <a:latin typeface="G마켓 산스 Medium" panose="02000000000000000000" pitchFamily="50" charset="-127"/>
-                <a:ea typeface="G마켓 산스 Medium" panose="02000000000000000000" pitchFamily="50" charset="-127"/>
-              </a:rPr>
-              <a:t>equals </a:t>
-            </a:r>
-            <a:r>
-              <a:rPr lang="ko-KR" altLang="en-US" sz="3200" smtClean="0">
-                <a:solidFill>
-                  <a:srgbClr val="4C50BC"/>
-                </a:solidFill>
-                <a:latin typeface="G마켓 산스 Medium" panose="02000000000000000000" pitchFamily="50" charset="-127"/>
-                <a:ea typeface="G마켓 산스 Medium" panose="02000000000000000000" pitchFamily="50" charset="-127"/>
-              </a:rPr>
-              <a:t>메서드의 원형은 아래와 같다</a:t>
-            </a:r>
-            <a:r>
-              <a:rPr lang="en-US" altLang="ko-KR" sz="3200" smtClean="0">
-                <a:solidFill>
-                  <a:srgbClr val="4C50BC"/>
-                </a:solidFill>
-                <a:latin typeface="G마켓 산스 Medium" panose="02000000000000000000" pitchFamily="50" charset="-127"/>
-                <a:ea typeface="G마켓 산스 Medium" panose="02000000000000000000" pitchFamily="50" charset="-127"/>
-              </a:rPr>
-              <a:t>.</a:t>
-            </a:r>
-          </a:p>
-          <a:p>
-            <a:endParaRPr lang="en-US" altLang="ko-KR" sz="3200" smtClean="0">
-              <a:solidFill>
-                <a:srgbClr val="4C50BC"/>
-              </a:solidFill>
-              <a:latin typeface="G마켓 산스 Medium" panose="02000000000000000000" pitchFamily="50" charset="-127"/>
-              <a:ea typeface="G마켓 산스 Medium" panose="02000000000000000000" pitchFamily="50" charset="-127"/>
-            </a:endParaRPr>
-          </a:p>
-          <a:p>
-            <a:r>
-              <a:rPr lang="en-US" altLang="ko-KR" sz="3200" smtClean="0">
-                <a:solidFill>
-                  <a:srgbClr val="4C50BC"/>
-                </a:solidFill>
-                <a:latin typeface="G마켓 산스 Medium" panose="02000000000000000000" pitchFamily="50" charset="-127"/>
-                <a:ea typeface="G마켓 산스 Medium" panose="02000000000000000000" pitchFamily="50" charset="-127"/>
-              </a:rPr>
-              <a:t>public boolean equals(Object obj)  </a:t>
-            </a:r>
-            <a:endParaRPr lang="en-US" altLang="ko-KR" sz="3200">
+            <a:endParaRPr lang="en-US" altLang="ko-KR" sz="2800" dirty="0">
               <a:solidFill>
                 <a:schemeClr val="bg1">
                   <a:lumMod val="50000"/>
@@ -31405,6 +31391,30 @@
           </a:p>
         </p:txBody>
       </p:sp>
+      <p:pic>
+        <p:nvPicPr>
+          <p:cNvPr id="2" name="그림 1"/>
+          <p:cNvPicPr>
+            <a:picLocks noChangeAspect="1"/>
+          </p:cNvPicPr>
+          <p:nvPr/>
+        </p:nvPicPr>
+        <p:blipFill>
+          <a:blip r:embed="rId2"/>
+          <a:stretch>
+            <a:fillRect/>
+          </a:stretch>
+        </p:blipFill>
+        <p:spPr>
+          <a:xfrm>
+            <a:off x="609600" y="5298103"/>
+            <a:ext cx="12622086" cy="4264997"/>
+          </a:xfrm>
+          <a:prstGeom prst="rect">
+            <a:avLst/>
+          </a:prstGeom>
+        </p:spPr>
+      </p:pic>
     </p:spTree>
     <p:extLst>
       <p:ext uri="{BB962C8B-B14F-4D97-AF65-F5344CB8AC3E}">
@@ -31426,6 +31436,954 @@
 </file>
 
 <file path=ppt/slides/slide62.xml><?xml version="1.0" encoding="utf-8"?>
+<p:sld xmlns:a="http://schemas.openxmlformats.org/drawingml/2006/main" xmlns:r="http://schemas.openxmlformats.org/officeDocument/2006/relationships" xmlns:p="http://schemas.openxmlformats.org/presentationml/2006/main">
+  <p:cSld>
+    <p:spTree>
+      <p:nvGrpSpPr>
+        <p:cNvPr id="1" name=""/>
+        <p:cNvGrpSpPr/>
+        <p:nvPr/>
+      </p:nvGrpSpPr>
+      <p:grpSpPr>
+        <a:xfrm>
+          <a:off x="0" y="0"/>
+          <a:ext cx="0" cy="0"/>
+          <a:chOff x="0" y="0"/>
+          <a:chExt cx="0" cy="0"/>
+        </a:xfrm>
+      </p:grpSpPr>
+      <p:pic>
+        <p:nvPicPr>
+          <p:cNvPr id="4" name="그림 3"/>
+          <p:cNvPicPr>
+            <a:picLocks noChangeAspect="1"/>
+          </p:cNvPicPr>
+          <p:nvPr/>
+        </p:nvPicPr>
+        <p:blipFill>
+          <a:blip r:embed="rId2"/>
+          <a:stretch>
+            <a:fillRect/>
+          </a:stretch>
+        </p:blipFill>
+        <p:spPr>
+          <a:xfrm>
+            <a:off x="532932" y="199303"/>
+            <a:ext cx="6401268" cy="9874683"/>
+          </a:xfrm>
+          <a:prstGeom prst="rect">
+            <a:avLst/>
+          </a:prstGeom>
+        </p:spPr>
+      </p:pic>
+      <p:pic>
+        <p:nvPicPr>
+          <p:cNvPr id="5" name="그림 4"/>
+          <p:cNvPicPr>
+            <a:picLocks noChangeAspect="1"/>
+          </p:cNvPicPr>
+          <p:nvPr/>
+        </p:nvPicPr>
+        <p:blipFill>
+          <a:blip r:embed="rId3"/>
+          <a:stretch>
+            <a:fillRect/>
+          </a:stretch>
+        </p:blipFill>
+        <p:spPr>
+          <a:xfrm>
+            <a:off x="8000999" y="199303"/>
+            <a:ext cx="8926267" cy="9874683"/>
+          </a:xfrm>
+          <a:prstGeom prst="rect">
+            <a:avLst/>
+          </a:prstGeom>
+        </p:spPr>
+      </p:pic>
+      <p:sp>
+        <p:nvSpPr>
+          <p:cNvPr id="6" name="직사각형 5">
+            <a:extLst>
+              <a:ext uri="{FF2B5EF4-FFF2-40B4-BE49-F238E27FC236}">
+                <a16:creationId xmlns:a16="http://schemas.microsoft.com/office/drawing/2014/main" xmlns="" id="{FFF506F9-840A-0508-4CAF-3AC711D8D5CE}"/>
+              </a:ext>
+            </a:extLst>
+          </p:cNvPr>
+          <p:cNvSpPr/>
+          <p:nvPr/>
+        </p:nvSpPr>
+        <p:spPr>
+          <a:xfrm>
+            <a:off x="1524000" y="1562100"/>
+            <a:ext cx="3276600" cy="1676400"/>
+          </a:xfrm>
+          <a:prstGeom prst="rect">
+            <a:avLst/>
+          </a:prstGeom>
+          <a:noFill/>
+          <a:ln>
+            <a:solidFill>
+              <a:srgbClr val="FF0000"/>
+            </a:solidFill>
+          </a:ln>
+        </p:spPr>
+        <p:style>
+          <a:lnRef idx="2">
+            <a:schemeClr val="accent2">
+              <a:shade val="50000"/>
+            </a:schemeClr>
+          </a:lnRef>
+          <a:fillRef idx="1">
+            <a:schemeClr val="accent2"/>
+          </a:fillRef>
+          <a:effectRef idx="0">
+            <a:schemeClr val="accent2"/>
+          </a:effectRef>
+          <a:fontRef idx="minor">
+            <a:schemeClr val="lt1"/>
+          </a:fontRef>
+        </p:style>
+        <p:txBody>
+          <a:bodyPr rtlCol="0" anchor="ctr"/>
+          <a:lstStyle/>
+          <a:p>
+            <a:pPr algn="ctr"/>
+            <a:endParaRPr lang="ko-KR" altLang="en-US"/>
+          </a:p>
+        </p:txBody>
+      </p:sp>
+      <p:pic>
+        <p:nvPicPr>
+          <p:cNvPr id="7" name="그림 6"/>
+          <p:cNvPicPr>
+            <a:picLocks noChangeAspect="1"/>
+          </p:cNvPicPr>
+          <p:nvPr/>
+        </p:nvPicPr>
+        <p:blipFill>
+          <a:blip r:embed="rId4">
+            <a:extLst>
+              <a:ext uri="{BEBA8EAE-BF5A-486C-A8C5-ECC9F3942E4B}">
+                <a14:imgProps xmlns:a14="http://schemas.microsoft.com/office/drawing/2010/main">
+                  <a14:imgLayer r:embed="rId5">
+                    <a14:imgEffect>
+                      <a14:artisticGlass/>
+                    </a14:imgEffect>
+                  </a14:imgLayer>
+                </a14:imgProps>
+              </a:ext>
+            </a:extLst>
+          </a:blip>
+          <a:stretch>
+            <a:fillRect/>
+          </a:stretch>
+        </p:blipFill>
+        <p:spPr>
+          <a:xfrm>
+            <a:off x="533400" y="190500"/>
+            <a:ext cx="6401268" cy="9874683"/>
+          </a:xfrm>
+          <a:prstGeom prst="rect">
+            <a:avLst/>
+          </a:prstGeom>
+        </p:spPr>
+      </p:pic>
+      <p:pic>
+        <p:nvPicPr>
+          <p:cNvPr id="8" name="그림 7"/>
+          <p:cNvPicPr>
+            <a:picLocks noChangeAspect="1"/>
+          </p:cNvPicPr>
+          <p:nvPr/>
+        </p:nvPicPr>
+        <p:blipFill>
+          <a:blip r:embed="rId6">
+            <a:extLst>
+              <a:ext uri="{BEBA8EAE-BF5A-486C-A8C5-ECC9F3942E4B}">
+                <a14:imgProps xmlns:a14="http://schemas.microsoft.com/office/drawing/2010/main">
+                  <a14:imgLayer r:embed="rId7">
+                    <a14:imgEffect>
+                      <a14:artisticGlass/>
+                    </a14:imgEffect>
+                  </a14:imgLayer>
+                </a14:imgProps>
+              </a:ext>
+            </a:extLst>
+          </a:blip>
+          <a:stretch>
+            <a:fillRect/>
+          </a:stretch>
+        </p:blipFill>
+        <p:spPr>
+          <a:xfrm>
+            <a:off x="8001000" y="190500"/>
+            <a:ext cx="8926267" cy="9874683"/>
+          </a:xfrm>
+          <a:prstGeom prst="rect">
+            <a:avLst/>
+          </a:prstGeom>
+        </p:spPr>
+      </p:pic>
+    </p:spTree>
+    <p:extLst>
+      <p:ext uri="{BB962C8B-B14F-4D97-AF65-F5344CB8AC3E}">
+        <p14:creationId xmlns:p14="http://schemas.microsoft.com/office/powerpoint/2010/main" val="2635262940"/>
+      </p:ext>
+    </p:extLst>
+  </p:cSld>
+  <p:clrMapOvr>
+    <a:masterClrMapping/>
+  </p:clrMapOvr>
+  <p:timing>
+    <p:tnLst>
+      <p:par>
+        <p:cTn id="1" dur="indefinite" restart="never" nodeType="tmRoot">
+          <p:childTnLst>
+            <p:seq concurrent="1" nextAc="seek">
+              <p:cTn id="2" dur="indefinite" nodeType="mainSeq">
+                <p:childTnLst>
+                  <p:par>
+                    <p:cTn id="3" fill="hold">
+                      <p:stCondLst>
+                        <p:cond delay="indefinite"/>
+                      </p:stCondLst>
+                      <p:childTnLst>
+                        <p:par>
+                          <p:cTn id="4" fill="hold">
+                            <p:stCondLst>
+                              <p:cond delay="0"/>
+                            </p:stCondLst>
+                            <p:childTnLst>
+                              <p:par>
+                                <p:cTn id="5" presetID="1" presetClass="exit" presetSubtype="0" fill="hold" nodeType="clickEffect">
+                                  <p:stCondLst>
+                                    <p:cond delay="0"/>
+                                  </p:stCondLst>
+                                  <p:childTnLst>
+                                    <p:set>
+                                      <p:cBhvr>
+                                        <p:cTn id="6" dur="1" fill="hold">
+                                          <p:stCondLst>
+                                            <p:cond delay="0"/>
+                                          </p:stCondLst>
+                                        </p:cTn>
+                                        <p:tgtEl>
+                                          <p:spTgt spid="7"/>
+                                        </p:tgtEl>
+                                        <p:attrNameLst>
+                                          <p:attrName>style.visibility</p:attrName>
+                                        </p:attrNameLst>
+                                      </p:cBhvr>
+                                      <p:to>
+                                        <p:strVal val="hidden"/>
+                                      </p:to>
+                                    </p:set>
+                                  </p:childTnLst>
+                                </p:cTn>
+                              </p:par>
+                              <p:par>
+                                <p:cTn id="7" presetID="1" presetClass="exit" presetSubtype="0" fill="hold" nodeType="withEffect">
+                                  <p:stCondLst>
+                                    <p:cond delay="0"/>
+                                  </p:stCondLst>
+                                  <p:childTnLst>
+                                    <p:set>
+                                      <p:cBhvr>
+                                        <p:cTn id="8" dur="1" fill="hold">
+                                          <p:stCondLst>
+                                            <p:cond delay="0"/>
+                                          </p:stCondLst>
+                                        </p:cTn>
+                                        <p:tgtEl>
+                                          <p:spTgt spid="8"/>
+                                        </p:tgtEl>
+                                        <p:attrNameLst>
+                                          <p:attrName>style.visibility</p:attrName>
+                                        </p:attrNameLst>
+                                      </p:cBhvr>
+                                      <p:to>
+                                        <p:strVal val="hidden"/>
+                                      </p:to>
+                                    </p:set>
+                                  </p:childTnLst>
+                                </p:cTn>
+                              </p:par>
+                            </p:childTnLst>
+                          </p:cTn>
+                        </p:par>
+                      </p:childTnLst>
+                    </p:cTn>
+                  </p:par>
+                </p:childTnLst>
+              </p:cTn>
+              <p:prevCondLst>
+                <p:cond evt="onPrev" delay="0">
+                  <p:tgtEl>
+                    <p:sldTgt/>
+                  </p:tgtEl>
+                </p:cond>
+              </p:prevCondLst>
+              <p:nextCondLst>
+                <p:cond evt="onNext" delay="0">
+                  <p:tgtEl>
+                    <p:sldTgt/>
+                  </p:tgtEl>
+                </p:cond>
+              </p:nextCondLst>
+            </p:seq>
+          </p:childTnLst>
+        </p:cTn>
+      </p:par>
+    </p:tnLst>
+  </p:timing>
+</p:sld>
+</file>
+
+<file path=ppt/slides/slide63.xml><?xml version="1.0" encoding="utf-8"?>
+<p:sld xmlns:a="http://schemas.openxmlformats.org/drawingml/2006/main" xmlns:r="http://schemas.openxmlformats.org/officeDocument/2006/relationships" xmlns:p="http://schemas.openxmlformats.org/presentationml/2006/main">
+  <p:cSld>
+    <p:spTree>
+      <p:nvGrpSpPr>
+        <p:cNvPr id="1" name=""/>
+        <p:cNvGrpSpPr/>
+        <p:nvPr/>
+      </p:nvGrpSpPr>
+      <p:grpSpPr>
+        <a:xfrm>
+          <a:off x="0" y="0"/>
+          <a:ext cx="0" cy="0"/>
+          <a:chOff x="0" y="0"/>
+          <a:chExt cx="0" cy="0"/>
+        </a:xfrm>
+      </p:grpSpPr>
+      <p:sp>
+        <p:nvSpPr>
+          <p:cNvPr id="4" name="직사각형 3"/>
+          <p:cNvSpPr/>
+          <p:nvPr/>
+        </p:nvSpPr>
+        <p:spPr>
+          <a:xfrm>
+            <a:off x="762000" y="342900"/>
+            <a:ext cx="15697200" cy="2062103"/>
+          </a:xfrm>
+          <a:prstGeom prst="rect">
+            <a:avLst/>
+          </a:prstGeom>
+        </p:spPr>
+        <p:txBody>
+          <a:bodyPr wrap="square">
+            <a:spAutoFit/>
+          </a:bodyPr>
+          <a:lstStyle/>
+          <a:p>
+            <a:r>
+              <a:rPr lang="en-US" altLang="ko-KR" sz="3200" dirty="0">
+                <a:solidFill>
+                  <a:srgbClr val="4C50BC"/>
+                </a:solidFill>
+                <a:latin typeface="G마켓 산스 Medium" panose="02000000000000000000" pitchFamily="50" charset="-127"/>
+                <a:ea typeface="G마켓 산스 Medium" panose="02000000000000000000" pitchFamily="50" charset="-127"/>
+              </a:rPr>
+              <a:t>4. equals </a:t>
+            </a:r>
+            <a:r>
+              <a:rPr lang="ko-KR" altLang="en-US" sz="3200" dirty="0" err="1">
+                <a:solidFill>
+                  <a:srgbClr val="4C50BC"/>
+                </a:solidFill>
+                <a:latin typeface="G마켓 산스 Medium" panose="02000000000000000000" pitchFamily="50" charset="-127"/>
+                <a:ea typeface="G마켓 산스 Medium" panose="02000000000000000000" pitchFamily="50" charset="-127"/>
+              </a:rPr>
+              <a:t>메서드를</a:t>
+            </a:r>
+            <a:r>
+              <a:rPr lang="ko-KR" altLang="en-US" sz="3200" dirty="0">
+                <a:solidFill>
+                  <a:srgbClr val="4C50BC"/>
+                </a:solidFill>
+                <a:latin typeface="G마켓 산스 Medium" panose="02000000000000000000" pitchFamily="50" charset="-127"/>
+                <a:ea typeface="G마켓 산스 Medium" panose="02000000000000000000" pitchFamily="50" charset="-127"/>
+              </a:rPr>
+              <a:t> </a:t>
+            </a:r>
+            <a:r>
+              <a:rPr lang="ko-KR" altLang="en-US" sz="3200" dirty="0" err="1">
+                <a:solidFill>
+                  <a:srgbClr val="4C50BC"/>
+                </a:solidFill>
+                <a:latin typeface="G마켓 산스 Medium" panose="02000000000000000000" pitchFamily="50" charset="-127"/>
+                <a:ea typeface="G마켓 산스 Medium" panose="02000000000000000000" pitchFamily="50" charset="-127"/>
+              </a:rPr>
+              <a:t>오버라이딩</a:t>
+            </a:r>
+            <a:r>
+              <a:rPr lang="ko-KR" altLang="en-US" sz="3200" dirty="0">
+                <a:solidFill>
+                  <a:srgbClr val="4C50BC"/>
+                </a:solidFill>
+                <a:latin typeface="G마켓 산스 Medium" panose="02000000000000000000" pitchFamily="50" charset="-127"/>
+                <a:ea typeface="G마켓 산스 Medium" panose="02000000000000000000" pitchFamily="50" charset="-127"/>
+              </a:rPr>
+              <a:t> 하여 면적이 같으면 </a:t>
+            </a:r>
+            <a:r>
+              <a:rPr lang="en-US" altLang="ko-KR" sz="3200" dirty="0">
+                <a:solidFill>
+                  <a:srgbClr val="4C50BC"/>
+                </a:solidFill>
+                <a:latin typeface="G마켓 산스 Medium" panose="02000000000000000000" pitchFamily="50" charset="-127"/>
+                <a:ea typeface="G마켓 산스 Medium" panose="02000000000000000000" pitchFamily="50" charset="-127"/>
+              </a:rPr>
+              <a:t>true</a:t>
+            </a:r>
+            <a:r>
+              <a:rPr lang="ko-KR" altLang="en-US" sz="3200" dirty="0">
+                <a:solidFill>
+                  <a:srgbClr val="4C50BC"/>
+                </a:solidFill>
+                <a:latin typeface="G마켓 산스 Medium" panose="02000000000000000000" pitchFamily="50" charset="-127"/>
+                <a:ea typeface="G마켓 산스 Medium" panose="02000000000000000000" pitchFamily="50" charset="-127"/>
+              </a:rPr>
+              <a:t>가 반환되도록 하자</a:t>
+            </a:r>
+            <a:r>
+              <a:rPr lang="en-US" altLang="ko-KR" sz="3200" dirty="0">
+                <a:solidFill>
+                  <a:srgbClr val="4C50BC"/>
+                </a:solidFill>
+                <a:latin typeface="G마켓 산스 Medium" panose="02000000000000000000" pitchFamily="50" charset="-127"/>
+                <a:ea typeface="G마켓 산스 Medium" panose="02000000000000000000" pitchFamily="50" charset="-127"/>
+              </a:rPr>
+              <a:t>.</a:t>
+            </a:r>
+          </a:p>
+          <a:p>
+            <a:r>
+              <a:rPr lang="en-US" altLang="ko-KR" sz="3200" dirty="0">
+                <a:solidFill>
+                  <a:srgbClr val="4C50BC"/>
+                </a:solidFill>
+                <a:latin typeface="G마켓 산스 Medium" panose="02000000000000000000" pitchFamily="50" charset="-127"/>
+                <a:ea typeface="G마켓 산스 Medium" panose="02000000000000000000" pitchFamily="50" charset="-127"/>
+              </a:rPr>
+              <a:t>    - object </a:t>
+            </a:r>
+            <a:r>
+              <a:rPr lang="ko-KR" altLang="en-US" sz="3200" dirty="0">
+                <a:solidFill>
+                  <a:srgbClr val="4C50BC"/>
+                </a:solidFill>
+                <a:latin typeface="G마켓 산스 Medium" panose="02000000000000000000" pitchFamily="50" charset="-127"/>
+                <a:ea typeface="G마켓 산스 Medium" panose="02000000000000000000" pitchFamily="50" charset="-127"/>
+              </a:rPr>
+              <a:t>클래스의 </a:t>
+            </a:r>
+            <a:r>
+              <a:rPr lang="en-US" altLang="ko-KR" sz="3200" dirty="0">
+                <a:solidFill>
+                  <a:srgbClr val="4C50BC"/>
+                </a:solidFill>
+                <a:latin typeface="G마켓 산스 Medium" panose="02000000000000000000" pitchFamily="50" charset="-127"/>
+                <a:ea typeface="G마켓 산스 Medium" panose="02000000000000000000" pitchFamily="50" charset="-127"/>
+              </a:rPr>
+              <a:t>equals </a:t>
+            </a:r>
+            <a:r>
+              <a:rPr lang="ko-KR" altLang="en-US" sz="3200" dirty="0" err="1">
+                <a:solidFill>
+                  <a:srgbClr val="4C50BC"/>
+                </a:solidFill>
+                <a:latin typeface="G마켓 산스 Medium" panose="02000000000000000000" pitchFamily="50" charset="-127"/>
+                <a:ea typeface="G마켓 산스 Medium" panose="02000000000000000000" pitchFamily="50" charset="-127"/>
+              </a:rPr>
+              <a:t>메서드의</a:t>
+            </a:r>
+            <a:r>
+              <a:rPr lang="ko-KR" altLang="en-US" sz="3200" dirty="0">
+                <a:solidFill>
+                  <a:srgbClr val="4C50BC"/>
+                </a:solidFill>
+                <a:latin typeface="G마켓 산스 Medium" panose="02000000000000000000" pitchFamily="50" charset="-127"/>
+                <a:ea typeface="G마켓 산스 Medium" panose="02000000000000000000" pitchFamily="50" charset="-127"/>
+              </a:rPr>
+              <a:t> 원형은 아래와 같다</a:t>
+            </a:r>
+            <a:r>
+              <a:rPr lang="en-US" altLang="ko-KR" sz="3200" dirty="0">
+                <a:solidFill>
+                  <a:srgbClr val="4C50BC"/>
+                </a:solidFill>
+                <a:latin typeface="G마켓 산스 Medium" panose="02000000000000000000" pitchFamily="50" charset="-127"/>
+                <a:ea typeface="G마켓 산스 Medium" panose="02000000000000000000" pitchFamily="50" charset="-127"/>
+              </a:rPr>
+              <a:t>.</a:t>
+            </a:r>
+          </a:p>
+          <a:p>
+            <a:endParaRPr lang="en-US" altLang="ko-KR" sz="3200" dirty="0">
+              <a:solidFill>
+                <a:srgbClr val="4C50BC"/>
+              </a:solidFill>
+              <a:latin typeface="G마켓 산스 Medium" panose="02000000000000000000" pitchFamily="50" charset="-127"/>
+              <a:ea typeface="G마켓 산스 Medium" panose="02000000000000000000" pitchFamily="50" charset="-127"/>
+            </a:endParaRPr>
+          </a:p>
+          <a:p>
+            <a:r>
+              <a:rPr lang="en-US" altLang="ko-KR" sz="3200" dirty="0">
+                <a:solidFill>
+                  <a:schemeClr val="bg1">
+                    <a:lumMod val="50000"/>
+                  </a:schemeClr>
+                </a:solidFill>
+                <a:latin typeface="G마켓 산스 Medium" panose="02000000000000000000" pitchFamily="50" charset="-127"/>
+                <a:ea typeface="G마켓 산스 Medium" panose="02000000000000000000" pitchFamily="50" charset="-127"/>
+              </a:rPr>
+              <a:t>public </a:t>
+            </a:r>
+            <a:r>
+              <a:rPr lang="en-US" altLang="ko-KR" sz="3200" dirty="0" err="1">
+                <a:solidFill>
+                  <a:schemeClr val="bg1">
+                    <a:lumMod val="50000"/>
+                  </a:schemeClr>
+                </a:solidFill>
+                <a:latin typeface="G마켓 산스 Medium" panose="02000000000000000000" pitchFamily="50" charset="-127"/>
+                <a:ea typeface="G마켓 산스 Medium" panose="02000000000000000000" pitchFamily="50" charset="-127"/>
+              </a:rPr>
+              <a:t>boolean</a:t>
+            </a:r>
+            <a:r>
+              <a:rPr lang="en-US" altLang="ko-KR" sz="3200" dirty="0">
+                <a:solidFill>
+                  <a:schemeClr val="bg1">
+                    <a:lumMod val="50000"/>
+                  </a:schemeClr>
+                </a:solidFill>
+                <a:latin typeface="G마켓 산스 Medium" panose="02000000000000000000" pitchFamily="50" charset="-127"/>
+                <a:ea typeface="G마켓 산스 Medium" panose="02000000000000000000" pitchFamily="50" charset="-127"/>
+              </a:rPr>
+              <a:t> equals(Object </a:t>
+            </a:r>
+            <a:r>
+              <a:rPr lang="en-US" altLang="ko-KR" sz="3200" dirty="0" err="1">
+                <a:solidFill>
+                  <a:schemeClr val="bg1">
+                    <a:lumMod val="50000"/>
+                  </a:schemeClr>
+                </a:solidFill>
+                <a:latin typeface="G마켓 산스 Medium" panose="02000000000000000000" pitchFamily="50" charset="-127"/>
+                <a:ea typeface="G마켓 산스 Medium" panose="02000000000000000000" pitchFamily="50" charset="-127"/>
+              </a:rPr>
+              <a:t>obj</a:t>
+            </a:r>
+            <a:r>
+              <a:rPr lang="en-US" altLang="ko-KR" sz="3200" dirty="0">
+                <a:solidFill>
+                  <a:schemeClr val="bg1">
+                    <a:lumMod val="50000"/>
+                  </a:schemeClr>
+                </a:solidFill>
+                <a:latin typeface="G마켓 산스 Medium" panose="02000000000000000000" pitchFamily="50" charset="-127"/>
+                <a:ea typeface="G마켓 산스 Medium" panose="02000000000000000000" pitchFamily="50" charset="-127"/>
+              </a:rPr>
+              <a:t>)</a:t>
+            </a:r>
+            <a:r>
+              <a:rPr lang="en-US" altLang="ko-KR" sz="3200" dirty="0">
+                <a:solidFill>
+                  <a:srgbClr val="4C50BC"/>
+                </a:solidFill>
+                <a:latin typeface="G마켓 산스 Medium" panose="02000000000000000000" pitchFamily="50" charset="-127"/>
+                <a:ea typeface="G마켓 산스 Medium" panose="02000000000000000000" pitchFamily="50" charset="-127"/>
+              </a:rPr>
+              <a:t>  </a:t>
+            </a:r>
+            <a:endParaRPr lang="en-US" altLang="ko-KR" sz="3200" dirty="0">
+              <a:solidFill>
+                <a:schemeClr val="bg1">
+                  <a:lumMod val="50000"/>
+                </a:schemeClr>
+              </a:solidFill>
+              <a:latin typeface="G마켓 산스 Medium" panose="02000000000000000000" pitchFamily="50" charset="-127"/>
+              <a:ea typeface="G마켓 산스 Medium" panose="02000000000000000000" pitchFamily="50" charset="-127"/>
+            </a:endParaRPr>
+          </a:p>
+        </p:txBody>
+      </p:sp>
+      <p:pic>
+        <p:nvPicPr>
+          <p:cNvPr id="5" name="그림 4"/>
+          <p:cNvPicPr>
+            <a:picLocks noChangeAspect="1"/>
+          </p:cNvPicPr>
+          <p:nvPr/>
+        </p:nvPicPr>
+        <p:blipFill>
+          <a:blip r:embed="rId2"/>
+          <a:stretch>
+            <a:fillRect/>
+          </a:stretch>
+        </p:blipFill>
+        <p:spPr>
+          <a:xfrm>
+            <a:off x="457200" y="2857500"/>
+            <a:ext cx="12507518" cy="4191000"/>
+          </a:xfrm>
+          <a:prstGeom prst="rect">
+            <a:avLst/>
+          </a:prstGeom>
+        </p:spPr>
+      </p:pic>
+    </p:spTree>
+    <p:extLst>
+      <p:ext uri="{BB962C8B-B14F-4D97-AF65-F5344CB8AC3E}">
+        <p14:creationId xmlns:p14="http://schemas.microsoft.com/office/powerpoint/2010/main" val="1705884852"/>
+      </p:ext>
+    </p:extLst>
+  </p:cSld>
+  <p:clrMapOvr>
+    <a:masterClrMapping/>
+  </p:clrMapOvr>
+  <p:timing>
+    <p:tnLst>
+      <p:par>
+        <p:cTn id="1" dur="indefinite" restart="never" nodeType="tmRoot"/>
+      </p:par>
+    </p:tnLst>
+  </p:timing>
+</p:sld>
+</file>
+
+<file path=ppt/slides/slide64.xml><?xml version="1.0" encoding="utf-8"?>
+<p:sld xmlns:a="http://schemas.openxmlformats.org/drawingml/2006/main" xmlns:r="http://schemas.openxmlformats.org/officeDocument/2006/relationships" xmlns:p="http://schemas.openxmlformats.org/presentationml/2006/main">
+  <p:cSld>
+    <p:spTree>
+      <p:nvGrpSpPr>
+        <p:cNvPr id="1" name=""/>
+        <p:cNvGrpSpPr/>
+        <p:nvPr/>
+      </p:nvGrpSpPr>
+      <p:grpSpPr>
+        <a:xfrm>
+          <a:off x="0" y="0"/>
+          <a:ext cx="0" cy="0"/>
+          <a:chOff x="0" y="0"/>
+          <a:chExt cx="0" cy="0"/>
+        </a:xfrm>
+      </p:grpSpPr>
+      <p:pic>
+        <p:nvPicPr>
+          <p:cNvPr id="4" name="그림 3"/>
+          <p:cNvPicPr>
+            <a:picLocks noChangeAspect="1"/>
+          </p:cNvPicPr>
+          <p:nvPr/>
+        </p:nvPicPr>
+        <p:blipFill>
+          <a:blip r:embed="rId2"/>
+          <a:stretch>
+            <a:fillRect/>
+          </a:stretch>
+        </p:blipFill>
+        <p:spPr>
+          <a:xfrm>
+            <a:off x="1905000" y="190500"/>
+            <a:ext cx="12287254" cy="3276600"/>
+          </a:xfrm>
+          <a:prstGeom prst="rect">
+            <a:avLst/>
+          </a:prstGeom>
+        </p:spPr>
+      </p:pic>
+      <p:pic>
+        <p:nvPicPr>
+          <p:cNvPr id="5" name="그림 4"/>
+          <p:cNvPicPr>
+            <a:picLocks noChangeAspect="1"/>
+          </p:cNvPicPr>
+          <p:nvPr/>
+        </p:nvPicPr>
+        <p:blipFill>
+          <a:blip r:embed="rId3"/>
+          <a:stretch>
+            <a:fillRect/>
+          </a:stretch>
+        </p:blipFill>
+        <p:spPr>
+          <a:xfrm>
+            <a:off x="1958725" y="4533900"/>
+            <a:ext cx="12443075" cy="2971800"/>
+          </a:xfrm>
+          <a:prstGeom prst="rect">
+            <a:avLst/>
+          </a:prstGeom>
+        </p:spPr>
+      </p:pic>
+      <p:sp>
+        <p:nvSpPr>
+          <p:cNvPr id="6" name="TextBox 5">
+            <a:extLst>
+              <a:ext uri="{FF2B5EF4-FFF2-40B4-BE49-F238E27FC236}">
+                <a16:creationId xmlns:a16="http://schemas.microsoft.com/office/drawing/2014/main" xmlns="" id="{C6D113C6-EA5C-788F-0C77-E7CE6EBB865F}"/>
+              </a:ext>
+            </a:extLst>
+          </p:cNvPr>
+          <p:cNvSpPr txBox="1"/>
+          <p:nvPr/>
+        </p:nvSpPr>
+        <p:spPr>
+          <a:xfrm>
+            <a:off x="1958725" y="8572500"/>
+            <a:ext cx="13509875" cy="646331"/>
+          </a:xfrm>
+          <a:prstGeom prst="rect">
+            <a:avLst/>
+          </a:prstGeom>
+          <a:noFill/>
+        </p:spPr>
+        <p:txBody>
+          <a:bodyPr wrap="square" rtlCol="0">
+            <a:spAutoFit/>
+          </a:bodyPr>
+          <a:lstStyle/>
+          <a:p>
+            <a:r>
+              <a:rPr lang="ko-KR" altLang="en-US" sz="3600" dirty="0" smtClean="0">
+                <a:solidFill>
+                  <a:srgbClr val="FF0000"/>
+                </a:solidFill>
+                <a:latin typeface="G마켓 산스 Medium" panose="02000000000000000000" pitchFamily="50" charset="-127"/>
+                <a:ea typeface="G마켓 산스 Medium" panose="02000000000000000000" pitchFamily="50" charset="-127"/>
+              </a:rPr>
+              <a:t>뭔가 </a:t>
+            </a:r>
+            <a:r>
+              <a:rPr lang="ko-KR" altLang="en-US" sz="3600" dirty="0" err="1" smtClean="0">
+                <a:solidFill>
+                  <a:srgbClr val="FF0000"/>
+                </a:solidFill>
+                <a:latin typeface="G마켓 산스 Medium" panose="02000000000000000000" pitchFamily="50" charset="-127"/>
+                <a:ea typeface="G마켓 산스 Medium" panose="02000000000000000000" pitchFamily="50" charset="-127"/>
+              </a:rPr>
+              <a:t>비슷한듯</a:t>
+            </a:r>
+            <a:r>
+              <a:rPr lang="ko-KR" altLang="en-US" sz="3600" dirty="0" smtClean="0">
+                <a:solidFill>
+                  <a:srgbClr val="FF0000"/>
+                </a:solidFill>
+                <a:latin typeface="G마켓 산스 Medium" panose="02000000000000000000" pitchFamily="50" charset="-127"/>
+                <a:ea typeface="G마켓 산스 Medium" panose="02000000000000000000" pitchFamily="50" charset="-127"/>
+              </a:rPr>
+              <a:t> </a:t>
+            </a:r>
+            <a:r>
+              <a:rPr lang="ko-KR" altLang="en-US" sz="3600" dirty="0" err="1" smtClean="0">
+                <a:solidFill>
+                  <a:srgbClr val="FF0000"/>
+                </a:solidFill>
+                <a:latin typeface="G마켓 산스 Medium" panose="02000000000000000000" pitchFamily="50" charset="-127"/>
+                <a:ea typeface="G마켓 산스 Medium" panose="02000000000000000000" pitchFamily="50" charset="-127"/>
+              </a:rPr>
+              <a:t>아닌듯</a:t>
+            </a:r>
+            <a:r>
+              <a:rPr lang="en-US" altLang="ko-KR" sz="3600" dirty="0" smtClean="0">
+                <a:solidFill>
+                  <a:srgbClr val="FF0000"/>
+                </a:solidFill>
+                <a:latin typeface="G마켓 산스 Medium" panose="02000000000000000000" pitchFamily="50" charset="-127"/>
+                <a:ea typeface="G마켓 산스 Medium" panose="02000000000000000000" pitchFamily="50" charset="-127"/>
+              </a:rPr>
+              <a:t>.. </a:t>
+            </a:r>
+            <a:r>
+              <a:rPr lang="ko-KR" altLang="en-US" sz="3600" dirty="0" smtClean="0">
+                <a:solidFill>
+                  <a:srgbClr val="FF0000"/>
+                </a:solidFill>
+                <a:latin typeface="G마켓 산스 Medium" panose="02000000000000000000" pitchFamily="50" charset="-127"/>
+                <a:ea typeface="G마켓 산스 Medium" panose="02000000000000000000" pitchFamily="50" charset="-127"/>
+              </a:rPr>
+              <a:t>코드중복이 </a:t>
+            </a:r>
+            <a:r>
+              <a:rPr lang="ko-KR" altLang="en-US" sz="3600" dirty="0" err="1" smtClean="0">
+                <a:solidFill>
+                  <a:srgbClr val="FF0000"/>
+                </a:solidFill>
+                <a:latin typeface="G마켓 산스 Medium" panose="02000000000000000000" pitchFamily="50" charset="-127"/>
+                <a:ea typeface="G마켓 산스 Medium" panose="02000000000000000000" pitchFamily="50" charset="-127"/>
+              </a:rPr>
+              <a:t>많은거</a:t>
+            </a:r>
+            <a:r>
+              <a:rPr lang="ko-KR" altLang="en-US" sz="3600" dirty="0" smtClean="0">
+                <a:solidFill>
+                  <a:srgbClr val="FF0000"/>
+                </a:solidFill>
+                <a:latin typeface="G마켓 산스 Medium" panose="02000000000000000000" pitchFamily="50" charset="-127"/>
+                <a:ea typeface="G마켓 산스 Medium" panose="02000000000000000000" pitchFamily="50" charset="-127"/>
+              </a:rPr>
+              <a:t> 같은데</a:t>
+            </a:r>
+            <a:r>
+              <a:rPr lang="en-US" altLang="ko-KR" sz="3600" dirty="0" smtClean="0">
+                <a:solidFill>
+                  <a:srgbClr val="FF0000"/>
+                </a:solidFill>
+                <a:latin typeface="G마켓 산스 Medium" panose="02000000000000000000" pitchFamily="50" charset="-127"/>
+                <a:ea typeface="G마켓 산스 Medium" panose="02000000000000000000" pitchFamily="50" charset="-127"/>
+              </a:rPr>
+              <a:t>…?</a:t>
+            </a:r>
+            <a:endParaRPr lang="en-US" altLang="ko-KR" sz="3600" dirty="0">
+              <a:solidFill>
+                <a:srgbClr val="FF0000"/>
+              </a:solidFill>
+              <a:latin typeface="G마켓 산스 Medium" panose="02000000000000000000" pitchFamily="50" charset="-127"/>
+              <a:ea typeface="G마켓 산스 Medium" panose="02000000000000000000" pitchFamily="50" charset="-127"/>
+            </a:endParaRPr>
+          </a:p>
+        </p:txBody>
+      </p:sp>
+      <p:sp>
+        <p:nvSpPr>
+          <p:cNvPr id="8" name="직사각형 7"/>
+          <p:cNvSpPr/>
+          <p:nvPr/>
+        </p:nvSpPr>
+        <p:spPr>
+          <a:xfrm>
+            <a:off x="533400" y="0"/>
+            <a:ext cx="16611600" cy="9944100"/>
+          </a:xfrm>
+          <a:prstGeom prst="rect">
+            <a:avLst/>
+          </a:prstGeom>
+          <a:solidFill>
+            <a:schemeClr val="bg1"/>
+          </a:solidFill>
+        </p:spPr>
+        <p:style>
+          <a:lnRef idx="2">
+            <a:schemeClr val="accent1">
+              <a:shade val="50000"/>
+            </a:schemeClr>
+          </a:lnRef>
+          <a:fillRef idx="1">
+            <a:schemeClr val="accent1"/>
+          </a:fillRef>
+          <a:effectRef idx="0">
+            <a:schemeClr val="accent1"/>
+          </a:effectRef>
+          <a:fontRef idx="minor">
+            <a:schemeClr val="lt1"/>
+          </a:fontRef>
+        </p:style>
+        <p:txBody>
+          <a:bodyPr rtlCol="0" anchor="ctr"/>
+          <a:lstStyle/>
+          <a:p>
+            <a:pPr algn="ctr"/>
+            <a:endParaRPr lang="ko-KR" altLang="en-US"/>
+          </a:p>
+        </p:txBody>
+      </p:sp>
+    </p:spTree>
+    <p:extLst>
+      <p:ext uri="{BB962C8B-B14F-4D97-AF65-F5344CB8AC3E}">
+        <p14:creationId xmlns:p14="http://schemas.microsoft.com/office/powerpoint/2010/main" val="3291011102"/>
+      </p:ext>
+    </p:extLst>
+  </p:cSld>
+  <p:clrMapOvr>
+    <a:masterClrMapping/>
+  </p:clrMapOvr>
+  <p:timing>
+    <p:tnLst>
+      <p:par>
+        <p:cTn id="1" dur="indefinite" restart="never" nodeType="tmRoot">
+          <p:childTnLst>
+            <p:seq concurrent="1" nextAc="seek">
+              <p:cTn id="2" dur="indefinite" nodeType="mainSeq">
+                <p:childTnLst>
+                  <p:par>
+                    <p:cTn id="3" fill="hold">
+                      <p:stCondLst>
+                        <p:cond delay="indefinite"/>
+                      </p:stCondLst>
+                      <p:childTnLst>
+                        <p:par>
+                          <p:cTn id="4" fill="hold">
+                            <p:stCondLst>
+                              <p:cond delay="0"/>
+                            </p:stCondLst>
+                            <p:childTnLst>
+                              <p:par>
+                                <p:cTn id="5" presetID="1" presetClass="exit" presetSubtype="0" fill="hold" grpId="0" nodeType="clickEffect">
+                                  <p:stCondLst>
+                                    <p:cond delay="0"/>
+                                  </p:stCondLst>
+                                  <p:childTnLst>
+                                    <p:set>
+                                      <p:cBhvr>
+                                        <p:cTn id="6" dur="1" fill="hold">
+                                          <p:stCondLst>
+                                            <p:cond delay="0"/>
+                                          </p:stCondLst>
+                                        </p:cTn>
+                                        <p:tgtEl>
+                                          <p:spTgt spid="8"/>
+                                        </p:tgtEl>
+                                        <p:attrNameLst>
+                                          <p:attrName>style.visibility</p:attrName>
+                                        </p:attrNameLst>
+                                      </p:cBhvr>
+                                      <p:to>
+                                        <p:strVal val="hidden"/>
+                                      </p:to>
+                                    </p:set>
+                                  </p:childTnLst>
+                                </p:cTn>
+                              </p:par>
+                            </p:childTnLst>
+                          </p:cTn>
+                        </p:par>
+                      </p:childTnLst>
+                    </p:cTn>
+                  </p:par>
+                </p:childTnLst>
+              </p:cTn>
+              <p:prevCondLst>
+                <p:cond evt="onPrev" delay="0">
+                  <p:tgtEl>
+                    <p:sldTgt/>
+                  </p:tgtEl>
+                </p:cond>
+              </p:prevCondLst>
+              <p:nextCondLst>
+                <p:cond evt="onNext" delay="0">
+                  <p:tgtEl>
+                    <p:sldTgt/>
+                  </p:tgtEl>
+                </p:cond>
+              </p:nextCondLst>
+            </p:seq>
+          </p:childTnLst>
+        </p:cTn>
+      </p:par>
+    </p:tnLst>
+    <p:bldLst>
+      <p:bldP spid="8" grpId="0" animBg="1"/>
+    </p:bldLst>
+  </p:timing>
+</p:sld>
+</file>
+
+<file path=ppt/slides/slide65.xml><?xml version="1.0" encoding="utf-8"?>
 <p:sld xmlns:a="http://schemas.openxmlformats.org/drawingml/2006/main" xmlns:r="http://schemas.openxmlformats.org/officeDocument/2006/relationships" xmlns:p="http://schemas.openxmlformats.org/presentationml/2006/main">
   <p:cSld name="Slide 20">
     <p:bg>
@@ -31713,7 +32671,7 @@
           <p:cNvPr id="2" name="TextBox 1">
             <a:extLst>
               <a:ext uri="{FF2B5EF4-FFF2-40B4-BE49-F238E27FC236}">
-                <a16:creationId xmlns="" xmlns:a16="http://schemas.microsoft.com/office/drawing/2014/main" id="{715D88A2-BD52-978B-A00A-540446126E3D}"/>
+                <a16:creationId xmlns:a16="http://schemas.microsoft.com/office/drawing/2014/main" xmlns="" id="{715D88A2-BD52-978B-A00A-540446126E3D}"/>
               </a:ext>
             </a:extLst>
           </p:cNvPr>
@@ -31889,7 +32847,7 @@
           <p:cNvPr id="8" name="TextBox 7">
             <a:extLst>
               <a:ext uri="{FF2B5EF4-FFF2-40B4-BE49-F238E27FC236}">
-                <a16:creationId xmlns="" xmlns:a16="http://schemas.microsoft.com/office/drawing/2014/main" id="{C6D113C6-EA5C-788F-0C77-E7CE6EBB865F}"/>
+                <a16:creationId xmlns:a16="http://schemas.microsoft.com/office/drawing/2014/main" xmlns="" id="{C6D113C6-EA5C-788F-0C77-E7CE6EBB865F}"/>
               </a:ext>
             </a:extLst>
           </p:cNvPr>
@@ -32158,7 +33116,7 @@
           <p:cNvPr id="6" name="TextBox 5">
             <a:extLst>
               <a:ext uri="{FF2B5EF4-FFF2-40B4-BE49-F238E27FC236}">
-                <a16:creationId xmlns="" xmlns:a16="http://schemas.microsoft.com/office/drawing/2014/main" id="{C6D113C6-EA5C-788F-0C77-E7CE6EBB865F}"/>
+                <a16:creationId xmlns:a16="http://schemas.microsoft.com/office/drawing/2014/main" xmlns="" id="{C6D113C6-EA5C-788F-0C77-E7CE6EBB865F}"/>
               </a:ext>
             </a:extLst>
           </p:cNvPr>
@@ -32287,7 +33245,7 @@
                 <a:gridCol w="2730951">
                   <a:extLst>
                     <a:ext uri="{9D8B030D-6E8A-4147-A177-3AD203B41FA5}">
-                      <a16:colId xmlns="" xmlns:a16="http://schemas.microsoft.com/office/drawing/2014/main" val="20000"/>
+                      <a16:colId xmlns:a16="http://schemas.microsoft.com/office/drawing/2014/main" xmlns="" val="20000"/>
                     </a:ext>
                   </a:extLst>
                 </a:gridCol>
@@ -32360,7 +33318,7 @@
                 </a:tc>
                 <a:extLst>
                   <a:ext uri="{0D108BD9-81ED-4DB2-BD59-A6C34878D82A}">
-                    <a16:rowId xmlns="" xmlns:a16="http://schemas.microsoft.com/office/drawing/2014/main" val="10000"/>
+                    <a16:rowId xmlns:a16="http://schemas.microsoft.com/office/drawing/2014/main" xmlns="" val="10000"/>
                   </a:ext>
                 </a:extLst>
               </a:tr>
@@ -32440,7 +33398,7 @@
                 </a:tc>
                 <a:extLst>
                   <a:ext uri="{0D108BD9-81ED-4DB2-BD59-A6C34878D82A}">
-                    <a16:rowId xmlns="" xmlns:a16="http://schemas.microsoft.com/office/drawing/2014/main" val="10001"/>
+                    <a16:rowId xmlns:a16="http://schemas.microsoft.com/office/drawing/2014/main" xmlns="" val="10001"/>
                   </a:ext>
                 </a:extLst>
               </a:tr>
@@ -32504,7 +33462,7 @@
                 </a:tc>
                 <a:extLst>
                   <a:ext uri="{0D108BD9-81ED-4DB2-BD59-A6C34878D82A}">
-                    <a16:rowId xmlns="" xmlns:a16="http://schemas.microsoft.com/office/drawing/2014/main" val="10002"/>
+                    <a16:rowId xmlns:a16="http://schemas.microsoft.com/office/drawing/2014/main" xmlns="" val="10002"/>
                   </a:ext>
                 </a:extLst>
               </a:tr>
@@ -32540,7 +33498,7 @@
                 <a:gridCol w="2730951">
                   <a:extLst>
                     <a:ext uri="{9D8B030D-6E8A-4147-A177-3AD203B41FA5}">
-                      <a16:colId xmlns="" xmlns:a16="http://schemas.microsoft.com/office/drawing/2014/main" val="20000"/>
+                      <a16:colId xmlns:a16="http://schemas.microsoft.com/office/drawing/2014/main" xmlns="" val="20000"/>
                     </a:ext>
                   </a:extLst>
                 </a:gridCol>
@@ -32613,7 +33571,7 @@
                 </a:tc>
                 <a:extLst>
                   <a:ext uri="{0D108BD9-81ED-4DB2-BD59-A6C34878D82A}">
-                    <a16:rowId xmlns="" xmlns:a16="http://schemas.microsoft.com/office/drawing/2014/main" val="10000"/>
+                    <a16:rowId xmlns:a16="http://schemas.microsoft.com/office/drawing/2014/main" xmlns="" val="10000"/>
                   </a:ext>
                 </a:extLst>
               </a:tr>
@@ -32693,7 +33651,7 @@
                 </a:tc>
                 <a:extLst>
                   <a:ext uri="{0D108BD9-81ED-4DB2-BD59-A6C34878D82A}">
-                    <a16:rowId xmlns="" xmlns:a16="http://schemas.microsoft.com/office/drawing/2014/main" val="10001"/>
+                    <a16:rowId xmlns:a16="http://schemas.microsoft.com/office/drawing/2014/main" xmlns="" val="10001"/>
                   </a:ext>
                 </a:extLst>
               </a:tr>
@@ -32757,7 +33715,7 @@
                 </a:tc>
                 <a:extLst>
                   <a:ext uri="{0D108BD9-81ED-4DB2-BD59-A6C34878D82A}">
-                    <a16:rowId xmlns="" xmlns:a16="http://schemas.microsoft.com/office/drawing/2014/main" val="10002"/>
+                    <a16:rowId xmlns:a16="http://schemas.microsoft.com/office/drawing/2014/main" xmlns="" val="10002"/>
                   </a:ext>
                 </a:extLst>
               </a:tr>
@@ -32770,7 +33728,7 @@
           <p:cNvPr id="14" name="그룹 1008">
             <a:extLst>
               <a:ext uri="{FF2B5EF4-FFF2-40B4-BE49-F238E27FC236}">
-                <a16:creationId xmlns="" xmlns:a16="http://schemas.microsoft.com/office/drawing/2014/main" id="{678F6342-C505-E8AD-ADA4-022CB2C2088E}"/>
+                <a16:creationId xmlns:a16="http://schemas.microsoft.com/office/drawing/2014/main" xmlns="" id="{678F6342-C505-E8AD-ADA4-022CB2C2088E}"/>
               </a:ext>
             </a:extLst>
           </p:cNvPr>
@@ -32790,7 +33748,7 @@
             <p:cNvPr id="15" name="그룹 1009">
               <a:extLst>
                 <a:ext uri="{FF2B5EF4-FFF2-40B4-BE49-F238E27FC236}">
-                  <a16:creationId xmlns="" xmlns:a16="http://schemas.microsoft.com/office/drawing/2014/main" id="{4E1F1FED-812B-9BBB-925A-84B54A077414}"/>
+                  <a16:creationId xmlns:a16="http://schemas.microsoft.com/office/drawing/2014/main" xmlns="" id="{4E1F1FED-812B-9BBB-925A-84B54A077414}"/>
                 </a:ext>
               </a:extLst>
             </p:cNvPr>
@@ -32810,7 +33768,7 @@
               <p:cNvPr id="20" name="Object 29">
                 <a:extLst>
                   <a:ext uri="{FF2B5EF4-FFF2-40B4-BE49-F238E27FC236}">
-                    <a16:creationId xmlns="" xmlns:a16="http://schemas.microsoft.com/office/drawing/2014/main" id="{7B078609-4286-7B00-51EB-809C8E2DE289}"/>
+                    <a16:creationId xmlns:a16="http://schemas.microsoft.com/office/drawing/2014/main" xmlns="" id="{7B078609-4286-7B00-51EB-809C8E2DE289}"/>
                   </a:ext>
                 </a:extLst>
               </p:cNvPr>
@@ -32841,7 +33799,7 @@
             <p:cNvPr id="16" name="그룹 1010">
               <a:extLst>
                 <a:ext uri="{FF2B5EF4-FFF2-40B4-BE49-F238E27FC236}">
-                  <a16:creationId xmlns="" xmlns:a16="http://schemas.microsoft.com/office/drawing/2014/main" id="{02A649BF-B5B5-FBAF-7DFD-E118A4DF8907}"/>
+                  <a16:creationId xmlns:a16="http://schemas.microsoft.com/office/drawing/2014/main" xmlns="" id="{02A649BF-B5B5-FBAF-7DFD-E118A4DF8907}"/>
                 </a:ext>
               </a:extLst>
             </p:cNvPr>
@@ -32861,7 +33819,7 @@
               <p:cNvPr id="19" name="Object 32">
                 <a:extLst>
                   <a:ext uri="{FF2B5EF4-FFF2-40B4-BE49-F238E27FC236}">
-                    <a16:creationId xmlns="" xmlns:a16="http://schemas.microsoft.com/office/drawing/2014/main" id="{2A0FFF23-B3C9-3EA0-1C1B-A87D4FF098AE}"/>
+                    <a16:creationId xmlns:a16="http://schemas.microsoft.com/office/drawing/2014/main" xmlns="" id="{2A0FFF23-B3C9-3EA0-1C1B-A87D4FF098AE}"/>
                   </a:ext>
                 </a:extLst>
               </p:cNvPr>
@@ -32892,7 +33850,7 @@
             <p:cNvPr id="17" name="그룹 1011">
               <a:extLst>
                 <a:ext uri="{FF2B5EF4-FFF2-40B4-BE49-F238E27FC236}">
-                  <a16:creationId xmlns="" xmlns:a16="http://schemas.microsoft.com/office/drawing/2014/main" id="{881F5410-F7FB-F261-A584-707359BAC593}"/>
+                  <a16:creationId xmlns:a16="http://schemas.microsoft.com/office/drawing/2014/main" xmlns="" id="{881F5410-F7FB-F261-A584-707359BAC593}"/>
                 </a:ext>
               </a:extLst>
             </p:cNvPr>
@@ -32912,7 +33870,7 @@
               <p:cNvPr id="18" name="Object 35">
                 <a:extLst>
                   <a:ext uri="{FF2B5EF4-FFF2-40B4-BE49-F238E27FC236}">
-                    <a16:creationId xmlns="" xmlns:a16="http://schemas.microsoft.com/office/drawing/2014/main" id="{4E99E669-73EB-F9F4-EFE8-DC107035C265}"/>
+                    <a16:creationId xmlns:a16="http://schemas.microsoft.com/office/drawing/2014/main" xmlns="" id="{4E99E669-73EB-F9F4-EFE8-DC107035C265}"/>
                   </a:ext>
                 </a:extLst>
               </p:cNvPr>
@@ -32944,7 +33902,7 @@
           <p:cNvPr id="2" name="직사각형 1">
             <a:extLst>
               <a:ext uri="{FF2B5EF4-FFF2-40B4-BE49-F238E27FC236}">
-                <a16:creationId xmlns="" xmlns:a16="http://schemas.microsoft.com/office/drawing/2014/main" id="{4A6D4F7D-58A0-50D3-DF8A-A1C179BFF89D}"/>
+                <a16:creationId xmlns:a16="http://schemas.microsoft.com/office/drawing/2014/main" xmlns="" id="{4A6D4F7D-58A0-50D3-DF8A-A1C179BFF89D}"/>
               </a:ext>
             </a:extLst>
           </p:cNvPr>
@@ -33320,7 +34278,7 @@
           <p:cNvPr id="9" name="직사각형 8">
             <a:extLst>
               <a:ext uri="{FF2B5EF4-FFF2-40B4-BE49-F238E27FC236}">
-                <a16:creationId xmlns="" xmlns:a16="http://schemas.microsoft.com/office/drawing/2014/main" id="{FFF506F9-840A-0508-4CAF-3AC711D8D5CE}"/>
+                <a16:creationId xmlns:a16="http://schemas.microsoft.com/office/drawing/2014/main" xmlns="" id="{FFF506F9-840A-0508-4CAF-3AC711D8D5CE}"/>
               </a:ext>
             </a:extLst>
           </p:cNvPr>
@@ -33372,7 +34330,7 @@
           <p:cNvPr id="10" name="직선 화살표 연결선 9">
             <a:extLst>
               <a:ext uri="{FF2B5EF4-FFF2-40B4-BE49-F238E27FC236}">
-                <a16:creationId xmlns="" xmlns:a16="http://schemas.microsoft.com/office/drawing/2014/main" id="{299DF5EC-9DF4-5255-06AC-0A7CE4FF58C3}"/>
+                <a16:creationId xmlns:a16="http://schemas.microsoft.com/office/drawing/2014/main" xmlns="" id="{299DF5EC-9DF4-5255-06AC-0A7CE4FF58C3}"/>
               </a:ext>
             </a:extLst>
           </p:cNvPr>
@@ -33413,7 +34371,7 @@
           <p:cNvPr id="12" name="TextBox 11">
             <a:extLst>
               <a:ext uri="{FF2B5EF4-FFF2-40B4-BE49-F238E27FC236}">
-                <a16:creationId xmlns="" xmlns:a16="http://schemas.microsoft.com/office/drawing/2014/main" id="{C6D113C6-EA5C-788F-0C77-E7CE6EBB865F}"/>
+                <a16:creationId xmlns:a16="http://schemas.microsoft.com/office/drawing/2014/main" xmlns="" id="{C6D113C6-EA5C-788F-0C77-E7CE6EBB865F}"/>
               </a:ext>
             </a:extLst>
           </p:cNvPr>

--- a/JavaLecture/LectureFile/java 9강 상속과super.pptx
+++ b/JavaLecture/LectureFile/java 9강 상속과super.pptx
@@ -5,76 +5,78 @@
     <p:sldMasterId id="2147483648" r:id="rId1"/>
   </p:sldMasterIdLst>
   <p:notesMasterIdLst>
-    <p:notesMasterId r:id="rId69"/>
+    <p:notesMasterId r:id="rId71"/>
   </p:notesMasterIdLst>
   <p:sldIdLst>
     <p:sldId id="257" r:id="rId2"/>
     <p:sldId id="258" r:id="rId3"/>
     <p:sldId id="259" r:id="rId4"/>
     <p:sldId id="609" r:id="rId5"/>
-    <p:sldId id="608" r:id="rId6"/>
-    <p:sldId id="610" r:id="rId7"/>
-    <p:sldId id="613" r:id="rId8"/>
-    <p:sldId id="612" r:id="rId9"/>
-    <p:sldId id="611" r:id="rId10"/>
-    <p:sldId id="614" r:id="rId11"/>
-    <p:sldId id="615" r:id="rId12"/>
-    <p:sldId id="616" r:id="rId13"/>
-    <p:sldId id="617" r:id="rId14"/>
-    <p:sldId id="621" r:id="rId15"/>
-    <p:sldId id="618" r:id="rId16"/>
-    <p:sldId id="620" r:id="rId17"/>
-    <p:sldId id="623" r:id="rId18"/>
-    <p:sldId id="676" r:id="rId19"/>
-    <p:sldId id="625" r:id="rId20"/>
-    <p:sldId id="622" r:id="rId21"/>
-    <p:sldId id="626" r:id="rId22"/>
-    <p:sldId id="627" r:id="rId23"/>
-    <p:sldId id="663" r:id="rId24"/>
-    <p:sldId id="661" r:id="rId25"/>
-    <p:sldId id="665" r:id="rId26"/>
-    <p:sldId id="662" r:id="rId27"/>
-    <p:sldId id="664" r:id="rId28"/>
-    <p:sldId id="666" r:id="rId29"/>
-    <p:sldId id="667" r:id="rId30"/>
-    <p:sldId id="281" r:id="rId31"/>
-    <p:sldId id="638" r:id="rId32"/>
-    <p:sldId id="629" r:id="rId33"/>
-    <p:sldId id="630" r:id="rId34"/>
-    <p:sldId id="631" r:id="rId35"/>
-    <p:sldId id="632" r:id="rId36"/>
-    <p:sldId id="633" r:id="rId37"/>
-    <p:sldId id="624" r:id="rId38"/>
-    <p:sldId id="634" r:id="rId39"/>
-    <p:sldId id="635" r:id="rId40"/>
-    <p:sldId id="628" r:id="rId41"/>
-    <p:sldId id="374" r:id="rId42"/>
-    <p:sldId id="642" r:id="rId43"/>
-    <p:sldId id="668" r:id="rId44"/>
-    <p:sldId id="637" r:id="rId45"/>
-    <p:sldId id="640" r:id="rId46"/>
-    <p:sldId id="641" r:id="rId47"/>
-    <p:sldId id="669" r:id="rId48"/>
-    <p:sldId id="670" r:id="rId49"/>
-    <p:sldId id="643" r:id="rId50"/>
-    <p:sldId id="671" r:id="rId51"/>
-    <p:sldId id="644" r:id="rId52"/>
-    <p:sldId id="645" r:id="rId53"/>
-    <p:sldId id="646" r:id="rId54"/>
-    <p:sldId id="677" r:id="rId55"/>
-    <p:sldId id="647" r:id="rId56"/>
-    <p:sldId id="648" r:id="rId57"/>
-    <p:sldId id="652" r:id="rId58"/>
-    <p:sldId id="649" r:id="rId59"/>
-    <p:sldId id="650" r:id="rId60"/>
-    <p:sldId id="651" r:id="rId61"/>
-    <p:sldId id="655" r:id="rId62"/>
-    <p:sldId id="658" r:id="rId63"/>
-    <p:sldId id="672" r:id="rId64"/>
-    <p:sldId id="674" r:id="rId65"/>
-    <p:sldId id="673" r:id="rId66"/>
-    <p:sldId id="675" r:id="rId67"/>
-    <p:sldId id="275" r:id="rId68"/>
+    <p:sldId id="679" r:id="rId6"/>
+    <p:sldId id="608" r:id="rId7"/>
+    <p:sldId id="610" r:id="rId8"/>
+    <p:sldId id="613" r:id="rId9"/>
+    <p:sldId id="612" r:id="rId10"/>
+    <p:sldId id="611" r:id="rId11"/>
+    <p:sldId id="614" r:id="rId12"/>
+    <p:sldId id="615" r:id="rId13"/>
+    <p:sldId id="616" r:id="rId14"/>
+    <p:sldId id="617" r:id="rId15"/>
+    <p:sldId id="621" r:id="rId16"/>
+    <p:sldId id="678" r:id="rId17"/>
+    <p:sldId id="618" r:id="rId18"/>
+    <p:sldId id="620" r:id="rId19"/>
+    <p:sldId id="623" r:id="rId20"/>
+    <p:sldId id="676" r:id="rId21"/>
+    <p:sldId id="625" r:id="rId22"/>
+    <p:sldId id="622" r:id="rId23"/>
+    <p:sldId id="626" r:id="rId24"/>
+    <p:sldId id="627" r:id="rId25"/>
+    <p:sldId id="663" r:id="rId26"/>
+    <p:sldId id="661" r:id="rId27"/>
+    <p:sldId id="665" r:id="rId28"/>
+    <p:sldId id="662" r:id="rId29"/>
+    <p:sldId id="664" r:id="rId30"/>
+    <p:sldId id="666" r:id="rId31"/>
+    <p:sldId id="667" r:id="rId32"/>
+    <p:sldId id="281" r:id="rId33"/>
+    <p:sldId id="638" r:id="rId34"/>
+    <p:sldId id="629" r:id="rId35"/>
+    <p:sldId id="630" r:id="rId36"/>
+    <p:sldId id="631" r:id="rId37"/>
+    <p:sldId id="632" r:id="rId38"/>
+    <p:sldId id="633" r:id="rId39"/>
+    <p:sldId id="624" r:id="rId40"/>
+    <p:sldId id="634" r:id="rId41"/>
+    <p:sldId id="635" r:id="rId42"/>
+    <p:sldId id="628" r:id="rId43"/>
+    <p:sldId id="374" r:id="rId44"/>
+    <p:sldId id="642" r:id="rId45"/>
+    <p:sldId id="668" r:id="rId46"/>
+    <p:sldId id="637" r:id="rId47"/>
+    <p:sldId id="640" r:id="rId48"/>
+    <p:sldId id="641" r:id="rId49"/>
+    <p:sldId id="669" r:id="rId50"/>
+    <p:sldId id="670" r:id="rId51"/>
+    <p:sldId id="643" r:id="rId52"/>
+    <p:sldId id="671" r:id="rId53"/>
+    <p:sldId id="644" r:id="rId54"/>
+    <p:sldId id="645" r:id="rId55"/>
+    <p:sldId id="646" r:id="rId56"/>
+    <p:sldId id="677" r:id="rId57"/>
+    <p:sldId id="647" r:id="rId58"/>
+    <p:sldId id="648" r:id="rId59"/>
+    <p:sldId id="652" r:id="rId60"/>
+    <p:sldId id="649" r:id="rId61"/>
+    <p:sldId id="650" r:id="rId62"/>
+    <p:sldId id="651" r:id="rId63"/>
+    <p:sldId id="655" r:id="rId64"/>
+    <p:sldId id="658" r:id="rId65"/>
+    <p:sldId id="672" r:id="rId66"/>
+    <p:sldId id="674" r:id="rId67"/>
+    <p:sldId id="673" r:id="rId68"/>
+    <p:sldId id="675" r:id="rId69"/>
+    <p:sldId id="275" r:id="rId70"/>
   </p:sldIdLst>
   <p:sldSz cx="18288000" cy="10287000"/>
   <p:notesSz cx="7104063" cy="10234613"/>
@@ -274,7 +276,7 @@
           <a:p>
             <a:fld id="{D79F2C30-10E1-4C46-91DC-BBDB9629E720}" type="datetimeFigureOut">
               <a:rPr lang="ko-KR" altLang="en-US" smtClean="0"/>
-              <a:t>2023-08-26 Saturday</a:t>
+              <a:t>2023-10-27 Friday</a:t>
             </a:fld>
             <a:endParaRPr lang="ko-KR" altLang="en-US"/>
           </a:p>
@@ -606,7 +608,7 @@
           <a:p>
             <a:fld id="{50FC2DCF-6074-47D8-9A40-8DDAA9ED0A57}" type="slidenum">
               <a:rPr lang="ko-KR" altLang="en-US" smtClean="0"/>
-              <a:t>7</a:t>
+              <a:t>8</a:t>
             </a:fld>
             <a:endParaRPr lang="ko-KR" altLang="en-US"/>
           </a:p>
@@ -690,7 +692,7 @@
           <a:p>
             <a:fld id="{50FC2DCF-6074-47D8-9A40-8DDAA9ED0A57}" type="slidenum">
               <a:rPr lang="ko-KR" altLang="en-US" smtClean="0"/>
-              <a:t>22</a:t>
+              <a:t>24</a:t>
             </a:fld>
             <a:endParaRPr lang="ko-KR" altLang="en-US"/>
           </a:p>
@@ -774,7 +776,7 @@
           <a:p>
             <a:fld id="{50FC2DCF-6074-47D8-9A40-8DDAA9ED0A57}" type="slidenum">
               <a:rPr lang="ko-KR" altLang="en-US" smtClean="0"/>
-              <a:t>32</a:t>
+              <a:t>34</a:t>
             </a:fld>
             <a:endParaRPr lang="ko-KR" altLang="en-US"/>
           </a:p>
@@ -986,7 +988,7 @@
           <a:p>
             <a:fld id="{F8166F1F-CE9B-4651-A6AA-CD717754106B}" type="datetimeFigureOut">
               <a:rPr lang="en-US" smtClean="0"/>
-              <a:t>8/26/2023</a:t>
+              <a:t>10/27/2023</a:t>
             </a:fld>
             <a:endParaRPr lang="en-US"/>
           </a:p>
@@ -1189,7 +1191,7 @@
           <a:p>
             <a:fld id="{A76116CE-C4A3-4A05-B2D7-7C2E9A889C0F}" type="datetimeFigureOut">
               <a:rPr lang="en-US" smtClean="0"/>
-              <a:t>8/26/2023</a:t>
+              <a:t>10/27/2023</a:t>
             </a:fld>
             <a:endParaRPr lang="en-US"/>
           </a:p>
@@ -1392,7 +1394,7 @@
           <a:p>
             <a:fld id="{A76116CE-C4A3-4A05-B2D7-7C2E9A889C0F}" type="datetimeFigureOut">
               <a:rPr lang="en-US" smtClean="0"/>
-              <a:t>8/26/2023</a:t>
+              <a:t>10/27/2023</a:t>
             </a:fld>
             <a:endParaRPr lang="en-US"/>
           </a:p>
@@ -1597,7 +1599,7 @@
           <a:p>
             <a:fld id="{A76116CE-C4A3-4A05-B2D7-7C2E9A889C0F}" type="datetimeFigureOut">
               <a:rPr lang="en-US" smtClean="0"/>
-              <a:t>8/26/2023</a:t>
+              <a:t>10/27/2023</a:t>
             </a:fld>
             <a:endParaRPr lang="en-US"/>
           </a:p>
@@ -1867,7 +1869,7 @@
           <a:p>
             <a:fld id="{A76116CE-C4A3-4A05-B2D7-7C2E9A889C0F}" type="datetimeFigureOut">
               <a:rPr lang="en-US" smtClean="0"/>
-              <a:t>8/26/2023</a:t>
+              <a:t>10/27/2023</a:t>
             </a:fld>
             <a:endParaRPr lang="en-US"/>
           </a:p>
@@ -2185,7 +2187,7 @@
           <a:p>
             <a:fld id="{A76116CE-C4A3-4A05-B2D7-7C2E9A889C0F}" type="datetimeFigureOut">
               <a:rPr lang="en-US" smtClean="0"/>
-              <a:t>8/26/2023</a:t>
+              <a:t>10/27/2023</a:t>
             </a:fld>
             <a:endParaRPr lang="en-US"/>
           </a:p>
@@ -2643,7 +2645,7 @@
           <a:p>
             <a:fld id="{A76116CE-C4A3-4A05-B2D7-7C2E9A889C0F}" type="datetimeFigureOut">
               <a:rPr lang="en-US" smtClean="0"/>
-              <a:t>8/26/2023</a:t>
+              <a:t>10/27/2023</a:t>
             </a:fld>
             <a:endParaRPr lang="en-US"/>
           </a:p>
@@ -2787,7 +2789,7 @@
           <a:p>
             <a:fld id="{A76116CE-C4A3-4A05-B2D7-7C2E9A889C0F}" type="datetimeFigureOut">
               <a:rPr lang="en-US" smtClean="0"/>
-              <a:t>8/26/2023</a:t>
+              <a:t>10/27/2023</a:t>
             </a:fld>
             <a:endParaRPr lang="en-US"/>
           </a:p>
@@ -2901,7 +2903,7 @@
           <a:p>
             <a:fld id="{A76116CE-C4A3-4A05-B2D7-7C2E9A889C0F}" type="datetimeFigureOut">
               <a:rPr lang="en-US" smtClean="0"/>
-              <a:t>8/26/2023</a:t>
+              <a:t>10/27/2023</a:t>
             </a:fld>
             <a:endParaRPr lang="en-US"/>
           </a:p>
@@ -3204,7 +3206,7 @@
           <a:p>
             <a:fld id="{A76116CE-C4A3-4A05-B2D7-7C2E9A889C0F}" type="datetimeFigureOut">
               <a:rPr lang="en-US" smtClean="0"/>
-              <a:t>8/26/2023</a:t>
+              <a:t>10/27/2023</a:t>
             </a:fld>
             <a:endParaRPr lang="en-US"/>
           </a:p>
@@ -3484,7 +3486,7 @@
           <a:p>
             <a:fld id="{A76116CE-C4A3-4A05-B2D7-7C2E9A889C0F}" type="datetimeFigureOut">
               <a:rPr lang="en-US" smtClean="0"/>
-              <a:t>8/26/2023</a:t>
+              <a:t>10/27/2023</a:t>
             </a:fld>
             <a:endParaRPr lang="en-US"/>
           </a:p>
@@ -4423,6 +4425,594 @@
       </p:grpSpPr>
       <p:pic>
         <p:nvPicPr>
+          <p:cNvPr id="2" name="그림 1"/>
+          <p:cNvPicPr>
+            <a:picLocks noChangeAspect="1"/>
+          </p:cNvPicPr>
+          <p:nvPr/>
+        </p:nvPicPr>
+        <p:blipFill>
+          <a:blip r:embed="rId2"/>
+          <a:stretch>
+            <a:fillRect/>
+          </a:stretch>
+        </p:blipFill>
+        <p:spPr>
+          <a:xfrm>
+            <a:off x="405618" y="6629400"/>
+            <a:ext cx="5391940" cy="2819400"/>
+          </a:xfrm>
+          <a:prstGeom prst="rect">
+            <a:avLst/>
+          </a:prstGeom>
+        </p:spPr>
+      </p:pic>
+      <p:pic>
+        <p:nvPicPr>
+          <p:cNvPr id="3" name="그림 2"/>
+          <p:cNvPicPr>
+            <a:picLocks noChangeAspect="1"/>
+          </p:cNvPicPr>
+          <p:nvPr/>
+        </p:nvPicPr>
+        <p:blipFill>
+          <a:blip r:embed="rId3"/>
+          <a:stretch>
+            <a:fillRect/>
+          </a:stretch>
+        </p:blipFill>
+        <p:spPr>
+          <a:xfrm>
+            <a:off x="381000" y="38100"/>
+            <a:ext cx="7652109" cy="6219825"/>
+          </a:xfrm>
+          <a:prstGeom prst="rect">
+            <a:avLst/>
+          </a:prstGeom>
+        </p:spPr>
+      </p:pic>
+      <p:pic>
+        <p:nvPicPr>
+          <p:cNvPr id="8" name="그림 7"/>
+          <p:cNvPicPr>
+            <a:picLocks noChangeAspect="1"/>
+          </p:cNvPicPr>
+          <p:nvPr/>
+        </p:nvPicPr>
+        <p:blipFill>
+          <a:blip r:embed="rId4"/>
+          <a:stretch>
+            <a:fillRect/>
+          </a:stretch>
+        </p:blipFill>
+        <p:spPr>
+          <a:xfrm>
+            <a:off x="9220200" y="571500"/>
+            <a:ext cx="6246254" cy="1143000"/>
+          </a:xfrm>
+          <a:prstGeom prst="rect">
+            <a:avLst/>
+          </a:prstGeom>
+        </p:spPr>
+      </p:pic>
+      <p:sp>
+        <p:nvSpPr>
+          <p:cNvPr id="9" name="직사각형 8">
+            <a:extLst>
+              <a:ext uri="{FF2B5EF4-FFF2-40B4-BE49-F238E27FC236}">
+                <a16:creationId xmlns:a16="http://schemas.microsoft.com/office/drawing/2014/main" id="{FFF506F9-840A-0508-4CAF-3AC711D8D5CE}"/>
+              </a:ext>
+            </a:extLst>
+          </p:cNvPr>
+          <p:cNvSpPr/>
+          <p:nvPr/>
+        </p:nvSpPr>
+        <p:spPr>
+          <a:xfrm>
+            <a:off x="9238956" y="1257300"/>
+            <a:ext cx="3867443" cy="381000"/>
+          </a:xfrm>
+          <a:prstGeom prst="rect">
+            <a:avLst/>
+          </a:prstGeom>
+          <a:noFill/>
+          <a:ln>
+            <a:solidFill>
+              <a:srgbClr val="FF0000"/>
+            </a:solidFill>
+          </a:ln>
+        </p:spPr>
+        <p:style>
+          <a:lnRef idx="2">
+            <a:schemeClr val="accent2">
+              <a:shade val="50000"/>
+            </a:schemeClr>
+          </a:lnRef>
+          <a:fillRef idx="1">
+            <a:schemeClr val="accent2"/>
+          </a:fillRef>
+          <a:effectRef idx="0">
+            <a:schemeClr val="accent2"/>
+          </a:effectRef>
+          <a:fontRef idx="minor">
+            <a:schemeClr val="lt1"/>
+          </a:fontRef>
+        </p:style>
+        <p:txBody>
+          <a:bodyPr rtlCol="0" anchor="ctr"/>
+          <a:lstStyle/>
+          <a:p>
+            <a:pPr algn="ctr"/>
+            <a:endParaRPr lang="ko-KR" altLang="en-US"/>
+          </a:p>
+        </p:txBody>
+      </p:sp>
+      <p:cxnSp>
+        <p:nvCxnSpPr>
+          <p:cNvPr id="10" name="직선 화살표 연결선 9">
+            <a:extLst>
+              <a:ext uri="{FF2B5EF4-FFF2-40B4-BE49-F238E27FC236}">
+                <a16:creationId xmlns:a16="http://schemas.microsoft.com/office/drawing/2014/main" id="{299DF5EC-9DF4-5255-06AC-0A7CE4FF58C3}"/>
+              </a:ext>
+            </a:extLst>
+          </p:cNvPr>
+          <p:cNvCxnSpPr>
+            <a:cxnSpLocks/>
+          </p:cNvCxnSpPr>
+          <p:nvPr/>
+        </p:nvCxnSpPr>
+        <p:spPr>
+          <a:xfrm>
+            <a:off x="10820400" y="1638300"/>
+            <a:ext cx="76200" cy="1600200"/>
+          </a:xfrm>
+          <a:prstGeom prst="straightConnector1">
+            <a:avLst/>
+          </a:prstGeom>
+          <a:ln w="38100">
+            <a:tailEnd type="triangle"/>
+          </a:ln>
+        </p:spPr>
+        <p:style>
+          <a:lnRef idx="1">
+            <a:schemeClr val="accent2"/>
+          </a:lnRef>
+          <a:fillRef idx="0">
+            <a:schemeClr val="accent2"/>
+          </a:fillRef>
+          <a:effectRef idx="0">
+            <a:schemeClr val="accent2"/>
+          </a:effectRef>
+          <a:fontRef idx="minor">
+            <a:schemeClr val="tx1"/>
+          </a:fontRef>
+        </p:style>
+      </p:cxnSp>
+      <p:sp>
+        <p:nvSpPr>
+          <p:cNvPr id="12" name="TextBox 11">
+            <a:extLst>
+              <a:ext uri="{FF2B5EF4-FFF2-40B4-BE49-F238E27FC236}">
+                <a16:creationId xmlns:a16="http://schemas.microsoft.com/office/drawing/2014/main" id="{C6D113C6-EA5C-788F-0C77-E7CE6EBB865F}"/>
+              </a:ext>
+            </a:extLst>
+          </p:cNvPr>
+          <p:cNvSpPr txBox="1"/>
+          <p:nvPr/>
+        </p:nvSpPr>
+        <p:spPr>
+          <a:xfrm>
+            <a:off x="9142927" y="3619500"/>
+            <a:ext cx="6400800" cy="1323439"/>
+          </a:xfrm>
+          <a:prstGeom prst="rect">
+            <a:avLst/>
+          </a:prstGeom>
+          <a:noFill/>
+        </p:spPr>
+        <p:txBody>
+          <a:bodyPr wrap="square" rtlCol="0">
+            <a:spAutoFit/>
+          </a:bodyPr>
+          <a:lstStyle/>
+          <a:p>
+            <a:r>
+              <a:rPr lang="ko-KR" altLang="en-US" sz="4000" dirty="0">
+                <a:solidFill>
+                  <a:srgbClr val="FF0000"/>
+                </a:solidFill>
+                <a:latin typeface="G마켓 산스 Medium" panose="02000000000000000000" pitchFamily="50" charset="-127"/>
+                <a:ea typeface="G마켓 산스 Medium" panose="02000000000000000000" pitchFamily="50" charset="-127"/>
+              </a:rPr>
+              <a:t>자식에서 선언한 멤버들은 부모가 사용 할 수 없다</a:t>
+            </a:r>
+            <a:r>
+              <a:rPr lang="en-US" altLang="ko-KR" sz="4000" dirty="0">
+                <a:solidFill>
+                  <a:srgbClr val="FF0000"/>
+                </a:solidFill>
+                <a:latin typeface="G마켓 산스 Medium" panose="02000000000000000000" pitchFamily="50" charset="-127"/>
+                <a:ea typeface="G마켓 산스 Medium" panose="02000000000000000000" pitchFamily="50" charset="-127"/>
+              </a:rPr>
+              <a:t>.</a:t>
+            </a:r>
+          </a:p>
+        </p:txBody>
+      </p:sp>
+      <p:sp>
+        <p:nvSpPr>
+          <p:cNvPr id="13" name="곱셈 기호 12"/>
+          <p:cNvSpPr/>
+          <p:nvPr/>
+        </p:nvSpPr>
+        <p:spPr>
+          <a:xfrm>
+            <a:off x="10591800" y="630615"/>
+            <a:ext cx="2057400" cy="1698846"/>
+          </a:xfrm>
+          <a:prstGeom prst="mathMultiply">
+            <a:avLst>
+              <a:gd name="adj1" fmla="val 10595"/>
+            </a:avLst>
+          </a:prstGeom>
+          <a:solidFill>
+            <a:srgbClr val="FF0000"/>
+          </a:solidFill>
+          <a:ln>
+            <a:solidFill>
+              <a:srgbClr val="FF0000"/>
+            </a:solidFill>
+          </a:ln>
+        </p:spPr>
+        <p:style>
+          <a:lnRef idx="2">
+            <a:schemeClr val="accent1">
+              <a:shade val="50000"/>
+            </a:schemeClr>
+          </a:lnRef>
+          <a:fillRef idx="1">
+            <a:schemeClr val="accent1"/>
+          </a:fillRef>
+          <a:effectRef idx="0">
+            <a:schemeClr val="accent1"/>
+          </a:effectRef>
+          <a:fontRef idx="minor">
+            <a:schemeClr val="lt1"/>
+          </a:fontRef>
+        </p:style>
+        <p:txBody>
+          <a:bodyPr rtlCol="0" anchor="ctr"/>
+          <a:lstStyle/>
+          <a:p>
+            <a:pPr algn="ctr"/>
+            <a:endParaRPr lang="ko-KR" altLang="en-US"/>
+          </a:p>
+        </p:txBody>
+      </p:sp>
+      <p:cxnSp>
+        <p:nvCxnSpPr>
+          <p:cNvPr id="4" name="직선 화살표 연결선 3">
+            <a:extLst>
+              <a:ext uri="{FF2B5EF4-FFF2-40B4-BE49-F238E27FC236}">
+                <a16:creationId xmlns:a16="http://schemas.microsoft.com/office/drawing/2014/main" id="{3EA5757A-45A8-043D-1E59-912A0C0ACD54}"/>
+              </a:ext>
+            </a:extLst>
+          </p:cNvPr>
+          <p:cNvCxnSpPr>
+            <a:cxnSpLocks/>
+          </p:cNvCxnSpPr>
+          <p:nvPr/>
+        </p:nvCxnSpPr>
+        <p:spPr>
+          <a:xfrm>
+            <a:off x="4038600" y="7852764"/>
+            <a:ext cx="1219200" cy="0"/>
+          </a:xfrm>
+          <a:prstGeom prst="straightConnector1">
+            <a:avLst/>
+          </a:prstGeom>
+          <a:ln w="38100">
+            <a:tailEnd type="triangle"/>
+          </a:ln>
+        </p:spPr>
+        <p:style>
+          <a:lnRef idx="1">
+            <a:schemeClr val="accent2"/>
+          </a:lnRef>
+          <a:fillRef idx="0">
+            <a:schemeClr val="accent2"/>
+          </a:fillRef>
+          <a:effectRef idx="0">
+            <a:schemeClr val="accent2"/>
+          </a:effectRef>
+          <a:fontRef idx="minor">
+            <a:schemeClr val="tx1"/>
+          </a:fontRef>
+        </p:style>
+      </p:cxnSp>
+      <p:sp>
+        <p:nvSpPr>
+          <p:cNvPr id="5" name="직사각형 4">
+            <a:extLst>
+              <a:ext uri="{FF2B5EF4-FFF2-40B4-BE49-F238E27FC236}">
+                <a16:creationId xmlns:a16="http://schemas.microsoft.com/office/drawing/2014/main" id="{CDD023E4-09CB-E630-3713-EF13AAA39862}"/>
+              </a:ext>
+            </a:extLst>
+          </p:cNvPr>
+          <p:cNvSpPr/>
+          <p:nvPr/>
+        </p:nvSpPr>
+        <p:spPr>
+          <a:xfrm>
+            <a:off x="1143000" y="7547963"/>
+            <a:ext cx="2895600" cy="1176929"/>
+          </a:xfrm>
+          <a:prstGeom prst="rect">
+            <a:avLst/>
+          </a:prstGeom>
+          <a:noFill/>
+          <a:ln>
+            <a:solidFill>
+              <a:srgbClr val="FF0000"/>
+            </a:solidFill>
+          </a:ln>
+        </p:spPr>
+        <p:style>
+          <a:lnRef idx="2">
+            <a:schemeClr val="accent2">
+              <a:shade val="50000"/>
+            </a:schemeClr>
+          </a:lnRef>
+          <a:fillRef idx="1">
+            <a:schemeClr val="accent2"/>
+          </a:fillRef>
+          <a:effectRef idx="0">
+            <a:schemeClr val="accent2"/>
+          </a:effectRef>
+          <a:fontRef idx="minor">
+            <a:schemeClr val="lt1"/>
+          </a:fontRef>
+        </p:style>
+        <p:txBody>
+          <a:bodyPr rtlCol="0" anchor="ctr"/>
+          <a:lstStyle/>
+          <a:p>
+            <a:pPr algn="ctr"/>
+            <a:endParaRPr lang="ko-KR" altLang="en-US"/>
+          </a:p>
+        </p:txBody>
+      </p:sp>
+      <p:sp>
+        <p:nvSpPr>
+          <p:cNvPr id="6" name="TextBox 5">
+            <a:extLst>
+              <a:ext uri="{FF2B5EF4-FFF2-40B4-BE49-F238E27FC236}">
+                <a16:creationId xmlns:a16="http://schemas.microsoft.com/office/drawing/2014/main" id="{9FDC5C11-4576-3DF1-B5B4-1996414515C1}"/>
+              </a:ext>
+            </a:extLst>
+          </p:cNvPr>
+          <p:cNvSpPr txBox="1"/>
+          <p:nvPr/>
+        </p:nvSpPr>
+        <p:spPr>
+          <a:xfrm>
+            <a:off x="5334000" y="7547964"/>
+            <a:ext cx="6400800" cy="646331"/>
+          </a:xfrm>
+          <a:prstGeom prst="rect">
+            <a:avLst/>
+          </a:prstGeom>
+          <a:noFill/>
+        </p:spPr>
+        <p:txBody>
+          <a:bodyPr wrap="square" rtlCol="0">
+            <a:spAutoFit/>
+          </a:bodyPr>
+          <a:lstStyle/>
+          <a:p>
+            <a:r>
+              <a:rPr lang="ko-KR" altLang="en-US" sz="3600" dirty="0">
+                <a:solidFill>
+                  <a:srgbClr val="FF0000"/>
+                </a:solidFill>
+                <a:latin typeface="G마켓 산스 Medium" panose="02000000000000000000" pitchFamily="50" charset="-127"/>
+                <a:ea typeface="G마켓 산스 Medium" panose="02000000000000000000" pitchFamily="50" charset="-127"/>
+              </a:rPr>
+              <a:t>자식에서 만든 멤버 메서드</a:t>
+            </a:r>
+            <a:endParaRPr lang="en-US" altLang="ko-KR" sz="3600" dirty="0">
+              <a:solidFill>
+                <a:srgbClr val="FF0000"/>
+              </a:solidFill>
+              <a:latin typeface="G마켓 산스 Medium" panose="02000000000000000000" pitchFamily="50" charset="-127"/>
+              <a:ea typeface="G마켓 산스 Medium" panose="02000000000000000000" pitchFamily="50" charset="-127"/>
+            </a:endParaRPr>
+          </a:p>
+        </p:txBody>
+      </p:sp>
+    </p:spTree>
+    <p:extLst>
+      <p:ext uri="{BB962C8B-B14F-4D97-AF65-F5344CB8AC3E}">
+        <p14:creationId xmlns:p14="http://schemas.microsoft.com/office/powerpoint/2010/main" val="4175308960"/>
+      </p:ext>
+    </p:extLst>
+  </p:cSld>
+  <p:clrMapOvr>
+    <a:masterClrMapping/>
+  </p:clrMapOvr>
+  <p:timing>
+    <p:tnLst>
+      <p:par>
+        <p:cTn id="1" dur="indefinite" restart="never" nodeType="tmRoot">
+          <p:childTnLst>
+            <p:seq concurrent="1" nextAc="seek">
+              <p:cTn id="2" dur="indefinite" nodeType="mainSeq">
+                <p:childTnLst>
+                  <p:par>
+                    <p:cTn id="3" fill="hold">
+                      <p:stCondLst>
+                        <p:cond delay="indefinite"/>
+                      </p:stCondLst>
+                      <p:childTnLst>
+                        <p:par>
+                          <p:cTn id="4" fill="hold">
+                            <p:stCondLst>
+                              <p:cond delay="0"/>
+                            </p:stCondLst>
+                            <p:childTnLst>
+                              <p:par>
+                                <p:cTn id="5" presetID="1" presetClass="entr" presetSubtype="0" fill="hold" grpId="0" nodeType="clickEffect">
+                                  <p:stCondLst>
+                                    <p:cond delay="0"/>
+                                  </p:stCondLst>
+                                  <p:childTnLst>
+                                    <p:set>
+                                      <p:cBhvr>
+                                        <p:cTn id="6" dur="1" fill="hold">
+                                          <p:stCondLst>
+                                            <p:cond delay="0"/>
+                                          </p:stCondLst>
+                                        </p:cTn>
+                                        <p:tgtEl>
+                                          <p:spTgt spid="13"/>
+                                        </p:tgtEl>
+                                        <p:attrNameLst>
+                                          <p:attrName>style.visibility</p:attrName>
+                                        </p:attrNameLst>
+                                      </p:cBhvr>
+                                      <p:to>
+                                        <p:strVal val="visible"/>
+                                      </p:to>
+                                    </p:set>
+                                  </p:childTnLst>
+                                </p:cTn>
+                              </p:par>
+                            </p:childTnLst>
+                          </p:cTn>
+                        </p:par>
+                      </p:childTnLst>
+                    </p:cTn>
+                  </p:par>
+                  <p:par>
+                    <p:cTn id="7" fill="hold">
+                      <p:stCondLst>
+                        <p:cond delay="indefinite"/>
+                      </p:stCondLst>
+                      <p:childTnLst>
+                        <p:par>
+                          <p:cTn id="8" fill="hold">
+                            <p:stCondLst>
+                              <p:cond delay="0"/>
+                            </p:stCondLst>
+                            <p:childTnLst>
+                              <p:par>
+                                <p:cTn id="9" presetID="1" presetClass="entr" presetSubtype="0" fill="hold" nodeType="clickEffect">
+                                  <p:stCondLst>
+                                    <p:cond delay="0"/>
+                                  </p:stCondLst>
+                                  <p:childTnLst>
+                                    <p:set>
+                                      <p:cBhvr>
+                                        <p:cTn id="10" dur="1" fill="hold">
+                                          <p:stCondLst>
+                                            <p:cond delay="0"/>
+                                          </p:stCondLst>
+                                        </p:cTn>
+                                        <p:tgtEl>
+                                          <p:spTgt spid="10"/>
+                                        </p:tgtEl>
+                                        <p:attrNameLst>
+                                          <p:attrName>style.visibility</p:attrName>
+                                        </p:attrNameLst>
+                                      </p:cBhvr>
+                                      <p:to>
+                                        <p:strVal val="visible"/>
+                                      </p:to>
+                                    </p:set>
+                                  </p:childTnLst>
+                                </p:cTn>
+                              </p:par>
+                              <p:par>
+                                <p:cTn id="11" presetID="1" presetClass="entr" presetSubtype="0" fill="hold" grpId="0" nodeType="withEffect">
+                                  <p:stCondLst>
+                                    <p:cond delay="0"/>
+                                  </p:stCondLst>
+                                  <p:childTnLst>
+                                    <p:set>
+                                      <p:cBhvr>
+                                        <p:cTn id="12" dur="1" fill="hold">
+                                          <p:stCondLst>
+                                            <p:cond delay="0"/>
+                                          </p:stCondLst>
+                                        </p:cTn>
+                                        <p:tgtEl>
+                                          <p:spTgt spid="12"/>
+                                        </p:tgtEl>
+                                        <p:attrNameLst>
+                                          <p:attrName>style.visibility</p:attrName>
+                                        </p:attrNameLst>
+                                      </p:cBhvr>
+                                      <p:to>
+                                        <p:strVal val="visible"/>
+                                      </p:to>
+                                    </p:set>
+                                  </p:childTnLst>
+                                </p:cTn>
+                              </p:par>
+                            </p:childTnLst>
+                          </p:cTn>
+                        </p:par>
+                      </p:childTnLst>
+                    </p:cTn>
+                  </p:par>
+                </p:childTnLst>
+              </p:cTn>
+              <p:prevCondLst>
+                <p:cond evt="onPrev" delay="0">
+                  <p:tgtEl>
+                    <p:sldTgt/>
+                  </p:tgtEl>
+                </p:cond>
+              </p:prevCondLst>
+              <p:nextCondLst>
+                <p:cond evt="onNext" delay="0">
+                  <p:tgtEl>
+                    <p:sldTgt/>
+                  </p:tgtEl>
+                </p:cond>
+              </p:nextCondLst>
+            </p:seq>
+          </p:childTnLst>
+        </p:cTn>
+      </p:par>
+    </p:tnLst>
+    <p:bldLst>
+      <p:bldP spid="12" grpId="0"/>
+      <p:bldP spid="13" grpId="0" animBg="1"/>
+    </p:bldLst>
+  </p:timing>
+</p:sld>
+</file>
+
+<file path=ppt/slides/slide11.xml><?xml version="1.0" encoding="utf-8"?>
+<p:sld xmlns:a="http://schemas.openxmlformats.org/drawingml/2006/main" xmlns:r="http://schemas.openxmlformats.org/officeDocument/2006/relationships" xmlns:p="http://schemas.openxmlformats.org/presentationml/2006/main">
+  <p:cSld>
+    <p:spTree>
+      <p:nvGrpSpPr>
+        <p:cNvPr id="1" name=""/>
+        <p:cNvGrpSpPr/>
+        <p:nvPr/>
+      </p:nvGrpSpPr>
+      <p:grpSpPr>
+        <a:xfrm>
+          <a:off x="0" y="0"/>
+          <a:ext cx="0" cy="0"/>
+          <a:chOff x="0" y="0"/>
+          <a:chExt cx="0" cy="0"/>
+        </a:xfrm>
+      </p:grpSpPr>
+      <p:pic>
+        <p:nvPicPr>
           <p:cNvPr id="4" name="그림 3"/>
           <p:cNvPicPr>
             <a:picLocks noChangeAspect="1"/>
@@ -4858,7 +5448,7 @@
 </p:sld>
 </file>
 
-<file path=ppt/slides/slide11.xml><?xml version="1.0" encoding="utf-8"?>
+<file path=ppt/slides/slide12.xml><?xml version="1.0" encoding="utf-8"?>
 <p:sld xmlns:a="http://schemas.openxmlformats.org/drawingml/2006/main" xmlns:r="http://schemas.openxmlformats.org/officeDocument/2006/relationships" xmlns:p="http://schemas.openxmlformats.org/presentationml/2006/main">
   <p:cSld>
     <p:spTree>
@@ -4978,8 +5568,8 @@
         </p:nvSpPr>
         <p:spPr>
           <a:xfrm>
-            <a:off x="7239000" y="8019959"/>
-            <a:ext cx="11734800" cy="1323439"/>
+            <a:off x="6629400" y="8327736"/>
+            <a:ext cx="11734800" cy="707886"/>
           </a:xfrm>
           <a:prstGeom prst="rect">
             <a:avLst/>
@@ -5000,27 +5590,7 @@
                 <a:latin typeface="G마켓 산스 Medium" panose="02000000000000000000" pitchFamily="50" charset="-127"/>
                 <a:ea typeface="G마켓 산스 Medium" panose="02000000000000000000" pitchFamily="50" charset="-127"/>
               </a:rPr>
-              <a:t>부모가 디폴트생성자가 없다면 자식 또한 디폴트 </a:t>
-            </a:r>
-            <a:r>
-              <a:rPr lang="ko-KR" altLang="en-US" sz="4000" dirty="0" err="1">
-                <a:solidFill>
-                  <a:srgbClr val="FF0000"/>
-                </a:solidFill>
-                <a:latin typeface="G마켓 산스 Medium" panose="02000000000000000000" pitchFamily="50" charset="-127"/>
-                <a:ea typeface="G마켓 산스 Medium" panose="02000000000000000000" pitchFamily="50" charset="-127"/>
-              </a:rPr>
-              <a:t>생성자를</a:t>
-            </a:r>
-            <a:r>
-              <a:rPr lang="ko-KR" altLang="en-US" sz="4000" dirty="0">
-                <a:solidFill>
-                  <a:srgbClr val="FF0000"/>
-                </a:solidFill>
-                <a:latin typeface="G마켓 산스 Medium" panose="02000000000000000000" pitchFamily="50" charset="-127"/>
-                <a:ea typeface="G마켓 산스 Medium" panose="02000000000000000000" pitchFamily="50" charset="-127"/>
-              </a:rPr>
-              <a:t> 만들어주지 않는다</a:t>
+              <a:t>자식 또한 디폴트 생성자를 만들어주지 않는다</a:t>
             </a:r>
             <a:r>
               <a:rPr lang="en-US" altLang="ko-KR" sz="4000" dirty="0">
@@ -5090,6 +5660,190 @@
               <a:latin typeface="G마켓 산스 Bold"/>
               <a:ea typeface="G마켓 산스 Medium" panose="02000000000000000000" pitchFamily="50" charset="-127"/>
             </a:endParaRPr>
+          </a:p>
+        </p:txBody>
+      </p:sp>
+      <p:cxnSp>
+        <p:nvCxnSpPr>
+          <p:cNvPr id="2" name="직선 화살표 연결선 1">
+            <a:extLst>
+              <a:ext uri="{FF2B5EF4-FFF2-40B4-BE49-F238E27FC236}">
+                <a16:creationId xmlns:a16="http://schemas.microsoft.com/office/drawing/2014/main" id="{C6AEF150-2FF8-749D-FD0D-4B9CFE39AE0A}"/>
+              </a:ext>
+            </a:extLst>
+          </p:cNvPr>
+          <p:cNvCxnSpPr>
+            <a:cxnSpLocks/>
+          </p:cNvCxnSpPr>
+          <p:nvPr/>
+        </p:nvCxnSpPr>
+        <p:spPr>
+          <a:xfrm>
+            <a:off x="5334000" y="3372328"/>
+            <a:ext cx="1219200" cy="0"/>
+          </a:xfrm>
+          <a:prstGeom prst="straightConnector1">
+            <a:avLst/>
+          </a:prstGeom>
+          <a:ln w="38100">
+            <a:tailEnd type="triangle"/>
+          </a:ln>
+        </p:spPr>
+        <p:style>
+          <a:lnRef idx="1">
+            <a:schemeClr val="accent2"/>
+          </a:lnRef>
+          <a:fillRef idx="0">
+            <a:schemeClr val="accent2"/>
+          </a:fillRef>
+          <a:effectRef idx="0">
+            <a:schemeClr val="accent2"/>
+          </a:effectRef>
+          <a:fontRef idx="minor">
+            <a:schemeClr val="tx1"/>
+          </a:fontRef>
+        </p:style>
+      </p:cxnSp>
+      <p:sp>
+        <p:nvSpPr>
+          <p:cNvPr id="3" name="직사각형 2">
+            <a:extLst>
+              <a:ext uri="{FF2B5EF4-FFF2-40B4-BE49-F238E27FC236}">
+                <a16:creationId xmlns:a16="http://schemas.microsoft.com/office/drawing/2014/main" id="{7226722E-B4A6-350C-024A-350857F9CFC2}"/>
+              </a:ext>
+            </a:extLst>
+          </p:cNvPr>
+          <p:cNvSpPr/>
+          <p:nvPr/>
+        </p:nvSpPr>
+        <p:spPr>
+          <a:xfrm>
+            <a:off x="1295400" y="3067527"/>
+            <a:ext cx="4038600" cy="1694971"/>
+          </a:xfrm>
+          <a:prstGeom prst="rect">
+            <a:avLst/>
+          </a:prstGeom>
+          <a:noFill/>
+          <a:ln>
+            <a:solidFill>
+              <a:srgbClr val="FF0000"/>
+            </a:solidFill>
+          </a:ln>
+        </p:spPr>
+        <p:style>
+          <a:lnRef idx="2">
+            <a:schemeClr val="accent2">
+              <a:shade val="50000"/>
+            </a:schemeClr>
+          </a:lnRef>
+          <a:fillRef idx="1">
+            <a:schemeClr val="accent2"/>
+          </a:fillRef>
+          <a:effectRef idx="0">
+            <a:schemeClr val="accent2"/>
+          </a:effectRef>
+          <a:fontRef idx="minor">
+            <a:schemeClr val="lt1"/>
+          </a:fontRef>
+        </p:style>
+        <p:txBody>
+          <a:bodyPr rtlCol="0" anchor="ctr"/>
+          <a:lstStyle/>
+          <a:p>
+            <a:pPr algn="ctr"/>
+            <a:endParaRPr lang="ko-KR" altLang="en-US"/>
+          </a:p>
+        </p:txBody>
+      </p:sp>
+      <p:sp>
+        <p:nvSpPr>
+          <p:cNvPr id="9" name="TextBox 8">
+            <a:extLst>
+              <a:ext uri="{FF2B5EF4-FFF2-40B4-BE49-F238E27FC236}">
+                <a16:creationId xmlns:a16="http://schemas.microsoft.com/office/drawing/2014/main" id="{ED2A2ACA-4E3B-33FD-8AA1-210B5B666CC9}"/>
+              </a:ext>
+            </a:extLst>
+          </p:cNvPr>
+          <p:cNvSpPr txBox="1"/>
+          <p:nvPr/>
+        </p:nvSpPr>
+        <p:spPr>
+          <a:xfrm>
+            <a:off x="6629400" y="3067528"/>
+            <a:ext cx="8382000" cy="646331"/>
+          </a:xfrm>
+          <a:prstGeom prst="rect">
+            <a:avLst/>
+          </a:prstGeom>
+          <a:noFill/>
+        </p:spPr>
+        <p:txBody>
+          <a:bodyPr wrap="square" rtlCol="0">
+            <a:spAutoFit/>
+          </a:bodyPr>
+          <a:lstStyle/>
+          <a:p>
+            <a:r>
+              <a:rPr lang="ko-KR" altLang="en-US" sz="3600" dirty="0">
+                <a:solidFill>
+                  <a:srgbClr val="FF0000"/>
+                </a:solidFill>
+                <a:latin typeface="G마켓 산스 Medium" panose="02000000000000000000" pitchFamily="50" charset="-127"/>
+                <a:ea typeface="G마켓 산스 Medium" panose="02000000000000000000" pitchFamily="50" charset="-127"/>
+              </a:rPr>
+              <a:t>기본생성자</a:t>
+            </a:r>
+            <a:r>
+              <a:rPr lang="en-US" altLang="ko-KR" sz="3600" dirty="0">
+                <a:solidFill>
+                  <a:srgbClr val="FF0000"/>
+                </a:solidFill>
+                <a:latin typeface="G마켓 산스 Medium" panose="02000000000000000000" pitchFamily="50" charset="-127"/>
+                <a:ea typeface="G마켓 산스 Medium" panose="02000000000000000000" pitchFamily="50" charset="-127"/>
+              </a:rPr>
+              <a:t>(</a:t>
+            </a:r>
+            <a:r>
+              <a:rPr lang="ko-KR" altLang="en-US" sz="3600" dirty="0">
+                <a:solidFill>
+                  <a:srgbClr val="FF0000"/>
+                </a:solidFill>
+                <a:latin typeface="G마켓 산스 Medium" panose="02000000000000000000" pitchFamily="50" charset="-127"/>
+                <a:ea typeface="G마켓 산스 Medium" panose="02000000000000000000" pitchFamily="50" charset="-127"/>
+              </a:rPr>
+              <a:t>디폴트생성자</a:t>
+            </a:r>
+            <a:r>
+              <a:rPr lang="en-US" altLang="ko-KR" sz="3600" dirty="0">
+                <a:solidFill>
+                  <a:srgbClr val="FF0000"/>
+                </a:solidFill>
+                <a:latin typeface="G마켓 산스 Medium" panose="02000000000000000000" pitchFamily="50" charset="-127"/>
+                <a:ea typeface="G마켓 산스 Medium" panose="02000000000000000000" pitchFamily="50" charset="-127"/>
+              </a:rPr>
+              <a:t>)</a:t>
+            </a:r>
+            <a:r>
+              <a:rPr lang="ko-KR" altLang="en-US" sz="3600" dirty="0">
+                <a:solidFill>
+                  <a:srgbClr val="FF0000"/>
+                </a:solidFill>
+                <a:latin typeface="G마켓 산스 Medium" panose="02000000000000000000" pitchFamily="50" charset="-127"/>
+                <a:ea typeface="G마켓 산스 Medium" panose="02000000000000000000" pitchFamily="50" charset="-127"/>
+              </a:rPr>
+              <a:t>가 없다</a:t>
+            </a:r>
+            <a:r>
+              <a:rPr lang="en-US" altLang="ko-KR" sz="3600" dirty="0">
+                <a:solidFill>
+                  <a:srgbClr val="FF0000"/>
+                </a:solidFill>
+                <a:latin typeface="G마켓 산스 Medium" panose="02000000000000000000" pitchFamily="50" charset="-127"/>
+                <a:ea typeface="G마켓 산스 Medium" panose="02000000000000000000" pitchFamily="50" charset="-127"/>
+              </a:rPr>
+              <a:t>.</a:t>
+            </a:r>
           </a:p>
         </p:txBody>
       </p:sp>
@@ -5106,7 +5860,7 @@
 </p:sld>
 </file>
 
-<file path=ppt/slides/slide12.xml><?xml version="1.0" encoding="utf-8"?>
+<file path=ppt/slides/slide13.xml><?xml version="1.0" encoding="utf-8"?>
 <p:sld xmlns:a="http://schemas.openxmlformats.org/drawingml/2006/main" xmlns:r="http://schemas.openxmlformats.org/officeDocument/2006/relationships" xmlns:p="http://schemas.openxmlformats.org/presentationml/2006/main">
   <p:cSld>
     <p:spTree>
@@ -5183,27 +5937,7 @@
                 <a:latin typeface="G마켓 산스 Medium" panose="02000000000000000000" pitchFamily="50" charset="-127"/>
                 <a:ea typeface="G마켓 산스 Medium" panose="02000000000000000000" pitchFamily="50" charset="-127"/>
               </a:rPr>
-              <a:t>명시적으로 선언하여 </a:t>
-            </a:r>
-            <a:r>
-              <a:rPr lang="ko-KR" altLang="en-US" sz="4000" dirty="0" err="1">
-                <a:solidFill>
-                  <a:srgbClr val="FF0000"/>
-                </a:solidFill>
-                <a:latin typeface="G마켓 산스 Medium" panose="02000000000000000000" pitchFamily="50" charset="-127"/>
-                <a:ea typeface="G마켓 산스 Medium" panose="02000000000000000000" pitchFamily="50" charset="-127"/>
-              </a:rPr>
-              <a:t>쓸수도</a:t>
-            </a:r>
-            <a:r>
-              <a:rPr lang="ko-KR" altLang="en-US" sz="4000" dirty="0">
-                <a:solidFill>
-                  <a:srgbClr val="FF0000"/>
-                </a:solidFill>
-                <a:latin typeface="G마켓 산스 Medium" panose="02000000000000000000" pitchFamily="50" charset="-127"/>
-                <a:ea typeface="G마켓 산스 Medium" panose="02000000000000000000" pitchFamily="50" charset="-127"/>
-              </a:rPr>
-              <a:t> 없다</a:t>
+              <a:t>명시적으로 선언하여 쓸 수도 없다</a:t>
             </a:r>
             <a:r>
               <a:rPr lang="en-US" altLang="ko-KR" sz="4000" dirty="0">
@@ -5377,7 +6111,7 @@
 </p:sld>
 </file>
 
-<file path=ppt/slides/slide13.xml><?xml version="1.0" encoding="utf-8"?>
+<file path=ppt/slides/slide14.xml><?xml version="1.0" encoding="utf-8"?>
 <p:sld xmlns:a="http://schemas.openxmlformats.org/drawingml/2006/main" xmlns:r="http://schemas.openxmlformats.org/officeDocument/2006/relationships" xmlns:p="http://schemas.openxmlformats.org/presentationml/2006/main">
   <p:cSld>
     <p:spTree>
@@ -5537,7 +6271,7 @@
 </p:sld>
 </file>
 
-<file path=ppt/slides/slide14.xml><?xml version="1.0" encoding="utf-8"?>
+<file path=ppt/slides/slide15.xml><?xml version="1.0" encoding="utf-8"?>
 <p:sld xmlns:a="http://schemas.openxmlformats.org/drawingml/2006/main" xmlns:r="http://schemas.openxmlformats.org/officeDocument/2006/relationships" xmlns:p="http://schemas.openxmlformats.org/presentationml/2006/main">
   <p:cSld>
     <p:spTree>
@@ -5833,7 +6567,267 @@
 </p:sld>
 </file>
 
-<file path=ppt/slides/slide15.xml><?xml version="1.0" encoding="utf-8"?>
+<file path=ppt/slides/slide16.xml><?xml version="1.0" encoding="utf-8"?>
+<p:sld xmlns:a="http://schemas.openxmlformats.org/drawingml/2006/main" xmlns:r="http://schemas.openxmlformats.org/officeDocument/2006/relationships" xmlns:p="http://schemas.openxmlformats.org/presentationml/2006/main">
+  <p:cSld>
+    <p:spTree>
+      <p:nvGrpSpPr>
+        <p:cNvPr id="1" name=""/>
+        <p:cNvGrpSpPr/>
+        <p:nvPr/>
+      </p:nvGrpSpPr>
+      <p:grpSpPr>
+        <a:xfrm>
+          <a:off x="0" y="0"/>
+          <a:ext cx="0" cy="0"/>
+          <a:chOff x="0" y="0"/>
+          <a:chExt cx="0" cy="0"/>
+        </a:xfrm>
+      </p:grpSpPr>
+      <p:sp>
+        <p:nvSpPr>
+          <p:cNvPr id="4" name="TextBox 3">
+            <a:extLst>
+              <a:ext uri="{FF2B5EF4-FFF2-40B4-BE49-F238E27FC236}">
+                <a16:creationId xmlns:a16="http://schemas.microsoft.com/office/drawing/2014/main" id="{F10F522D-114B-F10A-C265-CF7D3A21C33D}"/>
+              </a:ext>
+            </a:extLst>
+          </p:cNvPr>
+          <p:cNvSpPr txBox="1"/>
+          <p:nvPr/>
+        </p:nvSpPr>
+        <p:spPr>
+          <a:xfrm>
+            <a:off x="1371600" y="3695700"/>
+            <a:ext cx="16007636" cy="1938992"/>
+          </a:xfrm>
+          <a:prstGeom prst="rect">
+            <a:avLst/>
+          </a:prstGeom>
+          <a:noFill/>
+        </p:spPr>
+        <p:txBody>
+          <a:bodyPr wrap="square" rtlCol="0">
+            <a:spAutoFit/>
+          </a:bodyPr>
+          <a:lstStyle/>
+          <a:p>
+            <a:r>
+              <a:rPr lang="en-US" altLang="ko-KR" sz="4000" dirty="0">
+                <a:solidFill>
+                  <a:schemeClr val="tx1">
+                    <a:lumMod val="50000"/>
+                    <a:lumOff val="50000"/>
+                  </a:schemeClr>
+                </a:solidFill>
+                <a:latin typeface="G마켓 산스 Medium" panose="02000000000000000000" pitchFamily="50" charset="-127"/>
+                <a:ea typeface="G마켓 산스 Medium" panose="02000000000000000000" pitchFamily="50" charset="-127"/>
+              </a:rPr>
+              <a:t>1. </a:t>
+            </a:r>
+            <a:r>
+              <a:rPr lang="ko-KR" altLang="en-US" sz="4000" dirty="0">
+                <a:solidFill>
+                  <a:schemeClr val="tx1">
+                    <a:lumMod val="50000"/>
+                    <a:lumOff val="50000"/>
+                  </a:schemeClr>
+                </a:solidFill>
+                <a:latin typeface="G마켓 산스 Medium" panose="02000000000000000000" pitchFamily="50" charset="-127"/>
+                <a:ea typeface="G마켓 산스 Medium" panose="02000000000000000000" pitchFamily="50" charset="-127"/>
+              </a:rPr>
+              <a:t>초기화 블록</a:t>
+            </a:r>
+            <a:r>
+              <a:rPr lang="en-US" altLang="ko-KR" sz="4000" dirty="0">
+                <a:solidFill>
+                  <a:schemeClr val="tx1">
+                    <a:lumMod val="50000"/>
+                    <a:lumOff val="50000"/>
+                  </a:schemeClr>
+                </a:solidFill>
+                <a:latin typeface="G마켓 산스 Medium" panose="02000000000000000000" pitchFamily="50" charset="-127"/>
+                <a:ea typeface="G마켓 산스 Medium" panose="02000000000000000000" pitchFamily="50" charset="-127"/>
+              </a:rPr>
+              <a:t>, </a:t>
+            </a:r>
+            <a:r>
+              <a:rPr lang="ko-KR" altLang="en-US" sz="4000" dirty="0">
+                <a:solidFill>
+                  <a:schemeClr val="tx1">
+                    <a:lumMod val="50000"/>
+                    <a:lumOff val="50000"/>
+                  </a:schemeClr>
+                </a:solidFill>
+                <a:latin typeface="G마켓 산스 Medium" panose="02000000000000000000" pitchFamily="50" charset="-127"/>
+                <a:ea typeface="G마켓 산스 Medium" panose="02000000000000000000" pitchFamily="50" charset="-127"/>
+              </a:rPr>
+              <a:t>생성자는 상속되지 않는다</a:t>
+            </a:r>
+            <a:r>
+              <a:rPr lang="en-US" altLang="ko-KR" sz="4000" dirty="0">
+                <a:solidFill>
+                  <a:schemeClr val="tx1">
+                    <a:lumMod val="50000"/>
+                    <a:lumOff val="50000"/>
+                  </a:schemeClr>
+                </a:solidFill>
+                <a:latin typeface="G마켓 산스 Medium" panose="02000000000000000000" pitchFamily="50" charset="-127"/>
+                <a:ea typeface="G마켓 산스 Medium" panose="02000000000000000000" pitchFamily="50" charset="-127"/>
+              </a:rPr>
+              <a:t>.</a:t>
+            </a:r>
+          </a:p>
+          <a:p>
+            <a:r>
+              <a:rPr lang="en-US" altLang="ko-KR" sz="4000" dirty="0">
+                <a:solidFill>
+                  <a:schemeClr val="tx1">
+                    <a:lumMod val="50000"/>
+                    <a:lumOff val="50000"/>
+                  </a:schemeClr>
+                </a:solidFill>
+                <a:latin typeface="G마켓 산스 Medium" panose="02000000000000000000" pitchFamily="50" charset="-127"/>
+                <a:ea typeface="G마켓 산스 Medium" panose="02000000000000000000" pitchFamily="50" charset="-127"/>
+              </a:rPr>
+              <a:t>2. </a:t>
+            </a:r>
+            <a:r>
+              <a:rPr lang="ko-KR" altLang="en-US" sz="4000" dirty="0">
+                <a:solidFill>
+                  <a:schemeClr val="tx1">
+                    <a:lumMod val="50000"/>
+                    <a:lumOff val="50000"/>
+                  </a:schemeClr>
+                </a:solidFill>
+                <a:latin typeface="G마켓 산스 Medium" panose="02000000000000000000" pitchFamily="50" charset="-127"/>
+                <a:ea typeface="G마켓 산스 Medium" panose="02000000000000000000" pitchFamily="50" charset="-127"/>
+              </a:rPr>
+              <a:t>부모의 멤버변수</a:t>
+            </a:r>
+            <a:r>
+              <a:rPr lang="en-US" altLang="ko-KR" sz="4000" dirty="0">
+                <a:solidFill>
+                  <a:schemeClr val="tx1">
+                    <a:lumMod val="50000"/>
+                    <a:lumOff val="50000"/>
+                  </a:schemeClr>
+                </a:solidFill>
+                <a:latin typeface="G마켓 산스 Medium" panose="02000000000000000000" pitchFamily="50" charset="-127"/>
+                <a:ea typeface="G마켓 산스 Medium" panose="02000000000000000000" pitchFamily="50" charset="-127"/>
+              </a:rPr>
+              <a:t>, </a:t>
+            </a:r>
+            <a:r>
+              <a:rPr lang="ko-KR" altLang="en-US" sz="4000" dirty="0">
+                <a:solidFill>
+                  <a:schemeClr val="tx1">
+                    <a:lumMod val="50000"/>
+                    <a:lumOff val="50000"/>
+                  </a:schemeClr>
+                </a:solidFill>
+                <a:latin typeface="G마켓 산스 Medium" panose="02000000000000000000" pitchFamily="50" charset="-127"/>
+                <a:ea typeface="G마켓 산스 Medium" panose="02000000000000000000" pitchFamily="50" charset="-127"/>
+              </a:rPr>
+              <a:t>멤버 메서드가 자식 클래스에게 상속된다</a:t>
+            </a:r>
+            <a:r>
+              <a:rPr lang="en-US" altLang="ko-KR" sz="4000" dirty="0">
+                <a:solidFill>
+                  <a:schemeClr val="tx1">
+                    <a:lumMod val="50000"/>
+                    <a:lumOff val="50000"/>
+                  </a:schemeClr>
+                </a:solidFill>
+                <a:latin typeface="G마켓 산스 Medium" panose="02000000000000000000" pitchFamily="50" charset="-127"/>
+                <a:ea typeface="G마켓 산스 Medium" panose="02000000000000000000" pitchFamily="50" charset="-127"/>
+              </a:rPr>
+              <a:t>.</a:t>
+            </a:r>
+          </a:p>
+          <a:p>
+            <a:r>
+              <a:rPr lang="en-US" altLang="ko-KR" sz="4000" dirty="0">
+                <a:solidFill>
+                  <a:schemeClr val="tx1">
+                    <a:lumMod val="50000"/>
+                    <a:lumOff val="50000"/>
+                  </a:schemeClr>
+                </a:solidFill>
+                <a:latin typeface="G마켓 산스 Medium" panose="02000000000000000000" pitchFamily="50" charset="-127"/>
+                <a:ea typeface="G마켓 산스 Medium" panose="02000000000000000000" pitchFamily="50" charset="-127"/>
+              </a:rPr>
+              <a:t>3. </a:t>
+            </a:r>
+            <a:r>
+              <a:rPr lang="ko-KR" altLang="en-US" sz="4000" dirty="0">
+                <a:solidFill>
+                  <a:schemeClr val="tx1">
+                    <a:lumMod val="50000"/>
+                    <a:lumOff val="50000"/>
+                  </a:schemeClr>
+                </a:solidFill>
+                <a:latin typeface="G마켓 산스 Medium" panose="02000000000000000000" pitchFamily="50" charset="-127"/>
+                <a:ea typeface="G마켓 산스 Medium" panose="02000000000000000000" pitchFamily="50" charset="-127"/>
+              </a:rPr>
+              <a:t>자식에서 추가한 멤버변수</a:t>
+            </a:r>
+            <a:r>
+              <a:rPr lang="en-US" altLang="ko-KR" sz="4000" dirty="0">
+                <a:solidFill>
+                  <a:schemeClr val="tx1">
+                    <a:lumMod val="50000"/>
+                    <a:lumOff val="50000"/>
+                  </a:schemeClr>
+                </a:solidFill>
+                <a:latin typeface="G마켓 산스 Medium" panose="02000000000000000000" pitchFamily="50" charset="-127"/>
+                <a:ea typeface="G마켓 산스 Medium" panose="02000000000000000000" pitchFamily="50" charset="-127"/>
+              </a:rPr>
+              <a:t>,</a:t>
+            </a:r>
+            <a:r>
+              <a:rPr lang="ko-KR" altLang="en-US" sz="4000" dirty="0">
+                <a:solidFill>
+                  <a:schemeClr val="tx1">
+                    <a:lumMod val="50000"/>
+                    <a:lumOff val="50000"/>
+                  </a:schemeClr>
+                </a:solidFill>
+                <a:latin typeface="G마켓 산스 Medium" panose="02000000000000000000" pitchFamily="50" charset="-127"/>
+                <a:ea typeface="G마켓 산스 Medium" panose="02000000000000000000" pitchFamily="50" charset="-127"/>
+              </a:rPr>
+              <a:t>멤버 메서드는 부모가 사용 할 수 없다</a:t>
+            </a:r>
+            <a:r>
+              <a:rPr lang="en-US" altLang="ko-KR" sz="4000" dirty="0">
+                <a:solidFill>
+                  <a:schemeClr val="tx1">
+                    <a:lumMod val="50000"/>
+                    <a:lumOff val="50000"/>
+                  </a:schemeClr>
+                </a:solidFill>
+                <a:latin typeface="G마켓 산스 Medium" panose="02000000000000000000" pitchFamily="50" charset="-127"/>
+                <a:ea typeface="G마켓 산스 Medium" panose="02000000000000000000" pitchFamily="50" charset="-127"/>
+              </a:rPr>
+              <a:t>.</a:t>
+            </a:r>
+          </a:p>
+        </p:txBody>
+      </p:sp>
+    </p:spTree>
+    <p:extLst>
+      <p:ext uri="{BB962C8B-B14F-4D97-AF65-F5344CB8AC3E}">
+        <p14:creationId xmlns:p14="http://schemas.microsoft.com/office/powerpoint/2010/main" val="2633631182"/>
+      </p:ext>
+    </p:extLst>
+  </p:cSld>
+  <p:clrMapOvr>
+    <a:masterClrMapping/>
+  </p:clrMapOvr>
+</p:sld>
+</file>
+
+<file path=ppt/slides/slide17.xml><?xml version="1.0" encoding="utf-8"?>
 <p:sld xmlns:a="http://schemas.openxmlformats.org/drawingml/2006/main" xmlns:r="http://schemas.openxmlformats.org/officeDocument/2006/relationships" xmlns:p="http://schemas.openxmlformats.org/presentationml/2006/main">
   <p:cSld>
     <p:spTree>
@@ -7260,7 +8254,7 @@
 </p:sld>
 </file>
 
-<file path=ppt/slides/slide16.xml><?xml version="1.0" encoding="utf-8"?>
+<file path=ppt/slides/slide18.xml><?xml version="1.0" encoding="utf-8"?>
 <p:sld xmlns:a="http://schemas.openxmlformats.org/drawingml/2006/main" xmlns:r="http://schemas.openxmlformats.org/officeDocument/2006/relationships" xmlns:p="http://schemas.openxmlformats.org/presentationml/2006/main">
   <p:cSld>
     <p:spTree>
@@ -8159,7 +9153,7 @@
 </p:sld>
 </file>
 
-<file path=ppt/slides/slide17.xml><?xml version="1.0" encoding="utf-8"?>
+<file path=ppt/slides/slide19.xml><?xml version="1.0" encoding="utf-8"?>
 <p:sld xmlns:a="http://schemas.openxmlformats.org/drawingml/2006/main" xmlns:r="http://schemas.openxmlformats.org/officeDocument/2006/relationships" xmlns:p="http://schemas.openxmlformats.org/presentationml/2006/main">
   <p:cSld>
     <p:spTree>
@@ -8479,7 +9473,535 @@
 </p:sld>
 </file>
 
-<file path=ppt/slides/slide18.xml><?xml version="1.0" encoding="utf-8"?>
+<file path=ppt/slides/slide2.xml><?xml version="1.0" encoding="utf-8"?>
+<p:sld xmlns:a="http://schemas.openxmlformats.org/drawingml/2006/main" xmlns:r="http://schemas.openxmlformats.org/officeDocument/2006/relationships" xmlns:p="http://schemas.openxmlformats.org/presentationml/2006/main">
+  <p:cSld name="Slide 3">
+    <p:bg>
+      <p:bgPr>
+        <a:solidFill>
+          <a:srgbClr val="FFFFFF"/>
+        </a:solidFill>
+        <a:effectLst/>
+      </p:bgPr>
+    </p:bg>
+    <p:spTree>
+      <p:nvGrpSpPr>
+        <p:cNvPr id="1" name=""/>
+        <p:cNvGrpSpPr/>
+        <p:nvPr/>
+      </p:nvGrpSpPr>
+      <p:grpSpPr>
+        <a:xfrm>
+          <a:off x="0" y="0"/>
+          <a:ext cx="0" cy="0"/>
+          <a:chOff x="0" y="0"/>
+          <a:chExt cx="0" cy="0"/>
+        </a:xfrm>
+      </p:grpSpPr>
+      <p:grpSp>
+        <p:nvGrpSpPr>
+          <p:cNvPr id="1001" name="그룹 1001"/>
+          <p:cNvGrpSpPr/>
+          <p:nvPr/>
+        </p:nvGrpSpPr>
+        <p:grpSpPr>
+          <a:xfrm>
+            <a:off x="16986360" y="2195397"/>
+            <a:ext cx="1432688" cy="191978"/>
+            <a:chOff x="16986360" y="2195397"/>
+            <a:chExt cx="1432688" cy="191978"/>
+          </a:xfrm>
+        </p:grpSpPr>
+        <p:pic>
+          <p:nvPicPr>
+            <p:cNvPr id="3" name="Object 2"/>
+            <p:cNvPicPr>
+              <a:picLocks noChangeAspect="1"/>
+            </p:cNvPicPr>
+            <p:nvPr/>
+          </p:nvPicPr>
+          <p:blipFill>
+            <a:blip r:embed="rId2" cstate="print"/>
+            <a:stretch>
+              <a:fillRect/>
+            </a:stretch>
+          </p:blipFill>
+          <p:spPr>
+            <a:xfrm>
+              <a:off x="16986360" y="2195397"/>
+              <a:ext cx="1432688" cy="191978"/>
+            </a:xfrm>
+            <a:prstGeom prst="rect">
+              <a:avLst/>
+            </a:prstGeom>
+          </p:spPr>
+        </p:pic>
+      </p:grpSp>
+      <p:pic>
+        <p:nvPicPr>
+          <p:cNvPr id="6" name="Object 5"/>
+          <p:cNvPicPr>
+            <a:picLocks noChangeAspect="1"/>
+          </p:cNvPicPr>
+          <p:nvPr/>
+        </p:nvPicPr>
+        <p:blipFill>
+          <a:blip r:embed="rId3" cstate="print"/>
+          <a:stretch>
+            <a:fillRect/>
+          </a:stretch>
+        </p:blipFill>
+        <p:spPr>
+          <a:xfrm>
+            <a:off x="1399461" y="4488270"/>
+            <a:ext cx="1758572" cy="1832228"/>
+          </a:xfrm>
+          <a:prstGeom prst="rect">
+            <a:avLst/>
+          </a:prstGeom>
+        </p:spPr>
+      </p:pic>
+      <p:pic>
+        <p:nvPicPr>
+          <p:cNvPr id="7" name="Object 6"/>
+          <p:cNvPicPr>
+            <a:picLocks noChangeAspect="1"/>
+          </p:cNvPicPr>
+          <p:nvPr/>
+        </p:nvPicPr>
+        <p:blipFill>
+          <a:blip r:embed="rId4" cstate="print"/>
+          <a:stretch>
+            <a:fillRect/>
+          </a:stretch>
+        </p:blipFill>
+        <p:spPr>
+          <a:xfrm>
+            <a:off x="7212477" y="4488270"/>
+            <a:ext cx="1768115" cy="1832228"/>
+          </a:xfrm>
+          <a:prstGeom prst="rect">
+            <a:avLst/>
+          </a:prstGeom>
+        </p:spPr>
+      </p:pic>
+      <p:grpSp>
+        <p:nvGrpSpPr>
+          <p:cNvPr id="1002" name="그룹 1002"/>
+          <p:cNvGrpSpPr/>
+          <p:nvPr/>
+        </p:nvGrpSpPr>
+        <p:grpSpPr>
+          <a:xfrm>
+            <a:off x="14827311" y="6820582"/>
+            <a:ext cx="3911298" cy="3873359"/>
+            <a:chOff x="14827311" y="6820582"/>
+            <a:chExt cx="3911298" cy="3873359"/>
+          </a:xfrm>
+        </p:grpSpPr>
+        <p:pic>
+          <p:nvPicPr>
+            <p:cNvPr id="12" name="Object 11"/>
+            <p:cNvPicPr>
+              <a:picLocks noChangeAspect="1"/>
+            </p:cNvPicPr>
+            <p:nvPr/>
+          </p:nvPicPr>
+          <p:blipFill>
+            <a:blip r:embed="rId5" cstate="print"/>
+            <a:stretch>
+              <a:fillRect/>
+            </a:stretch>
+          </p:blipFill>
+          <p:spPr>
+            <a:xfrm>
+              <a:off x="14827311" y="6820582"/>
+              <a:ext cx="3911298" cy="3873359"/>
+            </a:xfrm>
+            <a:prstGeom prst="rect">
+              <a:avLst/>
+            </a:prstGeom>
+          </p:spPr>
+        </p:pic>
+      </p:grpSp>
+      <p:grpSp>
+        <p:nvGrpSpPr>
+          <p:cNvPr id="1003" name="그룹 1003"/>
+          <p:cNvGrpSpPr/>
+          <p:nvPr/>
+        </p:nvGrpSpPr>
+        <p:grpSpPr>
+          <a:xfrm>
+            <a:off x="-600196" y="-982225"/>
+            <a:ext cx="4279052" cy="4237545"/>
+            <a:chOff x="-600196" y="-982225"/>
+            <a:chExt cx="4279052" cy="4237545"/>
+          </a:xfrm>
+        </p:grpSpPr>
+        <p:pic>
+          <p:nvPicPr>
+            <p:cNvPr id="15" name="Object 14"/>
+            <p:cNvPicPr>
+              <a:picLocks noChangeAspect="1"/>
+            </p:cNvPicPr>
+            <p:nvPr/>
+          </p:nvPicPr>
+          <p:blipFill>
+            <a:blip r:embed="rId6" cstate="print"/>
+            <a:stretch>
+              <a:fillRect/>
+            </a:stretch>
+          </p:blipFill>
+          <p:spPr>
+            <a:xfrm>
+              <a:off x="-600196" y="-982225"/>
+              <a:ext cx="4279052" cy="4237545"/>
+            </a:xfrm>
+            <a:prstGeom prst="rect">
+              <a:avLst/>
+            </a:prstGeom>
+          </p:spPr>
+        </p:pic>
+      </p:grpSp>
+      <p:sp>
+        <p:nvSpPr>
+          <p:cNvPr id="11" name="TextBox 10">
+            <a:extLst>
+              <a:ext uri="{FF2B5EF4-FFF2-40B4-BE49-F238E27FC236}">
+                <a16:creationId xmlns:a16="http://schemas.microsoft.com/office/drawing/2014/main" id="{9F88F580-08BE-88C2-D640-13F0026591CB}"/>
+              </a:ext>
+            </a:extLst>
+          </p:cNvPr>
+          <p:cNvSpPr txBox="1"/>
+          <p:nvPr/>
+        </p:nvSpPr>
+        <p:spPr>
+          <a:xfrm>
+            <a:off x="8763000" y="1530396"/>
+            <a:ext cx="8121134" cy="1200329"/>
+          </a:xfrm>
+          <a:prstGeom prst="rect">
+            <a:avLst/>
+          </a:prstGeom>
+          <a:noFill/>
+        </p:spPr>
+        <p:txBody>
+          <a:bodyPr wrap="none" rtlCol="0">
+            <a:spAutoFit/>
+          </a:bodyPr>
+          <a:lstStyle/>
+          <a:p>
+            <a:r>
+              <a:rPr lang="en-US" altLang="ko-KR" sz="7200">
+                <a:solidFill>
+                  <a:srgbClr val="4C50BC"/>
+                </a:solidFill>
+                <a:latin typeface="G마켓 산스 Bold" panose="02000000000000000000" pitchFamily="50" charset="-127"/>
+                <a:ea typeface="G마켓 산스 Bold" panose="02000000000000000000" pitchFamily="50" charset="-127"/>
+              </a:rPr>
+              <a:t>Part09 </a:t>
+            </a:r>
+            <a:r>
+              <a:rPr lang="ko-KR" altLang="en-US" sz="7200">
+                <a:solidFill>
+                  <a:srgbClr val="4C50BC"/>
+                </a:solidFill>
+                <a:latin typeface="G마켓 산스 Bold" panose="02000000000000000000" pitchFamily="50" charset="-127"/>
+                <a:ea typeface="G마켓 산스 Bold" panose="02000000000000000000" pitchFamily="50" charset="-127"/>
+              </a:rPr>
+              <a:t>객체지향</a:t>
+            </a:r>
+            <a:r>
+              <a:rPr lang="en-US" altLang="ko-KR" sz="7200">
+                <a:solidFill>
+                  <a:srgbClr val="4C50BC"/>
+                </a:solidFill>
+                <a:latin typeface="G마켓 산스 Bold" panose="02000000000000000000" pitchFamily="50" charset="-127"/>
+                <a:ea typeface="G마켓 산스 Bold" panose="02000000000000000000" pitchFamily="50" charset="-127"/>
+              </a:rPr>
+              <a:t>2</a:t>
+            </a:r>
+            <a:endParaRPr lang="ko-KR" altLang="en-US" sz="7200" dirty="0">
+              <a:solidFill>
+                <a:srgbClr val="4C50BC"/>
+              </a:solidFill>
+              <a:latin typeface="G마켓 산스 Bold" panose="02000000000000000000" pitchFamily="50" charset="-127"/>
+              <a:ea typeface="G마켓 산스 Bold" panose="02000000000000000000" pitchFamily="50" charset="-127"/>
+            </a:endParaRPr>
+          </a:p>
+        </p:txBody>
+      </p:sp>
+      <p:sp>
+        <p:nvSpPr>
+          <p:cNvPr id="13" name="TextBox 12">
+            <a:extLst>
+              <a:ext uri="{FF2B5EF4-FFF2-40B4-BE49-F238E27FC236}">
+                <a16:creationId xmlns:a16="http://schemas.microsoft.com/office/drawing/2014/main" id="{72769C28-9BB6-DE9C-7B6F-264B77B8DD0E}"/>
+              </a:ext>
+            </a:extLst>
+          </p:cNvPr>
+          <p:cNvSpPr txBox="1"/>
+          <p:nvPr/>
+        </p:nvSpPr>
+        <p:spPr>
+          <a:xfrm>
+            <a:off x="3048000" y="5092125"/>
+            <a:ext cx="973343" cy="584775"/>
+          </a:xfrm>
+          <a:prstGeom prst="rect">
+            <a:avLst/>
+          </a:prstGeom>
+          <a:noFill/>
+        </p:spPr>
+        <p:txBody>
+          <a:bodyPr wrap="none" rtlCol="0">
+            <a:spAutoFit/>
+          </a:bodyPr>
+          <a:lstStyle/>
+          <a:p>
+            <a:r>
+              <a:rPr lang="ko-KR" altLang="en-US" sz="3200">
+                <a:solidFill>
+                  <a:srgbClr val="4D4848"/>
+                </a:solidFill>
+                <a:latin typeface="G마켓 산스 Medium" panose="02000000000000000000" pitchFamily="50" charset="-127"/>
+                <a:ea typeface="G마켓 산스 Medium" panose="02000000000000000000" pitchFamily="50" charset="-127"/>
+              </a:rPr>
+              <a:t>상속</a:t>
+            </a:r>
+            <a:endParaRPr lang="ko-KR" altLang="en-US" sz="3200" dirty="0">
+              <a:solidFill>
+                <a:srgbClr val="4D4848"/>
+              </a:solidFill>
+              <a:latin typeface="G마켓 산스 Medium" panose="02000000000000000000" pitchFamily="50" charset="-127"/>
+              <a:ea typeface="G마켓 산스 Medium" panose="02000000000000000000" pitchFamily="50" charset="-127"/>
+            </a:endParaRPr>
+          </a:p>
+        </p:txBody>
+      </p:sp>
+      <p:sp>
+        <p:nvSpPr>
+          <p:cNvPr id="14" name="TextBox 13">
+            <a:extLst>
+              <a:ext uri="{FF2B5EF4-FFF2-40B4-BE49-F238E27FC236}">
+                <a16:creationId xmlns:a16="http://schemas.microsoft.com/office/drawing/2014/main" id="{270FBB6A-01CE-5637-78DA-58F0C974145C}"/>
+              </a:ext>
+            </a:extLst>
+          </p:cNvPr>
+          <p:cNvSpPr txBox="1"/>
+          <p:nvPr/>
+        </p:nvSpPr>
+        <p:spPr>
+          <a:xfrm>
+            <a:off x="9179922" y="5092125"/>
+            <a:ext cx="2156360" cy="584775"/>
+          </a:xfrm>
+          <a:prstGeom prst="rect">
+            <a:avLst/>
+          </a:prstGeom>
+          <a:noFill/>
+        </p:spPr>
+        <p:txBody>
+          <a:bodyPr wrap="none" rtlCol="0">
+            <a:spAutoFit/>
+          </a:bodyPr>
+          <a:lstStyle/>
+          <a:p>
+            <a:r>
+              <a:rPr lang="ko-KR" altLang="en-US" sz="3200">
+                <a:solidFill>
+                  <a:srgbClr val="4D4848"/>
+                </a:solidFill>
+                <a:latin typeface="G마켓 산스 Medium" panose="02000000000000000000" pitchFamily="50" charset="-127"/>
+                <a:ea typeface="G마켓 산스 Medium" panose="02000000000000000000" pitchFamily="50" charset="-127"/>
+              </a:rPr>
+              <a:t>오버라이딩</a:t>
+            </a:r>
+            <a:endParaRPr lang="ko-KR" altLang="en-US" sz="3200" dirty="0">
+              <a:solidFill>
+                <a:srgbClr val="4D4848"/>
+              </a:solidFill>
+              <a:latin typeface="G마켓 산스 Medium" panose="02000000000000000000" pitchFamily="50" charset="-127"/>
+              <a:ea typeface="G마켓 산스 Medium" panose="02000000000000000000" pitchFamily="50" charset="-127"/>
+            </a:endParaRPr>
+          </a:p>
+        </p:txBody>
+      </p:sp>
+      <p:pic>
+        <p:nvPicPr>
+          <p:cNvPr id="2" name="Object 17">
+            <a:extLst>
+              <a:ext uri="{FF2B5EF4-FFF2-40B4-BE49-F238E27FC236}">
+                <a16:creationId xmlns:a16="http://schemas.microsoft.com/office/drawing/2014/main" id="{140B283D-FE58-FA6F-6F7C-E0F1DBB62A65}"/>
+              </a:ext>
+            </a:extLst>
+          </p:cNvPr>
+          <p:cNvPicPr>
+            <a:picLocks noChangeAspect="1"/>
+          </p:cNvPicPr>
+          <p:nvPr/>
+        </p:nvPicPr>
+        <p:blipFill>
+          <a:blip r:embed="rId7" cstate="print"/>
+          <a:stretch>
+            <a:fillRect/>
+          </a:stretch>
+        </p:blipFill>
+        <p:spPr>
+          <a:xfrm>
+            <a:off x="1399461" y="6684996"/>
+            <a:ext cx="1768115" cy="1832228"/>
+          </a:xfrm>
+          <a:prstGeom prst="rect">
+            <a:avLst/>
+          </a:prstGeom>
+        </p:spPr>
+      </p:pic>
+      <p:sp>
+        <p:nvSpPr>
+          <p:cNvPr id="4" name="TextBox 3">
+            <a:extLst>
+              <a:ext uri="{FF2B5EF4-FFF2-40B4-BE49-F238E27FC236}">
+                <a16:creationId xmlns:a16="http://schemas.microsoft.com/office/drawing/2014/main" id="{2C8D0998-79BC-6FD2-59D9-8052B4A25F65}"/>
+              </a:ext>
+            </a:extLst>
+          </p:cNvPr>
+          <p:cNvSpPr txBox="1"/>
+          <p:nvPr/>
+        </p:nvSpPr>
+        <p:spPr>
+          <a:xfrm>
+            <a:off x="3126859" y="7353300"/>
+            <a:ext cx="2787943" cy="584775"/>
+          </a:xfrm>
+          <a:prstGeom prst="rect">
+            <a:avLst/>
+          </a:prstGeom>
+          <a:noFill/>
+        </p:spPr>
+        <p:txBody>
+          <a:bodyPr wrap="none" rtlCol="0">
+            <a:spAutoFit/>
+          </a:bodyPr>
+          <a:lstStyle/>
+          <a:p>
+            <a:r>
+              <a:rPr lang="en-US" altLang="ko-KR" sz="3200">
+                <a:solidFill>
+                  <a:srgbClr val="4D4848"/>
+                </a:solidFill>
+                <a:latin typeface="G마켓 산스 Medium" panose="02000000000000000000" pitchFamily="50" charset="-127"/>
+                <a:ea typeface="G마켓 산스 Medium" panose="02000000000000000000" pitchFamily="50" charset="-127"/>
+              </a:rPr>
+              <a:t>super </a:t>
+            </a:r>
+            <a:r>
+              <a:rPr lang="ko-KR" altLang="en-US" sz="3200">
+                <a:solidFill>
+                  <a:srgbClr val="4D4848"/>
+                </a:solidFill>
+                <a:latin typeface="G마켓 산스 Medium" panose="02000000000000000000" pitchFamily="50" charset="-127"/>
+                <a:ea typeface="G마켓 산스 Medium" panose="02000000000000000000" pitchFamily="50" charset="-127"/>
+              </a:rPr>
+              <a:t>생성자</a:t>
+            </a:r>
+            <a:endParaRPr lang="ko-KR" altLang="en-US" sz="3200" dirty="0">
+              <a:solidFill>
+                <a:srgbClr val="4D4848"/>
+              </a:solidFill>
+              <a:latin typeface="G마켓 산스 Medium" panose="02000000000000000000" pitchFamily="50" charset="-127"/>
+              <a:ea typeface="G마켓 산스 Medium" panose="02000000000000000000" pitchFamily="50" charset="-127"/>
+            </a:endParaRPr>
+          </a:p>
+        </p:txBody>
+      </p:sp>
+      <p:pic>
+        <p:nvPicPr>
+          <p:cNvPr id="5" name="Object 18">
+            <a:extLst>
+              <a:ext uri="{FF2B5EF4-FFF2-40B4-BE49-F238E27FC236}">
+                <a16:creationId xmlns:a16="http://schemas.microsoft.com/office/drawing/2014/main" id="{3F58EA3E-1018-64D3-FAB2-4F6B9618FA56}"/>
+              </a:ext>
+            </a:extLst>
+          </p:cNvPr>
+          <p:cNvPicPr>
+            <a:picLocks noChangeAspect="1"/>
+          </p:cNvPicPr>
+          <p:nvPr/>
+        </p:nvPicPr>
+        <p:blipFill>
+          <a:blip r:embed="rId8" cstate="print"/>
+          <a:stretch>
+            <a:fillRect/>
+          </a:stretch>
+        </p:blipFill>
+        <p:spPr>
+          <a:xfrm>
+            <a:off x="7212477" y="6684996"/>
+            <a:ext cx="1787181" cy="1832228"/>
+          </a:xfrm>
+          <a:prstGeom prst="rect">
+            <a:avLst/>
+          </a:prstGeom>
+        </p:spPr>
+      </p:pic>
+      <p:sp>
+        <p:nvSpPr>
+          <p:cNvPr id="8" name="TextBox 7">
+            <a:extLst>
+              <a:ext uri="{FF2B5EF4-FFF2-40B4-BE49-F238E27FC236}">
+                <a16:creationId xmlns:a16="http://schemas.microsoft.com/office/drawing/2014/main" id="{681D3F16-7DCF-41AD-F5F1-0558C78C0E4D}"/>
+              </a:ext>
+            </a:extLst>
+          </p:cNvPr>
+          <p:cNvSpPr txBox="1"/>
+          <p:nvPr/>
+        </p:nvSpPr>
+        <p:spPr>
+          <a:xfrm>
+            <a:off x="9144000" y="7353300"/>
+            <a:ext cx="4343400" cy="584775"/>
+          </a:xfrm>
+          <a:prstGeom prst="rect">
+            <a:avLst/>
+          </a:prstGeom>
+          <a:noFill/>
+        </p:spPr>
+        <p:txBody>
+          <a:bodyPr wrap="square" rtlCol="0">
+            <a:spAutoFit/>
+          </a:bodyPr>
+          <a:lstStyle/>
+          <a:p>
+            <a:r>
+              <a:rPr lang="ko-KR" altLang="en-US" sz="3200">
+                <a:solidFill>
+                  <a:srgbClr val="4D4848"/>
+                </a:solidFill>
+                <a:latin typeface="G마켓 산스 Medium" panose="02000000000000000000" pitchFamily="50" charset="-127"/>
+                <a:ea typeface="G마켓 산스 Medium" panose="02000000000000000000" pitchFamily="50" charset="-127"/>
+              </a:rPr>
+              <a:t>실습 문제</a:t>
+            </a:r>
+            <a:endParaRPr lang="ko-KR" altLang="en-US" sz="3200" dirty="0">
+              <a:solidFill>
+                <a:srgbClr val="4D4848"/>
+              </a:solidFill>
+              <a:latin typeface="G마켓 산스 Medium" panose="02000000000000000000" pitchFamily="50" charset="-127"/>
+              <a:ea typeface="G마켓 산스 Medium" panose="02000000000000000000" pitchFamily="50" charset="-127"/>
+            </a:endParaRPr>
+          </a:p>
+        </p:txBody>
+      </p:sp>
+    </p:spTree>
+  </p:cSld>
+  <p:clrMapOvr>
+    <a:masterClrMapping/>
+  </p:clrMapOvr>
+</p:sld>
+</file>
+
+<file path=ppt/slides/slide20.xml><?xml version="1.0" encoding="utf-8"?>
 <p:sld xmlns:a="http://schemas.openxmlformats.org/drawingml/2006/main" xmlns:r="http://schemas.openxmlformats.org/officeDocument/2006/relationships" xmlns:p="http://schemas.openxmlformats.org/presentationml/2006/main">
   <p:cSld>
     <p:spTree>
@@ -9985,7 +11507,7 @@
 </p:sld>
 </file>
 
-<file path=ppt/slides/slide19.xml><?xml version="1.0" encoding="utf-8"?>
+<file path=ppt/slides/slide21.xml><?xml version="1.0" encoding="utf-8"?>
 <p:sld xmlns:a="http://schemas.openxmlformats.org/drawingml/2006/main" xmlns:r="http://schemas.openxmlformats.org/officeDocument/2006/relationships" xmlns:p="http://schemas.openxmlformats.org/presentationml/2006/main">
   <p:cSld>
     <p:spTree>
@@ -10385,535 +11907,7 @@
 </p:sld>
 </file>
 
-<file path=ppt/slides/slide2.xml><?xml version="1.0" encoding="utf-8"?>
-<p:sld xmlns:a="http://schemas.openxmlformats.org/drawingml/2006/main" xmlns:r="http://schemas.openxmlformats.org/officeDocument/2006/relationships" xmlns:p="http://schemas.openxmlformats.org/presentationml/2006/main">
-  <p:cSld name="Slide 3">
-    <p:bg>
-      <p:bgPr>
-        <a:solidFill>
-          <a:srgbClr val="FFFFFF"/>
-        </a:solidFill>
-        <a:effectLst/>
-      </p:bgPr>
-    </p:bg>
-    <p:spTree>
-      <p:nvGrpSpPr>
-        <p:cNvPr id="1" name=""/>
-        <p:cNvGrpSpPr/>
-        <p:nvPr/>
-      </p:nvGrpSpPr>
-      <p:grpSpPr>
-        <a:xfrm>
-          <a:off x="0" y="0"/>
-          <a:ext cx="0" cy="0"/>
-          <a:chOff x="0" y="0"/>
-          <a:chExt cx="0" cy="0"/>
-        </a:xfrm>
-      </p:grpSpPr>
-      <p:grpSp>
-        <p:nvGrpSpPr>
-          <p:cNvPr id="1001" name="그룹 1001"/>
-          <p:cNvGrpSpPr/>
-          <p:nvPr/>
-        </p:nvGrpSpPr>
-        <p:grpSpPr>
-          <a:xfrm>
-            <a:off x="16986360" y="2195397"/>
-            <a:ext cx="1432688" cy="191978"/>
-            <a:chOff x="16986360" y="2195397"/>
-            <a:chExt cx="1432688" cy="191978"/>
-          </a:xfrm>
-        </p:grpSpPr>
-        <p:pic>
-          <p:nvPicPr>
-            <p:cNvPr id="3" name="Object 2"/>
-            <p:cNvPicPr>
-              <a:picLocks noChangeAspect="1"/>
-            </p:cNvPicPr>
-            <p:nvPr/>
-          </p:nvPicPr>
-          <p:blipFill>
-            <a:blip r:embed="rId2" cstate="print"/>
-            <a:stretch>
-              <a:fillRect/>
-            </a:stretch>
-          </p:blipFill>
-          <p:spPr>
-            <a:xfrm>
-              <a:off x="16986360" y="2195397"/>
-              <a:ext cx="1432688" cy="191978"/>
-            </a:xfrm>
-            <a:prstGeom prst="rect">
-              <a:avLst/>
-            </a:prstGeom>
-          </p:spPr>
-        </p:pic>
-      </p:grpSp>
-      <p:pic>
-        <p:nvPicPr>
-          <p:cNvPr id="6" name="Object 5"/>
-          <p:cNvPicPr>
-            <a:picLocks noChangeAspect="1"/>
-          </p:cNvPicPr>
-          <p:nvPr/>
-        </p:nvPicPr>
-        <p:blipFill>
-          <a:blip r:embed="rId3" cstate="print"/>
-          <a:stretch>
-            <a:fillRect/>
-          </a:stretch>
-        </p:blipFill>
-        <p:spPr>
-          <a:xfrm>
-            <a:off x="1399461" y="4488270"/>
-            <a:ext cx="1758572" cy="1832228"/>
-          </a:xfrm>
-          <a:prstGeom prst="rect">
-            <a:avLst/>
-          </a:prstGeom>
-        </p:spPr>
-      </p:pic>
-      <p:pic>
-        <p:nvPicPr>
-          <p:cNvPr id="7" name="Object 6"/>
-          <p:cNvPicPr>
-            <a:picLocks noChangeAspect="1"/>
-          </p:cNvPicPr>
-          <p:nvPr/>
-        </p:nvPicPr>
-        <p:blipFill>
-          <a:blip r:embed="rId4" cstate="print"/>
-          <a:stretch>
-            <a:fillRect/>
-          </a:stretch>
-        </p:blipFill>
-        <p:spPr>
-          <a:xfrm>
-            <a:off x="7212477" y="4488270"/>
-            <a:ext cx="1768115" cy="1832228"/>
-          </a:xfrm>
-          <a:prstGeom prst="rect">
-            <a:avLst/>
-          </a:prstGeom>
-        </p:spPr>
-      </p:pic>
-      <p:grpSp>
-        <p:nvGrpSpPr>
-          <p:cNvPr id="1002" name="그룹 1002"/>
-          <p:cNvGrpSpPr/>
-          <p:nvPr/>
-        </p:nvGrpSpPr>
-        <p:grpSpPr>
-          <a:xfrm>
-            <a:off x="14827311" y="6820582"/>
-            <a:ext cx="3911298" cy="3873359"/>
-            <a:chOff x="14827311" y="6820582"/>
-            <a:chExt cx="3911298" cy="3873359"/>
-          </a:xfrm>
-        </p:grpSpPr>
-        <p:pic>
-          <p:nvPicPr>
-            <p:cNvPr id="12" name="Object 11"/>
-            <p:cNvPicPr>
-              <a:picLocks noChangeAspect="1"/>
-            </p:cNvPicPr>
-            <p:nvPr/>
-          </p:nvPicPr>
-          <p:blipFill>
-            <a:blip r:embed="rId5" cstate="print"/>
-            <a:stretch>
-              <a:fillRect/>
-            </a:stretch>
-          </p:blipFill>
-          <p:spPr>
-            <a:xfrm>
-              <a:off x="14827311" y="6820582"/>
-              <a:ext cx="3911298" cy="3873359"/>
-            </a:xfrm>
-            <a:prstGeom prst="rect">
-              <a:avLst/>
-            </a:prstGeom>
-          </p:spPr>
-        </p:pic>
-      </p:grpSp>
-      <p:grpSp>
-        <p:nvGrpSpPr>
-          <p:cNvPr id="1003" name="그룹 1003"/>
-          <p:cNvGrpSpPr/>
-          <p:nvPr/>
-        </p:nvGrpSpPr>
-        <p:grpSpPr>
-          <a:xfrm>
-            <a:off x="-600196" y="-982225"/>
-            <a:ext cx="4279052" cy="4237545"/>
-            <a:chOff x="-600196" y="-982225"/>
-            <a:chExt cx="4279052" cy="4237545"/>
-          </a:xfrm>
-        </p:grpSpPr>
-        <p:pic>
-          <p:nvPicPr>
-            <p:cNvPr id="15" name="Object 14"/>
-            <p:cNvPicPr>
-              <a:picLocks noChangeAspect="1"/>
-            </p:cNvPicPr>
-            <p:nvPr/>
-          </p:nvPicPr>
-          <p:blipFill>
-            <a:blip r:embed="rId6" cstate="print"/>
-            <a:stretch>
-              <a:fillRect/>
-            </a:stretch>
-          </p:blipFill>
-          <p:spPr>
-            <a:xfrm>
-              <a:off x="-600196" y="-982225"/>
-              <a:ext cx="4279052" cy="4237545"/>
-            </a:xfrm>
-            <a:prstGeom prst="rect">
-              <a:avLst/>
-            </a:prstGeom>
-          </p:spPr>
-        </p:pic>
-      </p:grpSp>
-      <p:sp>
-        <p:nvSpPr>
-          <p:cNvPr id="11" name="TextBox 10">
-            <a:extLst>
-              <a:ext uri="{FF2B5EF4-FFF2-40B4-BE49-F238E27FC236}">
-                <a16:creationId xmlns:a16="http://schemas.microsoft.com/office/drawing/2014/main" id="{9F88F580-08BE-88C2-D640-13F0026591CB}"/>
-              </a:ext>
-            </a:extLst>
-          </p:cNvPr>
-          <p:cNvSpPr txBox="1"/>
-          <p:nvPr/>
-        </p:nvSpPr>
-        <p:spPr>
-          <a:xfrm>
-            <a:off x="8763000" y="1530396"/>
-            <a:ext cx="8121134" cy="1200329"/>
-          </a:xfrm>
-          <a:prstGeom prst="rect">
-            <a:avLst/>
-          </a:prstGeom>
-          <a:noFill/>
-        </p:spPr>
-        <p:txBody>
-          <a:bodyPr wrap="none" rtlCol="0">
-            <a:spAutoFit/>
-          </a:bodyPr>
-          <a:lstStyle/>
-          <a:p>
-            <a:r>
-              <a:rPr lang="en-US" altLang="ko-KR" sz="7200">
-                <a:solidFill>
-                  <a:srgbClr val="4C50BC"/>
-                </a:solidFill>
-                <a:latin typeface="G마켓 산스 Bold" panose="02000000000000000000" pitchFamily="50" charset="-127"/>
-                <a:ea typeface="G마켓 산스 Bold" panose="02000000000000000000" pitchFamily="50" charset="-127"/>
-              </a:rPr>
-              <a:t>Part09 </a:t>
-            </a:r>
-            <a:r>
-              <a:rPr lang="ko-KR" altLang="en-US" sz="7200">
-                <a:solidFill>
-                  <a:srgbClr val="4C50BC"/>
-                </a:solidFill>
-                <a:latin typeface="G마켓 산스 Bold" panose="02000000000000000000" pitchFamily="50" charset="-127"/>
-                <a:ea typeface="G마켓 산스 Bold" panose="02000000000000000000" pitchFamily="50" charset="-127"/>
-              </a:rPr>
-              <a:t>객체지향</a:t>
-            </a:r>
-            <a:r>
-              <a:rPr lang="en-US" altLang="ko-KR" sz="7200">
-                <a:solidFill>
-                  <a:srgbClr val="4C50BC"/>
-                </a:solidFill>
-                <a:latin typeface="G마켓 산스 Bold" panose="02000000000000000000" pitchFamily="50" charset="-127"/>
-                <a:ea typeface="G마켓 산스 Bold" panose="02000000000000000000" pitchFamily="50" charset="-127"/>
-              </a:rPr>
-              <a:t>2</a:t>
-            </a:r>
-            <a:endParaRPr lang="ko-KR" altLang="en-US" sz="7200" dirty="0">
-              <a:solidFill>
-                <a:srgbClr val="4C50BC"/>
-              </a:solidFill>
-              <a:latin typeface="G마켓 산스 Bold" panose="02000000000000000000" pitchFamily="50" charset="-127"/>
-              <a:ea typeface="G마켓 산스 Bold" panose="02000000000000000000" pitchFamily="50" charset="-127"/>
-            </a:endParaRPr>
-          </a:p>
-        </p:txBody>
-      </p:sp>
-      <p:sp>
-        <p:nvSpPr>
-          <p:cNvPr id="13" name="TextBox 12">
-            <a:extLst>
-              <a:ext uri="{FF2B5EF4-FFF2-40B4-BE49-F238E27FC236}">
-                <a16:creationId xmlns:a16="http://schemas.microsoft.com/office/drawing/2014/main" id="{72769C28-9BB6-DE9C-7B6F-264B77B8DD0E}"/>
-              </a:ext>
-            </a:extLst>
-          </p:cNvPr>
-          <p:cNvSpPr txBox="1"/>
-          <p:nvPr/>
-        </p:nvSpPr>
-        <p:spPr>
-          <a:xfrm>
-            <a:off x="3048000" y="5092125"/>
-            <a:ext cx="973343" cy="584775"/>
-          </a:xfrm>
-          <a:prstGeom prst="rect">
-            <a:avLst/>
-          </a:prstGeom>
-          <a:noFill/>
-        </p:spPr>
-        <p:txBody>
-          <a:bodyPr wrap="none" rtlCol="0">
-            <a:spAutoFit/>
-          </a:bodyPr>
-          <a:lstStyle/>
-          <a:p>
-            <a:r>
-              <a:rPr lang="ko-KR" altLang="en-US" sz="3200">
-                <a:solidFill>
-                  <a:srgbClr val="4D4848"/>
-                </a:solidFill>
-                <a:latin typeface="G마켓 산스 Medium" panose="02000000000000000000" pitchFamily="50" charset="-127"/>
-                <a:ea typeface="G마켓 산스 Medium" panose="02000000000000000000" pitchFamily="50" charset="-127"/>
-              </a:rPr>
-              <a:t>상속</a:t>
-            </a:r>
-            <a:endParaRPr lang="ko-KR" altLang="en-US" sz="3200" dirty="0">
-              <a:solidFill>
-                <a:srgbClr val="4D4848"/>
-              </a:solidFill>
-              <a:latin typeface="G마켓 산스 Medium" panose="02000000000000000000" pitchFamily="50" charset="-127"/>
-              <a:ea typeface="G마켓 산스 Medium" panose="02000000000000000000" pitchFamily="50" charset="-127"/>
-            </a:endParaRPr>
-          </a:p>
-        </p:txBody>
-      </p:sp>
-      <p:sp>
-        <p:nvSpPr>
-          <p:cNvPr id="14" name="TextBox 13">
-            <a:extLst>
-              <a:ext uri="{FF2B5EF4-FFF2-40B4-BE49-F238E27FC236}">
-                <a16:creationId xmlns:a16="http://schemas.microsoft.com/office/drawing/2014/main" id="{270FBB6A-01CE-5637-78DA-58F0C974145C}"/>
-              </a:ext>
-            </a:extLst>
-          </p:cNvPr>
-          <p:cNvSpPr txBox="1"/>
-          <p:nvPr/>
-        </p:nvSpPr>
-        <p:spPr>
-          <a:xfrm>
-            <a:off x="9179922" y="5092125"/>
-            <a:ext cx="2156360" cy="584775"/>
-          </a:xfrm>
-          <a:prstGeom prst="rect">
-            <a:avLst/>
-          </a:prstGeom>
-          <a:noFill/>
-        </p:spPr>
-        <p:txBody>
-          <a:bodyPr wrap="none" rtlCol="0">
-            <a:spAutoFit/>
-          </a:bodyPr>
-          <a:lstStyle/>
-          <a:p>
-            <a:r>
-              <a:rPr lang="ko-KR" altLang="en-US" sz="3200">
-                <a:solidFill>
-                  <a:srgbClr val="4D4848"/>
-                </a:solidFill>
-                <a:latin typeface="G마켓 산스 Medium" panose="02000000000000000000" pitchFamily="50" charset="-127"/>
-                <a:ea typeface="G마켓 산스 Medium" panose="02000000000000000000" pitchFamily="50" charset="-127"/>
-              </a:rPr>
-              <a:t>오버라이딩</a:t>
-            </a:r>
-            <a:endParaRPr lang="ko-KR" altLang="en-US" sz="3200" dirty="0">
-              <a:solidFill>
-                <a:srgbClr val="4D4848"/>
-              </a:solidFill>
-              <a:latin typeface="G마켓 산스 Medium" panose="02000000000000000000" pitchFamily="50" charset="-127"/>
-              <a:ea typeface="G마켓 산스 Medium" panose="02000000000000000000" pitchFamily="50" charset="-127"/>
-            </a:endParaRPr>
-          </a:p>
-        </p:txBody>
-      </p:sp>
-      <p:pic>
-        <p:nvPicPr>
-          <p:cNvPr id="2" name="Object 17">
-            <a:extLst>
-              <a:ext uri="{FF2B5EF4-FFF2-40B4-BE49-F238E27FC236}">
-                <a16:creationId xmlns:a16="http://schemas.microsoft.com/office/drawing/2014/main" id="{140B283D-FE58-FA6F-6F7C-E0F1DBB62A65}"/>
-              </a:ext>
-            </a:extLst>
-          </p:cNvPr>
-          <p:cNvPicPr>
-            <a:picLocks noChangeAspect="1"/>
-          </p:cNvPicPr>
-          <p:nvPr/>
-        </p:nvPicPr>
-        <p:blipFill>
-          <a:blip r:embed="rId7" cstate="print"/>
-          <a:stretch>
-            <a:fillRect/>
-          </a:stretch>
-        </p:blipFill>
-        <p:spPr>
-          <a:xfrm>
-            <a:off x="1399461" y="6684996"/>
-            <a:ext cx="1768115" cy="1832228"/>
-          </a:xfrm>
-          <a:prstGeom prst="rect">
-            <a:avLst/>
-          </a:prstGeom>
-        </p:spPr>
-      </p:pic>
-      <p:sp>
-        <p:nvSpPr>
-          <p:cNvPr id="4" name="TextBox 3">
-            <a:extLst>
-              <a:ext uri="{FF2B5EF4-FFF2-40B4-BE49-F238E27FC236}">
-                <a16:creationId xmlns:a16="http://schemas.microsoft.com/office/drawing/2014/main" id="{2C8D0998-79BC-6FD2-59D9-8052B4A25F65}"/>
-              </a:ext>
-            </a:extLst>
-          </p:cNvPr>
-          <p:cNvSpPr txBox="1"/>
-          <p:nvPr/>
-        </p:nvSpPr>
-        <p:spPr>
-          <a:xfrm>
-            <a:off x="3126859" y="7353300"/>
-            <a:ext cx="2787943" cy="584775"/>
-          </a:xfrm>
-          <a:prstGeom prst="rect">
-            <a:avLst/>
-          </a:prstGeom>
-          <a:noFill/>
-        </p:spPr>
-        <p:txBody>
-          <a:bodyPr wrap="none" rtlCol="0">
-            <a:spAutoFit/>
-          </a:bodyPr>
-          <a:lstStyle/>
-          <a:p>
-            <a:r>
-              <a:rPr lang="en-US" altLang="ko-KR" sz="3200">
-                <a:solidFill>
-                  <a:srgbClr val="4D4848"/>
-                </a:solidFill>
-                <a:latin typeface="G마켓 산스 Medium" panose="02000000000000000000" pitchFamily="50" charset="-127"/>
-                <a:ea typeface="G마켓 산스 Medium" panose="02000000000000000000" pitchFamily="50" charset="-127"/>
-              </a:rPr>
-              <a:t>super </a:t>
-            </a:r>
-            <a:r>
-              <a:rPr lang="ko-KR" altLang="en-US" sz="3200">
-                <a:solidFill>
-                  <a:srgbClr val="4D4848"/>
-                </a:solidFill>
-                <a:latin typeface="G마켓 산스 Medium" panose="02000000000000000000" pitchFamily="50" charset="-127"/>
-                <a:ea typeface="G마켓 산스 Medium" panose="02000000000000000000" pitchFamily="50" charset="-127"/>
-              </a:rPr>
-              <a:t>생성자</a:t>
-            </a:r>
-            <a:endParaRPr lang="ko-KR" altLang="en-US" sz="3200" dirty="0">
-              <a:solidFill>
-                <a:srgbClr val="4D4848"/>
-              </a:solidFill>
-              <a:latin typeface="G마켓 산스 Medium" panose="02000000000000000000" pitchFamily="50" charset="-127"/>
-              <a:ea typeface="G마켓 산스 Medium" panose="02000000000000000000" pitchFamily="50" charset="-127"/>
-            </a:endParaRPr>
-          </a:p>
-        </p:txBody>
-      </p:sp>
-      <p:pic>
-        <p:nvPicPr>
-          <p:cNvPr id="5" name="Object 18">
-            <a:extLst>
-              <a:ext uri="{FF2B5EF4-FFF2-40B4-BE49-F238E27FC236}">
-                <a16:creationId xmlns:a16="http://schemas.microsoft.com/office/drawing/2014/main" id="{3F58EA3E-1018-64D3-FAB2-4F6B9618FA56}"/>
-              </a:ext>
-            </a:extLst>
-          </p:cNvPr>
-          <p:cNvPicPr>
-            <a:picLocks noChangeAspect="1"/>
-          </p:cNvPicPr>
-          <p:nvPr/>
-        </p:nvPicPr>
-        <p:blipFill>
-          <a:blip r:embed="rId8" cstate="print"/>
-          <a:stretch>
-            <a:fillRect/>
-          </a:stretch>
-        </p:blipFill>
-        <p:spPr>
-          <a:xfrm>
-            <a:off x="7212477" y="6684996"/>
-            <a:ext cx="1787181" cy="1832228"/>
-          </a:xfrm>
-          <a:prstGeom prst="rect">
-            <a:avLst/>
-          </a:prstGeom>
-        </p:spPr>
-      </p:pic>
-      <p:sp>
-        <p:nvSpPr>
-          <p:cNvPr id="8" name="TextBox 7">
-            <a:extLst>
-              <a:ext uri="{FF2B5EF4-FFF2-40B4-BE49-F238E27FC236}">
-                <a16:creationId xmlns:a16="http://schemas.microsoft.com/office/drawing/2014/main" id="{681D3F16-7DCF-41AD-F5F1-0558C78C0E4D}"/>
-              </a:ext>
-            </a:extLst>
-          </p:cNvPr>
-          <p:cNvSpPr txBox="1"/>
-          <p:nvPr/>
-        </p:nvSpPr>
-        <p:spPr>
-          <a:xfrm>
-            <a:off x="9144000" y="7353300"/>
-            <a:ext cx="4343400" cy="584775"/>
-          </a:xfrm>
-          <a:prstGeom prst="rect">
-            <a:avLst/>
-          </a:prstGeom>
-          <a:noFill/>
-        </p:spPr>
-        <p:txBody>
-          <a:bodyPr wrap="square" rtlCol="0">
-            <a:spAutoFit/>
-          </a:bodyPr>
-          <a:lstStyle/>
-          <a:p>
-            <a:r>
-              <a:rPr lang="ko-KR" altLang="en-US" sz="3200">
-                <a:solidFill>
-                  <a:srgbClr val="4D4848"/>
-                </a:solidFill>
-                <a:latin typeface="G마켓 산스 Medium" panose="02000000000000000000" pitchFamily="50" charset="-127"/>
-                <a:ea typeface="G마켓 산스 Medium" panose="02000000000000000000" pitchFamily="50" charset="-127"/>
-              </a:rPr>
-              <a:t>실습 문제</a:t>
-            </a:r>
-            <a:endParaRPr lang="ko-KR" altLang="en-US" sz="3200" dirty="0">
-              <a:solidFill>
-                <a:srgbClr val="4D4848"/>
-              </a:solidFill>
-              <a:latin typeface="G마켓 산스 Medium" panose="02000000000000000000" pitchFamily="50" charset="-127"/>
-              <a:ea typeface="G마켓 산스 Medium" panose="02000000000000000000" pitchFamily="50" charset="-127"/>
-            </a:endParaRPr>
-          </a:p>
-        </p:txBody>
-      </p:sp>
-    </p:spTree>
-  </p:cSld>
-  <p:clrMapOvr>
-    <a:masterClrMapping/>
-  </p:clrMapOvr>
-</p:sld>
-</file>
-
-<file path=ppt/slides/slide20.xml><?xml version="1.0" encoding="utf-8"?>
+<file path=ppt/slides/slide22.xml><?xml version="1.0" encoding="utf-8"?>
 <p:sld xmlns:a="http://schemas.openxmlformats.org/drawingml/2006/main" xmlns:r="http://schemas.openxmlformats.org/officeDocument/2006/relationships" xmlns:p="http://schemas.openxmlformats.org/presentationml/2006/main">
   <p:cSld>
     <p:spTree>
@@ -11130,7 +12124,7 @@
 </p:sld>
 </file>
 
-<file path=ppt/slides/slide21.xml><?xml version="1.0" encoding="utf-8"?>
+<file path=ppt/slides/slide23.xml><?xml version="1.0" encoding="utf-8"?>
 <p:sld xmlns:a="http://schemas.openxmlformats.org/drawingml/2006/main" xmlns:r="http://schemas.openxmlformats.org/officeDocument/2006/relationships" xmlns:p="http://schemas.openxmlformats.org/presentationml/2006/main">
   <p:cSld>
     <p:spTree>
@@ -12062,7 +13056,7 @@
 </p:sld>
 </file>
 
-<file path=ppt/slides/slide22.xml><?xml version="1.0" encoding="utf-8"?>
+<file path=ppt/slides/slide24.xml><?xml version="1.0" encoding="utf-8"?>
 <p:sld xmlns:a="http://schemas.openxmlformats.org/drawingml/2006/main" xmlns:r="http://schemas.openxmlformats.org/officeDocument/2006/relationships" xmlns:p="http://schemas.openxmlformats.org/presentationml/2006/main">
   <p:cSld>
     <p:spTree>
@@ -12565,7 +13559,7 @@
 </p:sld>
 </file>
 
-<file path=ppt/slides/slide23.xml><?xml version="1.0" encoding="utf-8"?>
+<file path=ppt/slides/slide25.xml><?xml version="1.0" encoding="utf-8"?>
 <p:sld xmlns:a="http://schemas.openxmlformats.org/drawingml/2006/main" xmlns:r="http://schemas.openxmlformats.org/officeDocument/2006/relationships" xmlns:p="http://schemas.openxmlformats.org/presentationml/2006/main">
   <p:cSld>
     <p:spTree>
@@ -12859,7 +13853,7 @@
 </p:sld>
 </file>
 
-<file path=ppt/slides/slide24.xml><?xml version="1.0" encoding="utf-8"?>
+<file path=ppt/slides/slide26.xml><?xml version="1.0" encoding="utf-8"?>
 <p:sld xmlns:a="http://schemas.openxmlformats.org/drawingml/2006/main" xmlns:r="http://schemas.openxmlformats.org/officeDocument/2006/relationships" xmlns:p="http://schemas.openxmlformats.org/presentationml/2006/main">
   <p:cSld>
     <p:spTree>
@@ -14287,7 +15281,7 @@
 </p:sld>
 </file>
 
-<file path=ppt/slides/slide25.xml><?xml version="1.0" encoding="utf-8"?>
+<file path=ppt/slides/slide27.xml><?xml version="1.0" encoding="utf-8"?>
 <p:sld xmlns:a="http://schemas.openxmlformats.org/drawingml/2006/main" xmlns:r="http://schemas.openxmlformats.org/officeDocument/2006/relationships" xmlns:p="http://schemas.openxmlformats.org/presentationml/2006/main">
   <p:cSld>
     <p:spTree>
@@ -14624,7 +15618,7 @@
 </p:sld>
 </file>
 
-<file path=ppt/slides/slide26.xml><?xml version="1.0" encoding="utf-8"?>
+<file path=ppt/slides/slide28.xml><?xml version="1.0" encoding="utf-8"?>
 <p:sld xmlns:a="http://schemas.openxmlformats.org/drawingml/2006/main" xmlns:r="http://schemas.openxmlformats.org/officeDocument/2006/relationships" xmlns:p="http://schemas.openxmlformats.org/presentationml/2006/main">
   <p:cSld>
     <p:spTree>
@@ -15097,7 +16091,7 @@
 </p:sld>
 </file>
 
-<file path=ppt/slides/slide27.xml><?xml version="1.0" encoding="utf-8"?>
+<file path=ppt/slides/slide29.xml><?xml version="1.0" encoding="utf-8"?>
 <p:sld xmlns:a="http://schemas.openxmlformats.org/drawingml/2006/main" xmlns:r="http://schemas.openxmlformats.org/officeDocument/2006/relationships" xmlns:p="http://schemas.openxmlformats.org/presentationml/2006/main">
   <p:cSld>
     <p:spTree>
@@ -15970,7 +16964,268 @@
 </p:sld>
 </file>
 
-<file path=ppt/slides/slide28.xml><?xml version="1.0" encoding="utf-8"?>
+<file path=ppt/slides/slide3.xml><?xml version="1.0" encoding="utf-8"?>
+<p:sld xmlns:a="http://schemas.openxmlformats.org/drawingml/2006/main" xmlns:r="http://schemas.openxmlformats.org/officeDocument/2006/relationships" xmlns:p="http://schemas.openxmlformats.org/presentationml/2006/main">
+  <p:cSld name="Slide 4">
+    <p:bg>
+      <p:bgPr>
+        <a:solidFill>
+          <a:srgbClr val="4C50BB"/>
+        </a:solidFill>
+        <a:effectLst/>
+      </p:bgPr>
+    </p:bg>
+    <p:spTree>
+      <p:nvGrpSpPr>
+        <p:cNvPr id="1" name=""/>
+        <p:cNvGrpSpPr/>
+        <p:nvPr/>
+      </p:nvGrpSpPr>
+      <p:grpSpPr>
+        <a:xfrm>
+          <a:off x="0" y="0"/>
+          <a:ext cx="0" cy="0"/>
+          <a:chOff x="0" y="0"/>
+          <a:chExt cx="0" cy="0"/>
+        </a:xfrm>
+      </p:grpSpPr>
+      <p:grpSp>
+        <p:nvGrpSpPr>
+          <p:cNvPr id="1001" name="그룹 1001"/>
+          <p:cNvGrpSpPr/>
+          <p:nvPr/>
+        </p:nvGrpSpPr>
+        <p:grpSpPr>
+          <a:xfrm>
+            <a:off x="16986360" y="3561542"/>
+            <a:ext cx="1432688" cy="191978"/>
+            <a:chOff x="16986360" y="3561542"/>
+            <a:chExt cx="1432688" cy="191978"/>
+          </a:xfrm>
+        </p:grpSpPr>
+        <p:pic>
+          <p:nvPicPr>
+            <p:cNvPr id="3" name="Object 2"/>
+            <p:cNvPicPr>
+              <a:picLocks noChangeAspect="1"/>
+            </p:cNvPicPr>
+            <p:nvPr/>
+          </p:nvPicPr>
+          <p:blipFill>
+            <a:blip r:embed="rId2" cstate="print"/>
+            <a:stretch>
+              <a:fillRect/>
+            </a:stretch>
+          </p:blipFill>
+          <p:spPr>
+            <a:xfrm>
+              <a:off x="16986360" y="3561542"/>
+              <a:ext cx="1432688" cy="191978"/>
+            </a:xfrm>
+            <a:prstGeom prst="rect">
+              <a:avLst/>
+            </a:prstGeom>
+          </p:spPr>
+        </p:pic>
+      </p:grpSp>
+      <p:grpSp>
+        <p:nvGrpSpPr>
+          <p:cNvPr id="1002" name="그룹 1002"/>
+          <p:cNvGrpSpPr/>
+          <p:nvPr/>
+        </p:nvGrpSpPr>
+        <p:grpSpPr>
+          <a:xfrm>
+            <a:off x="5686747" y="-1286436"/>
+            <a:ext cx="4461240" cy="4417966"/>
+            <a:chOff x="5686747" y="-1286436"/>
+            <a:chExt cx="4461240" cy="4417966"/>
+          </a:xfrm>
+        </p:grpSpPr>
+        <p:pic>
+          <p:nvPicPr>
+            <p:cNvPr id="6" name="Object 5"/>
+            <p:cNvPicPr>
+              <a:picLocks noChangeAspect="1"/>
+            </p:cNvPicPr>
+            <p:nvPr/>
+          </p:nvPicPr>
+          <p:blipFill>
+            <a:blip r:embed="rId3" cstate="print"/>
+            <a:stretch>
+              <a:fillRect/>
+            </a:stretch>
+          </p:blipFill>
+          <p:spPr>
+            <a:xfrm>
+              <a:off x="5686747" y="-1286436"/>
+              <a:ext cx="4461240" cy="4417966"/>
+            </a:xfrm>
+            <a:prstGeom prst="rect">
+              <a:avLst/>
+            </a:prstGeom>
+          </p:spPr>
+        </p:pic>
+      </p:grpSp>
+      <p:grpSp>
+        <p:nvGrpSpPr>
+          <p:cNvPr id="1003" name="그룹 1003"/>
+          <p:cNvGrpSpPr/>
+          <p:nvPr/>
+        </p:nvGrpSpPr>
+        <p:grpSpPr>
+          <a:xfrm>
+            <a:off x="-901071" y="6888297"/>
+            <a:ext cx="4182908" cy="4182908"/>
+            <a:chOff x="-901071" y="6888297"/>
+            <a:chExt cx="4182908" cy="4182908"/>
+          </a:xfrm>
+        </p:grpSpPr>
+        <p:pic>
+          <p:nvPicPr>
+            <p:cNvPr id="9" name="Object 8"/>
+            <p:cNvPicPr>
+              <a:picLocks noChangeAspect="1"/>
+            </p:cNvPicPr>
+            <p:nvPr/>
+          </p:nvPicPr>
+          <p:blipFill>
+            <a:blip r:embed="rId4" cstate="print"/>
+            <a:stretch>
+              <a:fillRect/>
+            </a:stretch>
+          </p:blipFill>
+          <p:spPr>
+            <a:xfrm rot="-2700000">
+              <a:off x="-901071" y="6888297"/>
+              <a:ext cx="4182908" cy="4182908"/>
+            </a:xfrm>
+            <a:prstGeom prst="rect">
+              <a:avLst/>
+            </a:prstGeom>
+          </p:spPr>
+        </p:pic>
+      </p:grpSp>
+      <p:grpSp>
+        <p:nvGrpSpPr>
+          <p:cNvPr id="1004" name="그룹 1004"/>
+          <p:cNvGrpSpPr/>
+          <p:nvPr/>
+        </p:nvGrpSpPr>
+        <p:grpSpPr>
+          <a:xfrm>
+            <a:off x="1972602" y="5957321"/>
+            <a:ext cx="3452527" cy="3419037"/>
+            <a:chOff x="1972602" y="5957321"/>
+            <a:chExt cx="3452527" cy="3419037"/>
+          </a:xfrm>
+        </p:grpSpPr>
+        <p:pic>
+          <p:nvPicPr>
+            <p:cNvPr id="12" name="Object 11"/>
+            <p:cNvPicPr>
+              <a:picLocks noChangeAspect="1"/>
+            </p:cNvPicPr>
+            <p:nvPr/>
+          </p:nvPicPr>
+          <p:blipFill>
+            <a:blip r:embed="rId5" cstate="print"/>
+            <a:stretch>
+              <a:fillRect/>
+            </a:stretch>
+          </p:blipFill>
+          <p:spPr>
+            <a:xfrm>
+              <a:off x="1972602" y="5957321"/>
+              <a:ext cx="3452527" cy="3419037"/>
+            </a:xfrm>
+            <a:prstGeom prst="rect">
+              <a:avLst/>
+            </a:prstGeom>
+          </p:spPr>
+        </p:pic>
+      </p:grpSp>
+      <p:pic>
+        <p:nvPicPr>
+          <p:cNvPr id="14" name="Object 13"/>
+          <p:cNvPicPr>
+            <a:picLocks noChangeAspect="1"/>
+          </p:cNvPicPr>
+          <p:nvPr/>
+        </p:nvPicPr>
+        <p:blipFill>
+          <a:blip r:embed="rId6" cstate="print"/>
+          <a:stretch>
+            <a:fillRect/>
+          </a:stretch>
+        </p:blipFill>
+        <p:spPr>
+          <a:xfrm>
+            <a:off x="13669052" y="2416536"/>
+            <a:ext cx="3674181" cy="3286626"/>
+          </a:xfrm>
+          <a:prstGeom prst="rect">
+            <a:avLst/>
+          </a:prstGeom>
+        </p:spPr>
+      </p:pic>
+      <p:sp>
+        <p:nvSpPr>
+          <p:cNvPr id="2" name="TextBox 1">
+            <a:extLst>
+              <a:ext uri="{FF2B5EF4-FFF2-40B4-BE49-F238E27FC236}">
+                <a16:creationId xmlns:a16="http://schemas.microsoft.com/office/drawing/2014/main" id="{8D19D88B-9541-32D7-90F1-0C45C993E21C}"/>
+              </a:ext>
+            </a:extLst>
+          </p:cNvPr>
+          <p:cNvSpPr txBox="1"/>
+          <p:nvPr/>
+        </p:nvSpPr>
+        <p:spPr>
+          <a:xfrm>
+            <a:off x="14188683" y="5254704"/>
+            <a:ext cx="1813317" cy="1107996"/>
+          </a:xfrm>
+          <a:prstGeom prst="rect">
+            <a:avLst/>
+          </a:prstGeom>
+          <a:noFill/>
+        </p:spPr>
+        <p:txBody>
+          <a:bodyPr wrap="none" rtlCol="0">
+            <a:spAutoFit/>
+          </a:bodyPr>
+          <a:lstStyle/>
+          <a:p>
+            <a:r>
+              <a:rPr lang="ko-KR" altLang="en-US" sz="6600">
+                <a:solidFill>
+                  <a:schemeClr val="bg1"/>
+                </a:solidFill>
+                <a:latin typeface="G마켓 산스 Medium" panose="02000000000000000000" pitchFamily="50" charset="-127"/>
+                <a:ea typeface="G마켓 산스 Medium" panose="02000000000000000000" pitchFamily="50" charset="-127"/>
+              </a:rPr>
+              <a:t>상속</a:t>
+            </a:r>
+            <a:endParaRPr lang="en-US" altLang="ko-KR" sz="6600" dirty="0">
+              <a:solidFill>
+                <a:schemeClr val="bg1"/>
+              </a:solidFill>
+              <a:latin typeface="G마켓 산스 Medium" panose="02000000000000000000" pitchFamily="50" charset="-127"/>
+              <a:ea typeface="G마켓 산스 Medium" panose="02000000000000000000" pitchFamily="50" charset="-127"/>
+            </a:endParaRPr>
+          </a:p>
+        </p:txBody>
+      </p:sp>
+    </p:spTree>
+  </p:cSld>
+  <p:clrMapOvr>
+    <a:masterClrMapping/>
+  </p:clrMapOvr>
+</p:sld>
+</file>
+
+<file path=ppt/slides/slide30.xml><?xml version="1.0" encoding="utf-8"?>
 <p:sld xmlns:a="http://schemas.openxmlformats.org/drawingml/2006/main" xmlns:r="http://schemas.openxmlformats.org/officeDocument/2006/relationships" xmlns:p="http://schemas.openxmlformats.org/presentationml/2006/main">
   <p:cSld>
     <p:spTree>
@@ -16974,7 +18229,7 @@
 </p:sld>
 </file>
 
-<file path=ppt/slides/slide29.xml><?xml version="1.0" encoding="utf-8"?>
+<file path=ppt/slides/slide31.xml><?xml version="1.0" encoding="utf-8"?>
 <p:sld xmlns:a="http://schemas.openxmlformats.org/drawingml/2006/main" xmlns:r="http://schemas.openxmlformats.org/officeDocument/2006/relationships" xmlns:p="http://schemas.openxmlformats.org/presentationml/2006/main">
   <p:cSld>
     <p:spTree>
@@ -17221,268 +18476,7 @@
 </p:sld>
 </file>
 
-<file path=ppt/slides/slide3.xml><?xml version="1.0" encoding="utf-8"?>
-<p:sld xmlns:a="http://schemas.openxmlformats.org/drawingml/2006/main" xmlns:r="http://schemas.openxmlformats.org/officeDocument/2006/relationships" xmlns:p="http://schemas.openxmlformats.org/presentationml/2006/main">
-  <p:cSld name="Slide 4">
-    <p:bg>
-      <p:bgPr>
-        <a:solidFill>
-          <a:srgbClr val="4C50BB"/>
-        </a:solidFill>
-        <a:effectLst/>
-      </p:bgPr>
-    </p:bg>
-    <p:spTree>
-      <p:nvGrpSpPr>
-        <p:cNvPr id="1" name=""/>
-        <p:cNvGrpSpPr/>
-        <p:nvPr/>
-      </p:nvGrpSpPr>
-      <p:grpSpPr>
-        <a:xfrm>
-          <a:off x="0" y="0"/>
-          <a:ext cx="0" cy="0"/>
-          <a:chOff x="0" y="0"/>
-          <a:chExt cx="0" cy="0"/>
-        </a:xfrm>
-      </p:grpSpPr>
-      <p:grpSp>
-        <p:nvGrpSpPr>
-          <p:cNvPr id="1001" name="그룹 1001"/>
-          <p:cNvGrpSpPr/>
-          <p:nvPr/>
-        </p:nvGrpSpPr>
-        <p:grpSpPr>
-          <a:xfrm>
-            <a:off x="16986360" y="3561542"/>
-            <a:ext cx="1432688" cy="191978"/>
-            <a:chOff x="16986360" y="3561542"/>
-            <a:chExt cx="1432688" cy="191978"/>
-          </a:xfrm>
-        </p:grpSpPr>
-        <p:pic>
-          <p:nvPicPr>
-            <p:cNvPr id="3" name="Object 2"/>
-            <p:cNvPicPr>
-              <a:picLocks noChangeAspect="1"/>
-            </p:cNvPicPr>
-            <p:nvPr/>
-          </p:nvPicPr>
-          <p:blipFill>
-            <a:blip r:embed="rId2" cstate="print"/>
-            <a:stretch>
-              <a:fillRect/>
-            </a:stretch>
-          </p:blipFill>
-          <p:spPr>
-            <a:xfrm>
-              <a:off x="16986360" y="3561542"/>
-              <a:ext cx="1432688" cy="191978"/>
-            </a:xfrm>
-            <a:prstGeom prst="rect">
-              <a:avLst/>
-            </a:prstGeom>
-          </p:spPr>
-        </p:pic>
-      </p:grpSp>
-      <p:grpSp>
-        <p:nvGrpSpPr>
-          <p:cNvPr id="1002" name="그룹 1002"/>
-          <p:cNvGrpSpPr/>
-          <p:nvPr/>
-        </p:nvGrpSpPr>
-        <p:grpSpPr>
-          <a:xfrm>
-            <a:off x="5686747" y="-1286436"/>
-            <a:ext cx="4461240" cy="4417966"/>
-            <a:chOff x="5686747" y="-1286436"/>
-            <a:chExt cx="4461240" cy="4417966"/>
-          </a:xfrm>
-        </p:grpSpPr>
-        <p:pic>
-          <p:nvPicPr>
-            <p:cNvPr id="6" name="Object 5"/>
-            <p:cNvPicPr>
-              <a:picLocks noChangeAspect="1"/>
-            </p:cNvPicPr>
-            <p:nvPr/>
-          </p:nvPicPr>
-          <p:blipFill>
-            <a:blip r:embed="rId3" cstate="print"/>
-            <a:stretch>
-              <a:fillRect/>
-            </a:stretch>
-          </p:blipFill>
-          <p:spPr>
-            <a:xfrm>
-              <a:off x="5686747" y="-1286436"/>
-              <a:ext cx="4461240" cy="4417966"/>
-            </a:xfrm>
-            <a:prstGeom prst="rect">
-              <a:avLst/>
-            </a:prstGeom>
-          </p:spPr>
-        </p:pic>
-      </p:grpSp>
-      <p:grpSp>
-        <p:nvGrpSpPr>
-          <p:cNvPr id="1003" name="그룹 1003"/>
-          <p:cNvGrpSpPr/>
-          <p:nvPr/>
-        </p:nvGrpSpPr>
-        <p:grpSpPr>
-          <a:xfrm>
-            <a:off x="-901071" y="6888297"/>
-            <a:ext cx="4182908" cy="4182908"/>
-            <a:chOff x="-901071" y="6888297"/>
-            <a:chExt cx="4182908" cy="4182908"/>
-          </a:xfrm>
-        </p:grpSpPr>
-        <p:pic>
-          <p:nvPicPr>
-            <p:cNvPr id="9" name="Object 8"/>
-            <p:cNvPicPr>
-              <a:picLocks noChangeAspect="1"/>
-            </p:cNvPicPr>
-            <p:nvPr/>
-          </p:nvPicPr>
-          <p:blipFill>
-            <a:blip r:embed="rId4" cstate="print"/>
-            <a:stretch>
-              <a:fillRect/>
-            </a:stretch>
-          </p:blipFill>
-          <p:spPr>
-            <a:xfrm rot="-2700000">
-              <a:off x="-901071" y="6888297"/>
-              <a:ext cx="4182908" cy="4182908"/>
-            </a:xfrm>
-            <a:prstGeom prst="rect">
-              <a:avLst/>
-            </a:prstGeom>
-          </p:spPr>
-        </p:pic>
-      </p:grpSp>
-      <p:grpSp>
-        <p:nvGrpSpPr>
-          <p:cNvPr id="1004" name="그룹 1004"/>
-          <p:cNvGrpSpPr/>
-          <p:nvPr/>
-        </p:nvGrpSpPr>
-        <p:grpSpPr>
-          <a:xfrm>
-            <a:off x="1972602" y="5957321"/>
-            <a:ext cx="3452527" cy="3419037"/>
-            <a:chOff x="1972602" y="5957321"/>
-            <a:chExt cx="3452527" cy="3419037"/>
-          </a:xfrm>
-        </p:grpSpPr>
-        <p:pic>
-          <p:nvPicPr>
-            <p:cNvPr id="12" name="Object 11"/>
-            <p:cNvPicPr>
-              <a:picLocks noChangeAspect="1"/>
-            </p:cNvPicPr>
-            <p:nvPr/>
-          </p:nvPicPr>
-          <p:blipFill>
-            <a:blip r:embed="rId5" cstate="print"/>
-            <a:stretch>
-              <a:fillRect/>
-            </a:stretch>
-          </p:blipFill>
-          <p:spPr>
-            <a:xfrm>
-              <a:off x="1972602" y="5957321"/>
-              <a:ext cx="3452527" cy="3419037"/>
-            </a:xfrm>
-            <a:prstGeom prst="rect">
-              <a:avLst/>
-            </a:prstGeom>
-          </p:spPr>
-        </p:pic>
-      </p:grpSp>
-      <p:pic>
-        <p:nvPicPr>
-          <p:cNvPr id="14" name="Object 13"/>
-          <p:cNvPicPr>
-            <a:picLocks noChangeAspect="1"/>
-          </p:cNvPicPr>
-          <p:nvPr/>
-        </p:nvPicPr>
-        <p:blipFill>
-          <a:blip r:embed="rId6" cstate="print"/>
-          <a:stretch>
-            <a:fillRect/>
-          </a:stretch>
-        </p:blipFill>
-        <p:spPr>
-          <a:xfrm>
-            <a:off x="13669052" y="2416536"/>
-            <a:ext cx="3674181" cy="3286626"/>
-          </a:xfrm>
-          <a:prstGeom prst="rect">
-            <a:avLst/>
-          </a:prstGeom>
-        </p:spPr>
-      </p:pic>
-      <p:sp>
-        <p:nvSpPr>
-          <p:cNvPr id="2" name="TextBox 1">
-            <a:extLst>
-              <a:ext uri="{FF2B5EF4-FFF2-40B4-BE49-F238E27FC236}">
-                <a16:creationId xmlns:a16="http://schemas.microsoft.com/office/drawing/2014/main" id="{8D19D88B-9541-32D7-90F1-0C45C993E21C}"/>
-              </a:ext>
-            </a:extLst>
-          </p:cNvPr>
-          <p:cNvSpPr txBox="1"/>
-          <p:nvPr/>
-        </p:nvSpPr>
-        <p:spPr>
-          <a:xfrm>
-            <a:off x="14188683" y="5254704"/>
-            <a:ext cx="1813317" cy="1107996"/>
-          </a:xfrm>
-          <a:prstGeom prst="rect">
-            <a:avLst/>
-          </a:prstGeom>
-          <a:noFill/>
-        </p:spPr>
-        <p:txBody>
-          <a:bodyPr wrap="none" rtlCol="0">
-            <a:spAutoFit/>
-          </a:bodyPr>
-          <a:lstStyle/>
-          <a:p>
-            <a:r>
-              <a:rPr lang="ko-KR" altLang="en-US" sz="6600">
-                <a:solidFill>
-                  <a:schemeClr val="bg1"/>
-                </a:solidFill>
-                <a:latin typeface="G마켓 산스 Medium" panose="02000000000000000000" pitchFamily="50" charset="-127"/>
-                <a:ea typeface="G마켓 산스 Medium" panose="02000000000000000000" pitchFamily="50" charset="-127"/>
-              </a:rPr>
-              <a:t>상속</a:t>
-            </a:r>
-            <a:endParaRPr lang="en-US" altLang="ko-KR" sz="6600" dirty="0">
-              <a:solidFill>
-                <a:schemeClr val="bg1"/>
-              </a:solidFill>
-              <a:latin typeface="G마켓 산스 Medium" panose="02000000000000000000" pitchFamily="50" charset="-127"/>
-              <a:ea typeface="G마켓 산스 Medium" panose="02000000000000000000" pitchFamily="50" charset="-127"/>
-            </a:endParaRPr>
-          </a:p>
-        </p:txBody>
-      </p:sp>
-    </p:spTree>
-  </p:cSld>
-  <p:clrMapOvr>
-    <a:masterClrMapping/>
-  </p:clrMapOvr>
-</p:sld>
-</file>
-
-<file path=ppt/slides/slide30.xml><?xml version="1.0" encoding="utf-8"?>
+<file path=ppt/slides/slide32.xml><?xml version="1.0" encoding="utf-8"?>
 <p:sld xmlns:a="http://schemas.openxmlformats.org/drawingml/2006/main" xmlns:r="http://schemas.openxmlformats.org/officeDocument/2006/relationships" xmlns:p="http://schemas.openxmlformats.org/presentationml/2006/main">
   <p:cSld>
     <p:bg>
@@ -17748,7 +18742,7 @@
 </p:sld>
 </file>
 
-<file path=ppt/slides/slide31.xml><?xml version="1.0" encoding="utf-8"?>
+<file path=ppt/slides/slide33.xml><?xml version="1.0" encoding="utf-8"?>
 <p:sld xmlns:a="http://schemas.openxmlformats.org/drawingml/2006/main" xmlns:r="http://schemas.openxmlformats.org/officeDocument/2006/relationships" xmlns:p="http://schemas.openxmlformats.org/presentationml/2006/main">
   <p:cSld>
     <p:spTree>
@@ -18126,7 +19120,7 @@
 </p:sld>
 </file>
 
-<file path=ppt/slides/slide32.xml><?xml version="1.0" encoding="utf-8"?>
+<file path=ppt/slides/slide34.xml><?xml version="1.0" encoding="utf-8"?>
 <p:sld xmlns:a="http://schemas.openxmlformats.org/drawingml/2006/main" xmlns:r="http://schemas.openxmlformats.org/officeDocument/2006/relationships" xmlns:p="http://schemas.openxmlformats.org/presentationml/2006/main">
   <p:cSld>
     <p:spTree>
@@ -18635,7 +19629,7 @@
 </p:sld>
 </file>
 
-<file path=ppt/slides/slide33.xml><?xml version="1.0" encoding="utf-8"?>
+<file path=ppt/slides/slide35.xml><?xml version="1.0" encoding="utf-8"?>
 <p:sld xmlns:a="http://schemas.openxmlformats.org/drawingml/2006/main" xmlns:r="http://schemas.openxmlformats.org/officeDocument/2006/relationships" xmlns:p="http://schemas.openxmlformats.org/presentationml/2006/main">
   <p:cSld>
     <p:spTree>
@@ -18884,7 +19878,7 @@
 </p:sld>
 </file>
 
-<file path=ppt/slides/slide34.xml><?xml version="1.0" encoding="utf-8"?>
+<file path=ppt/slides/slide36.xml><?xml version="1.0" encoding="utf-8"?>
 <p:sld xmlns:a="http://schemas.openxmlformats.org/drawingml/2006/main" xmlns:r="http://schemas.openxmlformats.org/officeDocument/2006/relationships" xmlns:p="http://schemas.openxmlformats.org/presentationml/2006/main">
   <p:cSld>
     <p:spTree>
@@ -19005,7 +19999,7 @@
 </p:sld>
 </file>
 
-<file path=ppt/slides/slide35.xml><?xml version="1.0" encoding="utf-8"?>
+<file path=ppt/slides/slide37.xml><?xml version="1.0" encoding="utf-8"?>
 <p:sld xmlns:a="http://schemas.openxmlformats.org/drawingml/2006/main" xmlns:r="http://schemas.openxmlformats.org/officeDocument/2006/relationships" xmlns:p="http://schemas.openxmlformats.org/presentationml/2006/main">
   <p:cSld>
     <p:spTree>
@@ -19479,7 +20473,7 @@
 </p:sld>
 </file>
 
-<file path=ppt/slides/slide36.xml><?xml version="1.0" encoding="utf-8"?>
+<file path=ppt/slides/slide38.xml><?xml version="1.0" encoding="utf-8"?>
 <p:sld xmlns:a="http://schemas.openxmlformats.org/drawingml/2006/main" xmlns:r="http://schemas.openxmlformats.org/officeDocument/2006/relationships" xmlns:p="http://schemas.openxmlformats.org/presentationml/2006/main">
   <p:cSld>
     <p:spTree>
@@ -19683,7 +20677,7 @@
 </p:sld>
 </file>
 
-<file path=ppt/slides/slide37.xml><?xml version="1.0" encoding="utf-8"?>
+<file path=ppt/slides/slide39.xml><?xml version="1.0" encoding="utf-8"?>
 <p:sld xmlns:a="http://schemas.openxmlformats.org/drawingml/2006/main" xmlns:r="http://schemas.openxmlformats.org/officeDocument/2006/relationships" xmlns:p="http://schemas.openxmlformats.org/presentationml/2006/main">
   <p:cSld>
     <p:spTree>
@@ -19925,7 +20919,716 @@
 </p:sld>
 </file>
 
-<file path=ppt/slides/slide38.xml><?xml version="1.0" encoding="utf-8"?>
+<file path=ppt/slides/slide4.xml><?xml version="1.0" encoding="utf-8"?>
+<p:sld xmlns:a="http://schemas.openxmlformats.org/drawingml/2006/main" xmlns:r="http://schemas.openxmlformats.org/officeDocument/2006/relationships" xmlns:p="http://schemas.openxmlformats.org/presentationml/2006/main">
+  <p:cSld>
+    <p:spTree>
+      <p:nvGrpSpPr>
+        <p:cNvPr id="1" name=""/>
+        <p:cNvGrpSpPr/>
+        <p:nvPr/>
+      </p:nvGrpSpPr>
+      <p:grpSpPr>
+        <a:xfrm>
+          <a:off x="0" y="0"/>
+          <a:ext cx="0" cy="0"/>
+          <a:chOff x="0" y="0"/>
+          <a:chExt cx="0" cy="0"/>
+        </a:xfrm>
+      </p:grpSpPr>
+      <p:grpSp>
+        <p:nvGrpSpPr>
+          <p:cNvPr id="6" name="그룹 1018">
+            <a:extLst>
+              <a:ext uri="{FF2B5EF4-FFF2-40B4-BE49-F238E27FC236}">
+                <a16:creationId xmlns:a16="http://schemas.microsoft.com/office/drawing/2014/main" id="{008489BA-FEFA-DE7D-B3CD-53A358B82592}"/>
+              </a:ext>
+            </a:extLst>
+          </p:cNvPr>
+          <p:cNvGrpSpPr/>
+          <p:nvPr/>
+        </p:nvGrpSpPr>
+        <p:grpSpPr>
+          <a:xfrm>
+            <a:off x="2819400" y="4214383"/>
+            <a:ext cx="3393622" cy="1114286"/>
+            <a:chOff x="2803727" y="4828571"/>
+            <a:chExt cx="3393622" cy="1114286"/>
+          </a:xfrm>
+        </p:grpSpPr>
+        <p:pic>
+          <p:nvPicPr>
+            <p:cNvPr id="7" name="Object 61">
+              <a:extLst>
+                <a:ext uri="{FF2B5EF4-FFF2-40B4-BE49-F238E27FC236}">
+                  <a16:creationId xmlns:a16="http://schemas.microsoft.com/office/drawing/2014/main" id="{9ED25BE3-45BE-AC6D-D835-4457854D2832}"/>
+                </a:ext>
+              </a:extLst>
+            </p:cNvPr>
+            <p:cNvPicPr>
+              <a:picLocks noChangeAspect="1"/>
+            </p:cNvPicPr>
+            <p:nvPr/>
+          </p:nvPicPr>
+          <p:blipFill>
+            <a:blip r:embed="rId2" cstate="print"/>
+            <a:stretch>
+              <a:fillRect/>
+            </a:stretch>
+          </p:blipFill>
+          <p:spPr>
+            <a:xfrm>
+              <a:off x="2803727" y="4828571"/>
+              <a:ext cx="3393622" cy="1114286"/>
+            </a:xfrm>
+            <a:prstGeom prst="rect">
+              <a:avLst/>
+            </a:prstGeom>
+          </p:spPr>
+        </p:pic>
+      </p:grpSp>
+      <p:grpSp>
+        <p:nvGrpSpPr>
+          <p:cNvPr id="8" name="그룹 1021">
+            <a:extLst>
+              <a:ext uri="{FF2B5EF4-FFF2-40B4-BE49-F238E27FC236}">
+                <a16:creationId xmlns:a16="http://schemas.microsoft.com/office/drawing/2014/main" id="{7FE0C0A1-ABE4-F0EA-AFC1-4622C45C99E7}"/>
+              </a:ext>
+            </a:extLst>
+          </p:cNvPr>
+          <p:cNvGrpSpPr/>
+          <p:nvPr/>
+        </p:nvGrpSpPr>
+        <p:grpSpPr>
+          <a:xfrm>
+            <a:off x="7461719" y="4214383"/>
+            <a:ext cx="3393622" cy="1114286"/>
+            <a:chOff x="7446046" y="4828571"/>
+            <a:chExt cx="3393622" cy="1114286"/>
+          </a:xfrm>
+        </p:grpSpPr>
+        <p:pic>
+          <p:nvPicPr>
+            <p:cNvPr id="9" name="Object 71">
+              <a:extLst>
+                <a:ext uri="{FF2B5EF4-FFF2-40B4-BE49-F238E27FC236}">
+                  <a16:creationId xmlns:a16="http://schemas.microsoft.com/office/drawing/2014/main" id="{CDBB7D83-509F-9F4C-0C3E-DBA2562E5520}"/>
+                </a:ext>
+              </a:extLst>
+            </p:cNvPr>
+            <p:cNvPicPr>
+              <a:picLocks noChangeAspect="1"/>
+            </p:cNvPicPr>
+            <p:nvPr/>
+          </p:nvPicPr>
+          <p:blipFill>
+            <a:blip r:embed="rId2" cstate="print"/>
+            <a:stretch>
+              <a:fillRect/>
+            </a:stretch>
+          </p:blipFill>
+          <p:spPr>
+            <a:xfrm>
+              <a:off x="7446046" y="4828571"/>
+              <a:ext cx="3393622" cy="1114286"/>
+            </a:xfrm>
+            <a:prstGeom prst="rect">
+              <a:avLst/>
+            </a:prstGeom>
+          </p:spPr>
+        </p:pic>
+      </p:grpSp>
+      <p:grpSp>
+        <p:nvGrpSpPr>
+          <p:cNvPr id="10" name="그룹 1024">
+            <a:extLst>
+              <a:ext uri="{FF2B5EF4-FFF2-40B4-BE49-F238E27FC236}">
+                <a16:creationId xmlns:a16="http://schemas.microsoft.com/office/drawing/2014/main" id="{8EB1611F-852C-9617-AEEB-CFA38FFF8001}"/>
+              </a:ext>
+            </a:extLst>
+          </p:cNvPr>
+          <p:cNvGrpSpPr/>
+          <p:nvPr/>
+        </p:nvGrpSpPr>
+        <p:grpSpPr>
+          <a:xfrm>
+            <a:off x="12104038" y="4214383"/>
+            <a:ext cx="3393622" cy="1114286"/>
+            <a:chOff x="12088365" y="4828571"/>
+            <a:chExt cx="3393622" cy="1114286"/>
+          </a:xfrm>
+        </p:grpSpPr>
+        <p:pic>
+          <p:nvPicPr>
+            <p:cNvPr id="11" name="Object 81">
+              <a:extLst>
+                <a:ext uri="{FF2B5EF4-FFF2-40B4-BE49-F238E27FC236}">
+                  <a16:creationId xmlns:a16="http://schemas.microsoft.com/office/drawing/2014/main" id="{08657582-A0DF-A5DC-A662-189C639920C8}"/>
+                </a:ext>
+              </a:extLst>
+            </p:cNvPr>
+            <p:cNvPicPr>
+              <a:picLocks noChangeAspect="1"/>
+            </p:cNvPicPr>
+            <p:nvPr/>
+          </p:nvPicPr>
+          <p:blipFill>
+            <a:blip r:embed="rId2" cstate="print"/>
+            <a:stretch>
+              <a:fillRect/>
+            </a:stretch>
+          </p:blipFill>
+          <p:spPr>
+            <a:xfrm>
+              <a:off x="12088365" y="4828571"/>
+              <a:ext cx="3393622" cy="1114286"/>
+            </a:xfrm>
+            <a:prstGeom prst="rect">
+              <a:avLst/>
+            </a:prstGeom>
+          </p:spPr>
+        </p:pic>
+      </p:grpSp>
+      <p:sp>
+        <p:nvSpPr>
+          <p:cNvPr id="13" name="TextBox 12">
+            <a:extLst>
+              <a:ext uri="{FF2B5EF4-FFF2-40B4-BE49-F238E27FC236}">
+                <a16:creationId xmlns:a16="http://schemas.microsoft.com/office/drawing/2014/main" id="{F68B80B8-3419-5C31-B2F2-084E536A2C1C}"/>
+              </a:ext>
+            </a:extLst>
+          </p:cNvPr>
+          <p:cNvSpPr txBox="1"/>
+          <p:nvPr/>
+        </p:nvSpPr>
+        <p:spPr>
+          <a:xfrm>
+            <a:off x="3470244" y="4433541"/>
+            <a:ext cx="2397156" cy="646331"/>
+          </a:xfrm>
+          <a:prstGeom prst="rect">
+            <a:avLst/>
+          </a:prstGeom>
+          <a:noFill/>
+        </p:spPr>
+        <p:txBody>
+          <a:bodyPr wrap="square" rtlCol="0">
+            <a:spAutoFit/>
+          </a:bodyPr>
+          <a:lstStyle/>
+          <a:p>
+            <a:r>
+              <a:rPr lang="en-US" altLang="ko-KR" sz="3600">
+                <a:solidFill>
+                  <a:srgbClr val="4D4848"/>
+                </a:solidFill>
+                <a:latin typeface="G마켓 산스 Medium" panose="02000000000000000000" pitchFamily="50" charset="-127"/>
+                <a:ea typeface="G마켓 산스 Medium" panose="02000000000000000000" pitchFamily="50" charset="-127"/>
+              </a:rPr>
+              <a:t>Marine</a:t>
+            </a:r>
+            <a:endParaRPr lang="ko-KR" altLang="en-US" sz="3600" dirty="0">
+              <a:solidFill>
+                <a:srgbClr val="4D4848"/>
+              </a:solidFill>
+              <a:latin typeface="G마켓 산스 Medium" panose="02000000000000000000" pitchFamily="50" charset="-127"/>
+              <a:ea typeface="G마켓 산스 Medium" panose="02000000000000000000" pitchFamily="50" charset="-127"/>
+            </a:endParaRPr>
+          </a:p>
+        </p:txBody>
+      </p:sp>
+      <p:sp>
+        <p:nvSpPr>
+          <p:cNvPr id="14" name="TextBox 13">
+            <a:extLst>
+              <a:ext uri="{FF2B5EF4-FFF2-40B4-BE49-F238E27FC236}">
+                <a16:creationId xmlns:a16="http://schemas.microsoft.com/office/drawing/2014/main" id="{CB471B39-052C-65D2-3069-C74FA7421876}"/>
+              </a:ext>
+            </a:extLst>
+          </p:cNvPr>
+          <p:cNvSpPr txBox="1"/>
+          <p:nvPr/>
+        </p:nvSpPr>
+        <p:spPr>
+          <a:xfrm>
+            <a:off x="8117180" y="4412197"/>
+            <a:ext cx="2274982" cy="646331"/>
+          </a:xfrm>
+          <a:prstGeom prst="rect">
+            <a:avLst/>
+          </a:prstGeom>
+          <a:noFill/>
+        </p:spPr>
+        <p:txBody>
+          <a:bodyPr wrap="none" rtlCol="0">
+            <a:spAutoFit/>
+          </a:bodyPr>
+          <a:lstStyle/>
+          <a:p>
+            <a:r>
+              <a:rPr lang="en-US" altLang="ko-KR" sz="3600">
+                <a:solidFill>
+                  <a:srgbClr val="4D4848"/>
+                </a:solidFill>
+                <a:latin typeface="G마켓 산스 Medium" panose="02000000000000000000" pitchFamily="50" charset="-127"/>
+                <a:ea typeface="G마켓 산스 Medium" panose="02000000000000000000" pitchFamily="50" charset="-127"/>
+              </a:rPr>
+              <a:t>Zergling</a:t>
+            </a:r>
+            <a:endParaRPr lang="ko-KR" altLang="en-US" sz="2800" dirty="0">
+              <a:solidFill>
+                <a:srgbClr val="4D4848"/>
+              </a:solidFill>
+              <a:latin typeface="G마켓 산스 Medium" panose="02000000000000000000" pitchFamily="50" charset="-127"/>
+              <a:ea typeface="G마켓 산스 Medium" panose="02000000000000000000" pitchFamily="50" charset="-127"/>
+            </a:endParaRPr>
+          </a:p>
+        </p:txBody>
+      </p:sp>
+      <p:sp>
+        <p:nvSpPr>
+          <p:cNvPr id="15" name="TextBox 14">
+            <a:extLst>
+              <a:ext uri="{FF2B5EF4-FFF2-40B4-BE49-F238E27FC236}">
+                <a16:creationId xmlns:a16="http://schemas.microsoft.com/office/drawing/2014/main" id="{4A7E270B-9322-EABD-3A34-4D211B23AD38}"/>
+              </a:ext>
+            </a:extLst>
+          </p:cNvPr>
+          <p:cNvSpPr txBox="1"/>
+          <p:nvPr/>
+        </p:nvSpPr>
+        <p:spPr>
+          <a:xfrm>
+            <a:off x="12954000" y="4433541"/>
+            <a:ext cx="1787669" cy="646331"/>
+          </a:xfrm>
+          <a:prstGeom prst="rect">
+            <a:avLst/>
+          </a:prstGeom>
+          <a:noFill/>
+        </p:spPr>
+        <p:txBody>
+          <a:bodyPr wrap="none" rtlCol="0">
+            <a:spAutoFit/>
+          </a:bodyPr>
+          <a:lstStyle/>
+          <a:p>
+            <a:r>
+              <a:rPr lang="en-US" altLang="ko-KR" sz="3600">
+                <a:solidFill>
+                  <a:srgbClr val="4D4848"/>
+                </a:solidFill>
+                <a:latin typeface="G마켓 산스 Medium" panose="02000000000000000000" pitchFamily="50" charset="-127"/>
+                <a:ea typeface="G마켓 산스 Medium" panose="02000000000000000000" pitchFamily="50" charset="-127"/>
+              </a:rPr>
+              <a:t>Zealot</a:t>
+            </a:r>
+            <a:endParaRPr lang="ko-KR" altLang="en-US" sz="2800" dirty="0">
+              <a:solidFill>
+                <a:srgbClr val="4D4848"/>
+              </a:solidFill>
+              <a:latin typeface="G마켓 산스 Medium" panose="02000000000000000000" pitchFamily="50" charset="-127"/>
+              <a:ea typeface="G마켓 산스 Medium" panose="02000000000000000000" pitchFamily="50" charset="-127"/>
+            </a:endParaRPr>
+          </a:p>
+        </p:txBody>
+      </p:sp>
+      <p:pic>
+        <p:nvPicPr>
+          <p:cNvPr id="19" name="그림 18"/>
+          <p:cNvPicPr>
+            <a:picLocks noChangeAspect="1"/>
+          </p:cNvPicPr>
+          <p:nvPr/>
+        </p:nvPicPr>
+        <p:blipFill>
+          <a:blip r:embed="rId3"/>
+          <a:stretch>
+            <a:fillRect/>
+          </a:stretch>
+        </p:blipFill>
+        <p:spPr>
+          <a:xfrm>
+            <a:off x="2819400" y="5738383"/>
+            <a:ext cx="3159365" cy="1228642"/>
+          </a:xfrm>
+          <a:prstGeom prst="rect">
+            <a:avLst/>
+          </a:prstGeom>
+        </p:spPr>
+      </p:pic>
+      <p:pic>
+        <p:nvPicPr>
+          <p:cNvPr id="20" name="그림 19"/>
+          <p:cNvPicPr>
+            <a:picLocks noChangeAspect="1"/>
+          </p:cNvPicPr>
+          <p:nvPr/>
+        </p:nvPicPr>
+        <p:blipFill>
+          <a:blip r:embed="rId3"/>
+          <a:stretch>
+            <a:fillRect/>
+          </a:stretch>
+        </p:blipFill>
+        <p:spPr>
+          <a:xfrm>
+            <a:off x="7461719" y="5743658"/>
+            <a:ext cx="3159365" cy="1228642"/>
+          </a:xfrm>
+          <a:prstGeom prst="rect">
+            <a:avLst/>
+          </a:prstGeom>
+        </p:spPr>
+      </p:pic>
+      <p:pic>
+        <p:nvPicPr>
+          <p:cNvPr id="21" name="그림 20"/>
+          <p:cNvPicPr>
+            <a:picLocks noChangeAspect="1"/>
+          </p:cNvPicPr>
+          <p:nvPr/>
+        </p:nvPicPr>
+        <p:blipFill>
+          <a:blip r:embed="rId3"/>
+          <a:stretch>
+            <a:fillRect/>
+          </a:stretch>
+        </p:blipFill>
+        <p:spPr>
+          <a:xfrm>
+            <a:off x="12104038" y="5738383"/>
+            <a:ext cx="3159365" cy="1228642"/>
+          </a:xfrm>
+          <a:prstGeom prst="rect">
+            <a:avLst/>
+          </a:prstGeom>
+        </p:spPr>
+      </p:pic>
+      <p:sp>
+        <p:nvSpPr>
+          <p:cNvPr id="2" name="TextBox 1">
+            <a:extLst>
+              <a:ext uri="{FF2B5EF4-FFF2-40B4-BE49-F238E27FC236}">
+                <a16:creationId xmlns:a16="http://schemas.microsoft.com/office/drawing/2014/main" id="{D33DA09A-511A-C62F-A49A-C0D2F5C85280}"/>
+              </a:ext>
+            </a:extLst>
+          </p:cNvPr>
+          <p:cNvSpPr txBox="1"/>
+          <p:nvPr/>
+        </p:nvSpPr>
+        <p:spPr>
+          <a:xfrm>
+            <a:off x="304800" y="246689"/>
+            <a:ext cx="4343400" cy="923330"/>
+          </a:xfrm>
+          <a:prstGeom prst="rect">
+            <a:avLst/>
+          </a:prstGeom>
+          <a:noFill/>
+        </p:spPr>
+        <p:txBody>
+          <a:bodyPr wrap="square" rtlCol="0">
+            <a:spAutoFit/>
+          </a:bodyPr>
+          <a:lstStyle/>
+          <a:p>
+            <a:r>
+              <a:rPr lang="ko-KR" altLang="en-US" sz="5400" spc="-300" dirty="0">
+                <a:solidFill>
+                  <a:srgbClr val="4C50BC"/>
+                </a:solidFill>
+                <a:latin typeface="G마켓 산스 TTF Bold" panose="02000000000000000000" pitchFamily="2" charset="-127"/>
+                <a:ea typeface="G마켓 산스 TTF Bold" panose="02000000000000000000" pitchFamily="2" charset="-127"/>
+              </a:rPr>
+              <a:t>상속의 필요성</a:t>
+            </a:r>
+            <a:endParaRPr lang="en-US" altLang="ko-KR" sz="5400" spc="-300" dirty="0">
+              <a:solidFill>
+                <a:srgbClr val="4C50BC"/>
+              </a:solidFill>
+              <a:latin typeface="G마켓 산스 TTF Bold" panose="02000000000000000000" pitchFamily="2" charset="-127"/>
+              <a:ea typeface="G마켓 산스 TTF Bold" panose="02000000000000000000" pitchFamily="2" charset="-127"/>
+            </a:endParaRPr>
+          </a:p>
+        </p:txBody>
+      </p:sp>
+      <p:sp>
+        <p:nvSpPr>
+          <p:cNvPr id="5" name="TextBox 4">
+            <a:extLst>
+              <a:ext uri="{FF2B5EF4-FFF2-40B4-BE49-F238E27FC236}">
+                <a16:creationId xmlns:a16="http://schemas.microsoft.com/office/drawing/2014/main" id="{B1C05CB3-45A9-FA20-A8E0-BE6F095B8777}"/>
+              </a:ext>
+            </a:extLst>
+          </p:cNvPr>
+          <p:cNvSpPr txBox="1"/>
+          <p:nvPr/>
+        </p:nvSpPr>
+        <p:spPr>
+          <a:xfrm>
+            <a:off x="762000" y="1562100"/>
+            <a:ext cx="6603513" cy="707886"/>
+          </a:xfrm>
+          <a:prstGeom prst="rect">
+            <a:avLst/>
+          </a:prstGeom>
+          <a:noFill/>
+        </p:spPr>
+        <p:txBody>
+          <a:bodyPr wrap="square" rtlCol="0">
+            <a:spAutoFit/>
+          </a:bodyPr>
+          <a:lstStyle/>
+          <a:p>
+            <a:r>
+              <a:rPr lang="ko-KR" altLang="en-US" sz="4000" dirty="0">
+                <a:solidFill>
+                  <a:schemeClr val="tx1">
+                    <a:lumMod val="50000"/>
+                    <a:lumOff val="50000"/>
+                  </a:schemeClr>
+                </a:solidFill>
+                <a:latin typeface="G마켓 산스 Medium" panose="02000000000000000000" pitchFamily="50" charset="-127"/>
+                <a:ea typeface="G마켓 산스 Medium" panose="02000000000000000000" pitchFamily="50" charset="-127"/>
+              </a:rPr>
+              <a:t>중복된 멤버변수 선언</a:t>
+            </a:r>
+            <a:endParaRPr lang="en-US" altLang="ko-KR" sz="4000" dirty="0">
+              <a:solidFill>
+                <a:schemeClr val="tx1">
+                  <a:lumMod val="50000"/>
+                  <a:lumOff val="50000"/>
+                </a:schemeClr>
+              </a:solidFill>
+              <a:latin typeface="G마켓 산스 Medium" panose="02000000000000000000" pitchFamily="50" charset="-127"/>
+              <a:ea typeface="G마켓 산스 Medium" panose="02000000000000000000" pitchFamily="50" charset="-127"/>
+            </a:endParaRPr>
+          </a:p>
+        </p:txBody>
+      </p:sp>
+      <p:cxnSp>
+        <p:nvCxnSpPr>
+          <p:cNvPr id="12" name="직선 연결선 11">
+            <a:extLst>
+              <a:ext uri="{FF2B5EF4-FFF2-40B4-BE49-F238E27FC236}">
+                <a16:creationId xmlns:a16="http://schemas.microsoft.com/office/drawing/2014/main" id="{DDFA97EB-659B-5D0A-D41B-496A6FF66D9E}"/>
+              </a:ext>
+            </a:extLst>
+          </p:cNvPr>
+          <p:cNvCxnSpPr>
+            <a:cxnSpLocks/>
+          </p:cNvCxnSpPr>
+          <p:nvPr/>
+        </p:nvCxnSpPr>
+        <p:spPr>
+          <a:xfrm flipH="1" flipV="1">
+            <a:off x="0" y="1104900"/>
+            <a:ext cx="18288000" cy="65119"/>
+          </a:xfrm>
+          <a:prstGeom prst="line">
+            <a:avLst/>
+          </a:prstGeom>
+          <a:ln w="38100">
+            <a:solidFill>
+              <a:srgbClr val="4C50BC"/>
+            </a:solidFill>
+          </a:ln>
+        </p:spPr>
+        <p:style>
+          <a:lnRef idx="1">
+            <a:schemeClr val="accent1"/>
+          </a:lnRef>
+          <a:fillRef idx="0">
+            <a:schemeClr val="accent1"/>
+          </a:fillRef>
+          <a:effectRef idx="0">
+            <a:schemeClr val="accent1"/>
+          </a:effectRef>
+          <a:fontRef idx="minor">
+            <a:schemeClr val="tx1"/>
+          </a:fontRef>
+        </p:style>
+      </p:cxnSp>
+    </p:spTree>
+    <p:extLst>
+      <p:ext uri="{BB962C8B-B14F-4D97-AF65-F5344CB8AC3E}">
+        <p14:creationId xmlns:p14="http://schemas.microsoft.com/office/powerpoint/2010/main" val="2946205971"/>
+      </p:ext>
+    </p:extLst>
+  </p:cSld>
+  <p:clrMapOvr>
+    <a:masterClrMapping/>
+  </p:clrMapOvr>
+  <p:timing>
+    <p:tnLst>
+      <p:par>
+        <p:cTn id="1" dur="indefinite" restart="never" nodeType="tmRoot">
+          <p:childTnLst>
+            <p:seq concurrent="1" nextAc="seek">
+              <p:cTn id="2" dur="indefinite" nodeType="mainSeq">
+                <p:childTnLst>
+                  <p:par>
+                    <p:cTn id="3" fill="hold">
+                      <p:stCondLst>
+                        <p:cond delay="indefinite"/>
+                      </p:stCondLst>
+                      <p:childTnLst>
+                        <p:par>
+                          <p:cTn id="4" fill="hold">
+                            <p:stCondLst>
+                              <p:cond delay="0"/>
+                            </p:stCondLst>
+                            <p:childTnLst>
+                              <p:par>
+                                <p:cTn id="5" presetID="1" presetClass="entr" presetSubtype="0" fill="hold" nodeType="clickEffect">
+                                  <p:stCondLst>
+                                    <p:cond delay="0"/>
+                                  </p:stCondLst>
+                                  <p:childTnLst>
+                                    <p:set>
+                                      <p:cBhvr>
+                                        <p:cTn id="6" dur="1" fill="hold">
+                                          <p:stCondLst>
+                                            <p:cond delay="0"/>
+                                          </p:stCondLst>
+                                        </p:cTn>
+                                        <p:tgtEl>
+                                          <p:spTgt spid="19"/>
+                                        </p:tgtEl>
+                                        <p:attrNameLst>
+                                          <p:attrName>style.visibility</p:attrName>
+                                        </p:attrNameLst>
+                                      </p:cBhvr>
+                                      <p:to>
+                                        <p:strVal val="visible"/>
+                                      </p:to>
+                                    </p:set>
+                                  </p:childTnLst>
+                                </p:cTn>
+                              </p:par>
+                            </p:childTnLst>
+                          </p:cTn>
+                        </p:par>
+                      </p:childTnLst>
+                    </p:cTn>
+                  </p:par>
+                  <p:par>
+                    <p:cTn id="7" fill="hold">
+                      <p:stCondLst>
+                        <p:cond delay="indefinite"/>
+                      </p:stCondLst>
+                      <p:childTnLst>
+                        <p:par>
+                          <p:cTn id="8" fill="hold">
+                            <p:stCondLst>
+                              <p:cond delay="0"/>
+                            </p:stCondLst>
+                            <p:childTnLst>
+                              <p:par>
+                                <p:cTn id="9" presetID="1" presetClass="entr" presetSubtype="0" fill="hold" nodeType="clickEffect">
+                                  <p:stCondLst>
+                                    <p:cond delay="0"/>
+                                  </p:stCondLst>
+                                  <p:childTnLst>
+                                    <p:set>
+                                      <p:cBhvr>
+                                        <p:cTn id="10" dur="1" fill="hold">
+                                          <p:stCondLst>
+                                            <p:cond delay="0"/>
+                                          </p:stCondLst>
+                                        </p:cTn>
+                                        <p:tgtEl>
+                                          <p:spTgt spid="20"/>
+                                        </p:tgtEl>
+                                        <p:attrNameLst>
+                                          <p:attrName>style.visibility</p:attrName>
+                                        </p:attrNameLst>
+                                      </p:cBhvr>
+                                      <p:to>
+                                        <p:strVal val="visible"/>
+                                      </p:to>
+                                    </p:set>
+                                  </p:childTnLst>
+                                </p:cTn>
+                              </p:par>
+                            </p:childTnLst>
+                          </p:cTn>
+                        </p:par>
+                      </p:childTnLst>
+                    </p:cTn>
+                  </p:par>
+                  <p:par>
+                    <p:cTn id="11" fill="hold">
+                      <p:stCondLst>
+                        <p:cond delay="indefinite"/>
+                      </p:stCondLst>
+                      <p:childTnLst>
+                        <p:par>
+                          <p:cTn id="12" fill="hold">
+                            <p:stCondLst>
+                              <p:cond delay="0"/>
+                            </p:stCondLst>
+                            <p:childTnLst>
+                              <p:par>
+                                <p:cTn id="13" presetID="1" presetClass="entr" presetSubtype="0" fill="hold" nodeType="clickEffect">
+                                  <p:stCondLst>
+                                    <p:cond delay="0"/>
+                                  </p:stCondLst>
+                                  <p:childTnLst>
+                                    <p:set>
+                                      <p:cBhvr>
+                                        <p:cTn id="14" dur="1" fill="hold">
+                                          <p:stCondLst>
+                                            <p:cond delay="0"/>
+                                          </p:stCondLst>
+                                        </p:cTn>
+                                        <p:tgtEl>
+                                          <p:spTgt spid="21"/>
+                                        </p:tgtEl>
+                                        <p:attrNameLst>
+                                          <p:attrName>style.visibility</p:attrName>
+                                        </p:attrNameLst>
+                                      </p:cBhvr>
+                                      <p:to>
+                                        <p:strVal val="visible"/>
+                                      </p:to>
+                                    </p:set>
+                                  </p:childTnLst>
+                                </p:cTn>
+                              </p:par>
+                            </p:childTnLst>
+                          </p:cTn>
+                        </p:par>
+                      </p:childTnLst>
+                    </p:cTn>
+                  </p:par>
+                </p:childTnLst>
+              </p:cTn>
+              <p:prevCondLst>
+                <p:cond evt="onPrev" delay="0">
+                  <p:tgtEl>
+                    <p:sldTgt/>
+                  </p:tgtEl>
+                </p:cond>
+              </p:prevCondLst>
+              <p:nextCondLst>
+                <p:cond evt="onNext" delay="0">
+                  <p:tgtEl>
+                    <p:sldTgt/>
+                  </p:tgtEl>
+                </p:cond>
+              </p:nextCondLst>
+            </p:seq>
+          </p:childTnLst>
+        </p:cTn>
+      </p:par>
+    </p:tnLst>
+  </p:timing>
+</p:sld>
+</file>
+
+<file path=ppt/slides/slide40.xml><?xml version="1.0" encoding="utf-8"?>
 <p:sld xmlns:a="http://schemas.openxmlformats.org/drawingml/2006/main" xmlns:r="http://schemas.openxmlformats.org/officeDocument/2006/relationships" xmlns:p="http://schemas.openxmlformats.org/presentationml/2006/main">
   <p:cSld>
     <p:spTree>
@@ -20539,7 +22242,7 @@
 </p:sld>
 </file>
 
-<file path=ppt/slides/slide39.xml><?xml version="1.0" encoding="utf-8"?>
+<file path=ppt/slides/slide41.xml><?xml version="1.0" encoding="utf-8"?>
 <p:sld xmlns:a="http://schemas.openxmlformats.org/drawingml/2006/main" xmlns:r="http://schemas.openxmlformats.org/officeDocument/2006/relationships" xmlns:p="http://schemas.openxmlformats.org/presentationml/2006/main">
   <p:cSld>
     <p:spTree>
@@ -22104,902 +23807,7 @@
 </p:sld>
 </file>
 
-<file path=ppt/slides/slide4.xml><?xml version="1.0" encoding="utf-8"?>
-<p:sld xmlns:a="http://schemas.openxmlformats.org/drawingml/2006/main" xmlns:r="http://schemas.openxmlformats.org/officeDocument/2006/relationships" xmlns:p="http://schemas.openxmlformats.org/presentationml/2006/main">
-  <p:cSld>
-    <p:spTree>
-      <p:nvGrpSpPr>
-        <p:cNvPr id="1" name=""/>
-        <p:cNvGrpSpPr/>
-        <p:nvPr/>
-      </p:nvGrpSpPr>
-      <p:grpSpPr>
-        <a:xfrm>
-          <a:off x="0" y="0"/>
-          <a:ext cx="0" cy="0"/>
-          <a:chOff x="0" y="0"/>
-          <a:chExt cx="0" cy="0"/>
-        </a:xfrm>
-      </p:grpSpPr>
-      <p:grpSp>
-        <p:nvGrpSpPr>
-          <p:cNvPr id="6" name="그룹 1018">
-            <a:extLst>
-              <a:ext uri="{FF2B5EF4-FFF2-40B4-BE49-F238E27FC236}">
-                <a16:creationId xmlns:a16="http://schemas.microsoft.com/office/drawing/2014/main" id="{008489BA-FEFA-DE7D-B3CD-53A358B82592}"/>
-              </a:ext>
-            </a:extLst>
-          </p:cNvPr>
-          <p:cNvGrpSpPr/>
-          <p:nvPr/>
-        </p:nvGrpSpPr>
-        <p:grpSpPr>
-          <a:xfrm>
-            <a:off x="2638426" y="1104900"/>
-            <a:ext cx="3393622" cy="1114286"/>
-            <a:chOff x="2803727" y="4828571"/>
-            <a:chExt cx="3393622" cy="1114286"/>
-          </a:xfrm>
-        </p:grpSpPr>
-        <p:pic>
-          <p:nvPicPr>
-            <p:cNvPr id="7" name="Object 61">
-              <a:extLst>
-                <a:ext uri="{FF2B5EF4-FFF2-40B4-BE49-F238E27FC236}">
-                  <a16:creationId xmlns:a16="http://schemas.microsoft.com/office/drawing/2014/main" id="{9ED25BE3-45BE-AC6D-D835-4457854D2832}"/>
-                </a:ext>
-              </a:extLst>
-            </p:cNvPr>
-            <p:cNvPicPr>
-              <a:picLocks noChangeAspect="1"/>
-            </p:cNvPicPr>
-            <p:nvPr/>
-          </p:nvPicPr>
-          <p:blipFill>
-            <a:blip r:embed="rId2" cstate="print"/>
-            <a:stretch>
-              <a:fillRect/>
-            </a:stretch>
-          </p:blipFill>
-          <p:spPr>
-            <a:xfrm>
-              <a:off x="2803727" y="4828571"/>
-              <a:ext cx="3393622" cy="1114286"/>
-            </a:xfrm>
-            <a:prstGeom prst="rect">
-              <a:avLst/>
-            </a:prstGeom>
-          </p:spPr>
-        </p:pic>
-      </p:grpSp>
-      <p:grpSp>
-        <p:nvGrpSpPr>
-          <p:cNvPr id="8" name="그룹 1021">
-            <a:extLst>
-              <a:ext uri="{FF2B5EF4-FFF2-40B4-BE49-F238E27FC236}">
-                <a16:creationId xmlns:a16="http://schemas.microsoft.com/office/drawing/2014/main" id="{7FE0C0A1-ABE4-F0EA-AFC1-4622C45C99E7}"/>
-              </a:ext>
-            </a:extLst>
-          </p:cNvPr>
-          <p:cNvGrpSpPr/>
-          <p:nvPr/>
-        </p:nvGrpSpPr>
-        <p:grpSpPr>
-          <a:xfrm>
-            <a:off x="7280745" y="1104900"/>
-            <a:ext cx="3393622" cy="1114286"/>
-            <a:chOff x="7446046" y="4828571"/>
-            <a:chExt cx="3393622" cy="1114286"/>
-          </a:xfrm>
-        </p:grpSpPr>
-        <p:pic>
-          <p:nvPicPr>
-            <p:cNvPr id="9" name="Object 71">
-              <a:extLst>
-                <a:ext uri="{FF2B5EF4-FFF2-40B4-BE49-F238E27FC236}">
-                  <a16:creationId xmlns:a16="http://schemas.microsoft.com/office/drawing/2014/main" id="{CDBB7D83-509F-9F4C-0C3E-DBA2562E5520}"/>
-                </a:ext>
-              </a:extLst>
-            </p:cNvPr>
-            <p:cNvPicPr>
-              <a:picLocks noChangeAspect="1"/>
-            </p:cNvPicPr>
-            <p:nvPr/>
-          </p:nvPicPr>
-          <p:blipFill>
-            <a:blip r:embed="rId2" cstate="print"/>
-            <a:stretch>
-              <a:fillRect/>
-            </a:stretch>
-          </p:blipFill>
-          <p:spPr>
-            <a:xfrm>
-              <a:off x="7446046" y="4828571"/>
-              <a:ext cx="3393622" cy="1114286"/>
-            </a:xfrm>
-            <a:prstGeom prst="rect">
-              <a:avLst/>
-            </a:prstGeom>
-          </p:spPr>
-        </p:pic>
-      </p:grpSp>
-      <p:grpSp>
-        <p:nvGrpSpPr>
-          <p:cNvPr id="10" name="그룹 1024">
-            <a:extLst>
-              <a:ext uri="{FF2B5EF4-FFF2-40B4-BE49-F238E27FC236}">
-                <a16:creationId xmlns:a16="http://schemas.microsoft.com/office/drawing/2014/main" id="{8EB1611F-852C-9617-AEEB-CFA38FFF8001}"/>
-              </a:ext>
-            </a:extLst>
-          </p:cNvPr>
-          <p:cNvGrpSpPr/>
-          <p:nvPr/>
-        </p:nvGrpSpPr>
-        <p:grpSpPr>
-          <a:xfrm>
-            <a:off x="11923064" y="1104900"/>
-            <a:ext cx="3393622" cy="1114286"/>
-            <a:chOff x="12088365" y="4828571"/>
-            <a:chExt cx="3393622" cy="1114286"/>
-          </a:xfrm>
-        </p:grpSpPr>
-        <p:pic>
-          <p:nvPicPr>
-            <p:cNvPr id="11" name="Object 81">
-              <a:extLst>
-                <a:ext uri="{FF2B5EF4-FFF2-40B4-BE49-F238E27FC236}">
-                  <a16:creationId xmlns:a16="http://schemas.microsoft.com/office/drawing/2014/main" id="{08657582-A0DF-A5DC-A662-189C639920C8}"/>
-                </a:ext>
-              </a:extLst>
-            </p:cNvPr>
-            <p:cNvPicPr>
-              <a:picLocks noChangeAspect="1"/>
-            </p:cNvPicPr>
-            <p:nvPr/>
-          </p:nvPicPr>
-          <p:blipFill>
-            <a:blip r:embed="rId2" cstate="print"/>
-            <a:stretch>
-              <a:fillRect/>
-            </a:stretch>
-          </p:blipFill>
-          <p:spPr>
-            <a:xfrm>
-              <a:off x="12088365" y="4828571"/>
-              <a:ext cx="3393622" cy="1114286"/>
-            </a:xfrm>
-            <a:prstGeom prst="rect">
-              <a:avLst/>
-            </a:prstGeom>
-          </p:spPr>
-        </p:pic>
-      </p:grpSp>
-      <p:sp>
-        <p:nvSpPr>
-          <p:cNvPr id="13" name="TextBox 12">
-            <a:extLst>
-              <a:ext uri="{FF2B5EF4-FFF2-40B4-BE49-F238E27FC236}">
-                <a16:creationId xmlns:a16="http://schemas.microsoft.com/office/drawing/2014/main" id="{F68B80B8-3419-5C31-B2F2-084E536A2C1C}"/>
-              </a:ext>
-            </a:extLst>
-          </p:cNvPr>
-          <p:cNvSpPr txBox="1"/>
-          <p:nvPr/>
-        </p:nvSpPr>
-        <p:spPr>
-          <a:xfrm>
-            <a:off x="3289270" y="1324058"/>
-            <a:ext cx="2397156" cy="646331"/>
-          </a:xfrm>
-          <a:prstGeom prst="rect">
-            <a:avLst/>
-          </a:prstGeom>
-          <a:noFill/>
-        </p:spPr>
-        <p:txBody>
-          <a:bodyPr wrap="square" rtlCol="0">
-            <a:spAutoFit/>
-          </a:bodyPr>
-          <a:lstStyle/>
-          <a:p>
-            <a:r>
-              <a:rPr lang="en-US" altLang="ko-KR" sz="3600">
-                <a:solidFill>
-                  <a:srgbClr val="4D4848"/>
-                </a:solidFill>
-                <a:latin typeface="G마켓 산스 Medium" panose="02000000000000000000" pitchFamily="50" charset="-127"/>
-                <a:ea typeface="G마켓 산스 Medium" panose="02000000000000000000" pitchFamily="50" charset="-127"/>
-              </a:rPr>
-              <a:t>Marine</a:t>
-            </a:r>
-            <a:endParaRPr lang="ko-KR" altLang="en-US" sz="3600" dirty="0">
-              <a:solidFill>
-                <a:srgbClr val="4D4848"/>
-              </a:solidFill>
-              <a:latin typeface="G마켓 산스 Medium" panose="02000000000000000000" pitchFamily="50" charset="-127"/>
-              <a:ea typeface="G마켓 산스 Medium" panose="02000000000000000000" pitchFamily="50" charset="-127"/>
-            </a:endParaRPr>
-          </a:p>
-        </p:txBody>
-      </p:sp>
-      <p:sp>
-        <p:nvSpPr>
-          <p:cNvPr id="14" name="TextBox 13">
-            <a:extLst>
-              <a:ext uri="{FF2B5EF4-FFF2-40B4-BE49-F238E27FC236}">
-                <a16:creationId xmlns:a16="http://schemas.microsoft.com/office/drawing/2014/main" id="{CB471B39-052C-65D2-3069-C74FA7421876}"/>
-              </a:ext>
-            </a:extLst>
-          </p:cNvPr>
-          <p:cNvSpPr txBox="1"/>
-          <p:nvPr/>
-        </p:nvSpPr>
-        <p:spPr>
-          <a:xfrm>
-            <a:off x="7936206" y="1302714"/>
-            <a:ext cx="2274982" cy="646331"/>
-          </a:xfrm>
-          <a:prstGeom prst="rect">
-            <a:avLst/>
-          </a:prstGeom>
-          <a:noFill/>
-        </p:spPr>
-        <p:txBody>
-          <a:bodyPr wrap="none" rtlCol="0">
-            <a:spAutoFit/>
-          </a:bodyPr>
-          <a:lstStyle/>
-          <a:p>
-            <a:r>
-              <a:rPr lang="en-US" altLang="ko-KR" sz="3600">
-                <a:solidFill>
-                  <a:srgbClr val="4D4848"/>
-                </a:solidFill>
-                <a:latin typeface="G마켓 산스 Medium" panose="02000000000000000000" pitchFamily="50" charset="-127"/>
-                <a:ea typeface="G마켓 산스 Medium" panose="02000000000000000000" pitchFamily="50" charset="-127"/>
-              </a:rPr>
-              <a:t>Zergling</a:t>
-            </a:r>
-            <a:endParaRPr lang="ko-KR" altLang="en-US" sz="2800" dirty="0">
-              <a:solidFill>
-                <a:srgbClr val="4D4848"/>
-              </a:solidFill>
-              <a:latin typeface="G마켓 산스 Medium" panose="02000000000000000000" pitchFamily="50" charset="-127"/>
-              <a:ea typeface="G마켓 산스 Medium" panose="02000000000000000000" pitchFamily="50" charset="-127"/>
-            </a:endParaRPr>
-          </a:p>
-        </p:txBody>
-      </p:sp>
-      <p:sp>
-        <p:nvSpPr>
-          <p:cNvPr id="15" name="TextBox 14">
-            <a:extLst>
-              <a:ext uri="{FF2B5EF4-FFF2-40B4-BE49-F238E27FC236}">
-                <a16:creationId xmlns:a16="http://schemas.microsoft.com/office/drawing/2014/main" id="{4A7E270B-9322-EABD-3A34-4D211B23AD38}"/>
-              </a:ext>
-            </a:extLst>
-          </p:cNvPr>
-          <p:cNvSpPr txBox="1"/>
-          <p:nvPr/>
-        </p:nvSpPr>
-        <p:spPr>
-          <a:xfrm>
-            <a:off x="12773026" y="1324058"/>
-            <a:ext cx="1787669" cy="646331"/>
-          </a:xfrm>
-          <a:prstGeom prst="rect">
-            <a:avLst/>
-          </a:prstGeom>
-          <a:noFill/>
-        </p:spPr>
-        <p:txBody>
-          <a:bodyPr wrap="none" rtlCol="0">
-            <a:spAutoFit/>
-          </a:bodyPr>
-          <a:lstStyle/>
-          <a:p>
-            <a:r>
-              <a:rPr lang="en-US" altLang="ko-KR" sz="3600">
-                <a:solidFill>
-                  <a:srgbClr val="4D4848"/>
-                </a:solidFill>
-                <a:latin typeface="G마켓 산스 Medium" panose="02000000000000000000" pitchFamily="50" charset="-127"/>
-                <a:ea typeface="G마켓 산스 Medium" panose="02000000000000000000" pitchFamily="50" charset="-127"/>
-              </a:rPr>
-              <a:t>Zealot</a:t>
-            </a:r>
-            <a:endParaRPr lang="ko-KR" altLang="en-US" sz="2800" dirty="0">
-              <a:solidFill>
-                <a:srgbClr val="4D4848"/>
-              </a:solidFill>
-              <a:latin typeface="G마켓 산스 Medium" panose="02000000000000000000" pitchFamily="50" charset="-127"/>
-              <a:ea typeface="G마켓 산스 Medium" panose="02000000000000000000" pitchFamily="50" charset="-127"/>
-            </a:endParaRPr>
-          </a:p>
-        </p:txBody>
-      </p:sp>
-      <p:pic>
-        <p:nvPicPr>
-          <p:cNvPr id="19" name="그림 18"/>
-          <p:cNvPicPr>
-            <a:picLocks noChangeAspect="1"/>
-          </p:cNvPicPr>
-          <p:nvPr/>
-        </p:nvPicPr>
-        <p:blipFill>
-          <a:blip r:embed="rId3"/>
-          <a:stretch>
-            <a:fillRect/>
-          </a:stretch>
-        </p:blipFill>
-        <p:spPr>
-          <a:xfrm>
-            <a:off x="2638426" y="2628900"/>
-            <a:ext cx="3159365" cy="1228642"/>
-          </a:xfrm>
-          <a:prstGeom prst="rect">
-            <a:avLst/>
-          </a:prstGeom>
-        </p:spPr>
-      </p:pic>
-      <p:pic>
-        <p:nvPicPr>
-          <p:cNvPr id="20" name="그림 19"/>
-          <p:cNvPicPr>
-            <a:picLocks noChangeAspect="1"/>
-          </p:cNvPicPr>
-          <p:nvPr/>
-        </p:nvPicPr>
-        <p:blipFill>
-          <a:blip r:embed="rId3"/>
-          <a:stretch>
-            <a:fillRect/>
-          </a:stretch>
-        </p:blipFill>
-        <p:spPr>
-          <a:xfrm>
-            <a:off x="7280745" y="2634175"/>
-            <a:ext cx="3159365" cy="1228642"/>
-          </a:xfrm>
-          <a:prstGeom prst="rect">
-            <a:avLst/>
-          </a:prstGeom>
-        </p:spPr>
-      </p:pic>
-      <p:pic>
-        <p:nvPicPr>
-          <p:cNvPr id="21" name="그림 20"/>
-          <p:cNvPicPr>
-            <a:picLocks noChangeAspect="1"/>
-          </p:cNvPicPr>
-          <p:nvPr/>
-        </p:nvPicPr>
-        <p:blipFill>
-          <a:blip r:embed="rId3"/>
-          <a:stretch>
-            <a:fillRect/>
-          </a:stretch>
-        </p:blipFill>
-        <p:spPr>
-          <a:xfrm>
-            <a:off x="11923064" y="2628900"/>
-            <a:ext cx="3159365" cy="1228642"/>
-          </a:xfrm>
-          <a:prstGeom prst="rect">
-            <a:avLst/>
-          </a:prstGeom>
-        </p:spPr>
-      </p:pic>
-      <p:pic>
-        <p:nvPicPr>
-          <p:cNvPr id="22" name="그림 21"/>
-          <p:cNvPicPr>
-            <a:picLocks noChangeAspect="1"/>
-          </p:cNvPicPr>
-          <p:nvPr/>
-        </p:nvPicPr>
-        <p:blipFill>
-          <a:blip r:embed="rId4"/>
-          <a:stretch>
-            <a:fillRect/>
-          </a:stretch>
-        </p:blipFill>
-        <p:spPr>
-          <a:xfrm>
-            <a:off x="200026" y="4533900"/>
-            <a:ext cx="9648038" cy="5638800"/>
-          </a:xfrm>
-          <a:prstGeom prst="rect">
-            <a:avLst/>
-          </a:prstGeom>
-        </p:spPr>
-      </p:pic>
-      <p:pic>
-        <p:nvPicPr>
-          <p:cNvPr id="23" name="그림 22"/>
-          <p:cNvPicPr>
-            <a:picLocks noChangeAspect="1"/>
-          </p:cNvPicPr>
-          <p:nvPr/>
-        </p:nvPicPr>
-        <p:blipFill>
-          <a:blip r:embed="rId5"/>
-          <a:stretch>
-            <a:fillRect/>
-          </a:stretch>
-        </p:blipFill>
-        <p:spPr>
-          <a:xfrm>
-            <a:off x="10220566" y="4533900"/>
-            <a:ext cx="7991234" cy="2657035"/>
-          </a:xfrm>
-          <a:prstGeom prst="rect">
-            <a:avLst/>
-          </a:prstGeom>
-        </p:spPr>
-      </p:pic>
-      <p:sp>
-        <p:nvSpPr>
-          <p:cNvPr id="24" name="TextBox 23">
-            <a:extLst>
-              <a:ext uri="{FF2B5EF4-FFF2-40B4-BE49-F238E27FC236}">
-                <a16:creationId xmlns:a16="http://schemas.microsoft.com/office/drawing/2014/main" id="{5ADC00B6-990A-40DC-3CEA-505258F5E8DA}"/>
-              </a:ext>
-            </a:extLst>
-          </p:cNvPr>
-          <p:cNvSpPr txBox="1"/>
-          <p:nvPr/>
-        </p:nvSpPr>
-        <p:spPr>
-          <a:xfrm>
-            <a:off x="10229317" y="7581900"/>
-            <a:ext cx="4343400" cy="830997"/>
-          </a:xfrm>
-          <a:prstGeom prst="rect">
-            <a:avLst/>
-          </a:prstGeom>
-          <a:noFill/>
-        </p:spPr>
-        <p:txBody>
-          <a:bodyPr wrap="square" rtlCol="0">
-            <a:spAutoFit/>
-          </a:bodyPr>
-          <a:lstStyle/>
-          <a:p>
-            <a:r>
-              <a:rPr lang="ko-KR" altLang="en-US" sz="4800" dirty="0">
-                <a:solidFill>
-                  <a:srgbClr val="4C50BC"/>
-                </a:solidFill>
-                <a:latin typeface="G마켓 산스 Medium" panose="02000000000000000000" pitchFamily="50" charset="-127"/>
-                <a:ea typeface="G마켓 산스 Medium" panose="02000000000000000000" pitchFamily="50" charset="-127"/>
-              </a:rPr>
-              <a:t>그외 유닛들 </a:t>
-            </a:r>
-            <a:r>
-              <a:rPr lang="en-US" altLang="ko-KR" sz="4800" dirty="0">
-                <a:solidFill>
-                  <a:srgbClr val="4C50BC"/>
-                </a:solidFill>
-                <a:latin typeface="G마켓 산스 Medium" panose="02000000000000000000" pitchFamily="50" charset="-127"/>
-                <a:ea typeface="G마켓 산스 Medium" panose="02000000000000000000" pitchFamily="50" charset="-127"/>
-              </a:rPr>
-              <a:t>…</a:t>
-            </a:r>
-          </a:p>
-        </p:txBody>
-      </p:sp>
-      <p:sp>
-        <p:nvSpPr>
-          <p:cNvPr id="2" name="TextBox 1">
-            <a:extLst>
-              <a:ext uri="{FF2B5EF4-FFF2-40B4-BE49-F238E27FC236}">
-                <a16:creationId xmlns:a16="http://schemas.microsoft.com/office/drawing/2014/main" id="{D33DA09A-511A-C62F-A49A-C0D2F5C85280}"/>
-              </a:ext>
-            </a:extLst>
-          </p:cNvPr>
-          <p:cNvSpPr txBox="1"/>
-          <p:nvPr/>
-        </p:nvSpPr>
-        <p:spPr>
-          <a:xfrm>
-            <a:off x="466726" y="212348"/>
-            <a:ext cx="4343400" cy="830997"/>
-          </a:xfrm>
-          <a:prstGeom prst="rect">
-            <a:avLst/>
-          </a:prstGeom>
-          <a:noFill/>
-        </p:spPr>
-        <p:txBody>
-          <a:bodyPr wrap="square" rtlCol="0">
-            <a:spAutoFit/>
-          </a:bodyPr>
-          <a:lstStyle/>
-          <a:p>
-            <a:r>
-              <a:rPr lang="ko-KR" altLang="en-US" sz="4800" dirty="0">
-                <a:solidFill>
-                  <a:srgbClr val="4C50BC"/>
-                </a:solidFill>
-                <a:latin typeface="G마켓 산스 Medium" panose="02000000000000000000" pitchFamily="50" charset="-127"/>
-                <a:ea typeface="G마켓 산스 Medium" panose="02000000000000000000" pitchFamily="50" charset="-127"/>
-              </a:rPr>
-              <a:t>상속의 필요성</a:t>
-            </a:r>
-            <a:endParaRPr lang="en-US" altLang="ko-KR" sz="4800" dirty="0">
-              <a:solidFill>
-                <a:srgbClr val="4C50BC"/>
-              </a:solidFill>
-              <a:latin typeface="G마켓 산스 Medium" panose="02000000000000000000" pitchFamily="50" charset="-127"/>
-              <a:ea typeface="G마켓 산스 Medium" panose="02000000000000000000" pitchFamily="50" charset="-127"/>
-            </a:endParaRPr>
-          </a:p>
-        </p:txBody>
-      </p:sp>
-    </p:spTree>
-    <p:extLst>
-      <p:ext uri="{BB962C8B-B14F-4D97-AF65-F5344CB8AC3E}">
-        <p14:creationId xmlns:p14="http://schemas.microsoft.com/office/powerpoint/2010/main" val="2946205971"/>
-      </p:ext>
-    </p:extLst>
-  </p:cSld>
-  <p:clrMapOvr>
-    <a:masterClrMapping/>
-  </p:clrMapOvr>
-  <p:timing>
-    <p:tnLst>
-      <p:par>
-        <p:cTn id="1" dur="indefinite" restart="never" nodeType="tmRoot">
-          <p:childTnLst>
-            <p:seq concurrent="1" nextAc="seek">
-              <p:cTn id="2" dur="indefinite" nodeType="mainSeq">
-                <p:childTnLst>
-                  <p:par>
-                    <p:cTn id="3" fill="hold">
-                      <p:stCondLst>
-                        <p:cond delay="indefinite"/>
-                      </p:stCondLst>
-                      <p:childTnLst>
-                        <p:par>
-                          <p:cTn id="4" fill="hold">
-                            <p:stCondLst>
-                              <p:cond delay="0"/>
-                            </p:stCondLst>
-                            <p:childTnLst>
-                              <p:par>
-                                <p:cTn id="5" presetID="1" presetClass="entr" presetSubtype="0" fill="hold" nodeType="clickEffect">
-                                  <p:stCondLst>
-                                    <p:cond delay="0"/>
-                                  </p:stCondLst>
-                                  <p:childTnLst>
-                                    <p:set>
-                                      <p:cBhvr>
-                                        <p:cTn id="6" dur="1" fill="hold">
-                                          <p:stCondLst>
-                                            <p:cond delay="0"/>
-                                          </p:stCondLst>
-                                        </p:cTn>
-                                        <p:tgtEl>
-                                          <p:spTgt spid="19"/>
-                                        </p:tgtEl>
-                                        <p:attrNameLst>
-                                          <p:attrName>style.visibility</p:attrName>
-                                        </p:attrNameLst>
-                                      </p:cBhvr>
-                                      <p:to>
-                                        <p:strVal val="visible"/>
-                                      </p:to>
-                                    </p:set>
-                                  </p:childTnLst>
-                                </p:cTn>
-                              </p:par>
-                            </p:childTnLst>
-                          </p:cTn>
-                        </p:par>
-                      </p:childTnLst>
-                    </p:cTn>
-                  </p:par>
-                  <p:par>
-                    <p:cTn id="7" fill="hold">
-                      <p:stCondLst>
-                        <p:cond delay="indefinite"/>
-                      </p:stCondLst>
-                      <p:childTnLst>
-                        <p:par>
-                          <p:cTn id="8" fill="hold">
-                            <p:stCondLst>
-                              <p:cond delay="0"/>
-                            </p:stCondLst>
-                            <p:childTnLst>
-                              <p:par>
-                                <p:cTn id="9" presetID="1" presetClass="entr" presetSubtype="0" fill="hold" nodeType="clickEffect">
-                                  <p:stCondLst>
-                                    <p:cond delay="0"/>
-                                  </p:stCondLst>
-                                  <p:childTnLst>
-                                    <p:set>
-                                      <p:cBhvr>
-                                        <p:cTn id="10" dur="1" fill="hold">
-                                          <p:stCondLst>
-                                            <p:cond delay="0"/>
-                                          </p:stCondLst>
-                                        </p:cTn>
-                                        <p:tgtEl>
-                                          <p:spTgt spid="20"/>
-                                        </p:tgtEl>
-                                        <p:attrNameLst>
-                                          <p:attrName>style.visibility</p:attrName>
-                                        </p:attrNameLst>
-                                      </p:cBhvr>
-                                      <p:to>
-                                        <p:strVal val="visible"/>
-                                      </p:to>
-                                    </p:set>
-                                  </p:childTnLst>
-                                </p:cTn>
-                              </p:par>
-                            </p:childTnLst>
-                          </p:cTn>
-                        </p:par>
-                      </p:childTnLst>
-                    </p:cTn>
-                  </p:par>
-                  <p:par>
-                    <p:cTn id="11" fill="hold">
-                      <p:stCondLst>
-                        <p:cond delay="indefinite"/>
-                      </p:stCondLst>
-                      <p:childTnLst>
-                        <p:par>
-                          <p:cTn id="12" fill="hold">
-                            <p:stCondLst>
-                              <p:cond delay="0"/>
-                            </p:stCondLst>
-                            <p:childTnLst>
-                              <p:par>
-                                <p:cTn id="13" presetID="1" presetClass="entr" presetSubtype="0" fill="hold" nodeType="clickEffect">
-                                  <p:stCondLst>
-                                    <p:cond delay="0"/>
-                                  </p:stCondLst>
-                                  <p:childTnLst>
-                                    <p:set>
-                                      <p:cBhvr>
-                                        <p:cTn id="14" dur="1" fill="hold">
-                                          <p:stCondLst>
-                                            <p:cond delay="0"/>
-                                          </p:stCondLst>
-                                        </p:cTn>
-                                        <p:tgtEl>
-                                          <p:spTgt spid="21"/>
-                                        </p:tgtEl>
-                                        <p:attrNameLst>
-                                          <p:attrName>style.visibility</p:attrName>
-                                        </p:attrNameLst>
-                                      </p:cBhvr>
-                                      <p:to>
-                                        <p:strVal val="visible"/>
-                                      </p:to>
-                                    </p:set>
-                                  </p:childTnLst>
-                                </p:cTn>
-                              </p:par>
-                            </p:childTnLst>
-                          </p:cTn>
-                        </p:par>
-                      </p:childTnLst>
-                    </p:cTn>
-                  </p:par>
-                  <p:par>
-                    <p:cTn id="15" fill="hold">
-                      <p:stCondLst>
-                        <p:cond delay="indefinite"/>
-                      </p:stCondLst>
-                      <p:childTnLst>
-                        <p:par>
-                          <p:cTn id="16" fill="hold">
-                            <p:stCondLst>
-                              <p:cond delay="0"/>
-                            </p:stCondLst>
-                            <p:childTnLst>
-                              <p:par>
-                                <p:cTn id="17" presetID="1" presetClass="entr" presetSubtype="0" fill="hold" nodeType="clickEffect">
-                                  <p:stCondLst>
-                                    <p:cond delay="0"/>
-                                  </p:stCondLst>
-                                  <p:childTnLst>
-                                    <p:set>
-                                      <p:cBhvr>
-                                        <p:cTn id="18" dur="1" fill="hold">
-                                          <p:stCondLst>
-                                            <p:cond delay="0"/>
-                                          </p:stCondLst>
-                                        </p:cTn>
-                                        <p:tgtEl>
-                                          <p:spTgt spid="22"/>
-                                        </p:tgtEl>
-                                        <p:attrNameLst>
-                                          <p:attrName>style.visibility</p:attrName>
-                                        </p:attrNameLst>
-                                      </p:cBhvr>
-                                      <p:to>
-                                        <p:strVal val="visible"/>
-                                      </p:to>
-                                    </p:set>
-                                  </p:childTnLst>
-                                </p:cTn>
-                              </p:par>
-                            </p:childTnLst>
-                          </p:cTn>
-                        </p:par>
-                      </p:childTnLst>
-                    </p:cTn>
-                  </p:par>
-                  <p:par>
-                    <p:cTn id="19" fill="hold">
-                      <p:stCondLst>
-                        <p:cond delay="indefinite"/>
-                      </p:stCondLst>
-                      <p:childTnLst>
-                        <p:par>
-                          <p:cTn id="20" fill="hold">
-                            <p:stCondLst>
-                              <p:cond delay="0"/>
-                            </p:stCondLst>
-                            <p:childTnLst>
-                              <p:par>
-                                <p:cTn id="21" presetID="1" presetClass="entr" presetSubtype="0" fill="hold" nodeType="clickEffect">
-                                  <p:stCondLst>
-                                    <p:cond delay="0"/>
-                                  </p:stCondLst>
-                                  <p:childTnLst>
-                                    <p:set>
-                                      <p:cBhvr>
-                                        <p:cTn id="22" dur="1" fill="hold">
-                                          <p:stCondLst>
-                                            <p:cond delay="0"/>
-                                          </p:stCondLst>
-                                        </p:cTn>
-                                        <p:tgtEl>
-                                          <p:spTgt spid="23"/>
-                                        </p:tgtEl>
-                                        <p:attrNameLst>
-                                          <p:attrName>style.visibility</p:attrName>
-                                        </p:attrNameLst>
-                                      </p:cBhvr>
-                                      <p:to>
-                                        <p:strVal val="visible"/>
-                                      </p:to>
-                                    </p:set>
-                                  </p:childTnLst>
-                                </p:cTn>
-                              </p:par>
-                            </p:childTnLst>
-                          </p:cTn>
-                        </p:par>
-                      </p:childTnLst>
-                    </p:cTn>
-                  </p:par>
-                  <p:par>
-                    <p:cTn id="23" fill="hold">
-                      <p:stCondLst>
-                        <p:cond delay="indefinite"/>
-                      </p:stCondLst>
-                      <p:childTnLst>
-                        <p:par>
-                          <p:cTn id="24" fill="hold">
-                            <p:stCondLst>
-                              <p:cond delay="0"/>
-                            </p:stCondLst>
-                            <p:childTnLst>
-                              <p:par>
-                                <p:cTn id="25" presetID="1" presetClass="entr" presetSubtype="0" fill="hold" grpId="0" nodeType="clickEffect">
-                                  <p:stCondLst>
-                                    <p:cond delay="0"/>
-                                  </p:stCondLst>
-                                  <p:childTnLst>
-                                    <p:set>
-                                      <p:cBhvr>
-                                        <p:cTn id="26" dur="1" fill="hold">
-                                          <p:stCondLst>
-                                            <p:cond delay="0"/>
-                                          </p:stCondLst>
-                                        </p:cTn>
-                                        <p:tgtEl>
-                                          <p:spTgt spid="24"/>
-                                        </p:tgtEl>
-                                        <p:attrNameLst>
-                                          <p:attrName>style.visibility</p:attrName>
-                                        </p:attrNameLst>
-                                      </p:cBhvr>
-                                      <p:to>
-                                        <p:strVal val="visible"/>
-                                      </p:to>
-                                    </p:set>
-                                  </p:childTnLst>
-                                </p:cTn>
-                              </p:par>
-                            </p:childTnLst>
-                          </p:cTn>
-                        </p:par>
-                      </p:childTnLst>
-                    </p:cTn>
-                  </p:par>
-                  <p:par>
-                    <p:cTn id="27" fill="hold">
-                      <p:stCondLst>
-                        <p:cond delay="indefinite"/>
-                      </p:stCondLst>
-                      <p:childTnLst>
-                        <p:par>
-                          <p:cTn id="28" fill="hold">
-                            <p:stCondLst>
-                              <p:cond delay="0"/>
-                            </p:stCondLst>
-                            <p:childTnLst>
-                              <p:par>
-                                <p:cTn id="29" presetID="1" presetClass="entr" presetSubtype="0" fill="hold" grpId="0" nodeType="clickEffect">
-                                  <p:stCondLst>
-                                    <p:cond delay="0"/>
-                                  </p:stCondLst>
-                                  <p:childTnLst>
-                                    <p:set>
-                                      <p:cBhvr>
-                                        <p:cTn id="30" dur="1" fill="hold">
-                                          <p:stCondLst>
-                                            <p:cond delay="0"/>
-                                          </p:stCondLst>
-                                        </p:cTn>
-                                        <p:tgtEl>
-                                          <p:spTgt spid="2"/>
-                                        </p:tgtEl>
-                                        <p:attrNameLst>
-                                          <p:attrName>style.visibility</p:attrName>
-                                        </p:attrNameLst>
-                                      </p:cBhvr>
-                                      <p:to>
-                                        <p:strVal val="visible"/>
-                                      </p:to>
-                                    </p:set>
-                                  </p:childTnLst>
-                                </p:cTn>
-                              </p:par>
-                            </p:childTnLst>
-                          </p:cTn>
-                        </p:par>
-                      </p:childTnLst>
-                    </p:cTn>
-                  </p:par>
-                </p:childTnLst>
-              </p:cTn>
-              <p:prevCondLst>
-                <p:cond evt="onPrev" delay="0">
-                  <p:tgtEl>
-                    <p:sldTgt/>
-                  </p:tgtEl>
-                </p:cond>
-              </p:prevCondLst>
-              <p:nextCondLst>
-                <p:cond evt="onNext" delay="0">
-                  <p:tgtEl>
-                    <p:sldTgt/>
-                  </p:tgtEl>
-                </p:cond>
-              </p:nextCondLst>
-            </p:seq>
-          </p:childTnLst>
-        </p:cTn>
-      </p:par>
-    </p:tnLst>
-    <p:bldLst>
-      <p:bldP spid="24" grpId="0"/>
-      <p:bldP spid="2" grpId="0"/>
-    </p:bldLst>
-  </p:timing>
-</p:sld>
-</file>
-
-<file path=ppt/slides/slide40.xml><?xml version="1.0" encoding="utf-8"?>
+<file path=ppt/slides/slide42.xml><?xml version="1.0" encoding="utf-8"?>
 <p:sld xmlns:a="http://schemas.openxmlformats.org/drawingml/2006/main" xmlns:r="http://schemas.openxmlformats.org/officeDocument/2006/relationships" xmlns:p="http://schemas.openxmlformats.org/presentationml/2006/main">
   <p:cSld>
     <p:spTree>
@@ -23537,7 +24345,7 @@
 </p:sld>
 </file>
 
-<file path=ppt/slides/slide41.xml><?xml version="1.0" encoding="utf-8"?>
+<file path=ppt/slides/slide43.xml><?xml version="1.0" encoding="utf-8"?>
 <p:sld xmlns:a="http://schemas.openxmlformats.org/drawingml/2006/main" xmlns:r="http://schemas.openxmlformats.org/officeDocument/2006/relationships" xmlns:p="http://schemas.openxmlformats.org/presentationml/2006/main">
   <p:cSld>
     <p:bg>
@@ -23857,7 +24665,7 @@
 </p:sld>
 </file>
 
-<file path=ppt/slides/slide42.xml><?xml version="1.0" encoding="utf-8"?>
+<file path=ppt/slides/slide44.xml><?xml version="1.0" encoding="utf-8"?>
 <p:sld xmlns:a="http://schemas.openxmlformats.org/drawingml/2006/main" xmlns:r="http://schemas.openxmlformats.org/officeDocument/2006/relationships" xmlns:p="http://schemas.openxmlformats.org/presentationml/2006/main">
   <p:cSld>
     <p:spTree>
@@ -24278,7 +25086,7 @@
 </p:sld>
 </file>
 
-<file path=ppt/slides/slide43.xml><?xml version="1.0" encoding="utf-8"?>
+<file path=ppt/slides/slide45.xml><?xml version="1.0" encoding="utf-8"?>
 <p:sld xmlns:a="http://schemas.openxmlformats.org/drawingml/2006/main" xmlns:r="http://schemas.openxmlformats.org/officeDocument/2006/relationships" xmlns:p="http://schemas.openxmlformats.org/presentationml/2006/main">
   <p:cSld>
     <p:spTree>
@@ -24636,7 +25444,7 @@
 </p:sld>
 </file>
 
-<file path=ppt/slides/slide44.xml><?xml version="1.0" encoding="utf-8"?>
+<file path=ppt/slides/slide46.xml><?xml version="1.0" encoding="utf-8"?>
 <p:sld xmlns:a="http://schemas.openxmlformats.org/drawingml/2006/main" xmlns:r="http://schemas.openxmlformats.org/officeDocument/2006/relationships" xmlns:p="http://schemas.openxmlformats.org/presentationml/2006/main">
   <p:cSld>
     <p:spTree>
@@ -24861,7 +25669,7 @@
 </p:sld>
 </file>
 
-<file path=ppt/slides/slide45.xml><?xml version="1.0" encoding="utf-8"?>
+<file path=ppt/slides/slide47.xml><?xml version="1.0" encoding="utf-8"?>
 <p:sld xmlns:a="http://schemas.openxmlformats.org/drawingml/2006/main" xmlns:r="http://schemas.openxmlformats.org/officeDocument/2006/relationships" xmlns:p="http://schemas.openxmlformats.org/presentationml/2006/main">
   <p:cSld>
     <p:spTree>
@@ -24951,7 +25759,7 @@
 </p:sld>
 </file>
 
-<file path=ppt/slides/slide46.xml><?xml version="1.0" encoding="utf-8"?>
+<file path=ppt/slides/slide48.xml><?xml version="1.0" encoding="utf-8"?>
 <p:sld xmlns:a="http://schemas.openxmlformats.org/drawingml/2006/main" xmlns:r="http://schemas.openxmlformats.org/officeDocument/2006/relationships" xmlns:p="http://schemas.openxmlformats.org/presentationml/2006/main">
   <p:cSld>
     <p:spTree>
@@ -25746,7 +26554,7 @@
 </p:sld>
 </file>
 
-<file path=ppt/slides/slide47.xml><?xml version="1.0" encoding="utf-8"?>
+<file path=ppt/slides/slide49.xml><?xml version="1.0" encoding="utf-8"?>
 <p:sld xmlns:a="http://schemas.openxmlformats.org/drawingml/2006/main" xmlns:r="http://schemas.openxmlformats.org/officeDocument/2006/relationships" xmlns:p="http://schemas.openxmlformats.org/presentationml/2006/main">
   <p:cSld>
     <p:spTree>
@@ -25940,7 +26748,560 @@
 </p:sld>
 </file>
 
-<file path=ppt/slides/slide48.xml><?xml version="1.0" encoding="utf-8"?>
+<file path=ppt/slides/slide5.xml><?xml version="1.0" encoding="utf-8"?>
+<p:sld xmlns:a="http://schemas.openxmlformats.org/drawingml/2006/main" xmlns:r="http://schemas.openxmlformats.org/officeDocument/2006/relationships" xmlns:p="http://schemas.openxmlformats.org/presentationml/2006/main">
+  <p:cSld>
+    <p:spTree>
+      <p:nvGrpSpPr>
+        <p:cNvPr id="1" name=""/>
+        <p:cNvGrpSpPr/>
+        <p:nvPr/>
+      </p:nvGrpSpPr>
+      <p:grpSpPr>
+        <a:xfrm>
+          <a:off x="0" y="0"/>
+          <a:ext cx="0" cy="0"/>
+          <a:chOff x="0" y="0"/>
+          <a:chExt cx="0" cy="0"/>
+        </a:xfrm>
+      </p:grpSpPr>
+      <p:pic>
+        <p:nvPicPr>
+          <p:cNvPr id="4" name="그림 3">
+            <a:extLst>
+              <a:ext uri="{FF2B5EF4-FFF2-40B4-BE49-F238E27FC236}">
+                <a16:creationId xmlns:a16="http://schemas.microsoft.com/office/drawing/2014/main" id="{6A0ADFF2-14D3-9CB2-6A72-6B6A78206E3C}"/>
+              </a:ext>
+            </a:extLst>
+          </p:cNvPr>
+          <p:cNvPicPr>
+            <a:picLocks noChangeAspect="1"/>
+          </p:cNvPicPr>
+          <p:nvPr/>
+        </p:nvPicPr>
+        <p:blipFill>
+          <a:blip r:embed="rId2"/>
+          <a:stretch>
+            <a:fillRect/>
+          </a:stretch>
+        </p:blipFill>
+        <p:spPr>
+          <a:xfrm>
+            <a:off x="4263953" y="2247899"/>
+            <a:ext cx="9315785" cy="5444615"/>
+          </a:xfrm>
+          <a:prstGeom prst="rect">
+            <a:avLst/>
+          </a:prstGeom>
+        </p:spPr>
+      </p:pic>
+      <p:pic>
+        <p:nvPicPr>
+          <p:cNvPr id="5" name="그림 4">
+            <a:extLst>
+              <a:ext uri="{FF2B5EF4-FFF2-40B4-BE49-F238E27FC236}">
+                <a16:creationId xmlns:a16="http://schemas.microsoft.com/office/drawing/2014/main" id="{A4E11C87-FD2F-E07B-148B-3570F9BFEBF1}"/>
+              </a:ext>
+            </a:extLst>
+          </p:cNvPr>
+          <p:cNvPicPr>
+            <a:picLocks noChangeAspect="1"/>
+          </p:cNvPicPr>
+          <p:nvPr/>
+        </p:nvPicPr>
+        <p:blipFill>
+          <a:blip r:embed="rId3"/>
+          <a:stretch>
+            <a:fillRect/>
+          </a:stretch>
+        </p:blipFill>
+        <p:spPr>
+          <a:xfrm>
+            <a:off x="4263953" y="7896421"/>
+            <a:ext cx="5867050" cy="1950757"/>
+          </a:xfrm>
+          <a:prstGeom prst="rect">
+            <a:avLst/>
+          </a:prstGeom>
+        </p:spPr>
+      </p:pic>
+      <p:sp>
+        <p:nvSpPr>
+          <p:cNvPr id="6" name="TextBox 5">
+            <a:extLst>
+              <a:ext uri="{FF2B5EF4-FFF2-40B4-BE49-F238E27FC236}">
+                <a16:creationId xmlns:a16="http://schemas.microsoft.com/office/drawing/2014/main" id="{D933350E-EA45-3FC7-4863-E3A40CA71D63}"/>
+              </a:ext>
+            </a:extLst>
+          </p:cNvPr>
+          <p:cNvSpPr txBox="1"/>
+          <p:nvPr/>
+        </p:nvSpPr>
+        <p:spPr>
+          <a:xfrm>
+            <a:off x="10744200" y="9016181"/>
+            <a:ext cx="4343400" cy="830997"/>
+          </a:xfrm>
+          <a:prstGeom prst="rect">
+            <a:avLst/>
+          </a:prstGeom>
+          <a:noFill/>
+        </p:spPr>
+        <p:txBody>
+          <a:bodyPr wrap="square" rtlCol="0">
+            <a:spAutoFit/>
+          </a:bodyPr>
+          <a:lstStyle/>
+          <a:p>
+            <a:r>
+              <a:rPr lang="ko-KR" altLang="en-US" sz="4800" dirty="0">
+                <a:solidFill>
+                  <a:srgbClr val="4C50BC"/>
+                </a:solidFill>
+                <a:latin typeface="G마켓 산스 Medium" panose="02000000000000000000" pitchFamily="50" charset="-127"/>
+                <a:ea typeface="G마켓 산스 Medium" panose="02000000000000000000" pitchFamily="50" charset="-127"/>
+              </a:rPr>
+              <a:t>그외 유닛들 </a:t>
+            </a:r>
+            <a:r>
+              <a:rPr lang="en-US" altLang="ko-KR" sz="4800" dirty="0">
+                <a:solidFill>
+                  <a:srgbClr val="4C50BC"/>
+                </a:solidFill>
+                <a:latin typeface="G마켓 산스 Medium" panose="02000000000000000000" pitchFamily="50" charset="-127"/>
+                <a:ea typeface="G마켓 산스 Medium" panose="02000000000000000000" pitchFamily="50" charset="-127"/>
+              </a:rPr>
+              <a:t>…</a:t>
+            </a:r>
+          </a:p>
+        </p:txBody>
+      </p:sp>
+      <p:grpSp>
+        <p:nvGrpSpPr>
+          <p:cNvPr id="7" name="그룹 1018">
+            <a:extLst>
+              <a:ext uri="{FF2B5EF4-FFF2-40B4-BE49-F238E27FC236}">
+                <a16:creationId xmlns:a16="http://schemas.microsoft.com/office/drawing/2014/main" id="{3FE6F9BF-4D98-23A3-CC72-B14EE7B78804}"/>
+              </a:ext>
+            </a:extLst>
+          </p:cNvPr>
+          <p:cNvGrpSpPr/>
+          <p:nvPr/>
+        </p:nvGrpSpPr>
+        <p:grpSpPr>
+          <a:xfrm>
+            <a:off x="538876" y="2247900"/>
+            <a:ext cx="3393622" cy="1114286"/>
+            <a:chOff x="2803727" y="4828571"/>
+            <a:chExt cx="3393622" cy="1114286"/>
+          </a:xfrm>
+        </p:grpSpPr>
+        <p:pic>
+          <p:nvPicPr>
+            <p:cNvPr id="8" name="Object 61">
+              <a:extLst>
+                <a:ext uri="{FF2B5EF4-FFF2-40B4-BE49-F238E27FC236}">
+                  <a16:creationId xmlns:a16="http://schemas.microsoft.com/office/drawing/2014/main" id="{249D571A-2BF2-F01A-AC1F-F7ECD81A2ED2}"/>
+                </a:ext>
+              </a:extLst>
+            </p:cNvPr>
+            <p:cNvPicPr>
+              <a:picLocks noChangeAspect="1"/>
+            </p:cNvPicPr>
+            <p:nvPr/>
+          </p:nvPicPr>
+          <p:blipFill>
+            <a:blip r:embed="rId4" cstate="print"/>
+            <a:stretch>
+              <a:fillRect/>
+            </a:stretch>
+          </p:blipFill>
+          <p:spPr>
+            <a:xfrm>
+              <a:off x="2803727" y="4828571"/>
+              <a:ext cx="3393622" cy="1114286"/>
+            </a:xfrm>
+            <a:prstGeom prst="rect">
+              <a:avLst/>
+            </a:prstGeom>
+          </p:spPr>
+        </p:pic>
+      </p:grpSp>
+      <p:sp>
+        <p:nvSpPr>
+          <p:cNvPr id="13" name="TextBox 12">
+            <a:extLst>
+              <a:ext uri="{FF2B5EF4-FFF2-40B4-BE49-F238E27FC236}">
+                <a16:creationId xmlns:a16="http://schemas.microsoft.com/office/drawing/2014/main" id="{5B608EE0-5B12-0096-A480-1CE995285C2D}"/>
+              </a:ext>
+            </a:extLst>
+          </p:cNvPr>
+          <p:cNvSpPr txBox="1"/>
+          <p:nvPr/>
+        </p:nvSpPr>
+        <p:spPr>
+          <a:xfrm>
+            <a:off x="1189720" y="2467058"/>
+            <a:ext cx="2397156" cy="646331"/>
+          </a:xfrm>
+          <a:prstGeom prst="rect">
+            <a:avLst/>
+          </a:prstGeom>
+          <a:noFill/>
+        </p:spPr>
+        <p:txBody>
+          <a:bodyPr wrap="square" rtlCol="0">
+            <a:spAutoFit/>
+          </a:bodyPr>
+          <a:lstStyle/>
+          <a:p>
+            <a:r>
+              <a:rPr lang="en-US" altLang="ko-KR" sz="3600" dirty="0">
+                <a:solidFill>
+                  <a:srgbClr val="4D4848"/>
+                </a:solidFill>
+                <a:latin typeface="G마켓 산스 Medium" panose="02000000000000000000" pitchFamily="50" charset="-127"/>
+                <a:ea typeface="G마켓 산스 Medium" panose="02000000000000000000" pitchFamily="50" charset="-127"/>
+              </a:rPr>
+              <a:t>Marine</a:t>
+            </a:r>
+            <a:endParaRPr lang="ko-KR" altLang="en-US" sz="3600" dirty="0">
+              <a:solidFill>
+                <a:srgbClr val="4D4848"/>
+              </a:solidFill>
+              <a:latin typeface="G마켓 산스 Medium" panose="02000000000000000000" pitchFamily="50" charset="-127"/>
+              <a:ea typeface="G마켓 산스 Medium" panose="02000000000000000000" pitchFamily="50" charset="-127"/>
+            </a:endParaRPr>
+          </a:p>
+        </p:txBody>
+      </p:sp>
+      <p:sp>
+        <p:nvSpPr>
+          <p:cNvPr id="18" name="TextBox 17">
+            <a:extLst>
+              <a:ext uri="{FF2B5EF4-FFF2-40B4-BE49-F238E27FC236}">
+                <a16:creationId xmlns:a16="http://schemas.microsoft.com/office/drawing/2014/main" id="{69196D22-2A4C-4EF6-5A42-2031D7FEF549}"/>
+              </a:ext>
+            </a:extLst>
+          </p:cNvPr>
+          <p:cNvSpPr txBox="1"/>
+          <p:nvPr/>
+        </p:nvSpPr>
+        <p:spPr>
+          <a:xfrm>
+            <a:off x="304800" y="246689"/>
+            <a:ext cx="4343400" cy="923330"/>
+          </a:xfrm>
+          <a:prstGeom prst="rect">
+            <a:avLst/>
+          </a:prstGeom>
+          <a:noFill/>
+        </p:spPr>
+        <p:txBody>
+          <a:bodyPr wrap="square" rtlCol="0">
+            <a:spAutoFit/>
+          </a:bodyPr>
+          <a:lstStyle/>
+          <a:p>
+            <a:r>
+              <a:rPr lang="ko-KR" altLang="en-US" sz="5400" spc="-300" dirty="0">
+                <a:solidFill>
+                  <a:srgbClr val="4C50BC"/>
+                </a:solidFill>
+                <a:latin typeface="G마켓 산스 TTF Bold" panose="02000000000000000000" pitchFamily="2" charset="-127"/>
+                <a:ea typeface="G마켓 산스 TTF Bold" panose="02000000000000000000" pitchFamily="2" charset="-127"/>
+              </a:rPr>
+              <a:t>상속의 필요성</a:t>
+            </a:r>
+            <a:endParaRPr lang="en-US" altLang="ko-KR" sz="5400" spc="-300" dirty="0">
+              <a:solidFill>
+                <a:srgbClr val="4C50BC"/>
+              </a:solidFill>
+              <a:latin typeface="G마켓 산스 TTF Bold" panose="02000000000000000000" pitchFamily="2" charset="-127"/>
+              <a:ea typeface="G마켓 산스 TTF Bold" panose="02000000000000000000" pitchFamily="2" charset="-127"/>
+            </a:endParaRPr>
+          </a:p>
+        </p:txBody>
+      </p:sp>
+      <p:sp>
+        <p:nvSpPr>
+          <p:cNvPr id="19" name="TextBox 18">
+            <a:extLst>
+              <a:ext uri="{FF2B5EF4-FFF2-40B4-BE49-F238E27FC236}">
+                <a16:creationId xmlns:a16="http://schemas.microsoft.com/office/drawing/2014/main" id="{CD05B75A-321C-E0E6-30BB-7291450278FB}"/>
+              </a:ext>
+            </a:extLst>
+          </p:cNvPr>
+          <p:cNvSpPr txBox="1"/>
+          <p:nvPr/>
+        </p:nvSpPr>
+        <p:spPr>
+          <a:xfrm>
+            <a:off x="762000" y="1562100"/>
+            <a:ext cx="6603513" cy="707886"/>
+          </a:xfrm>
+          <a:prstGeom prst="rect">
+            <a:avLst/>
+          </a:prstGeom>
+          <a:noFill/>
+        </p:spPr>
+        <p:txBody>
+          <a:bodyPr wrap="square" rtlCol="0">
+            <a:spAutoFit/>
+          </a:bodyPr>
+          <a:lstStyle/>
+          <a:p>
+            <a:r>
+              <a:rPr lang="ko-KR" altLang="en-US" sz="4000" dirty="0">
+                <a:solidFill>
+                  <a:schemeClr val="tx1">
+                    <a:lumMod val="50000"/>
+                    <a:lumOff val="50000"/>
+                  </a:schemeClr>
+                </a:solidFill>
+                <a:latin typeface="G마켓 산스 Medium" panose="02000000000000000000" pitchFamily="50" charset="-127"/>
+                <a:ea typeface="G마켓 산스 Medium" panose="02000000000000000000" pitchFamily="50" charset="-127"/>
+              </a:rPr>
+              <a:t>중복된 멤버변수 선언</a:t>
+            </a:r>
+            <a:endParaRPr lang="en-US" altLang="ko-KR" sz="4000" dirty="0">
+              <a:solidFill>
+                <a:schemeClr val="tx1">
+                  <a:lumMod val="50000"/>
+                  <a:lumOff val="50000"/>
+                </a:schemeClr>
+              </a:solidFill>
+              <a:latin typeface="G마켓 산스 Medium" panose="02000000000000000000" pitchFamily="50" charset="-127"/>
+              <a:ea typeface="G마켓 산스 Medium" panose="02000000000000000000" pitchFamily="50" charset="-127"/>
+            </a:endParaRPr>
+          </a:p>
+        </p:txBody>
+      </p:sp>
+      <p:cxnSp>
+        <p:nvCxnSpPr>
+          <p:cNvPr id="20" name="직선 연결선 19">
+            <a:extLst>
+              <a:ext uri="{FF2B5EF4-FFF2-40B4-BE49-F238E27FC236}">
+                <a16:creationId xmlns:a16="http://schemas.microsoft.com/office/drawing/2014/main" id="{E9FCAA90-AFC4-B486-73AF-D4B508D6E51D}"/>
+              </a:ext>
+            </a:extLst>
+          </p:cNvPr>
+          <p:cNvCxnSpPr>
+            <a:cxnSpLocks/>
+          </p:cNvCxnSpPr>
+          <p:nvPr/>
+        </p:nvCxnSpPr>
+        <p:spPr>
+          <a:xfrm flipH="1">
+            <a:off x="0" y="1077686"/>
+            <a:ext cx="4267200" cy="27214"/>
+          </a:xfrm>
+          <a:prstGeom prst="line">
+            <a:avLst/>
+          </a:prstGeom>
+          <a:ln w="38100">
+            <a:solidFill>
+              <a:srgbClr val="4C50BC"/>
+            </a:solidFill>
+          </a:ln>
+        </p:spPr>
+        <p:style>
+          <a:lnRef idx="1">
+            <a:schemeClr val="accent1"/>
+          </a:lnRef>
+          <a:fillRef idx="0">
+            <a:schemeClr val="accent1"/>
+          </a:fillRef>
+          <a:effectRef idx="0">
+            <a:schemeClr val="accent1"/>
+          </a:effectRef>
+          <a:fontRef idx="minor">
+            <a:schemeClr val="tx1"/>
+          </a:fontRef>
+        </p:style>
+      </p:cxnSp>
+    </p:spTree>
+    <p:extLst>
+      <p:ext uri="{BB962C8B-B14F-4D97-AF65-F5344CB8AC3E}">
+        <p14:creationId xmlns:p14="http://schemas.microsoft.com/office/powerpoint/2010/main" val="4217144176"/>
+      </p:ext>
+    </p:extLst>
+  </p:cSld>
+  <p:clrMapOvr>
+    <a:masterClrMapping/>
+  </p:clrMapOvr>
+  <p:timing>
+    <p:tnLst>
+      <p:par>
+        <p:cTn id="1" dur="indefinite" restart="never" nodeType="tmRoot">
+          <p:childTnLst>
+            <p:seq concurrent="1" nextAc="seek">
+              <p:cTn id="2" dur="indefinite" nodeType="mainSeq">
+                <p:childTnLst>
+                  <p:par>
+                    <p:cTn id="3" fill="hold">
+                      <p:stCondLst>
+                        <p:cond delay="indefinite"/>
+                      </p:stCondLst>
+                      <p:childTnLst>
+                        <p:par>
+                          <p:cTn id="4" fill="hold">
+                            <p:stCondLst>
+                              <p:cond delay="0"/>
+                            </p:stCondLst>
+                            <p:childTnLst>
+                              <p:par>
+                                <p:cTn id="5" presetID="1" presetClass="entr" presetSubtype="0" fill="hold" nodeType="clickEffect">
+                                  <p:stCondLst>
+                                    <p:cond delay="0"/>
+                                  </p:stCondLst>
+                                  <p:childTnLst>
+                                    <p:set>
+                                      <p:cBhvr>
+                                        <p:cTn id="6" dur="1" fill="hold">
+                                          <p:stCondLst>
+                                            <p:cond delay="0"/>
+                                          </p:stCondLst>
+                                        </p:cTn>
+                                        <p:tgtEl>
+                                          <p:spTgt spid="4"/>
+                                        </p:tgtEl>
+                                        <p:attrNameLst>
+                                          <p:attrName>style.visibility</p:attrName>
+                                        </p:attrNameLst>
+                                      </p:cBhvr>
+                                      <p:to>
+                                        <p:strVal val="visible"/>
+                                      </p:to>
+                                    </p:set>
+                                  </p:childTnLst>
+                                </p:cTn>
+                              </p:par>
+                            </p:childTnLst>
+                          </p:cTn>
+                        </p:par>
+                      </p:childTnLst>
+                    </p:cTn>
+                  </p:par>
+                  <p:par>
+                    <p:cTn id="7" fill="hold">
+                      <p:stCondLst>
+                        <p:cond delay="indefinite"/>
+                      </p:stCondLst>
+                      <p:childTnLst>
+                        <p:par>
+                          <p:cTn id="8" fill="hold">
+                            <p:stCondLst>
+                              <p:cond delay="0"/>
+                            </p:stCondLst>
+                            <p:childTnLst>
+                              <p:par>
+                                <p:cTn id="9" presetID="1" presetClass="entr" presetSubtype="0" fill="hold" nodeType="clickEffect">
+                                  <p:stCondLst>
+                                    <p:cond delay="0"/>
+                                  </p:stCondLst>
+                                  <p:childTnLst>
+                                    <p:set>
+                                      <p:cBhvr>
+                                        <p:cTn id="10" dur="1" fill="hold">
+                                          <p:stCondLst>
+                                            <p:cond delay="0"/>
+                                          </p:stCondLst>
+                                        </p:cTn>
+                                        <p:tgtEl>
+                                          <p:spTgt spid="5"/>
+                                        </p:tgtEl>
+                                        <p:attrNameLst>
+                                          <p:attrName>style.visibility</p:attrName>
+                                        </p:attrNameLst>
+                                      </p:cBhvr>
+                                      <p:to>
+                                        <p:strVal val="visible"/>
+                                      </p:to>
+                                    </p:set>
+                                  </p:childTnLst>
+                                </p:cTn>
+                              </p:par>
+                            </p:childTnLst>
+                          </p:cTn>
+                        </p:par>
+                      </p:childTnLst>
+                    </p:cTn>
+                  </p:par>
+                  <p:par>
+                    <p:cTn id="11" fill="hold">
+                      <p:stCondLst>
+                        <p:cond delay="indefinite"/>
+                      </p:stCondLst>
+                      <p:childTnLst>
+                        <p:par>
+                          <p:cTn id="12" fill="hold">
+                            <p:stCondLst>
+                              <p:cond delay="0"/>
+                            </p:stCondLst>
+                            <p:childTnLst>
+                              <p:par>
+                                <p:cTn id="13" presetID="1" presetClass="entr" presetSubtype="0" fill="hold" grpId="0" nodeType="clickEffect">
+                                  <p:stCondLst>
+                                    <p:cond delay="0"/>
+                                  </p:stCondLst>
+                                  <p:childTnLst>
+                                    <p:set>
+                                      <p:cBhvr>
+                                        <p:cTn id="14" dur="1" fill="hold">
+                                          <p:stCondLst>
+                                            <p:cond delay="0"/>
+                                          </p:stCondLst>
+                                        </p:cTn>
+                                        <p:tgtEl>
+                                          <p:spTgt spid="6"/>
+                                        </p:tgtEl>
+                                        <p:attrNameLst>
+                                          <p:attrName>style.visibility</p:attrName>
+                                        </p:attrNameLst>
+                                      </p:cBhvr>
+                                      <p:to>
+                                        <p:strVal val="visible"/>
+                                      </p:to>
+                                    </p:set>
+                                  </p:childTnLst>
+                                </p:cTn>
+                              </p:par>
+                            </p:childTnLst>
+                          </p:cTn>
+                        </p:par>
+                      </p:childTnLst>
+                    </p:cTn>
+                  </p:par>
+                </p:childTnLst>
+              </p:cTn>
+              <p:prevCondLst>
+                <p:cond evt="onPrev" delay="0">
+                  <p:tgtEl>
+                    <p:sldTgt/>
+                  </p:tgtEl>
+                </p:cond>
+              </p:prevCondLst>
+              <p:nextCondLst>
+                <p:cond evt="onNext" delay="0">
+                  <p:tgtEl>
+                    <p:sldTgt/>
+                  </p:tgtEl>
+                </p:cond>
+              </p:nextCondLst>
+            </p:seq>
+          </p:childTnLst>
+        </p:cTn>
+      </p:par>
+    </p:tnLst>
+    <p:bldLst>
+      <p:bldP spid="6" grpId="0"/>
+    </p:bldLst>
+  </p:timing>
+</p:sld>
+</file>
+
+<file path=ppt/slides/slide50.xml><?xml version="1.0" encoding="utf-8"?>
 <p:sld xmlns:a="http://schemas.openxmlformats.org/drawingml/2006/main" xmlns:r="http://schemas.openxmlformats.org/officeDocument/2006/relationships" xmlns:p="http://schemas.openxmlformats.org/presentationml/2006/main">
   <p:cSld>
     <p:spTree>
@@ -26160,7 +27521,7 @@
 </p:sld>
 </file>
 
-<file path=ppt/slides/slide49.xml><?xml version="1.0" encoding="utf-8"?>
+<file path=ppt/slides/slide51.xml><?xml version="1.0" encoding="utf-8"?>
 <p:sld xmlns:a="http://schemas.openxmlformats.org/drawingml/2006/main" xmlns:r="http://schemas.openxmlformats.org/officeDocument/2006/relationships" xmlns:p="http://schemas.openxmlformats.org/presentationml/2006/main">
   <p:cSld>
     <p:spTree>
@@ -26473,606 +27834,7 @@
 </p:sld>
 </file>
 
-<file path=ppt/slides/slide5.xml><?xml version="1.0" encoding="utf-8"?>
-<p:sld xmlns:a="http://schemas.openxmlformats.org/drawingml/2006/main" xmlns:r="http://schemas.openxmlformats.org/officeDocument/2006/relationships" xmlns:p="http://schemas.openxmlformats.org/presentationml/2006/main">
-  <p:cSld>
-    <p:spTree>
-      <p:nvGrpSpPr>
-        <p:cNvPr id="1" name=""/>
-        <p:cNvGrpSpPr/>
-        <p:nvPr/>
-      </p:nvGrpSpPr>
-      <p:grpSpPr>
-        <a:xfrm>
-          <a:off x="0" y="0"/>
-          <a:ext cx="0" cy="0"/>
-          <a:chOff x="0" y="0"/>
-          <a:chExt cx="0" cy="0"/>
-        </a:xfrm>
-      </p:grpSpPr>
-      <p:grpSp>
-        <p:nvGrpSpPr>
-          <p:cNvPr id="4" name="그룹 1015">
-            <a:extLst>
-              <a:ext uri="{FF2B5EF4-FFF2-40B4-BE49-F238E27FC236}">
-                <a16:creationId xmlns:a16="http://schemas.microsoft.com/office/drawing/2014/main" id="{76F5E01D-ECD6-A51D-DC2B-05DA1EBF93C7}"/>
-              </a:ext>
-            </a:extLst>
-          </p:cNvPr>
-          <p:cNvGrpSpPr/>
-          <p:nvPr/>
-        </p:nvGrpSpPr>
-        <p:grpSpPr>
-          <a:xfrm>
-            <a:off x="7092192" y="2913503"/>
-            <a:ext cx="3753082" cy="785575"/>
-            <a:chOff x="7305119" y="3255660"/>
-            <a:chExt cx="3753082" cy="785575"/>
-          </a:xfrm>
-        </p:grpSpPr>
-        <p:pic>
-          <p:nvPicPr>
-            <p:cNvPr id="5" name="Object 52">
-              <a:extLst>
-                <a:ext uri="{FF2B5EF4-FFF2-40B4-BE49-F238E27FC236}">
-                  <a16:creationId xmlns:a16="http://schemas.microsoft.com/office/drawing/2014/main" id="{D83975B3-46BC-7686-ECA1-1D7ECFA74A69}"/>
-                </a:ext>
-              </a:extLst>
-            </p:cNvPr>
-            <p:cNvPicPr>
-              <a:picLocks noChangeAspect="1"/>
-            </p:cNvPicPr>
-            <p:nvPr/>
-          </p:nvPicPr>
-          <p:blipFill>
-            <a:blip r:embed="rId2" cstate="print"/>
-            <a:stretch>
-              <a:fillRect/>
-            </a:stretch>
-          </p:blipFill>
-          <p:spPr>
-            <a:xfrm>
-              <a:off x="7305119" y="3255660"/>
-              <a:ext cx="3753082" cy="785575"/>
-            </a:xfrm>
-            <a:prstGeom prst="rect">
-              <a:avLst/>
-            </a:prstGeom>
-          </p:spPr>
-        </p:pic>
-      </p:grpSp>
-      <p:grpSp>
-        <p:nvGrpSpPr>
-          <p:cNvPr id="6" name="그룹 1018">
-            <a:extLst>
-              <a:ext uri="{FF2B5EF4-FFF2-40B4-BE49-F238E27FC236}">
-                <a16:creationId xmlns:a16="http://schemas.microsoft.com/office/drawing/2014/main" id="{008489BA-FEFA-DE7D-B3CD-53A358B82592}"/>
-              </a:ext>
-            </a:extLst>
-          </p:cNvPr>
-          <p:cNvGrpSpPr/>
-          <p:nvPr/>
-        </p:nvGrpSpPr>
-        <p:grpSpPr>
-          <a:xfrm>
-            <a:off x="2590800" y="4486414"/>
-            <a:ext cx="3393622" cy="1114286"/>
-            <a:chOff x="2803727" y="4828571"/>
-            <a:chExt cx="3393622" cy="1114286"/>
-          </a:xfrm>
-        </p:grpSpPr>
-        <p:pic>
-          <p:nvPicPr>
-            <p:cNvPr id="7" name="Object 61">
-              <a:extLst>
-                <a:ext uri="{FF2B5EF4-FFF2-40B4-BE49-F238E27FC236}">
-                  <a16:creationId xmlns:a16="http://schemas.microsoft.com/office/drawing/2014/main" id="{9ED25BE3-45BE-AC6D-D835-4457854D2832}"/>
-                </a:ext>
-              </a:extLst>
-            </p:cNvPr>
-            <p:cNvPicPr>
-              <a:picLocks noChangeAspect="1"/>
-            </p:cNvPicPr>
-            <p:nvPr/>
-          </p:nvPicPr>
-          <p:blipFill>
-            <a:blip r:embed="rId3" cstate="print"/>
-            <a:stretch>
-              <a:fillRect/>
-            </a:stretch>
-          </p:blipFill>
-          <p:spPr>
-            <a:xfrm>
-              <a:off x="2803727" y="4828571"/>
-              <a:ext cx="3393622" cy="1114286"/>
-            </a:xfrm>
-            <a:prstGeom prst="rect">
-              <a:avLst/>
-            </a:prstGeom>
-          </p:spPr>
-        </p:pic>
-      </p:grpSp>
-      <p:grpSp>
-        <p:nvGrpSpPr>
-          <p:cNvPr id="8" name="그룹 1021">
-            <a:extLst>
-              <a:ext uri="{FF2B5EF4-FFF2-40B4-BE49-F238E27FC236}">
-                <a16:creationId xmlns:a16="http://schemas.microsoft.com/office/drawing/2014/main" id="{7FE0C0A1-ABE4-F0EA-AFC1-4622C45C99E7}"/>
-              </a:ext>
-            </a:extLst>
-          </p:cNvPr>
-          <p:cNvGrpSpPr/>
-          <p:nvPr/>
-        </p:nvGrpSpPr>
-        <p:grpSpPr>
-          <a:xfrm>
-            <a:off x="7233119" y="4486414"/>
-            <a:ext cx="3393622" cy="1114286"/>
-            <a:chOff x="7446046" y="4828571"/>
-            <a:chExt cx="3393622" cy="1114286"/>
-          </a:xfrm>
-        </p:grpSpPr>
-        <p:pic>
-          <p:nvPicPr>
-            <p:cNvPr id="9" name="Object 71">
-              <a:extLst>
-                <a:ext uri="{FF2B5EF4-FFF2-40B4-BE49-F238E27FC236}">
-                  <a16:creationId xmlns:a16="http://schemas.microsoft.com/office/drawing/2014/main" id="{CDBB7D83-509F-9F4C-0C3E-DBA2562E5520}"/>
-                </a:ext>
-              </a:extLst>
-            </p:cNvPr>
-            <p:cNvPicPr>
-              <a:picLocks noChangeAspect="1"/>
-            </p:cNvPicPr>
-            <p:nvPr/>
-          </p:nvPicPr>
-          <p:blipFill>
-            <a:blip r:embed="rId3" cstate="print"/>
-            <a:stretch>
-              <a:fillRect/>
-            </a:stretch>
-          </p:blipFill>
-          <p:spPr>
-            <a:xfrm>
-              <a:off x="7446046" y="4828571"/>
-              <a:ext cx="3393622" cy="1114286"/>
-            </a:xfrm>
-            <a:prstGeom prst="rect">
-              <a:avLst/>
-            </a:prstGeom>
-          </p:spPr>
-        </p:pic>
-      </p:grpSp>
-      <p:grpSp>
-        <p:nvGrpSpPr>
-          <p:cNvPr id="10" name="그룹 1024">
-            <a:extLst>
-              <a:ext uri="{FF2B5EF4-FFF2-40B4-BE49-F238E27FC236}">
-                <a16:creationId xmlns:a16="http://schemas.microsoft.com/office/drawing/2014/main" id="{8EB1611F-852C-9617-AEEB-CFA38FFF8001}"/>
-              </a:ext>
-            </a:extLst>
-          </p:cNvPr>
-          <p:cNvGrpSpPr/>
-          <p:nvPr/>
-        </p:nvGrpSpPr>
-        <p:grpSpPr>
-          <a:xfrm>
-            <a:off x="11875438" y="4486414"/>
-            <a:ext cx="3393622" cy="1114286"/>
-            <a:chOff x="12088365" y="4828571"/>
-            <a:chExt cx="3393622" cy="1114286"/>
-          </a:xfrm>
-        </p:grpSpPr>
-        <p:pic>
-          <p:nvPicPr>
-            <p:cNvPr id="11" name="Object 81">
-              <a:extLst>
-                <a:ext uri="{FF2B5EF4-FFF2-40B4-BE49-F238E27FC236}">
-                  <a16:creationId xmlns:a16="http://schemas.microsoft.com/office/drawing/2014/main" id="{08657582-A0DF-A5DC-A662-189C639920C8}"/>
-                </a:ext>
-              </a:extLst>
-            </p:cNvPr>
-            <p:cNvPicPr>
-              <a:picLocks noChangeAspect="1"/>
-            </p:cNvPicPr>
-            <p:nvPr/>
-          </p:nvPicPr>
-          <p:blipFill>
-            <a:blip r:embed="rId3" cstate="print"/>
-            <a:stretch>
-              <a:fillRect/>
-            </a:stretch>
-          </p:blipFill>
-          <p:spPr>
-            <a:xfrm>
-              <a:off x="12088365" y="4828571"/>
-              <a:ext cx="3393622" cy="1114286"/>
-            </a:xfrm>
-            <a:prstGeom prst="rect">
-              <a:avLst/>
-            </a:prstGeom>
-          </p:spPr>
-        </p:pic>
-      </p:grpSp>
-      <p:sp>
-        <p:nvSpPr>
-          <p:cNvPr id="12" name="TextBox 11">
-            <a:extLst>
-              <a:ext uri="{FF2B5EF4-FFF2-40B4-BE49-F238E27FC236}">
-                <a16:creationId xmlns:a16="http://schemas.microsoft.com/office/drawing/2014/main" id="{FC41B7B2-904B-813A-22B8-239E383F4360}"/>
-              </a:ext>
-            </a:extLst>
-          </p:cNvPr>
-          <p:cNvSpPr txBox="1"/>
-          <p:nvPr/>
-        </p:nvSpPr>
-        <p:spPr>
-          <a:xfrm>
-            <a:off x="8263995" y="2946640"/>
-            <a:ext cx="1946805" cy="769441"/>
-          </a:xfrm>
-          <a:prstGeom prst="rect">
-            <a:avLst/>
-          </a:prstGeom>
-          <a:noFill/>
-        </p:spPr>
-        <p:txBody>
-          <a:bodyPr wrap="square" rtlCol="0">
-            <a:spAutoFit/>
-          </a:bodyPr>
-          <a:lstStyle/>
-          <a:p>
-            <a:r>
-              <a:rPr lang="en-US" altLang="ko-KR" sz="4400">
-                <a:solidFill>
-                  <a:srgbClr val="4C50BC"/>
-                </a:solidFill>
-                <a:latin typeface="G마켓 산스 Medium" panose="02000000000000000000" pitchFamily="50" charset="-127"/>
-                <a:ea typeface="G마켓 산스 Medium" panose="02000000000000000000" pitchFamily="50" charset="-127"/>
-              </a:rPr>
-              <a:t>Unit</a:t>
-            </a:r>
-            <a:endParaRPr lang="en-US" altLang="ko-KR" sz="4400" dirty="0">
-              <a:solidFill>
-                <a:srgbClr val="4C50BC"/>
-              </a:solidFill>
-              <a:latin typeface="G마켓 산스 Medium" panose="02000000000000000000" pitchFamily="50" charset="-127"/>
-              <a:ea typeface="G마켓 산스 Medium" panose="02000000000000000000" pitchFamily="50" charset="-127"/>
-            </a:endParaRPr>
-          </a:p>
-        </p:txBody>
-      </p:sp>
-      <p:sp>
-        <p:nvSpPr>
-          <p:cNvPr id="13" name="TextBox 12">
-            <a:extLst>
-              <a:ext uri="{FF2B5EF4-FFF2-40B4-BE49-F238E27FC236}">
-                <a16:creationId xmlns:a16="http://schemas.microsoft.com/office/drawing/2014/main" id="{F68B80B8-3419-5C31-B2F2-084E536A2C1C}"/>
-              </a:ext>
-            </a:extLst>
-          </p:cNvPr>
-          <p:cNvSpPr txBox="1"/>
-          <p:nvPr/>
-        </p:nvSpPr>
-        <p:spPr>
-          <a:xfrm>
-            <a:off x="3241645" y="4705572"/>
-            <a:ext cx="1936749" cy="646331"/>
-          </a:xfrm>
-          <a:prstGeom prst="rect">
-            <a:avLst/>
-          </a:prstGeom>
-          <a:noFill/>
-        </p:spPr>
-        <p:txBody>
-          <a:bodyPr wrap="none" rtlCol="0">
-            <a:spAutoFit/>
-          </a:bodyPr>
-          <a:lstStyle/>
-          <a:p>
-            <a:r>
-              <a:rPr lang="en-US" altLang="ko-KR" sz="3600">
-                <a:solidFill>
-                  <a:srgbClr val="4D4848"/>
-                </a:solidFill>
-                <a:latin typeface="G마켓 산스 Medium" panose="02000000000000000000" pitchFamily="50" charset="-127"/>
-                <a:ea typeface="G마켓 산스 Medium" panose="02000000000000000000" pitchFamily="50" charset="-127"/>
-              </a:rPr>
-              <a:t>Marine</a:t>
-            </a:r>
-            <a:endParaRPr lang="ko-KR" altLang="en-US" sz="2800" dirty="0">
-              <a:solidFill>
-                <a:srgbClr val="4D4848"/>
-              </a:solidFill>
-              <a:latin typeface="G마켓 산스 Medium" panose="02000000000000000000" pitchFamily="50" charset="-127"/>
-              <a:ea typeface="G마켓 산스 Medium" panose="02000000000000000000" pitchFamily="50" charset="-127"/>
-            </a:endParaRPr>
-          </a:p>
-        </p:txBody>
-      </p:sp>
-      <p:sp>
-        <p:nvSpPr>
-          <p:cNvPr id="14" name="TextBox 13">
-            <a:extLst>
-              <a:ext uri="{FF2B5EF4-FFF2-40B4-BE49-F238E27FC236}">
-                <a16:creationId xmlns:a16="http://schemas.microsoft.com/office/drawing/2014/main" id="{CB471B39-052C-65D2-3069-C74FA7421876}"/>
-              </a:ext>
-            </a:extLst>
-          </p:cNvPr>
-          <p:cNvSpPr txBox="1"/>
-          <p:nvPr/>
-        </p:nvSpPr>
-        <p:spPr>
-          <a:xfrm>
-            <a:off x="7888580" y="4684228"/>
-            <a:ext cx="2274982" cy="646331"/>
-          </a:xfrm>
-          <a:prstGeom prst="rect">
-            <a:avLst/>
-          </a:prstGeom>
-          <a:noFill/>
-        </p:spPr>
-        <p:txBody>
-          <a:bodyPr wrap="none" rtlCol="0">
-            <a:spAutoFit/>
-          </a:bodyPr>
-          <a:lstStyle/>
-          <a:p>
-            <a:r>
-              <a:rPr lang="en-US" altLang="ko-KR" sz="3600">
-                <a:solidFill>
-                  <a:srgbClr val="4D4848"/>
-                </a:solidFill>
-                <a:latin typeface="G마켓 산스 Medium" panose="02000000000000000000" pitchFamily="50" charset="-127"/>
-                <a:ea typeface="G마켓 산스 Medium" panose="02000000000000000000" pitchFamily="50" charset="-127"/>
-              </a:rPr>
-              <a:t>Zergling</a:t>
-            </a:r>
-            <a:endParaRPr lang="ko-KR" altLang="en-US" sz="2800" dirty="0">
-              <a:solidFill>
-                <a:srgbClr val="4D4848"/>
-              </a:solidFill>
-              <a:latin typeface="G마켓 산스 Medium" panose="02000000000000000000" pitchFamily="50" charset="-127"/>
-              <a:ea typeface="G마켓 산스 Medium" panose="02000000000000000000" pitchFamily="50" charset="-127"/>
-            </a:endParaRPr>
-          </a:p>
-        </p:txBody>
-      </p:sp>
-      <p:sp>
-        <p:nvSpPr>
-          <p:cNvPr id="15" name="TextBox 14">
-            <a:extLst>
-              <a:ext uri="{FF2B5EF4-FFF2-40B4-BE49-F238E27FC236}">
-                <a16:creationId xmlns:a16="http://schemas.microsoft.com/office/drawing/2014/main" id="{4A7E270B-9322-EABD-3A34-4D211B23AD38}"/>
-              </a:ext>
-            </a:extLst>
-          </p:cNvPr>
-          <p:cNvSpPr txBox="1"/>
-          <p:nvPr/>
-        </p:nvSpPr>
-        <p:spPr>
-          <a:xfrm>
-            <a:off x="12470834" y="4705572"/>
-            <a:ext cx="1787669" cy="646331"/>
-          </a:xfrm>
-          <a:prstGeom prst="rect">
-            <a:avLst/>
-          </a:prstGeom>
-          <a:noFill/>
-        </p:spPr>
-        <p:txBody>
-          <a:bodyPr wrap="none" rtlCol="0">
-            <a:spAutoFit/>
-          </a:bodyPr>
-          <a:lstStyle/>
-          <a:p>
-            <a:r>
-              <a:rPr lang="en-US" altLang="ko-KR" sz="3600">
-                <a:solidFill>
-                  <a:srgbClr val="4D4848"/>
-                </a:solidFill>
-                <a:latin typeface="G마켓 산스 Medium" panose="02000000000000000000" pitchFamily="50" charset="-127"/>
-                <a:ea typeface="G마켓 산스 Medium" panose="02000000000000000000" pitchFamily="50" charset="-127"/>
-              </a:rPr>
-              <a:t>Zealot</a:t>
-            </a:r>
-            <a:endParaRPr lang="ko-KR" altLang="en-US" sz="2800" dirty="0">
-              <a:solidFill>
-                <a:srgbClr val="4D4848"/>
-              </a:solidFill>
-              <a:latin typeface="G마켓 산스 Medium" panose="02000000000000000000" pitchFamily="50" charset="-127"/>
-              <a:ea typeface="G마켓 산스 Medium" panose="02000000000000000000" pitchFamily="50" charset="-127"/>
-            </a:endParaRPr>
-          </a:p>
-        </p:txBody>
-      </p:sp>
-      <p:cxnSp>
-        <p:nvCxnSpPr>
-          <p:cNvPr id="16" name="직선 화살표 연결선 15">
-            <a:extLst>
-              <a:ext uri="{FF2B5EF4-FFF2-40B4-BE49-F238E27FC236}">
-                <a16:creationId xmlns:a16="http://schemas.microsoft.com/office/drawing/2014/main" id="{174A1CAB-41DB-CBE5-A53E-D1E78982E7D5}"/>
-              </a:ext>
-            </a:extLst>
-          </p:cNvPr>
-          <p:cNvCxnSpPr>
-            <a:cxnSpLocks/>
-            <a:endCxn id="7" idx="0"/>
-          </p:cNvCxnSpPr>
-          <p:nvPr/>
-        </p:nvCxnSpPr>
-        <p:spPr>
-          <a:xfrm flipH="1">
-            <a:off x="4287611" y="3372128"/>
-            <a:ext cx="2722789" cy="1114286"/>
-          </a:xfrm>
-          <a:prstGeom prst="straightConnector1">
-            <a:avLst/>
-          </a:prstGeom>
-          <a:ln w="38100">
-            <a:tailEnd type="triangle"/>
-          </a:ln>
-        </p:spPr>
-        <p:style>
-          <a:lnRef idx="1">
-            <a:schemeClr val="accent2"/>
-          </a:lnRef>
-          <a:fillRef idx="0">
-            <a:schemeClr val="accent2"/>
-          </a:fillRef>
-          <a:effectRef idx="0">
-            <a:schemeClr val="accent2"/>
-          </a:effectRef>
-          <a:fontRef idx="minor">
-            <a:schemeClr val="tx1"/>
-          </a:fontRef>
-        </p:style>
-      </p:cxnSp>
-      <p:cxnSp>
-        <p:nvCxnSpPr>
-          <p:cNvPr id="17" name="직선 화살표 연결선 16">
-            <a:extLst>
-              <a:ext uri="{FF2B5EF4-FFF2-40B4-BE49-F238E27FC236}">
-                <a16:creationId xmlns:a16="http://schemas.microsoft.com/office/drawing/2014/main" id="{404BE807-8974-325D-28CE-80CBD5A23FD9}"/>
-              </a:ext>
-            </a:extLst>
-          </p:cNvPr>
-          <p:cNvCxnSpPr>
-            <a:cxnSpLocks/>
-          </p:cNvCxnSpPr>
-          <p:nvPr/>
-        </p:nvCxnSpPr>
-        <p:spPr>
-          <a:xfrm>
-            <a:off x="9024489" y="3732215"/>
-            <a:ext cx="6086" cy="681872"/>
-          </a:xfrm>
-          <a:prstGeom prst="straightConnector1">
-            <a:avLst/>
-          </a:prstGeom>
-          <a:ln w="38100">
-            <a:tailEnd type="triangle"/>
-          </a:ln>
-        </p:spPr>
-        <p:style>
-          <a:lnRef idx="1">
-            <a:schemeClr val="accent2"/>
-          </a:lnRef>
-          <a:fillRef idx="0">
-            <a:schemeClr val="accent2"/>
-          </a:fillRef>
-          <a:effectRef idx="0">
-            <a:schemeClr val="accent2"/>
-          </a:effectRef>
-          <a:fontRef idx="minor">
-            <a:schemeClr val="tx1"/>
-          </a:fontRef>
-        </p:style>
-      </p:cxnSp>
-      <p:cxnSp>
-        <p:nvCxnSpPr>
-          <p:cNvPr id="18" name="직선 화살표 연결선 17">
-            <a:extLst>
-              <a:ext uri="{FF2B5EF4-FFF2-40B4-BE49-F238E27FC236}">
-                <a16:creationId xmlns:a16="http://schemas.microsoft.com/office/drawing/2014/main" id="{8238D4B2-69F6-F17A-0286-66A8FB197956}"/>
-              </a:ext>
-            </a:extLst>
-          </p:cNvPr>
-          <p:cNvCxnSpPr>
-            <a:cxnSpLocks/>
-            <a:endCxn id="11" idx="0"/>
-          </p:cNvCxnSpPr>
-          <p:nvPr/>
-        </p:nvCxnSpPr>
-        <p:spPr>
-          <a:xfrm>
-            <a:off x="10876735" y="3331360"/>
-            <a:ext cx="2695514" cy="1155054"/>
-          </a:xfrm>
-          <a:prstGeom prst="straightConnector1">
-            <a:avLst/>
-          </a:prstGeom>
-          <a:ln w="38100">
-            <a:tailEnd type="triangle"/>
-          </a:ln>
-        </p:spPr>
-        <p:style>
-          <a:lnRef idx="1">
-            <a:schemeClr val="accent2"/>
-          </a:lnRef>
-          <a:fillRef idx="0">
-            <a:schemeClr val="accent2"/>
-          </a:fillRef>
-          <a:effectRef idx="0">
-            <a:schemeClr val="accent2"/>
-          </a:effectRef>
-          <a:fontRef idx="minor">
-            <a:schemeClr val="tx1"/>
-          </a:fontRef>
-        </p:style>
-      </p:cxnSp>
-      <p:pic>
-        <p:nvPicPr>
-          <p:cNvPr id="19" name="그림 18"/>
-          <p:cNvPicPr>
-            <a:picLocks noChangeAspect="1"/>
-          </p:cNvPicPr>
-          <p:nvPr/>
-        </p:nvPicPr>
-        <p:blipFill>
-          <a:blip r:embed="rId4"/>
-          <a:stretch>
-            <a:fillRect/>
-          </a:stretch>
-        </p:blipFill>
-        <p:spPr>
-          <a:xfrm>
-            <a:off x="2971800" y="495300"/>
-            <a:ext cx="5568233" cy="2165424"/>
-          </a:xfrm>
-          <a:prstGeom prst="rect">
-            <a:avLst/>
-          </a:prstGeom>
-        </p:spPr>
-      </p:pic>
-      <p:pic>
-        <p:nvPicPr>
-          <p:cNvPr id="2" name="그림 1"/>
-          <p:cNvPicPr>
-            <a:picLocks noChangeAspect="1"/>
-          </p:cNvPicPr>
-          <p:nvPr/>
-        </p:nvPicPr>
-        <p:blipFill>
-          <a:blip r:embed="rId5"/>
-          <a:stretch>
-            <a:fillRect/>
-          </a:stretch>
-        </p:blipFill>
-        <p:spPr>
-          <a:xfrm>
-            <a:off x="9033910" y="495300"/>
-            <a:ext cx="7870212" cy="2148062"/>
-          </a:xfrm>
-          <a:prstGeom prst="rect">
-            <a:avLst/>
-          </a:prstGeom>
-        </p:spPr>
-      </p:pic>
-    </p:spTree>
-    <p:extLst>
-      <p:ext uri="{BB962C8B-B14F-4D97-AF65-F5344CB8AC3E}">
-        <p14:creationId xmlns:p14="http://schemas.microsoft.com/office/powerpoint/2010/main" val="3737422770"/>
-      </p:ext>
-    </p:extLst>
-  </p:cSld>
-  <p:clrMapOvr>
-    <a:masterClrMapping/>
-  </p:clrMapOvr>
-</p:sld>
-</file>
-
-<file path=ppt/slides/slide50.xml><?xml version="1.0" encoding="utf-8"?>
+<file path=ppt/slides/slide52.xml><?xml version="1.0" encoding="utf-8"?>
 <p:sld xmlns:a="http://schemas.openxmlformats.org/drawingml/2006/main" xmlns:r="http://schemas.openxmlformats.org/officeDocument/2006/relationships" xmlns:p="http://schemas.openxmlformats.org/presentationml/2006/main">
   <p:cSld>
     <p:spTree>
@@ -27202,7 +27964,7 @@
 </p:sld>
 </file>
 
-<file path=ppt/slides/slide51.xml><?xml version="1.0" encoding="utf-8"?>
+<file path=ppt/slides/slide53.xml><?xml version="1.0" encoding="utf-8"?>
 <p:sld xmlns:a="http://schemas.openxmlformats.org/drawingml/2006/main" xmlns:r="http://schemas.openxmlformats.org/officeDocument/2006/relationships" xmlns:p="http://schemas.openxmlformats.org/presentationml/2006/main">
   <p:cSld>
     <p:spTree>
@@ -28375,7 +29137,7 @@
 </p:sld>
 </file>
 
-<file path=ppt/slides/slide52.xml><?xml version="1.0" encoding="utf-8"?>
+<file path=ppt/slides/slide54.xml><?xml version="1.0" encoding="utf-8"?>
 <p:sld xmlns:a="http://schemas.openxmlformats.org/drawingml/2006/main" xmlns:r="http://schemas.openxmlformats.org/officeDocument/2006/relationships" xmlns:p="http://schemas.openxmlformats.org/presentationml/2006/main">
   <p:cSld>
     <p:spTree>
@@ -28511,7 +29273,7 @@
 </p:sld>
 </file>
 
-<file path=ppt/slides/slide53.xml><?xml version="1.0" encoding="utf-8"?>
+<file path=ppt/slides/slide55.xml><?xml version="1.0" encoding="utf-8"?>
 <p:sld xmlns:a="http://schemas.openxmlformats.org/drawingml/2006/main" xmlns:r="http://schemas.openxmlformats.org/officeDocument/2006/relationships" xmlns:p="http://schemas.openxmlformats.org/presentationml/2006/main">
   <p:cSld>
     <p:spTree>
@@ -28612,7 +29374,7 @@
 </p:sld>
 </file>
 
-<file path=ppt/slides/slide54.xml><?xml version="1.0" encoding="utf-8"?>
+<file path=ppt/slides/slide56.xml><?xml version="1.0" encoding="utf-8"?>
 <p:sld xmlns:a="http://schemas.openxmlformats.org/drawingml/2006/main" xmlns:r="http://schemas.openxmlformats.org/officeDocument/2006/relationships" xmlns:p="http://schemas.openxmlformats.org/presentationml/2006/main">
   <p:cSld>
     <p:spTree>
@@ -28642,7 +29404,7 @@
 </p:sld>
 </file>
 
-<file path=ppt/slides/slide55.xml><?xml version="1.0" encoding="utf-8"?>
+<file path=ppt/slides/slide57.xml><?xml version="1.0" encoding="utf-8"?>
 <p:sld xmlns:a="http://schemas.openxmlformats.org/drawingml/2006/main" xmlns:r="http://schemas.openxmlformats.org/officeDocument/2006/relationships" xmlns:p="http://schemas.openxmlformats.org/presentationml/2006/main">
   <p:cSld>
     <p:spTree>
@@ -28772,7 +29534,7 @@
 </p:sld>
 </file>
 
-<file path=ppt/slides/slide56.xml><?xml version="1.0" encoding="utf-8"?>
+<file path=ppt/slides/slide58.xml><?xml version="1.0" encoding="utf-8"?>
 <p:sld xmlns:a="http://schemas.openxmlformats.org/drawingml/2006/main" xmlns:r="http://schemas.openxmlformats.org/officeDocument/2006/relationships" xmlns:p="http://schemas.openxmlformats.org/presentationml/2006/main">
   <p:cSld>
     <p:spTree>
@@ -29153,7 +29915,7 @@
 </p:sld>
 </file>
 
-<file path=ppt/slides/slide57.xml><?xml version="1.0" encoding="utf-8"?>
+<file path=ppt/slides/slide59.xml><?xml version="1.0" encoding="utf-8"?>
 <p:sld xmlns:a="http://schemas.openxmlformats.org/drawingml/2006/main" xmlns:r="http://schemas.openxmlformats.org/officeDocument/2006/relationships" xmlns:p="http://schemas.openxmlformats.org/presentationml/2006/main">
   <p:cSld>
     <p:spTree>
@@ -29516,7 +30278,654 @@
 </p:sld>
 </file>
 
-<file path=ppt/slides/slide58.xml><?xml version="1.0" encoding="utf-8"?>
+<file path=ppt/slides/slide6.xml><?xml version="1.0" encoding="utf-8"?>
+<p:sld xmlns:a="http://schemas.openxmlformats.org/drawingml/2006/main" xmlns:r="http://schemas.openxmlformats.org/officeDocument/2006/relationships" xmlns:p="http://schemas.openxmlformats.org/presentationml/2006/main">
+  <p:cSld>
+    <p:spTree>
+      <p:nvGrpSpPr>
+        <p:cNvPr id="1" name=""/>
+        <p:cNvGrpSpPr/>
+        <p:nvPr/>
+      </p:nvGrpSpPr>
+      <p:grpSpPr>
+        <a:xfrm>
+          <a:off x="0" y="0"/>
+          <a:ext cx="0" cy="0"/>
+          <a:chOff x="0" y="0"/>
+          <a:chExt cx="0" cy="0"/>
+        </a:xfrm>
+      </p:grpSpPr>
+      <p:grpSp>
+        <p:nvGrpSpPr>
+          <p:cNvPr id="4" name="그룹 1015">
+            <a:extLst>
+              <a:ext uri="{FF2B5EF4-FFF2-40B4-BE49-F238E27FC236}">
+                <a16:creationId xmlns:a16="http://schemas.microsoft.com/office/drawing/2014/main" id="{76F5E01D-ECD6-A51D-DC2B-05DA1EBF93C7}"/>
+              </a:ext>
+            </a:extLst>
+          </p:cNvPr>
+          <p:cNvGrpSpPr/>
+          <p:nvPr/>
+        </p:nvGrpSpPr>
+        <p:grpSpPr>
+          <a:xfrm>
+            <a:off x="6799670" y="4970903"/>
+            <a:ext cx="3753082" cy="785575"/>
+            <a:chOff x="7305119" y="3255660"/>
+            <a:chExt cx="3753082" cy="785575"/>
+          </a:xfrm>
+        </p:grpSpPr>
+        <p:pic>
+          <p:nvPicPr>
+            <p:cNvPr id="5" name="Object 52">
+              <a:extLst>
+                <a:ext uri="{FF2B5EF4-FFF2-40B4-BE49-F238E27FC236}">
+                  <a16:creationId xmlns:a16="http://schemas.microsoft.com/office/drawing/2014/main" id="{D83975B3-46BC-7686-ECA1-1D7ECFA74A69}"/>
+                </a:ext>
+              </a:extLst>
+            </p:cNvPr>
+            <p:cNvPicPr>
+              <a:picLocks noChangeAspect="1"/>
+            </p:cNvPicPr>
+            <p:nvPr/>
+          </p:nvPicPr>
+          <p:blipFill>
+            <a:blip r:embed="rId2" cstate="print"/>
+            <a:stretch>
+              <a:fillRect/>
+            </a:stretch>
+          </p:blipFill>
+          <p:spPr>
+            <a:xfrm>
+              <a:off x="7305119" y="3255660"/>
+              <a:ext cx="3753082" cy="785575"/>
+            </a:xfrm>
+            <a:prstGeom prst="rect">
+              <a:avLst/>
+            </a:prstGeom>
+          </p:spPr>
+        </p:pic>
+      </p:grpSp>
+      <p:grpSp>
+        <p:nvGrpSpPr>
+          <p:cNvPr id="6" name="그룹 1018">
+            <a:extLst>
+              <a:ext uri="{FF2B5EF4-FFF2-40B4-BE49-F238E27FC236}">
+                <a16:creationId xmlns:a16="http://schemas.microsoft.com/office/drawing/2014/main" id="{008489BA-FEFA-DE7D-B3CD-53A358B82592}"/>
+              </a:ext>
+            </a:extLst>
+          </p:cNvPr>
+          <p:cNvGrpSpPr/>
+          <p:nvPr/>
+        </p:nvGrpSpPr>
+        <p:grpSpPr>
+          <a:xfrm>
+            <a:off x="2298278" y="6543814"/>
+            <a:ext cx="3393622" cy="1114286"/>
+            <a:chOff x="2803727" y="4828571"/>
+            <a:chExt cx="3393622" cy="1114286"/>
+          </a:xfrm>
+        </p:grpSpPr>
+        <p:pic>
+          <p:nvPicPr>
+            <p:cNvPr id="7" name="Object 61">
+              <a:extLst>
+                <a:ext uri="{FF2B5EF4-FFF2-40B4-BE49-F238E27FC236}">
+                  <a16:creationId xmlns:a16="http://schemas.microsoft.com/office/drawing/2014/main" id="{9ED25BE3-45BE-AC6D-D835-4457854D2832}"/>
+                </a:ext>
+              </a:extLst>
+            </p:cNvPr>
+            <p:cNvPicPr>
+              <a:picLocks noChangeAspect="1"/>
+            </p:cNvPicPr>
+            <p:nvPr/>
+          </p:nvPicPr>
+          <p:blipFill>
+            <a:blip r:embed="rId3" cstate="print"/>
+            <a:stretch>
+              <a:fillRect/>
+            </a:stretch>
+          </p:blipFill>
+          <p:spPr>
+            <a:xfrm>
+              <a:off x="2803727" y="4828571"/>
+              <a:ext cx="3393622" cy="1114286"/>
+            </a:xfrm>
+            <a:prstGeom prst="rect">
+              <a:avLst/>
+            </a:prstGeom>
+          </p:spPr>
+        </p:pic>
+      </p:grpSp>
+      <p:grpSp>
+        <p:nvGrpSpPr>
+          <p:cNvPr id="8" name="그룹 1021">
+            <a:extLst>
+              <a:ext uri="{FF2B5EF4-FFF2-40B4-BE49-F238E27FC236}">
+                <a16:creationId xmlns:a16="http://schemas.microsoft.com/office/drawing/2014/main" id="{7FE0C0A1-ABE4-F0EA-AFC1-4622C45C99E7}"/>
+              </a:ext>
+            </a:extLst>
+          </p:cNvPr>
+          <p:cNvGrpSpPr/>
+          <p:nvPr/>
+        </p:nvGrpSpPr>
+        <p:grpSpPr>
+          <a:xfrm>
+            <a:off x="6940597" y="6543814"/>
+            <a:ext cx="3393622" cy="1114286"/>
+            <a:chOff x="7446046" y="4828571"/>
+            <a:chExt cx="3393622" cy="1114286"/>
+          </a:xfrm>
+        </p:grpSpPr>
+        <p:pic>
+          <p:nvPicPr>
+            <p:cNvPr id="9" name="Object 71">
+              <a:extLst>
+                <a:ext uri="{FF2B5EF4-FFF2-40B4-BE49-F238E27FC236}">
+                  <a16:creationId xmlns:a16="http://schemas.microsoft.com/office/drawing/2014/main" id="{CDBB7D83-509F-9F4C-0C3E-DBA2562E5520}"/>
+                </a:ext>
+              </a:extLst>
+            </p:cNvPr>
+            <p:cNvPicPr>
+              <a:picLocks noChangeAspect="1"/>
+            </p:cNvPicPr>
+            <p:nvPr/>
+          </p:nvPicPr>
+          <p:blipFill>
+            <a:blip r:embed="rId3" cstate="print"/>
+            <a:stretch>
+              <a:fillRect/>
+            </a:stretch>
+          </p:blipFill>
+          <p:spPr>
+            <a:xfrm>
+              <a:off x="7446046" y="4828571"/>
+              <a:ext cx="3393622" cy="1114286"/>
+            </a:xfrm>
+            <a:prstGeom prst="rect">
+              <a:avLst/>
+            </a:prstGeom>
+          </p:spPr>
+        </p:pic>
+      </p:grpSp>
+      <p:grpSp>
+        <p:nvGrpSpPr>
+          <p:cNvPr id="10" name="그룹 1024">
+            <a:extLst>
+              <a:ext uri="{FF2B5EF4-FFF2-40B4-BE49-F238E27FC236}">
+                <a16:creationId xmlns:a16="http://schemas.microsoft.com/office/drawing/2014/main" id="{8EB1611F-852C-9617-AEEB-CFA38FFF8001}"/>
+              </a:ext>
+            </a:extLst>
+          </p:cNvPr>
+          <p:cNvGrpSpPr/>
+          <p:nvPr/>
+        </p:nvGrpSpPr>
+        <p:grpSpPr>
+          <a:xfrm>
+            <a:off x="11582916" y="6543814"/>
+            <a:ext cx="3393622" cy="1114286"/>
+            <a:chOff x="12088365" y="4828571"/>
+            <a:chExt cx="3393622" cy="1114286"/>
+          </a:xfrm>
+        </p:grpSpPr>
+        <p:pic>
+          <p:nvPicPr>
+            <p:cNvPr id="11" name="Object 81">
+              <a:extLst>
+                <a:ext uri="{FF2B5EF4-FFF2-40B4-BE49-F238E27FC236}">
+                  <a16:creationId xmlns:a16="http://schemas.microsoft.com/office/drawing/2014/main" id="{08657582-A0DF-A5DC-A662-189C639920C8}"/>
+                </a:ext>
+              </a:extLst>
+            </p:cNvPr>
+            <p:cNvPicPr>
+              <a:picLocks noChangeAspect="1"/>
+            </p:cNvPicPr>
+            <p:nvPr/>
+          </p:nvPicPr>
+          <p:blipFill>
+            <a:blip r:embed="rId3" cstate="print"/>
+            <a:stretch>
+              <a:fillRect/>
+            </a:stretch>
+          </p:blipFill>
+          <p:spPr>
+            <a:xfrm>
+              <a:off x="12088365" y="4828571"/>
+              <a:ext cx="3393622" cy="1114286"/>
+            </a:xfrm>
+            <a:prstGeom prst="rect">
+              <a:avLst/>
+            </a:prstGeom>
+          </p:spPr>
+        </p:pic>
+      </p:grpSp>
+      <p:sp>
+        <p:nvSpPr>
+          <p:cNvPr id="12" name="TextBox 11">
+            <a:extLst>
+              <a:ext uri="{FF2B5EF4-FFF2-40B4-BE49-F238E27FC236}">
+                <a16:creationId xmlns:a16="http://schemas.microsoft.com/office/drawing/2014/main" id="{FC41B7B2-904B-813A-22B8-239E383F4360}"/>
+              </a:ext>
+            </a:extLst>
+          </p:cNvPr>
+          <p:cNvSpPr txBox="1"/>
+          <p:nvPr/>
+        </p:nvSpPr>
+        <p:spPr>
+          <a:xfrm>
+            <a:off x="7971473" y="5004040"/>
+            <a:ext cx="1946805" cy="769441"/>
+          </a:xfrm>
+          <a:prstGeom prst="rect">
+            <a:avLst/>
+          </a:prstGeom>
+          <a:noFill/>
+        </p:spPr>
+        <p:txBody>
+          <a:bodyPr wrap="square" rtlCol="0">
+            <a:spAutoFit/>
+          </a:bodyPr>
+          <a:lstStyle/>
+          <a:p>
+            <a:r>
+              <a:rPr lang="en-US" altLang="ko-KR" sz="4400">
+                <a:solidFill>
+                  <a:srgbClr val="4C50BC"/>
+                </a:solidFill>
+                <a:latin typeface="G마켓 산스 Medium" panose="02000000000000000000" pitchFamily="50" charset="-127"/>
+                <a:ea typeface="G마켓 산스 Medium" panose="02000000000000000000" pitchFamily="50" charset="-127"/>
+              </a:rPr>
+              <a:t>Unit</a:t>
+            </a:r>
+            <a:endParaRPr lang="en-US" altLang="ko-KR" sz="4400" dirty="0">
+              <a:solidFill>
+                <a:srgbClr val="4C50BC"/>
+              </a:solidFill>
+              <a:latin typeface="G마켓 산스 Medium" panose="02000000000000000000" pitchFamily="50" charset="-127"/>
+              <a:ea typeface="G마켓 산스 Medium" panose="02000000000000000000" pitchFamily="50" charset="-127"/>
+            </a:endParaRPr>
+          </a:p>
+        </p:txBody>
+      </p:sp>
+      <p:sp>
+        <p:nvSpPr>
+          <p:cNvPr id="13" name="TextBox 12">
+            <a:extLst>
+              <a:ext uri="{FF2B5EF4-FFF2-40B4-BE49-F238E27FC236}">
+                <a16:creationId xmlns:a16="http://schemas.microsoft.com/office/drawing/2014/main" id="{F68B80B8-3419-5C31-B2F2-084E536A2C1C}"/>
+              </a:ext>
+            </a:extLst>
+          </p:cNvPr>
+          <p:cNvSpPr txBox="1"/>
+          <p:nvPr/>
+        </p:nvSpPr>
+        <p:spPr>
+          <a:xfrm>
+            <a:off x="2949123" y="6762972"/>
+            <a:ext cx="1936749" cy="646331"/>
+          </a:xfrm>
+          <a:prstGeom prst="rect">
+            <a:avLst/>
+          </a:prstGeom>
+          <a:noFill/>
+        </p:spPr>
+        <p:txBody>
+          <a:bodyPr wrap="none" rtlCol="0">
+            <a:spAutoFit/>
+          </a:bodyPr>
+          <a:lstStyle/>
+          <a:p>
+            <a:r>
+              <a:rPr lang="en-US" altLang="ko-KR" sz="3600">
+                <a:solidFill>
+                  <a:srgbClr val="4D4848"/>
+                </a:solidFill>
+                <a:latin typeface="G마켓 산스 Medium" panose="02000000000000000000" pitchFamily="50" charset="-127"/>
+                <a:ea typeface="G마켓 산스 Medium" panose="02000000000000000000" pitchFamily="50" charset="-127"/>
+              </a:rPr>
+              <a:t>Marine</a:t>
+            </a:r>
+            <a:endParaRPr lang="ko-KR" altLang="en-US" sz="2800" dirty="0">
+              <a:solidFill>
+                <a:srgbClr val="4D4848"/>
+              </a:solidFill>
+              <a:latin typeface="G마켓 산스 Medium" panose="02000000000000000000" pitchFamily="50" charset="-127"/>
+              <a:ea typeface="G마켓 산스 Medium" panose="02000000000000000000" pitchFamily="50" charset="-127"/>
+            </a:endParaRPr>
+          </a:p>
+        </p:txBody>
+      </p:sp>
+      <p:sp>
+        <p:nvSpPr>
+          <p:cNvPr id="14" name="TextBox 13">
+            <a:extLst>
+              <a:ext uri="{FF2B5EF4-FFF2-40B4-BE49-F238E27FC236}">
+                <a16:creationId xmlns:a16="http://schemas.microsoft.com/office/drawing/2014/main" id="{CB471B39-052C-65D2-3069-C74FA7421876}"/>
+              </a:ext>
+            </a:extLst>
+          </p:cNvPr>
+          <p:cNvSpPr txBox="1"/>
+          <p:nvPr/>
+        </p:nvSpPr>
+        <p:spPr>
+          <a:xfrm>
+            <a:off x="7596058" y="6741628"/>
+            <a:ext cx="2274982" cy="646331"/>
+          </a:xfrm>
+          <a:prstGeom prst="rect">
+            <a:avLst/>
+          </a:prstGeom>
+          <a:noFill/>
+        </p:spPr>
+        <p:txBody>
+          <a:bodyPr wrap="none" rtlCol="0">
+            <a:spAutoFit/>
+          </a:bodyPr>
+          <a:lstStyle/>
+          <a:p>
+            <a:r>
+              <a:rPr lang="en-US" altLang="ko-KR" sz="3600">
+                <a:solidFill>
+                  <a:srgbClr val="4D4848"/>
+                </a:solidFill>
+                <a:latin typeface="G마켓 산스 Medium" panose="02000000000000000000" pitchFamily="50" charset="-127"/>
+                <a:ea typeface="G마켓 산스 Medium" panose="02000000000000000000" pitchFamily="50" charset="-127"/>
+              </a:rPr>
+              <a:t>Zergling</a:t>
+            </a:r>
+            <a:endParaRPr lang="ko-KR" altLang="en-US" sz="2800" dirty="0">
+              <a:solidFill>
+                <a:srgbClr val="4D4848"/>
+              </a:solidFill>
+              <a:latin typeface="G마켓 산스 Medium" panose="02000000000000000000" pitchFamily="50" charset="-127"/>
+              <a:ea typeface="G마켓 산스 Medium" panose="02000000000000000000" pitchFamily="50" charset="-127"/>
+            </a:endParaRPr>
+          </a:p>
+        </p:txBody>
+      </p:sp>
+      <p:sp>
+        <p:nvSpPr>
+          <p:cNvPr id="15" name="TextBox 14">
+            <a:extLst>
+              <a:ext uri="{FF2B5EF4-FFF2-40B4-BE49-F238E27FC236}">
+                <a16:creationId xmlns:a16="http://schemas.microsoft.com/office/drawing/2014/main" id="{4A7E270B-9322-EABD-3A34-4D211B23AD38}"/>
+              </a:ext>
+            </a:extLst>
+          </p:cNvPr>
+          <p:cNvSpPr txBox="1"/>
+          <p:nvPr/>
+        </p:nvSpPr>
+        <p:spPr>
+          <a:xfrm>
+            <a:off x="12178312" y="6762972"/>
+            <a:ext cx="1787669" cy="646331"/>
+          </a:xfrm>
+          <a:prstGeom prst="rect">
+            <a:avLst/>
+          </a:prstGeom>
+          <a:noFill/>
+        </p:spPr>
+        <p:txBody>
+          <a:bodyPr wrap="none" rtlCol="0">
+            <a:spAutoFit/>
+          </a:bodyPr>
+          <a:lstStyle/>
+          <a:p>
+            <a:r>
+              <a:rPr lang="en-US" altLang="ko-KR" sz="3600">
+                <a:solidFill>
+                  <a:srgbClr val="4D4848"/>
+                </a:solidFill>
+                <a:latin typeface="G마켓 산스 Medium" panose="02000000000000000000" pitchFamily="50" charset="-127"/>
+                <a:ea typeface="G마켓 산스 Medium" panose="02000000000000000000" pitchFamily="50" charset="-127"/>
+              </a:rPr>
+              <a:t>Zealot</a:t>
+            </a:r>
+            <a:endParaRPr lang="ko-KR" altLang="en-US" sz="2800" dirty="0">
+              <a:solidFill>
+                <a:srgbClr val="4D4848"/>
+              </a:solidFill>
+              <a:latin typeface="G마켓 산스 Medium" panose="02000000000000000000" pitchFamily="50" charset="-127"/>
+              <a:ea typeface="G마켓 산스 Medium" panose="02000000000000000000" pitchFamily="50" charset="-127"/>
+            </a:endParaRPr>
+          </a:p>
+        </p:txBody>
+      </p:sp>
+      <p:cxnSp>
+        <p:nvCxnSpPr>
+          <p:cNvPr id="16" name="직선 화살표 연결선 15">
+            <a:extLst>
+              <a:ext uri="{FF2B5EF4-FFF2-40B4-BE49-F238E27FC236}">
+                <a16:creationId xmlns:a16="http://schemas.microsoft.com/office/drawing/2014/main" id="{174A1CAB-41DB-CBE5-A53E-D1E78982E7D5}"/>
+              </a:ext>
+            </a:extLst>
+          </p:cNvPr>
+          <p:cNvCxnSpPr>
+            <a:cxnSpLocks/>
+            <a:endCxn id="7" idx="0"/>
+          </p:cNvCxnSpPr>
+          <p:nvPr/>
+        </p:nvCxnSpPr>
+        <p:spPr>
+          <a:xfrm flipH="1">
+            <a:off x="3995089" y="5429528"/>
+            <a:ext cx="2722789" cy="1114286"/>
+          </a:xfrm>
+          <a:prstGeom prst="straightConnector1">
+            <a:avLst/>
+          </a:prstGeom>
+          <a:ln w="38100">
+            <a:tailEnd type="triangle"/>
+          </a:ln>
+        </p:spPr>
+        <p:style>
+          <a:lnRef idx="1">
+            <a:schemeClr val="accent2"/>
+          </a:lnRef>
+          <a:fillRef idx="0">
+            <a:schemeClr val="accent2"/>
+          </a:fillRef>
+          <a:effectRef idx="0">
+            <a:schemeClr val="accent2"/>
+          </a:effectRef>
+          <a:fontRef idx="minor">
+            <a:schemeClr val="tx1"/>
+          </a:fontRef>
+        </p:style>
+      </p:cxnSp>
+      <p:cxnSp>
+        <p:nvCxnSpPr>
+          <p:cNvPr id="17" name="직선 화살표 연결선 16">
+            <a:extLst>
+              <a:ext uri="{FF2B5EF4-FFF2-40B4-BE49-F238E27FC236}">
+                <a16:creationId xmlns:a16="http://schemas.microsoft.com/office/drawing/2014/main" id="{404BE807-8974-325D-28CE-80CBD5A23FD9}"/>
+              </a:ext>
+            </a:extLst>
+          </p:cNvPr>
+          <p:cNvCxnSpPr>
+            <a:cxnSpLocks/>
+          </p:cNvCxnSpPr>
+          <p:nvPr/>
+        </p:nvCxnSpPr>
+        <p:spPr>
+          <a:xfrm>
+            <a:off x="8731967" y="5789615"/>
+            <a:ext cx="6086" cy="681872"/>
+          </a:xfrm>
+          <a:prstGeom prst="straightConnector1">
+            <a:avLst/>
+          </a:prstGeom>
+          <a:ln w="38100">
+            <a:tailEnd type="triangle"/>
+          </a:ln>
+        </p:spPr>
+        <p:style>
+          <a:lnRef idx="1">
+            <a:schemeClr val="accent2"/>
+          </a:lnRef>
+          <a:fillRef idx="0">
+            <a:schemeClr val="accent2"/>
+          </a:fillRef>
+          <a:effectRef idx="0">
+            <a:schemeClr val="accent2"/>
+          </a:effectRef>
+          <a:fontRef idx="minor">
+            <a:schemeClr val="tx1"/>
+          </a:fontRef>
+        </p:style>
+      </p:cxnSp>
+      <p:cxnSp>
+        <p:nvCxnSpPr>
+          <p:cNvPr id="18" name="직선 화살표 연결선 17">
+            <a:extLst>
+              <a:ext uri="{FF2B5EF4-FFF2-40B4-BE49-F238E27FC236}">
+                <a16:creationId xmlns:a16="http://schemas.microsoft.com/office/drawing/2014/main" id="{8238D4B2-69F6-F17A-0286-66A8FB197956}"/>
+              </a:ext>
+            </a:extLst>
+          </p:cNvPr>
+          <p:cNvCxnSpPr>
+            <a:cxnSpLocks/>
+            <a:endCxn id="11" idx="0"/>
+          </p:cNvCxnSpPr>
+          <p:nvPr/>
+        </p:nvCxnSpPr>
+        <p:spPr>
+          <a:xfrm>
+            <a:off x="10584213" y="5388760"/>
+            <a:ext cx="2695514" cy="1155054"/>
+          </a:xfrm>
+          <a:prstGeom prst="straightConnector1">
+            <a:avLst/>
+          </a:prstGeom>
+          <a:ln w="38100">
+            <a:tailEnd type="triangle"/>
+          </a:ln>
+        </p:spPr>
+        <p:style>
+          <a:lnRef idx="1">
+            <a:schemeClr val="accent2"/>
+          </a:lnRef>
+          <a:fillRef idx="0">
+            <a:schemeClr val="accent2"/>
+          </a:fillRef>
+          <a:effectRef idx="0">
+            <a:schemeClr val="accent2"/>
+          </a:effectRef>
+          <a:fontRef idx="minor">
+            <a:schemeClr val="tx1"/>
+          </a:fontRef>
+        </p:style>
+      </p:cxnSp>
+      <p:pic>
+        <p:nvPicPr>
+          <p:cNvPr id="19" name="그림 18"/>
+          <p:cNvPicPr>
+            <a:picLocks noChangeAspect="1"/>
+          </p:cNvPicPr>
+          <p:nvPr/>
+        </p:nvPicPr>
+        <p:blipFill>
+          <a:blip r:embed="rId4"/>
+          <a:stretch>
+            <a:fillRect/>
+          </a:stretch>
+        </p:blipFill>
+        <p:spPr>
+          <a:xfrm>
+            <a:off x="2679278" y="2552700"/>
+            <a:ext cx="5568233" cy="2165424"/>
+          </a:xfrm>
+          <a:prstGeom prst="rect">
+            <a:avLst/>
+          </a:prstGeom>
+        </p:spPr>
+      </p:pic>
+      <p:pic>
+        <p:nvPicPr>
+          <p:cNvPr id="2" name="그림 1"/>
+          <p:cNvPicPr>
+            <a:picLocks noChangeAspect="1"/>
+          </p:cNvPicPr>
+          <p:nvPr/>
+        </p:nvPicPr>
+        <p:blipFill>
+          <a:blip r:embed="rId5"/>
+          <a:stretch>
+            <a:fillRect/>
+          </a:stretch>
+        </p:blipFill>
+        <p:spPr>
+          <a:xfrm>
+            <a:off x="8741388" y="2552700"/>
+            <a:ext cx="7870212" cy="2148062"/>
+          </a:xfrm>
+          <a:prstGeom prst="rect">
+            <a:avLst/>
+          </a:prstGeom>
+        </p:spPr>
+      </p:pic>
+      <p:sp>
+        <p:nvSpPr>
+          <p:cNvPr id="3" name="TextBox 2">
+            <a:extLst>
+              <a:ext uri="{FF2B5EF4-FFF2-40B4-BE49-F238E27FC236}">
+                <a16:creationId xmlns:a16="http://schemas.microsoft.com/office/drawing/2014/main" id="{4EA4CBB7-DCA5-40F3-0C3E-62CE280A751F}"/>
+              </a:ext>
+            </a:extLst>
+          </p:cNvPr>
+          <p:cNvSpPr txBox="1"/>
+          <p:nvPr/>
+        </p:nvSpPr>
+        <p:spPr>
+          <a:xfrm>
+            <a:off x="304800" y="246689"/>
+            <a:ext cx="4343400" cy="830997"/>
+          </a:xfrm>
+          <a:prstGeom prst="rect">
+            <a:avLst/>
+          </a:prstGeom>
+          <a:noFill/>
+        </p:spPr>
+        <p:txBody>
+          <a:bodyPr wrap="square" rtlCol="0">
+            <a:spAutoFit/>
+          </a:bodyPr>
+          <a:lstStyle/>
+          <a:p>
+            <a:r>
+              <a:rPr lang="ko-KR" altLang="en-US" sz="4800" dirty="0">
+                <a:solidFill>
+                  <a:srgbClr val="4C50BC"/>
+                </a:solidFill>
+                <a:latin typeface="G마켓 산스 TTF Bold" panose="02000000000000000000" pitchFamily="2" charset="-127"/>
+                <a:ea typeface="G마켓 산스 TTF Bold" panose="02000000000000000000" pitchFamily="2" charset="-127"/>
+              </a:rPr>
+              <a:t>상속</a:t>
+            </a:r>
+            <a:endParaRPr lang="en-US" altLang="ko-KR" sz="4800" dirty="0">
+              <a:solidFill>
+                <a:srgbClr val="4C50BC"/>
+              </a:solidFill>
+              <a:latin typeface="G마켓 산스 TTF Bold" panose="02000000000000000000" pitchFamily="2" charset="-127"/>
+              <a:ea typeface="G마켓 산스 TTF Bold" panose="02000000000000000000" pitchFamily="2" charset="-127"/>
+            </a:endParaRPr>
+          </a:p>
+        </p:txBody>
+      </p:sp>
+    </p:spTree>
+    <p:extLst>
+      <p:ext uri="{BB962C8B-B14F-4D97-AF65-F5344CB8AC3E}">
+        <p14:creationId xmlns:p14="http://schemas.microsoft.com/office/powerpoint/2010/main" val="3737422770"/>
+      </p:ext>
+    </p:extLst>
+  </p:cSld>
+  <p:clrMapOvr>
+    <a:masterClrMapping/>
+  </p:clrMapOvr>
+</p:sld>
+</file>
+
+<file path=ppt/slides/slide60.xml><?xml version="1.0" encoding="utf-8"?>
 <p:sld xmlns:a="http://schemas.openxmlformats.org/drawingml/2006/main" xmlns:r="http://schemas.openxmlformats.org/officeDocument/2006/relationships" xmlns:p="http://schemas.openxmlformats.org/presentationml/2006/main">
   <p:cSld>
     <p:spTree>
@@ -29811,7 +31220,7 @@
 </p:sld>
 </file>
 
-<file path=ppt/slides/slide59.xml><?xml version="1.0" encoding="utf-8"?>
+<file path=ppt/slides/slide61.xml><?xml version="1.0" encoding="utf-8"?>
 <p:sld xmlns:a="http://schemas.openxmlformats.org/drawingml/2006/main" xmlns:r="http://schemas.openxmlformats.org/officeDocument/2006/relationships" xmlns:p="http://schemas.openxmlformats.org/presentationml/2006/main">
   <p:cSld>
     <p:spTree>
@@ -30281,778 +31690,7 @@
 </p:sld>
 </file>
 
-<file path=ppt/slides/slide6.xml><?xml version="1.0" encoding="utf-8"?>
-<p:sld xmlns:a="http://schemas.openxmlformats.org/drawingml/2006/main" xmlns:r="http://schemas.openxmlformats.org/officeDocument/2006/relationships" xmlns:p="http://schemas.openxmlformats.org/presentationml/2006/main">
-  <p:cSld>
-    <p:spTree>
-      <p:nvGrpSpPr>
-        <p:cNvPr id="1" name=""/>
-        <p:cNvGrpSpPr/>
-        <p:nvPr/>
-      </p:nvGrpSpPr>
-      <p:grpSpPr>
-        <a:xfrm>
-          <a:off x="0" y="0"/>
-          <a:ext cx="0" cy="0"/>
-          <a:chOff x="0" y="0"/>
-          <a:chExt cx="0" cy="0"/>
-        </a:xfrm>
-      </p:grpSpPr>
-      <p:sp>
-        <p:nvSpPr>
-          <p:cNvPr id="4" name="TextBox 3">
-            <a:extLst>
-              <a:ext uri="{FF2B5EF4-FFF2-40B4-BE49-F238E27FC236}">
-                <a16:creationId xmlns:a16="http://schemas.microsoft.com/office/drawing/2014/main" id="{DF7DDD33-9412-2802-339A-E55446AC2DA7}"/>
-              </a:ext>
-            </a:extLst>
-          </p:cNvPr>
-          <p:cNvSpPr txBox="1"/>
-          <p:nvPr/>
-        </p:nvSpPr>
-        <p:spPr>
-          <a:xfrm>
-            <a:off x="762000" y="257508"/>
-            <a:ext cx="1518364" cy="923330"/>
-          </a:xfrm>
-          <a:prstGeom prst="rect">
-            <a:avLst/>
-          </a:prstGeom>
-          <a:noFill/>
-        </p:spPr>
-        <p:txBody>
-          <a:bodyPr wrap="none" rtlCol="0">
-            <a:spAutoFit/>
-          </a:bodyPr>
-          <a:lstStyle/>
-          <a:p>
-            <a:r>
-              <a:rPr lang="ko-KR" altLang="en-US" sz="5400" dirty="0">
-                <a:solidFill>
-                  <a:srgbClr val="4C50BC"/>
-                </a:solidFill>
-                <a:latin typeface="G마켓 산스 Bold"/>
-                <a:ea typeface="G마켓 산스 Medium" panose="02000000000000000000" pitchFamily="50" charset="-127"/>
-              </a:rPr>
-              <a:t>상속</a:t>
-            </a:r>
-          </a:p>
-        </p:txBody>
-      </p:sp>
-      <p:pic>
-        <p:nvPicPr>
-          <p:cNvPr id="5" name="그림 4"/>
-          <p:cNvPicPr>
-            <a:picLocks noChangeAspect="1"/>
-          </p:cNvPicPr>
-          <p:nvPr/>
-        </p:nvPicPr>
-        <p:blipFill>
-          <a:blip r:embed="rId2"/>
-          <a:stretch>
-            <a:fillRect/>
-          </a:stretch>
-        </p:blipFill>
-        <p:spPr>
-          <a:xfrm>
-            <a:off x="1905001" y="1257300"/>
-            <a:ext cx="5631442" cy="2895600"/>
-          </a:xfrm>
-          <a:prstGeom prst="rect">
-            <a:avLst/>
-          </a:prstGeom>
-        </p:spPr>
-      </p:pic>
-      <p:pic>
-        <p:nvPicPr>
-          <p:cNvPr id="6" name="그림 5"/>
-          <p:cNvPicPr>
-            <a:picLocks noChangeAspect="1"/>
-          </p:cNvPicPr>
-          <p:nvPr/>
-        </p:nvPicPr>
-        <p:blipFill>
-          <a:blip r:embed="rId3"/>
-          <a:stretch>
-            <a:fillRect/>
-          </a:stretch>
-        </p:blipFill>
-        <p:spPr>
-          <a:xfrm>
-            <a:off x="1905000" y="6057900"/>
-            <a:ext cx="5666563" cy="4038600"/>
-          </a:xfrm>
-          <a:prstGeom prst="rect">
-            <a:avLst/>
-          </a:prstGeom>
-        </p:spPr>
-      </p:pic>
-      <p:grpSp>
-        <p:nvGrpSpPr>
-          <p:cNvPr id="7" name="그룹 1008">
-            <a:extLst>
-              <a:ext uri="{FF2B5EF4-FFF2-40B4-BE49-F238E27FC236}">
-                <a16:creationId xmlns:a16="http://schemas.microsoft.com/office/drawing/2014/main" id="{E395BDE3-2EDE-065D-70E8-56E348228ACF}"/>
-              </a:ext>
-            </a:extLst>
-          </p:cNvPr>
-          <p:cNvGrpSpPr/>
-          <p:nvPr/>
-        </p:nvGrpSpPr>
-        <p:grpSpPr>
-          <a:xfrm rot="5400000">
-            <a:off x="4015661" y="4533901"/>
-            <a:ext cx="914401" cy="914400"/>
-            <a:chOff x="9011713" y="5350533"/>
-            <a:chExt cx="720996" cy="587007"/>
-          </a:xfrm>
-        </p:grpSpPr>
-        <p:grpSp>
-          <p:nvGrpSpPr>
-            <p:cNvPr id="8" name="그룹 1009">
-              <a:extLst>
-                <a:ext uri="{FF2B5EF4-FFF2-40B4-BE49-F238E27FC236}">
-                  <a16:creationId xmlns:a16="http://schemas.microsoft.com/office/drawing/2014/main" id="{852F4DEB-DB33-DB3F-9E9F-52A46CD0B10A}"/>
-                </a:ext>
-              </a:extLst>
-            </p:cNvPr>
-            <p:cNvGrpSpPr/>
-            <p:nvPr/>
-          </p:nvGrpSpPr>
-          <p:grpSpPr>
-            <a:xfrm>
-              <a:off x="9440725" y="5350533"/>
-              <a:ext cx="291983" cy="587007"/>
-              <a:chOff x="9440725" y="5350533"/>
-              <a:chExt cx="291983" cy="587007"/>
-            </a:xfrm>
-          </p:grpSpPr>
-          <p:pic>
-            <p:nvPicPr>
-              <p:cNvPr id="13" name="Object 29">
-                <a:extLst>
-                  <a:ext uri="{FF2B5EF4-FFF2-40B4-BE49-F238E27FC236}">
-                    <a16:creationId xmlns:a16="http://schemas.microsoft.com/office/drawing/2014/main" id="{7E353D3B-14D4-8A64-5888-3F0C062C2CDD}"/>
-                  </a:ext>
-                </a:extLst>
-              </p:cNvPr>
-              <p:cNvPicPr>
-                <a:picLocks noChangeAspect="1"/>
-              </p:cNvPicPr>
-              <p:nvPr/>
-            </p:nvPicPr>
-            <p:blipFill>
-              <a:blip r:embed="rId4" cstate="print"/>
-              <a:stretch>
-                <a:fillRect/>
-              </a:stretch>
-            </p:blipFill>
-            <p:spPr>
-              <a:xfrm rot="-10800000">
-                <a:off x="9440725" y="5350533"/>
-                <a:ext cx="291983" cy="587007"/>
-              </a:xfrm>
-              <a:prstGeom prst="rect">
-                <a:avLst/>
-              </a:prstGeom>
-            </p:spPr>
-          </p:pic>
-        </p:grpSp>
-        <p:grpSp>
-          <p:nvGrpSpPr>
-            <p:cNvPr id="9" name="그룹 1010">
-              <a:extLst>
-                <a:ext uri="{FF2B5EF4-FFF2-40B4-BE49-F238E27FC236}">
-                  <a16:creationId xmlns:a16="http://schemas.microsoft.com/office/drawing/2014/main" id="{001E38AB-1390-ABD0-BE01-9727136FEAEE}"/>
-                </a:ext>
-              </a:extLst>
-            </p:cNvPr>
-            <p:cNvGrpSpPr/>
-            <p:nvPr/>
-          </p:nvGrpSpPr>
-          <p:grpSpPr>
-            <a:xfrm>
-              <a:off x="9226219" y="5350533"/>
-              <a:ext cx="291983" cy="587007"/>
-              <a:chOff x="9226219" y="5350533"/>
-              <a:chExt cx="291983" cy="587007"/>
-            </a:xfrm>
-          </p:grpSpPr>
-          <p:pic>
-            <p:nvPicPr>
-              <p:cNvPr id="12" name="Object 32">
-                <a:extLst>
-                  <a:ext uri="{FF2B5EF4-FFF2-40B4-BE49-F238E27FC236}">
-                    <a16:creationId xmlns:a16="http://schemas.microsoft.com/office/drawing/2014/main" id="{2ED1C30F-0D0B-F86C-8215-2598D332B5A3}"/>
-                  </a:ext>
-                </a:extLst>
-              </p:cNvPr>
-              <p:cNvPicPr>
-                <a:picLocks noChangeAspect="1"/>
-              </p:cNvPicPr>
-              <p:nvPr/>
-            </p:nvPicPr>
-            <p:blipFill>
-              <a:blip r:embed="rId5" cstate="print"/>
-              <a:stretch>
-                <a:fillRect/>
-              </a:stretch>
-            </p:blipFill>
-            <p:spPr>
-              <a:xfrm rot="-10800000">
-                <a:off x="9226219" y="5350533"/>
-                <a:ext cx="291983" cy="587007"/>
-              </a:xfrm>
-              <a:prstGeom prst="rect">
-                <a:avLst/>
-              </a:prstGeom>
-            </p:spPr>
-          </p:pic>
-        </p:grpSp>
-        <p:grpSp>
-          <p:nvGrpSpPr>
-            <p:cNvPr id="10" name="그룹 1011">
-              <a:extLst>
-                <a:ext uri="{FF2B5EF4-FFF2-40B4-BE49-F238E27FC236}">
-                  <a16:creationId xmlns:a16="http://schemas.microsoft.com/office/drawing/2014/main" id="{1BCB8DE5-ABAF-4198-BC16-85BB76F2DB24}"/>
-                </a:ext>
-              </a:extLst>
-            </p:cNvPr>
-            <p:cNvGrpSpPr/>
-            <p:nvPr/>
-          </p:nvGrpSpPr>
-          <p:grpSpPr>
-            <a:xfrm>
-              <a:off x="9011713" y="5350533"/>
-              <a:ext cx="291983" cy="587007"/>
-              <a:chOff x="9011713" y="5350533"/>
-              <a:chExt cx="291983" cy="587007"/>
-            </a:xfrm>
-          </p:grpSpPr>
-          <p:pic>
-            <p:nvPicPr>
-              <p:cNvPr id="11" name="Object 35">
-                <a:extLst>
-                  <a:ext uri="{FF2B5EF4-FFF2-40B4-BE49-F238E27FC236}">
-                    <a16:creationId xmlns:a16="http://schemas.microsoft.com/office/drawing/2014/main" id="{86E7BA23-0A1E-B581-CADC-06AB269DB2BD}"/>
-                  </a:ext>
-                </a:extLst>
-              </p:cNvPr>
-              <p:cNvPicPr>
-                <a:picLocks noChangeAspect="1"/>
-              </p:cNvPicPr>
-              <p:nvPr/>
-            </p:nvPicPr>
-            <p:blipFill>
-              <a:blip r:embed="rId6" cstate="print"/>
-              <a:stretch>
-                <a:fillRect/>
-              </a:stretch>
-            </p:blipFill>
-            <p:spPr>
-              <a:xfrm rot="-10800000">
-                <a:off x="9011713" y="5350533"/>
-                <a:ext cx="291983" cy="587007"/>
-              </a:xfrm>
-              <a:prstGeom prst="rect">
-                <a:avLst/>
-              </a:prstGeom>
-            </p:spPr>
-          </p:pic>
-        </p:grpSp>
-      </p:grpSp>
-      <p:sp>
-        <p:nvSpPr>
-          <p:cNvPr id="14" name="직사각형 13">
-            <a:extLst>
-              <a:ext uri="{FF2B5EF4-FFF2-40B4-BE49-F238E27FC236}">
-                <a16:creationId xmlns:a16="http://schemas.microsoft.com/office/drawing/2014/main" id="{FFF506F9-840A-0508-4CAF-3AC711D8D5CE}"/>
-              </a:ext>
-            </a:extLst>
-          </p:cNvPr>
-          <p:cNvSpPr/>
-          <p:nvPr/>
-        </p:nvSpPr>
-        <p:spPr>
-          <a:xfrm>
-            <a:off x="5234863" y="6210300"/>
-            <a:ext cx="1981200" cy="381000"/>
-          </a:xfrm>
-          <a:prstGeom prst="rect">
-            <a:avLst/>
-          </a:prstGeom>
-          <a:noFill/>
-          <a:ln>
-            <a:solidFill>
-              <a:srgbClr val="FF0000"/>
-            </a:solidFill>
-          </a:ln>
-        </p:spPr>
-        <p:style>
-          <a:lnRef idx="2">
-            <a:schemeClr val="accent2">
-              <a:shade val="50000"/>
-            </a:schemeClr>
-          </a:lnRef>
-          <a:fillRef idx="1">
-            <a:schemeClr val="accent2"/>
-          </a:fillRef>
-          <a:effectRef idx="0">
-            <a:schemeClr val="accent2"/>
-          </a:effectRef>
-          <a:fontRef idx="minor">
-            <a:schemeClr val="lt1"/>
-          </a:fontRef>
-        </p:style>
-        <p:txBody>
-          <a:bodyPr rtlCol="0" anchor="ctr"/>
-          <a:lstStyle/>
-          <a:p>
-            <a:pPr algn="ctr"/>
-            <a:endParaRPr lang="ko-KR" altLang="en-US"/>
-          </a:p>
-        </p:txBody>
-      </p:sp>
-      <p:pic>
-        <p:nvPicPr>
-          <p:cNvPr id="15" name="그림 14"/>
-          <p:cNvPicPr>
-            <a:picLocks noChangeAspect="1"/>
-          </p:cNvPicPr>
-          <p:nvPr/>
-        </p:nvPicPr>
-        <p:blipFill>
-          <a:blip r:embed="rId7"/>
-          <a:stretch>
-            <a:fillRect/>
-          </a:stretch>
-        </p:blipFill>
-        <p:spPr>
-          <a:xfrm>
-            <a:off x="8821901" y="6057900"/>
-            <a:ext cx="5785562" cy="3995554"/>
-          </a:xfrm>
-          <a:prstGeom prst="rect">
-            <a:avLst/>
-          </a:prstGeom>
-        </p:spPr>
-      </p:pic>
-      <p:sp>
-        <p:nvSpPr>
-          <p:cNvPr id="16" name="직사각형 15">
-            <a:extLst>
-              <a:ext uri="{FF2B5EF4-FFF2-40B4-BE49-F238E27FC236}">
-                <a16:creationId xmlns:a16="http://schemas.microsoft.com/office/drawing/2014/main" id="{FFF506F9-840A-0508-4CAF-3AC711D8D5CE}"/>
-              </a:ext>
-            </a:extLst>
-          </p:cNvPr>
-          <p:cNvSpPr/>
-          <p:nvPr/>
-        </p:nvSpPr>
-        <p:spPr>
-          <a:xfrm>
-            <a:off x="10340263" y="9182100"/>
-            <a:ext cx="1600200" cy="381000"/>
-          </a:xfrm>
-          <a:prstGeom prst="rect">
-            <a:avLst/>
-          </a:prstGeom>
-          <a:noFill/>
-          <a:ln>
-            <a:solidFill>
-              <a:srgbClr val="FF0000"/>
-            </a:solidFill>
-          </a:ln>
-        </p:spPr>
-        <p:style>
-          <a:lnRef idx="2">
-            <a:schemeClr val="accent2">
-              <a:shade val="50000"/>
-            </a:schemeClr>
-          </a:lnRef>
-          <a:fillRef idx="1">
-            <a:schemeClr val="accent2"/>
-          </a:fillRef>
-          <a:effectRef idx="0">
-            <a:schemeClr val="accent2"/>
-          </a:effectRef>
-          <a:fontRef idx="minor">
-            <a:schemeClr val="lt1"/>
-          </a:fontRef>
-        </p:style>
-        <p:txBody>
-          <a:bodyPr rtlCol="0" anchor="ctr"/>
-          <a:lstStyle/>
-          <a:p>
-            <a:pPr algn="ctr"/>
-            <a:endParaRPr lang="ko-KR" altLang="en-US"/>
-          </a:p>
-        </p:txBody>
-      </p:sp>
-      <p:sp>
-        <p:nvSpPr>
-          <p:cNvPr id="17" name="TextBox 16">
-            <a:extLst>
-              <a:ext uri="{FF2B5EF4-FFF2-40B4-BE49-F238E27FC236}">
-                <a16:creationId xmlns:a16="http://schemas.microsoft.com/office/drawing/2014/main" id="{A2AD056B-97A4-5BCC-4460-250160F3E171}"/>
-              </a:ext>
-            </a:extLst>
-          </p:cNvPr>
-          <p:cNvSpPr txBox="1"/>
-          <p:nvPr/>
-        </p:nvSpPr>
-        <p:spPr>
-          <a:xfrm>
-            <a:off x="8435263" y="1113830"/>
-            <a:ext cx="10210800" cy="1323439"/>
-          </a:xfrm>
-          <a:prstGeom prst="rect">
-            <a:avLst/>
-          </a:prstGeom>
-          <a:noFill/>
-        </p:spPr>
-        <p:txBody>
-          <a:bodyPr wrap="square" rtlCol="0">
-            <a:spAutoFit/>
-          </a:bodyPr>
-          <a:lstStyle/>
-          <a:p>
-            <a:r>
-              <a:rPr lang="en-US" altLang="ko-KR" sz="4000">
-                <a:solidFill>
-                  <a:schemeClr val="tx1">
-                    <a:lumMod val="50000"/>
-                    <a:lumOff val="50000"/>
-                  </a:schemeClr>
-                </a:solidFill>
-                <a:latin typeface="G마켓 산스 Medium" panose="02000000000000000000" pitchFamily="50" charset="-127"/>
-                <a:ea typeface="G마켓 산스 Medium" panose="02000000000000000000" pitchFamily="50" charset="-127"/>
-              </a:rPr>
-              <a:t>1. </a:t>
-            </a:r>
-            <a:r>
-              <a:rPr lang="ko-KR" altLang="en-US" sz="4000">
-                <a:solidFill>
-                  <a:schemeClr val="tx1">
-                    <a:lumMod val="50000"/>
-                    <a:lumOff val="50000"/>
-                  </a:schemeClr>
-                </a:solidFill>
-                <a:latin typeface="G마켓 산스 Medium" panose="02000000000000000000" pitchFamily="50" charset="-127"/>
-                <a:ea typeface="G마켓 산스 Medium" panose="02000000000000000000" pitchFamily="50" charset="-127"/>
-              </a:rPr>
-              <a:t>초기화 블록은 상속되지 않는다</a:t>
-            </a:r>
-            <a:r>
-              <a:rPr lang="en-US" altLang="ko-KR" sz="4000">
-                <a:solidFill>
-                  <a:schemeClr val="tx1">
-                    <a:lumMod val="50000"/>
-                    <a:lumOff val="50000"/>
-                  </a:schemeClr>
-                </a:solidFill>
-                <a:latin typeface="G마켓 산스 Medium" panose="02000000000000000000" pitchFamily="50" charset="-127"/>
-                <a:ea typeface="G마켓 산스 Medium" panose="02000000000000000000" pitchFamily="50" charset="-127"/>
-              </a:rPr>
-              <a:t>.</a:t>
-            </a:r>
-          </a:p>
-          <a:p>
-            <a:r>
-              <a:rPr lang="en-US" altLang="ko-KR" sz="4000">
-                <a:solidFill>
-                  <a:schemeClr val="tx1">
-                    <a:lumMod val="50000"/>
-                    <a:lumOff val="50000"/>
-                  </a:schemeClr>
-                </a:solidFill>
-                <a:latin typeface="G마켓 산스 Medium" panose="02000000000000000000" pitchFamily="50" charset="-127"/>
-                <a:ea typeface="G마켓 산스 Medium" panose="02000000000000000000" pitchFamily="50" charset="-127"/>
-              </a:rPr>
-              <a:t>2. </a:t>
-            </a:r>
-            <a:r>
-              <a:rPr lang="ko-KR" altLang="en-US" sz="4000">
-                <a:solidFill>
-                  <a:schemeClr val="tx1">
-                    <a:lumMod val="50000"/>
-                    <a:lumOff val="50000"/>
-                  </a:schemeClr>
-                </a:solidFill>
-                <a:latin typeface="G마켓 산스 Medium" panose="02000000000000000000" pitchFamily="50" charset="-127"/>
-                <a:ea typeface="G마켓 산스 Medium" panose="02000000000000000000" pitchFamily="50" charset="-127"/>
-              </a:rPr>
-              <a:t>멤버변수</a:t>
-            </a:r>
-            <a:r>
-              <a:rPr lang="en-US" altLang="ko-KR" sz="4000">
-                <a:solidFill>
-                  <a:schemeClr val="tx1">
-                    <a:lumMod val="50000"/>
-                    <a:lumOff val="50000"/>
-                  </a:schemeClr>
-                </a:solidFill>
-                <a:latin typeface="G마켓 산스 Medium" panose="02000000000000000000" pitchFamily="50" charset="-127"/>
-                <a:ea typeface="G마켓 산스 Medium" panose="02000000000000000000" pitchFamily="50" charset="-127"/>
-              </a:rPr>
-              <a:t>, </a:t>
-            </a:r>
-            <a:r>
-              <a:rPr lang="ko-KR" altLang="en-US" sz="4000">
-                <a:solidFill>
-                  <a:schemeClr val="tx1">
-                    <a:lumMod val="50000"/>
-                    <a:lumOff val="50000"/>
-                  </a:schemeClr>
-                </a:solidFill>
-                <a:latin typeface="G마켓 산스 Medium" panose="02000000000000000000" pitchFamily="50" charset="-127"/>
-                <a:ea typeface="G마켓 산스 Medium" panose="02000000000000000000" pitchFamily="50" charset="-127"/>
-              </a:rPr>
-              <a:t>멤버메서드가 상속된다</a:t>
-            </a:r>
-            <a:r>
-              <a:rPr lang="en-US" altLang="ko-KR" sz="4000">
-                <a:solidFill>
-                  <a:schemeClr val="tx1">
-                    <a:lumMod val="50000"/>
-                    <a:lumOff val="50000"/>
-                  </a:schemeClr>
-                </a:solidFill>
-                <a:latin typeface="G마켓 산스 Medium" panose="02000000000000000000" pitchFamily="50" charset="-127"/>
-                <a:ea typeface="G마켓 산스 Medium" panose="02000000000000000000" pitchFamily="50" charset="-127"/>
-              </a:rPr>
-              <a:t>.</a:t>
-            </a:r>
-          </a:p>
-        </p:txBody>
-      </p:sp>
-      <p:sp>
-        <p:nvSpPr>
-          <p:cNvPr id="18" name="TextBox 17">
-            <a:extLst>
-              <a:ext uri="{FF2B5EF4-FFF2-40B4-BE49-F238E27FC236}">
-                <a16:creationId xmlns:a16="http://schemas.microsoft.com/office/drawing/2014/main" id="{A2AD056B-97A4-5BCC-4460-250160F3E171}"/>
-              </a:ext>
-            </a:extLst>
-          </p:cNvPr>
-          <p:cNvSpPr txBox="1"/>
-          <p:nvPr/>
-        </p:nvSpPr>
-        <p:spPr>
-          <a:xfrm>
-            <a:off x="339969" y="2083326"/>
-            <a:ext cx="1412631" cy="707886"/>
-          </a:xfrm>
-          <a:prstGeom prst="rect">
-            <a:avLst/>
-          </a:prstGeom>
-          <a:noFill/>
-        </p:spPr>
-        <p:txBody>
-          <a:bodyPr wrap="square" rtlCol="0">
-            <a:spAutoFit/>
-          </a:bodyPr>
-          <a:lstStyle/>
-          <a:p>
-            <a:r>
-              <a:rPr lang="ko-KR" altLang="en-US" sz="4000">
-                <a:solidFill>
-                  <a:schemeClr val="tx1">
-                    <a:lumMod val="50000"/>
-                    <a:lumOff val="50000"/>
-                  </a:schemeClr>
-                </a:solidFill>
-                <a:latin typeface="G마켓 산스 Medium" panose="02000000000000000000" pitchFamily="50" charset="-127"/>
-                <a:ea typeface="G마켓 산스 Medium" panose="02000000000000000000" pitchFamily="50" charset="-127"/>
-              </a:rPr>
-              <a:t>부모</a:t>
-            </a:r>
-            <a:endParaRPr lang="en-US" altLang="ko-KR" sz="4000" dirty="0">
-              <a:solidFill>
-                <a:schemeClr val="tx1">
-                  <a:lumMod val="50000"/>
-                  <a:lumOff val="50000"/>
-                </a:schemeClr>
-              </a:solidFill>
-              <a:latin typeface="G마켓 산스 Medium" panose="02000000000000000000" pitchFamily="50" charset="-127"/>
-              <a:ea typeface="G마켓 산스 Medium" panose="02000000000000000000" pitchFamily="50" charset="-127"/>
-            </a:endParaRPr>
-          </a:p>
-        </p:txBody>
-      </p:sp>
-      <p:sp>
-        <p:nvSpPr>
-          <p:cNvPr id="19" name="TextBox 18">
-            <a:extLst>
-              <a:ext uri="{FF2B5EF4-FFF2-40B4-BE49-F238E27FC236}">
-                <a16:creationId xmlns:a16="http://schemas.microsoft.com/office/drawing/2014/main" id="{A2AD056B-97A4-5BCC-4460-250160F3E171}"/>
-              </a:ext>
-            </a:extLst>
-          </p:cNvPr>
-          <p:cNvSpPr txBox="1"/>
-          <p:nvPr/>
-        </p:nvSpPr>
-        <p:spPr>
-          <a:xfrm>
-            <a:off x="436684" y="7505700"/>
-            <a:ext cx="1412631" cy="707886"/>
-          </a:xfrm>
-          <a:prstGeom prst="rect">
-            <a:avLst/>
-          </a:prstGeom>
-          <a:noFill/>
-        </p:spPr>
-        <p:txBody>
-          <a:bodyPr wrap="square" rtlCol="0">
-            <a:spAutoFit/>
-          </a:bodyPr>
-          <a:lstStyle/>
-          <a:p>
-            <a:r>
-              <a:rPr lang="ko-KR" altLang="en-US" sz="4000">
-                <a:solidFill>
-                  <a:schemeClr val="tx1">
-                    <a:lumMod val="50000"/>
-                    <a:lumOff val="50000"/>
-                  </a:schemeClr>
-                </a:solidFill>
-                <a:latin typeface="G마켓 산스 Medium" panose="02000000000000000000" pitchFamily="50" charset="-127"/>
-                <a:ea typeface="G마켓 산스 Medium" panose="02000000000000000000" pitchFamily="50" charset="-127"/>
-              </a:rPr>
-              <a:t>자식</a:t>
-            </a:r>
-            <a:endParaRPr lang="en-US" altLang="ko-KR" sz="4000" dirty="0">
-              <a:solidFill>
-                <a:schemeClr val="tx1">
-                  <a:lumMod val="50000"/>
-                  <a:lumOff val="50000"/>
-                </a:schemeClr>
-              </a:solidFill>
-              <a:latin typeface="G마켓 산스 Medium" panose="02000000000000000000" pitchFamily="50" charset="-127"/>
-              <a:ea typeface="G마켓 산스 Medium" panose="02000000000000000000" pitchFamily="50" charset="-127"/>
-            </a:endParaRPr>
-          </a:p>
-        </p:txBody>
-      </p:sp>
-    </p:spTree>
-    <p:extLst>
-      <p:ext uri="{BB962C8B-B14F-4D97-AF65-F5344CB8AC3E}">
-        <p14:creationId xmlns:p14="http://schemas.microsoft.com/office/powerpoint/2010/main" val="3986197603"/>
-      </p:ext>
-    </p:extLst>
-  </p:cSld>
-  <p:clrMapOvr>
-    <a:masterClrMapping/>
-  </p:clrMapOvr>
-  <p:timing>
-    <p:tnLst>
-      <p:par>
-        <p:cTn id="1" dur="indefinite" restart="never" nodeType="tmRoot">
-          <p:childTnLst>
-            <p:seq concurrent="1" nextAc="seek">
-              <p:cTn id="2" dur="indefinite" nodeType="mainSeq">
-                <p:childTnLst>
-                  <p:par>
-                    <p:cTn id="3" fill="hold">
-                      <p:stCondLst>
-                        <p:cond delay="indefinite"/>
-                      </p:stCondLst>
-                      <p:childTnLst>
-                        <p:par>
-                          <p:cTn id="4" fill="hold">
-                            <p:stCondLst>
-                              <p:cond delay="0"/>
-                            </p:stCondLst>
-                            <p:childTnLst>
-                              <p:par>
-                                <p:cTn id="5" presetID="1" presetClass="entr" presetSubtype="0" fill="hold" nodeType="clickEffect">
-                                  <p:stCondLst>
-                                    <p:cond delay="0"/>
-                                  </p:stCondLst>
-                                  <p:childTnLst>
-                                    <p:set>
-                                      <p:cBhvr>
-                                        <p:cTn id="6" dur="1" fill="hold">
-                                          <p:stCondLst>
-                                            <p:cond delay="0"/>
-                                          </p:stCondLst>
-                                        </p:cTn>
-                                        <p:tgtEl>
-                                          <p:spTgt spid="15"/>
-                                        </p:tgtEl>
-                                        <p:attrNameLst>
-                                          <p:attrName>style.visibility</p:attrName>
-                                        </p:attrNameLst>
-                                      </p:cBhvr>
-                                      <p:to>
-                                        <p:strVal val="visible"/>
-                                      </p:to>
-                                    </p:set>
-                                  </p:childTnLst>
-                                </p:cTn>
-                              </p:par>
-                              <p:par>
-                                <p:cTn id="7" presetID="1" presetClass="entr" presetSubtype="0" fill="hold" grpId="0" nodeType="withEffect">
-                                  <p:stCondLst>
-                                    <p:cond delay="0"/>
-                                  </p:stCondLst>
-                                  <p:childTnLst>
-                                    <p:set>
-                                      <p:cBhvr>
-                                        <p:cTn id="8" dur="1" fill="hold">
-                                          <p:stCondLst>
-                                            <p:cond delay="0"/>
-                                          </p:stCondLst>
-                                        </p:cTn>
-                                        <p:tgtEl>
-                                          <p:spTgt spid="16"/>
-                                        </p:tgtEl>
-                                        <p:attrNameLst>
-                                          <p:attrName>style.visibility</p:attrName>
-                                        </p:attrNameLst>
-                                      </p:cBhvr>
-                                      <p:to>
-                                        <p:strVal val="visible"/>
-                                      </p:to>
-                                    </p:set>
-                                  </p:childTnLst>
-                                </p:cTn>
-                              </p:par>
-                            </p:childTnLst>
-                          </p:cTn>
-                        </p:par>
-                      </p:childTnLst>
-                    </p:cTn>
-                  </p:par>
-                </p:childTnLst>
-              </p:cTn>
-              <p:prevCondLst>
-                <p:cond evt="onPrev" delay="0">
-                  <p:tgtEl>
-                    <p:sldTgt/>
-                  </p:tgtEl>
-                </p:cond>
-              </p:prevCondLst>
-              <p:nextCondLst>
-                <p:cond evt="onNext" delay="0">
-                  <p:tgtEl>
-                    <p:sldTgt/>
-                  </p:tgtEl>
-                </p:cond>
-              </p:nextCondLst>
-            </p:seq>
-          </p:childTnLst>
-        </p:cTn>
-      </p:par>
-    </p:tnLst>
-    <p:bldLst>
-      <p:bldP spid="16" grpId="0" animBg="1"/>
-    </p:bldLst>
-  </p:timing>
-</p:sld>
-</file>
-
-<file path=ppt/slides/slide60.xml><?xml version="1.0" encoding="utf-8"?>
+<file path=ppt/slides/slide62.xml><?xml version="1.0" encoding="utf-8"?>
 <p:sld xmlns:a="http://schemas.openxmlformats.org/drawingml/2006/main" xmlns:r="http://schemas.openxmlformats.org/officeDocument/2006/relationships" xmlns:p="http://schemas.openxmlformats.org/presentationml/2006/main">
   <p:cSld>
     <p:spTree>
@@ -31449,7 +32087,7 @@
 </p:sld>
 </file>
 
-<file path=ppt/slides/slide61.xml><?xml version="1.0" encoding="utf-8"?>
+<file path=ppt/slides/slide63.xml><?xml version="1.0" encoding="utf-8"?>
 <p:sld xmlns:a="http://schemas.openxmlformats.org/drawingml/2006/main" xmlns:r="http://schemas.openxmlformats.org/officeDocument/2006/relationships" xmlns:p="http://schemas.openxmlformats.org/presentationml/2006/main">
   <p:cSld>
     <p:spTree>
@@ -32109,7 +32747,7 @@
 </p:sld>
 </file>
 
-<file path=ppt/slides/slide62.xml><?xml version="1.0" encoding="utf-8"?>
+<file path=ppt/slides/slide64.xml><?xml version="1.0" encoding="utf-8"?>
 <p:sld xmlns:a="http://schemas.openxmlformats.org/drawingml/2006/main" xmlns:r="http://schemas.openxmlformats.org/officeDocument/2006/relationships" xmlns:p="http://schemas.openxmlformats.org/presentationml/2006/main">
   <p:cSld>
     <p:spTree>
@@ -32179,7 +32817,7 @@
           <a:lstStyle/>
           <a:p>
             <a:r>
-              <a:rPr lang="en-US" altLang="ko-KR" sz="3200">
+              <a:rPr lang="en-US" altLang="ko-KR" sz="3200" dirty="0">
                 <a:solidFill>
                   <a:srgbClr val="4C50BC"/>
                 </a:solidFill>
@@ -32189,7 +32827,7 @@
               <a:t>2. </a:t>
             </a:r>
             <a:r>
-              <a:rPr lang="ko-KR" altLang="en-US" sz="3200">
+              <a:rPr lang="ko-KR" altLang="en-US" sz="3200" dirty="0">
                 <a:solidFill>
                   <a:srgbClr val="4C50BC"/>
                 </a:solidFill>
@@ -32198,7 +32836,7 @@
               </a:rPr>
               <a:t>아래의 코드가 에러가 발생하는 이유는 무엇인지 </a:t>
             </a:r>
-            <a:endParaRPr lang="en-US" altLang="ko-KR" sz="3200">
+            <a:endParaRPr lang="en-US" altLang="ko-KR" sz="3200" dirty="0">
               <a:solidFill>
                 <a:srgbClr val="4C50BC"/>
               </a:solidFill>
@@ -32208,7 +32846,7 @@
           </a:p>
           <a:p>
             <a:r>
-              <a:rPr lang="en-US" altLang="ko-KR" sz="3200">
+              <a:rPr lang="en-US" altLang="ko-KR" sz="3200" dirty="0">
                 <a:solidFill>
                   <a:srgbClr val="4C50BC"/>
                 </a:solidFill>
@@ -32218,7 +32856,7 @@
               <a:t>public static void </a:t>
             </a:r>
             <a:r>
-              <a:rPr lang="ko-KR" altLang="en-US" sz="3200">
+              <a:rPr lang="ko-KR" altLang="en-US" sz="3200" dirty="0">
                 <a:solidFill>
                   <a:srgbClr val="4C50BC"/>
                 </a:solidFill>
@@ -32228,7 +32866,7 @@
               <a:t>실습문제</a:t>
             </a:r>
             <a:r>
-              <a:rPr lang="en-US" altLang="ko-KR" sz="3200">
+              <a:rPr lang="en-US" altLang="ko-KR" sz="3200" dirty="0">
                 <a:solidFill>
                   <a:srgbClr val="4C50BC"/>
                 </a:solidFill>
@@ -32238,7 +32876,7 @@
               <a:t>2_2() </a:t>
             </a:r>
             <a:r>
-              <a:rPr lang="ko-KR" altLang="en-US" sz="3200">
+              <a:rPr lang="ko-KR" altLang="en-US" sz="3200" dirty="0">
                 <a:solidFill>
                   <a:srgbClr val="4C50BC"/>
                 </a:solidFill>
@@ -32248,7 +32886,7 @@
               <a:t>메서드를 만들어 주석으로 적어보자</a:t>
             </a:r>
             <a:r>
-              <a:rPr lang="en-US" altLang="ko-KR" sz="3200">
+              <a:rPr lang="en-US" altLang="ko-KR" sz="3200" dirty="0">
                 <a:solidFill>
                   <a:srgbClr val="4C50BC"/>
                 </a:solidFill>
@@ -32408,7 +33046,7 @@
 </p:sld>
 </file>
 
-<file path=ppt/slides/slide63.xml><?xml version="1.0" encoding="utf-8"?>
+<file path=ppt/slides/slide65.xml><?xml version="1.0" encoding="utf-8"?>
 <p:sld xmlns:a="http://schemas.openxmlformats.org/drawingml/2006/main" xmlns:r="http://schemas.openxmlformats.org/officeDocument/2006/relationships" xmlns:p="http://schemas.openxmlformats.org/presentationml/2006/main">
   <p:cSld>
     <p:spTree>
@@ -33230,7 +33868,7 @@
 </p:sld>
 </file>
 
-<file path=ppt/slides/slide64.xml><?xml version="1.0" encoding="utf-8"?>
+<file path=ppt/slides/slide66.xml><?xml version="1.0" encoding="utf-8"?>
 <p:sld xmlns:a="http://schemas.openxmlformats.org/drawingml/2006/main" xmlns:r="http://schemas.openxmlformats.org/officeDocument/2006/relationships" xmlns:p="http://schemas.openxmlformats.org/presentationml/2006/main">
   <p:cSld>
     <p:spTree>
@@ -33534,7 +34172,7 @@
 </p:sld>
 </file>
 
-<file path=ppt/slides/slide65.xml><?xml version="1.0" encoding="utf-8"?>
+<file path=ppt/slides/slide67.xml><?xml version="1.0" encoding="utf-8"?>
 <p:sld xmlns:a="http://schemas.openxmlformats.org/drawingml/2006/main" xmlns:r="http://schemas.openxmlformats.org/officeDocument/2006/relationships" xmlns:p="http://schemas.openxmlformats.org/presentationml/2006/main">
   <p:cSld>
     <p:spTree>
@@ -33893,7 +34531,7 @@
 </p:sld>
 </file>
 
-<file path=ppt/slides/slide66.xml><?xml version="1.0" encoding="utf-8"?>
+<file path=ppt/slides/slide68.xml><?xml version="1.0" encoding="utf-8"?>
 <p:sld xmlns:a="http://schemas.openxmlformats.org/drawingml/2006/main" xmlns:r="http://schemas.openxmlformats.org/officeDocument/2006/relationships" xmlns:p="http://schemas.openxmlformats.org/presentationml/2006/main">
   <p:cSld>
     <p:spTree>
@@ -34213,7 +34851,7 @@
 </p:sld>
 </file>
 
-<file path=ppt/slides/slide67.xml><?xml version="1.0" encoding="utf-8"?>
+<file path=ppt/slides/slide69.xml><?xml version="1.0" encoding="utf-8"?>
 <p:sld xmlns:a="http://schemas.openxmlformats.org/drawingml/2006/main" xmlns:r="http://schemas.openxmlformats.org/officeDocument/2006/relationships" xmlns:p="http://schemas.openxmlformats.org/presentationml/2006/main">
   <p:cSld name="Slide 20">
     <p:bg>
@@ -34569,9 +35207,74 @@
           <a:chExt cx="0" cy="0"/>
         </a:xfrm>
       </p:grpSpPr>
+      <p:sp>
+        <p:nvSpPr>
+          <p:cNvPr id="4" name="TextBox 3">
+            <a:extLst>
+              <a:ext uri="{FF2B5EF4-FFF2-40B4-BE49-F238E27FC236}">
+                <a16:creationId xmlns:a16="http://schemas.microsoft.com/office/drawing/2014/main" id="{DF7DDD33-9412-2802-339A-E55446AC2DA7}"/>
+              </a:ext>
+            </a:extLst>
+          </p:cNvPr>
+          <p:cNvSpPr txBox="1"/>
+          <p:nvPr/>
+        </p:nvSpPr>
+        <p:spPr>
+          <a:xfrm>
+            <a:off x="762000" y="257508"/>
+            <a:ext cx="1518364" cy="923330"/>
+          </a:xfrm>
+          <a:prstGeom prst="rect">
+            <a:avLst/>
+          </a:prstGeom>
+          <a:noFill/>
+        </p:spPr>
+        <p:txBody>
+          <a:bodyPr wrap="none" rtlCol="0">
+            <a:spAutoFit/>
+          </a:bodyPr>
+          <a:lstStyle/>
+          <a:p>
+            <a:r>
+              <a:rPr lang="ko-KR" altLang="en-US" sz="5400" dirty="0">
+                <a:solidFill>
+                  <a:srgbClr val="4C50BC"/>
+                </a:solidFill>
+                <a:latin typeface="G마켓 산스 Bold"/>
+                <a:ea typeface="G마켓 산스 Medium" panose="02000000000000000000" pitchFamily="50" charset="-127"/>
+              </a:rPr>
+              <a:t>상속</a:t>
+            </a:r>
+          </a:p>
+        </p:txBody>
+      </p:sp>
       <p:pic>
         <p:nvPicPr>
-          <p:cNvPr id="4" name="그림 3"/>
+          <p:cNvPr id="5" name="그림 4"/>
+          <p:cNvPicPr>
+            <a:picLocks noChangeAspect="1"/>
+          </p:cNvPicPr>
+          <p:nvPr/>
+        </p:nvPicPr>
+        <p:blipFill>
+          <a:blip r:embed="rId2"/>
+          <a:stretch>
+            <a:fillRect/>
+          </a:stretch>
+        </p:blipFill>
+        <p:spPr>
+          <a:xfrm>
+            <a:off x="152400" y="4593523"/>
+            <a:ext cx="7442032" cy="3826577"/>
+          </a:xfrm>
+          <a:prstGeom prst="rect">
+            <a:avLst/>
+          </a:prstGeom>
+        </p:spPr>
+      </p:pic>
+      <p:pic>
+        <p:nvPicPr>
+          <p:cNvPr id="15" name="그림 14"/>
           <p:cNvPicPr>
             <a:picLocks noChangeAspect="1"/>
           </p:cNvPicPr>
@@ -34585,8 +35288,537 @@
         </p:blipFill>
         <p:spPr>
           <a:xfrm>
-            <a:off x="152400" y="190500"/>
-            <a:ext cx="7291804" cy="6096000"/>
+            <a:off x="9144000" y="4576946"/>
+            <a:ext cx="5785562" cy="3995554"/>
+          </a:xfrm>
+          <a:prstGeom prst="rect">
+            <a:avLst/>
+          </a:prstGeom>
+        </p:spPr>
+      </p:pic>
+      <p:sp>
+        <p:nvSpPr>
+          <p:cNvPr id="16" name="직사각형 15">
+            <a:extLst>
+              <a:ext uri="{FF2B5EF4-FFF2-40B4-BE49-F238E27FC236}">
+                <a16:creationId xmlns:a16="http://schemas.microsoft.com/office/drawing/2014/main" id="{FFF506F9-840A-0508-4CAF-3AC711D8D5CE}"/>
+              </a:ext>
+            </a:extLst>
+          </p:cNvPr>
+          <p:cNvSpPr/>
+          <p:nvPr/>
+        </p:nvSpPr>
+        <p:spPr>
+          <a:xfrm>
+            <a:off x="10662362" y="7701146"/>
+            <a:ext cx="1600200" cy="381000"/>
+          </a:xfrm>
+          <a:prstGeom prst="rect">
+            <a:avLst/>
+          </a:prstGeom>
+          <a:noFill/>
+          <a:ln>
+            <a:solidFill>
+              <a:srgbClr val="FF0000"/>
+            </a:solidFill>
+          </a:ln>
+        </p:spPr>
+        <p:style>
+          <a:lnRef idx="2">
+            <a:schemeClr val="accent2">
+              <a:shade val="50000"/>
+            </a:schemeClr>
+          </a:lnRef>
+          <a:fillRef idx="1">
+            <a:schemeClr val="accent2"/>
+          </a:fillRef>
+          <a:effectRef idx="0">
+            <a:schemeClr val="accent2"/>
+          </a:effectRef>
+          <a:fontRef idx="minor">
+            <a:schemeClr val="lt1"/>
+          </a:fontRef>
+        </p:style>
+        <p:txBody>
+          <a:bodyPr rtlCol="0" anchor="ctr"/>
+          <a:lstStyle/>
+          <a:p>
+            <a:pPr algn="ctr"/>
+            <a:endParaRPr lang="ko-KR" altLang="en-US"/>
+          </a:p>
+        </p:txBody>
+      </p:sp>
+      <p:sp>
+        <p:nvSpPr>
+          <p:cNvPr id="18" name="TextBox 17">
+            <a:extLst>
+              <a:ext uri="{FF2B5EF4-FFF2-40B4-BE49-F238E27FC236}">
+                <a16:creationId xmlns:a16="http://schemas.microsoft.com/office/drawing/2014/main" id="{A2AD056B-97A4-5BCC-4460-250160F3E171}"/>
+              </a:ext>
+            </a:extLst>
+          </p:cNvPr>
+          <p:cNvSpPr txBox="1"/>
+          <p:nvPr/>
+        </p:nvSpPr>
+        <p:spPr>
+          <a:xfrm>
+            <a:off x="2667000" y="3640460"/>
+            <a:ext cx="1412631" cy="707886"/>
+          </a:xfrm>
+          <a:prstGeom prst="rect">
+            <a:avLst/>
+          </a:prstGeom>
+          <a:noFill/>
+        </p:spPr>
+        <p:txBody>
+          <a:bodyPr wrap="square" rtlCol="0">
+            <a:spAutoFit/>
+          </a:bodyPr>
+          <a:lstStyle/>
+          <a:p>
+            <a:r>
+              <a:rPr lang="ko-KR" altLang="en-US" sz="4000" dirty="0">
+                <a:solidFill>
+                  <a:schemeClr val="tx1">
+                    <a:lumMod val="50000"/>
+                    <a:lumOff val="50000"/>
+                  </a:schemeClr>
+                </a:solidFill>
+                <a:latin typeface="G마켓 산스 Medium" panose="02000000000000000000" pitchFamily="50" charset="-127"/>
+                <a:ea typeface="G마켓 산스 Medium" panose="02000000000000000000" pitchFamily="50" charset="-127"/>
+              </a:rPr>
+              <a:t>부모</a:t>
+            </a:r>
+            <a:endParaRPr lang="en-US" altLang="ko-KR" sz="4000" dirty="0">
+              <a:solidFill>
+                <a:schemeClr val="tx1">
+                  <a:lumMod val="50000"/>
+                  <a:lumOff val="50000"/>
+                </a:schemeClr>
+              </a:solidFill>
+              <a:latin typeface="G마켓 산스 Medium" panose="02000000000000000000" pitchFamily="50" charset="-127"/>
+              <a:ea typeface="G마켓 산스 Medium" panose="02000000000000000000" pitchFamily="50" charset="-127"/>
+            </a:endParaRPr>
+          </a:p>
+        </p:txBody>
+      </p:sp>
+      <p:sp>
+        <p:nvSpPr>
+          <p:cNvPr id="19" name="TextBox 18">
+            <a:extLst>
+              <a:ext uri="{FF2B5EF4-FFF2-40B4-BE49-F238E27FC236}">
+                <a16:creationId xmlns:a16="http://schemas.microsoft.com/office/drawing/2014/main" id="{A2AD056B-97A4-5BCC-4460-250160F3E171}"/>
+              </a:ext>
+            </a:extLst>
+          </p:cNvPr>
+          <p:cNvSpPr txBox="1"/>
+          <p:nvPr/>
+        </p:nvSpPr>
+        <p:spPr>
+          <a:xfrm>
+            <a:off x="11230933" y="3438917"/>
+            <a:ext cx="1412631" cy="707886"/>
+          </a:xfrm>
+          <a:prstGeom prst="rect">
+            <a:avLst/>
+          </a:prstGeom>
+          <a:noFill/>
+        </p:spPr>
+        <p:txBody>
+          <a:bodyPr wrap="square" rtlCol="0">
+            <a:spAutoFit/>
+          </a:bodyPr>
+          <a:lstStyle/>
+          <a:p>
+            <a:r>
+              <a:rPr lang="ko-KR" altLang="en-US" sz="4000" dirty="0">
+                <a:solidFill>
+                  <a:schemeClr val="tx1">
+                    <a:lumMod val="50000"/>
+                    <a:lumOff val="50000"/>
+                  </a:schemeClr>
+                </a:solidFill>
+                <a:latin typeface="G마켓 산스 Medium" panose="02000000000000000000" pitchFamily="50" charset="-127"/>
+                <a:ea typeface="G마켓 산스 Medium" panose="02000000000000000000" pitchFamily="50" charset="-127"/>
+              </a:rPr>
+              <a:t>자식</a:t>
+            </a:r>
+            <a:endParaRPr lang="en-US" altLang="ko-KR" sz="4000" dirty="0">
+              <a:solidFill>
+                <a:schemeClr val="tx1">
+                  <a:lumMod val="50000"/>
+                  <a:lumOff val="50000"/>
+                </a:schemeClr>
+              </a:solidFill>
+              <a:latin typeface="G마켓 산스 Medium" panose="02000000000000000000" pitchFamily="50" charset="-127"/>
+              <a:ea typeface="G마켓 산스 Medium" panose="02000000000000000000" pitchFamily="50" charset="-127"/>
+            </a:endParaRPr>
+          </a:p>
+        </p:txBody>
+      </p:sp>
+      <p:cxnSp>
+        <p:nvCxnSpPr>
+          <p:cNvPr id="2" name="직선 화살표 연결선 1">
+            <a:extLst>
+              <a:ext uri="{FF2B5EF4-FFF2-40B4-BE49-F238E27FC236}">
+                <a16:creationId xmlns:a16="http://schemas.microsoft.com/office/drawing/2014/main" id="{0E86FE86-32E9-21D3-A242-CD96B6A31564}"/>
+              </a:ext>
+            </a:extLst>
+          </p:cNvPr>
+          <p:cNvCxnSpPr>
+            <a:cxnSpLocks/>
+          </p:cNvCxnSpPr>
+          <p:nvPr/>
+        </p:nvCxnSpPr>
+        <p:spPr>
+          <a:xfrm flipV="1">
+            <a:off x="11675899" y="6596246"/>
+            <a:ext cx="1227401" cy="952500"/>
+          </a:xfrm>
+          <a:prstGeom prst="straightConnector1">
+            <a:avLst/>
+          </a:prstGeom>
+          <a:ln w="38100">
+            <a:tailEnd type="triangle"/>
+          </a:ln>
+        </p:spPr>
+        <p:style>
+          <a:lnRef idx="1">
+            <a:schemeClr val="accent2"/>
+          </a:lnRef>
+          <a:fillRef idx="0">
+            <a:schemeClr val="accent2"/>
+          </a:fillRef>
+          <a:effectRef idx="0">
+            <a:schemeClr val="accent2"/>
+          </a:effectRef>
+          <a:fontRef idx="minor">
+            <a:schemeClr val="tx1"/>
+          </a:fontRef>
+        </p:style>
+      </p:cxnSp>
+      <p:sp>
+        <p:nvSpPr>
+          <p:cNvPr id="3" name="TextBox 2">
+            <a:extLst>
+              <a:ext uri="{FF2B5EF4-FFF2-40B4-BE49-F238E27FC236}">
+                <a16:creationId xmlns:a16="http://schemas.microsoft.com/office/drawing/2014/main" id="{63C0133A-8B4C-D00A-1211-96CDC0966A39}"/>
+              </a:ext>
+            </a:extLst>
+          </p:cNvPr>
+          <p:cNvSpPr txBox="1"/>
+          <p:nvPr/>
+        </p:nvSpPr>
+        <p:spPr>
+          <a:xfrm>
+            <a:off x="12903300" y="6086301"/>
+            <a:ext cx="6400800" cy="646331"/>
+          </a:xfrm>
+          <a:prstGeom prst="rect">
+            <a:avLst/>
+          </a:prstGeom>
+          <a:noFill/>
+        </p:spPr>
+        <p:txBody>
+          <a:bodyPr wrap="square" rtlCol="0">
+            <a:spAutoFit/>
+          </a:bodyPr>
+          <a:lstStyle/>
+          <a:p>
+            <a:r>
+              <a:rPr lang="ko-KR" altLang="en-US" sz="3600" dirty="0">
+                <a:solidFill>
+                  <a:srgbClr val="FF0000"/>
+                </a:solidFill>
+                <a:latin typeface="G마켓 산스 Medium" panose="02000000000000000000" pitchFamily="50" charset="-127"/>
+                <a:ea typeface="G마켓 산스 Medium" panose="02000000000000000000" pitchFamily="50" charset="-127"/>
+              </a:rPr>
+              <a:t>선언하지 않아도 사용가능</a:t>
+            </a:r>
+            <a:endParaRPr lang="en-US" altLang="ko-KR" sz="3600" dirty="0">
+              <a:solidFill>
+                <a:srgbClr val="FF0000"/>
+              </a:solidFill>
+              <a:latin typeface="G마켓 산스 Medium" panose="02000000000000000000" pitchFamily="50" charset="-127"/>
+              <a:ea typeface="G마켓 산스 Medium" panose="02000000000000000000" pitchFamily="50" charset="-127"/>
+            </a:endParaRPr>
+          </a:p>
+        </p:txBody>
+      </p:sp>
+      <p:sp>
+        <p:nvSpPr>
+          <p:cNvPr id="14" name="직사각형 13">
+            <a:extLst>
+              <a:ext uri="{FF2B5EF4-FFF2-40B4-BE49-F238E27FC236}">
+                <a16:creationId xmlns:a16="http://schemas.microsoft.com/office/drawing/2014/main" id="{FFF506F9-840A-0508-4CAF-3AC711D8D5CE}"/>
+              </a:ext>
+            </a:extLst>
+          </p:cNvPr>
+          <p:cNvSpPr/>
+          <p:nvPr/>
+        </p:nvSpPr>
+        <p:spPr>
+          <a:xfrm>
+            <a:off x="12719762" y="4872047"/>
+            <a:ext cx="1981200" cy="381000"/>
+          </a:xfrm>
+          <a:prstGeom prst="rect">
+            <a:avLst/>
+          </a:prstGeom>
+          <a:noFill/>
+          <a:ln>
+            <a:solidFill>
+              <a:srgbClr val="FF0000"/>
+            </a:solidFill>
+          </a:ln>
+        </p:spPr>
+        <p:style>
+          <a:lnRef idx="2">
+            <a:schemeClr val="accent2">
+              <a:shade val="50000"/>
+            </a:schemeClr>
+          </a:lnRef>
+          <a:fillRef idx="1">
+            <a:schemeClr val="accent2"/>
+          </a:fillRef>
+          <a:effectRef idx="0">
+            <a:schemeClr val="accent2"/>
+          </a:effectRef>
+          <a:fontRef idx="minor">
+            <a:schemeClr val="lt1"/>
+          </a:fontRef>
+        </p:style>
+        <p:txBody>
+          <a:bodyPr rtlCol="0" anchor="ctr"/>
+          <a:lstStyle/>
+          <a:p>
+            <a:pPr algn="ctr"/>
+            <a:endParaRPr lang="ko-KR" altLang="en-US"/>
+          </a:p>
+        </p:txBody>
+      </p:sp>
+      <p:grpSp>
+        <p:nvGrpSpPr>
+          <p:cNvPr id="22" name="그룹 1008">
+            <a:extLst>
+              <a:ext uri="{FF2B5EF4-FFF2-40B4-BE49-F238E27FC236}">
+                <a16:creationId xmlns:a16="http://schemas.microsoft.com/office/drawing/2014/main" id="{37441AC3-2D30-269C-772A-1CD01EA34B5E}"/>
+              </a:ext>
+            </a:extLst>
+          </p:cNvPr>
+          <p:cNvGrpSpPr/>
+          <p:nvPr/>
+        </p:nvGrpSpPr>
+        <p:grpSpPr>
+          <a:xfrm>
+            <a:off x="7955200" y="6086780"/>
+            <a:ext cx="720996" cy="587007"/>
+            <a:chOff x="9011713" y="5350533"/>
+            <a:chExt cx="720996" cy="587007"/>
+          </a:xfrm>
+        </p:grpSpPr>
+        <p:grpSp>
+          <p:nvGrpSpPr>
+            <p:cNvPr id="23" name="그룹 1009">
+              <a:extLst>
+                <a:ext uri="{FF2B5EF4-FFF2-40B4-BE49-F238E27FC236}">
+                  <a16:creationId xmlns:a16="http://schemas.microsoft.com/office/drawing/2014/main" id="{374F17F1-04B0-6FF4-BE40-D63EC893D600}"/>
+                </a:ext>
+              </a:extLst>
+            </p:cNvPr>
+            <p:cNvGrpSpPr/>
+            <p:nvPr/>
+          </p:nvGrpSpPr>
+          <p:grpSpPr>
+            <a:xfrm>
+              <a:off x="9440725" y="5350533"/>
+              <a:ext cx="291983" cy="587007"/>
+              <a:chOff x="9440725" y="5350533"/>
+              <a:chExt cx="291983" cy="587007"/>
+            </a:xfrm>
+          </p:grpSpPr>
+          <p:pic>
+            <p:nvPicPr>
+              <p:cNvPr id="28" name="Object 29">
+                <a:extLst>
+                  <a:ext uri="{FF2B5EF4-FFF2-40B4-BE49-F238E27FC236}">
+                    <a16:creationId xmlns:a16="http://schemas.microsoft.com/office/drawing/2014/main" id="{C138768D-9609-B9C5-6887-CF1B4189C219}"/>
+                  </a:ext>
+                </a:extLst>
+              </p:cNvPr>
+              <p:cNvPicPr>
+                <a:picLocks noChangeAspect="1"/>
+              </p:cNvPicPr>
+              <p:nvPr/>
+            </p:nvPicPr>
+            <p:blipFill>
+              <a:blip r:embed="rId4" cstate="print"/>
+              <a:stretch>
+                <a:fillRect/>
+              </a:stretch>
+            </p:blipFill>
+            <p:spPr>
+              <a:xfrm rot="-10800000">
+                <a:off x="9440725" y="5350533"/>
+                <a:ext cx="291983" cy="587007"/>
+              </a:xfrm>
+              <a:prstGeom prst="rect">
+                <a:avLst/>
+              </a:prstGeom>
+            </p:spPr>
+          </p:pic>
+        </p:grpSp>
+        <p:grpSp>
+          <p:nvGrpSpPr>
+            <p:cNvPr id="24" name="그룹 1010">
+              <a:extLst>
+                <a:ext uri="{FF2B5EF4-FFF2-40B4-BE49-F238E27FC236}">
+                  <a16:creationId xmlns:a16="http://schemas.microsoft.com/office/drawing/2014/main" id="{9824C0A8-971C-C022-67FC-AECB4B739BBB}"/>
+                </a:ext>
+              </a:extLst>
+            </p:cNvPr>
+            <p:cNvGrpSpPr/>
+            <p:nvPr/>
+          </p:nvGrpSpPr>
+          <p:grpSpPr>
+            <a:xfrm>
+              <a:off x="9226219" y="5350533"/>
+              <a:ext cx="291983" cy="587007"/>
+              <a:chOff x="9226219" y="5350533"/>
+              <a:chExt cx="291983" cy="587007"/>
+            </a:xfrm>
+          </p:grpSpPr>
+          <p:pic>
+            <p:nvPicPr>
+              <p:cNvPr id="27" name="Object 32">
+                <a:extLst>
+                  <a:ext uri="{FF2B5EF4-FFF2-40B4-BE49-F238E27FC236}">
+                    <a16:creationId xmlns:a16="http://schemas.microsoft.com/office/drawing/2014/main" id="{CED6834F-345D-8639-B968-4A7CCC39550B}"/>
+                  </a:ext>
+                </a:extLst>
+              </p:cNvPr>
+              <p:cNvPicPr>
+                <a:picLocks noChangeAspect="1"/>
+              </p:cNvPicPr>
+              <p:nvPr/>
+            </p:nvPicPr>
+            <p:blipFill>
+              <a:blip r:embed="rId5" cstate="print"/>
+              <a:stretch>
+                <a:fillRect/>
+              </a:stretch>
+            </p:blipFill>
+            <p:spPr>
+              <a:xfrm rot="-10800000">
+                <a:off x="9226219" y="5350533"/>
+                <a:ext cx="291983" cy="587007"/>
+              </a:xfrm>
+              <a:prstGeom prst="rect">
+                <a:avLst/>
+              </a:prstGeom>
+            </p:spPr>
+          </p:pic>
+        </p:grpSp>
+        <p:grpSp>
+          <p:nvGrpSpPr>
+            <p:cNvPr id="25" name="그룹 1011">
+              <a:extLst>
+                <a:ext uri="{FF2B5EF4-FFF2-40B4-BE49-F238E27FC236}">
+                  <a16:creationId xmlns:a16="http://schemas.microsoft.com/office/drawing/2014/main" id="{53D28A0E-1562-B966-5273-A9D8CDB31198}"/>
+                </a:ext>
+              </a:extLst>
+            </p:cNvPr>
+            <p:cNvGrpSpPr/>
+            <p:nvPr/>
+          </p:nvGrpSpPr>
+          <p:grpSpPr>
+            <a:xfrm>
+              <a:off x="9011713" y="5350533"/>
+              <a:ext cx="291983" cy="587007"/>
+              <a:chOff x="9011713" y="5350533"/>
+              <a:chExt cx="291983" cy="587007"/>
+            </a:xfrm>
+          </p:grpSpPr>
+          <p:pic>
+            <p:nvPicPr>
+              <p:cNvPr id="26" name="Object 35">
+                <a:extLst>
+                  <a:ext uri="{FF2B5EF4-FFF2-40B4-BE49-F238E27FC236}">
+                    <a16:creationId xmlns:a16="http://schemas.microsoft.com/office/drawing/2014/main" id="{8804FA68-04C9-5741-1714-CE8E8F9C31AA}"/>
+                  </a:ext>
+                </a:extLst>
+              </p:cNvPr>
+              <p:cNvPicPr>
+                <a:picLocks noChangeAspect="1"/>
+              </p:cNvPicPr>
+              <p:nvPr/>
+            </p:nvPicPr>
+            <p:blipFill>
+              <a:blip r:embed="rId6" cstate="print"/>
+              <a:stretch>
+                <a:fillRect/>
+              </a:stretch>
+            </p:blipFill>
+            <p:spPr>
+              <a:xfrm rot="-10800000">
+                <a:off x="9011713" y="5350533"/>
+                <a:ext cx="291983" cy="587007"/>
+              </a:xfrm>
+              <a:prstGeom prst="rect">
+                <a:avLst/>
+              </a:prstGeom>
+            </p:spPr>
+          </p:pic>
+        </p:grpSp>
+      </p:grpSp>
+    </p:spTree>
+    <p:extLst>
+      <p:ext uri="{BB962C8B-B14F-4D97-AF65-F5344CB8AC3E}">
+        <p14:creationId xmlns:p14="http://schemas.microsoft.com/office/powerpoint/2010/main" val="3986197603"/>
+      </p:ext>
+    </p:extLst>
+  </p:cSld>
+  <p:clrMapOvr>
+    <a:masterClrMapping/>
+  </p:clrMapOvr>
+</p:sld>
+</file>
+
+<file path=ppt/slides/slide8.xml><?xml version="1.0" encoding="utf-8"?>
+<p:sld xmlns:a="http://schemas.openxmlformats.org/drawingml/2006/main" xmlns:r="http://schemas.openxmlformats.org/officeDocument/2006/relationships" xmlns:p="http://schemas.openxmlformats.org/presentationml/2006/main">
+  <p:cSld>
+    <p:spTree>
+      <p:nvGrpSpPr>
+        <p:cNvPr id="1" name=""/>
+        <p:cNvGrpSpPr/>
+        <p:nvPr/>
+      </p:nvGrpSpPr>
+      <p:grpSpPr>
+        <a:xfrm>
+          <a:off x="0" y="0"/>
+          <a:ext cx="0" cy="0"/>
+          <a:chOff x="0" y="0"/>
+          <a:chExt cx="0" cy="0"/>
+        </a:xfrm>
+      </p:grpSpPr>
+      <p:pic>
+        <p:nvPicPr>
+          <p:cNvPr id="4" name="그림 3"/>
+          <p:cNvPicPr>
+            <a:picLocks noChangeAspect="1"/>
+          </p:cNvPicPr>
+          <p:nvPr/>
+        </p:nvPicPr>
+        <p:blipFill>
+          <a:blip r:embed="rId3"/>
+          <a:stretch>
+            <a:fillRect/>
+          </a:stretch>
+        </p:blipFill>
+        <p:spPr>
+          <a:xfrm>
+            <a:off x="304800" y="1161541"/>
+            <a:ext cx="7315200" cy="6115559"/>
           </a:xfrm>
           <a:prstGeom prst="rect">
             <a:avLst/>
@@ -34609,8 +35841,8 @@
         </p:blipFill>
         <p:spPr>
           <a:xfrm>
-            <a:off x="7924800" y="190500"/>
-            <a:ext cx="7171765" cy="3048000"/>
+            <a:off x="8077201" y="1026350"/>
+            <a:ext cx="6591886" cy="2801551"/>
           </a:xfrm>
           <a:prstGeom prst="rect">
             <a:avLst/>
@@ -34633,7 +35865,7 @@
         </p:blipFill>
         <p:spPr>
           <a:xfrm>
-            <a:off x="7924800" y="3314700"/>
+            <a:off x="8077200" y="3904102"/>
             <a:ext cx="6591886" cy="3982598"/>
           </a:xfrm>
           <a:prstGeom prst="rect">
@@ -34657,7 +35889,7 @@
         </p:blipFill>
         <p:spPr>
           <a:xfrm>
-            <a:off x="7962314" y="7505700"/>
+            <a:off x="8114714" y="8067527"/>
             <a:ext cx="3391486" cy="1114573"/>
           </a:xfrm>
           <a:prstGeom prst="rect">
@@ -34679,7 +35911,7 @@
         </p:nvSpPr>
         <p:spPr>
           <a:xfrm>
-            <a:off x="968327" y="8877300"/>
+            <a:off x="968327" y="9312414"/>
             <a:ext cx="16764000" cy="707886"/>
           </a:xfrm>
           <a:prstGeom prst="rect">
@@ -34701,7 +35933,7 @@
                 <a:latin typeface="G마켓 산스 Medium" panose="02000000000000000000" pitchFamily="50" charset="-127"/>
                 <a:ea typeface="G마켓 산스 Medium" panose="02000000000000000000" pitchFamily="50" charset="-127"/>
               </a:rPr>
-              <a:t>자식에서 만들지 않아도 상속받아 마치 </a:t>
+              <a:t>자식에서 만들지 않아도 상속받아 마치 선언 </a:t>
             </a:r>
             <a:r>
               <a:rPr lang="ko-KR" altLang="en-US" sz="4000" dirty="0" err="1">
@@ -34711,7 +35943,7 @@
                 <a:latin typeface="G마켓 산스 Medium" panose="02000000000000000000" pitchFamily="50" charset="-127"/>
                 <a:ea typeface="G마켓 산스 Medium" panose="02000000000000000000" pitchFamily="50" charset="-127"/>
               </a:rPr>
-              <a:t>선언해놓은것처럼</a:t>
+              <a:t>해놓은것처럼</a:t>
             </a:r>
             <a:r>
               <a:rPr lang="ko-KR" altLang="en-US" sz="4000" dirty="0">
@@ -34733,6 +35965,147 @@
               </a:rPr>
               <a:t>.</a:t>
             </a:r>
+          </a:p>
+        </p:txBody>
+      </p:sp>
+      <p:cxnSp>
+        <p:nvCxnSpPr>
+          <p:cNvPr id="2" name="직선 화살표 연결선 1">
+            <a:extLst>
+              <a:ext uri="{FF2B5EF4-FFF2-40B4-BE49-F238E27FC236}">
+                <a16:creationId xmlns:a16="http://schemas.microsoft.com/office/drawing/2014/main" id="{D4D03555-A52D-4FBB-7C6A-4EB31A540873}"/>
+              </a:ext>
+            </a:extLst>
+          </p:cNvPr>
+          <p:cNvCxnSpPr>
+            <a:cxnSpLocks/>
+          </p:cNvCxnSpPr>
+          <p:nvPr/>
+        </p:nvCxnSpPr>
+        <p:spPr>
+          <a:xfrm>
+            <a:off x="12115800" y="6418702"/>
+            <a:ext cx="914400" cy="0"/>
+          </a:xfrm>
+          <a:prstGeom prst="straightConnector1">
+            <a:avLst/>
+          </a:prstGeom>
+          <a:ln w="38100">
+            <a:tailEnd type="triangle"/>
+          </a:ln>
+        </p:spPr>
+        <p:style>
+          <a:lnRef idx="1">
+            <a:schemeClr val="accent2"/>
+          </a:lnRef>
+          <a:fillRef idx="0">
+            <a:schemeClr val="accent2"/>
+          </a:fillRef>
+          <a:effectRef idx="0">
+            <a:schemeClr val="accent2"/>
+          </a:effectRef>
+          <a:fontRef idx="minor">
+            <a:schemeClr val="tx1"/>
+          </a:fontRef>
+        </p:style>
+      </p:cxnSp>
+      <p:sp>
+        <p:nvSpPr>
+          <p:cNvPr id="3" name="직사각형 2">
+            <a:extLst>
+              <a:ext uri="{FF2B5EF4-FFF2-40B4-BE49-F238E27FC236}">
+                <a16:creationId xmlns:a16="http://schemas.microsoft.com/office/drawing/2014/main" id="{EA3FDE9A-C4D2-A9C2-26E4-A232DE56FF32}"/>
+              </a:ext>
+            </a:extLst>
+          </p:cNvPr>
+          <p:cNvSpPr/>
+          <p:nvPr/>
+        </p:nvSpPr>
+        <p:spPr>
+          <a:xfrm>
+            <a:off x="8915400" y="5885302"/>
+            <a:ext cx="3200400" cy="990594"/>
+          </a:xfrm>
+          <a:prstGeom prst="rect">
+            <a:avLst/>
+          </a:prstGeom>
+          <a:noFill/>
+          <a:ln>
+            <a:solidFill>
+              <a:srgbClr val="FF0000"/>
+            </a:solidFill>
+          </a:ln>
+        </p:spPr>
+        <p:style>
+          <a:lnRef idx="2">
+            <a:schemeClr val="accent2">
+              <a:shade val="50000"/>
+            </a:schemeClr>
+          </a:lnRef>
+          <a:fillRef idx="1">
+            <a:schemeClr val="accent2"/>
+          </a:fillRef>
+          <a:effectRef idx="0">
+            <a:schemeClr val="accent2"/>
+          </a:effectRef>
+          <a:fontRef idx="minor">
+            <a:schemeClr val="lt1"/>
+          </a:fontRef>
+        </p:style>
+        <p:txBody>
+          <a:bodyPr rtlCol="0" anchor="ctr"/>
+          <a:lstStyle/>
+          <a:p>
+            <a:pPr algn="ctr"/>
+            <a:endParaRPr lang="ko-KR" altLang="en-US"/>
+          </a:p>
+        </p:txBody>
+      </p:sp>
+      <p:sp>
+        <p:nvSpPr>
+          <p:cNvPr id="9" name="TextBox 8">
+            <a:extLst>
+              <a:ext uri="{FF2B5EF4-FFF2-40B4-BE49-F238E27FC236}">
+                <a16:creationId xmlns:a16="http://schemas.microsoft.com/office/drawing/2014/main" id="{53B1D242-4E1B-C615-20C8-7E6F8D4472A4}"/>
+              </a:ext>
+            </a:extLst>
+          </p:cNvPr>
+          <p:cNvSpPr txBox="1"/>
+          <p:nvPr/>
+        </p:nvSpPr>
+        <p:spPr>
+          <a:xfrm>
+            <a:off x="13030200" y="5941248"/>
+            <a:ext cx="6400800" cy="584775"/>
+          </a:xfrm>
+          <a:prstGeom prst="rect">
+            <a:avLst/>
+          </a:prstGeom>
+          <a:noFill/>
+        </p:spPr>
+        <p:txBody>
+          <a:bodyPr wrap="square" rtlCol="0">
+            <a:spAutoFit/>
+          </a:bodyPr>
+          <a:lstStyle/>
+          <a:p>
+            <a:r>
+              <a:rPr lang="ko-KR" altLang="en-US" sz="3200" dirty="0">
+                <a:solidFill>
+                  <a:srgbClr val="FF0000"/>
+                </a:solidFill>
+                <a:latin typeface="G마켓 산스 Medium" panose="02000000000000000000" pitchFamily="50" charset="-127"/>
+                <a:ea typeface="G마켓 산스 Medium" panose="02000000000000000000" pitchFamily="50" charset="-127"/>
+              </a:rPr>
+              <a:t>상속받은 멤버변수와 메서드</a:t>
+            </a:r>
+            <a:endParaRPr lang="en-US" altLang="ko-KR" sz="3200" dirty="0">
+              <a:solidFill>
+                <a:srgbClr val="FF0000"/>
+              </a:solidFill>
+              <a:latin typeface="G마켓 산스 Medium" panose="02000000000000000000" pitchFamily="50" charset="-127"/>
+              <a:ea typeface="G마켓 산스 Medium" panose="02000000000000000000" pitchFamily="50" charset="-127"/>
+            </a:endParaRPr>
           </a:p>
         </p:txBody>
       </p:sp>
@@ -34793,6 +36166,87 @@
                                   </p:childTnLst>
                                 </p:cTn>
                               </p:par>
+                              <p:par>
+                                <p:cTn id="7" presetID="1" presetClass="entr" presetSubtype="0" fill="hold" nodeType="withEffect">
+                                  <p:stCondLst>
+                                    <p:cond delay="0"/>
+                                  </p:stCondLst>
+                                  <p:childTnLst>
+                                    <p:set>
+                                      <p:cBhvr>
+                                        <p:cTn id="8" dur="1" fill="hold">
+                                          <p:stCondLst>
+                                            <p:cond delay="0"/>
+                                          </p:stCondLst>
+                                        </p:cTn>
+                                        <p:tgtEl>
+                                          <p:spTgt spid="2"/>
+                                        </p:tgtEl>
+                                        <p:attrNameLst>
+                                          <p:attrName>style.visibility</p:attrName>
+                                        </p:attrNameLst>
+                                      </p:cBhvr>
+                                      <p:to>
+                                        <p:strVal val="visible"/>
+                                      </p:to>
+                                    </p:set>
+                                  </p:childTnLst>
+                                </p:cTn>
+                              </p:par>
+                              <p:par>
+                                <p:cTn id="9" presetID="1" presetClass="entr" presetSubtype="0" fill="hold" grpId="0" nodeType="withEffect">
+                                  <p:stCondLst>
+                                    <p:cond delay="0"/>
+                                  </p:stCondLst>
+                                  <p:childTnLst>
+                                    <p:set>
+                                      <p:cBhvr>
+                                        <p:cTn id="10" dur="1" fill="hold">
+                                          <p:stCondLst>
+                                            <p:cond delay="0"/>
+                                          </p:stCondLst>
+                                        </p:cTn>
+                                        <p:tgtEl>
+                                          <p:spTgt spid="9"/>
+                                        </p:tgtEl>
+                                        <p:attrNameLst>
+                                          <p:attrName>style.visibility</p:attrName>
+                                        </p:attrNameLst>
+                                      </p:cBhvr>
+                                      <p:to>
+                                        <p:strVal val="visible"/>
+                                      </p:to>
+                                    </p:set>
+                                  </p:childTnLst>
+                                </p:cTn>
+                              </p:par>
+                              <p:par>
+                                <p:cTn id="11" presetID="1" presetClass="entr" presetSubtype="0" fill="hold" grpId="0" nodeType="withEffect">
+                                  <p:stCondLst>
+                                    <p:cond delay="0"/>
+                                  </p:stCondLst>
+                                  <p:childTnLst>
+                                    <p:set>
+                                      <p:cBhvr>
+                                        <p:cTn id="12" dur="1" fill="hold">
+                                          <p:stCondLst>
+                                            <p:cond delay="0"/>
+                                          </p:stCondLst>
+                                        </p:cTn>
+                                        <p:tgtEl>
+                                          <p:spTgt spid="3"/>
+                                        </p:tgtEl>
+                                        <p:attrNameLst>
+                                          <p:attrName>style.visibility</p:attrName>
+                                        </p:attrNameLst>
+                                      </p:cBhvr>
+                                      <p:to>
+                                        <p:strVal val="visible"/>
+                                      </p:to>
+                                    </p:set>
+                                  </p:childTnLst>
+                                </p:cTn>
+                              </p:par>
                             </p:childTnLst>
                           </p:cTn>
                         </p:par>
@@ -34800,26 +36254,26 @@
                     </p:cTn>
                   </p:par>
                   <p:par>
-                    <p:cTn id="7" fill="hold">
+                    <p:cTn id="13" fill="hold">
                       <p:stCondLst>
                         <p:cond delay="indefinite"/>
                       </p:stCondLst>
                       <p:childTnLst>
                         <p:par>
-                          <p:cTn id="8" fill="hold">
+                          <p:cTn id="14" fill="hold">
                             <p:stCondLst>
                               <p:cond delay="0"/>
                             </p:stCondLst>
                             <p:childTnLst>
                               <p:par>
-                                <p:cTn id="9" presetID="1" presetClass="entr" presetSubtype="0" fill="hold" nodeType="clickEffect">
+                                <p:cTn id="15" presetID="1" presetClass="entr" presetSubtype="0" fill="hold" nodeType="clickEffect">
                                   <p:stCondLst>
                                     <p:cond delay="0"/>
                                   </p:stCondLst>
                                   <p:childTnLst>
                                     <p:set>
                                       <p:cBhvr>
-                                        <p:cTn id="10" dur="1" fill="hold">
+                                        <p:cTn id="16" dur="1" fill="hold">
                                           <p:stCondLst>
                                             <p:cond delay="0"/>
                                           </p:stCondLst>
@@ -34845,26 +36299,26 @@
                     </p:cTn>
                   </p:par>
                   <p:par>
-                    <p:cTn id="11" fill="hold">
+                    <p:cTn id="17" fill="hold">
                       <p:stCondLst>
                         <p:cond delay="indefinite"/>
                       </p:stCondLst>
                       <p:childTnLst>
                         <p:par>
-                          <p:cTn id="12" fill="hold">
+                          <p:cTn id="18" fill="hold">
                             <p:stCondLst>
                               <p:cond delay="0"/>
                             </p:stCondLst>
                             <p:childTnLst>
                               <p:par>
-                                <p:cTn id="13" presetID="1" presetClass="entr" presetSubtype="0" fill="hold" grpId="0" nodeType="clickEffect">
+                                <p:cTn id="19" presetID="1" presetClass="entr" presetSubtype="0" fill="hold" grpId="0" nodeType="clickEffect">
                                   <p:stCondLst>
                                     <p:cond delay="0"/>
                                   </p:stCondLst>
                                   <p:childTnLst>
                                     <p:set>
                                       <p:cBhvr>
-                                        <p:cTn id="14" dur="1" fill="hold">
+                                        <p:cTn id="20" dur="1" fill="hold">
                                           <p:stCondLst>
                                             <p:cond delay="0"/>
                                           </p:stCondLst>
@@ -34912,12 +36366,14 @@
     </p:tnLst>
     <p:bldLst>
       <p:bldP spid="8" grpId="0"/>
+      <p:bldP spid="3" grpId="0" animBg="1"/>
+      <p:bldP spid="9" grpId="0"/>
     </p:bldLst>
   </p:timing>
 </p:sld>
 </file>
 
-<file path=ppt/slides/slide8.xml><?xml version="1.0" encoding="utf-8"?>
+<file path=ppt/slides/slide9.xml><?xml version="1.0" encoding="utf-8"?>
 <p:sld xmlns:a="http://schemas.openxmlformats.org/drawingml/2006/main" xmlns:r="http://schemas.openxmlformats.org/officeDocument/2006/relationships" xmlns:p="http://schemas.openxmlformats.org/presentationml/2006/main">
   <p:cSld>
     <p:spTree>
@@ -36025,460 +37481,6 @@
     </p:tnLst>
     <p:bldLst>
       <p:bldP spid="6" grpId="0"/>
-    </p:bldLst>
-  </p:timing>
-</p:sld>
-</file>
-
-<file path=ppt/slides/slide9.xml><?xml version="1.0" encoding="utf-8"?>
-<p:sld xmlns:a="http://schemas.openxmlformats.org/drawingml/2006/main" xmlns:r="http://schemas.openxmlformats.org/officeDocument/2006/relationships" xmlns:p="http://schemas.openxmlformats.org/presentationml/2006/main">
-  <p:cSld>
-    <p:spTree>
-      <p:nvGrpSpPr>
-        <p:cNvPr id="1" name=""/>
-        <p:cNvGrpSpPr/>
-        <p:nvPr/>
-      </p:nvGrpSpPr>
-      <p:grpSpPr>
-        <a:xfrm>
-          <a:off x="0" y="0"/>
-          <a:ext cx="0" cy="0"/>
-          <a:chOff x="0" y="0"/>
-          <a:chExt cx="0" cy="0"/>
-        </a:xfrm>
-      </p:grpSpPr>
-      <p:pic>
-        <p:nvPicPr>
-          <p:cNvPr id="2" name="그림 1"/>
-          <p:cNvPicPr>
-            <a:picLocks noChangeAspect="1"/>
-          </p:cNvPicPr>
-          <p:nvPr/>
-        </p:nvPicPr>
-        <p:blipFill>
-          <a:blip r:embed="rId2"/>
-          <a:stretch>
-            <a:fillRect/>
-          </a:stretch>
-        </p:blipFill>
-        <p:spPr>
-          <a:xfrm>
-            <a:off x="405618" y="6629400"/>
-            <a:ext cx="5391940" cy="2819400"/>
-          </a:xfrm>
-          <a:prstGeom prst="rect">
-            <a:avLst/>
-          </a:prstGeom>
-        </p:spPr>
-      </p:pic>
-      <p:pic>
-        <p:nvPicPr>
-          <p:cNvPr id="3" name="그림 2"/>
-          <p:cNvPicPr>
-            <a:picLocks noChangeAspect="1"/>
-          </p:cNvPicPr>
-          <p:nvPr/>
-        </p:nvPicPr>
-        <p:blipFill>
-          <a:blip r:embed="rId3"/>
-          <a:stretch>
-            <a:fillRect/>
-          </a:stretch>
-        </p:blipFill>
-        <p:spPr>
-          <a:xfrm>
-            <a:off x="381000" y="38100"/>
-            <a:ext cx="7652109" cy="6219825"/>
-          </a:xfrm>
-          <a:prstGeom prst="rect">
-            <a:avLst/>
-          </a:prstGeom>
-        </p:spPr>
-      </p:pic>
-      <p:pic>
-        <p:nvPicPr>
-          <p:cNvPr id="8" name="그림 7"/>
-          <p:cNvPicPr>
-            <a:picLocks noChangeAspect="1"/>
-          </p:cNvPicPr>
-          <p:nvPr/>
-        </p:nvPicPr>
-        <p:blipFill>
-          <a:blip r:embed="rId4"/>
-          <a:stretch>
-            <a:fillRect/>
-          </a:stretch>
-        </p:blipFill>
-        <p:spPr>
-          <a:xfrm>
-            <a:off x="9220200" y="571500"/>
-            <a:ext cx="6246254" cy="1143000"/>
-          </a:xfrm>
-          <a:prstGeom prst="rect">
-            <a:avLst/>
-          </a:prstGeom>
-        </p:spPr>
-      </p:pic>
-      <p:sp>
-        <p:nvSpPr>
-          <p:cNvPr id="9" name="직사각형 8">
-            <a:extLst>
-              <a:ext uri="{FF2B5EF4-FFF2-40B4-BE49-F238E27FC236}">
-                <a16:creationId xmlns:a16="http://schemas.microsoft.com/office/drawing/2014/main" id="{FFF506F9-840A-0508-4CAF-3AC711D8D5CE}"/>
-              </a:ext>
-            </a:extLst>
-          </p:cNvPr>
-          <p:cNvSpPr/>
-          <p:nvPr/>
-        </p:nvSpPr>
-        <p:spPr>
-          <a:xfrm>
-            <a:off x="9238956" y="1257300"/>
-            <a:ext cx="3867443" cy="381000"/>
-          </a:xfrm>
-          <a:prstGeom prst="rect">
-            <a:avLst/>
-          </a:prstGeom>
-          <a:noFill/>
-          <a:ln>
-            <a:solidFill>
-              <a:srgbClr val="FF0000"/>
-            </a:solidFill>
-          </a:ln>
-        </p:spPr>
-        <p:style>
-          <a:lnRef idx="2">
-            <a:schemeClr val="accent2">
-              <a:shade val="50000"/>
-            </a:schemeClr>
-          </a:lnRef>
-          <a:fillRef idx="1">
-            <a:schemeClr val="accent2"/>
-          </a:fillRef>
-          <a:effectRef idx="0">
-            <a:schemeClr val="accent2"/>
-          </a:effectRef>
-          <a:fontRef idx="minor">
-            <a:schemeClr val="lt1"/>
-          </a:fontRef>
-        </p:style>
-        <p:txBody>
-          <a:bodyPr rtlCol="0" anchor="ctr"/>
-          <a:lstStyle/>
-          <a:p>
-            <a:pPr algn="ctr"/>
-            <a:endParaRPr lang="ko-KR" altLang="en-US"/>
-          </a:p>
-        </p:txBody>
-      </p:sp>
-      <p:cxnSp>
-        <p:nvCxnSpPr>
-          <p:cNvPr id="10" name="직선 화살표 연결선 9">
-            <a:extLst>
-              <a:ext uri="{FF2B5EF4-FFF2-40B4-BE49-F238E27FC236}">
-                <a16:creationId xmlns:a16="http://schemas.microsoft.com/office/drawing/2014/main" id="{299DF5EC-9DF4-5255-06AC-0A7CE4FF58C3}"/>
-              </a:ext>
-            </a:extLst>
-          </p:cNvPr>
-          <p:cNvCxnSpPr>
-            <a:cxnSpLocks/>
-          </p:cNvCxnSpPr>
-          <p:nvPr/>
-        </p:nvCxnSpPr>
-        <p:spPr>
-          <a:xfrm>
-            <a:off x="10820400" y="1638300"/>
-            <a:ext cx="76200" cy="1600200"/>
-          </a:xfrm>
-          <a:prstGeom prst="straightConnector1">
-            <a:avLst/>
-          </a:prstGeom>
-          <a:ln w="38100">
-            <a:tailEnd type="triangle"/>
-          </a:ln>
-        </p:spPr>
-        <p:style>
-          <a:lnRef idx="1">
-            <a:schemeClr val="accent2"/>
-          </a:lnRef>
-          <a:fillRef idx="0">
-            <a:schemeClr val="accent2"/>
-          </a:fillRef>
-          <a:effectRef idx="0">
-            <a:schemeClr val="accent2"/>
-          </a:effectRef>
-          <a:fontRef idx="minor">
-            <a:schemeClr val="tx1"/>
-          </a:fontRef>
-        </p:style>
-      </p:cxnSp>
-      <p:sp>
-        <p:nvSpPr>
-          <p:cNvPr id="12" name="TextBox 11">
-            <a:extLst>
-              <a:ext uri="{FF2B5EF4-FFF2-40B4-BE49-F238E27FC236}">
-                <a16:creationId xmlns:a16="http://schemas.microsoft.com/office/drawing/2014/main" id="{C6D113C6-EA5C-788F-0C77-E7CE6EBB865F}"/>
-              </a:ext>
-            </a:extLst>
-          </p:cNvPr>
-          <p:cNvSpPr txBox="1"/>
-          <p:nvPr/>
-        </p:nvSpPr>
-        <p:spPr>
-          <a:xfrm>
-            <a:off x="9142927" y="3619500"/>
-            <a:ext cx="6400800" cy="1323439"/>
-          </a:xfrm>
-          <a:prstGeom prst="rect">
-            <a:avLst/>
-          </a:prstGeom>
-          <a:noFill/>
-        </p:spPr>
-        <p:txBody>
-          <a:bodyPr wrap="square" rtlCol="0">
-            <a:spAutoFit/>
-          </a:bodyPr>
-          <a:lstStyle/>
-          <a:p>
-            <a:r>
-              <a:rPr lang="ko-KR" altLang="en-US" sz="4000">
-                <a:solidFill>
-                  <a:srgbClr val="FF0000"/>
-                </a:solidFill>
-                <a:latin typeface="G마켓 산스 Medium" panose="02000000000000000000" pitchFamily="50" charset="-127"/>
-                <a:ea typeface="G마켓 산스 Medium" panose="02000000000000000000" pitchFamily="50" charset="-127"/>
-              </a:rPr>
-              <a:t>자식에서 생성된 멤버들은 부모에 영향을 주지 않는다</a:t>
-            </a:r>
-            <a:r>
-              <a:rPr lang="en-US" altLang="ko-KR" sz="4000">
-                <a:solidFill>
-                  <a:srgbClr val="FF0000"/>
-                </a:solidFill>
-                <a:latin typeface="G마켓 산스 Medium" panose="02000000000000000000" pitchFamily="50" charset="-127"/>
-                <a:ea typeface="G마켓 산스 Medium" panose="02000000000000000000" pitchFamily="50" charset="-127"/>
-              </a:rPr>
-              <a:t>.</a:t>
-            </a:r>
-            <a:endParaRPr lang="en-US" altLang="ko-KR" sz="4000" dirty="0">
-              <a:solidFill>
-                <a:srgbClr val="FF0000"/>
-              </a:solidFill>
-              <a:latin typeface="G마켓 산스 Medium" panose="02000000000000000000" pitchFamily="50" charset="-127"/>
-              <a:ea typeface="G마켓 산스 Medium" panose="02000000000000000000" pitchFamily="50" charset="-127"/>
-            </a:endParaRPr>
-          </a:p>
-        </p:txBody>
-      </p:sp>
-      <p:sp>
-        <p:nvSpPr>
-          <p:cNvPr id="13" name="곱셈 기호 12"/>
-          <p:cNvSpPr/>
-          <p:nvPr/>
-        </p:nvSpPr>
-        <p:spPr>
-          <a:xfrm>
-            <a:off x="10591800" y="630615"/>
-            <a:ext cx="2057400" cy="1698846"/>
-          </a:xfrm>
-          <a:prstGeom prst="mathMultiply">
-            <a:avLst>
-              <a:gd name="adj1" fmla="val 10595"/>
-            </a:avLst>
-          </a:prstGeom>
-          <a:solidFill>
-            <a:srgbClr val="FF0000"/>
-          </a:solidFill>
-          <a:ln>
-            <a:solidFill>
-              <a:srgbClr val="FF0000"/>
-            </a:solidFill>
-          </a:ln>
-        </p:spPr>
-        <p:style>
-          <a:lnRef idx="2">
-            <a:schemeClr val="accent1">
-              <a:shade val="50000"/>
-            </a:schemeClr>
-          </a:lnRef>
-          <a:fillRef idx="1">
-            <a:schemeClr val="accent1"/>
-          </a:fillRef>
-          <a:effectRef idx="0">
-            <a:schemeClr val="accent1"/>
-          </a:effectRef>
-          <a:fontRef idx="minor">
-            <a:schemeClr val="lt1"/>
-          </a:fontRef>
-        </p:style>
-        <p:txBody>
-          <a:bodyPr rtlCol="0" anchor="ctr"/>
-          <a:lstStyle/>
-          <a:p>
-            <a:pPr algn="ctr"/>
-            <a:endParaRPr lang="ko-KR" altLang="en-US"/>
-          </a:p>
-        </p:txBody>
-      </p:sp>
-    </p:spTree>
-    <p:extLst>
-      <p:ext uri="{BB962C8B-B14F-4D97-AF65-F5344CB8AC3E}">
-        <p14:creationId xmlns:p14="http://schemas.microsoft.com/office/powerpoint/2010/main" val="4175308960"/>
-      </p:ext>
-    </p:extLst>
-  </p:cSld>
-  <p:clrMapOvr>
-    <a:masterClrMapping/>
-  </p:clrMapOvr>
-  <p:timing>
-    <p:tnLst>
-      <p:par>
-        <p:cTn id="1" dur="indefinite" restart="never" nodeType="tmRoot">
-          <p:childTnLst>
-            <p:seq concurrent="1" nextAc="seek">
-              <p:cTn id="2" dur="indefinite" nodeType="mainSeq">
-                <p:childTnLst>
-                  <p:par>
-                    <p:cTn id="3" fill="hold">
-                      <p:stCondLst>
-                        <p:cond delay="indefinite"/>
-                      </p:stCondLst>
-                      <p:childTnLst>
-                        <p:par>
-                          <p:cTn id="4" fill="hold">
-                            <p:stCondLst>
-                              <p:cond delay="0"/>
-                            </p:stCondLst>
-                            <p:childTnLst>
-                              <p:par>
-                                <p:cTn id="5" presetID="1" presetClass="entr" presetSubtype="0" fill="hold" grpId="0" nodeType="clickEffect">
-                                  <p:stCondLst>
-                                    <p:cond delay="0"/>
-                                  </p:stCondLst>
-                                  <p:childTnLst>
-                                    <p:set>
-                                      <p:cBhvr>
-                                        <p:cTn id="6" dur="1" fill="hold">
-                                          <p:stCondLst>
-                                            <p:cond delay="0"/>
-                                          </p:stCondLst>
-                                        </p:cTn>
-                                        <p:tgtEl>
-                                          <p:spTgt spid="13"/>
-                                        </p:tgtEl>
-                                        <p:attrNameLst>
-                                          <p:attrName>style.visibility</p:attrName>
-                                        </p:attrNameLst>
-                                      </p:cBhvr>
-                                      <p:to>
-                                        <p:strVal val="visible"/>
-                                      </p:to>
-                                    </p:set>
-                                  </p:childTnLst>
-                                </p:cTn>
-                              </p:par>
-                            </p:childTnLst>
-                          </p:cTn>
-                        </p:par>
-                      </p:childTnLst>
-                    </p:cTn>
-                  </p:par>
-                  <p:par>
-                    <p:cTn id="7" fill="hold">
-                      <p:stCondLst>
-                        <p:cond delay="indefinite"/>
-                      </p:stCondLst>
-                      <p:childTnLst>
-                        <p:par>
-                          <p:cTn id="8" fill="hold">
-                            <p:stCondLst>
-                              <p:cond delay="0"/>
-                            </p:stCondLst>
-                            <p:childTnLst>
-                              <p:par>
-                                <p:cTn id="9" presetID="1" presetClass="entr" presetSubtype="0" fill="hold" nodeType="clickEffect">
-                                  <p:stCondLst>
-                                    <p:cond delay="0"/>
-                                  </p:stCondLst>
-                                  <p:childTnLst>
-                                    <p:set>
-                                      <p:cBhvr>
-                                        <p:cTn id="10" dur="1" fill="hold">
-                                          <p:stCondLst>
-                                            <p:cond delay="0"/>
-                                          </p:stCondLst>
-                                        </p:cTn>
-                                        <p:tgtEl>
-                                          <p:spTgt spid="10"/>
-                                        </p:tgtEl>
-                                        <p:attrNameLst>
-                                          <p:attrName>style.visibility</p:attrName>
-                                        </p:attrNameLst>
-                                      </p:cBhvr>
-                                      <p:to>
-                                        <p:strVal val="visible"/>
-                                      </p:to>
-                                    </p:set>
-                                  </p:childTnLst>
-                                </p:cTn>
-                              </p:par>
-                              <p:par>
-                                <p:cTn id="11" presetID="1" presetClass="entr" presetSubtype="0" fill="hold" grpId="0" nodeType="withEffect">
-                                  <p:stCondLst>
-                                    <p:cond delay="0"/>
-                                  </p:stCondLst>
-                                  <p:childTnLst>
-                                    <p:set>
-                                      <p:cBhvr>
-                                        <p:cTn id="12" dur="1" fill="hold">
-                                          <p:stCondLst>
-                                            <p:cond delay="0"/>
-                                          </p:stCondLst>
-                                        </p:cTn>
-                                        <p:tgtEl>
-                                          <p:spTgt spid="12"/>
-                                        </p:tgtEl>
-                                        <p:attrNameLst>
-                                          <p:attrName>style.visibility</p:attrName>
-                                        </p:attrNameLst>
-                                      </p:cBhvr>
-                                      <p:to>
-                                        <p:strVal val="visible"/>
-                                      </p:to>
-                                    </p:set>
-                                  </p:childTnLst>
-                                </p:cTn>
-                              </p:par>
-                            </p:childTnLst>
-                          </p:cTn>
-                        </p:par>
-                      </p:childTnLst>
-                    </p:cTn>
-                  </p:par>
-                </p:childTnLst>
-              </p:cTn>
-              <p:prevCondLst>
-                <p:cond evt="onPrev" delay="0">
-                  <p:tgtEl>
-                    <p:sldTgt/>
-                  </p:tgtEl>
-                </p:cond>
-              </p:prevCondLst>
-              <p:nextCondLst>
-                <p:cond evt="onNext" delay="0">
-                  <p:tgtEl>
-                    <p:sldTgt/>
-                  </p:tgtEl>
-                </p:cond>
-              </p:nextCondLst>
-            </p:seq>
-          </p:childTnLst>
-        </p:cTn>
-      </p:par>
-    </p:tnLst>
-    <p:bldLst>
-      <p:bldP spid="12" grpId="0"/>
-      <p:bldP spid="13" grpId="0" animBg="1"/>
     </p:bldLst>
   </p:timing>
 </p:sld>

--- a/JavaLecture/LectureFile/java 9강 상속과super.pptx
+++ b/JavaLecture/LectureFile/java 9강 상속과super.pptx
@@ -279,7 +279,7 @@
           <a:p>
             <a:fld id="{D79F2C30-10E1-4C46-91DC-BBDB9629E720}" type="datetimeFigureOut">
               <a:rPr lang="ko-KR" altLang="en-US" smtClean="0"/>
-              <a:t>2023-10-28 Saturday</a:t>
+              <a:t>2024-03-31 Sunday</a:t>
             </a:fld>
             <a:endParaRPr lang="ko-KR" altLang="en-US"/>
           </a:p>
@@ -991,7 +991,7 @@
           <a:p>
             <a:fld id="{F8166F1F-CE9B-4651-A6AA-CD717754106B}" type="datetimeFigureOut">
               <a:rPr lang="en-US" smtClean="0"/>
-              <a:t>10/28/2023</a:t>
+              <a:t>3/31/2024</a:t>
             </a:fld>
             <a:endParaRPr lang="en-US"/>
           </a:p>
@@ -1194,7 +1194,7 @@
           <a:p>
             <a:fld id="{A76116CE-C4A3-4A05-B2D7-7C2E9A889C0F}" type="datetimeFigureOut">
               <a:rPr lang="en-US" smtClean="0"/>
-              <a:t>10/28/2023</a:t>
+              <a:t>3/31/2024</a:t>
             </a:fld>
             <a:endParaRPr lang="en-US"/>
           </a:p>
@@ -1397,7 +1397,7 @@
           <a:p>
             <a:fld id="{A76116CE-C4A3-4A05-B2D7-7C2E9A889C0F}" type="datetimeFigureOut">
               <a:rPr lang="en-US" smtClean="0"/>
-              <a:t>10/28/2023</a:t>
+              <a:t>3/31/2024</a:t>
             </a:fld>
             <a:endParaRPr lang="en-US"/>
           </a:p>
@@ -1602,7 +1602,7 @@
           <a:p>
             <a:fld id="{A76116CE-C4A3-4A05-B2D7-7C2E9A889C0F}" type="datetimeFigureOut">
               <a:rPr lang="en-US" smtClean="0"/>
-              <a:t>10/28/2023</a:t>
+              <a:t>3/31/2024</a:t>
             </a:fld>
             <a:endParaRPr lang="en-US"/>
           </a:p>
@@ -1872,7 +1872,7 @@
           <a:p>
             <a:fld id="{A76116CE-C4A3-4A05-B2D7-7C2E9A889C0F}" type="datetimeFigureOut">
               <a:rPr lang="en-US" smtClean="0"/>
-              <a:t>10/28/2023</a:t>
+              <a:t>3/31/2024</a:t>
             </a:fld>
             <a:endParaRPr lang="en-US"/>
           </a:p>
@@ -2190,7 +2190,7 @@
           <a:p>
             <a:fld id="{A76116CE-C4A3-4A05-B2D7-7C2E9A889C0F}" type="datetimeFigureOut">
               <a:rPr lang="en-US" smtClean="0"/>
-              <a:t>10/28/2023</a:t>
+              <a:t>3/31/2024</a:t>
             </a:fld>
             <a:endParaRPr lang="en-US"/>
           </a:p>
@@ -2648,7 +2648,7 @@
           <a:p>
             <a:fld id="{A76116CE-C4A3-4A05-B2D7-7C2E9A889C0F}" type="datetimeFigureOut">
               <a:rPr lang="en-US" smtClean="0"/>
-              <a:t>10/28/2023</a:t>
+              <a:t>3/31/2024</a:t>
             </a:fld>
             <a:endParaRPr lang="en-US"/>
           </a:p>
@@ -2792,7 +2792,7 @@
           <a:p>
             <a:fld id="{A76116CE-C4A3-4A05-B2D7-7C2E9A889C0F}" type="datetimeFigureOut">
               <a:rPr lang="en-US" smtClean="0"/>
-              <a:t>10/28/2023</a:t>
+              <a:t>3/31/2024</a:t>
             </a:fld>
             <a:endParaRPr lang="en-US"/>
           </a:p>
@@ -2906,7 +2906,7 @@
           <a:p>
             <a:fld id="{A76116CE-C4A3-4A05-B2D7-7C2E9A889C0F}" type="datetimeFigureOut">
               <a:rPr lang="en-US" smtClean="0"/>
-              <a:t>10/28/2023</a:t>
+              <a:t>3/31/2024</a:t>
             </a:fld>
             <a:endParaRPr lang="en-US"/>
           </a:p>
@@ -3209,7 +3209,7 @@
           <a:p>
             <a:fld id="{A76116CE-C4A3-4A05-B2D7-7C2E9A889C0F}" type="datetimeFigureOut">
               <a:rPr lang="en-US" smtClean="0"/>
-              <a:t>10/28/2023</a:t>
+              <a:t>3/31/2024</a:t>
             </a:fld>
             <a:endParaRPr lang="en-US"/>
           </a:p>
@@ -3489,7 +3489,7 @@
           <a:p>
             <a:fld id="{A76116CE-C4A3-4A05-B2D7-7C2E9A889C0F}" type="datetimeFigureOut">
               <a:rPr lang="en-US" smtClean="0"/>
-              <a:t>10/28/2023</a:t>
+              <a:t>3/31/2024</a:t>
             </a:fld>
             <a:endParaRPr lang="en-US"/>
           </a:p>
@@ -41427,6 +41427,16 @@
           </a:p>
           <a:p>
             <a:r>
+              <a:rPr lang="ko-KR" altLang="en-US" sz="4000" dirty="0" err="1">
+                <a:solidFill>
+                  <a:srgbClr val="FF0000"/>
+                </a:solidFill>
+                <a:latin typeface="G마켓 산스 Medium" panose="02000000000000000000" pitchFamily="50" charset="-127"/>
+                <a:ea typeface="G마켓 산스 Medium" panose="02000000000000000000" pitchFamily="50" charset="-127"/>
+              </a:rPr>
+              <a:t>오버라이딩은</a:t>
+            </a:r>
+            <a:r>
               <a:rPr lang="ko-KR" altLang="en-US" sz="4000" dirty="0">
                 <a:solidFill>
                   <a:srgbClr val="FF0000"/>
@@ -41434,27 +41444,7 @@
                 <a:latin typeface="G마켓 산스 Medium" panose="02000000000000000000" pitchFamily="50" charset="-127"/>
                 <a:ea typeface="G마켓 산스 Medium" panose="02000000000000000000" pitchFamily="50" charset="-127"/>
               </a:rPr>
-              <a:t>반환타입 외에 모두 </a:t>
-            </a:r>
-            <a:r>
-              <a:rPr lang="ko-KR" altLang="en-US" sz="4000" dirty="0" err="1">
-                <a:solidFill>
-                  <a:srgbClr val="FF0000"/>
-                </a:solidFill>
-                <a:latin typeface="G마켓 산스 Medium" panose="02000000000000000000" pitchFamily="50" charset="-127"/>
-                <a:ea typeface="G마켓 산스 Medium" panose="02000000000000000000" pitchFamily="50" charset="-127"/>
-              </a:rPr>
-              <a:t>일치하는것은</a:t>
-            </a:r>
-            <a:r>
-              <a:rPr lang="ko-KR" altLang="en-US" sz="4000" dirty="0">
-                <a:solidFill>
-                  <a:srgbClr val="FF0000"/>
-                </a:solidFill>
-                <a:latin typeface="G마켓 산스 Medium" panose="02000000000000000000" pitchFamily="50" charset="-127"/>
-                <a:ea typeface="G마켓 산스 Medium" panose="02000000000000000000" pitchFamily="50" charset="-127"/>
-              </a:rPr>
-              <a:t> 오버로딩의 조건이다</a:t>
+              <a:t> 반환타입까지 모두 일치해야 한다</a:t>
             </a:r>
             <a:r>
               <a:rPr lang="en-US" altLang="ko-KR" sz="4000" dirty="0">
@@ -41469,24 +41459,14 @@
           </a:p>
           <a:p>
             <a:r>
-              <a:rPr lang="ko-KR" altLang="en-US" sz="4000" dirty="0" err="1">
+              <a:rPr lang="ko-KR" altLang="en-US" sz="4000" dirty="0">
                 <a:solidFill>
                   <a:srgbClr val="FF0000"/>
                 </a:solidFill>
                 <a:latin typeface="G마켓 산스 Medium" panose="02000000000000000000" pitchFamily="50" charset="-127"/>
                 <a:ea typeface="G마켓 산스 Medium" panose="02000000000000000000" pitchFamily="50" charset="-127"/>
               </a:rPr>
-              <a:t>오버라이딩은</a:t>
-            </a:r>
-            <a:r>
-              <a:rPr lang="ko-KR" altLang="en-US" sz="4000" dirty="0">
-                <a:solidFill>
-                  <a:srgbClr val="FF0000"/>
-                </a:solidFill>
-                <a:latin typeface="G마켓 산스 Medium" panose="02000000000000000000" pitchFamily="50" charset="-127"/>
-                <a:ea typeface="G마켓 산스 Medium" panose="02000000000000000000" pitchFamily="50" charset="-127"/>
-              </a:rPr>
-              <a:t> 반환타입까지 모두 일치해야 한다</a:t>
+              <a:t>오버로딩은 메서드의 이름만 같고 매개변수는 달라야 한다</a:t>
             </a:r>
             <a:r>
               <a:rPr lang="en-US" altLang="ko-KR" sz="4000" dirty="0">
@@ -41619,7 +41599,7 @@
         </p:nvSpPr>
         <p:spPr>
           <a:xfrm>
-            <a:off x="838199" y="5118708"/>
+            <a:off x="830942" y="5143500"/>
             <a:ext cx="15240000" cy="2427429"/>
           </a:xfrm>
           <a:prstGeom prst="rect">
@@ -42698,7 +42678,7 @@
                 <a:latin typeface="G마켓 산스 Medium" panose="02000000000000000000" pitchFamily="50" charset="-127"/>
                 <a:ea typeface="G마켓 산스 Medium" panose="02000000000000000000" pitchFamily="50" charset="-127"/>
               </a:rPr>
-              <a:t>삼각형 </a:t>
+              <a:t>원 </a:t>
             </a:r>
             <a:r>
               <a:rPr lang="en-US" altLang="ko-KR" sz="2800" dirty="0">
